--- a/doc/Storyboard.pptx
+++ b/doc/Storyboard.pptx
@@ -2,13 +2,13 @@
 <file path=ppt/presentation.xml><?xml version="1.0" encoding="utf-8"?>
 <p:presentation xmlns:a="http://schemas.openxmlformats.org/drawingml/2006/main" xmlns:r="http://schemas.openxmlformats.org/officeDocument/2006/relationships" xmlns:p="http://schemas.openxmlformats.org/presentationml/2006/main" saveSubsetFonts="1">
   <p:sldMasterIdLst>
-    <p:sldMasterId id="2147483648" r:id="rId54"/>
+    <p:sldMasterId id="2147483648" r:id="rId61"/>
   </p:sldMasterIdLst>
   <p:sldIdLst>
-    <p:sldId id="257" r:id="rId55"/>
-    <p:sldId id="256" r:id="rId56"/>
-    <p:sldId id="259" r:id="rId57"/>
-    <p:sldId id="258" r:id="rId58"/>
+    <p:sldId id="257" r:id="rId62"/>
+    <p:sldId id="256" r:id="rId63"/>
+    <p:sldId id="259" r:id="rId64"/>
+    <p:sldId id="258" r:id="rId65"/>
   </p:sldIdLst>
   <p:sldSz cx="12192000" cy="6858000"/>
   <p:notesSz cx="6858000" cy="9144000"/>
@@ -107,6 +107,11 @@
       </a:defRPr>
     </a:lvl9pPr>
   </p:defaultTextStyle>
+  <p:extLst>
+    <p:ext uri="{EFAFB233-063F-42B5-8137-9DF3F51BA10A}">
+      <p15:sldGuideLst xmlns:p15="http://schemas.microsoft.com/office/powerpoint/2012/main"/>
+    </p:ext>
+  </p:extLst>
 </p:presentation>
 </file>
 
@@ -3860,7 +3865,7 @@
             <p:nvPr/>
           </p:nvPicPr>
           <p:blipFill>
-            <a:blip r:embed="rId25">
+            <a:blip r:embed="rId26">
               <a:lum bright="70000" contrast="-70000"/>
               <a:extLst>
                 <a:ext uri="{28A0092B-C50C-407E-A947-70E740481C1C}">
@@ -3959,10 +3964,6 @@
               </a:rPr>
               <a:t>2</a:t>
             </a:r>
-            <a:endParaRPr lang="es-ES" sz="2800" dirty="0">
-              <a:latin typeface="SF Text" panose="00000500000000000000" pitchFamily="50" charset="0"/>
-              <a:ea typeface="SF Text" panose="00000500000000000000" pitchFamily="50" charset="0"/>
-            </a:endParaRPr>
           </a:p>
         </p:txBody>
       </p:sp>
@@ -4270,7 +4271,7 @@
             <p:cNvSpPr/>
             <p:nvPr>
               <p:custDataLst>
-                <p:custData r:id="rId23"/>
+                <p:custData r:id="rId24"/>
               </p:custDataLst>
             </p:nvPr>
           </p:nvSpPr>
@@ -4366,7 +4367,6 @@
                 <a:rPr lang="en-US" sz="1200" dirty="0"/>
                 <a:t>2</a:t>
               </a:r>
-              <a:endParaRPr lang="en-US" sz="1200" dirty="0"/>
             </a:p>
           </p:txBody>
         </p:sp>
@@ -4395,7 +4395,7 @@
             <p:cNvSpPr/>
             <p:nvPr>
               <p:custDataLst>
-                <p:custData r:id="rId22"/>
+                <p:custData r:id="rId23"/>
               </p:custDataLst>
             </p:nvPr>
           </p:nvSpPr>
@@ -4520,7 +4520,7 @@
             <p:cNvSpPr/>
             <p:nvPr>
               <p:custDataLst>
-                <p:custData r:id="rId21"/>
+                <p:custData r:id="rId22"/>
               </p:custDataLst>
             </p:nvPr>
           </p:nvSpPr>
@@ -4634,7 +4634,7 @@
           </p:nvPr>
         </p:nvPicPr>
         <p:blipFill rotWithShape="1">
-          <a:blip r:embed="rId26">
+          <a:blip r:embed="rId27">
             <a:extLst>
               <a:ext uri="{28A0092B-C50C-407E-A947-70E740481C1C}">
                 <a14:useLocalDpi xmlns:a14="http://schemas.microsoft.com/office/drawing/2010/main" val="0"/>
@@ -4710,14 +4710,7 @@
                 <a:latin typeface="SF Display" panose="00000500000000000000" pitchFamily="50" charset="0"/>
                 <a:ea typeface="SF Display" panose="00000500000000000000" pitchFamily="50" charset="0"/>
               </a:rPr>
-              <a:t> </a:t>
-            </a:r>
-            <a:r>
-              <a:rPr lang="en-US" dirty="0" smtClean="0">
-                <a:latin typeface="SF Display" panose="00000500000000000000" pitchFamily="50" charset="0"/>
-                <a:ea typeface="SF Display" panose="00000500000000000000" pitchFamily="50" charset="0"/>
-              </a:rPr>
-              <a:t>#1</a:t>
+              <a:t> #1</a:t>
             </a:r>
             <a:endParaRPr lang="en-US" dirty="0">
               <a:latin typeface="SF Display" panose="00000500000000000000" pitchFamily="50" charset="0"/>
@@ -5170,31 +5163,38 @@
             <a:pPr algn="ctr"/>
             <a:r>
               <a:rPr lang="en-US" sz="1200" dirty="0" smtClean="0">
-                <a:solidFill>
-                  <a:srgbClr val="000000"/>
-                </a:solidFill>
                 <a:latin typeface="SF Display" panose="00000500000000000000" pitchFamily="50" charset="0"/>
                 <a:ea typeface="SF Display" panose="00000500000000000000" pitchFamily="50" charset="0"/>
                 <a:cs typeface="Segoe UI Semibold" pitchFamily="34" charset="0"/>
               </a:rPr>
-              <a:t>Un </a:t>
+              <a:t>El </a:t>
             </a:r>
             <a:r>
               <a:rPr lang="en-US" sz="1200" dirty="0" err="1" smtClean="0">
-                <a:solidFill>
-                  <a:srgbClr val="000000"/>
-                </a:solidFill>
                 <a:latin typeface="SF Display" panose="00000500000000000000" pitchFamily="50" charset="0"/>
                 <a:ea typeface="SF Display" panose="00000500000000000000" pitchFamily="50" charset="0"/>
                 <a:cs typeface="Segoe UI Semibold" pitchFamily="34" charset="0"/>
               </a:rPr>
-              <a:t>coche</a:t>
+              <a:t>motivo</a:t>
             </a:r>
             <a:r>
               <a:rPr lang="en-US" sz="1200" dirty="0" smtClean="0">
-                <a:solidFill>
-                  <a:srgbClr val="000000"/>
-                </a:solidFill>
+                <a:latin typeface="SF Display" panose="00000500000000000000" pitchFamily="50" charset="0"/>
+                <a:ea typeface="SF Display" panose="00000500000000000000" pitchFamily="50" charset="0"/>
+                <a:cs typeface="Segoe UI Semibold" pitchFamily="34" charset="0"/>
+              </a:rPr>
+              <a:t> de </a:t>
+            </a:r>
+            <a:r>
+              <a:rPr lang="en-US" sz="1200" dirty="0" err="1" smtClean="0">
+                <a:latin typeface="SF Display" panose="00000500000000000000" pitchFamily="50" charset="0"/>
+                <a:ea typeface="SF Display" panose="00000500000000000000" pitchFamily="50" charset="0"/>
+                <a:cs typeface="Segoe UI Semibold" pitchFamily="34" charset="0"/>
+              </a:rPr>
+              <a:t>nuestro</a:t>
+            </a:r>
+            <a:r>
+              <a:rPr lang="en-US" sz="1200" dirty="0" smtClean="0">
                 <a:latin typeface="SF Display" panose="00000500000000000000" pitchFamily="50" charset="0"/>
                 <a:ea typeface="SF Display" panose="00000500000000000000" pitchFamily="50" charset="0"/>
                 <a:cs typeface="Segoe UI Semibold" pitchFamily="34" charset="0"/>
@@ -5203,14 +5203,11 @@
             </a:r>
             <a:r>
               <a:rPr lang="en-US" sz="1200" dirty="0" err="1" smtClean="0">
-                <a:solidFill>
-                  <a:srgbClr val="000000"/>
-                </a:solidFill>
                 <a:latin typeface="SF Display" panose="00000500000000000000" pitchFamily="50" charset="0"/>
                 <a:ea typeface="SF Display" panose="00000500000000000000" pitchFamily="50" charset="0"/>
                 <a:cs typeface="Segoe UI Semibold" pitchFamily="34" charset="0"/>
               </a:rPr>
-              <a:t>ecológico</a:t>
+              <a:t>sufrimiento</a:t>
             </a:r>
             <a:endParaRPr lang="en-US" sz="1200" dirty="0">
               <a:solidFill>
@@ -5285,7 +5282,7 @@
           <p:nvPr/>
         </p:nvPicPr>
         <p:blipFill>
-          <a:blip r:embed="rId25">
+          <a:blip r:embed="rId26">
             <a:lum bright="70000" contrast="-70000"/>
             <a:extLst>
               <a:ext uri="{28A0092B-C50C-407E-A947-70E740481C1C}">
@@ -5392,7 +5389,7 @@
           <p:nvPr/>
         </p:nvPicPr>
         <p:blipFill>
-          <a:blip r:embed="rId27" cstate="print">
+          <a:blip r:embed="rId28" cstate="print">
             <a:extLst>
               <a:ext uri="{28A0092B-C50C-407E-A947-70E740481C1C}">
                 <a14:useLocalDpi xmlns:a14="http://schemas.microsoft.com/office/drawing/2010/main" val="0"/>
@@ -5406,8 +5403,8 @@
         </p:blipFill>
         <p:spPr bwMode="auto">
           <a:xfrm>
-            <a:off x="7821228" y="1851018"/>
-            <a:ext cx="1791050" cy="934380"/>
+            <a:off x="8013290" y="1908486"/>
+            <a:ext cx="1511458" cy="788519"/>
           </a:xfrm>
           <a:prstGeom prst="rect">
             <a:avLst/>
@@ -5448,7 +5445,7 @@
             <p:cNvSpPr/>
             <p:nvPr>
               <p:custDataLst>
-                <p:custData r:id="rId20"/>
+                <p:custData r:id="rId21"/>
               </p:custDataLst>
             </p:nvPr>
           </p:nvSpPr>
@@ -5544,7 +5541,6 @@
                 <a:rPr lang="en-US" sz="1200" dirty="0"/>
                 <a:t>2</a:t>
               </a:r>
-              <a:endParaRPr lang="en-US" sz="1200" dirty="0"/>
             </a:p>
           </p:txBody>
         </p:sp>
@@ -5573,7 +5569,7 @@
             <p:cNvSpPr/>
             <p:nvPr>
               <p:custDataLst>
-                <p:custData r:id="rId19"/>
+                <p:custData r:id="rId20"/>
               </p:custDataLst>
             </p:nvPr>
           </p:nvSpPr>
@@ -5669,7 +5665,6 @@
                 <a:rPr lang="en-US" sz="1200" dirty="0"/>
                 <a:t>3</a:t>
               </a:r>
-              <a:endParaRPr lang="en-US" sz="1200" dirty="0"/>
             </a:p>
           </p:txBody>
         </p:sp>
@@ -5744,6 +5739,51 @@
           </a:p>
         </p:txBody>
       </p:sp>
+      <p:pic>
+        <p:nvPicPr>
+          <p:cNvPr id="58" name="Picture 2" descr="C:\Users\t-dantay\Documents\First24\error1.png"/>
+          <p:cNvPicPr>
+            <a:picLocks noChangeAspect="1" noChangeArrowheads="1"/>
+          </p:cNvPicPr>
+          <p:nvPr>
+            <p:custDataLst>
+              <p:custData r:id="rId19"/>
+            </p:custDataLst>
+          </p:nvPr>
+        </p:nvPicPr>
+        <p:blipFill>
+          <a:blip r:embed="rId29" cstate="print">
+            <a:extLst>
+              <a:ext uri="{28A0092B-C50C-407E-A947-70E740481C1C}">
+                <a14:useLocalDpi xmlns:a14="http://schemas.microsoft.com/office/drawing/2010/main" val="0"/>
+              </a:ext>
+            </a:extLst>
+          </a:blip>
+          <a:srcRect/>
+          <a:stretch>
+            <a:fillRect/>
+          </a:stretch>
+        </p:blipFill>
+        <p:spPr bwMode="auto">
+          <a:xfrm>
+            <a:off x="9826659" y="1027683"/>
+            <a:ext cx="228600" cy="228600"/>
+          </a:xfrm>
+          <a:prstGeom prst="rect">
+            <a:avLst/>
+          </a:prstGeom>
+          <a:noFill/>
+          <a:extLst>
+            <a:ext uri="{909E8E84-426E-40DD-AFC4-6F175D3DCCD1}">
+              <a14:hiddenFill xmlns:a14="http://schemas.microsoft.com/office/drawing/2010/main">
+                <a:solidFill>
+                  <a:srgbClr val="FFFFFF"/>
+                </a:solidFill>
+              </a14:hiddenFill>
+            </a:ext>
+          </a:extLst>
+        </p:spPr>
+      </p:pic>
     </p:spTree>
     <p:extLst>
       <p:ext uri="{BB962C8B-B14F-4D97-AF65-F5344CB8AC3E}">
@@ -6491,7 +6531,7 @@
             <p:nvPr/>
           </p:nvPicPr>
           <p:blipFill>
-            <a:blip r:embed="rId27">
+            <a:blip r:embed="rId33">
               <a:lum bright="70000" contrast="-70000"/>
               <a:extLst>
                 <a:ext uri="{28A0092B-C50C-407E-A947-70E740481C1C}">
@@ -6554,10 +6594,6 @@
               </a:rPr>
               <a:t>3</a:t>
             </a:r>
-            <a:endParaRPr lang="es-ES" sz="2800" dirty="0">
-              <a:latin typeface="SF Text" panose="00000500000000000000" pitchFamily="50" charset="0"/>
-              <a:ea typeface="SF Text" panose="00000500000000000000" pitchFamily="50" charset="0"/>
-            </a:endParaRPr>
           </a:p>
         </p:txBody>
       </p:sp>
@@ -6609,7 +6645,7 @@
         </p:nvSpPr>
         <p:spPr>
           <a:xfrm>
-            <a:off x="2291938" y="1021985"/>
+            <a:off x="2291938" y="1034327"/>
             <a:ext cx="2089711" cy="419305"/>
           </a:xfrm>
           <a:prstGeom prst="rect">
@@ -6642,27 +6678,27 @@
           <a:p>
             <a:pPr algn="ctr"/>
             <a:r>
-              <a:rPr lang="en-US" sz="2400" dirty="0" smtClean="0">
+              <a:rPr lang="en-US" b="1" dirty="0" smtClean="0">
                 <a:latin typeface="SF Text" panose="00000500000000000000" pitchFamily="50" charset="0"/>
                 <a:ea typeface="SF Text" panose="00000500000000000000" pitchFamily="50" charset="0"/>
               </a:rPr>
               <a:t>¡Has </a:t>
             </a:r>
             <a:r>
-              <a:rPr lang="en-US" sz="2400" dirty="0" err="1" smtClean="0">
+              <a:rPr lang="en-US" b="1" dirty="0" err="1" smtClean="0">
                 <a:latin typeface="SF Text" panose="00000500000000000000" pitchFamily="50" charset="0"/>
                 <a:ea typeface="SF Text" panose="00000500000000000000" pitchFamily="50" charset="0"/>
               </a:rPr>
               <a:t>fallado</a:t>
             </a:r>
             <a:r>
-              <a:rPr lang="en-US" sz="2400" dirty="0" smtClean="0">
+              <a:rPr lang="en-US" b="1" dirty="0" smtClean="0">
                 <a:latin typeface="SF Text" panose="00000500000000000000" pitchFamily="50" charset="0"/>
                 <a:ea typeface="SF Text" panose="00000500000000000000" pitchFamily="50" charset="0"/>
               </a:rPr>
               <a:t>!</a:t>
             </a:r>
-            <a:endParaRPr lang="en-US" sz="2400" dirty="0">
+            <a:endParaRPr lang="en-US" b="1" dirty="0">
               <a:latin typeface="SF Text" panose="00000500000000000000" pitchFamily="50" charset="0"/>
               <a:ea typeface="SF Text" panose="00000500000000000000" pitchFamily="50" charset="0"/>
             </a:endParaRPr>
@@ -6731,7 +6767,7 @@
           <p:nvPr/>
         </p:nvPicPr>
         <p:blipFill>
-          <a:blip r:embed="rId27">
+          <a:blip r:embed="rId33">
             <a:lum bright="70000" contrast="-70000"/>
             <a:extLst>
               <a:ext uri="{28A0092B-C50C-407E-A947-70E740481C1C}">
@@ -6776,7 +6812,7 @@
         </p:nvSpPr>
         <p:spPr>
           <a:xfrm>
-            <a:off x="2550490" y="2064802"/>
+            <a:off x="2550489" y="1870411"/>
             <a:ext cx="1609393" cy="370014"/>
           </a:xfrm>
           <a:prstGeom prst="rect">
@@ -6834,7 +6870,7 @@
         </p:nvSpPr>
         <p:spPr>
           <a:xfrm>
-            <a:off x="2370657" y="2476092"/>
+            <a:off x="2375278" y="2157696"/>
             <a:ext cx="1609393" cy="370014"/>
           </a:xfrm>
           <a:prstGeom prst="rect">
@@ -6899,7 +6935,7 @@
           </p:nvPr>
         </p:nvPicPr>
         <p:blipFill rotWithShape="1">
-          <a:blip r:embed="rId28">
+          <a:blip r:embed="rId34">
             <a:extLst>
               <a:ext uri="{28A0092B-C50C-407E-A947-70E740481C1C}">
                 <a14:useLocalDpi xmlns:a14="http://schemas.microsoft.com/office/drawing/2010/main" val="0"/>
@@ -6911,7 +6947,7 @@
         </p:blipFill>
         <p:spPr>
           <a:xfrm flipV="1">
-            <a:off x="3106223" y="1475751"/>
+            <a:off x="3057883" y="1386008"/>
             <a:ext cx="452855" cy="434462"/>
           </a:xfrm>
           <a:prstGeom prst="rect">
@@ -6931,7 +6967,7 @@
         </p:nvSpPr>
         <p:spPr>
           <a:xfrm>
-            <a:off x="2370657" y="2771532"/>
+            <a:off x="2375278" y="2453136"/>
             <a:ext cx="1709765" cy="370014"/>
           </a:xfrm>
           <a:prstGeom prst="rect">
@@ -6995,7 +7031,7 @@
         </p:nvSpPr>
         <p:spPr>
           <a:xfrm>
-            <a:off x="2354221" y="2946016"/>
+            <a:off x="2358842" y="2627620"/>
             <a:ext cx="2119471" cy="1024265"/>
           </a:xfrm>
           <a:prstGeom prst="rect">
@@ -7112,7 +7148,7 @@
         </p:nvSpPr>
         <p:spPr>
           <a:xfrm>
-            <a:off x="2507080" y="4350832"/>
+            <a:off x="2511701" y="4032436"/>
             <a:ext cx="1696212" cy="307773"/>
           </a:xfrm>
           <a:prstGeom prst="rect">
@@ -7182,14 +7218,14 @@
           <p:nvPr/>
         </p:nvPicPr>
         <p:blipFill>
-          <a:blip r:embed="rId29"/>
+          <a:blip r:embed="rId35"/>
           <a:stretch>
             <a:fillRect/>
           </a:stretch>
         </p:blipFill>
         <p:spPr>
           <a:xfrm>
-            <a:off x="3057883" y="3824025"/>
+            <a:off x="3062504" y="3505629"/>
             <a:ext cx="594606" cy="500505"/>
           </a:xfrm>
           <a:prstGeom prst="rect">
@@ -7209,7 +7245,7 @@
         </p:nvGrpSpPr>
         <p:grpSpPr>
           <a:xfrm>
-            <a:off x="4051730" y="4177943"/>
+            <a:off x="4012507" y="3866658"/>
             <a:ext cx="320451" cy="319476"/>
             <a:chOff x="4283964" y="3147930"/>
             <a:chExt cx="320451" cy="319476"/>
@@ -7221,7 +7257,7 @@
             <p:cNvSpPr/>
             <p:nvPr>
               <p:custDataLst>
-                <p:custData r:id="rId25"/>
+                <p:custData r:id="rId31"/>
               </p:custDataLst>
             </p:nvPr>
           </p:nvSpPr>
@@ -7334,7 +7370,7 @@
         </p:nvSpPr>
         <p:spPr>
           <a:xfrm>
-            <a:off x="2507080" y="4907602"/>
+            <a:off x="2511701" y="4511128"/>
             <a:ext cx="1696212" cy="307773"/>
           </a:xfrm>
           <a:prstGeom prst="rect">
@@ -7424,7 +7460,7 @@
         </p:nvGrpSpPr>
         <p:grpSpPr>
           <a:xfrm>
-            <a:off x="4048237" y="4759925"/>
+            <a:off x="4008986" y="4398697"/>
             <a:ext cx="320451" cy="319476"/>
             <a:chOff x="4283964" y="3147930"/>
             <a:chExt cx="320451" cy="319476"/>
@@ -7436,7 +7472,7 @@
             <p:cNvSpPr/>
             <p:nvPr>
               <p:custDataLst>
-                <p:custData r:id="rId24"/>
+                <p:custData r:id="rId30"/>
               </p:custDataLst>
             </p:nvPr>
           </p:nvSpPr>
@@ -7582,27 +7618,27 @@
           <a:p>
             <a:pPr algn="ctr"/>
             <a:r>
-              <a:rPr lang="en-US" sz="2400" dirty="0" smtClean="0">
+              <a:rPr lang="en-US" b="1" dirty="0" smtClean="0">
                 <a:latin typeface="SF Text" panose="00000500000000000000" pitchFamily="50" charset="0"/>
                 <a:ea typeface="SF Text" panose="00000500000000000000" pitchFamily="50" charset="0"/>
               </a:rPr>
               <a:t>¡</a:t>
             </a:r>
             <a:r>
-              <a:rPr lang="en-US" sz="2400" dirty="0" err="1" smtClean="0">
+              <a:rPr lang="en-US" b="1" dirty="0" err="1" smtClean="0">
                 <a:latin typeface="SF Text" panose="00000500000000000000" pitchFamily="50" charset="0"/>
                 <a:ea typeface="SF Text" panose="00000500000000000000" pitchFamily="50" charset="0"/>
               </a:rPr>
               <a:t>Enhorabuena</a:t>
             </a:r>
             <a:r>
-              <a:rPr lang="en-US" sz="2400" dirty="0" smtClean="0">
+              <a:rPr lang="en-US" b="1" dirty="0" smtClean="0">
                 <a:latin typeface="SF Text" panose="00000500000000000000" pitchFamily="50" charset="0"/>
                 <a:ea typeface="SF Text" panose="00000500000000000000" pitchFamily="50" charset="0"/>
               </a:rPr>
               <a:t>!</a:t>
             </a:r>
-            <a:endParaRPr lang="en-US" sz="2400" dirty="0">
+            <a:endParaRPr lang="en-US" b="1" dirty="0">
               <a:latin typeface="SF Text" panose="00000500000000000000" pitchFamily="50" charset="0"/>
               <a:ea typeface="SF Text" panose="00000500000000000000" pitchFamily="50" charset="0"/>
             </a:endParaRPr>
@@ -7692,7 +7728,7 @@
           </p:nvPr>
         </p:nvPicPr>
         <p:blipFill rotWithShape="1">
-          <a:blip r:embed="rId30">
+          <a:blip r:embed="rId36">
             <a:extLst>
               <a:ext uri="{28A0092B-C50C-407E-A947-70E740481C1C}">
                 <a14:useLocalDpi xmlns:a14="http://schemas.microsoft.com/office/drawing/2010/main" val="0"/>
@@ -7704,7 +7740,7 @@
         </p:blipFill>
         <p:spPr>
           <a:xfrm>
-            <a:off x="8573553" y="1485262"/>
+            <a:off x="8595690" y="1399768"/>
             <a:ext cx="455738" cy="411502"/>
           </a:xfrm>
           <a:prstGeom prst="rect">
@@ -7724,7 +7760,7 @@
         </p:nvSpPr>
         <p:spPr>
           <a:xfrm>
-            <a:off x="8018863" y="2037659"/>
+            <a:off x="8038713" y="1833392"/>
             <a:ext cx="1609393" cy="370014"/>
           </a:xfrm>
           <a:prstGeom prst="rect">
@@ -7782,7 +7818,7 @@
         </p:nvSpPr>
         <p:spPr>
           <a:xfrm>
-            <a:off x="7839030" y="2448949"/>
+            <a:off x="7849169" y="2143925"/>
             <a:ext cx="1609393" cy="370014"/>
           </a:xfrm>
           <a:prstGeom prst="rect">
@@ -7846,7 +7882,7 @@
         </p:nvSpPr>
         <p:spPr>
           <a:xfrm>
-            <a:off x="7839030" y="2744389"/>
+            <a:off x="7849169" y="2439365"/>
             <a:ext cx="1709765" cy="370014"/>
           </a:xfrm>
           <a:prstGeom prst="rect">
@@ -7910,7 +7946,7 @@
         </p:nvSpPr>
         <p:spPr>
           <a:xfrm>
-            <a:off x="7822594" y="2918873"/>
+            <a:off x="7832733" y="2613849"/>
             <a:ext cx="2119471" cy="1024265"/>
           </a:xfrm>
           <a:prstGeom prst="rect">
@@ -8027,7 +8063,7 @@
         </p:nvSpPr>
         <p:spPr>
           <a:xfrm>
-            <a:off x="7989887" y="4341210"/>
+            <a:off x="8000026" y="4036186"/>
             <a:ext cx="1696212" cy="307773"/>
           </a:xfrm>
           <a:prstGeom prst="rect">
@@ -8097,14 +8133,14 @@
           <p:nvPr/>
         </p:nvPicPr>
         <p:blipFill>
-          <a:blip r:embed="rId29"/>
+          <a:blip r:embed="rId35"/>
           <a:stretch>
             <a:fillRect/>
           </a:stretch>
         </p:blipFill>
         <p:spPr>
           <a:xfrm>
-            <a:off x="8540690" y="3814403"/>
+            <a:off x="8550829" y="3509379"/>
             <a:ext cx="594606" cy="500505"/>
           </a:xfrm>
           <a:prstGeom prst="rect">
@@ -8124,7 +8160,7 @@
         </p:nvSpPr>
         <p:spPr>
           <a:xfrm>
-            <a:off x="7989887" y="4897980"/>
+            <a:off x="8000026" y="4520862"/>
             <a:ext cx="1696212" cy="307773"/>
           </a:xfrm>
           <a:prstGeom prst="rect">
@@ -8214,7 +8250,7 @@
         </p:nvGrpSpPr>
         <p:grpSpPr>
           <a:xfrm>
-            <a:off x="9506062" y="4136037"/>
+            <a:off x="9476603" y="3807612"/>
             <a:ext cx="320451" cy="319476"/>
             <a:chOff x="4283964" y="3147930"/>
             <a:chExt cx="320451" cy="319476"/>
@@ -8226,7 +8262,7 @@
             <p:cNvSpPr/>
             <p:nvPr>
               <p:custDataLst>
-                <p:custData r:id="rId23"/>
+                <p:custData r:id="rId29"/>
               </p:custDataLst>
             </p:nvPr>
           </p:nvSpPr>
@@ -8339,7 +8375,7 @@
         </p:nvGrpSpPr>
         <p:grpSpPr>
           <a:xfrm>
-            <a:off x="9520349" y="4731350"/>
+            <a:off x="9476603" y="4365422"/>
             <a:ext cx="320451" cy="319476"/>
             <a:chOff x="4283964" y="3147930"/>
             <a:chExt cx="320451" cy="319476"/>
@@ -8351,7 +8387,7 @@
             <p:cNvSpPr/>
             <p:nvPr>
               <p:custDataLst>
-                <p:custData r:id="rId22"/>
+                <p:custData r:id="rId28"/>
               </p:custDataLst>
             </p:nvPr>
           </p:nvSpPr>
@@ -8424,6 +8460,474 @@
         <p:sp>
           <p:nvSpPr>
             <p:cNvPr id="118" name="Content"/>
+            <p:cNvSpPr txBox="1"/>
+            <p:nvPr/>
+          </p:nvSpPr>
+          <p:spPr>
+            <a:xfrm flipH="1">
+              <a:off x="4309771" y="3157455"/>
+              <a:ext cx="268835" cy="276999"/>
+            </a:xfrm>
+            <a:prstGeom prst="rect">
+              <a:avLst/>
+            </a:prstGeom>
+            <a:noFill/>
+          </p:spPr>
+          <p:txBody>
+            <a:bodyPr wrap="square" rtlCol="0">
+              <a:spAutoFit/>
+            </a:bodyPr>
+            <a:lstStyle/>
+            <a:p>
+              <a:r>
+                <a:rPr lang="en-US" sz="1200" dirty="0" smtClean="0"/>
+                <a:t>1</a:t>
+              </a:r>
+              <a:endParaRPr lang="en-US" sz="1200" dirty="0"/>
+            </a:p>
+          </p:txBody>
+        </p:sp>
+      </p:grpSp>
+      <p:sp>
+        <p:nvSpPr>
+          <p:cNvPr id="55" name="Content"/>
+          <p:cNvSpPr/>
+          <p:nvPr>
+            <p:custDataLst>
+              <p:custData r:id="rId22"/>
+            </p:custDataLst>
+          </p:nvPr>
+        </p:nvSpPr>
+        <p:spPr>
+          <a:xfrm>
+            <a:off x="2510528" y="4984679"/>
+            <a:ext cx="1696212" cy="307773"/>
+          </a:xfrm>
+          <a:prstGeom prst="rect">
+            <a:avLst/>
+          </a:prstGeom>
+          <a:solidFill>
+            <a:srgbClr val="CCCCCC"/>
+          </a:solidFill>
+          <a:ln>
+            <a:noFill/>
+          </a:ln>
+        </p:spPr>
+        <p:style>
+          <a:lnRef idx="2">
+            <a:srgbClr val="4F81BD">
+              <a:shade val="50000"/>
+            </a:srgbClr>
+          </a:lnRef>
+          <a:fillRef idx="1">
+            <a:srgbClr val="4F81BD"/>
+          </a:fillRef>
+          <a:effectRef idx="0">
+            <a:srgbClr val="4F81BD"/>
+          </a:effectRef>
+          <a:fontRef idx="minor">
+            <a:srgbClr val="000000"/>
+          </a:fontRef>
+        </p:style>
+        <p:txBody>
+          <a:bodyPr rtlCol="0" anchor="ctr"/>
+          <a:lstStyle/>
+          <a:p>
+            <a:pPr algn="ctr"/>
+            <a:r>
+              <a:rPr lang="en-US" sz="1300" dirty="0" err="1" smtClean="0">
+                <a:solidFill>
+                  <a:srgbClr val="000000"/>
+                </a:solidFill>
+                <a:latin typeface="SF Display" panose="00000500000000000000" pitchFamily="50" charset="0"/>
+                <a:ea typeface="SF Display" panose="00000500000000000000" pitchFamily="50" charset="0"/>
+                <a:cs typeface="Segoe UI Semibold" pitchFamily="34" charset="0"/>
+              </a:rPr>
+              <a:t>Volver</a:t>
+            </a:r>
+            <a:r>
+              <a:rPr lang="en-US" sz="1300" dirty="0" smtClean="0">
+                <a:solidFill>
+                  <a:srgbClr val="000000"/>
+                </a:solidFill>
+                <a:latin typeface="SF Display" panose="00000500000000000000" pitchFamily="50" charset="0"/>
+                <a:ea typeface="SF Display" panose="00000500000000000000" pitchFamily="50" charset="0"/>
+                <a:cs typeface="Segoe UI Semibold" pitchFamily="34" charset="0"/>
+              </a:rPr>
+              <a:t> al </a:t>
+            </a:r>
+            <a:r>
+              <a:rPr lang="en-US" sz="1300" dirty="0" err="1">
+                <a:latin typeface="SF Display" panose="00000500000000000000" pitchFamily="50" charset="0"/>
+                <a:ea typeface="SF Display" panose="00000500000000000000" pitchFamily="50" charset="0"/>
+                <a:cs typeface="Segoe UI Semibold" pitchFamily="34" charset="0"/>
+              </a:rPr>
+              <a:t>m</a:t>
+            </a:r>
+            <a:r>
+              <a:rPr lang="en-US" sz="1300" dirty="0" err="1" smtClean="0">
+                <a:solidFill>
+                  <a:srgbClr val="000000"/>
+                </a:solidFill>
+                <a:latin typeface="SF Display" panose="00000500000000000000" pitchFamily="50" charset="0"/>
+                <a:ea typeface="SF Display" panose="00000500000000000000" pitchFamily="50" charset="0"/>
+                <a:cs typeface="Segoe UI Semibold" pitchFamily="34" charset="0"/>
+              </a:rPr>
+              <a:t>enú</a:t>
+            </a:r>
+            <a:r>
+              <a:rPr lang="en-US" sz="1300" dirty="0" smtClean="0">
+                <a:solidFill>
+                  <a:srgbClr val="000000"/>
+                </a:solidFill>
+                <a:latin typeface="SF Display" panose="00000500000000000000" pitchFamily="50" charset="0"/>
+                <a:ea typeface="SF Display" panose="00000500000000000000" pitchFamily="50" charset="0"/>
+                <a:cs typeface="Segoe UI Semibold" pitchFamily="34" charset="0"/>
+              </a:rPr>
+              <a:t> principal</a:t>
+            </a:r>
+            <a:endParaRPr lang="en-US" sz="1300" dirty="0">
+              <a:solidFill>
+                <a:srgbClr val="000000"/>
+              </a:solidFill>
+              <a:latin typeface="SF Display" panose="00000500000000000000" pitchFamily="50" charset="0"/>
+              <a:ea typeface="SF Display" panose="00000500000000000000" pitchFamily="50" charset="0"/>
+              <a:cs typeface="Segoe UI Semibold" pitchFamily="34" charset="0"/>
+            </a:endParaRPr>
+          </a:p>
+        </p:txBody>
+      </p:sp>
+      <p:sp>
+        <p:nvSpPr>
+          <p:cNvPr id="60" name="Content"/>
+          <p:cNvSpPr/>
+          <p:nvPr>
+            <p:custDataLst>
+              <p:custData r:id="rId23"/>
+            </p:custDataLst>
+          </p:nvPr>
+        </p:nvSpPr>
+        <p:spPr>
+          <a:xfrm>
+            <a:off x="7993268" y="4989886"/>
+            <a:ext cx="1696212" cy="307773"/>
+          </a:xfrm>
+          <a:prstGeom prst="rect">
+            <a:avLst/>
+          </a:prstGeom>
+          <a:solidFill>
+            <a:srgbClr val="CCCCCC"/>
+          </a:solidFill>
+          <a:ln>
+            <a:noFill/>
+          </a:ln>
+        </p:spPr>
+        <p:style>
+          <a:lnRef idx="2">
+            <a:srgbClr val="4F81BD">
+              <a:shade val="50000"/>
+            </a:srgbClr>
+          </a:lnRef>
+          <a:fillRef idx="1">
+            <a:srgbClr val="4F81BD"/>
+          </a:fillRef>
+          <a:effectRef idx="0">
+            <a:srgbClr val="4F81BD"/>
+          </a:effectRef>
+          <a:fontRef idx="minor">
+            <a:srgbClr val="000000"/>
+          </a:fontRef>
+        </p:style>
+        <p:txBody>
+          <a:bodyPr rtlCol="0" anchor="ctr"/>
+          <a:lstStyle/>
+          <a:p>
+            <a:pPr algn="ctr"/>
+            <a:r>
+              <a:rPr lang="en-US" sz="1300" dirty="0" err="1" smtClean="0">
+                <a:solidFill>
+                  <a:srgbClr val="000000"/>
+                </a:solidFill>
+                <a:latin typeface="SF Display" panose="00000500000000000000" pitchFamily="50" charset="0"/>
+                <a:ea typeface="SF Display" panose="00000500000000000000" pitchFamily="50" charset="0"/>
+                <a:cs typeface="Segoe UI Semibold" pitchFamily="34" charset="0"/>
+              </a:rPr>
+              <a:t>Volver</a:t>
+            </a:r>
+            <a:r>
+              <a:rPr lang="en-US" sz="1300" dirty="0" smtClean="0">
+                <a:solidFill>
+                  <a:srgbClr val="000000"/>
+                </a:solidFill>
+                <a:latin typeface="SF Display" panose="00000500000000000000" pitchFamily="50" charset="0"/>
+                <a:ea typeface="SF Display" panose="00000500000000000000" pitchFamily="50" charset="0"/>
+                <a:cs typeface="Segoe UI Semibold" pitchFamily="34" charset="0"/>
+              </a:rPr>
+              <a:t> al </a:t>
+            </a:r>
+            <a:r>
+              <a:rPr lang="en-US" sz="1300" dirty="0" err="1">
+                <a:latin typeface="SF Display" panose="00000500000000000000" pitchFamily="50" charset="0"/>
+                <a:ea typeface="SF Display" panose="00000500000000000000" pitchFamily="50" charset="0"/>
+                <a:cs typeface="Segoe UI Semibold" pitchFamily="34" charset="0"/>
+              </a:rPr>
+              <a:t>m</a:t>
+            </a:r>
+            <a:r>
+              <a:rPr lang="en-US" sz="1300" dirty="0" err="1" smtClean="0">
+                <a:solidFill>
+                  <a:srgbClr val="000000"/>
+                </a:solidFill>
+                <a:latin typeface="SF Display" panose="00000500000000000000" pitchFamily="50" charset="0"/>
+                <a:ea typeface="SF Display" panose="00000500000000000000" pitchFamily="50" charset="0"/>
+                <a:cs typeface="Segoe UI Semibold" pitchFamily="34" charset="0"/>
+              </a:rPr>
+              <a:t>enú</a:t>
+            </a:r>
+            <a:r>
+              <a:rPr lang="en-US" sz="1300" dirty="0" smtClean="0">
+                <a:solidFill>
+                  <a:srgbClr val="000000"/>
+                </a:solidFill>
+                <a:latin typeface="SF Display" panose="00000500000000000000" pitchFamily="50" charset="0"/>
+                <a:ea typeface="SF Display" panose="00000500000000000000" pitchFamily="50" charset="0"/>
+                <a:cs typeface="Segoe UI Semibold" pitchFamily="34" charset="0"/>
+              </a:rPr>
+              <a:t> principal</a:t>
+            </a:r>
+            <a:endParaRPr lang="en-US" sz="1300" dirty="0">
+              <a:solidFill>
+                <a:srgbClr val="000000"/>
+              </a:solidFill>
+              <a:latin typeface="SF Display" panose="00000500000000000000" pitchFamily="50" charset="0"/>
+              <a:ea typeface="SF Display" panose="00000500000000000000" pitchFamily="50" charset="0"/>
+              <a:cs typeface="Segoe UI Semibold" pitchFamily="34" charset="0"/>
+            </a:endParaRPr>
+          </a:p>
+        </p:txBody>
+      </p:sp>
+      <p:grpSp>
+        <p:nvGrpSpPr>
+          <p:cNvPr id="61" name="Callout"/>
+          <p:cNvGrpSpPr/>
+          <p:nvPr>
+            <p:custDataLst>
+              <p:custData r:id="rId24"/>
+            </p:custDataLst>
+          </p:nvPr>
+        </p:nvGrpSpPr>
+        <p:grpSpPr>
+          <a:xfrm>
+            <a:off x="4008986" y="4860545"/>
+            <a:ext cx="320451" cy="319476"/>
+            <a:chOff x="4283964" y="3147930"/>
+            <a:chExt cx="320451" cy="319476"/>
+          </a:xfrm>
+        </p:grpSpPr>
+        <p:sp>
+          <p:nvSpPr>
+            <p:cNvPr id="62" name="Circle"/>
+            <p:cNvSpPr/>
+            <p:nvPr>
+              <p:custDataLst>
+                <p:custData r:id="rId27"/>
+              </p:custDataLst>
+            </p:nvPr>
+          </p:nvSpPr>
+          <p:spPr>
+            <a:xfrm>
+              <a:off x="4283964" y="3147930"/>
+              <a:ext cx="320451" cy="319476"/>
+            </a:xfrm>
+            <a:prstGeom prst="ellipse">
+              <a:avLst/>
+            </a:prstGeom>
+            <a:solidFill>
+              <a:srgbClr val="FFFF00"/>
+            </a:solidFill>
+            <a:ln w="38100" cap="flat" cmpd="sng" algn="ctr">
+              <a:solidFill>
+                <a:srgbClr val="FFFFFF">
+                  <a:lumMod val="50000"/>
+                </a:srgbClr>
+              </a:solidFill>
+              <a:prstDash val="solid"/>
+            </a:ln>
+            <a:effectLst/>
+          </p:spPr>
+          <p:txBody>
+            <a:bodyPr rot="0" spcFirstLastPara="0" vertOverflow="overflow" horzOverflow="overflow" vert="horz" wrap="square" lIns="45720" tIns="45720" rIns="91440" bIns="45720" numCol="1" spcCol="0" rtlCol="0" fromWordArt="0" anchor="ctr" anchorCtr="0" forceAA="0" compatLnSpc="1">
+              <a:prstTxWarp prst="textNoShape">
+                <a:avLst/>
+              </a:prstTxWarp>
+              <a:noAutofit/>
+            </a:bodyPr>
+            <a:lstStyle/>
+            <a:p>
+              <a:pPr marL="0" marR="0" indent="0" algn="ctr" defTabSz="914400" eaLnBrk="1" fontAlgn="auto" latinLnBrk="0" hangingPunct="1">
+                <a:lnSpc>
+                  <a:spcPct val="100000"/>
+                </a:lnSpc>
+                <a:spcBef>
+                  <a:spcPts val="0"/>
+                </a:spcBef>
+                <a:spcAft>
+                  <a:spcPts val="0"/>
+                </a:spcAft>
+                <a:buClrTx/>
+                <a:buSzTx/>
+                <a:buFontTx/>
+                <a:buNone/>
+                <a:tabLst/>
+              </a:pPr>
+              <a:endParaRPr kumimoji="0" lang="en-US" sz="800" b="0" i="0" u="none" strike="noStrike" kern="0" cap="none" spc="0" normalizeH="0" baseline="0" noProof="0" dirty="0" smtClean="0">
+                <a:ln>
+                  <a:noFill/>
+                </a:ln>
+                <a:solidFill>
+                  <a:srgbClr val="000000">
+                    <a:lumMod val="75000"/>
+                    <a:lumOff val="25000"/>
+                  </a:srgbClr>
+                </a:solidFill>
+                <a:effectLst/>
+                <a:uLnTx/>
+                <a:uFillTx/>
+                <a:latin typeface="Segoe UI"/>
+                <a:ea typeface="+mn-ea"/>
+                <a:cs typeface="+mn-cs"/>
+              </a:endParaRPr>
+            </a:p>
+          </p:txBody>
+        </p:sp>
+        <p:sp>
+          <p:nvSpPr>
+            <p:cNvPr id="63" name="Content"/>
+            <p:cNvSpPr txBox="1"/>
+            <p:nvPr/>
+          </p:nvSpPr>
+          <p:spPr>
+            <a:xfrm flipH="1">
+              <a:off x="4309771" y="3157455"/>
+              <a:ext cx="268835" cy="276999"/>
+            </a:xfrm>
+            <a:prstGeom prst="rect">
+              <a:avLst/>
+            </a:prstGeom>
+            <a:noFill/>
+          </p:spPr>
+          <p:txBody>
+            <a:bodyPr wrap="square" rtlCol="0">
+              <a:spAutoFit/>
+            </a:bodyPr>
+            <a:lstStyle/>
+            <a:p>
+              <a:r>
+                <a:rPr lang="en-US" sz="1200" dirty="0" smtClean="0"/>
+                <a:t>1</a:t>
+              </a:r>
+              <a:endParaRPr lang="en-US" sz="1200" dirty="0"/>
+            </a:p>
+          </p:txBody>
+        </p:sp>
+      </p:grpSp>
+      <p:grpSp>
+        <p:nvGrpSpPr>
+          <p:cNvPr id="64" name="Callout"/>
+          <p:cNvGrpSpPr/>
+          <p:nvPr>
+            <p:custDataLst>
+              <p:custData r:id="rId25"/>
+            </p:custDataLst>
+          </p:nvPr>
+        </p:nvGrpSpPr>
+        <p:grpSpPr>
+          <a:xfrm>
+            <a:off x="9474809" y="4902406"/>
+            <a:ext cx="320451" cy="319476"/>
+            <a:chOff x="4283964" y="3147930"/>
+            <a:chExt cx="320451" cy="319476"/>
+          </a:xfrm>
+        </p:grpSpPr>
+        <p:sp>
+          <p:nvSpPr>
+            <p:cNvPr id="65" name="Circle"/>
+            <p:cNvSpPr/>
+            <p:nvPr>
+              <p:custDataLst>
+                <p:custData r:id="rId26"/>
+              </p:custDataLst>
+            </p:nvPr>
+          </p:nvSpPr>
+          <p:spPr>
+            <a:xfrm>
+              <a:off x="4283964" y="3147930"/>
+              <a:ext cx="320451" cy="319476"/>
+            </a:xfrm>
+            <a:prstGeom prst="ellipse">
+              <a:avLst/>
+            </a:prstGeom>
+            <a:solidFill>
+              <a:srgbClr val="FFFF00"/>
+            </a:solidFill>
+            <a:ln w="38100" cap="flat" cmpd="sng" algn="ctr">
+              <a:solidFill>
+                <a:srgbClr val="FFFFFF">
+                  <a:lumMod val="50000"/>
+                </a:srgbClr>
+              </a:solidFill>
+              <a:prstDash val="solid"/>
+            </a:ln>
+            <a:effectLst/>
+          </p:spPr>
+          <p:txBody>
+            <a:bodyPr rot="0" spcFirstLastPara="0" vertOverflow="overflow" horzOverflow="overflow" vert="horz" wrap="square" lIns="45720" tIns="45720" rIns="91440" bIns="45720" numCol="1" spcCol="0" rtlCol="0" fromWordArt="0" anchor="ctr" anchorCtr="0" forceAA="0" compatLnSpc="1">
+              <a:prstTxWarp prst="textNoShape">
+                <a:avLst/>
+              </a:prstTxWarp>
+              <a:noAutofit/>
+            </a:bodyPr>
+            <a:lstStyle/>
+            <a:p>
+              <a:pPr marL="0" marR="0" indent="0" algn="ctr" defTabSz="914400" eaLnBrk="1" fontAlgn="auto" latinLnBrk="0" hangingPunct="1">
+                <a:lnSpc>
+                  <a:spcPct val="100000"/>
+                </a:lnSpc>
+                <a:spcBef>
+                  <a:spcPts val="0"/>
+                </a:spcBef>
+                <a:spcAft>
+                  <a:spcPts val="0"/>
+                </a:spcAft>
+                <a:buClrTx/>
+                <a:buSzTx/>
+                <a:buFontTx/>
+                <a:buNone/>
+                <a:tabLst/>
+              </a:pPr>
+              <a:endParaRPr kumimoji="0" lang="en-US" sz="800" b="0" i="0" u="none" strike="noStrike" kern="0" cap="none" spc="0" normalizeH="0" baseline="0" noProof="0" dirty="0" smtClean="0">
+                <a:ln>
+                  <a:noFill/>
+                </a:ln>
+                <a:solidFill>
+                  <a:srgbClr val="000000">
+                    <a:lumMod val="75000"/>
+                    <a:lumOff val="25000"/>
+                  </a:srgbClr>
+                </a:solidFill>
+                <a:effectLst/>
+                <a:uLnTx/>
+                <a:uFillTx/>
+                <a:latin typeface="Segoe UI"/>
+                <a:ea typeface="+mn-ea"/>
+                <a:cs typeface="+mn-cs"/>
+              </a:endParaRPr>
+            </a:p>
+          </p:txBody>
+        </p:sp>
+        <p:sp>
+          <p:nvSpPr>
+            <p:cNvPr id="66" name="Content"/>
             <p:cNvSpPr txBox="1"/>
             <p:nvPr/>
           </p:nvSpPr>
@@ -9298,10 +9802,6 @@
               </a:rPr>
               <a:t>2</a:t>
             </a:r>
-            <a:endParaRPr lang="es-ES" sz="2800" dirty="0">
-              <a:latin typeface="SF Text" panose="00000500000000000000" pitchFamily="50" charset="0"/>
-              <a:ea typeface="SF Text" panose="00000500000000000000" pitchFamily="50" charset="0"/>
-            </a:endParaRPr>
           </a:p>
         </p:txBody>
       </p:sp>
@@ -9487,14 +9987,7 @@
                 <a:latin typeface="SF Display" panose="00000500000000000000" pitchFamily="50" charset="0"/>
                 <a:ea typeface="SF Display" panose="00000500000000000000" pitchFamily="50" charset="0"/>
               </a:rPr>
-              <a:t> </a:t>
-            </a:r>
-            <a:r>
-              <a:rPr lang="en-US" dirty="0" smtClean="0">
-                <a:latin typeface="SF Display" panose="00000500000000000000" pitchFamily="50" charset="0"/>
-                <a:ea typeface="SF Display" panose="00000500000000000000" pitchFamily="50" charset="0"/>
-              </a:rPr>
-              <a:t>#1</a:t>
+              <a:t> #1</a:t>
             </a:r>
             <a:endParaRPr lang="en-US" dirty="0">
               <a:latin typeface="SF Display" panose="00000500000000000000" pitchFamily="50" charset="0"/>
@@ -10052,25 +10545,25 @@
 
 <file path=customXml/item1.xml><?xml version="1.0" encoding="utf-8"?>
 <Control xmlns="http://schemas.microsoft.com/VisualStudio/2011/storyboarding/control">
-  <Id Name="System.Storyboarding.Backgrounds.WindowsPhone" Revision="1" Stencil="System.Storyboarding.Backgrounds" StencilVersion="0.1"/>
+  <Id Name="System.Storyboarding.Annotation.CallOut" Revision="1" Stencil="System.Storyboarding.Annotation" StencilVersion="0.1"/>
 </Control>
 </file>
 
 <file path=customXml/item10.xml><?xml version="1.0" encoding="utf-8"?>
+<Control xmlns="http://schemas.microsoft.com/VisualStudio/2011/storyboarding/control">
+  <Id Name="System.Storyboarding.WindowsApps.WindowsAppsTileMedium" Revision="1" Stencil="System.Storyboarding.WindowsApps" StencilVersion="0.1"/>
+</Control>
+</file>
+
+<file path=customXml/item11.xml><?xml version="1.0" encoding="utf-8"?>
 <Control xmlns="http://schemas.microsoft.com/VisualStudio/2011/storyboarding/control">
   <Id Name="System.Storyboarding.Annotation.CallOut" Revision="1" Stencil="System.Storyboarding.Annotation" StencilVersion="0.1"/>
 </Control>
 </file>
 
-<file path=customXml/item11.xml><?xml version="1.0" encoding="utf-8"?>
-<Control xmlns="http://schemas.microsoft.com/VisualStudio/2011/storyboarding/control">
-  <Id Name="fd7d7bed-114e-464c-a4f1-01a512005949" Revision="1" Stencil="System.MyShapes" StencilVersion="1.0"/>
-</Control>
-</file>
-
 <file path=customXml/item12.xml><?xml version="1.0" encoding="utf-8"?>
 <Control xmlns="http://schemas.microsoft.com/VisualStudio/2011/storyboarding/control">
-  <Id Name="System.Storyboarding.WindowsAppIcons.Games" Revision="1" Stencil="System.Storyboarding.WindowsAppIcons" StencilVersion="0.1"/>
+  <Id Name="System.Storyboarding.WindowsApps.WindowsAppsButton" Revision="1" Stencil="System.Storyboarding.WindowsApps" StencilVersion="0.1"/>
 </Control>
 </file>
 
@@ -10088,31 +10581,31 @@
 
 <file path=customXml/item15.xml><?xml version="1.0" encoding="utf-8"?>
 <Control xmlns="http://schemas.microsoft.com/VisualStudio/2011/storyboarding/control">
-  <Id Name="System.Storyboarding.WindowsApps.WindowsAppsButton" Revision="1" Stencil="System.Storyboarding.WindowsApps" StencilVersion="0.1"/>
+  <Id Name="System.Storyboarding.WindowsApps.WindowsAppsTileMedium" Revision="1" Stencil="System.Storyboarding.WindowsApps" StencilVersion="0.1"/>
 </Control>
 </file>
 
 <file path=customXml/item16.xml><?xml version="1.0" encoding="utf-8"?>
 <Control xmlns="http://schemas.microsoft.com/VisualStudio/2011/storyboarding/control">
-  <Id Name="System.Storyboarding.WindowsApps.WindowsAppsButton" Revision="1" Stencil="System.Storyboarding.WindowsApps" StencilVersion="0.1"/>
+  <Id Name="fd7d7bed-114e-464c-a4f1-01a512005949" Revision="1" Stencil="System.MyShapes" StencilVersion="1.0"/>
 </Control>
 </file>
 
 <file path=customXml/item17.xml><?xml version="1.0" encoding="utf-8"?>
 <Control xmlns="http://schemas.microsoft.com/VisualStudio/2011/storyboarding/control">
-  <Id Name="System.Storyboarding.WindowsApps.WindowsAppsButton" Revision="1" Stencil="System.Storyboarding.WindowsApps" StencilVersion="0.1"/>
+  <Id Name="System.Storyboarding.Annotation.CallOut" Revision="1" Stencil="System.Storyboarding.Annotation" StencilVersion="0.1"/>
 </Control>
 </file>
 
 <file path=customXml/item18.xml><?xml version="1.0" encoding="utf-8"?>
 <Control xmlns="http://schemas.microsoft.com/VisualStudio/2011/storyboarding/control">
-  <Id Name="System.Storyboarding.WindowsApps.WindowsAppsButton" Revision="1" Stencil="System.Storyboarding.WindowsApps" StencilVersion="0.1"/>
+  <Id Name="System.Storyboarding.WindowsApps.WindowsAppsTileMedium" Revision="1" Stencil="System.Storyboarding.WindowsApps" StencilVersion="0.1"/>
 </Control>
 </file>
 
 <file path=customXml/item19.xml><?xml version="1.0" encoding="utf-8"?>
 <Control xmlns="http://schemas.microsoft.com/VisualStudio/2011/storyboarding/control">
-  <Id Name="System.Storyboarding.WindowsApps.WindowsAppsTileMedium" Revision="1" Stencil="System.Storyboarding.WindowsApps" StencilVersion="0.1"/>
+  <Id Name="System.Storyboarding.WindowsAppIcons.Emoji" Revision="1" Stencil="System.Storyboarding.WindowsAppIcons" StencilVersion="0.1"/>
 </Control>
 </file>
 
@@ -10124,19 +10617,19 @@
 
 <file path=customXml/item20.xml><?xml version="1.0" encoding="utf-8"?>
 <Control xmlns="http://schemas.microsoft.com/VisualStudio/2011/storyboarding/control">
-  <Id Name="System.Storyboarding.Backgrounds.WindowsPhone" Revision="1" Stencil="System.Storyboarding.Backgrounds" StencilVersion="0.1"/>
+  <Id Name="System.Storyboarding.WindowsApps.WindowsAppsButton" Revision="1" Stencil="System.Storyboarding.WindowsApps" StencilVersion="0.1"/>
 </Control>
 </file>
 
 <file path=customXml/item21.xml><?xml version="1.0" encoding="utf-8"?>
 <Control xmlns="http://schemas.microsoft.com/VisualStudio/2011/storyboarding/control">
-  <Id Name="System.Storyboarding.WindowsApps.WindowsAppsButton" Revision="1" Stencil="System.Storyboarding.WindowsApps" StencilVersion="0.1"/>
+  <Id Name="fd7d7bed-114e-464c-a4f1-01a512005949" Revision="1" Stencil="System.MyShapes" StencilVersion="1.0"/>
 </Control>
 </file>
 
 <file path=customXml/item22.xml><?xml version="1.0" encoding="utf-8"?>
 <Control xmlns="http://schemas.microsoft.com/VisualStudio/2011/storyboarding/control">
-  <Id Name="System.Storyboarding.WindowsApps.WindowsAppsTileMedium" Revision="1" Stencil="System.Storyboarding.WindowsApps" StencilVersion="0.1"/>
+  <Id Name="System.Storyboarding.Annotation.CallOut" Revision="1" Stencil="System.Storyboarding.Annotation" StencilVersion="0.1"/>
 </Control>
 </file>
 
@@ -10148,25 +10641,25 @@
 
 <file path=customXml/item24.xml><?xml version="1.0" encoding="utf-8"?>
 <Control xmlns="http://schemas.microsoft.com/VisualStudio/2011/storyboarding/control">
+  <Id Name="System.Storyboarding.WindowsAppIcons.Games" Revision="1" Stencil="System.Storyboarding.WindowsAppIcons" StencilVersion="0.1"/>
+</Control>
+</file>
+
+<file path=customXml/item25.xml><?xml version="1.0" encoding="utf-8"?>
+<Control xmlns="http://schemas.microsoft.com/VisualStudio/2011/storyboarding/control">
   <Id Name="System.Storyboarding.WindowsApps.WindowsAppsButton" Revision="1" Stencil="System.Storyboarding.WindowsApps" StencilVersion="0.1"/>
 </Control>
 </file>
 
-<file path=customXml/item25.xml><?xml version="1.0" encoding="utf-8"?>
+<file path=customXml/item26.xml><?xml version="1.0" encoding="utf-8"?>
 <Control xmlns="http://schemas.microsoft.com/VisualStudio/2011/storyboarding/control">
   <Id Name="System.Storyboarding.Backgrounds.WindowsPhone" Revision="1" Stencil="System.Storyboarding.Backgrounds" StencilVersion="0.1"/>
 </Control>
 </file>
 
-<file path=customXml/item26.xml><?xml version="1.0" encoding="utf-8"?>
-<Control xmlns="http://schemas.microsoft.com/VisualStudio/2011/storyboarding/control">
-  <Id Name="System.Storyboarding.WindowsApps.WindowsAppsTileMedium" Revision="1" Stencil="System.Storyboarding.WindowsApps" StencilVersion="0.1"/>
-</Control>
-</file>
-
 <file path=customXml/item27.xml><?xml version="1.0" encoding="utf-8"?>
 <Control xmlns="http://schemas.microsoft.com/VisualStudio/2011/storyboarding/control">
-  <Id Name="fd7d7bed-114e-464c-a4f1-01a512005949" Revision="1" Stencil="System.MyShapes" StencilVersion="1.0"/>
+  <Id Name="System.Storyboarding.WindowsAppIcons.Donotwant" Revision="1" Stencil="System.Storyboarding.WindowsAppIcons" StencilVersion="0.1"/>
 </Control>
 </file>
 
@@ -10178,43 +10671,43 @@
 
 <file path=customXml/item29.xml><?xml version="1.0" encoding="utf-8"?>
 <Control xmlns="http://schemas.microsoft.com/VisualStudio/2011/storyboarding/control">
-  <Id Name="fd7d7bed-114e-464c-a4f1-01a512005949" Revision="1" Stencil="System.MyShapes" StencilVersion="1.0"/>
+  <Id Name="System.Storyboarding.WindowsApps.WindowsAppsTileMedium" Revision="1" Stencil="System.Storyboarding.WindowsApps" StencilVersion="0.1"/>
 </Control>
 </file>
 
 <file path=customXml/item3.xml><?xml version="1.0" encoding="utf-8"?>
 <Control xmlns="http://schemas.microsoft.com/VisualStudio/2011/storyboarding/control">
-  <Id Name="System.Storyboarding.WindowsApps.WindowsAppsTileMedium" Revision="1" Stencil="System.Storyboarding.WindowsApps" StencilVersion="0.1"/>
+  <Id Name="System.Storyboarding.WindowsApps.WindowsAppsButton" Revision="1" Stencil="System.Storyboarding.WindowsApps" StencilVersion="0.1"/>
 </Control>
 </file>
 
 <file path=customXml/item30.xml><?xml version="1.0" encoding="utf-8"?>
+<Control xmlns="http://schemas.microsoft.com/VisualStudio/2011/storyboarding/control">
+  <Id Name="System.Storyboarding.Backgrounds.WindowsPhone" Revision="1" Stencil="System.Storyboarding.Backgrounds" StencilVersion="0.1"/>
+</Control>
+</file>
+
+<file path=customXml/item31.xml><?xml version="1.0" encoding="utf-8"?>
 <Control xmlns="http://schemas.microsoft.com/VisualStudio/2011/storyboarding/control">
   <Id Name="System.Storyboarding.Annotation.CallOut" Revision="1" Stencil="System.Storyboarding.Annotation" StencilVersion="0.1"/>
 </Control>
 </file>
 
-<file path=customXml/item31.xml><?xml version="1.0" encoding="utf-8"?>
-<Control xmlns="http://schemas.microsoft.com/VisualStudio/2011/storyboarding/control">
-  <Id Name="System.Storyboarding.WindowsApps.WindowsAppsTileMedium" Revision="1" Stencil="System.Storyboarding.WindowsApps" StencilVersion="0.1"/>
-</Control>
-</file>
-
 <file path=customXml/item32.xml><?xml version="1.0" encoding="utf-8"?>
 <Control xmlns="http://schemas.microsoft.com/VisualStudio/2011/storyboarding/control">
-  <Id Name="System.Storyboarding.WindowsApps.WindowsAppsTileMedium" Revision="1" Stencil="System.Storyboarding.WindowsApps" StencilVersion="0.1"/>
+  <Id Name="System.Storyboarding.Backgrounds.WindowsPhone" Revision="1" Stencil="System.Storyboarding.Backgrounds" StencilVersion="0.1"/>
 </Control>
 </file>
 
 <file path=customXml/item33.xml><?xml version="1.0" encoding="utf-8"?>
 <Control xmlns="http://schemas.microsoft.com/VisualStudio/2011/storyboarding/control">
-  <Id Name="System.Storyboarding.WindowsAppIcons.Donotwant" Revision="1" Stencil="System.Storyboarding.WindowsAppIcons" StencilVersion="0.1"/>
+  <Id Name="fd7d7bed-114e-464c-a4f1-01a512005949" Revision="1" Stencil="System.MyShapes" StencilVersion="1.0"/>
 </Control>
 </file>
 
 <file path=customXml/item34.xml><?xml version="1.0" encoding="utf-8"?>
 <Control xmlns="http://schemas.microsoft.com/VisualStudio/2011/storyboarding/control">
-  <Id Name="System.Storyboarding.WindowsApps.WindowsAppsTileMedium" Revision="1" Stencil="System.Storyboarding.WindowsApps" StencilVersion="0.1"/>
+  <Id Name="System.Storyboarding.WindowsApps.WindowsAppsButton" Revision="1" Stencil="System.Storyboarding.WindowsApps" StencilVersion="0.1"/>
 </Control>
 </file>
 
@@ -10226,61 +10719,61 @@
 
 <file path=customXml/item36.xml><?xml version="1.0" encoding="utf-8"?>
 <Control xmlns="http://schemas.microsoft.com/VisualStudio/2011/storyboarding/control">
+  <Id Name="System.Storyboarding.Annotation.CallOut" Revision="1" Stencil="System.Storyboarding.Annotation" StencilVersion="0.1"/>
+</Control>
+</file>
+
+<file path=customXml/item37.xml><?xml version="1.0" encoding="utf-8"?>
+<Control xmlns="http://schemas.microsoft.com/VisualStudio/2011/storyboarding/control">
   <Id Name="System.Storyboarding.WindowsApps.WindowsAppsButton" Revision="1" Stencil="System.Storyboarding.WindowsApps" StencilVersion="0.1"/>
 </Control>
 </file>
 
-<file path=customXml/item37.xml><?xml version="1.0" encoding="utf-8"?>
+<file path=customXml/item38.xml><?xml version="1.0" encoding="utf-8"?>
+<Control xmlns="http://schemas.microsoft.com/VisualStudio/2011/storyboarding/control">
+  <Id Name="System.Storyboarding.WindowsApps.WindowsAppsButton" Revision="1" Stencil="System.Storyboarding.WindowsApps" StencilVersion="0.1"/>
+</Control>
+</file>
+
+<file path=customXml/item39.xml><?xml version="1.0" encoding="utf-8"?>
+<Control xmlns="http://schemas.microsoft.com/VisualStudio/2011/storyboarding/control">
+  <Id Name="System.Storyboarding.Annotation.CallOut" Revision="1" Stencil="System.Storyboarding.Annotation" StencilVersion="0.1"/>
+</Control>
+</file>
+
+<file path=customXml/item4.xml><?xml version="1.0" encoding="utf-8"?>
 <Control xmlns="http://schemas.microsoft.com/VisualStudio/2011/storyboarding/control">
   <Id Name="fd7d7bed-114e-464c-a4f1-01a512005949" Revision="1" Stencil="System.MyShapes" StencilVersion="1.0"/>
 </Control>
 </file>
 
-<file path=customXml/item38.xml><?xml version="1.0" encoding="utf-8"?>
+<file path=customXml/item40.xml><?xml version="1.0" encoding="utf-8"?>
 <Control xmlns="http://schemas.microsoft.com/VisualStudio/2011/storyboarding/control">
-  <Id Name="System.Storyboarding.Annotation.CallOut" Revision="1" Stencil="System.Storyboarding.Annotation" StencilVersion="0.1"/>
+  <Id Name="System.Storyboarding.WindowsApps.WindowsAppsTileMedium" Revision="1" Stencil="System.Storyboarding.WindowsApps" StencilVersion="0.1"/>
 </Control>
 </file>
 
-<file path=customXml/item39.xml><?xml version="1.0" encoding="utf-8"?>
+<file path=customXml/item41.xml><?xml version="1.0" encoding="utf-8"?>
+<Control xmlns="http://schemas.microsoft.com/VisualStudio/2011/storyboarding/control">
+  <Id Name="System.Storyboarding.WindowsApps.WindowsAppsTileMedium" Revision="1" Stencil="System.Storyboarding.WindowsApps" StencilVersion="0.1"/>
+</Control>
+</file>
+
+<file path=customXml/item42.xml><?xml version="1.0" encoding="utf-8"?>
+<Control xmlns="http://schemas.microsoft.com/VisualStudio/2011/storyboarding/control">
+  <Id Name="fd7d7bed-114e-464c-a4f1-01a512005949" Revision="1" Stencil="System.MyShapes" StencilVersion="1.0"/>
+</Control>
+</file>
+
+<file path=customXml/item43.xml><?xml version="1.0" encoding="utf-8"?>
 <Control xmlns="http://schemas.microsoft.com/VisualStudio/2011/storyboarding/control">
   <Id Name="System.Storyboarding.WindowsApps.WindowsAppsButton" Revision="1" Stencil="System.Storyboarding.WindowsApps" StencilVersion="0.1"/>
 </Control>
 </file>
 
-<file path=customXml/item4.xml><?xml version="1.0" encoding="utf-8"?>
-<Control xmlns="http://schemas.microsoft.com/VisualStudio/2011/storyboarding/control">
-  <Id Name="System.Storyboarding.WindowsApps.WindowsAppsButton" Revision="1" Stencil="System.Storyboarding.WindowsApps" StencilVersion="0.1"/>
-</Control>
-</file>
-
-<file path=customXml/item40.xml><?xml version="1.0" encoding="utf-8"?>
-<Control xmlns="http://schemas.microsoft.com/VisualStudio/2011/storyboarding/control">
-  <Id Name="fd7d7bed-114e-464c-a4f1-01a512005949" Revision="1" Stencil="System.MyShapes" StencilVersion="1.0"/>
-</Control>
-</file>
-
-<file path=customXml/item41.xml><?xml version="1.0" encoding="utf-8"?>
+<file path=customXml/item44.xml><?xml version="1.0" encoding="utf-8"?>
 <Control xmlns="http://schemas.microsoft.com/VisualStudio/2011/storyboarding/control">
   <Id Name="System.Storyboarding.Annotation.CallOut" Revision="1" Stencil="System.Storyboarding.Annotation" StencilVersion="0.1"/>
-</Control>
-</file>
-
-<file path=customXml/item42.xml><?xml version="1.0" encoding="utf-8"?>
-<Control xmlns="http://schemas.microsoft.com/VisualStudio/2011/storyboarding/control">
-  <Id Name="System.Storyboarding.WindowsApps.WindowsAppsTileMedium" Revision="1" Stencil="System.Storyboarding.WindowsApps" StencilVersion="0.1"/>
-</Control>
-</file>
-
-<file path=customXml/item43.xml><?xml version="1.0" encoding="utf-8"?>
-<Control xmlns="http://schemas.microsoft.com/VisualStudio/2011/storyboarding/control">
-  <Id Name="System.Storyboarding.WindowsAppIcons.Emoji" Revision="1" Stencil="System.Storyboarding.WindowsAppIcons" StencilVersion="0.1"/>
-</Control>
-</file>
-
-<file path=customXml/item44.xml><?xml version="1.0" encoding="utf-8"?>
-<Control xmlns="http://schemas.microsoft.com/VisualStudio/2011/storyboarding/control">
-  <Id Name="System.Storyboarding.WindowsApps.WindowsAppsTileMedium" Revision="1" Stencil="System.Storyboarding.WindowsApps" StencilVersion="0.1"/>
 </Control>
 </file>
 
@@ -10292,7 +10785,7 @@
 
 <file path=customXml/item46.xml><?xml version="1.0" encoding="utf-8"?>
 <Control xmlns="http://schemas.microsoft.com/VisualStudio/2011/storyboarding/control">
-  <Id Name="System.Storyboarding.WindowsApps.WindowsAppsTileMedium" Revision="1" Stencil="System.Storyboarding.WindowsApps" StencilVersion="0.1"/>
+  <Id Name="System.Storyboarding.WindowsApps.WindowsAppsButton" Revision="1" Stencil="System.Storyboarding.WindowsApps" StencilVersion="0.1"/>
 </Control>
 </file>
 
@@ -10316,43 +10809,85 @@
 
 <file path=customXml/item5.xml><?xml version="1.0" encoding="utf-8"?>
 <Control xmlns="http://schemas.microsoft.com/VisualStudio/2011/storyboarding/control">
-  <Id Name="System.Storyboarding.WindowsApps.WindowsAppsButton" Revision="1" Stencil="System.Storyboarding.WindowsApps" StencilVersion="0.1"/>
+  <Id Name="fd7d7bed-114e-464c-a4f1-01a512005949" Revision="1" Stencil="System.MyShapes" StencilVersion="1.0"/>
 </Control>
 </file>
 
 <file path=customXml/item50.xml><?xml version="1.0" encoding="utf-8"?>
+<Control xmlns="http://schemas.microsoft.com/VisualStudio/2011/storyboarding/control">
+  <Id Name="System.Storyboarding.WindowsApps.WindowsAppsTileMedium" Revision="1" Stencil="System.Storyboarding.WindowsApps" StencilVersion="0.1"/>
+</Control>
+</file>
+
+<file path=customXml/item51.xml><?xml version="1.0" encoding="utf-8"?>
+<Control xmlns="http://schemas.microsoft.com/VisualStudio/2011/storyboarding/control">
+  <Id Name="System.Storyboarding.WindowsApps.WindowsAppsTileMedium" Revision="1" Stencil="System.Storyboarding.WindowsApps" StencilVersion="0.1"/>
+</Control>
+</file>
+
+<file path=customXml/item52.xml><?xml version="1.0" encoding="utf-8"?>
+<Control xmlns="http://schemas.microsoft.com/VisualStudio/2011/storyboarding/control">
+  <Id Name="System.Storyboarding.WindowsApps.WindowsAppsTileMedium" Revision="1" Stencil="System.Storyboarding.WindowsApps" StencilVersion="0.1"/>
+</Control>
+</file>
+
+<file path=customXml/item53.xml><?xml version="1.0" encoding="utf-8"?>
 <Control xmlns="http://schemas.microsoft.com/VisualStudio/2011/storyboarding/control">
   <Id Name="fd7d7bed-114e-464c-a4f1-01a512005949" Revision="1" Stencil="System.MyShapes" StencilVersion="1.0"/>
 </Control>
 </file>
 
-<file path=customXml/item51.xml><?xml version="1.0" encoding="utf-8"?>
+<file path=customXml/item54.xml><?xml version="1.0" encoding="utf-8"?>
+<Control xmlns="http://schemas.microsoft.com/VisualStudio/2011/storyboarding/control">
+  <Id Name="System.Storyboarding.WindowsApps.WindowsAppsButton" Revision="1" Stencil="System.Storyboarding.WindowsApps" StencilVersion="0.1"/>
+</Control>
+</file>
+
+<file path=customXml/item55.xml><?xml version="1.0" encoding="utf-8"?>
+<Control xmlns="http://schemas.microsoft.com/VisualStudio/2011/storyboarding/control">
+  <Id Name="System.Storyboarding.WindowsApps.WindowsAppsButton" Revision="1" Stencil="System.Storyboarding.WindowsApps" StencilVersion="0.1"/>
+</Control>
+</file>
+
+<file path=customXml/item56.xml><?xml version="1.0" encoding="utf-8"?>
 <Control xmlns="http://schemas.microsoft.com/VisualStudio/2011/storyboarding/control">
   <Id Name="System.Storyboarding.Annotation.CallOut" Revision="1" Stencil="System.Storyboarding.Annotation" StencilVersion="0.1"/>
 </Control>
 </file>
 
-<file path=customXml/item52.xml><?xml version="1.0" encoding="utf-8"?>
+<file path=customXml/item57.xml><?xml version="1.0" encoding="utf-8"?>
 <Control xmlns="http://schemas.microsoft.com/VisualStudio/2011/storyboarding/control">
   <Id Name="fd7d7bed-114e-464c-a4f1-01a512005949" Revision="1" Stencil="System.MyShapes" StencilVersion="1.0"/>
 </Control>
 </file>
 
-<file path=customXml/item53.xml><?xml version="1.0" encoding="utf-8"?>
+<file path=customXml/item58.xml><?xml version="1.0" encoding="utf-8"?>
 <Control xmlns="http://schemas.microsoft.com/VisualStudio/2011/storyboarding/control">
   <Id Name="System.Storyboarding.Annotation.CallOut" Revision="1" Stencil="System.Storyboarding.Annotation" StencilVersion="0.1"/>
 </Control>
 </file>
 
-<file path=customXml/item6.xml><?xml version="1.0" encoding="utf-8"?>
+<file path=customXml/item59.xml><?xml version="1.0" encoding="utf-8"?>
 <Control xmlns="http://schemas.microsoft.com/VisualStudio/2011/storyboarding/control">
   <Id Name="fd7d7bed-114e-464c-a4f1-01a512005949" Revision="1" Stencil="System.MyShapes" StencilVersion="1.0"/>
 </Control>
 </file>
 
+<file path=customXml/item6.xml><?xml version="1.0" encoding="utf-8"?>
+<Control xmlns="http://schemas.microsoft.com/VisualStudio/2011/storyboarding/control">
+  <Id Name="System.Storyboarding.WindowsApps.WindowsAppsButton" Revision="1" Stencil="System.Storyboarding.WindowsApps" StencilVersion="0.1"/>
+</Control>
+</file>
+
+<file path=customXml/item60.xml><?xml version="1.0" encoding="utf-8"?>
+<Control xmlns="http://schemas.microsoft.com/VisualStudio/2011/storyboarding/control">
+  <Id Name="System.Storyboarding.Icons.Error" Revision="1" Stencil="System.Storyboarding.Icons" StencilVersion="0.1"/>
+</Control>
+</file>
+
 <file path=customXml/item7.xml><?xml version="1.0" encoding="utf-8"?>
 <Control xmlns="http://schemas.microsoft.com/VisualStudio/2011/storyboarding/control">
-  <Id Name="System.Storyboarding.Annotation.CallOut" Revision="1" Stencil="System.Storyboarding.Annotation" StencilVersion="0.1"/>
+  <Id Name="System.Storyboarding.WindowsApps.WindowsAppsTileMedium" Revision="1" Stencil="System.Storyboarding.WindowsApps" StencilVersion="0.1"/>
 </Control>
 </file>
 
@@ -10364,12 +10899,12 @@
 
 <file path=customXml/item9.xml><?xml version="1.0" encoding="utf-8"?>
 <Control xmlns="http://schemas.microsoft.com/VisualStudio/2011/storyboarding/control">
-  <Id Name="System.Storyboarding.Annotation.CallOut" Revision="1" Stencil="System.Storyboarding.Annotation" StencilVersion="0.1"/>
+  <Id Name="fd7d7bed-114e-464c-a4f1-01a512005949" Revision="1" Stencil="System.MyShapes" StencilVersion="1.0"/>
 </Control>
 </file>
 
 <file path=customXml/itemProps1.xml><?xml version="1.0" encoding="utf-8"?>
-<ds:datastoreItem xmlns:ds="http://schemas.openxmlformats.org/officeDocument/2006/customXml" ds:itemID="{831CC1F3-48E3-4367-AA27-BFB6D7A37182}">
+<ds:datastoreItem xmlns:ds="http://schemas.openxmlformats.org/officeDocument/2006/customXml" ds:itemID="{190EBEF0-CB9E-4C67-BBD3-192F9F5BB87E}">
   <ds:schemaRefs>
     <ds:schemaRef ds:uri="http://schemas.microsoft.com/VisualStudio/2011/storyboarding/control"/>
   </ds:schemaRefs>
@@ -10377,7 +10912,7 @@
 </file>
 
 <file path=customXml/itemProps10.xml><?xml version="1.0" encoding="utf-8"?>
-<ds:datastoreItem xmlns:ds="http://schemas.openxmlformats.org/officeDocument/2006/customXml" ds:itemID="{C76B3611-00D2-4D8A-81E2-3DAAC702EE04}">
+<ds:datastoreItem xmlns:ds="http://schemas.openxmlformats.org/officeDocument/2006/customXml" ds:itemID="{36EDA764-43F5-4C83-A43C-7C11C84EB100}">
   <ds:schemaRefs>
     <ds:schemaRef ds:uri="http://schemas.microsoft.com/VisualStudio/2011/storyboarding/control"/>
   </ds:schemaRefs>
@@ -10385,7 +10920,7 @@
 </file>
 
 <file path=customXml/itemProps11.xml><?xml version="1.0" encoding="utf-8"?>
-<ds:datastoreItem xmlns:ds="http://schemas.openxmlformats.org/officeDocument/2006/customXml" ds:itemID="{6C142DB8-4046-4E2F-87C2-7EBCDA60703A}">
+<ds:datastoreItem xmlns:ds="http://schemas.openxmlformats.org/officeDocument/2006/customXml" ds:itemID="{571678DC-267F-47C2-A3B2-F591F73394A5}">
   <ds:schemaRefs>
     <ds:schemaRef ds:uri="http://schemas.microsoft.com/VisualStudio/2011/storyboarding/control"/>
   </ds:schemaRefs>
@@ -10393,7 +10928,7 @@
 </file>
 
 <file path=customXml/itemProps12.xml><?xml version="1.0" encoding="utf-8"?>
-<ds:datastoreItem xmlns:ds="http://schemas.openxmlformats.org/officeDocument/2006/customXml" ds:itemID="{5DDEC329-F8A0-4AB7-A43D-EBCA2E0A9F0A}">
+<ds:datastoreItem xmlns:ds="http://schemas.openxmlformats.org/officeDocument/2006/customXml" ds:itemID="{FEEE37C0-7C52-4B75-B817-78E5E594B56F}">
   <ds:schemaRefs>
     <ds:schemaRef ds:uri="http://schemas.microsoft.com/VisualStudio/2011/storyboarding/control"/>
   </ds:schemaRefs>
@@ -10401,7 +10936,7 @@
 </file>
 
 <file path=customXml/itemProps13.xml><?xml version="1.0" encoding="utf-8"?>
-<ds:datastoreItem xmlns:ds="http://schemas.openxmlformats.org/officeDocument/2006/customXml" ds:itemID="{DE293149-9CCD-457B-84DE-7E7B56E1FEFC}">
+<ds:datastoreItem xmlns:ds="http://schemas.openxmlformats.org/officeDocument/2006/customXml" ds:itemID="{55094CDB-2A74-4FBE-902E-908BB32F232D}">
   <ds:schemaRefs>
     <ds:schemaRef ds:uri="http://schemas.microsoft.com/VisualStudio/2011/storyboarding/control"/>
   </ds:schemaRefs>
@@ -10417,7 +10952,7 @@
 </file>
 
 <file path=customXml/itemProps15.xml><?xml version="1.0" encoding="utf-8"?>
-<ds:datastoreItem xmlns:ds="http://schemas.openxmlformats.org/officeDocument/2006/customXml" ds:itemID="{C81C1EAF-5573-4252-ABC3-FCE2BB949409}">
+<ds:datastoreItem xmlns:ds="http://schemas.openxmlformats.org/officeDocument/2006/customXml" ds:itemID="{004B09A5-32AD-4CCB-8361-A2EF01A5A068}">
   <ds:schemaRefs>
     <ds:schemaRef ds:uri="http://schemas.microsoft.com/VisualStudio/2011/storyboarding/control"/>
   </ds:schemaRefs>
@@ -10425,7 +10960,7 @@
 </file>
 
 <file path=customXml/itemProps16.xml><?xml version="1.0" encoding="utf-8"?>
-<ds:datastoreItem xmlns:ds="http://schemas.openxmlformats.org/officeDocument/2006/customXml" ds:itemID="{D3B48954-D3FD-48DF-BABD-6FC53C1FE557}">
+<ds:datastoreItem xmlns:ds="http://schemas.openxmlformats.org/officeDocument/2006/customXml" ds:itemID="{59EA028F-946B-4A71-BD84-489D2C1341A2}">
   <ds:schemaRefs>
     <ds:schemaRef ds:uri="http://schemas.microsoft.com/VisualStudio/2011/storyboarding/control"/>
   </ds:schemaRefs>
@@ -10433,7 +10968,7 @@
 </file>
 
 <file path=customXml/itemProps17.xml><?xml version="1.0" encoding="utf-8"?>
-<ds:datastoreItem xmlns:ds="http://schemas.openxmlformats.org/officeDocument/2006/customXml" ds:itemID="{3F793D20-BE72-4C4B-9D26-502AA3F72ECF}">
+<ds:datastoreItem xmlns:ds="http://schemas.openxmlformats.org/officeDocument/2006/customXml" ds:itemID="{0F67BC1B-C4A3-4EF8-B37F-FD887C9E8AEC}">
   <ds:schemaRefs>
     <ds:schemaRef ds:uri="http://schemas.microsoft.com/VisualStudio/2011/storyboarding/control"/>
   </ds:schemaRefs>
@@ -10441,7 +10976,7 @@
 </file>
 
 <file path=customXml/itemProps18.xml><?xml version="1.0" encoding="utf-8"?>
-<ds:datastoreItem xmlns:ds="http://schemas.openxmlformats.org/officeDocument/2006/customXml" ds:itemID="{F3D1B56C-1098-4BDA-B23F-5C6F926B691C}">
+<ds:datastoreItem xmlns:ds="http://schemas.openxmlformats.org/officeDocument/2006/customXml" ds:itemID="{9483A2CD-33FC-48E4-A7B5-B010692A6106}">
   <ds:schemaRefs>
     <ds:schemaRef ds:uri="http://schemas.microsoft.com/VisualStudio/2011/storyboarding/control"/>
   </ds:schemaRefs>
@@ -10449,7 +10984,7 @@
 </file>
 
 <file path=customXml/itemProps19.xml><?xml version="1.0" encoding="utf-8"?>
-<ds:datastoreItem xmlns:ds="http://schemas.openxmlformats.org/officeDocument/2006/customXml" ds:itemID="{55094CDB-2A74-4FBE-902E-908BB32F232D}">
+<ds:datastoreItem xmlns:ds="http://schemas.openxmlformats.org/officeDocument/2006/customXml" ds:itemID="{5E894C71-B2DA-46E2-B5A7-3A1C3D5DB5B8}">
   <ds:schemaRefs>
     <ds:schemaRef ds:uri="http://schemas.microsoft.com/VisualStudio/2011/storyboarding/control"/>
   </ds:schemaRefs>
@@ -10465,6 +11000,94 @@
 </file>
 
 <file path=customXml/itemProps20.xml><?xml version="1.0" encoding="utf-8"?>
+<ds:datastoreItem xmlns:ds="http://schemas.openxmlformats.org/officeDocument/2006/customXml" ds:itemID="{06C2D9AE-7534-4FAD-A8C5-335E417D83FF}">
+  <ds:schemaRefs>
+    <ds:schemaRef ds:uri="http://schemas.microsoft.com/VisualStudio/2011/storyboarding/control"/>
+  </ds:schemaRefs>
+</ds:datastoreItem>
+</file>
+
+<file path=customXml/itemProps21.xml><?xml version="1.0" encoding="utf-8"?>
+<ds:datastoreItem xmlns:ds="http://schemas.openxmlformats.org/officeDocument/2006/customXml" ds:itemID="{3A9E3F93-02A4-4356-BBC6-A7BD971C5367}">
+  <ds:schemaRefs>
+    <ds:schemaRef ds:uri="http://schemas.microsoft.com/VisualStudio/2011/storyboarding/control"/>
+  </ds:schemaRefs>
+</ds:datastoreItem>
+</file>
+
+<file path=customXml/itemProps22.xml><?xml version="1.0" encoding="utf-8"?>
+<ds:datastoreItem xmlns:ds="http://schemas.openxmlformats.org/officeDocument/2006/customXml" ds:itemID="{ED3F02EF-3CEC-4FA2-ABA7-55430503271A}">
+  <ds:schemaRefs>
+    <ds:schemaRef ds:uri="http://schemas.microsoft.com/VisualStudio/2011/storyboarding/control"/>
+  </ds:schemaRefs>
+</ds:datastoreItem>
+</file>
+
+<file path=customXml/itemProps23.xml><?xml version="1.0" encoding="utf-8"?>
+<ds:datastoreItem xmlns:ds="http://schemas.openxmlformats.org/officeDocument/2006/customXml" ds:itemID="{C9CD690E-579D-4787-85BC-0470699F0591}">
+  <ds:schemaRefs>
+    <ds:schemaRef ds:uri="http://schemas.microsoft.com/VisualStudio/2011/storyboarding/control"/>
+  </ds:schemaRefs>
+</ds:datastoreItem>
+</file>
+
+<file path=customXml/itemProps24.xml><?xml version="1.0" encoding="utf-8"?>
+<ds:datastoreItem xmlns:ds="http://schemas.openxmlformats.org/officeDocument/2006/customXml" ds:itemID="{5DDEC329-F8A0-4AB7-A43D-EBCA2E0A9F0A}">
+  <ds:schemaRefs>
+    <ds:schemaRef ds:uri="http://schemas.microsoft.com/VisualStudio/2011/storyboarding/control"/>
+  </ds:schemaRefs>
+</ds:datastoreItem>
+</file>
+
+<file path=customXml/itemProps25.xml><?xml version="1.0" encoding="utf-8"?>
+<ds:datastoreItem xmlns:ds="http://schemas.openxmlformats.org/officeDocument/2006/customXml" ds:itemID="{3F793D20-BE72-4C4B-9D26-502AA3F72ECF}">
+  <ds:schemaRefs>
+    <ds:schemaRef ds:uri="http://schemas.microsoft.com/VisualStudio/2011/storyboarding/control"/>
+  </ds:schemaRefs>
+</ds:datastoreItem>
+</file>
+
+<file path=customXml/itemProps26.xml><?xml version="1.0" encoding="utf-8"?>
+<ds:datastoreItem xmlns:ds="http://schemas.openxmlformats.org/officeDocument/2006/customXml" ds:itemID="{A1B816BD-20A9-4267-9EEE-68B4093B883C}">
+  <ds:schemaRefs>
+    <ds:schemaRef ds:uri="http://schemas.microsoft.com/VisualStudio/2011/storyboarding/control"/>
+  </ds:schemaRefs>
+</ds:datastoreItem>
+</file>
+
+<file path=customXml/itemProps27.xml><?xml version="1.0" encoding="utf-8"?>
+<ds:datastoreItem xmlns:ds="http://schemas.openxmlformats.org/officeDocument/2006/customXml" ds:itemID="{659039C9-9E57-4631-A7B7-C4066315FAF6}">
+  <ds:schemaRefs>
+    <ds:schemaRef ds:uri="http://schemas.microsoft.com/VisualStudio/2011/storyboarding/control"/>
+  </ds:schemaRefs>
+</ds:datastoreItem>
+</file>
+
+<file path=customXml/itemProps28.xml><?xml version="1.0" encoding="utf-8"?>
+<ds:datastoreItem xmlns:ds="http://schemas.openxmlformats.org/officeDocument/2006/customXml" ds:itemID="{5A3CA955-CC15-445A-BB94-545C151A46CB}">
+  <ds:schemaRefs>
+    <ds:schemaRef ds:uri="http://schemas.microsoft.com/VisualStudio/2011/storyboarding/control"/>
+  </ds:schemaRefs>
+</ds:datastoreItem>
+</file>
+
+<file path=customXml/itemProps29.xml><?xml version="1.0" encoding="utf-8"?>
+<ds:datastoreItem xmlns:ds="http://schemas.openxmlformats.org/officeDocument/2006/customXml" ds:itemID="{CF84A91D-8176-4C11-BA36-9F0BAC5B93DD}">
+  <ds:schemaRefs>
+    <ds:schemaRef ds:uri="http://schemas.microsoft.com/VisualStudio/2011/storyboarding/control"/>
+  </ds:schemaRefs>
+</ds:datastoreItem>
+</file>
+
+<file path=customXml/itemProps3.xml><?xml version="1.0" encoding="utf-8"?>
+<ds:datastoreItem xmlns:ds="http://schemas.openxmlformats.org/officeDocument/2006/customXml" ds:itemID="{D3B48954-D3FD-48DF-BABD-6FC53C1FE557}">
+  <ds:schemaRefs>
+    <ds:schemaRef ds:uri="http://schemas.microsoft.com/VisualStudio/2011/storyboarding/control"/>
+  </ds:schemaRefs>
+</ds:datastoreItem>
+</file>
+
+<file path=customXml/itemProps30.xml><?xml version="1.0" encoding="utf-8"?>
 <ds:datastoreItem xmlns:ds="http://schemas.openxmlformats.org/officeDocument/2006/customXml" ds:itemID="{40E1E962-5637-4EB6-B93C-DA8F96A81FAF}">
   <ds:schemaRefs>
     <ds:schemaRef ds:uri="http://schemas.microsoft.com/VisualStudio/2011/storyboarding/control"/>
@@ -10472,7 +11095,159 @@
 </ds:datastoreItem>
 </file>
 
-<file path=customXml/itemProps21.xml><?xml version="1.0" encoding="utf-8"?>
+<file path=customXml/itemProps31.xml><?xml version="1.0" encoding="utf-8"?>
+<ds:datastoreItem xmlns:ds="http://schemas.openxmlformats.org/officeDocument/2006/customXml" ds:itemID="{27E32971-DE1A-4E07-8036-1C43278AB1CE}">
+  <ds:schemaRefs>
+    <ds:schemaRef ds:uri="http://schemas.microsoft.com/VisualStudio/2011/storyboarding/control"/>
+  </ds:schemaRefs>
+</ds:datastoreItem>
+</file>
+
+<file path=customXml/itemProps32.xml><?xml version="1.0" encoding="utf-8"?>
+<ds:datastoreItem xmlns:ds="http://schemas.openxmlformats.org/officeDocument/2006/customXml" ds:itemID="{831CC1F3-48E3-4367-AA27-BFB6D7A37182}">
+  <ds:schemaRefs>
+    <ds:schemaRef ds:uri="http://schemas.microsoft.com/VisualStudio/2011/storyboarding/control"/>
+  </ds:schemaRefs>
+</ds:datastoreItem>
+</file>
+
+<file path=customXml/itemProps33.xml><?xml version="1.0" encoding="utf-8"?>
+<ds:datastoreItem xmlns:ds="http://schemas.openxmlformats.org/officeDocument/2006/customXml" ds:itemID="{9501DC5F-120C-4F65-9B9C-A042818517A5}">
+  <ds:schemaRefs>
+    <ds:schemaRef ds:uri="http://schemas.microsoft.com/VisualStudio/2011/storyboarding/control"/>
+  </ds:schemaRefs>
+</ds:datastoreItem>
+</file>
+
+<file path=customXml/itemProps34.xml><?xml version="1.0" encoding="utf-8"?>
+<ds:datastoreItem xmlns:ds="http://schemas.openxmlformats.org/officeDocument/2006/customXml" ds:itemID="{C81C1EAF-5573-4252-ABC3-FCE2BB949409}">
+  <ds:schemaRefs>
+    <ds:schemaRef ds:uri="http://schemas.microsoft.com/VisualStudio/2011/storyboarding/control"/>
+  </ds:schemaRefs>
+</ds:datastoreItem>
+</file>
+
+<file path=customXml/itemProps35.xml><?xml version="1.0" encoding="utf-8"?>
+<ds:datastoreItem xmlns:ds="http://schemas.openxmlformats.org/officeDocument/2006/customXml" ds:itemID="{2238C136-D227-4AA1-A465-1D5076A289E6}">
+  <ds:schemaRefs>
+    <ds:schemaRef ds:uri="http://schemas.microsoft.com/VisualStudio/2011/storyboarding/control"/>
+  </ds:schemaRefs>
+</ds:datastoreItem>
+</file>
+
+<file path=customXml/itemProps36.xml><?xml version="1.0" encoding="utf-8"?>
+<ds:datastoreItem xmlns:ds="http://schemas.openxmlformats.org/officeDocument/2006/customXml" ds:itemID="{F3F355F8-D936-4AFD-818D-52B5131B2DE1}">
+  <ds:schemaRefs>
+    <ds:schemaRef ds:uri="http://schemas.microsoft.com/VisualStudio/2011/storyboarding/control"/>
+  </ds:schemaRefs>
+</ds:datastoreItem>
+</file>
+
+<file path=customXml/itemProps37.xml><?xml version="1.0" encoding="utf-8"?>
+<ds:datastoreItem xmlns:ds="http://schemas.openxmlformats.org/officeDocument/2006/customXml" ds:itemID="{B0D39E60-4C78-477F-973B-B3A32CF1CE06}">
+  <ds:schemaRefs>
+    <ds:schemaRef ds:uri="http://schemas.microsoft.com/VisualStudio/2011/storyboarding/control"/>
+  </ds:schemaRefs>
+</ds:datastoreItem>
+</file>
+
+<file path=customXml/itemProps38.xml><?xml version="1.0" encoding="utf-8"?>
+<ds:datastoreItem xmlns:ds="http://schemas.openxmlformats.org/officeDocument/2006/customXml" ds:itemID="{E621F820-782A-4D55-A65D-5B9683D8D158}">
+  <ds:schemaRefs>
+    <ds:schemaRef ds:uri="http://schemas.microsoft.com/VisualStudio/2011/storyboarding/control"/>
+  </ds:schemaRefs>
+</ds:datastoreItem>
+</file>
+
+<file path=customXml/itemProps39.xml><?xml version="1.0" encoding="utf-8"?>
+<ds:datastoreItem xmlns:ds="http://schemas.openxmlformats.org/officeDocument/2006/customXml" ds:itemID="{C76B3611-00D2-4D8A-81E2-3DAAC702EE04}">
+  <ds:schemaRefs>
+    <ds:schemaRef ds:uri="http://schemas.microsoft.com/VisualStudio/2011/storyboarding/control"/>
+  </ds:schemaRefs>
+</ds:datastoreItem>
+</file>
+
+<file path=customXml/itemProps4.xml><?xml version="1.0" encoding="utf-8"?>
+<ds:datastoreItem xmlns:ds="http://schemas.openxmlformats.org/officeDocument/2006/customXml" ds:itemID="{C4B39F5D-B3F1-470B-8B1A-5B666FAECEC8}">
+  <ds:schemaRefs>
+    <ds:schemaRef ds:uri="http://schemas.microsoft.com/VisualStudio/2011/storyboarding/control"/>
+  </ds:schemaRefs>
+</ds:datastoreItem>
+</file>
+
+<file path=customXml/itemProps40.xml><?xml version="1.0" encoding="utf-8"?>
+<ds:datastoreItem xmlns:ds="http://schemas.openxmlformats.org/officeDocument/2006/customXml" ds:itemID="{7189590F-1A48-46F3-B24A-D8D0F3BA0A15}">
+  <ds:schemaRefs>
+    <ds:schemaRef ds:uri="http://schemas.microsoft.com/VisualStudio/2011/storyboarding/control"/>
+  </ds:schemaRefs>
+</ds:datastoreItem>
+</file>
+
+<file path=customXml/itemProps41.xml><?xml version="1.0" encoding="utf-8"?>
+<ds:datastoreItem xmlns:ds="http://schemas.openxmlformats.org/officeDocument/2006/customXml" ds:itemID="{26190532-7283-4B3A-A4F0-D4225A0BC43D}">
+  <ds:schemaRefs>
+    <ds:schemaRef ds:uri="http://schemas.microsoft.com/VisualStudio/2011/storyboarding/control"/>
+  </ds:schemaRefs>
+</ds:datastoreItem>
+</file>
+
+<file path=customXml/itemProps42.xml><?xml version="1.0" encoding="utf-8"?>
+<ds:datastoreItem xmlns:ds="http://schemas.openxmlformats.org/officeDocument/2006/customXml" ds:itemID="{D42EC927-BD14-4EEB-A2C7-7B41724D5817}">
+  <ds:schemaRefs>
+    <ds:schemaRef ds:uri="http://schemas.microsoft.com/VisualStudio/2011/storyboarding/control"/>
+  </ds:schemaRefs>
+</ds:datastoreItem>
+</file>
+
+<file path=customXml/itemProps43.xml><?xml version="1.0" encoding="utf-8"?>
+<ds:datastoreItem xmlns:ds="http://schemas.openxmlformats.org/officeDocument/2006/customXml" ds:itemID="{C0236D38-7F8A-4EAA-B6A1-6880B56FE83E}">
+  <ds:schemaRefs>
+    <ds:schemaRef ds:uri="http://schemas.microsoft.com/VisualStudio/2011/storyboarding/control"/>
+  </ds:schemaRefs>
+</ds:datastoreItem>
+</file>
+
+<file path=customXml/itemProps44.xml><?xml version="1.0" encoding="utf-8"?>
+<ds:datastoreItem xmlns:ds="http://schemas.openxmlformats.org/officeDocument/2006/customXml" ds:itemID="{CFD780DE-34AD-4E8E-9D17-223D69561496}">
+  <ds:schemaRefs>
+    <ds:schemaRef ds:uri="http://schemas.microsoft.com/VisualStudio/2011/storyboarding/control"/>
+  </ds:schemaRefs>
+</ds:datastoreItem>
+</file>
+
+<file path=customXml/itemProps45.xml><?xml version="1.0" encoding="utf-8"?>
+<ds:datastoreItem xmlns:ds="http://schemas.openxmlformats.org/officeDocument/2006/customXml" ds:itemID="{DE293149-9CCD-457B-84DE-7E7B56E1FEFC}">
+  <ds:schemaRefs>
+    <ds:schemaRef ds:uri="http://schemas.microsoft.com/VisualStudio/2011/storyboarding/control"/>
+  </ds:schemaRefs>
+</ds:datastoreItem>
+</file>
+
+<file path=customXml/itemProps46.xml><?xml version="1.0" encoding="utf-8"?>
+<ds:datastoreItem xmlns:ds="http://schemas.openxmlformats.org/officeDocument/2006/customXml" ds:itemID="{F3D1B56C-1098-4BDA-B23F-5C6F926B691C}">
+  <ds:schemaRefs>
+    <ds:schemaRef ds:uri="http://schemas.microsoft.com/VisualStudio/2011/storyboarding/control"/>
+  </ds:schemaRefs>
+</ds:datastoreItem>
+</file>
+
+<file path=customXml/itemProps47.xml><?xml version="1.0" encoding="utf-8"?>
+<ds:datastoreItem xmlns:ds="http://schemas.openxmlformats.org/officeDocument/2006/customXml" ds:itemID="{380758EA-E49E-4704-9569-4087603CA842}">
+  <ds:schemaRefs>
+    <ds:schemaRef ds:uri="http://schemas.microsoft.com/VisualStudio/2011/storyboarding/control"/>
+  </ds:schemaRefs>
+</ds:datastoreItem>
+</file>
+
+<file path=customXml/itemProps48.xml><?xml version="1.0" encoding="utf-8"?>
+<ds:datastoreItem xmlns:ds="http://schemas.openxmlformats.org/officeDocument/2006/customXml" ds:itemID="{01BBD822-2486-4BAB-8BE0-43BC08D35C57}">
+  <ds:schemaRefs>
+    <ds:schemaRef ds:uri="http://schemas.microsoft.com/VisualStudio/2011/storyboarding/control"/>
+  </ds:schemaRefs>
+</ds:datastoreItem>
+</file>
+
+<file path=customXml/itemProps49.xml><?xml version="1.0" encoding="utf-8"?>
 <ds:datastoreItem xmlns:ds="http://schemas.openxmlformats.org/officeDocument/2006/customXml" ds:itemID="{FD188300-81E8-4775-8131-2C284D97ABB2}">
   <ds:schemaRefs>
     <ds:schemaRef ds:uri="http://schemas.microsoft.com/VisualStudio/2011/storyboarding/control"/>
@@ -10480,23 +11255,95 @@
 </ds:datastoreItem>
 </file>
 
-<file path=customXml/itemProps22.xml><?xml version="1.0" encoding="utf-8"?>
-<ds:datastoreItem xmlns:ds="http://schemas.openxmlformats.org/officeDocument/2006/customXml" ds:itemID="{004B09A5-32AD-4CCB-8361-A2EF01A5A068}">
+<file path=customXml/itemProps5.xml><?xml version="1.0" encoding="utf-8"?>
+<ds:datastoreItem xmlns:ds="http://schemas.openxmlformats.org/officeDocument/2006/customXml" ds:itemID="{6C142DB8-4046-4E2F-87C2-7EBCDA60703A}">
   <ds:schemaRefs>
     <ds:schemaRef ds:uri="http://schemas.microsoft.com/VisualStudio/2011/storyboarding/control"/>
   </ds:schemaRefs>
 </ds:datastoreItem>
 </file>
 
-<file path=customXml/itemProps23.xml><?xml version="1.0" encoding="utf-8"?>
-<ds:datastoreItem xmlns:ds="http://schemas.openxmlformats.org/officeDocument/2006/customXml" ds:itemID="{2238C136-D227-4AA1-A465-1D5076A289E6}">
+<file path=customXml/itemProps50.xml><?xml version="1.0" encoding="utf-8"?>
+<ds:datastoreItem xmlns:ds="http://schemas.openxmlformats.org/officeDocument/2006/customXml" ds:itemID="{4634477D-D8CC-4869-941E-D079C4C3EEF8}">
   <ds:schemaRefs>
     <ds:schemaRef ds:uri="http://schemas.microsoft.com/VisualStudio/2011/storyboarding/control"/>
   </ds:schemaRefs>
 </ds:datastoreItem>
 </file>
 
-<file path=customXml/itemProps24.xml><?xml version="1.0" encoding="utf-8"?>
+<file path=customXml/itemProps51.xml><?xml version="1.0" encoding="utf-8"?>
+<ds:datastoreItem xmlns:ds="http://schemas.openxmlformats.org/officeDocument/2006/customXml" ds:itemID="{798E1A44-C6DC-4F6B-8062-CEEC518F1F18}">
+  <ds:schemaRefs>
+    <ds:schemaRef ds:uri="http://schemas.microsoft.com/VisualStudio/2011/storyboarding/control"/>
+  </ds:schemaRefs>
+</ds:datastoreItem>
+</file>
+
+<file path=customXml/itemProps52.xml><?xml version="1.0" encoding="utf-8"?>
+<ds:datastoreItem xmlns:ds="http://schemas.openxmlformats.org/officeDocument/2006/customXml" ds:itemID="{1C7801AE-0A4F-4BE1-AE83-D4ED8E0DEB9E}">
+  <ds:schemaRefs>
+    <ds:schemaRef ds:uri="http://schemas.microsoft.com/VisualStudio/2011/storyboarding/control"/>
+  </ds:schemaRefs>
+</ds:datastoreItem>
+</file>
+
+<file path=customXml/itemProps53.xml><?xml version="1.0" encoding="utf-8"?>
+<ds:datastoreItem xmlns:ds="http://schemas.openxmlformats.org/officeDocument/2006/customXml" ds:itemID="{D9F1C4B6-E0F0-4CEE-BD7B-F93BD5842C1D}">
+  <ds:schemaRefs>
+    <ds:schemaRef ds:uri="http://schemas.microsoft.com/VisualStudio/2011/storyboarding/control"/>
+  </ds:schemaRefs>
+</ds:datastoreItem>
+</file>
+
+<file path=customXml/itemProps54.xml><?xml version="1.0" encoding="utf-8"?>
+<ds:datastoreItem xmlns:ds="http://schemas.openxmlformats.org/officeDocument/2006/customXml" ds:itemID="{454EE663-ABEC-4DCB-88C3-A6F9DAB3AFEB}">
+  <ds:schemaRefs>
+    <ds:schemaRef ds:uri="http://schemas.microsoft.com/VisualStudio/2011/storyboarding/control"/>
+  </ds:schemaRefs>
+</ds:datastoreItem>
+</file>
+
+<file path=customXml/itemProps55.xml><?xml version="1.0" encoding="utf-8"?>
+<ds:datastoreItem xmlns:ds="http://schemas.openxmlformats.org/officeDocument/2006/customXml" ds:itemID="{03C590B9-05DB-4F5B-99C3-848AED9ACB4E}">
+  <ds:schemaRefs>
+    <ds:schemaRef ds:uri="http://schemas.microsoft.com/VisualStudio/2011/storyboarding/control"/>
+  </ds:schemaRefs>
+</ds:datastoreItem>
+</file>
+
+<file path=customXml/itemProps56.xml><?xml version="1.0" encoding="utf-8"?>
+<ds:datastoreItem xmlns:ds="http://schemas.openxmlformats.org/officeDocument/2006/customXml" ds:itemID="{9FE835D4-D323-4BA8-AC22-67F92BED91C7}">
+  <ds:schemaRefs>
+    <ds:schemaRef ds:uri="http://schemas.microsoft.com/VisualStudio/2011/storyboarding/control"/>
+  </ds:schemaRefs>
+</ds:datastoreItem>
+</file>
+
+<file path=customXml/itemProps57.xml><?xml version="1.0" encoding="utf-8"?>
+<ds:datastoreItem xmlns:ds="http://schemas.openxmlformats.org/officeDocument/2006/customXml" ds:itemID="{B2001CEA-37FA-4A6C-BC64-46726D8508FA}">
+  <ds:schemaRefs>
+    <ds:schemaRef ds:uri="http://schemas.microsoft.com/VisualStudio/2011/storyboarding/control"/>
+  </ds:schemaRefs>
+</ds:datastoreItem>
+</file>
+
+<file path=customXml/itemProps58.xml><?xml version="1.0" encoding="utf-8"?>
+<ds:datastoreItem xmlns:ds="http://schemas.openxmlformats.org/officeDocument/2006/customXml" ds:itemID="{AF85AF10-45D2-4FD3-8FAB-69557E6D8FEE}">
+  <ds:schemaRefs>
+    <ds:schemaRef ds:uri="http://schemas.microsoft.com/VisualStudio/2011/storyboarding/control"/>
+  </ds:schemaRefs>
+</ds:datastoreItem>
+</file>
+
+<file path=customXml/itemProps59.xml><?xml version="1.0" encoding="utf-8"?>
+<ds:datastoreItem xmlns:ds="http://schemas.openxmlformats.org/officeDocument/2006/customXml" ds:itemID="{7CBAB6EC-F3DF-4763-9CFB-476849EF7E97}">
+  <ds:schemaRefs>
+    <ds:schemaRef ds:uri="http://schemas.microsoft.com/VisualStudio/2011/storyboarding/control"/>
+  </ds:schemaRefs>
+</ds:datastoreItem>
+</file>
+
+<file path=customXml/itemProps6.xml><?xml version="1.0" encoding="utf-8"?>
 <ds:datastoreItem xmlns:ds="http://schemas.openxmlformats.org/officeDocument/2006/customXml" ds:itemID="{6D29AD73-E6E7-41AD-BD08-29640567C1E3}">
   <ds:schemaRefs>
     <ds:schemaRef ds:uri="http://schemas.microsoft.com/VisualStudio/2011/storyboarding/control"/>
@@ -10504,71 +11351,15 @@
 </ds:datastoreItem>
 </file>
 
-<file path=customXml/itemProps25.xml><?xml version="1.0" encoding="utf-8"?>
-<ds:datastoreItem xmlns:ds="http://schemas.openxmlformats.org/officeDocument/2006/customXml" ds:itemID="{A1B816BD-20A9-4267-9EEE-68B4093B883C}">
+<file path=customXml/itemProps60.xml><?xml version="1.0" encoding="utf-8"?>
+<ds:datastoreItem xmlns:ds="http://schemas.openxmlformats.org/officeDocument/2006/customXml" ds:itemID="{CB29B50B-07CC-4332-87A3-C7CC606E4217}">
   <ds:schemaRefs>
     <ds:schemaRef ds:uri="http://schemas.microsoft.com/VisualStudio/2011/storyboarding/control"/>
   </ds:schemaRefs>
 </ds:datastoreItem>
 </file>
 
-<file path=customXml/itemProps26.xml><?xml version="1.0" encoding="utf-8"?>
-<ds:datastoreItem xmlns:ds="http://schemas.openxmlformats.org/officeDocument/2006/customXml" ds:itemID="{380758EA-E49E-4704-9569-4087603CA842}">
-  <ds:schemaRefs>
-    <ds:schemaRef ds:uri="http://schemas.microsoft.com/VisualStudio/2011/storyboarding/control"/>
-  </ds:schemaRefs>
-</ds:datastoreItem>
-</file>
-
-<file path=customXml/itemProps27.xml><?xml version="1.0" encoding="utf-8"?>
-<ds:datastoreItem xmlns:ds="http://schemas.openxmlformats.org/officeDocument/2006/customXml" ds:itemID="{59EA028F-946B-4A71-BD84-489D2C1341A2}">
-  <ds:schemaRefs>
-    <ds:schemaRef ds:uri="http://schemas.microsoft.com/VisualStudio/2011/storyboarding/control"/>
-  </ds:schemaRefs>
-</ds:datastoreItem>
-</file>
-
-<file path=customXml/itemProps28.xml><?xml version="1.0" encoding="utf-8"?>
-<ds:datastoreItem xmlns:ds="http://schemas.openxmlformats.org/officeDocument/2006/customXml" ds:itemID="{F3F355F8-D936-4AFD-818D-52B5131B2DE1}">
-  <ds:schemaRefs>
-    <ds:schemaRef ds:uri="http://schemas.microsoft.com/VisualStudio/2011/storyboarding/control"/>
-  </ds:schemaRefs>
-</ds:datastoreItem>
-</file>
-
-<file path=customXml/itemProps29.xml><?xml version="1.0" encoding="utf-8"?>
-<ds:datastoreItem xmlns:ds="http://schemas.openxmlformats.org/officeDocument/2006/customXml" ds:itemID="{C4B39F5D-B3F1-470B-8B1A-5B666FAECEC8}">
-  <ds:schemaRefs>
-    <ds:schemaRef ds:uri="http://schemas.microsoft.com/VisualStudio/2011/storyboarding/control"/>
-  </ds:schemaRefs>
-</ds:datastoreItem>
-</file>
-
-<file path=customXml/itemProps3.xml><?xml version="1.0" encoding="utf-8"?>
-<ds:datastoreItem xmlns:ds="http://schemas.openxmlformats.org/officeDocument/2006/customXml" ds:itemID="{C9CD690E-579D-4787-85BC-0470699F0591}">
-  <ds:schemaRefs>
-    <ds:schemaRef ds:uri="http://schemas.microsoft.com/VisualStudio/2011/storyboarding/control"/>
-  </ds:schemaRefs>
-</ds:datastoreItem>
-</file>
-
-<file path=customXml/itemProps30.xml><?xml version="1.0" encoding="utf-8"?>
-<ds:datastoreItem xmlns:ds="http://schemas.openxmlformats.org/officeDocument/2006/customXml" ds:itemID="{0F67BC1B-C4A3-4EF8-B37F-FD887C9E8AEC}">
-  <ds:schemaRefs>
-    <ds:schemaRef ds:uri="http://schemas.microsoft.com/VisualStudio/2011/storyboarding/control"/>
-  </ds:schemaRefs>
-</ds:datastoreItem>
-</file>
-
-<file path=customXml/itemProps31.xml><?xml version="1.0" encoding="utf-8"?>
-<ds:datastoreItem xmlns:ds="http://schemas.openxmlformats.org/officeDocument/2006/customXml" ds:itemID="{7189590F-1A48-46F3-B24A-D8D0F3BA0A15}">
-  <ds:schemaRefs>
-    <ds:schemaRef ds:uri="http://schemas.microsoft.com/VisualStudio/2011/storyboarding/control"/>
-  </ds:schemaRefs>
-</ds:datastoreItem>
-</file>
-
-<file path=customXml/itemProps32.xml><?xml version="1.0" encoding="utf-8"?>
+<file path=customXml/itemProps7.xml><?xml version="1.0" encoding="utf-8"?>
 <ds:datastoreItem xmlns:ds="http://schemas.openxmlformats.org/officeDocument/2006/customXml" ds:itemID="{6719955E-AEE2-4AED-B5E3-E0ACCFB7F1B1}">
   <ds:schemaRefs>
     <ds:schemaRef ds:uri="http://schemas.microsoft.com/VisualStudio/2011/storyboarding/control"/>
@@ -10576,39 +11367,7 @@
 </ds:datastoreItem>
 </file>
 
-<file path=customXml/itemProps33.xml><?xml version="1.0" encoding="utf-8"?>
-<ds:datastoreItem xmlns:ds="http://schemas.openxmlformats.org/officeDocument/2006/customXml" ds:itemID="{659039C9-9E57-4631-A7B7-C4066315FAF6}">
-  <ds:schemaRefs>
-    <ds:schemaRef ds:uri="http://schemas.microsoft.com/VisualStudio/2011/storyboarding/control"/>
-  </ds:schemaRefs>
-</ds:datastoreItem>
-</file>
-
-<file path=customXml/itemProps34.xml><?xml version="1.0" encoding="utf-8"?>
-<ds:datastoreItem xmlns:ds="http://schemas.openxmlformats.org/officeDocument/2006/customXml" ds:itemID="{4634477D-D8CC-4869-941E-D079C4C3EEF8}">
-  <ds:schemaRefs>
-    <ds:schemaRef ds:uri="http://schemas.microsoft.com/VisualStudio/2011/storyboarding/control"/>
-  </ds:schemaRefs>
-</ds:datastoreItem>
-</file>
-
-<file path=customXml/itemProps35.xml><?xml version="1.0" encoding="utf-8"?>
-<ds:datastoreItem xmlns:ds="http://schemas.openxmlformats.org/officeDocument/2006/customXml" ds:itemID="{9483A2CD-33FC-48E4-A7B5-B010692A6106}">
-  <ds:schemaRefs>
-    <ds:schemaRef ds:uri="http://schemas.microsoft.com/VisualStudio/2011/storyboarding/control"/>
-  </ds:schemaRefs>
-</ds:datastoreItem>
-</file>
-
-<file path=customXml/itemProps36.xml><?xml version="1.0" encoding="utf-8"?>
-<ds:datastoreItem xmlns:ds="http://schemas.openxmlformats.org/officeDocument/2006/customXml" ds:itemID="{B0D39E60-4C78-477F-973B-B3A32CF1CE06}">
-  <ds:schemaRefs>
-    <ds:schemaRef ds:uri="http://schemas.microsoft.com/VisualStudio/2011/storyboarding/control"/>
-  </ds:schemaRefs>
-</ds:datastoreItem>
-</file>
-
-<file path=customXml/itemProps37.xml><?xml version="1.0" encoding="utf-8"?>
+<file path=customXml/itemProps8.xml><?xml version="1.0" encoding="utf-8"?>
 <ds:datastoreItem xmlns:ds="http://schemas.openxmlformats.org/officeDocument/2006/customXml" ds:itemID="{2DEE47C0-36A2-4264-9D02-B43B15FA8FF6}">
   <ds:schemaRefs>
     <ds:schemaRef ds:uri="http://schemas.microsoft.com/VisualStudio/2011/storyboarding/control"/>
@@ -10616,178 +11375,10 @@
 </ds:datastoreItem>
 </file>
 
-<file path=customXml/itemProps38.xml><?xml version="1.0" encoding="utf-8"?>
-<ds:datastoreItem xmlns:ds="http://schemas.openxmlformats.org/officeDocument/2006/customXml" ds:itemID="{5A3CA955-CC15-445A-BB94-545C151A46CB}">
-  <ds:schemaRefs>
-    <ds:schemaRef ds:uri="http://schemas.microsoft.com/VisualStudio/2011/storyboarding/control"/>
-  </ds:schemaRefs>
-</ds:datastoreItem>
-</file>
-
-<file path=customXml/itemProps39.xml><?xml version="1.0" encoding="utf-8"?>
-<ds:datastoreItem xmlns:ds="http://schemas.openxmlformats.org/officeDocument/2006/customXml" ds:itemID="{01BBD822-2486-4BAB-8BE0-43BC08D35C57}">
-  <ds:schemaRefs>
-    <ds:schemaRef ds:uri="http://schemas.microsoft.com/VisualStudio/2011/storyboarding/control"/>
-  </ds:schemaRefs>
-</ds:datastoreItem>
-</file>
-
-<file path=customXml/itemProps4.xml><?xml version="1.0" encoding="utf-8"?>
-<ds:datastoreItem xmlns:ds="http://schemas.openxmlformats.org/officeDocument/2006/customXml" ds:itemID="{C0236D38-7F8A-4EAA-B6A1-6880B56FE83E}">
-  <ds:schemaRefs>
-    <ds:schemaRef ds:uri="http://schemas.microsoft.com/VisualStudio/2011/storyboarding/control"/>
-  </ds:schemaRefs>
-</ds:datastoreItem>
-</file>
-
-<file path=customXml/itemProps40.xml><?xml version="1.0" encoding="utf-8"?>
+<file path=customXml/itemProps9.xml><?xml version="1.0" encoding="utf-8"?>
 <ds:datastoreItem xmlns:ds="http://schemas.openxmlformats.org/officeDocument/2006/customXml" ds:itemID="{2BCE60B8-8680-4092-BEC8-78942EDE6BF3}">
   <ds:schemaRefs>
     <ds:schemaRef ds:uri="http://schemas.microsoft.com/VisualStudio/2011/storyboarding/control"/>
   </ds:schemaRefs>
 </ds:datastoreItem>
-</file>
-
-<file path=customXml/itemProps41.xml><?xml version="1.0" encoding="utf-8"?>
-<ds:datastoreItem xmlns:ds="http://schemas.openxmlformats.org/officeDocument/2006/customXml" ds:itemID="{27E32971-DE1A-4E07-8036-1C43278AB1CE}">
-  <ds:schemaRefs>
-    <ds:schemaRef ds:uri="http://schemas.microsoft.com/VisualStudio/2011/storyboarding/control"/>
-  </ds:schemaRefs>
-</ds:datastoreItem>
-</file>
-
-<file path=customXml/itemProps42.xml><?xml version="1.0" encoding="utf-8"?>
-<ds:datastoreItem xmlns:ds="http://schemas.openxmlformats.org/officeDocument/2006/customXml" ds:itemID="{798E1A44-C6DC-4F6B-8062-CEEC518F1F18}">
-  <ds:schemaRefs>
-    <ds:schemaRef ds:uri="http://schemas.microsoft.com/VisualStudio/2011/storyboarding/control"/>
-  </ds:schemaRefs>
-</ds:datastoreItem>
-</file>
-
-<file path=customXml/itemProps43.xml><?xml version="1.0" encoding="utf-8"?>
-<ds:datastoreItem xmlns:ds="http://schemas.openxmlformats.org/officeDocument/2006/customXml" ds:itemID="{5E894C71-B2DA-46E2-B5A7-3A1C3D5DB5B8}">
-  <ds:schemaRefs>
-    <ds:schemaRef ds:uri="http://schemas.microsoft.com/VisualStudio/2011/storyboarding/control"/>
-  </ds:schemaRefs>
-</ds:datastoreItem>
-</file>
-
-<file path=customXml/itemProps44.xml><?xml version="1.0" encoding="utf-8"?>
-<ds:datastoreItem xmlns:ds="http://schemas.openxmlformats.org/officeDocument/2006/customXml" ds:itemID="{26190532-7283-4B3A-A4F0-D4225A0BC43D}">
-  <ds:schemaRefs>
-    <ds:schemaRef ds:uri="http://schemas.microsoft.com/VisualStudio/2011/storyboarding/control"/>
-  </ds:schemaRefs>
-</ds:datastoreItem>
-</file>
-
-<file path=customXml/itemProps45.xml><?xml version="1.0" encoding="utf-8"?>
-<ds:datastoreItem xmlns:ds="http://schemas.openxmlformats.org/officeDocument/2006/customXml" ds:itemID="{36EDA764-43F5-4C83-A43C-7C11C84EB100}">
-  <ds:schemaRefs>
-    <ds:schemaRef ds:uri="http://schemas.microsoft.com/VisualStudio/2011/storyboarding/control"/>
-  </ds:schemaRefs>
-</ds:datastoreItem>
-</file>
-
-<file path=customXml/itemProps46.xml><?xml version="1.0" encoding="utf-8"?>
-<ds:datastoreItem xmlns:ds="http://schemas.openxmlformats.org/officeDocument/2006/customXml" ds:itemID="{CF84A91D-8176-4C11-BA36-9F0BAC5B93DD}">
-  <ds:schemaRefs>
-    <ds:schemaRef ds:uri="http://schemas.microsoft.com/VisualStudio/2011/storyboarding/control"/>
-  </ds:schemaRefs>
-</ds:datastoreItem>
-</file>
-
-<file path=customXml/itemProps47.xml><?xml version="1.0" encoding="utf-8"?>
-<ds:datastoreItem xmlns:ds="http://schemas.openxmlformats.org/officeDocument/2006/customXml" ds:itemID="{1C7801AE-0A4F-4BE1-AE83-D4ED8E0DEB9E}">
-  <ds:schemaRefs>
-    <ds:schemaRef ds:uri="http://schemas.microsoft.com/VisualStudio/2011/storyboarding/control"/>
-  </ds:schemaRefs>
-</ds:datastoreItem>
-</file>
-
-<file path=customXml/itemProps48.xml><?xml version="1.0" encoding="utf-8"?>
-<ds:datastoreItem xmlns:ds="http://schemas.openxmlformats.org/officeDocument/2006/customXml" ds:itemID="{06C2D9AE-7534-4FAD-A8C5-335E417D83FF}">
-  <ds:schemaRefs>
-    <ds:schemaRef ds:uri="http://schemas.microsoft.com/VisualStudio/2011/storyboarding/control"/>
-  </ds:schemaRefs>
-</ds:datastoreItem>
-</file>
-
-<file path=customXml/itemProps49.xml><?xml version="1.0" encoding="utf-8"?>
-<ds:datastoreItem xmlns:ds="http://schemas.openxmlformats.org/officeDocument/2006/customXml" ds:itemID="{E621F820-782A-4D55-A65D-5B9683D8D158}">
-  <ds:schemaRefs>
-    <ds:schemaRef ds:uri="http://schemas.microsoft.com/VisualStudio/2011/storyboarding/control"/>
-  </ds:schemaRefs>
-</ds:datastoreItem>
-</file>
-
-<file path=customXml/itemProps5.xml><?xml version="1.0" encoding="utf-8"?>
-<ds:datastoreItem xmlns:ds="http://schemas.openxmlformats.org/officeDocument/2006/customXml" ds:itemID="{FEEE37C0-7C52-4B75-B817-78E5E594B56F}">
-  <ds:schemaRefs>
-    <ds:schemaRef ds:uri="http://schemas.microsoft.com/VisualStudio/2011/storyboarding/control"/>
-  </ds:schemaRefs>
-</ds:datastoreItem>
-</file>
-
-<file path=customXml/itemProps50.xml><?xml version="1.0" encoding="utf-8"?>
-<ds:datastoreItem xmlns:ds="http://schemas.openxmlformats.org/officeDocument/2006/customXml" ds:itemID="{D9F1C4B6-E0F0-4CEE-BD7B-F93BD5842C1D}">
-  <ds:schemaRefs>
-    <ds:schemaRef ds:uri="http://schemas.microsoft.com/VisualStudio/2011/storyboarding/control"/>
-  </ds:schemaRefs>
-</ds:datastoreItem>
-</file>
-
-<file path=customXml/itemProps51.xml><?xml version="1.0" encoding="utf-8"?>
-<ds:datastoreItem xmlns:ds="http://schemas.openxmlformats.org/officeDocument/2006/customXml" ds:itemID="{ED3F02EF-3CEC-4FA2-ABA7-55430503271A}">
-  <ds:schemaRefs>
-    <ds:schemaRef ds:uri="http://schemas.microsoft.com/VisualStudio/2011/storyboarding/control"/>
-  </ds:schemaRefs>
-</ds:datastoreItem>
-</file>
-
-<file path=customXml/itemProps52.xml><?xml version="1.0" encoding="utf-8"?>
-<ds:datastoreItem xmlns:ds="http://schemas.openxmlformats.org/officeDocument/2006/customXml" ds:itemID="{D42EC927-BD14-4EEB-A2C7-7B41724D5817}">
-  <ds:schemaRefs>
-    <ds:schemaRef ds:uri="http://schemas.microsoft.com/VisualStudio/2011/storyboarding/control"/>
-  </ds:schemaRefs>
-</ds:datastoreItem>
-</file>
-
-<file path=customXml/itemProps53.xml><?xml version="1.0" encoding="utf-8"?>
-<ds:datastoreItem xmlns:ds="http://schemas.openxmlformats.org/officeDocument/2006/customXml" ds:itemID="{571678DC-267F-47C2-A3B2-F591F73394A5}">
-  <ds:schemaRefs>
-    <ds:schemaRef ds:uri="http://schemas.microsoft.com/VisualStudio/2011/storyboarding/control"/>
-  </ds:schemaRefs>
-</ds:datastoreItem>
-</file>
-
-<file path=customXml/itemProps6.xml><?xml version="1.0" encoding="utf-8"?>
-<ds:datastoreItem xmlns:ds="http://schemas.openxmlformats.org/officeDocument/2006/customXml" ds:itemID="{9501DC5F-120C-4F65-9B9C-A042818517A5}">
-  <ds:schemaRefs>
-    <ds:schemaRef ds:uri="http://schemas.microsoft.com/VisualStudio/2011/storyboarding/control"/>
-  </ds:schemaRefs>
-</ds:datastoreItem>
-</file>
-
-<file path=customXml/itemProps7.xml><?xml version="1.0" encoding="utf-8"?>
-<ds:datastoreItem xmlns:ds="http://schemas.openxmlformats.org/officeDocument/2006/customXml" ds:itemID="{190EBEF0-CB9E-4C67-BBD3-192F9F5BB87E}">
-  <ds:schemaRefs>
-    <ds:schemaRef ds:uri="http://schemas.microsoft.com/VisualStudio/2011/storyboarding/control"/>
-  </ds:schemaRefs>
-</ds:datastoreItem>
-</file>
-
-<file path=customXml/itemProps8.xml><?xml version="1.0" encoding="utf-8"?>
-<ds:datastoreItem xmlns:ds="http://schemas.openxmlformats.org/officeDocument/2006/customXml" ds:itemID="{3A9E3F93-02A4-4356-BBC6-A7BD971C5367}">
-  <ds:schemaRefs>
-    <ds:schemaRef ds:uri="http://schemas.microsoft.com/VisualStudio/2011/storyboarding/control"/>
-  </ds:schemaRefs>
-</ds:datastoreItem>
-</file>
-
-<file path=customXml/itemProps9.xml><?xml version="1.0" encoding="utf-8"?>
-<ds:datastoreItem xmlns:ds="http://schemas.openxmlformats.org/officeDocument/2006/customXml" ds:itemID="{CFD780DE-34AD-4E8E-9D17-223D69561496}">
-  <ds:schemaRefs>
-    <ds:schemaRef ds:uri="http://schemas.microsoft.com/VisualStudio/2011/storyboarding/control"/>
-  </ds:schemaRefs>
-</ds:datastoreItem>
 </file>
--- a/doc/Storyboard.pptx
+++ b/doc/Storyboard.pptx
@@ -246,7 +246,7 @@
           <a:p>
             <a:fld id="{02331537-4785-4DB7-8225-D1A4272F3F74}" type="datetimeFigureOut">
               <a:rPr lang="es-ES" smtClean="0"/>
-              <a:t>01/03/2018</a:t>
+              <a:t>02/03/2018</a:t>
             </a:fld>
             <a:endParaRPr lang="es-ES"/>
           </a:p>
@@ -416,7 +416,7 @@
           <a:p>
             <a:fld id="{02331537-4785-4DB7-8225-D1A4272F3F74}" type="datetimeFigureOut">
               <a:rPr lang="es-ES" smtClean="0"/>
-              <a:t>01/03/2018</a:t>
+              <a:t>02/03/2018</a:t>
             </a:fld>
             <a:endParaRPr lang="es-ES"/>
           </a:p>
@@ -596,7 +596,7 @@
           <a:p>
             <a:fld id="{02331537-4785-4DB7-8225-D1A4272F3F74}" type="datetimeFigureOut">
               <a:rPr lang="es-ES" smtClean="0"/>
-              <a:t>01/03/2018</a:t>
+              <a:t>02/03/2018</a:t>
             </a:fld>
             <a:endParaRPr lang="es-ES"/>
           </a:p>
@@ -766,7 +766,7 @@
           <a:p>
             <a:fld id="{02331537-4785-4DB7-8225-D1A4272F3F74}" type="datetimeFigureOut">
               <a:rPr lang="es-ES" smtClean="0"/>
-              <a:t>01/03/2018</a:t>
+              <a:t>02/03/2018</a:t>
             </a:fld>
             <a:endParaRPr lang="es-ES"/>
           </a:p>
@@ -1012,7 +1012,7 @@
           <a:p>
             <a:fld id="{02331537-4785-4DB7-8225-D1A4272F3F74}" type="datetimeFigureOut">
               <a:rPr lang="es-ES" smtClean="0"/>
-              <a:t>01/03/2018</a:t>
+              <a:t>02/03/2018</a:t>
             </a:fld>
             <a:endParaRPr lang="es-ES"/>
           </a:p>
@@ -1244,7 +1244,7 @@
           <a:p>
             <a:fld id="{02331537-4785-4DB7-8225-D1A4272F3F74}" type="datetimeFigureOut">
               <a:rPr lang="es-ES" smtClean="0"/>
-              <a:t>01/03/2018</a:t>
+              <a:t>02/03/2018</a:t>
             </a:fld>
             <a:endParaRPr lang="es-ES"/>
           </a:p>
@@ -1611,7 +1611,7 @@
           <a:p>
             <a:fld id="{02331537-4785-4DB7-8225-D1A4272F3F74}" type="datetimeFigureOut">
               <a:rPr lang="es-ES" smtClean="0"/>
-              <a:t>01/03/2018</a:t>
+              <a:t>02/03/2018</a:t>
             </a:fld>
             <a:endParaRPr lang="es-ES"/>
           </a:p>
@@ -1729,7 +1729,7 @@
           <a:p>
             <a:fld id="{02331537-4785-4DB7-8225-D1A4272F3F74}" type="datetimeFigureOut">
               <a:rPr lang="es-ES" smtClean="0"/>
-              <a:t>01/03/2018</a:t>
+              <a:t>02/03/2018</a:t>
             </a:fld>
             <a:endParaRPr lang="es-ES"/>
           </a:p>
@@ -1824,7 +1824,7 @@
           <a:p>
             <a:fld id="{02331537-4785-4DB7-8225-D1A4272F3F74}" type="datetimeFigureOut">
               <a:rPr lang="es-ES" smtClean="0"/>
-              <a:t>01/03/2018</a:t>
+              <a:t>02/03/2018</a:t>
             </a:fld>
             <a:endParaRPr lang="es-ES"/>
           </a:p>
@@ -2101,7 +2101,7 @@
           <a:p>
             <a:fld id="{02331537-4785-4DB7-8225-D1A4272F3F74}" type="datetimeFigureOut">
               <a:rPr lang="es-ES" smtClean="0"/>
-              <a:t>01/03/2018</a:t>
+              <a:t>02/03/2018</a:t>
             </a:fld>
             <a:endParaRPr lang="es-ES"/>
           </a:p>
@@ -2354,7 +2354,7 @@
           <a:p>
             <a:fld id="{02331537-4785-4DB7-8225-D1A4272F3F74}" type="datetimeFigureOut">
               <a:rPr lang="es-ES" smtClean="0"/>
-              <a:t>01/03/2018</a:t>
+              <a:t>02/03/2018</a:t>
             </a:fld>
             <a:endParaRPr lang="es-ES"/>
           </a:p>
@@ -2567,7 +2567,7 @@
           <a:p>
             <a:fld id="{02331537-4785-4DB7-8225-D1A4272F3F74}" type="datetimeFigureOut">
               <a:rPr lang="es-ES" smtClean="0"/>
-              <a:t>01/03/2018</a:t>
+              <a:t>02/03/2018</a:t>
             </a:fld>
             <a:endParaRPr lang="es-ES"/>
           </a:p>
@@ -4226,24 +4226,8 @@
                 <a:ea typeface="SF Display" panose="00000500000000000000" pitchFamily="50" charset="0"/>
                 <a:cs typeface="Segoe UI Semibold" pitchFamily="34" charset="0"/>
               </a:rPr>
-              <a:t> </a:t>
-            </a:r>
-            <a:r>
-              <a:rPr lang="en-US" sz="1400" dirty="0" err="1" smtClean="0">
-                <a:latin typeface="SF Display" panose="00000500000000000000" pitchFamily="50" charset="0"/>
-                <a:ea typeface="SF Display" panose="00000500000000000000" pitchFamily="50" charset="0"/>
-                <a:cs typeface="Segoe UI Semibold" pitchFamily="34" charset="0"/>
-              </a:rPr>
-              <a:t>preguntas</a:t>
-            </a:r>
-            <a:endParaRPr lang="en-US" sz="1400" dirty="0">
-              <a:solidFill>
-                <a:srgbClr val="000000"/>
-              </a:solidFill>
-              <a:latin typeface="SF Display" panose="00000500000000000000" pitchFamily="50" charset="0"/>
-              <a:ea typeface="SF Display" panose="00000500000000000000" pitchFamily="50" charset="0"/>
-              <a:cs typeface="Segoe UI Semibold" pitchFamily="34" charset="0"/>
-            </a:endParaRPr>
+              <a:t> tests</a:t>
+            </a:r>
           </a:p>
         </p:txBody>
       </p:sp>
@@ -6531,7 +6515,7 @@
             <p:nvPr/>
           </p:nvPicPr>
           <p:blipFill>
-            <a:blip r:embed="rId33">
+            <a:blip r:embed="rId31">
               <a:lum bright="70000" contrast="-70000"/>
               <a:extLst>
                 <a:ext uri="{28A0092B-C50C-407E-A947-70E740481C1C}">
@@ -6767,7 +6751,7 @@
           <p:nvPr/>
         </p:nvPicPr>
         <p:blipFill>
-          <a:blip r:embed="rId33">
+          <a:blip r:embed="rId31">
             <a:lum bright="70000" contrast="-70000"/>
             <a:extLst>
               <a:ext uri="{28A0092B-C50C-407E-A947-70E740481C1C}">
@@ -6802,7 +6786,7 @@
       </p:pic>
       <p:sp>
         <p:nvSpPr>
-          <p:cNvPr id="27" name="Tile"/>
+          <p:cNvPr id="28" name="Tile"/>
           <p:cNvSpPr/>
           <p:nvPr>
             <p:custDataLst>
@@ -6812,7 +6796,7 @@
         </p:nvSpPr>
         <p:spPr>
           <a:xfrm>
-            <a:off x="2550489" y="1870411"/>
+            <a:off x="2375278" y="1902741"/>
             <a:ext cx="1609393" cy="370014"/>
           </a:xfrm>
           <a:prstGeom prst="rect">
@@ -6843,64 +6827,6 @@
           <a:bodyPr rtlCol="0" anchor="ctr"/>
           <a:lstStyle/>
           <a:p>
-            <a:pPr algn="ctr"/>
-            <a:r>
-              <a:rPr lang="en-US" sz="2000" dirty="0" err="1" smtClean="0">
-                <a:latin typeface="SF Display" panose="00000500000000000000" pitchFamily="50" charset="0"/>
-                <a:ea typeface="SF Display" panose="00000500000000000000" pitchFamily="50" charset="0"/>
-              </a:rPr>
-              <a:t>Resumen</a:t>
-            </a:r>
-            <a:endParaRPr lang="en-US" sz="2000" dirty="0">
-              <a:latin typeface="SF Display" panose="00000500000000000000" pitchFamily="50" charset="0"/>
-              <a:ea typeface="SF Display" panose="00000500000000000000" pitchFamily="50" charset="0"/>
-            </a:endParaRPr>
-          </a:p>
-        </p:txBody>
-      </p:sp>
-      <p:sp>
-        <p:nvSpPr>
-          <p:cNvPr id="28" name="Tile"/>
-          <p:cNvSpPr/>
-          <p:nvPr>
-            <p:custDataLst>
-              <p:custData r:id="rId4"/>
-            </p:custDataLst>
-          </p:nvPr>
-        </p:nvSpPr>
-        <p:spPr>
-          <a:xfrm>
-            <a:off x="2375278" y="2157696"/>
-            <a:ext cx="1609393" cy="370014"/>
-          </a:xfrm>
-          <a:prstGeom prst="rect">
-            <a:avLst/>
-          </a:prstGeom>
-          <a:noFill/>
-          <a:ln>
-            <a:noFill/>
-          </a:ln>
-        </p:spPr>
-        <p:style>
-          <a:lnRef idx="2">
-            <a:srgbClr val="4F81BD">
-              <a:shade val="50000"/>
-            </a:srgbClr>
-          </a:lnRef>
-          <a:fillRef idx="1">
-            <a:srgbClr val="4F81BD"/>
-          </a:fillRef>
-          <a:effectRef idx="0">
-            <a:srgbClr val="4F81BD"/>
-          </a:effectRef>
-          <a:fontRef idx="minor">
-            <a:srgbClr val="000000"/>
-          </a:fontRef>
-        </p:style>
-        <p:txBody>
-          <a:bodyPr rtlCol="0" anchor="ctr"/>
-          <a:lstStyle/>
-          <a:p>
             <a:r>
               <a:rPr lang="en-US" sz="1400" b="1" dirty="0" err="1" smtClean="0">
                 <a:latin typeface="SF Display" panose="00000500000000000000" pitchFamily="50" charset="0"/>
@@ -6930,12 +6856,12 @@
           </p:cNvPicPr>
           <p:nvPr>
             <p:custDataLst>
-              <p:custData r:id="rId5"/>
+              <p:custData r:id="rId4"/>
             </p:custDataLst>
           </p:nvPr>
         </p:nvPicPr>
         <p:blipFill rotWithShape="1">
-          <a:blip r:embed="rId34">
+          <a:blip r:embed="rId32">
             <a:extLst>
               <a:ext uri="{28A0092B-C50C-407E-A947-70E740481C1C}">
                 <a14:useLocalDpi xmlns:a14="http://schemas.microsoft.com/office/drawing/2010/main" val="0"/>
@@ -6961,13 +6887,13 @@
           <p:cNvSpPr/>
           <p:nvPr>
             <p:custDataLst>
-              <p:custData r:id="rId6"/>
+              <p:custData r:id="rId5"/>
             </p:custDataLst>
           </p:nvPr>
         </p:nvSpPr>
         <p:spPr>
           <a:xfrm>
-            <a:off x="2375278" y="2453136"/>
+            <a:off x="2375278" y="2198181"/>
             <a:ext cx="1709765" cy="370014"/>
           </a:xfrm>
           <a:prstGeom prst="rect">
@@ -7025,13 +6951,13 @@
           <p:cNvSpPr/>
           <p:nvPr>
             <p:custDataLst>
-              <p:custData r:id="rId7"/>
+              <p:custData r:id="rId6"/>
             </p:custDataLst>
           </p:nvPr>
         </p:nvSpPr>
         <p:spPr>
           <a:xfrm>
-            <a:off x="2358842" y="2627620"/>
+            <a:off x="2358842" y="2372665"/>
             <a:ext cx="2119471" cy="1024265"/>
           </a:xfrm>
           <a:prstGeom prst="rect">
@@ -7142,13 +7068,13 @@
           <p:cNvSpPr/>
           <p:nvPr>
             <p:custDataLst>
-              <p:custData r:id="rId8"/>
+              <p:custData r:id="rId7"/>
             </p:custDataLst>
           </p:nvPr>
         </p:nvSpPr>
         <p:spPr>
           <a:xfrm>
-            <a:off x="2511701" y="4032436"/>
+            <a:off x="2511701" y="3777481"/>
             <a:ext cx="1696212" cy="307773"/>
           </a:xfrm>
           <a:prstGeom prst="rect">
@@ -7218,14 +7144,14 @@
           <p:nvPr/>
         </p:nvPicPr>
         <p:blipFill>
-          <a:blip r:embed="rId35"/>
+          <a:blip r:embed="rId33"/>
           <a:stretch>
             <a:fillRect/>
           </a:stretch>
         </p:blipFill>
         <p:spPr>
           <a:xfrm>
-            <a:off x="3062504" y="3505629"/>
+            <a:off x="3062504" y="3250674"/>
             <a:ext cx="594606" cy="500505"/>
           </a:xfrm>
           <a:prstGeom prst="rect">
@@ -7239,13 +7165,13 @@
           <p:cNvGrpSpPr/>
           <p:nvPr>
             <p:custDataLst>
-              <p:custData r:id="rId9"/>
+              <p:custData r:id="rId8"/>
             </p:custDataLst>
           </p:nvPr>
         </p:nvGrpSpPr>
         <p:grpSpPr>
           <a:xfrm>
-            <a:off x="4012507" y="3866658"/>
+            <a:off x="4012507" y="3611703"/>
             <a:ext cx="320451" cy="319476"/>
             <a:chOff x="4283964" y="3147930"/>
             <a:chExt cx="320451" cy="319476"/>
@@ -7257,7 +7183,7 @@
             <p:cNvSpPr/>
             <p:nvPr>
               <p:custDataLst>
-                <p:custData r:id="rId31"/>
+                <p:custData r:id="rId29"/>
               </p:custDataLst>
             </p:nvPr>
           </p:nvSpPr>
@@ -7364,13 +7290,13 @@
           <p:cNvSpPr/>
           <p:nvPr>
             <p:custDataLst>
-              <p:custData r:id="rId10"/>
+              <p:custData r:id="rId9"/>
             </p:custDataLst>
           </p:nvPr>
         </p:nvSpPr>
         <p:spPr>
           <a:xfrm>
-            <a:off x="2511701" y="4511128"/>
+            <a:off x="2511701" y="4256173"/>
             <a:ext cx="1696212" cy="307773"/>
           </a:xfrm>
           <a:prstGeom prst="rect">
@@ -7454,13 +7380,13 @@
           <p:cNvGrpSpPr/>
           <p:nvPr>
             <p:custDataLst>
-              <p:custData r:id="rId11"/>
+              <p:custData r:id="rId10"/>
             </p:custDataLst>
           </p:nvPr>
         </p:nvGrpSpPr>
         <p:grpSpPr>
           <a:xfrm>
-            <a:off x="4008986" y="4398697"/>
+            <a:off x="4008986" y="4143742"/>
             <a:ext cx="320451" cy="319476"/>
             <a:chOff x="4283964" y="3147930"/>
             <a:chExt cx="320451" cy="319476"/>
@@ -7472,7 +7398,7 @@
             <p:cNvSpPr/>
             <p:nvPr>
               <p:custDataLst>
-                <p:custData r:id="rId30"/>
+                <p:custData r:id="rId28"/>
               </p:custDataLst>
             </p:nvPr>
           </p:nvSpPr>
@@ -7579,7 +7505,7 @@
           <p:cNvSpPr/>
           <p:nvPr>
             <p:custDataLst>
-              <p:custData r:id="rId12"/>
+              <p:custData r:id="rId11"/>
             </p:custDataLst>
           </p:nvPr>
         </p:nvSpPr>
@@ -7723,12 +7649,12 @@
           </p:cNvPicPr>
           <p:nvPr>
             <p:custDataLst>
-              <p:custData r:id="rId13"/>
+              <p:custData r:id="rId12"/>
             </p:custDataLst>
           </p:nvPr>
         </p:nvPicPr>
         <p:blipFill rotWithShape="1">
-          <a:blip r:embed="rId36">
+          <a:blip r:embed="rId34">
             <a:extLst>
               <a:ext uri="{28A0092B-C50C-407E-A947-70E740481C1C}">
                 <a14:useLocalDpi xmlns:a14="http://schemas.microsoft.com/office/drawing/2010/main" val="0"/>
@@ -7741,7 +7667,7 @@
         <p:spPr>
           <a:xfrm>
             <a:off x="8595690" y="1399768"/>
-            <a:ext cx="455738" cy="411502"/>
+            <a:ext cx="393764" cy="387384"/>
           </a:xfrm>
           <a:prstGeom prst="rect">
             <a:avLst/>
@@ -7750,17 +7676,17 @@
       </p:pic>
       <p:sp>
         <p:nvSpPr>
-          <p:cNvPr id="105" name="Tile"/>
+          <p:cNvPr id="106" name="Tile"/>
           <p:cNvSpPr/>
           <p:nvPr>
             <p:custDataLst>
-              <p:custData r:id="rId14"/>
+              <p:custData r:id="rId13"/>
             </p:custDataLst>
           </p:nvPr>
         </p:nvSpPr>
         <p:spPr>
           <a:xfrm>
-            <a:off x="8038713" y="1833392"/>
+            <a:off x="7794465" y="1860923"/>
             <a:ext cx="1609393" cy="370014"/>
           </a:xfrm>
           <a:prstGeom prst="rect">
@@ -7791,64 +7717,6 @@
           <a:bodyPr rtlCol="0" anchor="ctr"/>
           <a:lstStyle/>
           <a:p>
-            <a:pPr algn="ctr"/>
-            <a:r>
-              <a:rPr lang="en-US" sz="2000" dirty="0" err="1" smtClean="0">
-                <a:latin typeface="SF Display" panose="00000500000000000000" pitchFamily="50" charset="0"/>
-                <a:ea typeface="SF Display" panose="00000500000000000000" pitchFamily="50" charset="0"/>
-              </a:rPr>
-              <a:t>Resumen</a:t>
-            </a:r>
-            <a:endParaRPr lang="en-US" sz="2000" dirty="0">
-              <a:latin typeface="SF Display" panose="00000500000000000000" pitchFamily="50" charset="0"/>
-              <a:ea typeface="SF Display" panose="00000500000000000000" pitchFamily="50" charset="0"/>
-            </a:endParaRPr>
-          </a:p>
-        </p:txBody>
-      </p:sp>
-      <p:sp>
-        <p:nvSpPr>
-          <p:cNvPr id="106" name="Tile"/>
-          <p:cNvSpPr/>
-          <p:nvPr>
-            <p:custDataLst>
-              <p:custData r:id="rId15"/>
-            </p:custDataLst>
-          </p:nvPr>
-        </p:nvSpPr>
-        <p:spPr>
-          <a:xfrm>
-            <a:off x="7849169" y="2143925"/>
-            <a:ext cx="1609393" cy="370014"/>
-          </a:xfrm>
-          <a:prstGeom prst="rect">
-            <a:avLst/>
-          </a:prstGeom>
-          <a:noFill/>
-          <a:ln>
-            <a:noFill/>
-          </a:ln>
-        </p:spPr>
-        <p:style>
-          <a:lnRef idx="2">
-            <a:srgbClr val="4F81BD">
-              <a:shade val="50000"/>
-            </a:srgbClr>
-          </a:lnRef>
-          <a:fillRef idx="1">
-            <a:srgbClr val="4F81BD"/>
-          </a:fillRef>
-          <a:effectRef idx="0">
-            <a:srgbClr val="4F81BD"/>
-          </a:effectRef>
-          <a:fontRef idx="minor">
-            <a:srgbClr val="000000"/>
-          </a:fontRef>
-        </p:style>
-        <p:txBody>
-          <a:bodyPr rtlCol="0" anchor="ctr"/>
-          <a:lstStyle/>
-          <a:p>
             <a:r>
               <a:rPr lang="en-US" sz="1400" b="1" dirty="0" err="1" smtClean="0">
                 <a:latin typeface="SF Display" panose="00000500000000000000" pitchFamily="50" charset="0"/>
@@ -7876,13 +7744,13 @@
           <p:cNvSpPr/>
           <p:nvPr>
             <p:custDataLst>
-              <p:custData r:id="rId16"/>
+              <p:custData r:id="rId14"/>
             </p:custDataLst>
           </p:nvPr>
         </p:nvSpPr>
         <p:spPr>
           <a:xfrm>
-            <a:off x="7849169" y="2439365"/>
+            <a:off x="7794465" y="2156363"/>
             <a:ext cx="1709765" cy="370014"/>
           </a:xfrm>
           <a:prstGeom prst="rect">
@@ -7940,13 +7808,13 @@
           <p:cNvSpPr/>
           <p:nvPr>
             <p:custDataLst>
-              <p:custData r:id="rId17"/>
+              <p:custData r:id="rId15"/>
             </p:custDataLst>
           </p:nvPr>
         </p:nvSpPr>
         <p:spPr>
           <a:xfrm>
-            <a:off x="7832733" y="2613849"/>
+            <a:off x="7778029" y="2330847"/>
             <a:ext cx="2119471" cy="1024265"/>
           </a:xfrm>
           <a:prstGeom prst="rect">
@@ -8057,13 +7925,13 @@
           <p:cNvSpPr/>
           <p:nvPr>
             <p:custDataLst>
-              <p:custData r:id="rId18"/>
+              <p:custData r:id="rId16"/>
             </p:custDataLst>
           </p:nvPr>
         </p:nvSpPr>
         <p:spPr>
           <a:xfrm>
-            <a:off x="8000026" y="4036186"/>
+            <a:off x="7945322" y="3753184"/>
             <a:ext cx="1696212" cy="307773"/>
           </a:xfrm>
           <a:prstGeom prst="rect">
@@ -8133,14 +8001,14 @@
           <p:nvPr/>
         </p:nvPicPr>
         <p:blipFill>
-          <a:blip r:embed="rId35"/>
+          <a:blip r:embed="rId33"/>
           <a:stretch>
             <a:fillRect/>
           </a:stretch>
         </p:blipFill>
         <p:spPr>
           <a:xfrm>
-            <a:off x="8550829" y="3509379"/>
+            <a:off x="8496125" y="3226377"/>
             <a:ext cx="594606" cy="500505"/>
           </a:xfrm>
           <a:prstGeom prst="rect">
@@ -8154,13 +8022,13 @@
           <p:cNvSpPr/>
           <p:nvPr>
             <p:custDataLst>
-              <p:custData r:id="rId19"/>
+              <p:custData r:id="rId17"/>
             </p:custDataLst>
           </p:nvPr>
         </p:nvSpPr>
         <p:spPr>
           <a:xfrm>
-            <a:off x="8000026" y="4520862"/>
+            <a:off x="7945322" y="4237860"/>
             <a:ext cx="1696212" cy="307773"/>
           </a:xfrm>
           <a:prstGeom prst="rect">
@@ -8244,13 +8112,13 @@
           <p:cNvGrpSpPr/>
           <p:nvPr>
             <p:custDataLst>
-              <p:custData r:id="rId20"/>
+              <p:custData r:id="rId18"/>
             </p:custDataLst>
           </p:nvPr>
         </p:nvGrpSpPr>
         <p:grpSpPr>
           <a:xfrm>
-            <a:off x="9476603" y="3807612"/>
+            <a:off x="9421899" y="3524610"/>
             <a:ext cx="320451" cy="319476"/>
             <a:chOff x="4283964" y="3147930"/>
             <a:chExt cx="320451" cy="319476"/>
@@ -8262,7 +8130,7 @@
             <p:cNvSpPr/>
             <p:nvPr>
               <p:custDataLst>
-                <p:custData r:id="rId29"/>
+                <p:custData r:id="rId27"/>
               </p:custDataLst>
             </p:nvPr>
           </p:nvSpPr>
@@ -8369,13 +8237,13 @@
           <p:cNvGrpSpPr/>
           <p:nvPr>
             <p:custDataLst>
-              <p:custData r:id="rId21"/>
+              <p:custData r:id="rId19"/>
             </p:custDataLst>
           </p:nvPr>
         </p:nvGrpSpPr>
         <p:grpSpPr>
           <a:xfrm>
-            <a:off x="9476603" y="4365422"/>
+            <a:off x="9421899" y="4082420"/>
             <a:ext cx="320451" cy="319476"/>
             <a:chOff x="4283964" y="3147930"/>
             <a:chExt cx="320451" cy="319476"/>
@@ -8387,7 +8255,7 @@
             <p:cNvSpPr/>
             <p:nvPr>
               <p:custDataLst>
-                <p:custData r:id="rId28"/>
+                <p:custData r:id="rId26"/>
               </p:custDataLst>
             </p:nvPr>
           </p:nvSpPr>
@@ -8494,13 +8362,13 @@
           <p:cNvSpPr/>
           <p:nvPr>
             <p:custDataLst>
-              <p:custData r:id="rId22"/>
+              <p:custData r:id="rId20"/>
             </p:custDataLst>
           </p:nvPr>
         </p:nvSpPr>
         <p:spPr>
           <a:xfrm>
-            <a:off x="2510528" y="4984679"/>
+            <a:off x="2510528" y="4729724"/>
             <a:ext cx="1696212" cy="307773"/>
           </a:xfrm>
           <a:prstGeom prst="rect">
@@ -8603,13 +8471,13 @@
           <p:cNvSpPr/>
           <p:nvPr>
             <p:custDataLst>
-              <p:custData r:id="rId23"/>
+              <p:custData r:id="rId21"/>
             </p:custDataLst>
           </p:nvPr>
         </p:nvSpPr>
         <p:spPr>
           <a:xfrm>
-            <a:off x="7993268" y="4989886"/>
+            <a:off x="7938564" y="4706884"/>
             <a:ext cx="1696212" cy="307773"/>
           </a:xfrm>
           <a:prstGeom prst="rect">
@@ -8712,13 +8580,13 @@
           <p:cNvGrpSpPr/>
           <p:nvPr>
             <p:custDataLst>
-              <p:custData r:id="rId24"/>
+              <p:custData r:id="rId22"/>
             </p:custDataLst>
           </p:nvPr>
         </p:nvGrpSpPr>
         <p:grpSpPr>
           <a:xfrm>
-            <a:off x="4008986" y="4860545"/>
+            <a:off x="4008986" y="4605590"/>
             <a:ext cx="320451" cy="319476"/>
             <a:chOff x="4283964" y="3147930"/>
             <a:chExt cx="320451" cy="319476"/>
@@ -8730,7 +8598,7 @@
             <p:cNvSpPr/>
             <p:nvPr>
               <p:custDataLst>
-                <p:custData r:id="rId27"/>
+                <p:custData r:id="rId25"/>
               </p:custDataLst>
             </p:nvPr>
           </p:nvSpPr>
@@ -8837,13 +8705,13 @@
           <p:cNvGrpSpPr/>
           <p:nvPr>
             <p:custDataLst>
-              <p:custData r:id="rId25"/>
+              <p:custData r:id="rId23"/>
             </p:custDataLst>
           </p:nvPr>
         </p:nvGrpSpPr>
         <p:grpSpPr>
           <a:xfrm>
-            <a:off x="9474809" y="4902406"/>
+            <a:off x="9420105" y="4619404"/>
             <a:ext cx="320451" cy="319476"/>
             <a:chOff x="4283964" y="3147930"/>
             <a:chExt cx="320451" cy="319476"/>
@@ -8855,7 +8723,7 @@
             <p:cNvSpPr/>
             <p:nvPr>
               <p:custDataLst>
-                <p:custData r:id="rId26"/>
+                <p:custData r:id="rId24"/>
               </p:custDataLst>
             </p:nvPr>
           </p:nvSpPr>
@@ -10545,13 +10413,13 @@
 
 <file path=customXml/item1.xml><?xml version="1.0" encoding="utf-8"?>
 <Control xmlns="http://schemas.microsoft.com/VisualStudio/2011/storyboarding/control">
-  <Id Name="System.Storyboarding.Annotation.CallOut" Revision="1" Stencil="System.Storyboarding.Annotation" StencilVersion="0.1"/>
+  <Id Name="System.Storyboarding.WindowsAppIcons.Games" Revision="1" Stencil="System.Storyboarding.WindowsAppIcons" StencilVersion="0.1"/>
 </Control>
 </file>
 
 <file path=customXml/item10.xml><?xml version="1.0" encoding="utf-8"?>
 <Control xmlns="http://schemas.microsoft.com/VisualStudio/2011/storyboarding/control">
-  <Id Name="System.Storyboarding.WindowsApps.WindowsAppsTileMedium" Revision="1" Stencil="System.Storyboarding.WindowsApps" StencilVersion="0.1"/>
+  <Id Name="System.Storyboarding.WindowsApps.WindowsAppsButton" Revision="1" Stencil="System.Storyboarding.WindowsApps" StencilVersion="0.1"/>
 </Control>
 </file>
 
@@ -10563,31 +10431,31 @@
 
 <file path=customXml/item12.xml><?xml version="1.0" encoding="utf-8"?>
 <Control xmlns="http://schemas.microsoft.com/VisualStudio/2011/storyboarding/control">
-  <Id Name="System.Storyboarding.WindowsApps.WindowsAppsButton" Revision="1" Stencil="System.Storyboarding.WindowsApps" StencilVersion="0.1"/>
+  <Id Name="System.Storyboarding.WindowsAppIcons.Donotwant" Revision="1" Stencil="System.Storyboarding.WindowsAppIcons" StencilVersion="0.1"/>
 </Control>
 </file>
 
 <file path=customXml/item13.xml><?xml version="1.0" encoding="utf-8"?>
+<Control xmlns="http://schemas.microsoft.com/VisualStudio/2011/storyboarding/control">
+  <Id Name="System.Storyboarding.Backgrounds.WindowsPhone" Revision="1" Stencil="System.Storyboarding.Backgrounds" StencilVersion="0.1"/>
+</Control>
+</file>
+
+<file path=customXml/item14.xml><?xml version="1.0" encoding="utf-8"?>
 <Control xmlns="http://schemas.microsoft.com/VisualStudio/2011/storyboarding/control">
   <Id Name="System.Storyboarding.WindowsApps.WindowsAppsTileMedium" Revision="1" Stencil="System.Storyboarding.WindowsApps" StencilVersion="0.1"/>
 </Control>
 </file>
 
-<file path=customXml/item14.xml><?xml version="1.0" encoding="utf-8"?>
+<file path=customXml/item15.xml><?xml version="1.0" encoding="utf-8"?>
 <Control xmlns="http://schemas.microsoft.com/VisualStudio/2011/storyboarding/control">
   <Id Name="System.Storyboarding.WindowsApps.WindowsAppsButton" Revision="1" Stencil="System.Storyboarding.WindowsApps" StencilVersion="0.1"/>
 </Control>
 </file>
 
-<file path=customXml/item15.xml><?xml version="1.0" encoding="utf-8"?>
-<Control xmlns="http://schemas.microsoft.com/VisualStudio/2011/storyboarding/control">
-  <Id Name="System.Storyboarding.WindowsApps.WindowsAppsTileMedium" Revision="1" Stencil="System.Storyboarding.WindowsApps" StencilVersion="0.1"/>
-</Control>
-</file>
-
 <file path=customXml/item16.xml><?xml version="1.0" encoding="utf-8"?>
 <Control xmlns="http://schemas.microsoft.com/VisualStudio/2011/storyboarding/control">
-  <Id Name="fd7d7bed-114e-464c-a4f1-01a512005949" Revision="1" Stencil="System.MyShapes" StencilVersion="1.0"/>
+  <Id Name="System.Storyboarding.WindowsApps.WindowsAppsButton" Revision="1" Stencil="System.Storyboarding.WindowsApps" StencilVersion="0.1"/>
 </Control>
 </file>
 
@@ -10599,19 +10467,19 @@
 
 <file path=customXml/item18.xml><?xml version="1.0" encoding="utf-8"?>
 <Control xmlns="http://schemas.microsoft.com/VisualStudio/2011/storyboarding/control">
+  <Id Name="fd7d7bed-114e-464c-a4f1-01a512005949" Revision="1" Stencil="System.MyShapes" StencilVersion="1.0"/>
+</Control>
+</file>
+
+<file path=customXml/item19.xml><?xml version="1.0" encoding="utf-8"?>
+<Control xmlns="http://schemas.microsoft.com/VisualStudio/2011/storyboarding/control">
   <Id Name="System.Storyboarding.WindowsApps.WindowsAppsTileMedium" Revision="1" Stencil="System.Storyboarding.WindowsApps" StencilVersion="0.1"/>
 </Control>
 </file>
 
-<file path=customXml/item19.xml><?xml version="1.0" encoding="utf-8"?>
-<Control xmlns="http://schemas.microsoft.com/VisualStudio/2011/storyboarding/control">
-  <Id Name="System.Storyboarding.WindowsAppIcons.Emoji" Revision="1" Stencil="System.Storyboarding.WindowsAppIcons" StencilVersion="0.1"/>
-</Control>
-</file>
-
 <file path=customXml/item2.xml><?xml version="1.0" encoding="utf-8"?>
 <Control xmlns="http://schemas.microsoft.com/VisualStudio/2011/storyboarding/control">
-  <Id Name="System.Storyboarding.WindowsApps.WindowsAppsButton" Revision="1" Stencil="System.Storyboarding.WindowsApps" StencilVersion="0.1"/>
+  <Id Name="System.Storyboarding.Backgrounds.WindowsPhone" Revision="1" Stencil="System.Storyboarding.Backgrounds" StencilVersion="0.1"/>
 </Control>
 </file>
 
@@ -10623,7 +10491,7 @@
 
 <file path=customXml/item21.xml><?xml version="1.0" encoding="utf-8"?>
 <Control xmlns="http://schemas.microsoft.com/VisualStudio/2011/storyboarding/control">
-  <Id Name="fd7d7bed-114e-464c-a4f1-01a512005949" Revision="1" Stencil="System.MyShapes" StencilVersion="1.0"/>
+  <Id Name="System.Storyboarding.WindowsApps.WindowsAppsButton" Revision="1" Stencil="System.Storyboarding.WindowsApps" StencilVersion="0.1"/>
 </Control>
 </file>
 
@@ -10635,13 +10503,13 @@
 
 <file path=customXml/item23.xml><?xml version="1.0" encoding="utf-8"?>
 <Control xmlns="http://schemas.microsoft.com/VisualStudio/2011/storyboarding/control">
-  <Id Name="System.Storyboarding.WindowsApps.WindowsAppsTileMedium" Revision="1" Stencil="System.Storyboarding.WindowsApps" StencilVersion="0.1"/>
+  <Id Name="System.Storyboarding.WindowsApps.WindowsAppsButton" Revision="1" Stencil="System.Storyboarding.WindowsApps" StencilVersion="0.1"/>
 </Control>
 </file>
 
 <file path=customXml/item24.xml><?xml version="1.0" encoding="utf-8"?>
 <Control xmlns="http://schemas.microsoft.com/VisualStudio/2011/storyboarding/control">
-  <Id Name="System.Storyboarding.WindowsAppIcons.Games" Revision="1" Stencil="System.Storyboarding.WindowsAppIcons" StencilVersion="0.1"/>
+  <Id Name="fd7d7bed-114e-464c-a4f1-01a512005949" Revision="1" Stencil="System.MyShapes" StencilVersion="1.0"/>
 </Control>
 </file>
 
@@ -10653,19 +10521,19 @@
 
 <file path=customXml/item26.xml><?xml version="1.0" encoding="utf-8"?>
 <Control xmlns="http://schemas.microsoft.com/VisualStudio/2011/storyboarding/control">
-  <Id Name="System.Storyboarding.Backgrounds.WindowsPhone" Revision="1" Stencil="System.Storyboarding.Backgrounds" StencilVersion="0.1"/>
+  <Id Name="System.Storyboarding.WindowsApps.WindowsAppsButton" Revision="1" Stencil="System.Storyboarding.WindowsApps" StencilVersion="0.1"/>
 </Control>
 </file>
 
 <file path=customXml/item27.xml><?xml version="1.0" encoding="utf-8"?>
 <Control xmlns="http://schemas.microsoft.com/VisualStudio/2011/storyboarding/control">
-  <Id Name="System.Storyboarding.WindowsAppIcons.Donotwant" Revision="1" Stencil="System.Storyboarding.WindowsAppIcons" StencilVersion="0.1"/>
+  <Id Name="fd7d7bed-114e-464c-a4f1-01a512005949" Revision="1" Stencil="System.MyShapes" StencilVersion="1.0"/>
 </Control>
 </file>
 
 <file path=customXml/item28.xml><?xml version="1.0" encoding="utf-8"?>
 <Control xmlns="http://schemas.microsoft.com/VisualStudio/2011/storyboarding/control">
-  <Id Name="System.Storyboarding.Annotation.CallOut" Revision="1" Stencil="System.Storyboarding.Annotation" StencilVersion="0.1"/>
+  <Id Name="System.Storyboarding.WindowsApps.WindowsAppsButton" Revision="1" Stencil="System.Storyboarding.WindowsApps" StencilVersion="0.1"/>
 </Control>
 </file>
 
@@ -10683,7 +10551,7 @@
 
 <file path=customXml/item30.xml><?xml version="1.0" encoding="utf-8"?>
 <Control xmlns="http://schemas.microsoft.com/VisualStudio/2011/storyboarding/control">
-  <Id Name="System.Storyboarding.Backgrounds.WindowsPhone" Revision="1" Stencil="System.Storyboarding.Backgrounds" StencilVersion="0.1"/>
+  <Id Name="System.Storyboarding.WindowsApps.WindowsAppsButton" Revision="1" Stencil="System.Storyboarding.WindowsApps" StencilVersion="0.1"/>
 </Control>
 </file>
 
@@ -10695,25 +10563,25 @@
 
 <file path=customXml/item32.xml><?xml version="1.0" encoding="utf-8"?>
 <Control xmlns="http://schemas.microsoft.com/VisualStudio/2011/storyboarding/control">
-  <Id Name="System.Storyboarding.Backgrounds.WindowsPhone" Revision="1" Stencil="System.Storyboarding.Backgrounds" StencilVersion="0.1"/>
+  <Id Name="System.Storyboarding.WindowsApps.WindowsAppsButton" Revision="1" Stencil="System.Storyboarding.WindowsApps" StencilVersion="0.1"/>
 </Control>
 </file>
 
 <file path=customXml/item33.xml><?xml version="1.0" encoding="utf-8"?>
 <Control xmlns="http://schemas.microsoft.com/VisualStudio/2011/storyboarding/control">
-  <Id Name="fd7d7bed-114e-464c-a4f1-01a512005949" Revision="1" Stencil="System.MyShapes" StencilVersion="1.0"/>
+  <Id Name="System.Storyboarding.WindowsApps.WindowsAppsTileMedium" Revision="1" Stencil="System.Storyboarding.WindowsApps" StencilVersion="0.1"/>
 </Control>
 </file>
 
 <file path=customXml/item34.xml><?xml version="1.0" encoding="utf-8"?>
 <Control xmlns="http://schemas.microsoft.com/VisualStudio/2011/storyboarding/control">
-  <Id Name="System.Storyboarding.WindowsApps.WindowsAppsButton" Revision="1" Stencil="System.Storyboarding.WindowsApps" StencilVersion="0.1"/>
+  <Id Name="System.Storyboarding.WindowsApps.WindowsAppsTileMedium" Revision="1" Stencil="System.Storyboarding.WindowsApps" StencilVersion="0.1"/>
 </Control>
 </file>
 
 <file path=customXml/item35.xml><?xml version="1.0" encoding="utf-8"?>
 <Control xmlns="http://schemas.microsoft.com/VisualStudio/2011/storyboarding/control">
-  <Id Name="System.Storyboarding.WindowsApps.WindowsAppsTileMedium" Revision="1" Stencil="System.Storyboarding.WindowsApps" StencilVersion="0.1"/>
+  <Id Name="System.Storyboarding.Annotation.CallOut" Revision="1" Stencil="System.Storyboarding.Annotation" StencilVersion="0.1"/>
 </Control>
 </file>
 
@@ -10731,61 +10599,61 @@
 
 <file path=customXml/item38.xml><?xml version="1.0" encoding="utf-8"?>
 <Control xmlns="http://schemas.microsoft.com/VisualStudio/2011/storyboarding/control">
-  <Id Name="System.Storyboarding.WindowsApps.WindowsAppsButton" Revision="1" Stencil="System.Storyboarding.WindowsApps" StencilVersion="0.1"/>
+  <Id Name="fd7d7bed-114e-464c-a4f1-01a512005949" Revision="1" Stencil="System.MyShapes" StencilVersion="1.0"/>
 </Control>
 </file>
 
 <file path=customXml/item39.xml><?xml version="1.0" encoding="utf-8"?>
+<Control xmlns="http://schemas.microsoft.com/VisualStudio/2011/storyboarding/control">
+  <Id Name="System.Storyboarding.WindowsApps.WindowsAppsTileMedium" Revision="1" Stencil="System.Storyboarding.WindowsApps" StencilVersion="0.1"/>
+</Control>
+</file>
+
+<file path=customXml/item4.xml><?xml version="1.0" encoding="utf-8"?>
+<Control xmlns="http://schemas.microsoft.com/VisualStudio/2011/storyboarding/control">
+  <Id Name="System.Storyboarding.WindowsApps.WindowsAppsTileMedium" Revision="1" Stencil="System.Storyboarding.WindowsApps" StencilVersion="0.1"/>
+</Control>
+</file>
+
+<file path=customXml/item40.xml><?xml version="1.0" encoding="utf-8"?>
 <Control xmlns="http://schemas.microsoft.com/VisualStudio/2011/storyboarding/control">
   <Id Name="System.Storyboarding.Annotation.CallOut" Revision="1" Stencil="System.Storyboarding.Annotation" StencilVersion="0.1"/>
 </Control>
 </file>
 
-<file path=customXml/item4.xml><?xml version="1.0" encoding="utf-8"?>
+<file path=customXml/item41.xml><?xml version="1.0" encoding="utf-8"?>
+<Control xmlns="http://schemas.microsoft.com/VisualStudio/2011/storyboarding/control">
+  <Id Name="System.Storyboarding.Annotation.CallOut" Revision="1" Stencil="System.Storyboarding.Annotation" StencilVersion="0.1"/>
+</Control>
+</file>
+
+<file path=customXml/item42.xml><?xml version="1.0" encoding="utf-8"?>
+<Control xmlns="http://schemas.microsoft.com/VisualStudio/2011/storyboarding/control">
+  <Id Name="System.Storyboarding.WindowsApps.WindowsAppsTileMedium" Revision="1" Stencil="System.Storyboarding.WindowsApps" StencilVersion="0.1"/>
+</Control>
+</file>
+
+<file path=customXml/item43.xml><?xml version="1.0" encoding="utf-8"?>
+<Control xmlns="http://schemas.microsoft.com/VisualStudio/2011/storyboarding/control">
+  <Id Name="System.Storyboarding.Icons.Error" Revision="1" Stencil="System.Storyboarding.Icons" StencilVersion="0.1"/>
+</Control>
+</file>
+
+<file path=customXml/item44.xml><?xml version="1.0" encoding="utf-8"?>
 <Control xmlns="http://schemas.microsoft.com/VisualStudio/2011/storyboarding/control">
   <Id Name="fd7d7bed-114e-464c-a4f1-01a512005949" Revision="1" Stencil="System.MyShapes" StencilVersion="1.0"/>
 </Control>
 </file>
 
-<file path=customXml/item40.xml><?xml version="1.0" encoding="utf-8"?>
-<Control xmlns="http://schemas.microsoft.com/VisualStudio/2011/storyboarding/control">
-  <Id Name="System.Storyboarding.WindowsApps.WindowsAppsTileMedium" Revision="1" Stencil="System.Storyboarding.WindowsApps" StencilVersion="0.1"/>
-</Control>
-</file>
-
-<file path=customXml/item41.xml><?xml version="1.0" encoding="utf-8"?>
-<Control xmlns="http://schemas.microsoft.com/VisualStudio/2011/storyboarding/control">
-  <Id Name="System.Storyboarding.WindowsApps.WindowsAppsTileMedium" Revision="1" Stencil="System.Storyboarding.WindowsApps" StencilVersion="0.1"/>
-</Control>
-</file>
-
-<file path=customXml/item42.xml><?xml version="1.0" encoding="utf-8"?>
+<file path=customXml/item45.xml><?xml version="1.0" encoding="utf-8"?>
 <Control xmlns="http://schemas.microsoft.com/VisualStudio/2011/storyboarding/control">
   <Id Name="fd7d7bed-114e-464c-a4f1-01a512005949" Revision="1" Stencil="System.MyShapes" StencilVersion="1.0"/>
 </Control>
 </file>
 
-<file path=customXml/item43.xml><?xml version="1.0" encoding="utf-8"?>
-<Control xmlns="http://schemas.microsoft.com/VisualStudio/2011/storyboarding/control">
-  <Id Name="System.Storyboarding.WindowsApps.WindowsAppsButton" Revision="1" Stencil="System.Storyboarding.WindowsApps" StencilVersion="0.1"/>
-</Control>
-</file>
-
-<file path=customXml/item44.xml><?xml version="1.0" encoding="utf-8"?>
-<Control xmlns="http://schemas.microsoft.com/VisualStudio/2011/storyboarding/control">
-  <Id Name="System.Storyboarding.Annotation.CallOut" Revision="1" Stencil="System.Storyboarding.Annotation" StencilVersion="0.1"/>
-</Control>
-</file>
-
-<file path=customXml/item45.xml><?xml version="1.0" encoding="utf-8"?>
+<file path=customXml/item46.xml><?xml version="1.0" encoding="utf-8"?>
 <Control xmlns="http://schemas.microsoft.com/VisualStudio/2011/storyboarding/control">
   <Id Name="System.Storyboarding.WindowsApps.WindowsAppsTileMedium" Revision="1" Stencil="System.Storyboarding.WindowsApps" StencilVersion="0.1"/>
-</Control>
-</file>
-
-<file path=customXml/item46.xml><?xml version="1.0" encoding="utf-8"?>
-<Control xmlns="http://schemas.microsoft.com/VisualStudio/2011/storyboarding/control">
-  <Id Name="System.Storyboarding.WindowsApps.WindowsAppsButton" Revision="1" Stencil="System.Storyboarding.WindowsApps" StencilVersion="0.1"/>
 </Control>
 </file>
 
@@ -10797,7 +10665,7 @@
 
 <file path=customXml/item48.xml><?xml version="1.0" encoding="utf-8"?>
 <Control xmlns="http://schemas.microsoft.com/VisualStudio/2011/storyboarding/control">
-  <Id Name="System.Storyboarding.WindowsApps.WindowsAppsButton" Revision="1" Stencil="System.Storyboarding.WindowsApps" StencilVersion="0.1"/>
+  <Id Name="System.Storyboarding.Annotation.CallOut" Revision="1" Stencil="System.Storyboarding.Annotation" StencilVersion="0.1"/>
 </Control>
 </file>
 
@@ -10809,7 +10677,7 @@
 
 <file path=customXml/item5.xml><?xml version="1.0" encoding="utf-8"?>
 <Control xmlns="http://schemas.microsoft.com/VisualStudio/2011/storyboarding/control">
-  <Id Name="fd7d7bed-114e-464c-a4f1-01a512005949" Revision="1" Stencil="System.MyShapes" StencilVersion="1.0"/>
+  <Id Name="System.Storyboarding.WindowsApps.WindowsAppsTileMedium" Revision="1" Stencil="System.Storyboarding.WindowsApps" StencilVersion="0.1"/>
 </Control>
 </file>
 
@@ -10821,13 +10689,13 @@
 
 <file path=customXml/item51.xml><?xml version="1.0" encoding="utf-8"?>
 <Control xmlns="http://schemas.microsoft.com/VisualStudio/2011/storyboarding/control">
-  <Id Name="System.Storyboarding.WindowsApps.WindowsAppsTileMedium" Revision="1" Stencil="System.Storyboarding.WindowsApps" StencilVersion="0.1"/>
+  <Id Name="System.Storyboarding.WindowsApps.WindowsAppsButton" Revision="1" Stencil="System.Storyboarding.WindowsApps" StencilVersion="0.1"/>
 </Control>
 </file>
 
 <file path=customXml/item52.xml><?xml version="1.0" encoding="utf-8"?>
 <Control xmlns="http://schemas.microsoft.com/VisualStudio/2011/storyboarding/control">
-  <Id Name="System.Storyboarding.WindowsApps.WindowsAppsTileMedium" Revision="1" Stencil="System.Storyboarding.WindowsApps" StencilVersion="0.1"/>
+  <Id Name="System.Storyboarding.Backgrounds.WindowsPhone" Revision="1" Stencil="System.Storyboarding.Backgrounds" StencilVersion="0.1"/>
 </Control>
 </file>
 
@@ -10839,55 +10707,55 @@
 
 <file path=customXml/item54.xml><?xml version="1.0" encoding="utf-8"?>
 <Control xmlns="http://schemas.microsoft.com/VisualStudio/2011/storyboarding/control">
-  <Id Name="System.Storyboarding.WindowsApps.WindowsAppsButton" Revision="1" Stencil="System.Storyboarding.WindowsApps" StencilVersion="0.1"/>
+  <Id Name="fd7d7bed-114e-464c-a4f1-01a512005949" Revision="1" Stencil="System.MyShapes" StencilVersion="1.0"/>
 </Control>
 </file>
 
 <file path=customXml/item55.xml><?xml version="1.0" encoding="utf-8"?>
+<Control xmlns="http://schemas.microsoft.com/VisualStudio/2011/storyboarding/control">
+  <Id Name="System.Storyboarding.WindowsApps.WindowsAppsTileMedium" Revision="1" Stencil="System.Storyboarding.WindowsApps" StencilVersion="0.1"/>
+</Control>
+</file>
+
+<file path=customXml/item56.xml><?xml version="1.0" encoding="utf-8"?>
+<Control xmlns="http://schemas.microsoft.com/VisualStudio/2011/storyboarding/control">
+  <Id Name="System.Storyboarding.WindowsApps.WindowsAppsTileMedium" Revision="1" Stencil="System.Storyboarding.WindowsApps" StencilVersion="0.1"/>
+</Control>
+</file>
+
+<file path=customXml/item57.xml><?xml version="1.0" encoding="utf-8"?>
 <Control xmlns="http://schemas.microsoft.com/VisualStudio/2011/storyboarding/control">
   <Id Name="System.Storyboarding.WindowsApps.WindowsAppsButton" Revision="1" Stencil="System.Storyboarding.WindowsApps" StencilVersion="0.1"/>
 </Control>
 </file>
 
-<file path=customXml/item56.xml><?xml version="1.0" encoding="utf-8"?>
+<file path=customXml/item58.xml><?xml version="1.0" encoding="utf-8"?>
+<Control xmlns="http://schemas.microsoft.com/VisualStudio/2011/storyboarding/control">
+  <Id Name="fd7d7bed-114e-464c-a4f1-01a512005949" Revision="1" Stencil="System.MyShapes" StencilVersion="1.0"/>
+</Control>
+</file>
+
+<file path=customXml/item59.xml><?xml version="1.0" encoding="utf-8"?>
+<Control xmlns="http://schemas.microsoft.com/VisualStudio/2011/storyboarding/control">
+  <Id Name="System.Storyboarding.WindowsApps.WindowsAppsTileMedium" Revision="1" Stencil="System.Storyboarding.WindowsApps" StencilVersion="0.1"/>
+</Control>
+</file>
+
+<file path=customXml/item6.xml><?xml version="1.0" encoding="utf-8"?>
+<Control xmlns="http://schemas.microsoft.com/VisualStudio/2011/storyboarding/control">
+  <Id Name="fd7d7bed-114e-464c-a4f1-01a512005949" Revision="1" Stencil="System.MyShapes" StencilVersion="1.0"/>
+</Control>
+</file>
+
+<file path=customXml/item60.xml><?xml version="1.0" encoding="utf-8"?>
 <Control xmlns="http://schemas.microsoft.com/VisualStudio/2011/storyboarding/control">
   <Id Name="System.Storyboarding.Annotation.CallOut" Revision="1" Stencil="System.Storyboarding.Annotation" StencilVersion="0.1"/>
 </Control>
 </file>
 
-<file path=customXml/item57.xml><?xml version="1.0" encoding="utf-8"?>
-<Control xmlns="http://schemas.microsoft.com/VisualStudio/2011/storyboarding/control">
-  <Id Name="fd7d7bed-114e-464c-a4f1-01a512005949" Revision="1" Stencil="System.MyShapes" StencilVersion="1.0"/>
-</Control>
-</file>
-
-<file path=customXml/item58.xml><?xml version="1.0" encoding="utf-8"?>
+<file path=customXml/item7.xml><?xml version="1.0" encoding="utf-8"?>
 <Control xmlns="http://schemas.microsoft.com/VisualStudio/2011/storyboarding/control">
   <Id Name="System.Storyboarding.Annotation.CallOut" Revision="1" Stencil="System.Storyboarding.Annotation" StencilVersion="0.1"/>
-</Control>
-</file>
-
-<file path=customXml/item59.xml><?xml version="1.0" encoding="utf-8"?>
-<Control xmlns="http://schemas.microsoft.com/VisualStudio/2011/storyboarding/control">
-  <Id Name="fd7d7bed-114e-464c-a4f1-01a512005949" Revision="1" Stencil="System.MyShapes" StencilVersion="1.0"/>
-</Control>
-</file>
-
-<file path=customXml/item6.xml><?xml version="1.0" encoding="utf-8"?>
-<Control xmlns="http://schemas.microsoft.com/VisualStudio/2011/storyboarding/control">
-  <Id Name="System.Storyboarding.WindowsApps.WindowsAppsButton" Revision="1" Stencil="System.Storyboarding.WindowsApps" StencilVersion="0.1"/>
-</Control>
-</file>
-
-<file path=customXml/item60.xml><?xml version="1.0" encoding="utf-8"?>
-<Control xmlns="http://schemas.microsoft.com/VisualStudio/2011/storyboarding/control">
-  <Id Name="System.Storyboarding.Icons.Error" Revision="1" Stencil="System.Storyboarding.Icons" StencilVersion="0.1"/>
-</Control>
-</file>
-
-<file path=customXml/item7.xml><?xml version="1.0" encoding="utf-8"?>
-<Control xmlns="http://schemas.microsoft.com/VisualStudio/2011/storyboarding/control">
-  <Id Name="System.Storyboarding.WindowsApps.WindowsAppsTileMedium" Revision="1" Stencil="System.Storyboarding.WindowsApps" StencilVersion="0.1"/>
 </Control>
 </file>
 
@@ -10899,11 +10767,203 @@
 
 <file path=customXml/item9.xml><?xml version="1.0" encoding="utf-8"?>
 <Control xmlns="http://schemas.microsoft.com/VisualStudio/2011/storyboarding/control">
-  <Id Name="fd7d7bed-114e-464c-a4f1-01a512005949" Revision="1" Stencil="System.MyShapes" StencilVersion="1.0"/>
+  <Id Name="System.Storyboarding.WindowsAppIcons.Emoji" Revision="1" Stencil="System.Storyboarding.WindowsAppIcons" StencilVersion="0.1"/>
 </Control>
 </file>
 
 <file path=customXml/itemProps1.xml><?xml version="1.0" encoding="utf-8"?>
+<ds:datastoreItem xmlns:ds="http://schemas.openxmlformats.org/officeDocument/2006/customXml" ds:itemID="{5DDEC329-F8A0-4AB7-A43D-EBCA2E0A9F0A}">
+  <ds:schemaRefs>
+    <ds:schemaRef ds:uri="http://schemas.microsoft.com/VisualStudio/2011/storyboarding/control"/>
+  </ds:schemaRefs>
+</ds:datastoreItem>
+</file>
+
+<file path=customXml/itemProps10.xml><?xml version="1.0" encoding="utf-8"?>
+<ds:datastoreItem xmlns:ds="http://schemas.openxmlformats.org/officeDocument/2006/customXml" ds:itemID="{B4AB09FA-6D1C-4D0D-ABE3-095493E07240}">
+  <ds:schemaRefs>
+    <ds:schemaRef ds:uri="http://schemas.microsoft.com/VisualStudio/2011/storyboarding/control"/>
+  </ds:schemaRefs>
+</ds:datastoreItem>
+</file>
+
+<file path=customXml/itemProps11.xml><?xml version="1.0" encoding="utf-8"?>
+<ds:datastoreItem xmlns:ds="http://schemas.openxmlformats.org/officeDocument/2006/customXml" ds:itemID="{ED3F02EF-3CEC-4FA2-ABA7-55430503271A}">
+  <ds:schemaRefs>
+    <ds:schemaRef ds:uri="http://schemas.microsoft.com/VisualStudio/2011/storyboarding/control"/>
+  </ds:schemaRefs>
+</ds:datastoreItem>
+</file>
+
+<file path=customXml/itemProps12.xml><?xml version="1.0" encoding="utf-8"?>
+<ds:datastoreItem xmlns:ds="http://schemas.openxmlformats.org/officeDocument/2006/customXml" ds:itemID="{659039C9-9E57-4631-A7B7-C4066315FAF6}">
+  <ds:schemaRefs>
+    <ds:schemaRef ds:uri="http://schemas.microsoft.com/VisualStudio/2011/storyboarding/control"/>
+  </ds:schemaRefs>
+</ds:datastoreItem>
+</file>
+
+<file path=customXml/itemProps13.xml><?xml version="1.0" encoding="utf-8"?>
+<ds:datastoreItem xmlns:ds="http://schemas.openxmlformats.org/officeDocument/2006/customXml" ds:itemID="{40E1E962-5637-4EB6-B93C-DA8F96A81FAF}">
+  <ds:schemaRefs>
+    <ds:schemaRef ds:uri="http://schemas.microsoft.com/VisualStudio/2011/storyboarding/control"/>
+  </ds:schemaRefs>
+</ds:datastoreItem>
+</file>
+
+<file path=customXml/itemProps14.xml><?xml version="1.0" encoding="utf-8"?>
+<ds:datastoreItem xmlns:ds="http://schemas.openxmlformats.org/officeDocument/2006/customXml" ds:itemID="{2238C136-D227-4AA1-A465-1D5076A289E6}">
+  <ds:schemaRefs>
+    <ds:schemaRef ds:uri="http://schemas.microsoft.com/VisualStudio/2011/storyboarding/control"/>
+  </ds:schemaRefs>
+</ds:datastoreItem>
+</file>
+
+<file path=customXml/itemProps15.xml><?xml version="1.0" encoding="utf-8"?>
+<ds:datastoreItem xmlns:ds="http://schemas.openxmlformats.org/officeDocument/2006/customXml" ds:itemID="{C0236D38-7F8A-4EAA-B6A1-6880B56FE83E}">
+  <ds:schemaRefs>
+    <ds:schemaRef ds:uri="http://schemas.microsoft.com/VisualStudio/2011/storyboarding/control"/>
+  </ds:schemaRefs>
+</ds:datastoreItem>
+</file>
+
+<file path=customXml/itemProps16.xml><?xml version="1.0" encoding="utf-8"?>
+<ds:datastoreItem xmlns:ds="http://schemas.openxmlformats.org/officeDocument/2006/customXml" ds:itemID="{01BBD822-2486-4BAB-8BE0-43BC08D35C57}">
+  <ds:schemaRefs>
+    <ds:schemaRef ds:uri="http://schemas.microsoft.com/VisualStudio/2011/storyboarding/control"/>
+  </ds:schemaRefs>
+</ds:datastoreItem>
+</file>
+
+<file path=customXml/itemProps17.xml><?xml version="1.0" encoding="utf-8"?>
+<ds:datastoreItem xmlns:ds="http://schemas.openxmlformats.org/officeDocument/2006/customXml" ds:itemID="{9FE835D4-D323-4BA8-AC22-67F92BED91C7}">
+  <ds:schemaRefs>
+    <ds:schemaRef ds:uri="http://schemas.microsoft.com/VisualStudio/2011/storyboarding/control"/>
+  </ds:schemaRefs>
+</ds:datastoreItem>
+</file>
+
+<file path=customXml/itemProps18.xml><?xml version="1.0" encoding="utf-8"?>
+<ds:datastoreItem xmlns:ds="http://schemas.openxmlformats.org/officeDocument/2006/customXml" ds:itemID="{2DEE47C0-36A2-4264-9D02-B43B15FA8FF6}">
+  <ds:schemaRefs>
+    <ds:schemaRef ds:uri="http://schemas.microsoft.com/VisualStudio/2011/storyboarding/control"/>
+  </ds:schemaRefs>
+</ds:datastoreItem>
+</file>
+
+<file path=customXml/itemProps19.xml><?xml version="1.0" encoding="utf-8"?>
+<ds:datastoreItem xmlns:ds="http://schemas.openxmlformats.org/officeDocument/2006/customXml" ds:itemID="{798E1A44-C6DC-4F6B-8062-CEEC518F1F18}">
+  <ds:schemaRefs>
+    <ds:schemaRef ds:uri="http://schemas.microsoft.com/VisualStudio/2011/storyboarding/control"/>
+  </ds:schemaRefs>
+</ds:datastoreItem>
+</file>
+
+<file path=customXml/itemProps2.xml><?xml version="1.0" encoding="utf-8"?>
+<ds:datastoreItem xmlns:ds="http://schemas.openxmlformats.org/officeDocument/2006/customXml" ds:itemID="{831CC1F3-48E3-4367-AA27-BFB6D7A37182}">
+  <ds:schemaRefs>
+    <ds:schemaRef ds:uri="http://schemas.microsoft.com/VisualStudio/2011/storyboarding/control"/>
+  </ds:schemaRefs>
+</ds:datastoreItem>
+</file>
+
+<file path=customXml/itemProps20.xml><?xml version="1.0" encoding="utf-8"?>
+<ds:datastoreItem xmlns:ds="http://schemas.openxmlformats.org/officeDocument/2006/customXml" ds:itemID="{D3B48954-D3FD-48DF-BABD-6FC53C1FE557}">
+  <ds:schemaRefs>
+    <ds:schemaRef ds:uri="http://schemas.microsoft.com/VisualStudio/2011/storyboarding/control"/>
+  </ds:schemaRefs>
+</ds:datastoreItem>
+</file>
+
+<file path=customXml/itemProps21.xml><?xml version="1.0" encoding="utf-8"?>
+<ds:datastoreItem xmlns:ds="http://schemas.openxmlformats.org/officeDocument/2006/customXml" ds:itemID="{FEEE37C0-7C52-4B75-B817-78E5E594B56F}">
+  <ds:schemaRefs>
+    <ds:schemaRef ds:uri="http://schemas.microsoft.com/VisualStudio/2011/storyboarding/control"/>
+  </ds:schemaRefs>
+</ds:datastoreItem>
+</file>
+
+<file path=customXml/itemProps22.xml><?xml version="1.0" encoding="utf-8"?>
+<ds:datastoreItem xmlns:ds="http://schemas.openxmlformats.org/officeDocument/2006/customXml" ds:itemID="{0F67BC1B-C4A3-4EF8-B37F-FD887C9E8AEC}">
+  <ds:schemaRefs>
+    <ds:schemaRef ds:uri="http://schemas.microsoft.com/VisualStudio/2011/storyboarding/control"/>
+  </ds:schemaRefs>
+</ds:datastoreItem>
+</file>
+
+<file path=customXml/itemProps23.xml><?xml version="1.0" encoding="utf-8"?>
+<ds:datastoreItem xmlns:ds="http://schemas.openxmlformats.org/officeDocument/2006/customXml" ds:itemID="{3F793D20-BE72-4C4B-9D26-502AA3F72ECF}">
+  <ds:schemaRefs>
+    <ds:schemaRef ds:uri="http://schemas.microsoft.com/VisualStudio/2011/storyboarding/control"/>
+  </ds:schemaRefs>
+</ds:datastoreItem>
+</file>
+
+<file path=customXml/itemProps24.xml><?xml version="1.0" encoding="utf-8"?>
+<ds:datastoreItem xmlns:ds="http://schemas.openxmlformats.org/officeDocument/2006/customXml" ds:itemID="{9501DC5F-120C-4F65-9B9C-A042818517A5}">
+  <ds:schemaRefs>
+    <ds:schemaRef ds:uri="http://schemas.microsoft.com/VisualStudio/2011/storyboarding/control"/>
+  </ds:schemaRefs>
+</ds:datastoreItem>
+</file>
+
+<file path=customXml/itemProps25.xml><?xml version="1.0" encoding="utf-8"?>
+<ds:datastoreItem xmlns:ds="http://schemas.openxmlformats.org/officeDocument/2006/customXml" ds:itemID="{E621F820-782A-4D55-A65D-5B9683D8D158}">
+  <ds:schemaRefs>
+    <ds:schemaRef ds:uri="http://schemas.microsoft.com/VisualStudio/2011/storyboarding/control"/>
+  </ds:schemaRefs>
+</ds:datastoreItem>
+</file>
+
+<file path=customXml/itemProps26.xml><?xml version="1.0" encoding="utf-8"?>
+<ds:datastoreItem xmlns:ds="http://schemas.openxmlformats.org/officeDocument/2006/customXml" ds:itemID="{F3D1B56C-1098-4BDA-B23F-5C6F926B691C}">
+  <ds:schemaRefs>
+    <ds:schemaRef ds:uri="http://schemas.microsoft.com/VisualStudio/2011/storyboarding/control"/>
+  </ds:schemaRefs>
+</ds:datastoreItem>
+</file>
+
+<file path=customXml/itemProps27.xml><?xml version="1.0" encoding="utf-8"?>
+<ds:datastoreItem xmlns:ds="http://schemas.openxmlformats.org/officeDocument/2006/customXml" ds:itemID="{7CBAB6EC-F3DF-4763-9CFB-476849EF7E97}">
+  <ds:schemaRefs>
+    <ds:schemaRef ds:uri="http://schemas.microsoft.com/VisualStudio/2011/storyboarding/control"/>
+  </ds:schemaRefs>
+</ds:datastoreItem>
+</file>
+
+<file path=customXml/itemProps28.xml><?xml version="1.0" encoding="utf-8"?>
+<ds:datastoreItem xmlns:ds="http://schemas.openxmlformats.org/officeDocument/2006/customXml" ds:itemID="{06C2D9AE-7534-4FAD-A8C5-335E417D83FF}">
+  <ds:schemaRefs>
+    <ds:schemaRef ds:uri="http://schemas.microsoft.com/VisualStudio/2011/storyboarding/control"/>
+  </ds:schemaRefs>
+</ds:datastoreItem>
+</file>
+
+<file path=customXml/itemProps29.xml><?xml version="1.0" encoding="utf-8"?>
+<ds:datastoreItem xmlns:ds="http://schemas.openxmlformats.org/officeDocument/2006/customXml" ds:itemID="{26190532-7283-4B3A-A4F0-D4225A0BC43D}">
+  <ds:schemaRefs>
+    <ds:schemaRef ds:uri="http://schemas.microsoft.com/VisualStudio/2011/storyboarding/control"/>
+  </ds:schemaRefs>
+</ds:datastoreItem>
+</file>
+
+<file path=customXml/itemProps3.xml><?xml version="1.0" encoding="utf-8"?>
+<ds:datastoreItem xmlns:ds="http://schemas.openxmlformats.org/officeDocument/2006/customXml" ds:itemID="{B0D39E60-4C78-477F-973B-B3A32CF1CE06}">
+  <ds:schemaRefs>
+    <ds:schemaRef ds:uri="http://schemas.microsoft.com/VisualStudio/2011/storyboarding/control"/>
+  </ds:schemaRefs>
+</ds:datastoreItem>
+</file>
+
+<file path=customXml/itemProps30.xml><?xml version="1.0" encoding="utf-8"?>
+<ds:datastoreItem xmlns:ds="http://schemas.openxmlformats.org/officeDocument/2006/customXml" ds:itemID="{454EE663-ABEC-4DCB-88C3-A6F9DAB3AFEB}">
+  <ds:schemaRefs>
+    <ds:schemaRef ds:uri="http://schemas.microsoft.com/VisualStudio/2011/storyboarding/control"/>
+  </ds:schemaRefs>
+</ds:datastoreItem>
+</file>
+
+<file path=customXml/itemProps31.xml><?xml version="1.0" encoding="utf-8"?>
 <ds:datastoreItem xmlns:ds="http://schemas.openxmlformats.org/officeDocument/2006/customXml" ds:itemID="{190EBEF0-CB9E-4C67-BBD3-192F9F5BB87E}">
   <ds:schemaRefs>
     <ds:schemaRef ds:uri="http://schemas.microsoft.com/VisualStudio/2011/storyboarding/control"/>
@@ -10911,47 +10971,15 @@
 </ds:datastoreItem>
 </file>
 
-<file path=customXml/itemProps10.xml><?xml version="1.0" encoding="utf-8"?>
-<ds:datastoreItem xmlns:ds="http://schemas.openxmlformats.org/officeDocument/2006/customXml" ds:itemID="{36EDA764-43F5-4C83-A43C-7C11C84EB100}">
+<file path=customXml/itemProps32.xml><?xml version="1.0" encoding="utf-8"?>
+<ds:datastoreItem xmlns:ds="http://schemas.openxmlformats.org/officeDocument/2006/customXml" ds:itemID="{6D29AD73-E6E7-41AD-BD08-29640567C1E3}">
   <ds:schemaRefs>
     <ds:schemaRef ds:uri="http://schemas.microsoft.com/VisualStudio/2011/storyboarding/control"/>
   </ds:schemaRefs>
 </ds:datastoreItem>
 </file>
 
-<file path=customXml/itemProps11.xml><?xml version="1.0" encoding="utf-8"?>
-<ds:datastoreItem xmlns:ds="http://schemas.openxmlformats.org/officeDocument/2006/customXml" ds:itemID="{571678DC-267F-47C2-A3B2-F591F73394A5}">
-  <ds:schemaRefs>
-    <ds:schemaRef ds:uri="http://schemas.microsoft.com/VisualStudio/2011/storyboarding/control"/>
-  </ds:schemaRefs>
-</ds:datastoreItem>
-</file>
-
-<file path=customXml/itemProps12.xml><?xml version="1.0" encoding="utf-8"?>
-<ds:datastoreItem xmlns:ds="http://schemas.openxmlformats.org/officeDocument/2006/customXml" ds:itemID="{FEEE37C0-7C52-4B75-B817-78E5E594B56F}">
-  <ds:schemaRefs>
-    <ds:schemaRef ds:uri="http://schemas.microsoft.com/VisualStudio/2011/storyboarding/control"/>
-  </ds:schemaRefs>
-</ds:datastoreItem>
-</file>
-
-<file path=customXml/itemProps13.xml><?xml version="1.0" encoding="utf-8"?>
-<ds:datastoreItem xmlns:ds="http://schemas.openxmlformats.org/officeDocument/2006/customXml" ds:itemID="{55094CDB-2A74-4FBE-902E-908BB32F232D}">
-  <ds:schemaRefs>
-    <ds:schemaRef ds:uri="http://schemas.microsoft.com/VisualStudio/2011/storyboarding/control"/>
-  </ds:schemaRefs>
-</ds:datastoreItem>
-</file>
-
-<file path=customXml/itemProps14.xml><?xml version="1.0" encoding="utf-8"?>
-<ds:datastoreItem xmlns:ds="http://schemas.openxmlformats.org/officeDocument/2006/customXml" ds:itemID="{B4AB09FA-6D1C-4D0D-ABE3-095493E07240}">
-  <ds:schemaRefs>
-    <ds:schemaRef ds:uri="http://schemas.microsoft.com/VisualStudio/2011/storyboarding/control"/>
-  </ds:schemaRefs>
-</ds:datastoreItem>
-</file>
-
-<file path=customXml/itemProps15.xml><?xml version="1.0" encoding="utf-8"?>
+<file path=customXml/itemProps33.xml><?xml version="1.0" encoding="utf-8"?>
 <ds:datastoreItem xmlns:ds="http://schemas.openxmlformats.org/officeDocument/2006/customXml" ds:itemID="{004B09A5-32AD-4CCB-8361-A2EF01A5A068}">
   <ds:schemaRefs>
     <ds:schemaRef ds:uri="http://schemas.microsoft.com/VisualStudio/2011/storyboarding/control"/>
@@ -10959,71 +10987,7 @@
 </ds:datastoreItem>
 </file>
 
-<file path=customXml/itemProps16.xml><?xml version="1.0" encoding="utf-8"?>
-<ds:datastoreItem xmlns:ds="http://schemas.openxmlformats.org/officeDocument/2006/customXml" ds:itemID="{59EA028F-946B-4A71-BD84-489D2C1341A2}">
-  <ds:schemaRefs>
-    <ds:schemaRef ds:uri="http://schemas.microsoft.com/VisualStudio/2011/storyboarding/control"/>
-  </ds:schemaRefs>
-</ds:datastoreItem>
-</file>
-
-<file path=customXml/itemProps17.xml><?xml version="1.0" encoding="utf-8"?>
-<ds:datastoreItem xmlns:ds="http://schemas.openxmlformats.org/officeDocument/2006/customXml" ds:itemID="{0F67BC1B-C4A3-4EF8-B37F-FD887C9E8AEC}">
-  <ds:schemaRefs>
-    <ds:schemaRef ds:uri="http://schemas.microsoft.com/VisualStudio/2011/storyboarding/control"/>
-  </ds:schemaRefs>
-</ds:datastoreItem>
-</file>
-
-<file path=customXml/itemProps18.xml><?xml version="1.0" encoding="utf-8"?>
-<ds:datastoreItem xmlns:ds="http://schemas.openxmlformats.org/officeDocument/2006/customXml" ds:itemID="{9483A2CD-33FC-48E4-A7B5-B010692A6106}">
-  <ds:schemaRefs>
-    <ds:schemaRef ds:uri="http://schemas.microsoft.com/VisualStudio/2011/storyboarding/control"/>
-  </ds:schemaRefs>
-</ds:datastoreItem>
-</file>
-
-<file path=customXml/itemProps19.xml><?xml version="1.0" encoding="utf-8"?>
-<ds:datastoreItem xmlns:ds="http://schemas.openxmlformats.org/officeDocument/2006/customXml" ds:itemID="{5E894C71-B2DA-46E2-B5A7-3A1C3D5DB5B8}">
-  <ds:schemaRefs>
-    <ds:schemaRef ds:uri="http://schemas.microsoft.com/VisualStudio/2011/storyboarding/control"/>
-  </ds:schemaRefs>
-</ds:datastoreItem>
-</file>
-
-<file path=customXml/itemProps2.xml><?xml version="1.0" encoding="utf-8"?>
-<ds:datastoreItem xmlns:ds="http://schemas.openxmlformats.org/officeDocument/2006/customXml" ds:itemID="{00733A73-60C4-4047-99FA-999B6399E6BC}">
-  <ds:schemaRefs>
-    <ds:schemaRef ds:uri="http://schemas.microsoft.com/VisualStudio/2011/storyboarding/control"/>
-  </ds:schemaRefs>
-</ds:datastoreItem>
-</file>
-
-<file path=customXml/itemProps20.xml><?xml version="1.0" encoding="utf-8"?>
-<ds:datastoreItem xmlns:ds="http://schemas.openxmlformats.org/officeDocument/2006/customXml" ds:itemID="{06C2D9AE-7534-4FAD-A8C5-335E417D83FF}">
-  <ds:schemaRefs>
-    <ds:schemaRef ds:uri="http://schemas.microsoft.com/VisualStudio/2011/storyboarding/control"/>
-  </ds:schemaRefs>
-</ds:datastoreItem>
-</file>
-
-<file path=customXml/itemProps21.xml><?xml version="1.0" encoding="utf-8"?>
-<ds:datastoreItem xmlns:ds="http://schemas.openxmlformats.org/officeDocument/2006/customXml" ds:itemID="{3A9E3F93-02A4-4356-BBC6-A7BD971C5367}">
-  <ds:schemaRefs>
-    <ds:schemaRef ds:uri="http://schemas.microsoft.com/VisualStudio/2011/storyboarding/control"/>
-  </ds:schemaRefs>
-</ds:datastoreItem>
-</file>
-
-<file path=customXml/itemProps22.xml><?xml version="1.0" encoding="utf-8"?>
-<ds:datastoreItem xmlns:ds="http://schemas.openxmlformats.org/officeDocument/2006/customXml" ds:itemID="{ED3F02EF-3CEC-4FA2-ABA7-55430503271A}">
-  <ds:schemaRefs>
-    <ds:schemaRef ds:uri="http://schemas.microsoft.com/VisualStudio/2011/storyboarding/control"/>
-  </ds:schemaRefs>
-</ds:datastoreItem>
-</file>
-
-<file path=customXml/itemProps23.xml><?xml version="1.0" encoding="utf-8"?>
+<file path=customXml/itemProps34.xml><?xml version="1.0" encoding="utf-8"?>
 <ds:datastoreItem xmlns:ds="http://schemas.openxmlformats.org/officeDocument/2006/customXml" ds:itemID="{C9CD690E-579D-4787-85BC-0470699F0591}">
   <ds:schemaRefs>
     <ds:schemaRef ds:uri="http://schemas.microsoft.com/VisualStudio/2011/storyboarding/control"/>
@@ -11031,104 +10995,8 @@
 </ds:datastoreItem>
 </file>
 
-<file path=customXml/itemProps24.xml><?xml version="1.0" encoding="utf-8"?>
-<ds:datastoreItem xmlns:ds="http://schemas.openxmlformats.org/officeDocument/2006/customXml" ds:itemID="{5DDEC329-F8A0-4AB7-A43D-EBCA2E0A9F0A}">
-  <ds:schemaRefs>
-    <ds:schemaRef ds:uri="http://schemas.microsoft.com/VisualStudio/2011/storyboarding/control"/>
-  </ds:schemaRefs>
-</ds:datastoreItem>
-</file>
-
-<file path=customXml/itemProps25.xml><?xml version="1.0" encoding="utf-8"?>
-<ds:datastoreItem xmlns:ds="http://schemas.openxmlformats.org/officeDocument/2006/customXml" ds:itemID="{3F793D20-BE72-4C4B-9D26-502AA3F72ECF}">
-  <ds:schemaRefs>
-    <ds:schemaRef ds:uri="http://schemas.microsoft.com/VisualStudio/2011/storyboarding/control"/>
-  </ds:schemaRefs>
-</ds:datastoreItem>
-</file>
-
-<file path=customXml/itemProps26.xml><?xml version="1.0" encoding="utf-8"?>
-<ds:datastoreItem xmlns:ds="http://schemas.openxmlformats.org/officeDocument/2006/customXml" ds:itemID="{A1B816BD-20A9-4267-9EEE-68B4093B883C}">
-  <ds:schemaRefs>
-    <ds:schemaRef ds:uri="http://schemas.microsoft.com/VisualStudio/2011/storyboarding/control"/>
-  </ds:schemaRefs>
-</ds:datastoreItem>
-</file>
-
-<file path=customXml/itemProps27.xml><?xml version="1.0" encoding="utf-8"?>
-<ds:datastoreItem xmlns:ds="http://schemas.openxmlformats.org/officeDocument/2006/customXml" ds:itemID="{659039C9-9E57-4631-A7B7-C4066315FAF6}">
-  <ds:schemaRefs>
-    <ds:schemaRef ds:uri="http://schemas.microsoft.com/VisualStudio/2011/storyboarding/control"/>
-  </ds:schemaRefs>
-</ds:datastoreItem>
-</file>
-
-<file path=customXml/itemProps28.xml><?xml version="1.0" encoding="utf-8"?>
+<file path=customXml/itemProps35.xml><?xml version="1.0" encoding="utf-8"?>
 <ds:datastoreItem xmlns:ds="http://schemas.openxmlformats.org/officeDocument/2006/customXml" ds:itemID="{5A3CA955-CC15-445A-BB94-545C151A46CB}">
-  <ds:schemaRefs>
-    <ds:schemaRef ds:uri="http://schemas.microsoft.com/VisualStudio/2011/storyboarding/control"/>
-  </ds:schemaRefs>
-</ds:datastoreItem>
-</file>
-
-<file path=customXml/itemProps29.xml><?xml version="1.0" encoding="utf-8"?>
-<ds:datastoreItem xmlns:ds="http://schemas.openxmlformats.org/officeDocument/2006/customXml" ds:itemID="{CF84A91D-8176-4C11-BA36-9F0BAC5B93DD}">
-  <ds:schemaRefs>
-    <ds:schemaRef ds:uri="http://schemas.microsoft.com/VisualStudio/2011/storyboarding/control"/>
-  </ds:schemaRefs>
-</ds:datastoreItem>
-</file>
-
-<file path=customXml/itemProps3.xml><?xml version="1.0" encoding="utf-8"?>
-<ds:datastoreItem xmlns:ds="http://schemas.openxmlformats.org/officeDocument/2006/customXml" ds:itemID="{D3B48954-D3FD-48DF-BABD-6FC53C1FE557}">
-  <ds:schemaRefs>
-    <ds:schemaRef ds:uri="http://schemas.microsoft.com/VisualStudio/2011/storyboarding/control"/>
-  </ds:schemaRefs>
-</ds:datastoreItem>
-</file>
-
-<file path=customXml/itemProps30.xml><?xml version="1.0" encoding="utf-8"?>
-<ds:datastoreItem xmlns:ds="http://schemas.openxmlformats.org/officeDocument/2006/customXml" ds:itemID="{40E1E962-5637-4EB6-B93C-DA8F96A81FAF}">
-  <ds:schemaRefs>
-    <ds:schemaRef ds:uri="http://schemas.microsoft.com/VisualStudio/2011/storyboarding/control"/>
-  </ds:schemaRefs>
-</ds:datastoreItem>
-</file>
-
-<file path=customXml/itemProps31.xml><?xml version="1.0" encoding="utf-8"?>
-<ds:datastoreItem xmlns:ds="http://schemas.openxmlformats.org/officeDocument/2006/customXml" ds:itemID="{27E32971-DE1A-4E07-8036-1C43278AB1CE}">
-  <ds:schemaRefs>
-    <ds:schemaRef ds:uri="http://schemas.microsoft.com/VisualStudio/2011/storyboarding/control"/>
-  </ds:schemaRefs>
-</ds:datastoreItem>
-</file>
-
-<file path=customXml/itemProps32.xml><?xml version="1.0" encoding="utf-8"?>
-<ds:datastoreItem xmlns:ds="http://schemas.openxmlformats.org/officeDocument/2006/customXml" ds:itemID="{831CC1F3-48E3-4367-AA27-BFB6D7A37182}">
-  <ds:schemaRefs>
-    <ds:schemaRef ds:uri="http://schemas.microsoft.com/VisualStudio/2011/storyboarding/control"/>
-  </ds:schemaRefs>
-</ds:datastoreItem>
-</file>
-
-<file path=customXml/itemProps33.xml><?xml version="1.0" encoding="utf-8"?>
-<ds:datastoreItem xmlns:ds="http://schemas.openxmlformats.org/officeDocument/2006/customXml" ds:itemID="{9501DC5F-120C-4F65-9B9C-A042818517A5}">
-  <ds:schemaRefs>
-    <ds:schemaRef ds:uri="http://schemas.microsoft.com/VisualStudio/2011/storyboarding/control"/>
-  </ds:schemaRefs>
-</ds:datastoreItem>
-</file>
-
-<file path=customXml/itemProps34.xml><?xml version="1.0" encoding="utf-8"?>
-<ds:datastoreItem xmlns:ds="http://schemas.openxmlformats.org/officeDocument/2006/customXml" ds:itemID="{C81C1EAF-5573-4252-ABC3-FCE2BB949409}">
-  <ds:schemaRefs>
-    <ds:schemaRef ds:uri="http://schemas.microsoft.com/VisualStudio/2011/storyboarding/control"/>
-  </ds:schemaRefs>
-</ds:datastoreItem>
-</file>
-
-<file path=customXml/itemProps35.xml><?xml version="1.0" encoding="utf-8"?>
-<ds:datastoreItem xmlns:ds="http://schemas.openxmlformats.org/officeDocument/2006/customXml" ds:itemID="{2238C136-D227-4AA1-A465-1D5076A289E6}">
   <ds:schemaRefs>
     <ds:schemaRef ds:uri="http://schemas.microsoft.com/VisualStudio/2011/storyboarding/control"/>
   </ds:schemaRefs>
@@ -11144,7 +11012,7 @@
 </file>
 
 <file path=customXml/itemProps37.xml><?xml version="1.0" encoding="utf-8"?>
-<ds:datastoreItem xmlns:ds="http://schemas.openxmlformats.org/officeDocument/2006/customXml" ds:itemID="{B0D39E60-4C78-477F-973B-B3A32CF1CE06}">
+<ds:datastoreItem xmlns:ds="http://schemas.openxmlformats.org/officeDocument/2006/customXml" ds:itemID="{FD188300-81E8-4775-8131-2C284D97ABB2}">
   <ds:schemaRefs>
     <ds:schemaRef ds:uri="http://schemas.microsoft.com/VisualStudio/2011/storyboarding/control"/>
   </ds:schemaRefs>
@@ -11152,7 +11020,7 @@
 </file>
 
 <file path=customXml/itemProps38.xml><?xml version="1.0" encoding="utf-8"?>
-<ds:datastoreItem xmlns:ds="http://schemas.openxmlformats.org/officeDocument/2006/customXml" ds:itemID="{E621F820-782A-4D55-A65D-5B9683D8D158}">
+<ds:datastoreItem xmlns:ds="http://schemas.openxmlformats.org/officeDocument/2006/customXml" ds:itemID="{B2001CEA-37FA-4A6C-BC64-46726D8508FA}">
   <ds:schemaRefs>
     <ds:schemaRef ds:uri="http://schemas.microsoft.com/VisualStudio/2011/storyboarding/control"/>
   </ds:schemaRefs>
@@ -11160,6 +11028,86 @@
 </file>
 
 <file path=customXml/itemProps39.xml><?xml version="1.0" encoding="utf-8"?>
+<ds:datastoreItem xmlns:ds="http://schemas.openxmlformats.org/officeDocument/2006/customXml" ds:itemID="{36EDA764-43F5-4C83-A43C-7C11C84EB100}">
+  <ds:schemaRefs>
+    <ds:schemaRef ds:uri="http://schemas.microsoft.com/VisualStudio/2011/storyboarding/control"/>
+  </ds:schemaRefs>
+</ds:datastoreItem>
+</file>
+
+<file path=customXml/itemProps4.xml><?xml version="1.0" encoding="utf-8"?>
+<ds:datastoreItem xmlns:ds="http://schemas.openxmlformats.org/officeDocument/2006/customXml" ds:itemID="{7189590F-1A48-46F3-B24A-D8D0F3BA0A15}">
+  <ds:schemaRefs>
+    <ds:schemaRef ds:uri="http://schemas.microsoft.com/VisualStudio/2011/storyboarding/control"/>
+  </ds:schemaRefs>
+</ds:datastoreItem>
+</file>
+
+<file path=customXml/itemProps40.xml><?xml version="1.0" encoding="utf-8"?>
+<ds:datastoreItem xmlns:ds="http://schemas.openxmlformats.org/officeDocument/2006/customXml" ds:itemID="{27E32971-DE1A-4E07-8036-1C43278AB1CE}">
+  <ds:schemaRefs>
+    <ds:schemaRef ds:uri="http://schemas.microsoft.com/VisualStudio/2011/storyboarding/control"/>
+  </ds:schemaRefs>
+</ds:datastoreItem>
+</file>
+
+<file path=customXml/itemProps41.xml><?xml version="1.0" encoding="utf-8"?>
+<ds:datastoreItem xmlns:ds="http://schemas.openxmlformats.org/officeDocument/2006/customXml" ds:itemID="{CFD780DE-34AD-4E8E-9D17-223D69561496}">
+  <ds:schemaRefs>
+    <ds:schemaRef ds:uri="http://schemas.microsoft.com/VisualStudio/2011/storyboarding/control"/>
+  </ds:schemaRefs>
+</ds:datastoreItem>
+</file>
+
+<file path=customXml/itemProps42.xml><?xml version="1.0" encoding="utf-8"?>
+<ds:datastoreItem xmlns:ds="http://schemas.openxmlformats.org/officeDocument/2006/customXml" ds:itemID="{1C7801AE-0A4F-4BE1-AE83-D4ED8E0DEB9E}">
+  <ds:schemaRefs>
+    <ds:schemaRef ds:uri="http://schemas.microsoft.com/VisualStudio/2011/storyboarding/control"/>
+  </ds:schemaRefs>
+</ds:datastoreItem>
+</file>
+
+<file path=customXml/itemProps43.xml><?xml version="1.0" encoding="utf-8"?>
+<ds:datastoreItem xmlns:ds="http://schemas.openxmlformats.org/officeDocument/2006/customXml" ds:itemID="{CB29B50B-07CC-4332-87A3-C7CC606E4217}">
+  <ds:schemaRefs>
+    <ds:schemaRef ds:uri="http://schemas.microsoft.com/VisualStudio/2011/storyboarding/control"/>
+  </ds:schemaRefs>
+</ds:datastoreItem>
+</file>
+
+<file path=customXml/itemProps44.xml><?xml version="1.0" encoding="utf-8"?>
+<ds:datastoreItem xmlns:ds="http://schemas.openxmlformats.org/officeDocument/2006/customXml" ds:itemID="{C4B39F5D-B3F1-470B-8B1A-5B666FAECEC8}">
+  <ds:schemaRefs>
+    <ds:schemaRef ds:uri="http://schemas.microsoft.com/VisualStudio/2011/storyboarding/control"/>
+  </ds:schemaRefs>
+</ds:datastoreItem>
+</file>
+
+<file path=customXml/itemProps45.xml><?xml version="1.0" encoding="utf-8"?>
+<ds:datastoreItem xmlns:ds="http://schemas.openxmlformats.org/officeDocument/2006/customXml" ds:itemID="{2BCE60B8-8680-4092-BEC8-78942EDE6BF3}">
+  <ds:schemaRefs>
+    <ds:schemaRef ds:uri="http://schemas.microsoft.com/VisualStudio/2011/storyboarding/control"/>
+  </ds:schemaRefs>
+</ds:datastoreItem>
+</file>
+
+<file path=customXml/itemProps46.xml><?xml version="1.0" encoding="utf-8"?>
+<ds:datastoreItem xmlns:ds="http://schemas.openxmlformats.org/officeDocument/2006/customXml" ds:itemID="{55094CDB-2A74-4FBE-902E-908BB32F232D}">
+  <ds:schemaRefs>
+    <ds:schemaRef ds:uri="http://schemas.microsoft.com/VisualStudio/2011/storyboarding/control"/>
+  </ds:schemaRefs>
+</ds:datastoreItem>
+</file>
+
+<file path=customXml/itemProps47.xml><?xml version="1.0" encoding="utf-8"?>
+<ds:datastoreItem xmlns:ds="http://schemas.openxmlformats.org/officeDocument/2006/customXml" ds:itemID="{9483A2CD-33FC-48E4-A7B5-B010692A6106}">
+  <ds:schemaRefs>
+    <ds:schemaRef ds:uri="http://schemas.microsoft.com/VisualStudio/2011/storyboarding/control"/>
+  </ds:schemaRefs>
+</ds:datastoreItem>
+</file>
+
+<file path=customXml/itemProps48.xml><?xml version="1.0" encoding="utf-8"?>
 <ds:datastoreItem xmlns:ds="http://schemas.openxmlformats.org/officeDocument/2006/customXml" ds:itemID="{C76B3611-00D2-4D8A-81E2-3DAAC702EE04}">
   <ds:schemaRefs>
     <ds:schemaRef ds:uri="http://schemas.microsoft.com/VisualStudio/2011/storyboarding/control"/>
@@ -11167,96 +11115,16 @@
 </ds:datastoreItem>
 </file>
 
-<file path=customXml/itemProps4.xml><?xml version="1.0" encoding="utf-8"?>
-<ds:datastoreItem xmlns:ds="http://schemas.openxmlformats.org/officeDocument/2006/customXml" ds:itemID="{C4B39F5D-B3F1-470B-8B1A-5B666FAECEC8}">
+<file path=customXml/itemProps49.xml><?xml version="1.0" encoding="utf-8"?>
+<ds:datastoreItem xmlns:ds="http://schemas.openxmlformats.org/officeDocument/2006/customXml" ds:itemID="{C81C1EAF-5573-4252-ABC3-FCE2BB949409}">
   <ds:schemaRefs>
     <ds:schemaRef ds:uri="http://schemas.microsoft.com/VisualStudio/2011/storyboarding/control"/>
   </ds:schemaRefs>
 </ds:datastoreItem>
 </file>
 
-<file path=customXml/itemProps40.xml><?xml version="1.0" encoding="utf-8"?>
-<ds:datastoreItem xmlns:ds="http://schemas.openxmlformats.org/officeDocument/2006/customXml" ds:itemID="{7189590F-1A48-46F3-B24A-D8D0F3BA0A15}">
-  <ds:schemaRefs>
-    <ds:schemaRef ds:uri="http://schemas.microsoft.com/VisualStudio/2011/storyboarding/control"/>
-  </ds:schemaRefs>
-</ds:datastoreItem>
-</file>
-
-<file path=customXml/itemProps41.xml><?xml version="1.0" encoding="utf-8"?>
-<ds:datastoreItem xmlns:ds="http://schemas.openxmlformats.org/officeDocument/2006/customXml" ds:itemID="{26190532-7283-4B3A-A4F0-D4225A0BC43D}">
-  <ds:schemaRefs>
-    <ds:schemaRef ds:uri="http://schemas.microsoft.com/VisualStudio/2011/storyboarding/control"/>
-  </ds:schemaRefs>
-</ds:datastoreItem>
-</file>
-
-<file path=customXml/itemProps42.xml><?xml version="1.0" encoding="utf-8"?>
-<ds:datastoreItem xmlns:ds="http://schemas.openxmlformats.org/officeDocument/2006/customXml" ds:itemID="{D42EC927-BD14-4EEB-A2C7-7B41724D5817}">
-  <ds:schemaRefs>
-    <ds:schemaRef ds:uri="http://schemas.microsoft.com/VisualStudio/2011/storyboarding/control"/>
-  </ds:schemaRefs>
-</ds:datastoreItem>
-</file>
-
-<file path=customXml/itemProps43.xml><?xml version="1.0" encoding="utf-8"?>
-<ds:datastoreItem xmlns:ds="http://schemas.openxmlformats.org/officeDocument/2006/customXml" ds:itemID="{C0236D38-7F8A-4EAA-B6A1-6880B56FE83E}">
-  <ds:schemaRefs>
-    <ds:schemaRef ds:uri="http://schemas.microsoft.com/VisualStudio/2011/storyboarding/control"/>
-  </ds:schemaRefs>
-</ds:datastoreItem>
-</file>
-
-<file path=customXml/itemProps44.xml><?xml version="1.0" encoding="utf-8"?>
-<ds:datastoreItem xmlns:ds="http://schemas.openxmlformats.org/officeDocument/2006/customXml" ds:itemID="{CFD780DE-34AD-4E8E-9D17-223D69561496}">
-  <ds:schemaRefs>
-    <ds:schemaRef ds:uri="http://schemas.microsoft.com/VisualStudio/2011/storyboarding/control"/>
-  </ds:schemaRefs>
-</ds:datastoreItem>
-</file>
-
-<file path=customXml/itemProps45.xml><?xml version="1.0" encoding="utf-8"?>
+<file path=customXml/itemProps5.xml><?xml version="1.0" encoding="utf-8"?>
 <ds:datastoreItem xmlns:ds="http://schemas.openxmlformats.org/officeDocument/2006/customXml" ds:itemID="{DE293149-9CCD-457B-84DE-7E7B56E1FEFC}">
-  <ds:schemaRefs>
-    <ds:schemaRef ds:uri="http://schemas.microsoft.com/VisualStudio/2011/storyboarding/control"/>
-  </ds:schemaRefs>
-</ds:datastoreItem>
-</file>
-
-<file path=customXml/itemProps46.xml><?xml version="1.0" encoding="utf-8"?>
-<ds:datastoreItem xmlns:ds="http://schemas.openxmlformats.org/officeDocument/2006/customXml" ds:itemID="{F3D1B56C-1098-4BDA-B23F-5C6F926B691C}">
-  <ds:schemaRefs>
-    <ds:schemaRef ds:uri="http://schemas.microsoft.com/VisualStudio/2011/storyboarding/control"/>
-  </ds:schemaRefs>
-</ds:datastoreItem>
-</file>
-
-<file path=customXml/itemProps47.xml><?xml version="1.0" encoding="utf-8"?>
-<ds:datastoreItem xmlns:ds="http://schemas.openxmlformats.org/officeDocument/2006/customXml" ds:itemID="{380758EA-E49E-4704-9569-4087603CA842}">
-  <ds:schemaRefs>
-    <ds:schemaRef ds:uri="http://schemas.microsoft.com/VisualStudio/2011/storyboarding/control"/>
-  </ds:schemaRefs>
-</ds:datastoreItem>
-</file>
-
-<file path=customXml/itemProps48.xml><?xml version="1.0" encoding="utf-8"?>
-<ds:datastoreItem xmlns:ds="http://schemas.openxmlformats.org/officeDocument/2006/customXml" ds:itemID="{01BBD822-2486-4BAB-8BE0-43BC08D35C57}">
-  <ds:schemaRefs>
-    <ds:schemaRef ds:uri="http://schemas.microsoft.com/VisualStudio/2011/storyboarding/control"/>
-  </ds:schemaRefs>
-</ds:datastoreItem>
-</file>
-
-<file path=customXml/itemProps49.xml><?xml version="1.0" encoding="utf-8"?>
-<ds:datastoreItem xmlns:ds="http://schemas.openxmlformats.org/officeDocument/2006/customXml" ds:itemID="{FD188300-81E8-4775-8131-2C284D97ABB2}">
-  <ds:schemaRefs>
-    <ds:schemaRef ds:uri="http://schemas.microsoft.com/VisualStudio/2011/storyboarding/control"/>
-  </ds:schemaRefs>
-</ds:datastoreItem>
-</file>
-
-<file path=customXml/itemProps5.xml><?xml version="1.0" encoding="utf-8"?>
-<ds:datastoreItem xmlns:ds="http://schemas.openxmlformats.org/officeDocument/2006/customXml" ds:itemID="{6C142DB8-4046-4E2F-87C2-7EBCDA60703A}">
   <ds:schemaRefs>
     <ds:schemaRef ds:uri="http://schemas.microsoft.com/VisualStudio/2011/storyboarding/control"/>
   </ds:schemaRefs>
@@ -11272,7 +11140,7 @@
 </file>
 
 <file path=customXml/itemProps51.xml><?xml version="1.0" encoding="utf-8"?>
-<ds:datastoreItem xmlns:ds="http://schemas.openxmlformats.org/officeDocument/2006/customXml" ds:itemID="{798E1A44-C6DC-4F6B-8062-CEEC518F1F18}">
+<ds:datastoreItem xmlns:ds="http://schemas.openxmlformats.org/officeDocument/2006/customXml" ds:itemID="{03C590B9-05DB-4F5B-99C3-848AED9ACB4E}">
   <ds:schemaRefs>
     <ds:schemaRef ds:uri="http://schemas.microsoft.com/VisualStudio/2011/storyboarding/control"/>
   </ds:schemaRefs>
@@ -11280,7 +11148,7 @@
 </file>
 
 <file path=customXml/itemProps52.xml><?xml version="1.0" encoding="utf-8"?>
-<ds:datastoreItem xmlns:ds="http://schemas.openxmlformats.org/officeDocument/2006/customXml" ds:itemID="{1C7801AE-0A4F-4BE1-AE83-D4ED8E0DEB9E}">
+<ds:datastoreItem xmlns:ds="http://schemas.openxmlformats.org/officeDocument/2006/customXml" ds:itemID="{A1B816BD-20A9-4267-9EEE-68B4093B883C}">
   <ds:schemaRefs>
     <ds:schemaRef ds:uri="http://schemas.microsoft.com/VisualStudio/2011/storyboarding/control"/>
   </ds:schemaRefs>
@@ -11288,6 +11156,62 @@
 </file>
 
 <file path=customXml/itemProps53.xml><?xml version="1.0" encoding="utf-8"?>
+<ds:datastoreItem xmlns:ds="http://schemas.openxmlformats.org/officeDocument/2006/customXml" ds:itemID="{3A9E3F93-02A4-4356-BBC6-A7BD971C5367}">
+  <ds:schemaRefs>
+    <ds:schemaRef ds:uri="http://schemas.microsoft.com/VisualStudio/2011/storyboarding/control"/>
+  </ds:schemaRefs>
+</ds:datastoreItem>
+</file>
+
+<file path=customXml/itemProps54.xml><?xml version="1.0" encoding="utf-8"?>
+<ds:datastoreItem xmlns:ds="http://schemas.openxmlformats.org/officeDocument/2006/customXml" ds:itemID="{D42EC927-BD14-4EEB-A2C7-7B41724D5817}">
+  <ds:schemaRefs>
+    <ds:schemaRef ds:uri="http://schemas.microsoft.com/VisualStudio/2011/storyboarding/control"/>
+  </ds:schemaRefs>
+</ds:datastoreItem>
+</file>
+
+<file path=customXml/itemProps55.xml><?xml version="1.0" encoding="utf-8"?>
+<ds:datastoreItem xmlns:ds="http://schemas.openxmlformats.org/officeDocument/2006/customXml" ds:itemID="{380758EA-E49E-4704-9569-4087603CA842}">
+  <ds:schemaRefs>
+    <ds:schemaRef ds:uri="http://schemas.microsoft.com/VisualStudio/2011/storyboarding/control"/>
+  </ds:schemaRefs>
+</ds:datastoreItem>
+</file>
+
+<file path=customXml/itemProps56.xml><?xml version="1.0" encoding="utf-8"?>
+<ds:datastoreItem xmlns:ds="http://schemas.openxmlformats.org/officeDocument/2006/customXml" ds:itemID="{6719955E-AEE2-4AED-B5E3-E0ACCFB7F1B1}">
+  <ds:schemaRefs>
+    <ds:schemaRef ds:uri="http://schemas.microsoft.com/VisualStudio/2011/storyboarding/control"/>
+  </ds:schemaRefs>
+</ds:datastoreItem>
+</file>
+
+<file path=customXml/itemProps57.xml><?xml version="1.0" encoding="utf-8"?>
+<ds:datastoreItem xmlns:ds="http://schemas.openxmlformats.org/officeDocument/2006/customXml" ds:itemID="{00733A73-60C4-4047-99FA-999B6399E6BC}">
+  <ds:schemaRefs>
+    <ds:schemaRef ds:uri="http://schemas.microsoft.com/VisualStudio/2011/storyboarding/control"/>
+  </ds:schemaRefs>
+</ds:datastoreItem>
+</file>
+
+<file path=customXml/itemProps58.xml><?xml version="1.0" encoding="utf-8"?>
+<ds:datastoreItem xmlns:ds="http://schemas.openxmlformats.org/officeDocument/2006/customXml" ds:itemID="{59EA028F-946B-4A71-BD84-489D2C1341A2}">
+  <ds:schemaRefs>
+    <ds:schemaRef ds:uri="http://schemas.microsoft.com/VisualStudio/2011/storyboarding/control"/>
+  </ds:schemaRefs>
+</ds:datastoreItem>
+</file>
+
+<file path=customXml/itemProps59.xml><?xml version="1.0" encoding="utf-8"?>
+<ds:datastoreItem xmlns:ds="http://schemas.openxmlformats.org/officeDocument/2006/customXml" ds:itemID="{CF84A91D-8176-4C11-BA36-9F0BAC5B93DD}">
+  <ds:schemaRefs>
+    <ds:schemaRef ds:uri="http://schemas.microsoft.com/VisualStudio/2011/storyboarding/control"/>
+  </ds:schemaRefs>
+</ds:datastoreItem>
+</file>
+
+<file path=customXml/itemProps6.xml><?xml version="1.0" encoding="utf-8"?>
 <ds:datastoreItem xmlns:ds="http://schemas.openxmlformats.org/officeDocument/2006/customXml" ds:itemID="{D9F1C4B6-E0F0-4CEE-BD7B-F93BD5842C1D}">
   <ds:schemaRefs>
     <ds:schemaRef ds:uri="http://schemas.microsoft.com/VisualStudio/2011/storyboarding/control"/>
@@ -11295,39 +11219,15 @@
 </ds:datastoreItem>
 </file>
 
-<file path=customXml/itemProps54.xml><?xml version="1.0" encoding="utf-8"?>
-<ds:datastoreItem xmlns:ds="http://schemas.openxmlformats.org/officeDocument/2006/customXml" ds:itemID="{454EE663-ABEC-4DCB-88C3-A6F9DAB3AFEB}">
+<file path=customXml/itemProps60.xml><?xml version="1.0" encoding="utf-8"?>
+<ds:datastoreItem xmlns:ds="http://schemas.openxmlformats.org/officeDocument/2006/customXml" ds:itemID="{571678DC-267F-47C2-A3B2-F591F73394A5}">
   <ds:schemaRefs>
     <ds:schemaRef ds:uri="http://schemas.microsoft.com/VisualStudio/2011/storyboarding/control"/>
   </ds:schemaRefs>
 </ds:datastoreItem>
 </file>
 
-<file path=customXml/itemProps55.xml><?xml version="1.0" encoding="utf-8"?>
-<ds:datastoreItem xmlns:ds="http://schemas.openxmlformats.org/officeDocument/2006/customXml" ds:itemID="{03C590B9-05DB-4F5B-99C3-848AED9ACB4E}">
-  <ds:schemaRefs>
-    <ds:schemaRef ds:uri="http://schemas.microsoft.com/VisualStudio/2011/storyboarding/control"/>
-  </ds:schemaRefs>
-</ds:datastoreItem>
-</file>
-
-<file path=customXml/itemProps56.xml><?xml version="1.0" encoding="utf-8"?>
-<ds:datastoreItem xmlns:ds="http://schemas.openxmlformats.org/officeDocument/2006/customXml" ds:itemID="{9FE835D4-D323-4BA8-AC22-67F92BED91C7}">
-  <ds:schemaRefs>
-    <ds:schemaRef ds:uri="http://schemas.microsoft.com/VisualStudio/2011/storyboarding/control"/>
-  </ds:schemaRefs>
-</ds:datastoreItem>
-</file>
-
-<file path=customXml/itemProps57.xml><?xml version="1.0" encoding="utf-8"?>
-<ds:datastoreItem xmlns:ds="http://schemas.openxmlformats.org/officeDocument/2006/customXml" ds:itemID="{B2001CEA-37FA-4A6C-BC64-46726D8508FA}">
-  <ds:schemaRefs>
-    <ds:schemaRef ds:uri="http://schemas.microsoft.com/VisualStudio/2011/storyboarding/control"/>
-  </ds:schemaRefs>
-</ds:datastoreItem>
-</file>
-
-<file path=customXml/itemProps58.xml><?xml version="1.0" encoding="utf-8"?>
+<file path=customXml/itemProps7.xml><?xml version="1.0" encoding="utf-8"?>
 <ds:datastoreItem xmlns:ds="http://schemas.openxmlformats.org/officeDocument/2006/customXml" ds:itemID="{AF85AF10-45D2-4FD3-8FAB-69557E6D8FEE}">
   <ds:schemaRefs>
     <ds:schemaRef ds:uri="http://schemas.microsoft.com/VisualStudio/2011/storyboarding/control"/>
@@ -11335,48 +11235,16 @@
 </ds:datastoreItem>
 </file>
 
-<file path=customXml/itemProps59.xml><?xml version="1.0" encoding="utf-8"?>
-<ds:datastoreItem xmlns:ds="http://schemas.openxmlformats.org/officeDocument/2006/customXml" ds:itemID="{7CBAB6EC-F3DF-4763-9CFB-476849EF7E97}">
+<file path=customXml/itemProps8.xml><?xml version="1.0" encoding="utf-8"?>
+<ds:datastoreItem xmlns:ds="http://schemas.openxmlformats.org/officeDocument/2006/customXml" ds:itemID="{6C142DB8-4046-4E2F-87C2-7EBCDA60703A}">
   <ds:schemaRefs>
     <ds:schemaRef ds:uri="http://schemas.microsoft.com/VisualStudio/2011/storyboarding/control"/>
   </ds:schemaRefs>
 </ds:datastoreItem>
 </file>
 
-<file path=customXml/itemProps6.xml><?xml version="1.0" encoding="utf-8"?>
-<ds:datastoreItem xmlns:ds="http://schemas.openxmlformats.org/officeDocument/2006/customXml" ds:itemID="{6D29AD73-E6E7-41AD-BD08-29640567C1E3}">
-  <ds:schemaRefs>
-    <ds:schemaRef ds:uri="http://schemas.microsoft.com/VisualStudio/2011/storyboarding/control"/>
-  </ds:schemaRefs>
-</ds:datastoreItem>
-</file>
-
-<file path=customXml/itemProps60.xml><?xml version="1.0" encoding="utf-8"?>
-<ds:datastoreItem xmlns:ds="http://schemas.openxmlformats.org/officeDocument/2006/customXml" ds:itemID="{CB29B50B-07CC-4332-87A3-C7CC606E4217}">
-  <ds:schemaRefs>
-    <ds:schemaRef ds:uri="http://schemas.microsoft.com/VisualStudio/2011/storyboarding/control"/>
-  </ds:schemaRefs>
-</ds:datastoreItem>
-</file>
-
-<file path=customXml/itemProps7.xml><?xml version="1.0" encoding="utf-8"?>
-<ds:datastoreItem xmlns:ds="http://schemas.openxmlformats.org/officeDocument/2006/customXml" ds:itemID="{6719955E-AEE2-4AED-B5E3-E0ACCFB7F1B1}">
-  <ds:schemaRefs>
-    <ds:schemaRef ds:uri="http://schemas.microsoft.com/VisualStudio/2011/storyboarding/control"/>
-  </ds:schemaRefs>
-</ds:datastoreItem>
-</file>
-
-<file path=customXml/itemProps8.xml><?xml version="1.0" encoding="utf-8"?>
-<ds:datastoreItem xmlns:ds="http://schemas.openxmlformats.org/officeDocument/2006/customXml" ds:itemID="{2DEE47C0-36A2-4264-9D02-B43B15FA8FF6}">
-  <ds:schemaRefs>
-    <ds:schemaRef ds:uri="http://schemas.microsoft.com/VisualStudio/2011/storyboarding/control"/>
-  </ds:schemaRefs>
-</ds:datastoreItem>
-</file>
-
 <file path=customXml/itemProps9.xml><?xml version="1.0" encoding="utf-8"?>
-<ds:datastoreItem xmlns:ds="http://schemas.openxmlformats.org/officeDocument/2006/customXml" ds:itemID="{2BCE60B8-8680-4092-BEC8-78942EDE6BF3}">
+<ds:datastoreItem xmlns:ds="http://schemas.openxmlformats.org/officeDocument/2006/customXml" ds:itemID="{5E894C71-B2DA-46E2-B5A7-3A1C3D5DB5B8}">
   <ds:schemaRefs>
     <ds:schemaRef ds:uri="http://schemas.microsoft.com/VisualStudio/2011/storyboarding/control"/>
   </ds:schemaRefs>

--- a/doc/Storyboard.pptx
+++ b/doc/Storyboard.pptx
@@ -249,7 +249,7 @@
           <a:p>
             <a:fld id="{02331537-4785-4DB7-8225-D1A4272F3F74}" type="datetimeFigureOut">
               <a:rPr lang="es-ES" smtClean="0"/>
-              <a:t>09/03/2018</a:t>
+              <a:t>10/03/2018</a:t>
             </a:fld>
             <a:endParaRPr lang="es-ES"/>
           </a:p>
@@ -419,7 +419,7 @@
           <a:p>
             <a:fld id="{02331537-4785-4DB7-8225-D1A4272F3F74}" type="datetimeFigureOut">
               <a:rPr lang="es-ES" smtClean="0"/>
-              <a:t>09/03/2018</a:t>
+              <a:t>10/03/2018</a:t>
             </a:fld>
             <a:endParaRPr lang="es-ES"/>
           </a:p>
@@ -599,7 +599,7 @@
           <a:p>
             <a:fld id="{02331537-4785-4DB7-8225-D1A4272F3F74}" type="datetimeFigureOut">
               <a:rPr lang="es-ES" smtClean="0"/>
-              <a:t>09/03/2018</a:t>
+              <a:t>10/03/2018</a:t>
             </a:fld>
             <a:endParaRPr lang="es-ES"/>
           </a:p>
@@ -769,7 +769,7 @@
           <a:p>
             <a:fld id="{02331537-4785-4DB7-8225-D1A4272F3F74}" type="datetimeFigureOut">
               <a:rPr lang="es-ES" smtClean="0"/>
-              <a:t>09/03/2018</a:t>
+              <a:t>10/03/2018</a:t>
             </a:fld>
             <a:endParaRPr lang="es-ES"/>
           </a:p>
@@ -1015,7 +1015,7 @@
           <a:p>
             <a:fld id="{02331537-4785-4DB7-8225-D1A4272F3F74}" type="datetimeFigureOut">
               <a:rPr lang="es-ES" smtClean="0"/>
-              <a:t>09/03/2018</a:t>
+              <a:t>10/03/2018</a:t>
             </a:fld>
             <a:endParaRPr lang="es-ES"/>
           </a:p>
@@ -1247,7 +1247,7 @@
           <a:p>
             <a:fld id="{02331537-4785-4DB7-8225-D1A4272F3F74}" type="datetimeFigureOut">
               <a:rPr lang="es-ES" smtClean="0"/>
-              <a:t>09/03/2018</a:t>
+              <a:t>10/03/2018</a:t>
             </a:fld>
             <a:endParaRPr lang="es-ES"/>
           </a:p>
@@ -1614,7 +1614,7 @@
           <a:p>
             <a:fld id="{02331537-4785-4DB7-8225-D1A4272F3F74}" type="datetimeFigureOut">
               <a:rPr lang="es-ES" smtClean="0"/>
-              <a:t>09/03/2018</a:t>
+              <a:t>10/03/2018</a:t>
             </a:fld>
             <a:endParaRPr lang="es-ES"/>
           </a:p>
@@ -1732,7 +1732,7 @@
           <a:p>
             <a:fld id="{02331537-4785-4DB7-8225-D1A4272F3F74}" type="datetimeFigureOut">
               <a:rPr lang="es-ES" smtClean="0"/>
-              <a:t>09/03/2018</a:t>
+              <a:t>10/03/2018</a:t>
             </a:fld>
             <a:endParaRPr lang="es-ES"/>
           </a:p>
@@ -1827,7 +1827,7 @@
           <a:p>
             <a:fld id="{02331537-4785-4DB7-8225-D1A4272F3F74}" type="datetimeFigureOut">
               <a:rPr lang="es-ES" smtClean="0"/>
-              <a:t>09/03/2018</a:t>
+              <a:t>10/03/2018</a:t>
             </a:fld>
             <a:endParaRPr lang="es-ES"/>
           </a:p>
@@ -2104,7 +2104,7 @@
           <a:p>
             <a:fld id="{02331537-4785-4DB7-8225-D1A4272F3F74}" type="datetimeFigureOut">
               <a:rPr lang="es-ES" smtClean="0"/>
-              <a:t>09/03/2018</a:t>
+              <a:t>10/03/2018</a:t>
             </a:fld>
             <a:endParaRPr lang="es-ES"/>
           </a:p>
@@ -2357,7 +2357,7 @@
           <a:p>
             <a:fld id="{02331537-4785-4DB7-8225-D1A4272F3F74}" type="datetimeFigureOut">
               <a:rPr lang="es-ES" smtClean="0"/>
-              <a:t>09/03/2018</a:t>
+              <a:t>10/03/2018</a:t>
             </a:fld>
             <a:endParaRPr lang="es-ES"/>
           </a:p>
@@ -2570,7 +2570,7 @@
           <a:p>
             <a:fld id="{02331537-4785-4DB7-8225-D1A4272F3F74}" type="datetimeFigureOut">
               <a:rPr lang="es-ES" smtClean="0"/>
-              <a:t>09/03/2018</a:t>
+              <a:t>10/03/2018</a:t>
             </a:fld>
             <a:endParaRPr lang="es-ES"/>
           </a:p>
@@ -5483,7 +5483,7 @@
             <a:p>
               <a:r>
                 <a:rPr lang="en-US" sz="1200" dirty="0"/>
-                <a:t>4</a:t>
+                <a:t>1</a:t>
               </a:r>
               <a:endParaRPr lang="en-US" sz="1200" dirty="0"/>
             </a:p>
@@ -6699,7 +6699,6 @@
                 <a:rPr lang="en-US" sz="1200" dirty="0"/>
                 <a:t>7</a:t>
               </a:r>
-              <a:endParaRPr lang="en-US" sz="1200" dirty="0"/>
             </a:p>
           </p:txBody>
         </p:sp>
@@ -8107,7 +8106,6 @@
                 <a:rPr lang="en-US" sz="1200" dirty="0"/>
                 <a:t>6</a:t>
               </a:r>
-              <a:endParaRPr lang="en-US" sz="1200" dirty="0"/>
             </a:p>
           </p:txBody>
         </p:sp>
@@ -8234,7 +8232,6 @@
                 <a:rPr lang="en-US" sz="1200" dirty="0"/>
                 <a:t>2</a:t>
               </a:r>
-              <a:endParaRPr lang="en-US" sz="1200" dirty="0"/>
             </a:p>
           </p:txBody>
         </p:sp>
@@ -9861,7 +9858,6 @@
                 <a:rPr lang="en-US" sz="1200" dirty="0"/>
                 <a:t>1</a:t>
               </a:r>
-              <a:endParaRPr lang="en-US" sz="1200" dirty="0"/>
             </a:p>
           </p:txBody>
         </p:sp>
@@ -10114,7 +10110,6 @@
                 <a:rPr lang="en-US" sz="1200" dirty="0"/>
                 <a:t>1</a:t>
               </a:r>
-              <a:endParaRPr lang="en-US" sz="1200" dirty="0"/>
             </a:p>
           </p:txBody>
         </p:sp>
@@ -11481,13 +11476,7 @@
               <a:rPr lang="en-US" sz="1300" dirty="0" smtClean="0">
                 <a:latin typeface="Montserrat" panose="00000500000000000000" pitchFamily="50" charset="0"/>
               </a:rPr>
-              <a:t>Tes</a:t>
-            </a:r>
-            <a:r>
-              <a:rPr lang="en-US" sz="1300" dirty="0" smtClean="0">
-                <a:latin typeface="Montserrat" panose="00000500000000000000" pitchFamily="50" charset="0"/>
-              </a:rPr>
-              <a:t>t </a:t>
+              <a:t>Test </a:t>
             </a:r>
             <a:r>
               <a:rPr lang="en-US" sz="1300" dirty="0" err="1" smtClean="0">
@@ -12595,7 +12584,6 @@
                 <a:rPr lang="en-US" sz="1200" dirty="0"/>
                 <a:t>1</a:t>
               </a:r>
-              <a:endParaRPr lang="en-US" sz="1200" dirty="0"/>
             </a:p>
           </p:txBody>
         </p:sp>
@@ -12722,7 +12710,6 @@
                 <a:rPr lang="en-US" sz="1200" dirty="0"/>
                 <a:t>1</a:t>
               </a:r>
-              <a:endParaRPr lang="en-US" sz="1200" dirty="0"/>
             </a:p>
           </p:txBody>
         </p:sp>
@@ -12849,7 +12836,6 @@
                 <a:rPr lang="en-US" sz="1200" dirty="0"/>
                 <a:t>6</a:t>
               </a:r>
-              <a:endParaRPr lang="en-US" sz="1200" dirty="0"/>
             </a:p>
           </p:txBody>
         </p:sp>
@@ -12976,7 +12962,6 @@
                 <a:rPr lang="en-US" sz="1200" dirty="0"/>
                 <a:t>2</a:t>
               </a:r>
-              <a:endParaRPr lang="en-US" sz="1200" dirty="0"/>
             </a:p>
           </p:txBody>
         </p:sp>
@@ -15078,13 +15063,7 @@
               <a:rPr lang="en-US" sz="1100" dirty="0" err="1" smtClean="0">
                 <a:latin typeface="Montserrat" panose="00000500000000000000" pitchFamily="50" charset="0"/>
               </a:rPr>
-              <a:t>Gestió</a:t>
-            </a:r>
-            <a:r>
-              <a:rPr lang="en-US" sz="1100" dirty="0" err="1" smtClean="0">
-                <a:latin typeface="Montserrat" panose="00000500000000000000" pitchFamily="50" charset="0"/>
-              </a:rPr>
-              <a:t>n</a:t>
+              <a:t>Gestión</a:t>
             </a:r>
             <a:r>
               <a:rPr lang="en-US" sz="1100" dirty="0" smtClean="0">
@@ -16356,7 +16335,6 @@
                 <a:rPr lang="en-US" sz="1200" dirty="0"/>
                 <a:t>8</a:t>
               </a:r>
-              <a:endParaRPr lang="en-US" sz="1200" dirty="0"/>
             </a:p>
           </p:txBody>
         </p:sp>
@@ -16609,7 +16587,6 @@
                 <a:rPr lang="en-US" sz="1200" dirty="0"/>
                 <a:t>9</a:t>
               </a:r>
-              <a:endParaRPr lang="en-US" sz="1200" dirty="0"/>
             </a:p>
           </p:txBody>
         </p:sp>
@@ -17888,10 +17865,6 @@
               </a:rPr>
               <a:t>9</a:t>
             </a:r>
-            <a:endParaRPr lang="es-ES" sz="2800" dirty="0">
-              <a:latin typeface="SF Text" panose="00000500000000000000" pitchFamily="50" charset="0"/>
-              <a:ea typeface="SF Text" panose="00000500000000000000" pitchFamily="50" charset="0"/>
-            </a:endParaRPr>
           </a:p>
         </p:txBody>
       </p:sp>
@@ -19995,10 +19968,6 @@
               </a:rPr>
               <a:t>)</a:t>
             </a:r>
-            <a:endParaRPr lang="en-US" sz="900" b="1" dirty="0">
-              <a:latin typeface="SF Display" panose="00000500000000000000" pitchFamily="50" charset="0"/>
-              <a:ea typeface="SF Display" panose="00000500000000000000" pitchFamily="50" charset="0"/>
-            </a:endParaRPr>
           </a:p>
         </p:txBody>
       </p:sp>
@@ -20085,14 +20054,7 @@
                 <a:latin typeface="SF Display" panose="00000500000000000000" pitchFamily="50" charset="0"/>
                 <a:ea typeface="SF Display" panose="00000500000000000000" pitchFamily="50" charset="0"/>
               </a:rPr>
-              <a:t>)</a:t>
-            </a:r>
-            <a:r>
-              <a:rPr lang="en-US" sz="900" b="1" dirty="0" smtClean="0">
-                <a:latin typeface="SF Display" panose="00000500000000000000" pitchFamily="50" charset="0"/>
-                <a:ea typeface="SF Display" panose="00000500000000000000" pitchFamily="50" charset="0"/>
-              </a:rPr>
-              <a:t> </a:t>
+              <a:t>) </a:t>
             </a:r>
             <a:endParaRPr lang="en-US" sz="900" b="1" dirty="0">
               <a:latin typeface="SF Display" panose="00000500000000000000" pitchFamily="50" charset="0"/>
@@ -20353,7 +20315,6 @@
                 <a:rPr lang="en-US" sz="1200" dirty="0"/>
                 <a:t>8</a:t>
               </a:r>
-              <a:endParaRPr lang="en-US" sz="1200" dirty="0"/>
             </a:p>
           </p:txBody>
         </p:sp>
@@ -20480,7 +20441,6 @@
                 <a:rPr lang="en-US" sz="1200" dirty="0"/>
                 <a:t>8</a:t>
               </a:r>
-              <a:endParaRPr lang="en-US" sz="1200" dirty="0"/>
             </a:p>
           </p:txBody>
         </p:sp>
@@ -20607,7 +20567,6 @@
                 <a:rPr lang="en-US" sz="1200" dirty="0"/>
                 <a:t>8</a:t>
               </a:r>
-              <a:endParaRPr lang="en-US" sz="1200" dirty="0"/>
             </a:p>
           </p:txBody>
         </p:sp>
@@ -20734,7 +20693,6 @@
                 <a:rPr lang="en-US" sz="1200" dirty="0"/>
                 <a:t>8</a:t>
               </a:r>
-              <a:endParaRPr lang="en-US" sz="1200" dirty="0"/>
             </a:p>
           </p:txBody>
         </p:sp>
@@ -22830,10 +22788,6 @@
               </a:rPr>
               <a:t>)</a:t>
             </a:r>
-            <a:endParaRPr lang="en-US" sz="900" b="1" dirty="0">
-              <a:latin typeface="SF Display" panose="00000500000000000000" pitchFamily="50" charset="0"/>
-              <a:ea typeface="SF Display" panose="00000500000000000000" pitchFamily="50" charset="0"/>
-            </a:endParaRPr>
           </a:p>
         </p:txBody>
       </p:sp>
@@ -24413,14 +24367,7 @@
                 <a:latin typeface="SF Display" panose="00000500000000000000" pitchFamily="50" charset="0"/>
                 <a:ea typeface="SF Display" panose="00000500000000000000" pitchFamily="50" charset="0"/>
               </a:rPr>
-              <a:t>)</a:t>
-            </a:r>
-            <a:r>
-              <a:rPr lang="en-US" sz="900" b="1" dirty="0" smtClean="0">
-                <a:latin typeface="SF Display" panose="00000500000000000000" pitchFamily="50" charset="0"/>
-                <a:ea typeface="SF Display" panose="00000500000000000000" pitchFamily="50" charset="0"/>
-              </a:rPr>
-              <a:t> </a:t>
+              <a:t>) </a:t>
             </a:r>
             <a:endParaRPr lang="en-US" sz="900" b="1" dirty="0">
               <a:latin typeface="SF Display" panose="00000500000000000000" pitchFamily="50" charset="0"/>
@@ -25096,7 +25043,6 @@
                 <a:rPr lang="en-US" sz="1200" dirty="0"/>
                 <a:t>8</a:t>
               </a:r>
-              <a:endParaRPr lang="en-US" sz="1200" dirty="0"/>
             </a:p>
           </p:txBody>
         </p:sp>
@@ -25223,7 +25169,6 @@
                 <a:rPr lang="en-US" sz="1200" dirty="0"/>
                 <a:t>8</a:t>
               </a:r>
-              <a:endParaRPr lang="en-US" sz="1200" dirty="0"/>
             </a:p>
           </p:txBody>
         </p:sp>
@@ -25350,7 +25295,6 @@
                 <a:rPr lang="en-US" sz="1200" dirty="0"/>
                 <a:t>8</a:t>
               </a:r>
-              <a:endParaRPr lang="en-US" sz="1200" dirty="0"/>
             </a:p>
           </p:txBody>
         </p:sp>
@@ -25477,7 +25421,6 @@
                 <a:rPr lang="en-US" sz="1200" dirty="0"/>
                 <a:t>8</a:t>
               </a:r>
-              <a:endParaRPr lang="en-US" sz="1200" dirty="0"/>
             </a:p>
           </p:txBody>
         </p:sp>
@@ -26019,1829 +25962,2389 @@
 
 <file path=customXml/item1.xml><?xml version="1.0" encoding="utf-8"?>
 <Control xmlns="http://schemas.microsoft.com/VisualStudio/2011/storyboarding/control">
+  <Id Name="System.Storyboarding.WindowsApps.WindowsAppsButton" Revision="1" Stencil="System.Storyboarding.WindowsApps" StencilVersion="0.1"/>
+</Control>
+</file>
+
+<file path=customXml/item10.xml><?xml version="1.0" encoding="utf-8"?>
+<Control xmlns="http://schemas.microsoft.com/VisualStudio/2011/storyboarding/control">
+  <Id Name="System.Storyboarding.WindowsAppIcons.Save" Revision="1" Stencil="System.Storyboarding.WindowsAppIcons" StencilVersion="0.1"/>
+</Control>
+</file>
+
+<file path=customXml/item100.xml><?xml version="1.0" encoding="utf-8"?>
+<Control xmlns="http://schemas.microsoft.com/VisualStudio/2011/storyboarding/control">
+  <Id Name="System.Storyboarding.Annotation.CallOut" Revision="1" Stencil="System.Storyboarding.Annotation" StencilVersion="0.1"/>
+</Control>
+</file>
+
+<file path=customXml/item101.xml><?xml version="1.0" encoding="utf-8"?>
+<Control xmlns="http://schemas.microsoft.com/VisualStudio/2011/storyboarding/control">
+  <Id Name="System.Storyboarding.WindowsAppIcons.Emoji" Revision="1" Stencil="System.Storyboarding.WindowsAppIcons" StencilVersion="0.1"/>
+</Control>
+</file>
+
+<file path=customXml/item102.xml><?xml version="1.0" encoding="utf-8"?>
+<Control xmlns="http://schemas.microsoft.com/VisualStudio/2011/storyboarding/control">
+  <Id Name="System.Storyboarding.WindowsApps.WindowsAppsButton" Revision="1" Stencil="System.Storyboarding.WindowsApps" StencilVersion="0.1"/>
+</Control>
+</file>
+
+<file path=customXml/item103.xml><?xml version="1.0" encoding="utf-8"?>
+<Control xmlns="http://schemas.microsoft.com/VisualStudio/2011/storyboarding/control">
+  <Id Name="System.Storyboarding.Backgrounds.WindowsPhone" Revision="1" Stencil="System.Storyboarding.Backgrounds" StencilVersion="0.1"/>
+</Control>
+</file>
+
+<file path=customXml/item104.xml><?xml version="1.0" encoding="utf-8"?>
+<Control xmlns="http://schemas.microsoft.com/VisualStudio/2011/storyboarding/control">
   <Id Name="System.Storyboarding.WindowsApps.WindowsAppsTileMedium" Revision="1" Stencil="System.Storyboarding.WindowsApps" StencilVersion="0.1"/>
 </Control>
 </file>
 
-<file path=customXml/item10.xml><?xml version="1.0" encoding="utf-8"?>
+<file path=customXml/item105.xml><?xml version="1.0" encoding="utf-8"?>
+<Control xmlns="http://schemas.microsoft.com/VisualStudio/2011/storyboarding/control">
+  <Id Name="System.Storyboarding.WindowsApps.WindowsAppsTileMedium" Revision="1" Stencil="System.Storyboarding.WindowsApps" StencilVersion="0.1"/>
+</Control>
+</file>
+
+<file path=customXml/item106.xml><?xml version="1.0" encoding="utf-8"?>
+<Control xmlns="http://schemas.microsoft.com/VisualStudio/2011/storyboarding/control">
+  <Id Name="System.Storyboarding.Icons.Warning" Revision="1" Stencil="System.Storyboarding.Icons" StencilVersion="0.1"/>
+</Control>
+</file>
+
+<file path=customXml/item107.xml><?xml version="1.0" encoding="utf-8"?>
 <Control xmlns="http://schemas.microsoft.com/VisualStudio/2011/storyboarding/control">
   <Id Name="fd7d7bed-114e-464c-a4f1-01a512005949" Revision="1" Stencil="System.MyShapes" StencilVersion="1.0"/>
 </Control>
 </file>
 
-<file path=customXml/item100.xml><?xml version="1.0" encoding="utf-8"?>
+<file path=customXml/item108.xml><?xml version="1.0" encoding="utf-8"?>
+<Control xmlns="http://schemas.microsoft.com/VisualStudio/2011/storyboarding/control">
+  <Id Name="fd7d7bed-114e-464c-a4f1-01a512005949" Revision="1" Stencil="System.MyShapes" StencilVersion="1.0"/>
+</Control>
+</file>
+
+<file path=customXml/item109.xml><?xml version="1.0" encoding="utf-8"?>
+<Control xmlns="http://schemas.microsoft.com/VisualStudio/2011/storyboarding/control">
+  <Id Name="System.Storyboarding.Annotation.CallOut" Revision="1" Stencil="System.Storyboarding.Annotation" StencilVersion="0.1"/>
+</Control>
+</file>
+
+<file path=customXml/item11.xml><?xml version="1.0" encoding="utf-8"?>
+<Control xmlns="http://schemas.microsoft.com/VisualStudio/2011/storyboarding/control">
+  <Id Name="System.Storyboarding.WindowsApps.WindowsAppsButton" Revision="1" Stencil="System.Storyboarding.WindowsApps" StencilVersion="0.1"/>
+</Control>
+</file>
+
+<file path=customXml/item110.xml><?xml version="1.0" encoding="utf-8"?>
+<Control xmlns="http://schemas.microsoft.com/VisualStudio/2011/storyboarding/control">
+  <Id Name="System.Storyboarding.WindowsApps.WindowsAppsButton" Revision="1" Stencil="System.Storyboarding.WindowsApps" StencilVersion="0.1"/>
+</Control>
+</file>
+
+<file path=customXml/item111.xml><?xml version="1.0" encoding="utf-8"?>
+<Control xmlns="http://schemas.microsoft.com/VisualStudio/2011/storyboarding/control">
+  <Id Name="fd7d7bed-114e-464c-a4f1-01a512005949" Revision="1" Stencil="System.MyShapes" StencilVersion="1.0"/>
+</Control>
+</file>
+
+<file path=customXml/item112.xml><?xml version="1.0" encoding="utf-8"?>
+<Control xmlns="http://schemas.microsoft.com/VisualStudio/2011/storyboarding/control">
+  <Id Name="System.Storyboarding.WindowsApps.WindowsAppsButton" Revision="1" Stencil="System.Storyboarding.WindowsApps" StencilVersion="0.1"/>
+</Control>
+</file>
+
+<file path=customXml/item113.xml><?xml version="1.0" encoding="utf-8"?>
 <Control xmlns="http://schemas.microsoft.com/VisualStudio/2011/storyboarding/control">
   <Id Name="System.Storyboarding.WindowsApps.WindowsAppsTileMedium" Revision="1" Stencil="System.Storyboarding.WindowsApps" StencilVersion="0.1"/>
 </Control>
 </file>
 
-<file path=customXml/item101.xml><?xml version="1.0" encoding="utf-8"?>
+<file path=customXml/item114.xml><?xml version="1.0" encoding="utf-8"?>
+<Control xmlns="http://schemas.microsoft.com/VisualStudio/2011/storyboarding/control">
+  <Id Name="System.Storyboarding.Icons.TrashCan" Revision="1" Stencil="System.Storyboarding.Icons" StencilVersion="0.1"/>
+</Control>
+</file>
+
+<file path=customXml/item115.xml><?xml version="1.0" encoding="utf-8"?>
+<Control xmlns="http://schemas.microsoft.com/VisualStudio/2011/storyboarding/control">
+  <Id Name="System.Storyboarding.WindowsApps.WindowsAppsButton" Revision="1" Stencil="System.Storyboarding.WindowsApps" StencilVersion="0.1"/>
+</Control>
+</file>
+
+<file path=customXml/item116.xml><?xml version="1.0" encoding="utf-8"?>
+<Control xmlns="http://schemas.microsoft.com/VisualStudio/2011/storyboarding/control">
+  <Id Name="System.Storyboarding.WindowsApps.WindowsAppsTileMedium" Revision="1" Stencil="System.Storyboarding.WindowsApps" StencilVersion="0.1"/>
+</Control>
+</file>
+
+<file path=customXml/item117.xml><?xml version="1.0" encoding="utf-8"?>
+<Control xmlns="http://schemas.microsoft.com/VisualStudio/2011/storyboarding/control">
+  <Id Name="System.Storyboarding.WindowsApps.WindowsAppsEditBox" Revision="1" Stencil="System.Storyboarding.WindowsApps" StencilVersion="0.1"/>
+</Control>
+</file>
+
+<file path=customXml/item118.xml><?xml version="1.0" encoding="utf-8"?>
+<Control xmlns="http://schemas.microsoft.com/VisualStudio/2011/storyboarding/control">
+  <Id Name="System.Storyboarding.WindowsApps.WindowsAppsEditBox" Revision="1" Stencil="System.Storyboarding.WindowsApps" StencilVersion="0.1"/>
+</Control>
+</file>
+
+<file path=customXml/item119.xml><?xml version="1.0" encoding="utf-8"?>
+<Control xmlns="http://schemas.microsoft.com/VisualStudio/2011/storyboarding/control">
+  <Id Name="fd7d7bed-114e-464c-a4f1-01a512005949" Revision="1" Stencil="System.MyShapes" StencilVersion="1.0"/>
+</Control>
+</file>
+
+<file path=customXml/item12.xml><?xml version="1.0" encoding="utf-8"?>
+<Control xmlns="http://schemas.microsoft.com/VisualStudio/2011/storyboarding/control">
+  <Id Name="System.Storyboarding.Backgrounds.WindowsPhone" Revision="1" Stencil="System.Storyboarding.Backgrounds" StencilVersion="0.1"/>
+</Control>
+</file>
+
+<file path=customXml/item120.xml><?xml version="1.0" encoding="utf-8"?>
+<Control xmlns="http://schemas.microsoft.com/VisualStudio/2011/storyboarding/control">
+  <Id Name="System.Storyboarding.WindowsApps.WindowsAppsTileMedium" Revision="1" Stencil="System.Storyboarding.WindowsApps" StencilVersion="0.1"/>
+</Control>
+</file>
+
+<file path=customXml/item121.xml><?xml version="1.0" encoding="utf-8"?>
+<Control xmlns="http://schemas.microsoft.com/VisualStudio/2011/storyboarding/control">
+  <Id Name="fd7d7bed-114e-464c-a4f1-01a512005949" Revision="1" Stencil="System.MyShapes" StencilVersion="1.0"/>
+</Control>
+</file>
+
+<file path=customXml/item122.xml><?xml version="1.0" encoding="utf-8"?>
 <Control xmlns="http://schemas.microsoft.com/VisualStudio/2011/storyboarding/control">
   <Id Name="System.Storyboarding.Annotation.CallOut" Revision="1" Stencil="System.Storyboarding.Annotation" StencilVersion="0.1"/>
 </Control>
 </file>
 
-<file path=customXml/item102.xml><?xml version="1.0" encoding="utf-8"?>
+<file path=customXml/item123.xml><?xml version="1.0" encoding="utf-8"?>
+<Control xmlns="http://schemas.microsoft.com/VisualStudio/2011/storyboarding/control">
+  <Id Name="System.Storyboarding.Annotation.CallOut" Revision="1" Stencil="System.Storyboarding.Annotation" StencilVersion="0.1"/>
+</Control>
+</file>
+
+<file path=customXml/item124.xml><?xml version="1.0" encoding="utf-8"?>
+<Control xmlns="http://schemas.microsoft.com/VisualStudio/2011/storyboarding/control">
+  <Id Name="System.Storyboarding.WindowsApps.WindowsAppsTileMedium" Revision="1" Stencil="System.Storyboarding.WindowsApps" StencilVersion="0.1"/>
+</Control>
+</file>
+
+<file path=customXml/item125.xml><?xml version="1.0" encoding="utf-8"?>
+<Control xmlns="http://schemas.microsoft.com/VisualStudio/2011/storyboarding/control">
+  <Id Name="System.Storyboarding.Annotation.CallOut" Revision="1" Stencil="System.Storyboarding.Annotation" StencilVersion="0.1"/>
+</Control>
+</file>
+
+<file path=customXml/item126.xml><?xml version="1.0" encoding="utf-8"?>
+<Control xmlns="http://schemas.microsoft.com/VisualStudio/2011/storyboarding/control">
+  <Id Name="System.Storyboarding.Annotation.CallOut" Revision="1" Stencil="System.Storyboarding.Annotation" StencilVersion="0.1"/>
+</Control>
+</file>
+
+<file path=customXml/item127.xml><?xml version="1.0" encoding="utf-8"?>
 <Control xmlns="http://schemas.microsoft.com/VisualStudio/2011/storyboarding/control">
   <Id Name="System.Storyboarding.Icons.CurvedArrow" Revision="1" Stencil="System.Storyboarding.Icons" StencilVersion="0.1"/>
 </Control>
 </file>
 
-<file path=customXml/item103.xml><?xml version="1.0" encoding="utf-8"?>
+<file path=customXml/item128.xml><?xml version="1.0" encoding="utf-8"?>
 <Control xmlns="http://schemas.microsoft.com/VisualStudio/2011/storyboarding/control">
   <Id Name="fd7d7bed-114e-464c-a4f1-01a512005949" Revision="1" Stencil="System.MyShapes" StencilVersion="1.0"/>
 </Control>
 </file>
 
-<file path=customXml/item104.xml><?xml version="1.0" encoding="utf-8"?>
+<file path=customXml/item129.xml><?xml version="1.0" encoding="utf-8"?>
+<Control xmlns="http://schemas.microsoft.com/VisualStudio/2011/storyboarding/control">
+  <Id Name="System.Storyboarding.WindowsApps.WindowsAppsButton" Revision="1" Stencil="System.Storyboarding.WindowsApps" StencilVersion="0.1"/>
+</Control>
+</file>
+
+<file path=customXml/item13.xml><?xml version="1.0" encoding="utf-8"?>
+<Control xmlns="http://schemas.microsoft.com/VisualStudio/2011/storyboarding/control">
+  <Id Name="fd7d7bed-114e-464c-a4f1-01a512005949" Revision="1" Stencil="System.MyShapes" StencilVersion="1.0"/>
+</Control>
+</file>
+
+<file path=customXml/item130.xml><?xml version="1.0" encoding="utf-8"?>
+<Control xmlns="http://schemas.microsoft.com/VisualStudio/2011/storyboarding/control">
+  <Id Name="System.Storyboarding.Annotation.CallOut" Revision="1" Stencil="System.Storyboarding.Annotation" StencilVersion="0.1"/>
+</Control>
+</file>
+
+<file path=customXml/item131.xml><?xml version="1.0" encoding="utf-8"?>
 <Control xmlns="http://schemas.microsoft.com/VisualStudio/2011/storyboarding/control">
   <Id Name="System.Storyboarding.WindowsApps.WindowsAppsTileMedium" Revision="1" Stencil="System.Storyboarding.WindowsApps" StencilVersion="0.1"/>
 </Control>
 </file>
 
-<file path=customXml/item105.xml><?xml version="1.0" encoding="utf-8"?>
+<file path=customXml/item132.xml><?xml version="1.0" encoding="utf-8"?>
+<Control xmlns="http://schemas.microsoft.com/VisualStudio/2011/storyboarding/control">
+  <Id Name="System.Storyboarding.WindowsApps.WindowsAppsButton" Revision="1" Stencil="System.Storyboarding.WindowsApps" StencilVersion="0.1"/>
+</Control>
+</file>
+
+<file path=customXml/item133.xml><?xml version="1.0" encoding="utf-8"?>
+<Control xmlns="http://schemas.microsoft.com/VisualStudio/2011/storyboarding/control">
+  <Id Name="System.Storyboarding.WindowsApps.WindowsAppsEditBox" Revision="1" Stencil="System.Storyboarding.WindowsApps" StencilVersion="0.1"/>
+</Control>
+</file>
+
+<file path=customXml/item134.xml><?xml version="1.0" encoding="utf-8"?>
 <Control xmlns="http://schemas.microsoft.com/VisualStudio/2011/storyboarding/control">
   <Id Name="System.Storyboarding.WindowsApps.WindowsAppsTileMedium" Revision="1" Stencil="System.Storyboarding.WindowsApps" StencilVersion="0.1"/>
 </Control>
 </file>
 
-<file path=customXml/item106.xml><?xml version="1.0" encoding="utf-8"?>
+<file path=customXml/item135.xml><?xml version="1.0" encoding="utf-8"?>
+<Control xmlns="http://schemas.microsoft.com/VisualStudio/2011/storyboarding/control">
+  <Id Name="System.Storyboarding.Annotation.CallOut" Revision="1" Stencil="System.Storyboarding.Annotation" StencilVersion="0.1"/>
+</Control>
+</file>
+
+<file path=customXml/item136.xml><?xml version="1.0" encoding="utf-8"?>
+<Control xmlns="http://schemas.microsoft.com/VisualStudio/2011/storyboarding/control">
+  <Id Name="System.Storyboarding.Annotation.CallOut" Revision="1" Stencil="System.Storyboarding.Annotation" StencilVersion="0.1"/>
+</Control>
+</file>
+
+<file path=customXml/item137.xml><?xml version="1.0" encoding="utf-8"?>
 <Control xmlns="http://schemas.microsoft.com/VisualStudio/2011/storyboarding/control">
   <Id Name="fd7d7bed-114e-464c-a4f1-01a512005949" Revision="1" Stencil="System.MyShapes" StencilVersion="1.0"/>
 </Control>
 </file>
 
-<file path=customXml/item107.xml><?xml version="1.0" encoding="utf-8"?>
+<file path=customXml/item138.xml><?xml version="1.0" encoding="utf-8"?>
+<Control xmlns="http://schemas.microsoft.com/VisualStudio/2011/storyboarding/control">
+  <Id Name="System.Storyboarding.WindowsApps.WindowsAppsEditBox" Revision="1" Stencil="System.Storyboarding.WindowsApps" StencilVersion="0.1"/>
+</Control>
+</file>
+
+<file path=customXml/item139.xml><?xml version="1.0" encoding="utf-8"?>
+<Control xmlns="http://schemas.microsoft.com/VisualStudio/2011/storyboarding/control">
+  <Id Name="System.Storyboarding.WindowsAppIcons.Like" Revision="1" Stencil="System.Storyboarding.WindowsAppIcons" StencilVersion="0.1"/>
+</Control>
+</file>
+
+<file path=customXml/item14.xml><?xml version="1.0" encoding="utf-8"?>
+<Control xmlns="http://schemas.microsoft.com/VisualStudio/2011/storyboarding/control">
+  <Id Name="System.Storyboarding.WindowsAppIcons.Save" Revision="1" Stencil="System.Storyboarding.WindowsAppIcons" StencilVersion="0.1"/>
+</Control>
+</file>
+
+<file path=customXml/item140.xml><?xml version="1.0" encoding="utf-8"?>
+<Control xmlns="http://schemas.microsoft.com/VisualStudio/2011/storyboarding/control">
+  <Id Name="System.Storyboarding.WindowsApps.WindowsAppsTileMedium" Revision="1" Stencil="System.Storyboarding.WindowsApps" StencilVersion="0.1"/>
+</Control>
+</file>
+
+<file path=customXml/item141.xml><?xml version="1.0" encoding="utf-8"?>
+<Control xmlns="http://schemas.microsoft.com/VisualStudio/2011/storyboarding/control">
+  <Id Name="System.Storyboarding.WindowsAppIcons.Plus" Revision="1" Stencil="System.Storyboarding.WindowsAppIcons" StencilVersion="0.1"/>
+</Control>
+</file>
+
+<file path=customXml/item142.xml><?xml version="1.0" encoding="utf-8"?>
+<Control xmlns="http://schemas.microsoft.com/VisualStudio/2011/storyboarding/control">
+  <Id Name="System.Storyboarding.WindowsApps.WindowsAppsTileMedium" Revision="1" Stencil="System.Storyboarding.WindowsApps" StencilVersion="0.1"/>
+</Control>
+</file>
+
+<file path=customXml/item143.xml><?xml version="1.0" encoding="utf-8"?>
+<Control xmlns="http://schemas.microsoft.com/VisualStudio/2011/storyboarding/control">
+  <Id Name="System.Storyboarding.WindowsApps.WindowsAppsButton" Revision="1" Stencil="System.Storyboarding.WindowsApps" StencilVersion="0.1"/>
+</Control>
+</file>
+
+<file path=customXml/item144.xml><?xml version="1.0" encoding="utf-8"?>
+<Control xmlns="http://schemas.microsoft.com/VisualStudio/2011/storyboarding/control">
+  <Id Name="System.Storyboarding.WindowsApps.WindowsAppsEditBox" Revision="1" Stencil="System.Storyboarding.WindowsApps" StencilVersion="0.1"/>
+</Control>
+</file>
+
+<file path=customXml/item145.xml><?xml version="1.0" encoding="utf-8"?>
+<Control xmlns="http://schemas.microsoft.com/VisualStudio/2011/storyboarding/control">
+  <Id Name="System.Storyboarding.WindowsApps.WindowsAppsButton" Revision="1" Stencil="System.Storyboarding.WindowsApps" StencilVersion="0.1"/>
+</Control>
+</file>
+
+<file path=customXml/item146.xml><?xml version="1.0" encoding="utf-8"?>
+<Control xmlns="http://schemas.microsoft.com/VisualStudio/2011/storyboarding/control">
+  <Id Name="System.Storyboarding.WindowsApps.WindowsAppsTileMedium" Revision="1" Stencil="System.Storyboarding.WindowsApps" StencilVersion="0.1"/>
+</Control>
+</file>
+
+<file path=customXml/item147.xml><?xml version="1.0" encoding="utf-8"?>
+<Control xmlns="http://schemas.microsoft.com/VisualStudio/2011/storyboarding/control">
+  <Id Name="System.Storyboarding.WindowsApps.WindowsAppsEditBox" Revision="1" Stencil="System.Storyboarding.WindowsApps" StencilVersion="0.1"/>
+</Control>
+</file>
+
+<file path=customXml/item148.xml><?xml version="1.0" encoding="utf-8"?>
+<Control xmlns="http://schemas.microsoft.com/VisualStudio/2011/storyboarding/control">
+  <Id Name="System.Storyboarding.WindowsApps.WindowsAppsEditBox" Revision="1" Stencil="System.Storyboarding.WindowsApps" StencilVersion="0.1"/>
+</Control>
+</file>
+
+<file path=customXml/item149.xml><?xml version="1.0" encoding="utf-8"?>
 <Control xmlns="http://schemas.microsoft.com/VisualStudio/2011/storyboarding/control">
   <Id Name="System.Storyboarding.Annotation.CallOut" Revision="1" Stencil="System.Storyboarding.Annotation" StencilVersion="0.1"/>
 </Control>
 </file>
 
-<file path=customXml/item108.xml><?xml version="1.0" encoding="utf-8"?>
+<file path=customXml/item15.xml><?xml version="1.0" encoding="utf-8"?>
 <Control xmlns="http://schemas.microsoft.com/VisualStudio/2011/storyboarding/control">
   <Id Name="fd7d7bed-114e-464c-a4f1-01a512005949" Revision="1" Stencil="System.MyShapes" StencilVersion="1.0"/>
 </Control>
 </file>
 
-<file path=customXml/item109.xml><?xml version="1.0" encoding="utf-8"?>
+<file path=customXml/item150.xml><?xml version="1.0" encoding="utf-8"?>
+<Control xmlns="http://schemas.microsoft.com/VisualStudio/2011/storyboarding/control">
+  <Id Name="fd7d7bed-114e-464c-a4f1-01a512005949" Revision="1" Stencil="System.MyShapes" StencilVersion="1.0"/>
+</Control>
+</file>
+
+<file path=customXml/item151.xml><?xml version="1.0" encoding="utf-8"?>
+<Control xmlns="http://schemas.microsoft.com/VisualStudio/2011/storyboarding/control">
+  <Id Name="fd7d7bed-114e-464c-a4f1-01a512005949" Revision="1" Stencil="System.MyShapes" StencilVersion="1.0"/>
+</Control>
+</file>
+
+<file path=customXml/item152.xml><?xml version="1.0" encoding="utf-8"?>
+<Control xmlns="http://schemas.microsoft.com/VisualStudio/2011/storyboarding/control">
+  <Id Name="fd7d7bed-114e-464c-a4f1-01a512005949" Revision="1" Stencil="System.MyShapes" StencilVersion="1.0"/>
+</Control>
+</file>
+
+<file path=customXml/item153.xml><?xml version="1.0" encoding="utf-8"?>
+<Control xmlns="http://schemas.microsoft.com/VisualStudio/2011/storyboarding/control">
+  <Id Name="System.Storyboarding.WindowsApps.WindowsAppsTileMedium" Revision="1" Stencil="System.Storyboarding.WindowsApps" StencilVersion="0.1"/>
+</Control>
+</file>
+
+<file path=customXml/item154.xml><?xml version="1.0" encoding="utf-8"?>
 <Control xmlns="http://schemas.microsoft.com/VisualStudio/2011/storyboarding/control">
   <Id Name="System.Storyboarding.Annotation.CallOut" Revision="1" Stencil="System.Storyboarding.Annotation" StencilVersion="0.1"/>
 </Control>
 </file>
 
-<file path=customXml/item11.xml><?xml version="1.0" encoding="utf-8"?>
+<file path=customXml/item155.xml><?xml version="1.0" encoding="utf-8"?>
 <Control xmlns="http://schemas.microsoft.com/VisualStudio/2011/storyboarding/control">
   <Id Name="fd7d7bed-114e-464c-a4f1-01a512005949" Revision="1" Stencil="System.MyShapes" StencilVersion="1.0"/>
 </Control>
 </file>
 
-<file path=customXml/item110.xml><?xml version="1.0" encoding="utf-8"?>
+<file path=customXml/item156.xml><?xml version="1.0" encoding="utf-8"?>
+<Control xmlns="http://schemas.microsoft.com/VisualStudio/2011/storyboarding/control">
+  <Id Name="System.Storyboarding.WindowsApps.WindowsAppsEditBox" Revision="1" Stencil="System.Storyboarding.WindowsApps" StencilVersion="0.1"/>
+</Control>
+</file>
+
+<file path=customXml/item157.xml><?xml version="1.0" encoding="utf-8"?>
+<Control xmlns="http://schemas.microsoft.com/VisualStudio/2011/storyboarding/control">
+  <Id Name="System.Storyboarding.Annotation.CallOut" Revision="1" Stencil="System.Storyboarding.Annotation" StencilVersion="0.1"/>
+</Control>
+</file>
+
+<file path=customXml/item158.xml><?xml version="1.0" encoding="utf-8"?>
+<Control xmlns="http://schemas.microsoft.com/VisualStudio/2011/storyboarding/control">
+  <Id Name="System.Storyboarding.Common.CheckBoxUnchecked" Revision="1" Stencil="System.Storyboarding.Common" StencilVersion="0.1"/>
+</Control>
+</file>
+
+<file path=customXml/item159.xml><?xml version="1.0" encoding="utf-8"?>
+<Control xmlns="http://schemas.microsoft.com/VisualStudio/2011/storyboarding/control">
+  <Id Name="System.Storyboarding.Annotation.CallOut" Revision="1" Stencil="System.Storyboarding.Annotation" StencilVersion="0.1"/>
+</Control>
+</file>
+
+<file path=customXml/item16.xml><?xml version="1.0" encoding="utf-8"?>
+<Control xmlns="http://schemas.microsoft.com/VisualStudio/2011/storyboarding/control">
+  <Id Name="System.Storyboarding.WindowsApps.WindowsAppsTileMedium" Revision="1" Stencil="System.Storyboarding.WindowsApps" StencilVersion="0.1"/>
+</Control>
+</file>
+
+<file path=customXml/item160.xml><?xml version="1.0" encoding="utf-8"?>
+<Control xmlns="http://schemas.microsoft.com/VisualStudio/2011/storyboarding/control">
+  <Id Name="System.Storyboarding.WindowsApps.WindowsAppsButton" Revision="1" Stencil="System.Storyboarding.WindowsApps" StencilVersion="0.1"/>
+</Control>
+</file>
+
+<file path=customXml/item161.xml><?xml version="1.0" encoding="utf-8"?>
+<Control xmlns="http://schemas.microsoft.com/VisualStudio/2011/storyboarding/control">
+  <Id Name="System.Storyboarding.WindowsApps.WindowsAppsButton" Revision="1" Stencil="System.Storyboarding.WindowsApps" StencilVersion="0.1"/>
+</Control>
+</file>
+
+<file path=customXml/item162.xml><?xml version="1.0" encoding="utf-8"?>
+<Control xmlns="http://schemas.microsoft.com/VisualStudio/2011/storyboarding/control">
+  <Id Name="System.Storyboarding.WindowsApps.WindowsAppsTileMedium" Revision="1" Stencil="System.Storyboarding.WindowsApps" StencilVersion="0.1"/>
+</Control>
+</file>
+
+<file path=customXml/item163.xml><?xml version="1.0" encoding="utf-8"?>
+<Control xmlns="http://schemas.microsoft.com/VisualStudio/2011/storyboarding/control">
+  <Id Name="System.Storyboarding.WindowsApps.WindowsAppsEditBox" Revision="1" Stencil="System.Storyboarding.WindowsApps" StencilVersion="0.1"/>
+</Control>
+</file>
+
+<file path=customXml/item164.xml><?xml version="1.0" encoding="utf-8"?>
+<Control xmlns="http://schemas.microsoft.com/VisualStudio/2011/storyboarding/control">
+  <Id Name="System.Storyboarding.WindowsApps.WindowsAppsButton" Revision="1" Stencil="System.Storyboarding.WindowsApps" StencilVersion="0.1"/>
+</Control>
+</file>
+
+<file path=customXml/item165.xml><?xml version="1.0" encoding="utf-8"?>
 <Control xmlns="http://schemas.microsoft.com/VisualStudio/2011/storyboarding/control">
   <Id Name="fd7d7bed-114e-464c-a4f1-01a512005949" Revision="1" Stencil="System.MyShapes" StencilVersion="1.0"/>
 </Control>
 </file>
 
-<file path=customXml/item111.xml><?xml version="1.0" encoding="utf-8"?>
+<file path=customXml/item166.xml><?xml version="1.0" encoding="utf-8"?>
+<Control xmlns="http://schemas.microsoft.com/VisualStudio/2011/storyboarding/control">
+  <Id Name="System.Storyboarding.WindowsApps.WindowsAppsEditBox" Revision="1" Stencil="System.Storyboarding.WindowsApps" StencilVersion="0.1"/>
+</Control>
+</file>
+
+<file path=customXml/item167.xml><?xml version="1.0" encoding="utf-8"?>
+<Control xmlns="http://schemas.microsoft.com/VisualStudio/2011/storyboarding/control">
+  <Id Name="fd7d7bed-114e-464c-a4f1-01a512005949" Revision="1" Stencil="System.MyShapes" StencilVersion="1.0"/>
+</Control>
+</file>
+
+<file path=customXml/item168.xml><?xml version="1.0" encoding="utf-8"?>
 <Control xmlns="http://schemas.microsoft.com/VisualStudio/2011/storyboarding/control">
   <Id Name="System.Storyboarding.WindowsApps.WindowsAppsTileMedium" Revision="1" Stencil="System.Storyboarding.WindowsApps" StencilVersion="0.1"/>
 </Control>
 </file>
 
-<file path=customXml/item112.xml><?xml version="1.0" encoding="utf-8"?>
+<file path=customXml/item169.xml><?xml version="1.0" encoding="utf-8"?>
+<Control xmlns="http://schemas.microsoft.com/VisualStudio/2011/storyboarding/control">
+  <Id Name="fd7d7bed-114e-464c-a4f1-01a512005949" Revision="1" Stencil="System.MyShapes" StencilVersion="1.0"/>
+</Control>
+</file>
+
+<file path=customXml/item17.xml><?xml version="1.0" encoding="utf-8"?>
+<Control xmlns="http://schemas.microsoft.com/VisualStudio/2011/storyboarding/control">
+  <Id Name="System.Storyboarding.Icons.CurvedArrow" Revision="1" Stencil="System.Storyboarding.Icons" StencilVersion="0.1"/>
+</Control>
+</file>
+
+<file path=customXml/item170.xml><?xml version="1.0" encoding="utf-8"?>
+<Control xmlns="http://schemas.microsoft.com/VisualStudio/2011/storyboarding/control">
+  <Id Name="System.Storyboarding.Annotation.CallOut" Revision="1" Stencil="System.Storyboarding.Annotation" StencilVersion="0.1"/>
+</Control>
+</file>
+
+<file path=customXml/item171.xml><?xml version="1.0" encoding="utf-8"?>
+<Control xmlns="http://schemas.microsoft.com/VisualStudio/2011/storyboarding/control">
+  <Id Name="System.Storyboarding.Annotation.CallOut" Revision="1" Stencil="System.Storyboarding.Annotation" StencilVersion="0.1"/>
+</Control>
+</file>
+
+<file path=customXml/item172.xml><?xml version="1.0" encoding="utf-8"?>
+<Control xmlns="http://schemas.microsoft.com/VisualStudio/2011/storyboarding/control">
+  <Id Name="System.Storyboarding.WindowsApps.WindowsAppsButton" Revision="1" Stencil="System.Storyboarding.WindowsApps" StencilVersion="0.1"/>
+</Control>
+</file>
+
+<file path=customXml/item173.xml><?xml version="1.0" encoding="utf-8"?>
+<Control xmlns="http://schemas.microsoft.com/VisualStudio/2011/storyboarding/control">
+  <Id Name="System.Storyboarding.WindowsApps.WindowsAppsButton" Revision="1" Stencil="System.Storyboarding.WindowsApps" StencilVersion="0.1"/>
+</Control>
+</file>
+
+<file path=customXml/item174.xml><?xml version="1.0" encoding="utf-8"?>
+<Control xmlns="http://schemas.microsoft.com/VisualStudio/2011/storyboarding/control">
+  <Id Name="System.Storyboarding.WindowsApps.WindowsAppsButton" Revision="1" Stencil="System.Storyboarding.WindowsApps" StencilVersion="0.1"/>
+</Control>
+</file>
+
+<file path=customXml/item175.xml><?xml version="1.0" encoding="utf-8"?>
 <Control xmlns="http://schemas.microsoft.com/VisualStudio/2011/storyboarding/control">
   <Id Name="System.Storyboarding.WindowsApps.WindowsAppsTileMedium" Revision="1" Stencil="System.Storyboarding.WindowsApps" StencilVersion="0.1"/>
 </Control>
 </file>
 
-<file path=customXml/item113.xml><?xml version="1.0" encoding="utf-8"?>
+<file path=customXml/item176.xml><?xml version="1.0" encoding="utf-8"?>
+<Control xmlns="http://schemas.microsoft.com/VisualStudio/2011/storyboarding/control">
+  <Id Name="System.Storyboarding.WindowsApps.WindowsAppsTileMedium" Revision="1" Stencil="System.Storyboarding.WindowsApps" StencilVersion="0.1"/>
+</Control>
+</file>
+
+<file path=customXml/item177.xml><?xml version="1.0" encoding="utf-8"?>
+<Control xmlns="http://schemas.microsoft.com/VisualStudio/2011/storyboarding/control">
+  <Id Name="System.Storyboarding.WindowsApps.WindowsAppsTileMedium" Revision="1" Stencil="System.Storyboarding.WindowsApps" StencilVersion="0.1"/>
+</Control>
+</file>
+
+<file path=customXml/item178.xml><?xml version="1.0" encoding="utf-8"?>
+<Control xmlns="http://schemas.microsoft.com/VisualStudio/2011/storyboarding/control">
+  <Id Name="System.Storyboarding.WindowsApps.WindowsAppsTileMedium" Revision="1" Stencil="System.Storyboarding.WindowsApps" StencilVersion="0.1"/>
+</Control>
+</file>
+
+<file path=customXml/item179.xml><?xml version="1.0" encoding="utf-8"?>
+<Control xmlns="http://schemas.microsoft.com/VisualStudio/2011/storyboarding/control">
+  <Id Name="System.Storyboarding.WindowsApps.WindowsAppsTileMedium" Revision="1" Stencil="System.Storyboarding.WindowsApps" StencilVersion="0.1"/>
+</Control>
+</file>
+
+<file path=customXml/item18.xml><?xml version="1.0" encoding="utf-8"?>
+<Control xmlns="http://schemas.microsoft.com/VisualStudio/2011/storyboarding/control">
+  <Id Name="System.Storyboarding.Annotation.CallOut" Revision="1" Stencil="System.Storyboarding.Annotation" StencilVersion="0.1"/>
+</Control>
+</file>
+
+<file path=customXml/item180.xml><?xml version="1.0" encoding="utf-8"?>
+<Control xmlns="http://schemas.microsoft.com/VisualStudio/2011/storyboarding/control">
+  <Id Name="fd7d7bed-114e-464c-a4f1-01a512005949" Revision="1" Stencil="System.MyShapes" StencilVersion="1.0"/>
+</Control>
+</file>
+
+<file path=customXml/item181.xml><?xml version="1.0" encoding="utf-8"?>
+<Control xmlns="http://schemas.microsoft.com/VisualStudio/2011/storyboarding/control">
+  <Id Name="fd7d7bed-114e-464c-a4f1-01a512005949" Revision="1" Stencil="System.MyShapes" StencilVersion="1.0"/>
+</Control>
+</file>
+
+<file path=customXml/item182.xml><?xml version="1.0" encoding="utf-8"?>
+<Control xmlns="http://schemas.microsoft.com/VisualStudio/2011/storyboarding/control">
+  <Id Name="System.Storyboarding.WindowsApps.WindowsAppsTileMedium" Revision="1" Stencil="System.Storyboarding.WindowsApps" StencilVersion="0.1"/>
+</Control>
+</file>
+
+<file path=customXml/item183.xml><?xml version="1.0" encoding="utf-8"?>
+<Control xmlns="http://schemas.microsoft.com/VisualStudio/2011/storyboarding/control">
+  <Id Name="System.Storyboarding.Annotation.StickyNote" Revision="1" Stencil="System.Storyboarding.Annotation" StencilVersion="0.1"/>
+</Control>
+</file>
+
+<file path=customXml/item184.xml><?xml version="1.0" encoding="utf-8"?>
+<Control xmlns="http://schemas.microsoft.com/VisualStudio/2011/storyboarding/control">
+  <Id Name="System.Storyboarding.Annotation.CallOut" Revision="1" Stencil="System.Storyboarding.Annotation" StencilVersion="0.1"/>
+</Control>
+</file>
+
+<file path=customXml/item185.xml><?xml version="1.0" encoding="utf-8"?>
+<Control xmlns="http://schemas.microsoft.com/VisualStudio/2011/storyboarding/control">
+  <Id Name="System.Storyboarding.Annotation.CallOut" Revision="1" Stencil="System.Storyboarding.Annotation" StencilVersion="0.1"/>
+</Control>
+</file>
+
+<file path=customXml/item186.xml><?xml version="1.0" encoding="utf-8"?>
+<Control xmlns="http://schemas.microsoft.com/VisualStudio/2011/storyboarding/control">
+  <Id Name="System.Storyboarding.WindowsApps.WindowsAppsTileMedium" Revision="1" Stencil="System.Storyboarding.WindowsApps" StencilVersion="0.1"/>
+</Control>
+</file>
+
+<file path=customXml/item187.xml><?xml version="1.0" encoding="utf-8"?>
+<Control xmlns="http://schemas.microsoft.com/VisualStudio/2011/storyboarding/control">
+  <Id Name="System.Storyboarding.WindowsApps.WindowsAppsEditBox" Revision="1" Stencil="System.Storyboarding.WindowsApps" StencilVersion="0.1"/>
+</Control>
+</file>
+
+<file path=customXml/item188.xml><?xml version="1.0" encoding="utf-8"?>
+<Control xmlns="http://schemas.microsoft.com/VisualStudio/2011/storyboarding/control">
+  <Id Name="System.Storyboarding.WindowsApps.WindowsAppsEditBox" Revision="1" Stencil="System.Storyboarding.WindowsApps" StencilVersion="0.1"/>
+</Control>
+</file>
+
+<file path=customXml/item189.xml><?xml version="1.0" encoding="utf-8"?>
+<Control xmlns="http://schemas.microsoft.com/VisualStudio/2011/storyboarding/control">
+  <Id Name="System.Storyboarding.WindowsApps.WindowsAppsButton" Revision="1" Stencil="System.Storyboarding.WindowsApps" StencilVersion="0.1"/>
+</Control>
+</file>
+
+<file path=customXml/item19.xml><?xml version="1.0" encoding="utf-8"?>
+<Control xmlns="http://schemas.microsoft.com/VisualStudio/2011/storyboarding/control">
+  <Id Name="System.Storyboarding.Annotation.StickyNote" Revision="1" Stencil="System.Storyboarding.Annotation" StencilVersion="0.1"/>
+</Control>
+</file>
+
+<file path=customXml/item190.xml><?xml version="1.0" encoding="utf-8"?>
+<Control xmlns="http://schemas.microsoft.com/VisualStudio/2011/storyboarding/control">
+  <Id Name="System.Storyboarding.WindowsAppIcons.Games" Revision="1" Stencil="System.Storyboarding.WindowsAppIcons" StencilVersion="0.1"/>
+</Control>
+</file>
+
+<file path=customXml/item191.xml><?xml version="1.0" encoding="utf-8"?>
+<Control xmlns="http://schemas.microsoft.com/VisualStudio/2011/storyboarding/control">
+  <Id Name="System.Storyboarding.Common.CheckBoxChecked" Revision="1" Stencil="System.Storyboarding.Common" StencilVersion="0.1"/>
+</Control>
+</file>
+
+<file path=customXml/item192.xml><?xml version="1.0" encoding="utf-8"?>
+<Control xmlns="http://schemas.microsoft.com/VisualStudio/2011/storyboarding/control">
+  <Id Name="System.Storyboarding.Common.CheckBoxUnchecked" Revision="1" Stencil="System.Storyboarding.Common" StencilVersion="0.1"/>
+</Control>
+</file>
+
+<file path=customXml/item193.xml><?xml version="1.0" encoding="utf-8"?>
+<Control xmlns="http://schemas.microsoft.com/VisualStudio/2011/storyboarding/control">
+  <Id Name="System.Storyboarding.WindowsApps.WindowsAppsEditBox" Revision="1" Stencil="System.Storyboarding.WindowsApps" StencilVersion="0.1"/>
+</Control>
+</file>
+
+<file path=customXml/item194.xml><?xml version="1.0" encoding="utf-8"?>
+<Control xmlns="http://schemas.microsoft.com/VisualStudio/2011/storyboarding/control">
+  <Id Name="System.Storyboarding.WindowsApps.WindowsAppsTileMedium" Revision="1" Stencil="System.Storyboarding.WindowsApps" StencilVersion="0.1"/>
+</Control>
+</file>
+
+<file path=customXml/item195.xml><?xml version="1.0" encoding="utf-8"?>
+<Control xmlns="http://schemas.microsoft.com/VisualStudio/2011/storyboarding/control">
+  <Id Name="System.Storyboarding.Annotation.CallOut" Revision="1" Stencil="System.Storyboarding.Annotation" StencilVersion="0.1"/>
+</Control>
+</file>
+
+<file path=customXml/item196.xml><?xml version="1.0" encoding="utf-8"?>
+<Control xmlns="http://schemas.microsoft.com/VisualStudio/2011/storyboarding/control">
+  <Id Name="System.Storyboarding.Annotation.StickyNote" Revision="1" Stencil="System.Storyboarding.Annotation" StencilVersion="0.1"/>
+</Control>
+</file>
+
+<file path=customXml/item197.xml><?xml version="1.0" encoding="utf-8"?>
+<Control xmlns="http://schemas.microsoft.com/VisualStudio/2011/storyboarding/control">
+  <Id Name="System.Storyboarding.Annotation.CallOut" Revision="1" Stencil="System.Storyboarding.Annotation" StencilVersion="0.1"/>
+</Control>
+</file>
+
+<file path=customXml/item198.xml><?xml version="1.0" encoding="utf-8"?>
+<Control xmlns="http://schemas.microsoft.com/VisualStudio/2011/storyboarding/control">
+  <Id Name="System.Storyboarding.Annotation.CallOut" Revision="1" Stencil="System.Storyboarding.Annotation" StencilVersion="0.1"/>
+</Control>
+</file>
+
+<file path=customXml/item199.xml><?xml version="1.0" encoding="utf-8"?>
+<Control xmlns="http://schemas.microsoft.com/VisualStudio/2011/storyboarding/control">
+  <Id Name="fd7d7bed-114e-464c-a4f1-01a512005949" Revision="1" Stencil="System.MyShapes" StencilVersion="1.0"/>
+</Control>
+</file>
+
+<file path=customXml/item2.xml><?xml version="1.0" encoding="utf-8"?>
+<Control xmlns="http://schemas.microsoft.com/VisualStudio/2011/storyboarding/control">
+  <Id Name="System.Storyboarding.WindowsApps.WindowsAppsTileMedium" Revision="1" Stencil="System.Storyboarding.WindowsApps" StencilVersion="0.1"/>
+</Control>
+</file>
+
+<file path=customXml/item20.xml><?xml version="1.0" encoding="utf-8"?>
+<Control xmlns="http://schemas.microsoft.com/VisualStudio/2011/storyboarding/control">
+  <Id Name="System.Storyboarding.Annotation.CallOut" Revision="1" Stencil="System.Storyboarding.Annotation" StencilVersion="0.1"/>
+</Control>
+</file>
+
+<file path=customXml/item200.xml><?xml version="1.0" encoding="utf-8"?>
+<Control xmlns="http://schemas.microsoft.com/VisualStudio/2011/storyboarding/control">
+  <Id Name="System.Storyboarding.WindowsApps.WindowsAppsTileMedium" Revision="1" Stencil="System.Storyboarding.WindowsApps" StencilVersion="0.1"/>
+</Control>
+</file>
+
+<file path=customXml/item201.xml><?xml version="1.0" encoding="utf-8"?>
+<Control xmlns="http://schemas.microsoft.com/VisualStudio/2011/storyboarding/control">
+  <Id Name="System.Storyboarding.Annotation.CallOut" Revision="1" Stencil="System.Storyboarding.Annotation" StencilVersion="0.1"/>
+</Control>
+</file>
+
+<file path=customXml/item202.xml><?xml version="1.0" encoding="utf-8"?>
+<Control xmlns="http://schemas.microsoft.com/VisualStudio/2011/storyboarding/control">
+  <Id Name="fd7d7bed-114e-464c-a4f1-01a512005949" Revision="1" Stencil="System.MyShapes" StencilVersion="1.0"/>
+</Control>
+</file>
+
+<file path=customXml/item203.xml><?xml version="1.0" encoding="utf-8"?>
+<Control xmlns="http://schemas.microsoft.com/VisualStudio/2011/storyboarding/control">
+  <Id Name="System.Storyboarding.WindowsApps.WindowsAppsButton" Revision="1" Stencil="System.Storyboarding.WindowsApps" StencilVersion="0.1"/>
+</Control>
+</file>
+
+<file path=customXml/item204.xml><?xml version="1.0" encoding="utf-8"?>
+<Control xmlns="http://schemas.microsoft.com/VisualStudio/2011/storyboarding/control">
+  <Id Name="System.Storyboarding.WindowsApps.WindowsAppsButton" Revision="1" Stencil="System.Storyboarding.WindowsApps" StencilVersion="0.1"/>
+</Control>
+</file>
+
+<file path=customXml/item205.xml><?xml version="1.0" encoding="utf-8"?>
+<Control xmlns="http://schemas.microsoft.com/VisualStudio/2011/storyboarding/control">
+  <Id Name="fd7d7bed-114e-464c-a4f1-01a512005949" Revision="1" Stencil="System.MyShapes" StencilVersion="1.0"/>
+</Control>
+</file>
+
+<file path=customXml/item206.xml><?xml version="1.0" encoding="utf-8"?>
+<Control xmlns="http://schemas.microsoft.com/VisualStudio/2011/storyboarding/control">
+  <Id Name="System.Storyboarding.Annotation.CallOut" Revision="1" Stencil="System.Storyboarding.Annotation" StencilVersion="0.1"/>
+</Control>
+</file>
+
+<file path=customXml/item207.xml><?xml version="1.0" encoding="utf-8"?>
+<Control xmlns="http://schemas.microsoft.com/VisualStudio/2011/storyboarding/control">
+  <Id Name="System.Storyboarding.WindowsApps.WindowsAppsTileMedium" Revision="1" Stencil="System.Storyboarding.WindowsApps" StencilVersion="0.1"/>
+</Control>
+</file>
+
+<file path=customXml/item208.xml><?xml version="1.0" encoding="utf-8"?>
+<Control xmlns="http://schemas.microsoft.com/VisualStudio/2011/storyboarding/control">
+  <Id Name="System.Storyboarding.WindowsApps.WindowsAppsEditBox" Revision="1" Stencil="System.Storyboarding.WindowsApps" StencilVersion="0.1"/>
+</Control>
+</file>
+
+<file path=customXml/item209.xml><?xml version="1.0" encoding="utf-8"?>
+<Control xmlns="http://schemas.microsoft.com/VisualStudio/2011/storyboarding/control">
+  <Id Name="System.Storyboarding.WindowsApps.WindowsAppsButton" Revision="1" Stencil="System.Storyboarding.WindowsApps" StencilVersion="0.1"/>
+</Control>
+</file>
+
+<file path=customXml/item21.xml><?xml version="1.0" encoding="utf-8"?>
+<Control xmlns="http://schemas.microsoft.com/VisualStudio/2011/storyboarding/control">
+  <Id Name="System.Storyboarding.Common.CheckBoxUnchecked" Revision="1" Stencil="System.Storyboarding.Common" StencilVersion="0.1"/>
+</Control>
+</file>
+
+<file path=customXml/item210.xml><?xml version="1.0" encoding="utf-8"?>
+<Control xmlns="http://schemas.microsoft.com/VisualStudio/2011/storyboarding/control">
+  <Id Name="System.Storyboarding.WindowsApps.WindowsAppsButton" Revision="1" Stencil="System.Storyboarding.WindowsApps" StencilVersion="0.1"/>
+</Control>
+</file>
+
+<file path=customXml/item211.xml><?xml version="1.0" encoding="utf-8"?>
+<Control xmlns="http://schemas.microsoft.com/VisualStudio/2011/storyboarding/control">
+  <Id Name="System.Storyboarding.WindowsApps.WindowsAppsEditBox" Revision="1" Stencil="System.Storyboarding.WindowsApps" StencilVersion="0.1"/>
+</Control>
+</file>
+
+<file path=customXml/item212.xml><?xml version="1.0" encoding="utf-8"?>
+<Control xmlns="http://schemas.microsoft.com/VisualStudio/2011/storyboarding/control">
+  <Id Name="System.Storyboarding.Annotation.CallOut" Revision="1" Stencil="System.Storyboarding.Annotation" StencilVersion="0.1"/>
+</Control>
+</file>
+
+<file path=customXml/item213.xml><?xml version="1.0" encoding="utf-8"?>
+<Control xmlns="http://schemas.microsoft.com/VisualStudio/2011/storyboarding/control">
+  <Id Name="System.Storyboarding.Annotation.CallOut" Revision="1" Stencil="System.Storyboarding.Annotation" StencilVersion="0.1"/>
+</Control>
+</file>
+
+<file path=customXml/item214.xml><?xml version="1.0" encoding="utf-8"?>
+<Control xmlns="http://schemas.microsoft.com/VisualStudio/2011/storyboarding/control">
+  <Id Name="fd7d7bed-114e-464c-a4f1-01a512005949" Revision="1" Stencil="System.MyShapes" StencilVersion="1.0"/>
+</Control>
+</file>
+
+<file path=customXml/item215.xml><?xml version="1.0" encoding="utf-8"?>
+<Control xmlns="http://schemas.microsoft.com/VisualStudio/2011/storyboarding/control">
+  <Id Name="fd7d7bed-114e-464c-a4f1-01a512005949" Revision="1" Stencil="System.MyShapes" StencilVersion="1.0"/>
+</Control>
+</file>
+
+<file path=customXml/item216.xml><?xml version="1.0" encoding="utf-8"?>
+<Control xmlns="http://schemas.microsoft.com/VisualStudio/2011/storyboarding/control">
+  <Id Name="System.Storyboarding.WindowsApps.WindowsAppsTileMedium" Revision="1" Stencil="System.Storyboarding.WindowsApps" StencilVersion="0.1"/>
+</Control>
+</file>
+
+<file path=customXml/item217.xml><?xml version="1.0" encoding="utf-8"?>
+<Control xmlns="http://schemas.microsoft.com/VisualStudio/2011/storyboarding/control">
+  <Id Name="fd7d7bed-114e-464c-a4f1-01a512005949" Revision="1" Stencil="System.MyShapes" StencilVersion="1.0"/>
+</Control>
+</file>
+
+<file path=customXml/item218.xml><?xml version="1.0" encoding="utf-8"?>
+<Control xmlns="http://schemas.microsoft.com/VisualStudio/2011/storyboarding/control">
+  <Id Name="System.Storyboarding.WindowsApps.WindowsAppsTileMedium" Revision="1" Stencil="System.Storyboarding.WindowsApps" StencilVersion="0.1"/>
+</Control>
+</file>
+
+<file path=customXml/item219.xml><?xml version="1.0" encoding="utf-8"?>
+<Control xmlns="http://schemas.microsoft.com/VisualStudio/2011/storyboarding/control">
+  <Id Name="System.Storyboarding.WindowsApps.WindowsAppsButton" Revision="1" Stencil="System.Storyboarding.WindowsApps" StencilVersion="0.1"/>
+</Control>
+</file>
+
+<file path=customXml/item22.xml><?xml version="1.0" encoding="utf-8"?>
+<Control xmlns="http://schemas.microsoft.com/VisualStudio/2011/storyboarding/control">
+  <Id Name="System.Storyboarding.Common.CheckBoxUnchecked" Revision="1" Stencil="System.Storyboarding.Common" StencilVersion="0.1"/>
+</Control>
+</file>
+
+<file path=customXml/item220.xml><?xml version="1.0" encoding="utf-8"?>
+<Control xmlns="http://schemas.microsoft.com/VisualStudio/2011/storyboarding/control">
+  <Id Name="System.Storyboarding.Common.CheckBoxUnchecked" Revision="1" Stencil="System.Storyboarding.Common" StencilVersion="0.1"/>
+</Control>
+</file>
+
+<file path=customXml/item221.xml><?xml version="1.0" encoding="utf-8"?>
+<Control xmlns="http://schemas.microsoft.com/VisualStudio/2011/storyboarding/control">
+  <Id Name="fd7d7bed-114e-464c-a4f1-01a512005949" Revision="1" Stencil="System.MyShapes" StencilVersion="1.0"/>
+</Control>
+</file>
+
+<file path=customXml/item222.xml><?xml version="1.0" encoding="utf-8"?>
+<Control xmlns="http://schemas.microsoft.com/VisualStudio/2011/storyboarding/control">
+  <Id Name="System.Storyboarding.Common.CheckBoxUnchecked" Revision="1" Stencil="System.Storyboarding.Common" StencilVersion="0.1"/>
+</Control>
+</file>
+
+<file path=customXml/item223.xml><?xml version="1.0" encoding="utf-8"?>
+<Control xmlns="http://schemas.microsoft.com/VisualStudio/2011/storyboarding/control">
+  <Id Name="System.Storyboarding.WindowsAppIcons.Games" Revision="1" Stencil="System.Storyboarding.WindowsAppIcons" StencilVersion="0.1"/>
+</Control>
+</file>
+
+<file path=customXml/item224.xml><?xml version="1.0" encoding="utf-8"?>
+<Control xmlns="http://schemas.microsoft.com/VisualStudio/2011/storyboarding/control">
+  <Id Name="System.Storyboarding.WindowsApps.WindowsAppsButton" Revision="1" Stencil="System.Storyboarding.WindowsApps" StencilVersion="0.1"/>
+</Control>
+</file>
+
+<file path=customXml/item225.xml><?xml version="1.0" encoding="utf-8"?>
+<Control xmlns="http://schemas.microsoft.com/VisualStudio/2011/storyboarding/control">
+  <Id Name="System.Storyboarding.WindowsApps.WindowsAppsTileMedium" Revision="1" Stencil="System.Storyboarding.WindowsApps" StencilVersion="0.1"/>
+</Control>
+</file>
+
+<file path=customXml/item226.xml><?xml version="1.0" encoding="utf-8"?>
+<Control xmlns="http://schemas.microsoft.com/VisualStudio/2011/storyboarding/control">
+  <Id Name="System.Storyboarding.WindowsApps.WindowsAppsTileMedium" Revision="1" Stencil="System.Storyboarding.WindowsApps" StencilVersion="0.1"/>
+</Control>
+</file>
+
+<file path=customXml/item227.xml><?xml version="1.0" encoding="utf-8"?>
+<Control xmlns="http://schemas.microsoft.com/VisualStudio/2011/storyboarding/control">
+  <Id Name="fd7d7bed-114e-464c-a4f1-01a512005949" Revision="1" Stencil="System.MyShapes" StencilVersion="1.0"/>
+</Control>
+</file>
+
+<file path=customXml/item228.xml><?xml version="1.0" encoding="utf-8"?>
+<Control xmlns="http://schemas.microsoft.com/VisualStudio/2011/storyboarding/control">
+  <Id Name="fd7d7bed-114e-464c-a4f1-01a512005949" Revision="1" Stencil="System.MyShapes" StencilVersion="1.0"/>
+</Control>
+</file>
+
+<file path=customXml/item229.xml><?xml version="1.0" encoding="utf-8"?>
+<Control xmlns="http://schemas.microsoft.com/VisualStudio/2011/storyboarding/control">
+  <Id Name="System.Storyboarding.Annotation.CallOut" Revision="1" Stencil="System.Storyboarding.Annotation" StencilVersion="0.1"/>
+</Control>
+</file>
+
+<file path=customXml/item23.xml><?xml version="1.0" encoding="utf-8"?>
+<Control xmlns="http://schemas.microsoft.com/VisualStudio/2011/storyboarding/control">
+  <Id Name="System.Storyboarding.Annotation.CallOut" Revision="1" Stencil="System.Storyboarding.Annotation" StencilVersion="0.1"/>
+</Control>
+</file>
+
+<file path=customXml/item230.xml><?xml version="1.0" encoding="utf-8"?>
+<Control xmlns="http://schemas.microsoft.com/VisualStudio/2011/storyboarding/control">
+  <Id Name="System.Storyboarding.WindowsApps.WindowsAppsTileMedium" Revision="1" Stencil="System.Storyboarding.WindowsApps" StencilVersion="0.1"/>
+</Control>
+</file>
+
+<file path=customXml/item231.xml><?xml version="1.0" encoding="utf-8"?>
+<Control xmlns="http://schemas.microsoft.com/VisualStudio/2011/storyboarding/control">
+  <Id Name="System.Storyboarding.WindowsApps.WindowsAppsButton" Revision="1" Stencil="System.Storyboarding.WindowsApps" StencilVersion="0.1"/>
+</Control>
+</file>
+
+<file path=customXml/item232.xml><?xml version="1.0" encoding="utf-8"?>
+<Control xmlns="http://schemas.microsoft.com/VisualStudio/2011/storyboarding/control">
+  <Id Name="fd7d7bed-114e-464c-a4f1-01a512005949" Revision="1" Stencil="System.MyShapes" StencilVersion="1.0"/>
+</Control>
+</file>
+
+<file path=customXml/item233.xml><?xml version="1.0" encoding="utf-8"?>
+<Control xmlns="http://schemas.microsoft.com/VisualStudio/2011/storyboarding/control">
+  <Id Name="System.Storyboarding.Annotation.CallOut" Revision="1" Stencil="System.Storyboarding.Annotation" StencilVersion="0.1"/>
+</Control>
+</file>
+
+<file path=customXml/item234.xml><?xml version="1.0" encoding="utf-8"?>
+<Control xmlns="http://schemas.microsoft.com/VisualStudio/2011/storyboarding/control">
+  <Id Name="System.Storyboarding.WindowsApps.WindowsAppsTileMedium" Revision="1" Stencil="System.Storyboarding.WindowsApps" StencilVersion="0.1"/>
+</Control>
+</file>
+
+<file path=customXml/item235.xml><?xml version="1.0" encoding="utf-8"?>
+<Control xmlns="http://schemas.microsoft.com/VisualStudio/2011/storyboarding/control">
+  <Id Name="System.Storyboarding.Annotation.AnimatedRectangleCallout" Revision="1" Stencil="System.Storyboarding.Annotation" StencilVersion="0.1"/>
+</Control>
+</file>
+
+<file path=customXml/item236.xml><?xml version="1.0" encoding="utf-8"?>
+<Control xmlns="http://schemas.microsoft.com/VisualStudio/2011/storyboarding/control">
+  <Id Name="System.Storyboarding.WindowsApps.WindowsAppsButton" Revision="1" Stencil="System.Storyboarding.WindowsApps" StencilVersion="0.1"/>
+</Control>
+</file>
+
+<file path=customXml/item237.xml><?xml version="1.0" encoding="utf-8"?>
+<Control xmlns="http://schemas.microsoft.com/VisualStudio/2011/storyboarding/control">
+  <Id Name="System.Storyboarding.Icons.CurvedArrow" Revision="1" Stencil="System.Storyboarding.Icons" StencilVersion="0.1"/>
+</Control>
+</file>
+
+<file path=customXml/item238.xml><?xml version="1.0" encoding="utf-8"?>
+<Control xmlns="http://schemas.microsoft.com/VisualStudio/2011/storyboarding/control">
+  <Id Name="System.Storyboarding.WindowsApps.WindowsAppsButton" Revision="1" Stencil="System.Storyboarding.WindowsApps" StencilVersion="0.1"/>
+</Control>
+</file>
+
+<file path=customXml/item239.xml><?xml version="1.0" encoding="utf-8"?>
+<Control xmlns="http://schemas.microsoft.com/VisualStudio/2011/storyboarding/control">
+  <Id Name="System.Storyboarding.Annotation.AnimatedRectangleCallout" Revision="1" Stencil="System.Storyboarding.Annotation" StencilVersion="0.1"/>
+</Control>
+</file>
+
+<file path=customXml/item24.xml><?xml version="1.0" encoding="utf-8"?>
+<Control xmlns="http://schemas.microsoft.com/VisualStudio/2011/storyboarding/control">
+  <Id Name="System.Storyboarding.WindowsApps.WindowsAppsEditBox" Revision="1" Stencil="System.Storyboarding.WindowsApps" StencilVersion="0.1"/>
+</Control>
+</file>
+
+<file path=customXml/item240.xml><?xml version="1.0" encoding="utf-8"?>
+<Control xmlns="http://schemas.microsoft.com/VisualStudio/2011/storyboarding/control">
+  <Id Name="System.Storyboarding.WindowsApps.WindowsAppsTileMedium" Revision="1" Stencil="System.Storyboarding.WindowsApps" StencilVersion="0.1"/>
+</Control>
+</file>
+
+<file path=customXml/item241.xml><?xml version="1.0" encoding="utf-8"?>
+<Control xmlns="http://schemas.microsoft.com/VisualStudio/2011/storyboarding/control">
+  <Id Name="System.Storyboarding.WindowsApps.WindowsAppsTileMedium" Revision="1" Stencil="System.Storyboarding.WindowsApps" StencilVersion="0.1"/>
+</Control>
+</file>
+
+<file path=customXml/item242.xml><?xml version="1.0" encoding="utf-8"?>
+<Control xmlns="http://schemas.microsoft.com/VisualStudio/2011/storyboarding/control">
+  <Id Name="fd7d7bed-114e-464c-a4f1-01a512005949" Revision="1" Stencil="System.MyShapes" StencilVersion="1.0"/>
+</Control>
+</file>
+
+<file path=customXml/item243.xml><?xml version="1.0" encoding="utf-8"?>
+<Control xmlns="http://schemas.microsoft.com/VisualStudio/2011/storyboarding/control">
+  <Id Name="fd7d7bed-114e-464c-a4f1-01a512005949" Revision="1" Stencil="System.MyShapes" StencilVersion="1.0"/>
+</Control>
+</file>
+
+<file path=customXml/item244.xml><?xml version="1.0" encoding="utf-8"?>
+<Control xmlns="http://schemas.microsoft.com/VisualStudio/2011/storyboarding/control">
+  <Id Name="System.Storyboarding.Annotation.CallOut" Revision="1" Stencil="System.Storyboarding.Annotation" StencilVersion="0.1"/>
+</Control>
+</file>
+
+<file path=customXml/item245.xml><?xml version="1.0" encoding="utf-8"?>
+<Control xmlns="http://schemas.microsoft.com/VisualStudio/2011/storyboarding/control">
+  <Id Name="fd7d7bed-114e-464c-a4f1-01a512005949" Revision="1" Stencil="System.MyShapes" StencilVersion="1.0"/>
+</Control>
+</file>
+
+<file path=customXml/item246.xml><?xml version="1.0" encoding="utf-8"?>
+<Control xmlns="http://schemas.microsoft.com/VisualStudio/2011/storyboarding/control">
+  <Id Name="System.Storyboarding.WindowsApps.WindowsAppsEditBox" Revision="1" Stencil="System.Storyboarding.WindowsApps" StencilVersion="0.1"/>
+</Control>
+</file>
+
+<file path=customXml/item247.xml><?xml version="1.0" encoding="utf-8"?>
+<Control xmlns="http://schemas.microsoft.com/VisualStudio/2011/storyboarding/control">
+  <Id Name="fd7d7bed-114e-464c-a4f1-01a512005949" Revision="1" Stencil="System.MyShapes" StencilVersion="1.0"/>
+</Control>
+</file>
+
+<file path=customXml/item248.xml><?xml version="1.0" encoding="utf-8"?>
+<Control xmlns="http://schemas.microsoft.com/VisualStudio/2011/storyboarding/control">
+  <Id Name="fd7d7bed-114e-464c-a4f1-01a512005949" Revision="1" Stencil="System.MyShapes" StencilVersion="1.0"/>
+</Control>
+</file>
+
+<file path=customXml/item249.xml><?xml version="1.0" encoding="utf-8"?>
+<Control xmlns="http://schemas.microsoft.com/VisualStudio/2011/storyboarding/control">
+  <Id Name="fd7d7bed-114e-464c-a4f1-01a512005949" Revision="1" Stencil="System.MyShapes" StencilVersion="1.0"/>
+</Control>
+</file>
+
+<file path=customXml/item25.xml><?xml version="1.0" encoding="utf-8"?>
+<Control xmlns="http://schemas.microsoft.com/VisualStudio/2011/storyboarding/control">
+  <Id Name="System.Storyboarding.WindowsApps.WindowsAppsTileMedium" Revision="1" Stencil="System.Storyboarding.WindowsApps" StencilVersion="0.1"/>
+</Control>
+</file>
+
+<file path=customXml/item250.xml><?xml version="1.0" encoding="utf-8"?>
+<Control xmlns="http://schemas.microsoft.com/VisualStudio/2011/storyboarding/control">
+  <Id Name="fd7d7bed-114e-464c-a4f1-01a512005949" Revision="1" Stencil="System.MyShapes" StencilVersion="1.0"/>
+</Control>
+</file>
+
+<file path=customXml/item251.xml><?xml version="1.0" encoding="utf-8"?>
+<Control xmlns="http://schemas.microsoft.com/VisualStudio/2011/storyboarding/control">
+  <Id Name="System.Storyboarding.WindowsApps.WindowsAppsTileMedium" Revision="1" Stencil="System.Storyboarding.WindowsApps" StencilVersion="0.1"/>
+</Control>
+</file>
+
+<file path=customXml/item252.xml><?xml version="1.0" encoding="utf-8"?>
+<Control xmlns="http://schemas.microsoft.com/VisualStudio/2011/storyboarding/control">
+  <Id Name="System.Storyboarding.Annotation.CallOut" Revision="1" Stencil="System.Storyboarding.Annotation" StencilVersion="0.1"/>
+</Control>
+</file>
+
+<file path=customXml/item253.xml><?xml version="1.0" encoding="utf-8"?>
+<Control xmlns="http://schemas.microsoft.com/VisualStudio/2011/storyboarding/control">
+  <Id Name="System.Storyboarding.WindowsApps.WindowsAppsButton" Revision="1" Stencil="System.Storyboarding.WindowsApps" StencilVersion="0.1"/>
+</Control>
+</file>
+
+<file path=customXml/item254.xml><?xml version="1.0" encoding="utf-8"?>
+<Control xmlns="http://schemas.microsoft.com/VisualStudio/2011/storyboarding/control">
+  <Id Name="System.Storyboarding.Backgrounds.WindowsPhone" Revision="1" Stencil="System.Storyboarding.Backgrounds" StencilVersion="0.1"/>
+</Control>
+</file>
+
+<file path=customXml/item255.xml><?xml version="1.0" encoding="utf-8"?>
+<Control xmlns="http://schemas.microsoft.com/VisualStudio/2011/storyboarding/control">
+  <Id Name="System.Storyboarding.WindowsApps.WindowsAppsButton" Revision="1" Stencil="System.Storyboarding.WindowsApps" StencilVersion="0.1"/>
+</Control>
+</file>
+
+<file path=customXml/item256.xml><?xml version="1.0" encoding="utf-8"?>
+<Control xmlns="http://schemas.microsoft.com/VisualStudio/2011/storyboarding/control">
+  <Id Name="System.Storyboarding.WindowsApps.WindowsAppsTileMedium" Revision="1" Stencil="System.Storyboarding.WindowsApps" StencilVersion="0.1"/>
+</Control>
+</file>
+
+<file path=customXml/item257.xml><?xml version="1.0" encoding="utf-8"?>
+<Control xmlns="http://schemas.microsoft.com/VisualStudio/2011/storyboarding/control">
+  <Id Name="System.Storyboarding.WindowsApps.WindowsAppsTileMedium" Revision="1" Stencil="System.Storyboarding.WindowsApps" StencilVersion="0.1"/>
+</Control>
+</file>
+
+<file path=customXml/item258.xml><?xml version="1.0" encoding="utf-8"?>
+<Control xmlns="http://schemas.microsoft.com/VisualStudio/2011/storyboarding/control">
+  <Id Name="System.Storyboarding.Annotation.CallOut" Revision="1" Stencil="System.Storyboarding.Annotation" StencilVersion="0.1"/>
+</Control>
+</file>
+
+<file path=customXml/item259.xml><?xml version="1.0" encoding="utf-8"?>
+<Control xmlns="http://schemas.microsoft.com/VisualStudio/2011/storyboarding/control">
+  <Id Name="System.Storyboarding.Annotation.CallOut" Revision="1" Stencil="System.Storyboarding.Annotation" StencilVersion="0.1"/>
+</Control>
+</file>
+
+<file path=customXml/item26.xml><?xml version="1.0" encoding="utf-8"?>
+<Control xmlns="http://schemas.microsoft.com/VisualStudio/2011/storyboarding/control">
+  <Id Name="System.Storyboarding.WindowsApps.WindowsAppsButton" Revision="1" Stencil="System.Storyboarding.WindowsApps" StencilVersion="0.1"/>
+</Control>
+</file>
+
+<file path=customXml/item260.xml><?xml version="1.0" encoding="utf-8"?>
+<Control xmlns="http://schemas.microsoft.com/VisualStudio/2011/storyboarding/control">
+  <Id Name="fd7d7bed-114e-464c-a4f1-01a512005949" Revision="1" Stencil="System.MyShapes" StencilVersion="1.0"/>
+</Control>
+</file>
+
+<file path=customXml/item261.xml><?xml version="1.0" encoding="utf-8"?>
+<Control xmlns="http://schemas.microsoft.com/VisualStudio/2011/storyboarding/control">
+  <Id Name="System.Storyboarding.Annotation.CallOut" Revision="1" Stencil="System.Storyboarding.Annotation" StencilVersion="0.1"/>
+</Control>
+</file>
+
+<file path=customXml/item262.xml><?xml version="1.0" encoding="utf-8"?>
+<Control xmlns="http://schemas.microsoft.com/VisualStudio/2011/storyboarding/control">
+  <Id Name="System.Storyboarding.Common.CheckBoxChecked" Revision="1" Stencil="System.Storyboarding.Common" StencilVersion="0.1"/>
+</Control>
+</file>
+
+<file path=customXml/item263.xml><?xml version="1.0" encoding="utf-8"?>
+<Control xmlns="http://schemas.microsoft.com/VisualStudio/2011/storyboarding/control">
+  <Id Name="System.Storyboarding.WindowsApps.WindowsAppsTileMedium" Revision="1" Stencil="System.Storyboarding.WindowsApps" StencilVersion="0.1"/>
+</Control>
+</file>
+
+<file path=customXml/item264.xml><?xml version="1.0" encoding="utf-8"?>
+<Control xmlns="http://schemas.microsoft.com/VisualStudio/2011/storyboarding/control">
+  <Id Name="System.Storyboarding.WindowsApps.WindowsAppsTileMedium" Revision="1" Stencil="System.Storyboarding.WindowsApps" StencilVersion="0.1"/>
+</Control>
+</file>
+
+<file path=customXml/item265.xml><?xml version="1.0" encoding="utf-8"?>
+<Control xmlns="http://schemas.microsoft.com/VisualStudio/2011/storyboarding/control">
+  <Id Name="System.Storyboarding.WindowsApps.WindowsAppsTileMedium" Revision="1" Stencil="System.Storyboarding.WindowsApps" StencilVersion="0.1"/>
+</Control>
+</file>
+
+<file path=customXml/item266.xml><?xml version="1.0" encoding="utf-8"?>
+<Control xmlns="http://schemas.microsoft.com/VisualStudio/2011/storyboarding/control">
+  <Id Name="System.Storyboarding.Annotation.CallOut" Revision="1" Stencil="System.Storyboarding.Annotation" StencilVersion="0.1"/>
+</Control>
+</file>
+
+<file path=customXml/item267.xml><?xml version="1.0" encoding="utf-8"?>
+<Control xmlns="http://schemas.microsoft.com/VisualStudio/2011/storyboarding/control">
+  <Id Name="System.Storyboarding.Annotation.CallOut" Revision="1" Stencil="System.Storyboarding.Annotation" StencilVersion="0.1"/>
+</Control>
+</file>
+
+<file path=customXml/item268.xml><?xml version="1.0" encoding="utf-8"?>
+<Control xmlns="http://schemas.microsoft.com/VisualStudio/2011/storyboarding/control">
+  <Id Name="fd7d7bed-114e-464c-a4f1-01a512005949" Revision="1" Stencil="System.MyShapes" StencilVersion="1.0"/>
+</Control>
+</file>
+
+<file path=customXml/item269.xml><?xml version="1.0" encoding="utf-8"?>
+<Control xmlns="http://schemas.microsoft.com/VisualStudio/2011/storyboarding/control">
+  <Id Name="fd7d7bed-114e-464c-a4f1-01a512005949" Revision="1" Stencil="System.MyShapes" StencilVersion="1.0"/>
+</Control>
+</file>
+
+<file path=customXml/item27.xml><?xml version="1.0" encoding="utf-8"?>
+<Control xmlns="http://schemas.microsoft.com/VisualStudio/2011/storyboarding/control">
+  <Id Name="System.Storyboarding.WindowsApps.WindowsAppsTileMedium" Revision="1" Stencil="System.Storyboarding.WindowsApps" StencilVersion="0.1"/>
+</Control>
+</file>
+
+<file path=customXml/item270.xml><?xml version="1.0" encoding="utf-8"?>
+<Control xmlns="http://schemas.microsoft.com/VisualStudio/2011/storyboarding/control">
+  <Id Name="System.Storyboarding.Annotation.CallOut" Revision="1" Stencil="System.Storyboarding.Annotation" StencilVersion="0.1"/>
+</Control>
+</file>
+
+<file path=customXml/item271.xml><?xml version="1.0" encoding="utf-8"?>
+<Control xmlns="http://schemas.microsoft.com/VisualStudio/2011/storyboarding/control">
+  <Id Name="System.Storyboarding.WindowsApps.WindowsAppsButton" Revision="1" Stencil="System.Storyboarding.WindowsApps" StencilVersion="0.1"/>
+</Control>
+</file>
+
+<file path=customXml/item272.xml><?xml version="1.0" encoding="utf-8"?>
+<Control xmlns="http://schemas.microsoft.com/VisualStudio/2011/storyboarding/control">
+  <Id Name="System.Storyboarding.WindowsApps.WindowsAppsEditBox" Revision="1" Stencil="System.Storyboarding.WindowsApps" StencilVersion="0.1"/>
+</Control>
+</file>
+
+<file path=customXml/item273.xml><?xml version="1.0" encoding="utf-8"?>
+<Control xmlns="http://schemas.microsoft.com/VisualStudio/2011/storyboarding/control">
+  <Id Name="fd7d7bed-114e-464c-a4f1-01a512005949" Revision="1" Stencil="System.MyShapes" StencilVersion="1.0"/>
+</Control>
+</file>
+
+<file path=customXml/item274.xml><?xml version="1.0" encoding="utf-8"?>
+<Control xmlns="http://schemas.microsoft.com/VisualStudio/2011/storyboarding/control">
+  <Id Name="System.Storyboarding.Icons.Warning" Revision="1" Stencil="System.Storyboarding.Icons" StencilVersion="0.1"/>
+</Control>
+</file>
+
+<file path=customXml/item275.xml><?xml version="1.0" encoding="utf-8"?>
+<Control xmlns="http://schemas.microsoft.com/VisualStudio/2011/storyboarding/control">
+  <Id Name="fd7d7bed-114e-464c-a4f1-01a512005949" Revision="1" Stencil="System.MyShapes" StencilVersion="1.0"/>
+</Control>
+</file>
+
+<file path=customXml/item276.xml><?xml version="1.0" encoding="utf-8"?>
+<Control xmlns="http://schemas.microsoft.com/VisualStudio/2011/storyboarding/control">
+  <Id Name="System.Storyboarding.Annotation.CallOut" Revision="1" Stencil="System.Storyboarding.Annotation" StencilVersion="0.1"/>
+</Control>
+</file>
+
+<file path=customXml/item277.xml><?xml version="1.0" encoding="utf-8"?>
+<Control xmlns="http://schemas.microsoft.com/VisualStudio/2011/storyboarding/control">
+  <Id Name="System.Storyboarding.WindowsApps.WindowsAppsButton" Revision="1" Stencil="System.Storyboarding.WindowsApps" StencilVersion="0.1"/>
+</Control>
+</file>
+
+<file path=customXml/item278.xml><?xml version="1.0" encoding="utf-8"?>
+<Control xmlns="http://schemas.microsoft.com/VisualStudio/2011/storyboarding/control">
+  <Id Name="System.Storyboarding.WindowsApps.WindowsAppsEditBox" Revision="1" Stencil="System.Storyboarding.WindowsApps" StencilVersion="0.1"/>
+</Control>
+</file>
+
+<file path=customXml/item279.xml><?xml version="1.0" encoding="utf-8"?>
+<Control xmlns="http://schemas.microsoft.com/VisualStudio/2011/storyboarding/control">
+  <Id Name="System.Storyboarding.WindowsApps.WindowsAppsTileMedium" Revision="1" Stencil="System.Storyboarding.WindowsApps" StencilVersion="0.1"/>
+</Control>
+</file>
+
+<file path=customXml/item28.xml><?xml version="1.0" encoding="utf-8"?>
+<Control xmlns="http://schemas.microsoft.com/VisualStudio/2011/storyboarding/control">
+  <Id Name="System.Storyboarding.WindowsApps.WindowsAppsEditBox" Revision="1" Stencil="System.Storyboarding.WindowsApps" StencilVersion="0.1"/>
+</Control>
+</file>
+
+<file path=customXml/item280.xml><?xml version="1.0" encoding="utf-8"?>
+<Control xmlns="http://schemas.microsoft.com/VisualStudio/2011/storyboarding/control">
+  <Id Name="System.Storyboarding.WindowsApps.WindowsAppsEditBox" Revision="1" Stencil="System.Storyboarding.WindowsApps" StencilVersion="0.1"/>
+</Control>
+</file>
+
+<file path=customXml/item281.xml><?xml version="1.0" encoding="utf-8"?>
+<Control xmlns="http://schemas.microsoft.com/VisualStudio/2011/storyboarding/control">
+  <Id Name="fd7d7bed-114e-464c-a4f1-01a512005949" Revision="1" Stencil="System.MyShapes" StencilVersion="1.0"/>
+</Control>
+</file>
+
+<file path=customXml/item282.xml><?xml version="1.0" encoding="utf-8"?>
+<Control xmlns="http://schemas.microsoft.com/VisualStudio/2011/storyboarding/control">
+  <Id Name="System.Storyboarding.Annotation.AnimatedRectangleCallout" Revision="1" Stencil="System.Storyboarding.Annotation" StencilVersion="0.1"/>
+</Control>
+</file>
+
+<file path=customXml/item283.xml><?xml version="1.0" encoding="utf-8"?>
+<Control xmlns="http://schemas.microsoft.com/VisualStudio/2011/storyboarding/control">
+  <Id Name="32035d07-bc66-4a79-8001-2507012193e3" RevisionId="7f6cc906-8fab-4878-8f41-90bcdc4e860e" Stencil="172d6d98-e5c9-42e9-a209-79f7a94bbd38" StencilRevisionId="00000000-0000-0000-0000-000000000000" StencilVersion="0.0"/>
+</Control>
+</file>
+
+<file path=customXml/item284.xml><?xml version="1.0" encoding="utf-8"?>
+<Control xmlns="http://schemas.microsoft.com/VisualStudio/2011/storyboarding/control">
+  <Id Name="System.Storyboarding.Annotation.CallOut" Revision="1" Stencil="System.Storyboarding.Annotation" StencilVersion="0.1"/>
+</Control>
+</file>
+
+<file path=customXml/item285.xml><?xml version="1.0" encoding="utf-8"?>
+<Control xmlns="http://schemas.microsoft.com/VisualStudio/2011/storyboarding/control">
+  <Id Name="System.Storyboarding.WindowsApps.WindowsAppsTileMedium" Revision="1" Stencil="System.Storyboarding.WindowsApps" StencilVersion="0.1"/>
+</Control>
+</file>
+
+<file path=customXml/item286.xml><?xml version="1.0" encoding="utf-8"?>
+<Control xmlns="http://schemas.microsoft.com/VisualStudio/2011/storyboarding/control">
+  <Id Name="System.Storyboarding.WindowsApps.WindowsAppsTileMedium" Revision="1" Stencil="System.Storyboarding.WindowsApps" StencilVersion="0.1"/>
+</Control>
+</file>
+
+<file path=customXml/item287.xml><?xml version="1.0" encoding="utf-8"?>
+<Control xmlns="http://schemas.microsoft.com/VisualStudio/2011/storyboarding/control">
+  <Id Name="System.Storyboarding.WindowsApps.WindowsAppsTileMedium" Revision="1" Stencil="System.Storyboarding.WindowsApps" StencilVersion="0.1"/>
+</Control>
+</file>
+
+<file path=customXml/item288.xml><?xml version="1.0" encoding="utf-8"?>
+<Control xmlns="http://schemas.microsoft.com/VisualStudio/2011/storyboarding/control">
+  <Id Name="System.Storyboarding.WindowsApps.WindowsAppsButton" Revision="1" Stencil="System.Storyboarding.WindowsApps" StencilVersion="0.1"/>
+</Control>
+</file>
+
+<file path=customXml/item289.xml><?xml version="1.0" encoding="utf-8"?>
+<Control xmlns="http://schemas.microsoft.com/VisualStudio/2011/storyboarding/control">
+  <Id Name="System.Storyboarding.WindowsApps.WindowsAppsEditBox" Revision="1" Stencil="System.Storyboarding.WindowsApps" StencilVersion="0.1"/>
+</Control>
+</file>
+
+<file path=customXml/item29.xml><?xml version="1.0" encoding="utf-8"?>
+<Control xmlns="http://schemas.microsoft.com/VisualStudio/2011/storyboarding/control">
+  <Id Name="System.Storyboarding.WindowsApps.WindowsAppsEditBox" Revision="1" Stencil="System.Storyboarding.WindowsApps" StencilVersion="0.1"/>
+</Control>
+</file>
+
+<file path=customXml/item290.xml><?xml version="1.0" encoding="utf-8"?>
+<Control xmlns="http://schemas.microsoft.com/VisualStudio/2011/storyboarding/control">
+  <Id Name="fd7d7bed-114e-464c-a4f1-01a512005949" Revision="1" Stencil="System.MyShapes" StencilVersion="1.0"/>
+</Control>
+</file>
+
+<file path=customXml/item291.xml><?xml version="1.0" encoding="utf-8"?>
+<Control xmlns="http://schemas.microsoft.com/VisualStudio/2011/storyboarding/control">
+  <Id Name="System.Storyboarding.WindowsApps.WindowsAppsTileMedium" Revision="1" Stencil="System.Storyboarding.WindowsApps" StencilVersion="0.1"/>
+</Control>
+</file>
+
+<file path=customXml/item292.xml><?xml version="1.0" encoding="utf-8"?>
+<Control xmlns="http://schemas.microsoft.com/VisualStudio/2011/storyboarding/control">
+  <Id Name="System.Storyboarding.WindowsApps.WindowsAppsTileMedium" Revision="1" Stencil="System.Storyboarding.WindowsApps" StencilVersion="0.1"/>
+</Control>
+</file>
+
+<file path=customXml/item293.xml><?xml version="1.0" encoding="utf-8"?>
+<Control xmlns="http://schemas.microsoft.com/VisualStudio/2011/storyboarding/control">
+  <Id Name="System.Storyboarding.WindowsApps.WindowsAppsTileMedium" Revision="1" Stencil="System.Storyboarding.WindowsApps" StencilVersion="0.1"/>
+</Control>
+</file>
+
+<file path=customXml/item294.xml><?xml version="1.0" encoding="utf-8"?>
+<Control xmlns="http://schemas.microsoft.com/VisualStudio/2011/storyboarding/control">
+  <Id Name="System.Storyboarding.WindowsApps.WindowsAppsTileMedium" Revision="1" Stencil="System.Storyboarding.WindowsApps" StencilVersion="0.1"/>
+</Control>
+</file>
+
+<file path=customXml/item295.xml><?xml version="1.0" encoding="utf-8"?>
+<Control xmlns="http://schemas.microsoft.com/VisualStudio/2011/storyboarding/control">
+  <Id Name="fd7d7bed-114e-464c-a4f1-01a512005949" Revision="1" Stencil="System.MyShapes" StencilVersion="1.0"/>
+</Control>
+</file>
+
+<file path=customXml/item296.xml><?xml version="1.0" encoding="utf-8"?>
+<Control xmlns="http://schemas.microsoft.com/VisualStudio/2011/storyboarding/control">
+  <Id Name="System.Storyboarding.WindowsApps.WindowsAppsTileMedium" Revision="1" Stencil="System.Storyboarding.WindowsApps" StencilVersion="0.1"/>
+</Control>
+</file>
+
+<file path=customXml/item297.xml><?xml version="1.0" encoding="utf-8"?>
+<Control xmlns="http://schemas.microsoft.com/VisualStudio/2011/storyboarding/control">
+  <Id Name="System.Storyboarding.Common.CheckBoxChecked" Revision="1" Stencil="System.Storyboarding.Common" StencilVersion="0.1"/>
+</Control>
+</file>
+
+<file path=customXml/item298.xml><?xml version="1.0" encoding="utf-8"?>
+<Control xmlns="http://schemas.microsoft.com/VisualStudio/2011/storyboarding/control">
+  <Id Name="fd7d7bed-114e-464c-a4f1-01a512005949" Revision="1" Stencil="System.MyShapes" StencilVersion="1.0"/>
+</Control>
+</file>
+
+<file path=customXml/item299.xml><?xml version="1.0" encoding="utf-8"?>
+<Control xmlns="http://schemas.microsoft.com/VisualStudio/2011/storyboarding/control">
+  <Id Name="System.Storyboarding.WindowsApps.WindowsAppsTileMedium" Revision="1" Stencil="System.Storyboarding.WindowsApps" StencilVersion="0.1"/>
+</Control>
+</file>
+
+<file path=customXml/item3.xml><?xml version="1.0" encoding="utf-8"?>
+<Control xmlns="http://schemas.microsoft.com/VisualStudio/2011/storyboarding/control">
+  <Id Name="System.Storyboarding.WindowsApps.WindowsAppsTileMedium" Revision="1" Stencil="System.Storyboarding.WindowsApps" StencilVersion="0.1"/>
+</Control>
+</file>
+
+<file path=customXml/item30.xml><?xml version="1.0" encoding="utf-8"?>
+<Control xmlns="http://schemas.microsoft.com/VisualStudio/2011/storyboarding/control">
+  <Id Name="System.Storyboarding.Annotation.CallOut" Revision="1" Stencil="System.Storyboarding.Annotation" StencilVersion="0.1"/>
+</Control>
+</file>
+
+<file path=customXml/item300.xml><?xml version="1.0" encoding="utf-8"?>
+<Control xmlns="http://schemas.microsoft.com/VisualStudio/2011/storyboarding/control">
+  <Id Name="System.Storyboarding.WindowsApps.WindowsAppsEditBox" Revision="1" Stencil="System.Storyboarding.WindowsApps" StencilVersion="0.1"/>
+</Control>
+</file>
+
+<file path=customXml/item301.xml><?xml version="1.0" encoding="utf-8"?>
+<Control xmlns="http://schemas.microsoft.com/VisualStudio/2011/storyboarding/control">
+  <Id Name="System.Storyboarding.Annotation.CallOut" Revision="1" Stencil="System.Storyboarding.Annotation" StencilVersion="0.1"/>
+</Control>
+</file>
+
+<file path=customXml/item302.xml><?xml version="1.0" encoding="utf-8"?>
+<Control xmlns="http://schemas.microsoft.com/VisualStudio/2011/storyboarding/control">
+  <Id Name="System.Storyboarding.Annotation.CallOut" Revision="1" Stencil="System.Storyboarding.Annotation" StencilVersion="0.1"/>
+</Control>
+</file>
+
+<file path=customXml/item303.xml><?xml version="1.0" encoding="utf-8"?>
+<Control xmlns="http://schemas.microsoft.com/VisualStudio/2011/storyboarding/control">
+  <Id Name="System.Storyboarding.WindowsApps.WindowsAppsTileMedium" Revision="1" Stencil="System.Storyboarding.WindowsApps" StencilVersion="0.1"/>
+</Control>
+</file>
+
+<file path=customXml/item304.xml><?xml version="1.0" encoding="utf-8"?>
+<Control xmlns="http://schemas.microsoft.com/VisualStudio/2011/storyboarding/control">
+  <Id Name="System.Storyboarding.WindowsApps.WindowsAppsTileMedium" Revision="1" Stencil="System.Storyboarding.WindowsApps" StencilVersion="0.1"/>
+</Control>
+</file>
+
+<file path=customXml/item31.xml><?xml version="1.0" encoding="utf-8"?>
+<Control xmlns="http://schemas.microsoft.com/VisualStudio/2011/storyboarding/control">
+  <Id Name="System.Storyboarding.WindowsAppIcons.Donotwant" Revision="1" Stencil="System.Storyboarding.WindowsAppIcons" StencilVersion="0.1"/>
+</Control>
+</file>
+
+<file path=customXml/item32.xml><?xml version="1.0" encoding="utf-8"?>
+<Control xmlns="http://schemas.microsoft.com/VisualStudio/2011/storyboarding/control">
+  <Id Name="System.Storyboarding.Annotation.CallOut" Revision="1" Stencil="System.Storyboarding.Annotation" StencilVersion="0.1"/>
+</Control>
+</file>
+
+<file path=customXml/item33.xml><?xml version="1.0" encoding="utf-8"?>
+<Control xmlns="http://schemas.microsoft.com/VisualStudio/2011/storyboarding/control">
+  <Id Name="fd7d7bed-114e-464c-a4f1-01a512005949" Revision="1" Stencil="System.MyShapes" StencilVersion="1.0"/>
+</Control>
+</file>
+
+<file path=customXml/item34.xml><?xml version="1.0" encoding="utf-8"?>
+<Control xmlns="http://schemas.microsoft.com/VisualStudio/2011/storyboarding/control">
+  <Id Name="fd7d7bed-114e-464c-a4f1-01a512005949" Revision="1" Stencil="System.MyShapes" StencilVersion="1.0"/>
+</Control>
+</file>
+
+<file path=customXml/item35.xml><?xml version="1.0" encoding="utf-8"?>
+<Control xmlns="http://schemas.microsoft.com/VisualStudio/2011/storyboarding/control">
+  <Id Name="System.Storyboarding.WindowsApps.WindowsAppsButton" Revision="1" Stencil="System.Storyboarding.WindowsApps" StencilVersion="0.1"/>
+</Control>
+</file>
+
+<file path=customXml/item36.xml><?xml version="1.0" encoding="utf-8"?>
+<Control xmlns="http://schemas.microsoft.com/VisualStudio/2011/storyboarding/control">
+  <Id Name="System.Storyboarding.WindowsApps.WindowsAppsEditBox" Revision="1" Stencil="System.Storyboarding.WindowsApps" StencilVersion="0.1"/>
+</Control>
+</file>
+
+<file path=customXml/item37.xml><?xml version="1.0" encoding="utf-8"?>
+<Control xmlns="http://schemas.microsoft.com/VisualStudio/2011/storyboarding/control">
+  <Id Name="System.Storyboarding.WindowsApps.WindowsAppsEditBox" Revision="1" Stencil="System.Storyboarding.WindowsApps" StencilVersion="0.1"/>
+</Control>
+</file>
+
+<file path=customXml/item38.xml><?xml version="1.0" encoding="utf-8"?>
+<Control xmlns="http://schemas.microsoft.com/VisualStudio/2011/storyboarding/control">
+  <Id Name="System.Storyboarding.WindowsApps.WindowsAppsButton" Revision="1" Stencil="System.Storyboarding.WindowsApps" StencilVersion="0.1"/>
+</Control>
+</file>
+
+<file path=customXml/item39.xml><?xml version="1.0" encoding="utf-8"?>
+<Control xmlns="http://schemas.microsoft.com/VisualStudio/2011/storyboarding/control">
+  <Id Name="System.Storyboarding.WindowsApps.WindowsAppsButton" Revision="1" Stencil="System.Storyboarding.WindowsApps" StencilVersion="0.1"/>
+</Control>
+</file>
+
+<file path=customXml/item4.xml><?xml version="1.0" encoding="utf-8"?>
+<Control xmlns="http://schemas.microsoft.com/VisualStudio/2011/storyboarding/control">
+  <Id Name="fd7d7bed-114e-464c-a4f1-01a512005949" Revision="1" Stencil="System.MyShapes" StencilVersion="1.0"/>
+</Control>
+</file>
+
+<file path=customXml/item40.xml><?xml version="1.0" encoding="utf-8"?>
+<Control xmlns="http://schemas.microsoft.com/VisualStudio/2011/storyboarding/control">
+  <Id Name="System.Storyboarding.WindowsApps.WindowsAppsTileMedium" Revision="1" Stencil="System.Storyboarding.WindowsApps" StencilVersion="0.1"/>
+</Control>
+</file>
+
+<file path=customXml/item41.xml><?xml version="1.0" encoding="utf-8"?>
+<Control xmlns="http://schemas.microsoft.com/VisualStudio/2011/storyboarding/control">
+  <Id Name="System.Storyboarding.WindowsApps.WindowsAppsEditBox" Revision="1" Stencil="System.Storyboarding.WindowsApps" StencilVersion="0.1"/>
+</Control>
+</file>
+
+<file path=customXml/item42.xml><?xml version="1.0" encoding="utf-8"?>
+<Control xmlns="http://schemas.microsoft.com/VisualStudio/2011/storyboarding/control">
+  <Id Name="System.Storyboarding.WindowsApps.WindowsAppsButton" Revision="1" Stencil="System.Storyboarding.WindowsApps" StencilVersion="0.1"/>
+</Control>
+</file>
+
+<file path=customXml/item43.xml><?xml version="1.0" encoding="utf-8"?>
+<Control xmlns="http://schemas.microsoft.com/VisualStudio/2011/storyboarding/control">
+  <Id Name="32035d07-bc66-4a79-8001-2507012193e3" RevisionId="7f6cc906-8fab-4878-8f41-90bcdc4e860e" Stencil="172d6d98-e5c9-42e9-a209-79f7a94bbd38" StencilRevisionId="00000000-0000-0000-0000-000000000000" StencilVersion="0.0"/>
+</Control>
+</file>
+
+<file path=customXml/item44.xml><?xml version="1.0" encoding="utf-8"?>
+<Control xmlns="http://schemas.microsoft.com/VisualStudio/2011/storyboarding/control">
+  <Id Name="System.Storyboarding.WindowsApps.WindowsAppsTileMedium" Revision="1" Stencil="System.Storyboarding.WindowsApps" StencilVersion="0.1"/>
+</Control>
+</file>
+
+<file path=customXml/item45.xml><?xml version="1.0" encoding="utf-8"?>
+<Control xmlns="http://schemas.microsoft.com/VisualStudio/2011/storyboarding/control">
+  <Id Name="System.Storyboarding.Annotation.CallOut" Revision="1" Stencil="System.Storyboarding.Annotation" StencilVersion="0.1"/>
+</Control>
+</file>
+
+<file path=customXml/item46.xml><?xml version="1.0" encoding="utf-8"?>
+<Control xmlns="http://schemas.microsoft.com/VisualStudio/2011/storyboarding/control">
+  <Id Name="fd7d7bed-114e-464c-a4f1-01a512005949" Revision="1" Stencil="System.MyShapes" StencilVersion="1.0"/>
+</Control>
+</file>
+
+<file path=customXml/item47.xml><?xml version="1.0" encoding="utf-8"?>
+<Control xmlns="http://schemas.microsoft.com/VisualStudio/2011/storyboarding/control">
+  <Id Name="fd7d7bed-114e-464c-a4f1-01a512005949" Revision="1" Stencil="System.MyShapes" StencilVersion="1.0"/>
+</Control>
+</file>
+
+<file path=customXml/item48.xml><?xml version="1.0" encoding="utf-8"?>
+<Control xmlns="http://schemas.microsoft.com/VisualStudio/2011/storyboarding/control">
+  <Id Name="System.Storyboarding.Annotation.CallOut" Revision="1" Stencil="System.Storyboarding.Annotation" StencilVersion="0.1"/>
+</Control>
+</file>
+
+<file path=customXml/item49.xml><?xml version="1.0" encoding="utf-8"?>
+<Control xmlns="http://schemas.microsoft.com/VisualStudio/2011/storyboarding/control">
+  <Id Name="System.Storyboarding.WindowsApps.WindowsAppsEditBox" Revision="1" Stencil="System.Storyboarding.WindowsApps" StencilVersion="0.1"/>
+</Control>
+</file>
+
+<file path=customXml/item5.xml><?xml version="1.0" encoding="utf-8"?>
+<Control xmlns="http://schemas.microsoft.com/VisualStudio/2011/storyboarding/control">
+  <Id Name="fd7d7bed-114e-464c-a4f1-01a512005949" Revision="1" Stencil="System.MyShapes" StencilVersion="1.0"/>
+</Control>
+</file>
+
+<file path=customXml/item50.xml><?xml version="1.0" encoding="utf-8"?>
+<Control xmlns="http://schemas.microsoft.com/VisualStudio/2011/storyboarding/control">
+  <Id Name="System.Storyboarding.WindowsApps.WindowsAppsEditBox" Revision="1" Stencil="System.Storyboarding.WindowsApps" StencilVersion="0.1"/>
+</Control>
+</file>
+
+<file path=customXml/item51.xml><?xml version="1.0" encoding="utf-8"?>
+<Control xmlns="http://schemas.microsoft.com/VisualStudio/2011/storyboarding/control">
+  <Id Name="f7a94b64-51d6-472a-8bb4-f2cc047935d1" RevisionId="4b37df06-a36b-4383-9074-55517f1335fc" Stencil="172d6d98-e5c9-42e9-a209-79f7a94bbd38" StencilRevisionId="00000000-0000-0000-0000-000000000000" StencilVersion="0.0"/>
+</Control>
+</file>
+
+<file path=customXml/item52.xml><?xml version="1.0" encoding="utf-8"?>
+<Control xmlns="http://schemas.microsoft.com/VisualStudio/2011/storyboarding/control">
+  <Id Name="System.Storyboarding.WindowsApps.WindowsAppsEditBox" Revision="1" Stencil="System.Storyboarding.WindowsApps" StencilVersion="0.1"/>
+</Control>
+</file>
+
+<file path=customXml/item53.xml><?xml version="1.0" encoding="utf-8"?>
+<Control xmlns="http://schemas.microsoft.com/VisualStudio/2011/storyboarding/control">
+  <Id Name="fd7d7bed-114e-464c-a4f1-01a512005949" Revision="1" Stencil="System.MyShapes" StencilVersion="1.0"/>
+</Control>
+</file>
+
+<file path=customXml/item54.xml><?xml version="1.0" encoding="utf-8"?>
+<Control xmlns="http://schemas.microsoft.com/VisualStudio/2011/storyboarding/control">
+  <Id Name="System.Storyboarding.WindowsApps.WindowsAppsButton" Revision="1" Stencil="System.Storyboarding.WindowsApps" StencilVersion="0.1"/>
+</Control>
+</file>
+
+<file path=customXml/item55.xml><?xml version="1.0" encoding="utf-8"?>
+<Control xmlns="http://schemas.microsoft.com/VisualStudio/2011/storyboarding/control">
+  <Id Name="System.Storyboarding.WindowsApps.WindowsAppsButton" Revision="1" Stencil="System.Storyboarding.WindowsApps" StencilVersion="0.1"/>
+</Control>
+</file>
+
+<file path=customXml/item56.xml><?xml version="1.0" encoding="utf-8"?>
+<Control xmlns="http://schemas.microsoft.com/VisualStudio/2011/storyboarding/control">
+  <Id Name="System.Storyboarding.WindowsApps.WindowsAppsTileMedium" Revision="1" Stencil="System.Storyboarding.WindowsApps" StencilVersion="0.1"/>
+</Control>
+</file>
+
+<file path=customXml/item57.xml><?xml version="1.0" encoding="utf-8"?>
+<Control xmlns="http://schemas.microsoft.com/VisualStudio/2011/storyboarding/control">
+  <Id Name="System.Storyboarding.WindowsApps.WindowsAppsTileMedium" Revision="1" Stencil="System.Storyboarding.WindowsApps" StencilVersion="0.1"/>
+</Control>
+</file>
+
+<file path=customXml/item58.xml><?xml version="1.0" encoding="utf-8"?>
+<Control xmlns="http://schemas.microsoft.com/VisualStudio/2011/storyboarding/control">
+  <Id Name="System.Storyboarding.WindowsApps.WindowsAppsTileMedium" Revision="1" Stencil="System.Storyboarding.WindowsApps" StencilVersion="0.1"/>
+</Control>
+</file>
+
+<file path=customXml/item59.xml><?xml version="1.0" encoding="utf-8"?>
+<Control xmlns="http://schemas.microsoft.com/VisualStudio/2011/storyboarding/control">
+  <Id Name="System.Storyboarding.WindowsApps.WindowsAppsTileMedium" Revision="1" Stencil="System.Storyboarding.WindowsApps" StencilVersion="0.1"/>
+</Control>
+</file>
+
+<file path=customXml/item6.xml><?xml version="1.0" encoding="utf-8"?>
+<Control xmlns="http://schemas.microsoft.com/VisualStudio/2011/storyboarding/control">
+  <Id Name="System.Storyboarding.WindowsApps.WindowsAppsTileMedium" Revision="1" Stencil="System.Storyboarding.WindowsApps" StencilVersion="0.1"/>
+</Control>
+</file>
+
+<file path=customXml/item60.xml><?xml version="1.0" encoding="utf-8"?>
+<Control xmlns="http://schemas.microsoft.com/VisualStudio/2011/storyboarding/control">
+  <Id Name="fd7d7bed-114e-464c-a4f1-01a512005949" Revision="1" Stencil="System.MyShapes" StencilVersion="1.0"/>
+</Control>
+</file>
+
+<file path=customXml/item61.xml><?xml version="1.0" encoding="utf-8"?>
+<Control xmlns="http://schemas.microsoft.com/VisualStudio/2011/storyboarding/control">
+  <Id Name="System.Storyboarding.Annotation.CallOut" Revision="1" Stencil="System.Storyboarding.Annotation" StencilVersion="0.1"/>
+</Control>
+</file>
+
+<file path=customXml/item62.xml><?xml version="1.0" encoding="utf-8"?>
+<Control xmlns="http://schemas.microsoft.com/VisualStudio/2011/storyboarding/control">
+  <Id Name="System.Storyboarding.Annotation.CallOut" Revision="1" Stencil="System.Storyboarding.Annotation" StencilVersion="0.1"/>
+</Control>
+</file>
+
+<file path=customXml/item63.xml><?xml version="1.0" encoding="utf-8"?>
+<Control xmlns="http://schemas.microsoft.com/VisualStudio/2011/storyboarding/control">
+  <Id Name="System.Storyboarding.Common.CheckBoxUnchecked" Revision="1" Stencil="System.Storyboarding.Common" StencilVersion="0.1"/>
+</Control>
+</file>
+
+<file path=customXml/item64.xml><?xml version="1.0" encoding="utf-8"?>
+<Control xmlns="http://schemas.microsoft.com/VisualStudio/2011/storyboarding/control">
+  <Id Name="System.Storyboarding.Backgrounds.WindowsPhone" Revision="1" Stencil="System.Storyboarding.Backgrounds" StencilVersion="0.1"/>
+</Control>
+</file>
+
+<file path=customXml/item65.xml><?xml version="1.0" encoding="utf-8"?>
+<Control xmlns="http://schemas.microsoft.com/VisualStudio/2011/storyboarding/control">
+  <Id Name="fd7d7bed-114e-464c-a4f1-01a512005949" Revision="1" Stencil="System.MyShapes" StencilVersion="1.0"/>
+</Control>
+</file>
+
+<file path=customXml/item66.xml><?xml version="1.0" encoding="utf-8"?>
+<Control xmlns="http://schemas.microsoft.com/VisualStudio/2011/storyboarding/control">
+  <Id Name="System.Storyboarding.WindowsApps.WindowsAppsTileMedium" Revision="1" Stencil="System.Storyboarding.WindowsApps" StencilVersion="0.1"/>
+</Control>
+</file>
+
+<file path=customXml/item67.xml><?xml version="1.0" encoding="utf-8"?>
+<Control xmlns="http://schemas.microsoft.com/VisualStudio/2011/storyboarding/control">
+  <Id Name="System.Storyboarding.Annotation.CallOut" Revision="1" Stencil="System.Storyboarding.Annotation" StencilVersion="0.1"/>
+</Control>
+</file>
+
+<file path=customXml/item68.xml><?xml version="1.0" encoding="utf-8"?>
+<Control xmlns="http://schemas.microsoft.com/VisualStudio/2011/storyboarding/control">
+  <Id Name="System.Storyboarding.WindowsApps.WindowsAppsButton" Revision="1" Stencil="System.Storyboarding.WindowsApps" StencilVersion="0.1"/>
+</Control>
+</file>
+
+<file path=customXml/item69.xml><?xml version="1.0" encoding="utf-8"?>
+<Control xmlns="http://schemas.microsoft.com/VisualStudio/2011/storyboarding/control">
+  <Id Name="System.Storyboarding.WindowsApps.WindowsAppsTileMedium" Revision="1" Stencil="System.Storyboarding.WindowsApps" StencilVersion="0.1"/>
+</Control>
+</file>
+
+<file path=customXml/item7.xml><?xml version="1.0" encoding="utf-8"?>
+<Control xmlns="http://schemas.microsoft.com/VisualStudio/2011/storyboarding/control">
+  <Id Name="System.Storyboarding.Annotation.CallOut" Revision="1" Stencil="System.Storyboarding.Annotation" StencilVersion="0.1"/>
+</Control>
+</file>
+
+<file path=customXml/item70.xml><?xml version="1.0" encoding="utf-8"?>
+<Control xmlns="http://schemas.microsoft.com/VisualStudio/2011/storyboarding/control">
+  <Id Name="System.Storyboarding.Icons.CurvedArrow" Revision="1" Stencil="System.Storyboarding.Icons" StencilVersion="0.1"/>
+</Control>
+</file>
+
+<file path=customXml/item71.xml><?xml version="1.0" encoding="utf-8"?>
+<Control xmlns="http://schemas.microsoft.com/VisualStudio/2011/storyboarding/control">
+  <Id Name="System.Storyboarding.Annotation.CallOut" Revision="1" Stencil="System.Storyboarding.Annotation" StencilVersion="0.1"/>
+</Control>
+</file>
+
+<file path=customXml/item72.xml><?xml version="1.0" encoding="utf-8"?>
+<Control xmlns="http://schemas.microsoft.com/VisualStudio/2011/storyboarding/control">
+  <Id Name="System.Storyboarding.Common.CheckBoxUnchecked" Revision="1" Stencil="System.Storyboarding.Common" StencilVersion="0.1"/>
+</Control>
+</file>
+
+<file path=customXml/item73.xml><?xml version="1.0" encoding="utf-8"?>
 <Control xmlns="http://schemas.microsoft.com/VisualStudio/2011/storyboarding/control">
   <Id Name="System.Storyboarding.WindowsAppIcons.Plus" Revision="1" Stencil="System.Storyboarding.WindowsAppIcons" StencilVersion="0.1"/>
 </Control>
 </file>
 
-<file path=customXml/item114.xml><?xml version="1.0" encoding="utf-8"?>
+<file path=customXml/item74.xml><?xml version="1.0" encoding="utf-8"?>
+<Control xmlns="http://schemas.microsoft.com/VisualStudio/2011/storyboarding/control">
+  <Id Name="System.Storyboarding.WindowsApps.WindowsAppsButton" Revision="1" Stencil="System.Storyboarding.WindowsApps" StencilVersion="0.1"/>
+</Control>
+</file>
+
+<file path=customXml/item75.xml><?xml version="1.0" encoding="utf-8"?>
 <Control xmlns="http://schemas.microsoft.com/VisualStudio/2011/storyboarding/control">
   <Id Name="System.Storyboarding.WindowsApps.WindowsAppsTileMedium" Revision="1" Stencil="System.Storyboarding.WindowsApps" StencilVersion="0.1"/>
 </Control>
 </file>
 
-<file path=customXml/item115.xml><?xml version="1.0" encoding="utf-8"?>
+<file path=customXml/item76.xml><?xml version="1.0" encoding="utf-8"?>
 <Control xmlns="http://schemas.microsoft.com/VisualStudio/2011/storyboarding/control">
   <Id Name="System.Storyboarding.Annotation.CallOut" Revision="1" Stencil="System.Storyboarding.Annotation" StencilVersion="0.1"/>
 </Control>
 </file>
 
-<file path=customXml/item116.xml><?xml version="1.0" encoding="utf-8"?>
+<file path=customXml/item77.xml><?xml version="1.0" encoding="utf-8"?>
 <Control xmlns="http://schemas.microsoft.com/VisualStudio/2011/storyboarding/control">
   <Id Name="System.Storyboarding.WindowsApps.WindowsAppsTileMedium" Revision="1" Stencil="System.Storyboarding.WindowsApps" StencilVersion="0.1"/>
 </Control>
 </file>
 
-<file path=customXml/item117.xml><?xml version="1.0" encoding="utf-8"?>
+<file path=customXml/item78.xml><?xml version="1.0" encoding="utf-8"?>
+<Control xmlns="http://schemas.microsoft.com/VisualStudio/2011/storyboarding/control">
+  <Id Name="System.Storyboarding.Annotation.CallOut" Revision="1" Stencil="System.Storyboarding.Annotation" StencilVersion="0.1"/>
+</Control>
+</file>
+
+<file path=customXml/item79.xml><?xml version="1.0" encoding="utf-8"?>
 <Control xmlns="http://schemas.microsoft.com/VisualStudio/2011/storyboarding/control">
   <Id Name="System.Storyboarding.WindowsApps.WindowsAppsTileMedium" Revision="1" Stencil="System.Storyboarding.WindowsApps" StencilVersion="0.1"/>
 </Control>
 </file>
 
-<file path=customXml/item118.xml><?xml version="1.0" encoding="utf-8"?>
+<file path=customXml/item8.xml><?xml version="1.0" encoding="utf-8"?>
+<Control xmlns="http://schemas.microsoft.com/VisualStudio/2011/storyboarding/control">
+  <Id Name="System.Storyboarding.Annotation.StickyNote" Revision="1" Stencil="System.Storyboarding.Annotation" StencilVersion="0.1"/>
+</Control>
+</file>
+
+<file path=customXml/item80.xml><?xml version="1.0" encoding="utf-8"?>
+<Control xmlns="http://schemas.microsoft.com/VisualStudio/2011/storyboarding/control">
+  <Id Name="System.Storyboarding.Annotation.CallOut" Revision="1" Stencil="System.Storyboarding.Annotation" StencilVersion="0.1"/>
+</Control>
+</file>
+
+<file path=customXml/item81.xml><?xml version="1.0" encoding="utf-8"?>
+<Control xmlns="http://schemas.microsoft.com/VisualStudio/2011/storyboarding/control">
+  <Id Name="fd7d7bed-114e-464c-a4f1-01a512005949" Revision="1" Stencil="System.MyShapes" StencilVersion="1.0"/>
+</Control>
+</file>
+
+<file path=customXml/item82.xml><?xml version="1.0" encoding="utf-8"?>
+<Control xmlns="http://schemas.microsoft.com/VisualStudio/2011/storyboarding/control">
+  <Id Name="System.Storyboarding.Annotation.StickyNote" Revision="1" Stencil="System.Storyboarding.Annotation" StencilVersion="0.1"/>
+</Control>
+</file>
+
+<file path=customXml/item83.xml><?xml version="1.0" encoding="utf-8"?>
+<Control xmlns="http://schemas.microsoft.com/VisualStudio/2011/storyboarding/control">
+  <Id Name="System.Storyboarding.WindowsApps.WindowsAppsTileMedium" Revision="1" Stencil="System.Storyboarding.WindowsApps" StencilVersion="0.1"/>
+</Control>
+</file>
+
+<file path=customXml/item84.xml><?xml version="1.0" encoding="utf-8"?>
+<Control xmlns="http://schemas.microsoft.com/VisualStudio/2011/storyboarding/control">
+  <Id Name="System.Storyboarding.WindowsApps.WindowsAppsTileMedium" Revision="1" Stencil="System.Storyboarding.WindowsApps" StencilVersion="0.1"/>
+</Control>
+</file>
+
+<file path=customXml/item85.xml><?xml version="1.0" encoding="utf-8"?>
+<Control xmlns="http://schemas.microsoft.com/VisualStudio/2011/storyboarding/control">
+  <Id Name="System.Storyboarding.Annotation.AnimatedRectangleCallout" Revision="1" Stencil="System.Storyboarding.Annotation" StencilVersion="0.1"/>
+</Control>
+</file>
+
+<file path=customXml/item86.xml><?xml version="1.0" encoding="utf-8"?>
+<Control xmlns="http://schemas.microsoft.com/VisualStudio/2011/storyboarding/control">
+  <Id Name="System.Storyboarding.WindowsApps.WindowsAppsButton" Revision="1" Stencil="System.Storyboarding.WindowsApps" StencilVersion="0.1"/>
+</Control>
+</file>
+
+<file path=customXml/item87.xml><?xml version="1.0" encoding="utf-8"?>
+<Control xmlns="http://schemas.microsoft.com/VisualStudio/2011/storyboarding/control">
+  <Id Name="System.Storyboarding.WindowsApps.WindowsAppsTileMedium" Revision="1" Stencil="System.Storyboarding.WindowsApps" StencilVersion="0.1"/>
+</Control>
+</file>
+
+<file path=customXml/item88.xml><?xml version="1.0" encoding="utf-8"?>
 <Control xmlns="http://schemas.microsoft.com/VisualStudio/2011/storyboarding/control">
   <Id Name="System.Storyboarding.WindowsApps.WindowsAppsEditBox" Revision="1" Stencil="System.Storyboarding.WindowsApps" StencilVersion="0.1"/>
 </Control>
 </file>
 
-<file path=customXml/item119.xml><?xml version="1.0" encoding="utf-8"?>
-<Control xmlns="http://schemas.microsoft.com/VisualStudio/2011/storyboarding/control">
-  <Id Name="System.Storyboarding.Common.CheckBoxUnchecked" Revision="1" Stencil="System.Storyboarding.Common" StencilVersion="0.1"/>
-</Control>
-</file>
-
-<file path=customXml/item12.xml><?xml version="1.0" encoding="utf-8"?>
-<Control xmlns="http://schemas.microsoft.com/VisualStudio/2011/storyboarding/control">
-  <Id Name="System.Storyboarding.WindowsAppIcons.Save" Revision="1" Stencil="System.Storyboarding.WindowsAppIcons" StencilVersion="0.1"/>
-</Control>
-</file>
-
-<file path=customXml/item120.xml><?xml version="1.0" encoding="utf-8"?>
+<file path=customXml/item89.xml><?xml version="1.0" encoding="utf-8"?>
+<Control xmlns="http://schemas.microsoft.com/VisualStudio/2011/storyboarding/control">
+  <Id Name="System.Storyboarding.WindowsApps.WindowsAppsTileMedium" Revision="1" Stencil="System.Storyboarding.WindowsApps" StencilVersion="0.1"/>
+</Control>
+</file>
+
+<file path=customXml/item9.xml><?xml version="1.0" encoding="utf-8"?>
+<Control xmlns="http://schemas.microsoft.com/VisualStudio/2011/storyboarding/control">
+  <Id Name="System.Storyboarding.Annotation.CallOut" Revision="1" Stencil="System.Storyboarding.Annotation" StencilVersion="0.1"/>
+</Control>
+</file>
+
+<file path=customXml/item90.xml><?xml version="1.0" encoding="utf-8"?>
+<Control xmlns="http://schemas.microsoft.com/VisualStudio/2011/storyboarding/control">
+  <Id Name="System.Storyboarding.Annotation.CallOut" Revision="1" Stencil="System.Storyboarding.Annotation" StencilVersion="0.1"/>
+</Control>
+</file>
+
+<file path=customXml/item91.xml><?xml version="1.0" encoding="utf-8"?>
+<Control xmlns="http://schemas.microsoft.com/VisualStudio/2011/storyboarding/control">
+  <Id Name="System.Storyboarding.WindowsApps.WindowsAppsTileMedium" Revision="1" Stencil="System.Storyboarding.WindowsApps" StencilVersion="0.1"/>
+</Control>
+</file>
+
+<file path=customXml/item92.xml><?xml version="1.0" encoding="utf-8"?>
+<Control xmlns="http://schemas.microsoft.com/VisualStudio/2011/storyboarding/control">
+  <Id Name="f7a94b64-51d6-472a-8bb4-f2cc047935d1" RevisionId="4b37df06-a36b-4383-9074-55517f1335fc" Stencil="172d6d98-e5c9-42e9-a209-79f7a94bbd38" StencilRevisionId="00000000-0000-0000-0000-000000000000" StencilVersion="0.0"/>
+</Control>
+</file>
+
+<file path=customXml/item93.xml><?xml version="1.0" encoding="utf-8"?>
 <Control xmlns="http://schemas.microsoft.com/VisualStudio/2011/storyboarding/control">
   <Id Name="System.Storyboarding.WindowsApps.WindowsAppsButton" Revision="1" Stencil="System.Storyboarding.WindowsApps" StencilVersion="0.1"/>
 </Control>
 </file>
 
-<file path=customXml/item121.xml><?xml version="1.0" encoding="utf-8"?>
-<Control xmlns="http://schemas.microsoft.com/VisualStudio/2011/storyboarding/control">
-  <Id Name="System.Storyboarding.Icons.CurvedArrow" Revision="1" Stencil="System.Storyboarding.Icons" StencilVersion="0.1"/>
-</Control>
-</file>
-
-<file path=customXml/item122.xml><?xml version="1.0" encoding="utf-8"?>
+<file path=customXml/item94.xml><?xml version="1.0" encoding="utf-8"?>
+<Control xmlns="http://schemas.microsoft.com/VisualStudio/2011/storyboarding/control">
+  <Id Name="fd7d7bed-114e-464c-a4f1-01a512005949" Revision="1" Stencil="System.MyShapes" StencilVersion="1.0"/>
+</Control>
+</file>
+
+<file path=customXml/item95.xml><?xml version="1.0" encoding="utf-8"?>
+<Control xmlns="http://schemas.microsoft.com/VisualStudio/2011/storyboarding/control">
+  <Id Name="fd7d7bed-114e-464c-a4f1-01a512005949" Revision="1" Stencil="System.MyShapes" StencilVersion="1.0"/>
+</Control>
+</file>
+
+<file path=customXml/item96.xml><?xml version="1.0" encoding="utf-8"?>
+<Control xmlns="http://schemas.microsoft.com/VisualStudio/2011/storyboarding/control">
+  <Id Name="System.Storyboarding.WindowsApps.WindowsAppsTileMedium" Revision="1" Stencil="System.Storyboarding.WindowsApps" StencilVersion="0.1"/>
+</Control>
+</file>
+
+<file path=customXml/item97.xml><?xml version="1.0" encoding="utf-8"?>
+<Control xmlns="http://schemas.microsoft.com/VisualStudio/2011/storyboarding/control">
+  <Id Name="System.Storyboarding.Annotation.StickyNote" Revision="1" Stencil="System.Storyboarding.Annotation" StencilVersion="0.1"/>
+</Control>
+</file>
+
+<file path=customXml/item98.xml><?xml version="1.0" encoding="utf-8"?>
+<Control xmlns="http://schemas.microsoft.com/VisualStudio/2011/storyboarding/control">
+  <Id Name="System.Storyboarding.Annotation.CallOut" Revision="1" Stencil="System.Storyboarding.Annotation" StencilVersion="0.1"/>
+</Control>
+</file>
+
+<file path=customXml/item99.xml><?xml version="1.0" encoding="utf-8"?>
 <Control xmlns="http://schemas.microsoft.com/VisualStudio/2011/storyboarding/control">
   <Id Name="System.Storyboarding.WindowsApps.WindowsAppsButton" Revision="1" Stencil="System.Storyboarding.WindowsApps" StencilVersion="0.1"/>
 </Control>
 </file>
 
-<file path=customXml/item123.xml><?xml version="1.0" encoding="utf-8"?>
-<Control xmlns="http://schemas.microsoft.com/VisualStudio/2011/storyboarding/control">
-  <Id Name="fd7d7bed-114e-464c-a4f1-01a512005949" Revision="1" Stencil="System.MyShapes" StencilVersion="1.0"/>
-</Control>
-</file>
-
-<file path=customXml/item124.xml><?xml version="1.0" encoding="utf-8"?>
-<Control xmlns="http://schemas.microsoft.com/VisualStudio/2011/storyboarding/control">
-  <Id Name="System.Storyboarding.WindowsApps.WindowsAppsEditBox" Revision="1" Stencil="System.Storyboarding.WindowsApps" StencilVersion="0.1"/>
-</Control>
-</file>
-
-<file path=customXml/item125.xml><?xml version="1.0" encoding="utf-8"?>
-<Control xmlns="http://schemas.microsoft.com/VisualStudio/2011/storyboarding/control">
-  <Id Name="System.Storyboarding.WindowsApps.WindowsAppsEditBox" Revision="1" Stencil="System.Storyboarding.WindowsApps" StencilVersion="0.1"/>
-</Control>
-</file>
-
-<file path=customXml/item126.xml><?xml version="1.0" encoding="utf-8"?>
-<Control xmlns="http://schemas.microsoft.com/VisualStudio/2011/storyboarding/control">
-  <Id Name="fd7d7bed-114e-464c-a4f1-01a512005949" Revision="1" Stencil="System.MyShapes" StencilVersion="1.0"/>
-</Control>
-</file>
-
-<file path=customXml/item127.xml><?xml version="1.0" encoding="utf-8"?>
-<Control xmlns="http://schemas.microsoft.com/VisualStudio/2011/storyboarding/control">
-  <Id Name="System.Storyboarding.WindowsApps.WindowsAppsEditBox" Revision="1" Stencil="System.Storyboarding.WindowsApps" StencilVersion="0.1"/>
-</Control>
-</file>
-
-<file path=customXml/item128.xml><?xml version="1.0" encoding="utf-8"?>
-<Control xmlns="http://schemas.microsoft.com/VisualStudio/2011/storyboarding/control">
-  <Id Name="System.Storyboarding.WindowsApps.WindowsAppsTileMedium" Revision="1" Stencil="System.Storyboarding.WindowsApps" StencilVersion="0.1"/>
-</Control>
-</file>
-
-<file path=customXml/item129.xml><?xml version="1.0" encoding="utf-8"?>
-<Control xmlns="http://schemas.microsoft.com/VisualStudio/2011/storyboarding/control">
-  <Id Name="32035d07-bc66-4a79-8001-2507012193e3" RevisionId="7f6cc906-8fab-4878-8f41-90bcdc4e860e" Stencil="172d6d98-e5c9-42e9-a209-79f7a94bbd38" StencilRevisionId="00000000-0000-0000-0000-000000000000" StencilVersion="0.0"/>
-</Control>
-</file>
-
-<file path=customXml/item13.xml><?xml version="1.0" encoding="utf-8"?>
-<Control xmlns="http://schemas.microsoft.com/VisualStudio/2011/storyboarding/control">
-  <Id Name="System.Storyboarding.WindowsAppIcons.Donotwant" Revision="1" Stencil="System.Storyboarding.WindowsAppIcons" StencilVersion="0.1"/>
-</Control>
-</file>
-
-<file path=customXml/item130.xml><?xml version="1.0" encoding="utf-8"?>
-<Control xmlns="http://schemas.microsoft.com/VisualStudio/2011/storyboarding/control">
-  <Id Name="System.Storyboarding.WindowsApps.WindowsAppsTileMedium" Revision="1" Stencil="System.Storyboarding.WindowsApps" StencilVersion="0.1"/>
-</Control>
-</file>
-
-<file path=customXml/item131.xml><?xml version="1.0" encoding="utf-8"?>
-<Control xmlns="http://schemas.microsoft.com/VisualStudio/2011/storyboarding/control">
-  <Id Name="System.Storyboarding.WindowsApps.WindowsAppsButton" Revision="1" Stencil="System.Storyboarding.WindowsApps" StencilVersion="0.1"/>
-</Control>
-</file>
-
-<file path=customXml/item132.xml><?xml version="1.0" encoding="utf-8"?>
-<Control xmlns="http://schemas.microsoft.com/VisualStudio/2011/storyboarding/control">
-  <Id Name="System.Storyboarding.WindowsApps.WindowsAppsTileMedium" Revision="1" Stencil="System.Storyboarding.WindowsApps" StencilVersion="0.1"/>
-</Control>
-</file>
-
-<file path=customXml/item133.xml><?xml version="1.0" encoding="utf-8"?>
-<Control xmlns="http://schemas.microsoft.com/VisualStudio/2011/storyboarding/control">
-  <Id Name="System.Storyboarding.Icons.TrashCan" Revision="1" Stencil="System.Storyboarding.Icons" StencilVersion="0.1"/>
-</Control>
-</file>
-
-<file path=customXml/item134.xml><?xml version="1.0" encoding="utf-8"?>
-<Control xmlns="http://schemas.microsoft.com/VisualStudio/2011/storyboarding/control">
-  <Id Name="System.Storyboarding.WindowsApps.WindowsAppsTileMedium" Revision="1" Stencil="System.Storyboarding.WindowsApps" StencilVersion="0.1"/>
-</Control>
-</file>
-
-<file path=customXml/item135.xml><?xml version="1.0" encoding="utf-8"?>
-<Control xmlns="http://schemas.microsoft.com/VisualStudio/2011/storyboarding/control">
-  <Id Name="System.Storyboarding.WindowsApps.WindowsAppsButton" Revision="1" Stencil="System.Storyboarding.WindowsApps" StencilVersion="0.1"/>
-</Control>
-</file>
-
-<file path=customXml/item136.xml><?xml version="1.0" encoding="utf-8"?>
-<Control xmlns="http://schemas.microsoft.com/VisualStudio/2011/storyboarding/control">
-  <Id Name="fd7d7bed-114e-464c-a4f1-01a512005949" Revision="1" Stencil="System.MyShapes" StencilVersion="1.0"/>
-</Control>
-</file>
-
-<file path=customXml/item137.xml><?xml version="1.0" encoding="utf-8"?>
-<Control xmlns="http://schemas.microsoft.com/VisualStudio/2011/storyboarding/control">
-  <Id Name="System.Storyboarding.WindowsApps.WindowsAppsButton" Revision="1" Stencil="System.Storyboarding.WindowsApps" StencilVersion="0.1"/>
-</Control>
-</file>
-
-<file path=customXml/item138.xml><?xml version="1.0" encoding="utf-8"?>
-<Control xmlns="http://schemas.microsoft.com/VisualStudio/2011/storyboarding/control">
-  <Id Name="System.Storyboarding.WindowsApps.WindowsAppsTileMedium" Revision="1" Stencil="System.Storyboarding.WindowsApps" StencilVersion="0.1"/>
-</Control>
-</file>
-
-<file path=customXml/item139.xml><?xml version="1.0" encoding="utf-8"?>
-<Control xmlns="http://schemas.microsoft.com/VisualStudio/2011/storyboarding/control">
-  <Id Name="System.Storyboarding.WindowsApps.WindowsAppsTileMedium" Revision="1" Stencil="System.Storyboarding.WindowsApps" StencilVersion="0.1"/>
-</Control>
-</file>
-
-<file path=customXml/item14.xml><?xml version="1.0" encoding="utf-8"?>
-<Control xmlns="http://schemas.microsoft.com/VisualStudio/2011/storyboarding/control">
-  <Id Name="System.Storyboarding.Annotation.CallOut" Revision="1" Stencil="System.Storyboarding.Annotation" StencilVersion="0.1"/>
-</Control>
-</file>
-
-<file path=customXml/item140.xml><?xml version="1.0" encoding="utf-8"?>
-<Control xmlns="http://schemas.microsoft.com/VisualStudio/2011/storyboarding/control">
-  <Id Name="System.Storyboarding.WindowsApps.WindowsAppsTileMedium" Revision="1" Stencil="System.Storyboarding.WindowsApps" StencilVersion="0.1"/>
-</Control>
-</file>
-
-<file path=customXml/item141.xml><?xml version="1.0" encoding="utf-8"?>
-<Control xmlns="http://schemas.microsoft.com/VisualStudio/2011/storyboarding/control">
-  <Id Name="System.Storyboarding.WindowsApps.WindowsAppsTileMedium" Revision="1" Stencil="System.Storyboarding.WindowsApps" StencilVersion="0.1"/>
-</Control>
-</file>
-
-<file path=customXml/item142.xml><?xml version="1.0" encoding="utf-8"?>
-<Control xmlns="http://schemas.microsoft.com/VisualStudio/2011/storyboarding/control">
-  <Id Name="System.Storyboarding.Annotation.CallOut" Revision="1" Stencil="System.Storyboarding.Annotation" StencilVersion="0.1"/>
-</Control>
-</file>
-
-<file path=customXml/item143.xml><?xml version="1.0" encoding="utf-8"?>
-<Control xmlns="http://schemas.microsoft.com/VisualStudio/2011/storyboarding/control">
-  <Id Name="System.Storyboarding.Annotation.CallOut" Revision="1" Stencil="System.Storyboarding.Annotation" StencilVersion="0.1"/>
-</Control>
-</file>
-
-<file path=customXml/item144.xml><?xml version="1.0" encoding="utf-8"?>
-<Control xmlns="http://schemas.microsoft.com/VisualStudio/2011/storyboarding/control">
-  <Id Name="System.Storyboarding.WindowsApps.WindowsAppsButton" Revision="1" Stencil="System.Storyboarding.WindowsApps" StencilVersion="0.1"/>
-</Control>
-</file>
-
-<file path=customXml/item145.xml><?xml version="1.0" encoding="utf-8"?>
-<Control xmlns="http://schemas.microsoft.com/VisualStudio/2011/storyboarding/control">
-  <Id Name="System.Storyboarding.Annotation.CallOut" Revision="1" Stencil="System.Storyboarding.Annotation" StencilVersion="0.1"/>
-</Control>
-</file>
-
-<file path=customXml/item146.xml><?xml version="1.0" encoding="utf-8"?>
-<Control xmlns="http://schemas.microsoft.com/VisualStudio/2011/storyboarding/control">
-  <Id Name="System.Storyboarding.WindowsApps.WindowsAppsEditBox" Revision="1" Stencil="System.Storyboarding.WindowsApps" StencilVersion="0.1"/>
-</Control>
-</file>
-
-<file path=customXml/item147.xml><?xml version="1.0" encoding="utf-8"?>
-<Control xmlns="http://schemas.microsoft.com/VisualStudio/2011/storyboarding/control">
-  <Id Name="System.Storyboarding.WindowsApps.WindowsAppsTileMedium" Revision="1" Stencil="System.Storyboarding.WindowsApps" StencilVersion="0.1"/>
-</Control>
-</file>
-
-<file path=customXml/item148.xml><?xml version="1.0" encoding="utf-8"?>
-<Control xmlns="http://schemas.microsoft.com/VisualStudio/2011/storyboarding/control">
-  <Id Name="System.Storyboarding.Annotation.CallOut" Revision="1" Stencil="System.Storyboarding.Annotation" StencilVersion="0.1"/>
-</Control>
-</file>
-
-<file path=customXml/item149.xml><?xml version="1.0" encoding="utf-8"?>
-<Control xmlns="http://schemas.microsoft.com/VisualStudio/2011/storyboarding/control">
-  <Id Name="System.Storyboarding.WindowsApps.WindowsAppsButton" Revision="1" Stencil="System.Storyboarding.WindowsApps" StencilVersion="0.1"/>
-</Control>
-</file>
-
-<file path=customXml/item15.xml><?xml version="1.0" encoding="utf-8"?>
-<Control xmlns="http://schemas.microsoft.com/VisualStudio/2011/storyboarding/control">
-  <Id Name="System.Storyboarding.WindowsApps.WindowsAppsTileMedium" Revision="1" Stencil="System.Storyboarding.WindowsApps" StencilVersion="0.1"/>
-</Control>
-</file>
-
-<file path=customXml/item150.xml><?xml version="1.0" encoding="utf-8"?>
-<Control xmlns="http://schemas.microsoft.com/VisualStudio/2011/storyboarding/control">
-  <Id Name="System.Storyboarding.WindowsAppIcons.Save" Revision="1" Stencil="System.Storyboarding.WindowsAppIcons" StencilVersion="0.1"/>
-</Control>
-</file>
-
-<file path=customXml/item151.xml><?xml version="1.0" encoding="utf-8"?>
-<Control xmlns="http://schemas.microsoft.com/VisualStudio/2011/storyboarding/control">
-  <Id Name="System.Storyboarding.WindowsApps.WindowsAppsTileMedium" Revision="1" Stencil="System.Storyboarding.WindowsApps" StencilVersion="0.1"/>
-</Control>
-</file>
-
-<file path=customXml/item152.xml><?xml version="1.0" encoding="utf-8"?>
-<Control xmlns="http://schemas.microsoft.com/VisualStudio/2011/storyboarding/control">
-  <Id Name="System.Storyboarding.WindowsApps.WindowsAppsButton" Revision="1" Stencil="System.Storyboarding.WindowsApps" StencilVersion="0.1"/>
-</Control>
-</file>
-
-<file path=customXml/item153.xml><?xml version="1.0" encoding="utf-8"?>
-<Control xmlns="http://schemas.microsoft.com/VisualStudio/2011/storyboarding/control">
-  <Id Name="System.Storyboarding.Annotation.AnimatedRectangleCallout" Revision="1" Stencil="System.Storyboarding.Annotation" StencilVersion="0.1"/>
-</Control>
-</file>
-
-<file path=customXml/item154.xml><?xml version="1.0" encoding="utf-8"?>
-<Control xmlns="http://schemas.microsoft.com/VisualStudio/2011/storyboarding/control">
-  <Id Name="System.Storyboarding.WindowsApps.WindowsAppsButton" Revision="1" Stencil="System.Storyboarding.WindowsApps" StencilVersion="0.1"/>
-</Control>
-</file>
-
-<file path=customXml/item155.xml><?xml version="1.0" encoding="utf-8"?>
-<Control xmlns="http://schemas.microsoft.com/VisualStudio/2011/storyboarding/control">
-  <Id Name="System.Storyboarding.WindowsApps.WindowsAppsEditBox" Revision="1" Stencil="System.Storyboarding.WindowsApps" StencilVersion="0.1"/>
-</Control>
-</file>
-
-<file path=customXml/item156.xml><?xml version="1.0" encoding="utf-8"?>
-<Control xmlns="http://schemas.microsoft.com/VisualStudio/2011/storyboarding/control">
-  <Id Name="System.Storyboarding.WindowsApps.WindowsAppsTileMedium" Revision="1" Stencil="System.Storyboarding.WindowsApps" StencilVersion="0.1"/>
-</Control>
-</file>
-
-<file path=customXml/item157.xml><?xml version="1.0" encoding="utf-8"?>
-<Control xmlns="http://schemas.microsoft.com/VisualStudio/2011/storyboarding/control">
-  <Id Name="System.Storyboarding.WindowsApps.WindowsAppsButton" Revision="1" Stencil="System.Storyboarding.WindowsApps" StencilVersion="0.1"/>
-</Control>
-</file>
-
-<file path=customXml/item158.xml><?xml version="1.0" encoding="utf-8"?>
-<Control xmlns="http://schemas.microsoft.com/VisualStudio/2011/storyboarding/control">
-  <Id Name="fd7d7bed-114e-464c-a4f1-01a512005949" Revision="1" Stencil="System.MyShapes" StencilVersion="1.0"/>
-</Control>
-</file>
-
-<file path=customXml/item159.xml><?xml version="1.0" encoding="utf-8"?>
-<Control xmlns="http://schemas.microsoft.com/VisualStudio/2011/storyboarding/control">
-  <Id Name="fd7d7bed-114e-464c-a4f1-01a512005949" Revision="1" Stencil="System.MyShapes" StencilVersion="1.0"/>
-</Control>
-</file>
-
-<file path=customXml/item16.xml><?xml version="1.0" encoding="utf-8"?>
-<Control xmlns="http://schemas.microsoft.com/VisualStudio/2011/storyboarding/control">
-  <Id Name="fd7d7bed-114e-464c-a4f1-01a512005949" Revision="1" Stencil="System.MyShapes" StencilVersion="1.0"/>
-</Control>
-</file>
-
-<file path=customXml/item160.xml><?xml version="1.0" encoding="utf-8"?>
-<Control xmlns="http://schemas.microsoft.com/VisualStudio/2011/storyboarding/control">
-  <Id Name="fd7d7bed-114e-464c-a4f1-01a512005949" Revision="1" Stencil="System.MyShapes" StencilVersion="1.0"/>
-</Control>
-</file>
-
-<file path=customXml/item161.xml><?xml version="1.0" encoding="utf-8"?>
-<Control xmlns="http://schemas.microsoft.com/VisualStudio/2011/storyboarding/control">
-  <Id Name="System.Storyboarding.Annotation.CallOut" Revision="1" Stencil="System.Storyboarding.Annotation" StencilVersion="0.1"/>
-</Control>
-</file>
-
-<file path=customXml/item162.xml><?xml version="1.0" encoding="utf-8"?>
-<Control xmlns="http://schemas.microsoft.com/VisualStudio/2011/storyboarding/control">
-  <Id Name="System.Storyboarding.WindowsApps.WindowsAppsButton" Revision="1" Stencil="System.Storyboarding.WindowsApps" StencilVersion="0.1"/>
-</Control>
-</file>
-
-<file path=customXml/item163.xml><?xml version="1.0" encoding="utf-8"?>
-<Control xmlns="http://schemas.microsoft.com/VisualStudio/2011/storyboarding/control">
-  <Id Name="System.Storyboarding.Common.CheckBoxUnchecked" Revision="1" Stencil="System.Storyboarding.Common" StencilVersion="0.1"/>
-</Control>
-</file>
-
-<file path=customXml/item164.xml><?xml version="1.0" encoding="utf-8"?>
-<Control xmlns="http://schemas.microsoft.com/VisualStudio/2011/storyboarding/control">
-  <Id Name="System.Storyboarding.WindowsAppIcons.Emoji" Revision="1" Stencil="System.Storyboarding.WindowsAppIcons" StencilVersion="0.1"/>
-</Control>
-</file>
-
-<file path=customXml/item165.xml><?xml version="1.0" encoding="utf-8"?>
-<Control xmlns="http://schemas.microsoft.com/VisualStudio/2011/storyboarding/control">
-  <Id Name="System.Storyboarding.WindowsApps.WindowsAppsTileMedium" Revision="1" Stencil="System.Storyboarding.WindowsApps" StencilVersion="0.1"/>
-</Control>
-</file>
-
-<file path=customXml/item166.xml><?xml version="1.0" encoding="utf-8"?>
-<Control xmlns="http://schemas.microsoft.com/VisualStudio/2011/storyboarding/control">
-  <Id Name="System.Storyboarding.WindowsApps.WindowsAppsButton" Revision="1" Stencil="System.Storyboarding.WindowsApps" StencilVersion="0.1"/>
-</Control>
-</file>
-
-<file path=customXml/item167.xml><?xml version="1.0" encoding="utf-8"?>
-<Control xmlns="http://schemas.microsoft.com/VisualStudio/2011/storyboarding/control">
-  <Id Name="System.Storyboarding.WindowsApps.WindowsAppsButton" Revision="1" Stencil="System.Storyboarding.WindowsApps" StencilVersion="0.1"/>
-</Control>
-</file>
-
-<file path=customXml/item168.xml><?xml version="1.0" encoding="utf-8"?>
-<Control xmlns="http://schemas.microsoft.com/VisualStudio/2011/storyboarding/control">
-  <Id Name="System.Storyboarding.WindowsApps.WindowsAppsButton" Revision="1" Stencil="System.Storyboarding.WindowsApps" StencilVersion="0.1"/>
-</Control>
-</file>
-
-<file path=customXml/item169.xml><?xml version="1.0" encoding="utf-8"?>
-<Control xmlns="http://schemas.microsoft.com/VisualStudio/2011/storyboarding/control">
-  <Id Name="System.Storyboarding.WindowsApps.WindowsAppsButton" Revision="1" Stencil="System.Storyboarding.WindowsApps" StencilVersion="0.1"/>
-</Control>
-</file>
-
-<file path=customXml/item17.xml><?xml version="1.0" encoding="utf-8"?>
-<Control xmlns="http://schemas.microsoft.com/VisualStudio/2011/storyboarding/control">
-  <Id Name="fd7d7bed-114e-464c-a4f1-01a512005949" Revision="1" Stencil="System.MyShapes" StencilVersion="1.0"/>
-</Control>
-</file>
-
-<file path=customXml/item170.xml><?xml version="1.0" encoding="utf-8"?>
-<Control xmlns="http://schemas.microsoft.com/VisualStudio/2011/storyboarding/control">
-  <Id Name="System.Storyboarding.WindowsApps.WindowsAppsTileMedium" Revision="1" Stencil="System.Storyboarding.WindowsApps" StencilVersion="0.1"/>
-</Control>
-</file>
-
-<file path=customXml/item171.xml><?xml version="1.0" encoding="utf-8"?>
-<Control xmlns="http://schemas.microsoft.com/VisualStudio/2011/storyboarding/control">
-  <Id Name="System.Storyboarding.WindowsApps.WindowsAppsTileMedium" Revision="1" Stencil="System.Storyboarding.WindowsApps" StencilVersion="0.1"/>
-</Control>
-</file>
-
-<file path=customXml/item172.xml><?xml version="1.0" encoding="utf-8"?>
-<Control xmlns="http://schemas.microsoft.com/VisualStudio/2011/storyboarding/control">
-  <Id Name="System.Storyboarding.WindowsApps.WindowsAppsButton" Revision="1" Stencil="System.Storyboarding.WindowsApps" StencilVersion="0.1"/>
-</Control>
-</file>
-
-<file path=customXml/item173.xml><?xml version="1.0" encoding="utf-8"?>
-<Control xmlns="http://schemas.microsoft.com/VisualStudio/2011/storyboarding/control">
-  <Id Name="System.Storyboarding.WindowsApps.WindowsAppsTileMedium" Revision="1" Stencil="System.Storyboarding.WindowsApps" StencilVersion="0.1"/>
-</Control>
-</file>
-
-<file path=customXml/item174.xml><?xml version="1.0" encoding="utf-8"?>
-<Control xmlns="http://schemas.microsoft.com/VisualStudio/2011/storyboarding/control">
-  <Id Name="System.Storyboarding.WindowsApps.WindowsAppsButton" Revision="1" Stencil="System.Storyboarding.WindowsApps" StencilVersion="0.1"/>
-</Control>
-</file>
-
-<file path=customXml/item175.xml><?xml version="1.0" encoding="utf-8"?>
-<Control xmlns="http://schemas.microsoft.com/VisualStudio/2011/storyboarding/control">
-  <Id Name="System.Storyboarding.WindowsApps.WindowsAppsTileMedium" Revision="1" Stencil="System.Storyboarding.WindowsApps" StencilVersion="0.1"/>
-</Control>
-</file>
-
-<file path=customXml/item176.xml><?xml version="1.0" encoding="utf-8"?>
-<Control xmlns="http://schemas.microsoft.com/VisualStudio/2011/storyboarding/control">
-  <Id Name="System.Storyboarding.WindowsApps.WindowsAppsButton" Revision="1" Stencil="System.Storyboarding.WindowsApps" StencilVersion="0.1"/>
-</Control>
-</file>
-
-<file path=customXml/item177.xml><?xml version="1.0" encoding="utf-8"?>
-<Control xmlns="http://schemas.microsoft.com/VisualStudio/2011/storyboarding/control">
-  <Id Name="System.Storyboarding.WindowsApps.WindowsAppsTileMedium" Revision="1" Stencil="System.Storyboarding.WindowsApps" StencilVersion="0.1"/>
-</Control>
-</file>
-
-<file path=customXml/item178.xml><?xml version="1.0" encoding="utf-8"?>
-<Control xmlns="http://schemas.microsoft.com/VisualStudio/2011/storyboarding/control">
-  <Id Name="System.Storyboarding.WindowsApps.WindowsAppsButton" Revision="1" Stencil="System.Storyboarding.WindowsApps" StencilVersion="0.1"/>
-</Control>
-</file>
-
-<file path=customXml/item179.xml><?xml version="1.0" encoding="utf-8"?>
-<Control xmlns="http://schemas.microsoft.com/VisualStudio/2011/storyboarding/control">
-  <Id Name="System.Storyboarding.WindowsApps.WindowsAppsButton" Revision="1" Stencil="System.Storyboarding.WindowsApps" StencilVersion="0.1"/>
-</Control>
-</file>
-
-<file path=customXml/item18.xml><?xml version="1.0" encoding="utf-8"?>
-<Control xmlns="http://schemas.microsoft.com/VisualStudio/2011/storyboarding/control">
-  <Id Name="fd7d7bed-114e-464c-a4f1-01a512005949" Revision="1" Stencil="System.MyShapes" StencilVersion="1.0"/>
-</Control>
-</file>
-
-<file path=customXml/item180.xml><?xml version="1.0" encoding="utf-8"?>
-<Control xmlns="http://schemas.microsoft.com/VisualStudio/2011/storyboarding/control">
-  <Id Name="System.Storyboarding.WindowsApps.WindowsAppsButton" Revision="1" Stencil="System.Storyboarding.WindowsApps" StencilVersion="0.1"/>
-</Control>
-</file>
-
-<file path=customXml/item181.xml><?xml version="1.0" encoding="utf-8"?>
-<Control xmlns="http://schemas.microsoft.com/VisualStudio/2011/storyboarding/control">
-  <Id Name="System.Storyboarding.WindowsApps.WindowsAppsTileMedium" Revision="1" Stencil="System.Storyboarding.WindowsApps" StencilVersion="0.1"/>
-</Control>
-</file>
-
-<file path=customXml/item182.xml><?xml version="1.0" encoding="utf-8"?>
-<Control xmlns="http://schemas.microsoft.com/VisualStudio/2011/storyboarding/control">
-  <Id Name="System.Storyboarding.WindowsApps.WindowsAppsTileMedium" Revision="1" Stencil="System.Storyboarding.WindowsApps" StencilVersion="0.1"/>
-</Control>
-</file>
-
-<file path=customXml/item183.xml><?xml version="1.0" encoding="utf-8"?>
-<Control xmlns="http://schemas.microsoft.com/VisualStudio/2011/storyboarding/control">
-  <Id Name="32035d07-bc66-4a79-8001-2507012193e3" RevisionId="7f6cc906-8fab-4878-8f41-90bcdc4e860e" Stencil="172d6d98-e5c9-42e9-a209-79f7a94bbd38" StencilRevisionId="00000000-0000-0000-0000-000000000000" StencilVersion="0.0"/>
-</Control>
-</file>
-
-<file path=customXml/item184.xml><?xml version="1.0" encoding="utf-8"?>
-<Control xmlns="http://schemas.microsoft.com/VisualStudio/2011/storyboarding/control">
-  <Id Name="System.Storyboarding.WindowsAppIcons.Plus" Revision="1" Stencil="System.Storyboarding.WindowsAppIcons" StencilVersion="0.1"/>
-</Control>
-</file>
-
-<file path=customXml/item185.xml><?xml version="1.0" encoding="utf-8"?>
-<Control xmlns="http://schemas.microsoft.com/VisualStudio/2011/storyboarding/control">
-  <Id Name="System.Storyboarding.WindowsApps.WindowsAppsButton" Revision="1" Stencil="System.Storyboarding.WindowsApps" StencilVersion="0.1"/>
-</Control>
-</file>
-
-<file path=customXml/item186.xml><?xml version="1.0" encoding="utf-8"?>
-<Control xmlns="http://schemas.microsoft.com/VisualStudio/2011/storyboarding/control">
-  <Id Name="System.Storyboarding.WindowsApps.WindowsAppsButton" Revision="1" Stencil="System.Storyboarding.WindowsApps" StencilVersion="0.1"/>
-</Control>
-</file>
-
-<file path=customXml/item187.xml><?xml version="1.0" encoding="utf-8"?>
-<Control xmlns="http://schemas.microsoft.com/VisualStudio/2011/storyboarding/control">
-  <Id Name="System.Storyboarding.WindowsApps.WindowsAppsButton" Revision="1" Stencil="System.Storyboarding.WindowsApps" StencilVersion="0.1"/>
-</Control>
-</file>
-
-<file path=customXml/item188.xml><?xml version="1.0" encoding="utf-8"?>
-<Control xmlns="http://schemas.microsoft.com/VisualStudio/2011/storyboarding/control">
-  <Id Name="System.Storyboarding.WindowsAppIcons.Games" Revision="1" Stencil="System.Storyboarding.WindowsAppIcons" StencilVersion="0.1"/>
-</Control>
-</file>
-
-<file path=customXml/item189.xml><?xml version="1.0" encoding="utf-8"?>
-<Control xmlns="http://schemas.microsoft.com/VisualStudio/2011/storyboarding/control">
-  <Id Name="System.Storyboarding.WindowsAppIcons.Games" Revision="1" Stencil="System.Storyboarding.WindowsAppIcons" StencilVersion="0.1"/>
-</Control>
-</file>
-
-<file path=customXml/item19.xml><?xml version="1.0" encoding="utf-8"?>
-<Control xmlns="http://schemas.microsoft.com/VisualStudio/2011/storyboarding/control">
-  <Id Name="System.Storyboarding.WindowsApps.WindowsAppsButton" Revision="1" Stencil="System.Storyboarding.WindowsApps" StencilVersion="0.1"/>
-</Control>
-</file>
-
-<file path=customXml/item190.xml><?xml version="1.0" encoding="utf-8"?>
-<Control xmlns="http://schemas.microsoft.com/VisualStudio/2011/storyboarding/control">
-  <Id Name="System.Storyboarding.Annotation.AnimatedRectangleCallout" Revision="1" Stencil="System.Storyboarding.Annotation" StencilVersion="0.1"/>
-</Control>
-</file>
-
-<file path=customXml/item191.xml><?xml version="1.0" encoding="utf-8"?>
-<Control xmlns="http://schemas.microsoft.com/VisualStudio/2011/storyboarding/control">
-  <Id Name="System.Storyboarding.WindowsApps.WindowsAppsTileMedium" Revision="1" Stencil="System.Storyboarding.WindowsApps" StencilVersion="0.1"/>
-</Control>
-</file>
-
-<file path=customXml/item192.xml><?xml version="1.0" encoding="utf-8"?>
-<Control xmlns="http://schemas.microsoft.com/VisualStudio/2011/storyboarding/control">
-  <Id Name="System.Storyboarding.WindowsApps.WindowsAppsButton" Revision="1" Stencil="System.Storyboarding.WindowsApps" StencilVersion="0.1"/>
-</Control>
-</file>
-
-<file path=customXml/item193.xml><?xml version="1.0" encoding="utf-8"?>
-<Control xmlns="http://schemas.microsoft.com/VisualStudio/2011/storyboarding/control">
-  <Id Name="System.Storyboarding.WindowsApps.WindowsAppsTileMedium" Revision="1" Stencil="System.Storyboarding.WindowsApps" StencilVersion="0.1"/>
-</Control>
-</file>
-
-<file path=customXml/item194.xml><?xml version="1.0" encoding="utf-8"?>
-<Control xmlns="http://schemas.microsoft.com/VisualStudio/2011/storyboarding/control">
-  <Id Name="System.Storyboarding.WindowsApps.WindowsAppsTileMedium" Revision="1" Stencil="System.Storyboarding.WindowsApps" StencilVersion="0.1"/>
-</Control>
-</file>
-
-<file path=customXml/item195.xml><?xml version="1.0" encoding="utf-8"?>
-<Control xmlns="http://schemas.microsoft.com/VisualStudio/2011/storyboarding/control">
-  <Id Name="System.Storyboarding.WindowsApps.WindowsAppsTileMedium" Revision="1" Stencil="System.Storyboarding.WindowsApps" StencilVersion="0.1"/>
-</Control>
-</file>
-
-<file path=customXml/item196.xml><?xml version="1.0" encoding="utf-8"?>
-<Control xmlns="http://schemas.microsoft.com/VisualStudio/2011/storyboarding/control">
-  <Id Name="System.Storyboarding.WindowsApps.WindowsAppsEditBox" Revision="1" Stencil="System.Storyboarding.WindowsApps" StencilVersion="0.1"/>
-</Control>
-</file>
-
-<file path=customXml/item197.xml><?xml version="1.0" encoding="utf-8"?>
-<Control xmlns="http://schemas.microsoft.com/VisualStudio/2011/storyboarding/control">
-  <Id Name="System.Storyboarding.WindowsApps.WindowsAppsTileMedium" Revision="1" Stencil="System.Storyboarding.WindowsApps" StencilVersion="0.1"/>
-</Control>
-</file>
-
-<file path=customXml/item198.xml><?xml version="1.0" encoding="utf-8"?>
-<Control xmlns="http://schemas.microsoft.com/VisualStudio/2011/storyboarding/control">
-  <Id Name="System.Storyboarding.WindowsApps.WindowsAppsTileMedium" Revision="1" Stencil="System.Storyboarding.WindowsApps" StencilVersion="0.1"/>
-</Control>
-</file>
-
-<file path=customXml/item199.xml><?xml version="1.0" encoding="utf-8"?>
-<Control xmlns="http://schemas.microsoft.com/VisualStudio/2011/storyboarding/control">
-  <Id Name="System.Storyboarding.WindowsApps.WindowsAppsEditBox" Revision="1" Stencil="System.Storyboarding.WindowsApps" StencilVersion="0.1"/>
-</Control>
-</file>
-
-<file path=customXml/item2.xml><?xml version="1.0" encoding="utf-8"?>
-<Control xmlns="http://schemas.microsoft.com/VisualStudio/2011/storyboarding/control">
-  <Id Name="System.Storyboarding.Annotation.CallOut" Revision="1" Stencil="System.Storyboarding.Annotation" StencilVersion="0.1"/>
-</Control>
-</file>
-
-<file path=customXml/item20.xml><?xml version="1.0" encoding="utf-8"?>
-<Control xmlns="http://schemas.microsoft.com/VisualStudio/2011/storyboarding/control">
-  <Id Name="System.Storyboarding.WindowsApps.WindowsAppsTileMedium" Revision="1" Stencil="System.Storyboarding.WindowsApps" StencilVersion="0.1"/>
-</Control>
-</file>
-
-<file path=customXml/item200.xml><?xml version="1.0" encoding="utf-8"?>
-<Control xmlns="http://schemas.microsoft.com/VisualStudio/2011/storyboarding/control">
-  <Id Name="System.Storyboarding.WindowsApps.WindowsAppsEditBox" Revision="1" Stencil="System.Storyboarding.WindowsApps" StencilVersion="0.1"/>
-</Control>
-</file>
-
-<file path=customXml/item201.xml><?xml version="1.0" encoding="utf-8"?>
-<Control xmlns="http://schemas.microsoft.com/VisualStudio/2011/storyboarding/control">
-  <Id Name="System.Storyboarding.WindowsApps.WindowsAppsEditBox" Revision="1" Stencil="System.Storyboarding.WindowsApps" StencilVersion="0.1"/>
-</Control>
-</file>
-
-<file path=customXml/item202.xml><?xml version="1.0" encoding="utf-8"?>
-<Control xmlns="http://schemas.microsoft.com/VisualStudio/2011/storyboarding/control">
-  <Id Name="System.Storyboarding.WindowsApps.WindowsAppsTileMedium" Revision="1" Stencil="System.Storyboarding.WindowsApps" StencilVersion="0.1"/>
-</Control>
-</file>
-
-<file path=customXml/item203.xml><?xml version="1.0" encoding="utf-8"?>
-<Control xmlns="http://schemas.microsoft.com/VisualStudio/2011/storyboarding/control">
-  <Id Name="System.Storyboarding.WindowsApps.WindowsAppsButton" Revision="1" Stencil="System.Storyboarding.WindowsApps" StencilVersion="0.1"/>
-</Control>
-</file>
-
-<file path=customXml/item204.xml><?xml version="1.0" encoding="utf-8"?>
-<Control xmlns="http://schemas.microsoft.com/VisualStudio/2011/storyboarding/control">
-  <Id Name="System.Storyboarding.WindowsApps.WindowsAppsTileMedium" Revision="1" Stencil="System.Storyboarding.WindowsApps" StencilVersion="0.1"/>
-</Control>
-</file>
-
-<file path=customXml/item205.xml><?xml version="1.0" encoding="utf-8"?>
-<Control xmlns="http://schemas.microsoft.com/VisualStudio/2011/storyboarding/control">
-  <Id Name="System.Storyboarding.WindowsApps.WindowsAppsTileMedium" Revision="1" Stencil="System.Storyboarding.WindowsApps" StencilVersion="0.1"/>
-</Control>
-</file>
-
-<file path=customXml/item206.xml><?xml version="1.0" encoding="utf-8"?>
-<Control xmlns="http://schemas.microsoft.com/VisualStudio/2011/storyboarding/control">
-  <Id Name="System.Storyboarding.Backgrounds.WindowsPhone" Revision="1" Stencil="System.Storyboarding.Backgrounds" StencilVersion="0.1"/>
-</Control>
-</file>
-
-<file path=customXml/item207.xml><?xml version="1.0" encoding="utf-8"?>
-<Control xmlns="http://schemas.microsoft.com/VisualStudio/2011/storyboarding/control">
-  <Id Name="System.Storyboarding.WindowsApps.WindowsAppsEditBox" Revision="1" Stencil="System.Storyboarding.WindowsApps" StencilVersion="0.1"/>
-</Control>
-</file>
-
-<file path=customXml/item208.xml><?xml version="1.0" encoding="utf-8"?>
-<Control xmlns="http://schemas.microsoft.com/VisualStudio/2011/storyboarding/control">
-  <Id Name="System.Storyboarding.WindowsApps.WindowsAppsTileMedium" Revision="1" Stencil="System.Storyboarding.WindowsApps" StencilVersion="0.1"/>
-</Control>
-</file>
-
-<file path=customXml/item209.xml><?xml version="1.0" encoding="utf-8"?>
-<Control xmlns="http://schemas.microsoft.com/VisualStudio/2011/storyboarding/control">
-  <Id Name="System.Storyboarding.WindowsApps.WindowsAppsEditBox" Revision="1" Stencil="System.Storyboarding.WindowsApps" StencilVersion="0.1"/>
-</Control>
-</file>
-
-<file path=customXml/item21.xml><?xml version="1.0" encoding="utf-8"?>
-<Control xmlns="http://schemas.microsoft.com/VisualStudio/2011/storyboarding/control">
-  <Id Name="System.Storyboarding.WindowsApps.WindowsAppsTileMedium" Revision="1" Stencil="System.Storyboarding.WindowsApps" StencilVersion="0.1"/>
-</Control>
-</file>
-
-<file path=customXml/item210.xml><?xml version="1.0" encoding="utf-8"?>
-<Control xmlns="http://schemas.microsoft.com/VisualStudio/2011/storyboarding/control">
-  <Id Name="System.Storyboarding.WindowsApps.WindowsAppsTileMedium" Revision="1" Stencil="System.Storyboarding.WindowsApps" StencilVersion="0.1"/>
-</Control>
-</file>
-
-<file path=customXml/item211.xml><?xml version="1.0" encoding="utf-8"?>
-<Control xmlns="http://schemas.microsoft.com/VisualStudio/2011/storyboarding/control">
-  <Id Name="System.Storyboarding.WindowsApps.WindowsAppsEditBox" Revision="1" Stencil="System.Storyboarding.WindowsApps" StencilVersion="0.1"/>
-</Control>
-</file>
-
-<file path=customXml/item212.xml><?xml version="1.0" encoding="utf-8"?>
-<Control xmlns="http://schemas.microsoft.com/VisualStudio/2011/storyboarding/control">
-  <Id Name="System.Storyboarding.WindowsApps.WindowsAppsEditBox" Revision="1" Stencil="System.Storyboarding.WindowsApps" StencilVersion="0.1"/>
-</Control>
-</file>
-
-<file path=customXml/item213.xml><?xml version="1.0" encoding="utf-8"?>
-<Control xmlns="http://schemas.microsoft.com/VisualStudio/2011/storyboarding/control">
-  <Id Name="System.Storyboarding.WindowsApps.WindowsAppsEditBox" Revision="1" Stencil="System.Storyboarding.WindowsApps" StencilVersion="0.1"/>
-</Control>
-</file>
-
-<file path=customXml/item214.xml><?xml version="1.0" encoding="utf-8"?>
-<Control xmlns="http://schemas.microsoft.com/VisualStudio/2011/storyboarding/control">
-  <Id Name="System.Storyboarding.WindowsApps.WindowsAppsTileMedium" Revision="1" Stencil="System.Storyboarding.WindowsApps" StencilVersion="0.1"/>
-</Control>
-</file>
-
-<file path=customXml/item215.xml><?xml version="1.0" encoding="utf-8"?>
-<Control xmlns="http://schemas.microsoft.com/VisualStudio/2011/storyboarding/control">
-  <Id Name="System.Storyboarding.WindowsApps.WindowsAppsTileMedium" Revision="1" Stencil="System.Storyboarding.WindowsApps" StencilVersion="0.1"/>
-</Control>
-</file>
-
-<file path=customXml/item216.xml><?xml version="1.0" encoding="utf-8"?>
-<Control xmlns="http://schemas.microsoft.com/VisualStudio/2011/storyboarding/control">
-  <Id Name="System.Storyboarding.Icons.Warning" Revision="1" Stencil="System.Storyboarding.Icons" StencilVersion="0.1"/>
-</Control>
-</file>
-
-<file path=customXml/item217.xml><?xml version="1.0" encoding="utf-8"?>
-<Control xmlns="http://schemas.microsoft.com/VisualStudio/2011/storyboarding/control">
-  <Id Name="System.Storyboarding.Annotation.StickyNote" Revision="1" Stencil="System.Storyboarding.Annotation" StencilVersion="0.1"/>
-</Control>
-</file>
-
-<file path=customXml/item218.xml><?xml version="1.0" encoding="utf-8"?>
-<Control xmlns="http://schemas.microsoft.com/VisualStudio/2011/storyboarding/control">
-  <Id Name="System.Storyboarding.WindowsApps.WindowsAppsTileMedium" Revision="1" Stencil="System.Storyboarding.WindowsApps" StencilVersion="0.1"/>
-</Control>
-</file>
-
-<file path=customXml/item219.xml><?xml version="1.0" encoding="utf-8"?>
-<Control xmlns="http://schemas.microsoft.com/VisualStudio/2011/storyboarding/control">
-  <Id Name="System.Storyboarding.WindowsApps.WindowsAppsButton" Revision="1" Stencil="System.Storyboarding.WindowsApps" StencilVersion="0.1"/>
-</Control>
-</file>
-
-<file path=customXml/item22.xml><?xml version="1.0" encoding="utf-8"?>
-<Control xmlns="http://schemas.microsoft.com/VisualStudio/2011/storyboarding/control">
-  <Id Name="System.Storyboarding.Annotation.CallOut" Revision="1" Stencil="System.Storyboarding.Annotation" StencilVersion="0.1"/>
-</Control>
-</file>
-
-<file path=customXml/item220.xml><?xml version="1.0" encoding="utf-8"?>
-<Control xmlns="http://schemas.microsoft.com/VisualStudio/2011/storyboarding/control">
-  <Id Name="System.Storyboarding.WindowsApps.WindowsAppsTileMedium" Revision="1" Stencil="System.Storyboarding.WindowsApps" StencilVersion="0.1"/>
-</Control>
-</file>
-
-<file path=customXml/item221.xml><?xml version="1.0" encoding="utf-8"?>
-<Control xmlns="http://schemas.microsoft.com/VisualStudio/2011/storyboarding/control">
-  <Id Name="System.Storyboarding.WindowsApps.WindowsAppsTileMedium" Revision="1" Stencil="System.Storyboarding.WindowsApps" StencilVersion="0.1"/>
-</Control>
-</file>
-
-<file path=customXml/item222.xml><?xml version="1.0" encoding="utf-8"?>
-<Control xmlns="http://schemas.microsoft.com/VisualStudio/2011/storyboarding/control">
-  <Id Name="System.Storyboarding.WindowsApps.WindowsAppsEditBox" Revision="1" Stencil="System.Storyboarding.WindowsApps" StencilVersion="0.1"/>
-</Control>
-</file>
-
-<file path=customXml/item223.xml><?xml version="1.0" encoding="utf-8"?>
-<Control xmlns="http://schemas.microsoft.com/VisualStudio/2011/storyboarding/control">
-  <Id Name="System.Storyboarding.WindowsApps.WindowsAppsTileMedium" Revision="1" Stencil="System.Storyboarding.WindowsApps" StencilVersion="0.1"/>
-</Control>
-</file>
-
-<file path=customXml/item224.xml><?xml version="1.0" encoding="utf-8"?>
-<Control xmlns="http://schemas.microsoft.com/VisualStudio/2011/storyboarding/control">
-  <Id Name="System.Storyboarding.WindowsApps.WindowsAppsEditBox" Revision="1" Stencil="System.Storyboarding.WindowsApps" StencilVersion="0.1"/>
-</Control>
-</file>
-
-<file path=customXml/item225.xml><?xml version="1.0" encoding="utf-8"?>
-<Control xmlns="http://schemas.microsoft.com/VisualStudio/2011/storyboarding/control">
-  <Id Name="System.Storyboarding.WindowsApps.WindowsAppsTileMedium" Revision="1" Stencil="System.Storyboarding.WindowsApps" StencilVersion="0.1"/>
-</Control>
-</file>
-
-<file path=customXml/item226.xml><?xml version="1.0" encoding="utf-8"?>
-<Control xmlns="http://schemas.microsoft.com/VisualStudio/2011/storyboarding/control">
-  <Id Name="System.Storyboarding.WindowsApps.WindowsAppsEditBox" Revision="1" Stencil="System.Storyboarding.WindowsApps" StencilVersion="0.1"/>
-</Control>
-</file>
-
-<file path=customXml/item227.xml><?xml version="1.0" encoding="utf-8"?>
-<Control xmlns="http://schemas.microsoft.com/VisualStudio/2011/storyboarding/control">
-  <Id Name="System.Storyboarding.WindowsApps.WindowsAppsEditBox" Revision="1" Stencil="System.Storyboarding.WindowsApps" StencilVersion="0.1"/>
-</Control>
-</file>
-
-<file path=customXml/item228.xml><?xml version="1.0" encoding="utf-8"?>
-<Control xmlns="http://schemas.microsoft.com/VisualStudio/2011/storyboarding/control">
-  <Id Name="System.Storyboarding.WindowsApps.WindowsAppsEditBox" Revision="1" Stencil="System.Storyboarding.WindowsApps" StencilVersion="0.1"/>
-</Control>
-</file>
-
-<file path=customXml/item229.xml><?xml version="1.0" encoding="utf-8"?>
-<Control xmlns="http://schemas.microsoft.com/VisualStudio/2011/storyboarding/control">
-  <Id Name="System.Storyboarding.WindowsApps.WindowsAppsTileMedium" Revision="1" Stencil="System.Storyboarding.WindowsApps" StencilVersion="0.1"/>
-</Control>
-</file>
-
-<file path=customXml/item23.xml><?xml version="1.0" encoding="utf-8"?>
-<Control xmlns="http://schemas.microsoft.com/VisualStudio/2011/storyboarding/control">
-  <Id Name="System.Storyboarding.Common.CheckBoxUnchecked" Revision="1" Stencil="System.Storyboarding.Common" StencilVersion="0.1"/>
-</Control>
-</file>
-
-<file path=customXml/item230.xml><?xml version="1.0" encoding="utf-8"?>
-<Control xmlns="http://schemas.microsoft.com/VisualStudio/2011/storyboarding/control">
-  <Id Name="System.Storyboarding.WindowsApps.WindowsAppsTileMedium" Revision="1" Stencil="System.Storyboarding.WindowsApps" StencilVersion="0.1"/>
-</Control>
-</file>
-
-<file path=customXml/item231.xml><?xml version="1.0" encoding="utf-8"?>
-<Control xmlns="http://schemas.microsoft.com/VisualStudio/2011/storyboarding/control">
-  <Id Name="System.Storyboarding.Icons.Warning" Revision="1" Stencil="System.Storyboarding.Icons" StencilVersion="0.1"/>
-</Control>
-</file>
-
-<file path=customXml/item232.xml><?xml version="1.0" encoding="utf-8"?>
-<Control xmlns="http://schemas.microsoft.com/VisualStudio/2011/storyboarding/control">
-  <Id Name="System.Storyboarding.WindowsApps.WindowsAppsTileMedium" Revision="1" Stencil="System.Storyboarding.WindowsApps" StencilVersion="0.1"/>
-</Control>
-</file>
-
-<file path=customXml/item233.xml><?xml version="1.0" encoding="utf-8"?>
-<Control xmlns="http://schemas.microsoft.com/VisualStudio/2011/storyboarding/control">
-  <Id Name="System.Storyboarding.WindowsApps.WindowsAppsButton" Revision="1" Stencil="System.Storyboarding.WindowsApps" StencilVersion="0.1"/>
-</Control>
-</file>
-
-<file path=customXml/item234.xml><?xml version="1.0" encoding="utf-8"?>
-<Control xmlns="http://schemas.microsoft.com/VisualStudio/2011/storyboarding/control">
-  <Id Name="System.Storyboarding.WindowsApps.WindowsAppsTileMedium" Revision="1" Stencil="System.Storyboarding.WindowsApps" StencilVersion="0.1"/>
-</Control>
-</file>
-
-<file path=customXml/item235.xml><?xml version="1.0" encoding="utf-8"?>
-<Control xmlns="http://schemas.microsoft.com/VisualStudio/2011/storyboarding/control">
-  <Id Name="System.Storyboarding.WindowsApps.WindowsAppsTileMedium" Revision="1" Stencil="System.Storyboarding.WindowsApps" StencilVersion="0.1"/>
-</Control>
-</file>
-
-<file path=customXml/item236.xml><?xml version="1.0" encoding="utf-8"?>
-<Control xmlns="http://schemas.microsoft.com/VisualStudio/2011/storyboarding/control">
-  <Id Name="System.Storyboarding.WindowsApps.WindowsAppsTileMedium" Revision="1" Stencil="System.Storyboarding.WindowsApps" StencilVersion="0.1"/>
-</Control>
-</file>
-
-<file path=customXml/item237.xml><?xml version="1.0" encoding="utf-8"?>
-<Control xmlns="http://schemas.microsoft.com/VisualStudio/2011/storyboarding/control">
-  <Id Name="System.Storyboarding.WindowsApps.WindowsAppsTileMedium" Revision="1" Stencil="System.Storyboarding.WindowsApps" StencilVersion="0.1"/>
-</Control>
-</file>
-
-<file path=customXml/item238.xml><?xml version="1.0" encoding="utf-8"?>
-<Control xmlns="http://schemas.microsoft.com/VisualStudio/2011/storyboarding/control">
-  <Id Name="System.Storyboarding.WindowsApps.WindowsAppsEditBox" Revision="1" Stencil="System.Storyboarding.WindowsApps" StencilVersion="0.1"/>
-</Control>
-</file>
-
-<file path=customXml/item239.xml><?xml version="1.0" encoding="utf-8"?>
-<Control xmlns="http://schemas.microsoft.com/VisualStudio/2011/storyboarding/control">
-  <Id Name="System.Storyboarding.Annotation.CallOut" Revision="1" Stencil="System.Storyboarding.Annotation" StencilVersion="0.1"/>
-</Control>
-</file>
-
-<file path=customXml/item24.xml><?xml version="1.0" encoding="utf-8"?>
-<Control xmlns="http://schemas.microsoft.com/VisualStudio/2011/storyboarding/control">
-  <Id Name="System.Storyboarding.WindowsApps.WindowsAppsEditBox" Revision="1" Stencil="System.Storyboarding.WindowsApps" StencilVersion="0.1"/>
-</Control>
-</file>
-
-<file path=customXml/item240.xml><?xml version="1.0" encoding="utf-8"?>
-<Control xmlns="http://schemas.microsoft.com/VisualStudio/2011/storyboarding/control">
-  <Id Name="fd7d7bed-114e-464c-a4f1-01a512005949" Revision="1" Stencil="System.MyShapes" StencilVersion="1.0"/>
-</Control>
-</file>
-
-<file path=customXml/item241.xml><?xml version="1.0" encoding="utf-8"?>
-<Control xmlns="http://schemas.microsoft.com/VisualStudio/2011/storyboarding/control">
-  <Id Name="System.Storyboarding.Annotation.CallOut" Revision="1" Stencil="System.Storyboarding.Annotation" StencilVersion="0.1"/>
-</Control>
-</file>
-
-<file path=customXml/item242.xml><?xml version="1.0" encoding="utf-8"?>
-<Control xmlns="http://schemas.microsoft.com/VisualStudio/2011/storyboarding/control">
-  <Id Name="fd7d7bed-114e-464c-a4f1-01a512005949" Revision="1" Stencil="System.MyShapes" StencilVersion="1.0"/>
-</Control>
-</file>
-
-<file path=customXml/item243.xml><?xml version="1.0" encoding="utf-8"?>
-<Control xmlns="http://schemas.microsoft.com/VisualStudio/2011/storyboarding/control">
-  <Id Name="System.Storyboarding.Annotation.CallOut" Revision="1" Stencil="System.Storyboarding.Annotation" StencilVersion="0.1"/>
-</Control>
-</file>
-
-<file path=customXml/item244.xml><?xml version="1.0" encoding="utf-8"?>
-<Control xmlns="http://schemas.microsoft.com/VisualStudio/2011/storyboarding/control">
-  <Id Name="fd7d7bed-114e-464c-a4f1-01a512005949" Revision="1" Stencil="System.MyShapes" StencilVersion="1.0"/>
-</Control>
-</file>
-
-<file path=customXml/item245.xml><?xml version="1.0" encoding="utf-8"?>
-<Control xmlns="http://schemas.microsoft.com/VisualStudio/2011/storyboarding/control">
-  <Id Name="System.Storyboarding.Annotation.CallOut" Revision="1" Stencil="System.Storyboarding.Annotation" StencilVersion="0.1"/>
-</Control>
-</file>
-
-<file path=customXml/item246.xml><?xml version="1.0" encoding="utf-8"?>
-<Control xmlns="http://schemas.microsoft.com/VisualStudio/2011/storyboarding/control">
-  <Id Name="fd7d7bed-114e-464c-a4f1-01a512005949" Revision="1" Stencil="System.MyShapes" StencilVersion="1.0"/>
-</Control>
-</file>
-
-<file path=customXml/item247.xml><?xml version="1.0" encoding="utf-8"?>
-<Control xmlns="http://schemas.microsoft.com/VisualStudio/2011/storyboarding/control">
-  <Id Name="System.Storyboarding.Annotation.CallOut" Revision="1" Stencil="System.Storyboarding.Annotation" StencilVersion="0.1"/>
-</Control>
-</file>
-
-<file path=customXml/item248.xml><?xml version="1.0" encoding="utf-8"?>
-<Control xmlns="http://schemas.microsoft.com/VisualStudio/2011/storyboarding/control">
-  <Id Name="fd7d7bed-114e-464c-a4f1-01a512005949" Revision="1" Stencil="System.MyShapes" StencilVersion="1.0"/>
-</Control>
-</file>
-
-<file path=customXml/item249.xml><?xml version="1.0" encoding="utf-8"?>
-<Control xmlns="http://schemas.microsoft.com/VisualStudio/2011/storyboarding/control">
-  <Id Name="System.Storyboarding.Annotation.CallOut" Revision="1" Stencil="System.Storyboarding.Annotation" StencilVersion="0.1"/>
-</Control>
-</file>
-
-<file path=customXml/item25.xml><?xml version="1.0" encoding="utf-8"?>
-<Control xmlns="http://schemas.microsoft.com/VisualStudio/2011/storyboarding/control">
-  <Id Name="System.Storyboarding.WindowsApps.WindowsAppsTileMedium" Revision="1" Stencil="System.Storyboarding.WindowsApps" StencilVersion="0.1"/>
-</Control>
-</file>
-
-<file path=customXml/item250.xml><?xml version="1.0" encoding="utf-8"?>
-<Control xmlns="http://schemas.microsoft.com/VisualStudio/2011/storyboarding/control">
-  <Id Name="fd7d7bed-114e-464c-a4f1-01a512005949" Revision="1" Stencil="System.MyShapes" StencilVersion="1.0"/>
-</Control>
-</file>
-
-<file path=customXml/item251.xml><?xml version="1.0" encoding="utf-8"?>
-<Control xmlns="http://schemas.microsoft.com/VisualStudio/2011/storyboarding/control">
-  <Id Name="System.Storyboarding.Annotation.CallOut" Revision="1" Stencil="System.Storyboarding.Annotation" StencilVersion="0.1"/>
-</Control>
-</file>
-
-<file path=customXml/item252.xml><?xml version="1.0" encoding="utf-8"?>
-<Control xmlns="http://schemas.microsoft.com/VisualStudio/2011/storyboarding/control">
-  <Id Name="fd7d7bed-114e-464c-a4f1-01a512005949" Revision="1" Stencil="System.MyShapes" StencilVersion="1.0"/>
-</Control>
-</file>
-
-<file path=customXml/item253.xml><?xml version="1.0" encoding="utf-8"?>
-<Control xmlns="http://schemas.microsoft.com/VisualStudio/2011/storyboarding/control">
-  <Id Name="System.Storyboarding.Annotation.CallOut" Revision="1" Stencil="System.Storyboarding.Annotation" StencilVersion="0.1"/>
-</Control>
-</file>
-
-<file path=customXml/item254.xml><?xml version="1.0" encoding="utf-8"?>
-<Control xmlns="http://schemas.microsoft.com/VisualStudio/2011/storyboarding/control">
-  <Id Name="fd7d7bed-114e-464c-a4f1-01a512005949" Revision="1" Stencil="System.MyShapes" StencilVersion="1.0"/>
-</Control>
-</file>
-
-<file path=customXml/item255.xml><?xml version="1.0" encoding="utf-8"?>
-<Control xmlns="http://schemas.microsoft.com/VisualStudio/2011/storyboarding/control">
-  <Id Name="System.Storyboarding.Annotation.CallOut" Revision="1" Stencil="System.Storyboarding.Annotation" StencilVersion="0.1"/>
-</Control>
-</file>
-
-<file path=customXml/item256.xml><?xml version="1.0" encoding="utf-8"?>
-<Control xmlns="http://schemas.microsoft.com/VisualStudio/2011/storyboarding/control">
-  <Id Name="fd7d7bed-114e-464c-a4f1-01a512005949" Revision="1" Stencil="System.MyShapes" StencilVersion="1.0"/>
-</Control>
-</file>
-
-<file path=customXml/item257.xml><?xml version="1.0" encoding="utf-8"?>
-<Control xmlns="http://schemas.microsoft.com/VisualStudio/2011/storyboarding/control">
-  <Id Name="System.Storyboarding.Annotation.CallOut" Revision="1" Stencil="System.Storyboarding.Annotation" StencilVersion="0.1"/>
-</Control>
-</file>
-
-<file path=customXml/item258.xml><?xml version="1.0" encoding="utf-8"?>
-<Control xmlns="http://schemas.microsoft.com/VisualStudio/2011/storyboarding/control">
-  <Id Name="fd7d7bed-114e-464c-a4f1-01a512005949" Revision="1" Stencil="System.MyShapes" StencilVersion="1.0"/>
-</Control>
-</file>
-
-<file path=customXml/item259.xml><?xml version="1.0" encoding="utf-8"?>
-<Control xmlns="http://schemas.microsoft.com/VisualStudio/2011/storyboarding/control">
-  <Id Name="System.Storyboarding.Annotation.CallOut" Revision="1" Stencil="System.Storyboarding.Annotation" StencilVersion="0.1"/>
-</Control>
-</file>
-
-<file path=customXml/item26.xml><?xml version="1.0" encoding="utf-8"?>
-<Control xmlns="http://schemas.microsoft.com/VisualStudio/2011/storyboarding/control">
-  <Id Name="System.Storyboarding.WindowsApps.WindowsAppsTileMedium" Revision="1" Stencil="System.Storyboarding.WindowsApps" StencilVersion="0.1"/>
-</Control>
-</file>
-
-<file path=customXml/item260.xml><?xml version="1.0" encoding="utf-8"?>
-<Control xmlns="http://schemas.microsoft.com/VisualStudio/2011/storyboarding/control">
-  <Id Name="fd7d7bed-114e-464c-a4f1-01a512005949" Revision="1" Stencil="System.MyShapes" StencilVersion="1.0"/>
-</Control>
-</file>
-
-<file path=customXml/item261.xml><?xml version="1.0" encoding="utf-8"?>
-<Control xmlns="http://schemas.microsoft.com/VisualStudio/2011/storyboarding/control">
-  <Id Name="System.Storyboarding.Annotation.CallOut" Revision="1" Stencil="System.Storyboarding.Annotation" StencilVersion="0.1"/>
-</Control>
-</file>
-
-<file path=customXml/item262.xml><?xml version="1.0" encoding="utf-8"?>
-<Control xmlns="http://schemas.microsoft.com/VisualStudio/2011/storyboarding/control">
-  <Id Name="fd7d7bed-114e-464c-a4f1-01a512005949" Revision="1" Stencil="System.MyShapes" StencilVersion="1.0"/>
-</Control>
-</file>
-
-<file path=customXml/item263.xml><?xml version="1.0" encoding="utf-8"?>
-<Control xmlns="http://schemas.microsoft.com/VisualStudio/2011/storyboarding/control">
-  <Id Name="System.Storyboarding.Annotation.CallOut" Revision="1" Stencil="System.Storyboarding.Annotation" StencilVersion="0.1"/>
-</Control>
-</file>
-
-<file path=customXml/item264.xml><?xml version="1.0" encoding="utf-8"?>
-<Control xmlns="http://schemas.microsoft.com/VisualStudio/2011/storyboarding/control">
-  <Id Name="fd7d7bed-114e-464c-a4f1-01a512005949" Revision="1" Stencil="System.MyShapes" StencilVersion="1.0"/>
-</Control>
-</file>
-
-<file path=customXml/item265.xml><?xml version="1.0" encoding="utf-8"?>
-<Control xmlns="http://schemas.microsoft.com/VisualStudio/2011/storyboarding/control">
-  <Id Name="System.Storyboarding.Annotation.StickyNote" Revision="1" Stencil="System.Storyboarding.Annotation" StencilVersion="0.1"/>
-</Control>
-</file>
-
-<file path=customXml/item266.xml><?xml version="1.0" encoding="utf-8"?>
-<Control xmlns="http://schemas.microsoft.com/VisualStudio/2011/storyboarding/control">
-  <Id Name="System.Storyboarding.Annotation.CallOut" Revision="1" Stencil="System.Storyboarding.Annotation" StencilVersion="0.1"/>
-</Control>
-</file>
-
-<file path=customXml/item267.xml><?xml version="1.0" encoding="utf-8"?>
-<Control xmlns="http://schemas.microsoft.com/VisualStudio/2011/storyboarding/control">
-  <Id Name="fd7d7bed-114e-464c-a4f1-01a512005949" Revision="1" Stencil="System.MyShapes" StencilVersion="1.0"/>
-</Control>
-</file>
-
-<file path=customXml/item268.xml><?xml version="1.0" encoding="utf-8"?>
-<Control xmlns="http://schemas.microsoft.com/VisualStudio/2011/storyboarding/control">
-  <Id Name="System.Storyboarding.Annotation.CallOut" Revision="1" Stencil="System.Storyboarding.Annotation" StencilVersion="0.1"/>
-</Control>
-</file>
-
-<file path=customXml/item269.xml><?xml version="1.0" encoding="utf-8"?>
-<Control xmlns="http://schemas.microsoft.com/VisualStudio/2011/storyboarding/control">
-  <Id Name="fd7d7bed-114e-464c-a4f1-01a512005949" Revision="1" Stencil="System.MyShapes" StencilVersion="1.0"/>
-</Control>
-</file>
-
-<file path=customXml/item27.xml><?xml version="1.0" encoding="utf-8"?>
-<Control xmlns="http://schemas.microsoft.com/VisualStudio/2011/storyboarding/control">
-  <Id Name="System.Storyboarding.WindowsApps.WindowsAppsEditBox" Revision="1" Stencil="System.Storyboarding.WindowsApps" StencilVersion="0.1"/>
-</Control>
-</file>
-
-<file path=customXml/item270.xml><?xml version="1.0" encoding="utf-8"?>
-<Control xmlns="http://schemas.microsoft.com/VisualStudio/2011/storyboarding/control">
-  <Id Name="System.Storyboarding.Annotation.CallOut" Revision="1" Stencil="System.Storyboarding.Annotation" StencilVersion="0.1"/>
-</Control>
-</file>
-
-<file path=customXml/item271.xml><?xml version="1.0" encoding="utf-8"?>
-<Control xmlns="http://schemas.microsoft.com/VisualStudio/2011/storyboarding/control">
-  <Id Name="fd7d7bed-114e-464c-a4f1-01a512005949" Revision="1" Stencil="System.MyShapes" StencilVersion="1.0"/>
-</Control>
-</file>
-
-<file path=customXml/item272.xml><?xml version="1.0" encoding="utf-8"?>
-<Control xmlns="http://schemas.microsoft.com/VisualStudio/2011/storyboarding/control">
-  <Id Name="System.Storyboarding.Annotation.CallOut" Revision="1" Stencil="System.Storyboarding.Annotation" StencilVersion="0.1"/>
-</Control>
-</file>
-
-<file path=customXml/item273.xml><?xml version="1.0" encoding="utf-8"?>
-<Control xmlns="http://schemas.microsoft.com/VisualStudio/2011/storyboarding/control">
-  <Id Name="fd7d7bed-114e-464c-a4f1-01a512005949" Revision="1" Stencil="System.MyShapes" StencilVersion="1.0"/>
-</Control>
-</file>
-
-<file path=customXml/item274.xml><?xml version="1.0" encoding="utf-8"?>
-<Control xmlns="http://schemas.microsoft.com/VisualStudio/2011/storyboarding/control">
-  <Id Name="System.Storyboarding.Annotation.CallOut" Revision="1" Stencil="System.Storyboarding.Annotation" StencilVersion="0.1"/>
-</Control>
-</file>
-
-<file path=customXml/item275.xml><?xml version="1.0" encoding="utf-8"?>
-<Control xmlns="http://schemas.microsoft.com/VisualStudio/2011/storyboarding/control">
-  <Id Name="fd7d7bed-114e-464c-a4f1-01a512005949" Revision="1" Stencil="System.MyShapes" StencilVersion="1.0"/>
-</Control>
-</file>
-
-<file path=customXml/item276.xml><?xml version="1.0" encoding="utf-8"?>
-<Control xmlns="http://schemas.microsoft.com/VisualStudio/2011/storyboarding/control">
-  <Id Name="System.Storyboarding.Annotation.CallOut" Revision="1" Stencil="System.Storyboarding.Annotation" StencilVersion="0.1"/>
-</Control>
-</file>
-
-<file path=customXml/item277.xml><?xml version="1.0" encoding="utf-8"?>
-<Control xmlns="http://schemas.microsoft.com/VisualStudio/2011/storyboarding/control">
-  <Id Name="fd7d7bed-114e-464c-a4f1-01a512005949" Revision="1" Stencil="System.MyShapes" StencilVersion="1.0"/>
-</Control>
-</file>
-
-<file path=customXml/item278.xml><?xml version="1.0" encoding="utf-8"?>
-<Control xmlns="http://schemas.microsoft.com/VisualStudio/2011/storyboarding/control">
-  <Id Name="System.Storyboarding.Annotation.CallOut" Revision="1" Stencil="System.Storyboarding.Annotation" StencilVersion="0.1"/>
-</Control>
-</file>
-
-<file path=customXml/item279.xml><?xml version="1.0" encoding="utf-8"?>
-<Control xmlns="http://schemas.microsoft.com/VisualStudio/2011/storyboarding/control">
-  <Id Name="fd7d7bed-114e-464c-a4f1-01a512005949" Revision="1" Stencil="System.MyShapes" StencilVersion="1.0"/>
-</Control>
-</file>
-
-<file path=customXml/item28.xml><?xml version="1.0" encoding="utf-8"?>
-<Control xmlns="http://schemas.microsoft.com/VisualStudio/2011/storyboarding/control">
-  <Id Name="System.Storyboarding.WindowsApps.WindowsAppsEditBox" Revision="1" Stencil="System.Storyboarding.WindowsApps" StencilVersion="0.1"/>
-</Control>
-</file>
-
-<file path=customXml/item280.xml><?xml version="1.0" encoding="utf-8"?>
-<Control xmlns="http://schemas.microsoft.com/VisualStudio/2011/storyboarding/control">
-  <Id Name="System.Storyboarding.Annotation.CallOut" Revision="1" Stencil="System.Storyboarding.Annotation" StencilVersion="0.1"/>
-</Control>
-</file>
-
-<file path=customXml/item281.xml><?xml version="1.0" encoding="utf-8"?>
-<Control xmlns="http://schemas.microsoft.com/VisualStudio/2011/storyboarding/control">
-  <Id Name="fd7d7bed-114e-464c-a4f1-01a512005949" Revision="1" Stencil="System.MyShapes" StencilVersion="1.0"/>
-</Control>
-</file>
-
-<file path=customXml/item282.xml><?xml version="1.0" encoding="utf-8"?>
-<Control xmlns="http://schemas.microsoft.com/VisualStudio/2011/storyboarding/control">
-  <Id Name="System.Storyboarding.Annotation.CallOut" Revision="1" Stencil="System.Storyboarding.Annotation" StencilVersion="0.1"/>
-</Control>
-</file>
-
-<file path=customXml/item283.xml><?xml version="1.0" encoding="utf-8"?>
-<Control xmlns="http://schemas.microsoft.com/VisualStudio/2011/storyboarding/control">
-  <Id Name="fd7d7bed-114e-464c-a4f1-01a512005949" Revision="1" Stencil="System.MyShapes" StencilVersion="1.0"/>
-</Control>
-</file>
-
-<file path=customXml/item284.xml><?xml version="1.0" encoding="utf-8"?>
-<Control xmlns="http://schemas.microsoft.com/VisualStudio/2011/storyboarding/control">
-  <Id Name="System.Storyboarding.Annotation.CallOut" Revision="1" Stencil="System.Storyboarding.Annotation" StencilVersion="0.1"/>
-</Control>
-</file>
-
-<file path=customXml/item285.xml><?xml version="1.0" encoding="utf-8"?>
-<Control xmlns="http://schemas.microsoft.com/VisualStudio/2011/storyboarding/control">
-  <Id Name="fd7d7bed-114e-464c-a4f1-01a512005949" Revision="1" Stencil="System.MyShapes" StencilVersion="1.0"/>
-</Control>
-</file>
-
-<file path=customXml/item286.xml><?xml version="1.0" encoding="utf-8"?>
-<Control xmlns="http://schemas.microsoft.com/VisualStudio/2011/storyboarding/control">
-  <Id Name="System.Storyboarding.Annotation.CallOut" Revision="1" Stencil="System.Storyboarding.Annotation" StencilVersion="0.1"/>
-</Control>
-</file>
-
-<file path=customXml/item287.xml><?xml version="1.0" encoding="utf-8"?>
-<Control xmlns="http://schemas.microsoft.com/VisualStudio/2011/storyboarding/control">
-  <Id Name="fd7d7bed-114e-464c-a4f1-01a512005949" Revision="1" Stencil="System.MyShapes" StencilVersion="1.0"/>
-</Control>
-</file>
-
-<file path=customXml/item288.xml><?xml version="1.0" encoding="utf-8"?>
-<Control xmlns="http://schemas.microsoft.com/VisualStudio/2011/storyboarding/control">
-  <Id Name="System.Storyboarding.Annotation.CallOut" Revision="1" Stencil="System.Storyboarding.Annotation" StencilVersion="0.1"/>
-</Control>
-</file>
-
-<file path=customXml/item289.xml><?xml version="1.0" encoding="utf-8"?>
-<Control xmlns="http://schemas.microsoft.com/VisualStudio/2011/storyboarding/control">
-  <Id Name="fd7d7bed-114e-464c-a4f1-01a512005949" Revision="1" Stencil="System.MyShapes" StencilVersion="1.0"/>
-</Control>
-</file>
-
-<file path=customXml/item29.xml><?xml version="1.0" encoding="utf-8"?>
-<Control xmlns="http://schemas.microsoft.com/VisualStudio/2011/storyboarding/control">
-  <Id Name="System.Storyboarding.Annotation.StickyNote" Revision="1" Stencil="System.Storyboarding.Annotation" StencilVersion="0.1"/>
-</Control>
-</file>
-
-<file path=customXml/item290.xml><?xml version="1.0" encoding="utf-8"?>
-<Control xmlns="http://schemas.microsoft.com/VisualStudio/2011/storyboarding/control">
-  <Id Name="System.Storyboarding.Annotation.CallOut" Revision="1" Stencil="System.Storyboarding.Annotation" StencilVersion="0.1"/>
-</Control>
-</file>
-
-<file path=customXml/item291.xml><?xml version="1.0" encoding="utf-8"?>
-<Control xmlns="http://schemas.microsoft.com/VisualStudio/2011/storyboarding/control">
-  <Id Name="fd7d7bed-114e-464c-a4f1-01a512005949" Revision="1" Stencil="System.MyShapes" StencilVersion="1.0"/>
-</Control>
-</file>
-
-<file path=customXml/item292.xml><?xml version="1.0" encoding="utf-8"?>
-<Control xmlns="http://schemas.microsoft.com/VisualStudio/2011/storyboarding/control">
-  <Id Name="System.Storyboarding.Annotation.CallOut" Revision="1" Stencil="System.Storyboarding.Annotation" StencilVersion="0.1"/>
-</Control>
-</file>
-
-<file path=customXml/item293.xml><?xml version="1.0" encoding="utf-8"?>
-<Control xmlns="http://schemas.microsoft.com/VisualStudio/2011/storyboarding/control">
-  <Id Name="fd7d7bed-114e-464c-a4f1-01a512005949" Revision="1" Stencil="System.MyShapes" StencilVersion="1.0"/>
-</Control>
-</file>
-
-<file path=customXml/item294.xml><?xml version="1.0" encoding="utf-8"?>
-<Control xmlns="http://schemas.microsoft.com/VisualStudio/2011/storyboarding/control">
-  <Id Name="System.Storyboarding.Annotation.CallOut" Revision="1" Stencil="System.Storyboarding.Annotation" StencilVersion="0.1"/>
-</Control>
-</file>
-
-<file path=customXml/item295.xml><?xml version="1.0" encoding="utf-8"?>
-<Control xmlns="http://schemas.microsoft.com/VisualStudio/2011/storyboarding/control">
-  <Id Name="fd7d7bed-114e-464c-a4f1-01a512005949" Revision="1" Stencil="System.MyShapes" StencilVersion="1.0"/>
-</Control>
-</file>
-
-<file path=customXml/item296.xml><?xml version="1.0" encoding="utf-8"?>
-<Control xmlns="http://schemas.microsoft.com/VisualStudio/2011/storyboarding/control">
-  <Id Name="System.Storyboarding.Annotation.CallOut" Revision="1" Stencil="System.Storyboarding.Annotation" StencilVersion="0.1"/>
-</Control>
-</file>
-
-<file path=customXml/item297.xml><?xml version="1.0" encoding="utf-8"?>
-<Control xmlns="http://schemas.microsoft.com/VisualStudio/2011/storyboarding/control">
-  <Id Name="fd7d7bed-114e-464c-a4f1-01a512005949" Revision="1" Stencil="System.MyShapes" StencilVersion="1.0"/>
-</Control>
-</file>
-
-<file path=customXml/item298.xml><?xml version="1.0" encoding="utf-8"?>
-<Control xmlns="http://schemas.microsoft.com/VisualStudio/2011/storyboarding/control">
-  <Id Name="System.Storyboarding.Annotation.CallOut" Revision="1" Stencil="System.Storyboarding.Annotation" StencilVersion="0.1"/>
-</Control>
-</file>
-
-<file path=customXml/item299.xml><?xml version="1.0" encoding="utf-8"?>
-<Control xmlns="http://schemas.microsoft.com/VisualStudio/2011/storyboarding/control">
-  <Id Name="fd7d7bed-114e-464c-a4f1-01a512005949" Revision="1" Stencil="System.MyShapes" StencilVersion="1.0"/>
-</Control>
-</file>
-
-<file path=customXml/item3.xml><?xml version="1.0" encoding="utf-8"?>
-<Control xmlns="http://schemas.microsoft.com/VisualStudio/2011/storyboarding/control">
-  <Id Name="System.Storyboarding.WindowsApps.WindowsAppsButton" Revision="1" Stencil="System.Storyboarding.WindowsApps" StencilVersion="0.1"/>
-</Control>
-</file>
-
-<file path=customXml/item30.xml><?xml version="1.0" encoding="utf-8"?>
-<Control xmlns="http://schemas.microsoft.com/VisualStudio/2011/storyboarding/control">
-  <Id Name="fd7d7bed-114e-464c-a4f1-01a512005949" Revision="1" Stencil="System.MyShapes" StencilVersion="1.0"/>
-</Control>
-</file>
-
-<file path=customXml/item300.xml><?xml version="1.0" encoding="utf-8"?>
-<Control xmlns="http://schemas.microsoft.com/VisualStudio/2011/storyboarding/control">
-  <Id Name="System.Storyboarding.Annotation.CallOut" Revision="1" Stencil="System.Storyboarding.Annotation" StencilVersion="0.1"/>
-</Control>
-</file>
-
-<file path=customXml/item301.xml><?xml version="1.0" encoding="utf-8"?>
-<Control xmlns="http://schemas.microsoft.com/VisualStudio/2011/storyboarding/control">
-  <Id Name="fd7d7bed-114e-464c-a4f1-01a512005949" Revision="1" Stencil="System.MyShapes" StencilVersion="1.0"/>
-</Control>
-</file>
-
-<file path=customXml/item302.xml><?xml version="1.0" encoding="utf-8"?>
-<Control xmlns="http://schemas.microsoft.com/VisualStudio/2011/storyboarding/control">
-  <Id Name="System.Storyboarding.Annotation.CallOut" Revision="1" Stencil="System.Storyboarding.Annotation" StencilVersion="0.1"/>
-</Control>
-</file>
-
-<file path=customXml/item303.xml><?xml version="1.0" encoding="utf-8"?>
-<Control xmlns="http://schemas.microsoft.com/VisualStudio/2011/storyboarding/control">
-  <Id Name="fd7d7bed-114e-464c-a4f1-01a512005949" Revision="1" Stencil="System.MyShapes" StencilVersion="1.0"/>
-</Control>
-</file>
-
-<file path=customXml/item304.xml><?xml version="1.0" encoding="utf-8"?>
-<Control xmlns="http://schemas.microsoft.com/VisualStudio/2011/storyboarding/control">
-  <Id Name="System.Storyboarding.Annotation.StickyNote" Revision="1" Stencil="System.Storyboarding.Annotation" StencilVersion="0.1"/>
-</Control>
-</file>
-
-<file path=customXml/item31.xml><?xml version="1.0" encoding="utf-8"?>
-<Control xmlns="http://schemas.microsoft.com/VisualStudio/2011/storyboarding/control">
-  <Id Name="fd7d7bed-114e-464c-a4f1-01a512005949" Revision="1" Stencil="System.MyShapes" StencilVersion="1.0"/>
-</Control>
-</file>
-
-<file path=customXml/item32.xml><?xml version="1.0" encoding="utf-8"?>
-<Control xmlns="http://schemas.microsoft.com/VisualStudio/2011/storyboarding/control">
-  <Id Name="System.Storyboarding.Annotation.CallOut" Revision="1" Stencil="System.Storyboarding.Annotation" StencilVersion="0.1"/>
-</Control>
-</file>
-
-<file path=customXml/item33.xml><?xml version="1.0" encoding="utf-8"?>
-<Control xmlns="http://schemas.microsoft.com/VisualStudio/2011/storyboarding/control">
-  <Id Name="System.Storyboarding.Annotation.AnimatedRectangleCallout" Revision="1" Stencil="System.Storyboarding.Annotation" StencilVersion="0.1"/>
-</Control>
-</file>
-
-<file path=customXml/item34.xml><?xml version="1.0" encoding="utf-8"?>
-<Control xmlns="http://schemas.microsoft.com/VisualStudio/2011/storyboarding/control">
-  <Id Name="System.Storyboarding.WindowsApps.WindowsAppsButton" Revision="1" Stencil="System.Storyboarding.WindowsApps" StencilVersion="0.1"/>
-</Control>
-</file>
-
-<file path=customXml/item35.xml><?xml version="1.0" encoding="utf-8"?>
-<Control xmlns="http://schemas.microsoft.com/VisualStudio/2011/storyboarding/control">
-  <Id Name="System.Storyboarding.Common.CheckBoxUnchecked" Revision="1" Stencil="System.Storyboarding.Common" StencilVersion="0.1"/>
-</Control>
-</file>
-
-<file path=customXml/item36.xml><?xml version="1.0" encoding="utf-8"?>
-<Control xmlns="http://schemas.microsoft.com/VisualStudio/2011/storyboarding/control">
-  <Id Name="f7a94b64-51d6-472a-8bb4-f2cc047935d1" RevisionId="4b37df06-a36b-4383-9074-55517f1335fc" Stencil="172d6d98-e5c9-42e9-a209-79f7a94bbd38" StencilRevisionId="00000000-0000-0000-0000-000000000000" StencilVersion="0.0"/>
-</Control>
-</file>
-
-<file path=customXml/item37.xml><?xml version="1.0" encoding="utf-8"?>
-<Control xmlns="http://schemas.microsoft.com/VisualStudio/2011/storyboarding/control">
-  <Id Name="System.Storyboarding.WindowsApps.WindowsAppsTileMedium" Revision="1" Stencil="System.Storyboarding.WindowsApps" StencilVersion="0.1"/>
-</Control>
-</file>
-
-<file path=customXml/item38.xml><?xml version="1.0" encoding="utf-8"?>
-<Control xmlns="http://schemas.microsoft.com/VisualStudio/2011/storyboarding/control">
-  <Id Name="System.Storyboarding.WindowsApps.WindowsAppsTileMedium" Revision="1" Stencil="System.Storyboarding.WindowsApps" StencilVersion="0.1"/>
-</Control>
-</file>
-
-<file path=customXml/item39.xml><?xml version="1.0" encoding="utf-8"?>
-<Control xmlns="http://schemas.microsoft.com/VisualStudio/2011/storyboarding/control">
-  <Id Name="System.Storyboarding.WindowsApps.WindowsAppsTileMedium" Revision="1" Stencil="System.Storyboarding.WindowsApps" StencilVersion="0.1"/>
-</Control>
-</file>
-
-<file path=customXml/item4.xml><?xml version="1.0" encoding="utf-8"?>
-<Control xmlns="http://schemas.microsoft.com/VisualStudio/2011/storyboarding/control">
-  <Id Name="System.Storyboarding.Backgrounds.WindowsPhone" Revision="1" Stencil="System.Storyboarding.Backgrounds" StencilVersion="0.1"/>
-</Control>
-</file>
-
-<file path=customXml/item40.xml><?xml version="1.0" encoding="utf-8"?>
-<Control xmlns="http://schemas.microsoft.com/VisualStudio/2011/storyboarding/control">
-  <Id Name="System.Storyboarding.WindowsApps.WindowsAppsTileMedium" Revision="1" Stencil="System.Storyboarding.WindowsApps" StencilVersion="0.1"/>
-</Control>
-</file>
-
-<file path=customXml/item41.xml><?xml version="1.0" encoding="utf-8"?>
-<Control xmlns="http://schemas.microsoft.com/VisualStudio/2011/storyboarding/control">
-  <Id Name="System.Storyboarding.Annotation.AnimatedRectangleCallout" Revision="1" Stencil="System.Storyboarding.Annotation" StencilVersion="0.1"/>
-</Control>
-</file>
-
-<file path=customXml/item42.xml><?xml version="1.0" encoding="utf-8"?>
-<Control xmlns="http://schemas.microsoft.com/VisualStudio/2011/storyboarding/control">
-  <Id Name="System.Storyboarding.Annotation.CallOut" Revision="1" Stencil="System.Storyboarding.Annotation" StencilVersion="0.1"/>
-</Control>
-</file>
-
-<file path=customXml/item43.xml><?xml version="1.0" encoding="utf-8"?>
-<Control xmlns="http://schemas.microsoft.com/VisualStudio/2011/storyboarding/control">
-  <Id Name="fd7d7bed-114e-464c-a4f1-01a512005949" Revision="1" Stencil="System.MyShapes" StencilVersion="1.0"/>
-</Control>
-</file>
-
-<file path=customXml/item44.xml><?xml version="1.0" encoding="utf-8"?>
-<Control xmlns="http://schemas.microsoft.com/VisualStudio/2011/storyboarding/control">
-  <Id Name="System.Storyboarding.WindowsApps.WindowsAppsTileMedium" Revision="1" Stencil="System.Storyboarding.WindowsApps" StencilVersion="0.1"/>
-</Control>
-</file>
-
-<file path=customXml/item45.xml><?xml version="1.0" encoding="utf-8"?>
-<Control xmlns="http://schemas.microsoft.com/VisualStudio/2011/storyboarding/control">
-  <Id Name="System.Storyboarding.WindowsApps.WindowsAppsEditBox" Revision="1" Stencil="System.Storyboarding.WindowsApps" StencilVersion="0.1"/>
-</Control>
-</file>
-
-<file path=customXml/item46.xml><?xml version="1.0" encoding="utf-8"?>
-<Control xmlns="http://schemas.microsoft.com/VisualStudio/2011/storyboarding/control">
-  <Id Name="System.Storyboarding.Annotation.CallOut" Revision="1" Stencil="System.Storyboarding.Annotation" StencilVersion="0.1"/>
-</Control>
-</file>
-
-<file path=customXml/item47.xml><?xml version="1.0" encoding="utf-8"?>
-<Control xmlns="http://schemas.microsoft.com/VisualStudio/2011/storyboarding/control">
-  <Id Name="System.Storyboarding.WindowsApps.WindowsAppsButton" Revision="1" Stencil="System.Storyboarding.WindowsApps" StencilVersion="0.1"/>
-</Control>
-</file>
-
-<file path=customXml/item48.xml><?xml version="1.0" encoding="utf-8"?>
-<Control xmlns="http://schemas.microsoft.com/VisualStudio/2011/storyboarding/control">
-  <Id Name="System.Storyboarding.WindowsAppIcons.Like" Revision="1" Stencil="System.Storyboarding.WindowsAppIcons" StencilVersion="0.1"/>
-</Control>
-</file>
-
-<file path=customXml/item49.xml><?xml version="1.0" encoding="utf-8"?>
-<Control xmlns="http://schemas.microsoft.com/VisualStudio/2011/storyboarding/control">
-  <Id Name="fd7d7bed-114e-464c-a4f1-01a512005949" Revision="1" Stencil="System.MyShapes" StencilVersion="1.0"/>
-</Control>
-</file>
-
-<file path=customXml/item5.xml><?xml version="1.0" encoding="utf-8"?>
-<Control xmlns="http://schemas.microsoft.com/VisualStudio/2011/storyboarding/control">
-  <Id Name="System.Storyboarding.WindowsApps.WindowsAppsButton" Revision="1" Stencil="System.Storyboarding.WindowsApps" StencilVersion="0.1"/>
-</Control>
-</file>
-
-<file path=customXml/item50.xml><?xml version="1.0" encoding="utf-8"?>
-<Control xmlns="http://schemas.microsoft.com/VisualStudio/2011/storyboarding/control">
-  <Id Name="System.Storyboarding.Annotation.CallOut" Revision="1" Stencil="System.Storyboarding.Annotation" StencilVersion="0.1"/>
-</Control>
-</file>
-
-<file path=customXml/item51.xml><?xml version="1.0" encoding="utf-8"?>
-<Control xmlns="http://schemas.microsoft.com/VisualStudio/2011/storyboarding/control">
-  <Id Name="System.Storyboarding.Common.CheckBoxUnchecked" Revision="1" Stencil="System.Storyboarding.Common" StencilVersion="0.1"/>
-</Control>
-</file>
-
-<file path=customXml/item52.xml><?xml version="1.0" encoding="utf-8"?>
-<Control xmlns="http://schemas.microsoft.com/VisualStudio/2011/storyboarding/control">
-  <Id Name="fd7d7bed-114e-464c-a4f1-01a512005949" Revision="1" Stencil="System.MyShapes" StencilVersion="1.0"/>
-</Control>
-</file>
-
-<file path=customXml/item53.xml><?xml version="1.0" encoding="utf-8"?>
-<Control xmlns="http://schemas.microsoft.com/VisualStudio/2011/storyboarding/control">
-  <Id Name="System.Storyboarding.Annotation.CallOut" Revision="1" Stencil="System.Storyboarding.Annotation" StencilVersion="0.1"/>
-</Control>
-</file>
-
-<file path=customXml/item54.xml><?xml version="1.0" encoding="utf-8"?>
-<Control xmlns="http://schemas.microsoft.com/VisualStudio/2011/storyboarding/control">
-  <Id Name="System.Storyboarding.WindowsApps.WindowsAppsTileMedium" Revision="1" Stencil="System.Storyboarding.WindowsApps" StencilVersion="0.1"/>
-</Control>
-</file>
-
-<file path=customXml/item55.xml><?xml version="1.0" encoding="utf-8"?>
-<Control xmlns="http://schemas.microsoft.com/VisualStudio/2011/storyboarding/control">
-  <Id Name="System.Storyboarding.WindowsApps.WindowsAppsEditBox" Revision="1" Stencil="System.Storyboarding.WindowsApps" StencilVersion="0.1"/>
-</Control>
-</file>
-
-<file path=customXml/item56.xml><?xml version="1.0" encoding="utf-8"?>
-<Control xmlns="http://schemas.microsoft.com/VisualStudio/2011/storyboarding/control">
-  <Id Name="System.Storyboarding.Backgrounds.WindowsPhone" Revision="1" Stencil="System.Storyboarding.Backgrounds" StencilVersion="0.1"/>
-</Control>
-</file>
-
-<file path=customXml/item57.xml><?xml version="1.0" encoding="utf-8"?>
-<Control xmlns="http://schemas.microsoft.com/VisualStudio/2011/storyboarding/control">
-  <Id Name="System.Storyboarding.WindowsApps.WindowsAppsButton" Revision="1" Stencil="System.Storyboarding.WindowsApps" StencilVersion="0.1"/>
-</Control>
-</file>
-
-<file path=customXml/item58.xml><?xml version="1.0" encoding="utf-8"?>
-<Control xmlns="http://schemas.microsoft.com/VisualStudio/2011/storyboarding/control">
-  <Id Name="System.Storyboarding.Annotation.CallOut" Revision="1" Stencil="System.Storyboarding.Annotation" StencilVersion="0.1"/>
-</Control>
-</file>
-
-<file path=customXml/item59.xml><?xml version="1.0" encoding="utf-8"?>
-<Control xmlns="http://schemas.microsoft.com/VisualStudio/2011/storyboarding/control">
-  <Id Name="System.Storyboarding.Annotation.CallOut" Revision="1" Stencil="System.Storyboarding.Annotation" StencilVersion="0.1"/>
-</Control>
-</file>
-
-<file path=customXml/item6.xml><?xml version="1.0" encoding="utf-8"?>
-<Control xmlns="http://schemas.microsoft.com/VisualStudio/2011/storyboarding/control">
-  <Id Name="System.Storyboarding.WindowsApps.WindowsAppsButton" Revision="1" Stencil="System.Storyboarding.WindowsApps" StencilVersion="0.1"/>
-</Control>
-</file>
-
-<file path=customXml/item60.xml><?xml version="1.0" encoding="utf-8"?>
-<Control xmlns="http://schemas.microsoft.com/VisualStudio/2011/storyboarding/control">
-  <Id Name="System.Storyboarding.WindowsApps.WindowsAppsButton" Revision="1" Stencil="System.Storyboarding.WindowsApps" StencilVersion="0.1"/>
-</Control>
-</file>
-
-<file path=customXml/item61.xml><?xml version="1.0" encoding="utf-8"?>
-<Control xmlns="http://schemas.microsoft.com/VisualStudio/2011/storyboarding/control">
-  <Id Name="System.Storyboarding.Annotation.CallOut" Revision="1" Stencil="System.Storyboarding.Annotation" StencilVersion="0.1"/>
-</Control>
-</file>
-
-<file path=customXml/item62.xml><?xml version="1.0" encoding="utf-8"?>
-<Control xmlns="http://schemas.microsoft.com/VisualStudio/2011/storyboarding/control">
-  <Id Name="System.Storyboarding.WindowsApps.WindowsAppsButton" Revision="1" Stencil="System.Storyboarding.WindowsApps" StencilVersion="0.1"/>
-</Control>
-</file>
-
-<file path=customXml/item63.xml><?xml version="1.0" encoding="utf-8"?>
-<Control xmlns="http://schemas.microsoft.com/VisualStudio/2011/storyboarding/control">
-  <Id Name="System.Storyboarding.Common.CheckBoxChecked" Revision="1" Stencil="System.Storyboarding.Common" StencilVersion="0.1"/>
-</Control>
-</file>
-
-<file path=customXml/item64.xml><?xml version="1.0" encoding="utf-8"?>
-<Control xmlns="http://schemas.microsoft.com/VisualStudio/2011/storyboarding/control">
-  <Id Name="System.Storyboarding.WindowsApps.WindowsAppsButton" Revision="1" Stencil="System.Storyboarding.WindowsApps" StencilVersion="0.1"/>
-</Control>
-</file>
-
-<file path=customXml/item65.xml><?xml version="1.0" encoding="utf-8"?>
-<Control xmlns="http://schemas.microsoft.com/VisualStudio/2011/storyboarding/control">
-  <Id Name="System.Storyboarding.WindowsApps.WindowsAppsEditBox" Revision="1" Stencil="System.Storyboarding.WindowsApps" StencilVersion="0.1"/>
-</Control>
-</file>
-
-<file path=customXml/item66.xml><?xml version="1.0" encoding="utf-8"?>
-<Control xmlns="http://schemas.microsoft.com/VisualStudio/2011/storyboarding/control">
-  <Id Name="f7a94b64-51d6-472a-8bb4-f2cc047935d1" RevisionId="4b37df06-a36b-4383-9074-55517f1335fc" Stencil="172d6d98-e5c9-42e9-a209-79f7a94bbd38" StencilRevisionId="00000000-0000-0000-0000-000000000000" StencilVersion="0.0"/>
-</Control>
-</file>
-
-<file path=customXml/item67.xml><?xml version="1.0" encoding="utf-8"?>
-<Control xmlns="http://schemas.microsoft.com/VisualStudio/2011/storyboarding/control">
-  <Id Name="System.Storyboarding.WindowsApps.WindowsAppsTileMedium" Revision="1" Stencil="System.Storyboarding.WindowsApps" StencilVersion="0.1"/>
-</Control>
-</file>
-
-<file path=customXml/item68.xml><?xml version="1.0" encoding="utf-8"?>
-<Control xmlns="http://schemas.microsoft.com/VisualStudio/2011/storyboarding/control">
-  <Id Name="fd7d7bed-114e-464c-a4f1-01a512005949" Revision="1" Stencil="System.MyShapes" StencilVersion="1.0"/>
-</Control>
-</file>
-
-<file path=customXml/item69.xml><?xml version="1.0" encoding="utf-8"?>
-<Control xmlns="http://schemas.microsoft.com/VisualStudio/2011/storyboarding/control">
-  <Id Name="System.Storyboarding.WindowsApps.WindowsAppsTileMedium" Revision="1" Stencil="System.Storyboarding.WindowsApps" StencilVersion="0.1"/>
-</Control>
-</file>
-
-<file path=customXml/item7.xml><?xml version="1.0" encoding="utf-8"?>
-<Control xmlns="http://schemas.microsoft.com/VisualStudio/2011/storyboarding/control">
-  <Id Name="System.Storyboarding.WindowsApps.WindowsAppsEditBox" Revision="1" Stencil="System.Storyboarding.WindowsApps" StencilVersion="0.1"/>
-</Control>
-</file>
-
-<file path=customXml/item70.xml><?xml version="1.0" encoding="utf-8"?>
-<Control xmlns="http://schemas.microsoft.com/VisualStudio/2011/storyboarding/control">
-  <Id Name="System.Storyboarding.Annotation.CallOut" Revision="1" Stencil="System.Storyboarding.Annotation" StencilVersion="0.1"/>
-</Control>
-</file>
-
-<file path=customXml/item71.xml><?xml version="1.0" encoding="utf-8"?>
-<Control xmlns="http://schemas.microsoft.com/VisualStudio/2011/storyboarding/control">
-  <Id Name="System.Storyboarding.Common.CheckBoxChecked" Revision="1" Stencil="System.Storyboarding.Common" StencilVersion="0.1"/>
-</Control>
-</file>
-
-<file path=customXml/item72.xml><?xml version="1.0" encoding="utf-8"?>
-<Control xmlns="http://schemas.microsoft.com/VisualStudio/2011/storyboarding/control">
-  <Id Name="fd7d7bed-114e-464c-a4f1-01a512005949" Revision="1" Stencil="System.MyShapes" StencilVersion="1.0"/>
-</Control>
-</file>
-
-<file path=customXml/item73.xml><?xml version="1.0" encoding="utf-8"?>
-<Control xmlns="http://schemas.microsoft.com/VisualStudio/2011/storyboarding/control">
-  <Id Name="fd7d7bed-114e-464c-a4f1-01a512005949" Revision="1" Stencil="System.MyShapes" StencilVersion="1.0"/>
-</Control>
-</file>
-
-<file path=customXml/item74.xml><?xml version="1.0" encoding="utf-8"?>
-<Control xmlns="http://schemas.microsoft.com/VisualStudio/2011/storyboarding/control">
-  <Id Name="System.Storyboarding.WindowsApps.WindowsAppsTileMedium" Revision="1" Stencil="System.Storyboarding.WindowsApps" StencilVersion="0.1"/>
-</Control>
-</file>
-
-<file path=customXml/item75.xml><?xml version="1.0" encoding="utf-8"?>
-<Control xmlns="http://schemas.microsoft.com/VisualStudio/2011/storyboarding/control">
-  <Id Name="System.Storyboarding.WindowsApps.WindowsAppsTileMedium" Revision="1" Stencil="System.Storyboarding.WindowsApps" StencilVersion="0.1"/>
-</Control>
-</file>
-
-<file path=customXml/item76.xml><?xml version="1.0" encoding="utf-8"?>
-<Control xmlns="http://schemas.microsoft.com/VisualStudio/2011/storyboarding/control">
-  <Id Name="System.Storyboarding.WindowsApps.WindowsAppsEditBox" Revision="1" Stencil="System.Storyboarding.WindowsApps" StencilVersion="0.1"/>
-</Control>
-</file>
-
-<file path=customXml/item77.xml><?xml version="1.0" encoding="utf-8"?>
-<Control xmlns="http://schemas.microsoft.com/VisualStudio/2011/storyboarding/control">
-  <Id Name="fd7d7bed-114e-464c-a4f1-01a512005949" Revision="1" Stencil="System.MyShapes" StencilVersion="1.0"/>
-</Control>
-</file>
-
-<file path=customXml/item78.xml><?xml version="1.0" encoding="utf-8"?>
-<Control xmlns="http://schemas.microsoft.com/VisualStudio/2011/storyboarding/control">
-  <Id Name="System.Storyboarding.WindowsApps.WindowsAppsTileMedium" Revision="1" Stencil="System.Storyboarding.WindowsApps" StencilVersion="0.1"/>
-</Control>
-</file>
-
-<file path=customXml/item79.xml><?xml version="1.0" encoding="utf-8"?>
-<Control xmlns="http://schemas.microsoft.com/VisualStudio/2011/storyboarding/control">
-  <Id Name="System.Storyboarding.Annotation.CallOut" Revision="1" Stencil="System.Storyboarding.Annotation" StencilVersion="0.1"/>
-</Control>
-</file>
-
-<file path=customXml/item8.xml><?xml version="1.0" encoding="utf-8"?>
-<Control xmlns="http://schemas.microsoft.com/VisualStudio/2011/storyboarding/control">
-  <Id Name="System.Storyboarding.WindowsApps.WindowsAppsButton" Revision="1" Stencil="System.Storyboarding.WindowsApps" StencilVersion="0.1"/>
-</Control>
-</file>
-
-<file path=customXml/item80.xml><?xml version="1.0" encoding="utf-8"?>
-<Control xmlns="http://schemas.microsoft.com/VisualStudio/2011/storyboarding/control">
-  <Id Name="System.Storyboarding.WindowsApps.WindowsAppsButton" Revision="1" Stencil="System.Storyboarding.WindowsApps" StencilVersion="0.1"/>
-</Control>
-</file>
-
-<file path=customXml/item81.xml><?xml version="1.0" encoding="utf-8"?>
-<Control xmlns="http://schemas.microsoft.com/VisualStudio/2011/storyboarding/control">
-  <Id Name="System.Storyboarding.WindowsApps.WindowsAppsButton" Revision="1" Stencil="System.Storyboarding.WindowsApps" StencilVersion="0.1"/>
-</Control>
-</file>
-
-<file path=customXml/item82.xml><?xml version="1.0" encoding="utf-8"?>
-<Control xmlns="http://schemas.microsoft.com/VisualStudio/2011/storyboarding/control">
-  <Id Name="System.Storyboarding.WindowsApps.WindowsAppsTileMedium" Revision="1" Stencil="System.Storyboarding.WindowsApps" StencilVersion="0.1"/>
-</Control>
-</file>
-
-<file path=customXml/item83.xml><?xml version="1.0" encoding="utf-8"?>
-<Control xmlns="http://schemas.microsoft.com/VisualStudio/2011/storyboarding/control">
-  <Id Name="System.Storyboarding.Icons.CurvedArrow" Revision="1" Stencil="System.Storyboarding.Icons" StencilVersion="0.1"/>
-</Control>
-</file>
-
-<file path=customXml/item84.xml><?xml version="1.0" encoding="utf-8"?>
-<Control xmlns="http://schemas.microsoft.com/VisualStudio/2011/storyboarding/control">
-  <Id Name="System.Storyboarding.Common.CheckBoxChecked" Revision="1" Stencil="System.Storyboarding.Common" StencilVersion="0.1"/>
-</Control>
-</file>
-
-<file path=customXml/item85.xml><?xml version="1.0" encoding="utf-8"?>
-<Control xmlns="http://schemas.microsoft.com/VisualStudio/2011/storyboarding/control">
-  <Id Name="System.Storyboarding.Annotation.CallOut" Revision="1" Stencil="System.Storyboarding.Annotation" StencilVersion="0.1"/>
-</Control>
-</file>
-
-<file path=customXml/item86.xml><?xml version="1.0" encoding="utf-8"?>
-<Control xmlns="http://schemas.microsoft.com/VisualStudio/2011/storyboarding/control">
-  <Id Name="System.Storyboarding.WindowsApps.WindowsAppsTileMedium" Revision="1" Stencil="System.Storyboarding.WindowsApps" StencilVersion="0.1"/>
-</Control>
-</file>
-
-<file path=customXml/item87.xml><?xml version="1.0" encoding="utf-8"?>
-<Control xmlns="http://schemas.microsoft.com/VisualStudio/2011/storyboarding/control">
-  <Id Name="System.Storyboarding.WindowsApps.WindowsAppsEditBox" Revision="1" Stencil="System.Storyboarding.WindowsApps" StencilVersion="0.1"/>
-</Control>
-</file>
-
-<file path=customXml/item88.xml><?xml version="1.0" encoding="utf-8"?>
-<Control xmlns="http://schemas.microsoft.com/VisualStudio/2011/storyboarding/control">
-  <Id Name="System.Storyboarding.Annotation.StickyNote" Revision="1" Stencil="System.Storyboarding.Annotation" StencilVersion="0.1"/>
-</Control>
-</file>
-
-<file path=customXml/item89.xml><?xml version="1.0" encoding="utf-8"?>
-<Control xmlns="http://schemas.microsoft.com/VisualStudio/2011/storyboarding/control">
-  <Id Name="System.Storyboarding.WindowsApps.WindowsAppsButton" Revision="1" Stencil="System.Storyboarding.WindowsApps" StencilVersion="0.1"/>
-</Control>
-</file>
-
-<file path=customXml/item9.xml><?xml version="1.0" encoding="utf-8"?>
-<Control xmlns="http://schemas.microsoft.com/VisualStudio/2011/storyboarding/control">
-  <Id Name="System.Storyboarding.Backgrounds.WindowsPhone" Revision="1" Stencil="System.Storyboarding.Backgrounds" StencilVersion="0.1"/>
-</Control>
-</file>
-
-<file path=customXml/item90.xml><?xml version="1.0" encoding="utf-8"?>
-<Control xmlns="http://schemas.microsoft.com/VisualStudio/2011/storyboarding/control">
-  <Id Name="System.Storyboarding.Annotation.CallOut" Revision="1" Stencil="System.Storyboarding.Annotation" StencilVersion="0.1"/>
-</Control>
-</file>
-
-<file path=customXml/item91.xml><?xml version="1.0" encoding="utf-8"?>
-<Control xmlns="http://schemas.microsoft.com/VisualStudio/2011/storyboarding/control">
-  <Id Name="System.Storyboarding.Common.CheckBoxUnchecked" Revision="1" Stencil="System.Storyboarding.Common" StencilVersion="0.1"/>
-</Control>
-</file>
-
-<file path=customXml/item92.xml><?xml version="1.0" encoding="utf-8"?>
-<Control xmlns="http://schemas.microsoft.com/VisualStudio/2011/storyboarding/control">
-  <Id Name="System.Storyboarding.Common.CheckBoxUnchecked" Revision="1" Stencil="System.Storyboarding.Common" StencilVersion="0.1"/>
-</Control>
-</file>
-
-<file path=customXml/item93.xml><?xml version="1.0" encoding="utf-8"?>
-<Control xmlns="http://schemas.microsoft.com/VisualStudio/2011/storyboarding/control">
-  <Id Name="System.Storyboarding.Common.CheckBoxUnchecked" Revision="1" Stencil="System.Storyboarding.Common" StencilVersion="0.1"/>
-</Control>
-</file>
-
-<file path=customXml/item94.xml><?xml version="1.0" encoding="utf-8"?>
-<Control xmlns="http://schemas.microsoft.com/VisualStudio/2011/storyboarding/control">
-  <Id Name="System.Storyboarding.WindowsApps.WindowsAppsTileMedium" Revision="1" Stencil="System.Storyboarding.WindowsApps" StencilVersion="0.1"/>
-</Control>
-</file>
-
-<file path=customXml/item95.xml><?xml version="1.0" encoding="utf-8"?>
-<Control xmlns="http://schemas.microsoft.com/VisualStudio/2011/storyboarding/control">
-  <Id Name="System.Storyboarding.WindowsApps.WindowsAppsEditBox" Revision="1" Stencil="System.Storyboarding.WindowsApps" StencilVersion="0.1"/>
-</Control>
-</file>
-
-<file path=customXml/item96.xml><?xml version="1.0" encoding="utf-8"?>
-<Control xmlns="http://schemas.microsoft.com/VisualStudio/2011/storyboarding/control">
-  <Id Name="System.Storyboarding.Icons.CurvedArrow" Revision="1" Stencil="System.Storyboarding.Icons" StencilVersion="0.1"/>
-</Control>
-</file>
-
-<file path=customXml/item97.xml><?xml version="1.0" encoding="utf-8"?>
-<Control xmlns="http://schemas.microsoft.com/VisualStudio/2011/storyboarding/control">
-  <Id Name="System.Storyboarding.WindowsApps.WindowsAppsButton" Revision="1" Stencil="System.Storyboarding.WindowsApps" StencilVersion="0.1"/>
-</Control>
-</file>
-
-<file path=customXml/item98.xml><?xml version="1.0" encoding="utf-8"?>
-<Control xmlns="http://schemas.microsoft.com/VisualStudio/2011/storyboarding/control">
-  <Id Name="System.Storyboarding.WindowsApps.WindowsAppsTileMedium" Revision="1" Stencil="System.Storyboarding.WindowsApps" StencilVersion="0.1"/>
-</Control>
-</file>
-
-<file path=customXml/item99.xml><?xml version="1.0" encoding="utf-8"?>
-<Control xmlns="http://schemas.microsoft.com/VisualStudio/2011/storyboarding/control">
-  <Id Name="System.Storyboarding.Annotation.StickyNote" Revision="1" Stencil="System.Storyboarding.Annotation" StencilVersion="0.1"/>
-</Control>
-</file>
-
 <file path=customXml/itemProps1.xml><?xml version="1.0" encoding="utf-8"?>
+<ds:datastoreItem xmlns:ds="http://schemas.openxmlformats.org/officeDocument/2006/customXml" ds:itemID="{E628D704-53B1-402A-B3C4-24BC08ADD505}">
+  <ds:schemaRefs>
+    <ds:schemaRef ds:uri="http://schemas.microsoft.com/VisualStudio/2011/storyboarding/control"/>
+  </ds:schemaRefs>
+</ds:datastoreItem>
+</file>
+
+<file path=customXml/itemProps10.xml><?xml version="1.0" encoding="utf-8"?>
+<ds:datastoreItem xmlns:ds="http://schemas.openxmlformats.org/officeDocument/2006/customXml" ds:itemID="{B174ADE3-21E2-481C-8E8A-011947EAD38E}">
+  <ds:schemaRefs>
+    <ds:schemaRef ds:uri="http://schemas.microsoft.com/VisualStudio/2011/storyboarding/control"/>
+  </ds:schemaRefs>
+</ds:datastoreItem>
+</file>
+
+<file path=customXml/itemProps100.xml><?xml version="1.0" encoding="utf-8"?>
+<ds:datastoreItem xmlns:ds="http://schemas.openxmlformats.org/officeDocument/2006/customXml" ds:itemID="{190EBEF0-CB9E-4C67-BBD3-192F9F5BB87E}">
+  <ds:schemaRefs>
+    <ds:schemaRef ds:uri="http://schemas.microsoft.com/VisualStudio/2011/storyboarding/control"/>
+  </ds:schemaRefs>
+</ds:datastoreItem>
+</file>
+
+<file path=customXml/itemProps101.xml><?xml version="1.0" encoding="utf-8"?>
+<ds:datastoreItem xmlns:ds="http://schemas.openxmlformats.org/officeDocument/2006/customXml" ds:itemID="{4C2DD3A5-565B-4655-839B-3D7E5DA58911}">
+  <ds:schemaRefs>
+    <ds:schemaRef ds:uri="http://schemas.microsoft.com/VisualStudio/2011/storyboarding/control"/>
+  </ds:schemaRefs>
+</ds:datastoreItem>
+</file>
+
+<file path=customXml/itemProps102.xml><?xml version="1.0" encoding="utf-8"?>
+<ds:datastoreItem xmlns:ds="http://schemas.openxmlformats.org/officeDocument/2006/customXml" ds:itemID="{D7F890C1-A5D2-4949-B5FB-9149F52A5401}">
+  <ds:schemaRefs>
+    <ds:schemaRef ds:uri="http://schemas.microsoft.com/VisualStudio/2011/storyboarding/control"/>
+  </ds:schemaRefs>
+</ds:datastoreItem>
+</file>
+
+<file path=customXml/itemProps103.xml><?xml version="1.0" encoding="utf-8"?>
+<ds:datastoreItem xmlns:ds="http://schemas.openxmlformats.org/officeDocument/2006/customXml" ds:itemID="{0C30631B-6B6B-4F45-A69E-60EB784933B3}">
+  <ds:schemaRefs>
+    <ds:schemaRef ds:uri="http://schemas.microsoft.com/VisualStudio/2011/storyboarding/control"/>
+  </ds:schemaRefs>
+</ds:datastoreItem>
+</file>
+
+<file path=customXml/itemProps104.xml><?xml version="1.0" encoding="utf-8"?>
+<ds:datastoreItem xmlns:ds="http://schemas.openxmlformats.org/officeDocument/2006/customXml" ds:itemID="{3A1CF677-7ED7-42FC-8B92-EB1BA9F20F04}">
+  <ds:schemaRefs>
+    <ds:schemaRef ds:uri="http://schemas.microsoft.com/VisualStudio/2011/storyboarding/control"/>
+  </ds:schemaRefs>
+</ds:datastoreItem>
+</file>
+
+<file path=customXml/itemProps105.xml><?xml version="1.0" encoding="utf-8"?>
+<ds:datastoreItem xmlns:ds="http://schemas.openxmlformats.org/officeDocument/2006/customXml" ds:itemID="{7189590F-1A48-46F3-B24A-D8D0F3BA0A15}">
+  <ds:schemaRefs>
+    <ds:schemaRef ds:uri="http://schemas.microsoft.com/VisualStudio/2011/storyboarding/control"/>
+  </ds:schemaRefs>
+</ds:datastoreItem>
+</file>
+
+<file path=customXml/itemProps106.xml><?xml version="1.0" encoding="utf-8"?>
+<ds:datastoreItem xmlns:ds="http://schemas.openxmlformats.org/officeDocument/2006/customXml" ds:itemID="{6DD2B541-6C60-4151-B23B-67CDB2C810F8}">
+  <ds:schemaRefs>
+    <ds:schemaRef ds:uri="http://schemas.microsoft.com/VisualStudio/2011/storyboarding/control"/>
+  </ds:schemaRefs>
+</ds:datastoreItem>
+</file>
+
+<file path=customXml/itemProps107.xml><?xml version="1.0" encoding="utf-8"?>
+<ds:datastoreItem xmlns:ds="http://schemas.openxmlformats.org/officeDocument/2006/customXml" ds:itemID="{699876C8-5F05-460B-B233-E045E47E7AB5}">
+  <ds:schemaRefs>
+    <ds:schemaRef ds:uri="http://schemas.microsoft.com/VisualStudio/2011/storyboarding/control"/>
+  </ds:schemaRefs>
+</ds:datastoreItem>
+</file>
+
+<file path=customXml/itemProps108.xml><?xml version="1.0" encoding="utf-8"?>
+<ds:datastoreItem xmlns:ds="http://schemas.openxmlformats.org/officeDocument/2006/customXml" ds:itemID="{D176A5CA-84F0-42CF-AE7E-D9B7ED1985C2}">
+  <ds:schemaRefs>
+    <ds:schemaRef ds:uri="http://schemas.microsoft.com/VisualStudio/2011/storyboarding/control"/>
+  </ds:schemaRefs>
+</ds:datastoreItem>
+</file>
+
+<file path=customXml/itemProps109.xml><?xml version="1.0" encoding="utf-8"?>
+<ds:datastoreItem xmlns:ds="http://schemas.openxmlformats.org/officeDocument/2006/customXml" ds:itemID="{DFF51E64-F6D6-46E3-9F94-C228DBA3CEF1}">
+  <ds:schemaRefs>
+    <ds:schemaRef ds:uri="http://schemas.microsoft.com/VisualStudio/2011/storyboarding/control"/>
+  </ds:schemaRefs>
+</ds:datastoreItem>
+</file>
+
+<file path=customXml/itemProps11.xml><?xml version="1.0" encoding="utf-8"?>
+<ds:datastoreItem xmlns:ds="http://schemas.openxmlformats.org/officeDocument/2006/customXml" ds:itemID="{14BE62A8-EAD0-4F5F-934A-B09BF3770FF9}">
+  <ds:schemaRefs>
+    <ds:schemaRef ds:uri="http://schemas.microsoft.com/VisualStudio/2011/storyboarding/control"/>
+  </ds:schemaRefs>
+</ds:datastoreItem>
+</file>
+
+<file path=customXml/itemProps110.xml><?xml version="1.0" encoding="utf-8"?>
+<ds:datastoreItem xmlns:ds="http://schemas.openxmlformats.org/officeDocument/2006/customXml" ds:itemID="{71C68A77-FCC5-45AF-90E8-603F01C8B090}">
+  <ds:schemaRefs>
+    <ds:schemaRef ds:uri="http://schemas.microsoft.com/VisualStudio/2011/storyboarding/control"/>
+  </ds:schemaRefs>
+</ds:datastoreItem>
+</file>
+
+<file path=customXml/itemProps111.xml><?xml version="1.0" encoding="utf-8"?>
+<ds:datastoreItem xmlns:ds="http://schemas.openxmlformats.org/officeDocument/2006/customXml" ds:itemID="{27CCB74F-C7FD-4A95-AE27-8D308AD0CB50}">
+  <ds:schemaRefs>
+    <ds:schemaRef ds:uri="http://schemas.microsoft.com/VisualStudio/2011/storyboarding/control"/>
+  </ds:schemaRefs>
+</ds:datastoreItem>
+</file>
+
+<file path=customXml/itemProps112.xml><?xml version="1.0" encoding="utf-8"?>
+<ds:datastoreItem xmlns:ds="http://schemas.openxmlformats.org/officeDocument/2006/customXml" ds:itemID="{D04082BA-D2CD-4E56-B169-1608513122AE}">
+  <ds:schemaRefs>
+    <ds:schemaRef ds:uri="http://schemas.microsoft.com/VisualStudio/2011/storyboarding/control"/>
+  </ds:schemaRefs>
+</ds:datastoreItem>
+</file>
+
+<file path=customXml/itemProps113.xml><?xml version="1.0" encoding="utf-8"?>
+<ds:datastoreItem xmlns:ds="http://schemas.openxmlformats.org/officeDocument/2006/customXml" ds:itemID="{CE13D033-955A-413A-BF77-A5D3B95ACDBC}">
+  <ds:schemaRefs>
+    <ds:schemaRef ds:uri="http://schemas.microsoft.com/VisualStudio/2011/storyboarding/control"/>
+  </ds:schemaRefs>
+</ds:datastoreItem>
+</file>
+
+<file path=customXml/itemProps114.xml><?xml version="1.0" encoding="utf-8"?>
+<ds:datastoreItem xmlns:ds="http://schemas.openxmlformats.org/officeDocument/2006/customXml" ds:itemID="{3D991671-804F-44F2-8BE3-0781A317701D}">
+  <ds:schemaRefs>
+    <ds:schemaRef ds:uri="http://schemas.microsoft.com/VisualStudio/2011/storyboarding/control"/>
+  </ds:schemaRefs>
+</ds:datastoreItem>
+</file>
+
+<file path=customXml/itemProps115.xml><?xml version="1.0" encoding="utf-8"?>
+<ds:datastoreItem xmlns:ds="http://schemas.openxmlformats.org/officeDocument/2006/customXml" ds:itemID="{1787789D-0EBA-4FE8-865A-15C7CED9FBEB}">
+  <ds:schemaRefs>
+    <ds:schemaRef ds:uri="http://schemas.microsoft.com/VisualStudio/2011/storyboarding/control"/>
+  </ds:schemaRefs>
+</ds:datastoreItem>
+</file>
+
+<file path=customXml/itemProps116.xml><?xml version="1.0" encoding="utf-8"?>
+<ds:datastoreItem xmlns:ds="http://schemas.openxmlformats.org/officeDocument/2006/customXml" ds:itemID="{113CC0A4-04F5-4B9D-A17B-5C03BA1F3CAC}">
+  <ds:schemaRefs>
+    <ds:schemaRef ds:uri="http://schemas.microsoft.com/VisualStudio/2011/storyboarding/control"/>
+  </ds:schemaRefs>
+</ds:datastoreItem>
+</file>
+
+<file path=customXml/itemProps117.xml><?xml version="1.0" encoding="utf-8"?>
+<ds:datastoreItem xmlns:ds="http://schemas.openxmlformats.org/officeDocument/2006/customXml" ds:itemID="{341B9A64-4A8F-4D0A-86B1-A62586318DED}">
+  <ds:schemaRefs>
+    <ds:schemaRef ds:uri="http://schemas.microsoft.com/VisualStudio/2011/storyboarding/control"/>
+  </ds:schemaRefs>
+</ds:datastoreItem>
+</file>
+
+<file path=customXml/itemProps118.xml><?xml version="1.0" encoding="utf-8"?>
+<ds:datastoreItem xmlns:ds="http://schemas.openxmlformats.org/officeDocument/2006/customXml" ds:itemID="{DAF7154D-49A1-422C-9139-455DB6824320}">
+  <ds:schemaRefs>
+    <ds:schemaRef ds:uri="http://schemas.microsoft.com/VisualStudio/2011/storyboarding/control"/>
+  </ds:schemaRefs>
+</ds:datastoreItem>
+</file>
+
+<file path=customXml/itemProps119.xml><?xml version="1.0" encoding="utf-8"?>
+<ds:datastoreItem xmlns:ds="http://schemas.openxmlformats.org/officeDocument/2006/customXml" ds:itemID="{DC6DE712-FAC2-48EF-8F42-43EFC4A596F1}">
+  <ds:schemaRefs>
+    <ds:schemaRef ds:uri="http://schemas.microsoft.com/VisualStudio/2011/storyboarding/control"/>
+  </ds:schemaRefs>
+</ds:datastoreItem>
+</file>
+
+<file path=customXml/itemProps12.xml><?xml version="1.0" encoding="utf-8"?>
+<ds:datastoreItem xmlns:ds="http://schemas.openxmlformats.org/officeDocument/2006/customXml" ds:itemID="{FB4E80E6-CDBF-4033-8B52-FB80E5634189}">
+  <ds:schemaRefs>
+    <ds:schemaRef ds:uri="http://schemas.microsoft.com/VisualStudio/2011/storyboarding/control"/>
+  </ds:schemaRefs>
+</ds:datastoreItem>
+</file>
+
+<file path=customXml/itemProps120.xml><?xml version="1.0" encoding="utf-8"?>
+<ds:datastoreItem xmlns:ds="http://schemas.openxmlformats.org/officeDocument/2006/customXml" ds:itemID="{494ECD25-6B82-4D53-B271-88A3A6E803B2}">
+  <ds:schemaRefs>
+    <ds:schemaRef ds:uri="http://schemas.microsoft.com/VisualStudio/2011/storyboarding/control"/>
+  </ds:schemaRefs>
+</ds:datastoreItem>
+</file>
+
+<file path=customXml/itemProps121.xml><?xml version="1.0" encoding="utf-8"?>
+<ds:datastoreItem xmlns:ds="http://schemas.openxmlformats.org/officeDocument/2006/customXml" ds:itemID="{63E4AE41-0D9C-41C0-9A8F-3DFAA3E48D7D}">
+  <ds:schemaRefs>
+    <ds:schemaRef ds:uri="http://schemas.microsoft.com/VisualStudio/2011/storyboarding/control"/>
+  </ds:schemaRefs>
+</ds:datastoreItem>
+</file>
+
+<file path=customXml/itemProps122.xml><?xml version="1.0" encoding="utf-8"?>
+<ds:datastoreItem xmlns:ds="http://schemas.openxmlformats.org/officeDocument/2006/customXml" ds:itemID="{A770902C-91B4-4F9A-987B-C073AEA84AD1}">
+  <ds:schemaRefs>
+    <ds:schemaRef ds:uri="http://schemas.microsoft.com/VisualStudio/2011/storyboarding/control"/>
+  </ds:schemaRefs>
+</ds:datastoreItem>
+</file>
+
+<file path=customXml/itemProps123.xml><?xml version="1.0" encoding="utf-8"?>
+<ds:datastoreItem xmlns:ds="http://schemas.openxmlformats.org/officeDocument/2006/customXml" ds:itemID="{29679B89-9CBC-4928-A22A-244AE0237BB0}">
+  <ds:schemaRefs>
+    <ds:schemaRef ds:uri="http://schemas.microsoft.com/VisualStudio/2011/storyboarding/control"/>
+  </ds:schemaRefs>
+</ds:datastoreItem>
+</file>
+
+<file path=customXml/itemProps124.xml><?xml version="1.0" encoding="utf-8"?>
+<ds:datastoreItem xmlns:ds="http://schemas.openxmlformats.org/officeDocument/2006/customXml" ds:itemID="{BCD68537-FD77-44D1-B5FC-C1B002B1B2F1}">
+  <ds:schemaRefs>
+    <ds:schemaRef ds:uri="http://schemas.microsoft.com/VisualStudio/2011/storyboarding/control"/>
+  </ds:schemaRefs>
+</ds:datastoreItem>
+</file>
+
+<file path=customXml/itemProps125.xml><?xml version="1.0" encoding="utf-8"?>
+<ds:datastoreItem xmlns:ds="http://schemas.openxmlformats.org/officeDocument/2006/customXml" ds:itemID="{2262AB97-89CA-4079-98DA-993B62EF26AB}">
+  <ds:schemaRefs>
+    <ds:schemaRef ds:uri="http://schemas.microsoft.com/VisualStudio/2011/storyboarding/control"/>
+  </ds:schemaRefs>
+</ds:datastoreItem>
+</file>
+
+<file path=customXml/itemProps126.xml><?xml version="1.0" encoding="utf-8"?>
+<ds:datastoreItem xmlns:ds="http://schemas.openxmlformats.org/officeDocument/2006/customXml" ds:itemID="{2F6BDFFF-5546-47E4-8CF1-5354DFE6CFD9}">
+  <ds:schemaRefs>
+    <ds:schemaRef ds:uri="http://schemas.microsoft.com/VisualStudio/2011/storyboarding/control"/>
+  </ds:schemaRefs>
+</ds:datastoreItem>
+</file>
+
+<file path=customXml/itemProps127.xml><?xml version="1.0" encoding="utf-8"?>
+<ds:datastoreItem xmlns:ds="http://schemas.openxmlformats.org/officeDocument/2006/customXml" ds:itemID="{16EAB064-496F-4B1C-BA3B-C699F7502928}">
+  <ds:schemaRefs>
+    <ds:schemaRef ds:uri="http://schemas.microsoft.com/VisualStudio/2011/storyboarding/control"/>
+  </ds:schemaRefs>
+</ds:datastoreItem>
+</file>
+
+<file path=customXml/itemProps128.xml><?xml version="1.0" encoding="utf-8"?>
+<ds:datastoreItem xmlns:ds="http://schemas.openxmlformats.org/officeDocument/2006/customXml" ds:itemID="{88C04483-D8EE-4FCA-A54F-704220F97EF8}">
+  <ds:schemaRefs>
+    <ds:schemaRef ds:uri="http://schemas.microsoft.com/VisualStudio/2011/storyboarding/control"/>
+  </ds:schemaRefs>
+</ds:datastoreItem>
+</file>
+
+<file path=customXml/itemProps129.xml><?xml version="1.0" encoding="utf-8"?>
+<ds:datastoreItem xmlns:ds="http://schemas.openxmlformats.org/officeDocument/2006/customXml" ds:itemID="{A0A4739D-1067-47D0-95FE-525DC04CC418}">
+  <ds:schemaRefs>
+    <ds:schemaRef ds:uri="http://schemas.microsoft.com/VisualStudio/2011/storyboarding/control"/>
+  </ds:schemaRefs>
+</ds:datastoreItem>
+</file>
+
+<file path=customXml/itemProps13.xml><?xml version="1.0" encoding="utf-8"?>
+<ds:datastoreItem xmlns:ds="http://schemas.openxmlformats.org/officeDocument/2006/customXml" ds:itemID="{BA0988D9-08D5-4B0D-B2CA-AFA6A82BFB69}">
+  <ds:schemaRefs>
+    <ds:schemaRef ds:uri="http://schemas.microsoft.com/VisualStudio/2011/storyboarding/control"/>
+  </ds:schemaRefs>
+</ds:datastoreItem>
+</file>
+
+<file path=customXml/itemProps130.xml><?xml version="1.0" encoding="utf-8"?>
+<ds:datastoreItem xmlns:ds="http://schemas.openxmlformats.org/officeDocument/2006/customXml" ds:itemID="{4274C42F-63E9-49F9-B959-AD75845B8D07}">
+  <ds:schemaRefs>
+    <ds:schemaRef ds:uri="http://schemas.microsoft.com/VisualStudio/2011/storyboarding/control"/>
+  </ds:schemaRefs>
+</ds:datastoreItem>
+</file>
+
+<file path=customXml/itemProps131.xml><?xml version="1.0" encoding="utf-8"?>
+<ds:datastoreItem xmlns:ds="http://schemas.openxmlformats.org/officeDocument/2006/customXml" ds:itemID="{B0A7260F-6144-438B-B40E-F17A3A1A2CE9}">
+  <ds:schemaRefs>
+    <ds:schemaRef ds:uri="http://schemas.microsoft.com/VisualStudio/2011/storyboarding/control"/>
+  </ds:schemaRefs>
+</ds:datastoreItem>
+</file>
+
+<file path=customXml/itemProps132.xml><?xml version="1.0" encoding="utf-8"?>
+<ds:datastoreItem xmlns:ds="http://schemas.openxmlformats.org/officeDocument/2006/customXml" ds:itemID="{D8621473-F62D-41B5-8568-3144F1C1A6F0}">
+  <ds:schemaRefs>
+    <ds:schemaRef ds:uri="http://schemas.microsoft.com/VisualStudio/2011/storyboarding/control"/>
+  </ds:schemaRefs>
+</ds:datastoreItem>
+</file>
+
+<file path=customXml/itemProps133.xml><?xml version="1.0" encoding="utf-8"?>
+<ds:datastoreItem xmlns:ds="http://schemas.openxmlformats.org/officeDocument/2006/customXml" ds:itemID="{13C1407C-CF6D-4F1E-9B31-FAC446AF6317}">
+  <ds:schemaRefs>
+    <ds:schemaRef ds:uri="http://schemas.microsoft.com/VisualStudio/2011/storyboarding/control"/>
+  </ds:schemaRefs>
+</ds:datastoreItem>
+</file>
+
+<file path=customXml/itemProps134.xml><?xml version="1.0" encoding="utf-8"?>
+<ds:datastoreItem xmlns:ds="http://schemas.openxmlformats.org/officeDocument/2006/customXml" ds:itemID="{27F8D642-C876-4D49-A268-D03A3875605D}">
+  <ds:schemaRefs>
+    <ds:schemaRef ds:uri="http://schemas.microsoft.com/VisualStudio/2011/storyboarding/control"/>
+  </ds:schemaRefs>
+</ds:datastoreItem>
+</file>
+
+<file path=customXml/itemProps135.xml><?xml version="1.0" encoding="utf-8"?>
+<ds:datastoreItem xmlns:ds="http://schemas.openxmlformats.org/officeDocument/2006/customXml" ds:itemID="{314BC7E0-5CB8-41B7-80AE-6FF18C6ED044}">
+  <ds:schemaRefs>
+    <ds:schemaRef ds:uri="http://schemas.microsoft.com/VisualStudio/2011/storyboarding/control"/>
+  </ds:schemaRefs>
+</ds:datastoreItem>
+</file>
+
+<file path=customXml/itemProps136.xml><?xml version="1.0" encoding="utf-8"?>
+<ds:datastoreItem xmlns:ds="http://schemas.openxmlformats.org/officeDocument/2006/customXml" ds:itemID="{98239294-B951-4171-BF7E-2E6B950C31FA}">
+  <ds:schemaRefs>
+    <ds:schemaRef ds:uri="http://schemas.microsoft.com/VisualStudio/2011/storyboarding/control"/>
+  </ds:schemaRefs>
+</ds:datastoreItem>
+</file>
+
+<file path=customXml/itemProps137.xml><?xml version="1.0" encoding="utf-8"?>
+<ds:datastoreItem xmlns:ds="http://schemas.openxmlformats.org/officeDocument/2006/customXml" ds:itemID="{6D348E8A-0011-403D-B403-2D791AB6B29D}">
+  <ds:schemaRefs>
+    <ds:schemaRef ds:uri="http://schemas.microsoft.com/VisualStudio/2011/storyboarding/control"/>
+  </ds:schemaRefs>
+</ds:datastoreItem>
+</file>
+
+<file path=customXml/itemProps138.xml><?xml version="1.0" encoding="utf-8"?>
+<ds:datastoreItem xmlns:ds="http://schemas.openxmlformats.org/officeDocument/2006/customXml" ds:itemID="{42202DCE-A05C-4F65-B84A-0A0834D65E33}">
+  <ds:schemaRefs>
+    <ds:schemaRef ds:uri="http://schemas.microsoft.com/VisualStudio/2011/storyboarding/control"/>
+  </ds:schemaRefs>
+</ds:datastoreItem>
+</file>
+
+<file path=customXml/itemProps139.xml><?xml version="1.0" encoding="utf-8"?>
+<ds:datastoreItem xmlns:ds="http://schemas.openxmlformats.org/officeDocument/2006/customXml" ds:itemID="{F1849B9A-F2A7-47EC-B82F-47ADD7DF296A}">
+  <ds:schemaRefs>
+    <ds:schemaRef ds:uri="http://schemas.microsoft.com/VisualStudio/2011/storyboarding/control"/>
+  </ds:schemaRefs>
+</ds:datastoreItem>
+</file>
+
+<file path=customXml/itemProps14.xml><?xml version="1.0" encoding="utf-8"?>
+<ds:datastoreItem xmlns:ds="http://schemas.openxmlformats.org/officeDocument/2006/customXml" ds:itemID="{25AC7257-525C-4E5A-AA42-573829D61A3B}">
+  <ds:schemaRefs>
+    <ds:schemaRef ds:uri="http://schemas.microsoft.com/VisualStudio/2011/storyboarding/control"/>
+  </ds:schemaRefs>
+</ds:datastoreItem>
+</file>
+
+<file path=customXml/itemProps140.xml><?xml version="1.0" encoding="utf-8"?>
+<ds:datastoreItem xmlns:ds="http://schemas.openxmlformats.org/officeDocument/2006/customXml" ds:itemID="{BE60BF8C-B366-4015-AFC5-00DA9D5EE41E}">
+  <ds:schemaRefs>
+    <ds:schemaRef ds:uri="http://schemas.microsoft.com/VisualStudio/2011/storyboarding/control"/>
+  </ds:schemaRefs>
+</ds:datastoreItem>
+</file>
+
+<file path=customXml/itemProps141.xml><?xml version="1.0" encoding="utf-8"?>
+<ds:datastoreItem xmlns:ds="http://schemas.openxmlformats.org/officeDocument/2006/customXml" ds:itemID="{66AC9233-048D-4EFE-BF75-1ED341665CE7}">
+  <ds:schemaRefs>
+    <ds:schemaRef ds:uri="http://schemas.microsoft.com/VisualStudio/2011/storyboarding/control"/>
+  </ds:schemaRefs>
+</ds:datastoreItem>
+</file>
+
+<file path=customXml/itemProps142.xml><?xml version="1.0" encoding="utf-8"?>
+<ds:datastoreItem xmlns:ds="http://schemas.openxmlformats.org/officeDocument/2006/customXml" ds:itemID="{43357BA7-E8FE-4D54-AC80-E8E59429C281}">
+  <ds:schemaRefs>
+    <ds:schemaRef ds:uri="http://schemas.microsoft.com/VisualStudio/2011/storyboarding/control"/>
+  </ds:schemaRefs>
+</ds:datastoreItem>
+</file>
+
+<file path=customXml/itemProps143.xml><?xml version="1.0" encoding="utf-8"?>
+<ds:datastoreItem xmlns:ds="http://schemas.openxmlformats.org/officeDocument/2006/customXml" ds:itemID="{00733A73-60C4-4047-99FA-999B6399E6BC}">
+  <ds:schemaRefs>
+    <ds:schemaRef ds:uri="http://schemas.microsoft.com/VisualStudio/2011/storyboarding/control"/>
+  </ds:schemaRefs>
+</ds:datastoreItem>
+</file>
+
+<file path=customXml/itemProps144.xml><?xml version="1.0" encoding="utf-8"?>
+<ds:datastoreItem xmlns:ds="http://schemas.openxmlformats.org/officeDocument/2006/customXml" ds:itemID="{892CF6B9-7AB2-4DCF-86FB-B50BB8D91DDB}">
+  <ds:schemaRefs>
+    <ds:schemaRef ds:uri="http://schemas.microsoft.com/VisualStudio/2011/storyboarding/control"/>
+  </ds:schemaRefs>
+</ds:datastoreItem>
+</file>
+
+<file path=customXml/itemProps145.xml><?xml version="1.0" encoding="utf-8"?>
+<ds:datastoreItem xmlns:ds="http://schemas.openxmlformats.org/officeDocument/2006/customXml" ds:itemID="{81E54383-98AB-4CF8-862A-56119B52D70D}">
+  <ds:schemaRefs>
+    <ds:schemaRef ds:uri="http://schemas.microsoft.com/VisualStudio/2011/storyboarding/control"/>
+  </ds:schemaRefs>
+</ds:datastoreItem>
+</file>
+
+<file path=customXml/itemProps146.xml><?xml version="1.0" encoding="utf-8"?>
+<ds:datastoreItem xmlns:ds="http://schemas.openxmlformats.org/officeDocument/2006/customXml" ds:itemID="{C962D66A-88E9-473B-8A7A-477B4CE13AF5}">
+  <ds:schemaRefs>
+    <ds:schemaRef ds:uri="http://schemas.microsoft.com/VisualStudio/2011/storyboarding/control"/>
+  </ds:schemaRefs>
+</ds:datastoreItem>
+</file>
+
+<file path=customXml/itemProps147.xml><?xml version="1.0" encoding="utf-8"?>
+<ds:datastoreItem xmlns:ds="http://schemas.openxmlformats.org/officeDocument/2006/customXml" ds:itemID="{606CF5D4-B3F8-40BD-8704-7E44E4F5719F}">
+  <ds:schemaRefs>
+    <ds:schemaRef ds:uri="http://schemas.microsoft.com/VisualStudio/2011/storyboarding/control"/>
+  </ds:schemaRefs>
+</ds:datastoreItem>
+</file>
+
+<file path=customXml/itemProps148.xml><?xml version="1.0" encoding="utf-8"?>
+<ds:datastoreItem xmlns:ds="http://schemas.openxmlformats.org/officeDocument/2006/customXml" ds:itemID="{052D3153-F81F-47D0-946E-5920405FFC24}">
+  <ds:schemaRefs>
+    <ds:schemaRef ds:uri="http://schemas.microsoft.com/VisualStudio/2011/storyboarding/control"/>
+  </ds:schemaRefs>
+</ds:datastoreItem>
+</file>
+
+<file path=customXml/itemProps149.xml><?xml version="1.0" encoding="utf-8"?>
+<ds:datastoreItem xmlns:ds="http://schemas.openxmlformats.org/officeDocument/2006/customXml" ds:itemID="{941A1568-B616-44B1-8AF5-A4ADE958EDAD}">
+  <ds:schemaRefs>
+    <ds:schemaRef ds:uri="http://schemas.microsoft.com/VisualStudio/2011/storyboarding/control"/>
+  </ds:schemaRefs>
+</ds:datastoreItem>
+</file>
+
+<file path=customXml/itemProps15.xml><?xml version="1.0" encoding="utf-8"?>
+<ds:datastoreItem xmlns:ds="http://schemas.openxmlformats.org/officeDocument/2006/customXml" ds:itemID="{7AFD248A-A54A-4224-A9E5-220E5300E8F8}">
+  <ds:schemaRefs>
+    <ds:schemaRef ds:uri="http://schemas.microsoft.com/VisualStudio/2011/storyboarding/control"/>
+  </ds:schemaRefs>
+</ds:datastoreItem>
+</file>
+
+<file path=customXml/itemProps150.xml><?xml version="1.0" encoding="utf-8"?>
+<ds:datastoreItem xmlns:ds="http://schemas.openxmlformats.org/officeDocument/2006/customXml" ds:itemID="{8B1F962B-8896-4824-ACD5-8AE30FE0A557}">
+  <ds:schemaRefs>
+    <ds:schemaRef ds:uri="http://schemas.microsoft.com/VisualStudio/2011/storyboarding/control"/>
+  </ds:schemaRefs>
+</ds:datastoreItem>
+</file>
+
+<file path=customXml/itemProps151.xml><?xml version="1.0" encoding="utf-8"?>
+<ds:datastoreItem xmlns:ds="http://schemas.openxmlformats.org/officeDocument/2006/customXml" ds:itemID="{74E1FA7F-A4B5-484B-929E-6F02BB83131C}">
+  <ds:schemaRefs>
+    <ds:schemaRef ds:uri="http://schemas.microsoft.com/VisualStudio/2011/storyboarding/control"/>
+  </ds:schemaRefs>
+</ds:datastoreItem>
+</file>
+
+<file path=customXml/itemProps152.xml><?xml version="1.0" encoding="utf-8"?>
+<ds:datastoreItem xmlns:ds="http://schemas.openxmlformats.org/officeDocument/2006/customXml" ds:itemID="{E4EC0F23-1162-4221-AFA8-5BFDF651A690}">
+  <ds:schemaRefs>
+    <ds:schemaRef ds:uri="http://schemas.microsoft.com/VisualStudio/2011/storyboarding/control"/>
+  </ds:schemaRefs>
+</ds:datastoreItem>
+</file>
+
+<file path=customXml/itemProps153.xml><?xml version="1.0" encoding="utf-8"?>
+<ds:datastoreItem xmlns:ds="http://schemas.openxmlformats.org/officeDocument/2006/customXml" ds:itemID="{9ABA7AF9-7AD4-473E-89F4-BC38F2B1F276}">
+  <ds:schemaRefs>
+    <ds:schemaRef ds:uri="http://schemas.microsoft.com/VisualStudio/2011/storyboarding/control"/>
+  </ds:schemaRefs>
+</ds:datastoreItem>
+</file>
+
+<file path=customXml/itemProps154.xml><?xml version="1.0" encoding="utf-8"?>
+<ds:datastoreItem xmlns:ds="http://schemas.openxmlformats.org/officeDocument/2006/customXml" ds:itemID="{0639E041-5344-4826-A0B0-6DE2057EC2F0}">
+  <ds:schemaRefs>
+    <ds:schemaRef ds:uri="http://schemas.microsoft.com/VisualStudio/2011/storyboarding/control"/>
+  </ds:schemaRefs>
+</ds:datastoreItem>
+</file>
+
+<file path=customXml/itemProps155.xml><?xml version="1.0" encoding="utf-8"?>
+<ds:datastoreItem xmlns:ds="http://schemas.openxmlformats.org/officeDocument/2006/customXml" ds:itemID="{9501DC5F-120C-4F65-9B9C-A042818517A5}">
+  <ds:schemaRefs>
+    <ds:schemaRef ds:uri="http://schemas.microsoft.com/VisualStudio/2011/storyboarding/control"/>
+  </ds:schemaRefs>
+</ds:datastoreItem>
+</file>
+
+<file path=customXml/itemProps156.xml><?xml version="1.0" encoding="utf-8"?>
+<ds:datastoreItem xmlns:ds="http://schemas.openxmlformats.org/officeDocument/2006/customXml" ds:itemID="{903D1585-EC82-417F-ADD8-DEE6B3412E20}">
+  <ds:schemaRefs>
+    <ds:schemaRef ds:uri="http://schemas.microsoft.com/VisualStudio/2011/storyboarding/control"/>
+  </ds:schemaRefs>
+</ds:datastoreItem>
+</file>
+
+<file path=customXml/itemProps157.xml><?xml version="1.0" encoding="utf-8"?>
+<ds:datastoreItem xmlns:ds="http://schemas.openxmlformats.org/officeDocument/2006/customXml" ds:itemID="{09CE74FB-25C7-4560-B2D1-31C53C62D2F2}">
+  <ds:schemaRefs>
+    <ds:schemaRef ds:uri="http://schemas.microsoft.com/VisualStudio/2011/storyboarding/control"/>
+  </ds:schemaRefs>
+</ds:datastoreItem>
+</file>
+
+<file path=customXml/itemProps158.xml><?xml version="1.0" encoding="utf-8"?>
+<ds:datastoreItem xmlns:ds="http://schemas.openxmlformats.org/officeDocument/2006/customXml" ds:itemID="{0ACD7F9E-6922-401E-AD61-6FDDCBE9BAA8}">
+  <ds:schemaRefs>
+    <ds:schemaRef ds:uri="http://schemas.microsoft.com/VisualStudio/2011/storyboarding/control"/>
+  </ds:schemaRefs>
+</ds:datastoreItem>
+</file>
+
+<file path=customXml/itemProps159.xml><?xml version="1.0" encoding="utf-8"?>
+<ds:datastoreItem xmlns:ds="http://schemas.openxmlformats.org/officeDocument/2006/customXml" ds:itemID="{73CFC637-E0A4-430F-AF1C-69D891B1F8FC}">
+  <ds:schemaRefs>
+    <ds:schemaRef ds:uri="http://schemas.microsoft.com/VisualStudio/2011/storyboarding/control"/>
+  </ds:schemaRefs>
+</ds:datastoreItem>
+</file>
+
+<file path=customXml/itemProps16.xml><?xml version="1.0" encoding="utf-8"?>
+<ds:datastoreItem xmlns:ds="http://schemas.openxmlformats.org/officeDocument/2006/customXml" ds:itemID="{AE128F89-BEFE-49D1-B7EC-DF64FC22E46D}">
+  <ds:schemaRefs>
+    <ds:schemaRef ds:uri="http://schemas.microsoft.com/VisualStudio/2011/storyboarding/control"/>
+  </ds:schemaRefs>
+</ds:datastoreItem>
+</file>
+
+<file path=customXml/itemProps160.xml><?xml version="1.0" encoding="utf-8"?>
+<ds:datastoreItem xmlns:ds="http://schemas.openxmlformats.org/officeDocument/2006/customXml" ds:itemID="{DD049830-DA11-466E-A98B-41FD56DCE224}">
+  <ds:schemaRefs>
+    <ds:schemaRef ds:uri="http://schemas.microsoft.com/VisualStudio/2011/storyboarding/control"/>
+  </ds:schemaRefs>
+</ds:datastoreItem>
+</file>
+
+<file path=customXml/itemProps161.xml><?xml version="1.0" encoding="utf-8"?>
+<ds:datastoreItem xmlns:ds="http://schemas.openxmlformats.org/officeDocument/2006/customXml" ds:itemID="{F4261AFD-0C6F-405A-ABB8-E13F5D880F5A}">
+  <ds:schemaRefs>
+    <ds:schemaRef ds:uri="http://schemas.microsoft.com/VisualStudio/2011/storyboarding/control"/>
+  </ds:schemaRefs>
+</ds:datastoreItem>
+</file>
+
+<file path=customXml/itemProps162.xml><?xml version="1.0" encoding="utf-8"?>
 <ds:datastoreItem xmlns:ds="http://schemas.openxmlformats.org/officeDocument/2006/customXml" ds:itemID="{DF8F59E5-8CED-4A90-B010-FA66A3D20E9F}">
   <ds:schemaRefs>
     <ds:schemaRef ds:uri="http://schemas.microsoft.com/VisualStudio/2011/storyboarding/control"/>
@@ -27849,7 +28352,751 @@
 </ds:datastoreItem>
 </file>
 
-<file path=customXml/itemProps10.xml><?xml version="1.0" encoding="utf-8"?>
+<file path=customXml/itemProps163.xml><?xml version="1.0" encoding="utf-8"?>
+<ds:datastoreItem xmlns:ds="http://schemas.openxmlformats.org/officeDocument/2006/customXml" ds:itemID="{F284721C-0256-43ED-B521-30AC7262120A}">
+  <ds:schemaRefs>
+    <ds:schemaRef ds:uri="http://schemas.microsoft.com/VisualStudio/2011/storyboarding/control"/>
+  </ds:schemaRefs>
+</ds:datastoreItem>
+</file>
+
+<file path=customXml/itemProps164.xml><?xml version="1.0" encoding="utf-8"?>
+<ds:datastoreItem xmlns:ds="http://schemas.openxmlformats.org/officeDocument/2006/customXml" ds:itemID="{9B88C461-FD72-4CCE-B36A-E6CD818ADA83}">
+  <ds:schemaRefs>
+    <ds:schemaRef ds:uri="http://schemas.microsoft.com/VisualStudio/2011/storyboarding/control"/>
+  </ds:schemaRefs>
+</ds:datastoreItem>
+</file>
+
+<file path=customXml/itemProps165.xml><?xml version="1.0" encoding="utf-8"?>
+<ds:datastoreItem xmlns:ds="http://schemas.openxmlformats.org/officeDocument/2006/customXml" ds:itemID="{76DC95E1-ACCA-45B6-9796-C9DB84BF79E8}">
+  <ds:schemaRefs>
+    <ds:schemaRef ds:uri="http://schemas.microsoft.com/VisualStudio/2011/storyboarding/control"/>
+  </ds:schemaRefs>
+</ds:datastoreItem>
+</file>
+
+<file path=customXml/itemProps166.xml><?xml version="1.0" encoding="utf-8"?>
+<ds:datastoreItem xmlns:ds="http://schemas.openxmlformats.org/officeDocument/2006/customXml" ds:itemID="{98A360E1-A752-4262-A971-02659881E9AE}">
+  <ds:schemaRefs>
+    <ds:schemaRef ds:uri="http://schemas.microsoft.com/VisualStudio/2011/storyboarding/control"/>
+  </ds:schemaRefs>
+</ds:datastoreItem>
+</file>
+
+<file path=customXml/itemProps167.xml><?xml version="1.0" encoding="utf-8"?>
+<ds:datastoreItem xmlns:ds="http://schemas.openxmlformats.org/officeDocument/2006/customXml" ds:itemID="{B9D5874A-DB82-4E87-A995-5E70DBA4B3B0}">
+  <ds:schemaRefs>
+    <ds:schemaRef ds:uri="http://schemas.microsoft.com/VisualStudio/2011/storyboarding/control"/>
+  </ds:schemaRefs>
+</ds:datastoreItem>
+</file>
+
+<file path=customXml/itemProps168.xml><?xml version="1.0" encoding="utf-8"?>
+<ds:datastoreItem xmlns:ds="http://schemas.openxmlformats.org/officeDocument/2006/customXml" ds:itemID="{66876AD8-FD3E-409F-945F-9F02A3C476A3}">
+  <ds:schemaRefs>
+    <ds:schemaRef ds:uri="http://schemas.microsoft.com/VisualStudio/2011/storyboarding/control"/>
+  </ds:schemaRefs>
+</ds:datastoreItem>
+</file>
+
+<file path=customXml/itemProps169.xml><?xml version="1.0" encoding="utf-8"?>
+<ds:datastoreItem xmlns:ds="http://schemas.openxmlformats.org/officeDocument/2006/customXml" ds:itemID="{2814AD4B-2F19-4F35-8A58-D8242B0ACE47}">
+  <ds:schemaRefs>
+    <ds:schemaRef ds:uri="http://schemas.microsoft.com/VisualStudio/2011/storyboarding/control"/>
+  </ds:schemaRefs>
+</ds:datastoreItem>
+</file>
+
+<file path=customXml/itemProps17.xml><?xml version="1.0" encoding="utf-8"?>
+<ds:datastoreItem xmlns:ds="http://schemas.openxmlformats.org/officeDocument/2006/customXml" ds:itemID="{A9589BB7-B112-466A-B7DB-50FF9E4A7695}">
+  <ds:schemaRefs>
+    <ds:schemaRef ds:uri="http://schemas.microsoft.com/VisualStudio/2011/storyboarding/control"/>
+  </ds:schemaRefs>
+</ds:datastoreItem>
+</file>
+
+<file path=customXml/itemProps170.xml><?xml version="1.0" encoding="utf-8"?>
+<ds:datastoreItem xmlns:ds="http://schemas.openxmlformats.org/officeDocument/2006/customXml" ds:itemID="{1BA76A90-19EE-4A02-BA01-6356B01DC32E}">
+  <ds:schemaRefs>
+    <ds:schemaRef ds:uri="http://schemas.microsoft.com/VisualStudio/2011/storyboarding/control"/>
+  </ds:schemaRefs>
+</ds:datastoreItem>
+</file>
+
+<file path=customXml/itemProps171.xml><?xml version="1.0" encoding="utf-8"?>
+<ds:datastoreItem xmlns:ds="http://schemas.openxmlformats.org/officeDocument/2006/customXml" ds:itemID="{D0B805D5-5911-410C-B527-CFA9A2E9215E}">
+  <ds:schemaRefs>
+    <ds:schemaRef ds:uri="http://schemas.microsoft.com/VisualStudio/2011/storyboarding/control"/>
+  </ds:schemaRefs>
+</ds:datastoreItem>
+</file>
+
+<file path=customXml/itemProps172.xml><?xml version="1.0" encoding="utf-8"?>
+<ds:datastoreItem xmlns:ds="http://schemas.openxmlformats.org/officeDocument/2006/customXml" ds:itemID="{8FFBA1EB-8640-41D3-90AB-ABBFC6BE36B9}">
+  <ds:schemaRefs>
+    <ds:schemaRef ds:uri="http://schemas.microsoft.com/VisualStudio/2011/storyboarding/control"/>
+  </ds:schemaRefs>
+</ds:datastoreItem>
+</file>
+
+<file path=customXml/itemProps173.xml><?xml version="1.0" encoding="utf-8"?>
+<ds:datastoreItem xmlns:ds="http://schemas.openxmlformats.org/officeDocument/2006/customXml" ds:itemID="{34D79507-41CE-4F82-9FD7-28ECA0111C35}">
+  <ds:schemaRefs>
+    <ds:schemaRef ds:uri="http://schemas.microsoft.com/VisualStudio/2011/storyboarding/control"/>
+  </ds:schemaRefs>
+</ds:datastoreItem>
+</file>
+
+<file path=customXml/itemProps174.xml><?xml version="1.0" encoding="utf-8"?>
+<ds:datastoreItem xmlns:ds="http://schemas.openxmlformats.org/officeDocument/2006/customXml" ds:itemID="{2C4CCA8C-E1E3-4D28-B52B-FB81537ACD62}">
+  <ds:schemaRefs>
+    <ds:schemaRef ds:uri="http://schemas.microsoft.com/VisualStudio/2011/storyboarding/control"/>
+  </ds:schemaRefs>
+</ds:datastoreItem>
+</file>
+
+<file path=customXml/itemProps175.xml><?xml version="1.0" encoding="utf-8"?>
+<ds:datastoreItem xmlns:ds="http://schemas.openxmlformats.org/officeDocument/2006/customXml" ds:itemID="{CD08CBAF-EFED-4E31-A630-125B2BF33FB5}">
+  <ds:schemaRefs>
+    <ds:schemaRef ds:uri="http://schemas.microsoft.com/VisualStudio/2011/storyboarding/control"/>
+  </ds:schemaRefs>
+</ds:datastoreItem>
+</file>
+
+<file path=customXml/itemProps176.xml><?xml version="1.0" encoding="utf-8"?>
+<ds:datastoreItem xmlns:ds="http://schemas.openxmlformats.org/officeDocument/2006/customXml" ds:itemID="{59523541-65F5-4428-9F7B-EAA3ACAEA288}">
+  <ds:schemaRefs>
+    <ds:schemaRef ds:uri="http://schemas.microsoft.com/VisualStudio/2011/storyboarding/control"/>
+  </ds:schemaRefs>
+</ds:datastoreItem>
+</file>
+
+<file path=customXml/itemProps177.xml><?xml version="1.0" encoding="utf-8"?>
+<ds:datastoreItem xmlns:ds="http://schemas.openxmlformats.org/officeDocument/2006/customXml" ds:itemID="{D30FE00D-B30C-4E97-A466-D2EAAA05FD64}">
+  <ds:schemaRefs>
+    <ds:schemaRef ds:uri="http://schemas.microsoft.com/VisualStudio/2011/storyboarding/control"/>
+  </ds:schemaRefs>
+</ds:datastoreItem>
+</file>
+
+<file path=customXml/itemProps178.xml><?xml version="1.0" encoding="utf-8"?>
+<ds:datastoreItem xmlns:ds="http://schemas.openxmlformats.org/officeDocument/2006/customXml" ds:itemID="{76BBF26E-3DED-4C7C-8F9D-FEEFB1BBA3B1}">
+  <ds:schemaRefs>
+    <ds:schemaRef ds:uri="http://schemas.microsoft.com/VisualStudio/2011/storyboarding/control"/>
+  </ds:schemaRefs>
+</ds:datastoreItem>
+</file>
+
+<file path=customXml/itemProps179.xml><?xml version="1.0" encoding="utf-8"?>
+<ds:datastoreItem xmlns:ds="http://schemas.openxmlformats.org/officeDocument/2006/customXml" ds:itemID="{998411DF-88EB-4820-BD6A-310BD2399BD0}">
+  <ds:schemaRefs>
+    <ds:schemaRef ds:uri="http://schemas.microsoft.com/VisualStudio/2011/storyboarding/control"/>
+  </ds:schemaRefs>
+</ds:datastoreItem>
+</file>
+
+<file path=customXml/itemProps18.xml><?xml version="1.0" encoding="utf-8"?>
+<ds:datastoreItem xmlns:ds="http://schemas.openxmlformats.org/officeDocument/2006/customXml" ds:itemID="{913EDEB5-0043-4ADF-BF69-77EF99A91A70}">
+  <ds:schemaRefs>
+    <ds:schemaRef ds:uri="http://schemas.microsoft.com/VisualStudio/2011/storyboarding/control"/>
+  </ds:schemaRefs>
+</ds:datastoreItem>
+</file>
+
+<file path=customXml/itemProps180.xml><?xml version="1.0" encoding="utf-8"?>
+<ds:datastoreItem xmlns:ds="http://schemas.openxmlformats.org/officeDocument/2006/customXml" ds:itemID="{F43A8394-35B7-4FC2-9A02-D6D8AE850C46}">
+  <ds:schemaRefs>
+    <ds:schemaRef ds:uri="http://schemas.microsoft.com/VisualStudio/2011/storyboarding/control"/>
+  </ds:schemaRefs>
+</ds:datastoreItem>
+</file>
+
+<file path=customXml/itemProps181.xml><?xml version="1.0" encoding="utf-8"?>
+<ds:datastoreItem xmlns:ds="http://schemas.openxmlformats.org/officeDocument/2006/customXml" ds:itemID="{B69176FB-B87F-4E1E-9375-8D60FAF0057D}">
+  <ds:schemaRefs>
+    <ds:schemaRef ds:uri="http://schemas.microsoft.com/VisualStudio/2011/storyboarding/control"/>
+  </ds:schemaRefs>
+</ds:datastoreItem>
+</file>
+
+<file path=customXml/itemProps182.xml><?xml version="1.0" encoding="utf-8"?>
+<ds:datastoreItem xmlns:ds="http://schemas.openxmlformats.org/officeDocument/2006/customXml" ds:itemID="{2E8AD9A9-60C6-455B-B9D1-03A11462F16E}">
+  <ds:schemaRefs>
+    <ds:schemaRef ds:uri="http://schemas.microsoft.com/VisualStudio/2011/storyboarding/control"/>
+  </ds:schemaRefs>
+</ds:datastoreItem>
+</file>
+
+<file path=customXml/itemProps183.xml><?xml version="1.0" encoding="utf-8"?>
+<ds:datastoreItem xmlns:ds="http://schemas.openxmlformats.org/officeDocument/2006/customXml" ds:itemID="{0749C6AF-EB53-4E04-8A3A-54A96B76748B}">
+  <ds:schemaRefs>
+    <ds:schemaRef ds:uri="http://schemas.microsoft.com/VisualStudio/2011/storyboarding/control"/>
+  </ds:schemaRefs>
+</ds:datastoreItem>
+</file>
+
+<file path=customXml/itemProps184.xml><?xml version="1.0" encoding="utf-8"?>
+<ds:datastoreItem xmlns:ds="http://schemas.openxmlformats.org/officeDocument/2006/customXml" ds:itemID="{4FB1E9E5-4445-4C02-A57F-2A9C022135F0}">
+  <ds:schemaRefs>
+    <ds:schemaRef ds:uri="http://schemas.microsoft.com/VisualStudio/2011/storyboarding/control"/>
+  </ds:schemaRefs>
+</ds:datastoreItem>
+</file>
+
+<file path=customXml/itemProps185.xml><?xml version="1.0" encoding="utf-8"?>
+<ds:datastoreItem xmlns:ds="http://schemas.openxmlformats.org/officeDocument/2006/customXml" ds:itemID="{53DA1D64-FAE3-4051-86C4-7E4958EE6430}">
+  <ds:schemaRefs>
+    <ds:schemaRef ds:uri="http://schemas.microsoft.com/VisualStudio/2011/storyboarding/control"/>
+  </ds:schemaRefs>
+</ds:datastoreItem>
+</file>
+
+<file path=customXml/itemProps186.xml><?xml version="1.0" encoding="utf-8"?>
+<ds:datastoreItem xmlns:ds="http://schemas.openxmlformats.org/officeDocument/2006/customXml" ds:itemID="{97793ECA-24C6-46F3-9A59-850352AED6B0}">
+  <ds:schemaRefs>
+    <ds:schemaRef ds:uri="http://schemas.microsoft.com/VisualStudio/2011/storyboarding/control"/>
+  </ds:schemaRefs>
+</ds:datastoreItem>
+</file>
+
+<file path=customXml/itemProps187.xml><?xml version="1.0" encoding="utf-8"?>
+<ds:datastoreItem xmlns:ds="http://schemas.openxmlformats.org/officeDocument/2006/customXml" ds:itemID="{72F00B18-A9ED-4669-AEA6-2BD6814E32F4}">
+  <ds:schemaRefs>
+    <ds:schemaRef ds:uri="http://schemas.microsoft.com/VisualStudio/2011/storyboarding/control"/>
+  </ds:schemaRefs>
+</ds:datastoreItem>
+</file>
+
+<file path=customXml/itemProps188.xml><?xml version="1.0" encoding="utf-8"?>
+<ds:datastoreItem xmlns:ds="http://schemas.openxmlformats.org/officeDocument/2006/customXml" ds:itemID="{AD765DBE-9671-45BD-9DBB-9A8CD991D305}">
+  <ds:schemaRefs>
+    <ds:schemaRef ds:uri="http://schemas.microsoft.com/VisualStudio/2011/storyboarding/control"/>
+  </ds:schemaRefs>
+</ds:datastoreItem>
+</file>
+
+<file path=customXml/itemProps189.xml><?xml version="1.0" encoding="utf-8"?>
+<ds:datastoreItem xmlns:ds="http://schemas.openxmlformats.org/officeDocument/2006/customXml" ds:itemID="{F8FA2D94-E06D-4220-BA47-2995FB7C8D12}">
+  <ds:schemaRefs>
+    <ds:schemaRef ds:uri="http://schemas.microsoft.com/VisualStudio/2011/storyboarding/control"/>
+  </ds:schemaRefs>
+</ds:datastoreItem>
+</file>
+
+<file path=customXml/itemProps19.xml><?xml version="1.0" encoding="utf-8"?>
+<ds:datastoreItem xmlns:ds="http://schemas.openxmlformats.org/officeDocument/2006/customXml" ds:itemID="{F289DBB7-301A-49B9-A05C-7204F013A6A1}">
+  <ds:schemaRefs>
+    <ds:schemaRef ds:uri="http://schemas.microsoft.com/VisualStudio/2011/storyboarding/control"/>
+  </ds:schemaRefs>
+</ds:datastoreItem>
+</file>
+
+<file path=customXml/itemProps190.xml><?xml version="1.0" encoding="utf-8"?>
+<ds:datastoreItem xmlns:ds="http://schemas.openxmlformats.org/officeDocument/2006/customXml" ds:itemID="{79F4C3AA-101F-4B48-BC66-EB35454CC9AD}">
+  <ds:schemaRefs>
+    <ds:schemaRef ds:uri="http://schemas.microsoft.com/VisualStudio/2011/storyboarding/control"/>
+  </ds:schemaRefs>
+</ds:datastoreItem>
+</file>
+
+<file path=customXml/itemProps191.xml><?xml version="1.0" encoding="utf-8"?>
+<ds:datastoreItem xmlns:ds="http://schemas.openxmlformats.org/officeDocument/2006/customXml" ds:itemID="{883EAB1A-18F1-41A1-87DF-62F639BB46CC}">
+  <ds:schemaRefs>
+    <ds:schemaRef ds:uri="http://schemas.microsoft.com/VisualStudio/2011/storyboarding/control"/>
+  </ds:schemaRefs>
+</ds:datastoreItem>
+</file>
+
+<file path=customXml/itemProps192.xml><?xml version="1.0" encoding="utf-8"?>
+<ds:datastoreItem xmlns:ds="http://schemas.openxmlformats.org/officeDocument/2006/customXml" ds:itemID="{D0D892FC-96D9-4F80-841A-D732044A2BF9}">
+  <ds:schemaRefs>
+    <ds:schemaRef ds:uri="http://schemas.microsoft.com/VisualStudio/2011/storyboarding/control"/>
+  </ds:schemaRefs>
+</ds:datastoreItem>
+</file>
+
+<file path=customXml/itemProps193.xml><?xml version="1.0" encoding="utf-8"?>
+<ds:datastoreItem xmlns:ds="http://schemas.openxmlformats.org/officeDocument/2006/customXml" ds:itemID="{3A7AE35B-4D50-4165-940D-B3B720020BD4}">
+  <ds:schemaRefs>
+    <ds:schemaRef ds:uri="http://schemas.microsoft.com/VisualStudio/2011/storyboarding/control"/>
+  </ds:schemaRefs>
+</ds:datastoreItem>
+</file>
+
+<file path=customXml/itemProps194.xml><?xml version="1.0" encoding="utf-8"?>
+<ds:datastoreItem xmlns:ds="http://schemas.openxmlformats.org/officeDocument/2006/customXml" ds:itemID="{C69813E6-399E-4343-9AE6-3037FDA52C95}">
+  <ds:schemaRefs>
+    <ds:schemaRef ds:uri="http://schemas.microsoft.com/VisualStudio/2011/storyboarding/control"/>
+  </ds:schemaRefs>
+</ds:datastoreItem>
+</file>
+
+<file path=customXml/itemProps195.xml><?xml version="1.0" encoding="utf-8"?>
+<ds:datastoreItem xmlns:ds="http://schemas.openxmlformats.org/officeDocument/2006/customXml" ds:itemID="{560D2061-D99A-45A4-8092-C0602B8A4570}">
+  <ds:schemaRefs>
+    <ds:schemaRef ds:uri="http://schemas.microsoft.com/VisualStudio/2011/storyboarding/control"/>
+  </ds:schemaRefs>
+</ds:datastoreItem>
+</file>
+
+<file path=customXml/itemProps196.xml><?xml version="1.0" encoding="utf-8"?>
+<ds:datastoreItem xmlns:ds="http://schemas.openxmlformats.org/officeDocument/2006/customXml" ds:itemID="{74A4DA6D-3268-4D6D-A9D3-B98F658DD6F9}">
+  <ds:schemaRefs>
+    <ds:schemaRef ds:uri="http://schemas.microsoft.com/VisualStudio/2011/storyboarding/control"/>
+  </ds:schemaRefs>
+</ds:datastoreItem>
+</file>
+
+<file path=customXml/itemProps197.xml><?xml version="1.0" encoding="utf-8"?>
+<ds:datastoreItem xmlns:ds="http://schemas.openxmlformats.org/officeDocument/2006/customXml" ds:itemID="{4EA2190A-611C-49BA-ADD4-5855AD00D63D}">
+  <ds:schemaRefs>
+    <ds:schemaRef ds:uri="http://schemas.microsoft.com/VisualStudio/2011/storyboarding/control"/>
+  </ds:schemaRefs>
+</ds:datastoreItem>
+</file>
+
+<file path=customXml/itemProps198.xml><?xml version="1.0" encoding="utf-8"?>
+<ds:datastoreItem xmlns:ds="http://schemas.openxmlformats.org/officeDocument/2006/customXml" ds:itemID="{880B91E8-103A-412A-B3C8-17A3C03EF756}">
+  <ds:schemaRefs>
+    <ds:schemaRef ds:uri="http://schemas.microsoft.com/VisualStudio/2011/storyboarding/control"/>
+  </ds:schemaRefs>
+</ds:datastoreItem>
+</file>
+
+<file path=customXml/itemProps199.xml><?xml version="1.0" encoding="utf-8"?>
+<ds:datastoreItem xmlns:ds="http://schemas.openxmlformats.org/officeDocument/2006/customXml" ds:itemID="{B95884A5-3DD4-499F-8287-5E7A85124B51}">
+  <ds:schemaRefs>
+    <ds:schemaRef ds:uri="http://schemas.microsoft.com/VisualStudio/2011/storyboarding/control"/>
+  </ds:schemaRefs>
+</ds:datastoreItem>
+</file>
+
+<file path=customXml/itemProps2.xml><?xml version="1.0" encoding="utf-8"?>
+<ds:datastoreItem xmlns:ds="http://schemas.openxmlformats.org/officeDocument/2006/customXml" ds:itemID="{66761CE4-9EDC-423E-BC61-A27C029E5732}">
+  <ds:schemaRefs>
+    <ds:schemaRef ds:uri="http://schemas.microsoft.com/VisualStudio/2011/storyboarding/control"/>
+  </ds:schemaRefs>
+</ds:datastoreItem>
+</file>
+
+<file path=customXml/itemProps20.xml><?xml version="1.0" encoding="utf-8"?>
+<ds:datastoreItem xmlns:ds="http://schemas.openxmlformats.org/officeDocument/2006/customXml" ds:itemID="{D1D581BF-65A6-451F-B562-28FFFDB17EBE}">
+  <ds:schemaRefs>
+    <ds:schemaRef ds:uri="http://schemas.microsoft.com/VisualStudio/2011/storyboarding/control"/>
+  </ds:schemaRefs>
+</ds:datastoreItem>
+</file>
+
+<file path=customXml/itemProps200.xml><?xml version="1.0" encoding="utf-8"?>
+<ds:datastoreItem xmlns:ds="http://schemas.openxmlformats.org/officeDocument/2006/customXml" ds:itemID="{C9CD690E-579D-4787-85BC-0470699F0591}">
+  <ds:schemaRefs>
+    <ds:schemaRef ds:uri="http://schemas.microsoft.com/VisualStudio/2011/storyboarding/control"/>
+  </ds:schemaRefs>
+</ds:datastoreItem>
+</file>
+
+<file path=customXml/itemProps201.xml><?xml version="1.0" encoding="utf-8"?>
+<ds:datastoreItem xmlns:ds="http://schemas.openxmlformats.org/officeDocument/2006/customXml" ds:itemID="{3532F4D0-3A20-4546-96DA-A56D979929A4}">
+  <ds:schemaRefs>
+    <ds:schemaRef ds:uri="http://schemas.microsoft.com/VisualStudio/2011/storyboarding/control"/>
+  </ds:schemaRefs>
+</ds:datastoreItem>
+</file>
+
+<file path=customXml/itemProps202.xml><?xml version="1.0" encoding="utf-8"?>
+<ds:datastoreItem xmlns:ds="http://schemas.openxmlformats.org/officeDocument/2006/customXml" ds:itemID="{A90F7C4B-60EA-4955-8003-309220366A18}">
+  <ds:schemaRefs>
+    <ds:schemaRef ds:uri="http://schemas.microsoft.com/VisualStudio/2011/storyboarding/control"/>
+  </ds:schemaRefs>
+</ds:datastoreItem>
+</file>
+
+<file path=customXml/itemProps203.xml><?xml version="1.0" encoding="utf-8"?>
+<ds:datastoreItem xmlns:ds="http://schemas.openxmlformats.org/officeDocument/2006/customXml" ds:itemID="{8E75C575-581D-41C1-833A-EA93BF9CCB04}">
+  <ds:schemaRefs>
+    <ds:schemaRef ds:uri="http://schemas.microsoft.com/VisualStudio/2011/storyboarding/control"/>
+  </ds:schemaRefs>
+</ds:datastoreItem>
+</file>
+
+<file path=customXml/itemProps204.xml><?xml version="1.0" encoding="utf-8"?>
+<ds:datastoreItem xmlns:ds="http://schemas.openxmlformats.org/officeDocument/2006/customXml" ds:itemID="{360AAA09-4D6B-4080-966E-6CECA704A0AD}">
+  <ds:schemaRefs>
+    <ds:schemaRef ds:uri="http://schemas.microsoft.com/VisualStudio/2011/storyboarding/control"/>
+  </ds:schemaRefs>
+</ds:datastoreItem>
+</file>
+
+<file path=customXml/itemProps205.xml><?xml version="1.0" encoding="utf-8"?>
+<ds:datastoreItem xmlns:ds="http://schemas.openxmlformats.org/officeDocument/2006/customXml" ds:itemID="{1DA6B2D5-7BA3-4219-AB02-3698109D5106}">
+  <ds:schemaRefs>
+    <ds:schemaRef ds:uri="http://schemas.microsoft.com/VisualStudio/2011/storyboarding/control"/>
+  </ds:schemaRefs>
+</ds:datastoreItem>
+</file>
+
+<file path=customXml/itemProps206.xml><?xml version="1.0" encoding="utf-8"?>
+<ds:datastoreItem xmlns:ds="http://schemas.openxmlformats.org/officeDocument/2006/customXml" ds:itemID="{FA3B41DB-8CE9-4ECC-8674-1D620E522544}">
+  <ds:schemaRefs>
+    <ds:schemaRef ds:uri="http://schemas.microsoft.com/VisualStudio/2011/storyboarding/control"/>
+  </ds:schemaRefs>
+</ds:datastoreItem>
+</file>
+
+<file path=customXml/itemProps207.xml><?xml version="1.0" encoding="utf-8"?>
+<ds:datastoreItem xmlns:ds="http://schemas.openxmlformats.org/officeDocument/2006/customXml" ds:itemID="{1AC0D00C-EC22-4539-8C6F-733758572347}">
+  <ds:schemaRefs>
+    <ds:schemaRef ds:uri="http://schemas.microsoft.com/VisualStudio/2011/storyboarding/control"/>
+  </ds:schemaRefs>
+</ds:datastoreItem>
+</file>
+
+<file path=customXml/itemProps208.xml><?xml version="1.0" encoding="utf-8"?>
+<ds:datastoreItem xmlns:ds="http://schemas.openxmlformats.org/officeDocument/2006/customXml" ds:itemID="{A7E0288A-F414-4399-BA64-5823EDCF5A90}">
+  <ds:schemaRefs>
+    <ds:schemaRef ds:uri="http://schemas.microsoft.com/VisualStudio/2011/storyboarding/control"/>
+  </ds:schemaRefs>
+</ds:datastoreItem>
+</file>
+
+<file path=customXml/itemProps209.xml><?xml version="1.0" encoding="utf-8"?>
+<ds:datastoreItem xmlns:ds="http://schemas.openxmlformats.org/officeDocument/2006/customXml" ds:itemID="{3B14F52C-BC5F-47CE-945E-640AE2D7FD32}">
+  <ds:schemaRefs>
+    <ds:schemaRef ds:uri="http://schemas.microsoft.com/VisualStudio/2011/storyboarding/control"/>
+  </ds:schemaRefs>
+</ds:datastoreItem>
+</file>
+
+<file path=customXml/itemProps21.xml><?xml version="1.0" encoding="utf-8"?>
+<ds:datastoreItem xmlns:ds="http://schemas.openxmlformats.org/officeDocument/2006/customXml" ds:itemID="{C2FDD86D-B019-47EC-8742-0E3661BB3F30}">
+  <ds:schemaRefs>
+    <ds:schemaRef ds:uri="http://schemas.microsoft.com/VisualStudio/2011/storyboarding/control"/>
+  </ds:schemaRefs>
+</ds:datastoreItem>
+</file>
+
+<file path=customXml/itemProps210.xml><?xml version="1.0" encoding="utf-8"?>
+<ds:datastoreItem xmlns:ds="http://schemas.openxmlformats.org/officeDocument/2006/customXml" ds:itemID="{58BC6EAA-551E-4842-9AB3-73B9C1D8581B}">
+  <ds:schemaRefs>
+    <ds:schemaRef ds:uri="http://schemas.microsoft.com/VisualStudio/2011/storyboarding/control"/>
+  </ds:schemaRefs>
+</ds:datastoreItem>
+</file>
+
+<file path=customXml/itemProps211.xml><?xml version="1.0" encoding="utf-8"?>
+<ds:datastoreItem xmlns:ds="http://schemas.openxmlformats.org/officeDocument/2006/customXml" ds:itemID="{3DAA7D18-8F95-4CEF-80BA-EBFE8E9D748D}">
+  <ds:schemaRefs>
+    <ds:schemaRef ds:uri="http://schemas.microsoft.com/VisualStudio/2011/storyboarding/control"/>
+  </ds:schemaRefs>
+</ds:datastoreItem>
+</file>
+
+<file path=customXml/itemProps212.xml><?xml version="1.0" encoding="utf-8"?>
+<ds:datastoreItem xmlns:ds="http://schemas.openxmlformats.org/officeDocument/2006/customXml" ds:itemID="{7D14F916-B249-48AB-8630-8E73B4CF4A95}">
+  <ds:schemaRefs>
+    <ds:schemaRef ds:uri="http://schemas.microsoft.com/VisualStudio/2011/storyboarding/control"/>
+  </ds:schemaRefs>
+</ds:datastoreItem>
+</file>
+
+<file path=customXml/itemProps213.xml><?xml version="1.0" encoding="utf-8"?>
+<ds:datastoreItem xmlns:ds="http://schemas.openxmlformats.org/officeDocument/2006/customXml" ds:itemID="{C3BA9EF5-CEA3-4AE3-A3AB-B49C7AEF551E}">
+  <ds:schemaRefs>
+    <ds:schemaRef ds:uri="http://schemas.microsoft.com/VisualStudio/2011/storyboarding/control"/>
+  </ds:schemaRefs>
+</ds:datastoreItem>
+</file>
+
+<file path=customXml/itemProps214.xml><?xml version="1.0" encoding="utf-8"?>
+<ds:datastoreItem xmlns:ds="http://schemas.openxmlformats.org/officeDocument/2006/customXml" ds:itemID="{5B9963A3-3AC0-4145-B224-2FDB1D50D8CF}">
+  <ds:schemaRefs>
+    <ds:schemaRef ds:uri="http://schemas.microsoft.com/VisualStudio/2011/storyboarding/control"/>
+  </ds:schemaRefs>
+</ds:datastoreItem>
+</file>
+
+<file path=customXml/itemProps215.xml><?xml version="1.0" encoding="utf-8"?>
+<ds:datastoreItem xmlns:ds="http://schemas.openxmlformats.org/officeDocument/2006/customXml" ds:itemID="{3460344E-D266-403C-A85A-FBB6CE579F2C}">
+  <ds:schemaRefs>
+    <ds:schemaRef ds:uri="http://schemas.microsoft.com/VisualStudio/2011/storyboarding/control"/>
+  </ds:schemaRefs>
+</ds:datastoreItem>
+</file>
+
+<file path=customXml/itemProps216.xml><?xml version="1.0" encoding="utf-8"?>
+<ds:datastoreItem xmlns:ds="http://schemas.openxmlformats.org/officeDocument/2006/customXml" ds:itemID="{DF927E49-054C-4B25-9106-DB8ED403AD7D}">
+  <ds:schemaRefs>
+    <ds:schemaRef ds:uri="http://schemas.microsoft.com/VisualStudio/2011/storyboarding/control"/>
+  </ds:schemaRefs>
+</ds:datastoreItem>
+</file>
+
+<file path=customXml/itemProps217.xml><?xml version="1.0" encoding="utf-8"?>
+<ds:datastoreItem xmlns:ds="http://schemas.openxmlformats.org/officeDocument/2006/customXml" ds:itemID="{2BF8739F-5683-4161-86E5-5594FF1A2D59}">
+  <ds:schemaRefs>
+    <ds:schemaRef ds:uri="http://schemas.microsoft.com/VisualStudio/2011/storyboarding/control"/>
+  </ds:schemaRefs>
+</ds:datastoreItem>
+</file>
+
+<file path=customXml/itemProps218.xml><?xml version="1.0" encoding="utf-8"?>
+<ds:datastoreItem xmlns:ds="http://schemas.openxmlformats.org/officeDocument/2006/customXml" ds:itemID="{E9A7CC6E-A6F1-4DC6-9BA4-9DFB0519E177}">
+  <ds:schemaRefs>
+    <ds:schemaRef ds:uri="http://schemas.microsoft.com/VisualStudio/2011/storyboarding/control"/>
+  </ds:schemaRefs>
+</ds:datastoreItem>
+</file>
+
+<file path=customXml/itemProps219.xml><?xml version="1.0" encoding="utf-8"?>
+<ds:datastoreItem xmlns:ds="http://schemas.openxmlformats.org/officeDocument/2006/customXml" ds:itemID="{7DC3519B-D653-41F2-B6F1-BBB3B144AB62}">
+  <ds:schemaRefs>
+    <ds:schemaRef ds:uri="http://schemas.microsoft.com/VisualStudio/2011/storyboarding/control"/>
+  </ds:schemaRefs>
+</ds:datastoreItem>
+</file>
+
+<file path=customXml/itemProps22.xml><?xml version="1.0" encoding="utf-8"?>
+<ds:datastoreItem xmlns:ds="http://schemas.openxmlformats.org/officeDocument/2006/customXml" ds:itemID="{E5D1C59B-23A1-4B0D-8732-B4B1308359E8}">
+  <ds:schemaRefs>
+    <ds:schemaRef ds:uri="http://schemas.microsoft.com/VisualStudio/2011/storyboarding/control"/>
+  </ds:schemaRefs>
+</ds:datastoreItem>
+</file>
+
+<file path=customXml/itemProps220.xml><?xml version="1.0" encoding="utf-8"?>
+<ds:datastoreItem xmlns:ds="http://schemas.openxmlformats.org/officeDocument/2006/customXml" ds:itemID="{D19C77BF-37A4-49C8-9F43-13E14FC0A177}">
+  <ds:schemaRefs>
+    <ds:schemaRef ds:uri="http://schemas.microsoft.com/VisualStudio/2011/storyboarding/control"/>
+  </ds:schemaRefs>
+</ds:datastoreItem>
+</file>
+
+<file path=customXml/itemProps221.xml><?xml version="1.0" encoding="utf-8"?>
+<ds:datastoreItem xmlns:ds="http://schemas.openxmlformats.org/officeDocument/2006/customXml" ds:itemID="{2FB95A6F-7C40-409F-B892-7F1286D5C297}">
+  <ds:schemaRefs>
+    <ds:schemaRef ds:uri="http://schemas.microsoft.com/VisualStudio/2011/storyboarding/control"/>
+  </ds:schemaRefs>
+</ds:datastoreItem>
+</file>
+
+<file path=customXml/itemProps222.xml><?xml version="1.0" encoding="utf-8"?>
+<ds:datastoreItem xmlns:ds="http://schemas.openxmlformats.org/officeDocument/2006/customXml" ds:itemID="{D3C03370-B090-47F7-912D-2E624F6AF804}">
+  <ds:schemaRefs>
+    <ds:schemaRef ds:uri="http://schemas.microsoft.com/VisualStudio/2011/storyboarding/control"/>
+  </ds:schemaRefs>
+</ds:datastoreItem>
+</file>
+
+<file path=customXml/itemProps223.xml><?xml version="1.0" encoding="utf-8"?>
+<ds:datastoreItem xmlns:ds="http://schemas.openxmlformats.org/officeDocument/2006/customXml" ds:itemID="{3819C140-F52D-450E-9E57-A9C95974C875}">
+  <ds:schemaRefs>
+    <ds:schemaRef ds:uri="http://schemas.microsoft.com/VisualStudio/2011/storyboarding/control"/>
+  </ds:schemaRefs>
+</ds:datastoreItem>
+</file>
+
+<file path=customXml/itemProps224.xml><?xml version="1.0" encoding="utf-8"?>
+<ds:datastoreItem xmlns:ds="http://schemas.openxmlformats.org/officeDocument/2006/customXml" ds:itemID="{B6B9C910-7729-4399-A2A4-124811EF2AAD}">
+  <ds:schemaRefs>
+    <ds:schemaRef ds:uri="http://schemas.microsoft.com/VisualStudio/2011/storyboarding/control"/>
+  </ds:schemaRefs>
+</ds:datastoreItem>
+</file>
+
+<file path=customXml/itemProps225.xml><?xml version="1.0" encoding="utf-8"?>
+<ds:datastoreItem xmlns:ds="http://schemas.openxmlformats.org/officeDocument/2006/customXml" ds:itemID="{2E5FE19B-9A80-42C7-8803-75C5FE2C8E38}">
+  <ds:schemaRefs>
+    <ds:schemaRef ds:uri="http://schemas.microsoft.com/VisualStudio/2011/storyboarding/control"/>
+  </ds:schemaRefs>
+</ds:datastoreItem>
+</file>
+
+<file path=customXml/itemProps226.xml><?xml version="1.0" encoding="utf-8"?>
+<ds:datastoreItem xmlns:ds="http://schemas.openxmlformats.org/officeDocument/2006/customXml" ds:itemID="{97E1D339-E6D5-4BF5-8B5C-160203B68484}">
+  <ds:schemaRefs>
+    <ds:schemaRef ds:uri="http://schemas.microsoft.com/VisualStudio/2011/storyboarding/control"/>
+  </ds:schemaRefs>
+</ds:datastoreItem>
+</file>
+
+<file path=customXml/itemProps227.xml><?xml version="1.0" encoding="utf-8"?>
+<ds:datastoreItem xmlns:ds="http://schemas.openxmlformats.org/officeDocument/2006/customXml" ds:itemID="{7B0DEA32-4718-4845-BA3D-96735C5901CA}">
+  <ds:schemaRefs>
+    <ds:schemaRef ds:uri="http://schemas.microsoft.com/VisualStudio/2011/storyboarding/control"/>
+  </ds:schemaRefs>
+</ds:datastoreItem>
+</file>
+
+<file path=customXml/itemProps228.xml><?xml version="1.0" encoding="utf-8"?>
+<ds:datastoreItem xmlns:ds="http://schemas.openxmlformats.org/officeDocument/2006/customXml" ds:itemID="{51CF4945-E817-4546-BC18-C7EFB8B5FC28}">
+  <ds:schemaRefs>
+    <ds:schemaRef ds:uri="http://schemas.microsoft.com/VisualStudio/2011/storyboarding/control"/>
+  </ds:schemaRefs>
+</ds:datastoreItem>
+</file>
+
+<file path=customXml/itemProps229.xml><?xml version="1.0" encoding="utf-8"?>
+<ds:datastoreItem xmlns:ds="http://schemas.openxmlformats.org/officeDocument/2006/customXml" ds:itemID="{4058BED3-7CF1-45E2-9EED-EDA6827BEF7F}">
+  <ds:schemaRefs>
+    <ds:schemaRef ds:uri="http://schemas.microsoft.com/VisualStudio/2011/storyboarding/control"/>
+  </ds:schemaRefs>
+</ds:datastoreItem>
+</file>
+
+<file path=customXml/itemProps23.xml><?xml version="1.0" encoding="utf-8"?>
+<ds:datastoreItem xmlns:ds="http://schemas.openxmlformats.org/officeDocument/2006/customXml" ds:itemID="{BD7F245B-D69F-4F08-A7F4-28005B361C32}">
+  <ds:schemaRefs>
+    <ds:schemaRef ds:uri="http://schemas.microsoft.com/VisualStudio/2011/storyboarding/control"/>
+  </ds:schemaRefs>
+</ds:datastoreItem>
+</file>
+
+<file path=customXml/itemProps230.xml><?xml version="1.0" encoding="utf-8"?>
+<ds:datastoreItem xmlns:ds="http://schemas.openxmlformats.org/officeDocument/2006/customXml" ds:itemID="{2238C136-D227-4AA1-A465-1D5076A289E6}">
+  <ds:schemaRefs>
+    <ds:schemaRef ds:uri="http://schemas.microsoft.com/VisualStudio/2011/storyboarding/control"/>
+  </ds:schemaRefs>
+</ds:datastoreItem>
+</file>
+
+<file path=customXml/itemProps231.xml><?xml version="1.0" encoding="utf-8"?>
+<ds:datastoreItem xmlns:ds="http://schemas.openxmlformats.org/officeDocument/2006/customXml" ds:itemID="{CACE061C-AF2C-40BF-8F95-96F3F58C1B9E}">
+  <ds:schemaRefs>
+    <ds:schemaRef ds:uri="http://schemas.microsoft.com/VisualStudio/2011/storyboarding/control"/>
+  </ds:schemaRefs>
+</ds:datastoreItem>
+</file>
+
+<file path=customXml/itemProps232.xml><?xml version="1.0" encoding="utf-8"?>
+<ds:datastoreItem xmlns:ds="http://schemas.openxmlformats.org/officeDocument/2006/customXml" ds:itemID="{69F82D9F-0A52-4FF0-9FBC-8AED23C65368}">
+  <ds:schemaRefs>
+    <ds:schemaRef ds:uri="http://schemas.microsoft.com/VisualStudio/2011/storyboarding/control"/>
+  </ds:schemaRefs>
+</ds:datastoreItem>
+</file>
+
+<file path=customXml/itemProps233.xml><?xml version="1.0" encoding="utf-8"?>
+<ds:datastoreItem xmlns:ds="http://schemas.openxmlformats.org/officeDocument/2006/customXml" ds:itemID="{E0D4D259-B672-4B08-B2B0-A0D8ACD5B803}">
+  <ds:schemaRefs>
+    <ds:schemaRef ds:uri="http://schemas.microsoft.com/VisualStudio/2011/storyboarding/control"/>
+  </ds:schemaRefs>
+</ds:datastoreItem>
+</file>
+
+<file path=customXml/itemProps234.xml><?xml version="1.0" encoding="utf-8"?>
+<ds:datastoreItem xmlns:ds="http://schemas.openxmlformats.org/officeDocument/2006/customXml" ds:itemID="{692BFDB2-FE54-49E1-A36F-BC62DE099071}">
+  <ds:schemaRefs>
+    <ds:schemaRef ds:uri="http://schemas.microsoft.com/VisualStudio/2011/storyboarding/control"/>
+  </ds:schemaRefs>
+</ds:datastoreItem>
+</file>
+
+<file path=customXml/itemProps235.xml><?xml version="1.0" encoding="utf-8"?>
+<ds:datastoreItem xmlns:ds="http://schemas.openxmlformats.org/officeDocument/2006/customXml" ds:itemID="{3BB98DE0-C029-4931-AD22-9DDCE0A7F55B}">
+  <ds:schemaRefs>
+    <ds:schemaRef ds:uri="http://schemas.microsoft.com/VisualStudio/2011/storyboarding/control"/>
+  </ds:schemaRefs>
+</ds:datastoreItem>
+</file>
+
+<file path=customXml/itemProps236.xml><?xml version="1.0" encoding="utf-8"?>
+<ds:datastoreItem xmlns:ds="http://schemas.openxmlformats.org/officeDocument/2006/customXml" ds:itemID="{7237F07E-A930-4D5B-AB6B-A69936D64469}">
+  <ds:schemaRefs>
+    <ds:schemaRef ds:uri="http://schemas.microsoft.com/VisualStudio/2011/storyboarding/control"/>
+  </ds:schemaRefs>
+</ds:datastoreItem>
+</file>
+
+<file path=customXml/itemProps237.xml><?xml version="1.0" encoding="utf-8"?>
+<ds:datastoreItem xmlns:ds="http://schemas.openxmlformats.org/officeDocument/2006/customXml" ds:itemID="{FB0EC920-4B28-4D34-9084-542FA6ABA82C}">
+  <ds:schemaRefs>
+    <ds:schemaRef ds:uri="http://schemas.microsoft.com/VisualStudio/2011/storyboarding/control"/>
+  </ds:schemaRefs>
+</ds:datastoreItem>
+</file>
+
+<file path=customXml/itemProps238.xml><?xml version="1.0" encoding="utf-8"?>
+<ds:datastoreItem xmlns:ds="http://schemas.openxmlformats.org/officeDocument/2006/customXml" ds:itemID="{5C08525B-AE6F-48B6-B287-2C8026CEED11}">
+  <ds:schemaRefs>
+    <ds:schemaRef ds:uri="http://schemas.microsoft.com/VisualStudio/2011/storyboarding/control"/>
+  </ds:schemaRefs>
+</ds:datastoreItem>
+</file>
+
+<file path=customXml/itemProps239.xml><?xml version="1.0" encoding="utf-8"?>
+<ds:datastoreItem xmlns:ds="http://schemas.openxmlformats.org/officeDocument/2006/customXml" ds:itemID="{03561535-9EE9-4551-9A70-8E9DFFF8659C}">
+  <ds:schemaRefs>
+    <ds:schemaRef ds:uri="http://schemas.microsoft.com/VisualStudio/2011/storyboarding/control"/>
+  </ds:schemaRefs>
+</ds:datastoreItem>
+</file>
+
+<file path=customXml/itemProps24.xml><?xml version="1.0" encoding="utf-8"?>
+<ds:datastoreItem xmlns:ds="http://schemas.openxmlformats.org/officeDocument/2006/customXml" ds:itemID="{399F0338-4F9A-433F-839E-BB1C565311C7}">
+  <ds:schemaRefs>
+    <ds:schemaRef ds:uri="http://schemas.microsoft.com/VisualStudio/2011/storyboarding/control"/>
+  </ds:schemaRefs>
+</ds:datastoreItem>
+</file>
+
+<file path=customXml/itemProps240.xml><?xml version="1.0" encoding="utf-8"?>
+<ds:datastoreItem xmlns:ds="http://schemas.openxmlformats.org/officeDocument/2006/customXml" ds:itemID="{50ADC870-B29B-4C1F-ADF4-73E3086FB9F8}">
+  <ds:schemaRefs>
+    <ds:schemaRef ds:uri="http://schemas.microsoft.com/VisualStudio/2011/storyboarding/control"/>
+  </ds:schemaRefs>
+</ds:datastoreItem>
+</file>
+
+<file path=customXml/itemProps241.xml><?xml version="1.0" encoding="utf-8"?>
+<ds:datastoreItem xmlns:ds="http://schemas.openxmlformats.org/officeDocument/2006/customXml" ds:itemID="{DDBAC8B4-8905-4BB5-B558-4CCE9AACC1E7}">
+  <ds:schemaRefs>
+    <ds:schemaRef ds:uri="http://schemas.microsoft.com/VisualStudio/2011/storyboarding/control"/>
+  </ds:schemaRefs>
+</ds:datastoreItem>
+</file>
+
+<file path=customXml/itemProps242.xml><?xml version="1.0" encoding="utf-8"?>
+<ds:datastoreItem xmlns:ds="http://schemas.openxmlformats.org/officeDocument/2006/customXml" ds:itemID="{A83CDB64-A979-480A-B42F-5F9FAC7E448C}">
+  <ds:schemaRefs>
+    <ds:schemaRef ds:uri="http://schemas.microsoft.com/VisualStudio/2011/storyboarding/control"/>
+  </ds:schemaRefs>
+</ds:datastoreItem>
+</file>
+
+<file path=customXml/itemProps243.xml><?xml version="1.0" encoding="utf-8"?>
+<ds:datastoreItem xmlns:ds="http://schemas.openxmlformats.org/officeDocument/2006/customXml" ds:itemID="{152057C0-8163-4478-8001-B3CFAA894936}">
+  <ds:schemaRefs>
+    <ds:schemaRef ds:uri="http://schemas.microsoft.com/VisualStudio/2011/storyboarding/control"/>
+  </ds:schemaRefs>
+</ds:datastoreItem>
+</file>
+
+<file path=customXml/itemProps244.xml><?xml version="1.0" encoding="utf-8"?>
+<ds:datastoreItem xmlns:ds="http://schemas.openxmlformats.org/officeDocument/2006/customXml" ds:itemID="{CE453AD5-3180-4DCA-9C47-FA81A3E74F53}">
+  <ds:schemaRefs>
+    <ds:schemaRef ds:uri="http://schemas.microsoft.com/VisualStudio/2011/storyboarding/control"/>
+  </ds:schemaRefs>
+</ds:datastoreItem>
+</file>
+
+<file path=customXml/itemProps245.xml><?xml version="1.0" encoding="utf-8"?>
+<ds:datastoreItem xmlns:ds="http://schemas.openxmlformats.org/officeDocument/2006/customXml" ds:itemID="{3E8B6194-5AF1-4A7F-A860-08884876DB99}">
+  <ds:schemaRefs>
+    <ds:schemaRef ds:uri="http://schemas.microsoft.com/VisualStudio/2011/storyboarding/control"/>
+  </ds:schemaRefs>
+</ds:datastoreItem>
+</file>
+
+<file path=customXml/itemProps246.xml><?xml version="1.0" encoding="utf-8"?>
+<ds:datastoreItem xmlns:ds="http://schemas.openxmlformats.org/officeDocument/2006/customXml" ds:itemID="{E7073ACC-ED47-46EB-93A2-943D352CC737}">
+  <ds:schemaRefs>
+    <ds:schemaRef ds:uri="http://schemas.microsoft.com/VisualStudio/2011/storyboarding/control"/>
+  </ds:schemaRefs>
+</ds:datastoreItem>
+</file>
+
+<file path=customXml/itemProps247.xml><?xml version="1.0" encoding="utf-8"?>
 <ds:datastoreItem xmlns:ds="http://schemas.openxmlformats.org/officeDocument/2006/customXml" ds:itemID="{E24D2A77-108A-4A6C-B757-97D779AC67C4}">
   <ds:schemaRefs>
     <ds:schemaRef ds:uri="http://schemas.microsoft.com/VisualStudio/2011/storyboarding/control"/>
@@ -27857,7 +29104,823 @@
 </ds:datastoreItem>
 </file>
 
-<file path=customXml/itemProps100.xml><?xml version="1.0" encoding="utf-8"?>
+<file path=customXml/itemProps248.xml><?xml version="1.0" encoding="utf-8"?>
+<ds:datastoreItem xmlns:ds="http://schemas.openxmlformats.org/officeDocument/2006/customXml" ds:itemID="{73703013-09B0-4DBA-9FDD-D39DF66AF178}">
+  <ds:schemaRefs>
+    <ds:schemaRef ds:uri="http://schemas.microsoft.com/VisualStudio/2011/storyboarding/control"/>
+  </ds:schemaRefs>
+</ds:datastoreItem>
+</file>
+
+<file path=customXml/itemProps249.xml><?xml version="1.0" encoding="utf-8"?>
+<ds:datastoreItem xmlns:ds="http://schemas.openxmlformats.org/officeDocument/2006/customXml" ds:itemID="{3A9E3F93-02A4-4356-BBC6-A7BD971C5367}">
+  <ds:schemaRefs>
+    <ds:schemaRef ds:uri="http://schemas.microsoft.com/VisualStudio/2011/storyboarding/control"/>
+  </ds:schemaRefs>
+</ds:datastoreItem>
+</file>
+
+<file path=customXml/itemProps25.xml><?xml version="1.0" encoding="utf-8"?>
+<ds:datastoreItem xmlns:ds="http://schemas.openxmlformats.org/officeDocument/2006/customXml" ds:itemID="{29F8B5B8-E187-4506-A53E-4D04D2CD28B4}">
+  <ds:schemaRefs>
+    <ds:schemaRef ds:uri="http://schemas.microsoft.com/VisualStudio/2011/storyboarding/control"/>
+  </ds:schemaRefs>
+</ds:datastoreItem>
+</file>
+
+<file path=customXml/itemProps250.xml><?xml version="1.0" encoding="utf-8"?>
+<ds:datastoreItem xmlns:ds="http://schemas.openxmlformats.org/officeDocument/2006/customXml" ds:itemID="{F36D2A4F-C360-49F8-A227-4F706FF4D9DF}">
+  <ds:schemaRefs>
+    <ds:schemaRef ds:uri="http://schemas.microsoft.com/VisualStudio/2011/storyboarding/control"/>
+  </ds:schemaRefs>
+</ds:datastoreItem>
+</file>
+
+<file path=customXml/itemProps251.xml><?xml version="1.0" encoding="utf-8"?>
+<ds:datastoreItem xmlns:ds="http://schemas.openxmlformats.org/officeDocument/2006/customXml" ds:itemID="{0B9C428E-2130-42D7-AF35-CB4A84DD8F2F}">
+  <ds:schemaRefs>
+    <ds:schemaRef ds:uri="http://schemas.microsoft.com/VisualStudio/2011/storyboarding/control"/>
+  </ds:schemaRefs>
+</ds:datastoreItem>
+</file>
+
+<file path=customXml/itemProps252.xml><?xml version="1.0" encoding="utf-8"?>
+<ds:datastoreItem xmlns:ds="http://schemas.openxmlformats.org/officeDocument/2006/customXml" ds:itemID="{CFD780DE-34AD-4E8E-9D17-223D69561496}">
+  <ds:schemaRefs>
+    <ds:schemaRef ds:uri="http://schemas.microsoft.com/VisualStudio/2011/storyboarding/control"/>
+  </ds:schemaRefs>
+</ds:datastoreItem>
+</file>
+
+<file path=customXml/itemProps253.xml><?xml version="1.0" encoding="utf-8"?>
+<ds:datastoreItem xmlns:ds="http://schemas.openxmlformats.org/officeDocument/2006/customXml" ds:itemID="{9E19A2A9-CBAF-48FC-B482-E99648066CC4}">
+  <ds:schemaRefs>
+    <ds:schemaRef ds:uri="http://schemas.microsoft.com/VisualStudio/2011/storyboarding/control"/>
+  </ds:schemaRefs>
+</ds:datastoreItem>
+</file>
+
+<file path=customXml/itemProps254.xml><?xml version="1.0" encoding="utf-8"?>
+<ds:datastoreItem xmlns:ds="http://schemas.openxmlformats.org/officeDocument/2006/customXml" ds:itemID="{40E1E962-5637-4EB6-B93C-DA8F96A81FAF}">
+  <ds:schemaRefs>
+    <ds:schemaRef ds:uri="http://schemas.microsoft.com/VisualStudio/2011/storyboarding/control"/>
+  </ds:schemaRefs>
+</ds:datastoreItem>
+</file>
+
+<file path=customXml/itemProps255.xml><?xml version="1.0" encoding="utf-8"?>
+<ds:datastoreItem xmlns:ds="http://schemas.openxmlformats.org/officeDocument/2006/customXml" ds:itemID="{20BEF8C9-6FB7-432D-9ED8-8FC9856F2A48}">
+  <ds:schemaRefs>
+    <ds:schemaRef ds:uri="http://schemas.microsoft.com/VisualStudio/2011/storyboarding/control"/>
+  </ds:schemaRefs>
+</ds:datastoreItem>
+</file>
+
+<file path=customXml/itemProps256.xml><?xml version="1.0" encoding="utf-8"?>
+<ds:datastoreItem xmlns:ds="http://schemas.openxmlformats.org/officeDocument/2006/customXml" ds:itemID="{2479DC2C-EF0B-41AF-B612-40020B463D9B}">
+  <ds:schemaRefs>
+    <ds:schemaRef ds:uri="http://schemas.microsoft.com/VisualStudio/2011/storyboarding/control"/>
+  </ds:schemaRefs>
+</ds:datastoreItem>
+</file>
+
+<file path=customXml/itemProps257.xml><?xml version="1.0" encoding="utf-8"?>
+<ds:datastoreItem xmlns:ds="http://schemas.openxmlformats.org/officeDocument/2006/customXml" ds:itemID="{5556FE01-90D7-4920-A96A-8D15FC962703}">
+  <ds:schemaRefs>
+    <ds:schemaRef ds:uri="http://schemas.microsoft.com/VisualStudio/2011/storyboarding/control"/>
+  </ds:schemaRefs>
+</ds:datastoreItem>
+</file>
+
+<file path=customXml/itemProps258.xml><?xml version="1.0" encoding="utf-8"?>
+<ds:datastoreItem xmlns:ds="http://schemas.openxmlformats.org/officeDocument/2006/customXml" ds:itemID="{DB4F9695-2BDE-47EC-BF8C-9433F25A92F2}">
+  <ds:schemaRefs>
+    <ds:schemaRef ds:uri="http://schemas.microsoft.com/VisualStudio/2011/storyboarding/control"/>
+  </ds:schemaRefs>
+</ds:datastoreItem>
+</file>
+
+<file path=customXml/itemProps259.xml><?xml version="1.0" encoding="utf-8"?>
+<ds:datastoreItem xmlns:ds="http://schemas.openxmlformats.org/officeDocument/2006/customXml" ds:itemID="{371B535D-C55E-43ED-A8DA-6DA77E3D45BB}">
+  <ds:schemaRefs>
+    <ds:schemaRef ds:uri="http://schemas.microsoft.com/VisualStudio/2011/storyboarding/control"/>
+  </ds:schemaRefs>
+</ds:datastoreItem>
+</file>
+
+<file path=customXml/itemProps26.xml><?xml version="1.0" encoding="utf-8"?>
+<ds:datastoreItem xmlns:ds="http://schemas.openxmlformats.org/officeDocument/2006/customXml" ds:itemID="{4A407FA7-B6B3-44CE-805A-4777E985CE86}">
+  <ds:schemaRefs>
+    <ds:schemaRef ds:uri="http://schemas.microsoft.com/VisualStudio/2011/storyboarding/control"/>
+  </ds:schemaRefs>
+</ds:datastoreItem>
+</file>
+
+<file path=customXml/itemProps260.xml><?xml version="1.0" encoding="utf-8"?>
+<ds:datastoreItem xmlns:ds="http://schemas.openxmlformats.org/officeDocument/2006/customXml" ds:itemID="{2BAAA2D6-7765-4C4F-BDEB-43D40C441E62}">
+  <ds:schemaRefs>
+    <ds:schemaRef ds:uri="http://schemas.microsoft.com/VisualStudio/2011/storyboarding/control"/>
+  </ds:schemaRefs>
+</ds:datastoreItem>
+</file>
+
+<file path=customXml/itemProps261.xml><?xml version="1.0" encoding="utf-8"?>
+<ds:datastoreItem xmlns:ds="http://schemas.openxmlformats.org/officeDocument/2006/customXml" ds:itemID="{116ABDC4-1EA4-4B49-A6E2-D1CE630DE6B5}">
+  <ds:schemaRefs>
+    <ds:schemaRef ds:uri="http://schemas.microsoft.com/VisualStudio/2011/storyboarding/control"/>
+  </ds:schemaRefs>
+</ds:datastoreItem>
+</file>
+
+<file path=customXml/itemProps262.xml><?xml version="1.0" encoding="utf-8"?>
+<ds:datastoreItem xmlns:ds="http://schemas.openxmlformats.org/officeDocument/2006/customXml" ds:itemID="{392A17C6-E843-4590-854E-08329261E193}">
+  <ds:schemaRefs>
+    <ds:schemaRef ds:uri="http://schemas.microsoft.com/VisualStudio/2011/storyboarding/control"/>
+  </ds:schemaRefs>
+</ds:datastoreItem>
+</file>
+
+<file path=customXml/itemProps263.xml><?xml version="1.0" encoding="utf-8"?>
+<ds:datastoreItem xmlns:ds="http://schemas.openxmlformats.org/officeDocument/2006/customXml" ds:itemID="{2A1D17B4-7440-46CD-8032-D9E7A060B774}">
+  <ds:schemaRefs>
+    <ds:schemaRef ds:uri="http://schemas.microsoft.com/VisualStudio/2011/storyboarding/control"/>
+  </ds:schemaRefs>
+</ds:datastoreItem>
+</file>
+
+<file path=customXml/itemProps264.xml><?xml version="1.0" encoding="utf-8"?>
+<ds:datastoreItem xmlns:ds="http://schemas.openxmlformats.org/officeDocument/2006/customXml" ds:itemID="{355F828C-8DD0-4B0C-8A65-152475EE1425}">
+  <ds:schemaRefs>
+    <ds:schemaRef ds:uri="http://schemas.microsoft.com/VisualStudio/2011/storyboarding/control"/>
+  </ds:schemaRefs>
+</ds:datastoreItem>
+</file>
+
+<file path=customXml/itemProps265.xml><?xml version="1.0" encoding="utf-8"?>
+<ds:datastoreItem xmlns:ds="http://schemas.openxmlformats.org/officeDocument/2006/customXml" ds:itemID="{8A640325-005D-4045-AEC2-6BA2B94359ED}">
+  <ds:schemaRefs>
+    <ds:schemaRef ds:uri="http://schemas.microsoft.com/VisualStudio/2011/storyboarding/control"/>
+  </ds:schemaRefs>
+</ds:datastoreItem>
+</file>
+
+<file path=customXml/itemProps266.xml><?xml version="1.0" encoding="utf-8"?>
+<ds:datastoreItem xmlns:ds="http://schemas.openxmlformats.org/officeDocument/2006/customXml" ds:itemID="{86A76FA3-4235-4BDB-A418-31656486084F}">
+  <ds:schemaRefs>
+    <ds:schemaRef ds:uri="http://schemas.microsoft.com/VisualStudio/2011/storyboarding/control"/>
+  </ds:schemaRefs>
+</ds:datastoreItem>
+</file>
+
+<file path=customXml/itemProps267.xml><?xml version="1.0" encoding="utf-8"?>
+<ds:datastoreItem xmlns:ds="http://schemas.openxmlformats.org/officeDocument/2006/customXml" ds:itemID="{ACC1D029-4DA6-4263-8BB1-54527B14416B}">
+  <ds:schemaRefs>
+    <ds:schemaRef ds:uri="http://schemas.microsoft.com/VisualStudio/2011/storyboarding/control"/>
+  </ds:schemaRefs>
+</ds:datastoreItem>
+</file>
+
+<file path=customXml/itemProps268.xml><?xml version="1.0" encoding="utf-8"?>
+<ds:datastoreItem xmlns:ds="http://schemas.openxmlformats.org/officeDocument/2006/customXml" ds:itemID="{610BEE6F-4DB2-4D13-A1CB-C2C0E985407A}">
+  <ds:schemaRefs>
+    <ds:schemaRef ds:uri="http://schemas.microsoft.com/VisualStudio/2011/storyboarding/control"/>
+  </ds:schemaRefs>
+</ds:datastoreItem>
+</file>
+
+<file path=customXml/itemProps269.xml><?xml version="1.0" encoding="utf-8"?>
+<ds:datastoreItem xmlns:ds="http://schemas.openxmlformats.org/officeDocument/2006/customXml" ds:itemID="{09905B2A-7A53-4F1C-B400-60354582C731}">
+  <ds:schemaRefs>
+    <ds:schemaRef ds:uri="http://schemas.microsoft.com/VisualStudio/2011/storyboarding/control"/>
+  </ds:schemaRefs>
+</ds:datastoreItem>
+</file>
+
+<file path=customXml/itemProps27.xml><?xml version="1.0" encoding="utf-8"?>
+<ds:datastoreItem xmlns:ds="http://schemas.openxmlformats.org/officeDocument/2006/customXml" ds:itemID="{A6DD08DB-A03D-4EBF-8BCF-9AEDA3861DDD}">
+  <ds:schemaRefs>
+    <ds:schemaRef ds:uri="http://schemas.microsoft.com/VisualStudio/2011/storyboarding/control"/>
+  </ds:schemaRefs>
+</ds:datastoreItem>
+</file>
+
+<file path=customXml/itemProps270.xml><?xml version="1.0" encoding="utf-8"?>
+<ds:datastoreItem xmlns:ds="http://schemas.openxmlformats.org/officeDocument/2006/customXml" ds:itemID="{2227405F-AD2B-44C3-ADF8-746334825D1B}">
+  <ds:schemaRefs>
+    <ds:schemaRef ds:uri="http://schemas.microsoft.com/VisualStudio/2011/storyboarding/control"/>
+  </ds:schemaRefs>
+</ds:datastoreItem>
+</file>
+
+<file path=customXml/itemProps271.xml><?xml version="1.0" encoding="utf-8"?>
+<ds:datastoreItem xmlns:ds="http://schemas.openxmlformats.org/officeDocument/2006/customXml" ds:itemID="{7C2B30D1-555D-4091-BB8B-70C3008E587D}">
+  <ds:schemaRefs>
+    <ds:schemaRef ds:uri="http://schemas.microsoft.com/VisualStudio/2011/storyboarding/control"/>
+  </ds:schemaRefs>
+</ds:datastoreItem>
+</file>
+
+<file path=customXml/itemProps272.xml><?xml version="1.0" encoding="utf-8"?>
+<ds:datastoreItem xmlns:ds="http://schemas.openxmlformats.org/officeDocument/2006/customXml" ds:itemID="{BB34EE50-A076-446E-BBF4-53C836A4A8DF}">
+  <ds:schemaRefs>
+    <ds:schemaRef ds:uri="http://schemas.microsoft.com/VisualStudio/2011/storyboarding/control"/>
+  </ds:schemaRefs>
+</ds:datastoreItem>
+</file>
+
+<file path=customXml/itemProps273.xml><?xml version="1.0" encoding="utf-8"?>
+<ds:datastoreItem xmlns:ds="http://schemas.openxmlformats.org/officeDocument/2006/customXml" ds:itemID="{E2B26E15-67E2-46A7-9511-99B371B2FFB8}">
+  <ds:schemaRefs>
+    <ds:schemaRef ds:uri="http://schemas.microsoft.com/VisualStudio/2011/storyboarding/control"/>
+  </ds:schemaRefs>
+</ds:datastoreItem>
+</file>
+
+<file path=customXml/itemProps274.xml><?xml version="1.0" encoding="utf-8"?>
+<ds:datastoreItem xmlns:ds="http://schemas.openxmlformats.org/officeDocument/2006/customXml" ds:itemID="{998783E5-93E3-46E4-8B45-FB75479D6BD0}">
+  <ds:schemaRefs>
+    <ds:schemaRef ds:uri="http://schemas.microsoft.com/VisualStudio/2011/storyboarding/control"/>
+  </ds:schemaRefs>
+</ds:datastoreItem>
+</file>
+
+<file path=customXml/itemProps275.xml><?xml version="1.0" encoding="utf-8"?>
+<ds:datastoreItem xmlns:ds="http://schemas.openxmlformats.org/officeDocument/2006/customXml" ds:itemID="{A39F5018-76E8-4CE5-A9B7-D9BE197ECF9D}">
+  <ds:schemaRefs>
+    <ds:schemaRef ds:uri="http://schemas.microsoft.com/VisualStudio/2011/storyboarding/control"/>
+  </ds:schemaRefs>
+</ds:datastoreItem>
+</file>
+
+<file path=customXml/itemProps276.xml><?xml version="1.0" encoding="utf-8"?>
+<ds:datastoreItem xmlns:ds="http://schemas.openxmlformats.org/officeDocument/2006/customXml" ds:itemID="{6738B905-67C9-4D42-8403-1DFFFA0CD882}">
+  <ds:schemaRefs>
+    <ds:schemaRef ds:uri="http://schemas.microsoft.com/VisualStudio/2011/storyboarding/control"/>
+  </ds:schemaRefs>
+</ds:datastoreItem>
+</file>
+
+<file path=customXml/itemProps277.xml><?xml version="1.0" encoding="utf-8"?>
+<ds:datastoreItem xmlns:ds="http://schemas.openxmlformats.org/officeDocument/2006/customXml" ds:itemID="{40F569EB-8ABB-4446-9E42-226E6AA99E71}">
+  <ds:schemaRefs>
+    <ds:schemaRef ds:uri="http://schemas.microsoft.com/VisualStudio/2011/storyboarding/control"/>
+  </ds:schemaRefs>
+</ds:datastoreItem>
+</file>
+
+<file path=customXml/itemProps278.xml><?xml version="1.0" encoding="utf-8"?>
+<ds:datastoreItem xmlns:ds="http://schemas.openxmlformats.org/officeDocument/2006/customXml" ds:itemID="{916637F0-59B8-45B1-A013-C6D7D7F87CDE}">
+  <ds:schemaRefs>
+    <ds:schemaRef ds:uri="http://schemas.microsoft.com/VisualStudio/2011/storyboarding/control"/>
+  </ds:schemaRefs>
+</ds:datastoreItem>
+</file>
+
+<file path=customXml/itemProps279.xml><?xml version="1.0" encoding="utf-8"?>
+<ds:datastoreItem xmlns:ds="http://schemas.openxmlformats.org/officeDocument/2006/customXml" ds:itemID="{4F7D9023-B84C-4690-B99E-9FE4342EA97D}">
+  <ds:schemaRefs>
+    <ds:schemaRef ds:uri="http://schemas.microsoft.com/VisualStudio/2011/storyboarding/control"/>
+  </ds:schemaRefs>
+</ds:datastoreItem>
+</file>
+
+<file path=customXml/itemProps28.xml><?xml version="1.0" encoding="utf-8"?>
+<ds:datastoreItem xmlns:ds="http://schemas.openxmlformats.org/officeDocument/2006/customXml" ds:itemID="{17B0D8AB-58DB-487A-A1B2-410414827202}">
+  <ds:schemaRefs>
+    <ds:schemaRef ds:uri="http://schemas.microsoft.com/VisualStudio/2011/storyboarding/control"/>
+  </ds:schemaRefs>
+</ds:datastoreItem>
+</file>
+
+<file path=customXml/itemProps280.xml><?xml version="1.0" encoding="utf-8"?>
+<ds:datastoreItem xmlns:ds="http://schemas.openxmlformats.org/officeDocument/2006/customXml" ds:itemID="{B61EEC1E-2199-42F9-BF79-C8F5F69EF85E}">
+  <ds:schemaRefs>
+    <ds:schemaRef ds:uri="http://schemas.microsoft.com/VisualStudio/2011/storyboarding/control"/>
+  </ds:schemaRefs>
+</ds:datastoreItem>
+</file>
+
+<file path=customXml/itemProps281.xml><?xml version="1.0" encoding="utf-8"?>
+<ds:datastoreItem xmlns:ds="http://schemas.openxmlformats.org/officeDocument/2006/customXml" ds:itemID="{EFCD18D0-CBA1-4995-A8C6-F5F3C57B32F1}">
+  <ds:schemaRefs>
+    <ds:schemaRef ds:uri="http://schemas.microsoft.com/VisualStudio/2011/storyboarding/control"/>
+  </ds:schemaRefs>
+</ds:datastoreItem>
+</file>
+
+<file path=customXml/itemProps282.xml><?xml version="1.0" encoding="utf-8"?>
+<ds:datastoreItem xmlns:ds="http://schemas.openxmlformats.org/officeDocument/2006/customXml" ds:itemID="{FAF24902-C8B9-4A2B-9077-05751B70E139}">
+  <ds:schemaRefs>
+    <ds:schemaRef ds:uri="http://schemas.microsoft.com/VisualStudio/2011/storyboarding/control"/>
+  </ds:schemaRefs>
+</ds:datastoreItem>
+</file>
+
+<file path=customXml/itemProps283.xml><?xml version="1.0" encoding="utf-8"?>
+<ds:datastoreItem xmlns:ds="http://schemas.openxmlformats.org/officeDocument/2006/customXml" ds:itemID="{A59FF763-C396-4BBD-B648-8ED995144782}">
+  <ds:schemaRefs>
+    <ds:schemaRef ds:uri="http://schemas.microsoft.com/VisualStudio/2011/storyboarding/control"/>
+  </ds:schemaRefs>
+</ds:datastoreItem>
+</file>
+
+<file path=customXml/itemProps284.xml><?xml version="1.0" encoding="utf-8"?>
+<ds:datastoreItem xmlns:ds="http://schemas.openxmlformats.org/officeDocument/2006/customXml" ds:itemID="{AEE42BF4-3F49-4791-99A4-B9C5521F3813}">
+  <ds:schemaRefs>
+    <ds:schemaRef ds:uri="http://schemas.microsoft.com/VisualStudio/2011/storyboarding/control"/>
+  </ds:schemaRefs>
+</ds:datastoreItem>
+</file>
+
+<file path=customXml/itemProps285.xml><?xml version="1.0" encoding="utf-8"?>
+<ds:datastoreItem xmlns:ds="http://schemas.openxmlformats.org/officeDocument/2006/customXml" ds:itemID="{82E33D8B-2115-44F9-B288-F7DDC7375FA0}">
+  <ds:schemaRefs>
+    <ds:schemaRef ds:uri="http://schemas.microsoft.com/VisualStudio/2011/storyboarding/control"/>
+  </ds:schemaRefs>
+</ds:datastoreItem>
+</file>
+
+<file path=customXml/itemProps286.xml><?xml version="1.0" encoding="utf-8"?>
+<ds:datastoreItem xmlns:ds="http://schemas.openxmlformats.org/officeDocument/2006/customXml" ds:itemID="{83115CD3-825C-4612-821F-C5D4B5A19981}">
+  <ds:schemaRefs>
+    <ds:schemaRef ds:uri="http://schemas.microsoft.com/VisualStudio/2011/storyboarding/control"/>
+  </ds:schemaRefs>
+</ds:datastoreItem>
+</file>
+
+<file path=customXml/itemProps287.xml><?xml version="1.0" encoding="utf-8"?>
+<ds:datastoreItem xmlns:ds="http://schemas.openxmlformats.org/officeDocument/2006/customXml" ds:itemID="{875DA8D0-9C6C-44D9-B84C-C4B5FD322C1A}">
+  <ds:schemaRefs>
+    <ds:schemaRef ds:uri="http://schemas.microsoft.com/VisualStudio/2011/storyboarding/control"/>
+  </ds:schemaRefs>
+</ds:datastoreItem>
+</file>
+
+<file path=customXml/itemProps288.xml><?xml version="1.0" encoding="utf-8"?>
+<ds:datastoreItem xmlns:ds="http://schemas.openxmlformats.org/officeDocument/2006/customXml" ds:itemID="{64E59FFC-D8D8-4E52-B11B-0543A90F6B8E}">
+  <ds:schemaRefs>
+    <ds:schemaRef ds:uri="http://schemas.microsoft.com/VisualStudio/2011/storyboarding/control"/>
+  </ds:schemaRefs>
+</ds:datastoreItem>
+</file>
+
+<file path=customXml/itemProps289.xml><?xml version="1.0" encoding="utf-8"?>
+<ds:datastoreItem xmlns:ds="http://schemas.openxmlformats.org/officeDocument/2006/customXml" ds:itemID="{83C7B5A9-0530-46C6-A850-347D2AC04604}">
+  <ds:schemaRefs>
+    <ds:schemaRef ds:uri="http://schemas.microsoft.com/VisualStudio/2011/storyboarding/control"/>
+  </ds:schemaRefs>
+</ds:datastoreItem>
+</file>
+
+<file path=customXml/itemProps29.xml><?xml version="1.0" encoding="utf-8"?>
+<ds:datastoreItem xmlns:ds="http://schemas.openxmlformats.org/officeDocument/2006/customXml" ds:itemID="{83FE5952-B810-41DD-BC8D-EA4E6B2877C4}">
+  <ds:schemaRefs>
+    <ds:schemaRef ds:uri="http://schemas.microsoft.com/VisualStudio/2011/storyboarding/control"/>
+  </ds:schemaRefs>
+</ds:datastoreItem>
+</file>
+
+<file path=customXml/itemProps290.xml><?xml version="1.0" encoding="utf-8"?>
+<ds:datastoreItem xmlns:ds="http://schemas.openxmlformats.org/officeDocument/2006/customXml" ds:itemID="{12B87C94-3E99-4A00-A6CF-08E04953A553}">
+  <ds:schemaRefs>
+    <ds:schemaRef ds:uri="http://schemas.microsoft.com/VisualStudio/2011/storyboarding/control"/>
+  </ds:schemaRefs>
+</ds:datastoreItem>
+</file>
+
+<file path=customXml/itemProps291.xml><?xml version="1.0" encoding="utf-8"?>
+<ds:datastoreItem xmlns:ds="http://schemas.openxmlformats.org/officeDocument/2006/customXml" ds:itemID="{704CF15B-5A3D-424C-9C26-639F7FE2B6A2}">
+  <ds:schemaRefs>
+    <ds:schemaRef ds:uri="http://schemas.microsoft.com/VisualStudio/2011/storyboarding/control"/>
+  </ds:schemaRefs>
+</ds:datastoreItem>
+</file>
+
+<file path=customXml/itemProps292.xml><?xml version="1.0" encoding="utf-8"?>
+<ds:datastoreItem xmlns:ds="http://schemas.openxmlformats.org/officeDocument/2006/customXml" ds:itemID="{8491097D-3BEA-417B-9273-13DD25B61827}">
+  <ds:schemaRefs>
+    <ds:schemaRef ds:uri="http://schemas.microsoft.com/VisualStudio/2011/storyboarding/control"/>
+  </ds:schemaRefs>
+</ds:datastoreItem>
+</file>
+
+<file path=customXml/itemProps293.xml><?xml version="1.0" encoding="utf-8"?>
+<ds:datastoreItem xmlns:ds="http://schemas.openxmlformats.org/officeDocument/2006/customXml" ds:itemID="{68FD764D-ED53-4060-BB86-164A1755BC75}">
+  <ds:schemaRefs>
+    <ds:schemaRef ds:uri="http://schemas.microsoft.com/VisualStudio/2011/storyboarding/control"/>
+  </ds:schemaRefs>
+</ds:datastoreItem>
+</file>
+
+<file path=customXml/itemProps294.xml><?xml version="1.0" encoding="utf-8"?>
+<ds:datastoreItem xmlns:ds="http://schemas.openxmlformats.org/officeDocument/2006/customXml" ds:itemID="{1B9230E7-F069-4556-9C13-4BDB695EF08B}">
+  <ds:schemaRefs>
+    <ds:schemaRef ds:uri="http://schemas.microsoft.com/VisualStudio/2011/storyboarding/control"/>
+  </ds:schemaRefs>
+</ds:datastoreItem>
+</file>
+
+<file path=customXml/itemProps295.xml><?xml version="1.0" encoding="utf-8"?>
+<ds:datastoreItem xmlns:ds="http://schemas.openxmlformats.org/officeDocument/2006/customXml" ds:itemID="{F78CD7B1-12E3-49EC-8BE8-E474AC90DF8F}">
+  <ds:schemaRefs>
+    <ds:schemaRef ds:uri="http://schemas.microsoft.com/VisualStudio/2011/storyboarding/control"/>
+  </ds:schemaRefs>
+</ds:datastoreItem>
+</file>
+
+<file path=customXml/itemProps296.xml><?xml version="1.0" encoding="utf-8"?>
+<ds:datastoreItem xmlns:ds="http://schemas.openxmlformats.org/officeDocument/2006/customXml" ds:itemID="{A26C2F90-97F2-4089-BDB9-A8F1A786BE92}">
+  <ds:schemaRefs>
+    <ds:schemaRef ds:uri="http://schemas.microsoft.com/VisualStudio/2011/storyboarding/control"/>
+  </ds:schemaRefs>
+</ds:datastoreItem>
+</file>
+
+<file path=customXml/itemProps297.xml><?xml version="1.0" encoding="utf-8"?>
+<ds:datastoreItem xmlns:ds="http://schemas.openxmlformats.org/officeDocument/2006/customXml" ds:itemID="{A6D095BC-789E-4CE8-AA99-696AAAA6E3A4}">
+  <ds:schemaRefs>
+    <ds:schemaRef ds:uri="http://schemas.microsoft.com/VisualStudio/2011/storyboarding/control"/>
+  </ds:schemaRefs>
+</ds:datastoreItem>
+</file>
+
+<file path=customXml/itemProps298.xml><?xml version="1.0" encoding="utf-8"?>
+<ds:datastoreItem xmlns:ds="http://schemas.openxmlformats.org/officeDocument/2006/customXml" ds:itemID="{77674E22-E958-4C98-881E-833176FE57EF}">
+  <ds:schemaRefs>
+    <ds:schemaRef ds:uri="http://schemas.microsoft.com/VisualStudio/2011/storyboarding/control"/>
+  </ds:schemaRefs>
+</ds:datastoreItem>
+</file>
+
+<file path=customXml/itemProps299.xml><?xml version="1.0" encoding="utf-8"?>
+<ds:datastoreItem xmlns:ds="http://schemas.openxmlformats.org/officeDocument/2006/customXml" ds:itemID="{06502709-2BA4-4151-8001-D5AACDC263EE}">
+  <ds:schemaRefs>
+    <ds:schemaRef ds:uri="http://schemas.microsoft.com/VisualStudio/2011/storyboarding/control"/>
+  </ds:schemaRefs>
+</ds:datastoreItem>
+</file>
+
+<file path=customXml/itemProps3.xml><?xml version="1.0" encoding="utf-8"?>
+<ds:datastoreItem xmlns:ds="http://schemas.openxmlformats.org/officeDocument/2006/customXml" ds:itemID="{387D2E86-F190-4CEF-A687-BC810EFEE0E5}">
+  <ds:schemaRefs>
+    <ds:schemaRef ds:uri="http://schemas.microsoft.com/VisualStudio/2011/storyboarding/control"/>
+  </ds:schemaRefs>
+</ds:datastoreItem>
+</file>
+
+<file path=customXml/itemProps30.xml><?xml version="1.0" encoding="utf-8"?>
+<ds:datastoreItem xmlns:ds="http://schemas.openxmlformats.org/officeDocument/2006/customXml" ds:itemID="{D3BE8F19-E498-4C40-AD0A-FD52BCF38C35}">
+  <ds:schemaRefs>
+    <ds:schemaRef ds:uri="http://schemas.microsoft.com/VisualStudio/2011/storyboarding/control"/>
+  </ds:schemaRefs>
+</ds:datastoreItem>
+</file>
+
+<file path=customXml/itemProps300.xml><?xml version="1.0" encoding="utf-8"?>
+<ds:datastoreItem xmlns:ds="http://schemas.openxmlformats.org/officeDocument/2006/customXml" ds:itemID="{738FF2C8-587D-4C02-8D5D-20CBF1EE7CCD}">
+  <ds:schemaRefs>
+    <ds:schemaRef ds:uri="http://schemas.microsoft.com/VisualStudio/2011/storyboarding/control"/>
+  </ds:schemaRefs>
+</ds:datastoreItem>
+</file>
+
+<file path=customXml/itemProps301.xml><?xml version="1.0" encoding="utf-8"?>
+<ds:datastoreItem xmlns:ds="http://schemas.openxmlformats.org/officeDocument/2006/customXml" ds:itemID="{1F0604E9-97A2-431A-86E6-C9F311593E08}">
+  <ds:schemaRefs>
+    <ds:schemaRef ds:uri="http://schemas.microsoft.com/VisualStudio/2011/storyboarding/control"/>
+  </ds:schemaRefs>
+</ds:datastoreItem>
+</file>
+
+<file path=customXml/itemProps302.xml><?xml version="1.0" encoding="utf-8"?>
+<ds:datastoreItem xmlns:ds="http://schemas.openxmlformats.org/officeDocument/2006/customXml" ds:itemID="{DB6E0612-8B1D-4BE3-AC72-D821C426DE75}">
+  <ds:schemaRefs>
+    <ds:schemaRef ds:uri="http://schemas.microsoft.com/VisualStudio/2011/storyboarding/control"/>
+  </ds:schemaRefs>
+</ds:datastoreItem>
+</file>
+
+<file path=customXml/itemProps303.xml><?xml version="1.0" encoding="utf-8"?>
+<ds:datastoreItem xmlns:ds="http://schemas.openxmlformats.org/officeDocument/2006/customXml" ds:itemID="{0F678DC3-7A11-4960-98D1-2284A12D1CFC}">
+  <ds:schemaRefs>
+    <ds:schemaRef ds:uri="http://schemas.microsoft.com/VisualStudio/2011/storyboarding/control"/>
+  </ds:schemaRefs>
+</ds:datastoreItem>
+</file>
+
+<file path=customXml/itemProps304.xml><?xml version="1.0" encoding="utf-8"?>
+<ds:datastoreItem xmlns:ds="http://schemas.openxmlformats.org/officeDocument/2006/customXml" ds:itemID="{A12D5DED-2D25-4DA3-8948-14474C5B5E76}">
+  <ds:schemaRefs>
+    <ds:schemaRef ds:uri="http://schemas.microsoft.com/VisualStudio/2011/storyboarding/control"/>
+  </ds:schemaRefs>
+</ds:datastoreItem>
+</file>
+
+<file path=customXml/itemProps31.xml><?xml version="1.0" encoding="utf-8"?>
+<ds:datastoreItem xmlns:ds="http://schemas.openxmlformats.org/officeDocument/2006/customXml" ds:itemID="{A72FA915-E35F-4234-A403-255F8B6BF53C}">
+  <ds:schemaRefs>
+    <ds:schemaRef ds:uri="http://schemas.microsoft.com/VisualStudio/2011/storyboarding/control"/>
+  </ds:schemaRefs>
+</ds:datastoreItem>
+</file>
+
+<file path=customXml/itemProps32.xml><?xml version="1.0" encoding="utf-8"?>
+<ds:datastoreItem xmlns:ds="http://schemas.openxmlformats.org/officeDocument/2006/customXml" ds:itemID="{548207B6-9ECB-4C71-9D88-A39393050720}">
+  <ds:schemaRefs>
+    <ds:schemaRef ds:uri="http://schemas.microsoft.com/VisualStudio/2011/storyboarding/control"/>
+  </ds:schemaRefs>
+</ds:datastoreItem>
+</file>
+
+<file path=customXml/itemProps33.xml><?xml version="1.0" encoding="utf-8"?>
+<ds:datastoreItem xmlns:ds="http://schemas.openxmlformats.org/officeDocument/2006/customXml" ds:itemID="{F24428A1-0724-4C81-B1E7-B30B813E3551}">
+  <ds:schemaRefs>
+    <ds:schemaRef ds:uri="http://schemas.microsoft.com/VisualStudio/2011/storyboarding/control"/>
+  </ds:schemaRefs>
+</ds:datastoreItem>
+</file>
+
+<file path=customXml/itemProps34.xml><?xml version="1.0" encoding="utf-8"?>
+<ds:datastoreItem xmlns:ds="http://schemas.openxmlformats.org/officeDocument/2006/customXml" ds:itemID="{CDFD8D22-8AC0-4F2F-AC24-E9009ABA608B}">
+  <ds:schemaRefs>
+    <ds:schemaRef ds:uri="http://schemas.microsoft.com/VisualStudio/2011/storyboarding/control"/>
+  </ds:schemaRefs>
+</ds:datastoreItem>
+</file>
+
+<file path=customXml/itemProps35.xml><?xml version="1.0" encoding="utf-8"?>
+<ds:datastoreItem xmlns:ds="http://schemas.openxmlformats.org/officeDocument/2006/customXml" ds:itemID="{C0236D38-7F8A-4EAA-B6A1-6880B56FE83E}">
+  <ds:schemaRefs>
+    <ds:schemaRef ds:uri="http://schemas.microsoft.com/VisualStudio/2011/storyboarding/control"/>
+  </ds:schemaRefs>
+</ds:datastoreItem>
+</file>
+
+<file path=customXml/itemProps36.xml><?xml version="1.0" encoding="utf-8"?>
+<ds:datastoreItem xmlns:ds="http://schemas.openxmlformats.org/officeDocument/2006/customXml" ds:itemID="{BF8B6F30-58A9-49DC-A98D-09DDB8F2693B}">
+  <ds:schemaRefs>
+    <ds:schemaRef ds:uri="http://schemas.microsoft.com/VisualStudio/2011/storyboarding/control"/>
+  </ds:schemaRefs>
+</ds:datastoreItem>
+</file>
+
+<file path=customXml/itemProps37.xml><?xml version="1.0" encoding="utf-8"?>
+<ds:datastoreItem xmlns:ds="http://schemas.openxmlformats.org/officeDocument/2006/customXml" ds:itemID="{2F4FCC51-0CE4-4CD4-814B-F7F5CC6D4A8E}">
+  <ds:schemaRefs>
+    <ds:schemaRef ds:uri="http://schemas.microsoft.com/VisualStudio/2011/storyboarding/control"/>
+  </ds:schemaRefs>
+</ds:datastoreItem>
+</file>
+
+<file path=customXml/itemProps38.xml><?xml version="1.0" encoding="utf-8"?>
+<ds:datastoreItem xmlns:ds="http://schemas.openxmlformats.org/officeDocument/2006/customXml" ds:itemID="{E12DD9CD-91AF-4CC9-87D9-DB103477FE67}">
+  <ds:schemaRefs>
+    <ds:schemaRef ds:uri="http://schemas.microsoft.com/VisualStudio/2011/storyboarding/control"/>
+  </ds:schemaRefs>
+</ds:datastoreItem>
+</file>
+
+<file path=customXml/itemProps39.xml><?xml version="1.0" encoding="utf-8"?>
+<ds:datastoreItem xmlns:ds="http://schemas.openxmlformats.org/officeDocument/2006/customXml" ds:itemID="{50409344-7A08-4EEE-A095-5DC783125ED3}">
+  <ds:schemaRefs>
+    <ds:schemaRef ds:uri="http://schemas.microsoft.com/VisualStudio/2011/storyboarding/control"/>
+  </ds:schemaRefs>
+</ds:datastoreItem>
+</file>
+
+<file path=customXml/itemProps4.xml><?xml version="1.0" encoding="utf-8"?>
+<ds:datastoreItem xmlns:ds="http://schemas.openxmlformats.org/officeDocument/2006/customXml" ds:itemID="{51E7E7C7-3695-4277-9E7A-A34209D6DE42}">
+  <ds:schemaRefs>
+    <ds:schemaRef ds:uri="http://schemas.microsoft.com/VisualStudio/2011/storyboarding/control"/>
+  </ds:schemaRefs>
+</ds:datastoreItem>
+</file>
+
+<file path=customXml/itemProps40.xml><?xml version="1.0" encoding="utf-8"?>
+<ds:datastoreItem xmlns:ds="http://schemas.openxmlformats.org/officeDocument/2006/customXml" ds:itemID="{C02F6C96-E07D-476F-9097-B75AF2B042BC}">
+  <ds:schemaRefs>
+    <ds:schemaRef ds:uri="http://schemas.microsoft.com/VisualStudio/2011/storyboarding/control"/>
+  </ds:schemaRefs>
+</ds:datastoreItem>
+</file>
+
+<file path=customXml/itemProps41.xml><?xml version="1.0" encoding="utf-8"?>
+<ds:datastoreItem xmlns:ds="http://schemas.openxmlformats.org/officeDocument/2006/customXml" ds:itemID="{5F6A41BF-2E92-4F14-BAD8-36D53D1258B9}">
+  <ds:schemaRefs>
+    <ds:schemaRef ds:uri="http://schemas.microsoft.com/VisualStudio/2011/storyboarding/control"/>
+  </ds:schemaRefs>
+</ds:datastoreItem>
+</file>
+
+<file path=customXml/itemProps42.xml><?xml version="1.0" encoding="utf-8"?>
+<ds:datastoreItem xmlns:ds="http://schemas.openxmlformats.org/officeDocument/2006/customXml" ds:itemID="{F2E2DD80-6264-46C6-8166-945CA6960AF7}">
+  <ds:schemaRefs>
+    <ds:schemaRef ds:uri="http://schemas.microsoft.com/VisualStudio/2011/storyboarding/control"/>
+  </ds:schemaRefs>
+</ds:datastoreItem>
+</file>
+
+<file path=customXml/itemProps43.xml><?xml version="1.0" encoding="utf-8"?>
+<ds:datastoreItem xmlns:ds="http://schemas.openxmlformats.org/officeDocument/2006/customXml" ds:itemID="{38E201C7-010A-4037-8499-B871567E89FA}">
+  <ds:schemaRefs>
+    <ds:schemaRef ds:uri="http://schemas.microsoft.com/VisualStudio/2011/storyboarding/control"/>
+  </ds:schemaRefs>
+</ds:datastoreItem>
+</file>
+
+<file path=customXml/itemProps44.xml><?xml version="1.0" encoding="utf-8"?>
+<ds:datastoreItem xmlns:ds="http://schemas.openxmlformats.org/officeDocument/2006/customXml" ds:itemID="{7056F243-3525-4402-800F-27AEDE217892}">
+  <ds:schemaRefs>
+    <ds:schemaRef ds:uri="http://schemas.microsoft.com/VisualStudio/2011/storyboarding/control"/>
+  </ds:schemaRefs>
+</ds:datastoreItem>
+</file>
+
+<file path=customXml/itemProps45.xml><?xml version="1.0" encoding="utf-8"?>
+<ds:datastoreItem xmlns:ds="http://schemas.openxmlformats.org/officeDocument/2006/customXml" ds:itemID="{02DC6A34-308E-4EE2-91CB-B65D8B5C5135}">
+  <ds:schemaRefs>
+    <ds:schemaRef ds:uri="http://schemas.microsoft.com/VisualStudio/2011/storyboarding/control"/>
+  </ds:schemaRefs>
+</ds:datastoreItem>
+</file>
+
+<file path=customXml/itemProps46.xml><?xml version="1.0" encoding="utf-8"?>
+<ds:datastoreItem xmlns:ds="http://schemas.openxmlformats.org/officeDocument/2006/customXml" ds:itemID="{4CDD4899-434B-483C-9270-49C1925CF9A0}">
+  <ds:schemaRefs>
+    <ds:schemaRef ds:uri="http://schemas.microsoft.com/VisualStudio/2011/storyboarding/control"/>
+  </ds:schemaRefs>
+</ds:datastoreItem>
+</file>
+
+<file path=customXml/itemProps47.xml><?xml version="1.0" encoding="utf-8"?>
+<ds:datastoreItem xmlns:ds="http://schemas.openxmlformats.org/officeDocument/2006/customXml" ds:itemID="{0A526C21-CA0E-4D62-A306-B441BC0489D4}">
+  <ds:schemaRefs>
+    <ds:schemaRef ds:uri="http://schemas.microsoft.com/VisualStudio/2011/storyboarding/control"/>
+  </ds:schemaRefs>
+</ds:datastoreItem>
+</file>
+
+<file path=customXml/itemProps48.xml><?xml version="1.0" encoding="utf-8"?>
+<ds:datastoreItem xmlns:ds="http://schemas.openxmlformats.org/officeDocument/2006/customXml" ds:itemID="{F5281BC0-9672-435D-B9A7-6C9AEEE3F7D2}">
+  <ds:schemaRefs>
+    <ds:schemaRef ds:uri="http://schemas.microsoft.com/VisualStudio/2011/storyboarding/control"/>
+  </ds:schemaRefs>
+</ds:datastoreItem>
+</file>
+
+<file path=customXml/itemProps49.xml><?xml version="1.0" encoding="utf-8"?>
+<ds:datastoreItem xmlns:ds="http://schemas.openxmlformats.org/officeDocument/2006/customXml" ds:itemID="{3BA5FAE4-8745-4A74-B298-4B5E45FB845F}">
+  <ds:schemaRefs>
+    <ds:schemaRef ds:uri="http://schemas.microsoft.com/VisualStudio/2011/storyboarding/control"/>
+  </ds:schemaRefs>
+</ds:datastoreItem>
+</file>
+
+<file path=customXml/itemProps5.xml><?xml version="1.0" encoding="utf-8"?>
+<ds:datastoreItem xmlns:ds="http://schemas.openxmlformats.org/officeDocument/2006/customXml" ds:itemID="{F0DC79C3-207C-41FE-A3D7-31F796033D54}">
+  <ds:schemaRefs>
+    <ds:schemaRef ds:uri="http://schemas.microsoft.com/VisualStudio/2011/storyboarding/control"/>
+  </ds:schemaRefs>
+</ds:datastoreItem>
+</file>
+
+<file path=customXml/itemProps50.xml><?xml version="1.0" encoding="utf-8"?>
+<ds:datastoreItem xmlns:ds="http://schemas.openxmlformats.org/officeDocument/2006/customXml" ds:itemID="{917C221D-1C7D-4EFD-A42E-4EEB4484E21B}">
+  <ds:schemaRefs>
+    <ds:schemaRef ds:uri="http://schemas.microsoft.com/VisualStudio/2011/storyboarding/control"/>
+  </ds:schemaRefs>
+</ds:datastoreItem>
+</file>
+
+<file path=customXml/itemProps51.xml><?xml version="1.0" encoding="utf-8"?>
+<ds:datastoreItem xmlns:ds="http://schemas.openxmlformats.org/officeDocument/2006/customXml" ds:itemID="{356E3D99-BE40-4EAC-A6C1-6B612678EA9D}">
+  <ds:schemaRefs>
+    <ds:schemaRef ds:uri="http://schemas.microsoft.com/VisualStudio/2011/storyboarding/control"/>
+  </ds:schemaRefs>
+</ds:datastoreItem>
+</file>
+
+<file path=customXml/itemProps52.xml><?xml version="1.0" encoding="utf-8"?>
+<ds:datastoreItem xmlns:ds="http://schemas.openxmlformats.org/officeDocument/2006/customXml" ds:itemID="{7D83CF62-C030-46A5-BB42-EA6E29EB49F5}">
+  <ds:schemaRefs>
+    <ds:schemaRef ds:uri="http://schemas.microsoft.com/VisualStudio/2011/storyboarding/control"/>
+  </ds:schemaRefs>
+</ds:datastoreItem>
+</file>
+
+<file path=customXml/itemProps53.xml><?xml version="1.0" encoding="utf-8"?>
+<ds:datastoreItem xmlns:ds="http://schemas.openxmlformats.org/officeDocument/2006/customXml" ds:itemID="{8CAFE994-D574-4D5A-B645-2896E8079B39}">
+  <ds:schemaRefs>
+    <ds:schemaRef ds:uri="http://schemas.microsoft.com/VisualStudio/2011/storyboarding/control"/>
+  </ds:schemaRefs>
+</ds:datastoreItem>
+</file>
+
+<file path=customXml/itemProps54.xml><?xml version="1.0" encoding="utf-8"?>
+<ds:datastoreItem xmlns:ds="http://schemas.openxmlformats.org/officeDocument/2006/customXml" ds:itemID="{56C614C4-5DEC-491F-B700-BEDDA8F8ADF4}">
+  <ds:schemaRefs>
+    <ds:schemaRef ds:uri="http://schemas.microsoft.com/VisualStudio/2011/storyboarding/control"/>
+  </ds:schemaRefs>
+</ds:datastoreItem>
+</file>
+
+<file path=customXml/itemProps55.xml><?xml version="1.0" encoding="utf-8"?>
+<ds:datastoreItem xmlns:ds="http://schemas.openxmlformats.org/officeDocument/2006/customXml" ds:itemID="{6D29AD73-E6E7-41AD-BD08-29640567C1E3}">
+  <ds:schemaRefs>
+    <ds:schemaRef ds:uri="http://schemas.microsoft.com/VisualStudio/2011/storyboarding/control"/>
+  </ds:schemaRefs>
+</ds:datastoreItem>
+</file>
+
+<file path=customXml/itemProps56.xml><?xml version="1.0" encoding="utf-8"?>
+<ds:datastoreItem xmlns:ds="http://schemas.openxmlformats.org/officeDocument/2006/customXml" ds:itemID="{37D9AFB0-4C16-4052-88E4-5FBE90606F71}">
+  <ds:schemaRefs>
+    <ds:schemaRef ds:uri="http://schemas.microsoft.com/VisualStudio/2011/storyboarding/control"/>
+  </ds:schemaRefs>
+</ds:datastoreItem>
+</file>
+
+<file path=customXml/itemProps57.xml><?xml version="1.0" encoding="utf-8"?>
+<ds:datastoreItem xmlns:ds="http://schemas.openxmlformats.org/officeDocument/2006/customXml" ds:itemID="{67299DBF-78FD-4556-BEC5-DAED3F111C44}">
+  <ds:schemaRefs>
+    <ds:schemaRef ds:uri="http://schemas.microsoft.com/VisualStudio/2011/storyboarding/control"/>
+  </ds:schemaRefs>
+</ds:datastoreItem>
+</file>
+
+<file path=customXml/itemProps58.xml><?xml version="1.0" encoding="utf-8"?>
+<ds:datastoreItem xmlns:ds="http://schemas.openxmlformats.org/officeDocument/2006/customXml" ds:itemID="{A70934FF-BD64-48BF-9A4E-D577A82F3862}">
+  <ds:schemaRefs>
+    <ds:schemaRef ds:uri="http://schemas.microsoft.com/VisualStudio/2011/storyboarding/control"/>
+  </ds:schemaRefs>
+</ds:datastoreItem>
+</file>
+
+<file path=customXml/itemProps59.xml><?xml version="1.0" encoding="utf-8"?>
+<ds:datastoreItem xmlns:ds="http://schemas.openxmlformats.org/officeDocument/2006/customXml" ds:itemID="{45E0B91E-7FEF-4703-9326-F8B2ED81C09E}">
+  <ds:schemaRefs>
+    <ds:schemaRef ds:uri="http://schemas.microsoft.com/VisualStudio/2011/storyboarding/control"/>
+  </ds:schemaRefs>
+</ds:datastoreItem>
+</file>
+
+<file path=customXml/itemProps6.xml><?xml version="1.0" encoding="utf-8"?>
+<ds:datastoreItem xmlns:ds="http://schemas.openxmlformats.org/officeDocument/2006/customXml" ds:itemID="{A14526C9-B49F-481F-9EEE-8607645EF9A7}">
+  <ds:schemaRefs>
+    <ds:schemaRef ds:uri="http://schemas.microsoft.com/VisualStudio/2011/storyboarding/control"/>
+  </ds:schemaRefs>
+</ds:datastoreItem>
+</file>
+
+<file path=customXml/itemProps60.xml><?xml version="1.0" encoding="utf-8"?>
+<ds:datastoreItem xmlns:ds="http://schemas.openxmlformats.org/officeDocument/2006/customXml" ds:itemID="{1ADEB7F2-78C7-4561-B3DF-1749638EBE62}">
+  <ds:schemaRefs>
+    <ds:schemaRef ds:uri="http://schemas.microsoft.com/VisualStudio/2011/storyboarding/control"/>
+  </ds:schemaRefs>
+</ds:datastoreItem>
+</file>
+
+<file path=customXml/itemProps61.xml><?xml version="1.0" encoding="utf-8"?>
+<ds:datastoreItem xmlns:ds="http://schemas.openxmlformats.org/officeDocument/2006/customXml" ds:itemID="{919EABC3-E2C5-43C3-AF76-EB64A9434D0D}">
+  <ds:schemaRefs>
+    <ds:schemaRef ds:uri="http://schemas.microsoft.com/VisualStudio/2011/storyboarding/control"/>
+  </ds:schemaRefs>
+</ds:datastoreItem>
+</file>
+
+<file path=customXml/itemProps62.xml><?xml version="1.0" encoding="utf-8"?>
+<ds:datastoreItem xmlns:ds="http://schemas.openxmlformats.org/officeDocument/2006/customXml" ds:itemID="{7370362F-DF9E-4D13-86A6-8D6D39B4B8E3}">
+  <ds:schemaRefs>
+    <ds:schemaRef ds:uri="http://schemas.microsoft.com/VisualStudio/2011/storyboarding/control"/>
+  </ds:schemaRefs>
+</ds:datastoreItem>
+</file>
+
+<file path=customXml/itemProps63.xml><?xml version="1.0" encoding="utf-8"?>
+<ds:datastoreItem xmlns:ds="http://schemas.openxmlformats.org/officeDocument/2006/customXml" ds:itemID="{58C35028-5CF9-4C74-BFCD-437163455DA4}">
+  <ds:schemaRefs>
+    <ds:schemaRef ds:uri="http://schemas.microsoft.com/VisualStudio/2011/storyboarding/control"/>
+  </ds:schemaRefs>
+</ds:datastoreItem>
+</file>
+
+<file path=customXml/itemProps64.xml><?xml version="1.0" encoding="utf-8"?>
+<ds:datastoreItem xmlns:ds="http://schemas.openxmlformats.org/officeDocument/2006/customXml" ds:itemID="{8FB016EA-60C1-4762-8FF2-7DE705E604F0}">
+  <ds:schemaRefs>
+    <ds:schemaRef ds:uri="http://schemas.microsoft.com/VisualStudio/2011/storyboarding/control"/>
+  </ds:schemaRefs>
+</ds:datastoreItem>
+</file>
+
+<file path=customXml/itemProps65.xml><?xml version="1.0" encoding="utf-8"?>
+<ds:datastoreItem xmlns:ds="http://schemas.openxmlformats.org/officeDocument/2006/customXml" ds:itemID="{9BC0CB4D-BF5E-434C-A27C-66597D46EEDF}">
+  <ds:schemaRefs>
+    <ds:schemaRef ds:uri="http://schemas.microsoft.com/VisualStudio/2011/storyboarding/control"/>
+  </ds:schemaRefs>
+</ds:datastoreItem>
+</file>
+
+<file path=customXml/itemProps66.xml><?xml version="1.0" encoding="utf-8"?>
 <ds:datastoreItem xmlns:ds="http://schemas.openxmlformats.org/officeDocument/2006/customXml" ds:itemID="{26190532-7283-4B3A-A4F0-D4225A0BC43D}">
   <ds:schemaRefs>
     <ds:schemaRef ds:uri="http://schemas.microsoft.com/VisualStudio/2011/storyboarding/control"/>
@@ -27865,7 +29928,279 @@
 </ds:datastoreItem>
 </file>
 
-<file path=customXml/itemProps101.xml><?xml version="1.0" encoding="utf-8"?>
+<file path=customXml/itemProps67.xml><?xml version="1.0" encoding="utf-8"?>
+<ds:datastoreItem xmlns:ds="http://schemas.openxmlformats.org/officeDocument/2006/customXml" ds:itemID="{0F2DE0B6-1D23-4CC4-9F36-B050D9B69891}">
+  <ds:schemaRefs>
+    <ds:schemaRef ds:uri="http://schemas.microsoft.com/VisualStudio/2011/storyboarding/control"/>
+  </ds:schemaRefs>
+</ds:datastoreItem>
+</file>
+
+<file path=customXml/itemProps68.xml><?xml version="1.0" encoding="utf-8"?>
+<ds:datastoreItem xmlns:ds="http://schemas.openxmlformats.org/officeDocument/2006/customXml" ds:itemID="{49295FCB-C0F6-4058-AADB-C80AB995A670}">
+  <ds:schemaRefs>
+    <ds:schemaRef ds:uri="http://schemas.microsoft.com/VisualStudio/2011/storyboarding/control"/>
+  </ds:schemaRefs>
+</ds:datastoreItem>
+</file>
+
+<file path=customXml/itemProps69.xml><?xml version="1.0" encoding="utf-8"?>
+<ds:datastoreItem xmlns:ds="http://schemas.openxmlformats.org/officeDocument/2006/customXml" ds:itemID="{7E6575B5-210E-4C5C-962C-D0D28D81591D}">
+  <ds:schemaRefs>
+    <ds:schemaRef ds:uri="http://schemas.microsoft.com/VisualStudio/2011/storyboarding/control"/>
+  </ds:schemaRefs>
+</ds:datastoreItem>
+</file>
+
+<file path=customXml/itemProps7.xml><?xml version="1.0" encoding="utf-8"?>
+<ds:datastoreItem xmlns:ds="http://schemas.openxmlformats.org/officeDocument/2006/customXml" ds:itemID="{F1D9FCA4-8CDD-4D03-8F9C-DD221191D711}">
+  <ds:schemaRefs>
+    <ds:schemaRef ds:uri="http://schemas.microsoft.com/VisualStudio/2011/storyboarding/control"/>
+  </ds:schemaRefs>
+</ds:datastoreItem>
+</file>
+
+<file path=customXml/itemProps70.xml><?xml version="1.0" encoding="utf-8"?>
+<ds:datastoreItem xmlns:ds="http://schemas.openxmlformats.org/officeDocument/2006/customXml" ds:itemID="{F5E1943B-A70F-44C2-A322-2C282D25F81E}">
+  <ds:schemaRefs>
+    <ds:schemaRef ds:uri="http://schemas.microsoft.com/VisualStudio/2011/storyboarding/control"/>
+  </ds:schemaRefs>
+</ds:datastoreItem>
+</file>
+
+<file path=customXml/itemProps71.xml><?xml version="1.0" encoding="utf-8"?>
+<ds:datastoreItem xmlns:ds="http://schemas.openxmlformats.org/officeDocument/2006/customXml" ds:itemID="{77FAC5F0-DC78-4546-BD9F-1E67402040BC}">
+  <ds:schemaRefs>
+    <ds:schemaRef ds:uri="http://schemas.microsoft.com/VisualStudio/2011/storyboarding/control"/>
+  </ds:schemaRefs>
+</ds:datastoreItem>
+</file>
+
+<file path=customXml/itemProps72.xml><?xml version="1.0" encoding="utf-8"?>
+<ds:datastoreItem xmlns:ds="http://schemas.openxmlformats.org/officeDocument/2006/customXml" ds:itemID="{E365656C-FD98-42DE-B12C-6E9701BB8103}">
+  <ds:schemaRefs>
+    <ds:schemaRef ds:uri="http://schemas.microsoft.com/VisualStudio/2011/storyboarding/control"/>
+  </ds:schemaRefs>
+</ds:datastoreItem>
+</file>
+
+<file path=customXml/itemProps73.xml><?xml version="1.0" encoding="utf-8"?>
+<ds:datastoreItem xmlns:ds="http://schemas.openxmlformats.org/officeDocument/2006/customXml" ds:itemID="{AA953C0C-C7E8-435A-942A-9B0F1C2CF485}">
+  <ds:schemaRefs>
+    <ds:schemaRef ds:uri="http://schemas.microsoft.com/VisualStudio/2011/storyboarding/control"/>
+  </ds:schemaRefs>
+</ds:datastoreItem>
+</file>
+
+<file path=customXml/itemProps74.xml><?xml version="1.0" encoding="utf-8"?>
+<ds:datastoreItem xmlns:ds="http://schemas.openxmlformats.org/officeDocument/2006/customXml" ds:itemID="{A57FB331-1A42-4197-A916-5DB1567728A7}">
+  <ds:schemaRefs>
+    <ds:schemaRef ds:uri="http://schemas.microsoft.com/VisualStudio/2011/storyboarding/control"/>
+  </ds:schemaRefs>
+</ds:datastoreItem>
+</file>
+
+<file path=customXml/itemProps75.xml><?xml version="1.0" encoding="utf-8"?>
+<ds:datastoreItem xmlns:ds="http://schemas.openxmlformats.org/officeDocument/2006/customXml" ds:itemID="{B669F501-AEB5-49A8-B34E-D8CDF8FBB497}">
+  <ds:schemaRefs>
+    <ds:schemaRef ds:uri="http://schemas.microsoft.com/VisualStudio/2011/storyboarding/control"/>
+  </ds:schemaRefs>
+</ds:datastoreItem>
+</file>
+
+<file path=customXml/itemProps76.xml><?xml version="1.0" encoding="utf-8"?>
+<ds:datastoreItem xmlns:ds="http://schemas.openxmlformats.org/officeDocument/2006/customXml" ds:itemID="{BF6D3440-7C7A-43AD-BDB6-DC5F6F28E620}">
+  <ds:schemaRefs>
+    <ds:schemaRef ds:uri="http://schemas.microsoft.com/VisualStudio/2011/storyboarding/control"/>
+  </ds:schemaRefs>
+</ds:datastoreItem>
+</file>
+
+<file path=customXml/itemProps77.xml><?xml version="1.0" encoding="utf-8"?>
+<ds:datastoreItem xmlns:ds="http://schemas.openxmlformats.org/officeDocument/2006/customXml" ds:itemID="{63EA8E9F-9742-4D18-8B78-7EEA5B5F56E6}">
+  <ds:schemaRefs>
+    <ds:schemaRef ds:uri="http://schemas.microsoft.com/VisualStudio/2011/storyboarding/control"/>
+  </ds:schemaRefs>
+</ds:datastoreItem>
+</file>
+
+<file path=customXml/itemProps78.xml><?xml version="1.0" encoding="utf-8"?>
+<ds:datastoreItem xmlns:ds="http://schemas.openxmlformats.org/officeDocument/2006/customXml" ds:itemID="{8552D1C0-18CB-40C8-A2BE-33C855951852}">
+  <ds:schemaRefs>
+    <ds:schemaRef ds:uri="http://schemas.microsoft.com/VisualStudio/2011/storyboarding/control"/>
+  </ds:schemaRefs>
+</ds:datastoreItem>
+</file>
+
+<file path=customXml/itemProps79.xml><?xml version="1.0" encoding="utf-8"?>
+<ds:datastoreItem xmlns:ds="http://schemas.openxmlformats.org/officeDocument/2006/customXml" ds:itemID="{5900ABFD-735C-4D22-859F-F006CFDD473A}">
+  <ds:schemaRefs>
+    <ds:schemaRef ds:uri="http://schemas.microsoft.com/VisualStudio/2011/storyboarding/control"/>
+  </ds:schemaRefs>
+</ds:datastoreItem>
+</file>
+
+<file path=customXml/itemProps8.xml><?xml version="1.0" encoding="utf-8"?>
+<ds:datastoreItem xmlns:ds="http://schemas.openxmlformats.org/officeDocument/2006/customXml" ds:itemID="{B417D8B6-53FD-4D5A-BFEE-3543BD43D401}">
+  <ds:schemaRefs>
+    <ds:schemaRef ds:uri="http://schemas.microsoft.com/VisualStudio/2011/storyboarding/control"/>
+  </ds:schemaRefs>
+</ds:datastoreItem>
+</file>
+
+<file path=customXml/itemProps80.xml><?xml version="1.0" encoding="utf-8"?>
+<ds:datastoreItem xmlns:ds="http://schemas.openxmlformats.org/officeDocument/2006/customXml" ds:itemID="{15F46258-63C4-4B60-ADED-0E3ACB1539D0}">
+  <ds:schemaRefs>
+    <ds:schemaRef ds:uri="http://schemas.microsoft.com/VisualStudio/2011/storyboarding/control"/>
+  </ds:schemaRefs>
+</ds:datastoreItem>
+</file>
+
+<file path=customXml/itemProps81.xml><?xml version="1.0" encoding="utf-8"?>
+<ds:datastoreItem xmlns:ds="http://schemas.openxmlformats.org/officeDocument/2006/customXml" ds:itemID="{FBC62206-495B-43F2-9B91-CBEF056959DE}">
+  <ds:schemaRefs>
+    <ds:schemaRef ds:uri="http://schemas.microsoft.com/VisualStudio/2011/storyboarding/control"/>
+  </ds:schemaRefs>
+</ds:datastoreItem>
+</file>
+
+<file path=customXml/itemProps82.xml><?xml version="1.0" encoding="utf-8"?>
+<ds:datastoreItem xmlns:ds="http://schemas.openxmlformats.org/officeDocument/2006/customXml" ds:itemID="{8159193B-BADF-419B-B907-5EF8622C190C}">
+  <ds:schemaRefs>
+    <ds:schemaRef ds:uri="http://schemas.microsoft.com/VisualStudio/2011/storyboarding/control"/>
+  </ds:schemaRefs>
+</ds:datastoreItem>
+</file>
+
+<file path=customXml/itemProps83.xml><?xml version="1.0" encoding="utf-8"?>
+<ds:datastoreItem xmlns:ds="http://schemas.openxmlformats.org/officeDocument/2006/customXml" ds:itemID="{CB60C352-926D-4B06-8BE1-EF0755110463}">
+  <ds:schemaRefs>
+    <ds:schemaRef ds:uri="http://schemas.microsoft.com/VisualStudio/2011/storyboarding/control"/>
+  </ds:schemaRefs>
+</ds:datastoreItem>
+</file>
+
+<file path=customXml/itemProps84.xml><?xml version="1.0" encoding="utf-8"?>
+<ds:datastoreItem xmlns:ds="http://schemas.openxmlformats.org/officeDocument/2006/customXml" ds:itemID="{004B09A5-32AD-4CCB-8361-A2EF01A5A068}">
+  <ds:schemaRefs>
+    <ds:schemaRef ds:uri="http://schemas.microsoft.com/VisualStudio/2011/storyboarding/control"/>
+  </ds:schemaRefs>
+</ds:datastoreItem>
+</file>
+
+<file path=customXml/itemProps85.xml><?xml version="1.0" encoding="utf-8"?>
+<ds:datastoreItem xmlns:ds="http://schemas.openxmlformats.org/officeDocument/2006/customXml" ds:itemID="{28D2D0D7-C598-41C7-9CF5-F1DEDB3DDE59}">
+  <ds:schemaRefs>
+    <ds:schemaRef ds:uri="http://schemas.microsoft.com/VisualStudio/2011/storyboarding/control"/>
+  </ds:schemaRefs>
+</ds:datastoreItem>
+</file>
+
+<file path=customXml/itemProps86.xml><?xml version="1.0" encoding="utf-8"?>
+<ds:datastoreItem xmlns:ds="http://schemas.openxmlformats.org/officeDocument/2006/customXml" ds:itemID="{D500780A-E74C-4BCC-955A-7DF94634ED58}">
+  <ds:schemaRefs>
+    <ds:schemaRef ds:uri="http://schemas.microsoft.com/VisualStudio/2011/storyboarding/control"/>
+  </ds:schemaRefs>
+</ds:datastoreItem>
+</file>
+
+<file path=customXml/itemProps87.xml><?xml version="1.0" encoding="utf-8"?>
+<ds:datastoreItem xmlns:ds="http://schemas.openxmlformats.org/officeDocument/2006/customXml" ds:itemID="{460C87DB-603E-4234-8A20-83C330437EDB}">
+  <ds:schemaRefs>
+    <ds:schemaRef ds:uri="http://schemas.microsoft.com/VisualStudio/2011/storyboarding/control"/>
+  </ds:schemaRefs>
+</ds:datastoreItem>
+</file>
+
+<file path=customXml/itemProps88.xml><?xml version="1.0" encoding="utf-8"?>
+<ds:datastoreItem xmlns:ds="http://schemas.openxmlformats.org/officeDocument/2006/customXml" ds:itemID="{295D5A01-DECE-4774-9D37-0549E549A300}">
+  <ds:schemaRefs>
+    <ds:schemaRef ds:uri="http://schemas.microsoft.com/VisualStudio/2011/storyboarding/control"/>
+  </ds:schemaRefs>
+</ds:datastoreItem>
+</file>
+
+<file path=customXml/itemProps89.xml><?xml version="1.0" encoding="utf-8"?>
+<ds:datastoreItem xmlns:ds="http://schemas.openxmlformats.org/officeDocument/2006/customXml" ds:itemID="{8E2F46EC-BCDA-4589-B106-2EE9F450A758}">
+  <ds:schemaRefs>
+    <ds:schemaRef ds:uri="http://schemas.microsoft.com/VisualStudio/2011/storyboarding/control"/>
+  </ds:schemaRefs>
+</ds:datastoreItem>
+</file>
+
+<file path=customXml/itemProps9.xml><?xml version="1.0" encoding="utf-8"?>
+<ds:datastoreItem xmlns:ds="http://schemas.openxmlformats.org/officeDocument/2006/customXml" ds:itemID="{3CB64095-2B64-4413-A0E0-D6AE34457700}">
+  <ds:schemaRefs>
+    <ds:schemaRef ds:uri="http://schemas.microsoft.com/VisualStudio/2011/storyboarding/control"/>
+  </ds:schemaRefs>
+</ds:datastoreItem>
+</file>
+
+<file path=customXml/itemProps90.xml><?xml version="1.0" encoding="utf-8"?>
+<ds:datastoreItem xmlns:ds="http://schemas.openxmlformats.org/officeDocument/2006/customXml" ds:itemID="{E1C1B0C3-0D59-41BC-95F4-F0A42ABC6316}">
+  <ds:schemaRefs>
+    <ds:schemaRef ds:uri="http://schemas.microsoft.com/VisualStudio/2011/storyboarding/control"/>
+  </ds:schemaRefs>
+</ds:datastoreItem>
+</file>
+
+<file path=customXml/itemProps91.xml><?xml version="1.0" encoding="utf-8"?>
+<ds:datastoreItem xmlns:ds="http://schemas.openxmlformats.org/officeDocument/2006/customXml" ds:itemID="{1ACD3D86-D296-4CB4-9819-CD01A12B3870}">
+  <ds:schemaRefs>
+    <ds:schemaRef ds:uri="http://schemas.microsoft.com/VisualStudio/2011/storyboarding/control"/>
+  </ds:schemaRefs>
+</ds:datastoreItem>
+</file>
+
+<file path=customXml/itemProps92.xml><?xml version="1.0" encoding="utf-8"?>
+<ds:datastoreItem xmlns:ds="http://schemas.openxmlformats.org/officeDocument/2006/customXml" ds:itemID="{1BCAB8A9-1888-4E42-91F5-BD650F529D02}">
+  <ds:schemaRefs>
+    <ds:schemaRef ds:uri="http://schemas.microsoft.com/VisualStudio/2011/storyboarding/control"/>
+  </ds:schemaRefs>
+</ds:datastoreItem>
+</file>
+
+<file path=customXml/itemProps93.xml><?xml version="1.0" encoding="utf-8"?>
+<ds:datastoreItem xmlns:ds="http://schemas.openxmlformats.org/officeDocument/2006/customXml" ds:itemID="{452A5613-1F1F-4ABC-81F7-3303A828A0B8}">
+  <ds:schemaRefs>
+    <ds:schemaRef ds:uri="http://schemas.microsoft.com/VisualStudio/2011/storyboarding/control"/>
+  </ds:schemaRefs>
+</ds:datastoreItem>
+</file>
+
+<file path=customXml/itemProps94.xml><?xml version="1.0" encoding="utf-8"?>
+<ds:datastoreItem xmlns:ds="http://schemas.openxmlformats.org/officeDocument/2006/customXml" ds:itemID="{0026E863-1463-490E-A7C3-462BE194A97F}">
+  <ds:schemaRefs>
+    <ds:schemaRef ds:uri="http://schemas.microsoft.com/VisualStudio/2011/storyboarding/control"/>
+  </ds:schemaRefs>
+</ds:datastoreItem>
+</file>
+
+<file path=customXml/itemProps95.xml><?xml version="1.0" encoding="utf-8"?>
+<ds:datastoreItem xmlns:ds="http://schemas.openxmlformats.org/officeDocument/2006/customXml" ds:itemID="{38558D45-A683-41A1-B7BC-CA4F1C21FEAB}">
+  <ds:schemaRefs>
+    <ds:schemaRef ds:uri="http://schemas.microsoft.com/VisualStudio/2011/storyboarding/control"/>
+  </ds:schemaRefs>
+</ds:datastoreItem>
+</file>
+
+<file path=customXml/itemProps96.xml><?xml version="1.0" encoding="utf-8"?>
+<ds:datastoreItem xmlns:ds="http://schemas.openxmlformats.org/officeDocument/2006/customXml" ds:itemID="{926C71EA-7662-42AD-B796-6EA8688D8F12}">
+  <ds:schemaRefs>
+    <ds:schemaRef ds:uri="http://schemas.microsoft.com/VisualStudio/2011/storyboarding/control"/>
+  </ds:schemaRefs>
+</ds:datastoreItem>
+</file>
+
+<file path=customXml/itemProps97.xml><?xml version="1.0" encoding="utf-8"?>
+<ds:datastoreItem xmlns:ds="http://schemas.openxmlformats.org/officeDocument/2006/customXml" ds:itemID="{E9EE710E-B830-46E0-A3BB-509FE1DDDB22}">
+  <ds:schemaRefs>
+    <ds:schemaRef ds:uri="http://schemas.microsoft.com/VisualStudio/2011/storyboarding/control"/>
+  </ds:schemaRefs>
+</ds:datastoreItem>
+</file>
+
+<file path=customXml/itemProps98.xml><?xml version="1.0" encoding="utf-8"?>
 <ds:datastoreItem xmlns:ds="http://schemas.openxmlformats.org/officeDocument/2006/customXml" ds:itemID="{AF5BA9E5-B499-492D-89E2-65244D675588}">
   <ds:schemaRefs>
     <ds:schemaRef ds:uri="http://schemas.microsoft.com/VisualStudio/2011/storyboarding/control"/>
@@ -27873,2402 +30208,10 @@
 </ds:datastoreItem>
 </file>
 
-<file path=customXml/itemProps102.xml><?xml version="1.0" encoding="utf-8"?>
-<ds:datastoreItem xmlns:ds="http://schemas.openxmlformats.org/officeDocument/2006/customXml" ds:itemID="{16EAB064-496F-4B1C-BA3B-C699F7502928}">
-  <ds:schemaRefs>
-    <ds:schemaRef ds:uri="http://schemas.microsoft.com/VisualStudio/2011/storyboarding/control"/>
-  </ds:schemaRefs>
-</ds:datastoreItem>
-</file>
-
-<file path=customXml/itemProps103.xml><?xml version="1.0" encoding="utf-8"?>
-<ds:datastoreItem xmlns:ds="http://schemas.openxmlformats.org/officeDocument/2006/customXml" ds:itemID="{9501DC5F-120C-4F65-9B9C-A042818517A5}">
-  <ds:schemaRefs>
-    <ds:schemaRef ds:uri="http://schemas.microsoft.com/VisualStudio/2011/storyboarding/control"/>
-  </ds:schemaRefs>
-</ds:datastoreItem>
-</file>
-
-<file path=customXml/itemProps104.xml><?xml version="1.0" encoding="utf-8"?>
-<ds:datastoreItem xmlns:ds="http://schemas.openxmlformats.org/officeDocument/2006/customXml" ds:itemID="{97793ECA-24C6-46F3-9A59-850352AED6B0}">
-  <ds:schemaRefs>
-    <ds:schemaRef ds:uri="http://schemas.microsoft.com/VisualStudio/2011/storyboarding/control"/>
-  </ds:schemaRefs>
-</ds:datastoreItem>
-</file>
-
-<file path=customXml/itemProps105.xml><?xml version="1.0" encoding="utf-8"?>
-<ds:datastoreItem xmlns:ds="http://schemas.openxmlformats.org/officeDocument/2006/customXml" ds:itemID="{DF927E49-054C-4B25-9106-DB8ED403AD7D}">
-  <ds:schemaRefs>
-    <ds:schemaRef ds:uri="http://schemas.microsoft.com/VisualStudio/2011/storyboarding/control"/>
-  </ds:schemaRefs>
-</ds:datastoreItem>
-</file>
-
-<file path=customXml/itemProps106.xml><?xml version="1.0" encoding="utf-8"?>
-<ds:datastoreItem xmlns:ds="http://schemas.openxmlformats.org/officeDocument/2006/customXml" ds:itemID="{3E8B6194-5AF1-4A7F-A860-08884876DB99}">
-  <ds:schemaRefs>
-    <ds:schemaRef ds:uri="http://schemas.microsoft.com/VisualStudio/2011/storyboarding/control"/>
-  </ds:schemaRefs>
-</ds:datastoreItem>
-</file>
-
-<file path=customXml/itemProps107.xml><?xml version="1.0" encoding="utf-8"?>
-<ds:datastoreItem xmlns:ds="http://schemas.openxmlformats.org/officeDocument/2006/customXml" ds:itemID="{ACC1D029-4DA6-4263-8BB1-54527B14416B}">
-  <ds:schemaRefs>
-    <ds:schemaRef ds:uri="http://schemas.microsoft.com/VisualStudio/2011/storyboarding/control"/>
-  </ds:schemaRefs>
-</ds:datastoreItem>
-</file>
-
-<file path=customXml/itemProps108.xml><?xml version="1.0" encoding="utf-8"?>
-<ds:datastoreItem xmlns:ds="http://schemas.openxmlformats.org/officeDocument/2006/customXml" ds:itemID="{7AFD248A-A54A-4224-A9E5-220E5300E8F8}">
-  <ds:schemaRefs>
-    <ds:schemaRef ds:uri="http://schemas.microsoft.com/VisualStudio/2011/storyboarding/control"/>
-  </ds:schemaRefs>
-</ds:datastoreItem>
-</file>
-
-<file path=customXml/itemProps109.xml><?xml version="1.0" encoding="utf-8"?>
-<ds:datastoreItem xmlns:ds="http://schemas.openxmlformats.org/officeDocument/2006/customXml" ds:itemID="{548207B6-9ECB-4C71-9D88-A39393050720}">
-  <ds:schemaRefs>
-    <ds:schemaRef ds:uri="http://schemas.microsoft.com/VisualStudio/2011/storyboarding/control"/>
-  </ds:schemaRefs>
-</ds:datastoreItem>
-</file>
-
-<file path=customXml/itemProps11.xml><?xml version="1.0" encoding="utf-8"?>
-<ds:datastoreItem xmlns:ds="http://schemas.openxmlformats.org/officeDocument/2006/customXml" ds:itemID="{09905B2A-7A53-4F1C-B400-60354582C731}">
-  <ds:schemaRefs>
-    <ds:schemaRef ds:uri="http://schemas.microsoft.com/VisualStudio/2011/storyboarding/control"/>
-  </ds:schemaRefs>
-</ds:datastoreItem>
-</file>
-
-<file path=customXml/itemProps110.xml><?xml version="1.0" encoding="utf-8"?>
-<ds:datastoreItem xmlns:ds="http://schemas.openxmlformats.org/officeDocument/2006/customXml" ds:itemID="{8CAFE994-D574-4D5A-B645-2896E8079B39}">
-  <ds:schemaRefs>
-    <ds:schemaRef ds:uri="http://schemas.microsoft.com/VisualStudio/2011/storyboarding/control"/>
-  </ds:schemaRefs>
-</ds:datastoreItem>
-</file>
-
-<file path=customXml/itemProps111.xml><?xml version="1.0" encoding="utf-8"?>
-<ds:datastoreItem xmlns:ds="http://schemas.openxmlformats.org/officeDocument/2006/customXml" ds:itemID="{CB60C352-926D-4B06-8BE1-EF0755110463}">
-  <ds:schemaRefs>
-    <ds:schemaRef ds:uri="http://schemas.microsoft.com/VisualStudio/2011/storyboarding/control"/>
-  </ds:schemaRefs>
-</ds:datastoreItem>
-</file>
-
-<file path=customXml/itemProps112.xml><?xml version="1.0" encoding="utf-8"?>
-<ds:datastoreItem xmlns:ds="http://schemas.openxmlformats.org/officeDocument/2006/customXml" ds:itemID="{CE13D033-955A-413A-BF77-A5D3B95ACDBC}">
-  <ds:schemaRefs>
-    <ds:schemaRef ds:uri="http://schemas.microsoft.com/VisualStudio/2011/storyboarding/control"/>
-  </ds:schemaRefs>
-</ds:datastoreItem>
-</file>
-
-<file path=customXml/itemProps113.xml><?xml version="1.0" encoding="utf-8"?>
-<ds:datastoreItem xmlns:ds="http://schemas.openxmlformats.org/officeDocument/2006/customXml" ds:itemID="{66AC9233-048D-4EFE-BF75-1ED341665CE7}">
-  <ds:schemaRefs>
-    <ds:schemaRef ds:uri="http://schemas.microsoft.com/VisualStudio/2011/storyboarding/control"/>
-  </ds:schemaRefs>
-</ds:datastoreItem>
-</file>
-
-<file path=customXml/itemProps114.xml><?xml version="1.0" encoding="utf-8"?>
-<ds:datastoreItem xmlns:ds="http://schemas.openxmlformats.org/officeDocument/2006/customXml" ds:itemID="{66876AD8-FD3E-409F-945F-9F02A3C476A3}">
-  <ds:schemaRefs>
-    <ds:schemaRef ds:uri="http://schemas.microsoft.com/VisualStudio/2011/storyboarding/control"/>
-  </ds:schemaRefs>
-</ds:datastoreItem>
-</file>
-
-<file path=customXml/itemProps115.xml><?xml version="1.0" encoding="utf-8"?>
-<ds:datastoreItem xmlns:ds="http://schemas.openxmlformats.org/officeDocument/2006/customXml" ds:itemID="{3532F4D0-3A20-4546-96DA-A56D979929A4}">
-  <ds:schemaRefs>
-    <ds:schemaRef ds:uri="http://schemas.microsoft.com/VisualStudio/2011/storyboarding/control"/>
-  </ds:schemaRefs>
-</ds:datastoreItem>
-</file>
-
-<file path=customXml/itemProps116.xml><?xml version="1.0" encoding="utf-8"?>
-<ds:datastoreItem xmlns:ds="http://schemas.openxmlformats.org/officeDocument/2006/customXml" ds:itemID="{2238C136-D227-4AA1-A465-1D5076A289E6}">
-  <ds:schemaRefs>
-    <ds:schemaRef ds:uri="http://schemas.microsoft.com/VisualStudio/2011/storyboarding/control"/>
-  </ds:schemaRefs>
-</ds:datastoreItem>
-</file>
-
-<file path=customXml/itemProps117.xml><?xml version="1.0" encoding="utf-8"?>
-<ds:datastoreItem xmlns:ds="http://schemas.openxmlformats.org/officeDocument/2006/customXml" ds:itemID="{1B9230E7-F069-4556-9C13-4BDB695EF08B}">
-  <ds:schemaRefs>
-    <ds:schemaRef ds:uri="http://schemas.microsoft.com/VisualStudio/2011/storyboarding/control"/>
-  </ds:schemaRefs>
-</ds:datastoreItem>
-</file>
-
-<file path=customXml/itemProps118.xml><?xml version="1.0" encoding="utf-8"?>
-<ds:datastoreItem xmlns:ds="http://schemas.openxmlformats.org/officeDocument/2006/customXml" ds:itemID="{916637F0-59B8-45B1-A013-C6D7D7F87CDE}">
-  <ds:schemaRefs>
-    <ds:schemaRef ds:uri="http://schemas.microsoft.com/VisualStudio/2011/storyboarding/control"/>
-  </ds:schemaRefs>
-</ds:datastoreItem>
-</file>
-
-<file path=customXml/itemProps119.xml><?xml version="1.0" encoding="utf-8"?>
-<ds:datastoreItem xmlns:ds="http://schemas.openxmlformats.org/officeDocument/2006/customXml" ds:itemID="{E5D1C59B-23A1-4B0D-8732-B4B1308359E8}">
-  <ds:schemaRefs>
-    <ds:schemaRef ds:uri="http://schemas.microsoft.com/VisualStudio/2011/storyboarding/control"/>
-  </ds:schemaRefs>
-</ds:datastoreItem>
-</file>
-
-<file path=customXml/itemProps12.xml><?xml version="1.0" encoding="utf-8"?>
-<ds:datastoreItem xmlns:ds="http://schemas.openxmlformats.org/officeDocument/2006/customXml" ds:itemID="{25AC7257-525C-4E5A-AA42-573829D61A3B}">
-  <ds:schemaRefs>
-    <ds:schemaRef ds:uri="http://schemas.microsoft.com/VisualStudio/2011/storyboarding/control"/>
-  </ds:schemaRefs>
-</ds:datastoreItem>
-</file>
-
-<file path=customXml/itemProps120.xml><?xml version="1.0" encoding="utf-8"?>
-<ds:datastoreItem xmlns:ds="http://schemas.openxmlformats.org/officeDocument/2006/customXml" ds:itemID="{50409344-7A08-4EEE-A095-5DC783125ED3}">
-  <ds:schemaRefs>
-    <ds:schemaRef ds:uri="http://schemas.microsoft.com/VisualStudio/2011/storyboarding/control"/>
-  </ds:schemaRefs>
-</ds:datastoreItem>
-</file>
-
-<file path=customXml/itemProps121.xml><?xml version="1.0" encoding="utf-8"?>
-<ds:datastoreItem xmlns:ds="http://schemas.openxmlformats.org/officeDocument/2006/customXml" ds:itemID="{F5E1943B-A70F-44C2-A322-2C282D25F81E}">
-  <ds:schemaRefs>
-    <ds:schemaRef ds:uri="http://schemas.microsoft.com/VisualStudio/2011/storyboarding/control"/>
-  </ds:schemaRefs>
-</ds:datastoreItem>
-</file>
-
-<file path=customXml/itemProps122.xml><?xml version="1.0" encoding="utf-8"?>
+<file path=customXml/itemProps99.xml><?xml version="1.0" encoding="utf-8"?>
 <ds:datastoreItem xmlns:ds="http://schemas.openxmlformats.org/officeDocument/2006/customXml" ds:itemID="{FD188300-81E8-4775-8131-2C284D97ABB2}">
   <ds:schemaRefs>
     <ds:schemaRef ds:uri="http://schemas.microsoft.com/VisualStudio/2011/storyboarding/control"/>
   </ds:schemaRefs>
 </ds:datastoreItem>
-</file>
-
-<file path=customXml/itemProps123.xml><?xml version="1.0" encoding="utf-8"?>
-<ds:datastoreItem xmlns:ds="http://schemas.openxmlformats.org/officeDocument/2006/customXml" ds:itemID="{88C04483-D8EE-4FCA-A54F-704220F97EF8}">
-  <ds:schemaRefs>
-    <ds:schemaRef ds:uri="http://schemas.microsoft.com/VisualStudio/2011/storyboarding/control"/>
-  </ds:schemaRefs>
-</ds:datastoreItem>
-</file>
-
-<file path=customXml/itemProps124.xml><?xml version="1.0" encoding="utf-8"?>
-<ds:datastoreItem xmlns:ds="http://schemas.openxmlformats.org/officeDocument/2006/customXml" ds:itemID="{903D1585-EC82-417F-ADD8-DEE6B3412E20}">
-  <ds:schemaRefs>
-    <ds:schemaRef ds:uri="http://schemas.microsoft.com/VisualStudio/2011/storyboarding/control"/>
-  </ds:schemaRefs>
-</ds:datastoreItem>
-</file>
-
-<file path=customXml/itemProps125.xml><?xml version="1.0" encoding="utf-8"?>
-<ds:datastoreItem xmlns:ds="http://schemas.openxmlformats.org/officeDocument/2006/customXml" ds:itemID="{72F00B18-A9ED-4669-AEA6-2BD6814E32F4}">
-  <ds:schemaRefs>
-    <ds:schemaRef ds:uri="http://schemas.microsoft.com/VisualStudio/2011/storyboarding/control"/>
-  </ds:schemaRefs>
-</ds:datastoreItem>
-</file>
-
-<file path=customXml/itemProps126.xml><?xml version="1.0" encoding="utf-8"?>
-<ds:datastoreItem xmlns:ds="http://schemas.openxmlformats.org/officeDocument/2006/customXml" ds:itemID="{2BF8739F-5683-4161-86E5-5594FF1A2D59}">
-  <ds:schemaRefs>
-    <ds:schemaRef ds:uri="http://schemas.microsoft.com/VisualStudio/2011/storyboarding/control"/>
-  </ds:schemaRefs>
-</ds:datastoreItem>
-</file>
-
-<file path=customXml/itemProps127.xml><?xml version="1.0" encoding="utf-8"?>
-<ds:datastoreItem xmlns:ds="http://schemas.openxmlformats.org/officeDocument/2006/customXml" ds:itemID="{E7073ACC-ED47-46EB-93A2-943D352CC737}">
-  <ds:schemaRefs>
-    <ds:schemaRef ds:uri="http://schemas.microsoft.com/VisualStudio/2011/storyboarding/control"/>
-  </ds:schemaRefs>
-</ds:datastoreItem>
-</file>
-
-<file path=customXml/itemProps128.xml><?xml version="1.0" encoding="utf-8"?>
-<ds:datastoreItem xmlns:ds="http://schemas.openxmlformats.org/officeDocument/2006/customXml" ds:itemID="{A12D5DED-2D25-4DA3-8948-14474C5B5E76}">
-  <ds:schemaRefs>
-    <ds:schemaRef ds:uri="http://schemas.microsoft.com/VisualStudio/2011/storyboarding/control"/>
-  </ds:schemaRefs>
-</ds:datastoreItem>
-</file>
-
-<file path=customXml/itemProps129.xml><?xml version="1.0" encoding="utf-8"?>
-<ds:datastoreItem xmlns:ds="http://schemas.openxmlformats.org/officeDocument/2006/customXml" ds:itemID="{A59FF763-C396-4BBD-B648-8ED995144782}">
-  <ds:schemaRefs>
-    <ds:schemaRef ds:uri="http://schemas.microsoft.com/VisualStudio/2011/storyboarding/control"/>
-  </ds:schemaRefs>
-</ds:datastoreItem>
-</file>
-
-<file path=customXml/itemProps13.xml><?xml version="1.0" encoding="utf-8"?>
-<ds:datastoreItem xmlns:ds="http://schemas.openxmlformats.org/officeDocument/2006/customXml" ds:itemID="{A72FA915-E35F-4234-A403-255F8B6BF53C}">
-  <ds:schemaRefs>
-    <ds:schemaRef ds:uri="http://schemas.microsoft.com/VisualStudio/2011/storyboarding/control"/>
-  </ds:schemaRefs>
-</ds:datastoreItem>
-</file>
-
-<file path=customXml/itemProps130.xml><?xml version="1.0" encoding="utf-8"?>
-<ds:datastoreItem xmlns:ds="http://schemas.openxmlformats.org/officeDocument/2006/customXml" ds:itemID="{29F8B5B8-E187-4506-A53E-4D04D2CD28B4}">
-  <ds:schemaRefs>
-    <ds:schemaRef ds:uri="http://schemas.microsoft.com/VisualStudio/2011/storyboarding/control"/>
-  </ds:schemaRefs>
-</ds:datastoreItem>
-</file>
-
-<file path=customXml/itemProps131.xml><?xml version="1.0" encoding="utf-8"?>
-<ds:datastoreItem xmlns:ds="http://schemas.openxmlformats.org/officeDocument/2006/customXml" ds:itemID="{56C614C4-5DEC-491F-B700-BEDDA8F8ADF4}">
-  <ds:schemaRefs>
-    <ds:schemaRef ds:uri="http://schemas.microsoft.com/VisualStudio/2011/storyboarding/control"/>
-  </ds:schemaRefs>
-</ds:datastoreItem>
-</file>
-
-<file path=customXml/itemProps132.xml><?xml version="1.0" encoding="utf-8"?>
-<ds:datastoreItem xmlns:ds="http://schemas.openxmlformats.org/officeDocument/2006/customXml" ds:itemID="{004B09A5-32AD-4CCB-8361-A2EF01A5A068}">
-  <ds:schemaRefs>
-    <ds:schemaRef ds:uri="http://schemas.microsoft.com/VisualStudio/2011/storyboarding/control"/>
-  </ds:schemaRefs>
-</ds:datastoreItem>
-</file>
-
-<file path=customXml/itemProps133.xml><?xml version="1.0" encoding="utf-8"?>
-<ds:datastoreItem xmlns:ds="http://schemas.openxmlformats.org/officeDocument/2006/customXml" ds:itemID="{3D991671-804F-44F2-8BE3-0781A317701D}">
-  <ds:schemaRefs>
-    <ds:schemaRef ds:uri="http://schemas.microsoft.com/VisualStudio/2011/storyboarding/control"/>
-  </ds:schemaRefs>
-</ds:datastoreItem>
-</file>
-
-<file path=customXml/itemProps134.xml><?xml version="1.0" encoding="utf-8"?>
-<ds:datastoreItem xmlns:ds="http://schemas.openxmlformats.org/officeDocument/2006/customXml" ds:itemID="{43357BA7-E8FE-4D54-AC80-E8E59429C281}">
-  <ds:schemaRefs>
-    <ds:schemaRef ds:uri="http://schemas.microsoft.com/VisualStudio/2011/storyboarding/control"/>
-  </ds:schemaRefs>
-</ds:datastoreItem>
-</file>
-
-<file path=customXml/itemProps135.xml><?xml version="1.0" encoding="utf-8"?>
-<ds:datastoreItem xmlns:ds="http://schemas.openxmlformats.org/officeDocument/2006/customXml" ds:itemID="{2C4CCA8C-E1E3-4D28-B52B-FB81537ACD62}">
-  <ds:schemaRefs>
-    <ds:schemaRef ds:uri="http://schemas.microsoft.com/VisualStudio/2011/storyboarding/control"/>
-  </ds:schemaRefs>
-</ds:datastoreItem>
-</file>
-
-<file path=customXml/itemProps136.xml><?xml version="1.0" encoding="utf-8"?>
-<ds:datastoreItem xmlns:ds="http://schemas.openxmlformats.org/officeDocument/2006/customXml" ds:itemID="{A90F7C4B-60EA-4955-8003-309220366A18}">
-  <ds:schemaRefs>
-    <ds:schemaRef ds:uri="http://schemas.microsoft.com/VisualStudio/2011/storyboarding/control"/>
-  </ds:schemaRefs>
-</ds:datastoreItem>
-</file>
-
-<file path=customXml/itemProps137.xml><?xml version="1.0" encoding="utf-8"?>
-<ds:datastoreItem xmlns:ds="http://schemas.openxmlformats.org/officeDocument/2006/customXml" ds:itemID="{CACE061C-AF2C-40BF-8F95-96F3F58C1B9E}">
-  <ds:schemaRefs>
-    <ds:schemaRef ds:uri="http://schemas.microsoft.com/VisualStudio/2011/storyboarding/control"/>
-  </ds:schemaRefs>
-</ds:datastoreItem>
-</file>
-
-<file path=customXml/itemProps138.xml><?xml version="1.0" encoding="utf-8"?>
-<ds:datastoreItem xmlns:ds="http://schemas.openxmlformats.org/officeDocument/2006/customXml" ds:itemID="{2A1D17B4-7440-46CD-8032-D9E7A060B774}">
-  <ds:schemaRefs>
-    <ds:schemaRef ds:uri="http://schemas.microsoft.com/VisualStudio/2011/storyboarding/control"/>
-  </ds:schemaRefs>
-</ds:datastoreItem>
-</file>
-
-<file path=customXml/itemProps139.xml><?xml version="1.0" encoding="utf-8"?>
-<ds:datastoreItem xmlns:ds="http://schemas.openxmlformats.org/officeDocument/2006/customXml" ds:itemID="{A14526C9-B49F-481F-9EEE-8607645EF9A7}">
-  <ds:schemaRefs>
-    <ds:schemaRef ds:uri="http://schemas.microsoft.com/VisualStudio/2011/storyboarding/control"/>
-  </ds:schemaRefs>
-</ds:datastoreItem>
-</file>
-
-<file path=customXml/itemProps14.xml><?xml version="1.0" encoding="utf-8"?>
-<ds:datastoreItem xmlns:ds="http://schemas.openxmlformats.org/officeDocument/2006/customXml" ds:itemID="{7370362F-DF9E-4D13-86A6-8D6D39B4B8E3}">
-  <ds:schemaRefs>
-    <ds:schemaRef ds:uri="http://schemas.microsoft.com/VisualStudio/2011/storyboarding/control"/>
-  </ds:schemaRefs>
-</ds:datastoreItem>
-</file>
-
-<file path=customXml/itemProps140.xml><?xml version="1.0" encoding="utf-8"?>
-<ds:datastoreItem xmlns:ds="http://schemas.openxmlformats.org/officeDocument/2006/customXml" ds:itemID="{83115CD3-825C-4612-821F-C5D4B5A19981}">
-  <ds:schemaRefs>
-    <ds:schemaRef ds:uri="http://schemas.microsoft.com/VisualStudio/2011/storyboarding/control"/>
-  </ds:schemaRefs>
-</ds:datastoreItem>
-</file>
-
-<file path=customXml/itemProps141.xml><?xml version="1.0" encoding="utf-8"?>
-<ds:datastoreItem xmlns:ds="http://schemas.openxmlformats.org/officeDocument/2006/customXml" ds:itemID="{C02F6C96-E07D-476F-9097-B75AF2B042BC}">
-  <ds:schemaRefs>
-    <ds:schemaRef ds:uri="http://schemas.microsoft.com/VisualStudio/2011/storyboarding/control"/>
-  </ds:schemaRefs>
-</ds:datastoreItem>
-</file>
-
-<file path=customXml/itemProps142.xml><?xml version="1.0" encoding="utf-8"?>
-<ds:datastoreItem xmlns:ds="http://schemas.openxmlformats.org/officeDocument/2006/customXml" ds:itemID="{77FAC5F0-DC78-4546-BD9F-1E67402040BC}">
-  <ds:schemaRefs>
-    <ds:schemaRef ds:uri="http://schemas.microsoft.com/VisualStudio/2011/storyboarding/control"/>
-  </ds:schemaRefs>
-</ds:datastoreItem>
-</file>
-
-<file path=customXml/itemProps143.xml><?xml version="1.0" encoding="utf-8"?>
-<ds:datastoreItem xmlns:ds="http://schemas.openxmlformats.org/officeDocument/2006/customXml" ds:itemID="{190EBEF0-CB9E-4C67-BBD3-192F9F5BB87E}">
-  <ds:schemaRefs>
-    <ds:schemaRef ds:uri="http://schemas.microsoft.com/VisualStudio/2011/storyboarding/control"/>
-  </ds:schemaRefs>
-</ds:datastoreItem>
-</file>
-
-<file path=customXml/itemProps144.xml><?xml version="1.0" encoding="utf-8"?>
-<ds:datastoreItem xmlns:ds="http://schemas.openxmlformats.org/officeDocument/2006/customXml" ds:itemID="{A0A4739D-1067-47D0-95FE-525DC04CC418}">
-  <ds:schemaRefs>
-    <ds:schemaRef ds:uri="http://schemas.microsoft.com/VisualStudio/2011/storyboarding/control"/>
-  </ds:schemaRefs>
-</ds:datastoreItem>
-</file>
-
-<file path=customXml/itemProps145.xml><?xml version="1.0" encoding="utf-8"?>
-<ds:datastoreItem xmlns:ds="http://schemas.openxmlformats.org/officeDocument/2006/customXml" ds:itemID="{73CFC637-E0A4-430F-AF1C-69D891B1F8FC}">
-  <ds:schemaRefs>
-    <ds:schemaRef ds:uri="http://schemas.microsoft.com/VisualStudio/2011/storyboarding/control"/>
-  </ds:schemaRefs>
-</ds:datastoreItem>
-</file>
-
-<file path=customXml/itemProps146.xml><?xml version="1.0" encoding="utf-8"?>
-<ds:datastoreItem xmlns:ds="http://schemas.openxmlformats.org/officeDocument/2006/customXml" ds:itemID="{AD765DBE-9671-45BD-9DBB-9A8CD991D305}">
-  <ds:schemaRefs>
-    <ds:schemaRef ds:uri="http://schemas.microsoft.com/VisualStudio/2011/storyboarding/control"/>
-  </ds:schemaRefs>
-</ds:datastoreItem>
-</file>
-
-<file path=customXml/itemProps147.xml><?xml version="1.0" encoding="utf-8"?>
-<ds:datastoreItem xmlns:ds="http://schemas.openxmlformats.org/officeDocument/2006/customXml" ds:itemID="{E9A7CC6E-A6F1-4DC6-9BA4-9DFB0519E177}">
-  <ds:schemaRefs>
-    <ds:schemaRef ds:uri="http://schemas.microsoft.com/VisualStudio/2011/storyboarding/control"/>
-  </ds:schemaRefs>
-</ds:datastoreItem>
-</file>
-
-<file path=customXml/itemProps148.xml><?xml version="1.0" encoding="utf-8"?>
-<ds:datastoreItem xmlns:ds="http://schemas.openxmlformats.org/officeDocument/2006/customXml" ds:itemID="{CFD780DE-34AD-4E8E-9D17-223D69561496}">
-  <ds:schemaRefs>
-    <ds:schemaRef ds:uri="http://schemas.microsoft.com/VisualStudio/2011/storyboarding/control"/>
-  </ds:schemaRefs>
-</ds:datastoreItem>
-</file>
-
-<file path=customXml/itemProps149.xml><?xml version="1.0" encoding="utf-8"?>
-<ds:datastoreItem xmlns:ds="http://schemas.openxmlformats.org/officeDocument/2006/customXml" ds:itemID="{7C2B30D1-555D-4091-BB8B-70C3008E587D}">
-  <ds:schemaRefs>
-    <ds:schemaRef ds:uri="http://schemas.microsoft.com/VisualStudio/2011/storyboarding/control"/>
-  </ds:schemaRefs>
-</ds:datastoreItem>
-</file>
-
-<file path=customXml/itemProps15.xml><?xml version="1.0" encoding="utf-8"?>
-<ds:datastoreItem xmlns:ds="http://schemas.openxmlformats.org/officeDocument/2006/customXml" ds:itemID="{1ACD3D86-D296-4CB4-9819-CD01A12B3870}">
-  <ds:schemaRefs>
-    <ds:schemaRef ds:uri="http://schemas.microsoft.com/VisualStudio/2011/storyboarding/control"/>
-  </ds:schemaRefs>
-</ds:datastoreItem>
-</file>
-
-<file path=customXml/itemProps150.xml><?xml version="1.0" encoding="utf-8"?>
-<ds:datastoreItem xmlns:ds="http://schemas.openxmlformats.org/officeDocument/2006/customXml" ds:itemID="{B174ADE3-21E2-481C-8E8A-011947EAD38E}">
-  <ds:schemaRefs>
-    <ds:schemaRef ds:uri="http://schemas.microsoft.com/VisualStudio/2011/storyboarding/control"/>
-  </ds:schemaRefs>
-</ds:datastoreItem>
-</file>
-
-<file path=customXml/itemProps151.xml><?xml version="1.0" encoding="utf-8"?>
-<ds:datastoreItem xmlns:ds="http://schemas.openxmlformats.org/officeDocument/2006/customXml" ds:itemID="{68FD764D-ED53-4060-BB86-164A1755BC75}">
-  <ds:schemaRefs>
-    <ds:schemaRef ds:uri="http://schemas.microsoft.com/VisualStudio/2011/storyboarding/control"/>
-  </ds:schemaRefs>
-</ds:datastoreItem>
-</file>
-
-<file path=customXml/itemProps152.xml><?xml version="1.0" encoding="utf-8"?>
-<ds:datastoreItem xmlns:ds="http://schemas.openxmlformats.org/officeDocument/2006/customXml" ds:itemID="{6D29AD73-E6E7-41AD-BD08-29640567C1E3}">
-  <ds:schemaRefs>
-    <ds:schemaRef ds:uri="http://schemas.microsoft.com/VisualStudio/2011/storyboarding/control"/>
-  </ds:schemaRefs>
-</ds:datastoreItem>
-</file>
-
-<file path=customXml/itemProps153.xml><?xml version="1.0" encoding="utf-8"?>
-<ds:datastoreItem xmlns:ds="http://schemas.openxmlformats.org/officeDocument/2006/customXml" ds:itemID="{28D2D0D7-C598-41C7-9CF5-F1DEDB3DDE59}">
-  <ds:schemaRefs>
-    <ds:schemaRef ds:uri="http://schemas.microsoft.com/VisualStudio/2011/storyboarding/control"/>
-  </ds:schemaRefs>
-</ds:datastoreItem>
-</file>
-
-<file path=customXml/itemProps154.xml><?xml version="1.0" encoding="utf-8"?>
-<ds:datastoreItem xmlns:ds="http://schemas.openxmlformats.org/officeDocument/2006/customXml" ds:itemID="{1787789D-0EBA-4FE8-865A-15C7CED9FBEB}">
-  <ds:schemaRefs>
-    <ds:schemaRef ds:uri="http://schemas.microsoft.com/VisualStudio/2011/storyboarding/control"/>
-  </ds:schemaRefs>
-</ds:datastoreItem>
-</file>
-
-<file path=customXml/itemProps155.xml><?xml version="1.0" encoding="utf-8"?>
-<ds:datastoreItem xmlns:ds="http://schemas.openxmlformats.org/officeDocument/2006/customXml" ds:itemID="{892CF6B9-7AB2-4DCF-86FB-B50BB8D91DDB}">
-  <ds:schemaRefs>
-    <ds:schemaRef ds:uri="http://schemas.microsoft.com/VisualStudio/2011/storyboarding/control"/>
-  </ds:schemaRefs>
-</ds:datastoreItem>
-</file>
-
-<file path=customXml/itemProps156.xml><?xml version="1.0" encoding="utf-8"?>
-<ds:datastoreItem xmlns:ds="http://schemas.openxmlformats.org/officeDocument/2006/customXml" ds:itemID="{CD08CBAF-EFED-4E31-A630-125B2BF33FB5}">
-  <ds:schemaRefs>
-    <ds:schemaRef ds:uri="http://schemas.microsoft.com/VisualStudio/2011/storyboarding/control"/>
-  </ds:schemaRefs>
-</ds:datastoreItem>
-</file>
-
-<file path=customXml/itemProps157.xml><?xml version="1.0" encoding="utf-8"?>
-<ds:datastoreItem xmlns:ds="http://schemas.openxmlformats.org/officeDocument/2006/customXml" ds:itemID="{8E75C575-581D-41C1-833A-EA93BF9CCB04}">
-  <ds:schemaRefs>
-    <ds:schemaRef ds:uri="http://schemas.microsoft.com/VisualStudio/2011/storyboarding/control"/>
-  </ds:schemaRefs>
-</ds:datastoreItem>
-</file>
-
-<file path=customXml/itemProps158.xml><?xml version="1.0" encoding="utf-8"?>
-<ds:datastoreItem xmlns:ds="http://schemas.openxmlformats.org/officeDocument/2006/customXml" ds:itemID="{69F82D9F-0A52-4FF0-9FBC-8AED23C65368}">
-  <ds:schemaRefs>
-    <ds:schemaRef ds:uri="http://schemas.microsoft.com/VisualStudio/2011/storyboarding/control"/>
-  </ds:schemaRefs>
-</ds:datastoreItem>
-</file>
-
-<file path=customXml/itemProps159.xml><?xml version="1.0" encoding="utf-8"?>
-<ds:datastoreItem xmlns:ds="http://schemas.openxmlformats.org/officeDocument/2006/customXml" ds:itemID="{77674E22-E958-4C98-881E-833176FE57EF}">
-  <ds:schemaRefs>
-    <ds:schemaRef ds:uri="http://schemas.microsoft.com/VisualStudio/2011/storyboarding/control"/>
-  </ds:schemaRefs>
-</ds:datastoreItem>
-</file>
-
-<file path=customXml/itemProps16.xml><?xml version="1.0" encoding="utf-8"?>
-<ds:datastoreItem xmlns:ds="http://schemas.openxmlformats.org/officeDocument/2006/customXml" ds:itemID="{DC6DE712-FAC2-48EF-8F42-43EFC4A596F1}">
-  <ds:schemaRefs>
-    <ds:schemaRef ds:uri="http://schemas.microsoft.com/VisualStudio/2011/storyboarding/control"/>
-  </ds:schemaRefs>
-</ds:datastoreItem>
-</file>
-
-<file path=customXml/itemProps160.xml><?xml version="1.0" encoding="utf-8"?>
-<ds:datastoreItem xmlns:ds="http://schemas.openxmlformats.org/officeDocument/2006/customXml" ds:itemID="{E2B26E15-67E2-46A7-9511-99B371B2FFB8}">
-  <ds:schemaRefs>
-    <ds:schemaRef ds:uri="http://schemas.microsoft.com/VisualStudio/2011/storyboarding/control"/>
-  </ds:schemaRefs>
-</ds:datastoreItem>
-</file>
-
-<file path=customXml/itemProps161.xml><?xml version="1.0" encoding="utf-8"?>
-<ds:datastoreItem xmlns:ds="http://schemas.openxmlformats.org/officeDocument/2006/customXml" ds:itemID="{913EDEB5-0043-4ADF-BF69-77EF99A91A70}">
-  <ds:schemaRefs>
-    <ds:schemaRef ds:uri="http://schemas.microsoft.com/VisualStudio/2011/storyboarding/control"/>
-  </ds:schemaRefs>
-</ds:datastoreItem>
-</file>
-
-<file path=customXml/itemProps162.xml><?xml version="1.0" encoding="utf-8"?>
-<ds:datastoreItem xmlns:ds="http://schemas.openxmlformats.org/officeDocument/2006/customXml" ds:itemID="{F2E2DD80-6264-46C6-8166-945CA6960AF7}">
-  <ds:schemaRefs>
-    <ds:schemaRef ds:uri="http://schemas.microsoft.com/VisualStudio/2011/storyboarding/control"/>
-  </ds:schemaRefs>
-</ds:datastoreItem>
-</file>
-
-<file path=customXml/itemProps163.xml><?xml version="1.0" encoding="utf-8"?>
-<ds:datastoreItem xmlns:ds="http://schemas.openxmlformats.org/officeDocument/2006/customXml" ds:itemID="{E365656C-FD98-42DE-B12C-6E9701BB8103}">
-  <ds:schemaRefs>
-    <ds:schemaRef ds:uri="http://schemas.microsoft.com/VisualStudio/2011/storyboarding/control"/>
-  </ds:schemaRefs>
-</ds:datastoreItem>
-</file>
-
-<file path=customXml/itemProps164.xml><?xml version="1.0" encoding="utf-8"?>
-<ds:datastoreItem xmlns:ds="http://schemas.openxmlformats.org/officeDocument/2006/customXml" ds:itemID="{4C2DD3A5-565B-4655-839B-3D7E5DA58911}">
-  <ds:schemaRefs>
-    <ds:schemaRef ds:uri="http://schemas.microsoft.com/VisualStudio/2011/storyboarding/control"/>
-  </ds:schemaRefs>
-</ds:datastoreItem>
-</file>
-
-<file path=customXml/itemProps165.xml><?xml version="1.0" encoding="utf-8"?>
-<ds:datastoreItem xmlns:ds="http://schemas.openxmlformats.org/officeDocument/2006/customXml" ds:itemID="{B0A7260F-6144-438B-B40E-F17A3A1A2CE9}">
-  <ds:schemaRefs>
-    <ds:schemaRef ds:uri="http://schemas.microsoft.com/VisualStudio/2011/storyboarding/control"/>
-  </ds:schemaRefs>
-</ds:datastoreItem>
-</file>
-
-<file path=customXml/itemProps166.xml><?xml version="1.0" encoding="utf-8"?>
-<ds:datastoreItem xmlns:ds="http://schemas.openxmlformats.org/officeDocument/2006/customXml" ds:itemID="{DD049830-DA11-466E-A98B-41FD56DCE224}">
-  <ds:schemaRefs>
-    <ds:schemaRef ds:uri="http://schemas.microsoft.com/VisualStudio/2011/storyboarding/control"/>
-  </ds:schemaRefs>
-</ds:datastoreItem>
-</file>
-
-<file path=customXml/itemProps167.xml><?xml version="1.0" encoding="utf-8"?>
-<ds:datastoreItem xmlns:ds="http://schemas.openxmlformats.org/officeDocument/2006/customXml" ds:itemID="{F8FA2D94-E06D-4220-BA47-2995FB7C8D12}">
-  <ds:schemaRefs>
-    <ds:schemaRef ds:uri="http://schemas.microsoft.com/VisualStudio/2011/storyboarding/control"/>
-  </ds:schemaRefs>
-</ds:datastoreItem>
-</file>
-
-<file path=customXml/itemProps168.xml><?xml version="1.0" encoding="utf-8"?>
-<ds:datastoreItem xmlns:ds="http://schemas.openxmlformats.org/officeDocument/2006/customXml" ds:itemID="{7DC3519B-D653-41F2-B6F1-BBB3B144AB62}">
-  <ds:schemaRefs>
-    <ds:schemaRef ds:uri="http://schemas.microsoft.com/VisualStudio/2011/storyboarding/control"/>
-  </ds:schemaRefs>
-</ds:datastoreItem>
-</file>
-
-<file path=customXml/itemProps169.xml><?xml version="1.0" encoding="utf-8"?>
-<ds:datastoreItem xmlns:ds="http://schemas.openxmlformats.org/officeDocument/2006/customXml" ds:itemID="{9E19A2A9-CBAF-48FC-B482-E99648066CC4}">
-  <ds:schemaRefs>
-    <ds:schemaRef ds:uri="http://schemas.microsoft.com/VisualStudio/2011/storyboarding/control"/>
-  </ds:schemaRefs>
-</ds:datastoreItem>
-</file>
-
-<file path=customXml/itemProps17.xml><?xml version="1.0" encoding="utf-8"?>
-<ds:datastoreItem xmlns:ds="http://schemas.openxmlformats.org/officeDocument/2006/customXml" ds:itemID="{E4EC0F23-1162-4221-AFA8-5BFDF651A690}">
-  <ds:schemaRefs>
-    <ds:schemaRef ds:uri="http://schemas.microsoft.com/VisualStudio/2011/storyboarding/control"/>
-  </ds:schemaRefs>
-</ds:datastoreItem>
-</file>
-
-<file path=customXml/itemProps170.xml><?xml version="1.0" encoding="utf-8"?>
-<ds:datastoreItem xmlns:ds="http://schemas.openxmlformats.org/officeDocument/2006/customXml" ds:itemID="{06502709-2BA4-4151-8001-D5AACDC263EE}">
-  <ds:schemaRefs>
-    <ds:schemaRef ds:uri="http://schemas.microsoft.com/VisualStudio/2011/storyboarding/control"/>
-  </ds:schemaRefs>
-</ds:datastoreItem>
-</file>
-
-<file path=customXml/itemProps171.xml><?xml version="1.0" encoding="utf-8"?>
-<ds:datastoreItem xmlns:ds="http://schemas.openxmlformats.org/officeDocument/2006/customXml" ds:itemID="{4F7D9023-B84C-4690-B99E-9FE4342EA97D}">
-  <ds:schemaRefs>
-    <ds:schemaRef ds:uri="http://schemas.microsoft.com/VisualStudio/2011/storyboarding/control"/>
-  </ds:schemaRefs>
-</ds:datastoreItem>
-</file>
-
-<file path=customXml/itemProps172.xml><?xml version="1.0" encoding="utf-8"?>
-<ds:datastoreItem xmlns:ds="http://schemas.openxmlformats.org/officeDocument/2006/customXml" ds:itemID="{4A407FA7-B6B3-44CE-805A-4777E985CE86}">
-  <ds:schemaRefs>
-    <ds:schemaRef ds:uri="http://schemas.microsoft.com/VisualStudio/2011/storyboarding/control"/>
-  </ds:schemaRefs>
-</ds:datastoreItem>
-</file>
-
-<file path=customXml/itemProps173.xml><?xml version="1.0" encoding="utf-8"?>
-<ds:datastoreItem xmlns:ds="http://schemas.openxmlformats.org/officeDocument/2006/customXml" ds:itemID="{37D9AFB0-4C16-4052-88E4-5FBE90606F71}">
-  <ds:schemaRefs>
-    <ds:schemaRef ds:uri="http://schemas.microsoft.com/VisualStudio/2011/storyboarding/control"/>
-  </ds:schemaRefs>
-</ds:datastoreItem>
-</file>
-
-<file path=customXml/itemProps174.xml><?xml version="1.0" encoding="utf-8"?>
-<ds:datastoreItem xmlns:ds="http://schemas.openxmlformats.org/officeDocument/2006/customXml" ds:itemID="{D500780A-E74C-4BCC-955A-7DF94634ED58}">
-  <ds:schemaRefs>
-    <ds:schemaRef ds:uri="http://schemas.microsoft.com/VisualStudio/2011/storyboarding/control"/>
-  </ds:schemaRefs>
-</ds:datastoreItem>
-</file>
-
-<file path=customXml/itemProps175.xml><?xml version="1.0" encoding="utf-8"?>
-<ds:datastoreItem xmlns:ds="http://schemas.openxmlformats.org/officeDocument/2006/customXml" ds:itemID="{113CC0A4-04F5-4B9D-A17B-5C03BA1F3CAC}">
-  <ds:schemaRefs>
-    <ds:schemaRef ds:uri="http://schemas.microsoft.com/VisualStudio/2011/storyboarding/control"/>
-  </ds:schemaRefs>
-</ds:datastoreItem>
-</file>
-
-<file path=customXml/itemProps176.xml><?xml version="1.0" encoding="utf-8"?>
-<ds:datastoreItem xmlns:ds="http://schemas.openxmlformats.org/officeDocument/2006/customXml" ds:itemID="{81E54383-98AB-4CF8-862A-56119B52D70D}">
-  <ds:schemaRefs>
-    <ds:schemaRef ds:uri="http://schemas.microsoft.com/VisualStudio/2011/storyboarding/control"/>
-  </ds:schemaRefs>
-</ds:datastoreItem>
-</file>
-
-<file path=customXml/itemProps177.xml><?xml version="1.0" encoding="utf-8"?>
-<ds:datastoreItem xmlns:ds="http://schemas.openxmlformats.org/officeDocument/2006/customXml" ds:itemID="{59523541-65F5-4428-9F7B-EAA3ACAEA288}">
-  <ds:schemaRefs>
-    <ds:schemaRef ds:uri="http://schemas.microsoft.com/VisualStudio/2011/storyboarding/control"/>
-  </ds:schemaRefs>
-</ds:datastoreItem>
-</file>
-
-<file path=customXml/itemProps178.xml><?xml version="1.0" encoding="utf-8"?>
-<ds:datastoreItem xmlns:ds="http://schemas.openxmlformats.org/officeDocument/2006/customXml" ds:itemID="{360AAA09-4D6B-4080-966E-6CECA704A0AD}">
-  <ds:schemaRefs>
-    <ds:schemaRef ds:uri="http://schemas.microsoft.com/VisualStudio/2011/storyboarding/control"/>
-  </ds:schemaRefs>
-</ds:datastoreItem>
-</file>
-
-<file path=customXml/itemProps179.xml><?xml version="1.0" encoding="utf-8"?>
-<ds:datastoreItem xmlns:ds="http://schemas.openxmlformats.org/officeDocument/2006/customXml" ds:itemID="{5C08525B-AE6F-48B6-B287-2C8026CEED11}">
-  <ds:schemaRefs>
-    <ds:schemaRef ds:uri="http://schemas.microsoft.com/VisualStudio/2011/storyboarding/control"/>
-  </ds:schemaRefs>
-</ds:datastoreItem>
-</file>
-
-<file path=customXml/itemProps18.xml><?xml version="1.0" encoding="utf-8"?>
-<ds:datastoreItem xmlns:ds="http://schemas.openxmlformats.org/officeDocument/2006/customXml" ds:itemID="{B69176FB-B87F-4E1E-9375-8D60FAF0057D}">
-  <ds:schemaRefs>
-    <ds:schemaRef ds:uri="http://schemas.microsoft.com/VisualStudio/2011/storyboarding/control"/>
-  </ds:schemaRefs>
-</ds:datastoreItem>
-</file>
-
-<file path=customXml/itemProps180.xml><?xml version="1.0" encoding="utf-8"?>
-<ds:datastoreItem xmlns:ds="http://schemas.openxmlformats.org/officeDocument/2006/customXml" ds:itemID="{20BEF8C9-6FB7-432D-9ED8-8FC9856F2A48}">
-  <ds:schemaRefs>
-    <ds:schemaRef ds:uri="http://schemas.microsoft.com/VisualStudio/2011/storyboarding/control"/>
-  </ds:schemaRefs>
-</ds:datastoreItem>
-</file>
-
-<file path=customXml/itemProps181.xml><?xml version="1.0" encoding="utf-8"?>
-<ds:datastoreItem xmlns:ds="http://schemas.openxmlformats.org/officeDocument/2006/customXml" ds:itemID="{66761CE4-9EDC-423E-BC61-A27C029E5732}">
-  <ds:schemaRefs>
-    <ds:schemaRef ds:uri="http://schemas.microsoft.com/VisualStudio/2011/storyboarding/control"/>
-  </ds:schemaRefs>
-</ds:datastoreItem>
-</file>
-
-<file path=customXml/itemProps182.xml><?xml version="1.0" encoding="utf-8"?>
-<ds:datastoreItem xmlns:ds="http://schemas.openxmlformats.org/officeDocument/2006/customXml" ds:itemID="{875DA8D0-9C6C-44D9-B84C-C4B5FD322C1A}">
-  <ds:schemaRefs>
-    <ds:schemaRef ds:uri="http://schemas.microsoft.com/VisualStudio/2011/storyboarding/control"/>
-  </ds:schemaRefs>
-</ds:datastoreItem>
-</file>
-
-<file path=customXml/itemProps183.xml><?xml version="1.0" encoding="utf-8"?>
-<ds:datastoreItem xmlns:ds="http://schemas.openxmlformats.org/officeDocument/2006/customXml" ds:itemID="{38E201C7-010A-4037-8499-B871567E89FA}">
-  <ds:schemaRefs>
-    <ds:schemaRef ds:uri="http://schemas.microsoft.com/VisualStudio/2011/storyboarding/control"/>
-  </ds:schemaRefs>
-</ds:datastoreItem>
-</file>
-
-<file path=customXml/itemProps184.xml><?xml version="1.0" encoding="utf-8"?>
-<ds:datastoreItem xmlns:ds="http://schemas.openxmlformats.org/officeDocument/2006/customXml" ds:itemID="{AA953C0C-C7E8-435A-942A-9B0F1C2CF485}">
-  <ds:schemaRefs>
-    <ds:schemaRef ds:uri="http://schemas.microsoft.com/VisualStudio/2011/storyboarding/control"/>
-  </ds:schemaRefs>
-</ds:datastoreItem>
-</file>
-
-<file path=customXml/itemProps185.xml><?xml version="1.0" encoding="utf-8"?>
-<ds:datastoreItem xmlns:ds="http://schemas.openxmlformats.org/officeDocument/2006/customXml" ds:itemID="{D7F890C1-A5D2-4949-B5FB-9149F52A5401}">
-  <ds:schemaRefs>
-    <ds:schemaRef ds:uri="http://schemas.microsoft.com/VisualStudio/2011/storyboarding/control"/>
-  </ds:schemaRefs>
-</ds:datastoreItem>
-</file>
-
-<file path=customXml/itemProps186.xml><?xml version="1.0" encoding="utf-8"?>
-<ds:datastoreItem xmlns:ds="http://schemas.openxmlformats.org/officeDocument/2006/customXml" ds:itemID="{D8621473-F62D-41B5-8568-3144F1C1A6F0}">
-  <ds:schemaRefs>
-    <ds:schemaRef ds:uri="http://schemas.microsoft.com/VisualStudio/2011/storyboarding/control"/>
-  </ds:schemaRefs>
-</ds:datastoreItem>
-</file>
-
-<file path=customXml/itemProps187.xml><?xml version="1.0" encoding="utf-8"?>
-<ds:datastoreItem xmlns:ds="http://schemas.openxmlformats.org/officeDocument/2006/customXml" ds:itemID="{F4261AFD-0C6F-405A-ABB8-E13F5D880F5A}">
-  <ds:schemaRefs>
-    <ds:schemaRef ds:uri="http://schemas.microsoft.com/VisualStudio/2011/storyboarding/control"/>
-  </ds:schemaRefs>
-</ds:datastoreItem>
-</file>
-
-<file path=customXml/itemProps188.xml><?xml version="1.0" encoding="utf-8"?>
-<ds:datastoreItem xmlns:ds="http://schemas.openxmlformats.org/officeDocument/2006/customXml" ds:itemID="{79F4C3AA-101F-4B48-BC66-EB35454CC9AD}">
-  <ds:schemaRefs>
-    <ds:schemaRef ds:uri="http://schemas.microsoft.com/VisualStudio/2011/storyboarding/control"/>
-  </ds:schemaRefs>
-</ds:datastoreItem>
-</file>
-
-<file path=customXml/itemProps189.xml><?xml version="1.0" encoding="utf-8"?>
-<ds:datastoreItem xmlns:ds="http://schemas.openxmlformats.org/officeDocument/2006/customXml" ds:itemID="{3819C140-F52D-450E-9E57-A9C95974C875}">
-  <ds:schemaRefs>
-    <ds:schemaRef ds:uri="http://schemas.microsoft.com/VisualStudio/2011/storyboarding/control"/>
-  </ds:schemaRefs>
-</ds:datastoreItem>
-</file>
-
-<file path=customXml/itemProps19.xml><?xml version="1.0" encoding="utf-8"?>
-<ds:datastoreItem xmlns:ds="http://schemas.openxmlformats.org/officeDocument/2006/customXml" ds:itemID="{58BC6EAA-551E-4842-9AB3-73B9C1D8581B}">
-  <ds:schemaRefs>
-    <ds:schemaRef ds:uri="http://schemas.microsoft.com/VisualStudio/2011/storyboarding/control"/>
-  </ds:schemaRefs>
-</ds:datastoreItem>
-</file>
-
-<file path=customXml/itemProps190.xml><?xml version="1.0" encoding="utf-8"?>
-<ds:datastoreItem xmlns:ds="http://schemas.openxmlformats.org/officeDocument/2006/customXml" ds:itemID="{03561535-9EE9-4551-9A70-8E9DFFF8659C}">
-  <ds:schemaRefs>
-    <ds:schemaRef ds:uri="http://schemas.microsoft.com/VisualStudio/2011/storyboarding/control"/>
-  </ds:schemaRefs>
-</ds:datastoreItem>
-</file>
-
-<file path=customXml/itemProps191.xml><?xml version="1.0" encoding="utf-8"?>
-<ds:datastoreItem xmlns:ds="http://schemas.openxmlformats.org/officeDocument/2006/customXml" ds:itemID="{355F828C-8DD0-4B0C-8A65-152475EE1425}">
-  <ds:schemaRefs>
-    <ds:schemaRef ds:uri="http://schemas.microsoft.com/VisualStudio/2011/storyboarding/control"/>
-  </ds:schemaRefs>
-</ds:datastoreItem>
-</file>
-
-<file path=customXml/itemProps192.xml><?xml version="1.0" encoding="utf-8"?>
-<ds:datastoreItem xmlns:ds="http://schemas.openxmlformats.org/officeDocument/2006/customXml" ds:itemID="{14BE62A8-EAD0-4F5F-934A-B09BF3770FF9}">
-  <ds:schemaRefs>
-    <ds:schemaRef ds:uri="http://schemas.microsoft.com/VisualStudio/2011/storyboarding/control"/>
-  </ds:schemaRefs>
-</ds:datastoreItem>
-</file>
-
-<file path=customXml/itemProps193.xml><?xml version="1.0" encoding="utf-8"?>
-<ds:datastoreItem xmlns:ds="http://schemas.openxmlformats.org/officeDocument/2006/customXml" ds:itemID="{A6DD08DB-A03D-4EBF-8BCF-9AEDA3861DDD}">
-  <ds:schemaRefs>
-    <ds:schemaRef ds:uri="http://schemas.microsoft.com/VisualStudio/2011/storyboarding/control"/>
-  </ds:schemaRefs>
-</ds:datastoreItem>
-</file>
-
-<file path=customXml/itemProps194.xml><?xml version="1.0" encoding="utf-8"?>
-<ds:datastoreItem xmlns:ds="http://schemas.openxmlformats.org/officeDocument/2006/customXml" ds:itemID="{67299DBF-78FD-4556-BEC5-DAED3F111C44}">
-  <ds:schemaRefs>
-    <ds:schemaRef ds:uri="http://schemas.microsoft.com/VisualStudio/2011/storyboarding/control"/>
-  </ds:schemaRefs>
-</ds:datastoreItem>
-</file>
-
-<file path=customXml/itemProps195.xml><?xml version="1.0" encoding="utf-8"?>
-<ds:datastoreItem xmlns:ds="http://schemas.openxmlformats.org/officeDocument/2006/customXml" ds:itemID="{460C87DB-603E-4234-8A20-83C330437EDB}">
-  <ds:schemaRefs>
-    <ds:schemaRef ds:uri="http://schemas.microsoft.com/VisualStudio/2011/storyboarding/control"/>
-  </ds:schemaRefs>
-</ds:datastoreItem>
-</file>
-
-<file path=customXml/itemProps196.xml><?xml version="1.0" encoding="utf-8"?>
-<ds:datastoreItem xmlns:ds="http://schemas.openxmlformats.org/officeDocument/2006/customXml" ds:itemID="{341B9A64-4A8F-4D0A-86B1-A62586318DED}">
-  <ds:schemaRefs>
-    <ds:schemaRef ds:uri="http://schemas.microsoft.com/VisualStudio/2011/storyboarding/control"/>
-  </ds:schemaRefs>
-</ds:datastoreItem>
-</file>
-
-<file path=customXml/itemProps197.xml><?xml version="1.0" encoding="utf-8"?>
-<ds:datastoreItem xmlns:ds="http://schemas.openxmlformats.org/officeDocument/2006/customXml" ds:itemID="{C962D66A-88E9-473B-8A7A-477B4CE13AF5}">
-  <ds:schemaRefs>
-    <ds:schemaRef ds:uri="http://schemas.microsoft.com/VisualStudio/2011/storyboarding/control"/>
-  </ds:schemaRefs>
-</ds:datastoreItem>
-</file>
-
-<file path=customXml/itemProps198.xml><?xml version="1.0" encoding="utf-8"?>
-<ds:datastoreItem xmlns:ds="http://schemas.openxmlformats.org/officeDocument/2006/customXml" ds:itemID="{D30FE00D-B30C-4E97-A466-D2EAAA05FD64}">
-  <ds:schemaRefs>
-    <ds:schemaRef ds:uri="http://schemas.microsoft.com/VisualStudio/2011/storyboarding/control"/>
-  </ds:schemaRefs>
-</ds:datastoreItem>
-</file>
-
-<file path=customXml/itemProps199.xml><?xml version="1.0" encoding="utf-8"?>
-<ds:datastoreItem xmlns:ds="http://schemas.openxmlformats.org/officeDocument/2006/customXml" ds:itemID="{A7E0288A-F414-4399-BA64-5823EDCF5A90}">
-  <ds:schemaRefs>
-    <ds:schemaRef ds:uri="http://schemas.microsoft.com/VisualStudio/2011/storyboarding/control"/>
-  </ds:schemaRefs>
-</ds:datastoreItem>
-</file>
-
-<file path=customXml/itemProps2.xml><?xml version="1.0" encoding="utf-8"?>
-<ds:datastoreItem xmlns:ds="http://schemas.openxmlformats.org/officeDocument/2006/customXml" ds:itemID="{560D2061-D99A-45A4-8092-C0602B8A4570}">
-  <ds:schemaRefs>
-    <ds:schemaRef ds:uri="http://schemas.microsoft.com/VisualStudio/2011/storyboarding/control"/>
-  </ds:schemaRefs>
-</ds:datastoreItem>
-</file>
-
-<file path=customXml/itemProps20.xml><?xml version="1.0" encoding="utf-8"?>
-<ds:datastoreItem xmlns:ds="http://schemas.openxmlformats.org/officeDocument/2006/customXml" ds:itemID="{692BFDB2-FE54-49E1-A36F-BC62DE099071}">
-  <ds:schemaRefs>
-    <ds:schemaRef ds:uri="http://schemas.microsoft.com/VisualStudio/2011/storyboarding/control"/>
-  </ds:schemaRefs>
-</ds:datastoreItem>
-</file>
-
-<file path=customXml/itemProps200.xml><?xml version="1.0" encoding="utf-8"?>
-<ds:datastoreItem xmlns:ds="http://schemas.openxmlformats.org/officeDocument/2006/customXml" ds:itemID="{DAF7154D-49A1-422C-9139-455DB6824320}">
-  <ds:schemaRefs>
-    <ds:schemaRef ds:uri="http://schemas.microsoft.com/VisualStudio/2011/storyboarding/control"/>
-  </ds:schemaRefs>
-</ds:datastoreItem>
-</file>
-
-<file path=customXml/itemProps201.xml><?xml version="1.0" encoding="utf-8"?>
-<ds:datastoreItem xmlns:ds="http://schemas.openxmlformats.org/officeDocument/2006/customXml" ds:itemID="{606CF5D4-B3F8-40BD-8704-7E44E4F5719F}">
-  <ds:schemaRefs>
-    <ds:schemaRef ds:uri="http://schemas.microsoft.com/VisualStudio/2011/storyboarding/control"/>
-  </ds:schemaRefs>
-</ds:datastoreItem>
-</file>
-
-<file path=customXml/itemProps202.xml><?xml version="1.0" encoding="utf-8"?>
-<ds:datastoreItem xmlns:ds="http://schemas.openxmlformats.org/officeDocument/2006/customXml" ds:itemID="{76BBF26E-3DED-4C7C-8F9D-FEEFB1BBA3B1}">
-  <ds:schemaRefs>
-    <ds:schemaRef ds:uri="http://schemas.microsoft.com/VisualStudio/2011/storyboarding/control"/>
-  </ds:schemaRefs>
-</ds:datastoreItem>
-</file>
-
-<file path=customXml/itemProps203.xml><?xml version="1.0" encoding="utf-8"?>
-<ds:datastoreItem xmlns:ds="http://schemas.openxmlformats.org/officeDocument/2006/customXml" ds:itemID="{3B14F52C-BC5F-47CE-945E-640AE2D7FD32}">
-  <ds:schemaRefs>
-    <ds:schemaRef ds:uri="http://schemas.microsoft.com/VisualStudio/2011/storyboarding/control"/>
-  </ds:schemaRefs>
-</ds:datastoreItem>
-</file>
-
-<file path=customXml/itemProps204.xml><?xml version="1.0" encoding="utf-8"?>
-<ds:datastoreItem xmlns:ds="http://schemas.openxmlformats.org/officeDocument/2006/customXml" ds:itemID="{50ADC870-B29B-4C1F-ADF4-73E3086FB9F8}">
-  <ds:schemaRefs>
-    <ds:schemaRef ds:uri="http://schemas.microsoft.com/VisualStudio/2011/storyboarding/control"/>
-  </ds:schemaRefs>
-</ds:datastoreItem>
-</file>
-
-<file path=customXml/itemProps205.xml><?xml version="1.0" encoding="utf-8"?>
-<ds:datastoreItem xmlns:ds="http://schemas.openxmlformats.org/officeDocument/2006/customXml" ds:itemID="{8A640325-005D-4045-AEC2-6BA2B94359ED}">
-  <ds:schemaRefs>
-    <ds:schemaRef ds:uri="http://schemas.microsoft.com/VisualStudio/2011/storyboarding/control"/>
-  </ds:schemaRefs>
-</ds:datastoreItem>
-</file>
-
-<file path=customXml/itemProps206.xml><?xml version="1.0" encoding="utf-8"?>
-<ds:datastoreItem xmlns:ds="http://schemas.openxmlformats.org/officeDocument/2006/customXml" ds:itemID="{FB4E80E6-CDBF-4033-8B52-FB80E5634189}">
-  <ds:schemaRefs>
-    <ds:schemaRef ds:uri="http://schemas.microsoft.com/VisualStudio/2011/storyboarding/control"/>
-  </ds:schemaRefs>
-</ds:datastoreItem>
-</file>
-
-<file path=customXml/itemProps207.xml><?xml version="1.0" encoding="utf-8"?>
-<ds:datastoreItem xmlns:ds="http://schemas.openxmlformats.org/officeDocument/2006/customXml" ds:itemID="{17B0D8AB-58DB-487A-A1B2-410414827202}">
-  <ds:schemaRefs>
-    <ds:schemaRef ds:uri="http://schemas.microsoft.com/VisualStudio/2011/storyboarding/control"/>
-  </ds:schemaRefs>
-</ds:datastoreItem>
-</file>
-
-<file path=customXml/itemProps208.xml><?xml version="1.0" encoding="utf-8"?>
-<ds:datastoreItem xmlns:ds="http://schemas.openxmlformats.org/officeDocument/2006/customXml" ds:itemID="{A70934FF-BD64-48BF-9A4E-D577A82F3862}">
-  <ds:schemaRefs>
-    <ds:schemaRef ds:uri="http://schemas.microsoft.com/VisualStudio/2011/storyboarding/control"/>
-  </ds:schemaRefs>
-</ds:datastoreItem>
-</file>
-
-<file path=customXml/itemProps209.xml><?xml version="1.0" encoding="utf-8"?>
-<ds:datastoreItem xmlns:ds="http://schemas.openxmlformats.org/officeDocument/2006/customXml" ds:itemID="{295D5A01-DECE-4774-9D37-0549E549A300}">
-  <ds:schemaRefs>
-    <ds:schemaRef ds:uri="http://schemas.microsoft.com/VisualStudio/2011/storyboarding/control"/>
-  </ds:schemaRefs>
-</ds:datastoreItem>
-</file>
-
-<file path=customXml/itemProps21.xml><?xml version="1.0" encoding="utf-8"?>
-<ds:datastoreItem xmlns:ds="http://schemas.openxmlformats.org/officeDocument/2006/customXml" ds:itemID="{A26C2F90-97F2-4089-BDB9-A8F1A786BE92}">
-  <ds:schemaRefs>
-    <ds:schemaRef ds:uri="http://schemas.microsoft.com/VisualStudio/2011/storyboarding/control"/>
-  </ds:schemaRefs>
-</ds:datastoreItem>
-</file>
-
-<file path=customXml/itemProps210.xml><?xml version="1.0" encoding="utf-8"?>
-<ds:datastoreItem xmlns:ds="http://schemas.openxmlformats.org/officeDocument/2006/customXml" ds:itemID="{3A1CF677-7ED7-42FC-8B92-EB1BA9F20F04}">
-  <ds:schemaRefs>
-    <ds:schemaRef ds:uri="http://schemas.microsoft.com/VisualStudio/2011/storyboarding/control"/>
-  </ds:schemaRefs>
-</ds:datastoreItem>
-</file>
-
-<file path=customXml/itemProps211.xml><?xml version="1.0" encoding="utf-8"?>
-<ds:datastoreItem xmlns:ds="http://schemas.openxmlformats.org/officeDocument/2006/customXml" ds:itemID="{13C1407C-CF6D-4F1E-9B31-FAC446AF6317}">
-  <ds:schemaRefs>
-    <ds:schemaRef ds:uri="http://schemas.microsoft.com/VisualStudio/2011/storyboarding/control"/>
-  </ds:schemaRefs>
-</ds:datastoreItem>
-</file>
-
-<file path=customXml/itemProps212.xml><?xml version="1.0" encoding="utf-8"?>
-<ds:datastoreItem xmlns:ds="http://schemas.openxmlformats.org/officeDocument/2006/customXml" ds:itemID="{F284721C-0256-43ED-B521-30AC7262120A}">
-  <ds:schemaRefs>
-    <ds:schemaRef ds:uri="http://schemas.microsoft.com/VisualStudio/2011/storyboarding/control"/>
-  </ds:schemaRefs>
-</ds:datastoreItem>
-</file>
-
-<file path=customXml/itemProps213.xml><?xml version="1.0" encoding="utf-8"?>
-<ds:datastoreItem xmlns:ds="http://schemas.openxmlformats.org/officeDocument/2006/customXml" ds:itemID="{3A7AE35B-4D50-4165-940D-B3B720020BD4}">
-  <ds:schemaRefs>
-    <ds:schemaRef ds:uri="http://schemas.microsoft.com/VisualStudio/2011/storyboarding/control"/>
-  </ds:schemaRefs>
-</ds:datastoreItem>
-</file>
-
-<file path=customXml/itemProps214.xml><?xml version="1.0" encoding="utf-8"?>
-<ds:datastoreItem xmlns:ds="http://schemas.openxmlformats.org/officeDocument/2006/customXml" ds:itemID="{2E5FE19B-9A80-42C7-8803-75C5FE2C8E38}">
-  <ds:schemaRefs>
-    <ds:schemaRef ds:uri="http://schemas.microsoft.com/VisualStudio/2011/storyboarding/control"/>
-  </ds:schemaRefs>
-</ds:datastoreItem>
-</file>
-
-<file path=customXml/itemProps215.xml><?xml version="1.0" encoding="utf-8"?>
-<ds:datastoreItem xmlns:ds="http://schemas.openxmlformats.org/officeDocument/2006/customXml" ds:itemID="{2479DC2C-EF0B-41AF-B612-40020B463D9B}">
-  <ds:schemaRefs>
-    <ds:schemaRef ds:uri="http://schemas.microsoft.com/VisualStudio/2011/storyboarding/control"/>
-  </ds:schemaRefs>
-</ds:datastoreItem>
-</file>
-
-<file path=customXml/itemProps216.xml><?xml version="1.0" encoding="utf-8"?>
-<ds:datastoreItem xmlns:ds="http://schemas.openxmlformats.org/officeDocument/2006/customXml" ds:itemID="{998783E5-93E3-46E4-8B45-FB75479D6BD0}">
-  <ds:schemaRefs>
-    <ds:schemaRef ds:uri="http://schemas.microsoft.com/VisualStudio/2011/storyboarding/control"/>
-  </ds:schemaRefs>
-</ds:datastoreItem>
-</file>
-
-<file path=customXml/itemProps217.xml><?xml version="1.0" encoding="utf-8"?>
-<ds:datastoreItem xmlns:ds="http://schemas.openxmlformats.org/officeDocument/2006/customXml" ds:itemID="{F289DBB7-301A-49B9-A05C-7204F013A6A1}">
-  <ds:schemaRefs>
-    <ds:schemaRef ds:uri="http://schemas.microsoft.com/VisualStudio/2011/storyboarding/control"/>
-  </ds:schemaRefs>
-</ds:datastoreItem>
-</file>
-
-<file path=customXml/itemProps218.xml><?xml version="1.0" encoding="utf-8"?>
-<ds:datastoreItem xmlns:ds="http://schemas.openxmlformats.org/officeDocument/2006/customXml" ds:itemID="{7056F243-3525-4402-800F-27AEDE217892}">
-  <ds:schemaRefs>
-    <ds:schemaRef ds:uri="http://schemas.microsoft.com/VisualStudio/2011/storyboarding/control"/>
-  </ds:schemaRefs>
-</ds:datastoreItem>
-</file>
-
-<file path=customXml/itemProps219.xml><?xml version="1.0" encoding="utf-8"?>
-<ds:datastoreItem xmlns:ds="http://schemas.openxmlformats.org/officeDocument/2006/customXml" ds:itemID="{A57FB331-1A42-4197-A916-5DB1567728A7}">
-  <ds:schemaRefs>
-    <ds:schemaRef ds:uri="http://schemas.microsoft.com/VisualStudio/2011/storyboarding/control"/>
-  </ds:schemaRefs>
-</ds:datastoreItem>
-</file>
-
-<file path=customXml/itemProps22.xml><?xml version="1.0" encoding="utf-8"?>
-<ds:datastoreItem xmlns:ds="http://schemas.openxmlformats.org/officeDocument/2006/customXml" ds:itemID="{6738B905-67C9-4D42-8403-1DFFFA0CD882}">
-  <ds:schemaRefs>
-    <ds:schemaRef ds:uri="http://schemas.microsoft.com/VisualStudio/2011/storyboarding/control"/>
-  </ds:schemaRefs>
-</ds:datastoreItem>
-</file>
-
-<file path=customXml/itemProps220.xml><?xml version="1.0" encoding="utf-8"?>
-<ds:datastoreItem xmlns:ds="http://schemas.openxmlformats.org/officeDocument/2006/customXml" ds:itemID="{8E2F46EC-BCDA-4589-B106-2EE9F450A758}">
-  <ds:schemaRefs>
-    <ds:schemaRef ds:uri="http://schemas.microsoft.com/VisualStudio/2011/storyboarding/control"/>
-  </ds:schemaRefs>
-</ds:datastoreItem>
-</file>
-
-<file path=customXml/itemProps221.xml><?xml version="1.0" encoding="utf-8"?>
-<ds:datastoreItem xmlns:ds="http://schemas.openxmlformats.org/officeDocument/2006/customXml" ds:itemID="{494ECD25-6B82-4D53-B271-88A3A6E803B2}">
-  <ds:schemaRefs>
-    <ds:schemaRef ds:uri="http://schemas.microsoft.com/VisualStudio/2011/storyboarding/control"/>
-  </ds:schemaRefs>
-</ds:datastoreItem>
-</file>
-
-<file path=customXml/itemProps222.xml><?xml version="1.0" encoding="utf-8"?>
-<ds:datastoreItem xmlns:ds="http://schemas.openxmlformats.org/officeDocument/2006/customXml" ds:itemID="{052D3153-F81F-47D0-946E-5920405FFC24}">
-  <ds:schemaRefs>
-    <ds:schemaRef ds:uri="http://schemas.microsoft.com/VisualStudio/2011/storyboarding/control"/>
-  </ds:schemaRefs>
-</ds:datastoreItem>
-</file>
-
-<file path=customXml/itemProps223.xml><?xml version="1.0" encoding="utf-8"?>
-<ds:datastoreItem xmlns:ds="http://schemas.openxmlformats.org/officeDocument/2006/customXml" ds:itemID="{998411DF-88EB-4820-BD6A-310BD2399BD0}">
-  <ds:schemaRefs>
-    <ds:schemaRef ds:uri="http://schemas.microsoft.com/VisualStudio/2011/storyboarding/control"/>
-  </ds:schemaRefs>
-</ds:datastoreItem>
-</file>
-
-<file path=customXml/itemProps224.xml><?xml version="1.0" encoding="utf-8"?>
-<ds:datastoreItem xmlns:ds="http://schemas.openxmlformats.org/officeDocument/2006/customXml" ds:itemID="{3DAA7D18-8F95-4CEF-80BA-EBFE8E9D748D}">
-  <ds:schemaRefs>
-    <ds:schemaRef ds:uri="http://schemas.microsoft.com/VisualStudio/2011/storyboarding/control"/>
-  </ds:schemaRefs>
-</ds:datastoreItem>
-</file>
-
-<file path=customXml/itemProps225.xml><?xml version="1.0" encoding="utf-8"?>
-<ds:datastoreItem xmlns:ds="http://schemas.openxmlformats.org/officeDocument/2006/customXml" ds:itemID="{DDBAC8B4-8905-4BB5-B558-4CCE9AACC1E7}">
-  <ds:schemaRefs>
-    <ds:schemaRef ds:uri="http://schemas.microsoft.com/VisualStudio/2011/storyboarding/control"/>
-  </ds:schemaRefs>
-</ds:datastoreItem>
-</file>
-
-<file path=customXml/itemProps226.xml><?xml version="1.0" encoding="utf-8"?>
-<ds:datastoreItem xmlns:ds="http://schemas.openxmlformats.org/officeDocument/2006/customXml" ds:itemID="{738FF2C8-587D-4C02-8D5D-20CBF1EE7CCD}">
-  <ds:schemaRefs>
-    <ds:schemaRef ds:uri="http://schemas.microsoft.com/VisualStudio/2011/storyboarding/control"/>
-  </ds:schemaRefs>
-</ds:datastoreItem>
-</file>
-
-<file path=customXml/itemProps227.xml><?xml version="1.0" encoding="utf-8"?>
-<ds:datastoreItem xmlns:ds="http://schemas.openxmlformats.org/officeDocument/2006/customXml" ds:itemID="{B61EEC1E-2199-42F9-BF79-C8F5F69EF85E}">
-  <ds:schemaRefs>
-    <ds:schemaRef ds:uri="http://schemas.microsoft.com/VisualStudio/2011/storyboarding/control"/>
-  </ds:schemaRefs>
-</ds:datastoreItem>
-</file>
-
-<file path=customXml/itemProps228.xml><?xml version="1.0" encoding="utf-8"?>
-<ds:datastoreItem xmlns:ds="http://schemas.openxmlformats.org/officeDocument/2006/customXml" ds:itemID="{83FE5952-B810-41DD-BC8D-EA4E6B2877C4}">
-  <ds:schemaRefs>
-    <ds:schemaRef ds:uri="http://schemas.microsoft.com/VisualStudio/2011/storyboarding/control"/>
-  </ds:schemaRefs>
-</ds:datastoreItem>
-</file>
-
-<file path=customXml/itemProps229.xml><?xml version="1.0" encoding="utf-8"?>
-<ds:datastoreItem xmlns:ds="http://schemas.openxmlformats.org/officeDocument/2006/customXml" ds:itemID="{45E0B91E-7FEF-4703-9326-F8B2ED81C09E}">
-  <ds:schemaRefs>
-    <ds:schemaRef ds:uri="http://schemas.microsoft.com/VisualStudio/2011/storyboarding/control"/>
-  </ds:schemaRefs>
-</ds:datastoreItem>
-</file>
-
-<file path=customXml/itemProps23.xml><?xml version="1.0" encoding="utf-8"?>
-<ds:datastoreItem xmlns:ds="http://schemas.openxmlformats.org/officeDocument/2006/customXml" ds:itemID="{C2FDD86D-B019-47EC-8742-0E3661BB3F30}">
-  <ds:schemaRefs>
-    <ds:schemaRef ds:uri="http://schemas.microsoft.com/VisualStudio/2011/storyboarding/control"/>
-  </ds:schemaRefs>
-</ds:datastoreItem>
-</file>
-
-<file path=customXml/itemProps230.xml><?xml version="1.0" encoding="utf-8"?>
-<ds:datastoreItem xmlns:ds="http://schemas.openxmlformats.org/officeDocument/2006/customXml" ds:itemID="{B669F501-AEB5-49A8-B34E-D8CDF8FBB497}">
-  <ds:schemaRefs>
-    <ds:schemaRef ds:uri="http://schemas.microsoft.com/VisualStudio/2011/storyboarding/control"/>
-  </ds:schemaRefs>
-</ds:datastoreItem>
-</file>
-
-<file path=customXml/itemProps231.xml><?xml version="1.0" encoding="utf-8"?>
-<ds:datastoreItem xmlns:ds="http://schemas.openxmlformats.org/officeDocument/2006/customXml" ds:itemID="{6DD2B541-6C60-4151-B23B-67CDB2C810F8}">
-  <ds:schemaRefs>
-    <ds:schemaRef ds:uri="http://schemas.microsoft.com/VisualStudio/2011/storyboarding/control"/>
-  </ds:schemaRefs>
-</ds:datastoreItem>
-</file>
-
-<file path=customXml/itemProps232.xml><?xml version="1.0" encoding="utf-8"?>
-<ds:datastoreItem xmlns:ds="http://schemas.openxmlformats.org/officeDocument/2006/customXml" ds:itemID="{27F8D642-C876-4D49-A268-D03A3875605D}">
-  <ds:schemaRefs>
-    <ds:schemaRef ds:uri="http://schemas.microsoft.com/VisualStudio/2011/storyboarding/control"/>
-  </ds:schemaRefs>
-</ds:datastoreItem>
-</file>
-
-<file path=customXml/itemProps233.xml><?xml version="1.0" encoding="utf-8"?>
-<ds:datastoreItem xmlns:ds="http://schemas.openxmlformats.org/officeDocument/2006/customXml" ds:itemID="{9B88C461-FD72-4CCE-B36A-E6CD818ADA83}">
-  <ds:schemaRefs>
-    <ds:schemaRef ds:uri="http://schemas.microsoft.com/VisualStudio/2011/storyboarding/control"/>
-  </ds:schemaRefs>
-</ds:datastoreItem>
-</file>
-
-<file path=customXml/itemProps234.xml><?xml version="1.0" encoding="utf-8"?>
-<ds:datastoreItem xmlns:ds="http://schemas.openxmlformats.org/officeDocument/2006/customXml" ds:itemID="{C69813E6-399E-4343-9AE6-3037FDA52C95}">
-  <ds:schemaRefs>
-    <ds:schemaRef ds:uri="http://schemas.microsoft.com/VisualStudio/2011/storyboarding/control"/>
-  </ds:schemaRefs>
-</ds:datastoreItem>
-</file>
-
-<file path=customXml/itemProps235.xml><?xml version="1.0" encoding="utf-8"?>
-<ds:datastoreItem xmlns:ds="http://schemas.openxmlformats.org/officeDocument/2006/customXml" ds:itemID="{97E1D339-E6D5-4BF5-8B5C-160203B68484}">
-  <ds:schemaRefs>
-    <ds:schemaRef ds:uri="http://schemas.microsoft.com/VisualStudio/2011/storyboarding/control"/>
-  </ds:schemaRefs>
-</ds:datastoreItem>
-</file>
-
-<file path=customXml/itemProps236.xml><?xml version="1.0" encoding="utf-8"?>
-<ds:datastoreItem xmlns:ds="http://schemas.openxmlformats.org/officeDocument/2006/customXml" ds:itemID="{5556FE01-90D7-4920-A96A-8D15FC962703}">
-  <ds:schemaRefs>
-    <ds:schemaRef ds:uri="http://schemas.microsoft.com/VisualStudio/2011/storyboarding/control"/>
-  </ds:schemaRefs>
-</ds:datastoreItem>
-</file>
-
-<file path=customXml/itemProps237.xml><?xml version="1.0" encoding="utf-8"?>
-<ds:datastoreItem xmlns:ds="http://schemas.openxmlformats.org/officeDocument/2006/customXml" ds:itemID="{387D2E86-F190-4CEF-A687-BC810EFEE0E5}">
-  <ds:schemaRefs>
-    <ds:schemaRef ds:uri="http://schemas.microsoft.com/VisualStudio/2011/storyboarding/control"/>
-  </ds:schemaRefs>
-</ds:datastoreItem>
-</file>
-
-<file path=customXml/itemProps238.xml><?xml version="1.0" encoding="utf-8"?>
-<ds:datastoreItem xmlns:ds="http://schemas.openxmlformats.org/officeDocument/2006/customXml" ds:itemID="{83C7B5A9-0530-46C6-A850-347D2AC04604}">
-  <ds:schemaRefs>
-    <ds:schemaRef ds:uri="http://schemas.microsoft.com/VisualStudio/2011/storyboarding/control"/>
-  </ds:schemaRefs>
-</ds:datastoreItem>
-</file>
-
-<file path=customXml/itemProps239.xml><?xml version="1.0" encoding="utf-8"?>
-<ds:datastoreItem xmlns:ds="http://schemas.openxmlformats.org/officeDocument/2006/customXml" ds:itemID="{02DC6A34-308E-4EE2-91CB-B65D8B5C5135}">
-  <ds:schemaRefs>
-    <ds:schemaRef ds:uri="http://schemas.microsoft.com/VisualStudio/2011/storyboarding/control"/>
-  </ds:schemaRefs>
-</ds:datastoreItem>
-</file>
-
-<file path=customXml/itemProps24.xml><?xml version="1.0" encoding="utf-8"?>
-<ds:datastoreItem xmlns:ds="http://schemas.openxmlformats.org/officeDocument/2006/customXml" ds:itemID="{3BA5FAE4-8745-4A74-B298-4B5E45FB845F}">
-  <ds:schemaRefs>
-    <ds:schemaRef ds:uri="http://schemas.microsoft.com/VisualStudio/2011/storyboarding/control"/>
-  </ds:schemaRefs>
-</ds:datastoreItem>
-</file>
-
-<file path=customXml/itemProps240.xml><?xml version="1.0" encoding="utf-8"?>
-<ds:datastoreItem xmlns:ds="http://schemas.openxmlformats.org/officeDocument/2006/customXml" ds:itemID="{1ADEB7F2-78C7-4561-B3DF-1749638EBE62}">
-  <ds:schemaRefs>
-    <ds:schemaRef ds:uri="http://schemas.microsoft.com/VisualStudio/2011/storyboarding/control"/>
-  </ds:schemaRefs>
-</ds:datastoreItem>
-</file>
-
-<file path=customXml/itemProps241.xml><?xml version="1.0" encoding="utf-8"?>
-<ds:datastoreItem xmlns:ds="http://schemas.openxmlformats.org/officeDocument/2006/customXml" ds:itemID="{E1C1B0C3-0D59-41BC-95F4-F0A42ABC6316}">
-  <ds:schemaRefs>
-    <ds:schemaRef ds:uri="http://schemas.microsoft.com/VisualStudio/2011/storyboarding/control"/>
-  </ds:schemaRefs>
-</ds:datastoreItem>
-</file>
-
-<file path=customXml/itemProps242.xml><?xml version="1.0" encoding="utf-8"?>
-<ds:datastoreItem xmlns:ds="http://schemas.openxmlformats.org/officeDocument/2006/customXml" ds:itemID="{63E4AE41-0D9C-41C0-9A8F-3DFAA3E48D7D}">
-  <ds:schemaRefs>
-    <ds:schemaRef ds:uri="http://schemas.microsoft.com/VisualStudio/2011/storyboarding/control"/>
-  </ds:schemaRefs>
-</ds:datastoreItem>
-</file>
-
-<file path=customXml/itemProps243.xml><?xml version="1.0" encoding="utf-8"?>
-<ds:datastoreItem xmlns:ds="http://schemas.openxmlformats.org/officeDocument/2006/customXml" ds:itemID="{941A1568-B616-44B1-8AF5-A4ADE958EDAD}">
-  <ds:schemaRefs>
-    <ds:schemaRef ds:uri="http://schemas.microsoft.com/VisualStudio/2011/storyboarding/control"/>
-  </ds:schemaRefs>
-</ds:datastoreItem>
-</file>
-
-<file path=customXml/itemProps244.xml><?xml version="1.0" encoding="utf-8"?>
-<ds:datastoreItem xmlns:ds="http://schemas.openxmlformats.org/officeDocument/2006/customXml" ds:itemID="{F43A8394-35B7-4FC2-9A02-D6D8AE850C46}">
-  <ds:schemaRefs>
-    <ds:schemaRef ds:uri="http://schemas.microsoft.com/VisualStudio/2011/storyboarding/control"/>
-  </ds:schemaRefs>
-</ds:datastoreItem>
-</file>
-
-<file path=customXml/itemProps245.xml><?xml version="1.0" encoding="utf-8"?>
-<ds:datastoreItem xmlns:ds="http://schemas.openxmlformats.org/officeDocument/2006/customXml" ds:itemID="{7D14F916-B249-48AB-8630-8E73B4CF4A95}">
-  <ds:schemaRefs>
-    <ds:schemaRef ds:uri="http://schemas.microsoft.com/VisualStudio/2011/storyboarding/control"/>
-  </ds:schemaRefs>
-</ds:datastoreItem>
-</file>
-
-<file path=customXml/itemProps246.xml><?xml version="1.0" encoding="utf-8"?>
-<ds:datastoreItem xmlns:ds="http://schemas.openxmlformats.org/officeDocument/2006/customXml" ds:itemID="{A83CDB64-A979-480A-B42F-5F9FAC7E448C}">
-  <ds:schemaRefs>
-    <ds:schemaRef ds:uri="http://schemas.microsoft.com/VisualStudio/2011/storyboarding/control"/>
-  </ds:schemaRefs>
-</ds:datastoreItem>
-</file>
-
-<file path=customXml/itemProps247.xml><?xml version="1.0" encoding="utf-8"?>
-<ds:datastoreItem xmlns:ds="http://schemas.openxmlformats.org/officeDocument/2006/customXml" ds:itemID="{86A76FA3-4235-4BDB-A418-31656486084F}">
-  <ds:schemaRefs>
-    <ds:schemaRef ds:uri="http://schemas.microsoft.com/VisualStudio/2011/storyboarding/control"/>
-  </ds:schemaRefs>
-</ds:datastoreItem>
-</file>
-
-<file path=customXml/itemProps248.xml><?xml version="1.0" encoding="utf-8"?>
-<ds:datastoreItem xmlns:ds="http://schemas.openxmlformats.org/officeDocument/2006/customXml" ds:itemID="{BA0988D9-08D5-4B0D-B2CA-AFA6A82BFB69}">
-  <ds:schemaRefs>
-    <ds:schemaRef ds:uri="http://schemas.microsoft.com/VisualStudio/2011/storyboarding/control"/>
-  </ds:schemaRefs>
-</ds:datastoreItem>
-</file>
-
-<file path=customXml/itemProps249.xml><?xml version="1.0" encoding="utf-8"?>
-<ds:datastoreItem xmlns:ds="http://schemas.openxmlformats.org/officeDocument/2006/customXml" ds:itemID="{D3BE8F19-E498-4C40-AD0A-FD52BCF38C35}">
-  <ds:schemaRefs>
-    <ds:schemaRef ds:uri="http://schemas.microsoft.com/VisualStudio/2011/storyboarding/control"/>
-  </ds:schemaRefs>
-</ds:datastoreItem>
-</file>
-
-<file path=customXml/itemProps25.xml><?xml version="1.0" encoding="utf-8"?>
-<ds:datastoreItem xmlns:ds="http://schemas.openxmlformats.org/officeDocument/2006/customXml" ds:itemID="{63EA8E9F-9742-4D18-8B78-7EEA5B5F56E6}">
-  <ds:schemaRefs>
-    <ds:schemaRef ds:uri="http://schemas.microsoft.com/VisualStudio/2011/storyboarding/control"/>
-  </ds:schemaRefs>
-</ds:datastoreItem>
-</file>
-
-<file path=customXml/itemProps250.xml><?xml version="1.0" encoding="utf-8"?>
-<ds:datastoreItem xmlns:ds="http://schemas.openxmlformats.org/officeDocument/2006/customXml" ds:itemID="{4CDD4899-434B-483C-9270-49C1925CF9A0}">
-  <ds:schemaRefs>
-    <ds:schemaRef ds:uri="http://schemas.microsoft.com/VisualStudio/2011/storyboarding/control"/>
-  </ds:schemaRefs>
-</ds:datastoreItem>
-</file>
-
-<file path=customXml/itemProps251.xml><?xml version="1.0" encoding="utf-8"?>
-<ds:datastoreItem xmlns:ds="http://schemas.openxmlformats.org/officeDocument/2006/customXml" ds:itemID="{BF6D3440-7C7A-43AD-BDB6-DC5F6F28E620}">
-  <ds:schemaRefs>
-    <ds:schemaRef ds:uri="http://schemas.microsoft.com/VisualStudio/2011/storyboarding/control"/>
-  </ds:schemaRefs>
-</ds:datastoreItem>
-</file>
-
-<file path=customXml/itemProps252.xml><?xml version="1.0" encoding="utf-8"?>
-<ds:datastoreItem xmlns:ds="http://schemas.openxmlformats.org/officeDocument/2006/customXml" ds:itemID="{699876C8-5F05-460B-B233-E045E47E7AB5}">
-  <ds:schemaRefs>
-    <ds:schemaRef ds:uri="http://schemas.microsoft.com/VisualStudio/2011/storyboarding/control"/>
-  </ds:schemaRefs>
-</ds:datastoreItem>
-</file>
-
-<file path=customXml/itemProps253.xml><?xml version="1.0" encoding="utf-8"?>
-<ds:datastoreItem xmlns:ds="http://schemas.openxmlformats.org/officeDocument/2006/customXml" ds:itemID="{314BC7E0-5CB8-41B7-80AE-6FF18C6ED044}">
-  <ds:schemaRefs>
-    <ds:schemaRef ds:uri="http://schemas.microsoft.com/VisualStudio/2011/storyboarding/control"/>
-  </ds:schemaRefs>
-</ds:datastoreItem>
-</file>
-
-<file path=customXml/itemProps254.xml><?xml version="1.0" encoding="utf-8"?>
-<ds:datastoreItem xmlns:ds="http://schemas.openxmlformats.org/officeDocument/2006/customXml" ds:itemID="{76DC95E1-ACCA-45B6-9796-C9DB84BF79E8}">
-  <ds:schemaRefs>
-    <ds:schemaRef ds:uri="http://schemas.microsoft.com/VisualStudio/2011/storyboarding/control"/>
-  </ds:schemaRefs>
-</ds:datastoreItem>
-</file>
-
-<file path=customXml/itemProps255.xml><?xml version="1.0" encoding="utf-8"?>
-<ds:datastoreItem xmlns:ds="http://schemas.openxmlformats.org/officeDocument/2006/customXml" ds:itemID="{4EA2190A-611C-49BA-ADD4-5855AD00D63D}">
-  <ds:schemaRefs>
-    <ds:schemaRef ds:uri="http://schemas.microsoft.com/VisualStudio/2011/storyboarding/control"/>
-  </ds:schemaRefs>
-</ds:datastoreItem>
-</file>
-
-<file path=customXml/itemProps256.xml><?xml version="1.0" encoding="utf-8"?>
-<ds:datastoreItem xmlns:ds="http://schemas.openxmlformats.org/officeDocument/2006/customXml" ds:itemID="{7B0DEA32-4718-4845-BA3D-96735C5901CA}">
-  <ds:schemaRefs>
-    <ds:schemaRef ds:uri="http://schemas.microsoft.com/VisualStudio/2011/storyboarding/control"/>
-  </ds:schemaRefs>
-</ds:datastoreItem>
-</file>
-
-<file path=customXml/itemProps257.xml><?xml version="1.0" encoding="utf-8"?>
-<ds:datastoreItem xmlns:ds="http://schemas.openxmlformats.org/officeDocument/2006/customXml" ds:itemID="{DB4F9695-2BDE-47EC-BF8C-9433F25A92F2}">
-  <ds:schemaRefs>
-    <ds:schemaRef ds:uri="http://schemas.microsoft.com/VisualStudio/2011/storyboarding/control"/>
-  </ds:schemaRefs>
-</ds:datastoreItem>
-</file>
-
-<file path=customXml/itemProps258.xml><?xml version="1.0" encoding="utf-8"?>
-<ds:datastoreItem xmlns:ds="http://schemas.openxmlformats.org/officeDocument/2006/customXml" ds:itemID="{A39F5018-76E8-4CE5-A9B7-D9BE197ECF9D}">
-  <ds:schemaRefs>
-    <ds:schemaRef ds:uri="http://schemas.microsoft.com/VisualStudio/2011/storyboarding/control"/>
-  </ds:schemaRefs>
-</ds:datastoreItem>
-</file>
-
-<file path=customXml/itemProps259.xml><?xml version="1.0" encoding="utf-8"?>
-<ds:datastoreItem xmlns:ds="http://schemas.openxmlformats.org/officeDocument/2006/customXml" ds:itemID="{D1D581BF-65A6-451F-B562-28FFFDB17EBE}">
-  <ds:schemaRefs>
-    <ds:schemaRef ds:uri="http://schemas.microsoft.com/VisualStudio/2011/storyboarding/control"/>
-  </ds:schemaRefs>
-</ds:datastoreItem>
-</file>
-
-<file path=customXml/itemProps26.xml><?xml version="1.0" encoding="utf-8"?>
-<ds:datastoreItem xmlns:ds="http://schemas.openxmlformats.org/officeDocument/2006/customXml" ds:itemID="{7189590F-1A48-46F3-B24A-D8D0F3BA0A15}">
-  <ds:schemaRefs>
-    <ds:schemaRef ds:uri="http://schemas.microsoft.com/VisualStudio/2011/storyboarding/control"/>
-  </ds:schemaRefs>
-</ds:datastoreItem>
-</file>
-
-<file path=customXml/itemProps260.xml><?xml version="1.0" encoding="utf-8"?>
-<ds:datastoreItem xmlns:ds="http://schemas.openxmlformats.org/officeDocument/2006/customXml" ds:itemID="{F24428A1-0724-4C81-B1E7-B30B813E3551}">
-  <ds:schemaRefs>
-    <ds:schemaRef ds:uri="http://schemas.microsoft.com/VisualStudio/2011/storyboarding/control"/>
-  </ds:schemaRefs>
-</ds:datastoreItem>
-</file>
-
-<file path=customXml/itemProps261.xml><?xml version="1.0" encoding="utf-8"?>
-<ds:datastoreItem xmlns:ds="http://schemas.openxmlformats.org/officeDocument/2006/customXml" ds:itemID="{919EABC3-E2C5-43C3-AF76-EB64A9434D0D}">
-  <ds:schemaRefs>
-    <ds:schemaRef ds:uri="http://schemas.microsoft.com/VisualStudio/2011/storyboarding/control"/>
-  </ds:schemaRefs>
-</ds:datastoreItem>
-</file>
-
-<file path=customXml/itemProps262.xml><?xml version="1.0" encoding="utf-8"?>
-<ds:datastoreItem xmlns:ds="http://schemas.openxmlformats.org/officeDocument/2006/customXml" ds:itemID="{0026E863-1463-490E-A7C3-462BE194A97F}">
-  <ds:schemaRefs>
-    <ds:schemaRef ds:uri="http://schemas.microsoft.com/VisualStudio/2011/storyboarding/control"/>
-  </ds:schemaRefs>
-</ds:datastoreItem>
-</file>
-
-<file path=customXml/itemProps263.xml><?xml version="1.0" encoding="utf-8"?>
-<ds:datastoreItem xmlns:ds="http://schemas.openxmlformats.org/officeDocument/2006/customXml" ds:itemID="{A770902C-91B4-4F9A-987B-C073AEA84AD1}">
-  <ds:schemaRefs>
-    <ds:schemaRef ds:uri="http://schemas.microsoft.com/VisualStudio/2011/storyboarding/control"/>
-  </ds:schemaRefs>
-</ds:datastoreItem>
-</file>
-
-<file path=customXml/itemProps264.xml><?xml version="1.0" encoding="utf-8"?>
-<ds:datastoreItem xmlns:ds="http://schemas.openxmlformats.org/officeDocument/2006/customXml" ds:itemID="{8B1F962B-8896-4824-ACD5-8AE30FE0A557}">
-  <ds:schemaRefs>
-    <ds:schemaRef ds:uri="http://schemas.microsoft.com/VisualStudio/2011/storyboarding/control"/>
-  </ds:schemaRefs>
-</ds:datastoreItem>
-</file>
-
-<file path=customXml/itemProps265.xml><?xml version="1.0" encoding="utf-8"?>
-<ds:datastoreItem xmlns:ds="http://schemas.openxmlformats.org/officeDocument/2006/customXml" ds:itemID="{0749C6AF-EB53-4E04-8A3A-54A96B76748B}">
-  <ds:schemaRefs>
-    <ds:schemaRef ds:uri="http://schemas.microsoft.com/VisualStudio/2011/storyboarding/control"/>
-  </ds:schemaRefs>
-</ds:datastoreItem>
-</file>
-
-<file path=customXml/itemProps266.xml><?xml version="1.0" encoding="utf-8"?>
-<ds:datastoreItem xmlns:ds="http://schemas.openxmlformats.org/officeDocument/2006/customXml" ds:itemID="{C3BA9EF5-CEA3-4AE3-A3AB-B49C7AEF551E}">
-  <ds:schemaRefs>
-    <ds:schemaRef ds:uri="http://schemas.microsoft.com/VisualStudio/2011/storyboarding/control"/>
-  </ds:schemaRefs>
-</ds:datastoreItem>
-</file>
-
-<file path=customXml/itemProps267.xml><?xml version="1.0" encoding="utf-8"?>
-<ds:datastoreItem xmlns:ds="http://schemas.openxmlformats.org/officeDocument/2006/customXml" ds:itemID="{152057C0-8163-4478-8001-B3CFAA894936}">
-  <ds:schemaRefs>
-    <ds:schemaRef ds:uri="http://schemas.microsoft.com/VisualStudio/2011/storyboarding/control"/>
-  </ds:schemaRefs>
-</ds:datastoreItem>
-</file>
-
-<file path=customXml/itemProps268.xml><?xml version="1.0" encoding="utf-8"?>
-<ds:datastoreItem xmlns:ds="http://schemas.openxmlformats.org/officeDocument/2006/customXml" ds:itemID="{1F0604E9-97A2-431A-86E6-C9F311593E08}">
-  <ds:schemaRefs>
-    <ds:schemaRef ds:uri="http://schemas.microsoft.com/VisualStudio/2011/storyboarding/control"/>
-  </ds:schemaRefs>
-</ds:datastoreItem>
-</file>
-
-<file path=customXml/itemProps269.xml><?xml version="1.0" encoding="utf-8"?>
-<ds:datastoreItem xmlns:ds="http://schemas.openxmlformats.org/officeDocument/2006/customXml" ds:itemID="{EFCD18D0-CBA1-4995-A8C6-F5F3C57B32F1}">
-  <ds:schemaRefs>
-    <ds:schemaRef ds:uri="http://schemas.microsoft.com/VisualStudio/2011/storyboarding/control"/>
-  </ds:schemaRefs>
-</ds:datastoreItem>
-</file>
-
-<file path=customXml/itemProps27.xml><?xml version="1.0" encoding="utf-8"?>
-<ds:datastoreItem xmlns:ds="http://schemas.openxmlformats.org/officeDocument/2006/customXml" ds:itemID="{42202DCE-A05C-4F65-B84A-0A0834D65E33}">
-  <ds:schemaRefs>
-    <ds:schemaRef ds:uri="http://schemas.microsoft.com/VisualStudio/2011/storyboarding/control"/>
-  </ds:schemaRefs>
-</ds:datastoreItem>
-</file>
-
-<file path=customXml/itemProps270.xml><?xml version="1.0" encoding="utf-8"?>
-<ds:datastoreItem xmlns:ds="http://schemas.openxmlformats.org/officeDocument/2006/customXml" ds:itemID="{BD7F245B-D69F-4F08-A7F4-28005B361C32}">
-  <ds:schemaRefs>
-    <ds:schemaRef ds:uri="http://schemas.microsoft.com/VisualStudio/2011/storyboarding/control"/>
-  </ds:schemaRefs>
-</ds:datastoreItem>
-</file>
-
-<file path=customXml/itemProps271.xml><?xml version="1.0" encoding="utf-8"?>
-<ds:datastoreItem xmlns:ds="http://schemas.openxmlformats.org/officeDocument/2006/customXml" ds:itemID="{0A526C21-CA0E-4D62-A306-B441BC0489D4}">
-  <ds:schemaRefs>
-    <ds:schemaRef ds:uri="http://schemas.microsoft.com/VisualStudio/2011/storyboarding/control"/>
-  </ds:schemaRefs>
-</ds:datastoreItem>
-</file>
-
-<file path=customXml/itemProps272.xml><?xml version="1.0" encoding="utf-8"?>
-<ds:datastoreItem xmlns:ds="http://schemas.openxmlformats.org/officeDocument/2006/customXml" ds:itemID="{15F46258-63C4-4B60-ADED-0E3ACB1539D0}">
-  <ds:schemaRefs>
-    <ds:schemaRef ds:uri="http://schemas.microsoft.com/VisualStudio/2011/storyboarding/control"/>
-  </ds:schemaRefs>
-</ds:datastoreItem>
-</file>
-
-<file path=customXml/itemProps273.xml><?xml version="1.0" encoding="utf-8"?>
-<ds:datastoreItem xmlns:ds="http://schemas.openxmlformats.org/officeDocument/2006/customXml" ds:itemID="{D176A5CA-84F0-42CF-AE7E-D9B7ED1985C2}">
-  <ds:schemaRefs>
-    <ds:schemaRef ds:uri="http://schemas.microsoft.com/VisualStudio/2011/storyboarding/control"/>
-  </ds:schemaRefs>
-</ds:datastoreItem>
-</file>
-
-<file path=customXml/itemProps274.xml><?xml version="1.0" encoding="utf-8"?>
-<ds:datastoreItem xmlns:ds="http://schemas.openxmlformats.org/officeDocument/2006/customXml" ds:itemID="{98239294-B951-4171-BF7E-2E6B950C31FA}">
-  <ds:schemaRefs>
-    <ds:schemaRef ds:uri="http://schemas.microsoft.com/VisualStudio/2011/storyboarding/control"/>
-  </ds:schemaRefs>
-</ds:datastoreItem>
-</file>
-
-<file path=customXml/itemProps275.xml><?xml version="1.0" encoding="utf-8"?>
-<ds:datastoreItem xmlns:ds="http://schemas.openxmlformats.org/officeDocument/2006/customXml" ds:itemID="{2814AD4B-2F19-4F35-8A58-D8242B0ACE47}">
-  <ds:schemaRefs>
-    <ds:schemaRef ds:uri="http://schemas.microsoft.com/VisualStudio/2011/storyboarding/control"/>
-  </ds:schemaRefs>
-</ds:datastoreItem>
-</file>
-
-<file path=customXml/itemProps276.xml><?xml version="1.0" encoding="utf-8"?>
-<ds:datastoreItem xmlns:ds="http://schemas.openxmlformats.org/officeDocument/2006/customXml" ds:itemID="{880B91E8-103A-412A-B3C8-17A3C03EF756}">
-  <ds:schemaRefs>
-    <ds:schemaRef ds:uri="http://schemas.microsoft.com/VisualStudio/2011/storyboarding/control"/>
-  </ds:schemaRefs>
-</ds:datastoreItem>
-</file>
-
-<file path=customXml/itemProps277.xml><?xml version="1.0" encoding="utf-8"?>
-<ds:datastoreItem xmlns:ds="http://schemas.openxmlformats.org/officeDocument/2006/customXml" ds:itemID="{51CF4945-E817-4546-BC18-C7EFB8B5FC28}">
-  <ds:schemaRefs>
-    <ds:schemaRef ds:uri="http://schemas.microsoft.com/VisualStudio/2011/storyboarding/control"/>
-  </ds:schemaRefs>
-</ds:datastoreItem>
-</file>
-
-<file path=customXml/itemProps278.xml><?xml version="1.0" encoding="utf-8"?>
-<ds:datastoreItem xmlns:ds="http://schemas.openxmlformats.org/officeDocument/2006/customXml" ds:itemID="{371B535D-C55E-43ED-A8DA-6DA77E3D45BB}">
-  <ds:schemaRefs>
-    <ds:schemaRef ds:uri="http://schemas.microsoft.com/VisualStudio/2011/storyboarding/control"/>
-  </ds:schemaRefs>
-</ds:datastoreItem>
-</file>
-
-<file path=customXml/itemProps279.xml><?xml version="1.0" encoding="utf-8"?>
-<ds:datastoreItem xmlns:ds="http://schemas.openxmlformats.org/officeDocument/2006/customXml" ds:itemID="{51E7E7C7-3695-4277-9E7A-A34209D6DE42}">
-  <ds:schemaRefs>
-    <ds:schemaRef ds:uri="http://schemas.microsoft.com/VisualStudio/2011/storyboarding/control"/>
-  </ds:schemaRefs>
-</ds:datastoreItem>
-</file>
-
-<file path=customXml/itemProps28.xml><?xml version="1.0" encoding="utf-8"?>
-<ds:datastoreItem xmlns:ds="http://schemas.openxmlformats.org/officeDocument/2006/customXml" ds:itemID="{98A360E1-A752-4262-A971-02659881E9AE}">
-  <ds:schemaRefs>
-    <ds:schemaRef ds:uri="http://schemas.microsoft.com/VisualStudio/2011/storyboarding/control"/>
-  </ds:schemaRefs>
-</ds:datastoreItem>
-</file>
-
-<file path=customXml/itemProps280.xml><?xml version="1.0" encoding="utf-8"?>
-<ds:datastoreItem xmlns:ds="http://schemas.openxmlformats.org/officeDocument/2006/customXml" ds:itemID="{AEE42BF4-3F49-4791-99A4-B9C5521F3813}">
-  <ds:schemaRefs>
-    <ds:schemaRef ds:uri="http://schemas.microsoft.com/VisualStudio/2011/storyboarding/control"/>
-  </ds:schemaRefs>
-</ds:datastoreItem>
-</file>
-
-<file path=customXml/itemProps281.xml><?xml version="1.0" encoding="utf-8"?>
-<ds:datastoreItem xmlns:ds="http://schemas.openxmlformats.org/officeDocument/2006/customXml" ds:itemID="{CDFD8D22-8AC0-4F2F-AC24-E9009ABA608B}">
-  <ds:schemaRefs>
-    <ds:schemaRef ds:uri="http://schemas.microsoft.com/VisualStudio/2011/storyboarding/control"/>
-  </ds:schemaRefs>
-</ds:datastoreItem>
-</file>
-
-<file path=customXml/itemProps282.xml><?xml version="1.0" encoding="utf-8"?>
-<ds:datastoreItem xmlns:ds="http://schemas.openxmlformats.org/officeDocument/2006/customXml" ds:itemID="{0F2DE0B6-1D23-4CC4-9F36-B050D9B69891}">
-  <ds:schemaRefs>
-    <ds:schemaRef ds:uri="http://schemas.microsoft.com/VisualStudio/2011/storyboarding/control"/>
-  </ds:schemaRefs>
-</ds:datastoreItem>
-</file>
-
-<file path=customXml/itemProps283.xml><?xml version="1.0" encoding="utf-8"?>
-<ds:datastoreItem xmlns:ds="http://schemas.openxmlformats.org/officeDocument/2006/customXml" ds:itemID="{38558D45-A683-41A1-B7BC-CA4F1C21FEAB}">
-  <ds:schemaRefs>
-    <ds:schemaRef ds:uri="http://schemas.microsoft.com/VisualStudio/2011/storyboarding/control"/>
-  </ds:schemaRefs>
-</ds:datastoreItem>
-</file>
-
-<file path=customXml/itemProps284.xml><?xml version="1.0" encoding="utf-8"?>
-<ds:datastoreItem xmlns:ds="http://schemas.openxmlformats.org/officeDocument/2006/customXml" ds:itemID="{29679B89-9CBC-4928-A22A-244AE0237BB0}">
-  <ds:schemaRefs>
-    <ds:schemaRef ds:uri="http://schemas.microsoft.com/VisualStudio/2011/storyboarding/control"/>
-  </ds:schemaRefs>
-</ds:datastoreItem>
-</file>
-
-<file path=customXml/itemProps285.xml><?xml version="1.0" encoding="utf-8"?>
-<ds:datastoreItem xmlns:ds="http://schemas.openxmlformats.org/officeDocument/2006/customXml" ds:itemID="{74E1FA7F-A4B5-484B-929E-6F02BB83131C}">
-  <ds:schemaRefs>
-    <ds:schemaRef ds:uri="http://schemas.microsoft.com/VisualStudio/2011/storyboarding/control"/>
-  </ds:schemaRefs>
-</ds:datastoreItem>
-</file>
-
-<file path=customXml/itemProps286.xml><?xml version="1.0" encoding="utf-8"?>
-<ds:datastoreItem xmlns:ds="http://schemas.openxmlformats.org/officeDocument/2006/customXml" ds:itemID="{4FB1E9E5-4445-4C02-A57F-2A9C022135F0}">
-  <ds:schemaRefs>
-    <ds:schemaRef ds:uri="http://schemas.microsoft.com/VisualStudio/2011/storyboarding/control"/>
-  </ds:schemaRefs>
-</ds:datastoreItem>
-</file>
-
-<file path=customXml/itemProps287.xml><?xml version="1.0" encoding="utf-8"?>
-<ds:datastoreItem xmlns:ds="http://schemas.openxmlformats.org/officeDocument/2006/customXml" ds:itemID="{5B9963A3-3AC0-4145-B224-2FDB1D50D8CF}">
-  <ds:schemaRefs>
-    <ds:schemaRef ds:uri="http://schemas.microsoft.com/VisualStudio/2011/storyboarding/control"/>
-  </ds:schemaRefs>
-</ds:datastoreItem>
-</file>
-
-<file path=customXml/itemProps288.xml><?xml version="1.0" encoding="utf-8"?>
-<ds:datastoreItem xmlns:ds="http://schemas.openxmlformats.org/officeDocument/2006/customXml" ds:itemID="{CE453AD5-3180-4DCA-9C47-FA81A3E74F53}">
-  <ds:schemaRefs>
-    <ds:schemaRef ds:uri="http://schemas.microsoft.com/VisualStudio/2011/storyboarding/control"/>
-  </ds:schemaRefs>
-</ds:datastoreItem>
-</file>
-
-<file path=customXml/itemProps289.xml><?xml version="1.0" encoding="utf-8"?>
-<ds:datastoreItem xmlns:ds="http://schemas.openxmlformats.org/officeDocument/2006/customXml" ds:itemID="{610BEE6F-4DB2-4D13-A1CB-C2C0E985407A}">
-  <ds:schemaRefs>
-    <ds:schemaRef ds:uri="http://schemas.microsoft.com/VisualStudio/2011/storyboarding/control"/>
-  </ds:schemaRefs>
-</ds:datastoreItem>
-</file>
-
-<file path=customXml/itemProps29.xml><?xml version="1.0" encoding="utf-8"?>
-<ds:datastoreItem xmlns:ds="http://schemas.openxmlformats.org/officeDocument/2006/customXml" ds:itemID="{74A4DA6D-3268-4D6D-A9D3-B98F658DD6F9}">
-  <ds:schemaRefs>
-    <ds:schemaRef ds:uri="http://schemas.microsoft.com/VisualStudio/2011/storyboarding/control"/>
-  </ds:schemaRefs>
-</ds:datastoreItem>
-</file>
-
-<file path=customXml/itemProps290.xml><?xml version="1.0" encoding="utf-8"?>
-<ds:datastoreItem xmlns:ds="http://schemas.openxmlformats.org/officeDocument/2006/customXml" ds:itemID="{F1D9FCA4-8CDD-4D03-8F9C-DD221191D711}">
-  <ds:schemaRefs>
-    <ds:schemaRef ds:uri="http://schemas.microsoft.com/VisualStudio/2011/storyboarding/control"/>
-  </ds:schemaRefs>
-</ds:datastoreItem>
-</file>
-
-<file path=customXml/itemProps291.xml><?xml version="1.0" encoding="utf-8"?>
-<ds:datastoreItem xmlns:ds="http://schemas.openxmlformats.org/officeDocument/2006/customXml" ds:itemID="{12B87C94-3E99-4A00-A6CF-08E04953A553}">
-  <ds:schemaRefs>
-    <ds:schemaRef ds:uri="http://schemas.microsoft.com/VisualStudio/2011/storyboarding/control"/>
-  </ds:schemaRefs>
-</ds:datastoreItem>
-</file>
-
-<file path=customXml/itemProps292.xml><?xml version="1.0" encoding="utf-8"?>
-<ds:datastoreItem xmlns:ds="http://schemas.openxmlformats.org/officeDocument/2006/customXml" ds:itemID="{F5281BC0-9672-435D-B9A7-6C9AEEE3F7D2}">
-  <ds:schemaRefs>
-    <ds:schemaRef ds:uri="http://schemas.microsoft.com/VisualStudio/2011/storyboarding/control"/>
-  </ds:schemaRefs>
-</ds:datastoreItem>
-</file>
-
-<file path=customXml/itemProps293.xml><?xml version="1.0" encoding="utf-8"?>
-<ds:datastoreItem xmlns:ds="http://schemas.openxmlformats.org/officeDocument/2006/customXml" ds:itemID="{FBC62206-495B-43F2-9B91-CBEF056959DE}">
-  <ds:schemaRefs>
-    <ds:schemaRef ds:uri="http://schemas.microsoft.com/VisualStudio/2011/storyboarding/control"/>
-  </ds:schemaRefs>
-</ds:datastoreItem>
-</file>
-
-<file path=customXml/itemProps294.xml><?xml version="1.0" encoding="utf-8"?>
-<ds:datastoreItem xmlns:ds="http://schemas.openxmlformats.org/officeDocument/2006/customXml" ds:itemID="{DFF51E64-F6D6-46E3-9F94-C228DBA3CEF1}">
-  <ds:schemaRefs>
-    <ds:schemaRef ds:uri="http://schemas.microsoft.com/VisualStudio/2011/storyboarding/control"/>
-  </ds:schemaRefs>
-</ds:datastoreItem>
-</file>
-
-<file path=customXml/itemProps295.xml><?xml version="1.0" encoding="utf-8"?>
-<ds:datastoreItem xmlns:ds="http://schemas.openxmlformats.org/officeDocument/2006/customXml" ds:itemID="{6D348E8A-0011-403D-B403-2D791AB6B29D}">
-  <ds:schemaRefs>
-    <ds:schemaRef ds:uri="http://schemas.microsoft.com/VisualStudio/2011/storyboarding/control"/>
-  </ds:schemaRefs>
-</ds:datastoreItem>
-</file>
-
-<file path=customXml/itemProps296.xml><?xml version="1.0" encoding="utf-8"?>
-<ds:datastoreItem xmlns:ds="http://schemas.openxmlformats.org/officeDocument/2006/customXml" ds:itemID="{1BA76A90-19EE-4A02-BA01-6356B01DC32E}">
-  <ds:schemaRefs>
-    <ds:schemaRef ds:uri="http://schemas.microsoft.com/VisualStudio/2011/storyboarding/control"/>
-  </ds:schemaRefs>
-</ds:datastoreItem>
-</file>
-
-<file path=customXml/itemProps297.xml><?xml version="1.0" encoding="utf-8"?>
-<ds:datastoreItem xmlns:ds="http://schemas.openxmlformats.org/officeDocument/2006/customXml" ds:itemID="{B95884A5-3DD4-499F-8287-5E7A85124B51}">
-  <ds:schemaRefs>
-    <ds:schemaRef ds:uri="http://schemas.microsoft.com/VisualStudio/2011/storyboarding/control"/>
-  </ds:schemaRefs>
-</ds:datastoreItem>
-</file>
-
-<file path=customXml/itemProps298.xml><?xml version="1.0" encoding="utf-8"?>
-<ds:datastoreItem xmlns:ds="http://schemas.openxmlformats.org/officeDocument/2006/customXml" ds:itemID="{4058BED3-7CF1-45E2-9EED-EDA6827BEF7F}">
-  <ds:schemaRefs>
-    <ds:schemaRef ds:uri="http://schemas.microsoft.com/VisualStudio/2011/storyboarding/control"/>
-  </ds:schemaRefs>
-</ds:datastoreItem>
-</file>
-
-<file path=customXml/itemProps299.xml><?xml version="1.0" encoding="utf-8"?>
-<ds:datastoreItem xmlns:ds="http://schemas.openxmlformats.org/officeDocument/2006/customXml" ds:itemID="{F78CD7B1-12E3-49EC-8BE8-E474AC90DF8F}">
-  <ds:schemaRefs>
-    <ds:schemaRef ds:uri="http://schemas.microsoft.com/VisualStudio/2011/storyboarding/control"/>
-  </ds:schemaRefs>
-</ds:datastoreItem>
-</file>
-
-<file path=customXml/itemProps3.xml><?xml version="1.0" encoding="utf-8"?>
-<ds:datastoreItem xmlns:ds="http://schemas.openxmlformats.org/officeDocument/2006/customXml" ds:itemID="{B6B9C910-7729-4399-A2A4-124811EF2AAD}">
-  <ds:schemaRefs>
-    <ds:schemaRef ds:uri="http://schemas.microsoft.com/VisualStudio/2011/storyboarding/control"/>
-  </ds:schemaRefs>
-</ds:datastoreItem>
-</file>
-
-<file path=customXml/itemProps30.xml><?xml version="1.0" encoding="utf-8"?>
-<ds:datastoreItem xmlns:ds="http://schemas.openxmlformats.org/officeDocument/2006/customXml" ds:itemID="{3460344E-D266-403C-A85A-FBB6CE579F2C}">
-  <ds:schemaRefs>
-    <ds:schemaRef ds:uri="http://schemas.microsoft.com/VisualStudio/2011/storyboarding/control"/>
-  </ds:schemaRefs>
-</ds:datastoreItem>
-</file>
-
-<file path=customXml/itemProps300.xml><?xml version="1.0" encoding="utf-8"?>
-<ds:datastoreItem xmlns:ds="http://schemas.openxmlformats.org/officeDocument/2006/customXml" ds:itemID="{D0B805D5-5911-410C-B527-CFA9A2E9215E}">
-  <ds:schemaRefs>
-    <ds:schemaRef ds:uri="http://schemas.microsoft.com/VisualStudio/2011/storyboarding/control"/>
-  </ds:schemaRefs>
-</ds:datastoreItem>
-</file>
-
-<file path=customXml/itemProps301.xml><?xml version="1.0" encoding="utf-8"?>
-<ds:datastoreItem xmlns:ds="http://schemas.openxmlformats.org/officeDocument/2006/customXml" ds:itemID="{1DA6B2D5-7BA3-4219-AB02-3698109D5106}">
-  <ds:schemaRefs>
-    <ds:schemaRef ds:uri="http://schemas.microsoft.com/VisualStudio/2011/storyboarding/control"/>
-  </ds:schemaRefs>
-</ds:datastoreItem>
-</file>
-
-<file path=customXml/itemProps302.xml><?xml version="1.0" encoding="utf-8"?>
-<ds:datastoreItem xmlns:ds="http://schemas.openxmlformats.org/officeDocument/2006/customXml" ds:itemID="{E0D4D259-B672-4B08-B2B0-A0D8ACD5B803}">
-  <ds:schemaRefs>
-    <ds:schemaRef ds:uri="http://schemas.microsoft.com/VisualStudio/2011/storyboarding/control"/>
-  </ds:schemaRefs>
-</ds:datastoreItem>
-</file>
-
-<file path=customXml/itemProps303.xml><?xml version="1.0" encoding="utf-8"?>
-<ds:datastoreItem xmlns:ds="http://schemas.openxmlformats.org/officeDocument/2006/customXml" ds:itemID="{2BAAA2D6-7765-4C4F-BDEB-43D40C441E62}">
-  <ds:schemaRefs>
-    <ds:schemaRef ds:uri="http://schemas.microsoft.com/VisualStudio/2011/storyboarding/control"/>
-  </ds:schemaRefs>
-</ds:datastoreItem>
-</file>
-
-<file path=customXml/itemProps304.xml><?xml version="1.0" encoding="utf-8"?>
-<ds:datastoreItem xmlns:ds="http://schemas.openxmlformats.org/officeDocument/2006/customXml" ds:itemID="{B417D8B6-53FD-4D5A-BFEE-3543BD43D401}">
-  <ds:schemaRefs>
-    <ds:schemaRef ds:uri="http://schemas.microsoft.com/VisualStudio/2011/storyboarding/control"/>
-  </ds:schemaRefs>
-</ds:datastoreItem>
-</file>
-
-<file path=customXml/itemProps31.xml><?xml version="1.0" encoding="utf-8"?>
-<ds:datastoreItem xmlns:ds="http://schemas.openxmlformats.org/officeDocument/2006/customXml" ds:itemID="{73703013-09B0-4DBA-9FDD-D39DF66AF178}">
-  <ds:schemaRefs>
-    <ds:schemaRef ds:uri="http://schemas.microsoft.com/VisualStudio/2011/storyboarding/control"/>
-  </ds:schemaRefs>
-</ds:datastoreItem>
-</file>
-
-<file path=customXml/itemProps32.xml><?xml version="1.0" encoding="utf-8"?>
-<ds:datastoreItem xmlns:ds="http://schemas.openxmlformats.org/officeDocument/2006/customXml" ds:itemID="{DB6E0612-8B1D-4BE3-AC72-D821C426DE75}">
-  <ds:schemaRefs>
-    <ds:schemaRef ds:uri="http://schemas.microsoft.com/VisualStudio/2011/storyboarding/control"/>
-  </ds:schemaRefs>
-</ds:datastoreItem>
-</file>
-
-<file path=customXml/itemProps33.xml><?xml version="1.0" encoding="utf-8"?>
-<ds:datastoreItem xmlns:ds="http://schemas.openxmlformats.org/officeDocument/2006/customXml" ds:itemID="{FAF24902-C8B9-4A2B-9077-05751B70E139}">
-  <ds:schemaRefs>
-    <ds:schemaRef ds:uri="http://schemas.microsoft.com/VisualStudio/2011/storyboarding/control"/>
-  </ds:schemaRefs>
-</ds:datastoreItem>
-</file>
-
-<file path=customXml/itemProps34.xml><?xml version="1.0" encoding="utf-8"?>
-<ds:datastoreItem xmlns:ds="http://schemas.openxmlformats.org/officeDocument/2006/customXml" ds:itemID="{C0236D38-7F8A-4EAA-B6A1-6880B56FE83E}">
-  <ds:schemaRefs>
-    <ds:schemaRef ds:uri="http://schemas.microsoft.com/VisualStudio/2011/storyboarding/control"/>
-  </ds:schemaRefs>
-</ds:datastoreItem>
-</file>
-
-<file path=customXml/itemProps35.xml><?xml version="1.0" encoding="utf-8"?>
-<ds:datastoreItem xmlns:ds="http://schemas.openxmlformats.org/officeDocument/2006/customXml" ds:itemID="{58C35028-5CF9-4C74-BFCD-437163455DA4}">
-  <ds:schemaRefs>
-    <ds:schemaRef ds:uri="http://schemas.microsoft.com/VisualStudio/2011/storyboarding/control"/>
-  </ds:schemaRefs>
-</ds:datastoreItem>
-</file>
-
-<file path=customXml/itemProps36.xml><?xml version="1.0" encoding="utf-8"?>
-<ds:datastoreItem xmlns:ds="http://schemas.openxmlformats.org/officeDocument/2006/customXml" ds:itemID="{1BCAB8A9-1888-4E42-91F5-BD650F529D02}">
-  <ds:schemaRefs>
-    <ds:schemaRef ds:uri="http://schemas.microsoft.com/VisualStudio/2011/storyboarding/control"/>
-  </ds:schemaRefs>
-</ds:datastoreItem>
-</file>
-
-<file path=customXml/itemProps37.xml><?xml version="1.0" encoding="utf-8"?>
-<ds:datastoreItem xmlns:ds="http://schemas.openxmlformats.org/officeDocument/2006/customXml" ds:itemID="{BCD68537-FD77-44D1-B5FC-C1B002B1B2F1}">
-  <ds:schemaRefs>
-    <ds:schemaRef ds:uri="http://schemas.microsoft.com/VisualStudio/2011/storyboarding/control"/>
-  </ds:schemaRefs>
-</ds:datastoreItem>
-</file>
-
-<file path=customXml/itemProps38.xml><?xml version="1.0" encoding="utf-8"?>
-<ds:datastoreItem xmlns:ds="http://schemas.openxmlformats.org/officeDocument/2006/customXml" ds:itemID="{9ABA7AF9-7AD4-473E-89F4-BC38F2B1F276}">
-  <ds:schemaRefs>
-    <ds:schemaRef ds:uri="http://schemas.microsoft.com/VisualStudio/2011/storyboarding/control"/>
-  </ds:schemaRefs>
-</ds:datastoreItem>
-</file>
-
-<file path=customXml/itemProps39.xml><?xml version="1.0" encoding="utf-8"?>
-<ds:datastoreItem xmlns:ds="http://schemas.openxmlformats.org/officeDocument/2006/customXml" ds:itemID="{2E8AD9A9-60C6-455B-B9D1-03A11462F16E}">
-  <ds:schemaRefs>
-    <ds:schemaRef ds:uri="http://schemas.microsoft.com/VisualStudio/2011/storyboarding/control"/>
-  </ds:schemaRefs>
-</ds:datastoreItem>
-</file>
-
-<file path=customXml/itemProps4.xml><?xml version="1.0" encoding="utf-8"?>
-<ds:datastoreItem xmlns:ds="http://schemas.openxmlformats.org/officeDocument/2006/customXml" ds:itemID="{40E1E962-5637-4EB6-B93C-DA8F96A81FAF}">
-  <ds:schemaRefs>
-    <ds:schemaRef ds:uri="http://schemas.microsoft.com/VisualStudio/2011/storyboarding/control"/>
-  </ds:schemaRefs>
-</ds:datastoreItem>
-</file>
-
-<file path=customXml/itemProps40.xml><?xml version="1.0" encoding="utf-8"?>
-<ds:datastoreItem xmlns:ds="http://schemas.openxmlformats.org/officeDocument/2006/customXml" ds:itemID="{C9CD690E-579D-4787-85BC-0470699F0591}">
-  <ds:schemaRefs>
-    <ds:schemaRef ds:uri="http://schemas.microsoft.com/VisualStudio/2011/storyboarding/control"/>
-  </ds:schemaRefs>
-</ds:datastoreItem>
-</file>
-
-<file path=customXml/itemProps41.xml><?xml version="1.0" encoding="utf-8"?>
-<ds:datastoreItem xmlns:ds="http://schemas.openxmlformats.org/officeDocument/2006/customXml" ds:itemID="{3BB98DE0-C029-4931-AD22-9DDCE0A7F55B}">
-  <ds:schemaRefs>
-    <ds:schemaRef ds:uri="http://schemas.microsoft.com/VisualStudio/2011/storyboarding/control"/>
-  </ds:schemaRefs>
-</ds:datastoreItem>
-</file>
-
-<file path=customXml/itemProps42.xml><?xml version="1.0" encoding="utf-8"?>
-<ds:datastoreItem xmlns:ds="http://schemas.openxmlformats.org/officeDocument/2006/customXml" ds:itemID="{116ABDC4-1EA4-4B49-A6E2-D1CE630DE6B5}">
-  <ds:schemaRefs>
-    <ds:schemaRef ds:uri="http://schemas.microsoft.com/VisualStudio/2011/storyboarding/control"/>
-  </ds:schemaRefs>
-</ds:datastoreItem>
-</file>
-
-<file path=customXml/itemProps43.xml><?xml version="1.0" encoding="utf-8"?>
-<ds:datastoreItem xmlns:ds="http://schemas.openxmlformats.org/officeDocument/2006/customXml" ds:itemID="{F0DC79C3-207C-41FE-A3D7-31F796033D54}">
-  <ds:schemaRefs>
-    <ds:schemaRef ds:uri="http://schemas.microsoft.com/VisualStudio/2011/storyboarding/control"/>
-  </ds:schemaRefs>
-</ds:datastoreItem>
-</file>
-
-<file path=customXml/itemProps44.xml><?xml version="1.0" encoding="utf-8"?>
-<ds:datastoreItem xmlns:ds="http://schemas.openxmlformats.org/officeDocument/2006/customXml" ds:itemID="{704CF15B-5A3D-424C-9C26-639F7FE2B6A2}">
-  <ds:schemaRefs>
-    <ds:schemaRef ds:uri="http://schemas.microsoft.com/VisualStudio/2011/storyboarding/control"/>
-  </ds:schemaRefs>
-</ds:datastoreItem>
-</file>
-
-<file path=customXml/itemProps45.xml><?xml version="1.0" encoding="utf-8"?>
-<ds:datastoreItem xmlns:ds="http://schemas.openxmlformats.org/officeDocument/2006/customXml" ds:itemID="{917C221D-1C7D-4EFD-A42E-4EEB4484E21B}">
-  <ds:schemaRefs>
-    <ds:schemaRef ds:uri="http://schemas.microsoft.com/VisualStudio/2011/storyboarding/control"/>
-  </ds:schemaRefs>
-</ds:datastoreItem>
-</file>
-
-<file path=customXml/itemProps46.xml><?xml version="1.0" encoding="utf-8"?>
-<ds:datastoreItem xmlns:ds="http://schemas.openxmlformats.org/officeDocument/2006/customXml" ds:itemID="{8552D1C0-18CB-40C8-A2BE-33C855951852}">
-  <ds:schemaRefs>
-    <ds:schemaRef ds:uri="http://schemas.microsoft.com/VisualStudio/2011/storyboarding/control"/>
-  </ds:schemaRefs>
-</ds:datastoreItem>
-</file>
-
-<file path=customXml/itemProps47.xml><?xml version="1.0" encoding="utf-8"?>
-<ds:datastoreItem xmlns:ds="http://schemas.openxmlformats.org/officeDocument/2006/customXml" ds:itemID="{71C68A77-FCC5-45AF-90E8-603F01C8B090}">
-  <ds:schemaRefs>
-    <ds:schemaRef ds:uri="http://schemas.microsoft.com/VisualStudio/2011/storyboarding/control"/>
-  </ds:schemaRefs>
-</ds:datastoreItem>
-</file>
-
-<file path=customXml/itemProps48.xml><?xml version="1.0" encoding="utf-8"?>
-<ds:datastoreItem xmlns:ds="http://schemas.openxmlformats.org/officeDocument/2006/customXml" ds:itemID="{F1849B9A-F2A7-47EC-B82F-47ADD7DF296A}">
-  <ds:schemaRefs>
-    <ds:schemaRef ds:uri="http://schemas.microsoft.com/VisualStudio/2011/storyboarding/control"/>
-  </ds:schemaRefs>
-</ds:datastoreItem>
-</file>
-
-<file path=customXml/itemProps49.xml><?xml version="1.0" encoding="utf-8"?>
-<ds:datastoreItem xmlns:ds="http://schemas.openxmlformats.org/officeDocument/2006/customXml" ds:itemID="{B9D5874A-DB82-4E87-A995-5E70DBA4B3B0}">
-  <ds:schemaRefs>
-    <ds:schemaRef ds:uri="http://schemas.microsoft.com/VisualStudio/2011/storyboarding/control"/>
-  </ds:schemaRefs>
-</ds:datastoreItem>
-</file>
-
-<file path=customXml/itemProps5.xml><?xml version="1.0" encoding="utf-8"?>
-<ds:datastoreItem xmlns:ds="http://schemas.openxmlformats.org/officeDocument/2006/customXml" ds:itemID="{E628D704-53B1-402A-B3C4-24BC08ADD505}">
-  <ds:schemaRefs>
-    <ds:schemaRef ds:uri="http://schemas.microsoft.com/VisualStudio/2011/storyboarding/control"/>
-  </ds:schemaRefs>
-</ds:datastoreItem>
-</file>
-
-<file path=customXml/itemProps50.xml><?xml version="1.0" encoding="utf-8"?>
-<ds:datastoreItem xmlns:ds="http://schemas.openxmlformats.org/officeDocument/2006/customXml" ds:itemID="{53DA1D64-FAE3-4051-86C4-7E4958EE6430}">
-  <ds:schemaRefs>
-    <ds:schemaRef ds:uri="http://schemas.microsoft.com/VisualStudio/2011/storyboarding/control"/>
-  </ds:schemaRefs>
-</ds:datastoreItem>
-</file>
-
-<file path=customXml/itemProps51.xml><?xml version="1.0" encoding="utf-8"?>
-<ds:datastoreItem xmlns:ds="http://schemas.openxmlformats.org/officeDocument/2006/customXml" ds:itemID="{D19C77BF-37A4-49C8-9F43-13E14FC0A177}">
-  <ds:schemaRefs>
-    <ds:schemaRef ds:uri="http://schemas.microsoft.com/VisualStudio/2011/storyboarding/control"/>
-  </ds:schemaRefs>
-</ds:datastoreItem>
-</file>
-
-<file path=customXml/itemProps52.xml><?xml version="1.0" encoding="utf-8"?>
-<ds:datastoreItem xmlns:ds="http://schemas.openxmlformats.org/officeDocument/2006/customXml" ds:itemID="{3A9E3F93-02A4-4356-BBC6-A7BD971C5367}">
-  <ds:schemaRefs>
-    <ds:schemaRef ds:uri="http://schemas.microsoft.com/VisualStudio/2011/storyboarding/control"/>
-  </ds:schemaRefs>
-</ds:datastoreItem>
-</file>
-
-<file path=customXml/itemProps53.xml><?xml version="1.0" encoding="utf-8"?>
-<ds:datastoreItem xmlns:ds="http://schemas.openxmlformats.org/officeDocument/2006/customXml" ds:itemID="{2227405F-AD2B-44C3-ADF8-746334825D1B}">
-  <ds:schemaRefs>
-    <ds:schemaRef ds:uri="http://schemas.microsoft.com/VisualStudio/2011/storyboarding/control"/>
-  </ds:schemaRefs>
-</ds:datastoreItem>
-</file>
-
-<file path=customXml/itemProps54.xml><?xml version="1.0" encoding="utf-8"?>
-<ds:datastoreItem xmlns:ds="http://schemas.openxmlformats.org/officeDocument/2006/customXml" ds:itemID="{AE128F89-BEFE-49D1-B7EC-DF64FC22E46D}">
-  <ds:schemaRefs>
-    <ds:schemaRef ds:uri="http://schemas.microsoft.com/VisualStudio/2011/storyboarding/control"/>
-  </ds:schemaRefs>
-</ds:datastoreItem>
-</file>
-
-<file path=customXml/itemProps55.xml><?xml version="1.0" encoding="utf-8"?>
-<ds:datastoreItem xmlns:ds="http://schemas.openxmlformats.org/officeDocument/2006/customXml" ds:itemID="{BF8B6F30-58A9-49DC-A98D-09DDB8F2693B}">
-  <ds:schemaRefs>
-    <ds:schemaRef ds:uri="http://schemas.microsoft.com/VisualStudio/2011/storyboarding/control"/>
-  </ds:schemaRefs>
-</ds:datastoreItem>
-</file>
-
-<file path=customXml/itemProps56.xml><?xml version="1.0" encoding="utf-8"?>
-<ds:datastoreItem xmlns:ds="http://schemas.openxmlformats.org/officeDocument/2006/customXml" ds:itemID="{8FB016EA-60C1-4762-8FF2-7DE705E604F0}">
-  <ds:schemaRefs>
-    <ds:schemaRef ds:uri="http://schemas.microsoft.com/VisualStudio/2011/storyboarding/control"/>
-  </ds:schemaRefs>
-</ds:datastoreItem>
-</file>
-
-<file path=customXml/itemProps57.xml><?xml version="1.0" encoding="utf-8"?>
-<ds:datastoreItem xmlns:ds="http://schemas.openxmlformats.org/officeDocument/2006/customXml" ds:itemID="{452A5613-1F1F-4ABC-81F7-3303A828A0B8}">
-  <ds:schemaRefs>
-    <ds:schemaRef ds:uri="http://schemas.microsoft.com/VisualStudio/2011/storyboarding/control"/>
-  </ds:schemaRefs>
-</ds:datastoreItem>
-</file>
-
-<file path=customXml/itemProps58.xml><?xml version="1.0" encoding="utf-8"?>
-<ds:datastoreItem xmlns:ds="http://schemas.openxmlformats.org/officeDocument/2006/customXml" ds:itemID="{2262AB97-89CA-4079-98DA-993B62EF26AB}">
-  <ds:schemaRefs>
-    <ds:schemaRef ds:uri="http://schemas.microsoft.com/VisualStudio/2011/storyboarding/control"/>
-  </ds:schemaRefs>
-</ds:datastoreItem>
-</file>
-
-<file path=customXml/itemProps59.xml><?xml version="1.0" encoding="utf-8"?>
-<ds:datastoreItem xmlns:ds="http://schemas.openxmlformats.org/officeDocument/2006/customXml" ds:itemID="{0639E041-5344-4826-A0B0-6DE2057EC2F0}">
-  <ds:schemaRefs>
-    <ds:schemaRef ds:uri="http://schemas.microsoft.com/VisualStudio/2011/storyboarding/control"/>
-  </ds:schemaRefs>
-</ds:datastoreItem>
-</file>
-
-<file path=customXml/itemProps6.xml><?xml version="1.0" encoding="utf-8"?>
-<ds:datastoreItem xmlns:ds="http://schemas.openxmlformats.org/officeDocument/2006/customXml" ds:itemID="{64E59FFC-D8D8-4E52-B11B-0543A90F6B8E}">
-  <ds:schemaRefs>
-    <ds:schemaRef ds:uri="http://schemas.microsoft.com/VisualStudio/2011/storyboarding/control"/>
-  </ds:schemaRefs>
-</ds:datastoreItem>
-</file>
-
-<file path=customXml/itemProps60.xml><?xml version="1.0" encoding="utf-8"?>
-<ds:datastoreItem xmlns:ds="http://schemas.openxmlformats.org/officeDocument/2006/customXml" ds:itemID="{8FFBA1EB-8640-41D3-90AB-ABBFC6BE36B9}">
-  <ds:schemaRefs>
-    <ds:schemaRef ds:uri="http://schemas.microsoft.com/VisualStudio/2011/storyboarding/control"/>
-  </ds:schemaRefs>
-</ds:datastoreItem>
-</file>
-
-<file path=customXml/itemProps61.xml><?xml version="1.0" encoding="utf-8"?>
-<ds:datastoreItem xmlns:ds="http://schemas.openxmlformats.org/officeDocument/2006/customXml" ds:itemID="{FA3B41DB-8CE9-4ECC-8674-1D620E522544}">
-  <ds:schemaRefs>
-    <ds:schemaRef ds:uri="http://schemas.microsoft.com/VisualStudio/2011/storyboarding/control"/>
-  </ds:schemaRefs>
-</ds:datastoreItem>
-</file>
-
-<file path=customXml/itemProps62.xml><?xml version="1.0" encoding="utf-8"?>
-<ds:datastoreItem xmlns:ds="http://schemas.openxmlformats.org/officeDocument/2006/customXml" ds:itemID="{7237F07E-A930-4D5B-AB6B-A69936D64469}">
-  <ds:schemaRefs>
-    <ds:schemaRef ds:uri="http://schemas.microsoft.com/VisualStudio/2011/storyboarding/control"/>
-  </ds:schemaRefs>
-</ds:datastoreItem>
-</file>
-
-<file path=customXml/itemProps63.xml><?xml version="1.0" encoding="utf-8"?>
-<ds:datastoreItem xmlns:ds="http://schemas.openxmlformats.org/officeDocument/2006/customXml" ds:itemID="{A6D095BC-789E-4CE8-AA99-696AAAA6E3A4}">
-  <ds:schemaRefs>
-    <ds:schemaRef ds:uri="http://schemas.microsoft.com/VisualStudio/2011/storyboarding/control"/>
-  </ds:schemaRefs>
-</ds:datastoreItem>
-</file>
-
-<file path=customXml/itemProps64.xml><?xml version="1.0" encoding="utf-8"?>
-<ds:datastoreItem xmlns:ds="http://schemas.openxmlformats.org/officeDocument/2006/customXml" ds:itemID="{40F569EB-8ABB-4446-9E42-226E6AA99E71}">
-  <ds:schemaRefs>
-    <ds:schemaRef ds:uri="http://schemas.microsoft.com/VisualStudio/2011/storyboarding/control"/>
-  </ds:schemaRefs>
-</ds:datastoreItem>
-</file>
-
-<file path=customXml/itemProps65.xml><?xml version="1.0" encoding="utf-8"?>
-<ds:datastoreItem xmlns:ds="http://schemas.openxmlformats.org/officeDocument/2006/customXml" ds:itemID="{399F0338-4F9A-433F-839E-BB1C565311C7}">
-  <ds:schemaRefs>
-    <ds:schemaRef ds:uri="http://schemas.microsoft.com/VisualStudio/2011/storyboarding/control"/>
-  </ds:schemaRefs>
-</ds:datastoreItem>
-</file>
-
-<file path=customXml/itemProps66.xml><?xml version="1.0" encoding="utf-8"?>
-<ds:datastoreItem xmlns:ds="http://schemas.openxmlformats.org/officeDocument/2006/customXml" ds:itemID="{356E3D99-BE40-4EAC-A6C1-6B612678EA9D}">
-  <ds:schemaRefs>
-    <ds:schemaRef ds:uri="http://schemas.microsoft.com/VisualStudio/2011/storyboarding/control"/>
-  </ds:schemaRefs>
-</ds:datastoreItem>
-</file>
-
-<file path=customXml/itemProps67.xml><?xml version="1.0" encoding="utf-8"?>
-<ds:datastoreItem xmlns:ds="http://schemas.openxmlformats.org/officeDocument/2006/customXml" ds:itemID="{5900ABFD-735C-4D22-859F-F006CFDD473A}">
-  <ds:schemaRefs>
-    <ds:schemaRef ds:uri="http://schemas.microsoft.com/VisualStudio/2011/storyboarding/control"/>
-  </ds:schemaRefs>
-</ds:datastoreItem>
-</file>
-
-<file path=customXml/itemProps68.xml><?xml version="1.0" encoding="utf-8"?>
-<ds:datastoreItem xmlns:ds="http://schemas.openxmlformats.org/officeDocument/2006/customXml" ds:itemID="{27CCB74F-C7FD-4A95-AE27-8D308AD0CB50}">
-  <ds:schemaRefs>
-    <ds:schemaRef ds:uri="http://schemas.microsoft.com/VisualStudio/2011/storyboarding/control"/>
-  </ds:schemaRefs>
-</ds:datastoreItem>
-</file>
-
-<file path=customXml/itemProps69.xml><?xml version="1.0" encoding="utf-8"?>
-<ds:datastoreItem xmlns:ds="http://schemas.openxmlformats.org/officeDocument/2006/customXml" ds:itemID="{BE60BF8C-B366-4015-AFC5-00DA9D5EE41E}">
-  <ds:schemaRefs>
-    <ds:schemaRef ds:uri="http://schemas.microsoft.com/VisualStudio/2011/storyboarding/control"/>
-  </ds:schemaRefs>
-</ds:datastoreItem>
-</file>
-
-<file path=customXml/itemProps7.xml><?xml version="1.0" encoding="utf-8"?>
-<ds:datastoreItem xmlns:ds="http://schemas.openxmlformats.org/officeDocument/2006/customXml" ds:itemID="{5F6A41BF-2E92-4F14-BAD8-36D53D1258B9}">
-  <ds:schemaRefs>
-    <ds:schemaRef ds:uri="http://schemas.microsoft.com/VisualStudio/2011/storyboarding/control"/>
-  </ds:schemaRefs>
-</ds:datastoreItem>
-</file>
-
-<file path=customXml/itemProps70.xml><?xml version="1.0" encoding="utf-8"?>
-<ds:datastoreItem xmlns:ds="http://schemas.openxmlformats.org/officeDocument/2006/customXml" ds:itemID="{09CE74FB-25C7-4560-B2D1-31C53C62D2F2}">
-  <ds:schemaRefs>
-    <ds:schemaRef ds:uri="http://schemas.microsoft.com/VisualStudio/2011/storyboarding/control"/>
-  </ds:schemaRefs>
-</ds:datastoreItem>
-</file>
-
-<file path=customXml/itemProps71.xml><?xml version="1.0" encoding="utf-8"?>
-<ds:datastoreItem xmlns:ds="http://schemas.openxmlformats.org/officeDocument/2006/customXml" ds:itemID="{883EAB1A-18F1-41A1-87DF-62F639BB46CC}">
-  <ds:schemaRefs>
-    <ds:schemaRef ds:uri="http://schemas.microsoft.com/VisualStudio/2011/storyboarding/control"/>
-  </ds:schemaRefs>
-</ds:datastoreItem>
-</file>
-
-<file path=customXml/itemProps72.xml><?xml version="1.0" encoding="utf-8"?>
-<ds:datastoreItem xmlns:ds="http://schemas.openxmlformats.org/officeDocument/2006/customXml" ds:itemID="{2FB95A6F-7C40-409F-B892-7F1286D5C297}">
-  <ds:schemaRefs>
-    <ds:schemaRef ds:uri="http://schemas.microsoft.com/VisualStudio/2011/storyboarding/control"/>
-  </ds:schemaRefs>
-</ds:datastoreItem>
-</file>
-
-<file path=customXml/itemProps73.xml><?xml version="1.0" encoding="utf-8"?>
-<ds:datastoreItem xmlns:ds="http://schemas.openxmlformats.org/officeDocument/2006/customXml" ds:itemID="{F36D2A4F-C360-49F8-A227-4F706FF4D9DF}">
-  <ds:schemaRefs>
-    <ds:schemaRef ds:uri="http://schemas.microsoft.com/VisualStudio/2011/storyboarding/control"/>
-  </ds:schemaRefs>
-</ds:datastoreItem>
-</file>
-
-<file path=customXml/itemProps74.xml><?xml version="1.0" encoding="utf-8"?>
-<ds:datastoreItem xmlns:ds="http://schemas.openxmlformats.org/officeDocument/2006/customXml" ds:itemID="{0F678DC3-7A11-4960-98D1-2284A12D1CFC}">
-  <ds:schemaRefs>
-    <ds:schemaRef ds:uri="http://schemas.microsoft.com/VisualStudio/2011/storyboarding/control"/>
-  </ds:schemaRefs>
-</ds:datastoreItem>
-</file>
-
-<file path=customXml/itemProps75.xml><?xml version="1.0" encoding="utf-8"?>
-<ds:datastoreItem xmlns:ds="http://schemas.openxmlformats.org/officeDocument/2006/customXml" ds:itemID="{82E33D8B-2115-44F9-B288-F7DDC7375FA0}">
-  <ds:schemaRefs>
-    <ds:schemaRef ds:uri="http://schemas.microsoft.com/VisualStudio/2011/storyboarding/control"/>
-  </ds:schemaRefs>
-</ds:datastoreItem>
-</file>
-
-<file path=customXml/itemProps76.xml><?xml version="1.0" encoding="utf-8"?>
-<ds:datastoreItem xmlns:ds="http://schemas.openxmlformats.org/officeDocument/2006/customXml" ds:itemID="{2F4FCC51-0CE4-4CD4-814B-F7F5CC6D4A8E}">
-  <ds:schemaRefs>
-    <ds:schemaRef ds:uri="http://schemas.microsoft.com/VisualStudio/2011/storyboarding/control"/>
-  </ds:schemaRefs>
-</ds:datastoreItem>
-</file>
-
-<file path=customXml/itemProps77.xml><?xml version="1.0" encoding="utf-8"?>
-<ds:datastoreItem xmlns:ds="http://schemas.openxmlformats.org/officeDocument/2006/customXml" ds:itemID="{9BC0CB4D-BF5E-434C-A27C-66597D46EEDF}">
-  <ds:schemaRefs>
-    <ds:schemaRef ds:uri="http://schemas.microsoft.com/VisualStudio/2011/storyboarding/control"/>
-  </ds:schemaRefs>
-</ds:datastoreItem>
-</file>
-
-<file path=customXml/itemProps78.xml><?xml version="1.0" encoding="utf-8"?>
-<ds:datastoreItem xmlns:ds="http://schemas.openxmlformats.org/officeDocument/2006/customXml" ds:itemID="{926C71EA-7662-42AD-B796-6EA8688D8F12}">
-  <ds:schemaRefs>
-    <ds:schemaRef ds:uri="http://schemas.microsoft.com/VisualStudio/2011/storyboarding/control"/>
-  </ds:schemaRefs>
-</ds:datastoreItem>
-</file>
-
-<file path=customXml/itemProps79.xml><?xml version="1.0" encoding="utf-8"?>
-<ds:datastoreItem xmlns:ds="http://schemas.openxmlformats.org/officeDocument/2006/customXml" ds:itemID="{2F6BDFFF-5546-47E4-8CF1-5354DFE6CFD9}">
-  <ds:schemaRefs>
-    <ds:schemaRef ds:uri="http://schemas.microsoft.com/VisualStudio/2011/storyboarding/control"/>
-  </ds:schemaRefs>
-</ds:datastoreItem>
-</file>
-
-<file path=customXml/itemProps8.xml><?xml version="1.0" encoding="utf-8"?>
-<ds:datastoreItem xmlns:ds="http://schemas.openxmlformats.org/officeDocument/2006/customXml" ds:itemID="{49295FCB-C0F6-4058-AADB-C80AB995A670}">
-  <ds:schemaRefs>
-    <ds:schemaRef ds:uri="http://schemas.microsoft.com/VisualStudio/2011/storyboarding/control"/>
-  </ds:schemaRefs>
-</ds:datastoreItem>
-</file>
-
-<file path=customXml/itemProps80.xml><?xml version="1.0" encoding="utf-8"?>
-<ds:datastoreItem xmlns:ds="http://schemas.openxmlformats.org/officeDocument/2006/customXml" ds:itemID="{00733A73-60C4-4047-99FA-999B6399E6BC}">
-  <ds:schemaRefs>
-    <ds:schemaRef ds:uri="http://schemas.microsoft.com/VisualStudio/2011/storyboarding/control"/>
-  </ds:schemaRefs>
-</ds:datastoreItem>
-</file>
-
-<file path=customXml/itemProps81.xml><?xml version="1.0" encoding="utf-8"?>
-<ds:datastoreItem xmlns:ds="http://schemas.openxmlformats.org/officeDocument/2006/customXml" ds:itemID="{34D79507-41CE-4F82-9FD7-28ECA0111C35}">
-  <ds:schemaRefs>
-    <ds:schemaRef ds:uri="http://schemas.microsoft.com/VisualStudio/2011/storyboarding/control"/>
-  </ds:schemaRefs>
-</ds:datastoreItem>
-</file>
-
-<file path=customXml/itemProps82.xml><?xml version="1.0" encoding="utf-8"?>
-<ds:datastoreItem xmlns:ds="http://schemas.openxmlformats.org/officeDocument/2006/customXml" ds:itemID="{1AC0D00C-EC22-4539-8C6F-733758572347}">
-  <ds:schemaRefs>
-    <ds:schemaRef ds:uri="http://schemas.microsoft.com/VisualStudio/2011/storyboarding/control"/>
-  </ds:schemaRefs>
-</ds:datastoreItem>
-</file>
-
-<file path=customXml/itemProps83.xml><?xml version="1.0" encoding="utf-8"?>
-<ds:datastoreItem xmlns:ds="http://schemas.openxmlformats.org/officeDocument/2006/customXml" ds:itemID="{FB0EC920-4B28-4D34-9084-542FA6ABA82C}">
-  <ds:schemaRefs>
-    <ds:schemaRef ds:uri="http://schemas.microsoft.com/VisualStudio/2011/storyboarding/control"/>
-  </ds:schemaRefs>
-</ds:datastoreItem>
-</file>
-
-<file path=customXml/itemProps84.xml><?xml version="1.0" encoding="utf-8"?>
-<ds:datastoreItem xmlns:ds="http://schemas.openxmlformats.org/officeDocument/2006/customXml" ds:itemID="{392A17C6-E843-4590-854E-08329261E193}">
-  <ds:schemaRefs>
-    <ds:schemaRef ds:uri="http://schemas.microsoft.com/VisualStudio/2011/storyboarding/control"/>
-  </ds:schemaRefs>
-</ds:datastoreItem>
-</file>
-
-<file path=customXml/itemProps85.xml><?xml version="1.0" encoding="utf-8"?>
-<ds:datastoreItem xmlns:ds="http://schemas.openxmlformats.org/officeDocument/2006/customXml" ds:itemID="{3CB64095-2B64-4413-A0E0-D6AE34457700}">
-  <ds:schemaRefs>
-    <ds:schemaRef ds:uri="http://schemas.microsoft.com/VisualStudio/2011/storyboarding/control"/>
-  </ds:schemaRefs>
-</ds:datastoreItem>
-</file>
-
-<file path=customXml/itemProps86.xml><?xml version="1.0" encoding="utf-8"?>
-<ds:datastoreItem xmlns:ds="http://schemas.openxmlformats.org/officeDocument/2006/customXml" ds:itemID="{8491097D-3BEA-417B-9273-13DD25B61827}">
-  <ds:schemaRefs>
-    <ds:schemaRef ds:uri="http://schemas.microsoft.com/VisualStudio/2011/storyboarding/control"/>
-  </ds:schemaRefs>
-</ds:datastoreItem>
-</file>
-
-<file path=customXml/itemProps87.xml><?xml version="1.0" encoding="utf-8"?>
-<ds:datastoreItem xmlns:ds="http://schemas.openxmlformats.org/officeDocument/2006/customXml" ds:itemID="{7D83CF62-C030-46A5-BB42-EA6E29EB49F5}">
-  <ds:schemaRefs>
-    <ds:schemaRef ds:uri="http://schemas.microsoft.com/VisualStudio/2011/storyboarding/control"/>
-  </ds:schemaRefs>
-</ds:datastoreItem>
-</file>
-
-<file path=customXml/itemProps88.xml><?xml version="1.0" encoding="utf-8"?>
-<ds:datastoreItem xmlns:ds="http://schemas.openxmlformats.org/officeDocument/2006/customXml" ds:itemID="{8159193B-BADF-419B-B907-5EF8622C190C}">
-  <ds:schemaRefs>
-    <ds:schemaRef ds:uri="http://schemas.microsoft.com/VisualStudio/2011/storyboarding/control"/>
-  </ds:schemaRefs>
-</ds:datastoreItem>
-</file>
-
-<file path=customXml/itemProps89.xml><?xml version="1.0" encoding="utf-8"?>
-<ds:datastoreItem xmlns:ds="http://schemas.openxmlformats.org/officeDocument/2006/customXml" ds:itemID="{D04082BA-D2CD-4E56-B169-1608513122AE}">
-  <ds:schemaRefs>
-    <ds:schemaRef ds:uri="http://schemas.microsoft.com/VisualStudio/2011/storyboarding/control"/>
-  </ds:schemaRefs>
-</ds:datastoreItem>
-</file>
-
-<file path=customXml/itemProps9.xml><?xml version="1.0" encoding="utf-8"?>
-<ds:datastoreItem xmlns:ds="http://schemas.openxmlformats.org/officeDocument/2006/customXml" ds:itemID="{0C30631B-6B6B-4F45-A69E-60EB784933B3}">
-  <ds:schemaRefs>
-    <ds:schemaRef ds:uri="http://schemas.microsoft.com/VisualStudio/2011/storyboarding/control"/>
-  </ds:schemaRefs>
-</ds:datastoreItem>
-</file>
-
-<file path=customXml/itemProps90.xml><?xml version="1.0" encoding="utf-8"?>
-<ds:datastoreItem xmlns:ds="http://schemas.openxmlformats.org/officeDocument/2006/customXml" ds:itemID="{4274C42F-63E9-49F9-B959-AD75845B8D07}">
-  <ds:schemaRefs>
-    <ds:schemaRef ds:uri="http://schemas.microsoft.com/VisualStudio/2011/storyboarding/control"/>
-  </ds:schemaRefs>
-</ds:datastoreItem>
-</file>
-
-<file path=customXml/itemProps91.xml><?xml version="1.0" encoding="utf-8"?>
-<ds:datastoreItem xmlns:ds="http://schemas.openxmlformats.org/officeDocument/2006/customXml" ds:itemID="{0ACD7F9E-6922-401E-AD61-6FDDCBE9BAA8}">
-  <ds:schemaRefs>
-    <ds:schemaRef ds:uri="http://schemas.microsoft.com/VisualStudio/2011/storyboarding/control"/>
-  </ds:schemaRefs>
-</ds:datastoreItem>
-</file>
-
-<file path=customXml/itemProps92.xml><?xml version="1.0" encoding="utf-8"?>
-<ds:datastoreItem xmlns:ds="http://schemas.openxmlformats.org/officeDocument/2006/customXml" ds:itemID="{D0D892FC-96D9-4F80-841A-D732044A2BF9}">
-  <ds:schemaRefs>
-    <ds:schemaRef ds:uri="http://schemas.microsoft.com/VisualStudio/2011/storyboarding/control"/>
-  </ds:schemaRefs>
-</ds:datastoreItem>
-</file>
-
-<file path=customXml/itemProps93.xml><?xml version="1.0" encoding="utf-8"?>
-<ds:datastoreItem xmlns:ds="http://schemas.openxmlformats.org/officeDocument/2006/customXml" ds:itemID="{D3C03370-B090-47F7-912D-2E624F6AF804}">
-  <ds:schemaRefs>
-    <ds:schemaRef ds:uri="http://schemas.microsoft.com/VisualStudio/2011/storyboarding/control"/>
-  </ds:schemaRefs>
-</ds:datastoreItem>
-</file>
-
-<file path=customXml/itemProps94.xml><?xml version="1.0" encoding="utf-8"?>
-<ds:datastoreItem xmlns:ds="http://schemas.openxmlformats.org/officeDocument/2006/customXml" ds:itemID="{0B9C428E-2130-42D7-AF35-CB4A84DD8F2F}">
-  <ds:schemaRefs>
-    <ds:schemaRef ds:uri="http://schemas.microsoft.com/VisualStudio/2011/storyboarding/control"/>
-  </ds:schemaRefs>
-</ds:datastoreItem>
-</file>
-
-<file path=customXml/itemProps95.xml><?xml version="1.0" encoding="utf-8"?>
-<ds:datastoreItem xmlns:ds="http://schemas.openxmlformats.org/officeDocument/2006/customXml" ds:itemID="{BB34EE50-A076-446E-BBF4-53C836A4A8DF}">
-  <ds:schemaRefs>
-    <ds:schemaRef ds:uri="http://schemas.microsoft.com/VisualStudio/2011/storyboarding/control"/>
-  </ds:schemaRefs>
-</ds:datastoreItem>
-</file>
-
-<file path=customXml/itemProps96.xml><?xml version="1.0" encoding="utf-8"?>
-<ds:datastoreItem xmlns:ds="http://schemas.openxmlformats.org/officeDocument/2006/customXml" ds:itemID="{A9589BB7-B112-466A-B7DB-50FF9E4A7695}">
-  <ds:schemaRefs>
-    <ds:schemaRef ds:uri="http://schemas.microsoft.com/VisualStudio/2011/storyboarding/control"/>
-  </ds:schemaRefs>
-</ds:datastoreItem>
-</file>
-
-<file path=customXml/itemProps97.xml><?xml version="1.0" encoding="utf-8"?>
-<ds:datastoreItem xmlns:ds="http://schemas.openxmlformats.org/officeDocument/2006/customXml" ds:itemID="{E12DD9CD-91AF-4CC9-87D9-DB103477FE67}">
-  <ds:schemaRefs>
-    <ds:schemaRef ds:uri="http://schemas.microsoft.com/VisualStudio/2011/storyboarding/control"/>
-  </ds:schemaRefs>
-</ds:datastoreItem>
-</file>
-
-<file path=customXml/itemProps98.xml><?xml version="1.0" encoding="utf-8"?>
-<ds:datastoreItem xmlns:ds="http://schemas.openxmlformats.org/officeDocument/2006/customXml" ds:itemID="{7E6575B5-210E-4C5C-962C-D0D28D81591D}">
-  <ds:schemaRefs>
-    <ds:schemaRef ds:uri="http://schemas.microsoft.com/VisualStudio/2011/storyboarding/control"/>
-  </ds:schemaRefs>
-</ds:datastoreItem>
-</file>
-
-<file path=customXml/itemProps99.xml><?xml version="1.0" encoding="utf-8"?>
-<ds:datastoreItem xmlns:ds="http://schemas.openxmlformats.org/officeDocument/2006/customXml" ds:itemID="{E9EE710E-B830-46E0-A3BB-509FE1DDDB22}">
-  <ds:schemaRefs>
-    <ds:schemaRef ds:uri="http://schemas.microsoft.com/VisualStudio/2011/storyboarding/control"/>
-  </ds:schemaRefs>
-</ds:datastoreItem>
 </file>
--- a/doc/Storyboard.pptx
+++ b/doc/Storyboard.pptx
@@ -2,16 +2,16 @@
 <file path=ppt/presentation.xml><?xml version="1.0" encoding="utf-8"?>
 <p:presentation xmlns:a="http://schemas.openxmlformats.org/drawingml/2006/main" xmlns:r="http://schemas.openxmlformats.org/officeDocument/2006/relationships" xmlns:p="http://schemas.openxmlformats.org/presentationml/2006/main" saveSubsetFonts="1">
   <p:sldMasterIdLst>
-    <p:sldMasterId id="2147483648" r:id="rId305"/>
+    <p:sldMasterId id="2147483648" r:id="rId307"/>
   </p:sldMasterIdLst>
   <p:sldIdLst>
-    <p:sldId id="257" r:id="rId306"/>
-    <p:sldId id="256" r:id="rId307"/>
-    <p:sldId id="260" r:id="rId308"/>
-    <p:sldId id="259" r:id="rId309"/>
-    <p:sldId id="261" r:id="rId310"/>
-    <p:sldId id="262" r:id="rId311"/>
-    <p:sldId id="263" r:id="rId312"/>
+    <p:sldId id="257" r:id="rId308"/>
+    <p:sldId id="256" r:id="rId309"/>
+    <p:sldId id="260" r:id="rId310"/>
+    <p:sldId id="259" r:id="rId311"/>
+    <p:sldId id="261" r:id="rId312"/>
+    <p:sldId id="262" r:id="rId313"/>
+    <p:sldId id="263" r:id="rId314"/>
   </p:sldIdLst>
   <p:sldSz cx="12192000" cy="6858000"/>
   <p:notesSz cx="6858000" cy="9144000"/>
@@ -249,7 +249,7 @@
           <a:p>
             <a:fld id="{02331537-4785-4DB7-8225-D1A4272F3F74}" type="datetimeFigureOut">
               <a:rPr lang="es-ES" smtClean="0"/>
-              <a:t>10/03/2018</a:t>
+              <a:t>12/03/2018</a:t>
             </a:fld>
             <a:endParaRPr lang="es-ES"/>
           </a:p>
@@ -419,7 +419,7 @@
           <a:p>
             <a:fld id="{02331537-4785-4DB7-8225-D1A4272F3F74}" type="datetimeFigureOut">
               <a:rPr lang="es-ES" smtClean="0"/>
-              <a:t>10/03/2018</a:t>
+              <a:t>12/03/2018</a:t>
             </a:fld>
             <a:endParaRPr lang="es-ES"/>
           </a:p>
@@ -599,7 +599,7 @@
           <a:p>
             <a:fld id="{02331537-4785-4DB7-8225-D1A4272F3F74}" type="datetimeFigureOut">
               <a:rPr lang="es-ES" smtClean="0"/>
-              <a:t>10/03/2018</a:t>
+              <a:t>12/03/2018</a:t>
             </a:fld>
             <a:endParaRPr lang="es-ES"/>
           </a:p>
@@ -769,7 +769,7 @@
           <a:p>
             <a:fld id="{02331537-4785-4DB7-8225-D1A4272F3F74}" type="datetimeFigureOut">
               <a:rPr lang="es-ES" smtClean="0"/>
-              <a:t>10/03/2018</a:t>
+              <a:t>12/03/2018</a:t>
             </a:fld>
             <a:endParaRPr lang="es-ES"/>
           </a:p>
@@ -1015,7 +1015,7 @@
           <a:p>
             <a:fld id="{02331537-4785-4DB7-8225-D1A4272F3F74}" type="datetimeFigureOut">
               <a:rPr lang="es-ES" smtClean="0"/>
-              <a:t>10/03/2018</a:t>
+              <a:t>12/03/2018</a:t>
             </a:fld>
             <a:endParaRPr lang="es-ES"/>
           </a:p>
@@ -1247,7 +1247,7 @@
           <a:p>
             <a:fld id="{02331537-4785-4DB7-8225-D1A4272F3F74}" type="datetimeFigureOut">
               <a:rPr lang="es-ES" smtClean="0"/>
-              <a:t>10/03/2018</a:t>
+              <a:t>12/03/2018</a:t>
             </a:fld>
             <a:endParaRPr lang="es-ES"/>
           </a:p>
@@ -1614,7 +1614,7 @@
           <a:p>
             <a:fld id="{02331537-4785-4DB7-8225-D1A4272F3F74}" type="datetimeFigureOut">
               <a:rPr lang="es-ES" smtClean="0"/>
-              <a:t>10/03/2018</a:t>
+              <a:t>12/03/2018</a:t>
             </a:fld>
             <a:endParaRPr lang="es-ES"/>
           </a:p>
@@ -1732,7 +1732,7 @@
           <a:p>
             <a:fld id="{02331537-4785-4DB7-8225-D1A4272F3F74}" type="datetimeFigureOut">
               <a:rPr lang="es-ES" smtClean="0"/>
-              <a:t>10/03/2018</a:t>
+              <a:t>12/03/2018</a:t>
             </a:fld>
             <a:endParaRPr lang="es-ES"/>
           </a:p>
@@ -1827,7 +1827,7 @@
           <a:p>
             <a:fld id="{02331537-4785-4DB7-8225-D1A4272F3F74}" type="datetimeFigureOut">
               <a:rPr lang="es-ES" smtClean="0"/>
-              <a:t>10/03/2018</a:t>
+              <a:t>12/03/2018</a:t>
             </a:fld>
             <a:endParaRPr lang="es-ES"/>
           </a:p>
@@ -2104,7 +2104,7 @@
           <a:p>
             <a:fld id="{02331537-4785-4DB7-8225-D1A4272F3F74}" type="datetimeFigureOut">
               <a:rPr lang="es-ES" smtClean="0"/>
-              <a:t>10/03/2018</a:t>
+              <a:t>12/03/2018</a:t>
             </a:fld>
             <a:endParaRPr lang="es-ES"/>
           </a:p>
@@ -2357,7 +2357,7 @@
           <a:p>
             <a:fld id="{02331537-4785-4DB7-8225-D1A4272F3F74}" type="datetimeFigureOut">
               <a:rPr lang="es-ES" smtClean="0"/>
-              <a:t>10/03/2018</a:t>
+              <a:t>12/03/2018</a:t>
             </a:fld>
             <a:endParaRPr lang="es-ES"/>
           </a:p>
@@ -2570,7 +2570,7 @@
           <a:p>
             <a:fld id="{02331537-4785-4DB7-8225-D1A4272F3F74}" type="datetimeFigureOut">
               <a:rPr lang="es-ES" smtClean="0"/>
-              <a:t>10/03/2018</a:t>
+              <a:t>12/03/2018</a:t>
             </a:fld>
             <a:endParaRPr lang="es-ES"/>
           </a:p>
@@ -5485,7 +5485,6 @@
                 <a:rPr lang="en-US" sz="1200" dirty="0"/>
                 <a:t>1</a:t>
               </a:r>
-              <a:endParaRPr lang="en-US" sz="1200" dirty="0"/>
             </a:p>
           </p:txBody>
         </p:sp>
@@ -22758,36 +22757,26 @@
                 <a:latin typeface="SF Display" panose="00000500000000000000" pitchFamily="50" charset="0"/>
                 <a:ea typeface="SF Display" panose="00000500000000000000" pitchFamily="50" charset="0"/>
               </a:rPr>
-              <a:t>(no </a:t>
+              <a:t>(</a:t>
             </a:r>
             <a:r>
               <a:rPr lang="en-US" sz="900" b="1" dirty="0" err="1" smtClean="0">
                 <a:latin typeface="SF Display" panose="00000500000000000000" pitchFamily="50" charset="0"/>
                 <a:ea typeface="SF Display" panose="00000500000000000000" pitchFamily="50" charset="0"/>
               </a:rPr>
-              <a:t>es</a:t>
+              <a:t>Opcional</a:t>
             </a:r>
             <a:r>
               <a:rPr lang="en-US" sz="900" b="1" dirty="0" smtClean="0">
                 <a:latin typeface="SF Display" panose="00000500000000000000" pitchFamily="50" charset="0"/>
                 <a:ea typeface="SF Display" panose="00000500000000000000" pitchFamily="50" charset="0"/>
               </a:rPr>
-              <a:t> </a:t>
-            </a:r>
-            <a:r>
-              <a:rPr lang="en-US" sz="900" b="1" dirty="0" err="1" smtClean="0">
-                <a:latin typeface="SF Display" panose="00000500000000000000" pitchFamily="50" charset="0"/>
-                <a:ea typeface="SF Display" panose="00000500000000000000" pitchFamily="50" charset="0"/>
-              </a:rPr>
-              <a:t>necesaria</a:t>
-            </a:r>
-            <a:r>
-              <a:rPr lang="en-US" sz="900" b="1" dirty="0">
-                <a:latin typeface="SF Display" panose="00000500000000000000" pitchFamily="50" charset="0"/>
-                <a:ea typeface="SF Display" panose="00000500000000000000" pitchFamily="50" charset="0"/>
-              </a:rPr>
               <a:t>)</a:t>
             </a:r>
+            <a:endParaRPr lang="en-US" sz="900" b="1" dirty="0">
+              <a:latin typeface="SF Display" panose="00000500000000000000" pitchFamily="50" charset="0"/>
+              <a:ea typeface="SF Display" panose="00000500000000000000" pitchFamily="50" charset="0"/>
+            </a:endParaRPr>
           </a:p>
         </p:txBody>
       </p:sp>
@@ -22800,7 +22789,7 @@
           <p:nvPr/>
         </p:nvPicPr>
         <p:blipFill>
-          <a:blip r:embed="rId43" cstate="print">
+          <a:blip r:embed="rId41" cstate="print">
             <a:extLst>
               <a:ext uri="{28A0092B-C50C-407E-A947-70E740481C1C}">
                 <a14:useLocalDpi xmlns:a14="http://schemas.microsoft.com/office/drawing/2010/main" val="0"/>
@@ -22832,172 +22821,13 @@
           </a:extLst>
         </p:spPr>
       </p:pic>
-      <p:sp>
-        <p:nvSpPr>
-          <p:cNvPr id="114" name="Tile"/>
-          <p:cNvSpPr/>
-          <p:nvPr>
-            <p:custDataLst>
-              <p:custData r:id="rId9"/>
-            </p:custDataLst>
-          </p:nvPr>
-        </p:nvSpPr>
-        <p:spPr>
-          <a:xfrm>
-            <a:off x="2665900" y="4871985"/>
-            <a:ext cx="1445169" cy="225629"/>
-          </a:xfrm>
-          <a:prstGeom prst="rect">
-            <a:avLst/>
-          </a:prstGeom>
-          <a:noFill/>
-          <a:ln>
-            <a:noFill/>
-          </a:ln>
-        </p:spPr>
-        <p:style>
-          <a:lnRef idx="2">
-            <a:srgbClr val="4F81BD">
-              <a:shade val="50000"/>
-            </a:srgbClr>
-          </a:lnRef>
-          <a:fillRef idx="1">
-            <a:srgbClr val="4F81BD"/>
-          </a:fillRef>
-          <a:effectRef idx="0">
-            <a:srgbClr val="4F81BD"/>
-          </a:effectRef>
-          <a:fontRef idx="minor">
-            <a:srgbClr val="000000"/>
-          </a:fontRef>
-        </p:style>
-        <p:txBody>
-          <a:bodyPr rtlCol="0" anchor="ctr"/>
-          <a:lstStyle/>
-          <a:p>
-            <a:pPr algn="ctr"/>
-            <a:r>
-              <a:rPr lang="en-US" sz="1000" dirty="0" smtClean="0">
-                <a:latin typeface="SF Display" panose="00000500000000000000" pitchFamily="50" charset="0"/>
-                <a:ea typeface="SF Display" panose="00000500000000000000" pitchFamily="50" charset="0"/>
-              </a:rPr>
-              <a:t>¡</a:t>
-            </a:r>
-            <a:r>
-              <a:rPr lang="en-US" sz="1000" dirty="0" err="1" smtClean="0">
-                <a:latin typeface="SF Display" panose="00000500000000000000" pitchFamily="50" charset="0"/>
-                <a:ea typeface="SF Display" panose="00000500000000000000" pitchFamily="50" charset="0"/>
-              </a:rPr>
-              <a:t>Rellena</a:t>
-            </a:r>
-            <a:r>
-              <a:rPr lang="en-US" sz="1000" dirty="0" smtClean="0">
-                <a:latin typeface="SF Display" panose="00000500000000000000" pitchFamily="50" charset="0"/>
-                <a:ea typeface="SF Display" panose="00000500000000000000" pitchFamily="50" charset="0"/>
-              </a:rPr>
-              <a:t> </a:t>
-            </a:r>
-            <a:r>
-              <a:rPr lang="en-US" sz="1000" dirty="0" err="1" smtClean="0">
-                <a:latin typeface="SF Display" panose="00000500000000000000" pitchFamily="50" charset="0"/>
-                <a:ea typeface="SF Display" panose="00000500000000000000" pitchFamily="50" charset="0"/>
-              </a:rPr>
-              <a:t>todos</a:t>
-            </a:r>
-            <a:r>
-              <a:rPr lang="en-US" sz="1000" dirty="0" smtClean="0">
-                <a:latin typeface="SF Display" panose="00000500000000000000" pitchFamily="50" charset="0"/>
-                <a:ea typeface="SF Display" panose="00000500000000000000" pitchFamily="50" charset="0"/>
-              </a:rPr>
-              <a:t> </a:t>
-            </a:r>
-            <a:r>
-              <a:rPr lang="en-US" sz="1000" dirty="0" err="1" smtClean="0">
-                <a:latin typeface="SF Display" panose="00000500000000000000" pitchFamily="50" charset="0"/>
-                <a:ea typeface="SF Display" panose="00000500000000000000" pitchFamily="50" charset="0"/>
-              </a:rPr>
-              <a:t>los</a:t>
-            </a:r>
-            <a:r>
-              <a:rPr lang="en-US" sz="1000" dirty="0" smtClean="0">
-                <a:latin typeface="SF Display" panose="00000500000000000000" pitchFamily="50" charset="0"/>
-                <a:ea typeface="SF Display" panose="00000500000000000000" pitchFamily="50" charset="0"/>
-              </a:rPr>
-              <a:t> </a:t>
-            </a:r>
-            <a:r>
-              <a:rPr lang="en-US" sz="1000" dirty="0" err="1" smtClean="0">
-                <a:latin typeface="SF Display" panose="00000500000000000000" pitchFamily="50" charset="0"/>
-                <a:ea typeface="SF Display" panose="00000500000000000000" pitchFamily="50" charset="0"/>
-              </a:rPr>
-              <a:t>campos</a:t>
-            </a:r>
-            <a:r>
-              <a:rPr lang="en-US" sz="1000" dirty="0" smtClean="0">
-                <a:latin typeface="SF Display" panose="00000500000000000000" pitchFamily="50" charset="0"/>
-                <a:ea typeface="SF Display" panose="00000500000000000000" pitchFamily="50" charset="0"/>
-              </a:rPr>
-              <a:t>!</a:t>
-            </a:r>
-            <a:endParaRPr lang="en-US" sz="1000" dirty="0">
-              <a:latin typeface="SF Display" panose="00000500000000000000" pitchFamily="50" charset="0"/>
-              <a:ea typeface="SF Display" panose="00000500000000000000" pitchFamily="50" charset="0"/>
-            </a:endParaRPr>
-          </a:p>
-        </p:txBody>
-      </p:sp>
-      <p:pic>
-        <p:nvPicPr>
-          <p:cNvPr id="115" name="Picture 2" descr="C:\Users\t-dantay\Documents\First24\warning1.png"/>
-          <p:cNvPicPr>
-            <a:picLocks noChangeAspect="1" noChangeArrowheads="1"/>
-          </p:cNvPicPr>
-          <p:nvPr>
-            <p:custDataLst>
-              <p:custData r:id="rId10"/>
-            </p:custDataLst>
-          </p:nvPr>
-        </p:nvPicPr>
-        <p:blipFill>
-          <a:blip r:embed="rId44" cstate="print">
-            <a:extLst>
-              <a:ext uri="{28A0092B-C50C-407E-A947-70E740481C1C}">
-                <a14:useLocalDpi xmlns:a14="http://schemas.microsoft.com/office/drawing/2010/main" val="0"/>
-              </a:ext>
-            </a:extLst>
-          </a:blip>
-          <a:srcRect/>
-          <a:stretch>
-            <a:fillRect/>
-          </a:stretch>
-        </p:blipFill>
-        <p:spPr bwMode="auto">
-          <a:xfrm>
-            <a:off x="2558142" y="4833462"/>
-            <a:ext cx="228600" cy="228600"/>
-          </a:xfrm>
-          <a:prstGeom prst="rect">
-            <a:avLst/>
-          </a:prstGeom>
-          <a:noFill/>
-          <a:extLst>
-            <a:ext uri="{909E8E84-426E-40DD-AFC4-6F175D3DCCD1}">
-              <a14:hiddenFill xmlns:a14="http://schemas.microsoft.com/office/drawing/2010/main">
-                <a:solidFill>
-                  <a:srgbClr val="FFFFFF"/>
-                </a:solidFill>
-              </a14:hiddenFill>
-            </a:ext>
-          </a:extLst>
-        </p:spPr>
-      </p:pic>
       <p:grpSp>
         <p:nvGrpSpPr>
           <p:cNvPr id="108" name="StickyNote"/>
           <p:cNvGrpSpPr/>
           <p:nvPr>
             <p:custDataLst>
-              <p:custData r:id="rId11"/>
+              <p:custData r:id="rId9"/>
             </p:custDataLst>
           </p:nvPr>
         </p:nvGrpSpPr>
@@ -23489,7 +23319,7 @@
           <p:cNvSpPr/>
           <p:nvPr>
             <p:custDataLst>
-              <p:custData r:id="rId12"/>
+              <p:custData r:id="rId10"/>
             </p:custDataLst>
           </p:nvPr>
         </p:nvSpPr>
@@ -23551,7 +23381,7 @@
           <p:cNvSpPr/>
           <p:nvPr>
             <p:custDataLst>
-              <p:custData r:id="rId13"/>
+              <p:custData r:id="rId11"/>
             </p:custDataLst>
           </p:nvPr>
         </p:nvSpPr>
@@ -23611,7 +23441,7 @@
           <p:nvPr/>
         </p:nvPicPr>
         <p:blipFill>
-          <a:blip r:embed="rId45"/>
+          <a:blip r:embed="rId42"/>
           <a:stretch>
             <a:fillRect/>
           </a:stretch>
@@ -23632,7 +23462,7 @@
           <p:cNvSpPr/>
           <p:nvPr>
             <p:custDataLst>
-              <p:custData r:id="rId14"/>
+              <p:custData r:id="rId12"/>
             </p:custDataLst>
           </p:nvPr>
         </p:nvSpPr>
@@ -23694,7 +23524,7 @@
           <p:cNvSpPr/>
           <p:nvPr>
             <p:custDataLst>
-              <p:custData r:id="rId15"/>
+              <p:custData r:id="rId13"/>
             </p:custDataLst>
           </p:nvPr>
         </p:nvSpPr>
@@ -23758,7 +23588,7 @@
           <p:cNvSpPr/>
           <p:nvPr>
             <p:custDataLst>
-              <p:custData r:id="rId16"/>
+              <p:custData r:id="rId14"/>
             </p:custDataLst>
           </p:nvPr>
         </p:nvSpPr>
@@ -23858,7 +23688,7 @@
           <p:cNvSpPr/>
           <p:nvPr>
             <p:custDataLst>
-              <p:custData r:id="rId17"/>
+              <p:custData r:id="rId15"/>
             </p:custDataLst>
           </p:nvPr>
         </p:nvSpPr>
@@ -23915,7 +23745,7 @@
           <p:cNvSpPr/>
           <p:nvPr>
             <p:custDataLst>
-              <p:custData r:id="rId18"/>
+              <p:custData r:id="rId16"/>
             </p:custDataLst>
           </p:nvPr>
         </p:nvSpPr>
@@ -23975,7 +23805,7 @@
           <p:cNvSpPr/>
           <p:nvPr>
             <p:custDataLst>
-              <p:custData r:id="rId19"/>
+              <p:custData r:id="rId17"/>
             </p:custDataLst>
           </p:nvPr>
         </p:nvSpPr>
@@ -24046,7 +23876,7 @@
           <p:cNvSpPr/>
           <p:nvPr>
             <p:custDataLst>
-              <p:custData r:id="rId20"/>
+              <p:custData r:id="rId18"/>
             </p:custDataLst>
           </p:nvPr>
         </p:nvSpPr>
@@ -24122,7 +23952,7 @@
           <p:cNvSpPr/>
           <p:nvPr>
             <p:custDataLst>
-              <p:custData r:id="rId21"/>
+              <p:custData r:id="rId19"/>
             </p:custDataLst>
           </p:nvPr>
         </p:nvSpPr>
@@ -24214,7 +24044,7 @@
           <p:cNvSpPr/>
           <p:nvPr>
             <p:custDataLst>
-              <p:custData r:id="rId22"/>
+              <p:custData r:id="rId20"/>
             </p:custDataLst>
           </p:nvPr>
         </p:nvSpPr>
@@ -24290,7 +24120,7 @@
           <p:cNvSpPr/>
           <p:nvPr>
             <p:custDataLst>
-              <p:custData r:id="rId23"/>
+              <p:custData r:id="rId21"/>
             </p:custDataLst>
           </p:nvPr>
         </p:nvSpPr>
@@ -24335,32 +24165,18 @@
               <a:t>Imagen </a:t>
             </a:r>
             <a:r>
-              <a:rPr lang="en-US" sz="900" b="1" dirty="0">
+              <a:rPr lang="en-US" sz="900" b="1" dirty="0" smtClean="0">
                 <a:latin typeface="SF Display" panose="00000500000000000000" pitchFamily="50" charset="0"/>
                 <a:ea typeface="SF Display" panose="00000500000000000000" pitchFamily="50" charset="0"/>
               </a:rPr>
-              <a:t>(no </a:t>
-            </a:r>
-            <a:r>
-              <a:rPr lang="en-US" sz="900" b="1" dirty="0" err="1">
+              <a:t>(</a:t>
+            </a:r>
+            <a:r>
+              <a:rPr lang="en-US" sz="900" b="1" dirty="0" err="1" smtClean="0">
                 <a:latin typeface="SF Display" panose="00000500000000000000" pitchFamily="50" charset="0"/>
                 <a:ea typeface="SF Display" panose="00000500000000000000" pitchFamily="50" charset="0"/>
               </a:rPr>
-              <a:t>es</a:t>
-            </a:r>
-            <a:r>
-              <a:rPr lang="en-US" sz="900" b="1" dirty="0">
-                <a:latin typeface="SF Display" panose="00000500000000000000" pitchFamily="50" charset="0"/>
-                <a:ea typeface="SF Display" panose="00000500000000000000" pitchFamily="50" charset="0"/>
-              </a:rPr>
-              <a:t> </a:t>
-            </a:r>
-            <a:r>
-              <a:rPr lang="en-US" sz="900" b="1" dirty="0" err="1">
-                <a:latin typeface="SF Display" panose="00000500000000000000" pitchFamily="50" charset="0"/>
-                <a:ea typeface="SF Display" panose="00000500000000000000" pitchFamily="50" charset="0"/>
-              </a:rPr>
-              <a:t>necesaria</a:t>
+              <a:t>Opcional</a:t>
             </a:r>
             <a:r>
               <a:rPr lang="en-US" sz="900" b="1" dirty="0" smtClean="0">
@@ -24385,7 +24201,7 @@
           <p:nvPr/>
         </p:nvPicPr>
         <p:blipFill>
-          <a:blip r:embed="rId43" cstate="print">
+          <a:blip r:embed="rId41" cstate="print">
             <a:extLst>
               <a:ext uri="{28A0092B-C50C-407E-A947-70E740481C1C}">
                 <a14:useLocalDpi xmlns:a14="http://schemas.microsoft.com/office/drawing/2010/main" val="0"/>
@@ -24419,170 +24235,11 @@
       </p:pic>
       <p:sp>
         <p:nvSpPr>
-          <p:cNvPr id="134" name="Tile"/>
-          <p:cNvSpPr/>
-          <p:nvPr>
-            <p:custDataLst>
-              <p:custData r:id="rId24"/>
-            </p:custDataLst>
-          </p:nvPr>
-        </p:nvSpPr>
-        <p:spPr>
-          <a:xfrm>
-            <a:off x="8135220" y="4854367"/>
-            <a:ext cx="1445169" cy="225629"/>
-          </a:xfrm>
-          <a:prstGeom prst="rect">
-            <a:avLst/>
-          </a:prstGeom>
-          <a:noFill/>
-          <a:ln>
-            <a:noFill/>
-          </a:ln>
-        </p:spPr>
-        <p:style>
-          <a:lnRef idx="2">
-            <a:srgbClr val="4F81BD">
-              <a:shade val="50000"/>
-            </a:srgbClr>
-          </a:lnRef>
-          <a:fillRef idx="1">
-            <a:srgbClr val="4F81BD"/>
-          </a:fillRef>
-          <a:effectRef idx="0">
-            <a:srgbClr val="4F81BD"/>
-          </a:effectRef>
-          <a:fontRef idx="minor">
-            <a:srgbClr val="000000"/>
-          </a:fontRef>
-        </p:style>
-        <p:txBody>
-          <a:bodyPr rtlCol="0" anchor="ctr"/>
-          <a:lstStyle/>
-          <a:p>
-            <a:pPr algn="ctr"/>
-            <a:r>
-              <a:rPr lang="en-US" sz="1000" dirty="0" smtClean="0">
-                <a:latin typeface="SF Display" panose="00000500000000000000" pitchFamily="50" charset="0"/>
-                <a:ea typeface="SF Display" panose="00000500000000000000" pitchFamily="50" charset="0"/>
-              </a:rPr>
-              <a:t>¡</a:t>
-            </a:r>
-            <a:r>
-              <a:rPr lang="en-US" sz="1000" dirty="0" err="1" smtClean="0">
-                <a:latin typeface="SF Display" panose="00000500000000000000" pitchFamily="50" charset="0"/>
-                <a:ea typeface="SF Display" panose="00000500000000000000" pitchFamily="50" charset="0"/>
-              </a:rPr>
-              <a:t>Rellena</a:t>
-            </a:r>
-            <a:r>
-              <a:rPr lang="en-US" sz="1000" dirty="0" smtClean="0">
-                <a:latin typeface="SF Display" panose="00000500000000000000" pitchFamily="50" charset="0"/>
-                <a:ea typeface="SF Display" panose="00000500000000000000" pitchFamily="50" charset="0"/>
-              </a:rPr>
-              <a:t> </a:t>
-            </a:r>
-            <a:r>
-              <a:rPr lang="en-US" sz="1000" dirty="0" err="1" smtClean="0">
-                <a:latin typeface="SF Display" panose="00000500000000000000" pitchFamily="50" charset="0"/>
-                <a:ea typeface="SF Display" panose="00000500000000000000" pitchFamily="50" charset="0"/>
-              </a:rPr>
-              <a:t>todos</a:t>
-            </a:r>
-            <a:r>
-              <a:rPr lang="en-US" sz="1000" dirty="0" smtClean="0">
-                <a:latin typeface="SF Display" panose="00000500000000000000" pitchFamily="50" charset="0"/>
-                <a:ea typeface="SF Display" panose="00000500000000000000" pitchFamily="50" charset="0"/>
-              </a:rPr>
-              <a:t> </a:t>
-            </a:r>
-            <a:r>
-              <a:rPr lang="en-US" sz="1000" dirty="0" err="1" smtClean="0">
-                <a:latin typeface="SF Display" panose="00000500000000000000" pitchFamily="50" charset="0"/>
-                <a:ea typeface="SF Display" panose="00000500000000000000" pitchFamily="50" charset="0"/>
-              </a:rPr>
-              <a:t>los</a:t>
-            </a:r>
-            <a:r>
-              <a:rPr lang="en-US" sz="1000" dirty="0" smtClean="0">
-                <a:latin typeface="SF Display" panose="00000500000000000000" pitchFamily="50" charset="0"/>
-                <a:ea typeface="SF Display" panose="00000500000000000000" pitchFamily="50" charset="0"/>
-              </a:rPr>
-              <a:t> </a:t>
-            </a:r>
-            <a:r>
-              <a:rPr lang="en-US" sz="1000" dirty="0" err="1" smtClean="0">
-                <a:latin typeface="SF Display" panose="00000500000000000000" pitchFamily="50" charset="0"/>
-                <a:ea typeface="SF Display" panose="00000500000000000000" pitchFamily="50" charset="0"/>
-              </a:rPr>
-              <a:t>campos</a:t>
-            </a:r>
-            <a:r>
-              <a:rPr lang="en-US" sz="1000" dirty="0" smtClean="0">
-                <a:latin typeface="SF Display" panose="00000500000000000000" pitchFamily="50" charset="0"/>
-                <a:ea typeface="SF Display" panose="00000500000000000000" pitchFamily="50" charset="0"/>
-              </a:rPr>
-              <a:t>!</a:t>
-            </a:r>
-            <a:endParaRPr lang="en-US" sz="1000" dirty="0">
-              <a:latin typeface="SF Display" panose="00000500000000000000" pitchFamily="50" charset="0"/>
-              <a:ea typeface="SF Display" panose="00000500000000000000" pitchFamily="50" charset="0"/>
-            </a:endParaRPr>
-          </a:p>
-        </p:txBody>
-      </p:sp>
-      <p:pic>
-        <p:nvPicPr>
-          <p:cNvPr id="135" name="Picture 2" descr="C:\Users\t-dantay\Documents\First24\warning1.png"/>
-          <p:cNvPicPr>
-            <a:picLocks noChangeAspect="1" noChangeArrowheads="1"/>
-          </p:cNvPicPr>
-          <p:nvPr>
-            <p:custDataLst>
-              <p:custData r:id="rId25"/>
-            </p:custDataLst>
-          </p:nvPr>
-        </p:nvPicPr>
-        <p:blipFill>
-          <a:blip r:embed="rId44" cstate="print">
-            <a:extLst>
-              <a:ext uri="{28A0092B-C50C-407E-A947-70E740481C1C}">
-                <a14:useLocalDpi xmlns:a14="http://schemas.microsoft.com/office/drawing/2010/main" val="0"/>
-              </a:ext>
-            </a:extLst>
-          </a:blip>
-          <a:srcRect/>
-          <a:stretch>
-            <a:fillRect/>
-          </a:stretch>
-        </p:blipFill>
-        <p:spPr bwMode="auto">
-          <a:xfrm>
-            <a:off x="8027462" y="4815844"/>
-            <a:ext cx="228600" cy="228600"/>
-          </a:xfrm>
-          <a:prstGeom prst="rect">
-            <a:avLst/>
-          </a:prstGeom>
-          <a:noFill/>
-          <a:extLst>
-            <a:ext uri="{909E8E84-426E-40DD-AFC4-6F175D3DCCD1}">
-              <a14:hiddenFill xmlns:a14="http://schemas.microsoft.com/office/drawing/2010/main">
-                <a:solidFill>
-                  <a:srgbClr val="FFFFFF"/>
-                </a:solidFill>
-              </a14:hiddenFill>
-            </a:ext>
-          </a:extLst>
-        </p:spPr>
-      </p:pic>
-      <p:sp>
-        <p:nvSpPr>
           <p:cNvPr id="136" name="Tile"/>
           <p:cNvSpPr/>
           <p:nvPr>
             <p:custDataLst>
-              <p:custData r:id="rId26"/>
+              <p:custData r:id="rId22"/>
             </p:custDataLst>
           </p:nvPr>
         </p:nvSpPr>
@@ -24650,7 +24307,7 @@
           <p:cNvSpPr/>
           <p:nvPr>
             <p:custDataLst>
-              <p:custData r:id="rId27"/>
+              <p:custData r:id="rId23"/>
             </p:custDataLst>
           </p:nvPr>
         </p:nvSpPr>
@@ -24710,7 +24367,7 @@
           <p:nvPr/>
         </p:nvPicPr>
         <p:blipFill>
-          <a:blip r:embed="rId45"/>
+          <a:blip r:embed="rId42"/>
           <a:stretch>
             <a:fillRect/>
           </a:stretch>
@@ -24731,7 +24388,7 @@
           <p:cNvSpPr/>
           <p:nvPr>
             <p:custDataLst>
-              <p:custData r:id="rId28"/>
+              <p:custData r:id="rId24"/>
             </p:custDataLst>
           </p:nvPr>
         </p:nvSpPr>
@@ -24793,7 +24450,7 @@
           <p:cNvSpPr/>
           <p:nvPr>
             <p:custDataLst>
-              <p:custData r:id="rId29"/>
+              <p:custData r:id="rId25"/>
             </p:custDataLst>
           </p:nvPr>
         </p:nvSpPr>
@@ -24927,7 +24584,7 @@
           <p:cNvGrpSpPr/>
           <p:nvPr>
             <p:custDataLst>
-              <p:custData r:id="rId30"/>
+              <p:custData r:id="rId26"/>
             </p:custDataLst>
           </p:nvPr>
         </p:nvGrpSpPr>
@@ -24942,258 +24599,6 @@
         <p:sp>
           <p:nvSpPr>
             <p:cNvPr id="64" name="Circle"/>
-            <p:cNvSpPr/>
-            <p:nvPr>
-              <p:custDataLst>
-                <p:custData r:id="rId41"/>
-              </p:custDataLst>
-            </p:nvPr>
-          </p:nvSpPr>
-          <p:spPr>
-            <a:xfrm>
-              <a:off x="4283964" y="3147930"/>
-              <a:ext cx="320451" cy="319476"/>
-            </a:xfrm>
-            <a:prstGeom prst="ellipse">
-              <a:avLst/>
-            </a:prstGeom>
-            <a:solidFill>
-              <a:srgbClr val="FFFF00"/>
-            </a:solidFill>
-            <a:ln w="38100" cap="flat" cmpd="sng" algn="ctr">
-              <a:solidFill>
-                <a:srgbClr val="FFFFFF">
-                  <a:lumMod val="50000"/>
-                </a:srgbClr>
-              </a:solidFill>
-              <a:prstDash val="solid"/>
-            </a:ln>
-            <a:effectLst/>
-          </p:spPr>
-          <p:txBody>
-            <a:bodyPr rot="0" spcFirstLastPara="0" vertOverflow="overflow" horzOverflow="overflow" vert="horz" wrap="square" lIns="45720" tIns="45720" rIns="91440" bIns="45720" numCol="1" spcCol="0" rtlCol="0" fromWordArt="0" anchor="ctr" anchorCtr="0" forceAA="0" compatLnSpc="1">
-              <a:prstTxWarp prst="textNoShape">
-                <a:avLst/>
-              </a:prstTxWarp>
-              <a:noAutofit/>
-            </a:bodyPr>
-            <a:lstStyle/>
-            <a:p>
-              <a:pPr marL="0" marR="0" indent="0" algn="ctr" defTabSz="914400" eaLnBrk="1" fontAlgn="auto" latinLnBrk="0" hangingPunct="1">
-                <a:lnSpc>
-                  <a:spcPct val="100000"/>
-                </a:lnSpc>
-                <a:spcBef>
-                  <a:spcPts val="0"/>
-                </a:spcBef>
-                <a:spcAft>
-                  <a:spcPts val="0"/>
-                </a:spcAft>
-                <a:buClrTx/>
-                <a:buSzTx/>
-                <a:buFontTx/>
-                <a:buNone/>
-                <a:tabLst/>
-              </a:pPr>
-              <a:endParaRPr kumimoji="0" lang="en-US" sz="800" b="0" i="0" u="none" strike="noStrike" kern="0" cap="none" spc="0" normalizeH="0" baseline="0" noProof="0" dirty="0" smtClean="0">
-                <a:ln>
-                  <a:noFill/>
-                </a:ln>
-                <a:solidFill>
-                  <a:srgbClr val="000000">
-                    <a:lumMod val="75000"/>
-                    <a:lumOff val="25000"/>
-                  </a:srgbClr>
-                </a:solidFill>
-                <a:effectLst/>
-                <a:uLnTx/>
-                <a:uFillTx/>
-                <a:latin typeface="Segoe UI"/>
-                <a:ea typeface="+mn-ea"/>
-                <a:cs typeface="+mn-cs"/>
-              </a:endParaRPr>
-            </a:p>
-          </p:txBody>
-        </p:sp>
-        <p:sp>
-          <p:nvSpPr>
-            <p:cNvPr id="65" name="Content">
-              <a:hlinkClick r:id="rId46" action="ppaction://hlinksldjump"/>
-            </p:cNvPr>
-            <p:cNvSpPr txBox="1"/>
-            <p:nvPr/>
-          </p:nvSpPr>
-          <p:spPr>
-            <a:xfrm flipH="1">
-              <a:off x="4309771" y="3157455"/>
-              <a:ext cx="268835" cy="276999"/>
-            </a:xfrm>
-            <a:prstGeom prst="rect">
-              <a:avLst/>
-            </a:prstGeom>
-            <a:noFill/>
-          </p:spPr>
-          <p:txBody>
-            <a:bodyPr wrap="square" rtlCol="0">
-              <a:spAutoFit/>
-            </a:bodyPr>
-            <a:lstStyle/>
-            <a:p>
-              <a:r>
-                <a:rPr lang="en-US" sz="1200" dirty="0"/>
-                <a:t>8</a:t>
-              </a:r>
-            </a:p>
-          </p:txBody>
-        </p:sp>
-      </p:grpSp>
-      <p:grpSp>
-        <p:nvGrpSpPr>
-          <p:cNvPr id="66" name="Callout"/>
-          <p:cNvGrpSpPr/>
-          <p:nvPr>
-            <p:custDataLst>
-              <p:custData r:id="rId31"/>
-            </p:custDataLst>
-          </p:nvPr>
-        </p:nvGrpSpPr>
-        <p:grpSpPr>
-          <a:xfrm>
-            <a:off x="7235283" y="815055"/>
-            <a:ext cx="320451" cy="319476"/>
-            <a:chOff x="4283964" y="3147930"/>
-            <a:chExt cx="320451" cy="319476"/>
-          </a:xfrm>
-        </p:grpSpPr>
-        <p:sp>
-          <p:nvSpPr>
-            <p:cNvPr id="67" name="Circle"/>
-            <p:cNvSpPr/>
-            <p:nvPr>
-              <p:custDataLst>
-                <p:custData r:id="rId40"/>
-              </p:custDataLst>
-            </p:nvPr>
-          </p:nvSpPr>
-          <p:spPr>
-            <a:xfrm>
-              <a:off x="4283964" y="3147930"/>
-              <a:ext cx="320451" cy="319476"/>
-            </a:xfrm>
-            <a:prstGeom prst="ellipse">
-              <a:avLst/>
-            </a:prstGeom>
-            <a:solidFill>
-              <a:srgbClr val="FFFF00"/>
-            </a:solidFill>
-            <a:ln w="38100" cap="flat" cmpd="sng" algn="ctr">
-              <a:solidFill>
-                <a:srgbClr val="FFFFFF">
-                  <a:lumMod val="50000"/>
-                </a:srgbClr>
-              </a:solidFill>
-              <a:prstDash val="solid"/>
-            </a:ln>
-            <a:effectLst/>
-          </p:spPr>
-          <p:txBody>
-            <a:bodyPr rot="0" spcFirstLastPara="0" vertOverflow="overflow" horzOverflow="overflow" vert="horz" wrap="square" lIns="45720" tIns="45720" rIns="91440" bIns="45720" numCol="1" spcCol="0" rtlCol="0" fromWordArt="0" anchor="ctr" anchorCtr="0" forceAA="0" compatLnSpc="1">
-              <a:prstTxWarp prst="textNoShape">
-                <a:avLst/>
-              </a:prstTxWarp>
-              <a:noAutofit/>
-            </a:bodyPr>
-            <a:lstStyle/>
-            <a:p>
-              <a:pPr marL="0" marR="0" indent="0" algn="ctr" defTabSz="914400" eaLnBrk="1" fontAlgn="auto" latinLnBrk="0" hangingPunct="1">
-                <a:lnSpc>
-                  <a:spcPct val="100000"/>
-                </a:lnSpc>
-                <a:spcBef>
-                  <a:spcPts val="0"/>
-                </a:spcBef>
-                <a:spcAft>
-                  <a:spcPts val="0"/>
-                </a:spcAft>
-                <a:buClrTx/>
-                <a:buSzTx/>
-                <a:buFontTx/>
-                <a:buNone/>
-                <a:tabLst/>
-              </a:pPr>
-              <a:endParaRPr kumimoji="0" lang="en-US" sz="800" b="0" i="0" u="none" strike="noStrike" kern="0" cap="none" spc="0" normalizeH="0" baseline="0" noProof="0" dirty="0" smtClean="0">
-                <a:ln>
-                  <a:noFill/>
-                </a:ln>
-                <a:solidFill>
-                  <a:srgbClr val="000000">
-                    <a:lumMod val="75000"/>
-                    <a:lumOff val="25000"/>
-                  </a:srgbClr>
-                </a:solidFill>
-                <a:effectLst/>
-                <a:uLnTx/>
-                <a:uFillTx/>
-                <a:latin typeface="Segoe UI"/>
-                <a:ea typeface="+mn-ea"/>
-                <a:cs typeface="+mn-cs"/>
-              </a:endParaRPr>
-            </a:p>
-          </p:txBody>
-        </p:sp>
-        <p:sp>
-          <p:nvSpPr>
-            <p:cNvPr id="68" name="Content">
-              <a:hlinkClick r:id="rId46" action="ppaction://hlinksldjump"/>
-            </p:cNvPr>
-            <p:cNvSpPr txBox="1"/>
-            <p:nvPr/>
-          </p:nvSpPr>
-          <p:spPr>
-            <a:xfrm flipH="1">
-              <a:off x="4309771" y="3157455"/>
-              <a:ext cx="268835" cy="276999"/>
-            </a:xfrm>
-            <a:prstGeom prst="rect">
-              <a:avLst/>
-            </a:prstGeom>
-            <a:noFill/>
-          </p:spPr>
-          <p:txBody>
-            <a:bodyPr wrap="square" rtlCol="0">
-              <a:spAutoFit/>
-            </a:bodyPr>
-            <a:lstStyle/>
-            <a:p>
-              <a:r>
-                <a:rPr lang="en-US" sz="1200" dirty="0"/>
-                <a:t>8</a:t>
-              </a:r>
-            </a:p>
-          </p:txBody>
-        </p:sp>
-      </p:grpSp>
-      <p:grpSp>
-        <p:nvGrpSpPr>
-          <p:cNvPr id="78" name="Callout"/>
-          <p:cNvGrpSpPr/>
-          <p:nvPr>
-            <p:custDataLst>
-              <p:custData r:id="rId32"/>
-            </p:custDataLst>
-          </p:nvPr>
-        </p:nvGrpSpPr>
-        <p:grpSpPr>
-          <a:xfrm>
-            <a:off x="10089453" y="803408"/>
-            <a:ext cx="320451" cy="319476"/>
-            <a:chOff x="4283964" y="3147930"/>
-            <a:chExt cx="320451" cy="319476"/>
-          </a:xfrm>
-        </p:grpSpPr>
-        <p:sp>
-          <p:nvSpPr>
-            <p:cNvPr id="86" name="Circle"/>
             <p:cNvSpPr/>
             <p:nvPr>
               <p:custDataLst>
@@ -25269,8 +24674,8 @@
         </p:sp>
         <p:sp>
           <p:nvSpPr>
-            <p:cNvPr id="87" name="Content">
-              <a:hlinkClick r:id="rId46" action="ppaction://hlinksldjump"/>
+            <p:cNvPr id="65" name="Content">
+              <a:hlinkClick r:id="rId43" action="ppaction://hlinksldjump"/>
             </p:cNvPr>
             <p:cNvSpPr txBox="1"/>
             <p:nvPr/>
@@ -25301,17 +24706,17 @@
       </p:grpSp>
       <p:grpSp>
         <p:nvGrpSpPr>
-          <p:cNvPr id="88" name="Callout"/>
+          <p:cNvPr id="66" name="Callout"/>
           <p:cNvGrpSpPr/>
           <p:nvPr>
             <p:custDataLst>
-              <p:custData r:id="rId33"/>
+              <p:custData r:id="rId27"/>
             </p:custDataLst>
           </p:nvPr>
         </p:nvGrpSpPr>
         <p:grpSpPr>
           <a:xfrm>
-            <a:off x="4619020" y="808351"/>
+            <a:off x="7235283" y="815055"/>
             <a:ext cx="320451" cy="319476"/>
             <a:chOff x="4283964" y="3147930"/>
             <a:chExt cx="320451" cy="319476"/>
@@ -25319,7 +24724,7 @@
         </p:grpSpPr>
         <p:sp>
           <p:nvSpPr>
-            <p:cNvPr id="89" name="Circle"/>
+            <p:cNvPr id="67" name="Circle"/>
             <p:cNvSpPr/>
             <p:nvPr>
               <p:custDataLst>
@@ -25395,8 +24800,260 @@
         </p:sp>
         <p:sp>
           <p:nvSpPr>
+            <p:cNvPr id="68" name="Content">
+              <a:hlinkClick r:id="rId43" action="ppaction://hlinksldjump"/>
+            </p:cNvPr>
+            <p:cNvSpPr txBox="1"/>
+            <p:nvPr/>
+          </p:nvSpPr>
+          <p:spPr>
+            <a:xfrm flipH="1">
+              <a:off x="4309771" y="3157455"/>
+              <a:ext cx="268835" cy="276999"/>
+            </a:xfrm>
+            <a:prstGeom prst="rect">
+              <a:avLst/>
+            </a:prstGeom>
+            <a:noFill/>
+          </p:spPr>
+          <p:txBody>
+            <a:bodyPr wrap="square" rtlCol="0">
+              <a:spAutoFit/>
+            </a:bodyPr>
+            <a:lstStyle/>
+            <a:p>
+              <a:r>
+                <a:rPr lang="en-US" sz="1200" dirty="0"/>
+                <a:t>8</a:t>
+              </a:r>
+            </a:p>
+          </p:txBody>
+        </p:sp>
+      </p:grpSp>
+      <p:grpSp>
+        <p:nvGrpSpPr>
+          <p:cNvPr id="78" name="Callout"/>
+          <p:cNvGrpSpPr/>
+          <p:nvPr>
+            <p:custDataLst>
+              <p:custData r:id="rId28"/>
+            </p:custDataLst>
+          </p:nvPr>
+        </p:nvGrpSpPr>
+        <p:grpSpPr>
+          <a:xfrm>
+            <a:off x="10089453" y="803408"/>
+            <a:ext cx="320451" cy="319476"/>
+            <a:chOff x="4283964" y="3147930"/>
+            <a:chExt cx="320451" cy="319476"/>
+          </a:xfrm>
+        </p:grpSpPr>
+        <p:sp>
+          <p:nvSpPr>
+            <p:cNvPr id="86" name="Circle"/>
+            <p:cNvSpPr/>
+            <p:nvPr>
+              <p:custDataLst>
+                <p:custData r:id="rId37"/>
+              </p:custDataLst>
+            </p:nvPr>
+          </p:nvSpPr>
+          <p:spPr>
+            <a:xfrm>
+              <a:off x="4283964" y="3147930"/>
+              <a:ext cx="320451" cy="319476"/>
+            </a:xfrm>
+            <a:prstGeom prst="ellipse">
+              <a:avLst/>
+            </a:prstGeom>
+            <a:solidFill>
+              <a:srgbClr val="FFFF00"/>
+            </a:solidFill>
+            <a:ln w="38100" cap="flat" cmpd="sng" algn="ctr">
+              <a:solidFill>
+                <a:srgbClr val="FFFFFF">
+                  <a:lumMod val="50000"/>
+                </a:srgbClr>
+              </a:solidFill>
+              <a:prstDash val="solid"/>
+            </a:ln>
+            <a:effectLst/>
+          </p:spPr>
+          <p:txBody>
+            <a:bodyPr rot="0" spcFirstLastPara="0" vertOverflow="overflow" horzOverflow="overflow" vert="horz" wrap="square" lIns="45720" tIns="45720" rIns="91440" bIns="45720" numCol="1" spcCol="0" rtlCol="0" fromWordArt="0" anchor="ctr" anchorCtr="0" forceAA="0" compatLnSpc="1">
+              <a:prstTxWarp prst="textNoShape">
+                <a:avLst/>
+              </a:prstTxWarp>
+              <a:noAutofit/>
+            </a:bodyPr>
+            <a:lstStyle/>
+            <a:p>
+              <a:pPr marL="0" marR="0" indent="0" algn="ctr" defTabSz="914400" eaLnBrk="1" fontAlgn="auto" latinLnBrk="0" hangingPunct="1">
+                <a:lnSpc>
+                  <a:spcPct val="100000"/>
+                </a:lnSpc>
+                <a:spcBef>
+                  <a:spcPts val="0"/>
+                </a:spcBef>
+                <a:spcAft>
+                  <a:spcPts val="0"/>
+                </a:spcAft>
+                <a:buClrTx/>
+                <a:buSzTx/>
+                <a:buFontTx/>
+                <a:buNone/>
+                <a:tabLst/>
+              </a:pPr>
+              <a:endParaRPr kumimoji="0" lang="en-US" sz="800" b="0" i="0" u="none" strike="noStrike" kern="0" cap="none" spc="0" normalizeH="0" baseline="0" noProof="0" dirty="0" smtClean="0">
+                <a:ln>
+                  <a:noFill/>
+                </a:ln>
+                <a:solidFill>
+                  <a:srgbClr val="000000">
+                    <a:lumMod val="75000"/>
+                    <a:lumOff val="25000"/>
+                  </a:srgbClr>
+                </a:solidFill>
+                <a:effectLst/>
+                <a:uLnTx/>
+                <a:uFillTx/>
+                <a:latin typeface="Segoe UI"/>
+                <a:ea typeface="+mn-ea"/>
+                <a:cs typeface="+mn-cs"/>
+              </a:endParaRPr>
+            </a:p>
+          </p:txBody>
+        </p:sp>
+        <p:sp>
+          <p:nvSpPr>
+            <p:cNvPr id="87" name="Content">
+              <a:hlinkClick r:id="rId43" action="ppaction://hlinksldjump"/>
+            </p:cNvPr>
+            <p:cNvSpPr txBox="1"/>
+            <p:nvPr/>
+          </p:nvSpPr>
+          <p:spPr>
+            <a:xfrm flipH="1">
+              <a:off x="4309771" y="3157455"/>
+              <a:ext cx="268835" cy="276999"/>
+            </a:xfrm>
+            <a:prstGeom prst="rect">
+              <a:avLst/>
+            </a:prstGeom>
+            <a:noFill/>
+          </p:spPr>
+          <p:txBody>
+            <a:bodyPr wrap="square" rtlCol="0">
+              <a:spAutoFit/>
+            </a:bodyPr>
+            <a:lstStyle/>
+            <a:p>
+              <a:r>
+                <a:rPr lang="en-US" sz="1200" dirty="0"/>
+                <a:t>8</a:t>
+              </a:r>
+            </a:p>
+          </p:txBody>
+        </p:sp>
+      </p:grpSp>
+      <p:grpSp>
+        <p:nvGrpSpPr>
+          <p:cNvPr id="88" name="Callout"/>
+          <p:cNvGrpSpPr/>
+          <p:nvPr>
+            <p:custDataLst>
+              <p:custData r:id="rId29"/>
+            </p:custDataLst>
+          </p:nvPr>
+        </p:nvGrpSpPr>
+        <p:grpSpPr>
+          <a:xfrm>
+            <a:off x="4619020" y="808351"/>
+            <a:ext cx="320451" cy="319476"/>
+            <a:chOff x="4283964" y="3147930"/>
+            <a:chExt cx="320451" cy="319476"/>
+          </a:xfrm>
+        </p:grpSpPr>
+        <p:sp>
+          <p:nvSpPr>
+            <p:cNvPr id="89" name="Circle"/>
+            <p:cNvSpPr/>
+            <p:nvPr>
+              <p:custDataLst>
+                <p:custData r:id="rId36"/>
+              </p:custDataLst>
+            </p:nvPr>
+          </p:nvSpPr>
+          <p:spPr>
+            <a:xfrm>
+              <a:off x="4283964" y="3147930"/>
+              <a:ext cx="320451" cy="319476"/>
+            </a:xfrm>
+            <a:prstGeom prst="ellipse">
+              <a:avLst/>
+            </a:prstGeom>
+            <a:solidFill>
+              <a:srgbClr val="FFFF00"/>
+            </a:solidFill>
+            <a:ln w="38100" cap="flat" cmpd="sng" algn="ctr">
+              <a:solidFill>
+                <a:srgbClr val="FFFFFF">
+                  <a:lumMod val="50000"/>
+                </a:srgbClr>
+              </a:solidFill>
+              <a:prstDash val="solid"/>
+            </a:ln>
+            <a:effectLst/>
+          </p:spPr>
+          <p:txBody>
+            <a:bodyPr rot="0" spcFirstLastPara="0" vertOverflow="overflow" horzOverflow="overflow" vert="horz" wrap="square" lIns="45720" tIns="45720" rIns="91440" bIns="45720" numCol="1" spcCol="0" rtlCol="0" fromWordArt="0" anchor="ctr" anchorCtr="0" forceAA="0" compatLnSpc="1">
+              <a:prstTxWarp prst="textNoShape">
+                <a:avLst/>
+              </a:prstTxWarp>
+              <a:noAutofit/>
+            </a:bodyPr>
+            <a:lstStyle/>
+            <a:p>
+              <a:pPr marL="0" marR="0" indent="0" algn="ctr" defTabSz="914400" eaLnBrk="1" fontAlgn="auto" latinLnBrk="0" hangingPunct="1">
+                <a:lnSpc>
+                  <a:spcPct val="100000"/>
+                </a:lnSpc>
+                <a:spcBef>
+                  <a:spcPts val="0"/>
+                </a:spcBef>
+                <a:spcAft>
+                  <a:spcPts val="0"/>
+                </a:spcAft>
+                <a:buClrTx/>
+                <a:buSzTx/>
+                <a:buFontTx/>
+                <a:buNone/>
+                <a:tabLst/>
+              </a:pPr>
+              <a:endParaRPr kumimoji="0" lang="en-US" sz="800" b="0" i="0" u="none" strike="noStrike" kern="0" cap="none" spc="0" normalizeH="0" baseline="0" noProof="0" dirty="0" smtClean="0">
+                <a:ln>
+                  <a:noFill/>
+                </a:ln>
+                <a:solidFill>
+                  <a:srgbClr val="000000">
+                    <a:lumMod val="75000"/>
+                    <a:lumOff val="25000"/>
+                  </a:srgbClr>
+                </a:solidFill>
+                <a:effectLst/>
+                <a:uLnTx/>
+                <a:uFillTx/>
+                <a:latin typeface="Segoe UI"/>
+                <a:ea typeface="+mn-ea"/>
+                <a:cs typeface="+mn-cs"/>
+              </a:endParaRPr>
+            </a:p>
+          </p:txBody>
+        </p:sp>
+        <p:sp>
+          <p:nvSpPr>
             <p:cNvPr id="90" name="Content">
-              <a:hlinkClick r:id="rId46" action="ppaction://hlinksldjump"/>
+              <a:hlinkClick r:id="rId43" action="ppaction://hlinksldjump"/>
             </p:cNvPr>
             <p:cNvSpPr txBox="1"/>
             <p:nvPr/>
@@ -25431,7 +25088,7 @@
           <p:cNvGrpSpPr/>
           <p:nvPr>
             <p:custDataLst>
-              <p:custData r:id="rId34"/>
+              <p:custData r:id="rId30"/>
             </p:custDataLst>
           </p:nvPr>
         </p:nvGrpSpPr>
@@ -25449,7 +25106,7 @@
             <p:cNvSpPr/>
             <p:nvPr>
               <p:custDataLst>
-                <p:custData r:id="rId37"/>
+                <p:custData r:id="rId35"/>
               </p:custDataLst>
             </p:nvPr>
           </p:nvSpPr>
@@ -25522,7 +25179,7 @@
         <p:sp>
           <p:nvSpPr>
             <p:cNvPr id="93" name="Content">
-              <a:hlinkClick r:id="rId47" action="ppaction://hlinksldjump"/>
+              <a:hlinkClick r:id="rId44" action="ppaction://hlinksldjump"/>
             </p:cNvPr>
             <p:cNvSpPr txBox="1"/>
             <p:nvPr/>
@@ -25558,7 +25215,7 @@
           <p:cNvGrpSpPr/>
           <p:nvPr>
             <p:custDataLst>
-              <p:custData r:id="rId35"/>
+              <p:custData r:id="rId31"/>
             </p:custDataLst>
           </p:nvPr>
         </p:nvGrpSpPr>
@@ -25576,7 +25233,7 @@
             <p:cNvSpPr/>
             <p:nvPr>
               <p:custDataLst>
-                <p:custData r:id="rId36"/>
+                <p:custData r:id="rId34"/>
               </p:custDataLst>
             </p:nvPr>
           </p:nvSpPr>
@@ -25649,7 +25306,7 @@
         <p:sp>
           <p:nvSpPr>
             <p:cNvPr id="96" name="Content">
-              <a:hlinkClick r:id="rId47" action="ppaction://hlinksldjump"/>
+              <a:hlinkClick r:id="rId44" action="ppaction://hlinksldjump"/>
             </p:cNvPr>
             <p:cNvSpPr txBox="1"/>
             <p:nvPr/>
@@ -25675,6 +25332,790 @@
                 <a:t>12</a:t>
               </a:r>
               <a:endParaRPr lang="en-US" sz="1200" dirty="0"/>
+            </a:p>
+          </p:txBody>
+        </p:sp>
+      </p:grpSp>
+      <p:grpSp>
+        <p:nvGrpSpPr>
+          <p:cNvPr id="72" name="AlertDialog"/>
+          <p:cNvGrpSpPr/>
+          <p:nvPr>
+            <p:custDataLst>
+              <p:custData r:id="rId32"/>
+            </p:custDataLst>
+          </p:nvPr>
+        </p:nvGrpSpPr>
+        <p:grpSpPr>
+          <a:xfrm>
+            <a:off x="8041420" y="2242967"/>
+            <a:ext cx="1502092" cy="1295197"/>
+            <a:chOff x="3145080" y="3047702"/>
+            <a:chExt cx="2924734" cy="915959"/>
+          </a:xfrm>
+        </p:grpSpPr>
+        <p:sp>
+          <p:nvSpPr>
+            <p:cNvPr id="103" name="InnerArea"/>
+            <p:cNvSpPr>
+              <a:spLocks/>
+            </p:cNvSpPr>
+            <p:nvPr/>
+          </p:nvSpPr>
+          <p:spPr>
+            <a:xfrm>
+              <a:off x="3145080" y="3274047"/>
+              <a:ext cx="2924734" cy="689614"/>
+            </a:xfrm>
+            <a:prstGeom prst="rect">
+              <a:avLst/>
+            </a:prstGeom>
+            <a:solidFill>
+              <a:sysClr val="window" lastClr="FFFFFF"/>
+            </a:solidFill>
+            <a:ln w="3175" cap="flat" cmpd="sng" algn="ctr">
+              <a:solidFill>
+                <a:srgbClr val="000000">
+                  <a:lumMod val="50000"/>
+                  <a:lumOff val="50000"/>
+                </a:srgbClr>
+              </a:solidFill>
+              <a:prstDash val="solid"/>
+            </a:ln>
+            <a:effectLst/>
+          </p:spPr>
+          <p:txBody>
+            <a:bodyPr rot="0" spcFirstLastPara="0" vertOverflow="overflow" horzOverflow="overflow" vert="horz" wrap="square" lIns="45720" tIns="45720" rIns="91440" bIns="45720" numCol="1" spcCol="0" rtlCol="0" fromWordArt="0" anchor="ctr" anchorCtr="0" forceAA="0" compatLnSpc="1">
+              <a:prstTxWarp prst="textNoShape">
+                <a:avLst/>
+              </a:prstTxWarp>
+              <a:noAutofit/>
+            </a:bodyPr>
+            <a:lstStyle/>
+            <a:p>
+              <a:pPr marL="0" marR="0" indent="0" algn="ctr" defTabSz="914400" eaLnBrk="1" fontAlgn="auto" latinLnBrk="0" hangingPunct="1">
+                <a:lnSpc>
+                  <a:spcPct val="100000"/>
+                </a:lnSpc>
+                <a:spcBef>
+                  <a:spcPts val="0"/>
+                </a:spcBef>
+                <a:spcAft>
+                  <a:spcPts val="0"/>
+                </a:spcAft>
+                <a:buClrTx/>
+                <a:buSzTx/>
+                <a:buFontTx/>
+                <a:buNone/>
+                <a:tabLst/>
+              </a:pPr>
+              <a:endParaRPr kumimoji="0" lang="en-US" sz="1000" b="0" i="0" u="none" strike="noStrike" kern="0" cap="none" spc="0" normalizeH="0" baseline="0" noProof="0" dirty="0" smtClean="0">
+                <a:ln>
+                  <a:noFill/>
+                </a:ln>
+                <a:solidFill>
+                  <a:srgbClr val="000000">
+                    <a:lumMod val="75000"/>
+                    <a:lumOff val="25000"/>
+                  </a:srgbClr>
+                </a:solidFill>
+                <a:effectLst/>
+                <a:uLnTx/>
+                <a:uFillTx/>
+                <a:latin typeface="Segoe UI"/>
+                <a:ea typeface="+mn-ea"/>
+                <a:cs typeface="+mn-cs"/>
+              </a:endParaRPr>
+            </a:p>
+          </p:txBody>
+        </p:sp>
+        <p:grpSp>
+          <p:nvGrpSpPr>
+            <p:cNvPr id="74" name="Minimize - Maximize - Close"/>
+            <p:cNvGrpSpPr/>
+            <p:nvPr/>
+          </p:nvGrpSpPr>
+          <p:grpSpPr>
+            <a:xfrm>
+              <a:off x="5903262" y="3047702"/>
+              <a:ext cx="137806" cy="39197"/>
+              <a:chOff x="9363695" y="296159"/>
+              <a:chExt cx="137806" cy="39197"/>
+            </a:xfrm>
+          </p:grpSpPr>
+          <p:cxnSp>
+            <p:nvCxnSpPr>
+              <p:cNvPr id="98" name="X2"/>
+              <p:cNvCxnSpPr>
+                <a:cxnSpLocks/>
+              </p:cNvCxnSpPr>
+              <p:nvPr/>
+            </p:nvCxnSpPr>
+            <p:spPr>
+              <a:xfrm>
+                <a:off x="9363697" y="296159"/>
+                <a:ext cx="137804" cy="39197"/>
+              </a:xfrm>
+              <a:prstGeom prst="line">
+                <a:avLst/>
+              </a:prstGeom>
+              <a:ln w="12700">
+                <a:solidFill>
+                  <a:srgbClr val="FFFFFF"/>
+                </a:solidFill>
+              </a:ln>
+            </p:spPr>
+            <p:style>
+              <a:lnRef idx="1">
+                <a:srgbClr val="4F81BD"/>
+              </a:lnRef>
+              <a:fillRef idx="0">
+                <a:srgbClr val="4F81BD"/>
+              </a:fillRef>
+              <a:effectRef idx="0">
+                <a:srgbClr val="4F81BD"/>
+              </a:effectRef>
+              <a:fontRef idx="minor">
+                <a:srgbClr val="000000"/>
+              </a:fontRef>
+            </p:style>
+          </p:cxnSp>
+          <p:cxnSp>
+            <p:nvCxnSpPr>
+              <p:cNvPr id="99" name="X1"/>
+              <p:cNvCxnSpPr>
+                <a:cxnSpLocks/>
+              </p:cNvCxnSpPr>
+              <p:nvPr/>
+            </p:nvCxnSpPr>
+            <p:spPr>
+              <a:xfrm flipH="1">
+                <a:off x="9363695" y="296159"/>
+                <a:ext cx="137804" cy="39197"/>
+              </a:xfrm>
+              <a:prstGeom prst="line">
+                <a:avLst/>
+              </a:prstGeom>
+              <a:ln w="12700">
+                <a:solidFill>
+                  <a:srgbClr val="FFFFFF"/>
+                </a:solidFill>
+              </a:ln>
+            </p:spPr>
+            <p:style>
+              <a:lnRef idx="1">
+                <a:srgbClr val="4F81BD"/>
+              </a:lnRef>
+              <a:fillRef idx="0">
+                <a:srgbClr val="4F81BD"/>
+              </a:fillRef>
+              <a:effectRef idx="0">
+                <a:srgbClr val="4F81BD"/>
+              </a:effectRef>
+              <a:fontRef idx="minor">
+                <a:srgbClr val="000000"/>
+              </a:fontRef>
+            </p:style>
+          </p:cxnSp>
+        </p:grpSp>
+        <p:sp>
+          <p:nvSpPr>
+            <p:cNvPr id="75" name="AlertText"/>
+            <p:cNvSpPr txBox="1">
+              <a:spLocks/>
+            </p:cNvSpPr>
+            <p:nvPr/>
+          </p:nvSpPr>
+          <p:spPr>
+            <a:xfrm>
+              <a:off x="3311630" y="3390915"/>
+              <a:ext cx="2758184" cy="289611"/>
+            </a:xfrm>
+            <a:prstGeom prst="rect">
+              <a:avLst/>
+            </a:prstGeom>
+            <a:noFill/>
+          </p:spPr>
+          <p:txBody>
+            <a:bodyPr wrap="square" tIns="45720" rtlCol="0" anchor="ctr" anchorCtr="0">
+              <a:noAutofit/>
+            </a:bodyPr>
+            <a:lstStyle/>
+            <a:p>
+              <a:pPr algn="ctr"/>
+              <a:r>
+                <a:rPr lang="en-US" sz="1000" b="1" dirty="0" err="1" smtClean="0">
+                  <a:latin typeface="Montserrat Light" panose="00000400000000000000" pitchFamily="50" charset="0"/>
+                  <a:ea typeface="Segoe UI" pitchFamily="34" charset="0"/>
+                  <a:cs typeface="Segoe UI" pitchFamily="34" charset="0"/>
+                </a:rPr>
+                <a:t>Debe</a:t>
+              </a:r>
+              <a:r>
+                <a:rPr lang="en-US" sz="1000" b="1" dirty="0" smtClean="0">
+                  <a:latin typeface="Montserrat Light" panose="00000400000000000000" pitchFamily="50" charset="0"/>
+                  <a:ea typeface="Segoe UI" pitchFamily="34" charset="0"/>
+                  <a:cs typeface="Segoe UI" pitchFamily="34" charset="0"/>
+                </a:rPr>
+                <a:t> </a:t>
+              </a:r>
+              <a:r>
+                <a:rPr lang="en-US" sz="1000" b="1" dirty="0" err="1" smtClean="0">
+                  <a:latin typeface="Montserrat Light" panose="00000400000000000000" pitchFamily="50" charset="0"/>
+                  <a:ea typeface="Segoe UI" pitchFamily="34" charset="0"/>
+                  <a:cs typeface="Segoe UI" pitchFamily="34" charset="0"/>
+                </a:rPr>
+                <a:t>rellenar</a:t>
+              </a:r>
+              <a:r>
+                <a:rPr lang="en-US" sz="1000" b="1" dirty="0" smtClean="0">
+                  <a:latin typeface="Montserrat Light" panose="00000400000000000000" pitchFamily="50" charset="0"/>
+                  <a:ea typeface="Segoe UI" pitchFamily="34" charset="0"/>
+                  <a:cs typeface="Segoe UI" pitchFamily="34" charset="0"/>
+                </a:rPr>
+                <a:t> </a:t>
+              </a:r>
+              <a:r>
+                <a:rPr lang="en-US" sz="1000" b="1" dirty="0" err="1" smtClean="0">
+                  <a:latin typeface="Montserrat Light" panose="00000400000000000000" pitchFamily="50" charset="0"/>
+                  <a:ea typeface="Segoe UI" pitchFamily="34" charset="0"/>
+                  <a:cs typeface="Segoe UI" pitchFamily="34" charset="0"/>
+                </a:rPr>
+                <a:t>todos</a:t>
+              </a:r>
+              <a:r>
+                <a:rPr lang="en-US" sz="1000" b="1" dirty="0" smtClean="0">
+                  <a:latin typeface="Montserrat Light" panose="00000400000000000000" pitchFamily="50" charset="0"/>
+                  <a:ea typeface="Segoe UI" pitchFamily="34" charset="0"/>
+                  <a:cs typeface="Segoe UI" pitchFamily="34" charset="0"/>
+                </a:rPr>
+                <a:t> </a:t>
+              </a:r>
+              <a:r>
+                <a:rPr lang="en-US" sz="1000" b="1" dirty="0" err="1" smtClean="0">
+                  <a:latin typeface="Montserrat Light" panose="00000400000000000000" pitchFamily="50" charset="0"/>
+                  <a:ea typeface="Segoe UI" pitchFamily="34" charset="0"/>
+                  <a:cs typeface="Segoe UI" pitchFamily="34" charset="0"/>
+                </a:rPr>
+                <a:t>los</a:t>
+              </a:r>
+              <a:r>
+                <a:rPr lang="en-US" sz="1000" b="1" dirty="0" smtClean="0">
+                  <a:latin typeface="Montserrat Light" panose="00000400000000000000" pitchFamily="50" charset="0"/>
+                  <a:ea typeface="Segoe UI" pitchFamily="34" charset="0"/>
+                  <a:cs typeface="Segoe UI" pitchFamily="34" charset="0"/>
+                </a:rPr>
+                <a:t> </a:t>
+              </a:r>
+              <a:r>
+                <a:rPr lang="en-US" sz="1000" b="1" dirty="0" err="1" smtClean="0">
+                  <a:latin typeface="Montserrat Light" panose="00000400000000000000" pitchFamily="50" charset="0"/>
+                  <a:ea typeface="Segoe UI" pitchFamily="34" charset="0"/>
+                  <a:cs typeface="Segoe UI" pitchFamily="34" charset="0"/>
+                </a:rPr>
+                <a:t>campos</a:t>
+              </a:r>
+              <a:r>
+                <a:rPr lang="en-US" sz="1000" b="1" dirty="0" smtClean="0">
+                  <a:latin typeface="Montserrat Light" panose="00000400000000000000" pitchFamily="50" charset="0"/>
+                  <a:ea typeface="Segoe UI" pitchFamily="34" charset="0"/>
+                  <a:cs typeface="Segoe UI" pitchFamily="34" charset="0"/>
+                </a:rPr>
+                <a:t> para </a:t>
+              </a:r>
+              <a:r>
+                <a:rPr lang="en-US" sz="1000" b="1" dirty="0" err="1" smtClean="0">
+                  <a:latin typeface="Montserrat Light" panose="00000400000000000000" pitchFamily="50" charset="0"/>
+                  <a:ea typeface="Segoe UI" pitchFamily="34" charset="0"/>
+                  <a:cs typeface="Segoe UI" pitchFamily="34" charset="0"/>
+                </a:rPr>
+                <a:t>guardar</a:t>
+              </a:r>
+              <a:r>
+                <a:rPr lang="en-US" sz="1000" b="1" dirty="0" smtClean="0">
+                  <a:latin typeface="Montserrat Light" panose="00000400000000000000" pitchFamily="50" charset="0"/>
+                  <a:ea typeface="Segoe UI" pitchFamily="34" charset="0"/>
+                  <a:cs typeface="Segoe UI" pitchFamily="34" charset="0"/>
+                </a:rPr>
+                <a:t> la </a:t>
+              </a:r>
+              <a:r>
+                <a:rPr lang="en-US" sz="1000" b="1" dirty="0" err="1" smtClean="0">
+                  <a:latin typeface="Montserrat Light" panose="00000400000000000000" pitchFamily="50" charset="0"/>
+                  <a:ea typeface="Segoe UI" pitchFamily="34" charset="0"/>
+                  <a:cs typeface="Segoe UI" pitchFamily="34" charset="0"/>
+                </a:rPr>
+                <a:t>pregunta</a:t>
+              </a:r>
+              <a:endParaRPr lang="en-US" sz="1000" b="1" dirty="0">
+                <a:latin typeface="Montserrat Light" panose="00000400000000000000" pitchFamily="50" charset="0"/>
+                <a:ea typeface="Segoe UI" pitchFamily="34" charset="0"/>
+                <a:cs typeface="Segoe UI" pitchFamily="34" charset="0"/>
+              </a:endParaRPr>
+            </a:p>
+          </p:txBody>
+        </p:sp>
+        <p:sp>
+          <p:nvSpPr>
+            <p:cNvPr id="97" name="OkButton"/>
+            <p:cNvSpPr>
+              <a:spLocks/>
+            </p:cNvSpPr>
+            <p:nvPr/>
+          </p:nvSpPr>
+          <p:spPr>
+            <a:xfrm>
+              <a:off x="4006130" y="3810471"/>
+              <a:ext cx="1184778" cy="117592"/>
+            </a:xfrm>
+            <a:prstGeom prst="roundRect">
+              <a:avLst/>
+            </a:prstGeom>
+            <a:solidFill>
+              <a:srgbClr val="FFFFFF">
+                <a:lumMod val="95000"/>
+              </a:srgbClr>
+            </a:solidFill>
+            <a:ln w="3175">
+              <a:solidFill>
+                <a:srgbClr val="000000">
+                  <a:lumMod val="50000"/>
+                  <a:lumOff val="50000"/>
+                </a:srgbClr>
+              </a:solidFill>
+            </a:ln>
+            <a:effectLst/>
+          </p:spPr>
+          <p:style>
+            <a:lnRef idx="2">
+              <a:srgbClr val="4F81BD">
+                <a:shade val="50000"/>
+              </a:srgbClr>
+            </a:lnRef>
+            <a:fillRef idx="1">
+              <a:srgbClr val="4F81BD"/>
+            </a:fillRef>
+            <a:effectRef idx="0">
+              <a:srgbClr val="4F81BD"/>
+            </a:effectRef>
+            <a:fontRef idx="minor">
+              <a:srgbClr val="000000"/>
+            </a:fontRef>
+          </p:style>
+          <p:txBody>
+            <a:bodyPr lIns="91440" tIns="48766" rIns="91440" bIns="48766" rtlCol="0" anchor="ctr"/>
+            <a:lstStyle/>
+            <a:p>
+              <a:pPr algn="ctr"/>
+              <a:r>
+                <a:rPr lang="en-US" sz="1200" dirty="0" smtClean="0">
+                  <a:solidFill>
+                    <a:srgbClr val="000000"/>
+                  </a:solidFill>
+                  <a:latin typeface="Segoe UI" pitchFamily="34" charset="0"/>
+                  <a:cs typeface="Segoe UI" pitchFamily="34" charset="0"/>
+                </a:rPr>
+                <a:t>OK</a:t>
+              </a:r>
+              <a:endParaRPr lang="en-US" sz="1200" dirty="0">
+                <a:solidFill>
+                  <a:srgbClr val="000000"/>
+                </a:solidFill>
+                <a:latin typeface="Segoe UI" pitchFamily="34" charset="0"/>
+                <a:cs typeface="Segoe UI" pitchFamily="34" charset="0"/>
+              </a:endParaRPr>
+            </a:p>
+          </p:txBody>
+        </p:sp>
+      </p:grpSp>
+      <p:grpSp>
+        <p:nvGrpSpPr>
+          <p:cNvPr id="104" name="AlertDialog"/>
+          <p:cNvGrpSpPr/>
+          <p:nvPr>
+            <p:custDataLst>
+              <p:custData r:id="rId33"/>
+            </p:custDataLst>
+          </p:nvPr>
+        </p:nvGrpSpPr>
+        <p:grpSpPr>
+          <a:xfrm>
+            <a:off x="2592110" y="2252187"/>
+            <a:ext cx="1502092" cy="1295197"/>
+            <a:chOff x="3145080" y="3047702"/>
+            <a:chExt cx="2924734" cy="915959"/>
+          </a:xfrm>
+        </p:grpSpPr>
+        <p:sp>
+          <p:nvSpPr>
+            <p:cNvPr id="105" name="InnerArea"/>
+            <p:cNvSpPr>
+              <a:spLocks/>
+            </p:cNvSpPr>
+            <p:nvPr/>
+          </p:nvSpPr>
+          <p:spPr>
+            <a:xfrm>
+              <a:off x="3145080" y="3274047"/>
+              <a:ext cx="2924734" cy="689614"/>
+            </a:xfrm>
+            <a:prstGeom prst="rect">
+              <a:avLst/>
+            </a:prstGeom>
+            <a:solidFill>
+              <a:sysClr val="window" lastClr="FFFFFF"/>
+            </a:solidFill>
+            <a:ln w="3175" cap="flat" cmpd="sng" algn="ctr">
+              <a:solidFill>
+                <a:srgbClr val="000000">
+                  <a:lumMod val="50000"/>
+                  <a:lumOff val="50000"/>
+                </a:srgbClr>
+              </a:solidFill>
+              <a:prstDash val="solid"/>
+            </a:ln>
+            <a:effectLst/>
+          </p:spPr>
+          <p:txBody>
+            <a:bodyPr rot="0" spcFirstLastPara="0" vertOverflow="overflow" horzOverflow="overflow" vert="horz" wrap="square" lIns="45720" tIns="45720" rIns="91440" bIns="45720" numCol="1" spcCol="0" rtlCol="0" fromWordArt="0" anchor="ctr" anchorCtr="0" forceAA="0" compatLnSpc="1">
+              <a:prstTxWarp prst="textNoShape">
+                <a:avLst/>
+              </a:prstTxWarp>
+              <a:noAutofit/>
+            </a:bodyPr>
+            <a:lstStyle/>
+            <a:p>
+              <a:pPr marL="0" marR="0" indent="0" algn="ctr" defTabSz="914400" eaLnBrk="1" fontAlgn="auto" latinLnBrk="0" hangingPunct="1">
+                <a:lnSpc>
+                  <a:spcPct val="100000"/>
+                </a:lnSpc>
+                <a:spcBef>
+                  <a:spcPts val="0"/>
+                </a:spcBef>
+                <a:spcAft>
+                  <a:spcPts val="0"/>
+                </a:spcAft>
+                <a:buClrTx/>
+                <a:buSzTx/>
+                <a:buFontTx/>
+                <a:buNone/>
+                <a:tabLst/>
+              </a:pPr>
+              <a:endParaRPr kumimoji="0" lang="en-US" sz="1000" b="0" i="0" u="none" strike="noStrike" kern="0" cap="none" spc="0" normalizeH="0" baseline="0" noProof="0" dirty="0" smtClean="0">
+                <a:ln>
+                  <a:noFill/>
+                </a:ln>
+                <a:solidFill>
+                  <a:srgbClr val="000000">
+                    <a:lumMod val="75000"/>
+                    <a:lumOff val="25000"/>
+                  </a:srgbClr>
+                </a:solidFill>
+                <a:effectLst/>
+                <a:uLnTx/>
+                <a:uFillTx/>
+                <a:latin typeface="Segoe UI"/>
+                <a:ea typeface="+mn-ea"/>
+                <a:cs typeface="+mn-cs"/>
+              </a:endParaRPr>
+            </a:p>
+          </p:txBody>
+        </p:sp>
+        <p:grpSp>
+          <p:nvGrpSpPr>
+            <p:cNvPr id="106" name="Minimize - Maximize - Close"/>
+            <p:cNvGrpSpPr/>
+            <p:nvPr/>
+          </p:nvGrpSpPr>
+          <p:grpSpPr>
+            <a:xfrm>
+              <a:off x="5903262" y="3047702"/>
+              <a:ext cx="137806" cy="39197"/>
+              <a:chOff x="9363695" y="296159"/>
+              <a:chExt cx="137806" cy="39197"/>
+            </a:xfrm>
+          </p:grpSpPr>
+          <p:cxnSp>
+            <p:nvCxnSpPr>
+              <p:cNvPr id="112" name="X2"/>
+              <p:cNvCxnSpPr>
+                <a:cxnSpLocks/>
+              </p:cNvCxnSpPr>
+              <p:nvPr/>
+            </p:nvCxnSpPr>
+            <p:spPr>
+              <a:xfrm>
+                <a:off x="9363697" y="296159"/>
+                <a:ext cx="137804" cy="39197"/>
+              </a:xfrm>
+              <a:prstGeom prst="line">
+                <a:avLst/>
+              </a:prstGeom>
+              <a:ln w="12700">
+                <a:solidFill>
+                  <a:srgbClr val="FFFFFF"/>
+                </a:solidFill>
+              </a:ln>
+            </p:spPr>
+            <p:style>
+              <a:lnRef idx="1">
+                <a:srgbClr val="4F81BD"/>
+              </a:lnRef>
+              <a:fillRef idx="0">
+                <a:srgbClr val="4F81BD"/>
+              </a:fillRef>
+              <a:effectRef idx="0">
+                <a:srgbClr val="4F81BD"/>
+              </a:effectRef>
+              <a:fontRef idx="minor">
+                <a:srgbClr val="000000"/>
+              </a:fontRef>
+            </p:style>
+          </p:cxnSp>
+          <p:cxnSp>
+            <p:nvCxnSpPr>
+              <p:cNvPr id="113" name="X1"/>
+              <p:cNvCxnSpPr>
+                <a:cxnSpLocks/>
+              </p:cNvCxnSpPr>
+              <p:nvPr/>
+            </p:nvCxnSpPr>
+            <p:spPr>
+              <a:xfrm flipH="1">
+                <a:off x="9363695" y="296159"/>
+                <a:ext cx="137804" cy="39197"/>
+              </a:xfrm>
+              <a:prstGeom prst="line">
+                <a:avLst/>
+              </a:prstGeom>
+              <a:ln w="12700">
+                <a:solidFill>
+                  <a:srgbClr val="FFFFFF"/>
+                </a:solidFill>
+              </a:ln>
+            </p:spPr>
+            <p:style>
+              <a:lnRef idx="1">
+                <a:srgbClr val="4F81BD"/>
+              </a:lnRef>
+              <a:fillRef idx="0">
+                <a:srgbClr val="4F81BD"/>
+              </a:fillRef>
+              <a:effectRef idx="0">
+                <a:srgbClr val="4F81BD"/>
+              </a:effectRef>
+              <a:fontRef idx="minor">
+                <a:srgbClr val="000000"/>
+              </a:fontRef>
+            </p:style>
+          </p:cxnSp>
+        </p:grpSp>
+        <p:sp>
+          <p:nvSpPr>
+            <p:cNvPr id="107" name="AlertText"/>
+            <p:cNvSpPr txBox="1">
+              <a:spLocks/>
+            </p:cNvSpPr>
+            <p:nvPr/>
+          </p:nvSpPr>
+          <p:spPr>
+            <a:xfrm>
+              <a:off x="3311630" y="3390915"/>
+              <a:ext cx="2758184" cy="289611"/>
+            </a:xfrm>
+            <a:prstGeom prst="rect">
+              <a:avLst/>
+            </a:prstGeom>
+            <a:noFill/>
+          </p:spPr>
+          <p:txBody>
+            <a:bodyPr wrap="square" tIns="45720" rtlCol="0" anchor="ctr" anchorCtr="0">
+              <a:noAutofit/>
+            </a:bodyPr>
+            <a:lstStyle/>
+            <a:p>
+              <a:pPr algn="ctr"/>
+              <a:r>
+                <a:rPr lang="en-US" sz="1000" b="1" dirty="0" err="1" smtClean="0">
+                  <a:latin typeface="Montserrat Light" panose="00000400000000000000" pitchFamily="50" charset="0"/>
+                  <a:ea typeface="Segoe UI" pitchFamily="34" charset="0"/>
+                  <a:cs typeface="Segoe UI" pitchFamily="34" charset="0"/>
+                </a:rPr>
+                <a:t>Debe</a:t>
+              </a:r>
+              <a:r>
+                <a:rPr lang="en-US" sz="1000" b="1" dirty="0" smtClean="0">
+                  <a:latin typeface="Montserrat Light" panose="00000400000000000000" pitchFamily="50" charset="0"/>
+                  <a:ea typeface="Segoe UI" pitchFamily="34" charset="0"/>
+                  <a:cs typeface="Segoe UI" pitchFamily="34" charset="0"/>
+                </a:rPr>
+                <a:t> </a:t>
+              </a:r>
+              <a:r>
+                <a:rPr lang="en-US" sz="1000" b="1" dirty="0" err="1" smtClean="0">
+                  <a:latin typeface="Montserrat Light" panose="00000400000000000000" pitchFamily="50" charset="0"/>
+                  <a:ea typeface="Segoe UI" pitchFamily="34" charset="0"/>
+                  <a:cs typeface="Segoe UI" pitchFamily="34" charset="0"/>
+                </a:rPr>
+                <a:t>rellenar</a:t>
+              </a:r>
+              <a:r>
+                <a:rPr lang="en-US" sz="1000" b="1" dirty="0" smtClean="0">
+                  <a:latin typeface="Montserrat Light" panose="00000400000000000000" pitchFamily="50" charset="0"/>
+                  <a:ea typeface="Segoe UI" pitchFamily="34" charset="0"/>
+                  <a:cs typeface="Segoe UI" pitchFamily="34" charset="0"/>
+                </a:rPr>
+                <a:t> </a:t>
+              </a:r>
+              <a:r>
+                <a:rPr lang="en-US" sz="1000" b="1" dirty="0" err="1" smtClean="0">
+                  <a:latin typeface="Montserrat Light" panose="00000400000000000000" pitchFamily="50" charset="0"/>
+                  <a:ea typeface="Segoe UI" pitchFamily="34" charset="0"/>
+                  <a:cs typeface="Segoe UI" pitchFamily="34" charset="0"/>
+                </a:rPr>
+                <a:t>todos</a:t>
+              </a:r>
+              <a:r>
+                <a:rPr lang="en-US" sz="1000" b="1" dirty="0" smtClean="0">
+                  <a:latin typeface="Montserrat Light" panose="00000400000000000000" pitchFamily="50" charset="0"/>
+                  <a:ea typeface="Segoe UI" pitchFamily="34" charset="0"/>
+                  <a:cs typeface="Segoe UI" pitchFamily="34" charset="0"/>
+                </a:rPr>
+                <a:t> </a:t>
+              </a:r>
+              <a:r>
+                <a:rPr lang="en-US" sz="1000" b="1" dirty="0" err="1" smtClean="0">
+                  <a:latin typeface="Montserrat Light" panose="00000400000000000000" pitchFamily="50" charset="0"/>
+                  <a:ea typeface="Segoe UI" pitchFamily="34" charset="0"/>
+                  <a:cs typeface="Segoe UI" pitchFamily="34" charset="0"/>
+                </a:rPr>
+                <a:t>los</a:t>
+              </a:r>
+              <a:r>
+                <a:rPr lang="en-US" sz="1000" b="1" dirty="0" smtClean="0">
+                  <a:latin typeface="Montserrat Light" panose="00000400000000000000" pitchFamily="50" charset="0"/>
+                  <a:ea typeface="Segoe UI" pitchFamily="34" charset="0"/>
+                  <a:cs typeface="Segoe UI" pitchFamily="34" charset="0"/>
+                </a:rPr>
+                <a:t> </a:t>
+              </a:r>
+              <a:r>
+                <a:rPr lang="en-US" sz="1000" b="1" dirty="0" err="1" smtClean="0">
+                  <a:latin typeface="Montserrat Light" panose="00000400000000000000" pitchFamily="50" charset="0"/>
+                  <a:ea typeface="Segoe UI" pitchFamily="34" charset="0"/>
+                  <a:cs typeface="Segoe UI" pitchFamily="34" charset="0"/>
+                </a:rPr>
+                <a:t>campos</a:t>
+              </a:r>
+              <a:r>
+                <a:rPr lang="en-US" sz="1000" b="1" dirty="0" smtClean="0">
+                  <a:latin typeface="Montserrat Light" panose="00000400000000000000" pitchFamily="50" charset="0"/>
+                  <a:ea typeface="Segoe UI" pitchFamily="34" charset="0"/>
+                  <a:cs typeface="Segoe UI" pitchFamily="34" charset="0"/>
+                </a:rPr>
+                <a:t> para </a:t>
+              </a:r>
+              <a:r>
+                <a:rPr lang="en-US" sz="1000" b="1" dirty="0" err="1" smtClean="0">
+                  <a:latin typeface="Montserrat Light" panose="00000400000000000000" pitchFamily="50" charset="0"/>
+                  <a:ea typeface="Segoe UI" pitchFamily="34" charset="0"/>
+                  <a:cs typeface="Segoe UI" pitchFamily="34" charset="0"/>
+                </a:rPr>
+                <a:t>guardar</a:t>
+              </a:r>
+              <a:r>
+                <a:rPr lang="en-US" sz="1000" b="1" dirty="0" smtClean="0">
+                  <a:latin typeface="Montserrat Light" panose="00000400000000000000" pitchFamily="50" charset="0"/>
+                  <a:ea typeface="Segoe UI" pitchFamily="34" charset="0"/>
+                  <a:cs typeface="Segoe UI" pitchFamily="34" charset="0"/>
+                </a:rPr>
+                <a:t> la </a:t>
+              </a:r>
+              <a:r>
+                <a:rPr lang="en-US" sz="1000" b="1" dirty="0" err="1" smtClean="0">
+                  <a:latin typeface="Montserrat Light" panose="00000400000000000000" pitchFamily="50" charset="0"/>
+                  <a:ea typeface="Segoe UI" pitchFamily="34" charset="0"/>
+                  <a:cs typeface="Segoe UI" pitchFamily="34" charset="0"/>
+                </a:rPr>
+                <a:t>pregunta</a:t>
+              </a:r>
+              <a:endParaRPr lang="en-US" sz="1000" b="1" dirty="0">
+                <a:latin typeface="Montserrat Light" panose="00000400000000000000" pitchFamily="50" charset="0"/>
+                <a:ea typeface="Segoe UI" pitchFamily="34" charset="0"/>
+                <a:cs typeface="Segoe UI" pitchFamily="34" charset="0"/>
+              </a:endParaRPr>
+            </a:p>
+          </p:txBody>
+        </p:sp>
+        <p:sp>
+          <p:nvSpPr>
+            <p:cNvPr id="111" name="OkButton"/>
+            <p:cNvSpPr>
+              <a:spLocks/>
+            </p:cNvSpPr>
+            <p:nvPr/>
+          </p:nvSpPr>
+          <p:spPr>
+            <a:xfrm>
+              <a:off x="4006130" y="3810471"/>
+              <a:ext cx="1184778" cy="117592"/>
+            </a:xfrm>
+            <a:prstGeom prst="roundRect">
+              <a:avLst/>
+            </a:prstGeom>
+            <a:solidFill>
+              <a:srgbClr val="FFFFFF">
+                <a:lumMod val="95000"/>
+              </a:srgbClr>
+            </a:solidFill>
+            <a:ln w="3175">
+              <a:solidFill>
+                <a:srgbClr val="000000">
+                  <a:lumMod val="50000"/>
+                  <a:lumOff val="50000"/>
+                </a:srgbClr>
+              </a:solidFill>
+            </a:ln>
+            <a:effectLst/>
+          </p:spPr>
+          <p:style>
+            <a:lnRef idx="2">
+              <a:srgbClr val="4F81BD">
+                <a:shade val="50000"/>
+              </a:srgbClr>
+            </a:lnRef>
+            <a:fillRef idx="1">
+              <a:srgbClr val="4F81BD"/>
+            </a:fillRef>
+            <a:effectRef idx="0">
+              <a:srgbClr val="4F81BD"/>
+            </a:effectRef>
+            <a:fontRef idx="minor">
+              <a:srgbClr val="000000"/>
+            </a:fontRef>
+          </p:style>
+          <p:txBody>
+            <a:bodyPr lIns="91440" tIns="48766" rIns="91440" bIns="48766" rtlCol="0" anchor="ctr"/>
+            <a:lstStyle/>
+            <a:p>
+              <a:pPr algn="ctr"/>
+              <a:r>
+                <a:rPr lang="en-US" sz="1200" dirty="0" smtClean="0">
+                  <a:solidFill>
+                    <a:srgbClr val="000000"/>
+                  </a:solidFill>
+                  <a:latin typeface="Segoe UI" pitchFamily="34" charset="0"/>
+                  <a:cs typeface="Segoe UI" pitchFamily="34" charset="0"/>
+                </a:rPr>
+                <a:t>OK</a:t>
+              </a:r>
+              <a:endParaRPr lang="en-US" sz="1200" dirty="0">
+                <a:solidFill>
+                  <a:srgbClr val="000000"/>
+                </a:solidFill>
+                <a:latin typeface="Segoe UI" pitchFamily="34" charset="0"/>
+                <a:cs typeface="Segoe UI" pitchFamily="34" charset="0"/>
+              </a:endParaRPr>
             </a:p>
           </p:txBody>
         </p:sp>
@@ -25962,61 +26403,61 @@
 
 <file path=customXml/item1.xml><?xml version="1.0" encoding="utf-8"?>
 <Control xmlns="http://schemas.microsoft.com/VisualStudio/2011/storyboarding/control">
+  <Id Name="fd7d7bed-114e-464c-a4f1-01a512005949" Revision="1" Stencil="System.MyShapes" StencilVersion="1.0"/>
+</Control>
+</file>
+
+<file path=customXml/item10.xml><?xml version="1.0" encoding="utf-8"?>
+<Control xmlns="http://schemas.microsoft.com/VisualStudio/2011/storyboarding/control">
+  <Id Name="fd7d7bed-114e-464c-a4f1-01a512005949" Revision="1" Stencil="System.MyShapes" StencilVersion="1.0"/>
+</Control>
+</file>
+
+<file path=customXml/item100.xml><?xml version="1.0" encoding="utf-8"?>
+<Control xmlns="http://schemas.microsoft.com/VisualStudio/2011/storyboarding/control">
   <Id Name="System.Storyboarding.WindowsApps.WindowsAppsButton" Revision="1" Stencil="System.Storyboarding.WindowsApps" StencilVersion="0.1"/>
 </Control>
 </file>
 
-<file path=customXml/item10.xml><?xml version="1.0" encoding="utf-8"?>
+<file path=customXml/item101.xml><?xml version="1.0" encoding="utf-8"?>
 <Control xmlns="http://schemas.microsoft.com/VisualStudio/2011/storyboarding/control">
-  <Id Name="System.Storyboarding.WindowsAppIcons.Save" Revision="1" Stencil="System.Storyboarding.WindowsAppIcons" StencilVersion="0.1"/>
+  <Id Name="System.Storyboarding.WindowsApps.WindowsAppsButton" Revision="1" Stencil="System.Storyboarding.WindowsApps" StencilVersion="0.1"/>
 </Control>
 </file>
 
-<file path=customXml/item100.xml><?xml version="1.0" encoding="utf-8"?>
+<file path=customXml/item102.xml><?xml version="1.0" encoding="utf-8"?>
 <Control xmlns="http://schemas.microsoft.com/VisualStudio/2011/storyboarding/control">
   <Id Name="System.Storyboarding.Annotation.CallOut" Revision="1" Stencil="System.Storyboarding.Annotation" StencilVersion="0.1"/>
 </Control>
 </file>
 
-<file path=customXml/item101.xml><?xml version="1.0" encoding="utf-8"?>
+<file path=customXml/item103.xml><?xml version="1.0" encoding="utf-8"?>
 <Control xmlns="http://schemas.microsoft.com/VisualStudio/2011/storyboarding/control">
-  <Id Name="System.Storyboarding.WindowsAppIcons.Emoji" Revision="1" Stencil="System.Storyboarding.WindowsAppIcons" StencilVersion="0.1"/>
+  <Id Name="System.Storyboarding.Annotation.CallOut" Revision="1" Stencil="System.Storyboarding.Annotation" StencilVersion="0.1"/>
 </Control>
 </file>
 
-<file path=customXml/item102.xml><?xml version="1.0" encoding="utf-8"?>
+<file path=customXml/item104.xml><?xml version="1.0" encoding="utf-8"?>
 <Control xmlns="http://schemas.microsoft.com/VisualStudio/2011/storyboarding/control">
   <Id Name="System.Storyboarding.WindowsApps.WindowsAppsButton" Revision="1" Stencil="System.Storyboarding.WindowsApps" StencilVersion="0.1"/>
 </Control>
 </file>
 
-<file path=customXml/item103.xml><?xml version="1.0" encoding="utf-8"?>
-<Control xmlns="http://schemas.microsoft.com/VisualStudio/2011/storyboarding/control">
-  <Id Name="System.Storyboarding.Backgrounds.WindowsPhone" Revision="1" Stencil="System.Storyboarding.Backgrounds" StencilVersion="0.1"/>
-</Control>
-</file>
-
-<file path=customXml/item104.xml><?xml version="1.0" encoding="utf-8"?>
-<Control xmlns="http://schemas.microsoft.com/VisualStudio/2011/storyboarding/control">
-  <Id Name="System.Storyboarding.WindowsApps.WindowsAppsTileMedium" Revision="1" Stencil="System.Storyboarding.WindowsApps" StencilVersion="0.1"/>
-</Control>
-</file>
-
 <file path=customXml/item105.xml><?xml version="1.0" encoding="utf-8"?>
 <Control xmlns="http://schemas.microsoft.com/VisualStudio/2011/storyboarding/control">
-  <Id Name="System.Storyboarding.WindowsApps.WindowsAppsTileMedium" Revision="1" Stencil="System.Storyboarding.WindowsApps" StencilVersion="0.1"/>
+  <Id Name="System.Storyboarding.WindowsApps.WindowsAppsButton" Revision="1" Stencil="System.Storyboarding.WindowsApps" StencilVersion="0.1"/>
 </Control>
 </file>
 
 <file path=customXml/item106.xml><?xml version="1.0" encoding="utf-8"?>
 <Control xmlns="http://schemas.microsoft.com/VisualStudio/2011/storyboarding/control">
-  <Id Name="System.Storyboarding.Icons.Warning" Revision="1" Stencil="System.Storyboarding.Icons" StencilVersion="0.1"/>
+  <Id Name="System.Storyboarding.WindowsApps.WindowsAppsButton" Revision="1" Stencil="System.Storyboarding.WindowsApps" StencilVersion="0.1"/>
 </Control>
 </file>
 
 <file path=customXml/item107.xml><?xml version="1.0" encoding="utf-8"?>
 <Control xmlns="http://schemas.microsoft.com/VisualStudio/2011/storyboarding/control">
-  <Id Name="fd7d7bed-114e-464c-a4f1-01a512005949" Revision="1" Stencil="System.MyShapes" StencilVersion="1.0"/>
+  <Id Name="System.Storyboarding.Annotation.CallOut" Revision="1" Stencil="System.Storyboarding.Annotation" StencilVersion="0.1"/>
 </Control>
 </file>
 
@@ -26028,49 +26469,49 @@
 
 <file path=customXml/item109.xml><?xml version="1.0" encoding="utf-8"?>
 <Control xmlns="http://schemas.microsoft.com/VisualStudio/2011/storyboarding/control">
-  <Id Name="System.Storyboarding.Annotation.CallOut" Revision="1" Stencil="System.Storyboarding.Annotation" StencilVersion="0.1"/>
+  <Id Name="System.Storyboarding.WindowsApps.WindowsAppsTileMedium" Revision="1" Stencil="System.Storyboarding.WindowsApps" StencilVersion="0.1"/>
 </Control>
 </file>
 
 <file path=customXml/item11.xml><?xml version="1.0" encoding="utf-8"?>
+<Control xmlns="http://schemas.microsoft.com/VisualStudio/2011/storyboarding/control">
+  <Id Name="System.Storyboarding.Common.CheckBoxUnchecked" Revision="1" Stencil="System.Storyboarding.Common" StencilVersion="0.1"/>
+</Control>
+</file>
+
+<file path=customXml/item110.xml><?xml version="1.0" encoding="utf-8"?>
+<Control xmlns="http://schemas.microsoft.com/VisualStudio/2011/storyboarding/control">
+  <Id Name="fd7d7bed-114e-464c-a4f1-01a512005949" Revision="1" Stencil="System.MyShapes" StencilVersion="1.0"/>
+</Control>
+</file>
+
+<file path=customXml/item111.xml><?xml version="1.0" encoding="utf-8"?>
 <Control xmlns="http://schemas.microsoft.com/VisualStudio/2011/storyboarding/control">
   <Id Name="System.Storyboarding.WindowsApps.WindowsAppsButton" Revision="1" Stencil="System.Storyboarding.WindowsApps" StencilVersion="0.1"/>
 </Control>
 </file>
 
-<file path=customXml/item110.xml><?xml version="1.0" encoding="utf-8"?>
+<file path=customXml/item112.xml><?xml version="1.0" encoding="utf-8"?>
+<Control xmlns="http://schemas.microsoft.com/VisualStudio/2011/storyboarding/control">
+  <Id Name="System.Storyboarding.WindowsApps.WindowsAppsTileMedium" Revision="1" Stencil="System.Storyboarding.WindowsApps" StencilVersion="0.1"/>
+</Control>
+</file>
+
+<file path=customXml/item113.xml><?xml version="1.0" encoding="utf-8"?>
 <Control xmlns="http://schemas.microsoft.com/VisualStudio/2011/storyboarding/control">
   <Id Name="System.Storyboarding.WindowsApps.WindowsAppsButton" Revision="1" Stencil="System.Storyboarding.WindowsApps" StencilVersion="0.1"/>
 </Control>
 </file>
 
-<file path=customXml/item111.xml><?xml version="1.0" encoding="utf-8"?>
-<Control xmlns="http://schemas.microsoft.com/VisualStudio/2011/storyboarding/control">
-  <Id Name="fd7d7bed-114e-464c-a4f1-01a512005949" Revision="1" Stencil="System.MyShapes" StencilVersion="1.0"/>
-</Control>
-</file>
-
-<file path=customXml/item112.xml><?xml version="1.0" encoding="utf-8"?>
-<Control xmlns="http://schemas.microsoft.com/VisualStudio/2011/storyboarding/control">
-  <Id Name="System.Storyboarding.WindowsApps.WindowsAppsButton" Revision="1" Stencil="System.Storyboarding.WindowsApps" StencilVersion="0.1"/>
-</Control>
-</file>
-
-<file path=customXml/item113.xml><?xml version="1.0" encoding="utf-8"?>
-<Control xmlns="http://schemas.microsoft.com/VisualStudio/2011/storyboarding/control">
-  <Id Name="System.Storyboarding.WindowsApps.WindowsAppsTileMedium" Revision="1" Stencil="System.Storyboarding.WindowsApps" StencilVersion="0.1"/>
-</Control>
-</file>
-
 <file path=customXml/item114.xml><?xml version="1.0" encoding="utf-8"?>
 <Control xmlns="http://schemas.microsoft.com/VisualStudio/2011/storyboarding/control">
-  <Id Name="System.Storyboarding.Icons.TrashCan" Revision="1" Stencil="System.Storyboarding.Icons" StencilVersion="0.1"/>
+  <Id Name="System.Storyboarding.WindowsApps.WindowsAppsEditBox" Revision="1" Stencil="System.Storyboarding.WindowsApps" StencilVersion="0.1"/>
 </Control>
 </file>
 
 <file path=customXml/item115.xml><?xml version="1.0" encoding="utf-8"?>
 <Control xmlns="http://schemas.microsoft.com/VisualStudio/2011/storyboarding/control">
-  <Id Name="System.Storyboarding.WindowsApps.WindowsAppsButton" Revision="1" Stencil="System.Storyboarding.WindowsApps" StencilVersion="0.1"/>
+  <Id Name="System.Storyboarding.Annotation.CallOut" Revision="1" Stencil="System.Storyboarding.Annotation" StencilVersion="0.1"/>
 </Control>
 </file>
 
@@ -26082,31 +26523,31 @@
 
 <file path=customXml/item117.xml><?xml version="1.0" encoding="utf-8"?>
 <Control xmlns="http://schemas.microsoft.com/VisualStudio/2011/storyboarding/control">
-  <Id Name="System.Storyboarding.WindowsApps.WindowsAppsEditBox" Revision="1" Stencil="System.Storyboarding.WindowsApps" StencilVersion="0.1"/>
+  <Id Name="System.Storyboarding.Annotation.StickyNote" Revision="1" Stencil="System.Storyboarding.Annotation" StencilVersion="0.1"/>
 </Control>
 </file>
 
 <file path=customXml/item118.xml><?xml version="1.0" encoding="utf-8"?>
 <Control xmlns="http://schemas.microsoft.com/VisualStudio/2011/storyboarding/control">
-  <Id Name="System.Storyboarding.WindowsApps.WindowsAppsEditBox" Revision="1" Stencil="System.Storyboarding.WindowsApps" StencilVersion="0.1"/>
+  <Id Name="System.Storyboarding.WindowsApps.WindowsAppsTileMedium" Revision="1" Stencil="System.Storyboarding.WindowsApps" StencilVersion="0.1"/>
 </Control>
 </file>
 
 <file path=customXml/item119.xml><?xml version="1.0" encoding="utf-8"?>
 <Control xmlns="http://schemas.microsoft.com/VisualStudio/2011/storyboarding/control">
-  <Id Name="fd7d7bed-114e-464c-a4f1-01a512005949" Revision="1" Stencil="System.MyShapes" StencilVersion="1.0"/>
+  <Id Name="System.Storyboarding.WindowsApps.WindowsAppsTileMedium" Revision="1" Stencil="System.Storyboarding.WindowsApps" StencilVersion="0.1"/>
 </Control>
 </file>
 
 <file path=customXml/item12.xml><?xml version="1.0" encoding="utf-8"?>
 <Control xmlns="http://schemas.microsoft.com/VisualStudio/2011/storyboarding/control">
-  <Id Name="System.Storyboarding.Backgrounds.WindowsPhone" Revision="1" Stencil="System.Storyboarding.Backgrounds" StencilVersion="0.1"/>
+  <Id Name="System.Storyboarding.Annotation.CallOut" Revision="1" Stencil="System.Storyboarding.Annotation" StencilVersion="0.1"/>
 </Control>
 </file>
 
 <file path=customXml/item120.xml><?xml version="1.0" encoding="utf-8"?>
 <Control xmlns="http://schemas.microsoft.com/VisualStudio/2011/storyboarding/control">
-  <Id Name="System.Storyboarding.WindowsApps.WindowsAppsTileMedium" Revision="1" Stencil="System.Storyboarding.WindowsApps" StencilVersion="0.1"/>
+  <Id Name="fd7d7bed-114e-464c-a4f1-01a512005949" Revision="1" Stencil="System.MyShapes" StencilVersion="1.0"/>
 </Control>
 </file>
 
@@ -26118,7 +26559,7 @@
 
 <file path=customXml/item122.xml><?xml version="1.0" encoding="utf-8"?>
 <Control xmlns="http://schemas.microsoft.com/VisualStudio/2011/storyboarding/control">
-  <Id Name="System.Storyboarding.Annotation.CallOut" Revision="1" Stencil="System.Storyboarding.Annotation" StencilVersion="0.1"/>
+  <Id Name="System.Storyboarding.WindowsApps.WindowsAppsTileMedium" Revision="1" Stencil="System.Storyboarding.WindowsApps" StencilVersion="0.1"/>
 </Control>
 </file>
 
@@ -26130,37 +26571,37 @@
 
 <file path=customXml/item124.xml><?xml version="1.0" encoding="utf-8"?>
 <Control xmlns="http://schemas.microsoft.com/VisualStudio/2011/storyboarding/control">
+  <Id Name="System.Storyboarding.WindowsApps.WindowsAppsEditBox" Revision="1" Stencil="System.Storyboarding.WindowsApps" StencilVersion="0.1"/>
+</Control>
+</file>
+
+<file path=customXml/item125.xml><?xml version="1.0" encoding="utf-8"?>
+<Control xmlns="http://schemas.microsoft.com/VisualStudio/2011/storyboarding/control">
   <Id Name="System.Storyboarding.WindowsApps.WindowsAppsTileMedium" Revision="1" Stencil="System.Storyboarding.WindowsApps" StencilVersion="0.1"/>
 </Control>
 </file>
 
-<file path=customXml/item125.xml><?xml version="1.0" encoding="utf-8"?>
+<file path=customXml/item126.xml><?xml version="1.0" encoding="utf-8"?>
+<Control xmlns="http://schemas.microsoft.com/VisualStudio/2011/storyboarding/control">
+  <Id Name="System.Storyboarding.WindowsApps.WindowsAppsTileMedium" Revision="1" Stencil="System.Storyboarding.WindowsApps" StencilVersion="0.1"/>
+</Control>
+</file>
+
+<file path=customXml/item127.xml><?xml version="1.0" encoding="utf-8"?>
+<Control xmlns="http://schemas.microsoft.com/VisualStudio/2011/storyboarding/control">
+  <Id Name="System.Storyboarding.WindowsApps.WindowsAppsButton" Revision="1" Stencil="System.Storyboarding.WindowsApps" StencilVersion="0.1"/>
+</Control>
+</file>
+
+<file path=customXml/item128.xml><?xml version="1.0" encoding="utf-8"?>
 <Control xmlns="http://schemas.microsoft.com/VisualStudio/2011/storyboarding/control">
   <Id Name="System.Storyboarding.Annotation.CallOut" Revision="1" Stencil="System.Storyboarding.Annotation" StencilVersion="0.1"/>
 </Control>
 </file>
 
-<file path=customXml/item126.xml><?xml version="1.0" encoding="utf-8"?>
-<Control xmlns="http://schemas.microsoft.com/VisualStudio/2011/storyboarding/control">
-  <Id Name="System.Storyboarding.Annotation.CallOut" Revision="1" Stencil="System.Storyboarding.Annotation" StencilVersion="0.1"/>
-</Control>
-</file>
-
-<file path=customXml/item127.xml><?xml version="1.0" encoding="utf-8"?>
-<Control xmlns="http://schemas.microsoft.com/VisualStudio/2011/storyboarding/control">
-  <Id Name="System.Storyboarding.Icons.CurvedArrow" Revision="1" Stencil="System.Storyboarding.Icons" StencilVersion="0.1"/>
-</Control>
-</file>
-
-<file path=customXml/item128.xml><?xml version="1.0" encoding="utf-8"?>
-<Control xmlns="http://schemas.microsoft.com/VisualStudio/2011/storyboarding/control">
-  <Id Name="fd7d7bed-114e-464c-a4f1-01a512005949" Revision="1" Stencil="System.MyShapes" StencilVersion="1.0"/>
-</Control>
-</file>
-
 <file path=customXml/item129.xml><?xml version="1.0" encoding="utf-8"?>
 <Control xmlns="http://schemas.microsoft.com/VisualStudio/2011/storyboarding/control">
-  <Id Name="System.Storyboarding.WindowsApps.WindowsAppsButton" Revision="1" Stencil="System.Storyboarding.WindowsApps" StencilVersion="0.1"/>
+  <Id Name="System.Storyboarding.WindowsApps.WindowsAppsEditBox" Revision="1" Stencil="System.Storyboarding.WindowsApps" StencilVersion="0.1"/>
 </Control>
 </file>
 
@@ -26178,13 +26619,13 @@
 
 <file path=customXml/item131.xml><?xml version="1.0" encoding="utf-8"?>
 <Control xmlns="http://schemas.microsoft.com/VisualStudio/2011/storyboarding/control">
-  <Id Name="System.Storyboarding.WindowsApps.WindowsAppsTileMedium" Revision="1" Stencil="System.Storyboarding.WindowsApps" StencilVersion="0.1"/>
+  <Id Name="fd7d7bed-114e-464c-a4f1-01a512005949" Revision="1" Stencil="System.MyShapes" StencilVersion="1.0"/>
 </Control>
 </file>
 
 <file path=customXml/item132.xml><?xml version="1.0" encoding="utf-8"?>
 <Control xmlns="http://schemas.microsoft.com/VisualStudio/2011/storyboarding/control">
-  <Id Name="System.Storyboarding.WindowsApps.WindowsAppsButton" Revision="1" Stencil="System.Storyboarding.WindowsApps" StencilVersion="0.1"/>
+  <Id Name="System.Storyboarding.WindowsApps.WindowsAppsTileMedium" Revision="1" Stencil="System.Storyboarding.WindowsApps" StencilVersion="0.1"/>
 </Control>
 </file>
 
@@ -26196,19 +26637,19 @@
 
 <file path=customXml/item134.xml><?xml version="1.0" encoding="utf-8"?>
 <Control xmlns="http://schemas.microsoft.com/VisualStudio/2011/storyboarding/control">
-  <Id Name="System.Storyboarding.WindowsApps.WindowsAppsTileMedium" Revision="1" Stencil="System.Storyboarding.WindowsApps" StencilVersion="0.1"/>
+  <Id Name="fd7d7bed-114e-464c-a4f1-01a512005949" Revision="1" Stencil="System.MyShapes" StencilVersion="1.0"/>
 </Control>
 </file>
 
 <file path=customXml/item135.xml><?xml version="1.0" encoding="utf-8"?>
 <Control xmlns="http://schemas.microsoft.com/VisualStudio/2011/storyboarding/control">
-  <Id Name="System.Storyboarding.Annotation.CallOut" Revision="1" Stencil="System.Storyboarding.Annotation" StencilVersion="0.1"/>
+  <Id Name="System.Storyboarding.WindowsApps.WindowsAppsButton" Revision="1" Stencil="System.Storyboarding.WindowsApps" StencilVersion="0.1"/>
 </Control>
 </file>
 
 <file path=customXml/item136.xml><?xml version="1.0" encoding="utf-8"?>
 <Control xmlns="http://schemas.microsoft.com/VisualStudio/2011/storyboarding/control">
-  <Id Name="System.Storyboarding.Annotation.CallOut" Revision="1" Stencil="System.Storyboarding.Annotation" StencilVersion="0.1"/>
+  <Id Name="System.Storyboarding.Icons.Warning" Revision="1" Stencil="System.Storyboarding.Icons" StencilVersion="0.1"/>
 </Control>
 </file>
 
@@ -26220,19 +26661,19 @@
 
 <file path=customXml/item138.xml><?xml version="1.0" encoding="utf-8"?>
 <Control xmlns="http://schemas.microsoft.com/VisualStudio/2011/storyboarding/control">
-  <Id Name="System.Storyboarding.WindowsApps.WindowsAppsEditBox" Revision="1" Stencil="System.Storyboarding.WindowsApps" StencilVersion="0.1"/>
+  <Id Name="System.Storyboarding.WindowsApps.WindowsAppsTileMedium" Revision="1" Stencil="System.Storyboarding.WindowsApps" StencilVersion="0.1"/>
 </Control>
 </file>
 
 <file path=customXml/item139.xml><?xml version="1.0" encoding="utf-8"?>
 <Control xmlns="http://schemas.microsoft.com/VisualStudio/2011/storyboarding/control">
-  <Id Name="System.Storyboarding.WindowsAppIcons.Like" Revision="1" Stencil="System.Storyboarding.WindowsAppIcons" StencilVersion="0.1"/>
+  <Id Name="System.Storyboarding.Annotation.CallOut" Revision="1" Stencil="System.Storyboarding.Annotation" StencilVersion="0.1"/>
 </Control>
 </file>
 
 <file path=customXml/item14.xml><?xml version="1.0" encoding="utf-8"?>
 <Control xmlns="http://schemas.microsoft.com/VisualStudio/2011/storyboarding/control">
-  <Id Name="System.Storyboarding.WindowsAppIcons.Save" Revision="1" Stencil="System.Storyboarding.WindowsAppIcons" StencilVersion="0.1"/>
+  <Id Name="System.Storyboarding.Backgrounds.WindowsPhone" Revision="1" Stencil="System.Storyboarding.Backgrounds" StencilVersion="0.1"/>
 </Control>
 </file>
 
@@ -26244,7 +26685,7 @@
 
 <file path=customXml/item141.xml><?xml version="1.0" encoding="utf-8"?>
 <Control xmlns="http://schemas.microsoft.com/VisualStudio/2011/storyboarding/control">
-  <Id Name="System.Storyboarding.WindowsAppIcons.Plus" Revision="1" Stencil="System.Storyboarding.WindowsAppIcons" StencilVersion="0.1"/>
+  <Id Name="System.Storyboarding.WindowsApps.WindowsAppsTileMedium" Revision="1" Stencil="System.Storyboarding.WindowsApps" StencilVersion="0.1"/>
 </Control>
 </file>
 
@@ -26256,43 +26697,43 @@
 
 <file path=customXml/item143.xml><?xml version="1.0" encoding="utf-8"?>
 <Control xmlns="http://schemas.microsoft.com/VisualStudio/2011/storyboarding/control">
-  <Id Name="System.Storyboarding.WindowsApps.WindowsAppsButton" Revision="1" Stencil="System.Storyboarding.WindowsApps" StencilVersion="0.1"/>
+  <Id Name="System.Storyboarding.Annotation.CallOut" Revision="1" Stencil="System.Storyboarding.Annotation" StencilVersion="0.1"/>
 </Control>
 </file>
 
 <file path=customXml/item144.xml><?xml version="1.0" encoding="utf-8"?>
 <Control xmlns="http://schemas.microsoft.com/VisualStudio/2011/storyboarding/control">
-  <Id Name="System.Storyboarding.WindowsApps.WindowsAppsEditBox" Revision="1" Stencil="System.Storyboarding.WindowsApps" StencilVersion="0.1"/>
+  <Id Name="fd7d7bed-114e-464c-a4f1-01a512005949" Revision="1" Stencil="System.MyShapes" StencilVersion="1.0"/>
 </Control>
 </file>
 
 <file path=customXml/item145.xml><?xml version="1.0" encoding="utf-8"?>
-<Control xmlns="http://schemas.microsoft.com/VisualStudio/2011/storyboarding/control">
-  <Id Name="System.Storyboarding.WindowsApps.WindowsAppsButton" Revision="1" Stencil="System.Storyboarding.WindowsApps" StencilVersion="0.1"/>
-</Control>
-</file>
-
-<file path=customXml/item146.xml><?xml version="1.0" encoding="utf-8"?>
 <Control xmlns="http://schemas.microsoft.com/VisualStudio/2011/storyboarding/control">
   <Id Name="System.Storyboarding.WindowsApps.WindowsAppsTileMedium" Revision="1" Stencil="System.Storyboarding.WindowsApps" StencilVersion="0.1"/>
 </Control>
 </file>
 
+<file path=customXml/item146.xml><?xml version="1.0" encoding="utf-8"?>
+<Control xmlns="http://schemas.microsoft.com/VisualStudio/2011/storyboarding/control">
+  <Id Name="System.Storyboarding.Annotation.CallOut" Revision="1" Stencil="System.Storyboarding.Annotation" StencilVersion="0.1"/>
+</Control>
+</file>
+
 <file path=customXml/item147.xml><?xml version="1.0" encoding="utf-8"?>
 <Control xmlns="http://schemas.microsoft.com/VisualStudio/2011/storyboarding/control">
-  <Id Name="System.Storyboarding.WindowsApps.WindowsAppsEditBox" Revision="1" Stencil="System.Storyboarding.WindowsApps" StencilVersion="0.1"/>
+  <Id Name="System.Storyboarding.Annotation.CallOut" Revision="1" Stencil="System.Storyboarding.Annotation" StencilVersion="0.1"/>
 </Control>
 </file>
 
 <file path=customXml/item148.xml><?xml version="1.0" encoding="utf-8"?>
 <Control xmlns="http://schemas.microsoft.com/VisualStudio/2011/storyboarding/control">
-  <Id Name="System.Storyboarding.WindowsApps.WindowsAppsEditBox" Revision="1" Stencil="System.Storyboarding.WindowsApps" StencilVersion="0.1"/>
+  <Id Name="System.Storyboarding.Common.CheckBoxUnchecked" Revision="1" Stencil="System.Storyboarding.Common" StencilVersion="0.1"/>
 </Control>
 </file>
 
 <file path=customXml/item149.xml><?xml version="1.0" encoding="utf-8"?>
 <Control xmlns="http://schemas.microsoft.com/VisualStudio/2011/storyboarding/control">
-  <Id Name="System.Storyboarding.Annotation.CallOut" Revision="1" Stencil="System.Storyboarding.Annotation" StencilVersion="0.1"/>
+  <Id Name="fd7d7bed-114e-464c-a4f1-01a512005949" Revision="1" Stencil="System.MyShapes" StencilVersion="1.0"/>
 </Control>
 </file>
 
@@ -26304,103 +26745,103 @@
 
 <file path=customXml/item150.xml><?xml version="1.0" encoding="utf-8"?>
 <Control xmlns="http://schemas.microsoft.com/VisualStudio/2011/storyboarding/control">
-  <Id Name="fd7d7bed-114e-464c-a4f1-01a512005949" Revision="1" Stencil="System.MyShapes" StencilVersion="1.0"/>
+  <Id Name="System.Storyboarding.WindowsApps.WindowsAppsTileMedium" Revision="1" Stencil="System.Storyboarding.WindowsApps" StencilVersion="0.1"/>
 </Control>
 </file>
 
 <file path=customXml/item151.xml><?xml version="1.0" encoding="utf-8"?>
-<Control xmlns="http://schemas.microsoft.com/VisualStudio/2011/storyboarding/control">
-  <Id Name="fd7d7bed-114e-464c-a4f1-01a512005949" Revision="1" Stencil="System.MyShapes" StencilVersion="1.0"/>
-</Control>
-</file>
-
-<file path=customXml/item152.xml><?xml version="1.0" encoding="utf-8"?>
-<Control xmlns="http://schemas.microsoft.com/VisualStudio/2011/storyboarding/control">
-  <Id Name="fd7d7bed-114e-464c-a4f1-01a512005949" Revision="1" Stencil="System.MyShapes" StencilVersion="1.0"/>
-</Control>
-</file>
-
-<file path=customXml/item153.xml><?xml version="1.0" encoding="utf-8"?>
 <Control xmlns="http://schemas.microsoft.com/VisualStudio/2011/storyboarding/control">
   <Id Name="System.Storyboarding.WindowsApps.WindowsAppsTileMedium" Revision="1" Stencil="System.Storyboarding.WindowsApps" StencilVersion="0.1"/>
 </Control>
 </file>
 
+<file path=customXml/item152.xml><?xml version="1.0" encoding="utf-8"?>
+<Control xmlns="http://schemas.microsoft.com/VisualStudio/2011/storyboarding/control">
+  <Id Name="System.Storyboarding.Icons.CurvedArrow" Revision="1" Stencil="System.Storyboarding.Icons" StencilVersion="0.1"/>
+</Control>
+</file>
+
+<file path=customXml/item153.xml><?xml version="1.0" encoding="utf-8"?>
+<Control xmlns="http://schemas.microsoft.com/VisualStudio/2011/storyboarding/control">
+  <Id Name="System.Storyboarding.WindowsApps.WindowsAppsButton" Revision="1" Stencil="System.Storyboarding.WindowsApps" StencilVersion="0.1"/>
+</Control>
+</file>
+
 <file path=customXml/item154.xml><?xml version="1.0" encoding="utf-8"?>
+<Control xmlns="http://schemas.microsoft.com/VisualStudio/2011/storyboarding/control">
+  <Id Name="System.Storyboarding.WindowsApps.WindowsAppsTileMedium" Revision="1" Stencil="System.Storyboarding.WindowsApps" StencilVersion="0.1"/>
+</Control>
+</file>
+
+<file path=customXml/item155.xml><?xml version="1.0" encoding="utf-8"?>
+<Control xmlns="http://schemas.microsoft.com/VisualStudio/2011/storyboarding/control">
+  <Id Name="System.Storyboarding.Backgrounds.WindowsPhone" Revision="1" Stencil="System.Storyboarding.Backgrounds" StencilVersion="0.1"/>
+</Control>
+</file>
+
+<file path=customXml/item156.xml><?xml version="1.0" encoding="utf-8"?>
+<Control xmlns="http://schemas.microsoft.com/VisualStudio/2011/storyboarding/control">
+  <Id Name="System.Storyboarding.WindowsApps.WindowsAppsTileMedium" Revision="1" Stencil="System.Storyboarding.WindowsApps" StencilVersion="0.1"/>
+</Control>
+</file>
+
+<file path=customXml/item157.xml><?xml version="1.0" encoding="utf-8"?>
+<Control xmlns="http://schemas.microsoft.com/VisualStudio/2011/storyboarding/control">
+  <Id Name="System.Storyboarding.Icons.CurvedArrow" Revision="1" Stencil="System.Storyboarding.Icons" StencilVersion="0.1"/>
+</Control>
+</file>
+
+<file path=customXml/item158.xml><?xml version="1.0" encoding="utf-8"?>
+<Control xmlns="http://schemas.microsoft.com/VisualStudio/2011/storyboarding/control">
+  <Id Name="System.Storyboarding.WindowsApps.WindowsAppsTileMedium" Revision="1" Stencil="System.Storyboarding.WindowsApps" StencilVersion="0.1"/>
+</Control>
+</file>
+
+<file path=customXml/item159.xml><?xml version="1.0" encoding="utf-8"?>
+<Control xmlns="http://schemas.microsoft.com/VisualStudio/2011/storyboarding/control">
+  <Id Name="System.Storyboarding.WindowsApps.WindowsAppsButton" Revision="1" Stencil="System.Storyboarding.WindowsApps" StencilVersion="0.1"/>
+</Control>
+</file>
+
+<file path=customXml/item16.xml><?xml version="1.0" encoding="utf-8"?>
+<Control xmlns="http://schemas.microsoft.com/VisualStudio/2011/storyboarding/control">
+  <Id Name="System.Storyboarding.WindowsApps.WindowsAppsButton" Revision="1" Stencil="System.Storyboarding.WindowsApps" StencilVersion="0.1"/>
+</Control>
+</file>
+
+<file path=customXml/item160.xml><?xml version="1.0" encoding="utf-8"?>
+<Control xmlns="http://schemas.microsoft.com/VisualStudio/2011/storyboarding/control">
+  <Id Name="System.Storyboarding.WindowsApps.WindowsAppsEditBox" Revision="1" Stencil="System.Storyboarding.WindowsApps" StencilVersion="0.1"/>
+</Control>
+</file>
+
+<file path=customXml/item161.xml><?xml version="1.0" encoding="utf-8"?>
+<Control xmlns="http://schemas.microsoft.com/VisualStudio/2011/storyboarding/control">
+  <Id Name="System.Storyboarding.WindowsApps.WindowsAppsEditBox" Revision="1" Stencil="System.Storyboarding.WindowsApps" StencilVersion="0.1"/>
+</Control>
+</file>
+
+<file path=customXml/item162.xml><?xml version="1.0" encoding="utf-8"?>
+<Control xmlns="http://schemas.microsoft.com/VisualStudio/2011/storyboarding/control">
+  <Id Name="System.Storyboarding.WindowsApps.WindowsAppsButton" Revision="1" Stencil="System.Storyboarding.WindowsApps" StencilVersion="0.1"/>
+</Control>
+</file>
+
+<file path=customXml/item163.xml><?xml version="1.0" encoding="utf-8"?>
 <Control xmlns="http://schemas.microsoft.com/VisualStudio/2011/storyboarding/control">
   <Id Name="System.Storyboarding.Annotation.CallOut" Revision="1" Stencil="System.Storyboarding.Annotation" StencilVersion="0.1"/>
 </Control>
 </file>
 
-<file path=customXml/item155.xml><?xml version="1.0" encoding="utf-8"?>
-<Control xmlns="http://schemas.microsoft.com/VisualStudio/2011/storyboarding/control">
-  <Id Name="fd7d7bed-114e-464c-a4f1-01a512005949" Revision="1" Stencil="System.MyShapes" StencilVersion="1.0"/>
-</Control>
-</file>
-
-<file path=customXml/item156.xml><?xml version="1.0" encoding="utf-8"?>
-<Control xmlns="http://schemas.microsoft.com/VisualStudio/2011/storyboarding/control">
-  <Id Name="System.Storyboarding.WindowsApps.WindowsAppsEditBox" Revision="1" Stencil="System.Storyboarding.WindowsApps" StencilVersion="0.1"/>
-</Control>
-</file>
-
-<file path=customXml/item157.xml><?xml version="1.0" encoding="utf-8"?>
+<file path=customXml/item164.xml><?xml version="1.0" encoding="utf-8"?>
 <Control xmlns="http://schemas.microsoft.com/VisualStudio/2011/storyboarding/control">
   <Id Name="System.Storyboarding.Annotation.CallOut" Revision="1" Stencil="System.Storyboarding.Annotation" StencilVersion="0.1"/>
 </Control>
 </file>
 
-<file path=customXml/item158.xml><?xml version="1.0" encoding="utf-8"?>
-<Control xmlns="http://schemas.microsoft.com/VisualStudio/2011/storyboarding/control">
-  <Id Name="System.Storyboarding.Common.CheckBoxUnchecked" Revision="1" Stencil="System.Storyboarding.Common" StencilVersion="0.1"/>
-</Control>
-</file>
-
-<file path=customXml/item159.xml><?xml version="1.0" encoding="utf-8"?>
-<Control xmlns="http://schemas.microsoft.com/VisualStudio/2011/storyboarding/control">
-  <Id Name="System.Storyboarding.Annotation.CallOut" Revision="1" Stencil="System.Storyboarding.Annotation" StencilVersion="0.1"/>
-</Control>
-</file>
-
-<file path=customXml/item16.xml><?xml version="1.0" encoding="utf-8"?>
-<Control xmlns="http://schemas.microsoft.com/VisualStudio/2011/storyboarding/control">
-  <Id Name="System.Storyboarding.WindowsApps.WindowsAppsTileMedium" Revision="1" Stencil="System.Storyboarding.WindowsApps" StencilVersion="0.1"/>
-</Control>
-</file>
-
-<file path=customXml/item160.xml><?xml version="1.0" encoding="utf-8"?>
-<Control xmlns="http://schemas.microsoft.com/VisualStudio/2011/storyboarding/control">
-  <Id Name="System.Storyboarding.WindowsApps.WindowsAppsButton" Revision="1" Stencil="System.Storyboarding.WindowsApps" StencilVersion="0.1"/>
-</Control>
-</file>
-
-<file path=customXml/item161.xml><?xml version="1.0" encoding="utf-8"?>
-<Control xmlns="http://schemas.microsoft.com/VisualStudio/2011/storyboarding/control">
-  <Id Name="System.Storyboarding.WindowsApps.WindowsAppsButton" Revision="1" Stencil="System.Storyboarding.WindowsApps" StencilVersion="0.1"/>
-</Control>
-</file>
-
-<file path=customXml/item162.xml><?xml version="1.0" encoding="utf-8"?>
-<Control xmlns="http://schemas.microsoft.com/VisualStudio/2011/storyboarding/control">
-  <Id Name="System.Storyboarding.WindowsApps.WindowsAppsTileMedium" Revision="1" Stencil="System.Storyboarding.WindowsApps" StencilVersion="0.1"/>
-</Control>
-</file>
-
-<file path=customXml/item163.xml><?xml version="1.0" encoding="utf-8"?>
-<Control xmlns="http://schemas.microsoft.com/VisualStudio/2011/storyboarding/control">
-  <Id Name="System.Storyboarding.WindowsApps.WindowsAppsEditBox" Revision="1" Stencil="System.Storyboarding.WindowsApps" StencilVersion="0.1"/>
-</Control>
-</file>
-
-<file path=customXml/item164.xml><?xml version="1.0" encoding="utf-8"?>
-<Control xmlns="http://schemas.microsoft.com/VisualStudio/2011/storyboarding/control">
-  <Id Name="System.Storyboarding.WindowsApps.WindowsAppsButton" Revision="1" Stencil="System.Storyboarding.WindowsApps" StencilVersion="0.1"/>
-</Control>
-</file>
-
 <file path=customXml/item165.xml><?xml version="1.0" encoding="utf-8"?>
 <Control xmlns="http://schemas.microsoft.com/VisualStudio/2011/storyboarding/control">
-  <Id Name="fd7d7bed-114e-464c-a4f1-01a512005949" Revision="1" Stencil="System.MyShapes" StencilVersion="1.0"/>
+  <Id Name="System.Storyboarding.Backgrounds.WindowsPhone" Revision="1" Stencil="System.Storyboarding.Backgrounds" StencilVersion="0.1"/>
 </Control>
 </file>
 
@@ -26412,13 +26853,13 @@
 
 <file path=customXml/item167.xml><?xml version="1.0" encoding="utf-8"?>
 <Control xmlns="http://schemas.microsoft.com/VisualStudio/2011/storyboarding/control">
-  <Id Name="fd7d7bed-114e-464c-a4f1-01a512005949" Revision="1" Stencil="System.MyShapes" StencilVersion="1.0"/>
+  <Id Name="System.Storyboarding.WindowsApps.WindowsAppsEditBox" Revision="1" Stencil="System.Storyboarding.WindowsApps" StencilVersion="0.1"/>
 </Control>
 </file>
 
 <file path=customXml/item168.xml><?xml version="1.0" encoding="utf-8"?>
 <Control xmlns="http://schemas.microsoft.com/VisualStudio/2011/storyboarding/control">
-  <Id Name="System.Storyboarding.WindowsApps.WindowsAppsTileMedium" Revision="1" Stencil="System.Storyboarding.WindowsApps" StencilVersion="0.1"/>
+  <Id Name="System.Storyboarding.Icons.TrashCan" Revision="1" Stencil="System.Storyboarding.Icons" StencilVersion="0.1"/>
 </Control>
 </file>
 
@@ -26430,43 +26871,43 @@
 
 <file path=customXml/item17.xml><?xml version="1.0" encoding="utf-8"?>
 <Control xmlns="http://schemas.microsoft.com/VisualStudio/2011/storyboarding/control">
-  <Id Name="System.Storyboarding.Icons.CurvedArrow" Revision="1" Stencil="System.Storyboarding.Icons" StencilVersion="0.1"/>
+  <Id Name="System.Storyboarding.WindowsApps.WindowsAppsTileMedium" Revision="1" Stencil="System.Storyboarding.WindowsApps" StencilVersion="0.1"/>
 </Control>
 </file>
 
 <file path=customXml/item170.xml><?xml version="1.0" encoding="utf-8"?>
+<Control xmlns="http://schemas.microsoft.com/VisualStudio/2011/storyboarding/control">
+  <Id Name="System.Storyboarding.WindowsApps.WindowsAppsTileMedium" Revision="1" Stencil="System.Storyboarding.WindowsApps" StencilVersion="0.1"/>
+</Control>
+</file>
+
+<file path=customXml/item171.xml><?xml version="1.0" encoding="utf-8"?>
+<Control xmlns="http://schemas.microsoft.com/VisualStudio/2011/storyboarding/control">
+  <Id Name="System.Storyboarding.WindowsApps.WindowsAppsEditBox" Revision="1" Stencil="System.Storyboarding.WindowsApps" StencilVersion="0.1"/>
+</Control>
+</file>
+
+<file path=customXml/item172.xml><?xml version="1.0" encoding="utf-8"?>
+<Control xmlns="http://schemas.microsoft.com/VisualStudio/2011/storyboarding/control">
+  <Id Name="fd7d7bed-114e-464c-a4f1-01a512005949" Revision="1" Stencil="System.MyShapes" StencilVersion="1.0"/>
+</Control>
+</file>
+
+<file path=customXml/item173.xml><?xml version="1.0" encoding="utf-8"?>
+<Control xmlns="http://schemas.microsoft.com/VisualStudio/2011/storyboarding/control">
+  <Id Name="fd7d7bed-114e-464c-a4f1-01a512005949" Revision="1" Stencil="System.MyShapes" StencilVersion="1.0"/>
+</Control>
+</file>
+
+<file path=customXml/item174.xml><?xml version="1.0" encoding="utf-8"?>
 <Control xmlns="http://schemas.microsoft.com/VisualStudio/2011/storyboarding/control">
   <Id Name="System.Storyboarding.Annotation.CallOut" Revision="1" Stencil="System.Storyboarding.Annotation" StencilVersion="0.1"/>
 </Control>
 </file>
 
-<file path=customXml/item171.xml><?xml version="1.0" encoding="utf-8"?>
-<Control xmlns="http://schemas.microsoft.com/VisualStudio/2011/storyboarding/control">
-  <Id Name="System.Storyboarding.Annotation.CallOut" Revision="1" Stencil="System.Storyboarding.Annotation" StencilVersion="0.1"/>
-</Control>
-</file>
-
-<file path=customXml/item172.xml><?xml version="1.0" encoding="utf-8"?>
-<Control xmlns="http://schemas.microsoft.com/VisualStudio/2011/storyboarding/control">
-  <Id Name="System.Storyboarding.WindowsApps.WindowsAppsButton" Revision="1" Stencil="System.Storyboarding.WindowsApps" StencilVersion="0.1"/>
-</Control>
-</file>
-
-<file path=customXml/item173.xml><?xml version="1.0" encoding="utf-8"?>
-<Control xmlns="http://schemas.microsoft.com/VisualStudio/2011/storyboarding/control">
-  <Id Name="System.Storyboarding.WindowsApps.WindowsAppsButton" Revision="1" Stencil="System.Storyboarding.WindowsApps" StencilVersion="0.1"/>
-</Control>
-</file>
-
-<file path=customXml/item174.xml><?xml version="1.0" encoding="utf-8"?>
-<Control xmlns="http://schemas.microsoft.com/VisualStudio/2011/storyboarding/control">
-  <Id Name="System.Storyboarding.WindowsApps.WindowsAppsButton" Revision="1" Stencil="System.Storyboarding.WindowsApps" StencilVersion="0.1"/>
-</Control>
-</file>
-
 <file path=customXml/item175.xml><?xml version="1.0" encoding="utf-8"?>
 <Control xmlns="http://schemas.microsoft.com/VisualStudio/2011/storyboarding/control">
-  <Id Name="System.Storyboarding.WindowsApps.WindowsAppsTileMedium" Revision="1" Stencil="System.Storyboarding.WindowsApps" StencilVersion="0.1"/>
+  <Id Name="System.Storyboarding.WindowsApps.WindowsAppsEditBox" Revision="1" Stencil="System.Storyboarding.WindowsApps" StencilVersion="0.1"/>
 </Control>
 </file>
 
@@ -26478,61 +26919,61 @@
 
 <file path=customXml/item177.xml><?xml version="1.0" encoding="utf-8"?>
 <Control xmlns="http://schemas.microsoft.com/VisualStudio/2011/storyboarding/control">
-  <Id Name="System.Storyboarding.WindowsApps.WindowsAppsTileMedium" Revision="1" Stencil="System.Storyboarding.WindowsApps" StencilVersion="0.1"/>
+  <Id Name="System.Storyboarding.Annotation.CallOut" Revision="1" Stencil="System.Storyboarding.Annotation" StencilVersion="0.1"/>
 </Control>
 </file>
 
 <file path=customXml/item178.xml><?xml version="1.0" encoding="utf-8"?>
+<Control xmlns="http://schemas.microsoft.com/VisualStudio/2011/storyboarding/control">
+  <Id Name="fd7d7bed-114e-464c-a4f1-01a512005949" Revision="1" Stencil="System.MyShapes" StencilVersion="1.0"/>
+</Control>
+</file>
+
+<file path=customXml/item179.xml><?xml version="1.0" encoding="utf-8"?>
+<Control xmlns="http://schemas.microsoft.com/VisualStudio/2011/storyboarding/control">
+  <Id Name="System.Storyboarding.WindowsAppIcons.Games" Revision="1" Stencil="System.Storyboarding.WindowsAppIcons" StencilVersion="0.1"/>
+</Control>
+</file>
+
+<file path=customXml/item18.xml><?xml version="1.0" encoding="utf-8"?>
+<Control xmlns="http://schemas.microsoft.com/VisualStudio/2011/storyboarding/control">
+  <Id Name="System.Storyboarding.WindowsApps.WindowsAppsButton" Revision="1" Stencil="System.Storyboarding.WindowsApps" StencilVersion="0.1"/>
+</Control>
+</file>
+
+<file path=customXml/item180.xml><?xml version="1.0" encoding="utf-8"?>
+<Control xmlns="http://schemas.microsoft.com/VisualStudio/2011/storyboarding/control">
+  <Id Name="System.Storyboarding.Annotation.CallOut" Revision="1" Stencil="System.Storyboarding.Annotation" StencilVersion="0.1"/>
+</Control>
+</file>
+
+<file path=customXml/item181.xml><?xml version="1.0" encoding="utf-8"?>
+<Control xmlns="http://schemas.microsoft.com/VisualStudio/2011/storyboarding/control">
+  <Id Name="System.Storyboarding.Annotation.CallOut" Revision="1" Stencil="System.Storyboarding.Annotation" StencilVersion="0.1"/>
+</Control>
+</file>
+
+<file path=customXml/item182.xml><?xml version="1.0" encoding="utf-8"?>
+<Control xmlns="http://schemas.microsoft.com/VisualStudio/2011/storyboarding/control">
+  <Id Name="System.Storyboarding.WindowsApps.WindowsAppsButton" Revision="1" Stencil="System.Storyboarding.WindowsApps" StencilVersion="0.1"/>
+</Control>
+</file>
+
+<file path=customXml/item183.xml><?xml version="1.0" encoding="utf-8"?>
 <Control xmlns="http://schemas.microsoft.com/VisualStudio/2011/storyboarding/control">
   <Id Name="System.Storyboarding.WindowsApps.WindowsAppsTileMedium" Revision="1" Stencil="System.Storyboarding.WindowsApps" StencilVersion="0.1"/>
 </Control>
 </file>
 
-<file path=customXml/item179.xml><?xml version="1.0" encoding="utf-8"?>
+<file path=customXml/item184.xml><?xml version="1.0" encoding="utf-8"?>
 <Control xmlns="http://schemas.microsoft.com/VisualStudio/2011/storyboarding/control">
   <Id Name="System.Storyboarding.WindowsApps.WindowsAppsTileMedium" Revision="1" Stencil="System.Storyboarding.WindowsApps" StencilVersion="0.1"/>
 </Control>
 </file>
 
-<file path=customXml/item18.xml><?xml version="1.0" encoding="utf-8"?>
-<Control xmlns="http://schemas.microsoft.com/VisualStudio/2011/storyboarding/control">
-  <Id Name="System.Storyboarding.Annotation.CallOut" Revision="1" Stencil="System.Storyboarding.Annotation" StencilVersion="0.1"/>
-</Control>
-</file>
-
-<file path=customXml/item180.xml><?xml version="1.0" encoding="utf-8"?>
-<Control xmlns="http://schemas.microsoft.com/VisualStudio/2011/storyboarding/control">
-  <Id Name="fd7d7bed-114e-464c-a4f1-01a512005949" Revision="1" Stencil="System.MyShapes" StencilVersion="1.0"/>
-</Control>
-</file>
-
-<file path=customXml/item181.xml><?xml version="1.0" encoding="utf-8"?>
-<Control xmlns="http://schemas.microsoft.com/VisualStudio/2011/storyboarding/control">
-  <Id Name="fd7d7bed-114e-464c-a4f1-01a512005949" Revision="1" Stencil="System.MyShapes" StencilVersion="1.0"/>
-</Control>
-</file>
-
-<file path=customXml/item182.xml><?xml version="1.0" encoding="utf-8"?>
-<Control xmlns="http://schemas.microsoft.com/VisualStudio/2011/storyboarding/control">
-  <Id Name="System.Storyboarding.WindowsApps.WindowsAppsTileMedium" Revision="1" Stencil="System.Storyboarding.WindowsApps" StencilVersion="0.1"/>
-</Control>
-</file>
-
-<file path=customXml/item183.xml><?xml version="1.0" encoding="utf-8"?>
-<Control xmlns="http://schemas.microsoft.com/VisualStudio/2011/storyboarding/control">
-  <Id Name="System.Storyboarding.Annotation.StickyNote" Revision="1" Stencil="System.Storyboarding.Annotation" StencilVersion="0.1"/>
-</Control>
-</file>
-
-<file path=customXml/item184.xml><?xml version="1.0" encoding="utf-8"?>
-<Control xmlns="http://schemas.microsoft.com/VisualStudio/2011/storyboarding/control">
-  <Id Name="System.Storyboarding.Annotation.CallOut" Revision="1" Stencil="System.Storyboarding.Annotation" StencilVersion="0.1"/>
-</Control>
-</file>
-
 <file path=customXml/item185.xml><?xml version="1.0" encoding="utf-8"?>
 <Control xmlns="http://schemas.microsoft.com/VisualStudio/2011/storyboarding/control">
-  <Id Name="System.Storyboarding.Annotation.CallOut" Revision="1" Stencil="System.Storyboarding.Annotation" StencilVersion="0.1"/>
+  <Id Name="System.Storyboarding.WindowsApps.WindowsAppsEditBox" Revision="1" Stencil="System.Storyboarding.WindowsApps" StencilVersion="0.1"/>
 </Control>
 </file>
 
@@ -26544,49 +26985,49 @@
 
 <file path=customXml/item187.xml><?xml version="1.0" encoding="utf-8"?>
 <Control xmlns="http://schemas.microsoft.com/VisualStudio/2011/storyboarding/control">
-  <Id Name="System.Storyboarding.WindowsApps.WindowsAppsEditBox" Revision="1" Stencil="System.Storyboarding.WindowsApps" StencilVersion="0.1"/>
+  <Id Name="System.Storyboarding.Annotation.CallOut" Revision="1" Stencil="System.Storyboarding.Annotation" StencilVersion="0.1"/>
 </Control>
 </file>
 
 <file path=customXml/item188.xml><?xml version="1.0" encoding="utf-8"?>
+<Control xmlns="http://schemas.microsoft.com/VisualStudio/2011/storyboarding/control">
+  <Id Name="System.Storyboarding.WindowsApps.WindowsAppsTileMedium" Revision="1" Stencil="System.Storyboarding.WindowsApps" StencilVersion="0.1"/>
+</Control>
+</file>
+
+<file path=customXml/item189.xml><?xml version="1.0" encoding="utf-8"?>
+<Control xmlns="http://schemas.microsoft.com/VisualStudio/2011/storyboarding/control">
+  <Id Name="fd7d7bed-114e-464c-a4f1-01a512005949" Revision="1" Stencil="System.MyShapes" StencilVersion="1.0"/>
+</Control>
+</file>
+
+<file path=customXml/item19.xml><?xml version="1.0" encoding="utf-8"?>
+<Control xmlns="http://schemas.microsoft.com/VisualStudio/2011/storyboarding/control">
+  <Id Name="fd7d7bed-114e-464c-a4f1-01a512005949" Revision="1" Stencil="System.MyShapes" StencilVersion="1.0"/>
+</Control>
+</file>
+
+<file path=customXml/item190.xml><?xml version="1.0" encoding="utf-8"?>
 <Control xmlns="http://schemas.microsoft.com/VisualStudio/2011/storyboarding/control">
   <Id Name="System.Storyboarding.WindowsApps.WindowsAppsEditBox" Revision="1" Stencil="System.Storyboarding.WindowsApps" StencilVersion="0.1"/>
 </Control>
 </file>
 
-<file path=customXml/item189.xml><?xml version="1.0" encoding="utf-8"?>
-<Control xmlns="http://schemas.microsoft.com/VisualStudio/2011/storyboarding/control">
-  <Id Name="System.Storyboarding.WindowsApps.WindowsAppsButton" Revision="1" Stencil="System.Storyboarding.WindowsApps" StencilVersion="0.1"/>
-</Control>
-</file>
-
-<file path=customXml/item19.xml><?xml version="1.0" encoding="utf-8"?>
-<Control xmlns="http://schemas.microsoft.com/VisualStudio/2011/storyboarding/control">
-  <Id Name="System.Storyboarding.Annotation.StickyNote" Revision="1" Stencil="System.Storyboarding.Annotation" StencilVersion="0.1"/>
-</Control>
-</file>
-
-<file path=customXml/item190.xml><?xml version="1.0" encoding="utf-8"?>
-<Control xmlns="http://schemas.microsoft.com/VisualStudio/2011/storyboarding/control">
-  <Id Name="System.Storyboarding.WindowsAppIcons.Games" Revision="1" Stencil="System.Storyboarding.WindowsAppIcons" StencilVersion="0.1"/>
-</Control>
-</file>
-
 <file path=customXml/item191.xml><?xml version="1.0" encoding="utf-8"?>
 <Control xmlns="http://schemas.microsoft.com/VisualStudio/2011/storyboarding/control">
-  <Id Name="System.Storyboarding.Common.CheckBoxChecked" Revision="1" Stencil="System.Storyboarding.Common" StencilVersion="0.1"/>
+  <Id Name="System.Storyboarding.Annotation.CallOut" Revision="1" Stencil="System.Storyboarding.Annotation" StencilVersion="0.1"/>
 </Control>
 </file>
 
 <file path=customXml/item192.xml><?xml version="1.0" encoding="utf-8"?>
 <Control xmlns="http://schemas.microsoft.com/VisualStudio/2011/storyboarding/control">
-  <Id Name="System.Storyboarding.Common.CheckBoxUnchecked" Revision="1" Stencil="System.Storyboarding.Common" StencilVersion="0.1"/>
+  <Id Name="f7a94b64-51d6-472a-8bb4-f2cc047935d1" RevisionId="4b37df06-a36b-4383-9074-55517f1335fc" Stencil="172d6d98-e5c9-42e9-a209-79f7a94bbd38" StencilRevisionId="00000000-0000-0000-0000-000000000000" StencilVersion="0.0"/>
 </Control>
 </file>
 
 <file path=customXml/item193.xml><?xml version="1.0" encoding="utf-8"?>
 <Control xmlns="http://schemas.microsoft.com/VisualStudio/2011/storyboarding/control">
-  <Id Name="System.Storyboarding.WindowsApps.WindowsAppsEditBox" Revision="1" Stencil="System.Storyboarding.WindowsApps" StencilVersion="0.1"/>
+  <Id Name="System.Storyboarding.Annotation.CallOut" Revision="1" Stencil="System.Storyboarding.Annotation" StencilVersion="0.1"/>
 </Control>
 </file>
 
@@ -26598,19 +27039,19 @@
 
 <file path=customXml/item195.xml><?xml version="1.0" encoding="utf-8"?>
 <Control xmlns="http://schemas.microsoft.com/VisualStudio/2011/storyboarding/control">
-  <Id Name="System.Storyboarding.Annotation.CallOut" Revision="1" Stencil="System.Storyboarding.Annotation" StencilVersion="0.1"/>
+  <Id Name="System.Storyboarding.WindowsApps.WindowsAppsTileMedium" Revision="1" Stencil="System.Storyboarding.WindowsApps" StencilVersion="0.1"/>
 </Control>
 </file>
 
 <file path=customXml/item196.xml><?xml version="1.0" encoding="utf-8"?>
 <Control xmlns="http://schemas.microsoft.com/VisualStudio/2011/storyboarding/control">
-  <Id Name="System.Storyboarding.Annotation.StickyNote" Revision="1" Stencil="System.Storyboarding.Annotation" StencilVersion="0.1"/>
+  <Id Name="System.Storyboarding.WindowsApps.WindowsAppsEditBox" Revision="1" Stencil="System.Storyboarding.WindowsApps" StencilVersion="0.1"/>
 </Control>
 </file>
 
 <file path=customXml/item197.xml><?xml version="1.0" encoding="utf-8"?>
 <Control xmlns="http://schemas.microsoft.com/VisualStudio/2011/storyboarding/control">
-  <Id Name="System.Storyboarding.Annotation.CallOut" Revision="1" Stencil="System.Storyboarding.Annotation" StencilVersion="0.1"/>
+  <Id Name="System.Storyboarding.WindowsApps.WindowsAppsButton" Revision="1" Stencil="System.Storyboarding.WindowsApps" StencilVersion="0.1"/>
 </Control>
 </file>
 
@@ -26622,13 +27063,13 @@
 
 <file path=customXml/item199.xml><?xml version="1.0" encoding="utf-8"?>
 <Control xmlns="http://schemas.microsoft.com/VisualStudio/2011/storyboarding/control">
-  <Id Name="fd7d7bed-114e-464c-a4f1-01a512005949" Revision="1" Stencil="System.MyShapes" StencilVersion="1.0"/>
+  <Id Name="System.Storyboarding.Common.CheckBoxChecked" Revision="1" Stencil="System.Storyboarding.Common" StencilVersion="0.1"/>
 </Control>
 </file>
 
 <file path=customXml/item2.xml><?xml version="1.0" encoding="utf-8"?>
 <Control xmlns="http://schemas.microsoft.com/VisualStudio/2011/storyboarding/control">
-  <Id Name="System.Storyboarding.WindowsApps.WindowsAppsTileMedium" Revision="1" Stencil="System.Storyboarding.WindowsApps" StencilVersion="0.1"/>
+  <Id Name="fd7d7bed-114e-464c-a4f1-01a512005949" Revision="1" Stencil="System.MyShapes" StencilVersion="1.0"/>
 </Control>
 </file>
 
@@ -26646,31 +27087,31 @@
 
 <file path=customXml/item201.xml><?xml version="1.0" encoding="utf-8"?>
 <Control xmlns="http://schemas.microsoft.com/VisualStudio/2011/storyboarding/control">
+  <Id Name="System.Storyboarding.WindowsApps.WindowsAppsButton" Revision="1" Stencil="System.Storyboarding.WindowsApps" StencilVersion="0.1"/>
+</Control>
+</file>
+
+<file path=customXml/item202.xml><?xml version="1.0" encoding="utf-8"?>
+<Control xmlns="http://schemas.microsoft.com/VisualStudio/2011/storyboarding/control">
   <Id Name="System.Storyboarding.Annotation.CallOut" Revision="1" Stencil="System.Storyboarding.Annotation" StencilVersion="0.1"/>
 </Control>
 </file>
 
-<file path=customXml/item202.xml><?xml version="1.0" encoding="utf-8"?>
-<Control xmlns="http://schemas.microsoft.com/VisualStudio/2011/storyboarding/control">
-  <Id Name="fd7d7bed-114e-464c-a4f1-01a512005949" Revision="1" Stencil="System.MyShapes" StencilVersion="1.0"/>
-</Control>
-</file>
-
 <file path=customXml/item203.xml><?xml version="1.0" encoding="utf-8"?>
 <Control xmlns="http://schemas.microsoft.com/VisualStudio/2011/storyboarding/control">
-  <Id Name="System.Storyboarding.WindowsApps.WindowsAppsButton" Revision="1" Stencil="System.Storyboarding.WindowsApps" StencilVersion="0.1"/>
+  <Id Name="System.Storyboarding.Annotation.CallOut" Revision="1" Stencil="System.Storyboarding.Annotation" StencilVersion="0.1"/>
 </Control>
 </file>
 
 <file path=customXml/item204.xml><?xml version="1.0" encoding="utf-8"?>
 <Control xmlns="http://schemas.microsoft.com/VisualStudio/2011/storyboarding/control">
-  <Id Name="System.Storyboarding.WindowsApps.WindowsAppsButton" Revision="1" Stencil="System.Storyboarding.WindowsApps" StencilVersion="0.1"/>
+  <Id Name="System.Storyboarding.WindowsApps.WindowsAppsTileMedium" Revision="1" Stencil="System.Storyboarding.WindowsApps" StencilVersion="0.1"/>
 </Control>
 </file>
 
 <file path=customXml/item205.xml><?xml version="1.0" encoding="utf-8"?>
 <Control xmlns="http://schemas.microsoft.com/VisualStudio/2011/storyboarding/control">
-  <Id Name="fd7d7bed-114e-464c-a4f1-01a512005949" Revision="1" Stencil="System.MyShapes" StencilVersion="1.0"/>
+  <Id Name="System.Storyboarding.Annotation.CallOut" Revision="1" Stencil="System.Storyboarding.Annotation" StencilVersion="0.1"/>
 </Control>
 </file>
 
@@ -26682,13 +27123,13 @@
 
 <file path=customXml/item207.xml><?xml version="1.0" encoding="utf-8"?>
 <Control xmlns="http://schemas.microsoft.com/VisualStudio/2011/storyboarding/control">
-  <Id Name="System.Storyboarding.WindowsApps.WindowsAppsTileMedium" Revision="1" Stencil="System.Storyboarding.WindowsApps" StencilVersion="0.1"/>
+  <Id Name="System.Storyboarding.Annotation.StickyNote" Revision="1" Stencil="System.Storyboarding.Annotation" StencilVersion="0.1"/>
 </Control>
 </file>
 
 <file path=customXml/item208.xml><?xml version="1.0" encoding="utf-8"?>
 <Control xmlns="http://schemas.microsoft.com/VisualStudio/2011/storyboarding/control">
-  <Id Name="System.Storyboarding.WindowsApps.WindowsAppsEditBox" Revision="1" Stencil="System.Storyboarding.WindowsApps" StencilVersion="0.1"/>
+  <Id Name="fd7d7bed-114e-464c-a4f1-01a512005949" Revision="1" Stencil="System.MyShapes" StencilVersion="1.0"/>
 </Control>
 </file>
 
@@ -26700,25 +27141,25 @@
 
 <file path=customXml/item21.xml><?xml version="1.0" encoding="utf-8"?>
 <Control xmlns="http://schemas.microsoft.com/VisualStudio/2011/storyboarding/control">
-  <Id Name="System.Storyboarding.Common.CheckBoxUnchecked" Revision="1" Stencil="System.Storyboarding.Common" StencilVersion="0.1"/>
+  <Id Name="System.Storyboarding.Annotation.CallOut" Revision="1" Stencil="System.Storyboarding.Annotation" StencilVersion="0.1"/>
 </Control>
 </file>
 
 <file path=customXml/item210.xml><?xml version="1.0" encoding="utf-8"?>
+<Control xmlns="http://schemas.microsoft.com/VisualStudio/2011/storyboarding/control">
+  <Id Name="System.Storyboarding.Annotation.StickyNote" Revision="1" Stencil="System.Storyboarding.Annotation" StencilVersion="0.1"/>
+</Control>
+</file>
+
+<file path=customXml/item211.xml><?xml version="1.0" encoding="utf-8"?>
 <Control xmlns="http://schemas.microsoft.com/VisualStudio/2011/storyboarding/control">
   <Id Name="System.Storyboarding.WindowsApps.WindowsAppsButton" Revision="1" Stencil="System.Storyboarding.WindowsApps" StencilVersion="0.1"/>
 </Control>
 </file>
 
-<file path=customXml/item211.xml><?xml version="1.0" encoding="utf-8"?>
-<Control xmlns="http://schemas.microsoft.com/VisualStudio/2011/storyboarding/control">
-  <Id Name="System.Storyboarding.WindowsApps.WindowsAppsEditBox" Revision="1" Stencil="System.Storyboarding.WindowsApps" StencilVersion="0.1"/>
-</Control>
-</file>
-
 <file path=customXml/item212.xml><?xml version="1.0" encoding="utf-8"?>
 <Control xmlns="http://schemas.microsoft.com/VisualStudio/2011/storyboarding/control">
-  <Id Name="System.Storyboarding.Annotation.CallOut" Revision="1" Stencil="System.Storyboarding.Annotation" StencilVersion="0.1"/>
+  <Id Name="fd7d7bed-114e-464c-a4f1-01a512005949" Revision="1" Stencil="System.MyShapes" StencilVersion="1.0"/>
 </Control>
 </file>
 
@@ -26730,13 +27171,13 @@
 
 <file path=customXml/item214.xml><?xml version="1.0" encoding="utf-8"?>
 <Control xmlns="http://schemas.microsoft.com/VisualStudio/2011/storyboarding/control">
-  <Id Name="fd7d7bed-114e-464c-a4f1-01a512005949" Revision="1" Stencil="System.MyShapes" StencilVersion="1.0"/>
+  <Id Name="System.Storyboarding.WindowsApps.WindowsAppsTileMedium" Revision="1" Stencil="System.Storyboarding.WindowsApps" StencilVersion="0.1"/>
 </Control>
 </file>
 
 <file path=customXml/item215.xml><?xml version="1.0" encoding="utf-8"?>
 <Control xmlns="http://schemas.microsoft.com/VisualStudio/2011/storyboarding/control">
-  <Id Name="fd7d7bed-114e-464c-a4f1-01a512005949" Revision="1" Stencil="System.MyShapes" StencilVersion="1.0"/>
+  <Id Name="System.Storyboarding.Annotation.CallOut" Revision="1" Stencil="System.Storyboarding.Annotation" StencilVersion="0.1"/>
 </Control>
 </file>
 
@@ -26748,85 +27189,85 @@
 
 <file path=customXml/item217.xml><?xml version="1.0" encoding="utf-8"?>
 <Control xmlns="http://schemas.microsoft.com/VisualStudio/2011/storyboarding/control">
-  <Id Name="fd7d7bed-114e-464c-a4f1-01a512005949" Revision="1" Stencil="System.MyShapes" StencilVersion="1.0"/>
+  <Id Name="System.Storyboarding.Annotation.CallOut" Revision="1" Stencil="System.Storyboarding.Annotation" StencilVersion="0.1"/>
 </Control>
 </file>
 
 <file path=customXml/item218.xml><?xml version="1.0" encoding="utf-8"?>
+<Control xmlns="http://schemas.microsoft.com/VisualStudio/2011/storyboarding/control">
+  <Id Name="System.Storyboarding.WindowsApps.WindowsAppsEditBox" Revision="1" Stencil="System.Storyboarding.WindowsApps" StencilVersion="0.1"/>
+</Control>
+</file>
+
+<file path=customXml/item219.xml><?xml version="1.0" encoding="utf-8"?>
 <Control xmlns="http://schemas.microsoft.com/VisualStudio/2011/storyboarding/control">
   <Id Name="System.Storyboarding.WindowsApps.WindowsAppsTileMedium" Revision="1" Stencil="System.Storyboarding.WindowsApps" StencilVersion="0.1"/>
 </Control>
 </file>
 
-<file path=customXml/item219.xml><?xml version="1.0" encoding="utf-8"?>
+<file path=customXml/item22.xml><?xml version="1.0" encoding="utf-8"?>
+<Control xmlns="http://schemas.microsoft.com/VisualStudio/2011/storyboarding/control">
+  <Id Name="fd7d7bed-114e-464c-a4f1-01a512005949" Revision="1" Stencil="System.MyShapes" StencilVersion="1.0"/>
+</Control>
+</file>
+
+<file path=customXml/item220.xml><?xml version="1.0" encoding="utf-8"?>
+<Control xmlns="http://schemas.microsoft.com/VisualStudio/2011/storyboarding/control">
+  <Id Name="f7a94b64-51d6-472a-8bb4-f2cc047935d1" RevisionId="4b37df06-a36b-4383-9074-55517f1335fc" Stencil="172d6d98-e5c9-42e9-a209-79f7a94bbd38" StencilRevisionId="00000000-0000-0000-0000-000000000000" StencilVersion="0.0"/>
+</Control>
+</file>
+
+<file path=customXml/item221.xml><?xml version="1.0" encoding="utf-8"?>
+<Control xmlns="http://schemas.microsoft.com/VisualStudio/2011/storyboarding/control">
+  <Id Name="System.Storyboarding.Common.CheckBoxUnchecked" Revision="1" Stencil="System.Storyboarding.Common" StencilVersion="0.1"/>
+</Control>
+</file>
+
+<file path=customXml/item222.xml><?xml version="1.0" encoding="utf-8"?>
 <Control xmlns="http://schemas.microsoft.com/VisualStudio/2011/storyboarding/control">
   <Id Name="System.Storyboarding.WindowsApps.WindowsAppsButton" Revision="1" Stencil="System.Storyboarding.WindowsApps" StencilVersion="0.1"/>
 </Control>
 </file>
 
-<file path=customXml/item22.xml><?xml version="1.0" encoding="utf-8"?>
+<file path=customXml/item223.xml><?xml version="1.0" encoding="utf-8"?>
 <Control xmlns="http://schemas.microsoft.com/VisualStudio/2011/storyboarding/control">
-  <Id Name="System.Storyboarding.Common.CheckBoxUnchecked" Revision="1" Stencil="System.Storyboarding.Common" StencilVersion="0.1"/>
+  <Id Name="System.Storyboarding.WindowsApps.WindowsAppsButton" Revision="1" Stencil="System.Storyboarding.WindowsApps" StencilVersion="0.1"/>
 </Control>
 </file>
 
-<file path=customXml/item220.xml><?xml version="1.0" encoding="utf-8"?>
+<file path=customXml/item224.xml><?xml version="1.0" encoding="utf-8"?>
 <Control xmlns="http://schemas.microsoft.com/VisualStudio/2011/storyboarding/control">
-  <Id Name="System.Storyboarding.Common.CheckBoxUnchecked" Revision="1" Stencil="System.Storyboarding.Common" StencilVersion="0.1"/>
+  <Id Name="System.Storyboarding.WindowsApps.WindowsAppsTileMedium" Revision="1" Stencil="System.Storyboarding.WindowsApps" StencilVersion="0.1"/>
 </Control>
 </file>
 
-<file path=customXml/item221.xml><?xml version="1.0" encoding="utf-8"?>
+<file path=customXml/item225.xml><?xml version="1.0" encoding="utf-8"?>
 <Control xmlns="http://schemas.microsoft.com/VisualStudio/2011/storyboarding/control">
   <Id Name="fd7d7bed-114e-464c-a4f1-01a512005949" Revision="1" Stencil="System.MyShapes" StencilVersion="1.0"/>
 </Control>
 </file>
 
-<file path=customXml/item222.xml><?xml version="1.0" encoding="utf-8"?>
+<file path=customXml/item226.xml><?xml version="1.0" encoding="utf-8"?>
 <Control xmlns="http://schemas.microsoft.com/VisualStudio/2011/storyboarding/control">
-  <Id Name="System.Storyboarding.Common.CheckBoxUnchecked" Revision="1" Stencil="System.Storyboarding.Common" StencilVersion="0.1"/>
+  <Id Name="System.Storyboarding.Annotation.AnimatedRectangleCallout" Revision="1" Stencil="System.Storyboarding.Annotation" StencilVersion="0.1"/>
 </Control>
 </file>
 
-<file path=customXml/item223.xml><?xml version="1.0" encoding="utf-8"?>
+<file path=customXml/item227.xml><?xml version="1.0" encoding="utf-8"?>
 <Control xmlns="http://schemas.microsoft.com/VisualStudio/2011/storyboarding/control">
-  <Id Name="System.Storyboarding.WindowsAppIcons.Games" Revision="1" Stencil="System.Storyboarding.WindowsAppIcons" StencilVersion="0.1"/>
+  <Id Name="System.Storyboarding.WindowsApps.WindowsAppsTileMedium" Revision="1" Stencil="System.Storyboarding.WindowsApps" StencilVersion="0.1"/>
 </Control>
 </file>
 
-<file path=customXml/item224.xml><?xml version="1.0" encoding="utf-8"?>
+<file path=customXml/item228.xml><?xml version="1.0" encoding="utf-8"?>
 <Control xmlns="http://schemas.microsoft.com/VisualStudio/2011/storyboarding/control">
   <Id Name="System.Storyboarding.WindowsApps.WindowsAppsButton" Revision="1" Stencil="System.Storyboarding.WindowsApps" StencilVersion="0.1"/>
 </Control>
 </file>
 
-<file path=customXml/item225.xml><?xml version="1.0" encoding="utf-8"?>
-<Control xmlns="http://schemas.microsoft.com/VisualStudio/2011/storyboarding/control">
-  <Id Name="System.Storyboarding.WindowsApps.WindowsAppsTileMedium" Revision="1" Stencil="System.Storyboarding.WindowsApps" StencilVersion="0.1"/>
-</Control>
-</file>
-
-<file path=customXml/item226.xml><?xml version="1.0" encoding="utf-8"?>
-<Control xmlns="http://schemas.microsoft.com/VisualStudio/2011/storyboarding/control">
-  <Id Name="System.Storyboarding.WindowsApps.WindowsAppsTileMedium" Revision="1" Stencil="System.Storyboarding.WindowsApps" StencilVersion="0.1"/>
-</Control>
-</file>
-
-<file path=customXml/item227.xml><?xml version="1.0" encoding="utf-8"?>
+<file path=customXml/item229.xml><?xml version="1.0" encoding="utf-8"?>
 <Control xmlns="http://schemas.microsoft.com/VisualStudio/2011/storyboarding/control">
   <Id Name="fd7d7bed-114e-464c-a4f1-01a512005949" Revision="1" Stencil="System.MyShapes" StencilVersion="1.0"/>
-</Control>
-</file>
-
-<file path=customXml/item228.xml><?xml version="1.0" encoding="utf-8"?>
-<Control xmlns="http://schemas.microsoft.com/VisualStudio/2011/storyboarding/control">
-  <Id Name="fd7d7bed-114e-464c-a4f1-01a512005949" Revision="1" Stencil="System.MyShapes" StencilVersion="1.0"/>
-</Control>
-</file>
-
-<file path=customXml/item229.xml><?xml version="1.0" encoding="utf-8"?>
-<Control xmlns="http://schemas.microsoft.com/VisualStudio/2011/storyboarding/control">
-  <Id Name="System.Storyboarding.Annotation.CallOut" Revision="1" Stencil="System.Storyboarding.Annotation" StencilVersion="0.1"/>
 </Control>
 </file>
 
@@ -26844,13 +27285,13 @@
 
 <file path=customXml/item231.xml><?xml version="1.0" encoding="utf-8"?>
 <Control xmlns="http://schemas.microsoft.com/VisualStudio/2011/storyboarding/control">
-  <Id Name="System.Storyboarding.WindowsApps.WindowsAppsButton" Revision="1" Stencil="System.Storyboarding.WindowsApps" StencilVersion="0.1"/>
+  <Id Name="fd7d7bed-114e-464c-a4f1-01a512005949" Revision="1" Stencil="System.MyShapes" StencilVersion="1.0"/>
 </Control>
 </file>
 
 <file path=customXml/item232.xml><?xml version="1.0" encoding="utf-8"?>
 <Control xmlns="http://schemas.microsoft.com/VisualStudio/2011/storyboarding/control">
-  <Id Name="fd7d7bed-114e-464c-a4f1-01a512005949" Revision="1" Stencil="System.MyShapes" StencilVersion="1.0"/>
+  <Id Name="System.Storyboarding.Common.CheckBoxUnchecked" Revision="1" Stencil="System.Storyboarding.Common" StencilVersion="0.1"/>
 </Control>
 </file>
 
@@ -26862,49 +27303,49 @@
 
 <file path=customXml/item234.xml><?xml version="1.0" encoding="utf-8"?>
 <Control xmlns="http://schemas.microsoft.com/VisualStudio/2011/storyboarding/control">
-  <Id Name="System.Storyboarding.WindowsApps.WindowsAppsTileMedium" Revision="1" Stencil="System.Storyboarding.WindowsApps" StencilVersion="0.1"/>
+  <Id Name="System.Storyboarding.Annotation.CallOut" Revision="1" Stencil="System.Storyboarding.Annotation" StencilVersion="0.1"/>
 </Control>
 </file>
 
 <file path=customXml/item235.xml><?xml version="1.0" encoding="utf-8"?>
-<Control xmlns="http://schemas.microsoft.com/VisualStudio/2011/storyboarding/control">
-  <Id Name="System.Storyboarding.Annotation.AnimatedRectangleCallout" Revision="1" Stencil="System.Storyboarding.Annotation" StencilVersion="0.1"/>
-</Control>
-</file>
-
-<file path=customXml/item236.xml><?xml version="1.0" encoding="utf-8"?>
-<Control xmlns="http://schemas.microsoft.com/VisualStudio/2011/storyboarding/control">
-  <Id Name="System.Storyboarding.WindowsApps.WindowsAppsButton" Revision="1" Stencil="System.Storyboarding.WindowsApps" StencilVersion="0.1"/>
-</Control>
-</file>
-
-<file path=customXml/item237.xml><?xml version="1.0" encoding="utf-8"?>
-<Control xmlns="http://schemas.microsoft.com/VisualStudio/2011/storyboarding/control">
-  <Id Name="System.Storyboarding.Icons.CurvedArrow" Revision="1" Stencil="System.Storyboarding.Icons" StencilVersion="0.1"/>
-</Control>
-</file>
-
-<file path=customXml/item238.xml><?xml version="1.0" encoding="utf-8"?>
-<Control xmlns="http://schemas.microsoft.com/VisualStudio/2011/storyboarding/control">
-  <Id Name="System.Storyboarding.WindowsApps.WindowsAppsButton" Revision="1" Stencil="System.Storyboarding.WindowsApps" StencilVersion="0.1"/>
-</Control>
-</file>
-
-<file path=customXml/item239.xml><?xml version="1.0" encoding="utf-8"?>
-<Control xmlns="http://schemas.microsoft.com/VisualStudio/2011/storyboarding/control">
-  <Id Name="System.Storyboarding.Annotation.AnimatedRectangleCallout" Revision="1" Stencil="System.Storyboarding.Annotation" StencilVersion="0.1"/>
-</Control>
-</file>
-
-<file path=customXml/item24.xml><?xml version="1.0" encoding="utf-8"?>
 <Control xmlns="http://schemas.microsoft.com/VisualStudio/2011/storyboarding/control">
   <Id Name="System.Storyboarding.WindowsApps.WindowsAppsEditBox" Revision="1" Stencil="System.Storyboarding.WindowsApps" StencilVersion="0.1"/>
 </Control>
 </file>
 
+<file path=customXml/item236.xml><?xml version="1.0" encoding="utf-8"?>
+<Control xmlns="http://schemas.microsoft.com/VisualStudio/2011/storyboarding/control">
+  <Id Name="System.Storyboarding.Annotation.CallOut" Revision="1" Stencil="System.Storyboarding.Annotation" StencilVersion="0.1"/>
+</Control>
+</file>
+
+<file path=customXml/item237.xml><?xml version="1.0" encoding="utf-8"?>
+<Control xmlns="http://schemas.microsoft.com/VisualStudio/2011/storyboarding/control">
+  <Id Name="System.Storyboarding.WindowsApps.WindowsAppsTileMedium" Revision="1" Stencil="System.Storyboarding.WindowsApps" StencilVersion="0.1"/>
+</Control>
+</file>
+
+<file path=customXml/item238.xml><?xml version="1.0" encoding="utf-8"?>
+<Control xmlns="http://schemas.microsoft.com/VisualStudio/2011/storyboarding/control">
+  <Id Name="System.Storyboarding.WindowsApps.WindowsAppsTileMedium" Revision="1" Stencil="System.Storyboarding.WindowsApps" StencilVersion="0.1"/>
+</Control>
+</file>
+
+<file path=customXml/item239.xml><?xml version="1.0" encoding="utf-8"?>
+<Control xmlns="http://schemas.microsoft.com/VisualStudio/2011/storyboarding/control">
+  <Id Name="System.Storyboarding.WindowsAppIcons.Games" Revision="1" Stencil="System.Storyboarding.WindowsAppIcons" StencilVersion="0.1"/>
+</Control>
+</file>
+
+<file path=customXml/item24.xml><?xml version="1.0" encoding="utf-8"?>
+<Control xmlns="http://schemas.microsoft.com/VisualStudio/2011/storyboarding/control">
+  <Id Name="fd7d7bed-114e-464c-a4f1-01a512005949" Revision="1" Stencil="System.MyShapes" StencilVersion="1.0"/>
+</Control>
+</file>
+
 <file path=customXml/item240.xml><?xml version="1.0" encoding="utf-8"?>
 <Control xmlns="http://schemas.microsoft.com/VisualStudio/2011/storyboarding/control">
-  <Id Name="System.Storyboarding.WindowsApps.WindowsAppsTileMedium" Revision="1" Stencil="System.Storyboarding.WindowsApps" StencilVersion="0.1"/>
+  <Id Name="System.Storyboarding.WindowsApps.WindowsAppsButton" Revision="1" Stencil="System.Storyboarding.WindowsApps" StencilVersion="0.1"/>
 </Control>
 </file>
 
@@ -26916,115 +27357,115 @@
 
 <file path=customXml/item242.xml><?xml version="1.0" encoding="utf-8"?>
 <Control xmlns="http://schemas.microsoft.com/VisualStudio/2011/storyboarding/control">
-  <Id Name="fd7d7bed-114e-464c-a4f1-01a512005949" Revision="1" Stencil="System.MyShapes" StencilVersion="1.0"/>
+  <Id Name="System.Storyboarding.WindowsApps.WindowsAppsEditBox" Revision="1" Stencil="System.Storyboarding.WindowsApps" StencilVersion="0.1"/>
 </Control>
 </file>
 
 <file path=customXml/item243.xml><?xml version="1.0" encoding="utf-8"?>
+<Control xmlns="http://schemas.microsoft.com/VisualStudio/2011/storyboarding/control">
+  <Id Name="System.Storyboarding.Annotation.CallOut" Revision="1" Stencil="System.Storyboarding.Annotation" StencilVersion="0.1"/>
+</Control>
+</file>
+
+<file path=customXml/item244.xml><?xml version="1.0" encoding="utf-8"?>
+<Control xmlns="http://schemas.microsoft.com/VisualStudio/2011/storyboarding/control">
+  <Id Name="System.Storyboarding.WindowsApps.WindowsAppsButton" Revision="1" Stencil="System.Storyboarding.WindowsApps" StencilVersion="0.1"/>
+</Control>
+</file>
+
+<file path=customXml/item245.xml><?xml version="1.0" encoding="utf-8"?>
+<Control xmlns="http://schemas.microsoft.com/VisualStudio/2011/storyboarding/control">
+  <Id Name="System.Storyboarding.Icons.Warning" Revision="1" Stencil="System.Storyboarding.Icons" StencilVersion="0.1"/>
+</Control>
+</file>
+
+<file path=customXml/item246.xml><?xml version="1.0" encoding="utf-8"?>
+<Control xmlns="http://schemas.microsoft.com/VisualStudio/2011/storyboarding/control">
+  <Id Name="System.Storyboarding.Icons.CurvedArrow" Revision="1" Stencil="System.Storyboarding.Icons" StencilVersion="0.1"/>
+</Control>
+</file>
+
+<file path=customXml/item247.xml><?xml version="1.0" encoding="utf-8"?>
+<Control xmlns="http://schemas.microsoft.com/VisualStudio/2011/storyboarding/control">
+  <Id Name="System.Storyboarding.WindowsAppIcons.Save" Revision="1" Stencil="System.Storyboarding.WindowsAppIcons" StencilVersion="0.1"/>
+</Control>
+</file>
+
+<file path=customXml/item248.xml><?xml version="1.0" encoding="utf-8"?>
+<Control xmlns="http://schemas.microsoft.com/VisualStudio/2011/storyboarding/control">
+  <Id Name="System.Storyboarding.WindowsAppIcons.Donotwant" Revision="1" Stencil="System.Storyboarding.WindowsAppIcons" StencilVersion="0.1"/>
+</Control>
+</file>
+
+<file path=customXml/item249.xml><?xml version="1.0" encoding="utf-8"?>
+<Control xmlns="http://schemas.microsoft.com/VisualStudio/2011/storyboarding/control">
+  <Id Name="System.Storyboarding.WindowsApps.WindowsAppsEditBox" Revision="1" Stencil="System.Storyboarding.WindowsApps" StencilVersion="0.1"/>
+</Control>
+</file>
+
+<file path=customXml/item25.xml><?xml version="1.0" encoding="utf-8"?>
+<Control xmlns="http://schemas.microsoft.com/VisualStudio/2011/storyboarding/control">
+  <Id Name="System.Storyboarding.Annotation.CallOut" Revision="1" Stencil="System.Storyboarding.Annotation" StencilVersion="0.1"/>
+</Control>
+</file>
+
+<file path=customXml/item250.xml><?xml version="1.0" encoding="utf-8"?>
+<Control xmlns="http://schemas.microsoft.com/VisualStudio/2011/storyboarding/control">
+  <Id Name="System.Storyboarding.WindowsAppIcons.Plus" Revision="1" Stencil="System.Storyboarding.WindowsAppIcons" StencilVersion="0.1"/>
+</Control>
+</file>
+
+<file path=customXml/item251.xml><?xml version="1.0" encoding="utf-8"?>
 <Control xmlns="http://schemas.microsoft.com/VisualStudio/2011/storyboarding/control">
   <Id Name="fd7d7bed-114e-464c-a4f1-01a512005949" Revision="1" Stencil="System.MyShapes" StencilVersion="1.0"/>
 </Control>
 </file>
 
-<file path=customXml/item244.xml><?xml version="1.0" encoding="utf-8"?>
+<file path=customXml/item252.xml><?xml version="1.0" encoding="utf-8"?>
 <Control xmlns="http://schemas.microsoft.com/VisualStudio/2011/storyboarding/control">
-  <Id Name="System.Storyboarding.Annotation.CallOut" Revision="1" Stencil="System.Storyboarding.Annotation" StencilVersion="0.1"/>
+  <Id Name="System.Storyboarding.WindowsApps.WindowsAppsEditBox" Revision="1" Stencil="System.Storyboarding.WindowsApps" StencilVersion="0.1"/>
 </Control>
 </file>
 
-<file path=customXml/item245.xml><?xml version="1.0" encoding="utf-8"?>
+<file path=customXml/item253.xml><?xml version="1.0" encoding="utf-8"?>
 <Control xmlns="http://schemas.microsoft.com/VisualStudio/2011/storyboarding/control">
   <Id Name="fd7d7bed-114e-464c-a4f1-01a512005949" Revision="1" Stencil="System.MyShapes" StencilVersion="1.0"/>
 </Control>
 </file>
 
-<file path=customXml/item246.xml><?xml version="1.0" encoding="utf-8"?>
-<Control xmlns="http://schemas.microsoft.com/VisualStudio/2011/storyboarding/control">
-  <Id Name="System.Storyboarding.WindowsApps.WindowsAppsEditBox" Revision="1" Stencil="System.Storyboarding.WindowsApps" StencilVersion="0.1"/>
-</Control>
-</file>
-
-<file path=customXml/item247.xml><?xml version="1.0" encoding="utf-8"?>
+<file path=customXml/item254.xml><?xml version="1.0" encoding="utf-8"?>
 <Control xmlns="http://schemas.microsoft.com/VisualStudio/2011/storyboarding/control">
   <Id Name="fd7d7bed-114e-464c-a4f1-01a512005949" Revision="1" Stencil="System.MyShapes" StencilVersion="1.0"/>
 </Control>
 </file>
 
-<file path=customXml/item248.xml><?xml version="1.0" encoding="utf-8"?>
+<file path=customXml/item255.xml><?xml version="1.0" encoding="utf-8"?>
 <Control xmlns="http://schemas.microsoft.com/VisualStudio/2011/storyboarding/control">
   <Id Name="fd7d7bed-114e-464c-a4f1-01a512005949" Revision="1" Stencil="System.MyShapes" StencilVersion="1.0"/>
 </Control>
 </file>
 
-<file path=customXml/item249.xml><?xml version="1.0" encoding="utf-8"?>
+<file path=customXml/item256.xml><?xml version="1.0" encoding="utf-8"?>
 <Control xmlns="http://schemas.microsoft.com/VisualStudio/2011/storyboarding/control">
   <Id Name="fd7d7bed-114e-464c-a4f1-01a512005949" Revision="1" Stencil="System.MyShapes" StencilVersion="1.0"/>
 </Control>
 </file>
 
-<file path=customXml/item25.xml><?xml version="1.0" encoding="utf-8"?>
+<file path=customXml/item257.xml><?xml version="1.0" encoding="utf-8"?>
+<Control xmlns="http://schemas.microsoft.com/VisualStudio/2011/storyboarding/control">
+  <Id Name="System.Storyboarding.WindowsApps.WindowsAppsButton" Revision="1" Stencil="System.Storyboarding.WindowsApps" StencilVersion="0.1"/>
+</Control>
+</file>
+
+<file path=customXml/item258.xml><?xml version="1.0" encoding="utf-8"?>
 <Control xmlns="http://schemas.microsoft.com/VisualStudio/2011/storyboarding/control">
   <Id Name="System.Storyboarding.WindowsApps.WindowsAppsTileMedium" Revision="1" Stencil="System.Storyboarding.WindowsApps" StencilVersion="0.1"/>
 </Control>
 </file>
 
-<file path=customXml/item250.xml><?xml version="1.0" encoding="utf-8"?>
-<Control xmlns="http://schemas.microsoft.com/VisualStudio/2011/storyboarding/control">
-  <Id Name="fd7d7bed-114e-464c-a4f1-01a512005949" Revision="1" Stencil="System.MyShapes" StencilVersion="1.0"/>
-</Control>
-</file>
-
-<file path=customXml/item251.xml><?xml version="1.0" encoding="utf-8"?>
-<Control xmlns="http://schemas.microsoft.com/VisualStudio/2011/storyboarding/control">
-  <Id Name="System.Storyboarding.WindowsApps.WindowsAppsTileMedium" Revision="1" Stencil="System.Storyboarding.WindowsApps" StencilVersion="0.1"/>
-</Control>
-</file>
-
-<file path=customXml/item252.xml><?xml version="1.0" encoding="utf-8"?>
-<Control xmlns="http://schemas.microsoft.com/VisualStudio/2011/storyboarding/control">
-  <Id Name="System.Storyboarding.Annotation.CallOut" Revision="1" Stencil="System.Storyboarding.Annotation" StencilVersion="0.1"/>
-</Control>
-</file>
-
-<file path=customXml/item253.xml><?xml version="1.0" encoding="utf-8"?>
-<Control xmlns="http://schemas.microsoft.com/VisualStudio/2011/storyboarding/control">
-  <Id Name="System.Storyboarding.WindowsApps.WindowsAppsButton" Revision="1" Stencil="System.Storyboarding.WindowsApps" StencilVersion="0.1"/>
-</Control>
-</file>
-
-<file path=customXml/item254.xml><?xml version="1.0" encoding="utf-8"?>
-<Control xmlns="http://schemas.microsoft.com/VisualStudio/2011/storyboarding/control">
-  <Id Name="System.Storyboarding.Backgrounds.WindowsPhone" Revision="1" Stencil="System.Storyboarding.Backgrounds" StencilVersion="0.1"/>
-</Control>
-</file>
-
-<file path=customXml/item255.xml><?xml version="1.0" encoding="utf-8"?>
-<Control xmlns="http://schemas.microsoft.com/VisualStudio/2011/storyboarding/control">
-  <Id Name="System.Storyboarding.WindowsApps.WindowsAppsButton" Revision="1" Stencil="System.Storyboarding.WindowsApps" StencilVersion="0.1"/>
-</Control>
-</file>
-
-<file path=customXml/item256.xml><?xml version="1.0" encoding="utf-8"?>
-<Control xmlns="http://schemas.microsoft.com/VisualStudio/2011/storyboarding/control">
-  <Id Name="System.Storyboarding.WindowsApps.WindowsAppsTileMedium" Revision="1" Stencil="System.Storyboarding.WindowsApps" StencilVersion="0.1"/>
-</Control>
-</file>
-
-<file path=customXml/item257.xml><?xml version="1.0" encoding="utf-8"?>
-<Control xmlns="http://schemas.microsoft.com/VisualStudio/2011/storyboarding/control">
-  <Id Name="System.Storyboarding.WindowsApps.WindowsAppsTileMedium" Revision="1" Stencil="System.Storyboarding.WindowsApps" StencilVersion="0.1"/>
-</Control>
-</file>
-
-<file path=customXml/item258.xml><?xml version="1.0" encoding="utf-8"?>
-<Control xmlns="http://schemas.microsoft.com/VisualStudio/2011/storyboarding/control">
-  <Id Name="System.Storyboarding.Annotation.CallOut" Revision="1" Stencil="System.Storyboarding.Annotation" StencilVersion="0.1"/>
-</Control>
-</file>
-
 <file path=customXml/item259.xml><?xml version="1.0" encoding="utf-8"?>
 <Control xmlns="http://schemas.microsoft.com/VisualStudio/2011/storyboarding/control">
-  <Id Name="System.Storyboarding.Annotation.CallOut" Revision="1" Stencil="System.Storyboarding.Annotation" StencilVersion="0.1"/>
+  <Id Name="System.Storyboarding.WindowsApps.WindowsAppsEditBox" Revision="1" Stencil="System.Storyboarding.WindowsApps" StencilVersion="0.1"/>
 </Control>
 </file>
 
@@ -27036,115 +27477,115 @@
 
 <file path=customXml/item260.xml><?xml version="1.0" encoding="utf-8"?>
 <Control xmlns="http://schemas.microsoft.com/VisualStudio/2011/storyboarding/control">
+  <Id Name="System.Storyboarding.WindowsApps.WindowsAppsTileMedium" Revision="1" Stencil="System.Storyboarding.WindowsApps" StencilVersion="0.1"/>
+</Control>
+</file>
+
+<file path=customXml/item261.xml><?xml version="1.0" encoding="utf-8"?>
+<Control xmlns="http://schemas.microsoft.com/VisualStudio/2011/storyboarding/control">
+  <Id Name="System.Storyboarding.WindowsApps.WindowsAppsButton" Revision="1" Stencil="System.Storyboarding.WindowsApps" StencilVersion="0.1"/>
+</Control>
+</file>
+
+<file path=customXml/item262.xml><?xml version="1.0" encoding="utf-8"?>
+<Control xmlns="http://schemas.microsoft.com/VisualStudio/2011/storyboarding/control">
+  <Id Name="System.Storyboarding.WindowsApps.WindowsAppsTileMedium" Revision="1" Stencil="System.Storyboarding.WindowsApps" StencilVersion="0.1"/>
+</Control>
+</file>
+
+<file path=customXml/item263.xml><?xml version="1.0" encoding="utf-8"?>
+<Control xmlns="http://schemas.microsoft.com/VisualStudio/2011/storyboarding/control">
+  <Id Name="System.Storyboarding.WindowsApps.WindowsAppsEditBox" Revision="1" Stencil="System.Storyboarding.WindowsApps" StencilVersion="0.1"/>
+</Control>
+</file>
+
+<file path=customXml/item264.xml><?xml version="1.0" encoding="utf-8"?>
+<Control xmlns="http://schemas.microsoft.com/VisualStudio/2011/storyboarding/control">
+  <Id Name="System.Storyboarding.Common.CheckBoxChecked" Revision="1" Stencil="System.Storyboarding.Common" StencilVersion="0.1"/>
+</Control>
+</file>
+
+<file path=customXml/item265.xml><?xml version="1.0" encoding="utf-8"?>
+<Control xmlns="http://schemas.microsoft.com/VisualStudio/2011/storyboarding/control">
   <Id Name="fd7d7bed-114e-464c-a4f1-01a512005949" Revision="1" Stencil="System.MyShapes" StencilVersion="1.0"/>
 </Control>
 </file>
 
-<file path=customXml/item261.xml><?xml version="1.0" encoding="utf-8"?>
+<file path=customXml/item266.xml><?xml version="1.0" encoding="utf-8"?>
+<Control xmlns="http://schemas.microsoft.com/VisualStudio/2011/storyboarding/control">
+  <Id Name="fd7d7bed-114e-464c-a4f1-01a512005949" Revision="1" Stencil="System.MyShapes" StencilVersion="1.0"/>
+</Control>
+</file>
+
+<file path=customXml/item267.xml><?xml version="1.0" encoding="utf-8"?>
+<Control xmlns="http://schemas.microsoft.com/VisualStudio/2011/storyboarding/control">
+  <Id Name="fd7d7bed-114e-464c-a4f1-01a512005949" Revision="1" Stencil="System.MyShapes" StencilVersion="1.0"/>
+</Control>
+</file>
+
+<file path=customXml/item268.xml><?xml version="1.0" encoding="utf-8"?>
+<Control xmlns="http://schemas.microsoft.com/VisualStudio/2011/storyboarding/control">
+  <Id Name="System.Storyboarding.WindowsApps.WindowsAppsEditBox" Revision="1" Stencil="System.Storyboarding.WindowsApps" StencilVersion="0.1"/>
+</Control>
+</file>
+
+<file path=customXml/item269.xml><?xml version="1.0" encoding="utf-8"?>
+<Control xmlns="http://schemas.microsoft.com/VisualStudio/2011/storyboarding/control">
+  <Id Name="System.Storyboarding.WindowsApps.WindowsAppsButton" Revision="1" Stencil="System.Storyboarding.WindowsApps" StencilVersion="0.1"/>
+</Control>
+</file>
+
+<file path=customXml/item27.xml><?xml version="1.0" encoding="utf-8"?>
+<Control xmlns="http://schemas.microsoft.com/VisualStudio/2011/storyboarding/control">
+  <Id Name="System.Storyboarding.WindowsApps.WindowsAppsEditBox" Revision="1" Stencil="System.Storyboarding.WindowsApps" StencilVersion="0.1"/>
+</Control>
+</file>
+
+<file path=customXml/item270.xml><?xml version="1.0" encoding="utf-8"?>
+<Control xmlns="http://schemas.microsoft.com/VisualStudio/2011/storyboarding/control">
+  <Id Name="fd7d7bed-114e-464c-a4f1-01a512005949" Revision="1" Stencil="System.MyShapes" StencilVersion="1.0"/>
+</Control>
+</file>
+
+<file path=customXml/item271.xml><?xml version="1.0" encoding="utf-8"?>
 <Control xmlns="http://schemas.microsoft.com/VisualStudio/2011/storyboarding/control">
   <Id Name="System.Storyboarding.Annotation.CallOut" Revision="1" Stencil="System.Storyboarding.Annotation" StencilVersion="0.1"/>
 </Control>
 </file>
 
-<file path=customXml/item262.xml><?xml version="1.0" encoding="utf-8"?>
+<file path=customXml/item272.xml><?xml version="1.0" encoding="utf-8"?>
 <Control xmlns="http://schemas.microsoft.com/VisualStudio/2011/storyboarding/control">
-  <Id Name="System.Storyboarding.Common.CheckBoxChecked" Revision="1" Stencil="System.Storyboarding.Common" StencilVersion="0.1"/>
+  <Id Name="fd7d7bed-114e-464c-a4f1-01a512005949" Revision="1" Stencil="System.MyShapes" StencilVersion="1.0"/>
 </Control>
 </file>
 
-<file path=customXml/item263.xml><?xml version="1.0" encoding="utf-8"?>
+<file path=customXml/item273.xml><?xml version="1.0" encoding="utf-8"?>
+<Control xmlns="http://schemas.microsoft.com/VisualStudio/2011/storyboarding/control">
+  <Id Name="System.Storyboarding.WindowsApps.WindowsAppsButton" Revision="1" Stencil="System.Storyboarding.WindowsApps" StencilVersion="0.1"/>
+</Control>
+</file>
+
+<file path=customXml/item274.xml><?xml version="1.0" encoding="utf-8"?>
 <Control xmlns="http://schemas.microsoft.com/VisualStudio/2011/storyboarding/control">
   <Id Name="System.Storyboarding.WindowsApps.WindowsAppsTileMedium" Revision="1" Stencil="System.Storyboarding.WindowsApps" StencilVersion="0.1"/>
 </Control>
 </file>
 
-<file path=customXml/item264.xml><?xml version="1.0" encoding="utf-8"?>
-<Control xmlns="http://schemas.microsoft.com/VisualStudio/2011/storyboarding/control">
-  <Id Name="System.Storyboarding.WindowsApps.WindowsAppsTileMedium" Revision="1" Stencil="System.Storyboarding.WindowsApps" StencilVersion="0.1"/>
-</Control>
-</file>
-
-<file path=customXml/item265.xml><?xml version="1.0" encoding="utf-8"?>
-<Control xmlns="http://schemas.microsoft.com/VisualStudio/2011/storyboarding/control">
-  <Id Name="System.Storyboarding.WindowsApps.WindowsAppsTileMedium" Revision="1" Stencil="System.Storyboarding.WindowsApps" StencilVersion="0.1"/>
-</Control>
-</file>
-
-<file path=customXml/item266.xml><?xml version="1.0" encoding="utf-8"?>
+<file path=customXml/item275.xml><?xml version="1.0" encoding="utf-8"?>
 <Control xmlns="http://schemas.microsoft.com/VisualStudio/2011/storyboarding/control">
   <Id Name="System.Storyboarding.Annotation.CallOut" Revision="1" Stencil="System.Storyboarding.Annotation" StencilVersion="0.1"/>
 </Control>
 </file>
 
-<file path=customXml/item267.xml><?xml version="1.0" encoding="utf-8"?>
-<Control xmlns="http://schemas.microsoft.com/VisualStudio/2011/storyboarding/control">
-  <Id Name="System.Storyboarding.Annotation.CallOut" Revision="1" Stencil="System.Storyboarding.Annotation" StencilVersion="0.1"/>
-</Control>
-</file>
-
-<file path=customXml/item268.xml><?xml version="1.0" encoding="utf-8"?>
-<Control xmlns="http://schemas.microsoft.com/VisualStudio/2011/storyboarding/control">
-  <Id Name="fd7d7bed-114e-464c-a4f1-01a512005949" Revision="1" Stencil="System.MyShapes" StencilVersion="1.0"/>
-</Control>
-</file>
-
-<file path=customXml/item269.xml><?xml version="1.0" encoding="utf-8"?>
-<Control xmlns="http://schemas.microsoft.com/VisualStudio/2011/storyboarding/control">
-  <Id Name="fd7d7bed-114e-464c-a4f1-01a512005949" Revision="1" Stencil="System.MyShapes" StencilVersion="1.0"/>
-</Control>
-</file>
-
-<file path=customXml/item27.xml><?xml version="1.0" encoding="utf-8"?>
-<Control xmlns="http://schemas.microsoft.com/VisualStudio/2011/storyboarding/control">
-  <Id Name="System.Storyboarding.WindowsApps.WindowsAppsTileMedium" Revision="1" Stencil="System.Storyboarding.WindowsApps" StencilVersion="0.1"/>
-</Control>
-</file>
-
-<file path=customXml/item270.xml><?xml version="1.0" encoding="utf-8"?>
-<Control xmlns="http://schemas.microsoft.com/VisualStudio/2011/storyboarding/control">
-  <Id Name="System.Storyboarding.Annotation.CallOut" Revision="1" Stencil="System.Storyboarding.Annotation" StencilVersion="0.1"/>
-</Control>
-</file>
-
-<file path=customXml/item271.xml><?xml version="1.0" encoding="utf-8"?>
-<Control xmlns="http://schemas.microsoft.com/VisualStudio/2011/storyboarding/control">
-  <Id Name="System.Storyboarding.WindowsApps.WindowsAppsButton" Revision="1" Stencil="System.Storyboarding.WindowsApps" StencilVersion="0.1"/>
-</Control>
-</file>
-
-<file path=customXml/item272.xml><?xml version="1.0" encoding="utf-8"?>
-<Control xmlns="http://schemas.microsoft.com/VisualStudio/2011/storyboarding/control">
-  <Id Name="System.Storyboarding.WindowsApps.WindowsAppsEditBox" Revision="1" Stencil="System.Storyboarding.WindowsApps" StencilVersion="0.1"/>
-</Control>
-</file>
-
-<file path=customXml/item273.xml><?xml version="1.0" encoding="utf-8"?>
-<Control xmlns="http://schemas.microsoft.com/VisualStudio/2011/storyboarding/control">
-  <Id Name="fd7d7bed-114e-464c-a4f1-01a512005949" Revision="1" Stencil="System.MyShapes" StencilVersion="1.0"/>
-</Control>
-</file>
-
-<file path=customXml/item274.xml><?xml version="1.0" encoding="utf-8"?>
-<Control xmlns="http://schemas.microsoft.com/VisualStudio/2011/storyboarding/control">
-  <Id Name="System.Storyboarding.Icons.Warning" Revision="1" Stencil="System.Storyboarding.Icons" StencilVersion="0.1"/>
-</Control>
-</file>
-
-<file path=customXml/item275.xml><?xml version="1.0" encoding="utf-8"?>
-<Control xmlns="http://schemas.microsoft.com/VisualStudio/2011/storyboarding/control">
-  <Id Name="fd7d7bed-114e-464c-a4f1-01a512005949" Revision="1" Stencil="System.MyShapes" StencilVersion="1.0"/>
-</Control>
-</file>
-
 <file path=customXml/item276.xml><?xml version="1.0" encoding="utf-8"?>
 <Control xmlns="http://schemas.microsoft.com/VisualStudio/2011/storyboarding/control">
-  <Id Name="System.Storyboarding.Annotation.CallOut" Revision="1" Stencil="System.Storyboarding.Annotation" StencilVersion="0.1"/>
+  <Id Name="System.Storyboarding.Common.CheckBoxUnchecked" Revision="1" Stencil="System.Storyboarding.Common" StencilVersion="0.1"/>
 </Control>
 </file>
 
 <file path=customXml/item277.xml><?xml version="1.0" encoding="utf-8"?>
 <Control xmlns="http://schemas.microsoft.com/VisualStudio/2011/storyboarding/control">
-  <Id Name="System.Storyboarding.WindowsApps.WindowsAppsButton" Revision="1" Stencil="System.Storyboarding.WindowsApps" StencilVersion="0.1"/>
+  <Id Name="System.Storyboarding.Backgrounds.WindowsPhone" Revision="1" Stencil="System.Storyboarding.Backgrounds" StencilVersion="0.1"/>
 </Control>
 </file>
 
@@ -27156,19 +27597,19 @@
 
 <file path=customXml/item279.xml><?xml version="1.0" encoding="utf-8"?>
 <Control xmlns="http://schemas.microsoft.com/VisualStudio/2011/storyboarding/control">
+  <Id Name="System.Storyboarding.Annotation.CallOut" Revision="1" Stencil="System.Storyboarding.Annotation" StencilVersion="0.1"/>
+</Control>
+</file>
+
+<file path=customXml/item28.xml><?xml version="1.0" encoding="utf-8"?>
+<Control xmlns="http://schemas.microsoft.com/VisualStudio/2011/storyboarding/control">
   <Id Name="System.Storyboarding.WindowsApps.WindowsAppsTileMedium" Revision="1" Stencil="System.Storyboarding.WindowsApps" StencilVersion="0.1"/>
 </Control>
 </file>
 
-<file path=customXml/item28.xml><?xml version="1.0" encoding="utf-8"?>
-<Control xmlns="http://schemas.microsoft.com/VisualStudio/2011/storyboarding/control">
-  <Id Name="System.Storyboarding.WindowsApps.WindowsAppsEditBox" Revision="1" Stencil="System.Storyboarding.WindowsApps" StencilVersion="0.1"/>
-</Control>
-</file>
-
 <file path=customXml/item280.xml><?xml version="1.0" encoding="utf-8"?>
 <Control xmlns="http://schemas.microsoft.com/VisualStudio/2011/storyboarding/control">
-  <Id Name="System.Storyboarding.WindowsApps.WindowsAppsEditBox" Revision="1" Stencil="System.Storyboarding.WindowsApps" StencilVersion="0.1"/>
+  <Id Name="fd7d7bed-114e-464c-a4f1-01a512005949" Revision="1" Stencil="System.MyShapes" StencilVersion="1.0"/>
 </Control>
 </file>
 
@@ -27180,19 +27621,19 @@
 
 <file path=customXml/item282.xml><?xml version="1.0" encoding="utf-8"?>
 <Control xmlns="http://schemas.microsoft.com/VisualStudio/2011/storyboarding/control">
-  <Id Name="System.Storyboarding.Annotation.AnimatedRectangleCallout" Revision="1" Stencil="System.Storyboarding.Annotation" StencilVersion="0.1"/>
+  <Id Name="fd7d7bed-114e-464c-a4f1-01a512005949" Revision="1" Stencil="System.MyShapes" StencilVersion="1.0"/>
 </Control>
 </file>
 
 <file path=customXml/item283.xml><?xml version="1.0" encoding="utf-8"?>
 <Control xmlns="http://schemas.microsoft.com/VisualStudio/2011/storyboarding/control">
-  <Id Name="32035d07-bc66-4a79-8001-2507012193e3" RevisionId="7f6cc906-8fab-4878-8f41-90bcdc4e860e" Stencil="172d6d98-e5c9-42e9-a209-79f7a94bbd38" StencilRevisionId="00000000-0000-0000-0000-000000000000" StencilVersion="0.0"/>
+  <Id Name="System.Storyboarding.WindowsApps.WindowsAppsButton" Revision="1" Stencil="System.Storyboarding.WindowsApps" StencilVersion="0.1"/>
 </Control>
 </file>
 
 <file path=customXml/item284.xml><?xml version="1.0" encoding="utf-8"?>
 <Control xmlns="http://schemas.microsoft.com/VisualStudio/2011/storyboarding/control">
-  <Id Name="System.Storyboarding.Annotation.CallOut" Revision="1" Stencil="System.Storyboarding.Annotation" StencilVersion="0.1"/>
+  <Id Name="System.Storyboarding.WindowsApps.WindowsAppsEditBox" Revision="1" Stencil="System.Storyboarding.WindowsApps" StencilVersion="0.1"/>
 </Control>
 </file>
 
@@ -27216,25 +27657,25 @@
 
 <file path=customXml/item288.xml><?xml version="1.0" encoding="utf-8"?>
 <Control xmlns="http://schemas.microsoft.com/VisualStudio/2011/storyboarding/control">
+  <Id Name="System.Storyboarding.WindowsApps.WindowsAppsTileMedium" Revision="1" Stencil="System.Storyboarding.WindowsApps" StencilVersion="0.1"/>
+</Control>
+</file>
+
+<file path=customXml/item289.xml><?xml version="1.0" encoding="utf-8"?>
+<Control xmlns="http://schemas.microsoft.com/VisualStudio/2011/storyboarding/control">
   <Id Name="System.Storyboarding.WindowsApps.WindowsAppsButton" Revision="1" Stencil="System.Storyboarding.WindowsApps" StencilVersion="0.1"/>
 </Control>
 </file>
 
-<file path=customXml/item289.xml><?xml version="1.0" encoding="utf-8"?>
-<Control xmlns="http://schemas.microsoft.com/VisualStudio/2011/storyboarding/control">
-  <Id Name="System.Storyboarding.WindowsApps.WindowsAppsEditBox" Revision="1" Stencil="System.Storyboarding.WindowsApps" StencilVersion="0.1"/>
-</Control>
-</file>
-
 <file path=customXml/item29.xml><?xml version="1.0" encoding="utf-8"?>
 <Control xmlns="http://schemas.microsoft.com/VisualStudio/2011/storyboarding/control">
-  <Id Name="System.Storyboarding.WindowsApps.WindowsAppsEditBox" Revision="1" Stencil="System.Storyboarding.WindowsApps" StencilVersion="0.1"/>
+  <Id Name="fd7d7bed-114e-464c-a4f1-01a512005949" Revision="1" Stencil="System.MyShapes" StencilVersion="1.0"/>
 </Control>
 </file>
 
 <file path=customXml/item290.xml><?xml version="1.0" encoding="utf-8"?>
 <Control xmlns="http://schemas.microsoft.com/VisualStudio/2011/storyboarding/control">
-  <Id Name="fd7d7bed-114e-464c-a4f1-01a512005949" Revision="1" Stencil="System.MyShapes" StencilVersion="1.0"/>
+  <Id Name="System.Storyboarding.WindowsApps.WindowsAppsTileMedium" Revision="1" Stencil="System.Storyboarding.WindowsApps" StencilVersion="0.1"/>
 </Control>
 </file>
 
@@ -27246,73 +27687,73 @@
 
 <file path=customXml/item292.xml><?xml version="1.0" encoding="utf-8"?>
 <Control xmlns="http://schemas.microsoft.com/VisualStudio/2011/storyboarding/control">
-  <Id Name="System.Storyboarding.WindowsApps.WindowsAppsTileMedium" Revision="1" Stencil="System.Storyboarding.WindowsApps" StencilVersion="0.1"/>
+  <Id Name="System.Storyboarding.WindowsApps.WindowsAppsButton" Revision="1" Stencil="System.Storyboarding.WindowsApps" StencilVersion="0.1"/>
 </Control>
 </file>
 
 <file path=customXml/item293.xml><?xml version="1.0" encoding="utf-8"?>
+<Control xmlns="http://schemas.microsoft.com/VisualStudio/2011/storyboarding/control">
+  <Id Name="fd7d7bed-114e-464c-a4f1-01a512005949" Revision="1" Stencil="System.MyShapes" StencilVersion="1.0"/>
+</Control>
+</file>
+
+<file path=customXml/item294.xml><?xml version="1.0" encoding="utf-8"?>
+<Control xmlns="http://schemas.microsoft.com/VisualStudio/2011/storyboarding/control">
+  <Id Name="System.Storyboarding.WindowsApps.WindowsAppsEditBox" Revision="1" Stencil="System.Storyboarding.WindowsApps" StencilVersion="0.1"/>
+</Control>
+</file>
+
+<file path=customXml/item295.xml><?xml version="1.0" encoding="utf-8"?>
 <Control xmlns="http://schemas.microsoft.com/VisualStudio/2011/storyboarding/control">
   <Id Name="System.Storyboarding.WindowsApps.WindowsAppsTileMedium" Revision="1" Stencil="System.Storyboarding.WindowsApps" StencilVersion="0.1"/>
 </Control>
 </file>
 
-<file path=customXml/item294.xml><?xml version="1.0" encoding="utf-8"?>
+<file path=customXml/item296.xml><?xml version="1.0" encoding="utf-8"?>
+<Control xmlns="http://schemas.microsoft.com/VisualStudio/2011/storyboarding/control">
+  <Id Name="System.Storyboarding.Common.CheckBoxUnchecked" Revision="1" Stencil="System.Storyboarding.Common" StencilVersion="0.1"/>
+</Control>
+</file>
+
+<file path=customXml/item297.xml><?xml version="1.0" encoding="utf-8"?>
+<Control xmlns="http://schemas.microsoft.com/VisualStudio/2011/storyboarding/control">
+  <Id Name="System.Storyboarding.Common.CheckBoxUnchecked" Revision="1" Stencil="System.Storyboarding.Common" StencilVersion="0.1"/>
+</Control>
+</file>
+
+<file path=customXml/item298.xml><?xml version="1.0" encoding="utf-8"?>
+<Control xmlns="http://schemas.microsoft.com/VisualStudio/2011/storyboarding/control">
+  <Id Name="System.Storyboarding.Annotation.CallOut" Revision="1" Stencil="System.Storyboarding.Annotation" StencilVersion="0.1"/>
+</Control>
+</file>
+
+<file path=customXml/item299.xml><?xml version="1.0" encoding="utf-8"?>
+<Control xmlns="http://schemas.microsoft.com/VisualStudio/2011/storyboarding/control">
+  <Id Name="System.Storyboarding.Annotation.CallOut" Revision="1" Stencil="System.Storyboarding.Annotation" StencilVersion="0.1"/>
+</Control>
+</file>
+
+<file path=customXml/item3.xml><?xml version="1.0" encoding="utf-8"?>
+<Control xmlns="http://schemas.microsoft.com/VisualStudio/2011/storyboarding/control">
+  <Id Name="System.Storyboarding.Icons.CurvedArrow" Revision="1" Stencil="System.Storyboarding.Icons" StencilVersion="0.1"/>
+</Control>
+</file>
+
+<file path=customXml/item30.xml><?xml version="1.0" encoding="utf-8"?>
+<Control xmlns="http://schemas.microsoft.com/VisualStudio/2011/storyboarding/control">
+  <Id Name="fd7d7bed-114e-464c-a4f1-01a512005949" Revision="1" Stencil="System.MyShapes" StencilVersion="1.0"/>
+</Control>
+</file>
+
+<file path=customXml/item300.xml><?xml version="1.0" encoding="utf-8"?>
 <Control xmlns="http://schemas.microsoft.com/VisualStudio/2011/storyboarding/control">
   <Id Name="System.Storyboarding.WindowsApps.WindowsAppsTileMedium" Revision="1" Stencil="System.Storyboarding.WindowsApps" StencilVersion="0.1"/>
 </Control>
 </file>
 
-<file path=customXml/item295.xml><?xml version="1.0" encoding="utf-8"?>
+<file path=customXml/item301.xml><?xml version="1.0" encoding="utf-8"?>
 <Control xmlns="http://schemas.microsoft.com/VisualStudio/2011/storyboarding/control">
   <Id Name="fd7d7bed-114e-464c-a4f1-01a512005949" Revision="1" Stencil="System.MyShapes" StencilVersion="1.0"/>
-</Control>
-</file>
-
-<file path=customXml/item296.xml><?xml version="1.0" encoding="utf-8"?>
-<Control xmlns="http://schemas.microsoft.com/VisualStudio/2011/storyboarding/control">
-  <Id Name="System.Storyboarding.WindowsApps.WindowsAppsTileMedium" Revision="1" Stencil="System.Storyboarding.WindowsApps" StencilVersion="0.1"/>
-</Control>
-</file>
-
-<file path=customXml/item297.xml><?xml version="1.0" encoding="utf-8"?>
-<Control xmlns="http://schemas.microsoft.com/VisualStudio/2011/storyboarding/control">
-  <Id Name="System.Storyboarding.Common.CheckBoxChecked" Revision="1" Stencil="System.Storyboarding.Common" StencilVersion="0.1"/>
-</Control>
-</file>
-
-<file path=customXml/item298.xml><?xml version="1.0" encoding="utf-8"?>
-<Control xmlns="http://schemas.microsoft.com/VisualStudio/2011/storyboarding/control">
-  <Id Name="fd7d7bed-114e-464c-a4f1-01a512005949" Revision="1" Stencil="System.MyShapes" StencilVersion="1.0"/>
-</Control>
-</file>
-
-<file path=customXml/item299.xml><?xml version="1.0" encoding="utf-8"?>
-<Control xmlns="http://schemas.microsoft.com/VisualStudio/2011/storyboarding/control">
-  <Id Name="System.Storyboarding.WindowsApps.WindowsAppsTileMedium" Revision="1" Stencil="System.Storyboarding.WindowsApps" StencilVersion="0.1"/>
-</Control>
-</file>
-
-<file path=customXml/item3.xml><?xml version="1.0" encoding="utf-8"?>
-<Control xmlns="http://schemas.microsoft.com/VisualStudio/2011/storyboarding/control">
-  <Id Name="System.Storyboarding.WindowsApps.WindowsAppsTileMedium" Revision="1" Stencil="System.Storyboarding.WindowsApps" StencilVersion="0.1"/>
-</Control>
-</file>
-
-<file path=customXml/item30.xml><?xml version="1.0" encoding="utf-8"?>
-<Control xmlns="http://schemas.microsoft.com/VisualStudio/2011/storyboarding/control">
-  <Id Name="System.Storyboarding.Annotation.CallOut" Revision="1" Stencil="System.Storyboarding.Annotation" StencilVersion="0.1"/>
-</Control>
-</file>
-
-<file path=customXml/item300.xml><?xml version="1.0" encoding="utf-8"?>
-<Control xmlns="http://schemas.microsoft.com/VisualStudio/2011/storyboarding/control">
-  <Id Name="System.Storyboarding.WindowsApps.WindowsAppsEditBox" Revision="1" Stencil="System.Storyboarding.WindowsApps" StencilVersion="0.1"/>
-</Control>
-</file>
-
-<file path=customXml/item301.xml><?xml version="1.0" encoding="utf-8"?>
-<Control xmlns="http://schemas.microsoft.com/VisualStudio/2011/storyboarding/control">
-  <Id Name="System.Storyboarding.Annotation.CallOut" Revision="1" Stencil="System.Storyboarding.Annotation" StencilVersion="0.1"/>
 </Control>
 </file>
 
@@ -27324,19 +27765,31 @@
 
 <file path=customXml/item303.xml><?xml version="1.0" encoding="utf-8"?>
 <Control xmlns="http://schemas.microsoft.com/VisualStudio/2011/storyboarding/control">
-  <Id Name="System.Storyboarding.WindowsApps.WindowsAppsTileMedium" Revision="1" Stencil="System.Storyboarding.WindowsApps" StencilVersion="0.1"/>
+  <Id Name="System.Storyboarding.WindowsApps.WindowsAppsButton" Revision="1" Stencil="System.Storyboarding.WindowsApps" StencilVersion="0.1"/>
 </Control>
 </file>
 
 <file path=customXml/item304.xml><?xml version="1.0" encoding="utf-8"?>
 <Control xmlns="http://schemas.microsoft.com/VisualStudio/2011/storyboarding/control">
-  <Id Name="System.Storyboarding.WindowsApps.WindowsAppsTileMedium" Revision="1" Stencil="System.Storyboarding.WindowsApps" StencilVersion="0.1"/>
+  <Id Name="fd7d7bed-114e-464c-a4f1-01a512005949" Revision="1" Stencil="System.MyShapes" StencilVersion="1.0"/>
+</Control>
+</file>
+
+<file path=customXml/item305.xml><?xml version="1.0" encoding="utf-8"?>
+<Control xmlns="http://schemas.microsoft.com/VisualStudio/2011/storyboarding/control">
+  <Id Name="System.Storyboarding.WindowsDesktop.AlertDialog" Revision="1" Stencil="System.Storyboarding.WindowsDesktop" StencilVersion="0.1"/>
+</Control>
+</file>
+
+<file path=customXml/item306.xml><?xml version="1.0" encoding="utf-8"?>
+<Control xmlns="http://schemas.microsoft.com/VisualStudio/2011/storyboarding/control">
+  <Id Name="System.Storyboarding.WindowsDesktop.AlertDialog" Revision="1" Stencil="System.Storyboarding.WindowsDesktop" StencilVersion="0.1"/>
 </Control>
 </file>
 
 <file path=customXml/item31.xml><?xml version="1.0" encoding="utf-8"?>
 <Control xmlns="http://schemas.microsoft.com/VisualStudio/2011/storyboarding/control">
-  <Id Name="System.Storyboarding.WindowsAppIcons.Donotwant" Revision="1" Stencil="System.Storyboarding.WindowsAppIcons" StencilVersion="0.1"/>
+  <Id Name="fd7d7bed-114e-464c-a4f1-01a512005949" Revision="1" Stencil="System.MyShapes" StencilVersion="1.0"/>
 </Control>
 </file>
 
@@ -27360,61 +27813,61 @@
 
 <file path=customXml/item35.xml><?xml version="1.0" encoding="utf-8"?>
 <Control xmlns="http://schemas.microsoft.com/VisualStudio/2011/storyboarding/control">
-  <Id Name="System.Storyboarding.WindowsApps.WindowsAppsButton" Revision="1" Stencil="System.Storyboarding.WindowsApps" StencilVersion="0.1"/>
+  <Id Name="fd7d7bed-114e-464c-a4f1-01a512005949" Revision="1" Stencil="System.MyShapes" StencilVersion="1.0"/>
 </Control>
 </file>
 
 <file path=customXml/item36.xml><?xml version="1.0" encoding="utf-8"?>
-<Control xmlns="http://schemas.microsoft.com/VisualStudio/2011/storyboarding/control">
-  <Id Name="System.Storyboarding.WindowsApps.WindowsAppsEditBox" Revision="1" Stencil="System.Storyboarding.WindowsApps" StencilVersion="0.1"/>
-</Control>
-</file>
-
-<file path=customXml/item37.xml><?xml version="1.0" encoding="utf-8"?>
-<Control xmlns="http://schemas.microsoft.com/VisualStudio/2011/storyboarding/control">
-  <Id Name="System.Storyboarding.WindowsApps.WindowsAppsEditBox" Revision="1" Stencil="System.Storyboarding.WindowsApps" StencilVersion="0.1"/>
-</Control>
-</file>
-
-<file path=customXml/item38.xml><?xml version="1.0" encoding="utf-8"?>
 <Control xmlns="http://schemas.microsoft.com/VisualStudio/2011/storyboarding/control">
   <Id Name="System.Storyboarding.WindowsApps.WindowsAppsButton" Revision="1" Stencil="System.Storyboarding.WindowsApps" StencilVersion="0.1"/>
 </Control>
 </file>
 
+<file path=customXml/item37.xml><?xml version="1.0" encoding="utf-8"?>
+<Control xmlns="http://schemas.microsoft.com/VisualStudio/2011/storyboarding/control">
+  <Id Name="System.Storyboarding.Annotation.CallOut" Revision="1" Stencil="System.Storyboarding.Annotation" StencilVersion="0.1"/>
+</Control>
+</file>
+
+<file path=customXml/item38.xml><?xml version="1.0" encoding="utf-8"?>
+<Control xmlns="http://schemas.microsoft.com/VisualStudio/2011/storyboarding/control">
+  <Id Name="System.Storyboarding.Annotation.StickyNote" Revision="1" Stencil="System.Storyboarding.Annotation" StencilVersion="0.1"/>
+</Control>
+</file>
+
 <file path=customXml/item39.xml><?xml version="1.0" encoding="utf-8"?>
-<Control xmlns="http://schemas.microsoft.com/VisualStudio/2011/storyboarding/control">
-  <Id Name="System.Storyboarding.WindowsApps.WindowsAppsButton" Revision="1" Stencil="System.Storyboarding.WindowsApps" StencilVersion="0.1"/>
-</Control>
-</file>
-
-<file path=customXml/item4.xml><?xml version="1.0" encoding="utf-8"?>
-<Control xmlns="http://schemas.microsoft.com/VisualStudio/2011/storyboarding/control">
-  <Id Name="fd7d7bed-114e-464c-a4f1-01a512005949" Revision="1" Stencil="System.MyShapes" StencilVersion="1.0"/>
-</Control>
-</file>
-
-<file path=customXml/item40.xml><?xml version="1.0" encoding="utf-8"?>
 <Control xmlns="http://schemas.microsoft.com/VisualStudio/2011/storyboarding/control">
   <Id Name="System.Storyboarding.WindowsApps.WindowsAppsTileMedium" Revision="1" Stencil="System.Storyboarding.WindowsApps" StencilVersion="0.1"/>
 </Control>
 </file>
 
+<file path=customXml/item4.xml><?xml version="1.0" encoding="utf-8"?>
+<Control xmlns="http://schemas.microsoft.com/VisualStudio/2011/storyboarding/control">
+  <Id Name="System.Storyboarding.WindowsApps.WindowsAppsTileMedium" Revision="1" Stencil="System.Storyboarding.WindowsApps" StencilVersion="0.1"/>
+</Control>
+</file>
+
+<file path=customXml/item40.xml><?xml version="1.0" encoding="utf-8"?>
+<Control xmlns="http://schemas.microsoft.com/VisualStudio/2011/storyboarding/control">
+  <Id Name="System.Storyboarding.WindowsAppIcons.Plus" Revision="1" Stencil="System.Storyboarding.WindowsAppIcons" StencilVersion="0.1"/>
+</Control>
+</file>
+
 <file path=customXml/item41.xml><?xml version="1.0" encoding="utf-8"?>
 <Control xmlns="http://schemas.microsoft.com/VisualStudio/2011/storyboarding/control">
-  <Id Name="System.Storyboarding.WindowsApps.WindowsAppsEditBox" Revision="1" Stencil="System.Storyboarding.WindowsApps" StencilVersion="0.1"/>
+  <Id Name="System.Storyboarding.Annotation.CallOut" Revision="1" Stencil="System.Storyboarding.Annotation" StencilVersion="0.1"/>
 </Control>
 </file>
 
 <file path=customXml/item42.xml><?xml version="1.0" encoding="utf-8"?>
 <Control xmlns="http://schemas.microsoft.com/VisualStudio/2011/storyboarding/control">
-  <Id Name="System.Storyboarding.WindowsApps.WindowsAppsButton" Revision="1" Stencil="System.Storyboarding.WindowsApps" StencilVersion="0.1"/>
+  <Id Name="System.Storyboarding.WindowsApps.WindowsAppsTileMedium" Revision="1" Stencil="System.Storyboarding.WindowsApps" StencilVersion="0.1"/>
 </Control>
 </file>
 
 <file path=customXml/item43.xml><?xml version="1.0" encoding="utf-8"?>
 <Control xmlns="http://schemas.microsoft.com/VisualStudio/2011/storyboarding/control">
-  <Id Name="32035d07-bc66-4a79-8001-2507012193e3" RevisionId="7f6cc906-8fab-4878-8f41-90bcdc4e860e" Stencil="172d6d98-e5c9-42e9-a209-79f7a94bbd38" StencilRevisionId="00000000-0000-0000-0000-000000000000" StencilVersion="0.0"/>
+  <Id Name="System.Storyboarding.Annotation.StickyNote" Revision="1" Stencil="System.Storyboarding.Annotation" StencilVersion="0.1"/>
 </Control>
 </file>
 
@@ -27426,7 +27879,7 @@
 
 <file path=customXml/item45.xml><?xml version="1.0" encoding="utf-8"?>
 <Control xmlns="http://schemas.microsoft.com/VisualStudio/2011/storyboarding/control">
-  <Id Name="System.Storyboarding.Annotation.CallOut" Revision="1" Stencil="System.Storyboarding.Annotation" StencilVersion="0.1"/>
+  <Id Name="System.Storyboarding.Annotation.AnimatedRectangleCallout" Revision="1" Stencil="System.Storyboarding.Annotation" StencilVersion="0.1"/>
 </Control>
 </file>
 
@@ -27438,13 +27891,13 @@
 
 <file path=customXml/item47.xml><?xml version="1.0" encoding="utf-8"?>
 <Control xmlns="http://schemas.microsoft.com/VisualStudio/2011/storyboarding/control">
-  <Id Name="fd7d7bed-114e-464c-a4f1-01a512005949" Revision="1" Stencil="System.MyShapes" StencilVersion="1.0"/>
+  <Id Name="System.Storyboarding.WindowsApps.WindowsAppsButton" Revision="1" Stencil="System.Storyboarding.WindowsApps" StencilVersion="0.1"/>
 </Control>
 </file>
 
 <file path=customXml/item48.xml><?xml version="1.0" encoding="utf-8"?>
 <Control xmlns="http://schemas.microsoft.com/VisualStudio/2011/storyboarding/control">
-  <Id Name="System.Storyboarding.Annotation.CallOut" Revision="1" Stencil="System.Storyboarding.Annotation" StencilVersion="0.1"/>
+  <Id Name="System.Storyboarding.WindowsApps.WindowsAppsTileMedium" Revision="1" Stencil="System.Storyboarding.WindowsApps" StencilVersion="0.1"/>
 </Control>
 </file>
 
@@ -27456,49 +27909,49 @@
 
 <file path=customXml/item5.xml><?xml version="1.0" encoding="utf-8"?>
 <Control xmlns="http://schemas.microsoft.com/VisualStudio/2011/storyboarding/control">
-  <Id Name="fd7d7bed-114e-464c-a4f1-01a512005949" Revision="1" Stencil="System.MyShapes" StencilVersion="1.0"/>
+  <Id Name="32035d07-bc66-4a79-8001-2507012193e3" RevisionId="7f6cc906-8fab-4878-8f41-90bcdc4e860e" Stencil="172d6d98-e5c9-42e9-a209-79f7a94bbd38" StencilRevisionId="00000000-0000-0000-0000-000000000000" StencilVersion="0.0"/>
 </Control>
 </file>
 
 <file path=customXml/item50.xml><?xml version="1.0" encoding="utf-8"?>
 <Control xmlns="http://schemas.microsoft.com/VisualStudio/2011/storyboarding/control">
-  <Id Name="System.Storyboarding.WindowsApps.WindowsAppsEditBox" Revision="1" Stencil="System.Storyboarding.WindowsApps" StencilVersion="0.1"/>
+  <Id Name="System.Storyboarding.Annotation.CallOut" Revision="1" Stencil="System.Storyboarding.Annotation" StencilVersion="0.1"/>
 </Control>
 </file>
 
 <file path=customXml/item51.xml><?xml version="1.0" encoding="utf-8"?>
 <Control xmlns="http://schemas.microsoft.com/VisualStudio/2011/storyboarding/control">
-  <Id Name="f7a94b64-51d6-472a-8bb4-f2cc047935d1" RevisionId="4b37df06-a36b-4383-9074-55517f1335fc" Stencil="172d6d98-e5c9-42e9-a209-79f7a94bbd38" StencilRevisionId="00000000-0000-0000-0000-000000000000" StencilVersion="0.0"/>
+  <Id Name="System.Storyboarding.WindowsApps.WindowsAppsTileMedium" Revision="1" Stencil="System.Storyboarding.WindowsApps" StencilVersion="0.1"/>
 </Control>
 </file>
 
 <file path=customXml/item52.xml><?xml version="1.0" encoding="utf-8"?>
 <Control xmlns="http://schemas.microsoft.com/VisualStudio/2011/storyboarding/control">
-  <Id Name="System.Storyboarding.WindowsApps.WindowsAppsEditBox" Revision="1" Stencil="System.Storyboarding.WindowsApps" StencilVersion="0.1"/>
+  <Id Name="System.Storyboarding.WindowsApps.WindowsAppsTileMedium" Revision="1" Stencil="System.Storyboarding.WindowsApps" StencilVersion="0.1"/>
 </Control>
 </file>
 
 <file path=customXml/item53.xml><?xml version="1.0" encoding="utf-8"?>
+<Control xmlns="http://schemas.microsoft.com/VisualStudio/2011/storyboarding/control">
+  <Id Name="System.Storyboarding.WindowsApps.WindowsAppsButton" Revision="1" Stencil="System.Storyboarding.WindowsApps" StencilVersion="0.1"/>
+</Control>
+</file>
+
+<file path=customXml/item54.xml><?xml version="1.0" encoding="utf-8"?>
+<Control xmlns="http://schemas.microsoft.com/VisualStudio/2011/storyboarding/control">
+  <Id Name="System.Storyboarding.WindowsApps.WindowsAppsTileMedium" Revision="1" Stencil="System.Storyboarding.WindowsApps" StencilVersion="0.1"/>
+</Control>
+</file>
+
+<file path=customXml/item55.xml><?xml version="1.0" encoding="utf-8"?>
 <Control xmlns="http://schemas.microsoft.com/VisualStudio/2011/storyboarding/control">
   <Id Name="fd7d7bed-114e-464c-a4f1-01a512005949" Revision="1" Stencil="System.MyShapes" StencilVersion="1.0"/>
 </Control>
 </file>
 
-<file path=customXml/item54.xml><?xml version="1.0" encoding="utf-8"?>
+<file path=customXml/item56.xml><?xml version="1.0" encoding="utf-8"?>
 <Control xmlns="http://schemas.microsoft.com/VisualStudio/2011/storyboarding/control">
   <Id Name="System.Storyboarding.WindowsApps.WindowsAppsButton" Revision="1" Stencil="System.Storyboarding.WindowsApps" StencilVersion="0.1"/>
-</Control>
-</file>
-
-<file path=customXml/item55.xml><?xml version="1.0" encoding="utf-8"?>
-<Control xmlns="http://schemas.microsoft.com/VisualStudio/2011/storyboarding/control">
-  <Id Name="System.Storyboarding.WindowsApps.WindowsAppsButton" Revision="1" Stencil="System.Storyboarding.WindowsApps" StencilVersion="0.1"/>
-</Control>
-</file>
-
-<file path=customXml/item56.xml><?xml version="1.0" encoding="utf-8"?>
-<Control xmlns="http://schemas.microsoft.com/VisualStudio/2011/storyboarding/control">
-  <Id Name="System.Storyboarding.WindowsApps.WindowsAppsTileMedium" Revision="1" Stencil="System.Storyboarding.WindowsApps" StencilVersion="0.1"/>
 </Control>
 </file>
 
@@ -27510,25 +27963,25 @@
 
 <file path=customXml/item58.xml><?xml version="1.0" encoding="utf-8"?>
 <Control xmlns="http://schemas.microsoft.com/VisualStudio/2011/storyboarding/control">
-  <Id Name="System.Storyboarding.WindowsApps.WindowsAppsTileMedium" Revision="1" Stencil="System.Storyboarding.WindowsApps" StencilVersion="0.1"/>
+  <Id Name="System.Storyboarding.WindowsApps.WindowsAppsEditBox" Revision="1" Stencil="System.Storyboarding.WindowsApps" StencilVersion="0.1"/>
 </Control>
 </file>
 
 <file path=customXml/item59.xml><?xml version="1.0" encoding="utf-8"?>
 <Control xmlns="http://schemas.microsoft.com/VisualStudio/2011/storyboarding/control">
-  <Id Name="System.Storyboarding.WindowsApps.WindowsAppsTileMedium" Revision="1" Stencil="System.Storyboarding.WindowsApps" StencilVersion="0.1"/>
+  <Id Name="System.Storyboarding.Annotation.CallOut" Revision="1" Stencil="System.Storyboarding.Annotation" StencilVersion="0.1"/>
 </Control>
 </file>
 
 <file path=customXml/item6.xml><?xml version="1.0" encoding="utf-8"?>
 <Control xmlns="http://schemas.microsoft.com/VisualStudio/2011/storyboarding/control">
-  <Id Name="System.Storyboarding.WindowsApps.WindowsAppsTileMedium" Revision="1" Stencil="System.Storyboarding.WindowsApps" StencilVersion="0.1"/>
+  <Id Name="System.Storyboarding.WindowsAppIcons.Like" Revision="1" Stencil="System.Storyboarding.WindowsAppIcons" StencilVersion="0.1"/>
 </Control>
 </file>
 
 <file path=customXml/item60.xml><?xml version="1.0" encoding="utf-8"?>
 <Control xmlns="http://schemas.microsoft.com/VisualStudio/2011/storyboarding/control">
-  <Id Name="fd7d7bed-114e-464c-a4f1-01a512005949" Revision="1" Stencil="System.MyShapes" StencilVersion="1.0"/>
+  <Id Name="System.Storyboarding.WindowsApps.WindowsAppsTileMedium" Revision="1" Stencil="System.Storyboarding.WindowsApps" StencilVersion="0.1"/>
 </Control>
 </file>
 
@@ -27540,79 +27993,79 @@
 
 <file path=customXml/item62.xml><?xml version="1.0" encoding="utf-8"?>
 <Control xmlns="http://schemas.microsoft.com/VisualStudio/2011/storyboarding/control">
+  <Id Name="System.Storyboarding.WindowsAppIcons.Save" Revision="1" Stencil="System.Storyboarding.WindowsAppIcons" StencilVersion="0.1"/>
+</Control>
+</file>
+
+<file path=customXml/item63.xml><?xml version="1.0" encoding="utf-8"?>
+<Control xmlns="http://schemas.microsoft.com/VisualStudio/2011/storyboarding/control">
+  <Id Name="System.Storyboarding.WindowsApps.WindowsAppsButton" Revision="1" Stencil="System.Storyboarding.WindowsApps" StencilVersion="0.1"/>
+</Control>
+</file>
+
+<file path=customXml/item64.xml><?xml version="1.0" encoding="utf-8"?>
+<Control xmlns="http://schemas.microsoft.com/VisualStudio/2011/storyboarding/control">
+  <Id Name="System.Storyboarding.WindowsApps.WindowsAppsTileMedium" Revision="1" Stencil="System.Storyboarding.WindowsApps" StencilVersion="0.1"/>
+</Control>
+</file>
+
+<file path=customXml/item65.xml><?xml version="1.0" encoding="utf-8"?>
+<Control xmlns="http://schemas.microsoft.com/VisualStudio/2011/storyboarding/control">
+  <Id Name="System.Storyboarding.WindowsApps.WindowsAppsTileMedium" Revision="1" Stencil="System.Storyboarding.WindowsApps" StencilVersion="0.1"/>
+</Control>
+</file>
+
+<file path=customXml/item66.xml><?xml version="1.0" encoding="utf-8"?>
+<Control xmlns="http://schemas.microsoft.com/VisualStudio/2011/storyboarding/control">
   <Id Name="System.Storyboarding.Annotation.CallOut" Revision="1" Stencil="System.Storyboarding.Annotation" StencilVersion="0.1"/>
 </Control>
 </file>
 
-<file path=customXml/item63.xml><?xml version="1.0" encoding="utf-8"?>
+<file path=customXml/item67.xml><?xml version="1.0" encoding="utf-8"?>
 <Control xmlns="http://schemas.microsoft.com/VisualStudio/2011/storyboarding/control">
-  <Id Name="System.Storyboarding.Common.CheckBoxUnchecked" Revision="1" Stencil="System.Storyboarding.Common" StencilVersion="0.1"/>
+  <Id Name="System.Storyboarding.Annotation.AnimatedRectangleCallout" Revision="1" Stencil="System.Storyboarding.Annotation" StencilVersion="0.1"/>
 </Control>
 </file>
 
-<file path=customXml/item64.xml><?xml version="1.0" encoding="utf-8"?>
+<file path=customXml/item68.xml><?xml version="1.0" encoding="utf-8"?>
 <Control xmlns="http://schemas.microsoft.com/VisualStudio/2011/storyboarding/control">
-  <Id Name="System.Storyboarding.Backgrounds.WindowsPhone" Revision="1" Stencil="System.Storyboarding.Backgrounds" StencilVersion="0.1"/>
+  <Id Name="System.Storyboarding.Annotation.StickyNote" Revision="1" Stencil="System.Storyboarding.Annotation" StencilVersion="0.1"/>
 </Control>
 </file>
 
-<file path=customXml/item65.xml><?xml version="1.0" encoding="utf-8"?>
+<file path=customXml/item69.xml><?xml version="1.0" encoding="utf-8"?>
+<Control xmlns="http://schemas.microsoft.com/VisualStudio/2011/storyboarding/control">
+  <Id Name="System.Storyboarding.Annotation.CallOut" Revision="1" Stencil="System.Storyboarding.Annotation" StencilVersion="0.1"/>
+</Control>
+</file>
+
+<file path=customXml/item7.xml><?xml version="1.0" encoding="utf-8"?>
 <Control xmlns="http://schemas.microsoft.com/VisualStudio/2011/storyboarding/control">
   <Id Name="fd7d7bed-114e-464c-a4f1-01a512005949" Revision="1" Stencil="System.MyShapes" StencilVersion="1.0"/>
 </Control>
 </file>
 
-<file path=customXml/item66.xml><?xml version="1.0" encoding="utf-8"?>
+<file path=customXml/item70.xml><?xml version="1.0" encoding="utf-8"?>
+<Control xmlns="http://schemas.microsoft.com/VisualStudio/2011/storyboarding/control">
+  <Id Name="fd7d7bed-114e-464c-a4f1-01a512005949" Revision="1" Stencil="System.MyShapes" StencilVersion="1.0"/>
+</Control>
+</file>
+
+<file path=customXml/item71.xml><?xml version="1.0" encoding="utf-8"?>
 <Control xmlns="http://schemas.microsoft.com/VisualStudio/2011/storyboarding/control">
   <Id Name="System.Storyboarding.WindowsApps.WindowsAppsTileMedium" Revision="1" Stencil="System.Storyboarding.WindowsApps" StencilVersion="0.1"/>
 </Control>
 </file>
 
-<file path=customXml/item67.xml><?xml version="1.0" encoding="utf-8"?>
+<file path=customXml/item72.xml><?xml version="1.0" encoding="utf-8"?>
+<Control xmlns="http://schemas.microsoft.com/VisualStudio/2011/storyboarding/control">
+  <Id Name="System.Storyboarding.WindowsApps.WindowsAppsEditBox" Revision="1" Stencil="System.Storyboarding.WindowsApps" StencilVersion="0.1"/>
+</Control>
+</file>
+
+<file path=customXml/item73.xml><?xml version="1.0" encoding="utf-8"?>
 <Control xmlns="http://schemas.microsoft.com/VisualStudio/2011/storyboarding/control">
   <Id Name="System.Storyboarding.Annotation.CallOut" Revision="1" Stencil="System.Storyboarding.Annotation" StencilVersion="0.1"/>
-</Control>
-</file>
-
-<file path=customXml/item68.xml><?xml version="1.0" encoding="utf-8"?>
-<Control xmlns="http://schemas.microsoft.com/VisualStudio/2011/storyboarding/control">
-  <Id Name="System.Storyboarding.WindowsApps.WindowsAppsButton" Revision="1" Stencil="System.Storyboarding.WindowsApps" StencilVersion="0.1"/>
-</Control>
-</file>
-
-<file path=customXml/item69.xml><?xml version="1.0" encoding="utf-8"?>
-<Control xmlns="http://schemas.microsoft.com/VisualStudio/2011/storyboarding/control">
-  <Id Name="System.Storyboarding.WindowsApps.WindowsAppsTileMedium" Revision="1" Stencil="System.Storyboarding.WindowsApps" StencilVersion="0.1"/>
-</Control>
-</file>
-
-<file path=customXml/item7.xml><?xml version="1.0" encoding="utf-8"?>
-<Control xmlns="http://schemas.microsoft.com/VisualStudio/2011/storyboarding/control">
-  <Id Name="System.Storyboarding.Annotation.CallOut" Revision="1" Stencil="System.Storyboarding.Annotation" StencilVersion="0.1"/>
-</Control>
-</file>
-
-<file path=customXml/item70.xml><?xml version="1.0" encoding="utf-8"?>
-<Control xmlns="http://schemas.microsoft.com/VisualStudio/2011/storyboarding/control">
-  <Id Name="System.Storyboarding.Icons.CurvedArrow" Revision="1" Stencil="System.Storyboarding.Icons" StencilVersion="0.1"/>
-</Control>
-</file>
-
-<file path=customXml/item71.xml><?xml version="1.0" encoding="utf-8"?>
-<Control xmlns="http://schemas.microsoft.com/VisualStudio/2011/storyboarding/control">
-  <Id Name="System.Storyboarding.Annotation.CallOut" Revision="1" Stencil="System.Storyboarding.Annotation" StencilVersion="0.1"/>
-</Control>
-</file>
-
-<file path=customXml/item72.xml><?xml version="1.0" encoding="utf-8"?>
-<Control xmlns="http://schemas.microsoft.com/VisualStudio/2011/storyboarding/control">
-  <Id Name="System.Storyboarding.Common.CheckBoxUnchecked" Revision="1" Stencil="System.Storyboarding.Common" StencilVersion="0.1"/>
-</Control>
-</file>
-
-<file path=customXml/item73.xml><?xml version="1.0" encoding="utf-8"?>
-<Control xmlns="http://schemas.microsoft.com/VisualStudio/2011/storyboarding/control">
-  <Id Name="System.Storyboarding.WindowsAppIcons.Plus" Revision="1" Stencil="System.Storyboarding.WindowsAppIcons" StencilVersion="0.1"/>
 </Control>
 </file>
 
@@ -27630,7 +28083,7 @@
 
 <file path=customXml/item76.xml><?xml version="1.0" encoding="utf-8"?>
 <Control xmlns="http://schemas.microsoft.com/VisualStudio/2011/storyboarding/control">
-  <Id Name="System.Storyboarding.Annotation.CallOut" Revision="1" Stencil="System.Storyboarding.Annotation" StencilVersion="0.1"/>
+  <Id Name="System.Storyboarding.WindowsApps.WindowsAppsTileMedium" Revision="1" Stencil="System.Storyboarding.WindowsApps" StencilVersion="0.1"/>
 </Control>
 </file>
 
@@ -27642,55 +28095,55 @@
 
 <file path=customXml/item78.xml><?xml version="1.0" encoding="utf-8"?>
 <Control xmlns="http://schemas.microsoft.com/VisualStudio/2011/storyboarding/control">
+  <Id Name="fd7d7bed-114e-464c-a4f1-01a512005949" Revision="1" Stencil="System.MyShapes" StencilVersion="1.0"/>
+</Control>
+</file>
+
+<file path=customXml/item79.xml><?xml version="1.0" encoding="utf-8"?>
+<Control xmlns="http://schemas.microsoft.com/VisualStudio/2011/storyboarding/control">
   <Id Name="System.Storyboarding.Annotation.CallOut" Revision="1" Stencil="System.Storyboarding.Annotation" StencilVersion="0.1"/>
 </Control>
 </file>
 
-<file path=customXml/item79.xml><?xml version="1.0" encoding="utf-8"?>
+<file path=customXml/item8.xml><?xml version="1.0" encoding="utf-8"?>
 <Control xmlns="http://schemas.microsoft.com/VisualStudio/2011/storyboarding/control">
   <Id Name="System.Storyboarding.WindowsApps.WindowsAppsTileMedium" Revision="1" Stencil="System.Storyboarding.WindowsApps" StencilVersion="0.1"/>
 </Control>
 </file>
 
-<file path=customXml/item8.xml><?xml version="1.0" encoding="utf-8"?>
-<Control xmlns="http://schemas.microsoft.com/VisualStudio/2011/storyboarding/control">
-  <Id Name="System.Storyboarding.Annotation.StickyNote" Revision="1" Stencil="System.Storyboarding.Annotation" StencilVersion="0.1"/>
-</Control>
-</file>
-
 <file path=customXml/item80.xml><?xml version="1.0" encoding="utf-8"?>
 <Control xmlns="http://schemas.microsoft.com/VisualStudio/2011/storyboarding/control">
-  <Id Name="System.Storyboarding.Annotation.CallOut" Revision="1" Stencil="System.Storyboarding.Annotation" StencilVersion="0.1"/>
+  <Id Name="System.Storyboarding.WindowsApps.WindowsAppsEditBox" Revision="1" Stencil="System.Storyboarding.WindowsApps" StencilVersion="0.1"/>
 </Control>
 </file>
 
 <file path=customXml/item81.xml><?xml version="1.0" encoding="utf-8"?>
+<Control xmlns="http://schemas.microsoft.com/VisualStudio/2011/storyboarding/control">
+  <Id Name="System.Storyboarding.WindowsApps.WindowsAppsTileMedium" Revision="1" Stencil="System.Storyboarding.WindowsApps" StencilVersion="0.1"/>
+</Control>
+</file>
+
+<file path=customXml/item82.xml><?xml version="1.0" encoding="utf-8"?>
+<Control xmlns="http://schemas.microsoft.com/VisualStudio/2011/storyboarding/control">
+  <Id Name="System.Storyboarding.WindowsApps.WindowsAppsEditBox" Revision="1" Stencil="System.Storyboarding.WindowsApps" StencilVersion="0.1"/>
+</Control>
+</file>
+
+<file path=customXml/item83.xml><?xml version="1.0" encoding="utf-8"?>
 <Control xmlns="http://schemas.microsoft.com/VisualStudio/2011/storyboarding/control">
   <Id Name="fd7d7bed-114e-464c-a4f1-01a512005949" Revision="1" Stencil="System.MyShapes" StencilVersion="1.0"/>
 </Control>
 </file>
 
-<file path=customXml/item82.xml><?xml version="1.0" encoding="utf-8"?>
+<file path=customXml/item84.xml><?xml version="1.0" encoding="utf-8"?>
 <Control xmlns="http://schemas.microsoft.com/VisualStudio/2011/storyboarding/control">
-  <Id Name="System.Storyboarding.Annotation.StickyNote" Revision="1" Stencil="System.Storyboarding.Annotation" StencilVersion="0.1"/>
+  <Id Name="System.Storyboarding.WindowsApps.WindowsAppsButton" Revision="1" Stencil="System.Storyboarding.WindowsApps" StencilVersion="0.1"/>
 </Control>
 </file>
 
-<file path=customXml/item83.xml><?xml version="1.0" encoding="utf-8"?>
+<file path=customXml/item85.xml><?xml version="1.0" encoding="utf-8"?>
 <Control xmlns="http://schemas.microsoft.com/VisualStudio/2011/storyboarding/control">
   <Id Name="System.Storyboarding.WindowsApps.WindowsAppsTileMedium" Revision="1" Stencil="System.Storyboarding.WindowsApps" StencilVersion="0.1"/>
-</Control>
-</file>
-
-<file path=customXml/item84.xml><?xml version="1.0" encoding="utf-8"?>
-<Control xmlns="http://schemas.microsoft.com/VisualStudio/2011/storyboarding/control">
-  <Id Name="System.Storyboarding.WindowsApps.WindowsAppsTileMedium" Revision="1" Stencil="System.Storyboarding.WindowsApps" StencilVersion="0.1"/>
-</Control>
-</file>
-
-<file path=customXml/item85.xml><?xml version="1.0" encoding="utf-8"?>
-<Control xmlns="http://schemas.microsoft.com/VisualStudio/2011/storyboarding/control">
-  <Id Name="System.Storyboarding.Annotation.AnimatedRectangleCallout" Revision="1" Stencil="System.Storyboarding.Annotation" StencilVersion="0.1"/>
 </Control>
 </file>
 
@@ -27702,89 +28155,649 @@
 
 <file path=customXml/item87.xml><?xml version="1.0" encoding="utf-8"?>
 <Control xmlns="http://schemas.microsoft.com/VisualStudio/2011/storyboarding/control">
+  <Id Name="System.Storyboarding.Annotation.CallOut" Revision="1" Stencil="System.Storyboarding.Annotation" StencilVersion="0.1"/>
+</Control>
+</file>
+
+<file path=customXml/item88.xml><?xml version="1.0" encoding="utf-8"?>
+<Control xmlns="http://schemas.microsoft.com/VisualStudio/2011/storyboarding/control">
+  <Id Name="System.Storyboarding.WindowsApps.WindowsAppsButton" Revision="1" Stencil="System.Storyboarding.WindowsApps" StencilVersion="0.1"/>
+</Control>
+</file>
+
+<file path=customXml/item89.xml><?xml version="1.0" encoding="utf-8"?>
+<Control xmlns="http://schemas.microsoft.com/VisualStudio/2011/storyboarding/control">
+  <Id Name="System.Storyboarding.Common.CheckBoxUnchecked" Revision="1" Stencil="System.Storyboarding.Common" StencilVersion="0.1"/>
+</Control>
+</file>
+
+<file path=customXml/item9.xml><?xml version="1.0" encoding="utf-8"?>
+<Control xmlns="http://schemas.microsoft.com/VisualStudio/2011/storyboarding/control">
+  <Id Name="System.Storyboarding.Annotation.AnimatedRectangleCallout" Revision="1" Stencil="System.Storyboarding.Annotation" StencilVersion="0.1"/>
+</Control>
+</file>
+
+<file path=customXml/item90.xml><?xml version="1.0" encoding="utf-8"?>
+<Control xmlns="http://schemas.microsoft.com/VisualStudio/2011/storyboarding/control">
   <Id Name="System.Storyboarding.WindowsApps.WindowsAppsTileMedium" Revision="1" Stencil="System.Storyboarding.WindowsApps" StencilVersion="0.1"/>
 </Control>
 </file>
 
-<file path=customXml/item88.xml><?xml version="1.0" encoding="utf-8"?>
+<file path=customXml/item91.xml><?xml version="1.0" encoding="utf-8"?>
+<Control xmlns="http://schemas.microsoft.com/VisualStudio/2011/storyboarding/control">
+  <Id Name="fd7d7bed-114e-464c-a4f1-01a512005949" Revision="1" Stencil="System.MyShapes" StencilVersion="1.0"/>
+</Control>
+</file>
+
+<file path=customXml/item92.xml><?xml version="1.0" encoding="utf-8"?>
 <Control xmlns="http://schemas.microsoft.com/VisualStudio/2011/storyboarding/control">
   <Id Name="System.Storyboarding.WindowsApps.WindowsAppsEditBox" Revision="1" Stencil="System.Storyboarding.WindowsApps" StencilVersion="0.1"/>
 </Control>
 </file>
 
-<file path=customXml/item89.xml><?xml version="1.0" encoding="utf-8"?>
+<file path=customXml/item93.xml><?xml version="1.0" encoding="utf-8"?>
 <Control xmlns="http://schemas.microsoft.com/VisualStudio/2011/storyboarding/control">
   <Id Name="System.Storyboarding.WindowsApps.WindowsAppsTileMedium" Revision="1" Stencil="System.Storyboarding.WindowsApps" StencilVersion="0.1"/>
 </Control>
 </file>
 
-<file path=customXml/item9.xml><?xml version="1.0" encoding="utf-8"?>
+<file path=customXml/item94.xml><?xml version="1.0" encoding="utf-8"?>
+<Control xmlns="http://schemas.microsoft.com/VisualStudio/2011/storyboarding/control">
+  <Id Name="System.Storyboarding.Common.CheckBoxChecked" Revision="1" Stencil="System.Storyboarding.Common" StencilVersion="0.1"/>
+</Control>
+</file>
+
+<file path=customXml/item95.xml><?xml version="1.0" encoding="utf-8"?>
+<Control xmlns="http://schemas.microsoft.com/VisualStudio/2011/storyboarding/control">
+  <Id Name="32035d07-bc66-4a79-8001-2507012193e3" RevisionId="7f6cc906-8fab-4878-8f41-90bcdc4e860e" Stencil="172d6d98-e5c9-42e9-a209-79f7a94bbd38" StencilRevisionId="00000000-0000-0000-0000-000000000000" StencilVersion="0.0"/>
+</Control>
+</file>
+
+<file path=customXml/item96.xml><?xml version="1.0" encoding="utf-8"?>
 <Control xmlns="http://schemas.microsoft.com/VisualStudio/2011/storyboarding/control">
   <Id Name="System.Storyboarding.Annotation.CallOut" Revision="1" Stencil="System.Storyboarding.Annotation" StencilVersion="0.1"/>
 </Control>
 </file>
 
-<file path=customXml/item90.xml><?xml version="1.0" encoding="utf-8"?>
+<file path=customXml/item97.xml><?xml version="1.0" encoding="utf-8"?>
+<Control xmlns="http://schemas.microsoft.com/VisualStudio/2011/storyboarding/control">
+  <Id Name="System.Storyboarding.WindowsApps.WindowsAppsButton" Revision="1" Stencil="System.Storyboarding.WindowsApps" StencilVersion="0.1"/>
+</Control>
+</file>
+
+<file path=customXml/item98.xml><?xml version="1.0" encoding="utf-8"?>
+<Control xmlns="http://schemas.microsoft.com/VisualStudio/2011/storyboarding/control">
+  <Id Name="System.Storyboarding.WindowsAppIcons.Emoji" Revision="1" Stencil="System.Storyboarding.WindowsAppIcons" StencilVersion="0.1"/>
+</Control>
+</file>
+
+<file path=customXml/item99.xml><?xml version="1.0" encoding="utf-8"?>
 <Control xmlns="http://schemas.microsoft.com/VisualStudio/2011/storyboarding/control">
   <Id Name="System.Storyboarding.Annotation.CallOut" Revision="1" Stencil="System.Storyboarding.Annotation" StencilVersion="0.1"/>
 </Control>
 </file>
 
-<file path=customXml/item91.xml><?xml version="1.0" encoding="utf-8"?>
-<Control xmlns="http://schemas.microsoft.com/VisualStudio/2011/storyboarding/control">
-  <Id Name="System.Storyboarding.WindowsApps.WindowsAppsTileMedium" Revision="1" Stencil="System.Storyboarding.WindowsApps" StencilVersion="0.1"/>
-</Control>
-</file>
-
-<file path=customXml/item92.xml><?xml version="1.0" encoding="utf-8"?>
-<Control xmlns="http://schemas.microsoft.com/VisualStudio/2011/storyboarding/control">
-  <Id Name="f7a94b64-51d6-472a-8bb4-f2cc047935d1" RevisionId="4b37df06-a36b-4383-9074-55517f1335fc" Stencil="172d6d98-e5c9-42e9-a209-79f7a94bbd38" StencilRevisionId="00000000-0000-0000-0000-000000000000" StencilVersion="0.0"/>
-</Control>
-</file>
-
-<file path=customXml/item93.xml><?xml version="1.0" encoding="utf-8"?>
-<Control xmlns="http://schemas.microsoft.com/VisualStudio/2011/storyboarding/control">
-  <Id Name="System.Storyboarding.WindowsApps.WindowsAppsButton" Revision="1" Stencil="System.Storyboarding.WindowsApps" StencilVersion="0.1"/>
-</Control>
-</file>
-
-<file path=customXml/item94.xml><?xml version="1.0" encoding="utf-8"?>
-<Control xmlns="http://schemas.microsoft.com/VisualStudio/2011/storyboarding/control">
-  <Id Name="fd7d7bed-114e-464c-a4f1-01a512005949" Revision="1" Stencil="System.MyShapes" StencilVersion="1.0"/>
-</Control>
-</file>
-
-<file path=customXml/item95.xml><?xml version="1.0" encoding="utf-8"?>
-<Control xmlns="http://schemas.microsoft.com/VisualStudio/2011/storyboarding/control">
-  <Id Name="fd7d7bed-114e-464c-a4f1-01a512005949" Revision="1" Stencil="System.MyShapes" StencilVersion="1.0"/>
-</Control>
-</file>
-
-<file path=customXml/item96.xml><?xml version="1.0" encoding="utf-8"?>
-<Control xmlns="http://schemas.microsoft.com/VisualStudio/2011/storyboarding/control">
-  <Id Name="System.Storyboarding.WindowsApps.WindowsAppsTileMedium" Revision="1" Stencil="System.Storyboarding.WindowsApps" StencilVersion="0.1"/>
-</Control>
-</file>
-
-<file path=customXml/item97.xml><?xml version="1.0" encoding="utf-8"?>
-<Control xmlns="http://schemas.microsoft.com/VisualStudio/2011/storyboarding/control">
-  <Id Name="System.Storyboarding.Annotation.StickyNote" Revision="1" Stencil="System.Storyboarding.Annotation" StencilVersion="0.1"/>
-</Control>
-</file>
-
-<file path=customXml/item98.xml><?xml version="1.0" encoding="utf-8"?>
-<Control xmlns="http://schemas.microsoft.com/VisualStudio/2011/storyboarding/control">
-  <Id Name="System.Storyboarding.Annotation.CallOut" Revision="1" Stencil="System.Storyboarding.Annotation" StencilVersion="0.1"/>
-</Control>
-</file>
-
-<file path=customXml/item99.xml><?xml version="1.0" encoding="utf-8"?>
-<Control xmlns="http://schemas.microsoft.com/VisualStudio/2011/storyboarding/control">
-  <Id Name="System.Storyboarding.WindowsApps.WindowsAppsButton" Revision="1" Stencil="System.Storyboarding.WindowsApps" StencilVersion="0.1"/>
-</Control>
-</file>
-
 <file path=customXml/itemProps1.xml><?xml version="1.0" encoding="utf-8"?>
+<ds:datastoreItem xmlns:ds="http://schemas.openxmlformats.org/officeDocument/2006/customXml" ds:itemID="{F0DC79C3-207C-41FE-A3D7-31F796033D54}">
+  <ds:schemaRefs>
+    <ds:schemaRef ds:uri="http://schemas.microsoft.com/VisualStudio/2011/storyboarding/control"/>
+  </ds:schemaRefs>
+</ds:datastoreItem>
+</file>
+
+<file path=customXml/itemProps10.xml><?xml version="1.0" encoding="utf-8"?>
+<ds:datastoreItem xmlns:ds="http://schemas.openxmlformats.org/officeDocument/2006/customXml" ds:itemID="{8B1F962B-8896-4824-ACD5-8AE30FE0A557}">
+  <ds:schemaRefs>
+    <ds:schemaRef ds:uri="http://schemas.microsoft.com/VisualStudio/2011/storyboarding/control"/>
+  </ds:schemaRefs>
+</ds:datastoreItem>
+</file>
+
+<file path=customXml/itemProps100.xml><?xml version="1.0" encoding="utf-8"?>
+<ds:datastoreItem xmlns:ds="http://schemas.openxmlformats.org/officeDocument/2006/customXml" ds:itemID="{00733A73-60C4-4047-99FA-999B6399E6BC}">
+  <ds:schemaRefs>
+    <ds:schemaRef ds:uri="http://schemas.microsoft.com/VisualStudio/2011/storyboarding/control"/>
+  </ds:schemaRefs>
+</ds:datastoreItem>
+</file>
+
+<file path=customXml/itemProps101.xml><?xml version="1.0" encoding="utf-8"?>
+<ds:datastoreItem xmlns:ds="http://schemas.openxmlformats.org/officeDocument/2006/customXml" ds:itemID="{9B88C461-FD72-4CCE-B36A-E6CD818ADA83}">
+  <ds:schemaRefs>
+    <ds:schemaRef ds:uri="http://schemas.microsoft.com/VisualStudio/2011/storyboarding/control"/>
+  </ds:schemaRefs>
+</ds:datastoreItem>
+</file>
+
+<file path=customXml/itemProps102.xml><?xml version="1.0" encoding="utf-8"?>
+<ds:datastoreItem xmlns:ds="http://schemas.openxmlformats.org/officeDocument/2006/customXml" ds:itemID="{53DA1D64-FAE3-4051-86C4-7E4958EE6430}">
+  <ds:schemaRefs>
+    <ds:schemaRef ds:uri="http://schemas.microsoft.com/VisualStudio/2011/storyboarding/control"/>
+  </ds:schemaRefs>
+</ds:datastoreItem>
+</file>
+
+<file path=customXml/itemProps103.xml><?xml version="1.0" encoding="utf-8"?>
+<ds:datastoreItem xmlns:ds="http://schemas.openxmlformats.org/officeDocument/2006/customXml" ds:itemID="{3CB64095-2B64-4413-A0E0-D6AE34457700}">
+  <ds:schemaRefs>
+    <ds:schemaRef ds:uri="http://schemas.microsoft.com/VisualStudio/2011/storyboarding/control"/>
+  </ds:schemaRefs>
+</ds:datastoreItem>
+</file>
+
+<file path=customXml/itemProps104.xml><?xml version="1.0" encoding="utf-8"?>
+<ds:datastoreItem xmlns:ds="http://schemas.openxmlformats.org/officeDocument/2006/customXml" ds:itemID="{58BC6EAA-551E-4842-9AB3-73B9C1D8581B}">
+  <ds:schemaRefs>
+    <ds:schemaRef ds:uri="http://schemas.microsoft.com/VisualStudio/2011/storyboarding/control"/>
+  </ds:schemaRefs>
+</ds:datastoreItem>
+</file>
+
+<file path=customXml/itemProps105.xml><?xml version="1.0" encoding="utf-8"?>
+<ds:datastoreItem xmlns:ds="http://schemas.openxmlformats.org/officeDocument/2006/customXml" ds:itemID="{4A407FA7-B6B3-44CE-805A-4777E985CE86}">
+  <ds:schemaRefs>
+    <ds:schemaRef ds:uri="http://schemas.microsoft.com/VisualStudio/2011/storyboarding/control"/>
+  </ds:schemaRefs>
+</ds:datastoreItem>
+</file>
+
+<file path=customXml/itemProps106.xml><?xml version="1.0" encoding="utf-8"?>
+<ds:datastoreItem xmlns:ds="http://schemas.openxmlformats.org/officeDocument/2006/customXml" ds:itemID="{CACE061C-AF2C-40BF-8F95-96F3F58C1B9E}">
+  <ds:schemaRefs>
+    <ds:schemaRef ds:uri="http://schemas.microsoft.com/VisualStudio/2011/storyboarding/control"/>
+  </ds:schemaRefs>
+</ds:datastoreItem>
+</file>
+
+<file path=customXml/itemProps107.xml><?xml version="1.0" encoding="utf-8"?>
+<ds:datastoreItem xmlns:ds="http://schemas.openxmlformats.org/officeDocument/2006/customXml" ds:itemID="{CFD780DE-34AD-4E8E-9D17-223D69561496}">
+  <ds:schemaRefs>
+    <ds:schemaRef ds:uri="http://schemas.microsoft.com/VisualStudio/2011/storyboarding/control"/>
+  </ds:schemaRefs>
+</ds:datastoreItem>
+</file>
+
+<file path=customXml/itemProps108.xml><?xml version="1.0" encoding="utf-8"?>
+<ds:datastoreItem xmlns:ds="http://schemas.openxmlformats.org/officeDocument/2006/customXml" ds:itemID="{E2B26E15-67E2-46A7-9511-99B371B2FFB8}">
+  <ds:schemaRefs>
+    <ds:schemaRef ds:uri="http://schemas.microsoft.com/VisualStudio/2011/storyboarding/control"/>
+  </ds:schemaRefs>
+</ds:datastoreItem>
+</file>
+
+<file path=customXml/itemProps109.xml><?xml version="1.0" encoding="utf-8"?>
+<ds:datastoreItem xmlns:ds="http://schemas.openxmlformats.org/officeDocument/2006/customXml" ds:itemID="{1B9230E7-F069-4556-9C13-4BDB695EF08B}">
+  <ds:schemaRefs>
+    <ds:schemaRef ds:uri="http://schemas.microsoft.com/VisualStudio/2011/storyboarding/control"/>
+  </ds:schemaRefs>
+</ds:datastoreItem>
+</file>
+
+<file path=customXml/itemProps11.xml><?xml version="1.0" encoding="utf-8"?>
+<ds:datastoreItem xmlns:ds="http://schemas.openxmlformats.org/officeDocument/2006/customXml" ds:itemID="{D0D892FC-96D9-4F80-841A-D732044A2BF9}">
+  <ds:schemaRefs>
+    <ds:schemaRef ds:uri="http://schemas.microsoft.com/VisualStudio/2011/storyboarding/control"/>
+  </ds:schemaRefs>
+</ds:datastoreItem>
+</file>
+
+<file path=customXml/itemProps110.xml><?xml version="1.0" encoding="utf-8"?>
+<ds:datastoreItem xmlns:ds="http://schemas.openxmlformats.org/officeDocument/2006/customXml" ds:itemID="{0A526C21-CA0E-4D62-A306-B441BC0489D4}">
+  <ds:schemaRefs>
+    <ds:schemaRef ds:uri="http://schemas.microsoft.com/VisualStudio/2011/storyboarding/control"/>
+  </ds:schemaRefs>
+</ds:datastoreItem>
+</file>
+
+<file path=customXml/itemProps111.xml><?xml version="1.0" encoding="utf-8"?>
+<ds:datastoreItem xmlns:ds="http://schemas.openxmlformats.org/officeDocument/2006/customXml" ds:itemID="{49295FCB-C0F6-4058-AADB-C80AB995A670}">
+  <ds:schemaRefs>
+    <ds:schemaRef ds:uri="http://schemas.microsoft.com/VisualStudio/2011/storyboarding/control"/>
+  </ds:schemaRefs>
+</ds:datastoreItem>
+</file>
+
+<file path=customXml/itemProps112.xml><?xml version="1.0" encoding="utf-8"?>
+<ds:datastoreItem xmlns:ds="http://schemas.openxmlformats.org/officeDocument/2006/customXml" ds:itemID="{8E2F46EC-BCDA-4589-B106-2EE9F450A758}">
+  <ds:schemaRefs>
+    <ds:schemaRef ds:uri="http://schemas.microsoft.com/VisualStudio/2011/storyboarding/control"/>
+  </ds:schemaRefs>
+</ds:datastoreItem>
+</file>
+
+<file path=customXml/itemProps113.xml><?xml version="1.0" encoding="utf-8"?>
+<ds:datastoreItem xmlns:ds="http://schemas.openxmlformats.org/officeDocument/2006/customXml" ds:itemID="{D04082BA-D2CD-4E56-B169-1608513122AE}">
+  <ds:schemaRefs>
+    <ds:schemaRef ds:uri="http://schemas.microsoft.com/VisualStudio/2011/storyboarding/control"/>
+  </ds:schemaRefs>
+</ds:datastoreItem>
+</file>
+
+<file path=customXml/itemProps114.xml><?xml version="1.0" encoding="utf-8"?>
+<ds:datastoreItem xmlns:ds="http://schemas.openxmlformats.org/officeDocument/2006/customXml" ds:itemID="{13C1407C-CF6D-4F1E-9B31-FAC446AF6317}">
+  <ds:schemaRefs>
+    <ds:schemaRef ds:uri="http://schemas.microsoft.com/VisualStudio/2011/storyboarding/control"/>
+  </ds:schemaRefs>
+</ds:datastoreItem>
+</file>
+
+<file path=customXml/itemProps115.xml><?xml version="1.0" encoding="utf-8"?>
+<ds:datastoreItem xmlns:ds="http://schemas.openxmlformats.org/officeDocument/2006/customXml" ds:itemID="{0639E041-5344-4826-A0B0-6DE2057EC2F0}">
+  <ds:schemaRefs>
+    <ds:schemaRef ds:uri="http://schemas.microsoft.com/VisualStudio/2011/storyboarding/control"/>
+  </ds:schemaRefs>
+</ds:datastoreItem>
+</file>
+
+<file path=customXml/itemProps116.xml><?xml version="1.0" encoding="utf-8"?>
+<ds:datastoreItem xmlns:ds="http://schemas.openxmlformats.org/officeDocument/2006/customXml" ds:itemID="{CD08CBAF-EFED-4E31-A630-125B2BF33FB5}">
+  <ds:schemaRefs>
+    <ds:schemaRef ds:uri="http://schemas.microsoft.com/VisualStudio/2011/storyboarding/control"/>
+  </ds:schemaRefs>
+</ds:datastoreItem>
+</file>
+
+<file path=customXml/itemProps117.xml><?xml version="1.0" encoding="utf-8"?>
+<ds:datastoreItem xmlns:ds="http://schemas.openxmlformats.org/officeDocument/2006/customXml" ds:itemID="{74A4DA6D-3268-4D6D-A9D3-B98F658DD6F9}">
+  <ds:schemaRefs>
+    <ds:schemaRef ds:uri="http://schemas.microsoft.com/VisualStudio/2011/storyboarding/control"/>
+  </ds:schemaRefs>
+</ds:datastoreItem>
+</file>
+
+<file path=customXml/itemProps118.xml><?xml version="1.0" encoding="utf-8"?>
+<ds:datastoreItem xmlns:ds="http://schemas.openxmlformats.org/officeDocument/2006/customXml" ds:itemID="{C9CD690E-579D-4787-85BC-0470699F0591}">
+  <ds:schemaRefs>
+    <ds:schemaRef ds:uri="http://schemas.microsoft.com/VisualStudio/2011/storyboarding/control"/>
+  </ds:schemaRefs>
+</ds:datastoreItem>
+</file>
+
+<file path=customXml/itemProps119.xml><?xml version="1.0" encoding="utf-8"?>
+<ds:datastoreItem xmlns:ds="http://schemas.openxmlformats.org/officeDocument/2006/customXml" ds:itemID="{AE128F89-BEFE-49D1-B7EC-DF64FC22E46D}">
+  <ds:schemaRefs>
+    <ds:schemaRef ds:uri="http://schemas.microsoft.com/VisualStudio/2011/storyboarding/control"/>
+  </ds:schemaRefs>
+</ds:datastoreItem>
+</file>
+
+<file path=customXml/itemProps12.xml><?xml version="1.0" encoding="utf-8"?>
+<ds:datastoreItem xmlns:ds="http://schemas.openxmlformats.org/officeDocument/2006/customXml" ds:itemID="{FA3B41DB-8CE9-4ECC-8674-1D620E522544}">
+  <ds:schemaRefs>
+    <ds:schemaRef ds:uri="http://schemas.microsoft.com/VisualStudio/2011/storyboarding/control"/>
+  </ds:schemaRefs>
+</ds:datastoreItem>
+</file>
+
+<file path=customXml/itemProps120.xml><?xml version="1.0" encoding="utf-8"?>
+<ds:datastoreItem xmlns:ds="http://schemas.openxmlformats.org/officeDocument/2006/customXml" ds:itemID="{2FB95A6F-7C40-409F-B892-7F1286D5C297}">
+  <ds:schemaRefs>
+    <ds:schemaRef ds:uri="http://schemas.microsoft.com/VisualStudio/2011/storyboarding/control"/>
+  </ds:schemaRefs>
+</ds:datastoreItem>
+</file>
+
+<file path=customXml/itemProps121.xml><?xml version="1.0" encoding="utf-8"?>
+<ds:datastoreItem xmlns:ds="http://schemas.openxmlformats.org/officeDocument/2006/customXml" ds:itemID="{A83CDB64-A979-480A-B42F-5F9FAC7E448C}">
+  <ds:schemaRefs>
+    <ds:schemaRef ds:uri="http://schemas.microsoft.com/VisualStudio/2011/storyboarding/control"/>
+  </ds:schemaRefs>
+</ds:datastoreItem>
+</file>
+
+<file path=customXml/itemProps122.xml><?xml version="1.0" encoding="utf-8"?>
+<ds:datastoreItem xmlns:ds="http://schemas.openxmlformats.org/officeDocument/2006/customXml" ds:itemID="{2A1D17B4-7440-46CD-8032-D9E7A060B774}">
+  <ds:schemaRefs>
+    <ds:schemaRef ds:uri="http://schemas.microsoft.com/VisualStudio/2011/storyboarding/control"/>
+  </ds:schemaRefs>
+</ds:datastoreItem>
+</file>
+
+<file path=customXml/itemProps123.xml><?xml version="1.0" encoding="utf-8"?>
+<ds:datastoreItem xmlns:ds="http://schemas.openxmlformats.org/officeDocument/2006/customXml" ds:itemID="{AEE42BF4-3F49-4791-99A4-B9C5521F3813}">
+  <ds:schemaRefs>
+    <ds:schemaRef ds:uri="http://schemas.microsoft.com/VisualStudio/2011/storyboarding/control"/>
+  </ds:schemaRefs>
+</ds:datastoreItem>
+</file>
+
+<file path=customXml/itemProps124.xml><?xml version="1.0" encoding="utf-8"?>
+<ds:datastoreItem xmlns:ds="http://schemas.openxmlformats.org/officeDocument/2006/customXml" ds:itemID="{2F4FCC51-0CE4-4CD4-814B-F7F5CC6D4A8E}">
+  <ds:schemaRefs>
+    <ds:schemaRef ds:uri="http://schemas.microsoft.com/VisualStudio/2011/storyboarding/control"/>
+  </ds:schemaRefs>
+</ds:datastoreItem>
+</file>
+
+<file path=customXml/itemProps125.xml><?xml version="1.0" encoding="utf-8"?>
+<ds:datastoreItem xmlns:ds="http://schemas.openxmlformats.org/officeDocument/2006/customXml" ds:itemID="{A70934FF-BD64-48BF-9A4E-D577A82F3862}">
+  <ds:schemaRefs>
+    <ds:schemaRef ds:uri="http://schemas.microsoft.com/VisualStudio/2011/storyboarding/control"/>
+  </ds:schemaRefs>
+</ds:datastoreItem>
+</file>
+
+<file path=customXml/itemProps126.xml><?xml version="1.0" encoding="utf-8"?>
+<ds:datastoreItem xmlns:ds="http://schemas.openxmlformats.org/officeDocument/2006/customXml" ds:itemID="{5900ABFD-735C-4D22-859F-F006CFDD473A}">
+  <ds:schemaRefs>
+    <ds:schemaRef ds:uri="http://schemas.microsoft.com/VisualStudio/2011/storyboarding/control"/>
+  </ds:schemaRefs>
+</ds:datastoreItem>
+</file>
+
+<file path=customXml/itemProps127.xml><?xml version="1.0" encoding="utf-8"?>
+<ds:datastoreItem xmlns:ds="http://schemas.openxmlformats.org/officeDocument/2006/customXml" ds:itemID="{D7F890C1-A5D2-4949-B5FB-9149F52A5401}">
+  <ds:schemaRefs>
+    <ds:schemaRef ds:uri="http://schemas.microsoft.com/VisualStudio/2011/storyboarding/control"/>
+  </ds:schemaRefs>
+</ds:datastoreItem>
+</file>
+
+<file path=customXml/itemProps128.xml><?xml version="1.0" encoding="utf-8"?>
+<ds:datastoreItem xmlns:ds="http://schemas.openxmlformats.org/officeDocument/2006/customXml" ds:itemID="{29679B89-9CBC-4928-A22A-244AE0237BB0}">
+  <ds:schemaRefs>
+    <ds:schemaRef ds:uri="http://schemas.microsoft.com/VisualStudio/2011/storyboarding/control"/>
+  </ds:schemaRefs>
+</ds:datastoreItem>
+</file>
+
+<file path=customXml/itemProps129.xml><?xml version="1.0" encoding="utf-8"?>
+<ds:datastoreItem xmlns:ds="http://schemas.openxmlformats.org/officeDocument/2006/customXml" ds:itemID="{892CF6B9-7AB2-4DCF-86FB-B50BB8D91DDB}">
+  <ds:schemaRefs>
+    <ds:schemaRef ds:uri="http://schemas.microsoft.com/VisualStudio/2011/storyboarding/control"/>
+  </ds:schemaRefs>
+</ds:datastoreItem>
+</file>
+
+<file path=customXml/itemProps13.xml><?xml version="1.0" encoding="utf-8"?>
+<ds:datastoreItem xmlns:ds="http://schemas.openxmlformats.org/officeDocument/2006/customXml" ds:itemID="{73703013-09B0-4DBA-9FDD-D39DF66AF178}">
+  <ds:schemaRefs>
+    <ds:schemaRef ds:uri="http://schemas.microsoft.com/VisualStudio/2011/storyboarding/control"/>
+  </ds:schemaRefs>
+</ds:datastoreItem>
+</file>
+
+<file path=customXml/itemProps130.xml><?xml version="1.0" encoding="utf-8"?>
+<ds:datastoreItem xmlns:ds="http://schemas.openxmlformats.org/officeDocument/2006/customXml" ds:itemID="{E1C1B0C3-0D59-41BC-95F4-F0A42ABC6316}">
+  <ds:schemaRefs>
+    <ds:schemaRef ds:uri="http://schemas.microsoft.com/VisualStudio/2011/storyboarding/control"/>
+  </ds:schemaRefs>
+</ds:datastoreItem>
+</file>
+
+<file path=customXml/itemProps131.xml><?xml version="1.0" encoding="utf-8"?>
+<ds:datastoreItem xmlns:ds="http://schemas.openxmlformats.org/officeDocument/2006/customXml" ds:itemID="{76DC95E1-ACCA-45B6-9796-C9DB84BF79E8}">
+  <ds:schemaRefs>
+    <ds:schemaRef ds:uri="http://schemas.microsoft.com/VisualStudio/2011/storyboarding/control"/>
+  </ds:schemaRefs>
+</ds:datastoreItem>
+</file>
+
+<file path=customXml/itemProps132.xml><?xml version="1.0" encoding="utf-8"?>
+<ds:datastoreItem xmlns:ds="http://schemas.openxmlformats.org/officeDocument/2006/customXml" ds:itemID="{97793ECA-24C6-46F3-9A59-850352AED6B0}">
+  <ds:schemaRefs>
+    <ds:schemaRef ds:uri="http://schemas.microsoft.com/VisualStudio/2011/storyboarding/control"/>
+  </ds:schemaRefs>
+</ds:datastoreItem>
+</file>
+
+<file path=customXml/itemProps133.xml><?xml version="1.0" encoding="utf-8"?>
+<ds:datastoreItem xmlns:ds="http://schemas.openxmlformats.org/officeDocument/2006/customXml" ds:itemID="{3DAA7D18-8F95-4CEF-80BA-EBFE8E9D748D}">
+  <ds:schemaRefs>
+    <ds:schemaRef ds:uri="http://schemas.microsoft.com/VisualStudio/2011/storyboarding/control"/>
+  </ds:schemaRefs>
+</ds:datastoreItem>
+</file>
+
+<file path=customXml/itemProps134.xml><?xml version="1.0" encoding="utf-8"?>
+<ds:datastoreItem xmlns:ds="http://schemas.openxmlformats.org/officeDocument/2006/customXml" ds:itemID="{69F82D9F-0A52-4FF0-9FBC-8AED23C65368}">
+  <ds:schemaRefs>
+    <ds:schemaRef ds:uri="http://schemas.microsoft.com/VisualStudio/2011/storyboarding/control"/>
+  </ds:schemaRefs>
+</ds:datastoreItem>
+</file>
+
+<file path=customXml/itemProps135.xml><?xml version="1.0" encoding="utf-8"?>
+<ds:datastoreItem xmlns:ds="http://schemas.openxmlformats.org/officeDocument/2006/customXml" ds:itemID="{9E19A2A9-CBAF-48FC-B482-E99648066CC4}">
+  <ds:schemaRefs>
+    <ds:schemaRef ds:uri="http://schemas.microsoft.com/VisualStudio/2011/storyboarding/control"/>
+  </ds:schemaRefs>
+</ds:datastoreItem>
+</file>
+
+<file path=customXml/itemProps136.xml><?xml version="1.0" encoding="utf-8"?>
+<ds:datastoreItem xmlns:ds="http://schemas.openxmlformats.org/officeDocument/2006/customXml" ds:itemID="{998783E5-93E3-46E4-8B45-FB75479D6BD0}">
+  <ds:schemaRefs>
+    <ds:schemaRef ds:uri="http://schemas.microsoft.com/VisualStudio/2011/storyboarding/control"/>
+  </ds:schemaRefs>
+</ds:datastoreItem>
+</file>
+
+<file path=customXml/itemProps137.xml><?xml version="1.0" encoding="utf-8"?>
+<ds:datastoreItem xmlns:ds="http://schemas.openxmlformats.org/officeDocument/2006/customXml" ds:itemID="{F78CD7B1-12E3-49EC-8BE8-E474AC90DF8F}">
+  <ds:schemaRefs>
+    <ds:schemaRef ds:uri="http://schemas.microsoft.com/VisualStudio/2011/storyboarding/control"/>
+  </ds:schemaRefs>
+</ds:datastoreItem>
+</file>
+
+<file path=customXml/itemProps138.xml><?xml version="1.0" encoding="utf-8"?>
+<ds:datastoreItem xmlns:ds="http://schemas.openxmlformats.org/officeDocument/2006/customXml" ds:itemID="{A6DD08DB-A03D-4EBF-8BCF-9AEDA3861DDD}">
+  <ds:schemaRefs>
+    <ds:schemaRef ds:uri="http://schemas.microsoft.com/VisualStudio/2011/storyboarding/control"/>
+  </ds:schemaRefs>
+</ds:datastoreItem>
+</file>
+
+<file path=customXml/itemProps139.xml><?xml version="1.0" encoding="utf-8"?>
+<ds:datastoreItem xmlns:ds="http://schemas.openxmlformats.org/officeDocument/2006/customXml" ds:itemID="{F5281BC0-9672-435D-B9A7-6C9AEEE3F7D2}">
+  <ds:schemaRefs>
+    <ds:schemaRef ds:uri="http://schemas.microsoft.com/VisualStudio/2011/storyboarding/control"/>
+  </ds:schemaRefs>
+</ds:datastoreItem>
+</file>
+
+<file path=customXml/itemProps14.xml><?xml version="1.0" encoding="utf-8"?>
+<ds:datastoreItem xmlns:ds="http://schemas.openxmlformats.org/officeDocument/2006/customXml" ds:itemID="{FB4E80E6-CDBF-4033-8B52-FB80E5634189}">
+  <ds:schemaRefs>
+    <ds:schemaRef ds:uri="http://schemas.microsoft.com/VisualStudio/2011/storyboarding/control"/>
+  </ds:schemaRefs>
+</ds:datastoreItem>
+</file>
+
+<file path=customXml/itemProps140.xml><?xml version="1.0" encoding="utf-8"?>
+<ds:datastoreItem xmlns:ds="http://schemas.openxmlformats.org/officeDocument/2006/customXml" ds:itemID="{7E6575B5-210E-4C5C-962C-D0D28D81591D}">
+  <ds:schemaRefs>
+    <ds:schemaRef ds:uri="http://schemas.microsoft.com/VisualStudio/2011/storyboarding/control"/>
+  </ds:schemaRefs>
+</ds:datastoreItem>
+</file>
+
+<file path=customXml/itemProps141.xml><?xml version="1.0" encoding="utf-8"?>
+<ds:datastoreItem xmlns:ds="http://schemas.openxmlformats.org/officeDocument/2006/customXml" ds:itemID="{CE13D033-955A-413A-BF77-A5D3B95ACDBC}">
+  <ds:schemaRefs>
+    <ds:schemaRef ds:uri="http://schemas.microsoft.com/VisualStudio/2011/storyboarding/control"/>
+  </ds:schemaRefs>
+</ds:datastoreItem>
+</file>
+
+<file path=customXml/itemProps142.xml><?xml version="1.0" encoding="utf-8"?>
+<ds:datastoreItem xmlns:ds="http://schemas.openxmlformats.org/officeDocument/2006/customXml" ds:itemID="{27F8D642-C876-4D49-A268-D03A3875605D}">
+  <ds:schemaRefs>
+    <ds:schemaRef ds:uri="http://schemas.microsoft.com/VisualStudio/2011/storyboarding/control"/>
+  </ds:schemaRefs>
+</ds:datastoreItem>
+</file>
+
+<file path=customXml/itemProps143.xml><?xml version="1.0" encoding="utf-8"?>
+<ds:datastoreItem xmlns:ds="http://schemas.openxmlformats.org/officeDocument/2006/customXml" ds:itemID="{15F46258-63C4-4B60-ADED-0E3ACB1539D0}">
+  <ds:schemaRefs>
+    <ds:schemaRef ds:uri="http://schemas.microsoft.com/VisualStudio/2011/storyboarding/control"/>
+  </ds:schemaRefs>
+</ds:datastoreItem>
+</file>
+
+<file path=customXml/itemProps144.xml><?xml version="1.0" encoding="utf-8"?>
+<ds:datastoreItem xmlns:ds="http://schemas.openxmlformats.org/officeDocument/2006/customXml" ds:itemID="{9501DC5F-120C-4F65-9B9C-A042818517A5}">
+  <ds:schemaRefs>
+    <ds:schemaRef ds:uri="http://schemas.microsoft.com/VisualStudio/2011/storyboarding/control"/>
+  </ds:schemaRefs>
+</ds:datastoreItem>
+</file>
+
+<file path=customXml/itemProps145.xml><?xml version="1.0" encoding="utf-8"?>
+<ds:datastoreItem xmlns:ds="http://schemas.openxmlformats.org/officeDocument/2006/customXml" ds:itemID="{59523541-65F5-4428-9F7B-EAA3ACAEA288}">
+  <ds:schemaRefs>
+    <ds:schemaRef ds:uri="http://schemas.microsoft.com/VisualStudio/2011/storyboarding/control"/>
+  </ds:schemaRefs>
+</ds:datastoreItem>
+</file>
+
+<file path=customXml/itemProps146.xml><?xml version="1.0" encoding="utf-8"?>
+<ds:datastoreItem xmlns:ds="http://schemas.openxmlformats.org/officeDocument/2006/customXml" ds:itemID="{4EA2190A-611C-49BA-ADD4-5855AD00D63D}">
+  <ds:schemaRefs>
+    <ds:schemaRef ds:uri="http://schemas.microsoft.com/VisualStudio/2011/storyboarding/control"/>
+  </ds:schemaRefs>
+</ds:datastoreItem>
+</file>
+
+<file path=customXml/itemProps147.xml><?xml version="1.0" encoding="utf-8"?>
+<ds:datastoreItem xmlns:ds="http://schemas.openxmlformats.org/officeDocument/2006/customXml" ds:itemID="{3532F4D0-3A20-4546-96DA-A56D979929A4}">
+  <ds:schemaRefs>
+    <ds:schemaRef ds:uri="http://schemas.microsoft.com/VisualStudio/2011/storyboarding/control"/>
+  </ds:schemaRefs>
+</ds:datastoreItem>
+</file>
+
+<file path=customXml/itemProps148.xml><?xml version="1.0" encoding="utf-8"?>
+<ds:datastoreItem xmlns:ds="http://schemas.openxmlformats.org/officeDocument/2006/customXml" ds:itemID="{D3C03370-B090-47F7-912D-2E624F6AF804}">
+  <ds:schemaRefs>
+    <ds:schemaRef ds:uri="http://schemas.microsoft.com/VisualStudio/2011/storyboarding/control"/>
+  </ds:schemaRefs>
+</ds:datastoreItem>
+</file>
+
+<file path=customXml/itemProps149.xml><?xml version="1.0" encoding="utf-8"?>
+<ds:datastoreItem xmlns:ds="http://schemas.openxmlformats.org/officeDocument/2006/customXml" ds:itemID="{152057C0-8163-4478-8001-B3CFAA894936}">
+  <ds:schemaRefs>
+    <ds:schemaRef ds:uri="http://schemas.microsoft.com/VisualStudio/2011/storyboarding/control"/>
+  </ds:schemaRefs>
+</ds:datastoreItem>
+</file>
+
+<file path=customXml/itemProps15.xml><?xml version="1.0" encoding="utf-8"?>
+<ds:datastoreItem xmlns:ds="http://schemas.openxmlformats.org/officeDocument/2006/customXml" ds:itemID="{D176A5CA-84F0-42CF-AE7E-D9B7ED1985C2}">
+  <ds:schemaRefs>
+    <ds:schemaRef ds:uri="http://schemas.microsoft.com/VisualStudio/2011/storyboarding/control"/>
+  </ds:schemaRefs>
+</ds:datastoreItem>
+</file>
+
+<file path=customXml/itemProps150.xml><?xml version="1.0" encoding="utf-8"?>
+<ds:datastoreItem xmlns:ds="http://schemas.openxmlformats.org/officeDocument/2006/customXml" ds:itemID="{355F828C-8DD0-4B0C-8A65-152475EE1425}">
+  <ds:schemaRefs>
+    <ds:schemaRef ds:uri="http://schemas.microsoft.com/VisualStudio/2011/storyboarding/control"/>
+  </ds:schemaRefs>
+</ds:datastoreItem>
+</file>
+
+<file path=customXml/itemProps151.xml><?xml version="1.0" encoding="utf-8"?>
+<ds:datastoreItem xmlns:ds="http://schemas.openxmlformats.org/officeDocument/2006/customXml" ds:itemID="{82E33D8B-2115-44F9-B288-F7DDC7375FA0}">
+  <ds:schemaRefs>
+    <ds:schemaRef ds:uri="http://schemas.microsoft.com/VisualStudio/2011/storyboarding/control"/>
+  </ds:schemaRefs>
+</ds:datastoreItem>
+</file>
+
+<file path=customXml/itemProps152.xml><?xml version="1.0" encoding="utf-8"?>
+<ds:datastoreItem xmlns:ds="http://schemas.openxmlformats.org/officeDocument/2006/customXml" ds:itemID="{A9589BB7-B112-466A-B7DB-50FF9E4A7695}">
+  <ds:schemaRefs>
+    <ds:schemaRef ds:uri="http://schemas.microsoft.com/VisualStudio/2011/storyboarding/control"/>
+  </ds:schemaRefs>
+</ds:datastoreItem>
+</file>
+
+<file path=customXml/itemProps153.xml><?xml version="1.0" encoding="utf-8"?>
+<ds:datastoreItem xmlns:ds="http://schemas.openxmlformats.org/officeDocument/2006/customXml" ds:itemID="{E12DD9CD-91AF-4CC9-87D9-DB103477FE67}">
+  <ds:schemaRefs>
+    <ds:schemaRef ds:uri="http://schemas.microsoft.com/VisualStudio/2011/storyboarding/control"/>
+  </ds:schemaRefs>
+</ds:datastoreItem>
+</file>
+
+<file path=customXml/itemProps154.xml><?xml version="1.0" encoding="utf-8"?>
+<ds:datastoreItem xmlns:ds="http://schemas.openxmlformats.org/officeDocument/2006/customXml" ds:itemID="{45E0B91E-7FEF-4703-9326-F8B2ED81C09E}">
+  <ds:schemaRefs>
+    <ds:schemaRef ds:uri="http://schemas.microsoft.com/VisualStudio/2011/storyboarding/control"/>
+  </ds:schemaRefs>
+</ds:datastoreItem>
+</file>
+
+<file path=customXml/itemProps155.xml><?xml version="1.0" encoding="utf-8"?>
+<ds:datastoreItem xmlns:ds="http://schemas.openxmlformats.org/officeDocument/2006/customXml" ds:itemID="{0C30631B-6B6B-4F45-A69E-60EB784933B3}">
+  <ds:schemaRefs>
+    <ds:schemaRef ds:uri="http://schemas.microsoft.com/VisualStudio/2011/storyboarding/control"/>
+  </ds:schemaRefs>
+</ds:datastoreItem>
+</file>
+
+<file path=customXml/itemProps156.xml><?xml version="1.0" encoding="utf-8"?>
+<ds:datastoreItem xmlns:ds="http://schemas.openxmlformats.org/officeDocument/2006/customXml" ds:itemID="{BCD68537-FD77-44D1-B5FC-C1B002B1B2F1}">
+  <ds:schemaRefs>
+    <ds:schemaRef ds:uri="http://schemas.microsoft.com/VisualStudio/2011/storyboarding/control"/>
+  </ds:schemaRefs>
+</ds:datastoreItem>
+</file>
+
+<file path=customXml/itemProps157.xml><?xml version="1.0" encoding="utf-8"?>
+<ds:datastoreItem xmlns:ds="http://schemas.openxmlformats.org/officeDocument/2006/customXml" ds:itemID="{F5E1943B-A70F-44C2-A322-2C282D25F81E}">
+  <ds:schemaRefs>
+    <ds:schemaRef ds:uri="http://schemas.microsoft.com/VisualStudio/2011/storyboarding/control"/>
+  </ds:schemaRefs>
+</ds:datastoreItem>
+</file>
+
+<file path=customXml/itemProps158.xml><?xml version="1.0" encoding="utf-8"?>
+<ds:datastoreItem xmlns:ds="http://schemas.openxmlformats.org/officeDocument/2006/customXml" ds:itemID="{1ACD3D86-D296-4CB4-9819-CD01A12B3870}">
+  <ds:schemaRefs>
+    <ds:schemaRef ds:uri="http://schemas.microsoft.com/VisualStudio/2011/storyboarding/control"/>
+  </ds:schemaRefs>
+</ds:datastoreItem>
+</file>
+
+<file path=customXml/itemProps159.xml><?xml version="1.0" encoding="utf-8"?>
+<ds:datastoreItem xmlns:ds="http://schemas.openxmlformats.org/officeDocument/2006/customXml" ds:itemID="{81E54383-98AB-4CF8-862A-56119B52D70D}">
+  <ds:schemaRefs>
+    <ds:schemaRef ds:uri="http://schemas.microsoft.com/VisualStudio/2011/storyboarding/control"/>
+  </ds:schemaRefs>
+</ds:datastoreItem>
+</file>
+
+<file path=customXml/itemProps16.xml><?xml version="1.0" encoding="utf-8"?>
+<ds:datastoreItem xmlns:ds="http://schemas.openxmlformats.org/officeDocument/2006/customXml" ds:itemID="{56C614C4-5DEC-491F-B700-BEDDA8F8ADF4}">
+  <ds:schemaRefs>
+    <ds:schemaRef ds:uri="http://schemas.microsoft.com/VisualStudio/2011/storyboarding/control"/>
+  </ds:schemaRefs>
+</ds:datastoreItem>
+</file>
+
+<file path=customXml/itemProps160.xml><?xml version="1.0" encoding="utf-8"?>
+<ds:datastoreItem xmlns:ds="http://schemas.openxmlformats.org/officeDocument/2006/customXml" ds:itemID="{98A360E1-A752-4262-A971-02659881E9AE}">
+  <ds:schemaRefs>
+    <ds:schemaRef ds:uri="http://schemas.microsoft.com/VisualStudio/2011/storyboarding/control"/>
+  </ds:schemaRefs>
+</ds:datastoreItem>
+</file>
+
+<file path=customXml/itemProps161.xml><?xml version="1.0" encoding="utf-8"?>
+<ds:datastoreItem xmlns:ds="http://schemas.openxmlformats.org/officeDocument/2006/customXml" ds:itemID="{72F00B18-A9ED-4669-AEA6-2BD6814E32F4}">
+  <ds:schemaRefs>
+    <ds:schemaRef ds:uri="http://schemas.microsoft.com/VisualStudio/2011/storyboarding/control"/>
+  </ds:schemaRefs>
+</ds:datastoreItem>
+</file>
+
+<file path=customXml/itemProps162.xml><?xml version="1.0" encoding="utf-8"?>
 <ds:datastoreItem xmlns:ds="http://schemas.openxmlformats.org/officeDocument/2006/customXml" ds:itemID="{E628D704-53B1-402A-B3C4-24BC08ADD505}">
   <ds:schemaRefs>
     <ds:schemaRef ds:uri="http://schemas.microsoft.com/VisualStudio/2011/storyboarding/control"/>
@@ -27792,7 +28805,751 @@
 </ds:datastoreItem>
 </file>
 
-<file path=customXml/itemProps10.xml><?xml version="1.0" encoding="utf-8"?>
+<file path=customXml/itemProps163.xml><?xml version="1.0" encoding="utf-8"?>
+<ds:datastoreItem xmlns:ds="http://schemas.openxmlformats.org/officeDocument/2006/customXml" ds:itemID="{7D14F916-B249-48AB-8630-8E73B4CF4A95}">
+  <ds:schemaRefs>
+    <ds:schemaRef ds:uri="http://schemas.microsoft.com/VisualStudio/2011/storyboarding/control"/>
+  </ds:schemaRefs>
+</ds:datastoreItem>
+</file>
+
+<file path=customXml/itemProps164.xml><?xml version="1.0" encoding="utf-8"?>
+<ds:datastoreItem xmlns:ds="http://schemas.openxmlformats.org/officeDocument/2006/customXml" ds:itemID="{E0D4D259-B672-4B08-B2B0-A0D8ACD5B803}">
+  <ds:schemaRefs>
+    <ds:schemaRef ds:uri="http://schemas.microsoft.com/VisualStudio/2011/storyboarding/control"/>
+  </ds:schemaRefs>
+</ds:datastoreItem>
+</file>
+
+<file path=customXml/itemProps165.xml><?xml version="1.0" encoding="utf-8"?>
+<ds:datastoreItem xmlns:ds="http://schemas.openxmlformats.org/officeDocument/2006/customXml" ds:itemID="{40E1E962-5637-4EB6-B93C-DA8F96A81FAF}">
+  <ds:schemaRefs>
+    <ds:schemaRef ds:uri="http://schemas.microsoft.com/VisualStudio/2011/storyboarding/control"/>
+  </ds:schemaRefs>
+</ds:datastoreItem>
+</file>
+
+<file path=customXml/itemProps166.xml><?xml version="1.0" encoding="utf-8"?>
+<ds:datastoreItem xmlns:ds="http://schemas.openxmlformats.org/officeDocument/2006/customXml" ds:itemID="{17B0D8AB-58DB-487A-A1B2-410414827202}">
+  <ds:schemaRefs>
+    <ds:schemaRef ds:uri="http://schemas.microsoft.com/VisualStudio/2011/storyboarding/control"/>
+  </ds:schemaRefs>
+</ds:datastoreItem>
+</file>
+
+<file path=customXml/itemProps167.xml><?xml version="1.0" encoding="utf-8"?>
+<ds:datastoreItem xmlns:ds="http://schemas.openxmlformats.org/officeDocument/2006/customXml" ds:itemID="{3BA5FAE4-8745-4A74-B298-4B5E45FB845F}">
+  <ds:schemaRefs>
+    <ds:schemaRef ds:uri="http://schemas.microsoft.com/VisualStudio/2011/storyboarding/control"/>
+  </ds:schemaRefs>
+</ds:datastoreItem>
+</file>
+
+<file path=customXml/itemProps168.xml><?xml version="1.0" encoding="utf-8"?>
+<ds:datastoreItem xmlns:ds="http://schemas.openxmlformats.org/officeDocument/2006/customXml" ds:itemID="{3D991671-804F-44F2-8BE3-0781A317701D}">
+  <ds:schemaRefs>
+    <ds:schemaRef ds:uri="http://schemas.microsoft.com/VisualStudio/2011/storyboarding/control"/>
+  </ds:schemaRefs>
+</ds:datastoreItem>
+</file>
+
+<file path=customXml/itemProps169.xml><?xml version="1.0" encoding="utf-8"?>
+<ds:datastoreItem xmlns:ds="http://schemas.openxmlformats.org/officeDocument/2006/customXml" ds:itemID="{A39F5018-76E8-4CE5-A9B7-D9BE197ECF9D}">
+  <ds:schemaRefs>
+    <ds:schemaRef ds:uri="http://schemas.microsoft.com/VisualStudio/2011/storyboarding/control"/>
+  </ds:schemaRefs>
+</ds:datastoreItem>
+</file>
+
+<file path=customXml/itemProps17.xml><?xml version="1.0" encoding="utf-8"?>
+<ds:datastoreItem xmlns:ds="http://schemas.openxmlformats.org/officeDocument/2006/customXml" ds:itemID="{926C71EA-7662-42AD-B796-6EA8688D8F12}">
+  <ds:schemaRefs>
+    <ds:schemaRef ds:uri="http://schemas.microsoft.com/VisualStudio/2011/storyboarding/control"/>
+  </ds:schemaRefs>
+</ds:datastoreItem>
+</file>
+
+<file path=customXml/itemProps170.xml><?xml version="1.0" encoding="utf-8"?>
+<ds:datastoreItem xmlns:ds="http://schemas.openxmlformats.org/officeDocument/2006/customXml" ds:itemID="{A26C2F90-97F2-4089-BDB9-A8F1A786BE92}">
+  <ds:schemaRefs>
+    <ds:schemaRef ds:uri="http://schemas.microsoft.com/VisualStudio/2011/storyboarding/control"/>
+  </ds:schemaRefs>
+</ds:datastoreItem>
+</file>
+
+<file path=customXml/itemProps171.xml><?xml version="1.0" encoding="utf-8"?>
+<ds:datastoreItem xmlns:ds="http://schemas.openxmlformats.org/officeDocument/2006/customXml" ds:itemID="{738FF2C8-587D-4C02-8D5D-20CBF1EE7CCD}">
+  <ds:schemaRefs>
+    <ds:schemaRef ds:uri="http://schemas.microsoft.com/VisualStudio/2011/storyboarding/control"/>
+  </ds:schemaRefs>
+</ds:datastoreItem>
+</file>
+
+<file path=customXml/itemProps172.xml><?xml version="1.0" encoding="utf-8"?>
+<ds:datastoreItem xmlns:ds="http://schemas.openxmlformats.org/officeDocument/2006/customXml" ds:itemID="{1ADEB7F2-78C7-4561-B3DF-1749638EBE62}">
+  <ds:schemaRefs>
+    <ds:schemaRef ds:uri="http://schemas.microsoft.com/VisualStudio/2011/storyboarding/control"/>
+  </ds:schemaRefs>
+</ds:datastoreItem>
+</file>
+
+<file path=customXml/itemProps173.xml><?xml version="1.0" encoding="utf-8"?>
+<ds:datastoreItem xmlns:ds="http://schemas.openxmlformats.org/officeDocument/2006/customXml" ds:itemID="{FBC62206-495B-43F2-9B91-CBEF056959DE}">
+  <ds:schemaRefs>
+    <ds:schemaRef ds:uri="http://schemas.microsoft.com/VisualStudio/2011/storyboarding/control"/>
+  </ds:schemaRefs>
+</ds:datastoreItem>
+</file>
+
+<file path=customXml/itemProps174.xml><?xml version="1.0" encoding="utf-8"?>
+<ds:datastoreItem xmlns:ds="http://schemas.openxmlformats.org/officeDocument/2006/customXml" ds:itemID="{314BC7E0-5CB8-41B7-80AE-6FF18C6ED044}">
+  <ds:schemaRefs>
+    <ds:schemaRef ds:uri="http://schemas.microsoft.com/VisualStudio/2011/storyboarding/control"/>
+  </ds:schemaRefs>
+</ds:datastoreItem>
+</file>
+
+<file path=customXml/itemProps175.xml><?xml version="1.0" encoding="utf-8"?>
+<ds:datastoreItem xmlns:ds="http://schemas.openxmlformats.org/officeDocument/2006/customXml" ds:itemID="{903D1585-EC82-417F-ADD8-DEE6B3412E20}">
+  <ds:schemaRefs>
+    <ds:schemaRef ds:uri="http://schemas.microsoft.com/VisualStudio/2011/storyboarding/control"/>
+  </ds:schemaRefs>
+</ds:datastoreItem>
+</file>
+
+<file path=customXml/itemProps176.xml><?xml version="1.0" encoding="utf-8"?>
+<ds:datastoreItem xmlns:ds="http://schemas.openxmlformats.org/officeDocument/2006/customXml" ds:itemID="{D30FE00D-B30C-4E97-A466-D2EAAA05FD64}">
+  <ds:schemaRefs>
+    <ds:schemaRef ds:uri="http://schemas.microsoft.com/VisualStudio/2011/storyboarding/control"/>
+  </ds:schemaRefs>
+</ds:datastoreItem>
+</file>
+
+<file path=customXml/itemProps177.xml><?xml version="1.0" encoding="utf-8"?>
+<ds:datastoreItem xmlns:ds="http://schemas.openxmlformats.org/officeDocument/2006/customXml" ds:itemID="{880B91E8-103A-412A-B3C8-17A3C03EF756}">
+  <ds:schemaRefs>
+    <ds:schemaRef ds:uri="http://schemas.microsoft.com/VisualStudio/2011/storyboarding/control"/>
+  </ds:schemaRefs>
+</ds:datastoreItem>
+</file>
+
+<file path=customXml/itemProps178.xml><?xml version="1.0" encoding="utf-8"?>
+<ds:datastoreItem xmlns:ds="http://schemas.openxmlformats.org/officeDocument/2006/customXml" ds:itemID="{A90F7C4B-60EA-4955-8003-309220366A18}">
+  <ds:schemaRefs>
+    <ds:schemaRef ds:uri="http://schemas.microsoft.com/VisualStudio/2011/storyboarding/control"/>
+  </ds:schemaRefs>
+</ds:datastoreItem>
+</file>
+
+<file path=customXml/itemProps179.xml><?xml version="1.0" encoding="utf-8"?>
+<ds:datastoreItem xmlns:ds="http://schemas.openxmlformats.org/officeDocument/2006/customXml" ds:itemID="{3819C140-F52D-450E-9E57-A9C95974C875}">
+  <ds:schemaRefs>
+    <ds:schemaRef ds:uri="http://schemas.microsoft.com/VisualStudio/2011/storyboarding/control"/>
+  </ds:schemaRefs>
+</ds:datastoreItem>
+</file>
+
+<file path=customXml/itemProps18.xml><?xml version="1.0" encoding="utf-8"?>
+<ds:datastoreItem xmlns:ds="http://schemas.openxmlformats.org/officeDocument/2006/customXml" ds:itemID="{F4261AFD-0C6F-405A-ABB8-E13F5D880F5A}">
+  <ds:schemaRefs>
+    <ds:schemaRef ds:uri="http://schemas.microsoft.com/VisualStudio/2011/storyboarding/control"/>
+  </ds:schemaRefs>
+</ds:datastoreItem>
+</file>
+
+<file path=customXml/itemProps180.xml><?xml version="1.0" encoding="utf-8"?>
+<ds:datastoreItem xmlns:ds="http://schemas.openxmlformats.org/officeDocument/2006/customXml" ds:itemID="{CE453AD5-3180-4DCA-9C47-FA81A3E74F53}">
+  <ds:schemaRefs>
+    <ds:schemaRef ds:uri="http://schemas.microsoft.com/VisualStudio/2011/storyboarding/control"/>
+  </ds:schemaRefs>
+</ds:datastoreItem>
+</file>
+
+<file path=customXml/itemProps181.xml><?xml version="1.0" encoding="utf-8"?>
+<ds:datastoreItem xmlns:ds="http://schemas.openxmlformats.org/officeDocument/2006/customXml" ds:itemID="{913EDEB5-0043-4ADF-BF69-77EF99A91A70}">
+  <ds:schemaRefs>
+    <ds:schemaRef ds:uri="http://schemas.microsoft.com/VisualStudio/2011/storyboarding/control"/>
+  </ds:schemaRefs>
+</ds:datastoreItem>
+</file>
+
+<file path=customXml/itemProps182.xml><?xml version="1.0" encoding="utf-8"?>
+<ds:datastoreItem xmlns:ds="http://schemas.openxmlformats.org/officeDocument/2006/customXml" ds:itemID="{50409344-7A08-4EEE-A095-5DC783125ED3}">
+  <ds:schemaRefs>
+    <ds:schemaRef ds:uri="http://schemas.microsoft.com/VisualStudio/2011/storyboarding/control"/>
+  </ds:schemaRefs>
+</ds:datastoreItem>
+</file>
+
+<file path=customXml/itemProps183.xml><?xml version="1.0" encoding="utf-8"?>
+<ds:datastoreItem xmlns:ds="http://schemas.openxmlformats.org/officeDocument/2006/customXml" ds:itemID="{8A640325-005D-4045-AEC2-6BA2B94359ED}">
+  <ds:schemaRefs>
+    <ds:schemaRef ds:uri="http://schemas.microsoft.com/VisualStudio/2011/storyboarding/control"/>
+  </ds:schemaRefs>
+</ds:datastoreItem>
+</file>
+
+<file path=customXml/itemProps184.xml><?xml version="1.0" encoding="utf-8"?>
+<ds:datastoreItem xmlns:ds="http://schemas.openxmlformats.org/officeDocument/2006/customXml" ds:itemID="{83115CD3-825C-4612-821F-C5D4B5A19981}">
+  <ds:schemaRefs>
+    <ds:schemaRef ds:uri="http://schemas.microsoft.com/VisualStudio/2011/storyboarding/control"/>
+  </ds:schemaRefs>
+</ds:datastoreItem>
+</file>
+
+<file path=customXml/itemProps185.xml><?xml version="1.0" encoding="utf-8"?>
+<ds:datastoreItem xmlns:ds="http://schemas.openxmlformats.org/officeDocument/2006/customXml" ds:itemID="{917C221D-1C7D-4EFD-A42E-4EEB4484E21B}">
+  <ds:schemaRefs>
+    <ds:schemaRef ds:uri="http://schemas.microsoft.com/VisualStudio/2011/storyboarding/control"/>
+  </ds:schemaRefs>
+</ds:datastoreItem>
+</file>
+
+<file path=customXml/itemProps186.xml><?xml version="1.0" encoding="utf-8"?>
+<ds:datastoreItem xmlns:ds="http://schemas.openxmlformats.org/officeDocument/2006/customXml" ds:itemID="{3A1CF677-7ED7-42FC-8B92-EB1BA9F20F04}">
+  <ds:schemaRefs>
+    <ds:schemaRef ds:uri="http://schemas.microsoft.com/VisualStudio/2011/storyboarding/control"/>
+  </ds:schemaRefs>
+</ds:datastoreItem>
+</file>
+
+<file path=customXml/itemProps187.xml><?xml version="1.0" encoding="utf-8"?>
+<ds:datastoreItem xmlns:ds="http://schemas.openxmlformats.org/officeDocument/2006/customXml" ds:itemID="{2262AB97-89CA-4079-98DA-993B62EF26AB}">
+  <ds:schemaRefs>
+    <ds:schemaRef ds:uri="http://schemas.microsoft.com/VisualStudio/2011/storyboarding/control"/>
+  </ds:schemaRefs>
+</ds:datastoreItem>
+</file>
+
+<file path=customXml/itemProps188.xml><?xml version="1.0" encoding="utf-8"?>
+<ds:datastoreItem xmlns:ds="http://schemas.openxmlformats.org/officeDocument/2006/customXml" ds:itemID="{C962D66A-88E9-473B-8A7A-477B4CE13AF5}">
+  <ds:schemaRefs>
+    <ds:schemaRef ds:uri="http://schemas.microsoft.com/VisualStudio/2011/storyboarding/control"/>
+  </ds:schemaRefs>
+</ds:datastoreItem>
+</file>
+
+<file path=customXml/itemProps189.xml><?xml version="1.0" encoding="utf-8"?>
+<ds:datastoreItem xmlns:ds="http://schemas.openxmlformats.org/officeDocument/2006/customXml" ds:itemID="{B9D5874A-DB82-4E87-A995-5E70DBA4B3B0}">
+  <ds:schemaRefs>
+    <ds:schemaRef ds:uri="http://schemas.microsoft.com/VisualStudio/2011/storyboarding/control"/>
+  </ds:schemaRefs>
+</ds:datastoreItem>
+</file>
+
+<file path=customXml/itemProps19.xml><?xml version="1.0" encoding="utf-8"?>
+<ds:datastoreItem xmlns:ds="http://schemas.openxmlformats.org/officeDocument/2006/customXml" ds:itemID="{2BF8739F-5683-4161-86E5-5594FF1A2D59}">
+  <ds:schemaRefs>
+    <ds:schemaRef ds:uri="http://schemas.microsoft.com/VisualStudio/2011/storyboarding/control"/>
+  </ds:schemaRefs>
+</ds:datastoreItem>
+</file>
+
+<file path=customXml/itemProps190.xml><?xml version="1.0" encoding="utf-8"?>
+<ds:datastoreItem xmlns:ds="http://schemas.openxmlformats.org/officeDocument/2006/customXml" ds:itemID="{AD765DBE-9671-45BD-9DBB-9A8CD991D305}">
+  <ds:schemaRefs>
+    <ds:schemaRef ds:uri="http://schemas.microsoft.com/VisualStudio/2011/storyboarding/control"/>
+  </ds:schemaRefs>
+</ds:datastoreItem>
+</file>
+
+<file path=customXml/itemProps191.xml><?xml version="1.0" encoding="utf-8"?>
+<ds:datastoreItem xmlns:ds="http://schemas.openxmlformats.org/officeDocument/2006/customXml" ds:itemID="{77FAC5F0-DC78-4546-BD9F-1E67402040BC}">
+  <ds:schemaRefs>
+    <ds:schemaRef ds:uri="http://schemas.microsoft.com/VisualStudio/2011/storyboarding/control"/>
+  </ds:schemaRefs>
+</ds:datastoreItem>
+</file>
+
+<file path=customXml/itemProps192.xml><?xml version="1.0" encoding="utf-8"?>
+<ds:datastoreItem xmlns:ds="http://schemas.openxmlformats.org/officeDocument/2006/customXml" ds:itemID="{1BCAB8A9-1888-4E42-91F5-BD650F529D02}">
+  <ds:schemaRefs>
+    <ds:schemaRef ds:uri="http://schemas.microsoft.com/VisualStudio/2011/storyboarding/control"/>
+  </ds:schemaRefs>
+</ds:datastoreItem>
+</file>
+
+<file path=customXml/itemProps193.xml><?xml version="1.0" encoding="utf-8"?>
+<ds:datastoreItem xmlns:ds="http://schemas.openxmlformats.org/officeDocument/2006/customXml" ds:itemID="{C3BA9EF5-CEA3-4AE3-A3AB-B49C7AEF551E}">
+  <ds:schemaRefs>
+    <ds:schemaRef ds:uri="http://schemas.microsoft.com/VisualStudio/2011/storyboarding/control"/>
+  </ds:schemaRefs>
+</ds:datastoreItem>
+</file>
+
+<file path=customXml/itemProps194.xml><?xml version="1.0" encoding="utf-8"?>
+<ds:datastoreItem xmlns:ds="http://schemas.openxmlformats.org/officeDocument/2006/customXml" ds:itemID="{692BFDB2-FE54-49E1-A36F-BC62DE099071}">
+  <ds:schemaRefs>
+    <ds:schemaRef ds:uri="http://schemas.microsoft.com/VisualStudio/2011/storyboarding/control"/>
+  </ds:schemaRefs>
+</ds:datastoreItem>
+</file>
+
+<file path=customXml/itemProps195.xml><?xml version="1.0" encoding="utf-8"?>
+<ds:datastoreItem xmlns:ds="http://schemas.openxmlformats.org/officeDocument/2006/customXml" ds:itemID="{66761CE4-9EDC-423E-BC61-A27C029E5732}">
+  <ds:schemaRefs>
+    <ds:schemaRef ds:uri="http://schemas.microsoft.com/VisualStudio/2011/storyboarding/control"/>
+  </ds:schemaRefs>
+</ds:datastoreItem>
+</file>
+
+<file path=customXml/itemProps196.xml><?xml version="1.0" encoding="utf-8"?>
+<ds:datastoreItem xmlns:ds="http://schemas.openxmlformats.org/officeDocument/2006/customXml" ds:itemID="{83FE5952-B810-41DD-BC8D-EA4E6B2877C4}">
+  <ds:schemaRefs>
+    <ds:schemaRef ds:uri="http://schemas.microsoft.com/VisualStudio/2011/storyboarding/control"/>
+  </ds:schemaRefs>
+</ds:datastoreItem>
+</file>
+
+<file path=customXml/itemProps197.xml><?xml version="1.0" encoding="utf-8"?>
+<ds:datastoreItem xmlns:ds="http://schemas.openxmlformats.org/officeDocument/2006/customXml" ds:itemID="{20BEF8C9-6FB7-432D-9ED8-8FC9856F2A48}">
+  <ds:schemaRefs>
+    <ds:schemaRef ds:uri="http://schemas.microsoft.com/VisualStudio/2011/storyboarding/control"/>
+  </ds:schemaRefs>
+</ds:datastoreItem>
+</file>
+
+<file path=customXml/itemProps198.xml><?xml version="1.0" encoding="utf-8"?>
+<ds:datastoreItem xmlns:ds="http://schemas.openxmlformats.org/officeDocument/2006/customXml" ds:itemID="{6738B905-67C9-4D42-8403-1DFFFA0CD882}">
+  <ds:schemaRefs>
+    <ds:schemaRef ds:uri="http://schemas.microsoft.com/VisualStudio/2011/storyboarding/control"/>
+  </ds:schemaRefs>
+</ds:datastoreItem>
+</file>
+
+<file path=customXml/itemProps199.xml><?xml version="1.0" encoding="utf-8"?>
+<ds:datastoreItem xmlns:ds="http://schemas.openxmlformats.org/officeDocument/2006/customXml" ds:itemID="{A6D095BC-789E-4CE8-AA99-696AAAA6E3A4}">
+  <ds:schemaRefs>
+    <ds:schemaRef ds:uri="http://schemas.microsoft.com/VisualStudio/2011/storyboarding/control"/>
+  </ds:schemaRefs>
+</ds:datastoreItem>
+</file>
+
+<file path=customXml/itemProps2.xml><?xml version="1.0" encoding="utf-8"?>
+<ds:datastoreItem xmlns:ds="http://schemas.openxmlformats.org/officeDocument/2006/customXml" ds:itemID="{B69176FB-B87F-4E1E-9375-8D60FAF0057D}">
+  <ds:schemaRefs>
+    <ds:schemaRef ds:uri="http://schemas.microsoft.com/VisualStudio/2011/storyboarding/control"/>
+  </ds:schemaRefs>
+</ds:datastoreItem>
+</file>
+
+<file path=customXml/itemProps20.xml><?xml version="1.0" encoding="utf-8"?>
+<ds:datastoreItem xmlns:ds="http://schemas.openxmlformats.org/officeDocument/2006/customXml" ds:itemID="{371B535D-C55E-43ED-A8DA-6DA77E3D45BB}">
+  <ds:schemaRefs>
+    <ds:schemaRef ds:uri="http://schemas.microsoft.com/VisualStudio/2011/storyboarding/control"/>
+  </ds:schemaRefs>
+</ds:datastoreItem>
+</file>
+
+<file path=customXml/itemProps200.xml><?xml version="1.0" encoding="utf-8"?>
+<ds:datastoreItem xmlns:ds="http://schemas.openxmlformats.org/officeDocument/2006/customXml" ds:itemID="{C02F6C96-E07D-476F-9097-B75AF2B042BC}">
+  <ds:schemaRefs>
+    <ds:schemaRef ds:uri="http://schemas.microsoft.com/VisualStudio/2011/storyboarding/control"/>
+  </ds:schemaRefs>
+</ds:datastoreItem>
+</file>
+
+<file path=customXml/itemProps201.xml><?xml version="1.0" encoding="utf-8"?>
+<ds:datastoreItem xmlns:ds="http://schemas.openxmlformats.org/officeDocument/2006/customXml" ds:itemID="{1787789D-0EBA-4FE8-865A-15C7CED9FBEB}">
+  <ds:schemaRefs>
+    <ds:schemaRef ds:uri="http://schemas.microsoft.com/VisualStudio/2011/storyboarding/control"/>
+  </ds:schemaRefs>
+</ds:datastoreItem>
+</file>
+
+<file path=customXml/itemProps202.xml><?xml version="1.0" encoding="utf-8"?>
+<ds:datastoreItem xmlns:ds="http://schemas.openxmlformats.org/officeDocument/2006/customXml" ds:itemID="{98239294-B951-4171-BF7E-2E6B950C31FA}">
+  <ds:schemaRefs>
+    <ds:schemaRef ds:uri="http://schemas.microsoft.com/VisualStudio/2011/storyboarding/control"/>
+  </ds:schemaRefs>
+</ds:datastoreItem>
+</file>
+
+<file path=customXml/itemProps203.xml><?xml version="1.0" encoding="utf-8"?>
+<ds:datastoreItem xmlns:ds="http://schemas.openxmlformats.org/officeDocument/2006/customXml" ds:itemID="{09CE74FB-25C7-4560-B2D1-31C53C62D2F2}">
+  <ds:schemaRefs>
+    <ds:schemaRef ds:uri="http://schemas.microsoft.com/VisualStudio/2011/storyboarding/control"/>
+  </ds:schemaRefs>
+</ds:datastoreItem>
+</file>
+
+<file path=customXml/itemProps204.xml><?xml version="1.0" encoding="utf-8"?>
+<ds:datastoreItem xmlns:ds="http://schemas.openxmlformats.org/officeDocument/2006/customXml" ds:itemID="{76BBF26E-3DED-4C7C-8F9D-FEEFB1BBA3B1}">
+  <ds:schemaRefs>
+    <ds:schemaRef ds:uri="http://schemas.microsoft.com/VisualStudio/2011/storyboarding/control"/>
+  </ds:schemaRefs>
+</ds:datastoreItem>
+</file>
+
+<file path=customXml/itemProps205.xml><?xml version="1.0" encoding="utf-8"?>
+<ds:datastoreItem xmlns:ds="http://schemas.openxmlformats.org/officeDocument/2006/customXml" ds:itemID="{1F0604E9-97A2-431A-86E6-C9F311593E08}">
+  <ds:schemaRefs>
+    <ds:schemaRef ds:uri="http://schemas.microsoft.com/VisualStudio/2011/storyboarding/control"/>
+  </ds:schemaRefs>
+</ds:datastoreItem>
+</file>
+
+<file path=customXml/itemProps206.xml><?xml version="1.0" encoding="utf-8"?>
+<ds:datastoreItem xmlns:ds="http://schemas.openxmlformats.org/officeDocument/2006/customXml" ds:itemID="{919EABC3-E2C5-43C3-AF76-EB64A9434D0D}">
+  <ds:schemaRefs>
+    <ds:schemaRef ds:uri="http://schemas.microsoft.com/VisualStudio/2011/storyboarding/control"/>
+  </ds:schemaRefs>
+</ds:datastoreItem>
+</file>
+
+<file path=customXml/itemProps207.xml><?xml version="1.0" encoding="utf-8"?>
+<ds:datastoreItem xmlns:ds="http://schemas.openxmlformats.org/officeDocument/2006/customXml" ds:itemID="{8159193B-BADF-419B-B907-5EF8622C190C}">
+  <ds:schemaRefs>
+    <ds:schemaRef ds:uri="http://schemas.microsoft.com/VisualStudio/2011/storyboarding/control"/>
+  </ds:schemaRefs>
+</ds:datastoreItem>
+</file>
+
+<file path=customXml/itemProps208.xml><?xml version="1.0" encoding="utf-8"?>
+<ds:datastoreItem xmlns:ds="http://schemas.openxmlformats.org/officeDocument/2006/customXml" ds:itemID="{B95884A5-3DD4-499F-8287-5E7A85124B51}">
+  <ds:schemaRefs>
+    <ds:schemaRef ds:uri="http://schemas.microsoft.com/VisualStudio/2011/storyboarding/control"/>
+  </ds:schemaRefs>
+</ds:datastoreItem>
+</file>
+
+<file path=customXml/itemProps209.xml><?xml version="1.0" encoding="utf-8"?>
+<ds:datastoreItem xmlns:ds="http://schemas.openxmlformats.org/officeDocument/2006/customXml" ds:itemID="{8E75C575-581D-41C1-833A-EA93BF9CCB04}">
+  <ds:schemaRefs>
+    <ds:schemaRef ds:uri="http://schemas.microsoft.com/VisualStudio/2011/storyboarding/control"/>
+  </ds:schemaRefs>
+</ds:datastoreItem>
+</file>
+
+<file path=customXml/itemProps21.xml><?xml version="1.0" encoding="utf-8"?>
+<ds:datastoreItem xmlns:ds="http://schemas.openxmlformats.org/officeDocument/2006/customXml" ds:itemID="{BD7F245B-D69F-4F08-A7F4-28005B361C32}">
+  <ds:schemaRefs>
+    <ds:schemaRef ds:uri="http://schemas.microsoft.com/VisualStudio/2011/storyboarding/control"/>
+  </ds:schemaRefs>
+</ds:datastoreItem>
+</file>
+
+<file path=customXml/itemProps210.xml><?xml version="1.0" encoding="utf-8"?>
+<ds:datastoreItem xmlns:ds="http://schemas.openxmlformats.org/officeDocument/2006/customXml" ds:itemID="{F289DBB7-301A-49B9-A05C-7204F013A6A1}">
+  <ds:schemaRefs>
+    <ds:schemaRef ds:uri="http://schemas.microsoft.com/VisualStudio/2011/storyboarding/control"/>
+  </ds:schemaRefs>
+</ds:datastoreItem>
+</file>
+
+<file path=customXml/itemProps211.xml><?xml version="1.0" encoding="utf-8"?>
+<ds:datastoreItem xmlns:ds="http://schemas.openxmlformats.org/officeDocument/2006/customXml" ds:itemID="{B6B9C910-7729-4399-A2A4-124811EF2AAD}">
+  <ds:schemaRefs>
+    <ds:schemaRef ds:uri="http://schemas.microsoft.com/VisualStudio/2011/storyboarding/control"/>
+  </ds:schemaRefs>
+</ds:datastoreItem>
+</file>
+
+<file path=customXml/itemProps212.xml><?xml version="1.0" encoding="utf-8"?>
+<ds:datastoreItem xmlns:ds="http://schemas.openxmlformats.org/officeDocument/2006/customXml" ds:itemID="{3E8B6194-5AF1-4A7F-A860-08884876DB99}">
+  <ds:schemaRefs>
+    <ds:schemaRef ds:uri="http://schemas.microsoft.com/VisualStudio/2011/storyboarding/control"/>
+  </ds:schemaRefs>
+</ds:datastoreItem>
+</file>
+
+<file path=customXml/itemProps213.xml><?xml version="1.0" encoding="utf-8"?>
+<ds:datastoreItem xmlns:ds="http://schemas.openxmlformats.org/officeDocument/2006/customXml" ds:itemID="{86A76FA3-4235-4BDB-A418-31656486084F}">
+  <ds:schemaRefs>
+    <ds:schemaRef ds:uri="http://schemas.microsoft.com/VisualStudio/2011/storyboarding/control"/>
+  </ds:schemaRefs>
+</ds:datastoreItem>
+</file>
+
+<file path=customXml/itemProps214.xml><?xml version="1.0" encoding="utf-8"?>
+<ds:datastoreItem xmlns:ds="http://schemas.openxmlformats.org/officeDocument/2006/customXml" ds:itemID="{875DA8D0-9C6C-44D9-B84C-C4B5FD322C1A}">
+  <ds:schemaRefs>
+    <ds:schemaRef ds:uri="http://schemas.microsoft.com/VisualStudio/2011/storyboarding/control"/>
+  </ds:schemaRefs>
+</ds:datastoreItem>
+</file>
+
+<file path=customXml/itemProps215.xml><?xml version="1.0" encoding="utf-8"?>
+<ds:datastoreItem xmlns:ds="http://schemas.openxmlformats.org/officeDocument/2006/customXml" ds:itemID="{D3BE8F19-E498-4C40-AD0A-FD52BCF38C35}">
+  <ds:schemaRefs>
+    <ds:schemaRef ds:uri="http://schemas.microsoft.com/VisualStudio/2011/storyboarding/control"/>
+  </ds:schemaRefs>
+</ds:datastoreItem>
+</file>
+
+<file path=customXml/itemProps216.xml><?xml version="1.0" encoding="utf-8"?>
+<ds:datastoreItem xmlns:ds="http://schemas.openxmlformats.org/officeDocument/2006/customXml" ds:itemID="{7189590F-1A48-46F3-B24A-D8D0F3BA0A15}">
+  <ds:schemaRefs>
+    <ds:schemaRef ds:uri="http://schemas.microsoft.com/VisualStudio/2011/storyboarding/control"/>
+  </ds:schemaRefs>
+</ds:datastoreItem>
+</file>
+
+<file path=customXml/itemProps217.xml><?xml version="1.0" encoding="utf-8"?>
+<ds:datastoreItem xmlns:ds="http://schemas.openxmlformats.org/officeDocument/2006/customXml" ds:itemID="{2F6BDFFF-5546-47E4-8CF1-5354DFE6CFD9}">
+  <ds:schemaRefs>
+    <ds:schemaRef ds:uri="http://schemas.microsoft.com/VisualStudio/2011/storyboarding/control"/>
+  </ds:schemaRefs>
+</ds:datastoreItem>
+</file>
+
+<file path=customXml/itemProps218.xml><?xml version="1.0" encoding="utf-8"?>
+<ds:datastoreItem xmlns:ds="http://schemas.openxmlformats.org/officeDocument/2006/customXml" ds:itemID="{606CF5D4-B3F8-40BD-8704-7E44E4F5719F}">
+  <ds:schemaRefs>
+    <ds:schemaRef ds:uri="http://schemas.microsoft.com/VisualStudio/2011/storyboarding/control"/>
+  </ds:schemaRefs>
+</ds:datastoreItem>
+</file>
+
+<file path=customXml/itemProps219.xml><?xml version="1.0" encoding="utf-8"?>
+<ds:datastoreItem xmlns:ds="http://schemas.openxmlformats.org/officeDocument/2006/customXml" ds:itemID="{66876AD8-FD3E-409F-945F-9F02A3C476A3}">
+  <ds:schemaRefs>
+    <ds:schemaRef ds:uri="http://schemas.microsoft.com/VisualStudio/2011/storyboarding/control"/>
+  </ds:schemaRefs>
+</ds:datastoreItem>
+</file>
+
+<file path=customXml/itemProps22.xml><?xml version="1.0" encoding="utf-8"?>
+<ds:datastoreItem xmlns:ds="http://schemas.openxmlformats.org/officeDocument/2006/customXml" ds:itemID="{DC6DE712-FAC2-48EF-8F42-43EFC4A596F1}">
+  <ds:schemaRefs>
+    <ds:schemaRef ds:uri="http://schemas.microsoft.com/VisualStudio/2011/storyboarding/control"/>
+  </ds:schemaRefs>
+</ds:datastoreItem>
+</file>
+
+<file path=customXml/itemProps220.xml><?xml version="1.0" encoding="utf-8"?>
+<ds:datastoreItem xmlns:ds="http://schemas.openxmlformats.org/officeDocument/2006/customXml" ds:itemID="{356E3D99-BE40-4EAC-A6C1-6B612678EA9D}">
+  <ds:schemaRefs>
+    <ds:schemaRef ds:uri="http://schemas.microsoft.com/VisualStudio/2011/storyboarding/control"/>
+  </ds:schemaRefs>
+</ds:datastoreItem>
+</file>
+
+<file path=customXml/itemProps221.xml><?xml version="1.0" encoding="utf-8"?>
+<ds:datastoreItem xmlns:ds="http://schemas.openxmlformats.org/officeDocument/2006/customXml" ds:itemID="{E365656C-FD98-42DE-B12C-6E9701BB8103}">
+  <ds:schemaRefs>
+    <ds:schemaRef ds:uri="http://schemas.microsoft.com/VisualStudio/2011/storyboarding/control"/>
+  </ds:schemaRefs>
+</ds:datastoreItem>
+</file>
+
+<file path=customXml/itemProps222.xml><?xml version="1.0" encoding="utf-8"?>
+<ds:datastoreItem xmlns:ds="http://schemas.openxmlformats.org/officeDocument/2006/customXml" ds:itemID="{452A5613-1F1F-4ABC-81F7-3303A828A0B8}">
+  <ds:schemaRefs>
+    <ds:schemaRef ds:uri="http://schemas.microsoft.com/VisualStudio/2011/storyboarding/control"/>
+  </ds:schemaRefs>
+</ds:datastoreItem>
+</file>
+
+<file path=customXml/itemProps223.xml><?xml version="1.0" encoding="utf-8"?>
+<ds:datastoreItem xmlns:ds="http://schemas.openxmlformats.org/officeDocument/2006/customXml" ds:itemID="{F8FA2D94-E06D-4220-BA47-2995FB7C8D12}">
+  <ds:schemaRefs>
+    <ds:schemaRef ds:uri="http://schemas.microsoft.com/VisualStudio/2011/storyboarding/control"/>
+  </ds:schemaRefs>
+</ds:datastoreItem>
+</file>
+
+<file path=customXml/itemProps224.xml><?xml version="1.0" encoding="utf-8"?>
+<ds:datastoreItem xmlns:ds="http://schemas.openxmlformats.org/officeDocument/2006/customXml" ds:itemID="{387D2E86-F190-4CEF-A687-BC810EFEE0E5}">
+  <ds:schemaRefs>
+    <ds:schemaRef ds:uri="http://schemas.microsoft.com/VisualStudio/2011/storyboarding/control"/>
+  </ds:schemaRefs>
+</ds:datastoreItem>
+</file>
+
+<file path=customXml/itemProps225.xml><?xml version="1.0" encoding="utf-8"?>
+<ds:datastoreItem xmlns:ds="http://schemas.openxmlformats.org/officeDocument/2006/customXml" ds:itemID="{5B9963A3-3AC0-4145-B224-2FDB1D50D8CF}">
+  <ds:schemaRefs>
+    <ds:schemaRef ds:uri="http://schemas.microsoft.com/VisualStudio/2011/storyboarding/control"/>
+  </ds:schemaRefs>
+</ds:datastoreItem>
+</file>
+
+<file path=customXml/itemProps226.xml><?xml version="1.0" encoding="utf-8"?>
+<ds:datastoreItem xmlns:ds="http://schemas.openxmlformats.org/officeDocument/2006/customXml" ds:itemID="{3BB98DE0-C029-4931-AD22-9DDCE0A7F55B}">
+  <ds:schemaRefs>
+    <ds:schemaRef ds:uri="http://schemas.microsoft.com/VisualStudio/2011/storyboarding/control"/>
+  </ds:schemaRefs>
+</ds:datastoreItem>
+</file>
+
+<file path=customXml/itemProps227.xml><?xml version="1.0" encoding="utf-8"?>
+<ds:datastoreItem xmlns:ds="http://schemas.openxmlformats.org/officeDocument/2006/customXml" ds:itemID="{2479DC2C-EF0B-41AF-B612-40020B463D9B}">
+  <ds:schemaRefs>
+    <ds:schemaRef ds:uri="http://schemas.microsoft.com/VisualStudio/2011/storyboarding/control"/>
+  </ds:schemaRefs>
+</ds:datastoreItem>
+</file>
+
+<file path=customXml/itemProps228.xml><?xml version="1.0" encoding="utf-8"?>
+<ds:datastoreItem xmlns:ds="http://schemas.openxmlformats.org/officeDocument/2006/customXml" ds:itemID="{40F569EB-8ABB-4446-9E42-226E6AA99E71}">
+  <ds:schemaRefs>
+    <ds:schemaRef ds:uri="http://schemas.microsoft.com/VisualStudio/2011/storyboarding/control"/>
+  </ds:schemaRefs>
+</ds:datastoreItem>
+</file>
+
+<file path=customXml/itemProps229.xml><?xml version="1.0" encoding="utf-8"?>
+<ds:datastoreItem xmlns:ds="http://schemas.openxmlformats.org/officeDocument/2006/customXml" ds:itemID="{77674E22-E958-4C98-881E-833176FE57EF}">
+  <ds:schemaRefs>
+    <ds:schemaRef ds:uri="http://schemas.microsoft.com/VisualStudio/2011/storyboarding/control"/>
+  </ds:schemaRefs>
+</ds:datastoreItem>
+</file>
+
+<file path=customXml/itemProps23.xml><?xml version="1.0" encoding="utf-8"?>
+<ds:datastoreItem xmlns:ds="http://schemas.openxmlformats.org/officeDocument/2006/customXml" ds:itemID="{2227405F-AD2B-44C3-ADF8-746334825D1B}">
+  <ds:schemaRefs>
+    <ds:schemaRef ds:uri="http://schemas.microsoft.com/VisualStudio/2011/storyboarding/control"/>
+  </ds:schemaRefs>
+</ds:datastoreItem>
+</file>
+
+<file path=customXml/itemProps230.xml><?xml version="1.0" encoding="utf-8"?>
+<ds:datastoreItem xmlns:ds="http://schemas.openxmlformats.org/officeDocument/2006/customXml" ds:itemID="{113CC0A4-04F5-4B9D-A17B-5C03BA1F3CAC}">
+  <ds:schemaRefs>
+    <ds:schemaRef ds:uri="http://schemas.microsoft.com/VisualStudio/2011/storyboarding/control"/>
+  </ds:schemaRefs>
+</ds:datastoreItem>
+</file>
+
+<file path=customXml/itemProps231.xml><?xml version="1.0" encoding="utf-8"?>
+<ds:datastoreItem xmlns:ds="http://schemas.openxmlformats.org/officeDocument/2006/customXml" ds:itemID="{6D348E8A-0011-403D-B403-2D791AB6B29D}">
+  <ds:schemaRefs>
+    <ds:schemaRef ds:uri="http://schemas.microsoft.com/VisualStudio/2011/storyboarding/control"/>
+  </ds:schemaRefs>
+</ds:datastoreItem>
+</file>
+
+<file path=customXml/itemProps232.xml><?xml version="1.0" encoding="utf-8"?>
+<ds:datastoreItem xmlns:ds="http://schemas.openxmlformats.org/officeDocument/2006/customXml" ds:itemID="{0ACD7F9E-6922-401E-AD61-6FDDCBE9BAA8}">
+  <ds:schemaRefs>
+    <ds:schemaRef ds:uri="http://schemas.microsoft.com/VisualStudio/2011/storyboarding/control"/>
+  </ds:schemaRefs>
+</ds:datastoreItem>
+</file>
+
+<file path=customXml/itemProps233.xml><?xml version="1.0" encoding="utf-8"?>
+<ds:datastoreItem xmlns:ds="http://schemas.openxmlformats.org/officeDocument/2006/customXml" ds:itemID="{DB6E0612-8B1D-4BE3-AC72-D821C426DE75}">
+  <ds:schemaRefs>
+    <ds:schemaRef ds:uri="http://schemas.microsoft.com/VisualStudio/2011/storyboarding/control"/>
+  </ds:schemaRefs>
+</ds:datastoreItem>
+</file>
+
+<file path=customXml/itemProps234.xml><?xml version="1.0" encoding="utf-8"?>
+<ds:datastoreItem xmlns:ds="http://schemas.openxmlformats.org/officeDocument/2006/customXml" ds:itemID="{D1D581BF-65A6-451F-B562-28FFFDB17EBE}">
+  <ds:schemaRefs>
+    <ds:schemaRef ds:uri="http://schemas.microsoft.com/VisualStudio/2011/storyboarding/control"/>
+  </ds:schemaRefs>
+</ds:datastoreItem>
+</file>
+
+<file path=customXml/itemProps235.xml><?xml version="1.0" encoding="utf-8"?>
+<ds:datastoreItem xmlns:ds="http://schemas.openxmlformats.org/officeDocument/2006/customXml" ds:itemID="{5F6A41BF-2E92-4F14-BAD8-36D53D1258B9}">
+  <ds:schemaRefs>
+    <ds:schemaRef ds:uri="http://schemas.microsoft.com/VisualStudio/2011/storyboarding/control"/>
+  </ds:schemaRefs>
+</ds:datastoreItem>
+</file>
+
+<file path=customXml/itemProps236.xml><?xml version="1.0" encoding="utf-8"?>
+<ds:datastoreItem xmlns:ds="http://schemas.openxmlformats.org/officeDocument/2006/customXml" ds:itemID="{7370362F-DF9E-4D13-86A6-8D6D39B4B8E3}">
+  <ds:schemaRefs>
+    <ds:schemaRef ds:uri="http://schemas.microsoft.com/VisualStudio/2011/storyboarding/control"/>
+  </ds:schemaRefs>
+</ds:datastoreItem>
+</file>
+
+<file path=customXml/itemProps237.xml><?xml version="1.0" encoding="utf-8"?>
+<ds:datastoreItem xmlns:ds="http://schemas.openxmlformats.org/officeDocument/2006/customXml" ds:itemID="{CB60C352-926D-4B06-8BE1-EF0755110463}">
+  <ds:schemaRefs>
+    <ds:schemaRef ds:uri="http://schemas.microsoft.com/VisualStudio/2011/storyboarding/control"/>
+  </ds:schemaRefs>
+</ds:datastoreItem>
+</file>
+
+<file path=customXml/itemProps238.xml><?xml version="1.0" encoding="utf-8"?>
+<ds:datastoreItem xmlns:ds="http://schemas.openxmlformats.org/officeDocument/2006/customXml" ds:itemID="{998411DF-88EB-4820-BD6A-310BD2399BD0}">
+  <ds:schemaRefs>
+    <ds:schemaRef ds:uri="http://schemas.microsoft.com/VisualStudio/2011/storyboarding/control"/>
+  </ds:schemaRefs>
+</ds:datastoreItem>
+</file>
+
+<file path=customXml/itemProps239.xml><?xml version="1.0" encoding="utf-8"?>
+<ds:datastoreItem xmlns:ds="http://schemas.openxmlformats.org/officeDocument/2006/customXml" ds:itemID="{79F4C3AA-101F-4B48-BC66-EB35454CC9AD}">
+  <ds:schemaRefs>
+    <ds:schemaRef ds:uri="http://schemas.microsoft.com/VisualStudio/2011/storyboarding/control"/>
+  </ds:schemaRefs>
+</ds:datastoreItem>
+</file>
+
+<file path=customXml/itemProps24.xml><?xml version="1.0" encoding="utf-8"?>
+<ds:datastoreItem xmlns:ds="http://schemas.openxmlformats.org/officeDocument/2006/customXml" ds:itemID="{9BC0CB4D-BF5E-434C-A27C-66597D46EEDF}">
+  <ds:schemaRefs>
+    <ds:schemaRef ds:uri="http://schemas.microsoft.com/VisualStudio/2011/storyboarding/control"/>
+  </ds:schemaRefs>
+</ds:datastoreItem>
+</file>
+
+<file path=customXml/itemProps240.xml><?xml version="1.0" encoding="utf-8"?>
+<ds:datastoreItem xmlns:ds="http://schemas.openxmlformats.org/officeDocument/2006/customXml" ds:itemID="{360AAA09-4D6B-4080-966E-6CECA704A0AD}">
+  <ds:schemaRefs>
+    <ds:schemaRef ds:uri="http://schemas.microsoft.com/VisualStudio/2011/storyboarding/control"/>
+  </ds:schemaRefs>
+</ds:datastoreItem>
+</file>
+
+<file path=customXml/itemProps241.xml><?xml version="1.0" encoding="utf-8"?>
+<ds:datastoreItem xmlns:ds="http://schemas.openxmlformats.org/officeDocument/2006/customXml" ds:itemID="{2E5FE19B-9A80-42C7-8803-75C5FE2C8E38}">
+  <ds:schemaRefs>
+    <ds:schemaRef ds:uri="http://schemas.microsoft.com/VisualStudio/2011/storyboarding/control"/>
+  </ds:schemaRefs>
+</ds:datastoreItem>
+</file>
+
+<file path=customXml/itemProps242.xml><?xml version="1.0" encoding="utf-8"?>
+<ds:datastoreItem xmlns:ds="http://schemas.openxmlformats.org/officeDocument/2006/customXml" ds:itemID="{E7073ACC-ED47-46EB-93A2-943D352CC737}">
+  <ds:schemaRefs>
+    <ds:schemaRef ds:uri="http://schemas.microsoft.com/VisualStudio/2011/storyboarding/control"/>
+  </ds:schemaRefs>
+</ds:datastoreItem>
+</file>
+
+<file path=customXml/itemProps243.xml><?xml version="1.0" encoding="utf-8"?>
+<ds:datastoreItem xmlns:ds="http://schemas.openxmlformats.org/officeDocument/2006/customXml" ds:itemID="{ACC1D029-4DA6-4263-8BB1-54527B14416B}">
+  <ds:schemaRefs>
+    <ds:schemaRef ds:uri="http://schemas.microsoft.com/VisualStudio/2011/storyboarding/control"/>
+  </ds:schemaRefs>
+</ds:datastoreItem>
+</file>
+
+<file path=customXml/itemProps244.xml><?xml version="1.0" encoding="utf-8"?>
+<ds:datastoreItem xmlns:ds="http://schemas.openxmlformats.org/officeDocument/2006/customXml" ds:itemID="{64E59FFC-D8D8-4E52-B11B-0543A90F6B8E}">
+  <ds:schemaRefs>
+    <ds:schemaRef ds:uri="http://schemas.microsoft.com/VisualStudio/2011/storyboarding/control"/>
+  </ds:schemaRefs>
+</ds:datastoreItem>
+</file>
+
+<file path=customXml/itemProps245.xml><?xml version="1.0" encoding="utf-8"?>
+<ds:datastoreItem xmlns:ds="http://schemas.openxmlformats.org/officeDocument/2006/customXml" ds:itemID="{6DD2B541-6C60-4151-B23B-67CDB2C810F8}">
+  <ds:schemaRefs>
+    <ds:schemaRef ds:uri="http://schemas.microsoft.com/VisualStudio/2011/storyboarding/control"/>
+  </ds:schemaRefs>
+</ds:datastoreItem>
+</file>
+
+<file path=customXml/itemProps246.xml><?xml version="1.0" encoding="utf-8"?>
+<ds:datastoreItem xmlns:ds="http://schemas.openxmlformats.org/officeDocument/2006/customXml" ds:itemID="{16EAB064-496F-4B1C-BA3B-C699F7502928}">
+  <ds:schemaRefs>
+    <ds:schemaRef ds:uri="http://schemas.microsoft.com/VisualStudio/2011/storyboarding/control"/>
+  </ds:schemaRefs>
+</ds:datastoreItem>
+</file>
+
+<file path=customXml/itemProps247.xml><?xml version="1.0" encoding="utf-8"?>
 <ds:datastoreItem xmlns:ds="http://schemas.openxmlformats.org/officeDocument/2006/customXml" ds:itemID="{B174ADE3-21E2-481C-8E8A-011947EAD38E}">
   <ds:schemaRefs>
     <ds:schemaRef ds:uri="http://schemas.microsoft.com/VisualStudio/2011/storyboarding/control"/>
@@ -27800,7 +29557,839 @@
 </ds:datastoreItem>
 </file>
 
-<file path=customXml/itemProps100.xml><?xml version="1.0" encoding="utf-8"?>
+<file path=customXml/itemProps248.xml><?xml version="1.0" encoding="utf-8"?>
+<ds:datastoreItem xmlns:ds="http://schemas.openxmlformats.org/officeDocument/2006/customXml" ds:itemID="{A72FA915-E35F-4234-A403-255F8B6BF53C}">
+  <ds:schemaRefs>
+    <ds:schemaRef ds:uri="http://schemas.microsoft.com/VisualStudio/2011/storyboarding/control"/>
+  </ds:schemaRefs>
+</ds:datastoreItem>
+</file>
+
+<file path=customXml/itemProps249.xml><?xml version="1.0" encoding="utf-8"?>
+<ds:datastoreItem xmlns:ds="http://schemas.openxmlformats.org/officeDocument/2006/customXml" ds:itemID="{7D83CF62-C030-46A5-BB42-EA6E29EB49F5}">
+  <ds:schemaRefs>
+    <ds:schemaRef ds:uri="http://schemas.microsoft.com/VisualStudio/2011/storyboarding/control"/>
+  </ds:schemaRefs>
+</ds:datastoreItem>
+</file>
+
+<file path=customXml/itemProps25.xml><?xml version="1.0" encoding="utf-8"?>
+<ds:datastoreItem xmlns:ds="http://schemas.openxmlformats.org/officeDocument/2006/customXml" ds:itemID="{4274C42F-63E9-49F9-B959-AD75845B8D07}">
+  <ds:schemaRefs>
+    <ds:schemaRef ds:uri="http://schemas.microsoft.com/VisualStudio/2011/storyboarding/control"/>
+  </ds:schemaRefs>
+</ds:datastoreItem>
+</file>
+
+<file path=customXml/itemProps250.xml><?xml version="1.0" encoding="utf-8"?>
+<ds:datastoreItem xmlns:ds="http://schemas.openxmlformats.org/officeDocument/2006/customXml" ds:itemID="{AA953C0C-C7E8-435A-942A-9B0F1C2CF485}">
+  <ds:schemaRefs>
+    <ds:schemaRef ds:uri="http://schemas.microsoft.com/VisualStudio/2011/storyboarding/control"/>
+  </ds:schemaRefs>
+</ds:datastoreItem>
+</file>
+
+<file path=customXml/itemProps251.xml><?xml version="1.0" encoding="utf-8"?>
+<ds:datastoreItem xmlns:ds="http://schemas.openxmlformats.org/officeDocument/2006/customXml" ds:itemID="{0026E863-1463-490E-A7C3-462BE194A97F}">
+  <ds:schemaRefs>
+    <ds:schemaRef ds:uri="http://schemas.microsoft.com/VisualStudio/2011/storyboarding/control"/>
+  </ds:schemaRefs>
+</ds:datastoreItem>
+</file>
+
+<file path=customXml/itemProps252.xml><?xml version="1.0" encoding="utf-8"?>
+<ds:datastoreItem xmlns:ds="http://schemas.openxmlformats.org/officeDocument/2006/customXml" ds:itemID="{052D3153-F81F-47D0-946E-5920405FFC24}">
+  <ds:schemaRefs>
+    <ds:schemaRef ds:uri="http://schemas.microsoft.com/VisualStudio/2011/storyboarding/control"/>
+  </ds:schemaRefs>
+</ds:datastoreItem>
+</file>
+
+<file path=customXml/itemProps253.xml><?xml version="1.0" encoding="utf-8"?>
+<ds:datastoreItem xmlns:ds="http://schemas.openxmlformats.org/officeDocument/2006/customXml" ds:itemID="{2814AD4B-2F19-4F35-8A58-D8242B0ACE47}">
+  <ds:schemaRefs>
+    <ds:schemaRef ds:uri="http://schemas.microsoft.com/VisualStudio/2011/storyboarding/control"/>
+  </ds:schemaRefs>
+</ds:datastoreItem>
+</file>
+
+<file path=customXml/itemProps254.xml><?xml version="1.0" encoding="utf-8"?>
+<ds:datastoreItem xmlns:ds="http://schemas.openxmlformats.org/officeDocument/2006/customXml" ds:itemID="{51E7E7C7-3695-4277-9E7A-A34209D6DE42}">
+  <ds:schemaRefs>
+    <ds:schemaRef ds:uri="http://schemas.microsoft.com/VisualStudio/2011/storyboarding/control"/>
+  </ds:schemaRefs>
+</ds:datastoreItem>
+</file>
+
+<file path=customXml/itemProps255.xml><?xml version="1.0" encoding="utf-8"?>
+<ds:datastoreItem xmlns:ds="http://schemas.openxmlformats.org/officeDocument/2006/customXml" ds:itemID="{F43A8394-35B7-4FC2-9A02-D6D8AE850C46}">
+  <ds:schemaRefs>
+    <ds:schemaRef ds:uri="http://schemas.microsoft.com/VisualStudio/2011/storyboarding/control"/>
+  </ds:schemaRefs>
+</ds:datastoreItem>
+</file>
+
+<file path=customXml/itemProps256.xml><?xml version="1.0" encoding="utf-8"?>
+<ds:datastoreItem xmlns:ds="http://schemas.openxmlformats.org/officeDocument/2006/customXml" ds:itemID="{3460344E-D266-403C-A85A-FBB6CE579F2C}">
+  <ds:schemaRefs>
+    <ds:schemaRef ds:uri="http://schemas.microsoft.com/VisualStudio/2011/storyboarding/control"/>
+  </ds:schemaRefs>
+</ds:datastoreItem>
+</file>
+
+<file path=customXml/itemProps257.xml><?xml version="1.0" encoding="utf-8"?>
+<ds:datastoreItem xmlns:ds="http://schemas.openxmlformats.org/officeDocument/2006/customXml" ds:itemID="{7237F07E-A930-4D5B-AB6B-A69936D64469}">
+  <ds:schemaRefs>
+    <ds:schemaRef ds:uri="http://schemas.microsoft.com/VisualStudio/2011/storyboarding/control"/>
+  </ds:schemaRefs>
+</ds:datastoreItem>
+</file>
+
+<file path=customXml/itemProps258.xml><?xml version="1.0" encoding="utf-8"?>
+<ds:datastoreItem xmlns:ds="http://schemas.openxmlformats.org/officeDocument/2006/customXml" ds:itemID="{5556FE01-90D7-4920-A96A-8D15FC962703}">
+  <ds:schemaRefs>
+    <ds:schemaRef ds:uri="http://schemas.microsoft.com/VisualStudio/2011/storyboarding/control"/>
+  </ds:schemaRefs>
+</ds:datastoreItem>
+</file>
+
+<file path=customXml/itemProps259.xml><?xml version="1.0" encoding="utf-8"?>
+<ds:datastoreItem xmlns:ds="http://schemas.openxmlformats.org/officeDocument/2006/customXml" ds:itemID="{916637F0-59B8-45B1-A013-C6D7D7F87CDE}">
+  <ds:schemaRefs>
+    <ds:schemaRef ds:uri="http://schemas.microsoft.com/VisualStudio/2011/storyboarding/control"/>
+  </ds:schemaRefs>
+</ds:datastoreItem>
+</file>
+
+<file path=customXml/itemProps26.xml><?xml version="1.0" encoding="utf-8"?>
+<ds:datastoreItem xmlns:ds="http://schemas.openxmlformats.org/officeDocument/2006/customXml" ds:itemID="{8FFBA1EB-8640-41D3-90AB-ABBFC6BE36B9}">
+  <ds:schemaRefs>
+    <ds:schemaRef ds:uri="http://schemas.microsoft.com/VisualStudio/2011/storyboarding/control"/>
+  </ds:schemaRefs>
+</ds:datastoreItem>
+</file>
+
+<file path=customXml/itemProps260.xml><?xml version="1.0" encoding="utf-8"?>
+<ds:datastoreItem xmlns:ds="http://schemas.openxmlformats.org/officeDocument/2006/customXml" ds:itemID="{0F678DC3-7A11-4960-98D1-2284A12D1CFC}">
+  <ds:schemaRefs>
+    <ds:schemaRef ds:uri="http://schemas.microsoft.com/VisualStudio/2011/storyboarding/control"/>
+  </ds:schemaRefs>
+</ds:datastoreItem>
+</file>
+
+<file path=customXml/itemProps261.xml><?xml version="1.0" encoding="utf-8"?>
+<ds:datastoreItem xmlns:ds="http://schemas.openxmlformats.org/officeDocument/2006/customXml" ds:itemID="{F2E2DD80-6264-46C6-8166-945CA6960AF7}">
+  <ds:schemaRefs>
+    <ds:schemaRef ds:uri="http://schemas.microsoft.com/VisualStudio/2011/storyboarding/control"/>
+  </ds:schemaRefs>
+</ds:datastoreItem>
+</file>
+
+<file path=customXml/itemProps262.xml><?xml version="1.0" encoding="utf-8"?>
+<ds:datastoreItem xmlns:ds="http://schemas.openxmlformats.org/officeDocument/2006/customXml" ds:itemID="{004B09A5-32AD-4CCB-8361-A2EF01A5A068}">
+  <ds:schemaRefs>
+    <ds:schemaRef ds:uri="http://schemas.microsoft.com/VisualStudio/2011/storyboarding/control"/>
+  </ds:schemaRefs>
+</ds:datastoreItem>
+</file>
+
+<file path=customXml/itemProps263.xml><?xml version="1.0" encoding="utf-8"?>
+<ds:datastoreItem xmlns:ds="http://schemas.openxmlformats.org/officeDocument/2006/customXml" ds:itemID="{42202DCE-A05C-4F65-B84A-0A0834D65E33}">
+  <ds:schemaRefs>
+    <ds:schemaRef ds:uri="http://schemas.microsoft.com/VisualStudio/2011/storyboarding/control"/>
+  </ds:schemaRefs>
+</ds:datastoreItem>
+</file>
+
+<file path=customXml/itemProps264.xml><?xml version="1.0" encoding="utf-8"?>
+<ds:datastoreItem xmlns:ds="http://schemas.openxmlformats.org/officeDocument/2006/customXml" ds:itemID="{883EAB1A-18F1-41A1-87DF-62F639BB46CC}">
+  <ds:schemaRefs>
+    <ds:schemaRef ds:uri="http://schemas.microsoft.com/VisualStudio/2011/storyboarding/control"/>
+  </ds:schemaRefs>
+</ds:datastoreItem>
+</file>
+
+<file path=customXml/itemProps265.xml><?xml version="1.0" encoding="utf-8"?>
+<ds:datastoreItem xmlns:ds="http://schemas.openxmlformats.org/officeDocument/2006/customXml" ds:itemID="{1DA6B2D5-7BA3-4219-AB02-3698109D5106}">
+  <ds:schemaRefs>
+    <ds:schemaRef ds:uri="http://schemas.microsoft.com/VisualStudio/2011/storyboarding/control"/>
+  </ds:schemaRefs>
+</ds:datastoreItem>
+</file>
+
+<file path=customXml/itemProps266.xml><?xml version="1.0" encoding="utf-8"?>
+<ds:datastoreItem xmlns:ds="http://schemas.openxmlformats.org/officeDocument/2006/customXml" ds:itemID="{E24D2A77-108A-4A6C-B757-97D779AC67C4}">
+  <ds:schemaRefs>
+    <ds:schemaRef ds:uri="http://schemas.microsoft.com/VisualStudio/2011/storyboarding/control"/>
+  </ds:schemaRefs>
+</ds:datastoreItem>
+</file>
+
+<file path=customXml/itemProps267.xml><?xml version="1.0" encoding="utf-8"?>
+<ds:datastoreItem xmlns:ds="http://schemas.openxmlformats.org/officeDocument/2006/customXml" ds:itemID="{699876C8-5F05-460B-B233-E045E47E7AB5}">
+  <ds:schemaRefs>
+    <ds:schemaRef ds:uri="http://schemas.microsoft.com/VisualStudio/2011/storyboarding/control"/>
+  </ds:schemaRefs>
+</ds:datastoreItem>
+</file>
+
+<file path=customXml/itemProps268.xml><?xml version="1.0" encoding="utf-8"?>
+<ds:datastoreItem xmlns:ds="http://schemas.openxmlformats.org/officeDocument/2006/customXml" ds:itemID="{83C7B5A9-0530-46C6-A850-347D2AC04604}">
+  <ds:schemaRefs>
+    <ds:schemaRef ds:uri="http://schemas.microsoft.com/VisualStudio/2011/storyboarding/control"/>
+  </ds:schemaRefs>
+</ds:datastoreItem>
+</file>
+
+<file path=customXml/itemProps269.xml><?xml version="1.0" encoding="utf-8"?>
+<ds:datastoreItem xmlns:ds="http://schemas.openxmlformats.org/officeDocument/2006/customXml" ds:itemID="{14BE62A8-EAD0-4F5F-934A-B09BF3770FF9}">
+  <ds:schemaRefs>
+    <ds:schemaRef ds:uri="http://schemas.microsoft.com/VisualStudio/2011/storyboarding/control"/>
+  </ds:schemaRefs>
+</ds:datastoreItem>
+</file>
+
+<file path=customXml/itemProps27.xml><?xml version="1.0" encoding="utf-8"?>
+<ds:datastoreItem xmlns:ds="http://schemas.openxmlformats.org/officeDocument/2006/customXml" ds:itemID="{3A7AE35B-4D50-4165-940D-B3B720020BD4}">
+  <ds:schemaRefs>
+    <ds:schemaRef ds:uri="http://schemas.microsoft.com/VisualStudio/2011/storyboarding/control"/>
+  </ds:schemaRefs>
+</ds:datastoreItem>
+</file>
+
+<file path=customXml/itemProps270.xml><?xml version="1.0" encoding="utf-8"?>
+<ds:datastoreItem xmlns:ds="http://schemas.openxmlformats.org/officeDocument/2006/customXml" ds:itemID="{8CAFE994-D574-4D5A-B645-2896E8079B39}">
+  <ds:schemaRefs>
+    <ds:schemaRef ds:uri="http://schemas.microsoft.com/VisualStudio/2011/storyboarding/control"/>
+  </ds:schemaRefs>
+</ds:datastoreItem>
+</file>
+
+<file path=customXml/itemProps271.xml><?xml version="1.0" encoding="utf-8"?>
+<ds:datastoreItem xmlns:ds="http://schemas.openxmlformats.org/officeDocument/2006/customXml" ds:itemID="{941A1568-B616-44B1-8AF5-A4ADE958EDAD}">
+  <ds:schemaRefs>
+    <ds:schemaRef ds:uri="http://schemas.microsoft.com/VisualStudio/2011/storyboarding/control"/>
+  </ds:schemaRefs>
+</ds:datastoreItem>
+</file>
+
+<file path=customXml/itemProps272.xml><?xml version="1.0" encoding="utf-8"?>
+<ds:datastoreItem xmlns:ds="http://schemas.openxmlformats.org/officeDocument/2006/customXml" ds:itemID="{38558D45-A683-41A1-B7BC-CA4F1C21FEAB}">
+  <ds:schemaRefs>
+    <ds:schemaRef ds:uri="http://schemas.microsoft.com/VisualStudio/2011/storyboarding/control"/>
+  </ds:schemaRefs>
+</ds:datastoreItem>
+</file>
+
+<file path=customXml/itemProps273.xml><?xml version="1.0" encoding="utf-8"?>
+<ds:datastoreItem xmlns:ds="http://schemas.openxmlformats.org/officeDocument/2006/customXml" ds:itemID="{DD049830-DA11-466E-A98B-41FD56DCE224}">
+  <ds:schemaRefs>
+    <ds:schemaRef ds:uri="http://schemas.microsoft.com/VisualStudio/2011/storyboarding/control"/>
+  </ds:schemaRefs>
+</ds:datastoreItem>
+</file>
+
+<file path=customXml/itemProps274.xml><?xml version="1.0" encoding="utf-8"?>
+<ds:datastoreItem xmlns:ds="http://schemas.openxmlformats.org/officeDocument/2006/customXml" ds:itemID="{DF927E49-054C-4B25-9106-DB8ED403AD7D}">
+  <ds:schemaRefs>
+    <ds:schemaRef ds:uri="http://schemas.microsoft.com/VisualStudio/2011/storyboarding/control"/>
+  </ds:schemaRefs>
+</ds:datastoreItem>
+</file>
+
+<file path=customXml/itemProps275.xml><?xml version="1.0" encoding="utf-8"?>
+<ds:datastoreItem xmlns:ds="http://schemas.openxmlformats.org/officeDocument/2006/customXml" ds:itemID="{DB4F9695-2BDE-47EC-BF8C-9433F25A92F2}">
+  <ds:schemaRefs>
+    <ds:schemaRef ds:uri="http://schemas.microsoft.com/VisualStudio/2011/storyboarding/control"/>
+  </ds:schemaRefs>
+</ds:datastoreItem>
+</file>
+
+<file path=customXml/itemProps276.xml><?xml version="1.0" encoding="utf-8"?>
+<ds:datastoreItem xmlns:ds="http://schemas.openxmlformats.org/officeDocument/2006/customXml" ds:itemID="{E5D1C59B-23A1-4B0D-8732-B4B1308359E8}">
+  <ds:schemaRefs>
+    <ds:schemaRef ds:uri="http://schemas.microsoft.com/VisualStudio/2011/storyboarding/control"/>
+  </ds:schemaRefs>
+</ds:datastoreItem>
+</file>
+
+<file path=customXml/itemProps277.xml><?xml version="1.0" encoding="utf-8"?>
+<ds:datastoreItem xmlns:ds="http://schemas.openxmlformats.org/officeDocument/2006/customXml" ds:itemID="{8FB016EA-60C1-4762-8FF2-7DE705E604F0}">
+  <ds:schemaRefs>
+    <ds:schemaRef ds:uri="http://schemas.microsoft.com/VisualStudio/2011/storyboarding/control"/>
+  </ds:schemaRefs>
+</ds:datastoreItem>
+</file>
+
+<file path=customXml/itemProps278.xml><?xml version="1.0" encoding="utf-8"?>
+<ds:datastoreItem xmlns:ds="http://schemas.openxmlformats.org/officeDocument/2006/customXml" ds:itemID="{DAF7154D-49A1-422C-9139-455DB6824320}">
+  <ds:schemaRefs>
+    <ds:schemaRef ds:uri="http://schemas.microsoft.com/VisualStudio/2011/storyboarding/control"/>
+  </ds:schemaRefs>
+</ds:datastoreItem>
+</file>
+
+<file path=customXml/itemProps279.xml><?xml version="1.0" encoding="utf-8"?>
+<ds:datastoreItem xmlns:ds="http://schemas.openxmlformats.org/officeDocument/2006/customXml" ds:itemID="{D0B805D5-5911-410C-B527-CFA9A2E9215E}">
+  <ds:schemaRefs>
+    <ds:schemaRef ds:uri="http://schemas.microsoft.com/VisualStudio/2011/storyboarding/control"/>
+  </ds:schemaRefs>
+</ds:datastoreItem>
+</file>
+
+<file path=customXml/itemProps28.xml><?xml version="1.0" encoding="utf-8"?>
+<ds:datastoreItem xmlns:ds="http://schemas.openxmlformats.org/officeDocument/2006/customXml" ds:itemID="{1AC0D00C-EC22-4539-8C6F-733758572347}">
+  <ds:schemaRefs>
+    <ds:schemaRef ds:uri="http://schemas.microsoft.com/VisualStudio/2011/storyboarding/control"/>
+  </ds:schemaRefs>
+</ds:datastoreItem>
+</file>
+
+<file path=customXml/itemProps280.xml><?xml version="1.0" encoding="utf-8"?>
+<ds:datastoreItem xmlns:ds="http://schemas.openxmlformats.org/officeDocument/2006/customXml" ds:itemID="{7B0DEA32-4718-4845-BA3D-96735C5901CA}">
+  <ds:schemaRefs>
+    <ds:schemaRef ds:uri="http://schemas.microsoft.com/VisualStudio/2011/storyboarding/control"/>
+  </ds:schemaRefs>
+</ds:datastoreItem>
+</file>
+
+<file path=customXml/itemProps281.xml><?xml version="1.0" encoding="utf-8"?>
+<ds:datastoreItem xmlns:ds="http://schemas.openxmlformats.org/officeDocument/2006/customXml" ds:itemID="{09905B2A-7A53-4F1C-B400-60354582C731}">
+  <ds:schemaRefs>
+    <ds:schemaRef ds:uri="http://schemas.microsoft.com/VisualStudio/2011/storyboarding/control"/>
+  </ds:schemaRefs>
+</ds:datastoreItem>
+</file>
+
+<file path=customXml/itemProps282.xml><?xml version="1.0" encoding="utf-8"?>
+<ds:datastoreItem xmlns:ds="http://schemas.openxmlformats.org/officeDocument/2006/customXml" ds:itemID="{F24428A1-0724-4C81-B1E7-B30B813E3551}">
+  <ds:schemaRefs>
+    <ds:schemaRef ds:uri="http://schemas.microsoft.com/VisualStudio/2011/storyboarding/control"/>
+  </ds:schemaRefs>
+</ds:datastoreItem>
+</file>
+
+<file path=customXml/itemProps283.xml><?xml version="1.0" encoding="utf-8"?>
+<ds:datastoreItem xmlns:ds="http://schemas.openxmlformats.org/officeDocument/2006/customXml" ds:itemID="{A0A4739D-1067-47D0-95FE-525DC04CC418}">
+  <ds:schemaRefs>
+    <ds:schemaRef ds:uri="http://schemas.microsoft.com/VisualStudio/2011/storyboarding/control"/>
+  </ds:schemaRefs>
+</ds:datastoreItem>
+</file>
+
+<file path=customXml/itemProps284.xml><?xml version="1.0" encoding="utf-8"?>
+<ds:datastoreItem xmlns:ds="http://schemas.openxmlformats.org/officeDocument/2006/customXml" ds:itemID="{B61EEC1E-2199-42F9-BF79-C8F5F69EF85E}">
+  <ds:schemaRefs>
+    <ds:schemaRef ds:uri="http://schemas.microsoft.com/VisualStudio/2011/storyboarding/control"/>
+  </ds:schemaRefs>
+</ds:datastoreItem>
+</file>
+
+<file path=customXml/itemProps285.xml><?xml version="1.0" encoding="utf-8"?>
+<ds:datastoreItem xmlns:ds="http://schemas.openxmlformats.org/officeDocument/2006/customXml" ds:itemID="{B669F501-AEB5-49A8-B34E-D8CDF8FBB497}">
+  <ds:schemaRefs>
+    <ds:schemaRef ds:uri="http://schemas.microsoft.com/VisualStudio/2011/storyboarding/control"/>
+  </ds:schemaRefs>
+</ds:datastoreItem>
+</file>
+
+<file path=customXml/itemProps286.xml><?xml version="1.0" encoding="utf-8"?>
+<ds:datastoreItem xmlns:ds="http://schemas.openxmlformats.org/officeDocument/2006/customXml" ds:itemID="{BE60BF8C-B366-4015-AFC5-00DA9D5EE41E}">
+  <ds:schemaRefs>
+    <ds:schemaRef ds:uri="http://schemas.microsoft.com/VisualStudio/2011/storyboarding/control"/>
+  </ds:schemaRefs>
+</ds:datastoreItem>
+</file>
+
+<file path=customXml/itemProps287.xml><?xml version="1.0" encoding="utf-8"?>
+<ds:datastoreItem xmlns:ds="http://schemas.openxmlformats.org/officeDocument/2006/customXml" ds:itemID="{2E8AD9A9-60C6-455B-B9D1-03A11462F16E}">
+  <ds:schemaRefs>
+    <ds:schemaRef ds:uri="http://schemas.microsoft.com/VisualStudio/2011/storyboarding/control"/>
+  </ds:schemaRefs>
+</ds:datastoreItem>
+</file>
+
+<file path=customXml/itemProps288.xml><?xml version="1.0" encoding="utf-8"?>
+<ds:datastoreItem xmlns:ds="http://schemas.openxmlformats.org/officeDocument/2006/customXml" ds:itemID="{A14526C9-B49F-481F-9EEE-8607645EF9A7}">
+  <ds:schemaRefs>
+    <ds:schemaRef ds:uri="http://schemas.microsoft.com/VisualStudio/2011/storyboarding/control"/>
+  </ds:schemaRefs>
+</ds:datastoreItem>
+</file>
+
+<file path=customXml/itemProps289.xml><?xml version="1.0" encoding="utf-8"?>
+<ds:datastoreItem xmlns:ds="http://schemas.openxmlformats.org/officeDocument/2006/customXml" ds:itemID="{5C08525B-AE6F-48B6-B287-2C8026CEED11}">
+  <ds:schemaRefs>
+    <ds:schemaRef ds:uri="http://schemas.microsoft.com/VisualStudio/2011/storyboarding/control"/>
+  </ds:schemaRefs>
+</ds:datastoreItem>
+</file>
+
+<file path=customXml/itemProps29.xml><?xml version="1.0" encoding="utf-8"?>
+<ds:datastoreItem xmlns:ds="http://schemas.openxmlformats.org/officeDocument/2006/customXml" ds:itemID="{51CF4945-E817-4546-BC18-C7EFB8B5FC28}">
+  <ds:schemaRefs>
+    <ds:schemaRef ds:uri="http://schemas.microsoft.com/VisualStudio/2011/storyboarding/control"/>
+  </ds:schemaRefs>
+</ds:datastoreItem>
+</file>
+
+<file path=customXml/itemProps290.xml><?xml version="1.0" encoding="utf-8"?>
+<ds:datastoreItem xmlns:ds="http://schemas.openxmlformats.org/officeDocument/2006/customXml" ds:itemID="{704CF15B-5A3D-424C-9C26-639F7FE2B6A2}">
+  <ds:schemaRefs>
+    <ds:schemaRef ds:uri="http://schemas.microsoft.com/VisualStudio/2011/storyboarding/control"/>
+  </ds:schemaRefs>
+</ds:datastoreItem>
+</file>
+
+<file path=customXml/itemProps291.xml><?xml version="1.0" encoding="utf-8"?>
+<ds:datastoreItem xmlns:ds="http://schemas.openxmlformats.org/officeDocument/2006/customXml" ds:itemID="{7056F243-3525-4402-800F-27AEDE217892}">
+  <ds:schemaRefs>
+    <ds:schemaRef ds:uri="http://schemas.microsoft.com/VisualStudio/2011/storyboarding/control"/>
+  </ds:schemaRefs>
+</ds:datastoreItem>
+</file>
+
+<file path=customXml/itemProps292.xml><?xml version="1.0" encoding="utf-8"?>
+<ds:datastoreItem xmlns:ds="http://schemas.openxmlformats.org/officeDocument/2006/customXml" ds:itemID="{D500780A-E74C-4BCC-955A-7DF94634ED58}">
+  <ds:schemaRefs>
+    <ds:schemaRef ds:uri="http://schemas.microsoft.com/VisualStudio/2011/storyboarding/control"/>
+  </ds:schemaRefs>
+</ds:datastoreItem>
+</file>
+
+<file path=customXml/itemProps293.xml><?xml version="1.0" encoding="utf-8"?>
+<ds:datastoreItem xmlns:ds="http://schemas.openxmlformats.org/officeDocument/2006/customXml" ds:itemID="{74E1FA7F-A4B5-484B-929E-6F02BB83131C}">
+  <ds:schemaRefs>
+    <ds:schemaRef ds:uri="http://schemas.microsoft.com/VisualStudio/2011/storyboarding/control"/>
+  </ds:schemaRefs>
+</ds:datastoreItem>
+</file>
+
+<file path=customXml/itemProps294.xml><?xml version="1.0" encoding="utf-8"?>
+<ds:datastoreItem xmlns:ds="http://schemas.openxmlformats.org/officeDocument/2006/customXml" ds:itemID="{341B9A64-4A8F-4D0A-86B1-A62586318DED}">
+  <ds:schemaRefs>
+    <ds:schemaRef ds:uri="http://schemas.microsoft.com/VisualStudio/2011/storyboarding/control"/>
+  </ds:schemaRefs>
+</ds:datastoreItem>
+</file>
+
+<file path=customXml/itemProps295.xml><?xml version="1.0" encoding="utf-8"?>
+<ds:datastoreItem xmlns:ds="http://schemas.openxmlformats.org/officeDocument/2006/customXml" ds:itemID="{06502709-2BA4-4151-8001-D5AACDC263EE}">
+  <ds:schemaRefs>
+    <ds:schemaRef ds:uri="http://schemas.microsoft.com/VisualStudio/2011/storyboarding/control"/>
+  </ds:schemaRefs>
+</ds:datastoreItem>
+</file>
+
+<file path=customXml/itemProps296.xml><?xml version="1.0" encoding="utf-8"?>
+<ds:datastoreItem xmlns:ds="http://schemas.openxmlformats.org/officeDocument/2006/customXml" ds:itemID="{C2FDD86D-B019-47EC-8742-0E3661BB3F30}">
+  <ds:schemaRefs>
+    <ds:schemaRef ds:uri="http://schemas.microsoft.com/VisualStudio/2011/storyboarding/control"/>
+  </ds:schemaRefs>
+</ds:datastoreItem>
+</file>
+
+<file path=customXml/itemProps297.xml><?xml version="1.0" encoding="utf-8"?>
+<ds:datastoreItem xmlns:ds="http://schemas.openxmlformats.org/officeDocument/2006/customXml" ds:itemID="{58C35028-5CF9-4C74-BFCD-437163455DA4}">
+  <ds:schemaRefs>
+    <ds:schemaRef ds:uri="http://schemas.microsoft.com/VisualStudio/2011/storyboarding/control"/>
+  </ds:schemaRefs>
+</ds:datastoreItem>
+</file>
+
+<file path=customXml/itemProps298.xml><?xml version="1.0" encoding="utf-8"?>
+<ds:datastoreItem xmlns:ds="http://schemas.openxmlformats.org/officeDocument/2006/customXml" ds:itemID="{73CFC637-E0A4-430F-AF1C-69D891B1F8FC}">
+  <ds:schemaRefs>
+    <ds:schemaRef ds:uri="http://schemas.microsoft.com/VisualStudio/2011/storyboarding/control"/>
+  </ds:schemaRefs>
+</ds:datastoreItem>
+</file>
+
+<file path=customXml/itemProps299.xml><?xml version="1.0" encoding="utf-8"?>
+<ds:datastoreItem xmlns:ds="http://schemas.openxmlformats.org/officeDocument/2006/customXml" ds:itemID="{1BA76A90-19EE-4A02-BA01-6356B01DC32E}">
+  <ds:schemaRefs>
+    <ds:schemaRef ds:uri="http://schemas.microsoft.com/VisualStudio/2011/storyboarding/control"/>
+  </ds:schemaRefs>
+</ds:datastoreItem>
+</file>
+
+<file path=customXml/itemProps3.xml><?xml version="1.0" encoding="utf-8"?>
+<ds:datastoreItem xmlns:ds="http://schemas.openxmlformats.org/officeDocument/2006/customXml" ds:itemID="{FB0EC920-4B28-4D34-9084-542FA6ABA82C}">
+  <ds:schemaRefs>
+    <ds:schemaRef ds:uri="http://schemas.microsoft.com/VisualStudio/2011/storyboarding/control"/>
+  </ds:schemaRefs>
+</ds:datastoreItem>
+</file>
+
+<file path=customXml/itemProps30.xml><?xml version="1.0" encoding="utf-8"?>
+<ds:datastoreItem xmlns:ds="http://schemas.openxmlformats.org/officeDocument/2006/customXml" ds:itemID="{3A9E3F93-02A4-4356-BBC6-A7BD971C5367}">
+  <ds:schemaRefs>
+    <ds:schemaRef ds:uri="http://schemas.microsoft.com/VisualStudio/2011/storyboarding/control"/>
+  </ds:schemaRefs>
+</ds:datastoreItem>
+</file>
+
+<file path=customXml/itemProps300.xml><?xml version="1.0" encoding="utf-8"?>
+<ds:datastoreItem xmlns:ds="http://schemas.openxmlformats.org/officeDocument/2006/customXml" ds:itemID="{97E1D339-E6D5-4BF5-8B5C-160203B68484}">
+  <ds:schemaRefs>
+    <ds:schemaRef ds:uri="http://schemas.microsoft.com/VisualStudio/2011/storyboarding/control"/>
+  </ds:schemaRefs>
+</ds:datastoreItem>
+</file>
+
+<file path=customXml/itemProps301.xml><?xml version="1.0" encoding="utf-8"?>
+<ds:datastoreItem xmlns:ds="http://schemas.openxmlformats.org/officeDocument/2006/customXml" ds:itemID="{610BEE6F-4DB2-4D13-A1CB-C2C0E985407A}">
+  <ds:schemaRefs>
+    <ds:schemaRef ds:uri="http://schemas.microsoft.com/VisualStudio/2011/storyboarding/control"/>
+  </ds:schemaRefs>
+</ds:datastoreItem>
+</file>
+
+<file path=customXml/itemProps302.xml><?xml version="1.0" encoding="utf-8"?>
+<ds:datastoreItem xmlns:ds="http://schemas.openxmlformats.org/officeDocument/2006/customXml" ds:itemID="{548207B6-9ECB-4C71-9D88-A39393050720}">
+  <ds:schemaRefs>
+    <ds:schemaRef ds:uri="http://schemas.microsoft.com/VisualStudio/2011/storyboarding/control"/>
+  </ds:schemaRefs>
+</ds:datastoreItem>
+</file>
+
+<file path=customXml/itemProps303.xml><?xml version="1.0" encoding="utf-8"?>
+<ds:datastoreItem xmlns:ds="http://schemas.openxmlformats.org/officeDocument/2006/customXml" ds:itemID="{A57FB331-1A42-4197-A916-5DB1567728A7}">
+  <ds:schemaRefs>
+    <ds:schemaRef ds:uri="http://schemas.microsoft.com/VisualStudio/2011/storyboarding/control"/>
+  </ds:schemaRefs>
+</ds:datastoreItem>
+</file>
+
+<file path=customXml/itemProps304.xml><?xml version="1.0" encoding="utf-8"?>
+<ds:datastoreItem xmlns:ds="http://schemas.openxmlformats.org/officeDocument/2006/customXml" ds:itemID="{88C04483-D8EE-4FCA-A54F-704220F97EF8}">
+  <ds:schemaRefs>
+    <ds:schemaRef ds:uri="http://schemas.microsoft.com/VisualStudio/2011/storyboarding/control"/>
+  </ds:schemaRefs>
+</ds:datastoreItem>
+</file>
+
+<file path=customXml/itemProps305.xml><?xml version="1.0" encoding="utf-8"?>
+<ds:datastoreItem xmlns:ds="http://schemas.openxmlformats.org/officeDocument/2006/customXml" ds:itemID="{8CC35C90-6712-4C30-9C05-AE6A4B916E8A}">
+  <ds:schemaRefs>
+    <ds:schemaRef ds:uri="http://schemas.microsoft.com/VisualStudio/2011/storyboarding/control"/>
+  </ds:schemaRefs>
+</ds:datastoreItem>
+</file>
+
+<file path=customXml/itemProps306.xml><?xml version="1.0" encoding="utf-8"?>
+<ds:datastoreItem xmlns:ds="http://schemas.openxmlformats.org/officeDocument/2006/customXml" ds:itemID="{6395A4FB-8980-45B3-9877-951BA1240E53}">
+  <ds:schemaRefs>
+    <ds:schemaRef ds:uri="http://schemas.microsoft.com/VisualStudio/2011/storyboarding/control"/>
+  </ds:schemaRefs>
+</ds:datastoreItem>
+</file>
+
+<file path=customXml/itemProps31.xml><?xml version="1.0" encoding="utf-8"?>
+<ds:datastoreItem xmlns:ds="http://schemas.openxmlformats.org/officeDocument/2006/customXml" ds:itemID="{BA0988D9-08D5-4B0D-B2CA-AFA6A82BFB69}">
+  <ds:schemaRefs>
+    <ds:schemaRef ds:uri="http://schemas.microsoft.com/VisualStudio/2011/storyboarding/control"/>
+  </ds:schemaRefs>
+</ds:datastoreItem>
+</file>
+
+<file path=customXml/itemProps32.xml><?xml version="1.0" encoding="utf-8"?>
+<ds:datastoreItem xmlns:ds="http://schemas.openxmlformats.org/officeDocument/2006/customXml" ds:itemID="{DFF51E64-F6D6-46E3-9F94-C228DBA3CEF1}">
+  <ds:schemaRefs>
+    <ds:schemaRef ds:uri="http://schemas.microsoft.com/VisualStudio/2011/storyboarding/control"/>
+  </ds:schemaRefs>
+</ds:datastoreItem>
+</file>
+
+<file path=customXml/itemProps33.xml><?xml version="1.0" encoding="utf-8"?>
+<ds:datastoreItem xmlns:ds="http://schemas.openxmlformats.org/officeDocument/2006/customXml" ds:itemID="{2BAAA2D6-7765-4C4F-BDEB-43D40C441E62}">
+  <ds:schemaRefs>
+    <ds:schemaRef ds:uri="http://schemas.microsoft.com/VisualStudio/2011/storyboarding/control"/>
+  </ds:schemaRefs>
+</ds:datastoreItem>
+</file>
+
+<file path=customXml/itemProps34.xml><?xml version="1.0" encoding="utf-8"?>
+<ds:datastoreItem xmlns:ds="http://schemas.openxmlformats.org/officeDocument/2006/customXml" ds:itemID="{EFCD18D0-CBA1-4995-A8C6-F5F3C57B32F1}">
+  <ds:schemaRefs>
+    <ds:schemaRef ds:uri="http://schemas.microsoft.com/VisualStudio/2011/storyboarding/control"/>
+  </ds:schemaRefs>
+</ds:datastoreItem>
+</file>
+
+<file path=customXml/itemProps35.xml><?xml version="1.0" encoding="utf-8"?>
+<ds:datastoreItem xmlns:ds="http://schemas.openxmlformats.org/officeDocument/2006/customXml" ds:itemID="{CDFD8D22-8AC0-4F2F-AC24-E9009ABA608B}">
+  <ds:schemaRefs>
+    <ds:schemaRef ds:uri="http://schemas.microsoft.com/VisualStudio/2011/storyboarding/control"/>
+  </ds:schemaRefs>
+</ds:datastoreItem>
+</file>
+
+<file path=customXml/itemProps36.xml><?xml version="1.0" encoding="utf-8"?>
+<ds:datastoreItem xmlns:ds="http://schemas.openxmlformats.org/officeDocument/2006/customXml" ds:itemID="{6D29AD73-E6E7-41AD-BD08-29640567C1E3}">
+  <ds:schemaRefs>
+    <ds:schemaRef ds:uri="http://schemas.microsoft.com/VisualStudio/2011/storyboarding/control"/>
+  </ds:schemaRefs>
+</ds:datastoreItem>
+</file>
+
+<file path=customXml/itemProps37.xml><?xml version="1.0" encoding="utf-8"?>
+<ds:datastoreItem xmlns:ds="http://schemas.openxmlformats.org/officeDocument/2006/customXml" ds:itemID="{BF6D3440-7C7A-43AD-BDB6-DC5F6F28E620}">
+  <ds:schemaRefs>
+    <ds:schemaRef ds:uri="http://schemas.microsoft.com/VisualStudio/2011/storyboarding/control"/>
+  </ds:schemaRefs>
+</ds:datastoreItem>
+</file>
+
+<file path=customXml/itemProps38.xml><?xml version="1.0" encoding="utf-8"?>
+<ds:datastoreItem xmlns:ds="http://schemas.openxmlformats.org/officeDocument/2006/customXml" ds:itemID="{E9EE710E-B830-46E0-A3BB-509FE1DDDB22}">
+  <ds:schemaRefs>
+    <ds:schemaRef ds:uri="http://schemas.microsoft.com/VisualStudio/2011/storyboarding/control"/>
+  </ds:schemaRefs>
+</ds:datastoreItem>
+</file>
+
+<file path=customXml/itemProps39.xml><?xml version="1.0" encoding="utf-8"?>
+<ds:datastoreItem xmlns:ds="http://schemas.openxmlformats.org/officeDocument/2006/customXml" ds:itemID="{494ECD25-6B82-4D53-B271-88A3A6E803B2}">
+  <ds:schemaRefs>
+    <ds:schemaRef ds:uri="http://schemas.microsoft.com/VisualStudio/2011/storyboarding/control"/>
+  </ds:schemaRefs>
+</ds:datastoreItem>
+</file>
+
+<file path=customXml/itemProps4.xml><?xml version="1.0" encoding="utf-8"?>
+<ds:datastoreItem xmlns:ds="http://schemas.openxmlformats.org/officeDocument/2006/customXml" ds:itemID="{4F7D9023-B84C-4690-B99E-9FE4342EA97D}">
+  <ds:schemaRefs>
+    <ds:schemaRef ds:uri="http://schemas.microsoft.com/VisualStudio/2011/storyboarding/control"/>
+  </ds:schemaRefs>
+</ds:datastoreItem>
+</file>
+
+<file path=customXml/itemProps40.xml><?xml version="1.0" encoding="utf-8"?>
+<ds:datastoreItem xmlns:ds="http://schemas.openxmlformats.org/officeDocument/2006/customXml" ds:itemID="{66AC9233-048D-4EFE-BF75-1ED341665CE7}">
+  <ds:schemaRefs>
+    <ds:schemaRef ds:uri="http://schemas.microsoft.com/VisualStudio/2011/storyboarding/control"/>
+  </ds:schemaRefs>
+</ds:datastoreItem>
+</file>
+
+<file path=customXml/itemProps41.xml><?xml version="1.0" encoding="utf-8"?>
+<ds:datastoreItem xmlns:ds="http://schemas.openxmlformats.org/officeDocument/2006/customXml" ds:itemID="{F1D9FCA4-8CDD-4D03-8F9C-DD221191D711}">
+  <ds:schemaRefs>
+    <ds:schemaRef ds:uri="http://schemas.microsoft.com/VisualStudio/2011/storyboarding/control"/>
+  </ds:schemaRefs>
+</ds:datastoreItem>
+</file>
+
+<file path=customXml/itemProps42.xml><?xml version="1.0" encoding="utf-8"?>
+<ds:datastoreItem xmlns:ds="http://schemas.openxmlformats.org/officeDocument/2006/customXml" ds:itemID="{DF8F59E5-8CED-4A90-B010-FA66A3D20E9F}">
+  <ds:schemaRefs>
+    <ds:schemaRef ds:uri="http://schemas.microsoft.com/VisualStudio/2011/storyboarding/control"/>
+  </ds:schemaRefs>
+</ds:datastoreItem>
+</file>
+
+<file path=customXml/itemProps43.xml><?xml version="1.0" encoding="utf-8"?>
+<ds:datastoreItem xmlns:ds="http://schemas.openxmlformats.org/officeDocument/2006/customXml" ds:itemID="{0749C6AF-EB53-4E04-8A3A-54A96B76748B}">
+  <ds:schemaRefs>
+    <ds:schemaRef ds:uri="http://schemas.microsoft.com/VisualStudio/2011/storyboarding/control"/>
+  </ds:schemaRefs>
+</ds:datastoreItem>
+</file>
+
+<file path=customXml/itemProps44.xml><?xml version="1.0" encoding="utf-8"?>
+<ds:datastoreItem xmlns:ds="http://schemas.openxmlformats.org/officeDocument/2006/customXml" ds:itemID="{E9A7CC6E-A6F1-4DC6-9BA4-9DFB0519E177}">
+  <ds:schemaRefs>
+    <ds:schemaRef ds:uri="http://schemas.microsoft.com/VisualStudio/2011/storyboarding/control"/>
+  </ds:schemaRefs>
+</ds:datastoreItem>
+</file>
+
+<file path=customXml/itemProps45.xml><?xml version="1.0" encoding="utf-8"?>
+<ds:datastoreItem xmlns:ds="http://schemas.openxmlformats.org/officeDocument/2006/customXml" ds:itemID="{03561535-9EE9-4551-9A70-8E9DFFF8659C}">
+  <ds:schemaRefs>
+    <ds:schemaRef ds:uri="http://schemas.microsoft.com/VisualStudio/2011/storyboarding/control"/>
+  </ds:schemaRefs>
+</ds:datastoreItem>
+</file>
+
+<file path=customXml/itemProps46.xml><?xml version="1.0" encoding="utf-8"?>
+<ds:datastoreItem xmlns:ds="http://schemas.openxmlformats.org/officeDocument/2006/customXml" ds:itemID="{F36D2A4F-C360-49F8-A227-4F706FF4D9DF}">
+  <ds:schemaRefs>
+    <ds:schemaRef ds:uri="http://schemas.microsoft.com/VisualStudio/2011/storyboarding/control"/>
+  </ds:schemaRefs>
+</ds:datastoreItem>
+</file>
+
+<file path=customXml/itemProps47.xml><?xml version="1.0" encoding="utf-8"?>
+<ds:datastoreItem xmlns:ds="http://schemas.openxmlformats.org/officeDocument/2006/customXml" ds:itemID="{7C2B30D1-555D-4091-BB8B-70C3008E587D}">
+  <ds:schemaRefs>
+    <ds:schemaRef ds:uri="http://schemas.microsoft.com/VisualStudio/2011/storyboarding/control"/>
+  </ds:schemaRefs>
+</ds:datastoreItem>
+</file>
+
+<file path=customXml/itemProps48.xml><?xml version="1.0" encoding="utf-8"?>
+<ds:datastoreItem xmlns:ds="http://schemas.openxmlformats.org/officeDocument/2006/customXml" ds:itemID="{8491097D-3BEA-417B-9273-13DD25B61827}">
+  <ds:schemaRefs>
+    <ds:schemaRef ds:uri="http://schemas.microsoft.com/VisualStudio/2011/storyboarding/control"/>
+  </ds:schemaRefs>
+</ds:datastoreItem>
+</file>
+
+<file path=customXml/itemProps49.xml><?xml version="1.0" encoding="utf-8"?>
+<ds:datastoreItem xmlns:ds="http://schemas.openxmlformats.org/officeDocument/2006/customXml" ds:itemID="{399F0338-4F9A-433F-839E-BB1C565311C7}">
+  <ds:schemaRefs>
+    <ds:schemaRef ds:uri="http://schemas.microsoft.com/VisualStudio/2011/storyboarding/control"/>
+  </ds:schemaRefs>
+</ds:datastoreItem>
+</file>
+
+<file path=customXml/itemProps5.xml><?xml version="1.0" encoding="utf-8"?>
+<ds:datastoreItem xmlns:ds="http://schemas.openxmlformats.org/officeDocument/2006/customXml" ds:itemID="{38E201C7-010A-4037-8499-B871567E89FA}">
+  <ds:schemaRefs>
+    <ds:schemaRef ds:uri="http://schemas.microsoft.com/VisualStudio/2011/storyboarding/control"/>
+  </ds:schemaRefs>
+</ds:datastoreItem>
+</file>
+
+<file path=customXml/itemProps50.xml><?xml version="1.0" encoding="utf-8"?>
+<ds:datastoreItem xmlns:ds="http://schemas.openxmlformats.org/officeDocument/2006/customXml" ds:itemID="{02DC6A34-308E-4EE2-91CB-B65D8B5C5135}">
+  <ds:schemaRefs>
+    <ds:schemaRef ds:uri="http://schemas.microsoft.com/VisualStudio/2011/storyboarding/control"/>
+  </ds:schemaRefs>
+</ds:datastoreItem>
+</file>
+
+<file path=customXml/itemProps51.xml><?xml version="1.0" encoding="utf-8"?>
+<ds:datastoreItem xmlns:ds="http://schemas.openxmlformats.org/officeDocument/2006/customXml" ds:itemID="{26190532-7283-4B3A-A4F0-D4225A0BC43D}">
+  <ds:schemaRefs>
+    <ds:schemaRef ds:uri="http://schemas.microsoft.com/VisualStudio/2011/storyboarding/control"/>
+  </ds:schemaRefs>
+</ds:datastoreItem>
+</file>
+
+<file path=customXml/itemProps52.xml><?xml version="1.0" encoding="utf-8"?>
+<ds:datastoreItem xmlns:ds="http://schemas.openxmlformats.org/officeDocument/2006/customXml" ds:itemID="{460C87DB-603E-4234-8A20-83C330437EDB}">
+  <ds:schemaRefs>
+    <ds:schemaRef ds:uri="http://schemas.microsoft.com/VisualStudio/2011/storyboarding/control"/>
+  </ds:schemaRefs>
+</ds:datastoreItem>
+</file>
+
+<file path=customXml/itemProps53.xml><?xml version="1.0" encoding="utf-8"?>
+<ds:datastoreItem xmlns:ds="http://schemas.openxmlformats.org/officeDocument/2006/customXml" ds:itemID="{71C68A77-FCC5-45AF-90E8-603F01C8B090}">
+  <ds:schemaRefs>
+    <ds:schemaRef ds:uri="http://schemas.microsoft.com/VisualStudio/2011/storyboarding/control"/>
+  </ds:schemaRefs>
+</ds:datastoreItem>
+</file>
+
+<file path=customXml/itemProps54.xml><?xml version="1.0" encoding="utf-8"?>
+<ds:datastoreItem xmlns:ds="http://schemas.openxmlformats.org/officeDocument/2006/customXml" ds:itemID="{B0A7260F-6144-438B-B40E-F17A3A1A2CE9}">
+  <ds:schemaRefs>
+    <ds:schemaRef ds:uri="http://schemas.microsoft.com/VisualStudio/2011/storyboarding/control"/>
+  </ds:schemaRefs>
+</ds:datastoreItem>
+</file>
+
+<file path=customXml/itemProps55.xml><?xml version="1.0" encoding="utf-8"?>
+<ds:datastoreItem xmlns:ds="http://schemas.openxmlformats.org/officeDocument/2006/customXml" ds:itemID="{E4EC0F23-1162-4221-AFA8-5BFDF651A690}">
+  <ds:schemaRefs>
+    <ds:schemaRef ds:uri="http://schemas.microsoft.com/VisualStudio/2011/storyboarding/control"/>
+  </ds:schemaRefs>
+</ds:datastoreItem>
+</file>
+
+<file path=customXml/itemProps56.xml><?xml version="1.0" encoding="utf-8"?>
+<ds:datastoreItem xmlns:ds="http://schemas.openxmlformats.org/officeDocument/2006/customXml" ds:itemID="{34D79507-41CE-4F82-9FD7-28ECA0111C35}">
+  <ds:schemaRefs>
+    <ds:schemaRef ds:uri="http://schemas.microsoft.com/VisualStudio/2011/storyboarding/control"/>
+  </ds:schemaRefs>
+</ds:datastoreItem>
+</file>
+
+<file path=customXml/itemProps57.xml><?xml version="1.0" encoding="utf-8"?>
+<ds:datastoreItem xmlns:ds="http://schemas.openxmlformats.org/officeDocument/2006/customXml" ds:itemID="{C69813E6-399E-4343-9AE6-3037FDA52C95}">
+  <ds:schemaRefs>
+    <ds:schemaRef ds:uri="http://schemas.microsoft.com/VisualStudio/2011/storyboarding/control"/>
+  </ds:schemaRefs>
+</ds:datastoreItem>
+</file>
+
+<file path=customXml/itemProps58.xml><?xml version="1.0" encoding="utf-8"?>
+<ds:datastoreItem xmlns:ds="http://schemas.openxmlformats.org/officeDocument/2006/customXml" ds:itemID="{A7E0288A-F414-4399-BA64-5823EDCF5A90}">
+  <ds:schemaRefs>
+    <ds:schemaRef ds:uri="http://schemas.microsoft.com/VisualStudio/2011/storyboarding/control"/>
+  </ds:schemaRefs>
+</ds:datastoreItem>
+</file>
+
+<file path=customXml/itemProps59.xml><?xml version="1.0" encoding="utf-8"?>
+<ds:datastoreItem xmlns:ds="http://schemas.openxmlformats.org/officeDocument/2006/customXml" ds:itemID="{4058BED3-7CF1-45E2-9EED-EDA6827BEF7F}">
+  <ds:schemaRefs>
+    <ds:schemaRef ds:uri="http://schemas.microsoft.com/VisualStudio/2011/storyboarding/control"/>
+  </ds:schemaRefs>
+</ds:datastoreItem>
+</file>
+
+<file path=customXml/itemProps6.xml><?xml version="1.0" encoding="utf-8"?>
+<ds:datastoreItem xmlns:ds="http://schemas.openxmlformats.org/officeDocument/2006/customXml" ds:itemID="{F1849B9A-F2A7-47EC-B82F-47ADD7DF296A}">
+  <ds:schemaRefs>
+    <ds:schemaRef ds:uri="http://schemas.microsoft.com/VisualStudio/2011/storyboarding/control"/>
+  </ds:schemaRefs>
+</ds:datastoreItem>
+</file>
+
+<file path=customXml/itemProps60.xml><?xml version="1.0" encoding="utf-8"?>
+<ds:datastoreItem xmlns:ds="http://schemas.openxmlformats.org/officeDocument/2006/customXml" ds:itemID="{50ADC870-B29B-4C1F-ADF4-73E3086FB9F8}">
+  <ds:schemaRefs>
+    <ds:schemaRef ds:uri="http://schemas.microsoft.com/VisualStudio/2011/storyboarding/control"/>
+  </ds:schemaRefs>
+</ds:datastoreItem>
+</file>
+
+<file path=customXml/itemProps61.xml><?xml version="1.0" encoding="utf-8"?>
+<ds:datastoreItem xmlns:ds="http://schemas.openxmlformats.org/officeDocument/2006/customXml" ds:itemID="{116ABDC4-1EA4-4B49-A6E2-D1CE630DE6B5}">
+  <ds:schemaRefs>
+    <ds:schemaRef ds:uri="http://schemas.microsoft.com/VisualStudio/2011/storyboarding/control"/>
+  </ds:schemaRefs>
+</ds:datastoreItem>
+</file>
+
+<file path=customXml/itemProps62.xml><?xml version="1.0" encoding="utf-8"?>
+<ds:datastoreItem xmlns:ds="http://schemas.openxmlformats.org/officeDocument/2006/customXml" ds:itemID="{25AC7257-525C-4E5A-AA42-573829D61A3B}">
+  <ds:schemaRefs>
+    <ds:schemaRef ds:uri="http://schemas.microsoft.com/VisualStudio/2011/storyboarding/control"/>
+  </ds:schemaRefs>
+</ds:datastoreItem>
+</file>
+
+<file path=customXml/itemProps63.xml><?xml version="1.0" encoding="utf-8"?>
+<ds:datastoreItem xmlns:ds="http://schemas.openxmlformats.org/officeDocument/2006/customXml" ds:itemID="{C0236D38-7F8A-4EAA-B6A1-6880B56FE83E}">
+  <ds:schemaRefs>
+    <ds:schemaRef ds:uri="http://schemas.microsoft.com/VisualStudio/2011/storyboarding/control"/>
+  </ds:schemaRefs>
+</ds:datastoreItem>
+</file>
+
+<file path=customXml/itemProps64.xml><?xml version="1.0" encoding="utf-8"?>
+<ds:datastoreItem xmlns:ds="http://schemas.openxmlformats.org/officeDocument/2006/customXml" ds:itemID="{37D9AFB0-4C16-4052-88E4-5FBE90606F71}">
+  <ds:schemaRefs>
+    <ds:schemaRef ds:uri="http://schemas.microsoft.com/VisualStudio/2011/storyboarding/control"/>
+  </ds:schemaRefs>
+</ds:datastoreItem>
+</file>
+
+<file path=customXml/itemProps65.xml><?xml version="1.0" encoding="utf-8"?>
+<ds:datastoreItem xmlns:ds="http://schemas.openxmlformats.org/officeDocument/2006/customXml" ds:itemID="{63EA8E9F-9742-4D18-8B78-7EEA5B5F56E6}">
+  <ds:schemaRefs>
+    <ds:schemaRef ds:uri="http://schemas.microsoft.com/VisualStudio/2011/storyboarding/control"/>
+  </ds:schemaRefs>
+</ds:datastoreItem>
+</file>
+
+<file path=customXml/itemProps66.xml><?xml version="1.0" encoding="utf-8"?>
 <ds:datastoreItem xmlns:ds="http://schemas.openxmlformats.org/officeDocument/2006/customXml" ds:itemID="{190EBEF0-CB9E-4C67-BBD3-192F9F5BB87E}">
   <ds:schemaRefs>
     <ds:schemaRef ds:uri="http://schemas.microsoft.com/VisualStudio/2011/storyboarding/control"/>
@@ -27808,7 +30397,279 @@
 </ds:datastoreItem>
 </file>
 
-<file path=customXml/itemProps101.xml><?xml version="1.0" encoding="utf-8"?>
+<file path=customXml/itemProps67.xml><?xml version="1.0" encoding="utf-8"?>
+<ds:datastoreItem xmlns:ds="http://schemas.openxmlformats.org/officeDocument/2006/customXml" ds:itemID="{FAF24902-C8B9-4A2B-9077-05751B70E139}">
+  <ds:schemaRefs>
+    <ds:schemaRef ds:uri="http://schemas.microsoft.com/VisualStudio/2011/storyboarding/control"/>
+  </ds:schemaRefs>
+</ds:datastoreItem>
+</file>
+
+<file path=customXml/itemProps68.xml><?xml version="1.0" encoding="utf-8"?>
+<ds:datastoreItem xmlns:ds="http://schemas.openxmlformats.org/officeDocument/2006/customXml" ds:itemID="{B417D8B6-53FD-4D5A-BFEE-3543BD43D401}">
+  <ds:schemaRefs>
+    <ds:schemaRef ds:uri="http://schemas.microsoft.com/VisualStudio/2011/storyboarding/control"/>
+  </ds:schemaRefs>
+</ds:datastoreItem>
+</file>
+
+<file path=customXml/itemProps69.xml><?xml version="1.0" encoding="utf-8"?>
+<ds:datastoreItem xmlns:ds="http://schemas.openxmlformats.org/officeDocument/2006/customXml" ds:itemID="{AF5BA9E5-B499-492D-89E2-65244D675588}">
+  <ds:schemaRefs>
+    <ds:schemaRef ds:uri="http://schemas.microsoft.com/VisualStudio/2011/storyboarding/control"/>
+  </ds:schemaRefs>
+</ds:datastoreItem>
+</file>
+
+<file path=customXml/itemProps7.xml><?xml version="1.0" encoding="utf-8"?>
+<ds:datastoreItem xmlns:ds="http://schemas.openxmlformats.org/officeDocument/2006/customXml" ds:itemID="{12B87C94-3E99-4A00-A6CF-08E04953A553}">
+  <ds:schemaRefs>
+    <ds:schemaRef ds:uri="http://schemas.microsoft.com/VisualStudio/2011/storyboarding/control"/>
+  </ds:schemaRefs>
+</ds:datastoreItem>
+</file>
+
+<file path=customXml/itemProps70.xml><?xml version="1.0" encoding="utf-8"?>
+<ds:datastoreItem xmlns:ds="http://schemas.openxmlformats.org/officeDocument/2006/customXml" ds:itemID="{63E4AE41-0D9C-41C0-9A8F-3DFAA3E48D7D}">
+  <ds:schemaRefs>
+    <ds:schemaRef ds:uri="http://schemas.microsoft.com/VisualStudio/2011/storyboarding/control"/>
+  </ds:schemaRefs>
+</ds:datastoreItem>
+</file>
+
+<file path=customXml/itemProps71.xml><?xml version="1.0" encoding="utf-8"?>
+<ds:datastoreItem xmlns:ds="http://schemas.openxmlformats.org/officeDocument/2006/customXml" ds:itemID="{43357BA7-E8FE-4D54-AC80-E8E59429C281}">
+  <ds:schemaRefs>
+    <ds:schemaRef ds:uri="http://schemas.microsoft.com/VisualStudio/2011/storyboarding/control"/>
+  </ds:schemaRefs>
+</ds:datastoreItem>
+</file>
+
+<file path=customXml/itemProps72.xml><?xml version="1.0" encoding="utf-8"?>
+<ds:datastoreItem xmlns:ds="http://schemas.openxmlformats.org/officeDocument/2006/customXml" ds:itemID="{F284721C-0256-43ED-B521-30AC7262120A}">
+  <ds:schemaRefs>
+    <ds:schemaRef ds:uri="http://schemas.microsoft.com/VisualStudio/2011/storyboarding/control"/>
+  </ds:schemaRefs>
+</ds:datastoreItem>
+</file>
+
+<file path=customXml/itemProps73.xml><?xml version="1.0" encoding="utf-8"?>
+<ds:datastoreItem xmlns:ds="http://schemas.openxmlformats.org/officeDocument/2006/customXml" ds:itemID="{4FB1E9E5-4445-4C02-A57F-2A9C022135F0}">
+  <ds:schemaRefs>
+    <ds:schemaRef ds:uri="http://schemas.microsoft.com/VisualStudio/2011/storyboarding/control"/>
+  </ds:schemaRefs>
+</ds:datastoreItem>
+</file>
+
+<file path=customXml/itemProps74.xml><?xml version="1.0" encoding="utf-8"?>
+<ds:datastoreItem xmlns:ds="http://schemas.openxmlformats.org/officeDocument/2006/customXml" ds:itemID="{7DC3519B-D653-41F2-B6F1-BBB3B144AB62}">
+  <ds:schemaRefs>
+    <ds:schemaRef ds:uri="http://schemas.microsoft.com/VisualStudio/2011/storyboarding/control"/>
+  </ds:schemaRefs>
+</ds:datastoreItem>
+</file>
+
+<file path=customXml/itemProps75.xml><?xml version="1.0" encoding="utf-8"?>
+<ds:datastoreItem xmlns:ds="http://schemas.openxmlformats.org/officeDocument/2006/customXml" ds:itemID="{2238C136-D227-4AA1-A465-1D5076A289E6}">
+  <ds:schemaRefs>
+    <ds:schemaRef ds:uri="http://schemas.microsoft.com/VisualStudio/2011/storyboarding/control"/>
+  </ds:schemaRefs>
+</ds:datastoreItem>
+</file>
+
+<file path=customXml/itemProps76.xml><?xml version="1.0" encoding="utf-8"?>
+<ds:datastoreItem xmlns:ds="http://schemas.openxmlformats.org/officeDocument/2006/customXml" ds:itemID="{0B9C428E-2130-42D7-AF35-CB4A84DD8F2F}">
+  <ds:schemaRefs>
+    <ds:schemaRef ds:uri="http://schemas.microsoft.com/VisualStudio/2011/storyboarding/control"/>
+  </ds:schemaRefs>
+</ds:datastoreItem>
+</file>
+
+<file path=customXml/itemProps77.xml><?xml version="1.0" encoding="utf-8"?>
+<ds:datastoreItem xmlns:ds="http://schemas.openxmlformats.org/officeDocument/2006/customXml" ds:itemID="{29F8B5B8-E187-4506-A53E-4D04D2CD28B4}">
+  <ds:schemaRefs>
+    <ds:schemaRef ds:uri="http://schemas.microsoft.com/VisualStudio/2011/storyboarding/control"/>
+  </ds:schemaRefs>
+</ds:datastoreItem>
+</file>
+
+<file path=customXml/itemProps78.xml><?xml version="1.0" encoding="utf-8"?>
+<ds:datastoreItem xmlns:ds="http://schemas.openxmlformats.org/officeDocument/2006/customXml" ds:itemID="{4CDD4899-434B-483C-9270-49C1925CF9A0}">
+  <ds:schemaRefs>
+    <ds:schemaRef ds:uri="http://schemas.microsoft.com/VisualStudio/2011/storyboarding/control"/>
+  </ds:schemaRefs>
+</ds:datastoreItem>
+</file>
+
+<file path=customXml/itemProps79.xml><?xml version="1.0" encoding="utf-8"?>
+<ds:datastoreItem xmlns:ds="http://schemas.openxmlformats.org/officeDocument/2006/customXml" ds:itemID="{0F2DE0B6-1D23-4CC4-9F36-B050D9B69891}">
+  <ds:schemaRefs>
+    <ds:schemaRef ds:uri="http://schemas.microsoft.com/VisualStudio/2011/storyboarding/control"/>
+  </ds:schemaRefs>
+</ds:datastoreItem>
+</file>
+
+<file path=customXml/itemProps8.xml><?xml version="1.0" encoding="utf-8"?>
+<ds:datastoreItem xmlns:ds="http://schemas.openxmlformats.org/officeDocument/2006/customXml" ds:itemID="{A12D5DED-2D25-4DA3-8948-14474C5B5E76}">
+  <ds:schemaRefs>
+    <ds:schemaRef ds:uri="http://schemas.microsoft.com/VisualStudio/2011/storyboarding/control"/>
+  </ds:schemaRefs>
+</ds:datastoreItem>
+</file>
+
+<file path=customXml/itemProps80.xml><?xml version="1.0" encoding="utf-8"?>
+<ds:datastoreItem xmlns:ds="http://schemas.openxmlformats.org/officeDocument/2006/customXml" ds:itemID="{BB34EE50-A076-446E-BBF4-53C836A4A8DF}">
+  <ds:schemaRefs>
+    <ds:schemaRef ds:uri="http://schemas.microsoft.com/VisualStudio/2011/storyboarding/control"/>
+  </ds:schemaRefs>
+</ds:datastoreItem>
+</file>
+
+<file path=customXml/itemProps81.xml><?xml version="1.0" encoding="utf-8"?>
+<ds:datastoreItem xmlns:ds="http://schemas.openxmlformats.org/officeDocument/2006/customXml" ds:itemID="{68FD764D-ED53-4060-BB86-164A1755BC75}">
+  <ds:schemaRefs>
+    <ds:schemaRef ds:uri="http://schemas.microsoft.com/VisualStudio/2011/storyboarding/control"/>
+  </ds:schemaRefs>
+</ds:datastoreItem>
+</file>
+
+<file path=customXml/itemProps82.xml><?xml version="1.0" encoding="utf-8"?>
+<ds:datastoreItem xmlns:ds="http://schemas.openxmlformats.org/officeDocument/2006/customXml" ds:itemID="{295D5A01-DECE-4774-9D37-0549E549A300}">
+  <ds:schemaRefs>
+    <ds:schemaRef ds:uri="http://schemas.microsoft.com/VisualStudio/2011/storyboarding/control"/>
+  </ds:schemaRefs>
+</ds:datastoreItem>
+</file>
+
+<file path=customXml/itemProps83.xml><?xml version="1.0" encoding="utf-8"?>
+<ds:datastoreItem xmlns:ds="http://schemas.openxmlformats.org/officeDocument/2006/customXml" ds:itemID="{27CCB74F-C7FD-4A95-AE27-8D308AD0CB50}">
+  <ds:schemaRefs>
+    <ds:schemaRef ds:uri="http://schemas.microsoft.com/VisualStudio/2011/storyboarding/control"/>
+  </ds:schemaRefs>
+</ds:datastoreItem>
+</file>
+
+<file path=customXml/itemProps84.xml><?xml version="1.0" encoding="utf-8"?>
+<ds:datastoreItem xmlns:ds="http://schemas.openxmlformats.org/officeDocument/2006/customXml" ds:itemID="{D8621473-F62D-41B5-8568-3144F1C1A6F0}">
+  <ds:schemaRefs>
+    <ds:schemaRef ds:uri="http://schemas.microsoft.com/VisualStudio/2011/storyboarding/control"/>
+  </ds:schemaRefs>
+</ds:datastoreItem>
+</file>
+
+<file path=customXml/itemProps85.xml><?xml version="1.0" encoding="utf-8"?>
+<ds:datastoreItem xmlns:ds="http://schemas.openxmlformats.org/officeDocument/2006/customXml" ds:itemID="{9ABA7AF9-7AD4-473E-89F4-BC38F2B1F276}">
+  <ds:schemaRefs>
+    <ds:schemaRef ds:uri="http://schemas.microsoft.com/VisualStudio/2011/storyboarding/control"/>
+  </ds:schemaRefs>
+</ds:datastoreItem>
+</file>
+
+<file path=customXml/itemProps86.xml><?xml version="1.0" encoding="utf-8"?>
+<ds:datastoreItem xmlns:ds="http://schemas.openxmlformats.org/officeDocument/2006/customXml" ds:itemID="{2C4CCA8C-E1E3-4D28-B52B-FB81537ACD62}">
+  <ds:schemaRefs>
+    <ds:schemaRef ds:uri="http://schemas.microsoft.com/VisualStudio/2011/storyboarding/control"/>
+  </ds:schemaRefs>
+</ds:datastoreItem>
+</file>
+
+<file path=customXml/itemProps87.xml><?xml version="1.0" encoding="utf-8"?>
+<ds:datastoreItem xmlns:ds="http://schemas.openxmlformats.org/officeDocument/2006/customXml" ds:itemID="{560D2061-D99A-45A4-8092-C0602B8A4570}">
+  <ds:schemaRefs>
+    <ds:schemaRef ds:uri="http://schemas.microsoft.com/VisualStudio/2011/storyboarding/control"/>
+  </ds:schemaRefs>
+</ds:datastoreItem>
+</file>
+
+<file path=customXml/itemProps88.xml><?xml version="1.0" encoding="utf-8"?>
+<ds:datastoreItem xmlns:ds="http://schemas.openxmlformats.org/officeDocument/2006/customXml" ds:itemID="{3B14F52C-BC5F-47CE-945E-640AE2D7FD32}">
+  <ds:schemaRefs>
+    <ds:schemaRef ds:uri="http://schemas.microsoft.com/VisualStudio/2011/storyboarding/control"/>
+  </ds:schemaRefs>
+</ds:datastoreItem>
+</file>
+
+<file path=customXml/itemProps89.xml><?xml version="1.0" encoding="utf-8"?>
+<ds:datastoreItem xmlns:ds="http://schemas.openxmlformats.org/officeDocument/2006/customXml" ds:itemID="{D19C77BF-37A4-49C8-9F43-13E14FC0A177}">
+  <ds:schemaRefs>
+    <ds:schemaRef ds:uri="http://schemas.microsoft.com/VisualStudio/2011/storyboarding/control"/>
+  </ds:schemaRefs>
+</ds:datastoreItem>
+</file>
+
+<file path=customXml/itemProps9.xml><?xml version="1.0" encoding="utf-8"?>
+<ds:datastoreItem xmlns:ds="http://schemas.openxmlformats.org/officeDocument/2006/customXml" ds:itemID="{28D2D0D7-C598-41C7-9CF5-F1DEDB3DDE59}">
+  <ds:schemaRefs>
+    <ds:schemaRef ds:uri="http://schemas.microsoft.com/VisualStudio/2011/storyboarding/control"/>
+  </ds:schemaRefs>
+</ds:datastoreItem>
+</file>
+
+<file path=customXml/itemProps90.xml><?xml version="1.0" encoding="utf-8"?>
+<ds:datastoreItem xmlns:ds="http://schemas.openxmlformats.org/officeDocument/2006/customXml" ds:itemID="{DDBAC8B4-8905-4BB5-B558-4CCE9AACC1E7}">
+  <ds:schemaRefs>
+    <ds:schemaRef ds:uri="http://schemas.microsoft.com/VisualStudio/2011/storyboarding/control"/>
+  </ds:schemaRefs>
+</ds:datastoreItem>
+</file>
+
+<file path=customXml/itemProps91.xml><?xml version="1.0" encoding="utf-8"?>
+<ds:datastoreItem xmlns:ds="http://schemas.openxmlformats.org/officeDocument/2006/customXml" ds:itemID="{7AFD248A-A54A-4224-A9E5-220E5300E8F8}">
+  <ds:schemaRefs>
+    <ds:schemaRef ds:uri="http://schemas.microsoft.com/VisualStudio/2011/storyboarding/control"/>
+  </ds:schemaRefs>
+</ds:datastoreItem>
+</file>
+
+<file path=customXml/itemProps92.xml><?xml version="1.0" encoding="utf-8"?>
+<ds:datastoreItem xmlns:ds="http://schemas.openxmlformats.org/officeDocument/2006/customXml" ds:itemID="{BF8B6F30-58A9-49DC-A98D-09DDB8F2693B}">
+  <ds:schemaRefs>
+    <ds:schemaRef ds:uri="http://schemas.microsoft.com/VisualStudio/2011/storyboarding/control"/>
+  </ds:schemaRefs>
+</ds:datastoreItem>
+</file>
+
+<file path=customXml/itemProps93.xml><?xml version="1.0" encoding="utf-8"?>
+<ds:datastoreItem xmlns:ds="http://schemas.openxmlformats.org/officeDocument/2006/customXml" ds:itemID="{67299DBF-78FD-4556-BEC5-DAED3F111C44}">
+  <ds:schemaRefs>
+    <ds:schemaRef ds:uri="http://schemas.microsoft.com/VisualStudio/2011/storyboarding/control"/>
+  </ds:schemaRefs>
+</ds:datastoreItem>
+</file>
+
+<file path=customXml/itemProps94.xml><?xml version="1.0" encoding="utf-8"?>
+<ds:datastoreItem xmlns:ds="http://schemas.openxmlformats.org/officeDocument/2006/customXml" ds:itemID="{392A17C6-E843-4590-854E-08329261E193}">
+  <ds:schemaRefs>
+    <ds:schemaRef ds:uri="http://schemas.microsoft.com/VisualStudio/2011/storyboarding/control"/>
+  </ds:schemaRefs>
+</ds:datastoreItem>
+</file>
+
+<file path=customXml/itemProps95.xml><?xml version="1.0" encoding="utf-8"?>
+<ds:datastoreItem xmlns:ds="http://schemas.openxmlformats.org/officeDocument/2006/customXml" ds:itemID="{A59FF763-C396-4BBD-B648-8ED995144782}">
+  <ds:schemaRefs>
+    <ds:schemaRef ds:uri="http://schemas.microsoft.com/VisualStudio/2011/storyboarding/control"/>
+  </ds:schemaRefs>
+</ds:datastoreItem>
+</file>
+
+<file path=customXml/itemProps96.xml><?xml version="1.0" encoding="utf-8"?>
+<ds:datastoreItem xmlns:ds="http://schemas.openxmlformats.org/officeDocument/2006/customXml" ds:itemID="{8552D1C0-18CB-40C8-A2BE-33C855951852}">
+  <ds:schemaRefs>
+    <ds:schemaRef ds:uri="http://schemas.microsoft.com/VisualStudio/2011/storyboarding/control"/>
+  </ds:schemaRefs>
+</ds:datastoreItem>
+</file>
+
+<file path=customXml/itemProps97.xml><?xml version="1.0" encoding="utf-8"?>
+<ds:datastoreItem xmlns:ds="http://schemas.openxmlformats.org/officeDocument/2006/customXml" ds:itemID="{FD188300-81E8-4775-8131-2C284D97ABB2}">
+  <ds:schemaRefs>
+    <ds:schemaRef ds:uri="http://schemas.microsoft.com/VisualStudio/2011/storyboarding/control"/>
+  </ds:schemaRefs>
+</ds:datastoreItem>
+</file>
+
+<file path=customXml/itemProps98.xml><?xml version="1.0" encoding="utf-8"?>
 <ds:datastoreItem xmlns:ds="http://schemas.openxmlformats.org/officeDocument/2006/customXml" ds:itemID="{4C2DD3A5-565B-4655-839B-3D7E5DA58911}">
   <ds:schemaRefs>
     <ds:schemaRef ds:uri="http://schemas.microsoft.com/VisualStudio/2011/storyboarding/control"/>
@@ -27816,2402 +30677,10 @@
 </ds:datastoreItem>
 </file>
 
-<file path=customXml/itemProps102.xml><?xml version="1.0" encoding="utf-8"?>
-<ds:datastoreItem xmlns:ds="http://schemas.openxmlformats.org/officeDocument/2006/customXml" ds:itemID="{D7F890C1-A5D2-4949-B5FB-9149F52A5401}">
-  <ds:schemaRefs>
-    <ds:schemaRef ds:uri="http://schemas.microsoft.com/VisualStudio/2011/storyboarding/control"/>
-  </ds:schemaRefs>
-</ds:datastoreItem>
-</file>
-
-<file path=customXml/itemProps103.xml><?xml version="1.0" encoding="utf-8"?>
-<ds:datastoreItem xmlns:ds="http://schemas.openxmlformats.org/officeDocument/2006/customXml" ds:itemID="{0C30631B-6B6B-4F45-A69E-60EB784933B3}">
-  <ds:schemaRefs>
-    <ds:schemaRef ds:uri="http://schemas.microsoft.com/VisualStudio/2011/storyboarding/control"/>
-  </ds:schemaRefs>
-</ds:datastoreItem>
-</file>
-
-<file path=customXml/itemProps104.xml><?xml version="1.0" encoding="utf-8"?>
-<ds:datastoreItem xmlns:ds="http://schemas.openxmlformats.org/officeDocument/2006/customXml" ds:itemID="{3A1CF677-7ED7-42FC-8B92-EB1BA9F20F04}">
-  <ds:schemaRefs>
-    <ds:schemaRef ds:uri="http://schemas.microsoft.com/VisualStudio/2011/storyboarding/control"/>
-  </ds:schemaRefs>
-</ds:datastoreItem>
-</file>
-
-<file path=customXml/itemProps105.xml><?xml version="1.0" encoding="utf-8"?>
-<ds:datastoreItem xmlns:ds="http://schemas.openxmlformats.org/officeDocument/2006/customXml" ds:itemID="{7189590F-1A48-46F3-B24A-D8D0F3BA0A15}">
-  <ds:schemaRefs>
-    <ds:schemaRef ds:uri="http://schemas.microsoft.com/VisualStudio/2011/storyboarding/control"/>
-  </ds:schemaRefs>
-</ds:datastoreItem>
-</file>
-
-<file path=customXml/itemProps106.xml><?xml version="1.0" encoding="utf-8"?>
-<ds:datastoreItem xmlns:ds="http://schemas.openxmlformats.org/officeDocument/2006/customXml" ds:itemID="{6DD2B541-6C60-4151-B23B-67CDB2C810F8}">
-  <ds:schemaRefs>
-    <ds:schemaRef ds:uri="http://schemas.microsoft.com/VisualStudio/2011/storyboarding/control"/>
-  </ds:schemaRefs>
-</ds:datastoreItem>
-</file>
-
-<file path=customXml/itemProps107.xml><?xml version="1.0" encoding="utf-8"?>
-<ds:datastoreItem xmlns:ds="http://schemas.openxmlformats.org/officeDocument/2006/customXml" ds:itemID="{699876C8-5F05-460B-B233-E045E47E7AB5}">
-  <ds:schemaRefs>
-    <ds:schemaRef ds:uri="http://schemas.microsoft.com/VisualStudio/2011/storyboarding/control"/>
-  </ds:schemaRefs>
-</ds:datastoreItem>
-</file>
-
-<file path=customXml/itemProps108.xml><?xml version="1.0" encoding="utf-8"?>
-<ds:datastoreItem xmlns:ds="http://schemas.openxmlformats.org/officeDocument/2006/customXml" ds:itemID="{D176A5CA-84F0-42CF-AE7E-D9B7ED1985C2}">
-  <ds:schemaRefs>
-    <ds:schemaRef ds:uri="http://schemas.microsoft.com/VisualStudio/2011/storyboarding/control"/>
-  </ds:schemaRefs>
-</ds:datastoreItem>
-</file>
-
-<file path=customXml/itemProps109.xml><?xml version="1.0" encoding="utf-8"?>
-<ds:datastoreItem xmlns:ds="http://schemas.openxmlformats.org/officeDocument/2006/customXml" ds:itemID="{DFF51E64-F6D6-46E3-9F94-C228DBA3CEF1}">
-  <ds:schemaRefs>
-    <ds:schemaRef ds:uri="http://schemas.microsoft.com/VisualStudio/2011/storyboarding/control"/>
-  </ds:schemaRefs>
-</ds:datastoreItem>
-</file>
-
-<file path=customXml/itemProps11.xml><?xml version="1.0" encoding="utf-8"?>
-<ds:datastoreItem xmlns:ds="http://schemas.openxmlformats.org/officeDocument/2006/customXml" ds:itemID="{14BE62A8-EAD0-4F5F-934A-B09BF3770FF9}">
-  <ds:schemaRefs>
-    <ds:schemaRef ds:uri="http://schemas.microsoft.com/VisualStudio/2011/storyboarding/control"/>
-  </ds:schemaRefs>
-</ds:datastoreItem>
-</file>
-
-<file path=customXml/itemProps110.xml><?xml version="1.0" encoding="utf-8"?>
-<ds:datastoreItem xmlns:ds="http://schemas.openxmlformats.org/officeDocument/2006/customXml" ds:itemID="{71C68A77-FCC5-45AF-90E8-603F01C8B090}">
-  <ds:schemaRefs>
-    <ds:schemaRef ds:uri="http://schemas.microsoft.com/VisualStudio/2011/storyboarding/control"/>
-  </ds:schemaRefs>
-</ds:datastoreItem>
-</file>
-
-<file path=customXml/itemProps111.xml><?xml version="1.0" encoding="utf-8"?>
-<ds:datastoreItem xmlns:ds="http://schemas.openxmlformats.org/officeDocument/2006/customXml" ds:itemID="{27CCB74F-C7FD-4A95-AE27-8D308AD0CB50}">
-  <ds:schemaRefs>
-    <ds:schemaRef ds:uri="http://schemas.microsoft.com/VisualStudio/2011/storyboarding/control"/>
-  </ds:schemaRefs>
-</ds:datastoreItem>
-</file>
-
-<file path=customXml/itemProps112.xml><?xml version="1.0" encoding="utf-8"?>
-<ds:datastoreItem xmlns:ds="http://schemas.openxmlformats.org/officeDocument/2006/customXml" ds:itemID="{D04082BA-D2CD-4E56-B169-1608513122AE}">
-  <ds:schemaRefs>
-    <ds:schemaRef ds:uri="http://schemas.microsoft.com/VisualStudio/2011/storyboarding/control"/>
-  </ds:schemaRefs>
-</ds:datastoreItem>
-</file>
-
-<file path=customXml/itemProps113.xml><?xml version="1.0" encoding="utf-8"?>
-<ds:datastoreItem xmlns:ds="http://schemas.openxmlformats.org/officeDocument/2006/customXml" ds:itemID="{CE13D033-955A-413A-BF77-A5D3B95ACDBC}">
-  <ds:schemaRefs>
-    <ds:schemaRef ds:uri="http://schemas.microsoft.com/VisualStudio/2011/storyboarding/control"/>
-  </ds:schemaRefs>
-</ds:datastoreItem>
-</file>
-
-<file path=customXml/itemProps114.xml><?xml version="1.0" encoding="utf-8"?>
-<ds:datastoreItem xmlns:ds="http://schemas.openxmlformats.org/officeDocument/2006/customXml" ds:itemID="{3D991671-804F-44F2-8BE3-0781A317701D}">
-  <ds:schemaRefs>
-    <ds:schemaRef ds:uri="http://schemas.microsoft.com/VisualStudio/2011/storyboarding/control"/>
-  </ds:schemaRefs>
-</ds:datastoreItem>
-</file>
-
-<file path=customXml/itemProps115.xml><?xml version="1.0" encoding="utf-8"?>
-<ds:datastoreItem xmlns:ds="http://schemas.openxmlformats.org/officeDocument/2006/customXml" ds:itemID="{1787789D-0EBA-4FE8-865A-15C7CED9FBEB}">
-  <ds:schemaRefs>
-    <ds:schemaRef ds:uri="http://schemas.microsoft.com/VisualStudio/2011/storyboarding/control"/>
-  </ds:schemaRefs>
-</ds:datastoreItem>
-</file>
-
-<file path=customXml/itemProps116.xml><?xml version="1.0" encoding="utf-8"?>
-<ds:datastoreItem xmlns:ds="http://schemas.openxmlformats.org/officeDocument/2006/customXml" ds:itemID="{113CC0A4-04F5-4B9D-A17B-5C03BA1F3CAC}">
-  <ds:schemaRefs>
-    <ds:schemaRef ds:uri="http://schemas.microsoft.com/VisualStudio/2011/storyboarding/control"/>
-  </ds:schemaRefs>
-</ds:datastoreItem>
-</file>
-
-<file path=customXml/itemProps117.xml><?xml version="1.0" encoding="utf-8"?>
-<ds:datastoreItem xmlns:ds="http://schemas.openxmlformats.org/officeDocument/2006/customXml" ds:itemID="{341B9A64-4A8F-4D0A-86B1-A62586318DED}">
-  <ds:schemaRefs>
-    <ds:schemaRef ds:uri="http://schemas.microsoft.com/VisualStudio/2011/storyboarding/control"/>
-  </ds:schemaRefs>
-</ds:datastoreItem>
-</file>
-
-<file path=customXml/itemProps118.xml><?xml version="1.0" encoding="utf-8"?>
-<ds:datastoreItem xmlns:ds="http://schemas.openxmlformats.org/officeDocument/2006/customXml" ds:itemID="{DAF7154D-49A1-422C-9139-455DB6824320}">
-  <ds:schemaRefs>
-    <ds:schemaRef ds:uri="http://schemas.microsoft.com/VisualStudio/2011/storyboarding/control"/>
-  </ds:schemaRefs>
-</ds:datastoreItem>
-</file>
-
-<file path=customXml/itemProps119.xml><?xml version="1.0" encoding="utf-8"?>
-<ds:datastoreItem xmlns:ds="http://schemas.openxmlformats.org/officeDocument/2006/customXml" ds:itemID="{DC6DE712-FAC2-48EF-8F42-43EFC4A596F1}">
-  <ds:schemaRefs>
-    <ds:schemaRef ds:uri="http://schemas.microsoft.com/VisualStudio/2011/storyboarding/control"/>
-  </ds:schemaRefs>
-</ds:datastoreItem>
-</file>
-
-<file path=customXml/itemProps12.xml><?xml version="1.0" encoding="utf-8"?>
-<ds:datastoreItem xmlns:ds="http://schemas.openxmlformats.org/officeDocument/2006/customXml" ds:itemID="{FB4E80E6-CDBF-4033-8B52-FB80E5634189}">
-  <ds:schemaRefs>
-    <ds:schemaRef ds:uri="http://schemas.microsoft.com/VisualStudio/2011/storyboarding/control"/>
-  </ds:schemaRefs>
-</ds:datastoreItem>
-</file>
-
-<file path=customXml/itemProps120.xml><?xml version="1.0" encoding="utf-8"?>
-<ds:datastoreItem xmlns:ds="http://schemas.openxmlformats.org/officeDocument/2006/customXml" ds:itemID="{494ECD25-6B82-4D53-B271-88A3A6E803B2}">
-  <ds:schemaRefs>
-    <ds:schemaRef ds:uri="http://schemas.microsoft.com/VisualStudio/2011/storyboarding/control"/>
-  </ds:schemaRefs>
-</ds:datastoreItem>
-</file>
-
-<file path=customXml/itemProps121.xml><?xml version="1.0" encoding="utf-8"?>
-<ds:datastoreItem xmlns:ds="http://schemas.openxmlformats.org/officeDocument/2006/customXml" ds:itemID="{63E4AE41-0D9C-41C0-9A8F-3DFAA3E48D7D}">
-  <ds:schemaRefs>
-    <ds:schemaRef ds:uri="http://schemas.microsoft.com/VisualStudio/2011/storyboarding/control"/>
-  </ds:schemaRefs>
-</ds:datastoreItem>
-</file>
-
-<file path=customXml/itemProps122.xml><?xml version="1.0" encoding="utf-8"?>
+<file path=customXml/itemProps99.xml><?xml version="1.0" encoding="utf-8"?>
 <ds:datastoreItem xmlns:ds="http://schemas.openxmlformats.org/officeDocument/2006/customXml" ds:itemID="{A770902C-91B4-4F9A-987B-C073AEA84AD1}">
   <ds:schemaRefs>
     <ds:schemaRef ds:uri="http://schemas.microsoft.com/VisualStudio/2011/storyboarding/control"/>
   </ds:schemaRefs>
 </ds:datastoreItem>
-</file>
-
-<file path=customXml/itemProps123.xml><?xml version="1.0" encoding="utf-8"?>
-<ds:datastoreItem xmlns:ds="http://schemas.openxmlformats.org/officeDocument/2006/customXml" ds:itemID="{29679B89-9CBC-4928-A22A-244AE0237BB0}">
-  <ds:schemaRefs>
-    <ds:schemaRef ds:uri="http://schemas.microsoft.com/VisualStudio/2011/storyboarding/control"/>
-  </ds:schemaRefs>
-</ds:datastoreItem>
-</file>
-
-<file path=customXml/itemProps124.xml><?xml version="1.0" encoding="utf-8"?>
-<ds:datastoreItem xmlns:ds="http://schemas.openxmlformats.org/officeDocument/2006/customXml" ds:itemID="{BCD68537-FD77-44D1-B5FC-C1B002B1B2F1}">
-  <ds:schemaRefs>
-    <ds:schemaRef ds:uri="http://schemas.microsoft.com/VisualStudio/2011/storyboarding/control"/>
-  </ds:schemaRefs>
-</ds:datastoreItem>
-</file>
-
-<file path=customXml/itemProps125.xml><?xml version="1.0" encoding="utf-8"?>
-<ds:datastoreItem xmlns:ds="http://schemas.openxmlformats.org/officeDocument/2006/customXml" ds:itemID="{2262AB97-89CA-4079-98DA-993B62EF26AB}">
-  <ds:schemaRefs>
-    <ds:schemaRef ds:uri="http://schemas.microsoft.com/VisualStudio/2011/storyboarding/control"/>
-  </ds:schemaRefs>
-</ds:datastoreItem>
-</file>
-
-<file path=customXml/itemProps126.xml><?xml version="1.0" encoding="utf-8"?>
-<ds:datastoreItem xmlns:ds="http://schemas.openxmlformats.org/officeDocument/2006/customXml" ds:itemID="{2F6BDFFF-5546-47E4-8CF1-5354DFE6CFD9}">
-  <ds:schemaRefs>
-    <ds:schemaRef ds:uri="http://schemas.microsoft.com/VisualStudio/2011/storyboarding/control"/>
-  </ds:schemaRefs>
-</ds:datastoreItem>
-</file>
-
-<file path=customXml/itemProps127.xml><?xml version="1.0" encoding="utf-8"?>
-<ds:datastoreItem xmlns:ds="http://schemas.openxmlformats.org/officeDocument/2006/customXml" ds:itemID="{16EAB064-496F-4B1C-BA3B-C699F7502928}">
-  <ds:schemaRefs>
-    <ds:schemaRef ds:uri="http://schemas.microsoft.com/VisualStudio/2011/storyboarding/control"/>
-  </ds:schemaRefs>
-</ds:datastoreItem>
-</file>
-
-<file path=customXml/itemProps128.xml><?xml version="1.0" encoding="utf-8"?>
-<ds:datastoreItem xmlns:ds="http://schemas.openxmlformats.org/officeDocument/2006/customXml" ds:itemID="{88C04483-D8EE-4FCA-A54F-704220F97EF8}">
-  <ds:schemaRefs>
-    <ds:schemaRef ds:uri="http://schemas.microsoft.com/VisualStudio/2011/storyboarding/control"/>
-  </ds:schemaRefs>
-</ds:datastoreItem>
-</file>
-
-<file path=customXml/itemProps129.xml><?xml version="1.0" encoding="utf-8"?>
-<ds:datastoreItem xmlns:ds="http://schemas.openxmlformats.org/officeDocument/2006/customXml" ds:itemID="{A0A4739D-1067-47D0-95FE-525DC04CC418}">
-  <ds:schemaRefs>
-    <ds:schemaRef ds:uri="http://schemas.microsoft.com/VisualStudio/2011/storyboarding/control"/>
-  </ds:schemaRefs>
-</ds:datastoreItem>
-</file>
-
-<file path=customXml/itemProps13.xml><?xml version="1.0" encoding="utf-8"?>
-<ds:datastoreItem xmlns:ds="http://schemas.openxmlformats.org/officeDocument/2006/customXml" ds:itemID="{BA0988D9-08D5-4B0D-B2CA-AFA6A82BFB69}">
-  <ds:schemaRefs>
-    <ds:schemaRef ds:uri="http://schemas.microsoft.com/VisualStudio/2011/storyboarding/control"/>
-  </ds:schemaRefs>
-</ds:datastoreItem>
-</file>
-
-<file path=customXml/itemProps130.xml><?xml version="1.0" encoding="utf-8"?>
-<ds:datastoreItem xmlns:ds="http://schemas.openxmlformats.org/officeDocument/2006/customXml" ds:itemID="{4274C42F-63E9-49F9-B959-AD75845B8D07}">
-  <ds:schemaRefs>
-    <ds:schemaRef ds:uri="http://schemas.microsoft.com/VisualStudio/2011/storyboarding/control"/>
-  </ds:schemaRefs>
-</ds:datastoreItem>
-</file>
-
-<file path=customXml/itemProps131.xml><?xml version="1.0" encoding="utf-8"?>
-<ds:datastoreItem xmlns:ds="http://schemas.openxmlformats.org/officeDocument/2006/customXml" ds:itemID="{B0A7260F-6144-438B-B40E-F17A3A1A2CE9}">
-  <ds:schemaRefs>
-    <ds:schemaRef ds:uri="http://schemas.microsoft.com/VisualStudio/2011/storyboarding/control"/>
-  </ds:schemaRefs>
-</ds:datastoreItem>
-</file>
-
-<file path=customXml/itemProps132.xml><?xml version="1.0" encoding="utf-8"?>
-<ds:datastoreItem xmlns:ds="http://schemas.openxmlformats.org/officeDocument/2006/customXml" ds:itemID="{D8621473-F62D-41B5-8568-3144F1C1A6F0}">
-  <ds:schemaRefs>
-    <ds:schemaRef ds:uri="http://schemas.microsoft.com/VisualStudio/2011/storyboarding/control"/>
-  </ds:schemaRefs>
-</ds:datastoreItem>
-</file>
-
-<file path=customXml/itemProps133.xml><?xml version="1.0" encoding="utf-8"?>
-<ds:datastoreItem xmlns:ds="http://schemas.openxmlformats.org/officeDocument/2006/customXml" ds:itemID="{13C1407C-CF6D-4F1E-9B31-FAC446AF6317}">
-  <ds:schemaRefs>
-    <ds:schemaRef ds:uri="http://schemas.microsoft.com/VisualStudio/2011/storyboarding/control"/>
-  </ds:schemaRefs>
-</ds:datastoreItem>
-</file>
-
-<file path=customXml/itemProps134.xml><?xml version="1.0" encoding="utf-8"?>
-<ds:datastoreItem xmlns:ds="http://schemas.openxmlformats.org/officeDocument/2006/customXml" ds:itemID="{27F8D642-C876-4D49-A268-D03A3875605D}">
-  <ds:schemaRefs>
-    <ds:schemaRef ds:uri="http://schemas.microsoft.com/VisualStudio/2011/storyboarding/control"/>
-  </ds:schemaRefs>
-</ds:datastoreItem>
-</file>
-
-<file path=customXml/itemProps135.xml><?xml version="1.0" encoding="utf-8"?>
-<ds:datastoreItem xmlns:ds="http://schemas.openxmlformats.org/officeDocument/2006/customXml" ds:itemID="{314BC7E0-5CB8-41B7-80AE-6FF18C6ED044}">
-  <ds:schemaRefs>
-    <ds:schemaRef ds:uri="http://schemas.microsoft.com/VisualStudio/2011/storyboarding/control"/>
-  </ds:schemaRefs>
-</ds:datastoreItem>
-</file>
-
-<file path=customXml/itemProps136.xml><?xml version="1.0" encoding="utf-8"?>
-<ds:datastoreItem xmlns:ds="http://schemas.openxmlformats.org/officeDocument/2006/customXml" ds:itemID="{98239294-B951-4171-BF7E-2E6B950C31FA}">
-  <ds:schemaRefs>
-    <ds:schemaRef ds:uri="http://schemas.microsoft.com/VisualStudio/2011/storyboarding/control"/>
-  </ds:schemaRefs>
-</ds:datastoreItem>
-</file>
-
-<file path=customXml/itemProps137.xml><?xml version="1.0" encoding="utf-8"?>
-<ds:datastoreItem xmlns:ds="http://schemas.openxmlformats.org/officeDocument/2006/customXml" ds:itemID="{6D348E8A-0011-403D-B403-2D791AB6B29D}">
-  <ds:schemaRefs>
-    <ds:schemaRef ds:uri="http://schemas.microsoft.com/VisualStudio/2011/storyboarding/control"/>
-  </ds:schemaRefs>
-</ds:datastoreItem>
-</file>
-
-<file path=customXml/itemProps138.xml><?xml version="1.0" encoding="utf-8"?>
-<ds:datastoreItem xmlns:ds="http://schemas.openxmlformats.org/officeDocument/2006/customXml" ds:itemID="{42202DCE-A05C-4F65-B84A-0A0834D65E33}">
-  <ds:schemaRefs>
-    <ds:schemaRef ds:uri="http://schemas.microsoft.com/VisualStudio/2011/storyboarding/control"/>
-  </ds:schemaRefs>
-</ds:datastoreItem>
-</file>
-
-<file path=customXml/itemProps139.xml><?xml version="1.0" encoding="utf-8"?>
-<ds:datastoreItem xmlns:ds="http://schemas.openxmlformats.org/officeDocument/2006/customXml" ds:itemID="{F1849B9A-F2A7-47EC-B82F-47ADD7DF296A}">
-  <ds:schemaRefs>
-    <ds:schemaRef ds:uri="http://schemas.microsoft.com/VisualStudio/2011/storyboarding/control"/>
-  </ds:schemaRefs>
-</ds:datastoreItem>
-</file>
-
-<file path=customXml/itemProps14.xml><?xml version="1.0" encoding="utf-8"?>
-<ds:datastoreItem xmlns:ds="http://schemas.openxmlformats.org/officeDocument/2006/customXml" ds:itemID="{25AC7257-525C-4E5A-AA42-573829D61A3B}">
-  <ds:schemaRefs>
-    <ds:schemaRef ds:uri="http://schemas.microsoft.com/VisualStudio/2011/storyboarding/control"/>
-  </ds:schemaRefs>
-</ds:datastoreItem>
-</file>
-
-<file path=customXml/itemProps140.xml><?xml version="1.0" encoding="utf-8"?>
-<ds:datastoreItem xmlns:ds="http://schemas.openxmlformats.org/officeDocument/2006/customXml" ds:itemID="{BE60BF8C-B366-4015-AFC5-00DA9D5EE41E}">
-  <ds:schemaRefs>
-    <ds:schemaRef ds:uri="http://schemas.microsoft.com/VisualStudio/2011/storyboarding/control"/>
-  </ds:schemaRefs>
-</ds:datastoreItem>
-</file>
-
-<file path=customXml/itemProps141.xml><?xml version="1.0" encoding="utf-8"?>
-<ds:datastoreItem xmlns:ds="http://schemas.openxmlformats.org/officeDocument/2006/customXml" ds:itemID="{66AC9233-048D-4EFE-BF75-1ED341665CE7}">
-  <ds:schemaRefs>
-    <ds:schemaRef ds:uri="http://schemas.microsoft.com/VisualStudio/2011/storyboarding/control"/>
-  </ds:schemaRefs>
-</ds:datastoreItem>
-</file>
-
-<file path=customXml/itemProps142.xml><?xml version="1.0" encoding="utf-8"?>
-<ds:datastoreItem xmlns:ds="http://schemas.openxmlformats.org/officeDocument/2006/customXml" ds:itemID="{43357BA7-E8FE-4D54-AC80-E8E59429C281}">
-  <ds:schemaRefs>
-    <ds:schemaRef ds:uri="http://schemas.microsoft.com/VisualStudio/2011/storyboarding/control"/>
-  </ds:schemaRefs>
-</ds:datastoreItem>
-</file>
-
-<file path=customXml/itemProps143.xml><?xml version="1.0" encoding="utf-8"?>
-<ds:datastoreItem xmlns:ds="http://schemas.openxmlformats.org/officeDocument/2006/customXml" ds:itemID="{00733A73-60C4-4047-99FA-999B6399E6BC}">
-  <ds:schemaRefs>
-    <ds:schemaRef ds:uri="http://schemas.microsoft.com/VisualStudio/2011/storyboarding/control"/>
-  </ds:schemaRefs>
-</ds:datastoreItem>
-</file>
-
-<file path=customXml/itemProps144.xml><?xml version="1.0" encoding="utf-8"?>
-<ds:datastoreItem xmlns:ds="http://schemas.openxmlformats.org/officeDocument/2006/customXml" ds:itemID="{892CF6B9-7AB2-4DCF-86FB-B50BB8D91DDB}">
-  <ds:schemaRefs>
-    <ds:schemaRef ds:uri="http://schemas.microsoft.com/VisualStudio/2011/storyboarding/control"/>
-  </ds:schemaRefs>
-</ds:datastoreItem>
-</file>
-
-<file path=customXml/itemProps145.xml><?xml version="1.0" encoding="utf-8"?>
-<ds:datastoreItem xmlns:ds="http://schemas.openxmlformats.org/officeDocument/2006/customXml" ds:itemID="{81E54383-98AB-4CF8-862A-56119B52D70D}">
-  <ds:schemaRefs>
-    <ds:schemaRef ds:uri="http://schemas.microsoft.com/VisualStudio/2011/storyboarding/control"/>
-  </ds:schemaRefs>
-</ds:datastoreItem>
-</file>
-
-<file path=customXml/itemProps146.xml><?xml version="1.0" encoding="utf-8"?>
-<ds:datastoreItem xmlns:ds="http://schemas.openxmlformats.org/officeDocument/2006/customXml" ds:itemID="{C962D66A-88E9-473B-8A7A-477B4CE13AF5}">
-  <ds:schemaRefs>
-    <ds:schemaRef ds:uri="http://schemas.microsoft.com/VisualStudio/2011/storyboarding/control"/>
-  </ds:schemaRefs>
-</ds:datastoreItem>
-</file>
-
-<file path=customXml/itemProps147.xml><?xml version="1.0" encoding="utf-8"?>
-<ds:datastoreItem xmlns:ds="http://schemas.openxmlformats.org/officeDocument/2006/customXml" ds:itemID="{606CF5D4-B3F8-40BD-8704-7E44E4F5719F}">
-  <ds:schemaRefs>
-    <ds:schemaRef ds:uri="http://schemas.microsoft.com/VisualStudio/2011/storyboarding/control"/>
-  </ds:schemaRefs>
-</ds:datastoreItem>
-</file>
-
-<file path=customXml/itemProps148.xml><?xml version="1.0" encoding="utf-8"?>
-<ds:datastoreItem xmlns:ds="http://schemas.openxmlformats.org/officeDocument/2006/customXml" ds:itemID="{052D3153-F81F-47D0-946E-5920405FFC24}">
-  <ds:schemaRefs>
-    <ds:schemaRef ds:uri="http://schemas.microsoft.com/VisualStudio/2011/storyboarding/control"/>
-  </ds:schemaRefs>
-</ds:datastoreItem>
-</file>
-
-<file path=customXml/itemProps149.xml><?xml version="1.0" encoding="utf-8"?>
-<ds:datastoreItem xmlns:ds="http://schemas.openxmlformats.org/officeDocument/2006/customXml" ds:itemID="{941A1568-B616-44B1-8AF5-A4ADE958EDAD}">
-  <ds:schemaRefs>
-    <ds:schemaRef ds:uri="http://schemas.microsoft.com/VisualStudio/2011/storyboarding/control"/>
-  </ds:schemaRefs>
-</ds:datastoreItem>
-</file>
-
-<file path=customXml/itemProps15.xml><?xml version="1.0" encoding="utf-8"?>
-<ds:datastoreItem xmlns:ds="http://schemas.openxmlformats.org/officeDocument/2006/customXml" ds:itemID="{7AFD248A-A54A-4224-A9E5-220E5300E8F8}">
-  <ds:schemaRefs>
-    <ds:schemaRef ds:uri="http://schemas.microsoft.com/VisualStudio/2011/storyboarding/control"/>
-  </ds:schemaRefs>
-</ds:datastoreItem>
-</file>
-
-<file path=customXml/itemProps150.xml><?xml version="1.0" encoding="utf-8"?>
-<ds:datastoreItem xmlns:ds="http://schemas.openxmlformats.org/officeDocument/2006/customXml" ds:itemID="{8B1F962B-8896-4824-ACD5-8AE30FE0A557}">
-  <ds:schemaRefs>
-    <ds:schemaRef ds:uri="http://schemas.microsoft.com/VisualStudio/2011/storyboarding/control"/>
-  </ds:schemaRefs>
-</ds:datastoreItem>
-</file>
-
-<file path=customXml/itemProps151.xml><?xml version="1.0" encoding="utf-8"?>
-<ds:datastoreItem xmlns:ds="http://schemas.openxmlformats.org/officeDocument/2006/customXml" ds:itemID="{74E1FA7F-A4B5-484B-929E-6F02BB83131C}">
-  <ds:schemaRefs>
-    <ds:schemaRef ds:uri="http://schemas.microsoft.com/VisualStudio/2011/storyboarding/control"/>
-  </ds:schemaRefs>
-</ds:datastoreItem>
-</file>
-
-<file path=customXml/itemProps152.xml><?xml version="1.0" encoding="utf-8"?>
-<ds:datastoreItem xmlns:ds="http://schemas.openxmlformats.org/officeDocument/2006/customXml" ds:itemID="{E4EC0F23-1162-4221-AFA8-5BFDF651A690}">
-  <ds:schemaRefs>
-    <ds:schemaRef ds:uri="http://schemas.microsoft.com/VisualStudio/2011/storyboarding/control"/>
-  </ds:schemaRefs>
-</ds:datastoreItem>
-</file>
-
-<file path=customXml/itemProps153.xml><?xml version="1.0" encoding="utf-8"?>
-<ds:datastoreItem xmlns:ds="http://schemas.openxmlformats.org/officeDocument/2006/customXml" ds:itemID="{9ABA7AF9-7AD4-473E-89F4-BC38F2B1F276}">
-  <ds:schemaRefs>
-    <ds:schemaRef ds:uri="http://schemas.microsoft.com/VisualStudio/2011/storyboarding/control"/>
-  </ds:schemaRefs>
-</ds:datastoreItem>
-</file>
-
-<file path=customXml/itemProps154.xml><?xml version="1.0" encoding="utf-8"?>
-<ds:datastoreItem xmlns:ds="http://schemas.openxmlformats.org/officeDocument/2006/customXml" ds:itemID="{0639E041-5344-4826-A0B0-6DE2057EC2F0}">
-  <ds:schemaRefs>
-    <ds:schemaRef ds:uri="http://schemas.microsoft.com/VisualStudio/2011/storyboarding/control"/>
-  </ds:schemaRefs>
-</ds:datastoreItem>
-</file>
-
-<file path=customXml/itemProps155.xml><?xml version="1.0" encoding="utf-8"?>
-<ds:datastoreItem xmlns:ds="http://schemas.openxmlformats.org/officeDocument/2006/customXml" ds:itemID="{9501DC5F-120C-4F65-9B9C-A042818517A5}">
-  <ds:schemaRefs>
-    <ds:schemaRef ds:uri="http://schemas.microsoft.com/VisualStudio/2011/storyboarding/control"/>
-  </ds:schemaRefs>
-</ds:datastoreItem>
-</file>
-
-<file path=customXml/itemProps156.xml><?xml version="1.0" encoding="utf-8"?>
-<ds:datastoreItem xmlns:ds="http://schemas.openxmlformats.org/officeDocument/2006/customXml" ds:itemID="{903D1585-EC82-417F-ADD8-DEE6B3412E20}">
-  <ds:schemaRefs>
-    <ds:schemaRef ds:uri="http://schemas.microsoft.com/VisualStudio/2011/storyboarding/control"/>
-  </ds:schemaRefs>
-</ds:datastoreItem>
-</file>
-
-<file path=customXml/itemProps157.xml><?xml version="1.0" encoding="utf-8"?>
-<ds:datastoreItem xmlns:ds="http://schemas.openxmlformats.org/officeDocument/2006/customXml" ds:itemID="{09CE74FB-25C7-4560-B2D1-31C53C62D2F2}">
-  <ds:schemaRefs>
-    <ds:schemaRef ds:uri="http://schemas.microsoft.com/VisualStudio/2011/storyboarding/control"/>
-  </ds:schemaRefs>
-</ds:datastoreItem>
-</file>
-
-<file path=customXml/itemProps158.xml><?xml version="1.0" encoding="utf-8"?>
-<ds:datastoreItem xmlns:ds="http://schemas.openxmlformats.org/officeDocument/2006/customXml" ds:itemID="{0ACD7F9E-6922-401E-AD61-6FDDCBE9BAA8}">
-  <ds:schemaRefs>
-    <ds:schemaRef ds:uri="http://schemas.microsoft.com/VisualStudio/2011/storyboarding/control"/>
-  </ds:schemaRefs>
-</ds:datastoreItem>
-</file>
-
-<file path=customXml/itemProps159.xml><?xml version="1.0" encoding="utf-8"?>
-<ds:datastoreItem xmlns:ds="http://schemas.openxmlformats.org/officeDocument/2006/customXml" ds:itemID="{73CFC637-E0A4-430F-AF1C-69D891B1F8FC}">
-  <ds:schemaRefs>
-    <ds:schemaRef ds:uri="http://schemas.microsoft.com/VisualStudio/2011/storyboarding/control"/>
-  </ds:schemaRefs>
-</ds:datastoreItem>
-</file>
-
-<file path=customXml/itemProps16.xml><?xml version="1.0" encoding="utf-8"?>
-<ds:datastoreItem xmlns:ds="http://schemas.openxmlformats.org/officeDocument/2006/customXml" ds:itemID="{AE128F89-BEFE-49D1-B7EC-DF64FC22E46D}">
-  <ds:schemaRefs>
-    <ds:schemaRef ds:uri="http://schemas.microsoft.com/VisualStudio/2011/storyboarding/control"/>
-  </ds:schemaRefs>
-</ds:datastoreItem>
-</file>
-
-<file path=customXml/itemProps160.xml><?xml version="1.0" encoding="utf-8"?>
-<ds:datastoreItem xmlns:ds="http://schemas.openxmlformats.org/officeDocument/2006/customXml" ds:itemID="{DD049830-DA11-466E-A98B-41FD56DCE224}">
-  <ds:schemaRefs>
-    <ds:schemaRef ds:uri="http://schemas.microsoft.com/VisualStudio/2011/storyboarding/control"/>
-  </ds:schemaRefs>
-</ds:datastoreItem>
-</file>
-
-<file path=customXml/itemProps161.xml><?xml version="1.0" encoding="utf-8"?>
-<ds:datastoreItem xmlns:ds="http://schemas.openxmlformats.org/officeDocument/2006/customXml" ds:itemID="{F4261AFD-0C6F-405A-ABB8-E13F5D880F5A}">
-  <ds:schemaRefs>
-    <ds:schemaRef ds:uri="http://schemas.microsoft.com/VisualStudio/2011/storyboarding/control"/>
-  </ds:schemaRefs>
-</ds:datastoreItem>
-</file>
-
-<file path=customXml/itemProps162.xml><?xml version="1.0" encoding="utf-8"?>
-<ds:datastoreItem xmlns:ds="http://schemas.openxmlformats.org/officeDocument/2006/customXml" ds:itemID="{DF8F59E5-8CED-4A90-B010-FA66A3D20E9F}">
-  <ds:schemaRefs>
-    <ds:schemaRef ds:uri="http://schemas.microsoft.com/VisualStudio/2011/storyboarding/control"/>
-  </ds:schemaRefs>
-</ds:datastoreItem>
-</file>
-
-<file path=customXml/itemProps163.xml><?xml version="1.0" encoding="utf-8"?>
-<ds:datastoreItem xmlns:ds="http://schemas.openxmlformats.org/officeDocument/2006/customXml" ds:itemID="{F284721C-0256-43ED-B521-30AC7262120A}">
-  <ds:schemaRefs>
-    <ds:schemaRef ds:uri="http://schemas.microsoft.com/VisualStudio/2011/storyboarding/control"/>
-  </ds:schemaRefs>
-</ds:datastoreItem>
-</file>
-
-<file path=customXml/itemProps164.xml><?xml version="1.0" encoding="utf-8"?>
-<ds:datastoreItem xmlns:ds="http://schemas.openxmlformats.org/officeDocument/2006/customXml" ds:itemID="{9B88C461-FD72-4CCE-B36A-E6CD818ADA83}">
-  <ds:schemaRefs>
-    <ds:schemaRef ds:uri="http://schemas.microsoft.com/VisualStudio/2011/storyboarding/control"/>
-  </ds:schemaRefs>
-</ds:datastoreItem>
-</file>
-
-<file path=customXml/itemProps165.xml><?xml version="1.0" encoding="utf-8"?>
-<ds:datastoreItem xmlns:ds="http://schemas.openxmlformats.org/officeDocument/2006/customXml" ds:itemID="{76DC95E1-ACCA-45B6-9796-C9DB84BF79E8}">
-  <ds:schemaRefs>
-    <ds:schemaRef ds:uri="http://schemas.microsoft.com/VisualStudio/2011/storyboarding/control"/>
-  </ds:schemaRefs>
-</ds:datastoreItem>
-</file>
-
-<file path=customXml/itemProps166.xml><?xml version="1.0" encoding="utf-8"?>
-<ds:datastoreItem xmlns:ds="http://schemas.openxmlformats.org/officeDocument/2006/customXml" ds:itemID="{98A360E1-A752-4262-A971-02659881E9AE}">
-  <ds:schemaRefs>
-    <ds:schemaRef ds:uri="http://schemas.microsoft.com/VisualStudio/2011/storyboarding/control"/>
-  </ds:schemaRefs>
-</ds:datastoreItem>
-</file>
-
-<file path=customXml/itemProps167.xml><?xml version="1.0" encoding="utf-8"?>
-<ds:datastoreItem xmlns:ds="http://schemas.openxmlformats.org/officeDocument/2006/customXml" ds:itemID="{B9D5874A-DB82-4E87-A995-5E70DBA4B3B0}">
-  <ds:schemaRefs>
-    <ds:schemaRef ds:uri="http://schemas.microsoft.com/VisualStudio/2011/storyboarding/control"/>
-  </ds:schemaRefs>
-</ds:datastoreItem>
-</file>
-
-<file path=customXml/itemProps168.xml><?xml version="1.0" encoding="utf-8"?>
-<ds:datastoreItem xmlns:ds="http://schemas.openxmlformats.org/officeDocument/2006/customXml" ds:itemID="{66876AD8-FD3E-409F-945F-9F02A3C476A3}">
-  <ds:schemaRefs>
-    <ds:schemaRef ds:uri="http://schemas.microsoft.com/VisualStudio/2011/storyboarding/control"/>
-  </ds:schemaRefs>
-</ds:datastoreItem>
-</file>
-
-<file path=customXml/itemProps169.xml><?xml version="1.0" encoding="utf-8"?>
-<ds:datastoreItem xmlns:ds="http://schemas.openxmlformats.org/officeDocument/2006/customXml" ds:itemID="{2814AD4B-2F19-4F35-8A58-D8242B0ACE47}">
-  <ds:schemaRefs>
-    <ds:schemaRef ds:uri="http://schemas.microsoft.com/VisualStudio/2011/storyboarding/control"/>
-  </ds:schemaRefs>
-</ds:datastoreItem>
-</file>
-
-<file path=customXml/itemProps17.xml><?xml version="1.0" encoding="utf-8"?>
-<ds:datastoreItem xmlns:ds="http://schemas.openxmlformats.org/officeDocument/2006/customXml" ds:itemID="{A9589BB7-B112-466A-B7DB-50FF9E4A7695}">
-  <ds:schemaRefs>
-    <ds:schemaRef ds:uri="http://schemas.microsoft.com/VisualStudio/2011/storyboarding/control"/>
-  </ds:schemaRefs>
-</ds:datastoreItem>
-</file>
-
-<file path=customXml/itemProps170.xml><?xml version="1.0" encoding="utf-8"?>
-<ds:datastoreItem xmlns:ds="http://schemas.openxmlformats.org/officeDocument/2006/customXml" ds:itemID="{1BA76A90-19EE-4A02-BA01-6356B01DC32E}">
-  <ds:schemaRefs>
-    <ds:schemaRef ds:uri="http://schemas.microsoft.com/VisualStudio/2011/storyboarding/control"/>
-  </ds:schemaRefs>
-</ds:datastoreItem>
-</file>
-
-<file path=customXml/itemProps171.xml><?xml version="1.0" encoding="utf-8"?>
-<ds:datastoreItem xmlns:ds="http://schemas.openxmlformats.org/officeDocument/2006/customXml" ds:itemID="{D0B805D5-5911-410C-B527-CFA9A2E9215E}">
-  <ds:schemaRefs>
-    <ds:schemaRef ds:uri="http://schemas.microsoft.com/VisualStudio/2011/storyboarding/control"/>
-  </ds:schemaRefs>
-</ds:datastoreItem>
-</file>
-
-<file path=customXml/itemProps172.xml><?xml version="1.0" encoding="utf-8"?>
-<ds:datastoreItem xmlns:ds="http://schemas.openxmlformats.org/officeDocument/2006/customXml" ds:itemID="{8FFBA1EB-8640-41D3-90AB-ABBFC6BE36B9}">
-  <ds:schemaRefs>
-    <ds:schemaRef ds:uri="http://schemas.microsoft.com/VisualStudio/2011/storyboarding/control"/>
-  </ds:schemaRefs>
-</ds:datastoreItem>
-</file>
-
-<file path=customXml/itemProps173.xml><?xml version="1.0" encoding="utf-8"?>
-<ds:datastoreItem xmlns:ds="http://schemas.openxmlformats.org/officeDocument/2006/customXml" ds:itemID="{34D79507-41CE-4F82-9FD7-28ECA0111C35}">
-  <ds:schemaRefs>
-    <ds:schemaRef ds:uri="http://schemas.microsoft.com/VisualStudio/2011/storyboarding/control"/>
-  </ds:schemaRefs>
-</ds:datastoreItem>
-</file>
-
-<file path=customXml/itemProps174.xml><?xml version="1.0" encoding="utf-8"?>
-<ds:datastoreItem xmlns:ds="http://schemas.openxmlformats.org/officeDocument/2006/customXml" ds:itemID="{2C4CCA8C-E1E3-4D28-B52B-FB81537ACD62}">
-  <ds:schemaRefs>
-    <ds:schemaRef ds:uri="http://schemas.microsoft.com/VisualStudio/2011/storyboarding/control"/>
-  </ds:schemaRefs>
-</ds:datastoreItem>
-</file>
-
-<file path=customXml/itemProps175.xml><?xml version="1.0" encoding="utf-8"?>
-<ds:datastoreItem xmlns:ds="http://schemas.openxmlformats.org/officeDocument/2006/customXml" ds:itemID="{CD08CBAF-EFED-4E31-A630-125B2BF33FB5}">
-  <ds:schemaRefs>
-    <ds:schemaRef ds:uri="http://schemas.microsoft.com/VisualStudio/2011/storyboarding/control"/>
-  </ds:schemaRefs>
-</ds:datastoreItem>
-</file>
-
-<file path=customXml/itemProps176.xml><?xml version="1.0" encoding="utf-8"?>
-<ds:datastoreItem xmlns:ds="http://schemas.openxmlformats.org/officeDocument/2006/customXml" ds:itemID="{59523541-65F5-4428-9F7B-EAA3ACAEA288}">
-  <ds:schemaRefs>
-    <ds:schemaRef ds:uri="http://schemas.microsoft.com/VisualStudio/2011/storyboarding/control"/>
-  </ds:schemaRefs>
-</ds:datastoreItem>
-</file>
-
-<file path=customXml/itemProps177.xml><?xml version="1.0" encoding="utf-8"?>
-<ds:datastoreItem xmlns:ds="http://schemas.openxmlformats.org/officeDocument/2006/customXml" ds:itemID="{D30FE00D-B30C-4E97-A466-D2EAAA05FD64}">
-  <ds:schemaRefs>
-    <ds:schemaRef ds:uri="http://schemas.microsoft.com/VisualStudio/2011/storyboarding/control"/>
-  </ds:schemaRefs>
-</ds:datastoreItem>
-</file>
-
-<file path=customXml/itemProps178.xml><?xml version="1.0" encoding="utf-8"?>
-<ds:datastoreItem xmlns:ds="http://schemas.openxmlformats.org/officeDocument/2006/customXml" ds:itemID="{76BBF26E-3DED-4C7C-8F9D-FEEFB1BBA3B1}">
-  <ds:schemaRefs>
-    <ds:schemaRef ds:uri="http://schemas.microsoft.com/VisualStudio/2011/storyboarding/control"/>
-  </ds:schemaRefs>
-</ds:datastoreItem>
-</file>
-
-<file path=customXml/itemProps179.xml><?xml version="1.0" encoding="utf-8"?>
-<ds:datastoreItem xmlns:ds="http://schemas.openxmlformats.org/officeDocument/2006/customXml" ds:itemID="{998411DF-88EB-4820-BD6A-310BD2399BD0}">
-  <ds:schemaRefs>
-    <ds:schemaRef ds:uri="http://schemas.microsoft.com/VisualStudio/2011/storyboarding/control"/>
-  </ds:schemaRefs>
-</ds:datastoreItem>
-</file>
-
-<file path=customXml/itemProps18.xml><?xml version="1.0" encoding="utf-8"?>
-<ds:datastoreItem xmlns:ds="http://schemas.openxmlformats.org/officeDocument/2006/customXml" ds:itemID="{913EDEB5-0043-4ADF-BF69-77EF99A91A70}">
-  <ds:schemaRefs>
-    <ds:schemaRef ds:uri="http://schemas.microsoft.com/VisualStudio/2011/storyboarding/control"/>
-  </ds:schemaRefs>
-</ds:datastoreItem>
-</file>
-
-<file path=customXml/itemProps180.xml><?xml version="1.0" encoding="utf-8"?>
-<ds:datastoreItem xmlns:ds="http://schemas.openxmlformats.org/officeDocument/2006/customXml" ds:itemID="{F43A8394-35B7-4FC2-9A02-D6D8AE850C46}">
-  <ds:schemaRefs>
-    <ds:schemaRef ds:uri="http://schemas.microsoft.com/VisualStudio/2011/storyboarding/control"/>
-  </ds:schemaRefs>
-</ds:datastoreItem>
-</file>
-
-<file path=customXml/itemProps181.xml><?xml version="1.0" encoding="utf-8"?>
-<ds:datastoreItem xmlns:ds="http://schemas.openxmlformats.org/officeDocument/2006/customXml" ds:itemID="{B69176FB-B87F-4E1E-9375-8D60FAF0057D}">
-  <ds:schemaRefs>
-    <ds:schemaRef ds:uri="http://schemas.microsoft.com/VisualStudio/2011/storyboarding/control"/>
-  </ds:schemaRefs>
-</ds:datastoreItem>
-</file>
-
-<file path=customXml/itemProps182.xml><?xml version="1.0" encoding="utf-8"?>
-<ds:datastoreItem xmlns:ds="http://schemas.openxmlformats.org/officeDocument/2006/customXml" ds:itemID="{2E8AD9A9-60C6-455B-B9D1-03A11462F16E}">
-  <ds:schemaRefs>
-    <ds:schemaRef ds:uri="http://schemas.microsoft.com/VisualStudio/2011/storyboarding/control"/>
-  </ds:schemaRefs>
-</ds:datastoreItem>
-</file>
-
-<file path=customXml/itemProps183.xml><?xml version="1.0" encoding="utf-8"?>
-<ds:datastoreItem xmlns:ds="http://schemas.openxmlformats.org/officeDocument/2006/customXml" ds:itemID="{0749C6AF-EB53-4E04-8A3A-54A96B76748B}">
-  <ds:schemaRefs>
-    <ds:schemaRef ds:uri="http://schemas.microsoft.com/VisualStudio/2011/storyboarding/control"/>
-  </ds:schemaRefs>
-</ds:datastoreItem>
-</file>
-
-<file path=customXml/itemProps184.xml><?xml version="1.0" encoding="utf-8"?>
-<ds:datastoreItem xmlns:ds="http://schemas.openxmlformats.org/officeDocument/2006/customXml" ds:itemID="{4FB1E9E5-4445-4C02-A57F-2A9C022135F0}">
-  <ds:schemaRefs>
-    <ds:schemaRef ds:uri="http://schemas.microsoft.com/VisualStudio/2011/storyboarding/control"/>
-  </ds:schemaRefs>
-</ds:datastoreItem>
-</file>
-
-<file path=customXml/itemProps185.xml><?xml version="1.0" encoding="utf-8"?>
-<ds:datastoreItem xmlns:ds="http://schemas.openxmlformats.org/officeDocument/2006/customXml" ds:itemID="{53DA1D64-FAE3-4051-86C4-7E4958EE6430}">
-  <ds:schemaRefs>
-    <ds:schemaRef ds:uri="http://schemas.microsoft.com/VisualStudio/2011/storyboarding/control"/>
-  </ds:schemaRefs>
-</ds:datastoreItem>
-</file>
-
-<file path=customXml/itemProps186.xml><?xml version="1.0" encoding="utf-8"?>
-<ds:datastoreItem xmlns:ds="http://schemas.openxmlformats.org/officeDocument/2006/customXml" ds:itemID="{97793ECA-24C6-46F3-9A59-850352AED6B0}">
-  <ds:schemaRefs>
-    <ds:schemaRef ds:uri="http://schemas.microsoft.com/VisualStudio/2011/storyboarding/control"/>
-  </ds:schemaRefs>
-</ds:datastoreItem>
-</file>
-
-<file path=customXml/itemProps187.xml><?xml version="1.0" encoding="utf-8"?>
-<ds:datastoreItem xmlns:ds="http://schemas.openxmlformats.org/officeDocument/2006/customXml" ds:itemID="{72F00B18-A9ED-4669-AEA6-2BD6814E32F4}">
-  <ds:schemaRefs>
-    <ds:schemaRef ds:uri="http://schemas.microsoft.com/VisualStudio/2011/storyboarding/control"/>
-  </ds:schemaRefs>
-</ds:datastoreItem>
-</file>
-
-<file path=customXml/itemProps188.xml><?xml version="1.0" encoding="utf-8"?>
-<ds:datastoreItem xmlns:ds="http://schemas.openxmlformats.org/officeDocument/2006/customXml" ds:itemID="{AD765DBE-9671-45BD-9DBB-9A8CD991D305}">
-  <ds:schemaRefs>
-    <ds:schemaRef ds:uri="http://schemas.microsoft.com/VisualStudio/2011/storyboarding/control"/>
-  </ds:schemaRefs>
-</ds:datastoreItem>
-</file>
-
-<file path=customXml/itemProps189.xml><?xml version="1.0" encoding="utf-8"?>
-<ds:datastoreItem xmlns:ds="http://schemas.openxmlformats.org/officeDocument/2006/customXml" ds:itemID="{F8FA2D94-E06D-4220-BA47-2995FB7C8D12}">
-  <ds:schemaRefs>
-    <ds:schemaRef ds:uri="http://schemas.microsoft.com/VisualStudio/2011/storyboarding/control"/>
-  </ds:schemaRefs>
-</ds:datastoreItem>
-</file>
-
-<file path=customXml/itemProps19.xml><?xml version="1.0" encoding="utf-8"?>
-<ds:datastoreItem xmlns:ds="http://schemas.openxmlformats.org/officeDocument/2006/customXml" ds:itemID="{F289DBB7-301A-49B9-A05C-7204F013A6A1}">
-  <ds:schemaRefs>
-    <ds:schemaRef ds:uri="http://schemas.microsoft.com/VisualStudio/2011/storyboarding/control"/>
-  </ds:schemaRefs>
-</ds:datastoreItem>
-</file>
-
-<file path=customXml/itemProps190.xml><?xml version="1.0" encoding="utf-8"?>
-<ds:datastoreItem xmlns:ds="http://schemas.openxmlformats.org/officeDocument/2006/customXml" ds:itemID="{79F4C3AA-101F-4B48-BC66-EB35454CC9AD}">
-  <ds:schemaRefs>
-    <ds:schemaRef ds:uri="http://schemas.microsoft.com/VisualStudio/2011/storyboarding/control"/>
-  </ds:schemaRefs>
-</ds:datastoreItem>
-</file>
-
-<file path=customXml/itemProps191.xml><?xml version="1.0" encoding="utf-8"?>
-<ds:datastoreItem xmlns:ds="http://schemas.openxmlformats.org/officeDocument/2006/customXml" ds:itemID="{883EAB1A-18F1-41A1-87DF-62F639BB46CC}">
-  <ds:schemaRefs>
-    <ds:schemaRef ds:uri="http://schemas.microsoft.com/VisualStudio/2011/storyboarding/control"/>
-  </ds:schemaRefs>
-</ds:datastoreItem>
-</file>
-
-<file path=customXml/itemProps192.xml><?xml version="1.0" encoding="utf-8"?>
-<ds:datastoreItem xmlns:ds="http://schemas.openxmlformats.org/officeDocument/2006/customXml" ds:itemID="{D0D892FC-96D9-4F80-841A-D732044A2BF9}">
-  <ds:schemaRefs>
-    <ds:schemaRef ds:uri="http://schemas.microsoft.com/VisualStudio/2011/storyboarding/control"/>
-  </ds:schemaRefs>
-</ds:datastoreItem>
-</file>
-
-<file path=customXml/itemProps193.xml><?xml version="1.0" encoding="utf-8"?>
-<ds:datastoreItem xmlns:ds="http://schemas.openxmlformats.org/officeDocument/2006/customXml" ds:itemID="{3A7AE35B-4D50-4165-940D-B3B720020BD4}">
-  <ds:schemaRefs>
-    <ds:schemaRef ds:uri="http://schemas.microsoft.com/VisualStudio/2011/storyboarding/control"/>
-  </ds:schemaRefs>
-</ds:datastoreItem>
-</file>
-
-<file path=customXml/itemProps194.xml><?xml version="1.0" encoding="utf-8"?>
-<ds:datastoreItem xmlns:ds="http://schemas.openxmlformats.org/officeDocument/2006/customXml" ds:itemID="{C69813E6-399E-4343-9AE6-3037FDA52C95}">
-  <ds:schemaRefs>
-    <ds:schemaRef ds:uri="http://schemas.microsoft.com/VisualStudio/2011/storyboarding/control"/>
-  </ds:schemaRefs>
-</ds:datastoreItem>
-</file>
-
-<file path=customXml/itemProps195.xml><?xml version="1.0" encoding="utf-8"?>
-<ds:datastoreItem xmlns:ds="http://schemas.openxmlformats.org/officeDocument/2006/customXml" ds:itemID="{560D2061-D99A-45A4-8092-C0602B8A4570}">
-  <ds:schemaRefs>
-    <ds:schemaRef ds:uri="http://schemas.microsoft.com/VisualStudio/2011/storyboarding/control"/>
-  </ds:schemaRefs>
-</ds:datastoreItem>
-</file>
-
-<file path=customXml/itemProps196.xml><?xml version="1.0" encoding="utf-8"?>
-<ds:datastoreItem xmlns:ds="http://schemas.openxmlformats.org/officeDocument/2006/customXml" ds:itemID="{74A4DA6D-3268-4D6D-A9D3-B98F658DD6F9}">
-  <ds:schemaRefs>
-    <ds:schemaRef ds:uri="http://schemas.microsoft.com/VisualStudio/2011/storyboarding/control"/>
-  </ds:schemaRefs>
-</ds:datastoreItem>
-</file>
-
-<file path=customXml/itemProps197.xml><?xml version="1.0" encoding="utf-8"?>
-<ds:datastoreItem xmlns:ds="http://schemas.openxmlformats.org/officeDocument/2006/customXml" ds:itemID="{4EA2190A-611C-49BA-ADD4-5855AD00D63D}">
-  <ds:schemaRefs>
-    <ds:schemaRef ds:uri="http://schemas.microsoft.com/VisualStudio/2011/storyboarding/control"/>
-  </ds:schemaRefs>
-</ds:datastoreItem>
-</file>
-
-<file path=customXml/itemProps198.xml><?xml version="1.0" encoding="utf-8"?>
-<ds:datastoreItem xmlns:ds="http://schemas.openxmlformats.org/officeDocument/2006/customXml" ds:itemID="{880B91E8-103A-412A-B3C8-17A3C03EF756}">
-  <ds:schemaRefs>
-    <ds:schemaRef ds:uri="http://schemas.microsoft.com/VisualStudio/2011/storyboarding/control"/>
-  </ds:schemaRefs>
-</ds:datastoreItem>
-</file>
-
-<file path=customXml/itemProps199.xml><?xml version="1.0" encoding="utf-8"?>
-<ds:datastoreItem xmlns:ds="http://schemas.openxmlformats.org/officeDocument/2006/customXml" ds:itemID="{B95884A5-3DD4-499F-8287-5E7A85124B51}">
-  <ds:schemaRefs>
-    <ds:schemaRef ds:uri="http://schemas.microsoft.com/VisualStudio/2011/storyboarding/control"/>
-  </ds:schemaRefs>
-</ds:datastoreItem>
-</file>
-
-<file path=customXml/itemProps2.xml><?xml version="1.0" encoding="utf-8"?>
-<ds:datastoreItem xmlns:ds="http://schemas.openxmlformats.org/officeDocument/2006/customXml" ds:itemID="{66761CE4-9EDC-423E-BC61-A27C029E5732}">
-  <ds:schemaRefs>
-    <ds:schemaRef ds:uri="http://schemas.microsoft.com/VisualStudio/2011/storyboarding/control"/>
-  </ds:schemaRefs>
-</ds:datastoreItem>
-</file>
-
-<file path=customXml/itemProps20.xml><?xml version="1.0" encoding="utf-8"?>
-<ds:datastoreItem xmlns:ds="http://schemas.openxmlformats.org/officeDocument/2006/customXml" ds:itemID="{D1D581BF-65A6-451F-B562-28FFFDB17EBE}">
-  <ds:schemaRefs>
-    <ds:schemaRef ds:uri="http://schemas.microsoft.com/VisualStudio/2011/storyboarding/control"/>
-  </ds:schemaRefs>
-</ds:datastoreItem>
-</file>
-
-<file path=customXml/itemProps200.xml><?xml version="1.0" encoding="utf-8"?>
-<ds:datastoreItem xmlns:ds="http://schemas.openxmlformats.org/officeDocument/2006/customXml" ds:itemID="{C9CD690E-579D-4787-85BC-0470699F0591}">
-  <ds:schemaRefs>
-    <ds:schemaRef ds:uri="http://schemas.microsoft.com/VisualStudio/2011/storyboarding/control"/>
-  </ds:schemaRefs>
-</ds:datastoreItem>
-</file>
-
-<file path=customXml/itemProps201.xml><?xml version="1.0" encoding="utf-8"?>
-<ds:datastoreItem xmlns:ds="http://schemas.openxmlformats.org/officeDocument/2006/customXml" ds:itemID="{3532F4D0-3A20-4546-96DA-A56D979929A4}">
-  <ds:schemaRefs>
-    <ds:schemaRef ds:uri="http://schemas.microsoft.com/VisualStudio/2011/storyboarding/control"/>
-  </ds:schemaRefs>
-</ds:datastoreItem>
-</file>
-
-<file path=customXml/itemProps202.xml><?xml version="1.0" encoding="utf-8"?>
-<ds:datastoreItem xmlns:ds="http://schemas.openxmlformats.org/officeDocument/2006/customXml" ds:itemID="{A90F7C4B-60EA-4955-8003-309220366A18}">
-  <ds:schemaRefs>
-    <ds:schemaRef ds:uri="http://schemas.microsoft.com/VisualStudio/2011/storyboarding/control"/>
-  </ds:schemaRefs>
-</ds:datastoreItem>
-</file>
-
-<file path=customXml/itemProps203.xml><?xml version="1.0" encoding="utf-8"?>
-<ds:datastoreItem xmlns:ds="http://schemas.openxmlformats.org/officeDocument/2006/customXml" ds:itemID="{8E75C575-581D-41C1-833A-EA93BF9CCB04}">
-  <ds:schemaRefs>
-    <ds:schemaRef ds:uri="http://schemas.microsoft.com/VisualStudio/2011/storyboarding/control"/>
-  </ds:schemaRefs>
-</ds:datastoreItem>
-</file>
-
-<file path=customXml/itemProps204.xml><?xml version="1.0" encoding="utf-8"?>
-<ds:datastoreItem xmlns:ds="http://schemas.openxmlformats.org/officeDocument/2006/customXml" ds:itemID="{360AAA09-4D6B-4080-966E-6CECA704A0AD}">
-  <ds:schemaRefs>
-    <ds:schemaRef ds:uri="http://schemas.microsoft.com/VisualStudio/2011/storyboarding/control"/>
-  </ds:schemaRefs>
-</ds:datastoreItem>
-</file>
-
-<file path=customXml/itemProps205.xml><?xml version="1.0" encoding="utf-8"?>
-<ds:datastoreItem xmlns:ds="http://schemas.openxmlformats.org/officeDocument/2006/customXml" ds:itemID="{1DA6B2D5-7BA3-4219-AB02-3698109D5106}">
-  <ds:schemaRefs>
-    <ds:schemaRef ds:uri="http://schemas.microsoft.com/VisualStudio/2011/storyboarding/control"/>
-  </ds:schemaRefs>
-</ds:datastoreItem>
-</file>
-
-<file path=customXml/itemProps206.xml><?xml version="1.0" encoding="utf-8"?>
-<ds:datastoreItem xmlns:ds="http://schemas.openxmlformats.org/officeDocument/2006/customXml" ds:itemID="{FA3B41DB-8CE9-4ECC-8674-1D620E522544}">
-  <ds:schemaRefs>
-    <ds:schemaRef ds:uri="http://schemas.microsoft.com/VisualStudio/2011/storyboarding/control"/>
-  </ds:schemaRefs>
-</ds:datastoreItem>
-</file>
-
-<file path=customXml/itemProps207.xml><?xml version="1.0" encoding="utf-8"?>
-<ds:datastoreItem xmlns:ds="http://schemas.openxmlformats.org/officeDocument/2006/customXml" ds:itemID="{1AC0D00C-EC22-4539-8C6F-733758572347}">
-  <ds:schemaRefs>
-    <ds:schemaRef ds:uri="http://schemas.microsoft.com/VisualStudio/2011/storyboarding/control"/>
-  </ds:schemaRefs>
-</ds:datastoreItem>
-</file>
-
-<file path=customXml/itemProps208.xml><?xml version="1.0" encoding="utf-8"?>
-<ds:datastoreItem xmlns:ds="http://schemas.openxmlformats.org/officeDocument/2006/customXml" ds:itemID="{A7E0288A-F414-4399-BA64-5823EDCF5A90}">
-  <ds:schemaRefs>
-    <ds:schemaRef ds:uri="http://schemas.microsoft.com/VisualStudio/2011/storyboarding/control"/>
-  </ds:schemaRefs>
-</ds:datastoreItem>
-</file>
-
-<file path=customXml/itemProps209.xml><?xml version="1.0" encoding="utf-8"?>
-<ds:datastoreItem xmlns:ds="http://schemas.openxmlformats.org/officeDocument/2006/customXml" ds:itemID="{3B14F52C-BC5F-47CE-945E-640AE2D7FD32}">
-  <ds:schemaRefs>
-    <ds:schemaRef ds:uri="http://schemas.microsoft.com/VisualStudio/2011/storyboarding/control"/>
-  </ds:schemaRefs>
-</ds:datastoreItem>
-</file>
-
-<file path=customXml/itemProps21.xml><?xml version="1.0" encoding="utf-8"?>
-<ds:datastoreItem xmlns:ds="http://schemas.openxmlformats.org/officeDocument/2006/customXml" ds:itemID="{C2FDD86D-B019-47EC-8742-0E3661BB3F30}">
-  <ds:schemaRefs>
-    <ds:schemaRef ds:uri="http://schemas.microsoft.com/VisualStudio/2011/storyboarding/control"/>
-  </ds:schemaRefs>
-</ds:datastoreItem>
-</file>
-
-<file path=customXml/itemProps210.xml><?xml version="1.0" encoding="utf-8"?>
-<ds:datastoreItem xmlns:ds="http://schemas.openxmlformats.org/officeDocument/2006/customXml" ds:itemID="{58BC6EAA-551E-4842-9AB3-73B9C1D8581B}">
-  <ds:schemaRefs>
-    <ds:schemaRef ds:uri="http://schemas.microsoft.com/VisualStudio/2011/storyboarding/control"/>
-  </ds:schemaRefs>
-</ds:datastoreItem>
-</file>
-
-<file path=customXml/itemProps211.xml><?xml version="1.0" encoding="utf-8"?>
-<ds:datastoreItem xmlns:ds="http://schemas.openxmlformats.org/officeDocument/2006/customXml" ds:itemID="{3DAA7D18-8F95-4CEF-80BA-EBFE8E9D748D}">
-  <ds:schemaRefs>
-    <ds:schemaRef ds:uri="http://schemas.microsoft.com/VisualStudio/2011/storyboarding/control"/>
-  </ds:schemaRefs>
-</ds:datastoreItem>
-</file>
-
-<file path=customXml/itemProps212.xml><?xml version="1.0" encoding="utf-8"?>
-<ds:datastoreItem xmlns:ds="http://schemas.openxmlformats.org/officeDocument/2006/customXml" ds:itemID="{7D14F916-B249-48AB-8630-8E73B4CF4A95}">
-  <ds:schemaRefs>
-    <ds:schemaRef ds:uri="http://schemas.microsoft.com/VisualStudio/2011/storyboarding/control"/>
-  </ds:schemaRefs>
-</ds:datastoreItem>
-</file>
-
-<file path=customXml/itemProps213.xml><?xml version="1.0" encoding="utf-8"?>
-<ds:datastoreItem xmlns:ds="http://schemas.openxmlformats.org/officeDocument/2006/customXml" ds:itemID="{C3BA9EF5-CEA3-4AE3-A3AB-B49C7AEF551E}">
-  <ds:schemaRefs>
-    <ds:schemaRef ds:uri="http://schemas.microsoft.com/VisualStudio/2011/storyboarding/control"/>
-  </ds:schemaRefs>
-</ds:datastoreItem>
-</file>
-
-<file path=customXml/itemProps214.xml><?xml version="1.0" encoding="utf-8"?>
-<ds:datastoreItem xmlns:ds="http://schemas.openxmlformats.org/officeDocument/2006/customXml" ds:itemID="{5B9963A3-3AC0-4145-B224-2FDB1D50D8CF}">
-  <ds:schemaRefs>
-    <ds:schemaRef ds:uri="http://schemas.microsoft.com/VisualStudio/2011/storyboarding/control"/>
-  </ds:schemaRefs>
-</ds:datastoreItem>
-</file>
-
-<file path=customXml/itemProps215.xml><?xml version="1.0" encoding="utf-8"?>
-<ds:datastoreItem xmlns:ds="http://schemas.openxmlformats.org/officeDocument/2006/customXml" ds:itemID="{3460344E-D266-403C-A85A-FBB6CE579F2C}">
-  <ds:schemaRefs>
-    <ds:schemaRef ds:uri="http://schemas.microsoft.com/VisualStudio/2011/storyboarding/control"/>
-  </ds:schemaRefs>
-</ds:datastoreItem>
-</file>
-
-<file path=customXml/itemProps216.xml><?xml version="1.0" encoding="utf-8"?>
-<ds:datastoreItem xmlns:ds="http://schemas.openxmlformats.org/officeDocument/2006/customXml" ds:itemID="{DF927E49-054C-4B25-9106-DB8ED403AD7D}">
-  <ds:schemaRefs>
-    <ds:schemaRef ds:uri="http://schemas.microsoft.com/VisualStudio/2011/storyboarding/control"/>
-  </ds:schemaRefs>
-</ds:datastoreItem>
-</file>
-
-<file path=customXml/itemProps217.xml><?xml version="1.0" encoding="utf-8"?>
-<ds:datastoreItem xmlns:ds="http://schemas.openxmlformats.org/officeDocument/2006/customXml" ds:itemID="{2BF8739F-5683-4161-86E5-5594FF1A2D59}">
-  <ds:schemaRefs>
-    <ds:schemaRef ds:uri="http://schemas.microsoft.com/VisualStudio/2011/storyboarding/control"/>
-  </ds:schemaRefs>
-</ds:datastoreItem>
-</file>
-
-<file path=customXml/itemProps218.xml><?xml version="1.0" encoding="utf-8"?>
-<ds:datastoreItem xmlns:ds="http://schemas.openxmlformats.org/officeDocument/2006/customXml" ds:itemID="{E9A7CC6E-A6F1-4DC6-9BA4-9DFB0519E177}">
-  <ds:schemaRefs>
-    <ds:schemaRef ds:uri="http://schemas.microsoft.com/VisualStudio/2011/storyboarding/control"/>
-  </ds:schemaRefs>
-</ds:datastoreItem>
-</file>
-
-<file path=customXml/itemProps219.xml><?xml version="1.0" encoding="utf-8"?>
-<ds:datastoreItem xmlns:ds="http://schemas.openxmlformats.org/officeDocument/2006/customXml" ds:itemID="{7DC3519B-D653-41F2-B6F1-BBB3B144AB62}">
-  <ds:schemaRefs>
-    <ds:schemaRef ds:uri="http://schemas.microsoft.com/VisualStudio/2011/storyboarding/control"/>
-  </ds:schemaRefs>
-</ds:datastoreItem>
-</file>
-
-<file path=customXml/itemProps22.xml><?xml version="1.0" encoding="utf-8"?>
-<ds:datastoreItem xmlns:ds="http://schemas.openxmlformats.org/officeDocument/2006/customXml" ds:itemID="{E5D1C59B-23A1-4B0D-8732-B4B1308359E8}">
-  <ds:schemaRefs>
-    <ds:schemaRef ds:uri="http://schemas.microsoft.com/VisualStudio/2011/storyboarding/control"/>
-  </ds:schemaRefs>
-</ds:datastoreItem>
-</file>
-
-<file path=customXml/itemProps220.xml><?xml version="1.0" encoding="utf-8"?>
-<ds:datastoreItem xmlns:ds="http://schemas.openxmlformats.org/officeDocument/2006/customXml" ds:itemID="{D19C77BF-37A4-49C8-9F43-13E14FC0A177}">
-  <ds:schemaRefs>
-    <ds:schemaRef ds:uri="http://schemas.microsoft.com/VisualStudio/2011/storyboarding/control"/>
-  </ds:schemaRefs>
-</ds:datastoreItem>
-</file>
-
-<file path=customXml/itemProps221.xml><?xml version="1.0" encoding="utf-8"?>
-<ds:datastoreItem xmlns:ds="http://schemas.openxmlformats.org/officeDocument/2006/customXml" ds:itemID="{2FB95A6F-7C40-409F-B892-7F1286D5C297}">
-  <ds:schemaRefs>
-    <ds:schemaRef ds:uri="http://schemas.microsoft.com/VisualStudio/2011/storyboarding/control"/>
-  </ds:schemaRefs>
-</ds:datastoreItem>
-</file>
-
-<file path=customXml/itemProps222.xml><?xml version="1.0" encoding="utf-8"?>
-<ds:datastoreItem xmlns:ds="http://schemas.openxmlformats.org/officeDocument/2006/customXml" ds:itemID="{D3C03370-B090-47F7-912D-2E624F6AF804}">
-  <ds:schemaRefs>
-    <ds:schemaRef ds:uri="http://schemas.microsoft.com/VisualStudio/2011/storyboarding/control"/>
-  </ds:schemaRefs>
-</ds:datastoreItem>
-</file>
-
-<file path=customXml/itemProps223.xml><?xml version="1.0" encoding="utf-8"?>
-<ds:datastoreItem xmlns:ds="http://schemas.openxmlformats.org/officeDocument/2006/customXml" ds:itemID="{3819C140-F52D-450E-9E57-A9C95974C875}">
-  <ds:schemaRefs>
-    <ds:schemaRef ds:uri="http://schemas.microsoft.com/VisualStudio/2011/storyboarding/control"/>
-  </ds:schemaRefs>
-</ds:datastoreItem>
-</file>
-
-<file path=customXml/itemProps224.xml><?xml version="1.0" encoding="utf-8"?>
-<ds:datastoreItem xmlns:ds="http://schemas.openxmlformats.org/officeDocument/2006/customXml" ds:itemID="{B6B9C910-7729-4399-A2A4-124811EF2AAD}">
-  <ds:schemaRefs>
-    <ds:schemaRef ds:uri="http://schemas.microsoft.com/VisualStudio/2011/storyboarding/control"/>
-  </ds:schemaRefs>
-</ds:datastoreItem>
-</file>
-
-<file path=customXml/itemProps225.xml><?xml version="1.0" encoding="utf-8"?>
-<ds:datastoreItem xmlns:ds="http://schemas.openxmlformats.org/officeDocument/2006/customXml" ds:itemID="{2E5FE19B-9A80-42C7-8803-75C5FE2C8E38}">
-  <ds:schemaRefs>
-    <ds:schemaRef ds:uri="http://schemas.microsoft.com/VisualStudio/2011/storyboarding/control"/>
-  </ds:schemaRefs>
-</ds:datastoreItem>
-</file>
-
-<file path=customXml/itemProps226.xml><?xml version="1.0" encoding="utf-8"?>
-<ds:datastoreItem xmlns:ds="http://schemas.openxmlformats.org/officeDocument/2006/customXml" ds:itemID="{97E1D339-E6D5-4BF5-8B5C-160203B68484}">
-  <ds:schemaRefs>
-    <ds:schemaRef ds:uri="http://schemas.microsoft.com/VisualStudio/2011/storyboarding/control"/>
-  </ds:schemaRefs>
-</ds:datastoreItem>
-</file>
-
-<file path=customXml/itemProps227.xml><?xml version="1.0" encoding="utf-8"?>
-<ds:datastoreItem xmlns:ds="http://schemas.openxmlformats.org/officeDocument/2006/customXml" ds:itemID="{7B0DEA32-4718-4845-BA3D-96735C5901CA}">
-  <ds:schemaRefs>
-    <ds:schemaRef ds:uri="http://schemas.microsoft.com/VisualStudio/2011/storyboarding/control"/>
-  </ds:schemaRefs>
-</ds:datastoreItem>
-</file>
-
-<file path=customXml/itemProps228.xml><?xml version="1.0" encoding="utf-8"?>
-<ds:datastoreItem xmlns:ds="http://schemas.openxmlformats.org/officeDocument/2006/customXml" ds:itemID="{51CF4945-E817-4546-BC18-C7EFB8B5FC28}">
-  <ds:schemaRefs>
-    <ds:schemaRef ds:uri="http://schemas.microsoft.com/VisualStudio/2011/storyboarding/control"/>
-  </ds:schemaRefs>
-</ds:datastoreItem>
-</file>
-
-<file path=customXml/itemProps229.xml><?xml version="1.0" encoding="utf-8"?>
-<ds:datastoreItem xmlns:ds="http://schemas.openxmlformats.org/officeDocument/2006/customXml" ds:itemID="{4058BED3-7CF1-45E2-9EED-EDA6827BEF7F}">
-  <ds:schemaRefs>
-    <ds:schemaRef ds:uri="http://schemas.microsoft.com/VisualStudio/2011/storyboarding/control"/>
-  </ds:schemaRefs>
-</ds:datastoreItem>
-</file>
-
-<file path=customXml/itemProps23.xml><?xml version="1.0" encoding="utf-8"?>
-<ds:datastoreItem xmlns:ds="http://schemas.openxmlformats.org/officeDocument/2006/customXml" ds:itemID="{BD7F245B-D69F-4F08-A7F4-28005B361C32}">
-  <ds:schemaRefs>
-    <ds:schemaRef ds:uri="http://schemas.microsoft.com/VisualStudio/2011/storyboarding/control"/>
-  </ds:schemaRefs>
-</ds:datastoreItem>
-</file>
-
-<file path=customXml/itemProps230.xml><?xml version="1.0" encoding="utf-8"?>
-<ds:datastoreItem xmlns:ds="http://schemas.openxmlformats.org/officeDocument/2006/customXml" ds:itemID="{2238C136-D227-4AA1-A465-1D5076A289E6}">
-  <ds:schemaRefs>
-    <ds:schemaRef ds:uri="http://schemas.microsoft.com/VisualStudio/2011/storyboarding/control"/>
-  </ds:schemaRefs>
-</ds:datastoreItem>
-</file>
-
-<file path=customXml/itemProps231.xml><?xml version="1.0" encoding="utf-8"?>
-<ds:datastoreItem xmlns:ds="http://schemas.openxmlformats.org/officeDocument/2006/customXml" ds:itemID="{CACE061C-AF2C-40BF-8F95-96F3F58C1B9E}">
-  <ds:schemaRefs>
-    <ds:schemaRef ds:uri="http://schemas.microsoft.com/VisualStudio/2011/storyboarding/control"/>
-  </ds:schemaRefs>
-</ds:datastoreItem>
-</file>
-
-<file path=customXml/itemProps232.xml><?xml version="1.0" encoding="utf-8"?>
-<ds:datastoreItem xmlns:ds="http://schemas.openxmlformats.org/officeDocument/2006/customXml" ds:itemID="{69F82D9F-0A52-4FF0-9FBC-8AED23C65368}">
-  <ds:schemaRefs>
-    <ds:schemaRef ds:uri="http://schemas.microsoft.com/VisualStudio/2011/storyboarding/control"/>
-  </ds:schemaRefs>
-</ds:datastoreItem>
-</file>
-
-<file path=customXml/itemProps233.xml><?xml version="1.0" encoding="utf-8"?>
-<ds:datastoreItem xmlns:ds="http://schemas.openxmlformats.org/officeDocument/2006/customXml" ds:itemID="{E0D4D259-B672-4B08-B2B0-A0D8ACD5B803}">
-  <ds:schemaRefs>
-    <ds:schemaRef ds:uri="http://schemas.microsoft.com/VisualStudio/2011/storyboarding/control"/>
-  </ds:schemaRefs>
-</ds:datastoreItem>
-</file>
-
-<file path=customXml/itemProps234.xml><?xml version="1.0" encoding="utf-8"?>
-<ds:datastoreItem xmlns:ds="http://schemas.openxmlformats.org/officeDocument/2006/customXml" ds:itemID="{692BFDB2-FE54-49E1-A36F-BC62DE099071}">
-  <ds:schemaRefs>
-    <ds:schemaRef ds:uri="http://schemas.microsoft.com/VisualStudio/2011/storyboarding/control"/>
-  </ds:schemaRefs>
-</ds:datastoreItem>
-</file>
-
-<file path=customXml/itemProps235.xml><?xml version="1.0" encoding="utf-8"?>
-<ds:datastoreItem xmlns:ds="http://schemas.openxmlformats.org/officeDocument/2006/customXml" ds:itemID="{3BB98DE0-C029-4931-AD22-9DDCE0A7F55B}">
-  <ds:schemaRefs>
-    <ds:schemaRef ds:uri="http://schemas.microsoft.com/VisualStudio/2011/storyboarding/control"/>
-  </ds:schemaRefs>
-</ds:datastoreItem>
-</file>
-
-<file path=customXml/itemProps236.xml><?xml version="1.0" encoding="utf-8"?>
-<ds:datastoreItem xmlns:ds="http://schemas.openxmlformats.org/officeDocument/2006/customXml" ds:itemID="{7237F07E-A930-4D5B-AB6B-A69936D64469}">
-  <ds:schemaRefs>
-    <ds:schemaRef ds:uri="http://schemas.microsoft.com/VisualStudio/2011/storyboarding/control"/>
-  </ds:schemaRefs>
-</ds:datastoreItem>
-</file>
-
-<file path=customXml/itemProps237.xml><?xml version="1.0" encoding="utf-8"?>
-<ds:datastoreItem xmlns:ds="http://schemas.openxmlformats.org/officeDocument/2006/customXml" ds:itemID="{FB0EC920-4B28-4D34-9084-542FA6ABA82C}">
-  <ds:schemaRefs>
-    <ds:schemaRef ds:uri="http://schemas.microsoft.com/VisualStudio/2011/storyboarding/control"/>
-  </ds:schemaRefs>
-</ds:datastoreItem>
-</file>
-
-<file path=customXml/itemProps238.xml><?xml version="1.0" encoding="utf-8"?>
-<ds:datastoreItem xmlns:ds="http://schemas.openxmlformats.org/officeDocument/2006/customXml" ds:itemID="{5C08525B-AE6F-48B6-B287-2C8026CEED11}">
-  <ds:schemaRefs>
-    <ds:schemaRef ds:uri="http://schemas.microsoft.com/VisualStudio/2011/storyboarding/control"/>
-  </ds:schemaRefs>
-</ds:datastoreItem>
-</file>
-
-<file path=customXml/itemProps239.xml><?xml version="1.0" encoding="utf-8"?>
-<ds:datastoreItem xmlns:ds="http://schemas.openxmlformats.org/officeDocument/2006/customXml" ds:itemID="{03561535-9EE9-4551-9A70-8E9DFFF8659C}">
-  <ds:schemaRefs>
-    <ds:schemaRef ds:uri="http://schemas.microsoft.com/VisualStudio/2011/storyboarding/control"/>
-  </ds:schemaRefs>
-</ds:datastoreItem>
-</file>
-
-<file path=customXml/itemProps24.xml><?xml version="1.0" encoding="utf-8"?>
-<ds:datastoreItem xmlns:ds="http://schemas.openxmlformats.org/officeDocument/2006/customXml" ds:itemID="{399F0338-4F9A-433F-839E-BB1C565311C7}">
-  <ds:schemaRefs>
-    <ds:schemaRef ds:uri="http://schemas.microsoft.com/VisualStudio/2011/storyboarding/control"/>
-  </ds:schemaRefs>
-</ds:datastoreItem>
-</file>
-
-<file path=customXml/itemProps240.xml><?xml version="1.0" encoding="utf-8"?>
-<ds:datastoreItem xmlns:ds="http://schemas.openxmlformats.org/officeDocument/2006/customXml" ds:itemID="{50ADC870-B29B-4C1F-ADF4-73E3086FB9F8}">
-  <ds:schemaRefs>
-    <ds:schemaRef ds:uri="http://schemas.microsoft.com/VisualStudio/2011/storyboarding/control"/>
-  </ds:schemaRefs>
-</ds:datastoreItem>
-</file>
-
-<file path=customXml/itemProps241.xml><?xml version="1.0" encoding="utf-8"?>
-<ds:datastoreItem xmlns:ds="http://schemas.openxmlformats.org/officeDocument/2006/customXml" ds:itemID="{DDBAC8B4-8905-4BB5-B558-4CCE9AACC1E7}">
-  <ds:schemaRefs>
-    <ds:schemaRef ds:uri="http://schemas.microsoft.com/VisualStudio/2011/storyboarding/control"/>
-  </ds:schemaRefs>
-</ds:datastoreItem>
-</file>
-
-<file path=customXml/itemProps242.xml><?xml version="1.0" encoding="utf-8"?>
-<ds:datastoreItem xmlns:ds="http://schemas.openxmlformats.org/officeDocument/2006/customXml" ds:itemID="{A83CDB64-A979-480A-B42F-5F9FAC7E448C}">
-  <ds:schemaRefs>
-    <ds:schemaRef ds:uri="http://schemas.microsoft.com/VisualStudio/2011/storyboarding/control"/>
-  </ds:schemaRefs>
-</ds:datastoreItem>
-</file>
-
-<file path=customXml/itemProps243.xml><?xml version="1.0" encoding="utf-8"?>
-<ds:datastoreItem xmlns:ds="http://schemas.openxmlformats.org/officeDocument/2006/customXml" ds:itemID="{152057C0-8163-4478-8001-B3CFAA894936}">
-  <ds:schemaRefs>
-    <ds:schemaRef ds:uri="http://schemas.microsoft.com/VisualStudio/2011/storyboarding/control"/>
-  </ds:schemaRefs>
-</ds:datastoreItem>
-</file>
-
-<file path=customXml/itemProps244.xml><?xml version="1.0" encoding="utf-8"?>
-<ds:datastoreItem xmlns:ds="http://schemas.openxmlformats.org/officeDocument/2006/customXml" ds:itemID="{CE453AD5-3180-4DCA-9C47-FA81A3E74F53}">
-  <ds:schemaRefs>
-    <ds:schemaRef ds:uri="http://schemas.microsoft.com/VisualStudio/2011/storyboarding/control"/>
-  </ds:schemaRefs>
-</ds:datastoreItem>
-</file>
-
-<file path=customXml/itemProps245.xml><?xml version="1.0" encoding="utf-8"?>
-<ds:datastoreItem xmlns:ds="http://schemas.openxmlformats.org/officeDocument/2006/customXml" ds:itemID="{3E8B6194-5AF1-4A7F-A860-08884876DB99}">
-  <ds:schemaRefs>
-    <ds:schemaRef ds:uri="http://schemas.microsoft.com/VisualStudio/2011/storyboarding/control"/>
-  </ds:schemaRefs>
-</ds:datastoreItem>
-</file>
-
-<file path=customXml/itemProps246.xml><?xml version="1.0" encoding="utf-8"?>
-<ds:datastoreItem xmlns:ds="http://schemas.openxmlformats.org/officeDocument/2006/customXml" ds:itemID="{E7073ACC-ED47-46EB-93A2-943D352CC737}">
-  <ds:schemaRefs>
-    <ds:schemaRef ds:uri="http://schemas.microsoft.com/VisualStudio/2011/storyboarding/control"/>
-  </ds:schemaRefs>
-</ds:datastoreItem>
-</file>
-
-<file path=customXml/itemProps247.xml><?xml version="1.0" encoding="utf-8"?>
-<ds:datastoreItem xmlns:ds="http://schemas.openxmlformats.org/officeDocument/2006/customXml" ds:itemID="{E24D2A77-108A-4A6C-B757-97D779AC67C4}">
-  <ds:schemaRefs>
-    <ds:schemaRef ds:uri="http://schemas.microsoft.com/VisualStudio/2011/storyboarding/control"/>
-  </ds:schemaRefs>
-</ds:datastoreItem>
-</file>
-
-<file path=customXml/itemProps248.xml><?xml version="1.0" encoding="utf-8"?>
-<ds:datastoreItem xmlns:ds="http://schemas.openxmlformats.org/officeDocument/2006/customXml" ds:itemID="{73703013-09B0-4DBA-9FDD-D39DF66AF178}">
-  <ds:schemaRefs>
-    <ds:schemaRef ds:uri="http://schemas.microsoft.com/VisualStudio/2011/storyboarding/control"/>
-  </ds:schemaRefs>
-</ds:datastoreItem>
-</file>
-
-<file path=customXml/itemProps249.xml><?xml version="1.0" encoding="utf-8"?>
-<ds:datastoreItem xmlns:ds="http://schemas.openxmlformats.org/officeDocument/2006/customXml" ds:itemID="{3A9E3F93-02A4-4356-BBC6-A7BD971C5367}">
-  <ds:schemaRefs>
-    <ds:schemaRef ds:uri="http://schemas.microsoft.com/VisualStudio/2011/storyboarding/control"/>
-  </ds:schemaRefs>
-</ds:datastoreItem>
-</file>
-
-<file path=customXml/itemProps25.xml><?xml version="1.0" encoding="utf-8"?>
-<ds:datastoreItem xmlns:ds="http://schemas.openxmlformats.org/officeDocument/2006/customXml" ds:itemID="{29F8B5B8-E187-4506-A53E-4D04D2CD28B4}">
-  <ds:schemaRefs>
-    <ds:schemaRef ds:uri="http://schemas.microsoft.com/VisualStudio/2011/storyboarding/control"/>
-  </ds:schemaRefs>
-</ds:datastoreItem>
-</file>
-
-<file path=customXml/itemProps250.xml><?xml version="1.0" encoding="utf-8"?>
-<ds:datastoreItem xmlns:ds="http://schemas.openxmlformats.org/officeDocument/2006/customXml" ds:itemID="{F36D2A4F-C360-49F8-A227-4F706FF4D9DF}">
-  <ds:schemaRefs>
-    <ds:schemaRef ds:uri="http://schemas.microsoft.com/VisualStudio/2011/storyboarding/control"/>
-  </ds:schemaRefs>
-</ds:datastoreItem>
-</file>
-
-<file path=customXml/itemProps251.xml><?xml version="1.0" encoding="utf-8"?>
-<ds:datastoreItem xmlns:ds="http://schemas.openxmlformats.org/officeDocument/2006/customXml" ds:itemID="{0B9C428E-2130-42D7-AF35-CB4A84DD8F2F}">
-  <ds:schemaRefs>
-    <ds:schemaRef ds:uri="http://schemas.microsoft.com/VisualStudio/2011/storyboarding/control"/>
-  </ds:schemaRefs>
-</ds:datastoreItem>
-</file>
-
-<file path=customXml/itemProps252.xml><?xml version="1.0" encoding="utf-8"?>
-<ds:datastoreItem xmlns:ds="http://schemas.openxmlformats.org/officeDocument/2006/customXml" ds:itemID="{CFD780DE-34AD-4E8E-9D17-223D69561496}">
-  <ds:schemaRefs>
-    <ds:schemaRef ds:uri="http://schemas.microsoft.com/VisualStudio/2011/storyboarding/control"/>
-  </ds:schemaRefs>
-</ds:datastoreItem>
-</file>
-
-<file path=customXml/itemProps253.xml><?xml version="1.0" encoding="utf-8"?>
-<ds:datastoreItem xmlns:ds="http://schemas.openxmlformats.org/officeDocument/2006/customXml" ds:itemID="{9E19A2A9-CBAF-48FC-B482-E99648066CC4}">
-  <ds:schemaRefs>
-    <ds:schemaRef ds:uri="http://schemas.microsoft.com/VisualStudio/2011/storyboarding/control"/>
-  </ds:schemaRefs>
-</ds:datastoreItem>
-</file>
-
-<file path=customXml/itemProps254.xml><?xml version="1.0" encoding="utf-8"?>
-<ds:datastoreItem xmlns:ds="http://schemas.openxmlformats.org/officeDocument/2006/customXml" ds:itemID="{40E1E962-5637-4EB6-B93C-DA8F96A81FAF}">
-  <ds:schemaRefs>
-    <ds:schemaRef ds:uri="http://schemas.microsoft.com/VisualStudio/2011/storyboarding/control"/>
-  </ds:schemaRefs>
-</ds:datastoreItem>
-</file>
-
-<file path=customXml/itemProps255.xml><?xml version="1.0" encoding="utf-8"?>
-<ds:datastoreItem xmlns:ds="http://schemas.openxmlformats.org/officeDocument/2006/customXml" ds:itemID="{20BEF8C9-6FB7-432D-9ED8-8FC9856F2A48}">
-  <ds:schemaRefs>
-    <ds:schemaRef ds:uri="http://schemas.microsoft.com/VisualStudio/2011/storyboarding/control"/>
-  </ds:schemaRefs>
-</ds:datastoreItem>
-</file>
-
-<file path=customXml/itemProps256.xml><?xml version="1.0" encoding="utf-8"?>
-<ds:datastoreItem xmlns:ds="http://schemas.openxmlformats.org/officeDocument/2006/customXml" ds:itemID="{2479DC2C-EF0B-41AF-B612-40020B463D9B}">
-  <ds:schemaRefs>
-    <ds:schemaRef ds:uri="http://schemas.microsoft.com/VisualStudio/2011/storyboarding/control"/>
-  </ds:schemaRefs>
-</ds:datastoreItem>
-</file>
-
-<file path=customXml/itemProps257.xml><?xml version="1.0" encoding="utf-8"?>
-<ds:datastoreItem xmlns:ds="http://schemas.openxmlformats.org/officeDocument/2006/customXml" ds:itemID="{5556FE01-90D7-4920-A96A-8D15FC962703}">
-  <ds:schemaRefs>
-    <ds:schemaRef ds:uri="http://schemas.microsoft.com/VisualStudio/2011/storyboarding/control"/>
-  </ds:schemaRefs>
-</ds:datastoreItem>
-</file>
-
-<file path=customXml/itemProps258.xml><?xml version="1.0" encoding="utf-8"?>
-<ds:datastoreItem xmlns:ds="http://schemas.openxmlformats.org/officeDocument/2006/customXml" ds:itemID="{DB4F9695-2BDE-47EC-BF8C-9433F25A92F2}">
-  <ds:schemaRefs>
-    <ds:schemaRef ds:uri="http://schemas.microsoft.com/VisualStudio/2011/storyboarding/control"/>
-  </ds:schemaRefs>
-</ds:datastoreItem>
-</file>
-
-<file path=customXml/itemProps259.xml><?xml version="1.0" encoding="utf-8"?>
-<ds:datastoreItem xmlns:ds="http://schemas.openxmlformats.org/officeDocument/2006/customXml" ds:itemID="{371B535D-C55E-43ED-A8DA-6DA77E3D45BB}">
-  <ds:schemaRefs>
-    <ds:schemaRef ds:uri="http://schemas.microsoft.com/VisualStudio/2011/storyboarding/control"/>
-  </ds:schemaRefs>
-</ds:datastoreItem>
-</file>
-
-<file path=customXml/itemProps26.xml><?xml version="1.0" encoding="utf-8"?>
-<ds:datastoreItem xmlns:ds="http://schemas.openxmlformats.org/officeDocument/2006/customXml" ds:itemID="{4A407FA7-B6B3-44CE-805A-4777E985CE86}">
-  <ds:schemaRefs>
-    <ds:schemaRef ds:uri="http://schemas.microsoft.com/VisualStudio/2011/storyboarding/control"/>
-  </ds:schemaRefs>
-</ds:datastoreItem>
-</file>
-
-<file path=customXml/itemProps260.xml><?xml version="1.0" encoding="utf-8"?>
-<ds:datastoreItem xmlns:ds="http://schemas.openxmlformats.org/officeDocument/2006/customXml" ds:itemID="{2BAAA2D6-7765-4C4F-BDEB-43D40C441E62}">
-  <ds:schemaRefs>
-    <ds:schemaRef ds:uri="http://schemas.microsoft.com/VisualStudio/2011/storyboarding/control"/>
-  </ds:schemaRefs>
-</ds:datastoreItem>
-</file>
-
-<file path=customXml/itemProps261.xml><?xml version="1.0" encoding="utf-8"?>
-<ds:datastoreItem xmlns:ds="http://schemas.openxmlformats.org/officeDocument/2006/customXml" ds:itemID="{116ABDC4-1EA4-4B49-A6E2-D1CE630DE6B5}">
-  <ds:schemaRefs>
-    <ds:schemaRef ds:uri="http://schemas.microsoft.com/VisualStudio/2011/storyboarding/control"/>
-  </ds:schemaRefs>
-</ds:datastoreItem>
-</file>
-
-<file path=customXml/itemProps262.xml><?xml version="1.0" encoding="utf-8"?>
-<ds:datastoreItem xmlns:ds="http://schemas.openxmlformats.org/officeDocument/2006/customXml" ds:itemID="{392A17C6-E843-4590-854E-08329261E193}">
-  <ds:schemaRefs>
-    <ds:schemaRef ds:uri="http://schemas.microsoft.com/VisualStudio/2011/storyboarding/control"/>
-  </ds:schemaRefs>
-</ds:datastoreItem>
-</file>
-
-<file path=customXml/itemProps263.xml><?xml version="1.0" encoding="utf-8"?>
-<ds:datastoreItem xmlns:ds="http://schemas.openxmlformats.org/officeDocument/2006/customXml" ds:itemID="{2A1D17B4-7440-46CD-8032-D9E7A060B774}">
-  <ds:schemaRefs>
-    <ds:schemaRef ds:uri="http://schemas.microsoft.com/VisualStudio/2011/storyboarding/control"/>
-  </ds:schemaRefs>
-</ds:datastoreItem>
-</file>
-
-<file path=customXml/itemProps264.xml><?xml version="1.0" encoding="utf-8"?>
-<ds:datastoreItem xmlns:ds="http://schemas.openxmlformats.org/officeDocument/2006/customXml" ds:itemID="{355F828C-8DD0-4B0C-8A65-152475EE1425}">
-  <ds:schemaRefs>
-    <ds:schemaRef ds:uri="http://schemas.microsoft.com/VisualStudio/2011/storyboarding/control"/>
-  </ds:schemaRefs>
-</ds:datastoreItem>
-</file>
-
-<file path=customXml/itemProps265.xml><?xml version="1.0" encoding="utf-8"?>
-<ds:datastoreItem xmlns:ds="http://schemas.openxmlformats.org/officeDocument/2006/customXml" ds:itemID="{8A640325-005D-4045-AEC2-6BA2B94359ED}">
-  <ds:schemaRefs>
-    <ds:schemaRef ds:uri="http://schemas.microsoft.com/VisualStudio/2011/storyboarding/control"/>
-  </ds:schemaRefs>
-</ds:datastoreItem>
-</file>
-
-<file path=customXml/itemProps266.xml><?xml version="1.0" encoding="utf-8"?>
-<ds:datastoreItem xmlns:ds="http://schemas.openxmlformats.org/officeDocument/2006/customXml" ds:itemID="{86A76FA3-4235-4BDB-A418-31656486084F}">
-  <ds:schemaRefs>
-    <ds:schemaRef ds:uri="http://schemas.microsoft.com/VisualStudio/2011/storyboarding/control"/>
-  </ds:schemaRefs>
-</ds:datastoreItem>
-</file>
-
-<file path=customXml/itemProps267.xml><?xml version="1.0" encoding="utf-8"?>
-<ds:datastoreItem xmlns:ds="http://schemas.openxmlformats.org/officeDocument/2006/customXml" ds:itemID="{ACC1D029-4DA6-4263-8BB1-54527B14416B}">
-  <ds:schemaRefs>
-    <ds:schemaRef ds:uri="http://schemas.microsoft.com/VisualStudio/2011/storyboarding/control"/>
-  </ds:schemaRefs>
-</ds:datastoreItem>
-</file>
-
-<file path=customXml/itemProps268.xml><?xml version="1.0" encoding="utf-8"?>
-<ds:datastoreItem xmlns:ds="http://schemas.openxmlformats.org/officeDocument/2006/customXml" ds:itemID="{610BEE6F-4DB2-4D13-A1CB-C2C0E985407A}">
-  <ds:schemaRefs>
-    <ds:schemaRef ds:uri="http://schemas.microsoft.com/VisualStudio/2011/storyboarding/control"/>
-  </ds:schemaRefs>
-</ds:datastoreItem>
-</file>
-
-<file path=customXml/itemProps269.xml><?xml version="1.0" encoding="utf-8"?>
-<ds:datastoreItem xmlns:ds="http://schemas.openxmlformats.org/officeDocument/2006/customXml" ds:itemID="{09905B2A-7A53-4F1C-B400-60354582C731}">
-  <ds:schemaRefs>
-    <ds:schemaRef ds:uri="http://schemas.microsoft.com/VisualStudio/2011/storyboarding/control"/>
-  </ds:schemaRefs>
-</ds:datastoreItem>
-</file>
-
-<file path=customXml/itemProps27.xml><?xml version="1.0" encoding="utf-8"?>
-<ds:datastoreItem xmlns:ds="http://schemas.openxmlformats.org/officeDocument/2006/customXml" ds:itemID="{A6DD08DB-A03D-4EBF-8BCF-9AEDA3861DDD}">
-  <ds:schemaRefs>
-    <ds:schemaRef ds:uri="http://schemas.microsoft.com/VisualStudio/2011/storyboarding/control"/>
-  </ds:schemaRefs>
-</ds:datastoreItem>
-</file>
-
-<file path=customXml/itemProps270.xml><?xml version="1.0" encoding="utf-8"?>
-<ds:datastoreItem xmlns:ds="http://schemas.openxmlformats.org/officeDocument/2006/customXml" ds:itemID="{2227405F-AD2B-44C3-ADF8-746334825D1B}">
-  <ds:schemaRefs>
-    <ds:schemaRef ds:uri="http://schemas.microsoft.com/VisualStudio/2011/storyboarding/control"/>
-  </ds:schemaRefs>
-</ds:datastoreItem>
-</file>
-
-<file path=customXml/itemProps271.xml><?xml version="1.0" encoding="utf-8"?>
-<ds:datastoreItem xmlns:ds="http://schemas.openxmlformats.org/officeDocument/2006/customXml" ds:itemID="{7C2B30D1-555D-4091-BB8B-70C3008E587D}">
-  <ds:schemaRefs>
-    <ds:schemaRef ds:uri="http://schemas.microsoft.com/VisualStudio/2011/storyboarding/control"/>
-  </ds:schemaRefs>
-</ds:datastoreItem>
-</file>
-
-<file path=customXml/itemProps272.xml><?xml version="1.0" encoding="utf-8"?>
-<ds:datastoreItem xmlns:ds="http://schemas.openxmlformats.org/officeDocument/2006/customXml" ds:itemID="{BB34EE50-A076-446E-BBF4-53C836A4A8DF}">
-  <ds:schemaRefs>
-    <ds:schemaRef ds:uri="http://schemas.microsoft.com/VisualStudio/2011/storyboarding/control"/>
-  </ds:schemaRefs>
-</ds:datastoreItem>
-</file>
-
-<file path=customXml/itemProps273.xml><?xml version="1.0" encoding="utf-8"?>
-<ds:datastoreItem xmlns:ds="http://schemas.openxmlformats.org/officeDocument/2006/customXml" ds:itemID="{E2B26E15-67E2-46A7-9511-99B371B2FFB8}">
-  <ds:schemaRefs>
-    <ds:schemaRef ds:uri="http://schemas.microsoft.com/VisualStudio/2011/storyboarding/control"/>
-  </ds:schemaRefs>
-</ds:datastoreItem>
-</file>
-
-<file path=customXml/itemProps274.xml><?xml version="1.0" encoding="utf-8"?>
-<ds:datastoreItem xmlns:ds="http://schemas.openxmlformats.org/officeDocument/2006/customXml" ds:itemID="{998783E5-93E3-46E4-8B45-FB75479D6BD0}">
-  <ds:schemaRefs>
-    <ds:schemaRef ds:uri="http://schemas.microsoft.com/VisualStudio/2011/storyboarding/control"/>
-  </ds:schemaRefs>
-</ds:datastoreItem>
-</file>
-
-<file path=customXml/itemProps275.xml><?xml version="1.0" encoding="utf-8"?>
-<ds:datastoreItem xmlns:ds="http://schemas.openxmlformats.org/officeDocument/2006/customXml" ds:itemID="{A39F5018-76E8-4CE5-A9B7-D9BE197ECF9D}">
-  <ds:schemaRefs>
-    <ds:schemaRef ds:uri="http://schemas.microsoft.com/VisualStudio/2011/storyboarding/control"/>
-  </ds:schemaRefs>
-</ds:datastoreItem>
-</file>
-
-<file path=customXml/itemProps276.xml><?xml version="1.0" encoding="utf-8"?>
-<ds:datastoreItem xmlns:ds="http://schemas.openxmlformats.org/officeDocument/2006/customXml" ds:itemID="{6738B905-67C9-4D42-8403-1DFFFA0CD882}">
-  <ds:schemaRefs>
-    <ds:schemaRef ds:uri="http://schemas.microsoft.com/VisualStudio/2011/storyboarding/control"/>
-  </ds:schemaRefs>
-</ds:datastoreItem>
-</file>
-
-<file path=customXml/itemProps277.xml><?xml version="1.0" encoding="utf-8"?>
-<ds:datastoreItem xmlns:ds="http://schemas.openxmlformats.org/officeDocument/2006/customXml" ds:itemID="{40F569EB-8ABB-4446-9E42-226E6AA99E71}">
-  <ds:schemaRefs>
-    <ds:schemaRef ds:uri="http://schemas.microsoft.com/VisualStudio/2011/storyboarding/control"/>
-  </ds:schemaRefs>
-</ds:datastoreItem>
-</file>
-
-<file path=customXml/itemProps278.xml><?xml version="1.0" encoding="utf-8"?>
-<ds:datastoreItem xmlns:ds="http://schemas.openxmlformats.org/officeDocument/2006/customXml" ds:itemID="{916637F0-59B8-45B1-A013-C6D7D7F87CDE}">
-  <ds:schemaRefs>
-    <ds:schemaRef ds:uri="http://schemas.microsoft.com/VisualStudio/2011/storyboarding/control"/>
-  </ds:schemaRefs>
-</ds:datastoreItem>
-</file>
-
-<file path=customXml/itemProps279.xml><?xml version="1.0" encoding="utf-8"?>
-<ds:datastoreItem xmlns:ds="http://schemas.openxmlformats.org/officeDocument/2006/customXml" ds:itemID="{4F7D9023-B84C-4690-B99E-9FE4342EA97D}">
-  <ds:schemaRefs>
-    <ds:schemaRef ds:uri="http://schemas.microsoft.com/VisualStudio/2011/storyboarding/control"/>
-  </ds:schemaRefs>
-</ds:datastoreItem>
-</file>
-
-<file path=customXml/itemProps28.xml><?xml version="1.0" encoding="utf-8"?>
-<ds:datastoreItem xmlns:ds="http://schemas.openxmlformats.org/officeDocument/2006/customXml" ds:itemID="{17B0D8AB-58DB-487A-A1B2-410414827202}">
-  <ds:schemaRefs>
-    <ds:schemaRef ds:uri="http://schemas.microsoft.com/VisualStudio/2011/storyboarding/control"/>
-  </ds:schemaRefs>
-</ds:datastoreItem>
-</file>
-
-<file path=customXml/itemProps280.xml><?xml version="1.0" encoding="utf-8"?>
-<ds:datastoreItem xmlns:ds="http://schemas.openxmlformats.org/officeDocument/2006/customXml" ds:itemID="{B61EEC1E-2199-42F9-BF79-C8F5F69EF85E}">
-  <ds:schemaRefs>
-    <ds:schemaRef ds:uri="http://schemas.microsoft.com/VisualStudio/2011/storyboarding/control"/>
-  </ds:schemaRefs>
-</ds:datastoreItem>
-</file>
-
-<file path=customXml/itemProps281.xml><?xml version="1.0" encoding="utf-8"?>
-<ds:datastoreItem xmlns:ds="http://schemas.openxmlformats.org/officeDocument/2006/customXml" ds:itemID="{EFCD18D0-CBA1-4995-A8C6-F5F3C57B32F1}">
-  <ds:schemaRefs>
-    <ds:schemaRef ds:uri="http://schemas.microsoft.com/VisualStudio/2011/storyboarding/control"/>
-  </ds:schemaRefs>
-</ds:datastoreItem>
-</file>
-
-<file path=customXml/itemProps282.xml><?xml version="1.0" encoding="utf-8"?>
-<ds:datastoreItem xmlns:ds="http://schemas.openxmlformats.org/officeDocument/2006/customXml" ds:itemID="{FAF24902-C8B9-4A2B-9077-05751B70E139}">
-  <ds:schemaRefs>
-    <ds:schemaRef ds:uri="http://schemas.microsoft.com/VisualStudio/2011/storyboarding/control"/>
-  </ds:schemaRefs>
-</ds:datastoreItem>
-</file>
-
-<file path=customXml/itemProps283.xml><?xml version="1.0" encoding="utf-8"?>
-<ds:datastoreItem xmlns:ds="http://schemas.openxmlformats.org/officeDocument/2006/customXml" ds:itemID="{A59FF763-C396-4BBD-B648-8ED995144782}">
-  <ds:schemaRefs>
-    <ds:schemaRef ds:uri="http://schemas.microsoft.com/VisualStudio/2011/storyboarding/control"/>
-  </ds:schemaRefs>
-</ds:datastoreItem>
-</file>
-
-<file path=customXml/itemProps284.xml><?xml version="1.0" encoding="utf-8"?>
-<ds:datastoreItem xmlns:ds="http://schemas.openxmlformats.org/officeDocument/2006/customXml" ds:itemID="{AEE42BF4-3F49-4791-99A4-B9C5521F3813}">
-  <ds:schemaRefs>
-    <ds:schemaRef ds:uri="http://schemas.microsoft.com/VisualStudio/2011/storyboarding/control"/>
-  </ds:schemaRefs>
-</ds:datastoreItem>
-</file>
-
-<file path=customXml/itemProps285.xml><?xml version="1.0" encoding="utf-8"?>
-<ds:datastoreItem xmlns:ds="http://schemas.openxmlformats.org/officeDocument/2006/customXml" ds:itemID="{82E33D8B-2115-44F9-B288-F7DDC7375FA0}">
-  <ds:schemaRefs>
-    <ds:schemaRef ds:uri="http://schemas.microsoft.com/VisualStudio/2011/storyboarding/control"/>
-  </ds:schemaRefs>
-</ds:datastoreItem>
-</file>
-
-<file path=customXml/itemProps286.xml><?xml version="1.0" encoding="utf-8"?>
-<ds:datastoreItem xmlns:ds="http://schemas.openxmlformats.org/officeDocument/2006/customXml" ds:itemID="{83115CD3-825C-4612-821F-C5D4B5A19981}">
-  <ds:schemaRefs>
-    <ds:schemaRef ds:uri="http://schemas.microsoft.com/VisualStudio/2011/storyboarding/control"/>
-  </ds:schemaRefs>
-</ds:datastoreItem>
-</file>
-
-<file path=customXml/itemProps287.xml><?xml version="1.0" encoding="utf-8"?>
-<ds:datastoreItem xmlns:ds="http://schemas.openxmlformats.org/officeDocument/2006/customXml" ds:itemID="{875DA8D0-9C6C-44D9-B84C-C4B5FD322C1A}">
-  <ds:schemaRefs>
-    <ds:schemaRef ds:uri="http://schemas.microsoft.com/VisualStudio/2011/storyboarding/control"/>
-  </ds:schemaRefs>
-</ds:datastoreItem>
-</file>
-
-<file path=customXml/itemProps288.xml><?xml version="1.0" encoding="utf-8"?>
-<ds:datastoreItem xmlns:ds="http://schemas.openxmlformats.org/officeDocument/2006/customXml" ds:itemID="{64E59FFC-D8D8-4E52-B11B-0543A90F6B8E}">
-  <ds:schemaRefs>
-    <ds:schemaRef ds:uri="http://schemas.microsoft.com/VisualStudio/2011/storyboarding/control"/>
-  </ds:schemaRefs>
-</ds:datastoreItem>
-</file>
-
-<file path=customXml/itemProps289.xml><?xml version="1.0" encoding="utf-8"?>
-<ds:datastoreItem xmlns:ds="http://schemas.openxmlformats.org/officeDocument/2006/customXml" ds:itemID="{83C7B5A9-0530-46C6-A850-347D2AC04604}">
-  <ds:schemaRefs>
-    <ds:schemaRef ds:uri="http://schemas.microsoft.com/VisualStudio/2011/storyboarding/control"/>
-  </ds:schemaRefs>
-</ds:datastoreItem>
-</file>
-
-<file path=customXml/itemProps29.xml><?xml version="1.0" encoding="utf-8"?>
-<ds:datastoreItem xmlns:ds="http://schemas.openxmlformats.org/officeDocument/2006/customXml" ds:itemID="{83FE5952-B810-41DD-BC8D-EA4E6B2877C4}">
-  <ds:schemaRefs>
-    <ds:schemaRef ds:uri="http://schemas.microsoft.com/VisualStudio/2011/storyboarding/control"/>
-  </ds:schemaRefs>
-</ds:datastoreItem>
-</file>
-
-<file path=customXml/itemProps290.xml><?xml version="1.0" encoding="utf-8"?>
-<ds:datastoreItem xmlns:ds="http://schemas.openxmlformats.org/officeDocument/2006/customXml" ds:itemID="{12B87C94-3E99-4A00-A6CF-08E04953A553}">
-  <ds:schemaRefs>
-    <ds:schemaRef ds:uri="http://schemas.microsoft.com/VisualStudio/2011/storyboarding/control"/>
-  </ds:schemaRefs>
-</ds:datastoreItem>
-</file>
-
-<file path=customXml/itemProps291.xml><?xml version="1.0" encoding="utf-8"?>
-<ds:datastoreItem xmlns:ds="http://schemas.openxmlformats.org/officeDocument/2006/customXml" ds:itemID="{704CF15B-5A3D-424C-9C26-639F7FE2B6A2}">
-  <ds:schemaRefs>
-    <ds:schemaRef ds:uri="http://schemas.microsoft.com/VisualStudio/2011/storyboarding/control"/>
-  </ds:schemaRefs>
-</ds:datastoreItem>
-</file>
-
-<file path=customXml/itemProps292.xml><?xml version="1.0" encoding="utf-8"?>
-<ds:datastoreItem xmlns:ds="http://schemas.openxmlformats.org/officeDocument/2006/customXml" ds:itemID="{8491097D-3BEA-417B-9273-13DD25B61827}">
-  <ds:schemaRefs>
-    <ds:schemaRef ds:uri="http://schemas.microsoft.com/VisualStudio/2011/storyboarding/control"/>
-  </ds:schemaRefs>
-</ds:datastoreItem>
-</file>
-
-<file path=customXml/itemProps293.xml><?xml version="1.0" encoding="utf-8"?>
-<ds:datastoreItem xmlns:ds="http://schemas.openxmlformats.org/officeDocument/2006/customXml" ds:itemID="{68FD764D-ED53-4060-BB86-164A1755BC75}">
-  <ds:schemaRefs>
-    <ds:schemaRef ds:uri="http://schemas.microsoft.com/VisualStudio/2011/storyboarding/control"/>
-  </ds:schemaRefs>
-</ds:datastoreItem>
-</file>
-
-<file path=customXml/itemProps294.xml><?xml version="1.0" encoding="utf-8"?>
-<ds:datastoreItem xmlns:ds="http://schemas.openxmlformats.org/officeDocument/2006/customXml" ds:itemID="{1B9230E7-F069-4556-9C13-4BDB695EF08B}">
-  <ds:schemaRefs>
-    <ds:schemaRef ds:uri="http://schemas.microsoft.com/VisualStudio/2011/storyboarding/control"/>
-  </ds:schemaRefs>
-</ds:datastoreItem>
-</file>
-
-<file path=customXml/itemProps295.xml><?xml version="1.0" encoding="utf-8"?>
-<ds:datastoreItem xmlns:ds="http://schemas.openxmlformats.org/officeDocument/2006/customXml" ds:itemID="{F78CD7B1-12E3-49EC-8BE8-E474AC90DF8F}">
-  <ds:schemaRefs>
-    <ds:schemaRef ds:uri="http://schemas.microsoft.com/VisualStudio/2011/storyboarding/control"/>
-  </ds:schemaRefs>
-</ds:datastoreItem>
-</file>
-
-<file path=customXml/itemProps296.xml><?xml version="1.0" encoding="utf-8"?>
-<ds:datastoreItem xmlns:ds="http://schemas.openxmlformats.org/officeDocument/2006/customXml" ds:itemID="{A26C2F90-97F2-4089-BDB9-A8F1A786BE92}">
-  <ds:schemaRefs>
-    <ds:schemaRef ds:uri="http://schemas.microsoft.com/VisualStudio/2011/storyboarding/control"/>
-  </ds:schemaRefs>
-</ds:datastoreItem>
-</file>
-
-<file path=customXml/itemProps297.xml><?xml version="1.0" encoding="utf-8"?>
-<ds:datastoreItem xmlns:ds="http://schemas.openxmlformats.org/officeDocument/2006/customXml" ds:itemID="{A6D095BC-789E-4CE8-AA99-696AAAA6E3A4}">
-  <ds:schemaRefs>
-    <ds:schemaRef ds:uri="http://schemas.microsoft.com/VisualStudio/2011/storyboarding/control"/>
-  </ds:schemaRefs>
-</ds:datastoreItem>
-</file>
-
-<file path=customXml/itemProps298.xml><?xml version="1.0" encoding="utf-8"?>
-<ds:datastoreItem xmlns:ds="http://schemas.openxmlformats.org/officeDocument/2006/customXml" ds:itemID="{77674E22-E958-4C98-881E-833176FE57EF}">
-  <ds:schemaRefs>
-    <ds:schemaRef ds:uri="http://schemas.microsoft.com/VisualStudio/2011/storyboarding/control"/>
-  </ds:schemaRefs>
-</ds:datastoreItem>
-</file>
-
-<file path=customXml/itemProps299.xml><?xml version="1.0" encoding="utf-8"?>
-<ds:datastoreItem xmlns:ds="http://schemas.openxmlformats.org/officeDocument/2006/customXml" ds:itemID="{06502709-2BA4-4151-8001-D5AACDC263EE}">
-  <ds:schemaRefs>
-    <ds:schemaRef ds:uri="http://schemas.microsoft.com/VisualStudio/2011/storyboarding/control"/>
-  </ds:schemaRefs>
-</ds:datastoreItem>
-</file>
-
-<file path=customXml/itemProps3.xml><?xml version="1.0" encoding="utf-8"?>
-<ds:datastoreItem xmlns:ds="http://schemas.openxmlformats.org/officeDocument/2006/customXml" ds:itemID="{387D2E86-F190-4CEF-A687-BC810EFEE0E5}">
-  <ds:schemaRefs>
-    <ds:schemaRef ds:uri="http://schemas.microsoft.com/VisualStudio/2011/storyboarding/control"/>
-  </ds:schemaRefs>
-</ds:datastoreItem>
-</file>
-
-<file path=customXml/itemProps30.xml><?xml version="1.0" encoding="utf-8"?>
-<ds:datastoreItem xmlns:ds="http://schemas.openxmlformats.org/officeDocument/2006/customXml" ds:itemID="{D3BE8F19-E498-4C40-AD0A-FD52BCF38C35}">
-  <ds:schemaRefs>
-    <ds:schemaRef ds:uri="http://schemas.microsoft.com/VisualStudio/2011/storyboarding/control"/>
-  </ds:schemaRefs>
-</ds:datastoreItem>
-</file>
-
-<file path=customXml/itemProps300.xml><?xml version="1.0" encoding="utf-8"?>
-<ds:datastoreItem xmlns:ds="http://schemas.openxmlformats.org/officeDocument/2006/customXml" ds:itemID="{738FF2C8-587D-4C02-8D5D-20CBF1EE7CCD}">
-  <ds:schemaRefs>
-    <ds:schemaRef ds:uri="http://schemas.microsoft.com/VisualStudio/2011/storyboarding/control"/>
-  </ds:schemaRefs>
-</ds:datastoreItem>
-</file>
-
-<file path=customXml/itemProps301.xml><?xml version="1.0" encoding="utf-8"?>
-<ds:datastoreItem xmlns:ds="http://schemas.openxmlformats.org/officeDocument/2006/customXml" ds:itemID="{1F0604E9-97A2-431A-86E6-C9F311593E08}">
-  <ds:schemaRefs>
-    <ds:schemaRef ds:uri="http://schemas.microsoft.com/VisualStudio/2011/storyboarding/control"/>
-  </ds:schemaRefs>
-</ds:datastoreItem>
-</file>
-
-<file path=customXml/itemProps302.xml><?xml version="1.0" encoding="utf-8"?>
-<ds:datastoreItem xmlns:ds="http://schemas.openxmlformats.org/officeDocument/2006/customXml" ds:itemID="{DB6E0612-8B1D-4BE3-AC72-D821C426DE75}">
-  <ds:schemaRefs>
-    <ds:schemaRef ds:uri="http://schemas.microsoft.com/VisualStudio/2011/storyboarding/control"/>
-  </ds:schemaRefs>
-</ds:datastoreItem>
-</file>
-
-<file path=customXml/itemProps303.xml><?xml version="1.0" encoding="utf-8"?>
-<ds:datastoreItem xmlns:ds="http://schemas.openxmlformats.org/officeDocument/2006/customXml" ds:itemID="{0F678DC3-7A11-4960-98D1-2284A12D1CFC}">
-  <ds:schemaRefs>
-    <ds:schemaRef ds:uri="http://schemas.microsoft.com/VisualStudio/2011/storyboarding/control"/>
-  </ds:schemaRefs>
-</ds:datastoreItem>
-</file>
-
-<file path=customXml/itemProps304.xml><?xml version="1.0" encoding="utf-8"?>
-<ds:datastoreItem xmlns:ds="http://schemas.openxmlformats.org/officeDocument/2006/customXml" ds:itemID="{A12D5DED-2D25-4DA3-8948-14474C5B5E76}">
-  <ds:schemaRefs>
-    <ds:schemaRef ds:uri="http://schemas.microsoft.com/VisualStudio/2011/storyboarding/control"/>
-  </ds:schemaRefs>
-</ds:datastoreItem>
-</file>
-
-<file path=customXml/itemProps31.xml><?xml version="1.0" encoding="utf-8"?>
-<ds:datastoreItem xmlns:ds="http://schemas.openxmlformats.org/officeDocument/2006/customXml" ds:itemID="{A72FA915-E35F-4234-A403-255F8B6BF53C}">
-  <ds:schemaRefs>
-    <ds:schemaRef ds:uri="http://schemas.microsoft.com/VisualStudio/2011/storyboarding/control"/>
-  </ds:schemaRefs>
-</ds:datastoreItem>
-</file>
-
-<file path=customXml/itemProps32.xml><?xml version="1.0" encoding="utf-8"?>
-<ds:datastoreItem xmlns:ds="http://schemas.openxmlformats.org/officeDocument/2006/customXml" ds:itemID="{548207B6-9ECB-4C71-9D88-A39393050720}">
-  <ds:schemaRefs>
-    <ds:schemaRef ds:uri="http://schemas.microsoft.com/VisualStudio/2011/storyboarding/control"/>
-  </ds:schemaRefs>
-</ds:datastoreItem>
-</file>
-
-<file path=customXml/itemProps33.xml><?xml version="1.0" encoding="utf-8"?>
-<ds:datastoreItem xmlns:ds="http://schemas.openxmlformats.org/officeDocument/2006/customXml" ds:itemID="{F24428A1-0724-4C81-B1E7-B30B813E3551}">
-  <ds:schemaRefs>
-    <ds:schemaRef ds:uri="http://schemas.microsoft.com/VisualStudio/2011/storyboarding/control"/>
-  </ds:schemaRefs>
-</ds:datastoreItem>
-</file>
-
-<file path=customXml/itemProps34.xml><?xml version="1.0" encoding="utf-8"?>
-<ds:datastoreItem xmlns:ds="http://schemas.openxmlformats.org/officeDocument/2006/customXml" ds:itemID="{CDFD8D22-8AC0-4F2F-AC24-E9009ABA608B}">
-  <ds:schemaRefs>
-    <ds:schemaRef ds:uri="http://schemas.microsoft.com/VisualStudio/2011/storyboarding/control"/>
-  </ds:schemaRefs>
-</ds:datastoreItem>
-</file>
-
-<file path=customXml/itemProps35.xml><?xml version="1.0" encoding="utf-8"?>
-<ds:datastoreItem xmlns:ds="http://schemas.openxmlformats.org/officeDocument/2006/customXml" ds:itemID="{C0236D38-7F8A-4EAA-B6A1-6880B56FE83E}">
-  <ds:schemaRefs>
-    <ds:schemaRef ds:uri="http://schemas.microsoft.com/VisualStudio/2011/storyboarding/control"/>
-  </ds:schemaRefs>
-</ds:datastoreItem>
-</file>
-
-<file path=customXml/itemProps36.xml><?xml version="1.0" encoding="utf-8"?>
-<ds:datastoreItem xmlns:ds="http://schemas.openxmlformats.org/officeDocument/2006/customXml" ds:itemID="{BF8B6F30-58A9-49DC-A98D-09DDB8F2693B}">
-  <ds:schemaRefs>
-    <ds:schemaRef ds:uri="http://schemas.microsoft.com/VisualStudio/2011/storyboarding/control"/>
-  </ds:schemaRefs>
-</ds:datastoreItem>
-</file>
-
-<file path=customXml/itemProps37.xml><?xml version="1.0" encoding="utf-8"?>
-<ds:datastoreItem xmlns:ds="http://schemas.openxmlformats.org/officeDocument/2006/customXml" ds:itemID="{2F4FCC51-0CE4-4CD4-814B-F7F5CC6D4A8E}">
-  <ds:schemaRefs>
-    <ds:schemaRef ds:uri="http://schemas.microsoft.com/VisualStudio/2011/storyboarding/control"/>
-  </ds:schemaRefs>
-</ds:datastoreItem>
-</file>
-
-<file path=customXml/itemProps38.xml><?xml version="1.0" encoding="utf-8"?>
-<ds:datastoreItem xmlns:ds="http://schemas.openxmlformats.org/officeDocument/2006/customXml" ds:itemID="{E12DD9CD-91AF-4CC9-87D9-DB103477FE67}">
-  <ds:schemaRefs>
-    <ds:schemaRef ds:uri="http://schemas.microsoft.com/VisualStudio/2011/storyboarding/control"/>
-  </ds:schemaRefs>
-</ds:datastoreItem>
-</file>
-
-<file path=customXml/itemProps39.xml><?xml version="1.0" encoding="utf-8"?>
-<ds:datastoreItem xmlns:ds="http://schemas.openxmlformats.org/officeDocument/2006/customXml" ds:itemID="{50409344-7A08-4EEE-A095-5DC783125ED3}">
-  <ds:schemaRefs>
-    <ds:schemaRef ds:uri="http://schemas.microsoft.com/VisualStudio/2011/storyboarding/control"/>
-  </ds:schemaRefs>
-</ds:datastoreItem>
-</file>
-
-<file path=customXml/itemProps4.xml><?xml version="1.0" encoding="utf-8"?>
-<ds:datastoreItem xmlns:ds="http://schemas.openxmlformats.org/officeDocument/2006/customXml" ds:itemID="{51E7E7C7-3695-4277-9E7A-A34209D6DE42}">
-  <ds:schemaRefs>
-    <ds:schemaRef ds:uri="http://schemas.microsoft.com/VisualStudio/2011/storyboarding/control"/>
-  </ds:schemaRefs>
-</ds:datastoreItem>
-</file>
-
-<file path=customXml/itemProps40.xml><?xml version="1.0" encoding="utf-8"?>
-<ds:datastoreItem xmlns:ds="http://schemas.openxmlformats.org/officeDocument/2006/customXml" ds:itemID="{C02F6C96-E07D-476F-9097-B75AF2B042BC}">
-  <ds:schemaRefs>
-    <ds:schemaRef ds:uri="http://schemas.microsoft.com/VisualStudio/2011/storyboarding/control"/>
-  </ds:schemaRefs>
-</ds:datastoreItem>
-</file>
-
-<file path=customXml/itemProps41.xml><?xml version="1.0" encoding="utf-8"?>
-<ds:datastoreItem xmlns:ds="http://schemas.openxmlformats.org/officeDocument/2006/customXml" ds:itemID="{5F6A41BF-2E92-4F14-BAD8-36D53D1258B9}">
-  <ds:schemaRefs>
-    <ds:schemaRef ds:uri="http://schemas.microsoft.com/VisualStudio/2011/storyboarding/control"/>
-  </ds:schemaRefs>
-</ds:datastoreItem>
-</file>
-
-<file path=customXml/itemProps42.xml><?xml version="1.0" encoding="utf-8"?>
-<ds:datastoreItem xmlns:ds="http://schemas.openxmlformats.org/officeDocument/2006/customXml" ds:itemID="{F2E2DD80-6264-46C6-8166-945CA6960AF7}">
-  <ds:schemaRefs>
-    <ds:schemaRef ds:uri="http://schemas.microsoft.com/VisualStudio/2011/storyboarding/control"/>
-  </ds:schemaRefs>
-</ds:datastoreItem>
-</file>
-
-<file path=customXml/itemProps43.xml><?xml version="1.0" encoding="utf-8"?>
-<ds:datastoreItem xmlns:ds="http://schemas.openxmlformats.org/officeDocument/2006/customXml" ds:itemID="{38E201C7-010A-4037-8499-B871567E89FA}">
-  <ds:schemaRefs>
-    <ds:schemaRef ds:uri="http://schemas.microsoft.com/VisualStudio/2011/storyboarding/control"/>
-  </ds:schemaRefs>
-</ds:datastoreItem>
-</file>
-
-<file path=customXml/itemProps44.xml><?xml version="1.0" encoding="utf-8"?>
-<ds:datastoreItem xmlns:ds="http://schemas.openxmlformats.org/officeDocument/2006/customXml" ds:itemID="{7056F243-3525-4402-800F-27AEDE217892}">
-  <ds:schemaRefs>
-    <ds:schemaRef ds:uri="http://schemas.microsoft.com/VisualStudio/2011/storyboarding/control"/>
-  </ds:schemaRefs>
-</ds:datastoreItem>
-</file>
-
-<file path=customXml/itemProps45.xml><?xml version="1.0" encoding="utf-8"?>
-<ds:datastoreItem xmlns:ds="http://schemas.openxmlformats.org/officeDocument/2006/customXml" ds:itemID="{02DC6A34-308E-4EE2-91CB-B65D8B5C5135}">
-  <ds:schemaRefs>
-    <ds:schemaRef ds:uri="http://schemas.microsoft.com/VisualStudio/2011/storyboarding/control"/>
-  </ds:schemaRefs>
-</ds:datastoreItem>
-</file>
-
-<file path=customXml/itemProps46.xml><?xml version="1.0" encoding="utf-8"?>
-<ds:datastoreItem xmlns:ds="http://schemas.openxmlformats.org/officeDocument/2006/customXml" ds:itemID="{4CDD4899-434B-483C-9270-49C1925CF9A0}">
-  <ds:schemaRefs>
-    <ds:schemaRef ds:uri="http://schemas.microsoft.com/VisualStudio/2011/storyboarding/control"/>
-  </ds:schemaRefs>
-</ds:datastoreItem>
-</file>
-
-<file path=customXml/itemProps47.xml><?xml version="1.0" encoding="utf-8"?>
-<ds:datastoreItem xmlns:ds="http://schemas.openxmlformats.org/officeDocument/2006/customXml" ds:itemID="{0A526C21-CA0E-4D62-A306-B441BC0489D4}">
-  <ds:schemaRefs>
-    <ds:schemaRef ds:uri="http://schemas.microsoft.com/VisualStudio/2011/storyboarding/control"/>
-  </ds:schemaRefs>
-</ds:datastoreItem>
-</file>
-
-<file path=customXml/itemProps48.xml><?xml version="1.0" encoding="utf-8"?>
-<ds:datastoreItem xmlns:ds="http://schemas.openxmlformats.org/officeDocument/2006/customXml" ds:itemID="{F5281BC0-9672-435D-B9A7-6C9AEEE3F7D2}">
-  <ds:schemaRefs>
-    <ds:schemaRef ds:uri="http://schemas.microsoft.com/VisualStudio/2011/storyboarding/control"/>
-  </ds:schemaRefs>
-</ds:datastoreItem>
-</file>
-
-<file path=customXml/itemProps49.xml><?xml version="1.0" encoding="utf-8"?>
-<ds:datastoreItem xmlns:ds="http://schemas.openxmlformats.org/officeDocument/2006/customXml" ds:itemID="{3BA5FAE4-8745-4A74-B298-4B5E45FB845F}">
-  <ds:schemaRefs>
-    <ds:schemaRef ds:uri="http://schemas.microsoft.com/VisualStudio/2011/storyboarding/control"/>
-  </ds:schemaRefs>
-</ds:datastoreItem>
-</file>
-
-<file path=customXml/itemProps5.xml><?xml version="1.0" encoding="utf-8"?>
-<ds:datastoreItem xmlns:ds="http://schemas.openxmlformats.org/officeDocument/2006/customXml" ds:itemID="{F0DC79C3-207C-41FE-A3D7-31F796033D54}">
-  <ds:schemaRefs>
-    <ds:schemaRef ds:uri="http://schemas.microsoft.com/VisualStudio/2011/storyboarding/control"/>
-  </ds:schemaRefs>
-</ds:datastoreItem>
-</file>
-
-<file path=customXml/itemProps50.xml><?xml version="1.0" encoding="utf-8"?>
-<ds:datastoreItem xmlns:ds="http://schemas.openxmlformats.org/officeDocument/2006/customXml" ds:itemID="{917C221D-1C7D-4EFD-A42E-4EEB4484E21B}">
-  <ds:schemaRefs>
-    <ds:schemaRef ds:uri="http://schemas.microsoft.com/VisualStudio/2011/storyboarding/control"/>
-  </ds:schemaRefs>
-</ds:datastoreItem>
-</file>
-
-<file path=customXml/itemProps51.xml><?xml version="1.0" encoding="utf-8"?>
-<ds:datastoreItem xmlns:ds="http://schemas.openxmlformats.org/officeDocument/2006/customXml" ds:itemID="{356E3D99-BE40-4EAC-A6C1-6B612678EA9D}">
-  <ds:schemaRefs>
-    <ds:schemaRef ds:uri="http://schemas.microsoft.com/VisualStudio/2011/storyboarding/control"/>
-  </ds:schemaRefs>
-</ds:datastoreItem>
-</file>
-
-<file path=customXml/itemProps52.xml><?xml version="1.0" encoding="utf-8"?>
-<ds:datastoreItem xmlns:ds="http://schemas.openxmlformats.org/officeDocument/2006/customXml" ds:itemID="{7D83CF62-C030-46A5-BB42-EA6E29EB49F5}">
-  <ds:schemaRefs>
-    <ds:schemaRef ds:uri="http://schemas.microsoft.com/VisualStudio/2011/storyboarding/control"/>
-  </ds:schemaRefs>
-</ds:datastoreItem>
-</file>
-
-<file path=customXml/itemProps53.xml><?xml version="1.0" encoding="utf-8"?>
-<ds:datastoreItem xmlns:ds="http://schemas.openxmlformats.org/officeDocument/2006/customXml" ds:itemID="{8CAFE994-D574-4D5A-B645-2896E8079B39}">
-  <ds:schemaRefs>
-    <ds:schemaRef ds:uri="http://schemas.microsoft.com/VisualStudio/2011/storyboarding/control"/>
-  </ds:schemaRefs>
-</ds:datastoreItem>
-</file>
-
-<file path=customXml/itemProps54.xml><?xml version="1.0" encoding="utf-8"?>
-<ds:datastoreItem xmlns:ds="http://schemas.openxmlformats.org/officeDocument/2006/customXml" ds:itemID="{56C614C4-5DEC-491F-B700-BEDDA8F8ADF4}">
-  <ds:schemaRefs>
-    <ds:schemaRef ds:uri="http://schemas.microsoft.com/VisualStudio/2011/storyboarding/control"/>
-  </ds:schemaRefs>
-</ds:datastoreItem>
-</file>
-
-<file path=customXml/itemProps55.xml><?xml version="1.0" encoding="utf-8"?>
-<ds:datastoreItem xmlns:ds="http://schemas.openxmlformats.org/officeDocument/2006/customXml" ds:itemID="{6D29AD73-E6E7-41AD-BD08-29640567C1E3}">
-  <ds:schemaRefs>
-    <ds:schemaRef ds:uri="http://schemas.microsoft.com/VisualStudio/2011/storyboarding/control"/>
-  </ds:schemaRefs>
-</ds:datastoreItem>
-</file>
-
-<file path=customXml/itemProps56.xml><?xml version="1.0" encoding="utf-8"?>
-<ds:datastoreItem xmlns:ds="http://schemas.openxmlformats.org/officeDocument/2006/customXml" ds:itemID="{37D9AFB0-4C16-4052-88E4-5FBE90606F71}">
-  <ds:schemaRefs>
-    <ds:schemaRef ds:uri="http://schemas.microsoft.com/VisualStudio/2011/storyboarding/control"/>
-  </ds:schemaRefs>
-</ds:datastoreItem>
-</file>
-
-<file path=customXml/itemProps57.xml><?xml version="1.0" encoding="utf-8"?>
-<ds:datastoreItem xmlns:ds="http://schemas.openxmlformats.org/officeDocument/2006/customXml" ds:itemID="{67299DBF-78FD-4556-BEC5-DAED3F111C44}">
-  <ds:schemaRefs>
-    <ds:schemaRef ds:uri="http://schemas.microsoft.com/VisualStudio/2011/storyboarding/control"/>
-  </ds:schemaRefs>
-</ds:datastoreItem>
-</file>
-
-<file path=customXml/itemProps58.xml><?xml version="1.0" encoding="utf-8"?>
-<ds:datastoreItem xmlns:ds="http://schemas.openxmlformats.org/officeDocument/2006/customXml" ds:itemID="{A70934FF-BD64-48BF-9A4E-D577A82F3862}">
-  <ds:schemaRefs>
-    <ds:schemaRef ds:uri="http://schemas.microsoft.com/VisualStudio/2011/storyboarding/control"/>
-  </ds:schemaRefs>
-</ds:datastoreItem>
-</file>
-
-<file path=customXml/itemProps59.xml><?xml version="1.0" encoding="utf-8"?>
-<ds:datastoreItem xmlns:ds="http://schemas.openxmlformats.org/officeDocument/2006/customXml" ds:itemID="{45E0B91E-7FEF-4703-9326-F8B2ED81C09E}">
-  <ds:schemaRefs>
-    <ds:schemaRef ds:uri="http://schemas.microsoft.com/VisualStudio/2011/storyboarding/control"/>
-  </ds:schemaRefs>
-</ds:datastoreItem>
-</file>
-
-<file path=customXml/itemProps6.xml><?xml version="1.0" encoding="utf-8"?>
-<ds:datastoreItem xmlns:ds="http://schemas.openxmlformats.org/officeDocument/2006/customXml" ds:itemID="{A14526C9-B49F-481F-9EEE-8607645EF9A7}">
-  <ds:schemaRefs>
-    <ds:schemaRef ds:uri="http://schemas.microsoft.com/VisualStudio/2011/storyboarding/control"/>
-  </ds:schemaRefs>
-</ds:datastoreItem>
-</file>
-
-<file path=customXml/itemProps60.xml><?xml version="1.0" encoding="utf-8"?>
-<ds:datastoreItem xmlns:ds="http://schemas.openxmlformats.org/officeDocument/2006/customXml" ds:itemID="{1ADEB7F2-78C7-4561-B3DF-1749638EBE62}">
-  <ds:schemaRefs>
-    <ds:schemaRef ds:uri="http://schemas.microsoft.com/VisualStudio/2011/storyboarding/control"/>
-  </ds:schemaRefs>
-</ds:datastoreItem>
-</file>
-
-<file path=customXml/itemProps61.xml><?xml version="1.0" encoding="utf-8"?>
-<ds:datastoreItem xmlns:ds="http://schemas.openxmlformats.org/officeDocument/2006/customXml" ds:itemID="{919EABC3-E2C5-43C3-AF76-EB64A9434D0D}">
-  <ds:schemaRefs>
-    <ds:schemaRef ds:uri="http://schemas.microsoft.com/VisualStudio/2011/storyboarding/control"/>
-  </ds:schemaRefs>
-</ds:datastoreItem>
-</file>
-
-<file path=customXml/itemProps62.xml><?xml version="1.0" encoding="utf-8"?>
-<ds:datastoreItem xmlns:ds="http://schemas.openxmlformats.org/officeDocument/2006/customXml" ds:itemID="{7370362F-DF9E-4D13-86A6-8D6D39B4B8E3}">
-  <ds:schemaRefs>
-    <ds:schemaRef ds:uri="http://schemas.microsoft.com/VisualStudio/2011/storyboarding/control"/>
-  </ds:schemaRefs>
-</ds:datastoreItem>
-</file>
-
-<file path=customXml/itemProps63.xml><?xml version="1.0" encoding="utf-8"?>
-<ds:datastoreItem xmlns:ds="http://schemas.openxmlformats.org/officeDocument/2006/customXml" ds:itemID="{58C35028-5CF9-4C74-BFCD-437163455DA4}">
-  <ds:schemaRefs>
-    <ds:schemaRef ds:uri="http://schemas.microsoft.com/VisualStudio/2011/storyboarding/control"/>
-  </ds:schemaRefs>
-</ds:datastoreItem>
-</file>
-
-<file path=customXml/itemProps64.xml><?xml version="1.0" encoding="utf-8"?>
-<ds:datastoreItem xmlns:ds="http://schemas.openxmlformats.org/officeDocument/2006/customXml" ds:itemID="{8FB016EA-60C1-4762-8FF2-7DE705E604F0}">
-  <ds:schemaRefs>
-    <ds:schemaRef ds:uri="http://schemas.microsoft.com/VisualStudio/2011/storyboarding/control"/>
-  </ds:schemaRefs>
-</ds:datastoreItem>
-</file>
-
-<file path=customXml/itemProps65.xml><?xml version="1.0" encoding="utf-8"?>
-<ds:datastoreItem xmlns:ds="http://schemas.openxmlformats.org/officeDocument/2006/customXml" ds:itemID="{9BC0CB4D-BF5E-434C-A27C-66597D46EEDF}">
-  <ds:schemaRefs>
-    <ds:schemaRef ds:uri="http://schemas.microsoft.com/VisualStudio/2011/storyboarding/control"/>
-  </ds:schemaRefs>
-</ds:datastoreItem>
-</file>
-
-<file path=customXml/itemProps66.xml><?xml version="1.0" encoding="utf-8"?>
-<ds:datastoreItem xmlns:ds="http://schemas.openxmlformats.org/officeDocument/2006/customXml" ds:itemID="{26190532-7283-4B3A-A4F0-D4225A0BC43D}">
-  <ds:schemaRefs>
-    <ds:schemaRef ds:uri="http://schemas.microsoft.com/VisualStudio/2011/storyboarding/control"/>
-  </ds:schemaRefs>
-</ds:datastoreItem>
-</file>
-
-<file path=customXml/itemProps67.xml><?xml version="1.0" encoding="utf-8"?>
-<ds:datastoreItem xmlns:ds="http://schemas.openxmlformats.org/officeDocument/2006/customXml" ds:itemID="{0F2DE0B6-1D23-4CC4-9F36-B050D9B69891}">
-  <ds:schemaRefs>
-    <ds:schemaRef ds:uri="http://schemas.microsoft.com/VisualStudio/2011/storyboarding/control"/>
-  </ds:schemaRefs>
-</ds:datastoreItem>
-</file>
-
-<file path=customXml/itemProps68.xml><?xml version="1.0" encoding="utf-8"?>
-<ds:datastoreItem xmlns:ds="http://schemas.openxmlformats.org/officeDocument/2006/customXml" ds:itemID="{49295FCB-C0F6-4058-AADB-C80AB995A670}">
-  <ds:schemaRefs>
-    <ds:schemaRef ds:uri="http://schemas.microsoft.com/VisualStudio/2011/storyboarding/control"/>
-  </ds:schemaRefs>
-</ds:datastoreItem>
-</file>
-
-<file path=customXml/itemProps69.xml><?xml version="1.0" encoding="utf-8"?>
-<ds:datastoreItem xmlns:ds="http://schemas.openxmlformats.org/officeDocument/2006/customXml" ds:itemID="{7E6575B5-210E-4C5C-962C-D0D28D81591D}">
-  <ds:schemaRefs>
-    <ds:schemaRef ds:uri="http://schemas.microsoft.com/VisualStudio/2011/storyboarding/control"/>
-  </ds:schemaRefs>
-</ds:datastoreItem>
-</file>
-
-<file path=customXml/itemProps7.xml><?xml version="1.0" encoding="utf-8"?>
-<ds:datastoreItem xmlns:ds="http://schemas.openxmlformats.org/officeDocument/2006/customXml" ds:itemID="{F1D9FCA4-8CDD-4D03-8F9C-DD221191D711}">
-  <ds:schemaRefs>
-    <ds:schemaRef ds:uri="http://schemas.microsoft.com/VisualStudio/2011/storyboarding/control"/>
-  </ds:schemaRefs>
-</ds:datastoreItem>
-</file>
-
-<file path=customXml/itemProps70.xml><?xml version="1.0" encoding="utf-8"?>
-<ds:datastoreItem xmlns:ds="http://schemas.openxmlformats.org/officeDocument/2006/customXml" ds:itemID="{F5E1943B-A70F-44C2-A322-2C282D25F81E}">
-  <ds:schemaRefs>
-    <ds:schemaRef ds:uri="http://schemas.microsoft.com/VisualStudio/2011/storyboarding/control"/>
-  </ds:schemaRefs>
-</ds:datastoreItem>
-</file>
-
-<file path=customXml/itemProps71.xml><?xml version="1.0" encoding="utf-8"?>
-<ds:datastoreItem xmlns:ds="http://schemas.openxmlformats.org/officeDocument/2006/customXml" ds:itemID="{77FAC5F0-DC78-4546-BD9F-1E67402040BC}">
-  <ds:schemaRefs>
-    <ds:schemaRef ds:uri="http://schemas.microsoft.com/VisualStudio/2011/storyboarding/control"/>
-  </ds:schemaRefs>
-</ds:datastoreItem>
-</file>
-
-<file path=customXml/itemProps72.xml><?xml version="1.0" encoding="utf-8"?>
-<ds:datastoreItem xmlns:ds="http://schemas.openxmlformats.org/officeDocument/2006/customXml" ds:itemID="{E365656C-FD98-42DE-B12C-6E9701BB8103}">
-  <ds:schemaRefs>
-    <ds:schemaRef ds:uri="http://schemas.microsoft.com/VisualStudio/2011/storyboarding/control"/>
-  </ds:schemaRefs>
-</ds:datastoreItem>
-</file>
-
-<file path=customXml/itemProps73.xml><?xml version="1.0" encoding="utf-8"?>
-<ds:datastoreItem xmlns:ds="http://schemas.openxmlformats.org/officeDocument/2006/customXml" ds:itemID="{AA953C0C-C7E8-435A-942A-9B0F1C2CF485}">
-  <ds:schemaRefs>
-    <ds:schemaRef ds:uri="http://schemas.microsoft.com/VisualStudio/2011/storyboarding/control"/>
-  </ds:schemaRefs>
-</ds:datastoreItem>
-</file>
-
-<file path=customXml/itemProps74.xml><?xml version="1.0" encoding="utf-8"?>
-<ds:datastoreItem xmlns:ds="http://schemas.openxmlformats.org/officeDocument/2006/customXml" ds:itemID="{A57FB331-1A42-4197-A916-5DB1567728A7}">
-  <ds:schemaRefs>
-    <ds:schemaRef ds:uri="http://schemas.microsoft.com/VisualStudio/2011/storyboarding/control"/>
-  </ds:schemaRefs>
-</ds:datastoreItem>
-</file>
-
-<file path=customXml/itemProps75.xml><?xml version="1.0" encoding="utf-8"?>
-<ds:datastoreItem xmlns:ds="http://schemas.openxmlformats.org/officeDocument/2006/customXml" ds:itemID="{B669F501-AEB5-49A8-B34E-D8CDF8FBB497}">
-  <ds:schemaRefs>
-    <ds:schemaRef ds:uri="http://schemas.microsoft.com/VisualStudio/2011/storyboarding/control"/>
-  </ds:schemaRefs>
-</ds:datastoreItem>
-</file>
-
-<file path=customXml/itemProps76.xml><?xml version="1.0" encoding="utf-8"?>
-<ds:datastoreItem xmlns:ds="http://schemas.openxmlformats.org/officeDocument/2006/customXml" ds:itemID="{BF6D3440-7C7A-43AD-BDB6-DC5F6F28E620}">
-  <ds:schemaRefs>
-    <ds:schemaRef ds:uri="http://schemas.microsoft.com/VisualStudio/2011/storyboarding/control"/>
-  </ds:schemaRefs>
-</ds:datastoreItem>
-</file>
-
-<file path=customXml/itemProps77.xml><?xml version="1.0" encoding="utf-8"?>
-<ds:datastoreItem xmlns:ds="http://schemas.openxmlformats.org/officeDocument/2006/customXml" ds:itemID="{63EA8E9F-9742-4D18-8B78-7EEA5B5F56E6}">
-  <ds:schemaRefs>
-    <ds:schemaRef ds:uri="http://schemas.microsoft.com/VisualStudio/2011/storyboarding/control"/>
-  </ds:schemaRefs>
-</ds:datastoreItem>
-</file>
-
-<file path=customXml/itemProps78.xml><?xml version="1.0" encoding="utf-8"?>
-<ds:datastoreItem xmlns:ds="http://schemas.openxmlformats.org/officeDocument/2006/customXml" ds:itemID="{8552D1C0-18CB-40C8-A2BE-33C855951852}">
-  <ds:schemaRefs>
-    <ds:schemaRef ds:uri="http://schemas.microsoft.com/VisualStudio/2011/storyboarding/control"/>
-  </ds:schemaRefs>
-</ds:datastoreItem>
-</file>
-
-<file path=customXml/itemProps79.xml><?xml version="1.0" encoding="utf-8"?>
-<ds:datastoreItem xmlns:ds="http://schemas.openxmlformats.org/officeDocument/2006/customXml" ds:itemID="{5900ABFD-735C-4D22-859F-F006CFDD473A}">
-  <ds:schemaRefs>
-    <ds:schemaRef ds:uri="http://schemas.microsoft.com/VisualStudio/2011/storyboarding/control"/>
-  </ds:schemaRefs>
-</ds:datastoreItem>
-</file>
-
-<file path=customXml/itemProps8.xml><?xml version="1.0" encoding="utf-8"?>
-<ds:datastoreItem xmlns:ds="http://schemas.openxmlformats.org/officeDocument/2006/customXml" ds:itemID="{B417D8B6-53FD-4D5A-BFEE-3543BD43D401}">
-  <ds:schemaRefs>
-    <ds:schemaRef ds:uri="http://schemas.microsoft.com/VisualStudio/2011/storyboarding/control"/>
-  </ds:schemaRefs>
-</ds:datastoreItem>
-</file>
-
-<file path=customXml/itemProps80.xml><?xml version="1.0" encoding="utf-8"?>
-<ds:datastoreItem xmlns:ds="http://schemas.openxmlformats.org/officeDocument/2006/customXml" ds:itemID="{15F46258-63C4-4B60-ADED-0E3ACB1539D0}">
-  <ds:schemaRefs>
-    <ds:schemaRef ds:uri="http://schemas.microsoft.com/VisualStudio/2011/storyboarding/control"/>
-  </ds:schemaRefs>
-</ds:datastoreItem>
-</file>
-
-<file path=customXml/itemProps81.xml><?xml version="1.0" encoding="utf-8"?>
-<ds:datastoreItem xmlns:ds="http://schemas.openxmlformats.org/officeDocument/2006/customXml" ds:itemID="{FBC62206-495B-43F2-9B91-CBEF056959DE}">
-  <ds:schemaRefs>
-    <ds:schemaRef ds:uri="http://schemas.microsoft.com/VisualStudio/2011/storyboarding/control"/>
-  </ds:schemaRefs>
-</ds:datastoreItem>
-</file>
-
-<file path=customXml/itemProps82.xml><?xml version="1.0" encoding="utf-8"?>
-<ds:datastoreItem xmlns:ds="http://schemas.openxmlformats.org/officeDocument/2006/customXml" ds:itemID="{8159193B-BADF-419B-B907-5EF8622C190C}">
-  <ds:schemaRefs>
-    <ds:schemaRef ds:uri="http://schemas.microsoft.com/VisualStudio/2011/storyboarding/control"/>
-  </ds:schemaRefs>
-</ds:datastoreItem>
-</file>
-
-<file path=customXml/itemProps83.xml><?xml version="1.0" encoding="utf-8"?>
-<ds:datastoreItem xmlns:ds="http://schemas.openxmlformats.org/officeDocument/2006/customXml" ds:itemID="{CB60C352-926D-4B06-8BE1-EF0755110463}">
-  <ds:schemaRefs>
-    <ds:schemaRef ds:uri="http://schemas.microsoft.com/VisualStudio/2011/storyboarding/control"/>
-  </ds:schemaRefs>
-</ds:datastoreItem>
-</file>
-
-<file path=customXml/itemProps84.xml><?xml version="1.0" encoding="utf-8"?>
-<ds:datastoreItem xmlns:ds="http://schemas.openxmlformats.org/officeDocument/2006/customXml" ds:itemID="{004B09A5-32AD-4CCB-8361-A2EF01A5A068}">
-  <ds:schemaRefs>
-    <ds:schemaRef ds:uri="http://schemas.microsoft.com/VisualStudio/2011/storyboarding/control"/>
-  </ds:schemaRefs>
-</ds:datastoreItem>
-</file>
-
-<file path=customXml/itemProps85.xml><?xml version="1.0" encoding="utf-8"?>
-<ds:datastoreItem xmlns:ds="http://schemas.openxmlformats.org/officeDocument/2006/customXml" ds:itemID="{28D2D0D7-C598-41C7-9CF5-F1DEDB3DDE59}">
-  <ds:schemaRefs>
-    <ds:schemaRef ds:uri="http://schemas.microsoft.com/VisualStudio/2011/storyboarding/control"/>
-  </ds:schemaRefs>
-</ds:datastoreItem>
-</file>
-
-<file path=customXml/itemProps86.xml><?xml version="1.0" encoding="utf-8"?>
-<ds:datastoreItem xmlns:ds="http://schemas.openxmlformats.org/officeDocument/2006/customXml" ds:itemID="{D500780A-E74C-4BCC-955A-7DF94634ED58}">
-  <ds:schemaRefs>
-    <ds:schemaRef ds:uri="http://schemas.microsoft.com/VisualStudio/2011/storyboarding/control"/>
-  </ds:schemaRefs>
-</ds:datastoreItem>
-</file>
-
-<file path=customXml/itemProps87.xml><?xml version="1.0" encoding="utf-8"?>
-<ds:datastoreItem xmlns:ds="http://schemas.openxmlformats.org/officeDocument/2006/customXml" ds:itemID="{460C87DB-603E-4234-8A20-83C330437EDB}">
-  <ds:schemaRefs>
-    <ds:schemaRef ds:uri="http://schemas.microsoft.com/VisualStudio/2011/storyboarding/control"/>
-  </ds:schemaRefs>
-</ds:datastoreItem>
-</file>
-
-<file path=customXml/itemProps88.xml><?xml version="1.0" encoding="utf-8"?>
-<ds:datastoreItem xmlns:ds="http://schemas.openxmlformats.org/officeDocument/2006/customXml" ds:itemID="{295D5A01-DECE-4774-9D37-0549E549A300}">
-  <ds:schemaRefs>
-    <ds:schemaRef ds:uri="http://schemas.microsoft.com/VisualStudio/2011/storyboarding/control"/>
-  </ds:schemaRefs>
-</ds:datastoreItem>
-</file>
-
-<file path=customXml/itemProps89.xml><?xml version="1.0" encoding="utf-8"?>
-<ds:datastoreItem xmlns:ds="http://schemas.openxmlformats.org/officeDocument/2006/customXml" ds:itemID="{8E2F46EC-BCDA-4589-B106-2EE9F450A758}">
-  <ds:schemaRefs>
-    <ds:schemaRef ds:uri="http://schemas.microsoft.com/VisualStudio/2011/storyboarding/control"/>
-  </ds:schemaRefs>
-</ds:datastoreItem>
-</file>
-
-<file path=customXml/itemProps9.xml><?xml version="1.0" encoding="utf-8"?>
-<ds:datastoreItem xmlns:ds="http://schemas.openxmlformats.org/officeDocument/2006/customXml" ds:itemID="{3CB64095-2B64-4413-A0E0-D6AE34457700}">
-  <ds:schemaRefs>
-    <ds:schemaRef ds:uri="http://schemas.microsoft.com/VisualStudio/2011/storyboarding/control"/>
-  </ds:schemaRefs>
-</ds:datastoreItem>
-</file>
-
-<file path=customXml/itemProps90.xml><?xml version="1.0" encoding="utf-8"?>
-<ds:datastoreItem xmlns:ds="http://schemas.openxmlformats.org/officeDocument/2006/customXml" ds:itemID="{E1C1B0C3-0D59-41BC-95F4-F0A42ABC6316}">
-  <ds:schemaRefs>
-    <ds:schemaRef ds:uri="http://schemas.microsoft.com/VisualStudio/2011/storyboarding/control"/>
-  </ds:schemaRefs>
-</ds:datastoreItem>
-</file>
-
-<file path=customXml/itemProps91.xml><?xml version="1.0" encoding="utf-8"?>
-<ds:datastoreItem xmlns:ds="http://schemas.openxmlformats.org/officeDocument/2006/customXml" ds:itemID="{1ACD3D86-D296-4CB4-9819-CD01A12B3870}">
-  <ds:schemaRefs>
-    <ds:schemaRef ds:uri="http://schemas.microsoft.com/VisualStudio/2011/storyboarding/control"/>
-  </ds:schemaRefs>
-</ds:datastoreItem>
-</file>
-
-<file path=customXml/itemProps92.xml><?xml version="1.0" encoding="utf-8"?>
-<ds:datastoreItem xmlns:ds="http://schemas.openxmlformats.org/officeDocument/2006/customXml" ds:itemID="{1BCAB8A9-1888-4E42-91F5-BD650F529D02}">
-  <ds:schemaRefs>
-    <ds:schemaRef ds:uri="http://schemas.microsoft.com/VisualStudio/2011/storyboarding/control"/>
-  </ds:schemaRefs>
-</ds:datastoreItem>
-</file>
-
-<file path=customXml/itemProps93.xml><?xml version="1.0" encoding="utf-8"?>
-<ds:datastoreItem xmlns:ds="http://schemas.openxmlformats.org/officeDocument/2006/customXml" ds:itemID="{452A5613-1F1F-4ABC-81F7-3303A828A0B8}">
-  <ds:schemaRefs>
-    <ds:schemaRef ds:uri="http://schemas.microsoft.com/VisualStudio/2011/storyboarding/control"/>
-  </ds:schemaRefs>
-</ds:datastoreItem>
-</file>
-
-<file path=customXml/itemProps94.xml><?xml version="1.0" encoding="utf-8"?>
-<ds:datastoreItem xmlns:ds="http://schemas.openxmlformats.org/officeDocument/2006/customXml" ds:itemID="{0026E863-1463-490E-A7C3-462BE194A97F}">
-  <ds:schemaRefs>
-    <ds:schemaRef ds:uri="http://schemas.microsoft.com/VisualStudio/2011/storyboarding/control"/>
-  </ds:schemaRefs>
-</ds:datastoreItem>
-</file>
-
-<file path=customXml/itemProps95.xml><?xml version="1.0" encoding="utf-8"?>
-<ds:datastoreItem xmlns:ds="http://schemas.openxmlformats.org/officeDocument/2006/customXml" ds:itemID="{38558D45-A683-41A1-B7BC-CA4F1C21FEAB}">
-  <ds:schemaRefs>
-    <ds:schemaRef ds:uri="http://schemas.microsoft.com/VisualStudio/2011/storyboarding/control"/>
-  </ds:schemaRefs>
-</ds:datastoreItem>
-</file>
-
-<file path=customXml/itemProps96.xml><?xml version="1.0" encoding="utf-8"?>
-<ds:datastoreItem xmlns:ds="http://schemas.openxmlformats.org/officeDocument/2006/customXml" ds:itemID="{926C71EA-7662-42AD-B796-6EA8688D8F12}">
-  <ds:schemaRefs>
-    <ds:schemaRef ds:uri="http://schemas.microsoft.com/VisualStudio/2011/storyboarding/control"/>
-  </ds:schemaRefs>
-</ds:datastoreItem>
-</file>
-
-<file path=customXml/itemProps97.xml><?xml version="1.0" encoding="utf-8"?>
-<ds:datastoreItem xmlns:ds="http://schemas.openxmlformats.org/officeDocument/2006/customXml" ds:itemID="{E9EE710E-B830-46E0-A3BB-509FE1DDDB22}">
-  <ds:schemaRefs>
-    <ds:schemaRef ds:uri="http://schemas.microsoft.com/VisualStudio/2011/storyboarding/control"/>
-  </ds:schemaRefs>
-</ds:datastoreItem>
-</file>
-
-<file path=customXml/itemProps98.xml><?xml version="1.0" encoding="utf-8"?>
-<ds:datastoreItem xmlns:ds="http://schemas.openxmlformats.org/officeDocument/2006/customXml" ds:itemID="{AF5BA9E5-B499-492D-89E2-65244D675588}">
-  <ds:schemaRefs>
-    <ds:schemaRef ds:uri="http://schemas.microsoft.com/VisualStudio/2011/storyboarding/control"/>
-  </ds:schemaRefs>
-</ds:datastoreItem>
-</file>
-
-<file path=customXml/itemProps99.xml><?xml version="1.0" encoding="utf-8"?>
-<ds:datastoreItem xmlns:ds="http://schemas.openxmlformats.org/officeDocument/2006/customXml" ds:itemID="{FD188300-81E8-4775-8131-2C284D97ABB2}">
-  <ds:schemaRefs>
-    <ds:schemaRef ds:uri="http://schemas.microsoft.com/VisualStudio/2011/storyboarding/control"/>
-  </ds:schemaRefs>
-</ds:datastoreItem>
 </file>
--- a/doc/Storyboard.pptx
+++ b/doc/Storyboard.pptx
@@ -249,7 +249,7 @@
           <a:p>
             <a:fld id="{02331537-4785-4DB7-8225-D1A4272F3F74}" type="datetimeFigureOut">
               <a:rPr lang="es-ES" smtClean="0"/>
-              <a:t>12/03/2018</a:t>
+              <a:t>15/03/2018</a:t>
             </a:fld>
             <a:endParaRPr lang="es-ES"/>
           </a:p>
@@ -419,7 +419,7 @@
           <a:p>
             <a:fld id="{02331537-4785-4DB7-8225-D1A4272F3F74}" type="datetimeFigureOut">
               <a:rPr lang="es-ES" smtClean="0"/>
-              <a:t>12/03/2018</a:t>
+              <a:t>15/03/2018</a:t>
             </a:fld>
             <a:endParaRPr lang="es-ES"/>
           </a:p>
@@ -599,7 +599,7 @@
           <a:p>
             <a:fld id="{02331537-4785-4DB7-8225-D1A4272F3F74}" type="datetimeFigureOut">
               <a:rPr lang="es-ES" smtClean="0"/>
-              <a:t>12/03/2018</a:t>
+              <a:t>15/03/2018</a:t>
             </a:fld>
             <a:endParaRPr lang="es-ES"/>
           </a:p>
@@ -769,7 +769,7 @@
           <a:p>
             <a:fld id="{02331537-4785-4DB7-8225-D1A4272F3F74}" type="datetimeFigureOut">
               <a:rPr lang="es-ES" smtClean="0"/>
-              <a:t>12/03/2018</a:t>
+              <a:t>15/03/2018</a:t>
             </a:fld>
             <a:endParaRPr lang="es-ES"/>
           </a:p>
@@ -1015,7 +1015,7 @@
           <a:p>
             <a:fld id="{02331537-4785-4DB7-8225-D1A4272F3F74}" type="datetimeFigureOut">
               <a:rPr lang="es-ES" smtClean="0"/>
-              <a:t>12/03/2018</a:t>
+              <a:t>15/03/2018</a:t>
             </a:fld>
             <a:endParaRPr lang="es-ES"/>
           </a:p>
@@ -1247,7 +1247,7 @@
           <a:p>
             <a:fld id="{02331537-4785-4DB7-8225-D1A4272F3F74}" type="datetimeFigureOut">
               <a:rPr lang="es-ES" smtClean="0"/>
-              <a:t>12/03/2018</a:t>
+              <a:t>15/03/2018</a:t>
             </a:fld>
             <a:endParaRPr lang="es-ES"/>
           </a:p>
@@ -1614,7 +1614,7 @@
           <a:p>
             <a:fld id="{02331537-4785-4DB7-8225-D1A4272F3F74}" type="datetimeFigureOut">
               <a:rPr lang="es-ES" smtClean="0"/>
-              <a:t>12/03/2018</a:t>
+              <a:t>15/03/2018</a:t>
             </a:fld>
             <a:endParaRPr lang="es-ES"/>
           </a:p>
@@ -1732,7 +1732,7 @@
           <a:p>
             <a:fld id="{02331537-4785-4DB7-8225-D1A4272F3F74}" type="datetimeFigureOut">
               <a:rPr lang="es-ES" smtClean="0"/>
-              <a:t>12/03/2018</a:t>
+              <a:t>15/03/2018</a:t>
             </a:fld>
             <a:endParaRPr lang="es-ES"/>
           </a:p>
@@ -1827,7 +1827,7 @@
           <a:p>
             <a:fld id="{02331537-4785-4DB7-8225-D1A4272F3F74}" type="datetimeFigureOut">
               <a:rPr lang="es-ES" smtClean="0"/>
-              <a:t>12/03/2018</a:t>
+              <a:t>15/03/2018</a:t>
             </a:fld>
             <a:endParaRPr lang="es-ES"/>
           </a:p>
@@ -2104,7 +2104,7 @@
           <a:p>
             <a:fld id="{02331537-4785-4DB7-8225-D1A4272F3F74}" type="datetimeFigureOut">
               <a:rPr lang="es-ES" smtClean="0"/>
-              <a:t>12/03/2018</a:t>
+              <a:t>15/03/2018</a:t>
             </a:fld>
             <a:endParaRPr lang="es-ES"/>
           </a:p>
@@ -2357,7 +2357,7 @@
           <a:p>
             <a:fld id="{02331537-4785-4DB7-8225-D1A4272F3F74}" type="datetimeFigureOut">
               <a:rPr lang="es-ES" smtClean="0"/>
-              <a:t>12/03/2018</a:t>
+              <a:t>15/03/2018</a:t>
             </a:fld>
             <a:endParaRPr lang="es-ES"/>
           </a:p>
@@ -2570,7 +2570,7 @@
           <a:p>
             <a:fld id="{02331537-4785-4DB7-8225-D1A4272F3F74}" type="datetimeFigureOut">
               <a:rPr lang="es-ES" smtClean="0"/>
-              <a:t>12/03/2018</a:t>
+              <a:t>15/03/2018</a:t>
             </a:fld>
             <a:endParaRPr lang="es-ES"/>
           </a:p>
@@ -14939,6 +14939,14 @@
               <a:t> </a:t>
             </a:r>
             <a:r>
+              <a:rPr lang="en-US" sz="1000" dirty="0" smtClean="0">
+                <a:latin typeface="SF Display" panose="00000500000000000000" pitchFamily="50" charset="0"/>
+                <a:ea typeface="SF Display" panose="00000500000000000000" pitchFamily="50" charset="0"/>
+                <a:cs typeface="Segoe UI Semibold" pitchFamily="34" charset="0"/>
+              </a:rPr>
+              <a:t>  </a:t>
+            </a:r>
+            <a:r>
               <a:rPr lang="en-US" sz="1000" dirty="0" err="1" smtClean="0">
                 <a:latin typeface="SF Display" panose="00000500000000000000" pitchFamily="50" charset="0"/>
                 <a:ea typeface="SF Display" panose="00000500000000000000" pitchFamily="50" charset="0"/>
@@ -19937,36 +19945,26 @@
                 <a:latin typeface="SF Display" panose="00000500000000000000" pitchFamily="50" charset="0"/>
                 <a:ea typeface="SF Display" panose="00000500000000000000" pitchFamily="50" charset="0"/>
               </a:rPr>
-              <a:t>(no </a:t>
+              <a:t>(</a:t>
             </a:r>
             <a:r>
               <a:rPr lang="en-US" sz="900" b="1" dirty="0" err="1" smtClean="0">
                 <a:latin typeface="SF Display" panose="00000500000000000000" pitchFamily="50" charset="0"/>
                 <a:ea typeface="SF Display" panose="00000500000000000000" pitchFamily="50" charset="0"/>
               </a:rPr>
-              <a:t>es</a:t>
+              <a:t>opcional</a:t>
             </a:r>
             <a:r>
               <a:rPr lang="en-US" sz="900" b="1" dirty="0" smtClean="0">
                 <a:latin typeface="SF Display" panose="00000500000000000000" pitchFamily="50" charset="0"/>
                 <a:ea typeface="SF Display" panose="00000500000000000000" pitchFamily="50" charset="0"/>
               </a:rPr>
-              <a:t> </a:t>
-            </a:r>
-            <a:r>
-              <a:rPr lang="en-US" sz="900" b="1" dirty="0" err="1" smtClean="0">
-                <a:latin typeface="SF Display" panose="00000500000000000000" pitchFamily="50" charset="0"/>
-                <a:ea typeface="SF Display" panose="00000500000000000000" pitchFamily="50" charset="0"/>
-              </a:rPr>
-              <a:t>necesaria</a:t>
-            </a:r>
-            <a:r>
-              <a:rPr lang="en-US" sz="900" b="1" dirty="0">
-                <a:latin typeface="SF Display" panose="00000500000000000000" pitchFamily="50" charset="0"/>
-                <a:ea typeface="SF Display" panose="00000500000000000000" pitchFamily="50" charset="0"/>
-              </a:rPr>
               <a:t>)</a:t>
             </a:r>
+            <a:endParaRPr lang="en-US" sz="900" b="1" dirty="0">
+              <a:latin typeface="SF Display" panose="00000500000000000000" pitchFamily="50" charset="0"/>
+              <a:ea typeface="SF Display" panose="00000500000000000000" pitchFamily="50" charset="0"/>
+            </a:endParaRPr>
           </a:p>
         </p:txBody>
       </p:sp>
@@ -20021,32 +20019,18 @@
               <a:t>Imagen </a:t>
             </a:r>
             <a:r>
-              <a:rPr lang="en-US" sz="900" b="1" dirty="0">
+              <a:rPr lang="en-US" sz="900" b="1" dirty="0" smtClean="0">
                 <a:latin typeface="SF Display" panose="00000500000000000000" pitchFamily="50" charset="0"/>
                 <a:ea typeface="SF Display" panose="00000500000000000000" pitchFamily="50" charset="0"/>
               </a:rPr>
-              <a:t>(no </a:t>
-            </a:r>
-            <a:r>
-              <a:rPr lang="en-US" sz="900" b="1" dirty="0" err="1">
+              <a:t>(</a:t>
+            </a:r>
+            <a:r>
+              <a:rPr lang="en-US" sz="900" b="1" dirty="0" err="1" smtClean="0">
                 <a:latin typeface="SF Display" panose="00000500000000000000" pitchFamily="50" charset="0"/>
                 <a:ea typeface="SF Display" panose="00000500000000000000" pitchFamily="50" charset="0"/>
               </a:rPr>
-              <a:t>es</a:t>
-            </a:r>
-            <a:r>
-              <a:rPr lang="en-US" sz="900" b="1" dirty="0">
-                <a:latin typeface="SF Display" panose="00000500000000000000" pitchFamily="50" charset="0"/>
-                <a:ea typeface="SF Display" panose="00000500000000000000" pitchFamily="50" charset="0"/>
-              </a:rPr>
-              <a:t> </a:t>
-            </a:r>
-            <a:r>
-              <a:rPr lang="en-US" sz="900" b="1" dirty="0" err="1">
-                <a:latin typeface="SF Display" panose="00000500000000000000" pitchFamily="50" charset="0"/>
-                <a:ea typeface="SF Display" panose="00000500000000000000" pitchFamily="50" charset="0"/>
-              </a:rPr>
-              <a:t>necesaria</a:t>
+              <a:t>opcional</a:t>
             </a:r>
             <a:r>
               <a:rPr lang="en-US" sz="900" b="1" dirty="0" smtClean="0">
@@ -22760,11 +22744,18 @@
               <a:t>(</a:t>
             </a:r>
             <a:r>
+              <a:rPr lang="en-US" sz="900" b="1" dirty="0" err="1">
+                <a:latin typeface="SF Display" panose="00000500000000000000" pitchFamily="50" charset="0"/>
+                <a:ea typeface="SF Display" panose="00000500000000000000" pitchFamily="50" charset="0"/>
+              </a:rPr>
+              <a:t>o</a:t>
+            </a:r>
+            <a:r>
               <a:rPr lang="en-US" sz="900" b="1" dirty="0" err="1" smtClean="0">
                 <a:latin typeface="SF Display" panose="00000500000000000000" pitchFamily="50" charset="0"/>
                 <a:ea typeface="SF Display" panose="00000500000000000000" pitchFamily="50" charset="0"/>
               </a:rPr>
-              <a:t>Opcional</a:t>
+              <a:t>pcional</a:t>
             </a:r>
             <a:r>
               <a:rPr lang="en-US" sz="900" b="1" dirty="0" smtClean="0">
@@ -24172,11 +24163,18 @@
               <a:t>(</a:t>
             </a:r>
             <a:r>
+              <a:rPr lang="en-US" sz="900" b="1" dirty="0" err="1">
+                <a:latin typeface="SF Display" panose="00000500000000000000" pitchFamily="50" charset="0"/>
+                <a:ea typeface="SF Display" panose="00000500000000000000" pitchFamily="50" charset="0"/>
+              </a:rPr>
+              <a:t>o</a:t>
+            </a:r>
+            <a:r>
               <a:rPr lang="en-US" sz="900" b="1" dirty="0" err="1" smtClean="0">
                 <a:latin typeface="SF Display" panose="00000500000000000000" pitchFamily="50" charset="0"/>
                 <a:ea typeface="SF Display" panose="00000500000000000000" pitchFamily="50" charset="0"/>
               </a:rPr>
-              <a:t>Opcional</a:t>
+              <a:t>pcional</a:t>
             </a:r>
             <a:r>
               <a:rPr lang="en-US" sz="900" b="1" dirty="0" smtClean="0">
@@ -26403,49 +26401,49 @@
 
 <file path=customXml/item1.xml><?xml version="1.0" encoding="utf-8"?>
 <Control xmlns="http://schemas.microsoft.com/VisualStudio/2011/storyboarding/control">
-  <Id Name="fd7d7bed-114e-464c-a4f1-01a512005949" Revision="1" Stencil="System.MyShapes" StencilVersion="1.0"/>
+  <Id Name="32035d07-bc66-4a79-8001-2507012193e3" RevisionId="7f6cc906-8fab-4878-8f41-90bcdc4e860e" Stencil="172d6d98-e5c9-42e9-a209-79f7a94bbd38" StencilRevisionId="00000000-0000-0000-0000-000000000000" StencilVersion="0.0"/>
 </Control>
 </file>
 
 <file path=customXml/item10.xml><?xml version="1.0" encoding="utf-8"?>
+<Control xmlns="http://schemas.microsoft.com/VisualStudio/2011/storyboarding/control">
+  <Id Name="System.Storyboarding.WindowsApps.WindowsAppsTileMedium" Revision="1" Stencil="System.Storyboarding.WindowsApps" StencilVersion="0.1"/>
+</Control>
+</file>
+
+<file path=customXml/item100.xml><?xml version="1.0" encoding="utf-8"?>
+<Control xmlns="http://schemas.microsoft.com/VisualStudio/2011/storyboarding/control">
+  <Id Name="System.Storyboarding.WindowsApps.WindowsAppsEditBox" Revision="1" Stencil="System.Storyboarding.WindowsApps" StencilVersion="0.1"/>
+</Control>
+</file>
+
+<file path=customXml/item101.xml><?xml version="1.0" encoding="utf-8"?>
+<Control xmlns="http://schemas.microsoft.com/VisualStudio/2011/storyboarding/control">
+  <Id Name="System.Storyboarding.Annotation.AnimatedRectangleCallout" Revision="1" Stencil="System.Storyboarding.Annotation" StencilVersion="0.1"/>
+</Control>
+</file>
+
+<file path=customXml/item102.xml><?xml version="1.0" encoding="utf-8"?>
+<Control xmlns="http://schemas.microsoft.com/VisualStudio/2011/storyboarding/control">
+  <Id Name="System.Storyboarding.Annotation.StickyNote" Revision="1" Stencil="System.Storyboarding.Annotation" StencilVersion="0.1"/>
+</Control>
+</file>
+
+<file path=customXml/item103.xml><?xml version="1.0" encoding="utf-8"?>
+<Control xmlns="http://schemas.microsoft.com/VisualStudio/2011/storyboarding/control">
+  <Id Name="System.Storyboarding.WindowsApps.WindowsAppsButton" Revision="1" Stencil="System.Storyboarding.WindowsApps" StencilVersion="0.1"/>
+</Control>
+</file>
+
+<file path=customXml/item104.xml><?xml version="1.0" encoding="utf-8"?>
 <Control xmlns="http://schemas.microsoft.com/VisualStudio/2011/storyboarding/control">
   <Id Name="fd7d7bed-114e-464c-a4f1-01a512005949" Revision="1" Stencil="System.MyShapes" StencilVersion="1.0"/>
 </Control>
 </file>
 
-<file path=customXml/item100.xml><?xml version="1.0" encoding="utf-8"?>
-<Control xmlns="http://schemas.microsoft.com/VisualStudio/2011/storyboarding/control">
-  <Id Name="System.Storyboarding.WindowsApps.WindowsAppsButton" Revision="1" Stencil="System.Storyboarding.WindowsApps" StencilVersion="0.1"/>
-</Control>
-</file>
-
-<file path=customXml/item101.xml><?xml version="1.0" encoding="utf-8"?>
-<Control xmlns="http://schemas.microsoft.com/VisualStudio/2011/storyboarding/control">
-  <Id Name="System.Storyboarding.WindowsApps.WindowsAppsButton" Revision="1" Stencil="System.Storyboarding.WindowsApps" StencilVersion="0.1"/>
-</Control>
-</file>
-
-<file path=customXml/item102.xml><?xml version="1.0" encoding="utf-8"?>
-<Control xmlns="http://schemas.microsoft.com/VisualStudio/2011/storyboarding/control">
-  <Id Name="System.Storyboarding.Annotation.CallOut" Revision="1" Stencil="System.Storyboarding.Annotation" StencilVersion="0.1"/>
-</Control>
-</file>
-
-<file path=customXml/item103.xml><?xml version="1.0" encoding="utf-8"?>
-<Control xmlns="http://schemas.microsoft.com/VisualStudio/2011/storyboarding/control">
-  <Id Name="System.Storyboarding.Annotation.CallOut" Revision="1" Stencil="System.Storyboarding.Annotation" StencilVersion="0.1"/>
-</Control>
-</file>
-
-<file path=customXml/item104.xml><?xml version="1.0" encoding="utf-8"?>
-<Control xmlns="http://schemas.microsoft.com/VisualStudio/2011/storyboarding/control">
-  <Id Name="System.Storyboarding.WindowsApps.WindowsAppsButton" Revision="1" Stencil="System.Storyboarding.WindowsApps" StencilVersion="0.1"/>
-</Control>
-</file>
-
 <file path=customXml/item105.xml><?xml version="1.0" encoding="utf-8"?>
 <Control xmlns="http://schemas.microsoft.com/VisualStudio/2011/storyboarding/control">
-  <Id Name="System.Storyboarding.WindowsApps.WindowsAppsButton" Revision="1" Stencil="System.Storyboarding.WindowsApps" StencilVersion="0.1"/>
+  <Id Name="System.Storyboarding.WindowsApps.WindowsAppsEditBox" Revision="1" Stencil="System.Storyboarding.WindowsApps" StencilVersion="0.1"/>
 </Control>
 </file>
 
@@ -26457,49 +26455,49 @@
 
 <file path=customXml/item107.xml><?xml version="1.0" encoding="utf-8"?>
 <Control xmlns="http://schemas.microsoft.com/VisualStudio/2011/storyboarding/control">
-  <Id Name="System.Storyboarding.Annotation.CallOut" Revision="1" Stencil="System.Storyboarding.Annotation" StencilVersion="0.1"/>
+  <Id Name="System.Storyboarding.WindowsApps.WindowsAppsEditBox" Revision="1" Stencil="System.Storyboarding.WindowsApps" StencilVersion="0.1"/>
 </Control>
 </file>
 
 <file path=customXml/item108.xml><?xml version="1.0" encoding="utf-8"?>
 <Control xmlns="http://schemas.microsoft.com/VisualStudio/2011/storyboarding/control">
-  <Id Name="fd7d7bed-114e-464c-a4f1-01a512005949" Revision="1" Stencil="System.MyShapes" StencilVersion="1.0"/>
+  <Id Name="System.Storyboarding.WindowsApps.WindowsAppsButton" Revision="1" Stencil="System.Storyboarding.WindowsApps" StencilVersion="0.1"/>
 </Control>
 </file>
 
 <file path=customXml/item109.xml><?xml version="1.0" encoding="utf-8"?>
+<Control xmlns="http://schemas.microsoft.com/VisualStudio/2011/storyboarding/control">
+  <Id Name="System.Storyboarding.Annotation.StickyNote" Revision="1" Stencil="System.Storyboarding.Annotation" StencilVersion="0.1"/>
+</Control>
+</file>
+
+<file path=customXml/item11.xml><?xml version="1.0" encoding="utf-8"?>
+<Control xmlns="http://schemas.microsoft.com/VisualStudio/2011/storyboarding/control">
+  <Id Name="f7a94b64-51d6-472a-8bb4-f2cc047935d1" RevisionId="4b37df06-a36b-4383-9074-55517f1335fc" Stencil="172d6d98-e5c9-42e9-a209-79f7a94bbd38" StencilRevisionId="00000000-0000-0000-0000-000000000000" StencilVersion="0.0"/>
+</Control>
+</file>
+
+<file path=customXml/item110.xml><?xml version="1.0" encoding="utf-8"?>
+<Control xmlns="http://schemas.microsoft.com/VisualStudio/2011/storyboarding/control">
+  <Id Name="System.Storyboarding.Common.CheckBoxUnchecked" Revision="1" Stencil="System.Storyboarding.Common" StencilVersion="0.1"/>
+</Control>
+</file>
+
+<file path=customXml/item111.xml><?xml version="1.0" encoding="utf-8"?>
 <Control xmlns="http://schemas.microsoft.com/VisualStudio/2011/storyboarding/control">
   <Id Name="System.Storyboarding.WindowsApps.WindowsAppsTileMedium" Revision="1" Stencil="System.Storyboarding.WindowsApps" StencilVersion="0.1"/>
 </Control>
 </file>
 
-<file path=customXml/item11.xml><?xml version="1.0" encoding="utf-8"?>
-<Control xmlns="http://schemas.microsoft.com/VisualStudio/2011/storyboarding/control">
-  <Id Name="System.Storyboarding.Common.CheckBoxUnchecked" Revision="1" Stencil="System.Storyboarding.Common" StencilVersion="0.1"/>
-</Control>
-</file>
-
-<file path=customXml/item110.xml><?xml version="1.0" encoding="utf-8"?>
-<Control xmlns="http://schemas.microsoft.com/VisualStudio/2011/storyboarding/control">
-  <Id Name="fd7d7bed-114e-464c-a4f1-01a512005949" Revision="1" Stencil="System.MyShapes" StencilVersion="1.0"/>
-</Control>
-</file>
-
-<file path=customXml/item111.xml><?xml version="1.0" encoding="utf-8"?>
-<Control xmlns="http://schemas.microsoft.com/VisualStudio/2011/storyboarding/control">
-  <Id Name="System.Storyboarding.WindowsApps.WindowsAppsButton" Revision="1" Stencil="System.Storyboarding.WindowsApps" StencilVersion="0.1"/>
-</Control>
-</file>
-
 <file path=customXml/item112.xml><?xml version="1.0" encoding="utf-8"?>
 <Control xmlns="http://schemas.microsoft.com/VisualStudio/2011/storyboarding/control">
-  <Id Name="System.Storyboarding.WindowsApps.WindowsAppsTileMedium" Revision="1" Stencil="System.Storyboarding.WindowsApps" StencilVersion="0.1"/>
+  <Id Name="System.Storyboarding.WindowsApps.WindowsAppsEditBox" Revision="1" Stencil="System.Storyboarding.WindowsApps" StencilVersion="0.1"/>
 </Control>
 </file>
 
 <file path=customXml/item113.xml><?xml version="1.0" encoding="utf-8"?>
 <Control xmlns="http://schemas.microsoft.com/VisualStudio/2011/storyboarding/control">
-  <Id Name="System.Storyboarding.WindowsApps.WindowsAppsButton" Revision="1" Stencil="System.Storyboarding.WindowsApps" StencilVersion="0.1"/>
+  <Id Name="System.Storyboarding.WindowsApps.WindowsAppsTileMedium" Revision="1" Stencil="System.Storyboarding.WindowsApps" StencilVersion="0.1"/>
 </Control>
 </file>
 
@@ -26511,7 +26509,7 @@
 
 <file path=customXml/item115.xml><?xml version="1.0" encoding="utf-8"?>
 <Control xmlns="http://schemas.microsoft.com/VisualStudio/2011/storyboarding/control">
-  <Id Name="System.Storyboarding.Annotation.CallOut" Revision="1" Stencil="System.Storyboarding.Annotation" StencilVersion="0.1"/>
+  <Id Name="System.Storyboarding.WindowsApps.WindowsAppsEditBox" Revision="1" Stencil="System.Storyboarding.WindowsApps" StencilVersion="0.1"/>
 </Control>
 </file>
 
@@ -26523,19 +26521,19 @@
 
 <file path=customXml/item117.xml><?xml version="1.0" encoding="utf-8"?>
 <Control xmlns="http://schemas.microsoft.com/VisualStudio/2011/storyboarding/control">
-  <Id Name="System.Storyboarding.Annotation.StickyNote" Revision="1" Stencil="System.Storyboarding.Annotation" StencilVersion="0.1"/>
+  <Id Name="System.Storyboarding.WindowsApps.WindowsAppsButton" Revision="1" Stencil="System.Storyboarding.WindowsApps" StencilVersion="0.1"/>
 </Control>
 </file>
 
 <file path=customXml/item118.xml><?xml version="1.0" encoding="utf-8"?>
 <Control xmlns="http://schemas.microsoft.com/VisualStudio/2011/storyboarding/control">
-  <Id Name="System.Storyboarding.WindowsApps.WindowsAppsTileMedium" Revision="1" Stencil="System.Storyboarding.WindowsApps" StencilVersion="0.1"/>
+  <Id Name="System.Storyboarding.Common.CheckBoxUnchecked" Revision="1" Stencil="System.Storyboarding.Common" StencilVersion="0.1"/>
 </Control>
 </file>
 
 <file path=customXml/item119.xml><?xml version="1.0" encoding="utf-8"?>
 <Control xmlns="http://schemas.microsoft.com/VisualStudio/2011/storyboarding/control">
-  <Id Name="System.Storyboarding.WindowsApps.WindowsAppsTileMedium" Revision="1" Stencil="System.Storyboarding.WindowsApps" StencilVersion="0.1"/>
+  <Id Name="System.Storyboarding.WindowsApps.WindowsAppsEditBox" Revision="1" Stencil="System.Storyboarding.WindowsApps" StencilVersion="0.1"/>
 </Control>
 </file>
 
@@ -26547,175 +26545,175 @@
 
 <file path=customXml/item120.xml><?xml version="1.0" encoding="utf-8"?>
 <Control xmlns="http://schemas.microsoft.com/VisualStudio/2011/storyboarding/control">
-  <Id Name="fd7d7bed-114e-464c-a4f1-01a512005949" Revision="1" Stencil="System.MyShapes" StencilVersion="1.0"/>
+  <Id Name="System.Storyboarding.WindowsApps.WindowsAppsEditBox" Revision="1" Stencil="System.Storyboarding.WindowsApps" StencilVersion="0.1"/>
 </Control>
 </file>
 
 <file path=customXml/item121.xml><?xml version="1.0" encoding="utf-8"?>
+<Control xmlns="http://schemas.microsoft.com/VisualStudio/2011/storyboarding/control">
+  <Id Name="System.Storyboarding.WindowsApps.WindowsAppsEditBox" Revision="1" Stencil="System.Storyboarding.WindowsApps" StencilVersion="0.1"/>
+</Control>
+</file>
+
+<file path=customXml/item122.xml><?xml version="1.0" encoding="utf-8"?>
+<Control xmlns="http://schemas.microsoft.com/VisualStudio/2011/storyboarding/control">
+  <Id Name="System.Storyboarding.Annotation.CallOut" Revision="1" Stencil="System.Storyboarding.Annotation" StencilVersion="0.1"/>
+</Control>
+</file>
+
+<file path=customXml/item123.xml><?xml version="1.0" encoding="utf-8"?>
+<Control xmlns="http://schemas.microsoft.com/VisualStudio/2011/storyboarding/control">
+  <Id Name="System.Storyboarding.WindowsApps.WindowsAppsEditBox" Revision="1" Stencil="System.Storyboarding.WindowsApps" StencilVersion="0.1"/>
+</Control>
+</file>
+
+<file path=customXml/item124.xml><?xml version="1.0" encoding="utf-8"?>
+<Control xmlns="http://schemas.microsoft.com/VisualStudio/2011/storyboarding/control">
+  <Id Name="System.Storyboarding.Annotation.CallOut" Revision="1" Stencil="System.Storyboarding.Annotation" StencilVersion="0.1"/>
+</Control>
+</file>
+
+<file path=customXml/item125.xml><?xml version="1.0" encoding="utf-8"?>
+<Control xmlns="http://schemas.microsoft.com/VisualStudio/2011/storyboarding/control">
+  <Id Name="System.Storyboarding.Annotation.CallOut" Revision="1" Stencil="System.Storyboarding.Annotation" StencilVersion="0.1"/>
+</Control>
+</file>
+
+<file path=customXml/item126.xml><?xml version="1.0" encoding="utf-8"?>
+<Control xmlns="http://schemas.microsoft.com/VisualStudio/2011/storyboarding/control">
+  <Id Name="System.Storyboarding.Annotation.CallOut" Revision="1" Stencil="System.Storyboarding.Annotation" StencilVersion="0.1"/>
+</Control>
+</file>
+
+<file path=customXml/item127.xml><?xml version="1.0" encoding="utf-8"?>
 <Control xmlns="http://schemas.microsoft.com/VisualStudio/2011/storyboarding/control">
   <Id Name="fd7d7bed-114e-464c-a4f1-01a512005949" Revision="1" Stencil="System.MyShapes" StencilVersion="1.0"/>
 </Control>
 </file>
 
-<file path=customXml/item122.xml><?xml version="1.0" encoding="utf-8"?>
+<file path=customXml/item128.xml><?xml version="1.0" encoding="utf-8"?>
 <Control xmlns="http://schemas.microsoft.com/VisualStudio/2011/storyboarding/control">
   <Id Name="System.Storyboarding.WindowsApps.WindowsAppsTileMedium" Revision="1" Stencil="System.Storyboarding.WindowsApps" StencilVersion="0.1"/>
 </Control>
 </file>
 
-<file path=customXml/item123.xml><?xml version="1.0" encoding="utf-8"?>
+<file path=customXml/item129.xml><?xml version="1.0" encoding="utf-8"?>
+<Control xmlns="http://schemas.microsoft.com/VisualStudio/2011/storyboarding/control">
+  <Id Name="System.Storyboarding.Backgrounds.WindowsPhone" Revision="1" Stencil="System.Storyboarding.Backgrounds" StencilVersion="0.1"/>
+</Control>
+</file>
+
+<file path=customXml/item13.xml><?xml version="1.0" encoding="utf-8"?>
+<Control xmlns="http://schemas.microsoft.com/VisualStudio/2011/storyboarding/control">
+  <Id Name="System.Storyboarding.WindowsAppIcons.Donotwant" Revision="1" Stencil="System.Storyboarding.WindowsAppIcons" StencilVersion="0.1"/>
+</Control>
+</file>
+
+<file path=customXml/item130.xml><?xml version="1.0" encoding="utf-8"?>
+<Control xmlns="http://schemas.microsoft.com/VisualStudio/2011/storyboarding/control">
+  <Id Name="System.Storyboarding.WindowsApps.WindowsAppsTileMedium" Revision="1" Stencil="System.Storyboarding.WindowsApps" StencilVersion="0.1"/>
+</Control>
+</file>
+
+<file path=customXml/item131.xml><?xml version="1.0" encoding="utf-8"?>
+<Control xmlns="http://schemas.microsoft.com/VisualStudio/2011/storyboarding/control">
+  <Id Name="System.Storyboarding.WindowsApps.WindowsAppsButton" Revision="1" Stencil="System.Storyboarding.WindowsApps" StencilVersion="0.1"/>
+</Control>
+</file>
+
+<file path=customXml/item132.xml><?xml version="1.0" encoding="utf-8"?>
+<Control xmlns="http://schemas.microsoft.com/VisualStudio/2011/storyboarding/control">
+  <Id Name="System.Storyboarding.Common.CheckBoxUnchecked" Revision="1" Stencil="System.Storyboarding.Common" StencilVersion="0.1"/>
+</Control>
+</file>
+
+<file path=customXml/item133.xml><?xml version="1.0" encoding="utf-8"?>
+<Control xmlns="http://schemas.microsoft.com/VisualStudio/2011/storyboarding/control">
+  <Id Name="fd7d7bed-114e-464c-a4f1-01a512005949" Revision="1" Stencil="System.MyShapes" StencilVersion="1.0"/>
+</Control>
+</file>
+
+<file path=customXml/item134.xml><?xml version="1.0" encoding="utf-8"?>
+<Control xmlns="http://schemas.microsoft.com/VisualStudio/2011/storyboarding/control">
+  <Id Name="System.Storyboarding.WindowsApps.WindowsAppsTileMedium" Revision="1" Stencil="System.Storyboarding.WindowsApps" StencilVersion="0.1"/>
+</Control>
+</file>
+
+<file path=customXml/item135.xml><?xml version="1.0" encoding="utf-8"?>
+<Control xmlns="http://schemas.microsoft.com/VisualStudio/2011/storyboarding/control">
+  <Id Name="System.Storyboarding.WindowsApps.WindowsAppsTileMedium" Revision="1" Stencil="System.Storyboarding.WindowsApps" StencilVersion="0.1"/>
+</Control>
+</file>
+
+<file path=customXml/item136.xml><?xml version="1.0" encoding="utf-8"?>
+<Control xmlns="http://schemas.microsoft.com/VisualStudio/2011/storyboarding/control">
+  <Id Name="System.Storyboarding.WindowsApps.WindowsAppsEditBox" Revision="1" Stencil="System.Storyboarding.WindowsApps" StencilVersion="0.1"/>
+</Control>
+</file>
+
+<file path=customXml/item137.xml><?xml version="1.0" encoding="utf-8"?>
+<Control xmlns="http://schemas.microsoft.com/VisualStudio/2011/storyboarding/control">
+  <Id Name="System.Storyboarding.WindowsApps.WindowsAppsTileMedium" Revision="1" Stencil="System.Storyboarding.WindowsApps" StencilVersion="0.1"/>
+</Control>
+</file>
+
+<file path=customXml/item138.xml><?xml version="1.0" encoding="utf-8"?>
 <Control xmlns="http://schemas.microsoft.com/VisualStudio/2011/storyboarding/control">
   <Id Name="System.Storyboarding.Annotation.CallOut" Revision="1" Stencil="System.Storyboarding.Annotation" StencilVersion="0.1"/>
 </Control>
 </file>
 
-<file path=customXml/item124.xml><?xml version="1.0" encoding="utf-8"?>
+<file path=customXml/item139.xml><?xml version="1.0" encoding="utf-8"?>
+<Control xmlns="http://schemas.microsoft.com/VisualStudio/2011/storyboarding/control">
+  <Id Name="System.Storyboarding.WindowsApps.WindowsAppsButton" Revision="1" Stencil="System.Storyboarding.WindowsApps" StencilVersion="0.1"/>
+</Control>
+</file>
+
+<file path=customXml/item14.xml><?xml version="1.0" encoding="utf-8"?>
+<Control xmlns="http://schemas.microsoft.com/VisualStudio/2011/storyboarding/control">
+  <Id Name="System.Storyboarding.Annotation.CallOut" Revision="1" Stencil="System.Storyboarding.Annotation" StencilVersion="0.1"/>
+</Control>
+</file>
+
+<file path=customXml/item140.xml><?xml version="1.0" encoding="utf-8"?>
+<Control xmlns="http://schemas.microsoft.com/VisualStudio/2011/storyboarding/control">
+  <Id Name="fd7d7bed-114e-464c-a4f1-01a512005949" Revision="1" Stencil="System.MyShapes" StencilVersion="1.0"/>
+</Control>
+</file>
+
+<file path=customXml/item141.xml><?xml version="1.0" encoding="utf-8"?>
 <Control xmlns="http://schemas.microsoft.com/VisualStudio/2011/storyboarding/control">
   <Id Name="System.Storyboarding.WindowsApps.WindowsAppsEditBox" Revision="1" Stencil="System.Storyboarding.WindowsApps" StencilVersion="0.1"/>
 </Control>
 </file>
 
-<file path=customXml/item125.xml><?xml version="1.0" encoding="utf-8"?>
+<file path=customXml/item142.xml><?xml version="1.0" encoding="utf-8"?>
+<Control xmlns="http://schemas.microsoft.com/VisualStudio/2011/storyboarding/control">
+  <Id Name="System.Storyboarding.Backgrounds.WindowsPhone" Revision="1" Stencil="System.Storyboarding.Backgrounds" StencilVersion="0.1"/>
+</Control>
+</file>
+
+<file path=customXml/item143.xml><?xml version="1.0" encoding="utf-8"?>
 <Control xmlns="http://schemas.microsoft.com/VisualStudio/2011/storyboarding/control">
   <Id Name="System.Storyboarding.WindowsApps.WindowsAppsTileMedium" Revision="1" Stencil="System.Storyboarding.WindowsApps" StencilVersion="0.1"/>
 </Control>
 </file>
 
-<file path=customXml/item126.xml><?xml version="1.0" encoding="utf-8"?>
-<Control xmlns="http://schemas.microsoft.com/VisualStudio/2011/storyboarding/control">
-  <Id Name="System.Storyboarding.WindowsApps.WindowsAppsTileMedium" Revision="1" Stencil="System.Storyboarding.WindowsApps" StencilVersion="0.1"/>
-</Control>
-</file>
-
-<file path=customXml/item127.xml><?xml version="1.0" encoding="utf-8"?>
+<file path=customXml/item144.xml><?xml version="1.0" encoding="utf-8"?>
 <Control xmlns="http://schemas.microsoft.com/VisualStudio/2011/storyboarding/control">
   <Id Name="System.Storyboarding.WindowsApps.WindowsAppsButton" Revision="1" Stencil="System.Storyboarding.WindowsApps" StencilVersion="0.1"/>
 </Control>
 </file>
 
-<file path=customXml/item128.xml><?xml version="1.0" encoding="utf-8"?>
-<Control xmlns="http://schemas.microsoft.com/VisualStudio/2011/storyboarding/control">
-  <Id Name="System.Storyboarding.Annotation.CallOut" Revision="1" Stencil="System.Storyboarding.Annotation" StencilVersion="0.1"/>
-</Control>
-</file>
-
-<file path=customXml/item129.xml><?xml version="1.0" encoding="utf-8"?>
-<Control xmlns="http://schemas.microsoft.com/VisualStudio/2011/storyboarding/control">
-  <Id Name="System.Storyboarding.WindowsApps.WindowsAppsEditBox" Revision="1" Stencil="System.Storyboarding.WindowsApps" StencilVersion="0.1"/>
-</Control>
-</file>
-
-<file path=customXml/item13.xml><?xml version="1.0" encoding="utf-8"?>
-<Control xmlns="http://schemas.microsoft.com/VisualStudio/2011/storyboarding/control">
-  <Id Name="fd7d7bed-114e-464c-a4f1-01a512005949" Revision="1" Stencil="System.MyShapes" StencilVersion="1.0"/>
-</Control>
-</file>
-
-<file path=customXml/item130.xml><?xml version="1.0" encoding="utf-8"?>
-<Control xmlns="http://schemas.microsoft.com/VisualStudio/2011/storyboarding/control">
-  <Id Name="System.Storyboarding.Annotation.CallOut" Revision="1" Stencil="System.Storyboarding.Annotation" StencilVersion="0.1"/>
-</Control>
-</file>
-
-<file path=customXml/item131.xml><?xml version="1.0" encoding="utf-8"?>
-<Control xmlns="http://schemas.microsoft.com/VisualStudio/2011/storyboarding/control">
-  <Id Name="fd7d7bed-114e-464c-a4f1-01a512005949" Revision="1" Stencil="System.MyShapes" StencilVersion="1.0"/>
-</Control>
-</file>
-
-<file path=customXml/item132.xml><?xml version="1.0" encoding="utf-8"?>
-<Control xmlns="http://schemas.microsoft.com/VisualStudio/2011/storyboarding/control">
-  <Id Name="System.Storyboarding.WindowsApps.WindowsAppsTileMedium" Revision="1" Stencil="System.Storyboarding.WindowsApps" StencilVersion="0.1"/>
-</Control>
-</file>
-
-<file path=customXml/item133.xml><?xml version="1.0" encoding="utf-8"?>
-<Control xmlns="http://schemas.microsoft.com/VisualStudio/2011/storyboarding/control">
-  <Id Name="System.Storyboarding.WindowsApps.WindowsAppsEditBox" Revision="1" Stencil="System.Storyboarding.WindowsApps" StencilVersion="0.1"/>
-</Control>
-</file>
-
-<file path=customXml/item134.xml><?xml version="1.0" encoding="utf-8"?>
-<Control xmlns="http://schemas.microsoft.com/VisualStudio/2011/storyboarding/control">
-  <Id Name="fd7d7bed-114e-464c-a4f1-01a512005949" Revision="1" Stencil="System.MyShapes" StencilVersion="1.0"/>
-</Control>
-</file>
-
-<file path=customXml/item135.xml><?xml version="1.0" encoding="utf-8"?>
+<file path=customXml/item145.xml><?xml version="1.0" encoding="utf-8"?>
 <Control xmlns="http://schemas.microsoft.com/VisualStudio/2011/storyboarding/control">
   <Id Name="System.Storyboarding.WindowsApps.WindowsAppsButton" Revision="1" Stencil="System.Storyboarding.WindowsApps" StencilVersion="0.1"/>
 </Control>
 </file>
 
-<file path=customXml/item136.xml><?xml version="1.0" encoding="utf-8"?>
-<Control xmlns="http://schemas.microsoft.com/VisualStudio/2011/storyboarding/control">
-  <Id Name="System.Storyboarding.Icons.Warning" Revision="1" Stencil="System.Storyboarding.Icons" StencilVersion="0.1"/>
-</Control>
-</file>
-
-<file path=customXml/item137.xml><?xml version="1.0" encoding="utf-8"?>
-<Control xmlns="http://schemas.microsoft.com/VisualStudio/2011/storyboarding/control">
-  <Id Name="fd7d7bed-114e-464c-a4f1-01a512005949" Revision="1" Stencil="System.MyShapes" StencilVersion="1.0"/>
-</Control>
-</file>
-
-<file path=customXml/item138.xml><?xml version="1.0" encoding="utf-8"?>
-<Control xmlns="http://schemas.microsoft.com/VisualStudio/2011/storyboarding/control">
-  <Id Name="System.Storyboarding.WindowsApps.WindowsAppsTileMedium" Revision="1" Stencil="System.Storyboarding.WindowsApps" StencilVersion="0.1"/>
-</Control>
-</file>
-
-<file path=customXml/item139.xml><?xml version="1.0" encoding="utf-8"?>
-<Control xmlns="http://schemas.microsoft.com/VisualStudio/2011/storyboarding/control">
-  <Id Name="System.Storyboarding.Annotation.CallOut" Revision="1" Stencil="System.Storyboarding.Annotation" StencilVersion="0.1"/>
-</Control>
-</file>
-
-<file path=customXml/item14.xml><?xml version="1.0" encoding="utf-8"?>
-<Control xmlns="http://schemas.microsoft.com/VisualStudio/2011/storyboarding/control">
-  <Id Name="System.Storyboarding.Backgrounds.WindowsPhone" Revision="1" Stencil="System.Storyboarding.Backgrounds" StencilVersion="0.1"/>
-</Control>
-</file>
-
-<file path=customXml/item140.xml><?xml version="1.0" encoding="utf-8"?>
-<Control xmlns="http://schemas.microsoft.com/VisualStudio/2011/storyboarding/control">
-  <Id Name="System.Storyboarding.WindowsApps.WindowsAppsTileMedium" Revision="1" Stencil="System.Storyboarding.WindowsApps" StencilVersion="0.1"/>
-</Control>
-</file>
-
-<file path=customXml/item141.xml><?xml version="1.0" encoding="utf-8"?>
-<Control xmlns="http://schemas.microsoft.com/VisualStudio/2011/storyboarding/control">
-  <Id Name="System.Storyboarding.WindowsApps.WindowsAppsTileMedium" Revision="1" Stencil="System.Storyboarding.WindowsApps" StencilVersion="0.1"/>
-</Control>
-</file>
-
-<file path=customXml/item142.xml><?xml version="1.0" encoding="utf-8"?>
-<Control xmlns="http://schemas.microsoft.com/VisualStudio/2011/storyboarding/control">
-  <Id Name="System.Storyboarding.WindowsApps.WindowsAppsTileMedium" Revision="1" Stencil="System.Storyboarding.WindowsApps" StencilVersion="0.1"/>
-</Control>
-</file>
-
-<file path=customXml/item143.xml><?xml version="1.0" encoding="utf-8"?>
-<Control xmlns="http://schemas.microsoft.com/VisualStudio/2011/storyboarding/control">
-  <Id Name="System.Storyboarding.Annotation.CallOut" Revision="1" Stencil="System.Storyboarding.Annotation" StencilVersion="0.1"/>
-</Control>
-</file>
-
-<file path=customXml/item144.xml><?xml version="1.0" encoding="utf-8"?>
-<Control xmlns="http://schemas.microsoft.com/VisualStudio/2011/storyboarding/control">
-  <Id Name="fd7d7bed-114e-464c-a4f1-01a512005949" Revision="1" Stencil="System.MyShapes" StencilVersion="1.0"/>
-</Control>
-</file>
-
-<file path=customXml/item145.xml><?xml version="1.0" encoding="utf-8"?>
-<Control xmlns="http://schemas.microsoft.com/VisualStudio/2011/storyboarding/control">
-  <Id Name="System.Storyboarding.WindowsApps.WindowsAppsTileMedium" Revision="1" Stencil="System.Storyboarding.WindowsApps" StencilVersion="0.1"/>
-</Control>
-</file>
-
 <file path=customXml/item146.xml><?xml version="1.0" encoding="utf-8"?>
 <Control xmlns="http://schemas.microsoft.com/VisualStudio/2011/storyboarding/control">
-  <Id Name="System.Storyboarding.Annotation.CallOut" Revision="1" Stencil="System.Storyboarding.Annotation" StencilVersion="0.1"/>
+  <Id Name="System.Storyboarding.WindowsApps.WindowsAppsButton" Revision="1" Stencil="System.Storyboarding.WindowsApps" StencilVersion="0.1"/>
 </Control>
 </file>
 
@@ -26727,13 +26725,13 @@
 
 <file path=customXml/item148.xml><?xml version="1.0" encoding="utf-8"?>
 <Control xmlns="http://schemas.microsoft.com/VisualStudio/2011/storyboarding/control">
-  <Id Name="System.Storyboarding.Common.CheckBoxUnchecked" Revision="1" Stencil="System.Storyboarding.Common" StencilVersion="0.1"/>
+  <Id Name="System.Storyboarding.Common.CheckBoxChecked" Revision="1" Stencil="System.Storyboarding.Common" StencilVersion="0.1"/>
 </Control>
 </file>
 
 <file path=customXml/item149.xml><?xml version="1.0" encoding="utf-8"?>
 <Control xmlns="http://schemas.microsoft.com/VisualStudio/2011/storyboarding/control">
-  <Id Name="fd7d7bed-114e-464c-a4f1-01a512005949" Revision="1" Stencil="System.MyShapes" StencilVersion="1.0"/>
+  <Id Name="System.Storyboarding.WindowsApps.WindowsAppsTileMedium" Revision="1" Stencil="System.Storyboarding.WindowsApps" StencilVersion="0.1"/>
 </Control>
 </file>
 
@@ -26751,97 +26749,97 @@
 
 <file path=customXml/item151.xml><?xml version="1.0" encoding="utf-8"?>
 <Control xmlns="http://schemas.microsoft.com/VisualStudio/2011/storyboarding/control">
-  <Id Name="System.Storyboarding.WindowsApps.WindowsAppsTileMedium" Revision="1" Stencil="System.Storyboarding.WindowsApps" StencilVersion="0.1"/>
+  <Id Name="System.Storyboarding.Annotation.StickyNote" Revision="1" Stencil="System.Storyboarding.Annotation" StencilVersion="0.1"/>
 </Control>
 </file>
 
 <file path=customXml/item152.xml><?xml version="1.0" encoding="utf-8"?>
 <Control xmlns="http://schemas.microsoft.com/VisualStudio/2011/storyboarding/control">
-  <Id Name="System.Storyboarding.Icons.CurvedArrow" Revision="1" Stencil="System.Storyboarding.Icons" StencilVersion="0.1"/>
+  <Id Name="System.Storyboarding.Annotation.CallOut" Revision="1" Stencil="System.Storyboarding.Annotation" StencilVersion="0.1"/>
 </Control>
 </file>
 
 <file path=customXml/item153.xml><?xml version="1.0" encoding="utf-8"?>
 <Control xmlns="http://schemas.microsoft.com/VisualStudio/2011/storyboarding/control">
-  <Id Name="System.Storyboarding.WindowsApps.WindowsAppsButton" Revision="1" Stencil="System.Storyboarding.WindowsApps" StencilVersion="0.1"/>
+  <Id Name="System.Storyboarding.Annotation.CallOut" Revision="1" Stencil="System.Storyboarding.Annotation" StencilVersion="0.1"/>
 </Control>
 </file>
 
 <file path=customXml/item154.xml><?xml version="1.0" encoding="utf-8"?>
+<Control xmlns="http://schemas.microsoft.com/VisualStudio/2011/storyboarding/control">
+  <Id Name="System.Storyboarding.WindowsApps.WindowsAppsEditBox" Revision="1" Stencil="System.Storyboarding.WindowsApps" StencilVersion="0.1"/>
+</Control>
+</file>
+
+<file path=customXml/item155.xml><?xml version="1.0" encoding="utf-8"?>
+<Control xmlns="http://schemas.microsoft.com/VisualStudio/2011/storyboarding/control">
+  <Id Name="fd7d7bed-114e-464c-a4f1-01a512005949" Revision="1" Stencil="System.MyShapes" StencilVersion="1.0"/>
+</Control>
+</file>
+
+<file path=customXml/item156.xml><?xml version="1.0" encoding="utf-8"?>
+<Control xmlns="http://schemas.microsoft.com/VisualStudio/2011/storyboarding/control">
+  <Id Name="fd7d7bed-114e-464c-a4f1-01a512005949" Revision="1" Stencil="System.MyShapes" StencilVersion="1.0"/>
+</Control>
+</file>
+
+<file path=customXml/item157.xml><?xml version="1.0" encoding="utf-8"?>
 <Control xmlns="http://schemas.microsoft.com/VisualStudio/2011/storyboarding/control">
   <Id Name="System.Storyboarding.WindowsApps.WindowsAppsTileMedium" Revision="1" Stencil="System.Storyboarding.WindowsApps" StencilVersion="0.1"/>
 </Control>
 </file>
 
-<file path=customXml/item155.xml><?xml version="1.0" encoding="utf-8"?>
+<file path=customXml/item158.xml><?xml version="1.0" encoding="utf-8"?>
 <Control xmlns="http://schemas.microsoft.com/VisualStudio/2011/storyboarding/control">
-  <Id Name="System.Storyboarding.Backgrounds.WindowsPhone" Revision="1" Stencil="System.Storyboarding.Backgrounds" StencilVersion="0.1"/>
+  <Id Name="System.Storyboarding.WindowsApps.WindowsAppsEditBox" Revision="1" Stencil="System.Storyboarding.WindowsApps" StencilVersion="0.1"/>
 </Control>
 </file>
 
-<file path=customXml/item156.xml><?xml version="1.0" encoding="utf-8"?>
+<file path=customXml/item159.xml><?xml version="1.0" encoding="utf-8"?>
+<Control xmlns="http://schemas.microsoft.com/VisualStudio/2011/storyboarding/control">
+  <Id Name="System.Storyboarding.Annotation.CallOut" Revision="1" Stencil="System.Storyboarding.Annotation" StencilVersion="0.1"/>
+</Control>
+</file>
+
+<file path=customXml/item16.xml><?xml version="1.0" encoding="utf-8"?>
 <Control xmlns="http://schemas.microsoft.com/VisualStudio/2011/storyboarding/control">
   <Id Name="System.Storyboarding.WindowsApps.WindowsAppsTileMedium" Revision="1" Stencil="System.Storyboarding.WindowsApps" StencilVersion="0.1"/>
 </Control>
 </file>
 
-<file path=customXml/item157.xml><?xml version="1.0" encoding="utf-8"?>
+<file path=customXml/item160.xml><?xml version="1.0" encoding="utf-8"?>
 <Control xmlns="http://schemas.microsoft.com/VisualStudio/2011/storyboarding/control">
-  <Id Name="System.Storyboarding.Icons.CurvedArrow" Revision="1" Stencil="System.Storyboarding.Icons" StencilVersion="0.1"/>
+  <Id Name="fd7d7bed-114e-464c-a4f1-01a512005949" Revision="1" Stencil="System.MyShapes" StencilVersion="1.0"/>
 </Control>
 </file>
 
-<file path=customXml/item158.xml><?xml version="1.0" encoding="utf-8"?>
+<file path=customXml/item161.xml><?xml version="1.0" encoding="utf-8"?>
+<Control xmlns="http://schemas.microsoft.com/VisualStudio/2011/storyboarding/control">
+  <Id Name="fd7d7bed-114e-464c-a4f1-01a512005949" Revision="1" Stencil="System.MyShapes" StencilVersion="1.0"/>
+</Control>
+</file>
+
+<file path=customXml/item162.xml><?xml version="1.0" encoding="utf-8"?>
+<Control xmlns="http://schemas.microsoft.com/VisualStudio/2011/storyboarding/control">
+  <Id Name="System.Storyboarding.Annotation.CallOut" Revision="1" Stencil="System.Storyboarding.Annotation" StencilVersion="0.1"/>
+</Control>
+</file>
+
+<file path=customXml/item163.xml><?xml version="1.0" encoding="utf-8"?>
+<Control xmlns="http://schemas.microsoft.com/VisualStudio/2011/storyboarding/control">
+  <Id Name="fd7d7bed-114e-464c-a4f1-01a512005949" Revision="1" Stencil="System.MyShapes" StencilVersion="1.0"/>
+</Control>
+</file>
+
+<file path=customXml/item164.xml><?xml version="1.0" encoding="utf-8"?>
 <Control xmlns="http://schemas.microsoft.com/VisualStudio/2011/storyboarding/control">
   <Id Name="System.Storyboarding.WindowsApps.WindowsAppsTileMedium" Revision="1" Stencil="System.Storyboarding.WindowsApps" StencilVersion="0.1"/>
 </Control>
 </file>
 
-<file path=customXml/item159.xml><?xml version="1.0" encoding="utf-8"?>
-<Control xmlns="http://schemas.microsoft.com/VisualStudio/2011/storyboarding/control">
-  <Id Name="System.Storyboarding.WindowsApps.WindowsAppsButton" Revision="1" Stencil="System.Storyboarding.WindowsApps" StencilVersion="0.1"/>
-</Control>
-</file>
-
-<file path=customXml/item16.xml><?xml version="1.0" encoding="utf-8"?>
-<Control xmlns="http://schemas.microsoft.com/VisualStudio/2011/storyboarding/control">
-  <Id Name="System.Storyboarding.WindowsApps.WindowsAppsButton" Revision="1" Stencil="System.Storyboarding.WindowsApps" StencilVersion="0.1"/>
-</Control>
-</file>
-
-<file path=customXml/item160.xml><?xml version="1.0" encoding="utf-8"?>
+<file path=customXml/item165.xml><?xml version="1.0" encoding="utf-8"?>
 <Control xmlns="http://schemas.microsoft.com/VisualStudio/2011/storyboarding/control">
   <Id Name="System.Storyboarding.WindowsApps.WindowsAppsEditBox" Revision="1" Stencil="System.Storyboarding.WindowsApps" StencilVersion="0.1"/>
-</Control>
-</file>
-
-<file path=customXml/item161.xml><?xml version="1.0" encoding="utf-8"?>
-<Control xmlns="http://schemas.microsoft.com/VisualStudio/2011/storyboarding/control">
-  <Id Name="System.Storyboarding.WindowsApps.WindowsAppsEditBox" Revision="1" Stencil="System.Storyboarding.WindowsApps" StencilVersion="0.1"/>
-</Control>
-</file>
-
-<file path=customXml/item162.xml><?xml version="1.0" encoding="utf-8"?>
-<Control xmlns="http://schemas.microsoft.com/VisualStudio/2011/storyboarding/control">
-  <Id Name="System.Storyboarding.WindowsApps.WindowsAppsButton" Revision="1" Stencil="System.Storyboarding.WindowsApps" StencilVersion="0.1"/>
-</Control>
-</file>
-
-<file path=customXml/item163.xml><?xml version="1.0" encoding="utf-8"?>
-<Control xmlns="http://schemas.microsoft.com/VisualStudio/2011/storyboarding/control">
-  <Id Name="System.Storyboarding.Annotation.CallOut" Revision="1" Stencil="System.Storyboarding.Annotation" StencilVersion="0.1"/>
-</Control>
-</file>
-
-<file path=customXml/item164.xml><?xml version="1.0" encoding="utf-8"?>
-<Control xmlns="http://schemas.microsoft.com/VisualStudio/2011/storyboarding/control">
-  <Id Name="System.Storyboarding.Annotation.CallOut" Revision="1" Stencil="System.Storyboarding.Annotation" StencilVersion="0.1"/>
-</Control>
-</file>
-
-<file path=customXml/item165.xml><?xml version="1.0" encoding="utf-8"?>
-<Control xmlns="http://schemas.microsoft.com/VisualStudio/2011/storyboarding/control">
-  <Id Name="System.Storyboarding.Backgrounds.WindowsPhone" Revision="1" Stencil="System.Storyboarding.Backgrounds" StencilVersion="0.1"/>
 </Control>
 </file>
 
@@ -26853,25 +26851,25 @@
 
 <file path=customXml/item167.xml><?xml version="1.0" encoding="utf-8"?>
 <Control xmlns="http://schemas.microsoft.com/VisualStudio/2011/storyboarding/control">
-  <Id Name="System.Storyboarding.WindowsApps.WindowsAppsEditBox" Revision="1" Stencil="System.Storyboarding.WindowsApps" StencilVersion="0.1"/>
+  <Id Name="System.Storyboarding.Annotation.CallOut" Revision="1" Stencil="System.Storyboarding.Annotation" StencilVersion="0.1"/>
 </Control>
 </file>
 
 <file path=customXml/item168.xml><?xml version="1.0" encoding="utf-8"?>
 <Control xmlns="http://schemas.microsoft.com/VisualStudio/2011/storyboarding/control">
-  <Id Name="System.Storyboarding.Icons.TrashCan" Revision="1" Stencil="System.Storyboarding.Icons" StencilVersion="0.1"/>
+  <Id Name="System.Storyboarding.Common.CheckBoxUnchecked" Revision="1" Stencil="System.Storyboarding.Common" StencilVersion="0.1"/>
 </Control>
 </file>
 
 <file path=customXml/item169.xml><?xml version="1.0" encoding="utf-8"?>
 <Control xmlns="http://schemas.microsoft.com/VisualStudio/2011/storyboarding/control">
-  <Id Name="fd7d7bed-114e-464c-a4f1-01a512005949" Revision="1" Stencil="System.MyShapes" StencilVersion="1.0"/>
+  <Id Name="System.Storyboarding.WindowsApps.WindowsAppsTileMedium" Revision="1" Stencil="System.Storyboarding.WindowsApps" StencilVersion="0.1"/>
 </Control>
 </file>
 
 <file path=customXml/item17.xml><?xml version="1.0" encoding="utf-8"?>
 <Control xmlns="http://schemas.microsoft.com/VisualStudio/2011/storyboarding/control">
-  <Id Name="System.Storyboarding.WindowsApps.WindowsAppsTileMedium" Revision="1" Stencil="System.Storyboarding.WindowsApps" StencilVersion="0.1"/>
+  <Id Name="System.Storyboarding.Annotation.CallOut" Revision="1" Stencil="System.Storyboarding.Annotation" StencilVersion="0.1"/>
 </Control>
 </file>
 
@@ -26883,19 +26881,19 @@
 
 <file path=customXml/item171.xml><?xml version="1.0" encoding="utf-8"?>
 <Control xmlns="http://schemas.microsoft.com/VisualStudio/2011/storyboarding/control">
-  <Id Name="System.Storyboarding.WindowsApps.WindowsAppsEditBox" Revision="1" Stencil="System.Storyboarding.WindowsApps" StencilVersion="0.1"/>
+  <Id Name="System.Storyboarding.WindowsApps.WindowsAppsTileMedium" Revision="1" Stencil="System.Storyboarding.WindowsApps" StencilVersion="0.1"/>
 </Control>
 </file>
 
 <file path=customXml/item172.xml><?xml version="1.0" encoding="utf-8"?>
 <Control xmlns="http://schemas.microsoft.com/VisualStudio/2011/storyboarding/control">
-  <Id Name="fd7d7bed-114e-464c-a4f1-01a512005949" Revision="1" Stencil="System.MyShapes" StencilVersion="1.0"/>
+  <Id Name="System.Storyboarding.WindowsApps.WindowsAppsButton" Revision="1" Stencil="System.Storyboarding.WindowsApps" StencilVersion="0.1"/>
 </Control>
 </file>
 
 <file path=customXml/item173.xml><?xml version="1.0" encoding="utf-8"?>
 <Control xmlns="http://schemas.microsoft.com/VisualStudio/2011/storyboarding/control">
-  <Id Name="fd7d7bed-114e-464c-a4f1-01a512005949" Revision="1" Stencil="System.MyShapes" StencilVersion="1.0"/>
+  <Id Name="System.Storyboarding.WindowsApps.WindowsAppsTileMedium" Revision="1" Stencil="System.Storyboarding.WindowsApps" StencilVersion="0.1"/>
 </Control>
 </file>
 
@@ -26907,85 +26905,85 @@
 
 <file path=customXml/item175.xml><?xml version="1.0" encoding="utf-8"?>
 <Control xmlns="http://schemas.microsoft.com/VisualStudio/2011/storyboarding/control">
+  <Id Name="System.Storyboarding.Annotation.CallOut" Revision="1" Stencil="System.Storyboarding.Annotation" StencilVersion="0.1"/>
+</Control>
+</file>
+
+<file path=customXml/item176.xml><?xml version="1.0" encoding="utf-8"?>
+<Control xmlns="http://schemas.microsoft.com/VisualStudio/2011/storyboarding/control">
+  <Id Name="System.Storyboarding.Annotation.CallOut" Revision="1" Stencil="System.Storyboarding.Annotation" StencilVersion="0.1"/>
+</Control>
+</file>
+
+<file path=customXml/item177.xml><?xml version="1.0" encoding="utf-8"?>
+<Control xmlns="http://schemas.microsoft.com/VisualStudio/2011/storyboarding/control">
+  <Id Name="System.Storyboarding.WindowsApps.WindowsAppsButton" Revision="1" Stencil="System.Storyboarding.WindowsApps" StencilVersion="0.1"/>
+</Control>
+</file>
+
+<file path=customXml/item178.xml><?xml version="1.0" encoding="utf-8"?>
+<Control xmlns="http://schemas.microsoft.com/VisualStudio/2011/storyboarding/control">
+  <Id Name="System.Storyboarding.WindowsApps.WindowsAppsButton" Revision="1" Stencil="System.Storyboarding.WindowsApps" StencilVersion="0.1"/>
+</Control>
+</file>
+
+<file path=customXml/item179.xml><?xml version="1.0" encoding="utf-8"?>
+<Control xmlns="http://schemas.microsoft.com/VisualStudio/2011/storyboarding/control">
+  <Id Name="System.Storyboarding.WindowsApps.WindowsAppsButton" Revision="1" Stencil="System.Storyboarding.WindowsApps" StencilVersion="0.1"/>
+</Control>
+</file>
+
+<file path=customXml/item18.xml><?xml version="1.0" encoding="utf-8"?>
+<Control xmlns="http://schemas.microsoft.com/VisualStudio/2011/storyboarding/control">
   <Id Name="System.Storyboarding.WindowsApps.WindowsAppsEditBox" Revision="1" Stencil="System.Storyboarding.WindowsApps" StencilVersion="0.1"/>
 </Control>
 </file>
 
-<file path=customXml/item176.xml><?xml version="1.0" encoding="utf-8"?>
+<file path=customXml/item180.xml><?xml version="1.0" encoding="utf-8"?>
 <Control xmlns="http://schemas.microsoft.com/VisualStudio/2011/storyboarding/control">
   <Id Name="System.Storyboarding.WindowsApps.WindowsAppsTileMedium" Revision="1" Stencil="System.Storyboarding.WindowsApps" StencilVersion="0.1"/>
 </Control>
 </file>
 
-<file path=customXml/item177.xml><?xml version="1.0" encoding="utf-8"?>
+<file path=customXml/item181.xml><?xml version="1.0" encoding="utf-8"?>
+<Control xmlns="http://schemas.microsoft.com/VisualStudio/2011/storyboarding/control">
+  <Id Name="fd7d7bed-114e-464c-a4f1-01a512005949" Revision="1" Stencil="System.MyShapes" StencilVersion="1.0"/>
+</Control>
+</file>
+
+<file path=customXml/item182.xml><?xml version="1.0" encoding="utf-8"?>
+<Control xmlns="http://schemas.microsoft.com/VisualStudio/2011/storyboarding/control">
+  <Id Name="System.Storyboarding.WindowsApps.WindowsAppsTileMedium" Revision="1" Stencil="System.Storyboarding.WindowsApps" StencilVersion="0.1"/>
+</Control>
+</file>
+
+<file path=customXml/item183.xml><?xml version="1.0" encoding="utf-8"?>
 <Control xmlns="http://schemas.microsoft.com/VisualStudio/2011/storyboarding/control">
   <Id Name="System.Storyboarding.Annotation.CallOut" Revision="1" Stencil="System.Storyboarding.Annotation" StencilVersion="0.1"/>
 </Control>
 </file>
 
-<file path=customXml/item178.xml><?xml version="1.0" encoding="utf-8"?>
-<Control xmlns="http://schemas.microsoft.com/VisualStudio/2011/storyboarding/control">
-  <Id Name="fd7d7bed-114e-464c-a4f1-01a512005949" Revision="1" Stencil="System.MyShapes" StencilVersion="1.0"/>
-</Control>
-</file>
-
-<file path=customXml/item179.xml><?xml version="1.0" encoding="utf-8"?>
-<Control xmlns="http://schemas.microsoft.com/VisualStudio/2011/storyboarding/control">
-  <Id Name="System.Storyboarding.WindowsAppIcons.Games" Revision="1" Stencil="System.Storyboarding.WindowsAppIcons" StencilVersion="0.1"/>
-</Control>
-</file>
-
-<file path=customXml/item18.xml><?xml version="1.0" encoding="utf-8"?>
+<file path=customXml/item184.xml><?xml version="1.0" encoding="utf-8"?>
 <Control xmlns="http://schemas.microsoft.com/VisualStudio/2011/storyboarding/control">
   <Id Name="System.Storyboarding.WindowsApps.WindowsAppsButton" Revision="1" Stencil="System.Storyboarding.WindowsApps" StencilVersion="0.1"/>
 </Control>
 </file>
 
-<file path=customXml/item180.xml><?xml version="1.0" encoding="utf-8"?>
+<file path=customXml/item185.xml><?xml version="1.0" encoding="utf-8"?>
+<Control xmlns="http://schemas.microsoft.com/VisualStudio/2011/storyboarding/control">
+  <Id Name="System.Storyboarding.WindowsApps.WindowsAppsTileMedium" Revision="1" Stencil="System.Storyboarding.WindowsApps" StencilVersion="0.1"/>
+</Control>
+</file>
+
+<file path=customXml/item186.xml><?xml version="1.0" encoding="utf-8"?>
 <Control xmlns="http://schemas.microsoft.com/VisualStudio/2011/storyboarding/control">
   <Id Name="System.Storyboarding.Annotation.CallOut" Revision="1" Stencil="System.Storyboarding.Annotation" StencilVersion="0.1"/>
 </Control>
 </file>
 
-<file path=customXml/item181.xml><?xml version="1.0" encoding="utf-8"?>
-<Control xmlns="http://schemas.microsoft.com/VisualStudio/2011/storyboarding/control">
-  <Id Name="System.Storyboarding.Annotation.CallOut" Revision="1" Stencil="System.Storyboarding.Annotation" StencilVersion="0.1"/>
-</Control>
-</file>
-
-<file path=customXml/item182.xml><?xml version="1.0" encoding="utf-8"?>
-<Control xmlns="http://schemas.microsoft.com/VisualStudio/2011/storyboarding/control">
-  <Id Name="System.Storyboarding.WindowsApps.WindowsAppsButton" Revision="1" Stencil="System.Storyboarding.WindowsApps" StencilVersion="0.1"/>
-</Control>
-</file>
-
-<file path=customXml/item183.xml><?xml version="1.0" encoding="utf-8"?>
-<Control xmlns="http://schemas.microsoft.com/VisualStudio/2011/storyboarding/control">
-  <Id Name="System.Storyboarding.WindowsApps.WindowsAppsTileMedium" Revision="1" Stencil="System.Storyboarding.WindowsApps" StencilVersion="0.1"/>
-</Control>
-</file>
-
-<file path=customXml/item184.xml><?xml version="1.0" encoding="utf-8"?>
-<Control xmlns="http://schemas.microsoft.com/VisualStudio/2011/storyboarding/control">
-  <Id Name="System.Storyboarding.WindowsApps.WindowsAppsTileMedium" Revision="1" Stencil="System.Storyboarding.WindowsApps" StencilVersion="0.1"/>
-</Control>
-</file>
-
-<file path=customXml/item185.xml><?xml version="1.0" encoding="utf-8"?>
+<file path=customXml/item187.xml><?xml version="1.0" encoding="utf-8"?>
 <Control xmlns="http://schemas.microsoft.com/VisualStudio/2011/storyboarding/control">
   <Id Name="System.Storyboarding.WindowsApps.WindowsAppsEditBox" Revision="1" Stencil="System.Storyboarding.WindowsApps" StencilVersion="0.1"/>
-</Control>
-</file>
-
-<file path=customXml/item186.xml><?xml version="1.0" encoding="utf-8"?>
-<Control xmlns="http://schemas.microsoft.com/VisualStudio/2011/storyboarding/control">
-  <Id Name="System.Storyboarding.WindowsApps.WindowsAppsTileMedium" Revision="1" Stencil="System.Storyboarding.WindowsApps" StencilVersion="0.1"/>
-</Control>
-</file>
-
-<file path=customXml/item187.xml><?xml version="1.0" encoding="utf-8"?>
-<Control xmlns="http://schemas.microsoft.com/VisualStudio/2011/storyboarding/control">
-  <Id Name="System.Storyboarding.Annotation.CallOut" Revision="1" Stencil="System.Storyboarding.Annotation" StencilVersion="0.1"/>
 </Control>
 </file>
 
@@ -26997,13 +26995,13 @@
 
 <file path=customXml/item189.xml><?xml version="1.0" encoding="utf-8"?>
 <Control xmlns="http://schemas.microsoft.com/VisualStudio/2011/storyboarding/control">
-  <Id Name="fd7d7bed-114e-464c-a4f1-01a512005949" Revision="1" Stencil="System.MyShapes" StencilVersion="1.0"/>
+  <Id Name="System.Storyboarding.WindowsApps.WindowsAppsTileMedium" Revision="1" Stencil="System.Storyboarding.WindowsApps" StencilVersion="0.1"/>
 </Control>
 </file>
 
 <file path=customXml/item19.xml><?xml version="1.0" encoding="utf-8"?>
 <Control xmlns="http://schemas.microsoft.com/VisualStudio/2011/storyboarding/control">
-  <Id Name="fd7d7bed-114e-464c-a4f1-01a512005949" Revision="1" Stencil="System.MyShapes" StencilVersion="1.0"/>
+  <Id Name="System.Storyboarding.Annotation.CallOut" Revision="1" Stencil="System.Storyboarding.Annotation" StencilVersion="0.1"/>
 </Control>
 </file>
 
@@ -27021,109 +27019,109 @@
 
 <file path=customXml/item192.xml><?xml version="1.0" encoding="utf-8"?>
 <Control xmlns="http://schemas.microsoft.com/VisualStudio/2011/storyboarding/control">
-  <Id Name="f7a94b64-51d6-472a-8bb4-f2cc047935d1" RevisionId="4b37df06-a36b-4383-9074-55517f1335fc" Stencil="172d6d98-e5c9-42e9-a209-79f7a94bbd38" StencilRevisionId="00000000-0000-0000-0000-000000000000" StencilVersion="0.0"/>
+  <Id Name="System.Storyboarding.Annotation.CallOut" Revision="1" Stencil="System.Storyboarding.Annotation" StencilVersion="0.1"/>
 </Control>
 </file>
 
 <file path=customXml/item193.xml><?xml version="1.0" encoding="utf-8"?>
+<Control xmlns="http://schemas.microsoft.com/VisualStudio/2011/storyboarding/control">
+  <Id Name="fd7d7bed-114e-464c-a4f1-01a512005949" Revision="1" Stencil="System.MyShapes" StencilVersion="1.0"/>
+</Control>
+</file>
+
+<file path=customXml/item194.xml><?xml version="1.0" encoding="utf-8"?>
+<Control xmlns="http://schemas.microsoft.com/VisualStudio/2011/storyboarding/control">
+  <Id Name="fd7d7bed-114e-464c-a4f1-01a512005949" Revision="1" Stencil="System.MyShapes" StencilVersion="1.0"/>
+</Control>
+</file>
+
+<file path=customXml/item195.xml><?xml version="1.0" encoding="utf-8"?>
+<Control xmlns="http://schemas.microsoft.com/VisualStudio/2011/storyboarding/control">
+  <Id Name="fd7d7bed-114e-464c-a4f1-01a512005949" Revision="1" Stencil="System.MyShapes" StencilVersion="1.0"/>
+</Control>
+</file>
+
+<file path=customXml/item196.xml><?xml version="1.0" encoding="utf-8"?>
+<Control xmlns="http://schemas.microsoft.com/VisualStudio/2011/storyboarding/control">
+  <Id Name="System.Storyboarding.Common.CheckBoxUnchecked" Revision="1" Stencil="System.Storyboarding.Common" StencilVersion="0.1"/>
+</Control>
+</file>
+
+<file path=customXml/item197.xml><?xml version="1.0" encoding="utf-8"?>
+<Control xmlns="http://schemas.microsoft.com/VisualStudio/2011/storyboarding/control">
+  <Id Name="System.Storyboarding.Common.CheckBoxUnchecked" Revision="1" Stencil="System.Storyboarding.Common" StencilVersion="0.1"/>
+</Control>
+</file>
+
+<file path=customXml/item198.xml><?xml version="1.0" encoding="utf-8"?>
+<Control xmlns="http://schemas.microsoft.com/VisualStudio/2011/storyboarding/control">
+  <Id Name="System.Storyboarding.WindowsAppIcons.Plus" Revision="1" Stencil="System.Storyboarding.WindowsAppIcons" StencilVersion="0.1"/>
+</Control>
+</file>
+
+<file path=customXml/item199.xml><?xml version="1.0" encoding="utf-8"?>
 <Control xmlns="http://schemas.microsoft.com/VisualStudio/2011/storyboarding/control">
   <Id Name="System.Storyboarding.Annotation.CallOut" Revision="1" Stencil="System.Storyboarding.Annotation" StencilVersion="0.1"/>
 </Control>
 </file>
 
-<file path=customXml/item194.xml><?xml version="1.0" encoding="utf-8"?>
+<file path=customXml/item2.xml><?xml version="1.0" encoding="utf-8"?>
 <Control xmlns="http://schemas.microsoft.com/VisualStudio/2011/storyboarding/control">
-  <Id Name="System.Storyboarding.WindowsApps.WindowsAppsTileMedium" Revision="1" Stencil="System.Storyboarding.WindowsApps" StencilVersion="0.1"/>
+  <Id Name="System.Storyboarding.Annotation.CallOut" Revision="1" Stencil="System.Storyboarding.Annotation" StencilVersion="0.1"/>
 </Control>
 </file>
 
-<file path=customXml/item195.xml><?xml version="1.0" encoding="utf-8"?>
-<Control xmlns="http://schemas.microsoft.com/VisualStudio/2011/storyboarding/control">
-  <Id Name="System.Storyboarding.WindowsApps.WindowsAppsTileMedium" Revision="1" Stencil="System.Storyboarding.WindowsApps" StencilVersion="0.1"/>
-</Control>
-</file>
-
-<file path=customXml/item196.xml><?xml version="1.0" encoding="utf-8"?>
+<file path=customXml/item20.xml><?xml version="1.0" encoding="utf-8"?>
 <Control xmlns="http://schemas.microsoft.com/VisualStudio/2011/storyboarding/control">
   <Id Name="System.Storyboarding.WindowsApps.WindowsAppsEditBox" Revision="1" Stencil="System.Storyboarding.WindowsApps" StencilVersion="0.1"/>
 </Control>
 </file>
 
-<file path=customXml/item197.xml><?xml version="1.0" encoding="utf-8"?>
+<file path=customXml/item200.xml><?xml version="1.0" encoding="utf-8"?>
 <Control xmlns="http://schemas.microsoft.com/VisualStudio/2011/storyboarding/control">
-  <Id Name="System.Storyboarding.WindowsApps.WindowsAppsButton" Revision="1" Stencil="System.Storyboarding.WindowsApps" StencilVersion="0.1"/>
+  <Id Name="System.Storyboarding.Icons.Warning" Revision="1" Stencil="System.Storyboarding.Icons" StencilVersion="0.1"/>
 </Control>
 </file>
 
-<file path=customXml/item198.xml><?xml version="1.0" encoding="utf-8"?>
+<file path=customXml/item201.xml><?xml version="1.0" encoding="utf-8"?>
+<Control xmlns="http://schemas.microsoft.com/VisualStudio/2011/storyboarding/control">
+  <Id Name="System.Storyboarding.Icons.CurvedArrow" Revision="1" Stencil="System.Storyboarding.Icons" StencilVersion="0.1"/>
+</Control>
+</file>
+
+<file path=customXml/item202.xml><?xml version="1.0" encoding="utf-8"?>
+<Control xmlns="http://schemas.microsoft.com/VisualStudio/2011/storyboarding/control">
+  <Id Name="fd7d7bed-114e-464c-a4f1-01a512005949" Revision="1" Stencil="System.MyShapes" StencilVersion="1.0"/>
+</Control>
+</file>
+
+<file path=customXml/item203.xml><?xml version="1.0" encoding="utf-8"?>
+<Control xmlns="http://schemas.microsoft.com/VisualStudio/2011/storyboarding/control">
+  <Id Name="fd7d7bed-114e-464c-a4f1-01a512005949" Revision="1" Stencil="System.MyShapes" StencilVersion="1.0"/>
+</Control>
+</file>
+
+<file path=customXml/item204.xml><?xml version="1.0" encoding="utf-8"?>
 <Control xmlns="http://schemas.microsoft.com/VisualStudio/2011/storyboarding/control">
   <Id Name="System.Storyboarding.Annotation.CallOut" Revision="1" Stencil="System.Storyboarding.Annotation" StencilVersion="0.1"/>
 </Control>
 </file>
 
-<file path=customXml/item199.xml><?xml version="1.0" encoding="utf-8"?>
+<file path=customXml/item205.xml><?xml version="1.0" encoding="utf-8"?>
+<Control xmlns="http://schemas.microsoft.com/VisualStudio/2011/storyboarding/control">
+  <Id Name="System.Storyboarding.WindowsApps.WindowsAppsEditBox" Revision="1" Stencil="System.Storyboarding.WindowsApps" StencilVersion="0.1"/>
+</Control>
+</file>
+
+<file path=customXml/item206.xml><?xml version="1.0" encoding="utf-8"?>
 <Control xmlns="http://schemas.microsoft.com/VisualStudio/2011/storyboarding/control">
   <Id Name="System.Storyboarding.Common.CheckBoxChecked" Revision="1" Stencil="System.Storyboarding.Common" StencilVersion="0.1"/>
 </Control>
 </file>
 
-<file path=customXml/item2.xml><?xml version="1.0" encoding="utf-8"?>
-<Control xmlns="http://schemas.microsoft.com/VisualStudio/2011/storyboarding/control">
-  <Id Name="fd7d7bed-114e-464c-a4f1-01a512005949" Revision="1" Stencil="System.MyShapes" StencilVersion="1.0"/>
-</Control>
-</file>
-
-<file path=customXml/item20.xml><?xml version="1.0" encoding="utf-8"?>
+<file path=customXml/item207.xml><?xml version="1.0" encoding="utf-8"?>
 <Control xmlns="http://schemas.microsoft.com/VisualStudio/2011/storyboarding/control">
   <Id Name="System.Storyboarding.Annotation.CallOut" Revision="1" Stencil="System.Storyboarding.Annotation" StencilVersion="0.1"/>
-</Control>
-</file>
-
-<file path=customXml/item200.xml><?xml version="1.0" encoding="utf-8"?>
-<Control xmlns="http://schemas.microsoft.com/VisualStudio/2011/storyboarding/control">
-  <Id Name="System.Storyboarding.WindowsApps.WindowsAppsTileMedium" Revision="1" Stencil="System.Storyboarding.WindowsApps" StencilVersion="0.1"/>
-</Control>
-</file>
-
-<file path=customXml/item201.xml><?xml version="1.0" encoding="utf-8"?>
-<Control xmlns="http://schemas.microsoft.com/VisualStudio/2011/storyboarding/control">
-  <Id Name="System.Storyboarding.WindowsApps.WindowsAppsButton" Revision="1" Stencil="System.Storyboarding.WindowsApps" StencilVersion="0.1"/>
-</Control>
-</file>
-
-<file path=customXml/item202.xml><?xml version="1.0" encoding="utf-8"?>
-<Control xmlns="http://schemas.microsoft.com/VisualStudio/2011/storyboarding/control">
-  <Id Name="System.Storyboarding.Annotation.CallOut" Revision="1" Stencil="System.Storyboarding.Annotation" StencilVersion="0.1"/>
-</Control>
-</file>
-
-<file path=customXml/item203.xml><?xml version="1.0" encoding="utf-8"?>
-<Control xmlns="http://schemas.microsoft.com/VisualStudio/2011/storyboarding/control">
-  <Id Name="System.Storyboarding.Annotation.CallOut" Revision="1" Stencil="System.Storyboarding.Annotation" StencilVersion="0.1"/>
-</Control>
-</file>
-
-<file path=customXml/item204.xml><?xml version="1.0" encoding="utf-8"?>
-<Control xmlns="http://schemas.microsoft.com/VisualStudio/2011/storyboarding/control">
-  <Id Name="System.Storyboarding.WindowsApps.WindowsAppsTileMedium" Revision="1" Stencil="System.Storyboarding.WindowsApps" StencilVersion="0.1"/>
-</Control>
-</file>
-
-<file path=customXml/item205.xml><?xml version="1.0" encoding="utf-8"?>
-<Control xmlns="http://schemas.microsoft.com/VisualStudio/2011/storyboarding/control">
-  <Id Name="System.Storyboarding.Annotation.CallOut" Revision="1" Stencil="System.Storyboarding.Annotation" StencilVersion="0.1"/>
-</Control>
-</file>
-
-<file path=customXml/item206.xml><?xml version="1.0" encoding="utf-8"?>
-<Control xmlns="http://schemas.microsoft.com/VisualStudio/2011/storyboarding/control">
-  <Id Name="System.Storyboarding.Annotation.CallOut" Revision="1" Stencil="System.Storyboarding.Annotation" StencilVersion="0.1"/>
-</Control>
-</file>
-
-<file path=customXml/item207.xml><?xml version="1.0" encoding="utf-8"?>
-<Control xmlns="http://schemas.microsoft.com/VisualStudio/2011/storyboarding/control">
-  <Id Name="System.Storyboarding.Annotation.StickyNote" Revision="1" Stencil="System.Storyboarding.Annotation" StencilVersion="0.1"/>
 </Control>
 </file>
 
@@ -27135,7 +27133,7 @@
 
 <file path=customXml/item209.xml><?xml version="1.0" encoding="utf-8"?>
 <Control xmlns="http://schemas.microsoft.com/VisualStudio/2011/storyboarding/control">
-  <Id Name="System.Storyboarding.WindowsApps.WindowsAppsButton" Revision="1" Stencil="System.Storyboarding.WindowsApps" StencilVersion="0.1"/>
+  <Id Name="System.Storyboarding.WindowsApps.WindowsAppsTileMedium" Revision="1" Stencil="System.Storyboarding.WindowsApps" StencilVersion="0.1"/>
 </Control>
 </file>
 
@@ -27147,97 +27145,97 @@
 
 <file path=customXml/item210.xml><?xml version="1.0" encoding="utf-8"?>
 <Control xmlns="http://schemas.microsoft.com/VisualStudio/2011/storyboarding/control">
-  <Id Name="System.Storyboarding.Annotation.StickyNote" Revision="1" Stencil="System.Storyboarding.Annotation" StencilVersion="0.1"/>
+  <Id Name="System.Storyboarding.Icons.Warning" Revision="1" Stencil="System.Storyboarding.Icons" StencilVersion="0.1"/>
 </Control>
 </file>
 
 <file path=customXml/item211.xml><?xml version="1.0" encoding="utf-8"?>
+<Control xmlns="http://schemas.microsoft.com/VisualStudio/2011/storyboarding/control">
+  <Id Name="fd7d7bed-114e-464c-a4f1-01a512005949" Revision="1" Stencil="System.MyShapes" StencilVersion="1.0"/>
+</Control>
+</file>
+
+<file path=customXml/item212.xml><?xml version="1.0" encoding="utf-8"?>
+<Control xmlns="http://schemas.microsoft.com/VisualStudio/2011/storyboarding/control">
+  <Id Name="System.Storyboarding.WindowsApps.WindowsAppsTileMedium" Revision="1" Stencil="System.Storyboarding.WindowsApps" StencilVersion="0.1"/>
+</Control>
+</file>
+
+<file path=customXml/item213.xml><?xml version="1.0" encoding="utf-8"?>
+<Control xmlns="http://schemas.microsoft.com/VisualStudio/2011/storyboarding/control">
+  <Id Name="fd7d7bed-114e-464c-a4f1-01a512005949" Revision="1" Stencil="System.MyShapes" StencilVersion="1.0"/>
+</Control>
+</file>
+
+<file path=customXml/item214.xml><?xml version="1.0" encoding="utf-8"?>
 <Control xmlns="http://schemas.microsoft.com/VisualStudio/2011/storyboarding/control">
   <Id Name="System.Storyboarding.WindowsApps.WindowsAppsButton" Revision="1" Stencil="System.Storyboarding.WindowsApps" StencilVersion="0.1"/>
 </Control>
 </file>
 
-<file path=customXml/item212.xml><?xml version="1.0" encoding="utf-8"?>
+<file path=customXml/item215.xml><?xml version="1.0" encoding="utf-8"?>
+<Control xmlns="http://schemas.microsoft.com/VisualStudio/2011/storyboarding/control">
+  <Id Name="System.Storyboarding.WindowsApps.WindowsAppsTileMedium" Revision="1" Stencil="System.Storyboarding.WindowsApps" StencilVersion="0.1"/>
+</Control>
+</file>
+
+<file path=customXml/item216.xml><?xml version="1.0" encoding="utf-8"?>
+<Control xmlns="http://schemas.microsoft.com/VisualStudio/2011/storyboarding/control">
+  <Id Name="System.Storyboarding.Annotation.CallOut" Revision="1" Stencil="System.Storyboarding.Annotation" StencilVersion="0.1"/>
+</Control>
+</file>
+
+<file path=customXml/item217.xml><?xml version="1.0" encoding="utf-8"?>
+<Control xmlns="http://schemas.microsoft.com/VisualStudio/2011/storyboarding/control">
+  <Id Name="System.Storyboarding.Icons.TrashCan" Revision="1" Stencil="System.Storyboarding.Icons" StencilVersion="0.1"/>
+</Control>
+</file>
+
+<file path=customXml/item218.xml><?xml version="1.0" encoding="utf-8"?>
+<Control xmlns="http://schemas.microsoft.com/VisualStudio/2011/storyboarding/control">
+  <Id Name="System.Storyboarding.WindowsApps.WindowsAppsTileMedium" Revision="1" Stencil="System.Storyboarding.WindowsApps" StencilVersion="0.1"/>
+</Control>
+</file>
+
+<file path=customXml/item219.xml><?xml version="1.0" encoding="utf-8"?>
+<Control xmlns="http://schemas.microsoft.com/VisualStudio/2011/storyboarding/control">
+  <Id Name="System.Storyboarding.WindowsApps.WindowsAppsEditBox" Revision="1" Stencil="System.Storyboarding.WindowsApps" StencilVersion="0.1"/>
+</Control>
+</file>
+
+<file path=customXml/item22.xml><?xml version="1.0" encoding="utf-8"?>
+<Control xmlns="http://schemas.microsoft.com/VisualStudio/2011/storyboarding/control">
+  <Id Name="System.Storyboarding.WindowsApps.WindowsAppsTileMedium" Revision="1" Stencil="System.Storyboarding.WindowsApps" StencilVersion="0.1"/>
+</Control>
+</file>
+
+<file path=customXml/item220.xml><?xml version="1.0" encoding="utf-8"?>
+<Control xmlns="http://schemas.microsoft.com/VisualStudio/2011/storyboarding/control">
+  <Id Name="System.Storyboarding.WindowsApps.WindowsAppsTileMedium" Revision="1" Stencil="System.Storyboarding.WindowsApps" StencilVersion="0.1"/>
+</Control>
+</file>
+
+<file path=customXml/item221.xml><?xml version="1.0" encoding="utf-8"?>
 <Control xmlns="http://schemas.microsoft.com/VisualStudio/2011/storyboarding/control">
   <Id Name="fd7d7bed-114e-464c-a4f1-01a512005949" Revision="1" Stencil="System.MyShapes" StencilVersion="1.0"/>
 </Control>
 </file>
 
-<file path=customXml/item213.xml><?xml version="1.0" encoding="utf-8"?>
+<file path=customXml/item222.xml><?xml version="1.0" encoding="utf-8"?>
 <Control xmlns="http://schemas.microsoft.com/VisualStudio/2011/storyboarding/control">
-  <Id Name="System.Storyboarding.Annotation.CallOut" Revision="1" Stencil="System.Storyboarding.Annotation" StencilVersion="0.1"/>
+  <Id Name="System.Storyboarding.Icons.CurvedArrow" Revision="1" Stencil="System.Storyboarding.Icons" StencilVersion="0.1"/>
 </Control>
 </file>
 
-<file path=customXml/item214.xml><?xml version="1.0" encoding="utf-8"?>
+<file path=customXml/item223.xml><?xml version="1.0" encoding="utf-8"?>
 <Control xmlns="http://schemas.microsoft.com/VisualStudio/2011/storyboarding/control">
   <Id Name="System.Storyboarding.WindowsApps.WindowsAppsTileMedium" Revision="1" Stencil="System.Storyboarding.WindowsApps" StencilVersion="0.1"/>
 </Control>
 </file>
 
-<file path=customXml/item215.xml><?xml version="1.0" encoding="utf-8"?>
-<Control xmlns="http://schemas.microsoft.com/VisualStudio/2011/storyboarding/control">
-  <Id Name="System.Storyboarding.Annotation.CallOut" Revision="1" Stencil="System.Storyboarding.Annotation" StencilVersion="0.1"/>
-</Control>
-</file>
-
-<file path=customXml/item216.xml><?xml version="1.0" encoding="utf-8"?>
-<Control xmlns="http://schemas.microsoft.com/VisualStudio/2011/storyboarding/control">
-  <Id Name="System.Storyboarding.WindowsApps.WindowsAppsTileMedium" Revision="1" Stencil="System.Storyboarding.WindowsApps" StencilVersion="0.1"/>
-</Control>
-</file>
-
-<file path=customXml/item217.xml><?xml version="1.0" encoding="utf-8"?>
-<Control xmlns="http://schemas.microsoft.com/VisualStudio/2011/storyboarding/control">
-  <Id Name="System.Storyboarding.Annotation.CallOut" Revision="1" Stencil="System.Storyboarding.Annotation" StencilVersion="0.1"/>
-</Control>
-</file>
-
-<file path=customXml/item218.xml><?xml version="1.0" encoding="utf-8"?>
+<file path=customXml/item224.xml><?xml version="1.0" encoding="utf-8"?>
 <Control xmlns="http://schemas.microsoft.com/VisualStudio/2011/storyboarding/control">
   <Id Name="System.Storyboarding.WindowsApps.WindowsAppsEditBox" Revision="1" Stencil="System.Storyboarding.WindowsApps" StencilVersion="0.1"/>
-</Control>
-</file>
-
-<file path=customXml/item219.xml><?xml version="1.0" encoding="utf-8"?>
-<Control xmlns="http://schemas.microsoft.com/VisualStudio/2011/storyboarding/control">
-  <Id Name="System.Storyboarding.WindowsApps.WindowsAppsTileMedium" Revision="1" Stencil="System.Storyboarding.WindowsApps" StencilVersion="0.1"/>
-</Control>
-</file>
-
-<file path=customXml/item22.xml><?xml version="1.0" encoding="utf-8"?>
-<Control xmlns="http://schemas.microsoft.com/VisualStudio/2011/storyboarding/control">
-  <Id Name="fd7d7bed-114e-464c-a4f1-01a512005949" Revision="1" Stencil="System.MyShapes" StencilVersion="1.0"/>
-</Control>
-</file>
-
-<file path=customXml/item220.xml><?xml version="1.0" encoding="utf-8"?>
-<Control xmlns="http://schemas.microsoft.com/VisualStudio/2011/storyboarding/control">
-  <Id Name="f7a94b64-51d6-472a-8bb4-f2cc047935d1" RevisionId="4b37df06-a36b-4383-9074-55517f1335fc" Stencil="172d6d98-e5c9-42e9-a209-79f7a94bbd38" StencilRevisionId="00000000-0000-0000-0000-000000000000" StencilVersion="0.0"/>
-</Control>
-</file>
-
-<file path=customXml/item221.xml><?xml version="1.0" encoding="utf-8"?>
-<Control xmlns="http://schemas.microsoft.com/VisualStudio/2011/storyboarding/control">
-  <Id Name="System.Storyboarding.Common.CheckBoxUnchecked" Revision="1" Stencil="System.Storyboarding.Common" StencilVersion="0.1"/>
-</Control>
-</file>
-
-<file path=customXml/item222.xml><?xml version="1.0" encoding="utf-8"?>
-<Control xmlns="http://schemas.microsoft.com/VisualStudio/2011/storyboarding/control">
-  <Id Name="System.Storyboarding.WindowsApps.WindowsAppsButton" Revision="1" Stencil="System.Storyboarding.WindowsApps" StencilVersion="0.1"/>
-</Control>
-</file>
-
-<file path=customXml/item223.xml><?xml version="1.0" encoding="utf-8"?>
-<Control xmlns="http://schemas.microsoft.com/VisualStudio/2011/storyboarding/control">
-  <Id Name="System.Storyboarding.WindowsApps.WindowsAppsButton" Revision="1" Stencil="System.Storyboarding.WindowsApps" StencilVersion="0.1"/>
-</Control>
-</file>
-
-<file path=customXml/item224.xml><?xml version="1.0" encoding="utf-8"?>
-<Control xmlns="http://schemas.microsoft.com/VisualStudio/2011/storyboarding/control">
-  <Id Name="System.Storyboarding.WindowsApps.WindowsAppsTileMedium" Revision="1" Stencil="System.Storyboarding.WindowsApps" StencilVersion="0.1"/>
 </Control>
 </file>
 
@@ -27249,19 +27247,19 @@
 
 <file path=customXml/item226.xml><?xml version="1.0" encoding="utf-8"?>
 <Control xmlns="http://schemas.microsoft.com/VisualStudio/2011/storyboarding/control">
-  <Id Name="System.Storyboarding.Annotation.AnimatedRectangleCallout" Revision="1" Stencil="System.Storyboarding.Annotation" StencilVersion="0.1"/>
+  <Id Name="System.Storyboarding.Backgrounds.WindowsPhone" Revision="1" Stencil="System.Storyboarding.Backgrounds" StencilVersion="0.1"/>
 </Control>
 </file>
 
 <file path=customXml/item227.xml><?xml version="1.0" encoding="utf-8"?>
 <Control xmlns="http://schemas.microsoft.com/VisualStudio/2011/storyboarding/control">
-  <Id Name="System.Storyboarding.WindowsApps.WindowsAppsTileMedium" Revision="1" Stencil="System.Storyboarding.WindowsApps" StencilVersion="0.1"/>
+  <Id Name="System.Storyboarding.Annotation.CallOut" Revision="1" Stencil="System.Storyboarding.Annotation" StencilVersion="0.1"/>
 </Control>
 </file>
 
 <file path=customXml/item228.xml><?xml version="1.0" encoding="utf-8"?>
 <Control xmlns="http://schemas.microsoft.com/VisualStudio/2011/storyboarding/control">
-  <Id Name="System.Storyboarding.WindowsApps.WindowsAppsButton" Revision="1" Stencil="System.Storyboarding.WindowsApps" StencilVersion="0.1"/>
+  <Id Name="System.Storyboarding.WindowsApps.WindowsAppsTileMedium" Revision="1" Stencil="System.Storyboarding.WindowsApps" StencilVersion="0.1"/>
 </Control>
 </file>
 
@@ -27273,7 +27271,7 @@
 
 <file path=customXml/item23.xml><?xml version="1.0" encoding="utf-8"?>
 <Control xmlns="http://schemas.microsoft.com/VisualStudio/2011/storyboarding/control">
-  <Id Name="System.Storyboarding.Annotation.CallOut" Revision="1" Stencil="System.Storyboarding.Annotation" StencilVersion="0.1"/>
+  <Id Name="fd7d7bed-114e-464c-a4f1-01a512005949" Revision="1" Stencil="System.MyShapes" StencilVersion="1.0"/>
 </Control>
 </file>
 
@@ -27285,13 +27283,13 @@
 
 <file path=customXml/item231.xml><?xml version="1.0" encoding="utf-8"?>
 <Control xmlns="http://schemas.microsoft.com/VisualStudio/2011/storyboarding/control">
-  <Id Name="fd7d7bed-114e-464c-a4f1-01a512005949" Revision="1" Stencil="System.MyShapes" StencilVersion="1.0"/>
+  <Id Name="System.Storyboarding.Annotation.CallOut" Revision="1" Stencil="System.Storyboarding.Annotation" StencilVersion="0.1"/>
 </Control>
 </file>
 
 <file path=customXml/item232.xml><?xml version="1.0" encoding="utf-8"?>
 <Control xmlns="http://schemas.microsoft.com/VisualStudio/2011/storyboarding/control">
-  <Id Name="System.Storyboarding.Common.CheckBoxUnchecked" Revision="1" Stencil="System.Storyboarding.Common" StencilVersion="0.1"/>
+  <Id Name="System.Storyboarding.Annotation.CallOut" Revision="1" Stencil="System.Storyboarding.Annotation" StencilVersion="0.1"/>
 </Control>
 </file>
 
@@ -27303,25 +27301,25 @@
 
 <file path=customXml/item234.xml><?xml version="1.0" encoding="utf-8"?>
 <Control xmlns="http://schemas.microsoft.com/VisualStudio/2011/storyboarding/control">
-  <Id Name="System.Storyboarding.Annotation.CallOut" Revision="1" Stencil="System.Storyboarding.Annotation" StencilVersion="0.1"/>
+  <Id Name="System.Storyboarding.WindowsAppIcons.Save" Revision="1" Stencil="System.Storyboarding.WindowsAppIcons" StencilVersion="0.1"/>
 </Control>
 </file>
 
 <file path=customXml/item235.xml><?xml version="1.0" encoding="utf-8"?>
 <Control xmlns="http://schemas.microsoft.com/VisualStudio/2011/storyboarding/control">
-  <Id Name="System.Storyboarding.WindowsApps.WindowsAppsEditBox" Revision="1" Stencil="System.Storyboarding.WindowsApps" StencilVersion="0.1"/>
+  <Id Name="fd7d7bed-114e-464c-a4f1-01a512005949" Revision="1" Stencil="System.MyShapes" StencilVersion="1.0"/>
 </Control>
 </file>
 
 <file path=customXml/item236.xml><?xml version="1.0" encoding="utf-8"?>
 <Control xmlns="http://schemas.microsoft.com/VisualStudio/2011/storyboarding/control">
-  <Id Name="System.Storyboarding.Annotation.CallOut" Revision="1" Stencil="System.Storyboarding.Annotation" StencilVersion="0.1"/>
+  <Id Name="System.Storyboarding.WindowsAppIcons.Games" Revision="1" Stencil="System.Storyboarding.WindowsAppIcons" StencilVersion="0.1"/>
 </Control>
 </file>
 
 <file path=customXml/item237.xml><?xml version="1.0" encoding="utf-8"?>
 <Control xmlns="http://schemas.microsoft.com/VisualStudio/2011/storyboarding/control">
-  <Id Name="System.Storyboarding.WindowsApps.WindowsAppsTileMedium" Revision="1" Stencil="System.Storyboarding.WindowsApps" StencilVersion="0.1"/>
+  <Id Name="System.Storyboarding.WindowsApps.WindowsAppsEditBox" Revision="1" Stencil="System.Storyboarding.WindowsApps" StencilVersion="0.1"/>
 </Control>
 </file>
 
@@ -27333,37 +27331,37 @@
 
 <file path=customXml/item239.xml><?xml version="1.0" encoding="utf-8"?>
 <Control xmlns="http://schemas.microsoft.com/VisualStudio/2011/storyboarding/control">
-  <Id Name="System.Storyboarding.WindowsAppIcons.Games" Revision="1" Stencil="System.Storyboarding.WindowsAppIcons" StencilVersion="0.1"/>
+  <Id Name="fd7d7bed-114e-464c-a4f1-01a512005949" Revision="1" Stencil="System.MyShapes" StencilVersion="1.0"/>
 </Control>
 </file>
 
 <file path=customXml/item24.xml><?xml version="1.0" encoding="utf-8"?>
+<Control xmlns="http://schemas.microsoft.com/VisualStudio/2011/storyboarding/control">
+  <Id Name="System.Storyboarding.WindowsApps.WindowsAppsTileMedium" Revision="1" Stencil="System.Storyboarding.WindowsApps" StencilVersion="0.1"/>
+</Control>
+</file>
+
+<file path=customXml/item240.xml><?xml version="1.0" encoding="utf-8"?>
+<Control xmlns="http://schemas.microsoft.com/VisualStudio/2011/storyboarding/control">
+  <Id Name="System.Storyboarding.Icons.CurvedArrow" Revision="1" Stencil="System.Storyboarding.Icons" StencilVersion="0.1"/>
+</Control>
+</file>
+
+<file path=customXml/item241.xml><?xml version="1.0" encoding="utf-8"?>
 <Control xmlns="http://schemas.microsoft.com/VisualStudio/2011/storyboarding/control">
   <Id Name="fd7d7bed-114e-464c-a4f1-01a512005949" Revision="1" Stencil="System.MyShapes" StencilVersion="1.0"/>
 </Control>
 </file>
 
-<file path=customXml/item240.xml><?xml version="1.0" encoding="utf-8"?>
-<Control xmlns="http://schemas.microsoft.com/VisualStudio/2011/storyboarding/control">
-  <Id Name="System.Storyboarding.WindowsApps.WindowsAppsButton" Revision="1" Stencil="System.Storyboarding.WindowsApps" StencilVersion="0.1"/>
-</Control>
-</file>
-
-<file path=customXml/item241.xml><?xml version="1.0" encoding="utf-8"?>
+<file path=customXml/item242.xml><?xml version="1.0" encoding="utf-8"?>
 <Control xmlns="http://schemas.microsoft.com/VisualStudio/2011/storyboarding/control">
   <Id Name="System.Storyboarding.WindowsApps.WindowsAppsTileMedium" Revision="1" Stencil="System.Storyboarding.WindowsApps" StencilVersion="0.1"/>
 </Control>
 </file>
 
-<file path=customXml/item242.xml><?xml version="1.0" encoding="utf-8"?>
-<Control xmlns="http://schemas.microsoft.com/VisualStudio/2011/storyboarding/control">
-  <Id Name="System.Storyboarding.WindowsApps.WindowsAppsEditBox" Revision="1" Stencil="System.Storyboarding.WindowsApps" StencilVersion="0.1"/>
-</Control>
-</file>
-
 <file path=customXml/item243.xml><?xml version="1.0" encoding="utf-8"?>
 <Control xmlns="http://schemas.microsoft.com/VisualStudio/2011/storyboarding/control">
-  <Id Name="System.Storyboarding.Annotation.CallOut" Revision="1" Stencil="System.Storyboarding.Annotation" StencilVersion="0.1"/>
+  <Id Name="System.Storyboarding.WindowsApps.WindowsAppsButton" Revision="1" Stencil="System.Storyboarding.WindowsApps" StencilVersion="0.1"/>
 </Control>
 </file>
 
@@ -27375,31 +27373,31 @@
 
 <file path=customXml/item245.xml><?xml version="1.0" encoding="utf-8"?>
 <Control xmlns="http://schemas.microsoft.com/VisualStudio/2011/storyboarding/control">
-  <Id Name="System.Storyboarding.Icons.Warning" Revision="1" Stencil="System.Storyboarding.Icons" StencilVersion="0.1"/>
+  <Id Name="fd7d7bed-114e-464c-a4f1-01a512005949" Revision="1" Stencil="System.MyShapes" StencilVersion="1.0"/>
 </Control>
 </file>
 
 <file path=customXml/item246.xml><?xml version="1.0" encoding="utf-8"?>
 <Control xmlns="http://schemas.microsoft.com/VisualStudio/2011/storyboarding/control">
-  <Id Name="System.Storyboarding.Icons.CurvedArrow" Revision="1" Stencil="System.Storyboarding.Icons" StencilVersion="0.1"/>
+  <Id Name="fd7d7bed-114e-464c-a4f1-01a512005949" Revision="1" Stencil="System.MyShapes" StencilVersion="1.0"/>
 </Control>
 </file>
 
 <file path=customXml/item247.xml><?xml version="1.0" encoding="utf-8"?>
 <Control xmlns="http://schemas.microsoft.com/VisualStudio/2011/storyboarding/control">
-  <Id Name="System.Storyboarding.WindowsAppIcons.Save" Revision="1" Stencil="System.Storyboarding.WindowsAppIcons" StencilVersion="0.1"/>
+  <Id Name="System.Storyboarding.WindowsApps.WindowsAppsTileMedium" Revision="1" Stencil="System.Storyboarding.WindowsApps" StencilVersion="0.1"/>
 </Control>
 </file>
 
 <file path=customXml/item248.xml><?xml version="1.0" encoding="utf-8"?>
 <Control xmlns="http://schemas.microsoft.com/VisualStudio/2011/storyboarding/control">
-  <Id Name="System.Storyboarding.WindowsAppIcons.Donotwant" Revision="1" Stencil="System.Storyboarding.WindowsAppIcons" StencilVersion="0.1"/>
+  <Id Name="System.Storyboarding.Annotation.CallOut" Revision="1" Stencil="System.Storyboarding.Annotation" StencilVersion="0.1"/>
 </Control>
 </file>
 
 <file path=customXml/item249.xml><?xml version="1.0" encoding="utf-8"?>
 <Control xmlns="http://schemas.microsoft.com/VisualStudio/2011/storyboarding/control">
-  <Id Name="System.Storyboarding.WindowsApps.WindowsAppsEditBox" Revision="1" Stencil="System.Storyboarding.WindowsApps" StencilVersion="0.1"/>
+  <Id Name="System.Storyboarding.Common.CheckBoxChecked" Revision="1" Stencil="System.Storyboarding.Common" StencilVersion="0.1"/>
 </Control>
 </file>
 
@@ -27411,7 +27409,7 @@
 
 <file path=customXml/item250.xml><?xml version="1.0" encoding="utf-8"?>
 <Control xmlns="http://schemas.microsoft.com/VisualStudio/2011/storyboarding/control">
-  <Id Name="System.Storyboarding.WindowsAppIcons.Plus" Revision="1" Stencil="System.Storyboarding.WindowsAppIcons" StencilVersion="0.1"/>
+  <Id Name="System.Storyboarding.Common.CheckBoxUnchecked" Revision="1" Stencil="System.Storyboarding.Common" StencilVersion="0.1"/>
 </Control>
 </file>
 
@@ -27423,187 +27421,187 @@
 
 <file path=customXml/item252.xml><?xml version="1.0" encoding="utf-8"?>
 <Control xmlns="http://schemas.microsoft.com/VisualStudio/2011/storyboarding/control">
+  <Id Name="System.Storyboarding.WindowsApps.WindowsAppsTileMedium" Revision="1" Stencil="System.Storyboarding.WindowsApps" StencilVersion="0.1"/>
+</Control>
+</file>
+
+<file path=customXml/item253.xml><?xml version="1.0" encoding="utf-8"?>
+<Control xmlns="http://schemas.microsoft.com/VisualStudio/2011/storyboarding/control">
+  <Id Name="System.Storyboarding.Annotation.CallOut" Revision="1" Stencil="System.Storyboarding.Annotation" StencilVersion="0.1"/>
+</Control>
+</file>
+
+<file path=customXml/item254.xml><?xml version="1.0" encoding="utf-8"?>
+<Control xmlns="http://schemas.microsoft.com/VisualStudio/2011/storyboarding/control">
+  <Id Name="System.Storyboarding.Annotation.CallOut" Revision="1" Stencil="System.Storyboarding.Annotation" StencilVersion="0.1"/>
+</Control>
+</file>
+
+<file path=customXml/item255.xml><?xml version="1.0" encoding="utf-8"?>
+<Control xmlns="http://schemas.microsoft.com/VisualStudio/2011/storyboarding/control">
+  <Id Name="System.Storyboarding.Annotation.CallOut" Revision="1" Stencil="System.Storyboarding.Annotation" StencilVersion="0.1"/>
+</Control>
+</file>
+
+<file path=customXml/item256.xml><?xml version="1.0" encoding="utf-8"?>
+<Control xmlns="http://schemas.microsoft.com/VisualStudio/2011/storyboarding/control">
+  <Id Name="System.Storyboarding.WindowsApps.WindowsAppsButton" Revision="1" Stencil="System.Storyboarding.WindowsApps" StencilVersion="0.1"/>
+</Control>
+</file>
+
+<file path=customXml/item257.xml><?xml version="1.0" encoding="utf-8"?>
+<Control xmlns="http://schemas.microsoft.com/VisualStudio/2011/storyboarding/control">
   <Id Name="System.Storyboarding.WindowsApps.WindowsAppsEditBox" Revision="1" Stencil="System.Storyboarding.WindowsApps" StencilVersion="0.1"/>
 </Control>
 </file>
 
-<file path=customXml/item253.xml><?xml version="1.0" encoding="utf-8"?>
+<file path=customXml/item258.xml><?xml version="1.0" encoding="utf-8"?>
+<Control xmlns="http://schemas.microsoft.com/VisualStudio/2011/storyboarding/control">
+  <Id Name="System.Storyboarding.WindowsApps.WindowsAppsButton" Revision="1" Stencil="System.Storyboarding.WindowsApps" StencilVersion="0.1"/>
+</Control>
+</file>
+
+<file path=customXml/item259.xml><?xml version="1.0" encoding="utf-8"?>
+<Control xmlns="http://schemas.microsoft.com/VisualStudio/2011/storyboarding/control">
+  <Id Name="System.Storyboarding.WindowsApps.WindowsAppsTileMedium" Revision="1" Stencil="System.Storyboarding.WindowsApps" StencilVersion="0.1"/>
+</Control>
+</file>
+
+<file path=customXml/item26.xml><?xml version="1.0" encoding="utf-8"?>
 <Control xmlns="http://schemas.microsoft.com/VisualStudio/2011/storyboarding/control">
   <Id Name="fd7d7bed-114e-464c-a4f1-01a512005949" Revision="1" Stencil="System.MyShapes" StencilVersion="1.0"/>
 </Control>
 </file>
 
-<file path=customXml/item254.xml><?xml version="1.0" encoding="utf-8"?>
+<file path=customXml/item260.xml><?xml version="1.0" encoding="utf-8"?>
+<Control xmlns="http://schemas.microsoft.com/VisualStudio/2011/storyboarding/control">
+  <Id Name="System.Storyboarding.WindowsApps.WindowsAppsButton" Revision="1" Stencil="System.Storyboarding.WindowsApps" StencilVersion="0.1"/>
+</Control>
+</file>
+
+<file path=customXml/item261.xml><?xml version="1.0" encoding="utf-8"?>
+<Control xmlns="http://schemas.microsoft.com/VisualStudio/2011/storyboarding/control">
+  <Id Name="System.Storyboarding.WindowsApps.WindowsAppsTileMedium" Revision="1" Stencil="System.Storyboarding.WindowsApps" StencilVersion="0.1"/>
+</Control>
+</file>
+
+<file path=customXml/item262.xml><?xml version="1.0" encoding="utf-8"?>
+<Control xmlns="http://schemas.microsoft.com/VisualStudio/2011/storyboarding/control">
+  <Id Name="System.Storyboarding.Annotation.CallOut" Revision="1" Stencil="System.Storyboarding.Annotation" StencilVersion="0.1"/>
+</Control>
+</file>
+
+<file path=customXml/item263.xml><?xml version="1.0" encoding="utf-8"?>
+<Control xmlns="http://schemas.microsoft.com/VisualStudio/2011/storyboarding/control">
+  <Id Name="System.Storyboarding.Annotation.CallOut" Revision="1" Stencil="System.Storyboarding.Annotation" StencilVersion="0.1"/>
+</Control>
+</file>
+
+<file path=customXml/item264.xml><?xml version="1.0" encoding="utf-8"?>
+<Control xmlns="http://schemas.microsoft.com/VisualStudio/2011/storyboarding/control">
+  <Id Name="System.Storyboarding.WindowsAppIcons.Save" Revision="1" Stencil="System.Storyboarding.WindowsAppIcons" StencilVersion="0.1"/>
+</Control>
+</file>
+
+<file path=customXml/item265.xml><?xml version="1.0" encoding="utf-8"?>
+<Control xmlns="http://schemas.microsoft.com/VisualStudio/2011/storyboarding/control">
+  <Id Name="System.Storyboarding.Annotation.CallOut" Revision="1" Stencil="System.Storyboarding.Annotation" StencilVersion="0.1"/>
+</Control>
+</file>
+
+<file path=customXml/item266.xml><?xml version="1.0" encoding="utf-8"?>
+<Control xmlns="http://schemas.microsoft.com/VisualStudio/2011/storyboarding/control">
+  <Id Name="System.Storyboarding.WindowsApps.WindowsAppsButton" Revision="1" Stencil="System.Storyboarding.WindowsApps" StencilVersion="0.1"/>
+</Control>
+</file>
+
+<file path=customXml/item267.xml><?xml version="1.0" encoding="utf-8"?>
+<Control xmlns="http://schemas.microsoft.com/VisualStudio/2011/storyboarding/control">
+  <Id Name="System.Storyboarding.Common.CheckBoxUnchecked" Revision="1" Stencil="System.Storyboarding.Common" StencilVersion="0.1"/>
+</Control>
+</file>
+
+<file path=customXml/item268.xml><?xml version="1.0" encoding="utf-8"?>
+<Control xmlns="http://schemas.microsoft.com/VisualStudio/2011/storyboarding/control">
+  <Id Name="System.Storyboarding.WindowsApps.WindowsAppsButton" Revision="1" Stencil="System.Storyboarding.WindowsApps" StencilVersion="0.1"/>
+</Control>
+</file>
+
+<file path=customXml/item269.xml><?xml version="1.0" encoding="utf-8"?>
 <Control xmlns="http://schemas.microsoft.com/VisualStudio/2011/storyboarding/control">
   <Id Name="fd7d7bed-114e-464c-a4f1-01a512005949" Revision="1" Stencil="System.MyShapes" StencilVersion="1.0"/>
 </Control>
 </file>
 
-<file path=customXml/item255.xml><?xml version="1.0" encoding="utf-8"?>
+<file path=customXml/item27.xml><?xml version="1.0" encoding="utf-8"?>
+<Control xmlns="http://schemas.microsoft.com/VisualStudio/2011/storyboarding/control">
+  <Id Name="System.Storyboarding.WindowsApps.WindowsAppsButton" Revision="1" Stencil="System.Storyboarding.WindowsApps" StencilVersion="0.1"/>
+</Control>
+</file>
+
+<file path=customXml/item270.xml><?xml version="1.0" encoding="utf-8"?>
+<Control xmlns="http://schemas.microsoft.com/VisualStudio/2011/storyboarding/control">
+  <Id Name="32035d07-bc66-4a79-8001-2507012193e3" RevisionId="7f6cc906-8fab-4878-8f41-90bcdc4e860e" Stencil="172d6d98-e5c9-42e9-a209-79f7a94bbd38" StencilRevisionId="00000000-0000-0000-0000-000000000000" StencilVersion="0.0"/>
+</Control>
+</file>
+
+<file path=customXml/item271.xml><?xml version="1.0" encoding="utf-8"?>
+<Control xmlns="http://schemas.microsoft.com/VisualStudio/2011/storyboarding/control">
+  <Id Name="System.Storyboarding.WindowsApps.WindowsAppsEditBox" Revision="1" Stencil="System.Storyboarding.WindowsApps" StencilVersion="0.1"/>
+</Control>
+</file>
+
+<file path=customXml/item272.xml><?xml version="1.0" encoding="utf-8"?>
+<Control xmlns="http://schemas.microsoft.com/VisualStudio/2011/storyboarding/control">
+  <Id Name="System.Storyboarding.WindowsApps.WindowsAppsTileMedium" Revision="1" Stencil="System.Storyboarding.WindowsApps" StencilVersion="0.1"/>
+</Control>
+</file>
+
+<file path=customXml/item273.xml><?xml version="1.0" encoding="utf-8"?>
+<Control xmlns="http://schemas.microsoft.com/VisualStudio/2011/storyboarding/control">
+  <Id Name="System.Storyboarding.WindowsApps.WindowsAppsTileMedium" Revision="1" Stencil="System.Storyboarding.WindowsApps" StencilVersion="0.1"/>
+</Control>
+</file>
+
+<file path=customXml/item274.xml><?xml version="1.0" encoding="utf-8"?>
 <Control xmlns="http://schemas.microsoft.com/VisualStudio/2011/storyboarding/control">
   <Id Name="fd7d7bed-114e-464c-a4f1-01a512005949" Revision="1" Stencil="System.MyShapes" StencilVersion="1.0"/>
 </Control>
 </file>
 
-<file path=customXml/item256.xml><?xml version="1.0" encoding="utf-8"?>
+<file path=customXml/item275.xml><?xml version="1.0" encoding="utf-8"?>
 <Control xmlns="http://schemas.microsoft.com/VisualStudio/2011/storyboarding/control">
-  <Id Name="fd7d7bed-114e-464c-a4f1-01a512005949" Revision="1" Stencil="System.MyShapes" StencilVersion="1.0"/>
+  <Id Name="System.Storyboarding.WindowsApps.WindowsAppsTileMedium" Revision="1" Stencil="System.Storyboarding.WindowsApps" StencilVersion="0.1"/>
 </Control>
 </file>
 
-<file path=customXml/item257.xml><?xml version="1.0" encoding="utf-8"?>
+<file path=customXml/item276.xml><?xml version="1.0" encoding="utf-8"?>
+<Control xmlns="http://schemas.microsoft.com/VisualStudio/2011/storyboarding/control">
+  <Id Name="System.Storyboarding.WindowsApps.WindowsAppsTileMedium" Revision="1" Stencil="System.Storyboarding.WindowsApps" StencilVersion="0.1"/>
+</Control>
+</file>
+
+<file path=customXml/item277.xml><?xml version="1.0" encoding="utf-8"?>
+<Control xmlns="http://schemas.microsoft.com/VisualStudio/2011/storyboarding/control">
+  <Id Name="System.Storyboarding.WindowsApps.WindowsAppsEditBox" Revision="1" Stencil="System.Storyboarding.WindowsApps" StencilVersion="0.1"/>
+</Control>
+</file>
+
+<file path=customXml/item278.xml><?xml version="1.0" encoding="utf-8"?>
+<Control xmlns="http://schemas.microsoft.com/VisualStudio/2011/storyboarding/control">
+  <Id Name="System.Storyboarding.WindowsApps.WindowsAppsTileMedium" Revision="1" Stencil="System.Storyboarding.WindowsApps" StencilVersion="0.1"/>
+</Control>
+</file>
+
+<file path=customXml/item279.xml><?xml version="1.0" encoding="utf-8"?>
 <Control xmlns="http://schemas.microsoft.com/VisualStudio/2011/storyboarding/control">
   <Id Name="System.Storyboarding.WindowsApps.WindowsAppsButton" Revision="1" Stencil="System.Storyboarding.WindowsApps" StencilVersion="0.1"/>
 </Control>
 </file>
 
-<file path=customXml/item258.xml><?xml version="1.0" encoding="utf-8"?>
-<Control xmlns="http://schemas.microsoft.com/VisualStudio/2011/storyboarding/control">
-  <Id Name="System.Storyboarding.WindowsApps.WindowsAppsTileMedium" Revision="1" Stencil="System.Storyboarding.WindowsApps" StencilVersion="0.1"/>
-</Control>
-</file>
-
-<file path=customXml/item259.xml><?xml version="1.0" encoding="utf-8"?>
-<Control xmlns="http://schemas.microsoft.com/VisualStudio/2011/storyboarding/control">
-  <Id Name="System.Storyboarding.WindowsApps.WindowsAppsEditBox" Revision="1" Stencil="System.Storyboarding.WindowsApps" StencilVersion="0.1"/>
-</Control>
-</file>
-
-<file path=customXml/item26.xml><?xml version="1.0" encoding="utf-8"?>
-<Control xmlns="http://schemas.microsoft.com/VisualStudio/2011/storyboarding/control">
-  <Id Name="System.Storyboarding.WindowsApps.WindowsAppsButton" Revision="1" Stencil="System.Storyboarding.WindowsApps" StencilVersion="0.1"/>
-</Control>
-</file>
-
-<file path=customXml/item260.xml><?xml version="1.0" encoding="utf-8"?>
-<Control xmlns="http://schemas.microsoft.com/VisualStudio/2011/storyboarding/control">
-  <Id Name="System.Storyboarding.WindowsApps.WindowsAppsTileMedium" Revision="1" Stencil="System.Storyboarding.WindowsApps" StencilVersion="0.1"/>
-</Control>
-</file>
-
-<file path=customXml/item261.xml><?xml version="1.0" encoding="utf-8"?>
-<Control xmlns="http://schemas.microsoft.com/VisualStudio/2011/storyboarding/control">
-  <Id Name="System.Storyboarding.WindowsApps.WindowsAppsButton" Revision="1" Stencil="System.Storyboarding.WindowsApps" StencilVersion="0.1"/>
-</Control>
-</file>
-
-<file path=customXml/item262.xml><?xml version="1.0" encoding="utf-8"?>
-<Control xmlns="http://schemas.microsoft.com/VisualStudio/2011/storyboarding/control">
-  <Id Name="System.Storyboarding.WindowsApps.WindowsAppsTileMedium" Revision="1" Stencil="System.Storyboarding.WindowsApps" StencilVersion="0.1"/>
-</Control>
-</file>
-
-<file path=customXml/item263.xml><?xml version="1.0" encoding="utf-8"?>
-<Control xmlns="http://schemas.microsoft.com/VisualStudio/2011/storyboarding/control">
-  <Id Name="System.Storyboarding.WindowsApps.WindowsAppsEditBox" Revision="1" Stencil="System.Storyboarding.WindowsApps" StencilVersion="0.1"/>
-</Control>
-</file>
-
-<file path=customXml/item264.xml><?xml version="1.0" encoding="utf-8"?>
-<Control xmlns="http://schemas.microsoft.com/VisualStudio/2011/storyboarding/control">
-  <Id Name="System.Storyboarding.Common.CheckBoxChecked" Revision="1" Stencil="System.Storyboarding.Common" StencilVersion="0.1"/>
-</Control>
-</file>
-
-<file path=customXml/item265.xml><?xml version="1.0" encoding="utf-8"?>
+<file path=customXml/item28.xml><?xml version="1.0" encoding="utf-8"?>
 <Control xmlns="http://schemas.microsoft.com/VisualStudio/2011/storyboarding/control">
   <Id Name="fd7d7bed-114e-464c-a4f1-01a512005949" Revision="1" Stencil="System.MyShapes" StencilVersion="1.0"/>
-</Control>
-</file>
-
-<file path=customXml/item266.xml><?xml version="1.0" encoding="utf-8"?>
-<Control xmlns="http://schemas.microsoft.com/VisualStudio/2011/storyboarding/control">
-  <Id Name="fd7d7bed-114e-464c-a4f1-01a512005949" Revision="1" Stencil="System.MyShapes" StencilVersion="1.0"/>
-</Control>
-</file>
-
-<file path=customXml/item267.xml><?xml version="1.0" encoding="utf-8"?>
-<Control xmlns="http://schemas.microsoft.com/VisualStudio/2011/storyboarding/control">
-  <Id Name="fd7d7bed-114e-464c-a4f1-01a512005949" Revision="1" Stencil="System.MyShapes" StencilVersion="1.0"/>
-</Control>
-</file>
-
-<file path=customXml/item268.xml><?xml version="1.0" encoding="utf-8"?>
-<Control xmlns="http://schemas.microsoft.com/VisualStudio/2011/storyboarding/control">
-  <Id Name="System.Storyboarding.WindowsApps.WindowsAppsEditBox" Revision="1" Stencil="System.Storyboarding.WindowsApps" StencilVersion="0.1"/>
-</Control>
-</file>
-
-<file path=customXml/item269.xml><?xml version="1.0" encoding="utf-8"?>
-<Control xmlns="http://schemas.microsoft.com/VisualStudio/2011/storyboarding/control">
-  <Id Name="System.Storyboarding.WindowsApps.WindowsAppsButton" Revision="1" Stencil="System.Storyboarding.WindowsApps" StencilVersion="0.1"/>
-</Control>
-</file>
-
-<file path=customXml/item27.xml><?xml version="1.0" encoding="utf-8"?>
-<Control xmlns="http://schemas.microsoft.com/VisualStudio/2011/storyboarding/control">
-  <Id Name="System.Storyboarding.WindowsApps.WindowsAppsEditBox" Revision="1" Stencil="System.Storyboarding.WindowsApps" StencilVersion="0.1"/>
-</Control>
-</file>
-
-<file path=customXml/item270.xml><?xml version="1.0" encoding="utf-8"?>
-<Control xmlns="http://schemas.microsoft.com/VisualStudio/2011/storyboarding/control">
-  <Id Name="fd7d7bed-114e-464c-a4f1-01a512005949" Revision="1" Stencil="System.MyShapes" StencilVersion="1.0"/>
-</Control>
-</file>
-
-<file path=customXml/item271.xml><?xml version="1.0" encoding="utf-8"?>
-<Control xmlns="http://schemas.microsoft.com/VisualStudio/2011/storyboarding/control">
-  <Id Name="System.Storyboarding.Annotation.CallOut" Revision="1" Stencil="System.Storyboarding.Annotation" StencilVersion="0.1"/>
-</Control>
-</file>
-
-<file path=customXml/item272.xml><?xml version="1.0" encoding="utf-8"?>
-<Control xmlns="http://schemas.microsoft.com/VisualStudio/2011/storyboarding/control">
-  <Id Name="fd7d7bed-114e-464c-a4f1-01a512005949" Revision="1" Stencil="System.MyShapes" StencilVersion="1.0"/>
-</Control>
-</file>
-
-<file path=customXml/item273.xml><?xml version="1.0" encoding="utf-8"?>
-<Control xmlns="http://schemas.microsoft.com/VisualStudio/2011/storyboarding/control">
-  <Id Name="System.Storyboarding.WindowsApps.WindowsAppsButton" Revision="1" Stencil="System.Storyboarding.WindowsApps" StencilVersion="0.1"/>
-</Control>
-</file>
-
-<file path=customXml/item274.xml><?xml version="1.0" encoding="utf-8"?>
-<Control xmlns="http://schemas.microsoft.com/VisualStudio/2011/storyboarding/control">
-  <Id Name="System.Storyboarding.WindowsApps.WindowsAppsTileMedium" Revision="1" Stencil="System.Storyboarding.WindowsApps" StencilVersion="0.1"/>
-</Control>
-</file>
-
-<file path=customXml/item275.xml><?xml version="1.0" encoding="utf-8"?>
-<Control xmlns="http://schemas.microsoft.com/VisualStudio/2011/storyboarding/control">
-  <Id Name="System.Storyboarding.Annotation.CallOut" Revision="1" Stencil="System.Storyboarding.Annotation" StencilVersion="0.1"/>
-</Control>
-</file>
-
-<file path=customXml/item276.xml><?xml version="1.0" encoding="utf-8"?>
-<Control xmlns="http://schemas.microsoft.com/VisualStudio/2011/storyboarding/control">
-  <Id Name="System.Storyboarding.Common.CheckBoxUnchecked" Revision="1" Stencil="System.Storyboarding.Common" StencilVersion="0.1"/>
-</Control>
-</file>
-
-<file path=customXml/item277.xml><?xml version="1.0" encoding="utf-8"?>
-<Control xmlns="http://schemas.microsoft.com/VisualStudio/2011/storyboarding/control">
-  <Id Name="System.Storyboarding.Backgrounds.WindowsPhone" Revision="1" Stencil="System.Storyboarding.Backgrounds" StencilVersion="0.1"/>
-</Control>
-</file>
-
-<file path=customXml/item278.xml><?xml version="1.0" encoding="utf-8"?>
-<Control xmlns="http://schemas.microsoft.com/VisualStudio/2011/storyboarding/control">
-  <Id Name="System.Storyboarding.WindowsApps.WindowsAppsEditBox" Revision="1" Stencil="System.Storyboarding.WindowsApps" StencilVersion="0.1"/>
-</Control>
-</file>
-
-<file path=customXml/item279.xml><?xml version="1.0" encoding="utf-8"?>
-<Control xmlns="http://schemas.microsoft.com/VisualStudio/2011/storyboarding/control">
-  <Id Name="System.Storyboarding.Annotation.CallOut" Revision="1" Stencil="System.Storyboarding.Annotation" StencilVersion="0.1"/>
-</Control>
-</file>
-
-<file path=customXml/item28.xml><?xml version="1.0" encoding="utf-8"?>
-<Control xmlns="http://schemas.microsoft.com/VisualStudio/2011/storyboarding/control">
-  <Id Name="System.Storyboarding.WindowsApps.WindowsAppsTileMedium" Revision="1" Stencil="System.Storyboarding.WindowsApps" StencilVersion="0.1"/>
 </Control>
 </file>
 
@@ -27615,7 +27613,7 @@
 
 <file path=customXml/item281.xml><?xml version="1.0" encoding="utf-8"?>
 <Control xmlns="http://schemas.microsoft.com/VisualStudio/2011/storyboarding/control">
-  <Id Name="fd7d7bed-114e-464c-a4f1-01a512005949" Revision="1" Stencil="System.MyShapes" StencilVersion="1.0"/>
+  <Id Name="System.Storyboarding.WindowsApps.WindowsAppsEditBox" Revision="1" Stencil="System.Storyboarding.WindowsApps" StencilVersion="0.1"/>
 </Control>
 </file>
 
@@ -27627,25 +27625,25 @@
 
 <file path=customXml/item283.xml><?xml version="1.0" encoding="utf-8"?>
 <Control xmlns="http://schemas.microsoft.com/VisualStudio/2011/storyboarding/control">
-  <Id Name="System.Storyboarding.WindowsApps.WindowsAppsButton" Revision="1" Stencil="System.Storyboarding.WindowsApps" StencilVersion="0.1"/>
+  <Id Name="System.Storyboarding.WindowsApps.WindowsAppsTileMedium" Revision="1" Stencil="System.Storyboarding.WindowsApps" StencilVersion="0.1"/>
 </Control>
 </file>
 
 <file path=customXml/item284.xml><?xml version="1.0" encoding="utf-8"?>
-<Control xmlns="http://schemas.microsoft.com/VisualStudio/2011/storyboarding/control">
-  <Id Name="System.Storyboarding.WindowsApps.WindowsAppsEditBox" Revision="1" Stencil="System.Storyboarding.WindowsApps" StencilVersion="0.1"/>
-</Control>
-</file>
-
-<file path=customXml/item285.xml><?xml version="1.0" encoding="utf-8"?>
 <Control xmlns="http://schemas.microsoft.com/VisualStudio/2011/storyboarding/control">
   <Id Name="System.Storyboarding.WindowsApps.WindowsAppsTileMedium" Revision="1" Stencil="System.Storyboarding.WindowsApps" StencilVersion="0.1"/>
 </Control>
 </file>
 
+<file path=customXml/item285.xml><?xml version="1.0" encoding="utf-8"?>
+<Control xmlns="http://schemas.microsoft.com/VisualStudio/2011/storyboarding/control">
+  <Id Name="System.Storyboarding.WindowsApps.WindowsAppsButton" Revision="1" Stencil="System.Storyboarding.WindowsApps" StencilVersion="0.1"/>
+</Control>
+</file>
+
 <file path=customXml/item286.xml><?xml version="1.0" encoding="utf-8"?>
 <Control xmlns="http://schemas.microsoft.com/VisualStudio/2011/storyboarding/control">
-  <Id Name="System.Storyboarding.WindowsApps.WindowsAppsTileMedium" Revision="1" Stencil="System.Storyboarding.WindowsApps" StencilVersion="0.1"/>
+  <Id Name="System.Storyboarding.WindowsAppIcons.Like" Revision="1" Stencil="System.Storyboarding.WindowsAppIcons" StencilVersion="0.1"/>
 </Control>
 </file>
 
@@ -27663,13 +27661,13 @@
 
 <file path=customXml/item289.xml><?xml version="1.0" encoding="utf-8"?>
 <Control xmlns="http://schemas.microsoft.com/VisualStudio/2011/storyboarding/control">
-  <Id Name="System.Storyboarding.WindowsApps.WindowsAppsButton" Revision="1" Stencil="System.Storyboarding.WindowsApps" StencilVersion="0.1"/>
+  <Id Name="System.Storyboarding.WindowsDesktop.AlertDialog" Revision="1" Stencil="System.Storyboarding.WindowsDesktop" StencilVersion="0.1"/>
 </Control>
 </file>
 
 <file path=customXml/item29.xml><?xml version="1.0" encoding="utf-8"?>
 <Control xmlns="http://schemas.microsoft.com/VisualStudio/2011/storyboarding/control">
-  <Id Name="fd7d7bed-114e-464c-a4f1-01a512005949" Revision="1" Stencil="System.MyShapes" StencilVersion="1.0"/>
+  <Id Name="System.Storyboarding.WindowsApps.WindowsAppsTileMedium" Revision="1" Stencil="System.Storyboarding.WindowsApps" StencilVersion="0.1"/>
 </Control>
 </file>
 
@@ -27681,43 +27679,43 @@
 
 <file path=customXml/item291.xml><?xml version="1.0" encoding="utf-8"?>
 <Control xmlns="http://schemas.microsoft.com/VisualStudio/2011/storyboarding/control">
+  <Id Name="System.Storyboarding.WindowsApps.WindowsAppsButton" Revision="1" Stencil="System.Storyboarding.WindowsApps" StencilVersion="0.1"/>
+</Control>
+</file>
+
+<file path=customXml/item292.xml><?xml version="1.0" encoding="utf-8"?>
+<Control xmlns="http://schemas.microsoft.com/VisualStudio/2011/storyboarding/control">
   <Id Name="System.Storyboarding.WindowsApps.WindowsAppsTileMedium" Revision="1" Stencil="System.Storyboarding.WindowsApps" StencilVersion="0.1"/>
 </Control>
 </file>
 
-<file path=customXml/item292.xml><?xml version="1.0" encoding="utf-8"?>
-<Control xmlns="http://schemas.microsoft.com/VisualStudio/2011/storyboarding/control">
-  <Id Name="System.Storyboarding.WindowsApps.WindowsAppsButton" Revision="1" Stencil="System.Storyboarding.WindowsApps" StencilVersion="0.1"/>
-</Control>
-</file>
-
 <file path=customXml/item293.xml><?xml version="1.0" encoding="utf-8"?>
 <Control xmlns="http://schemas.microsoft.com/VisualStudio/2011/storyboarding/control">
-  <Id Name="fd7d7bed-114e-464c-a4f1-01a512005949" Revision="1" Stencil="System.MyShapes" StencilVersion="1.0"/>
+  <Id Name="System.Storyboarding.Annotation.CallOut" Revision="1" Stencil="System.Storyboarding.Annotation" StencilVersion="0.1"/>
 </Control>
 </file>
 
 <file path=customXml/item294.xml><?xml version="1.0" encoding="utf-8"?>
+<Control xmlns="http://schemas.microsoft.com/VisualStudio/2011/storyboarding/control">
+  <Id Name="System.Storyboarding.Annotation.StickyNote" Revision="1" Stencil="System.Storyboarding.Annotation" StencilVersion="0.1"/>
+</Control>
+</file>
+
+<file path=customXml/item295.xml><?xml version="1.0" encoding="utf-8"?>
 <Control xmlns="http://schemas.microsoft.com/VisualStudio/2011/storyboarding/control">
   <Id Name="System.Storyboarding.WindowsApps.WindowsAppsEditBox" Revision="1" Stencil="System.Storyboarding.WindowsApps" StencilVersion="0.1"/>
 </Control>
 </file>
 
-<file path=customXml/item295.xml><?xml version="1.0" encoding="utf-8"?>
-<Control xmlns="http://schemas.microsoft.com/VisualStudio/2011/storyboarding/control">
-  <Id Name="System.Storyboarding.WindowsApps.WindowsAppsTileMedium" Revision="1" Stencil="System.Storyboarding.WindowsApps" StencilVersion="0.1"/>
-</Control>
-</file>
-
 <file path=customXml/item296.xml><?xml version="1.0" encoding="utf-8"?>
 <Control xmlns="http://schemas.microsoft.com/VisualStudio/2011/storyboarding/control">
-  <Id Name="System.Storyboarding.Common.CheckBoxUnchecked" Revision="1" Stencil="System.Storyboarding.Common" StencilVersion="0.1"/>
+  <Id Name="System.Storyboarding.Annotation.StickyNote" Revision="1" Stencil="System.Storyboarding.Annotation" StencilVersion="0.1"/>
 </Control>
 </file>
 
 <file path=customXml/item297.xml><?xml version="1.0" encoding="utf-8"?>
 <Control xmlns="http://schemas.microsoft.com/VisualStudio/2011/storyboarding/control">
-  <Id Name="System.Storyboarding.Common.CheckBoxUnchecked" Revision="1" Stencil="System.Storyboarding.Common" StencilVersion="0.1"/>
+  <Id Name="System.Storyboarding.Annotation.CallOut" Revision="1" Stencil="System.Storyboarding.Annotation" StencilVersion="0.1"/>
 </Control>
 </file>
 
@@ -27729,61 +27727,61 @@
 
 <file path=customXml/item299.xml><?xml version="1.0" encoding="utf-8"?>
 <Control xmlns="http://schemas.microsoft.com/VisualStudio/2011/storyboarding/control">
-  <Id Name="System.Storyboarding.Annotation.CallOut" Revision="1" Stencil="System.Storyboarding.Annotation" StencilVersion="0.1"/>
+  <Id Name="System.Storyboarding.WindowsApps.WindowsAppsButton" Revision="1" Stencil="System.Storyboarding.WindowsApps" StencilVersion="0.1"/>
 </Control>
 </file>
 
 <file path=customXml/item3.xml><?xml version="1.0" encoding="utf-8"?>
-<Control xmlns="http://schemas.microsoft.com/VisualStudio/2011/storyboarding/control">
-  <Id Name="System.Storyboarding.Icons.CurvedArrow" Revision="1" Stencil="System.Storyboarding.Icons" StencilVersion="0.1"/>
-</Control>
-</file>
-
-<file path=customXml/item30.xml><?xml version="1.0" encoding="utf-8"?>
-<Control xmlns="http://schemas.microsoft.com/VisualStudio/2011/storyboarding/control">
-  <Id Name="fd7d7bed-114e-464c-a4f1-01a512005949" Revision="1" Stencil="System.MyShapes" StencilVersion="1.0"/>
-</Control>
-</file>
-
-<file path=customXml/item300.xml><?xml version="1.0" encoding="utf-8"?>
 <Control xmlns="http://schemas.microsoft.com/VisualStudio/2011/storyboarding/control">
   <Id Name="System.Storyboarding.WindowsApps.WindowsAppsTileMedium" Revision="1" Stencil="System.Storyboarding.WindowsApps" StencilVersion="0.1"/>
 </Control>
 </file>
 
+<file path=customXml/item30.xml><?xml version="1.0" encoding="utf-8"?>
+<Control xmlns="http://schemas.microsoft.com/VisualStudio/2011/storyboarding/control">
+  <Id Name="System.Storyboarding.WindowsApps.WindowsAppsTileMedium" Revision="1" Stencil="System.Storyboarding.WindowsApps" StencilVersion="0.1"/>
+</Control>
+</file>
+
+<file path=customXml/item300.xml><?xml version="1.0" encoding="utf-8"?>
+<Control xmlns="http://schemas.microsoft.com/VisualStudio/2011/storyboarding/control">
+  <Id Name="System.Storyboarding.WindowsApps.WindowsAppsButton" Revision="1" Stencil="System.Storyboarding.WindowsApps" StencilVersion="0.1"/>
+</Control>
+</file>
+
 <file path=customXml/item301.xml><?xml version="1.0" encoding="utf-8"?>
 <Control xmlns="http://schemas.microsoft.com/VisualStudio/2011/storyboarding/control">
-  <Id Name="fd7d7bed-114e-464c-a4f1-01a512005949" Revision="1" Stencil="System.MyShapes" StencilVersion="1.0"/>
+  <Id Name="System.Storyboarding.WindowsApps.WindowsAppsTileMedium" Revision="1" Stencil="System.Storyboarding.WindowsApps" StencilVersion="0.1"/>
 </Control>
 </file>
 
 <file path=customXml/item302.xml><?xml version="1.0" encoding="utf-8"?>
+<Control xmlns="http://schemas.microsoft.com/VisualStudio/2011/storyboarding/control">
+  <Id Name="System.Storyboarding.Annotation.AnimatedRectangleCallout" Revision="1" Stencil="System.Storyboarding.Annotation" StencilVersion="0.1"/>
+</Control>
+</file>
+
+<file path=customXml/item303.xml><?xml version="1.0" encoding="utf-8"?>
+<Control xmlns="http://schemas.microsoft.com/VisualStudio/2011/storyboarding/control">
+  <Id Name="System.Storyboarding.WindowsApps.WindowsAppsEditBox" Revision="1" Stencil="System.Storyboarding.WindowsApps" StencilVersion="0.1"/>
+</Control>
+</file>
+
+<file path=customXml/item304.xml><?xml version="1.0" encoding="utf-8"?>
 <Control xmlns="http://schemas.microsoft.com/VisualStudio/2011/storyboarding/control">
   <Id Name="System.Storyboarding.Annotation.CallOut" Revision="1" Stencil="System.Storyboarding.Annotation" StencilVersion="0.1"/>
 </Control>
 </file>
 
-<file path=customXml/item303.xml><?xml version="1.0" encoding="utf-8"?>
+<file path=customXml/item305.xml><?xml version="1.0" encoding="utf-8"?>
 <Control xmlns="http://schemas.microsoft.com/VisualStudio/2011/storyboarding/control">
   <Id Name="System.Storyboarding.WindowsApps.WindowsAppsButton" Revision="1" Stencil="System.Storyboarding.WindowsApps" StencilVersion="0.1"/>
 </Control>
 </file>
 
-<file path=customXml/item304.xml><?xml version="1.0" encoding="utf-8"?>
-<Control xmlns="http://schemas.microsoft.com/VisualStudio/2011/storyboarding/control">
-  <Id Name="fd7d7bed-114e-464c-a4f1-01a512005949" Revision="1" Stencil="System.MyShapes" StencilVersion="1.0"/>
-</Control>
-</file>
-
-<file path=customXml/item305.xml><?xml version="1.0" encoding="utf-8"?>
-<Control xmlns="http://schemas.microsoft.com/VisualStudio/2011/storyboarding/control">
-  <Id Name="System.Storyboarding.WindowsDesktop.AlertDialog" Revision="1" Stencil="System.Storyboarding.WindowsDesktop" StencilVersion="0.1"/>
-</Control>
-</file>
-
 <file path=customXml/item306.xml><?xml version="1.0" encoding="utf-8"?>
 <Control xmlns="http://schemas.microsoft.com/VisualStudio/2011/storyboarding/control">
-  <Id Name="System.Storyboarding.WindowsDesktop.AlertDialog" Revision="1" Stencil="System.Storyboarding.WindowsDesktop" StencilVersion="0.1"/>
+  <Id Name="System.Storyboarding.Annotation.CallOut" Revision="1" Stencil="System.Storyboarding.Annotation" StencilVersion="0.1"/>
 </Control>
 </file>
 
@@ -27795,7 +27793,7 @@
 
 <file path=customXml/item32.xml><?xml version="1.0" encoding="utf-8"?>
 <Control xmlns="http://schemas.microsoft.com/VisualStudio/2011/storyboarding/control">
-  <Id Name="System.Storyboarding.Annotation.CallOut" Revision="1" Stencil="System.Storyboarding.Annotation" StencilVersion="0.1"/>
+  <Id Name="fd7d7bed-114e-464c-a4f1-01a512005949" Revision="1" Stencil="System.MyShapes" StencilVersion="1.0"/>
 </Control>
 </file>
 
@@ -27807,109 +27805,109 @@
 
 <file path=customXml/item34.xml><?xml version="1.0" encoding="utf-8"?>
 <Control xmlns="http://schemas.microsoft.com/VisualStudio/2011/storyboarding/control">
-  <Id Name="fd7d7bed-114e-464c-a4f1-01a512005949" Revision="1" Stencil="System.MyShapes" StencilVersion="1.0"/>
+  <Id Name="System.Storyboarding.WindowsApps.WindowsAppsTileMedium" Revision="1" Stencil="System.Storyboarding.WindowsApps" StencilVersion="0.1"/>
 </Control>
 </file>
 
 <file path=customXml/item35.xml><?xml version="1.0" encoding="utf-8"?>
+<Control xmlns="http://schemas.microsoft.com/VisualStudio/2011/storyboarding/control">
+  <Id Name="System.Storyboarding.WindowsApps.WindowsAppsButton" Revision="1" Stencil="System.Storyboarding.WindowsApps" StencilVersion="0.1"/>
+</Control>
+</file>
+
+<file path=customXml/item36.xml><?xml version="1.0" encoding="utf-8"?>
 <Control xmlns="http://schemas.microsoft.com/VisualStudio/2011/storyboarding/control">
   <Id Name="fd7d7bed-114e-464c-a4f1-01a512005949" Revision="1" Stencil="System.MyShapes" StencilVersion="1.0"/>
 </Control>
 </file>
 
-<file path=customXml/item36.xml><?xml version="1.0" encoding="utf-8"?>
+<file path=customXml/item37.xml><?xml version="1.0" encoding="utf-8"?>
+<Control xmlns="http://schemas.microsoft.com/VisualStudio/2011/storyboarding/control">
+  <Id Name="System.Storyboarding.WindowsApps.WindowsAppsTileMedium" Revision="1" Stencil="System.Storyboarding.WindowsApps" StencilVersion="0.1"/>
+</Control>
+</file>
+
+<file path=customXml/item38.xml><?xml version="1.0" encoding="utf-8"?>
+<Control xmlns="http://schemas.microsoft.com/VisualStudio/2011/storyboarding/control">
+  <Id Name="fd7d7bed-114e-464c-a4f1-01a512005949" Revision="1" Stencil="System.MyShapes" StencilVersion="1.0"/>
+</Control>
+</file>
+
+<file path=customXml/item39.xml><?xml version="1.0" encoding="utf-8"?>
 <Control xmlns="http://schemas.microsoft.com/VisualStudio/2011/storyboarding/control">
   <Id Name="System.Storyboarding.WindowsApps.WindowsAppsButton" Revision="1" Stencil="System.Storyboarding.WindowsApps" StencilVersion="0.1"/>
 </Control>
 </file>
 
-<file path=customXml/item37.xml><?xml version="1.0" encoding="utf-8"?>
+<file path=customXml/item4.xml><?xml version="1.0" encoding="utf-8"?>
 <Control xmlns="http://schemas.microsoft.com/VisualStudio/2011/storyboarding/control">
   <Id Name="System.Storyboarding.Annotation.CallOut" Revision="1" Stencil="System.Storyboarding.Annotation" StencilVersion="0.1"/>
 </Control>
 </file>
 
-<file path=customXml/item38.xml><?xml version="1.0" encoding="utf-8"?>
-<Control xmlns="http://schemas.microsoft.com/VisualStudio/2011/storyboarding/control">
-  <Id Name="System.Storyboarding.Annotation.StickyNote" Revision="1" Stencil="System.Storyboarding.Annotation" StencilVersion="0.1"/>
-</Control>
-</file>
-
-<file path=customXml/item39.xml><?xml version="1.0" encoding="utf-8"?>
+<file path=customXml/item40.xml><?xml version="1.0" encoding="utf-8"?>
 <Control xmlns="http://schemas.microsoft.com/VisualStudio/2011/storyboarding/control">
   <Id Name="System.Storyboarding.WindowsApps.WindowsAppsTileMedium" Revision="1" Stencil="System.Storyboarding.WindowsApps" StencilVersion="0.1"/>
 </Control>
 </file>
 
-<file path=customXml/item4.xml><?xml version="1.0" encoding="utf-8"?>
+<file path=customXml/item41.xml><?xml version="1.0" encoding="utf-8"?>
 <Control xmlns="http://schemas.microsoft.com/VisualStudio/2011/storyboarding/control">
-  <Id Name="System.Storyboarding.WindowsApps.WindowsAppsTileMedium" Revision="1" Stencil="System.Storyboarding.WindowsApps" StencilVersion="0.1"/>
+  <Id Name="System.Storyboarding.WindowsApps.WindowsAppsEditBox" Revision="1" Stencil="System.Storyboarding.WindowsApps" StencilVersion="0.1"/>
 </Control>
 </file>
 
-<file path=customXml/item40.xml><?xml version="1.0" encoding="utf-8"?>
+<file path=customXml/item42.xml><?xml version="1.0" encoding="utf-8"?>
+<Control xmlns="http://schemas.microsoft.com/VisualStudio/2011/storyboarding/control">
+  <Id Name="System.Storyboarding.WindowsAppIcons.Games" Revision="1" Stencil="System.Storyboarding.WindowsAppIcons" StencilVersion="0.1"/>
+</Control>
+</file>
+
+<file path=customXml/item43.xml><?xml version="1.0" encoding="utf-8"?>
 <Control xmlns="http://schemas.microsoft.com/VisualStudio/2011/storyboarding/control">
   <Id Name="System.Storyboarding.WindowsAppIcons.Plus" Revision="1" Stencil="System.Storyboarding.WindowsAppIcons" StencilVersion="0.1"/>
 </Control>
 </file>
 
-<file path=customXml/item41.xml><?xml version="1.0" encoding="utf-8"?>
+<file path=customXml/item44.xml><?xml version="1.0" encoding="utf-8"?>
 <Control xmlns="http://schemas.microsoft.com/VisualStudio/2011/storyboarding/control">
   <Id Name="System.Storyboarding.Annotation.CallOut" Revision="1" Stencil="System.Storyboarding.Annotation" StencilVersion="0.1"/>
 </Control>
 </file>
 
-<file path=customXml/item42.xml><?xml version="1.0" encoding="utf-8"?>
+<file path=customXml/item45.xml><?xml version="1.0" encoding="utf-8"?>
 <Control xmlns="http://schemas.microsoft.com/VisualStudio/2011/storyboarding/control">
-  <Id Name="System.Storyboarding.WindowsApps.WindowsAppsTileMedium" Revision="1" Stencil="System.Storyboarding.WindowsApps" StencilVersion="0.1"/>
+  <Id Name="System.Storyboarding.WindowsApps.WindowsAppsButton" Revision="1" Stencil="System.Storyboarding.WindowsApps" StencilVersion="0.1"/>
 </Control>
 </file>
 
-<file path=customXml/item43.xml><?xml version="1.0" encoding="utf-8"?>
+<file path=customXml/item46.xml><?xml version="1.0" encoding="utf-8"?>
 <Control xmlns="http://schemas.microsoft.com/VisualStudio/2011/storyboarding/control">
-  <Id Name="System.Storyboarding.Annotation.StickyNote" Revision="1" Stencil="System.Storyboarding.Annotation" StencilVersion="0.1"/>
+  <Id Name="System.Storyboarding.WindowsDesktop.AlertDialog" Revision="1" Stencil="System.Storyboarding.WindowsDesktop" StencilVersion="0.1"/>
 </Control>
 </file>
 
-<file path=customXml/item44.xml><?xml version="1.0" encoding="utf-8"?>
+<file path=customXml/item47.xml><?xml version="1.0" encoding="utf-8"?>
 <Control xmlns="http://schemas.microsoft.com/VisualStudio/2011/storyboarding/control">
-  <Id Name="System.Storyboarding.WindowsApps.WindowsAppsTileMedium" Revision="1" Stencil="System.Storyboarding.WindowsApps" StencilVersion="0.1"/>
+  <Id Name="fd7d7bed-114e-464c-a4f1-01a512005949" Revision="1" Stencil="System.MyShapes" StencilVersion="1.0"/>
 </Control>
 </file>
 
-<file path=customXml/item45.xml><?xml version="1.0" encoding="utf-8"?>
+<file path=customXml/item48.xml><?xml version="1.0" encoding="utf-8"?>
 <Control xmlns="http://schemas.microsoft.com/VisualStudio/2011/storyboarding/control">
   <Id Name="System.Storyboarding.Annotation.AnimatedRectangleCallout" Revision="1" Stencil="System.Storyboarding.Annotation" StencilVersion="0.1"/>
 </Control>
 </file>
 
-<file path=customXml/item46.xml><?xml version="1.0" encoding="utf-8"?>
-<Control xmlns="http://schemas.microsoft.com/VisualStudio/2011/storyboarding/control">
-  <Id Name="fd7d7bed-114e-464c-a4f1-01a512005949" Revision="1" Stencil="System.MyShapes" StencilVersion="1.0"/>
-</Control>
-</file>
-
-<file path=customXml/item47.xml><?xml version="1.0" encoding="utf-8"?>
-<Control xmlns="http://schemas.microsoft.com/VisualStudio/2011/storyboarding/control">
-  <Id Name="System.Storyboarding.WindowsApps.WindowsAppsButton" Revision="1" Stencil="System.Storyboarding.WindowsApps" StencilVersion="0.1"/>
-</Control>
-</file>
-
-<file path=customXml/item48.xml><?xml version="1.0" encoding="utf-8"?>
-<Control xmlns="http://schemas.microsoft.com/VisualStudio/2011/storyboarding/control">
-  <Id Name="System.Storyboarding.WindowsApps.WindowsAppsTileMedium" Revision="1" Stencil="System.Storyboarding.WindowsApps" StencilVersion="0.1"/>
-</Control>
-</file>
-
 <file path=customXml/item49.xml><?xml version="1.0" encoding="utf-8"?>
 <Control xmlns="http://schemas.microsoft.com/VisualStudio/2011/storyboarding/control">
-  <Id Name="System.Storyboarding.WindowsApps.WindowsAppsEditBox" Revision="1" Stencil="System.Storyboarding.WindowsApps" StencilVersion="0.1"/>
+  <Id Name="System.Storyboarding.Annotation.CallOut" Revision="1" Stencil="System.Storyboarding.Annotation" StencilVersion="0.1"/>
 </Control>
 </file>
 
 <file path=customXml/item5.xml><?xml version="1.0" encoding="utf-8"?>
 <Control xmlns="http://schemas.microsoft.com/VisualStudio/2011/storyboarding/control">
-  <Id Name="32035d07-bc66-4a79-8001-2507012193e3" RevisionId="7f6cc906-8fab-4878-8f41-90bcdc4e860e" Stencil="172d6d98-e5c9-42e9-a209-79f7a94bbd38" StencilRevisionId="00000000-0000-0000-0000-000000000000" StencilVersion="0.0"/>
+  <Id Name="System.Storyboarding.Annotation.StickyNote" Revision="1" Stencil="System.Storyboarding.Annotation" StencilVersion="0.1"/>
 </Control>
 </file>
 
@@ -27921,133 +27919,133 @@
 
 <file path=customXml/item51.xml><?xml version="1.0" encoding="utf-8"?>
 <Control xmlns="http://schemas.microsoft.com/VisualStudio/2011/storyboarding/control">
-  <Id Name="System.Storyboarding.WindowsApps.WindowsAppsTileMedium" Revision="1" Stencil="System.Storyboarding.WindowsApps" StencilVersion="0.1"/>
+  <Id Name="fd7d7bed-114e-464c-a4f1-01a512005949" Revision="1" Stencil="System.MyShapes" StencilVersion="1.0"/>
 </Control>
 </file>
 
 <file path=customXml/item52.xml><?xml version="1.0" encoding="utf-8"?>
+<Control xmlns="http://schemas.microsoft.com/VisualStudio/2011/storyboarding/control">
+  <Id Name="fd7d7bed-114e-464c-a4f1-01a512005949" Revision="1" Stencil="System.MyShapes" StencilVersion="1.0"/>
+</Control>
+</file>
+
+<file path=customXml/item53.xml><?xml version="1.0" encoding="utf-8"?>
+<Control xmlns="http://schemas.microsoft.com/VisualStudio/2011/storyboarding/control">
+  <Id Name="System.Storyboarding.Icons.CurvedArrow" Revision="1" Stencil="System.Storyboarding.Icons" StencilVersion="0.1"/>
+</Control>
+</file>
+
+<file path=customXml/item54.xml><?xml version="1.0" encoding="utf-8"?>
+<Control xmlns="http://schemas.microsoft.com/VisualStudio/2011/storyboarding/control">
+  <Id Name="fd7d7bed-114e-464c-a4f1-01a512005949" Revision="1" Stencil="System.MyShapes" StencilVersion="1.0"/>
+</Control>
+</file>
+
+<file path=customXml/item55.xml><?xml version="1.0" encoding="utf-8"?>
 <Control xmlns="http://schemas.microsoft.com/VisualStudio/2011/storyboarding/control">
   <Id Name="System.Storyboarding.WindowsApps.WindowsAppsTileMedium" Revision="1" Stencil="System.Storyboarding.WindowsApps" StencilVersion="0.1"/>
 </Control>
 </file>
 
-<file path=customXml/item53.xml><?xml version="1.0" encoding="utf-8"?>
+<file path=customXml/item56.xml><?xml version="1.0" encoding="utf-8"?>
+<Control xmlns="http://schemas.microsoft.com/VisualStudio/2011/storyboarding/control">
+  <Id Name="fd7d7bed-114e-464c-a4f1-01a512005949" Revision="1" Stencil="System.MyShapes" StencilVersion="1.0"/>
+</Control>
+</file>
+
+<file path=customXml/item57.xml><?xml version="1.0" encoding="utf-8"?>
+<Control xmlns="http://schemas.microsoft.com/VisualStudio/2011/storyboarding/control">
+  <Id Name="fd7d7bed-114e-464c-a4f1-01a512005949" Revision="1" Stencil="System.MyShapes" StencilVersion="1.0"/>
+</Control>
+</file>
+
+<file path=customXml/item58.xml><?xml version="1.0" encoding="utf-8"?>
 <Control xmlns="http://schemas.microsoft.com/VisualStudio/2011/storyboarding/control">
   <Id Name="System.Storyboarding.WindowsApps.WindowsAppsButton" Revision="1" Stencil="System.Storyboarding.WindowsApps" StencilVersion="0.1"/>
 </Control>
 </file>
 
-<file path=customXml/item54.xml><?xml version="1.0" encoding="utf-8"?>
+<file path=customXml/item59.xml><?xml version="1.0" encoding="utf-8"?>
+<Control xmlns="http://schemas.microsoft.com/VisualStudio/2011/storyboarding/control">
+  <Id Name="System.Storyboarding.WindowsApps.WindowsAppsButton" Revision="1" Stencil="System.Storyboarding.WindowsApps" StencilVersion="0.1"/>
+</Control>
+</file>
+
+<file path=customXml/item6.xml><?xml version="1.0" encoding="utf-8"?>
+<Control xmlns="http://schemas.microsoft.com/VisualStudio/2011/storyboarding/control">
+  <Id Name="System.Storyboarding.Annotation.CallOut" Revision="1" Stencil="System.Storyboarding.Annotation" StencilVersion="0.1"/>
+</Control>
+</file>
+
+<file path=customXml/item60.xml><?xml version="1.0" encoding="utf-8"?>
+<Control xmlns="http://schemas.microsoft.com/VisualStudio/2011/storyboarding/control">
+  <Id Name="System.Storyboarding.Backgrounds.WindowsPhone" Revision="1" Stencil="System.Storyboarding.Backgrounds" StencilVersion="0.1"/>
+</Control>
+</file>
+
+<file path=customXml/item61.xml><?xml version="1.0" encoding="utf-8"?>
+<Control xmlns="http://schemas.microsoft.com/VisualStudio/2011/storyboarding/control">
+  <Id Name="fd7d7bed-114e-464c-a4f1-01a512005949" Revision="1" Stencil="System.MyShapes" StencilVersion="1.0"/>
+</Control>
+</file>
+
+<file path=customXml/item62.xml><?xml version="1.0" encoding="utf-8"?>
+<Control xmlns="http://schemas.microsoft.com/VisualStudio/2011/storyboarding/control">
+  <Id Name="System.Storyboarding.WindowsApps.WindowsAppsButton" Revision="1" Stencil="System.Storyboarding.WindowsApps" StencilVersion="0.1"/>
+</Control>
+</file>
+
+<file path=customXml/item63.xml><?xml version="1.0" encoding="utf-8"?>
 <Control xmlns="http://schemas.microsoft.com/VisualStudio/2011/storyboarding/control">
   <Id Name="System.Storyboarding.WindowsApps.WindowsAppsTileMedium" Revision="1" Stencil="System.Storyboarding.WindowsApps" StencilVersion="0.1"/>
 </Control>
 </file>
 
-<file path=customXml/item55.xml><?xml version="1.0" encoding="utf-8"?>
+<file path=customXml/item64.xml><?xml version="1.0" encoding="utf-8"?>
+<Control xmlns="http://schemas.microsoft.com/VisualStudio/2011/storyboarding/control">
+  <Id Name="System.Storyboarding.WindowsApps.WindowsAppsButton" Revision="1" Stencil="System.Storyboarding.WindowsApps" StencilVersion="0.1"/>
+</Control>
+</file>
+
+<file path=customXml/item65.xml><?xml version="1.0" encoding="utf-8"?>
 <Control xmlns="http://schemas.microsoft.com/VisualStudio/2011/storyboarding/control">
   <Id Name="fd7d7bed-114e-464c-a4f1-01a512005949" Revision="1" Stencil="System.MyShapes" StencilVersion="1.0"/>
 </Control>
 </file>
 
-<file path=customXml/item56.xml><?xml version="1.0" encoding="utf-8"?>
-<Control xmlns="http://schemas.microsoft.com/VisualStudio/2011/storyboarding/control">
-  <Id Name="System.Storyboarding.WindowsApps.WindowsAppsButton" Revision="1" Stencil="System.Storyboarding.WindowsApps" StencilVersion="0.1"/>
-</Control>
-</file>
-
-<file path=customXml/item57.xml><?xml version="1.0" encoding="utf-8"?>
+<file path=customXml/item66.xml><?xml version="1.0" encoding="utf-8"?>
 <Control xmlns="http://schemas.microsoft.com/VisualStudio/2011/storyboarding/control">
   <Id Name="System.Storyboarding.WindowsApps.WindowsAppsTileMedium" Revision="1" Stencil="System.Storyboarding.WindowsApps" StencilVersion="0.1"/>
 </Control>
 </file>
 
-<file path=customXml/item58.xml><?xml version="1.0" encoding="utf-8"?>
+<file path=customXml/item67.xml><?xml version="1.0" encoding="utf-8"?>
 <Control xmlns="http://schemas.microsoft.com/VisualStudio/2011/storyboarding/control">
-  <Id Name="System.Storyboarding.WindowsApps.WindowsAppsEditBox" Revision="1" Stencil="System.Storyboarding.WindowsApps" StencilVersion="0.1"/>
+  <Id Name="System.Storyboarding.WindowsAppIcons.Emoji" Revision="1" Stencil="System.Storyboarding.WindowsAppIcons" StencilVersion="0.1"/>
 </Control>
 </file>
 
-<file path=customXml/item59.xml><?xml version="1.0" encoding="utf-8"?>
+<file path=customXml/item68.xml><?xml version="1.0" encoding="utf-8"?>
 <Control xmlns="http://schemas.microsoft.com/VisualStudio/2011/storyboarding/control">
-  <Id Name="System.Storyboarding.Annotation.CallOut" Revision="1" Stencil="System.Storyboarding.Annotation" StencilVersion="0.1"/>
+  <Id Name="fd7d7bed-114e-464c-a4f1-01a512005949" Revision="1" Stencil="System.MyShapes" StencilVersion="1.0"/>
 </Control>
 </file>
 
-<file path=customXml/item6.xml><?xml version="1.0" encoding="utf-8"?>
-<Control xmlns="http://schemas.microsoft.com/VisualStudio/2011/storyboarding/control">
-  <Id Name="System.Storyboarding.WindowsAppIcons.Like" Revision="1" Stencil="System.Storyboarding.WindowsAppIcons" StencilVersion="0.1"/>
-</Control>
-</file>
-
-<file path=customXml/item60.xml><?xml version="1.0" encoding="utf-8"?>
+<file path=customXml/item69.xml><?xml version="1.0" encoding="utf-8"?>
 <Control xmlns="http://schemas.microsoft.com/VisualStudio/2011/storyboarding/control">
   <Id Name="System.Storyboarding.WindowsApps.WindowsAppsTileMedium" Revision="1" Stencil="System.Storyboarding.WindowsApps" StencilVersion="0.1"/>
 </Control>
 </file>
 
-<file path=customXml/item61.xml><?xml version="1.0" encoding="utf-8"?>
-<Control xmlns="http://schemas.microsoft.com/VisualStudio/2011/storyboarding/control">
-  <Id Name="System.Storyboarding.Annotation.CallOut" Revision="1" Stencil="System.Storyboarding.Annotation" StencilVersion="0.1"/>
-</Control>
-</file>
-
-<file path=customXml/item62.xml><?xml version="1.0" encoding="utf-8"?>
-<Control xmlns="http://schemas.microsoft.com/VisualStudio/2011/storyboarding/control">
-  <Id Name="System.Storyboarding.WindowsAppIcons.Save" Revision="1" Stencil="System.Storyboarding.WindowsAppIcons" StencilVersion="0.1"/>
-</Control>
-</file>
-
-<file path=customXml/item63.xml><?xml version="1.0" encoding="utf-8"?>
-<Control xmlns="http://schemas.microsoft.com/VisualStudio/2011/storyboarding/control">
-  <Id Name="System.Storyboarding.WindowsApps.WindowsAppsButton" Revision="1" Stencil="System.Storyboarding.WindowsApps" StencilVersion="0.1"/>
-</Control>
-</file>
-
-<file path=customXml/item64.xml><?xml version="1.0" encoding="utf-8"?>
+<file path=customXml/item7.xml><?xml version="1.0" encoding="utf-8"?>
 <Control xmlns="http://schemas.microsoft.com/VisualStudio/2011/storyboarding/control">
   <Id Name="System.Storyboarding.WindowsApps.WindowsAppsTileMedium" Revision="1" Stencil="System.Storyboarding.WindowsApps" StencilVersion="0.1"/>
 </Control>
 </file>
 
-<file path=customXml/item65.xml><?xml version="1.0" encoding="utf-8"?>
-<Control xmlns="http://schemas.microsoft.com/VisualStudio/2011/storyboarding/control">
-  <Id Name="System.Storyboarding.WindowsApps.WindowsAppsTileMedium" Revision="1" Stencil="System.Storyboarding.WindowsApps" StencilVersion="0.1"/>
-</Control>
-</file>
-
-<file path=customXml/item66.xml><?xml version="1.0" encoding="utf-8"?>
+<file path=customXml/item70.xml><?xml version="1.0" encoding="utf-8"?>
 <Control xmlns="http://schemas.microsoft.com/VisualStudio/2011/storyboarding/control">
   <Id Name="System.Storyboarding.Annotation.CallOut" Revision="1" Stencil="System.Storyboarding.Annotation" StencilVersion="0.1"/>
-</Control>
-</file>
-
-<file path=customXml/item67.xml><?xml version="1.0" encoding="utf-8"?>
-<Control xmlns="http://schemas.microsoft.com/VisualStudio/2011/storyboarding/control">
-  <Id Name="System.Storyboarding.Annotation.AnimatedRectangleCallout" Revision="1" Stencil="System.Storyboarding.Annotation" StencilVersion="0.1"/>
-</Control>
-</file>
-
-<file path=customXml/item68.xml><?xml version="1.0" encoding="utf-8"?>
-<Control xmlns="http://schemas.microsoft.com/VisualStudio/2011/storyboarding/control">
-  <Id Name="System.Storyboarding.Annotation.StickyNote" Revision="1" Stencil="System.Storyboarding.Annotation" StencilVersion="0.1"/>
-</Control>
-</file>
-
-<file path=customXml/item69.xml><?xml version="1.0" encoding="utf-8"?>
-<Control xmlns="http://schemas.microsoft.com/VisualStudio/2011/storyboarding/control">
-  <Id Name="System.Storyboarding.Annotation.CallOut" Revision="1" Stencil="System.Storyboarding.Annotation" StencilVersion="0.1"/>
-</Control>
-</file>
-
-<file path=customXml/item7.xml><?xml version="1.0" encoding="utf-8"?>
-<Control xmlns="http://schemas.microsoft.com/VisualStudio/2011/storyboarding/control">
-  <Id Name="fd7d7bed-114e-464c-a4f1-01a512005949" Revision="1" Stencil="System.MyShapes" StencilVersion="1.0"/>
-</Control>
-</file>
-
-<file path=customXml/item70.xml><?xml version="1.0" encoding="utf-8"?>
-<Control xmlns="http://schemas.microsoft.com/VisualStudio/2011/storyboarding/control">
-  <Id Name="fd7d7bed-114e-464c-a4f1-01a512005949" Revision="1" Stencil="System.MyShapes" StencilVersion="1.0"/>
 </Control>
 </file>
 
@@ -28059,37 +28057,37 @@
 
 <file path=customXml/item72.xml><?xml version="1.0" encoding="utf-8"?>
 <Control xmlns="http://schemas.microsoft.com/VisualStudio/2011/storyboarding/control">
-  <Id Name="System.Storyboarding.WindowsApps.WindowsAppsEditBox" Revision="1" Stencil="System.Storyboarding.WindowsApps" StencilVersion="0.1"/>
+  <Id Name="System.Storyboarding.WindowsApps.WindowsAppsTileMedium" Revision="1" Stencil="System.Storyboarding.WindowsApps" StencilVersion="0.1"/>
 </Control>
 </file>
 
 <file path=customXml/item73.xml><?xml version="1.0" encoding="utf-8"?>
+<Control xmlns="http://schemas.microsoft.com/VisualStudio/2011/storyboarding/control">
+  <Id Name="System.Storyboarding.WindowsApps.WindowsAppsTileMedium" Revision="1" Stencil="System.Storyboarding.WindowsApps" StencilVersion="0.1"/>
+</Control>
+</file>
+
+<file path=customXml/item74.xml><?xml version="1.0" encoding="utf-8"?>
+<Control xmlns="http://schemas.microsoft.com/VisualStudio/2011/storyboarding/control">
+  <Id Name="fd7d7bed-114e-464c-a4f1-01a512005949" Revision="1" Stencil="System.MyShapes" StencilVersion="1.0"/>
+</Control>
+</file>
+
+<file path=customXml/item75.xml><?xml version="1.0" encoding="utf-8"?>
 <Control xmlns="http://schemas.microsoft.com/VisualStudio/2011/storyboarding/control">
   <Id Name="System.Storyboarding.Annotation.CallOut" Revision="1" Stencil="System.Storyboarding.Annotation" StencilVersion="0.1"/>
 </Control>
 </file>
 
-<file path=customXml/item74.xml><?xml version="1.0" encoding="utf-8"?>
-<Control xmlns="http://schemas.microsoft.com/VisualStudio/2011/storyboarding/control">
-  <Id Name="System.Storyboarding.WindowsApps.WindowsAppsButton" Revision="1" Stencil="System.Storyboarding.WindowsApps" StencilVersion="0.1"/>
-</Control>
-</file>
-
-<file path=customXml/item75.xml><?xml version="1.0" encoding="utf-8"?>
-<Control xmlns="http://schemas.microsoft.com/VisualStudio/2011/storyboarding/control">
-  <Id Name="System.Storyboarding.WindowsApps.WindowsAppsTileMedium" Revision="1" Stencil="System.Storyboarding.WindowsApps" StencilVersion="0.1"/>
-</Control>
-</file>
-
 <file path=customXml/item76.xml><?xml version="1.0" encoding="utf-8"?>
 <Control xmlns="http://schemas.microsoft.com/VisualStudio/2011/storyboarding/control">
-  <Id Name="System.Storyboarding.WindowsApps.WindowsAppsTileMedium" Revision="1" Stencil="System.Storyboarding.WindowsApps" StencilVersion="0.1"/>
+  <Id Name="fd7d7bed-114e-464c-a4f1-01a512005949" Revision="1" Stencil="System.MyShapes" StencilVersion="1.0"/>
 </Control>
 </file>
 
 <file path=customXml/item77.xml><?xml version="1.0" encoding="utf-8"?>
 <Control xmlns="http://schemas.microsoft.com/VisualStudio/2011/storyboarding/control">
-  <Id Name="System.Storyboarding.WindowsApps.WindowsAppsTileMedium" Revision="1" Stencil="System.Storyboarding.WindowsApps" StencilVersion="0.1"/>
+  <Id Name="System.Storyboarding.Annotation.AnimatedRectangleCallout" Revision="1" Stencil="System.Storyboarding.Annotation" StencilVersion="0.1"/>
 </Control>
 </file>
 
@@ -28101,43 +28099,43 @@
 
 <file path=customXml/item79.xml><?xml version="1.0" encoding="utf-8"?>
 <Control xmlns="http://schemas.microsoft.com/VisualStudio/2011/storyboarding/control">
-  <Id Name="System.Storyboarding.Annotation.CallOut" Revision="1" Stencil="System.Storyboarding.Annotation" StencilVersion="0.1"/>
+  <Id Name="fd7d7bed-114e-464c-a4f1-01a512005949" Revision="1" Stencil="System.MyShapes" StencilVersion="1.0"/>
 </Control>
 </file>
 
 <file path=customXml/item8.xml><?xml version="1.0" encoding="utf-8"?>
+<Control xmlns="http://schemas.microsoft.com/VisualStudio/2011/storyboarding/control">
+  <Id Name="fd7d7bed-114e-464c-a4f1-01a512005949" Revision="1" Stencil="System.MyShapes" StencilVersion="1.0"/>
+</Control>
+</file>
+
+<file path=customXml/item80.xml><?xml version="1.0" encoding="utf-8"?>
+<Control xmlns="http://schemas.microsoft.com/VisualStudio/2011/storyboarding/control">
+  <Id Name="System.Storyboarding.WindowsApps.WindowsAppsButton" Revision="1" Stencil="System.Storyboarding.WindowsApps" StencilVersion="0.1"/>
+</Control>
+</file>
+
+<file path=customXml/item81.xml><?xml version="1.0" encoding="utf-8"?>
+<Control xmlns="http://schemas.microsoft.com/VisualStudio/2011/storyboarding/control">
+  <Id Name="System.Storyboarding.WindowsApps.WindowsAppsButton" Revision="1" Stencil="System.Storyboarding.WindowsApps" StencilVersion="0.1"/>
+</Control>
+</file>
+
+<file path=customXml/item82.xml><?xml version="1.0" encoding="utf-8"?>
 <Control xmlns="http://schemas.microsoft.com/VisualStudio/2011/storyboarding/control">
   <Id Name="System.Storyboarding.WindowsApps.WindowsAppsTileMedium" Revision="1" Stencil="System.Storyboarding.WindowsApps" StencilVersion="0.1"/>
 </Control>
 </file>
 
-<file path=customXml/item80.xml><?xml version="1.0" encoding="utf-8"?>
-<Control xmlns="http://schemas.microsoft.com/VisualStudio/2011/storyboarding/control">
-  <Id Name="System.Storyboarding.WindowsApps.WindowsAppsEditBox" Revision="1" Stencil="System.Storyboarding.WindowsApps" StencilVersion="0.1"/>
-</Control>
-</file>
-
-<file path=customXml/item81.xml><?xml version="1.0" encoding="utf-8"?>
-<Control xmlns="http://schemas.microsoft.com/VisualStudio/2011/storyboarding/control">
-  <Id Name="System.Storyboarding.WindowsApps.WindowsAppsTileMedium" Revision="1" Stencil="System.Storyboarding.WindowsApps" StencilVersion="0.1"/>
-</Control>
-</file>
-
-<file path=customXml/item82.xml><?xml version="1.0" encoding="utf-8"?>
-<Control xmlns="http://schemas.microsoft.com/VisualStudio/2011/storyboarding/control">
-  <Id Name="System.Storyboarding.WindowsApps.WindowsAppsEditBox" Revision="1" Stencil="System.Storyboarding.WindowsApps" StencilVersion="0.1"/>
-</Control>
-</file>
-
 <file path=customXml/item83.xml><?xml version="1.0" encoding="utf-8"?>
 <Control xmlns="http://schemas.microsoft.com/VisualStudio/2011/storyboarding/control">
-  <Id Name="fd7d7bed-114e-464c-a4f1-01a512005949" Revision="1" Stencil="System.MyShapes" StencilVersion="1.0"/>
+  <Id Name="System.Storyboarding.WindowsApps.WindowsAppsButton" Revision="1" Stencil="System.Storyboarding.WindowsApps" StencilVersion="0.1"/>
 </Control>
 </file>
 
 <file path=customXml/item84.xml><?xml version="1.0" encoding="utf-8"?>
 <Control xmlns="http://schemas.microsoft.com/VisualStudio/2011/storyboarding/control">
-  <Id Name="System.Storyboarding.WindowsApps.WindowsAppsButton" Revision="1" Stencil="System.Storyboarding.WindowsApps" StencilVersion="0.1"/>
+  <Id Name="System.Storyboarding.Annotation.CallOut" Revision="1" Stencil="System.Storyboarding.Annotation" StencilVersion="0.1"/>
 </Control>
 </file>
 
@@ -28155,79 +28153,79 @@
 
 <file path=customXml/item87.xml><?xml version="1.0" encoding="utf-8"?>
 <Control xmlns="http://schemas.microsoft.com/VisualStudio/2011/storyboarding/control">
-  <Id Name="System.Storyboarding.Annotation.CallOut" Revision="1" Stencil="System.Storyboarding.Annotation" StencilVersion="0.1"/>
+  <Id Name="f7a94b64-51d6-472a-8bb4-f2cc047935d1" RevisionId="4b37df06-a36b-4383-9074-55517f1335fc" Stencil="172d6d98-e5c9-42e9-a209-79f7a94bbd38" StencilRevisionId="00000000-0000-0000-0000-000000000000" StencilVersion="0.0"/>
 </Control>
 </file>
 
 <file path=customXml/item88.xml><?xml version="1.0" encoding="utf-8"?>
+<Control xmlns="http://schemas.microsoft.com/VisualStudio/2011/storyboarding/control">
+  <Id Name="System.Storyboarding.WindowsApps.WindowsAppsTileMedium" Revision="1" Stencil="System.Storyboarding.WindowsApps" StencilVersion="0.1"/>
+</Control>
+</file>
+
+<file path=customXml/item89.xml><?xml version="1.0" encoding="utf-8"?>
+<Control xmlns="http://schemas.microsoft.com/VisualStudio/2011/storyboarding/control">
+  <Id Name="fd7d7bed-114e-464c-a4f1-01a512005949" Revision="1" Stencil="System.MyShapes" StencilVersion="1.0"/>
+</Control>
+</file>
+
+<file path=customXml/item9.xml><?xml version="1.0" encoding="utf-8"?>
+<Control xmlns="http://schemas.microsoft.com/VisualStudio/2011/storyboarding/control">
+  <Id Name="System.Storyboarding.WindowsApps.WindowsAppsTileMedium" Revision="1" Stencil="System.Storyboarding.WindowsApps" StencilVersion="0.1"/>
+</Control>
+</file>
+
+<file path=customXml/item90.xml><?xml version="1.0" encoding="utf-8"?>
 <Control xmlns="http://schemas.microsoft.com/VisualStudio/2011/storyboarding/control">
   <Id Name="System.Storyboarding.WindowsApps.WindowsAppsButton" Revision="1" Stencil="System.Storyboarding.WindowsApps" StencilVersion="0.1"/>
 </Control>
 </file>
 
-<file path=customXml/item89.xml><?xml version="1.0" encoding="utf-8"?>
-<Control xmlns="http://schemas.microsoft.com/VisualStudio/2011/storyboarding/control">
-  <Id Name="System.Storyboarding.Common.CheckBoxUnchecked" Revision="1" Stencil="System.Storyboarding.Common" StencilVersion="0.1"/>
-</Control>
-</file>
-
-<file path=customXml/item9.xml><?xml version="1.0" encoding="utf-8"?>
-<Control xmlns="http://schemas.microsoft.com/VisualStudio/2011/storyboarding/control">
-  <Id Name="System.Storyboarding.Annotation.AnimatedRectangleCallout" Revision="1" Stencil="System.Storyboarding.Annotation" StencilVersion="0.1"/>
-</Control>
-</file>
-
-<file path=customXml/item90.xml><?xml version="1.0" encoding="utf-8"?>
+<file path=customXml/item91.xml><?xml version="1.0" encoding="utf-8"?>
 <Control xmlns="http://schemas.microsoft.com/VisualStudio/2011/storyboarding/control">
   <Id Name="System.Storyboarding.WindowsApps.WindowsAppsTileMedium" Revision="1" Stencil="System.Storyboarding.WindowsApps" StencilVersion="0.1"/>
 </Control>
 </file>
 
-<file path=customXml/item91.xml><?xml version="1.0" encoding="utf-8"?>
+<file path=customXml/item92.xml><?xml version="1.0" encoding="utf-8"?>
+<Control xmlns="http://schemas.microsoft.com/VisualStudio/2011/storyboarding/control">
+  <Id Name="System.Storyboarding.WindowsApps.WindowsAppsTileMedium" Revision="1" Stencil="System.Storyboarding.WindowsApps" StencilVersion="0.1"/>
+</Control>
+</file>
+
+<file path=customXml/item93.xml><?xml version="1.0" encoding="utf-8"?>
+<Control xmlns="http://schemas.microsoft.com/VisualStudio/2011/storyboarding/control">
+  <Id Name="System.Storyboarding.WindowsApps.WindowsAppsButton" Revision="1" Stencil="System.Storyboarding.WindowsApps" StencilVersion="0.1"/>
+</Control>
+</file>
+
+<file path=customXml/item94.xml><?xml version="1.0" encoding="utf-8"?>
 <Control xmlns="http://schemas.microsoft.com/VisualStudio/2011/storyboarding/control">
   <Id Name="fd7d7bed-114e-464c-a4f1-01a512005949" Revision="1" Stencil="System.MyShapes" StencilVersion="1.0"/>
 </Control>
 </file>
 
-<file path=customXml/item92.xml><?xml version="1.0" encoding="utf-8"?>
+<file path=customXml/item95.xml><?xml version="1.0" encoding="utf-8"?>
 <Control xmlns="http://schemas.microsoft.com/VisualStudio/2011/storyboarding/control">
-  <Id Name="System.Storyboarding.WindowsApps.WindowsAppsEditBox" Revision="1" Stencil="System.Storyboarding.WindowsApps" StencilVersion="0.1"/>
+  <Id Name="System.Storyboarding.Annotation.CallOut" Revision="1" Stencil="System.Storyboarding.Annotation" StencilVersion="0.1"/>
 </Control>
 </file>
 
-<file path=customXml/item93.xml><?xml version="1.0" encoding="utf-8"?>
+<file path=customXml/item96.xml><?xml version="1.0" encoding="utf-8"?>
+<Control xmlns="http://schemas.microsoft.com/VisualStudio/2011/storyboarding/control">
+  <Id Name="System.Storyboarding.WindowsApps.WindowsAppsButton" Revision="1" Stencil="System.Storyboarding.WindowsApps" StencilVersion="0.1"/>
+</Control>
+</file>
+
+<file path=customXml/item97.xml><?xml version="1.0" encoding="utf-8"?>
 <Control xmlns="http://schemas.microsoft.com/VisualStudio/2011/storyboarding/control">
   <Id Name="System.Storyboarding.WindowsApps.WindowsAppsTileMedium" Revision="1" Stencil="System.Storyboarding.WindowsApps" StencilVersion="0.1"/>
 </Control>
 </file>
 
-<file path=customXml/item94.xml><?xml version="1.0" encoding="utf-8"?>
-<Control xmlns="http://schemas.microsoft.com/VisualStudio/2011/storyboarding/control">
-  <Id Name="System.Storyboarding.Common.CheckBoxChecked" Revision="1" Stencil="System.Storyboarding.Common" StencilVersion="0.1"/>
-</Control>
-</file>
-
-<file path=customXml/item95.xml><?xml version="1.0" encoding="utf-8"?>
-<Control xmlns="http://schemas.microsoft.com/VisualStudio/2011/storyboarding/control">
-  <Id Name="32035d07-bc66-4a79-8001-2507012193e3" RevisionId="7f6cc906-8fab-4878-8f41-90bcdc4e860e" Stencil="172d6d98-e5c9-42e9-a209-79f7a94bbd38" StencilRevisionId="00000000-0000-0000-0000-000000000000" StencilVersion="0.0"/>
-</Control>
-</file>
-
-<file path=customXml/item96.xml><?xml version="1.0" encoding="utf-8"?>
+<file path=customXml/item98.xml><?xml version="1.0" encoding="utf-8"?>
 <Control xmlns="http://schemas.microsoft.com/VisualStudio/2011/storyboarding/control">
   <Id Name="System.Storyboarding.Annotation.CallOut" Revision="1" Stencil="System.Storyboarding.Annotation" StencilVersion="0.1"/>
-</Control>
-</file>
-
-<file path=customXml/item97.xml><?xml version="1.0" encoding="utf-8"?>
-<Control xmlns="http://schemas.microsoft.com/VisualStudio/2011/storyboarding/control">
-  <Id Name="System.Storyboarding.WindowsApps.WindowsAppsButton" Revision="1" Stencil="System.Storyboarding.WindowsApps" StencilVersion="0.1"/>
-</Control>
-</file>
-
-<file path=customXml/item98.xml><?xml version="1.0" encoding="utf-8"?>
-<Control xmlns="http://schemas.microsoft.com/VisualStudio/2011/storyboarding/control">
-  <Id Name="System.Storyboarding.WindowsAppIcons.Emoji" Revision="1" Stencil="System.Storyboarding.WindowsAppIcons" StencilVersion="0.1"/>
 </Control>
 </file>
 
@@ -28238,6 +28236,550 @@
 </file>
 
 <file path=customXml/itemProps1.xml><?xml version="1.0" encoding="utf-8"?>
+<ds:datastoreItem xmlns:ds="http://schemas.openxmlformats.org/officeDocument/2006/customXml" ds:itemID="{38E201C7-010A-4037-8499-B871567E89FA}">
+  <ds:schemaRefs>
+    <ds:schemaRef ds:uri="http://schemas.microsoft.com/VisualStudio/2011/storyboarding/control"/>
+  </ds:schemaRefs>
+</ds:datastoreItem>
+</file>
+
+<file path=customXml/itemProps10.xml><?xml version="1.0" encoding="utf-8"?>
+<ds:datastoreItem xmlns:ds="http://schemas.openxmlformats.org/officeDocument/2006/customXml" ds:itemID="{355F828C-8DD0-4B0C-8A65-152475EE1425}">
+  <ds:schemaRefs>
+    <ds:schemaRef ds:uri="http://schemas.microsoft.com/VisualStudio/2011/storyboarding/control"/>
+  </ds:schemaRefs>
+</ds:datastoreItem>
+</file>
+
+<file path=customXml/itemProps100.xml><?xml version="1.0" encoding="utf-8"?>
+<ds:datastoreItem xmlns:ds="http://schemas.openxmlformats.org/officeDocument/2006/customXml" ds:itemID="{917C221D-1C7D-4EFD-A42E-4EEB4484E21B}">
+  <ds:schemaRefs>
+    <ds:schemaRef ds:uri="http://schemas.microsoft.com/VisualStudio/2011/storyboarding/control"/>
+  </ds:schemaRefs>
+</ds:datastoreItem>
+</file>
+
+<file path=customXml/itemProps101.xml><?xml version="1.0" encoding="utf-8"?>
+<ds:datastoreItem xmlns:ds="http://schemas.openxmlformats.org/officeDocument/2006/customXml" ds:itemID="{28D2D0D7-C598-41C7-9CF5-F1DEDB3DDE59}">
+  <ds:schemaRefs>
+    <ds:schemaRef ds:uri="http://schemas.microsoft.com/VisualStudio/2011/storyboarding/control"/>
+  </ds:schemaRefs>
+</ds:datastoreItem>
+</file>
+
+<file path=customXml/itemProps102.xml><?xml version="1.0" encoding="utf-8"?>
+<ds:datastoreItem xmlns:ds="http://schemas.openxmlformats.org/officeDocument/2006/customXml" ds:itemID="{F289DBB7-301A-49B9-A05C-7204F013A6A1}">
+  <ds:schemaRefs>
+    <ds:schemaRef ds:uri="http://schemas.microsoft.com/VisualStudio/2011/storyboarding/control"/>
+  </ds:schemaRefs>
+</ds:datastoreItem>
+</file>
+
+<file path=customXml/itemProps103.xml><?xml version="1.0" encoding="utf-8"?>
+<ds:datastoreItem xmlns:ds="http://schemas.openxmlformats.org/officeDocument/2006/customXml" ds:itemID="{8FFBA1EB-8640-41D3-90AB-ABBFC6BE36B9}">
+  <ds:schemaRefs>
+    <ds:schemaRef ds:uri="http://schemas.microsoft.com/VisualStudio/2011/storyboarding/control"/>
+  </ds:schemaRefs>
+</ds:datastoreItem>
+</file>
+
+<file path=customXml/itemProps104.xml><?xml version="1.0" encoding="utf-8"?>
+<ds:datastoreItem xmlns:ds="http://schemas.openxmlformats.org/officeDocument/2006/customXml" ds:itemID="{6D348E8A-0011-403D-B403-2D791AB6B29D}">
+  <ds:schemaRefs>
+    <ds:schemaRef ds:uri="http://schemas.microsoft.com/VisualStudio/2011/storyboarding/control"/>
+  </ds:schemaRefs>
+</ds:datastoreItem>
+</file>
+
+<file path=customXml/itemProps105.xml><?xml version="1.0" encoding="utf-8"?>
+<ds:datastoreItem xmlns:ds="http://schemas.openxmlformats.org/officeDocument/2006/customXml" ds:itemID="{052D3153-F81F-47D0-946E-5920405FFC24}">
+  <ds:schemaRefs>
+    <ds:schemaRef ds:uri="http://schemas.microsoft.com/VisualStudio/2011/storyboarding/control"/>
+  </ds:schemaRefs>
+</ds:datastoreItem>
+</file>
+
+<file path=customXml/itemProps106.xml><?xml version="1.0" encoding="utf-8"?>
+<ds:datastoreItem xmlns:ds="http://schemas.openxmlformats.org/officeDocument/2006/customXml" ds:itemID="{DD049830-DA11-466E-A98B-41FD56DCE224}">
+  <ds:schemaRefs>
+    <ds:schemaRef ds:uri="http://schemas.microsoft.com/VisualStudio/2011/storyboarding/control"/>
+  </ds:schemaRefs>
+</ds:datastoreItem>
+</file>
+
+<file path=customXml/itemProps107.xml><?xml version="1.0" encoding="utf-8"?>
+<ds:datastoreItem xmlns:ds="http://schemas.openxmlformats.org/officeDocument/2006/customXml" ds:itemID="{341B9A64-4A8F-4D0A-86B1-A62586318DED}">
+  <ds:schemaRefs>
+    <ds:schemaRef ds:uri="http://schemas.microsoft.com/VisualStudio/2011/storyboarding/control"/>
+  </ds:schemaRefs>
+</ds:datastoreItem>
+</file>
+
+<file path=customXml/itemProps108.xml><?xml version="1.0" encoding="utf-8"?>
+<ds:datastoreItem xmlns:ds="http://schemas.openxmlformats.org/officeDocument/2006/customXml" ds:itemID="{7C2B30D1-555D-4091-BB8B-70C3008E587D}">
+  <ds:schemaRefs>
+    <ds:schemaRef ds:uri="http://schemas.microsoft.com/VisualStudio/2011/storyboarding/control"/>
+  </ds:schemaRefs>
+</ds:datastoreItem>
+</file>
+
+<file path=customXml/itemProps109.xml><?xml version="1.0" encoding="utf-8"?>
+<ds:datastoreItem xmlns:ds="http://schemas.openxmlformats.org/officeDocument/2006/customXml" ds:itemID="{B417D8B6-53FD-4D5A-BFEE-3543BD43D401}">
+  <ds:schemaRefs>
+    <ds:schemaRef ds:uri="http://schemas.microsoft.com/VisualStudio/2011/storyboarding/control"/>
+  </ds:schemaRefs>
+</ds:datastoreItem>
+</file>
+
+<file path=customXml/itemProps11.xml><?xml version="1.0" encoding="utf-8"?>
+<ds:datastoreItem xmlns:ds="http://schemas.openxmlformats.org/officeDocument/2006/customXml" ds:itemID="{1BCAB8A9-1888-4E42-91F5-BD650F529D02}">
+  <ds:schemaRefs>
+    <ds:schemaRef ds:uri="http://schemas.microsoft.com/VisualStudio/2011/storyboarding/control"/>
+  </ds:schemaRefs>
+</ds:datastoreItem>
+</file>
+
+<file path=customXml/itemProps110.xml><?xml version="1.0" encoding="utf-8"?>
+<ds:datastoreItem xmlns:ds="http://schemas.openxmlformats.org/officeDocument/2006/customXml" ds:itemID="{D19C77BF-37A4-49C8-9F43-13E14FC0A177}">
+  <ds:schemaRefs>
+    <ds:schemaRef ds:uri="http://schemas.microsoft.com/VisualStudio/2011/storyboarding/control"/>
+  </ds:schemaRefs>
+</ds:datastoreItem>
+</file>
+
+<file path=customXml/itemProps111.xml><?xml version="1.0" encoding="utf-8"?>
+<ds:datastoreItem xmlns:ds="http://schemas.openxmlformats.org/officeDocument/2006/customXml" ds:itemID="{8E2F46EC-BCDA-4589-B106-2EE9F450A758}">
+  <ds:schemaRefs>
+    <ds:schemaRef ds:uri="http://schemas.microsoft.com/VisualStudio/2011/storyboarding/control"/>
+  </ds:schemaRefs>
+</ds:datastoreItem>
+</file>
+
+<file path=customXml/itemProps112.xml><?xml version="1.0" encoding="utf-8"?>
+<ds:datastoreItem xmlns:ds="http://schemas.openxmlformats.org/officeDocument/2006/customXml" ds:itemID="{3DAA7D18-8F95-4CEF-80BA-EBFE8E9D748D}">
+  <ds:schemaRefs>
+    <ds:schemaRef ds:uri="http://schemas.microsoft.com/VisualStudio/2011/storyboarding/control"/>
+  </ds:schemaRefs>
+</ds:datastoreItem>
+</file>
+
+<file path=customXml/itemProps113.xml><?xml version="1.0" encoding="utf-8"?>
+<ds:datastoreItem xmlns:ds="http://schemas.openxmlformats.org/officeDocument/2006/customXml" ds:itemID="{45E0B91E-7FEF-4703-9326-F8B2ED81C09E}">
+  <ds:schemaRefs>
+    <ds:schemaRef ds:uri="http://schemas.microsoft.com/VisualStudio/2011/storyboarding/control"/>
+  </ds:schemaRefs>
+</ds:datastoreItem>
+</file>
+
+<file path=customXml/itemProps114.xml><?xml version="1.0" encoding="utf-8"?>
+<ds:datastoreItem xmlns:ds="http://schemas.openxmlformats.org/officeDocument/2006/customXml" ds:itemID="{903D1585-EC82-417F-ADD8-DEE6B3412E20}">
+  <ds:schemaRefs>
+    <ds:schemaRef ds:uri="http://schemas.microsoft.com/VisualStudio/2011/storyboarding/control"/>
+  </ds:schemaRefs>
+</ds:datastoreItem>
+</file>
+
+<file path=customXml/itemProps115.xml><?xml version="1.0" encoding="utf-8"?>
+<ds:datastoreItem xmlns:ds="http://schemas.openxmlformats.org/officeDocument/2006/customXml" ds:itemID="{83FE5952-B810-41DD-BC8D-EA4E6B2877C4}">
+  <ds:schemaRefs>
+    <ds:schemaRef ds:uri="http://schemas.microsoft.com/VisualStudio/2011/storyboarding/control"/>
+  </ds:schemaRefs>
+</ds:datastoreItem>
+</file>
+
+<file path=customXml/itemProps116.xml><?xml version="1.0" encoding="utf-8"?>
+<ds:datastoreItem xmlns:ds="http://schemas.openxmlformats.org/officeDocument/2006/customXml" ds:itemID="{C02F6C96-E07D-476F-9097-B75AF2B042BC}">
+  <ds:schemaRefs>
+    <ds:schemaRef ds:uri="http://schemas.microsoft.com/VisualStudio/2011/storyboarding/control"/>
+  </ds:schemaRefs>
+</ds:datastoreItem>
+</file>
+
+<file path=customXml/itemProps117.xml><?xml version="1.0" encoding="utf-8"?>
+<ds:datastoreItem xmlns:ds="http://schemas.openxmlformats.org/officeDocument/2006/customXml" ds:itemID="{56C614C4-5DEC-491F-B700-BEDDA8F8ADF4}">
+  <ds:schemaRefs>
+    <ds:schemaRef ds:uri="http://schemas.microsoft.com/VisualStudio/2011/storyboarding/control"/>
+  </ds:schemaRefs>
+</ds:datastoreItem>
+</file>
+
+<file path=customXml/itemProps118.xml><?xml version="1.0" encoding="utf-8"?>
+<ds:datastoreItem xmlns:ds="http://schemas.openxmlformats.org/officeDocument/2006/customXml" ds:itemID="{E365656C-FD98-42DE-B12C-6E9701BB8103}">
+  <ds:schemaRefs>
+    <ds:schemaRef ds:uri="http://schemas.microsoft.com/VisualStudio/2011/storyboarding/control"/>
+  </ds:schemaRefs>
+</ds:datastoreItem>
+</file>
+
+<file path=customXml/itemProps119.xml><?xml version="1.0" encoding="utf-8"?>
+<ds:datastoreItem xmlns:ds="http://schemas.openxmlformats.org/officeDocument/2006/customXml" ds:itemID="{E7073ACC-ED47-46EB-93A2-943D352CC737}">
+  <ds:schemaRefs>
+    <ds:schemaRef ds:uri="http://schemas.microsoft.com/VisualStudio/2011/storyboarding/control"/>
+  </ds:schemaRefs>
+</ds:datastoreItem>
+</file>
+
+<file path=customXml/itemProps12.xml><?xml version="1.0" encoding="utf-8"?>
+<ds:datastoreItem xmlns:ds="http://schemas.openxmlformats.org/officeDocument/2006/customXml" ds:itemID="{919EABC3-E2C5-43C3-AF76-EB64A9434D0D}">
+  <ds:schemaRefs>
+    <ds:schemaRef ds:uri="http://schemas.microsoft.com/VisualStudio/2011/storyboarding/control"/>
+  </ds:schemaRefs>
+</ds:datastoreItem>
+</file>
+
+<file path=customXml/itemProps120.xml><?xml version="1.0" encoding="utf-8"?>
+<ds:datastoreItem xmlns:ds="http://schemas.openxmlformats.org/officeDocument/2006/customXml" ds:itemID="{42202DCE-A05C-4F65-B84A-0A0834D65E33}">
+  <ds:schemaRefs>
+    <ds:schemaRef ds:uri="http://schemas.microsoft.com/VisualStudio/2011/storyboarding/control"/>
+  </ds:schemaRefs>
+</ds:datastoreItem>
+</file>
+
+<file path=customXml/itemProps121.xml><?xml version="1.0" encoding="utf-8"?>
+<ds:datastoreItem xmlns:ds="http://schemas.openxmlformats.org/officeDocument/2006/customXml" ds:itemID="{B61EEC1E-2199-42F9-BF79-C8F5F69EF85E}">
+  <ds:schemaRefs>
+    <ds:schemaRef ds:uri="http://schemas.microsoft.com/VisualStudio/2011/storyboarding/control"/>
+  </ds:schemaRefs>
+</ds:datastoreItem>
+</file>
+
+<file path=customXml/itemProps122.xml><?xml version="1.0" encoding="utf-8"?>
+<ds:datastoreItem xmlns:ds="http://schemas.openxmlformats.org/officeDocument/2006/customXml" ds:itemID="{BF6D3440-7C7A-43AD-BDB6-DC5F6F28E620}">
+  <ds:schemaRefs>
+    <ds:schemaRef ds:uri="http://schemas.microsoft.com/VisualStudio/2011/storyboarding/control"/>
+  </ds:schemaRefs>
+</ds:datastoreItem>
+</file>
+
+<file path=customXml/itemProps123.xml><?xml version="1.0" encoding="utf-8"?>
+<ds:datastoreItem xmlns:ds="http://schemas.openxmlformats.org/officeDocument/2006/customXml" ds:itemID="{A7E0288A-F414-4399-BA64-5823EDCF5A90}">
+  <ds:schemaRefs>
+    <ds:schemaRef ds:uri="http://schemas.microsoft.com/VisualStudio/2011/storyboarding/control"/>
+  </ds:schemaRefs>
+</ds:datastoreItem>
+</file>
+
+<file path=customXml/itemProps124.xml><?xml version="1.0" encoding="utf-8"?>
+<ds:datastoreItem xmlns:ds="http://schemas.openxmlformats.org/officeDocument/2006/customXml" ds:itemID="{0F2DE0B6-1D23-4CC4-9F36-B050D9B69891}">
+  <ds:schemaRefs>
+    <ds:schemaRef ds:uri="http://schemas.microsoft.com/VisualStudio/2011/storyboarding/control"/>
+  </ds:schemaRefs>
+</ds:datastoreItem>
+</file>
+
+<file path=customXml/itemProps125.xml><?xml version="1.0" encoding="utf-8"?>
+<ds:datastoreItem xmlns:ds="http://schemas.openxmlformats.org/officeDocument/2006/customXml" ds:itemID="{53DA1D64-FAE3-4051-86C4-7E4958EE6430}">
+  <ds:schemaRefs>
+    <ds:schemaRef ds:uri="http://schemas.microsoft.com/VisualStudio/2011/storyboarding/control"/>
+  </ds:schemaRefs>
+</ds:datastoreItem>
+</file>
+
+<file path=customXml/itemProps126.xml><?xml version="1.0" encoding="utf-8"?>
+<ds:datastoreItem xmlns:ds="http://schemas.openxmlformats.org/officeDocument/2006/customXml" ds:itemID="{AEE42BF4-3F49-4791-99A4-B9C5521F3813}">
+  <ds:schemaRefs>
+    <ds:schemaRef ds:uri="http://schemas.microsoft.com/VisualStudio/2011/storyboarding/control"/>
+  </ds:schemaRefs>
+</ds:datastoreItem>
+</file>
+
+<file path=customXml/itemProps127.xml><?xml version="1.0" encoding="utf-8"?>
+<ds:datastoreItem xmlns:ds="http://schemas.openxmlformats.org/officeDocument/2006/customXml" ds:itemID="{9501DC5F-120C-4F65-9B9C-A042818517A5}">
+  <ds:schemaRefs>
+    <ds:schemaRef ds:uri="http://schemas.microsoft.com/VisualStudio/2011/storyboarding/control"/>
+  </ds:schemaRefs>
+</ds:datastoreItem>
+</file>
+
+<file path=customXml/itemProps128.xml><?xml version="1.0" encoding="utf-8"?>
+<ds:datastoreItem xmlns:ds="http://schemas.openxmlformats.org/officeDocument/2006/customXml" ds:itemID="{DDBAC8B4-8905-4BB5-B558-4CCE9AACC1E7}">
+  <ds:schemaRefs>
+    <ds:schemaRef ds:uri="http://schemas.microsoft.com/VisualStudio/2011/storyboarding/control"/>
+  </ds:schemaRefs>
+</ds:datastoreItem>
+</file>
+
+<file path=customXml/itemProps129.xml><?xml version="1.0" encoding="utf-8"?>
+<ds:datastoreItem xmlns:ds="http://schemas.openxmlformats.org/officeDocument/2006/customXml" ds:itemID="{40E1E962-5637-4EB6-B93C-DA8F96A81FAF}">
+  <ds:schemaRefs>
+    <ds:schemaRef ds:uri="http://schemas.microsoft.com/VisualStudio/2011/storyboarding/control"/>
+  </ds:schemaRefs>
+</ds:datastoreItem>
+</file>
+
+<file path=customXml/itemProps13.xml><?xml version="1.0" encoding="utf-8"?>
+<ds:datastoreItem xmlns:ds="http://schemas.openxmlformats.org/officeDocument/2006/customXml" ds:itemID="{A72FA915-E35F-4234-A403-255F8B6BF53C}">
+  <ds:schemaRefs>
+    <ds:schemaRef ds:uri="http://schemas.microsoft.com/VisualStudio/2011/storyboarding/control"/>
+  </ds:schemaRefs>
+</ds:datastoreItem>
+</file>
+
+<file path=customXml/itemProps130.xml><?xml version="1.0" encoding="utf-8"?>
+<ds:datastoreItem xmlns:ds="http://schemas.openxmlformats.org/officeDocument/2006/customXml" ds:itemID="{3A1CF677-7ED7-42FC-8B92-EB1BA9F20F04}">
+  <ds:schemaRefs>
+    <ds:schemaRef ds:uri="http://schemas.microsoft.com/VisualStudio/2011/storyboarding/control"/>
+  </ds:schemaRefs>
+</ds:datastoreItem>
+</file>
+
+<file path=customXml/itemProps131.xml><?xml version="1.0" encoding="utf-8"?>
+<ds:datastoreItem xmlns:ds="http://schemas.openxmlformats.org/officeDocument/2006/customXml" ds:itemID="{B6B9C910-7729-4399-A2A4-124811EF2AAD}">
+  <ds:schemaRefs>
+    <ds:schemaRef ds:uri="http://schemas.microsoft.com/VisualStudio/2011/storyboarding/control"/>
+  </ds:schemaRefs>
+</ds:datastoreItem>
+</file>
+
+<file path=customXml/itemProps132.xml><?xml version="1.0" encoding="utf-8"?>
+<ds:datastoreItem xmlns:ds="http://schemas.openxmlformats.org/officeDocument/2006/customXml" ds:itemID="{0ACD7F9E-6922-401E-AD61-6FDDCBE9BAA8}">
+  <ds:schemaRefs>
+    <ds:schemaRef ds:uri="http://schemas.microsoft.com/VisualStudio/2011/storyboarding/control"/>
+  </ds:schemaRefs>
+</ds:datastoreItem>
+</file>
+
+<file path=customXml/itemProps133.xml><?xml version="1.0" encoding="utf-8"?>
+<ds:datastoreItem xmlns:ds="http://schemas.openxmlformats.org/officeDocument/2006/customXml" ds:itemID="{2814AD4B-2F19-4F35-8A58-D8242B0ACE47}">
+  <ds:schemaRefs>
+    <ds:schemaRef ds:uri="http://schemas.microsoft.com/VisualStudio/2011/storyboarding/control"/>
+  </ds:schemaRefs>
+</ds:datastoreItem>
+</file>
+
+<file path=customXml/itemProps134.xml><?xml version="1.0" encoding="utf-8"?>
+<ds:datastoreItem xmlns:ds="http://schemas.openxmlformats.org/officeDocument/2006/customXml" ds:itemID="{DF927E49-054C-4B25-9106-DB8ED403AD7D}">
+  <ds:schemaRefs>
+    <ds:schemaRef ds:uri="http://schemas.microsoft.com/VisualStudio/2011/storyboarding/control"/>
+  </ds:schemaRefs>
+</ds:datastoreItem>
+</file>
+
+<file path=customXml/itemProps135.xml><?xml version="1.0" encoding="utf-8"?>
+<ds:datastoreItem xmlns:ds="http://schemas.openxmlformats.org/officeDocument/2006/customXml" ds:itemID="{06502709-2BA4-4151-8001-D5AACDC263EE}">
+  <ds:schemaRefs>
+    <ds:schemaRef ds:uri="http://schemas.microsoft.com/VisualStudio/2011/storyboarding/control"/>
+  </ds:schemaRefs>
+</ds:datastoreItem>
+</file>
+
+<file path=customXml/itemProps136.xml><?xml version="1.0" encoding="utf-8"?>
+<ds:datastoreItem xmlns:ds="http://schemas.openxmlformats.org/officeDocument/2006/customXml" ds:itemID="{3A7AE35B-4D50-4165-940D-B3B720020BD4}">
+  <ds:schemaRefs>
+    <ds:schemaRef ds:uri="http://schemas.microsoft.com/VisualStudio/2011/storyboarding/control"/>
+  </ds:schemaRefs>
+</ds:datastoreItem>
+</file>
+
+<file path=customXml/itemProps137.xml><?xml version="1.0" encoding="utf-8"?>
+<ds:datastoreItem xmlns:ds="http://schemas.openxmlformats.org/officeDocument/2006/customXml" ds:itemID="{8491097D-3BEA-417B-9273-13DD25B61827}">
+  <ds:schemaRefs>
+    <ds:schemaRef ds:uri="http://schemas.microsoft.com/VisualStudio/2011/storyboarding/control"/>
+  </ds:schemaRefs>
+</ds:datastoreItem>
+</file>
+
+<file path=customXml/itemProps138.xml><?xml version="1.0" encoding="utf-8"?>
+<ds:datastoreItem xmlns:ds="http://schemas.openxmlformats.org/officeDocument/2006/customXml" ds:itemID="{AF5BA9E5-B499-492D-89E2-65244D675588}">
+  <ds:schemaRefs>
+    <ds:schemaRef ds:uri="http://schemas.microsoft.com/VisualStudio/2011/storyboarding/control"/>
+  </ds:schemaRefs>
+</ds:datastoreItem>
+</file>
+
+<file path=customXml/itemProps139.xml><?xml version="1.0" encoding="utf-8"?>
+<ds:datastoreItem xmlns:ds="http://schemas.openxmlformats.org/officeDocument/2006/customXml" ds:itemID="{D04082BA-D2CD-4E56-B169-1608513122AE}">
+  <ds:schemaRefs>
+    <ds:schemaRef ds:uri="http://schemas.microsoft.com/VisualStudio/2011/storyboarding/control"/>
+  </ds:schemaRefs>
+</ds:datastoreItem>
+</file>
+
+<file path=customXml/itemProps14.xml><?xml version="1.0" encoding="utf-8"?>
+<ds:datastoreItem xmlns:ds="http://schemas.openxmlformats.org/officeDocument/2006/customXml" ds:itemID="{FA3B41DB-8CE9-4ECC-8674-1D620E522544}">
+  <ds:schemaRefs>
+    <ds:schemaRef ds:uri="http://schemas.microsoft.com/VisualStudio/2011/storyboarding/control"/>
+  </ds:schemaRefs>
+</ds:datastoreItem>
+</file>
+
+<file path=customXml/itemProps140.xml><?xml version="1.0" encoding="utf-8"?>
+<ds:datastoreItem xmlns:ds="http://schemas.openxmlformats.org/officeDocument/2006/customXml" ds:itemID="{69F82D9F-0A52-4FF0-9FBC-8AED23C65368}">
+  <ds:schemaRefs>
+    <ds:schemaRef ds:uri="http://schemas.microsoft.com/VisualStudio/2011/storyboarding/control"/>
+  </ds:schemaRefs>
+</ds:datastoreItem>
+</file>
+
+<file path=customXml/itemProps141.xml><?xml version="1.0" encoding="utf-8"?>
+<ds:datastoreItem xmlns:ds="http://schemas.openxmlformats.org/officeDocument/2006/customXml" ds:itemID="{BB34EE50-A076-446E-BBF4-53C836A4A8DF}">
+  <ds:schemaRefs>
+    <ds:schemaRef ds:uri="http://schemas.microsoft.com/VisualStudio/2011/storyboarding/control"/>
+  </ds:schemaRefs>
+</ds:datastoreItem>
+</file>
+
+<file path=customXml/itemProps142.xml><?xml version="1.0" encoding="utf-8"?>
+<ds:datastoreItem xmlns:ds="http://schemas.openxmlformats.org/officeDocument/2006/customXml" ds:itemID="{0C30631B-6B6B-4F45-A69E-60EB784933B3}">
+  <ds:schemaRefs>
+    <ds:schemaRef ds:uri="http://schemas.microsoft.com/VisualStudio/2011/storyboarding/control"/>
+  </ds:schemaRefs>
+</ds:datastoreItem>
+</file>
+
+<file path=customXml/itemProps143.xml><?xml version="1.0" encoding="utf-8"?>
+<ds:datastoreItem xmlns:ds="http://schemas.openxmlformats.org/officeDocument/2006/customXml" ds:itemID="{D30FE00D-B30C-4E97-A466-D2EAAA05FD64}">
+  <ds:schemaRefs>
+    <ds:schemaRef ds:uri="http://schemas.microsoft.com/VisualStudio/2011/storyboarding/control"/>
+  </ds:schemaRefs>
+</ds:datastoreItem>
+</file>
+
+<file path=customXml/itemProps144.xml><?xml version="1.0" encoding="utf-8"?>
+<ds:datastoreItem xmlns:ds="http://schemas.openxmlformats.org/officeDocument/2006/customXml" ds:itemID="{20BEF8C9-6FB7-432D-9ED8-8FC9856F2A48}">
+  <ds:schemaRefs>
+    <ds:schemaRef ds:uri="http://schemas.microsoft.com/VisualStudio/2011/storyboarding/control"/>
+  </ds:schemaRefs>
+</ds:datastoreItem>
+</file>
+
+<file path=customXml/itemProps145.xml><?xml version="1.0" encoding="utf-8"?>
+<ds:datastoreItem xmlns:ds="http://schemas.openxmlformats.org/officeDocument/2006/customXml" ds:itemID="{1787789D-0EBA-4FE8-865A-15C7CED9FBEB}">
+  <ds:schemaRefs>
+    <ds:schemaRef ds:uri="http://schemas.microsoft.com/VisualStudio/2011/storyboarding/control"/>
+  </ds:schemaRefs>
+</ds:datastoreItem>
+</file>
+
+<file path=customXml/itemProps146.xml><?xml version="1.0" encoding="utf-8"?>
+<ds:datastoreItem xmlns:ds="http://schemas.openxmlformats.org/officeDocument/2006/customXml" ds:itemID="{452A5613-1F1F-4ABC-81F7-3303A828A0B8}">
+  <ds:schemaRefs>
+    <ds:schemaRef ds:uri="http://schemas.microsoft.com/VisualStudio/2011/storyboarding/control"/>
+  </ds:schemaRefs>
+</ds:datastoreItem>
+</file>
+
+<file path=customXml/itemProps147.xml><?xml version="1.0" encoding="utf-8"?>
+<ds:datastoreItem xmlns:ds="http://schemas.openxmlformats.org/officeDocument/2006/customXml" ds:itemID="{ACC1D029-4DA6-4263-8BB1-54527B14416B}">
+  <ds:schemaRefs>
+    <ds:schemaRef ds:uri="http://schemas.microsoft.com/VisualStudio/2011/storyboarding/control"/>
+  </ds:schemaRefs>
+</ds:datastoreItem>
+</file>
+
+<file path=customXml/itemProps148.xml><?xml version="1.0" encoding="utf-8"?>
+<ds:datastoreItem xmlns:ds="http://schemas.openxmlformats.org/officeDocument/2006/customXml" ds:itemID="{883EAB1A-18F1-41A1-87DF-62F639BB46CC}">
+  <ds:schemaRefs>
+    <ds:schemaRef ds:uri="http://schemas.microsoft.com/VisualStudio/2011/storyboarding/control"/>
+  </ds:schemaRefs>
+</ds:datastoreItem>
+</file>
+
+<file path=customXml/itemProps149.xml><?xml version="1.0" encoding="utf-8"?>
+<ds:datastoreItem xmlns:ds="http://schemas.openxmlformats.org/officeDocument/2006/customXml" ds:itemID="{B669F501-AEB5-49A8-B34E-D8CDF8FBB497}">
+  <ds:schemaRefs>
+    <ds:schemaRef ds:uri="http://schemas.microsoft.com/VisualStudio/2011/storyboarding/control"/>
+  </ds:schemaRefs>
+</ds:datastoreItem>
+</file>
+
+<file path=customXml/itemProps15.xml><?xml version="1.0" encoding="utf-8"?>
+<ds:datastoreItem xmlns:ds="http://schemas.openxmlformats.org/officeDocument/2006/customXml" ds:itemID="{E2B26E15-67E2-46A7-9511-99B371B2FFB8}">
+  <ds:schemaRefs>
+    <ds:schemaRef ds:uri="http://schemas.microsoft.com/VisualStudio/2011/storyboarding/control"/>
+  </ds:schemaRefs>
+</ds:datastoreItem>
+</file>
+
+<file path=customXml/itemProps150.xml><?xml version="1.0" encoding="utf-8"?>
+<ds:datastoreItem xmlns:ds="http://schemas.openxmlformats.org/officeDocument/2006/customXml" ds:itemID="{926C71EA-7662-42AD-B796-6EA8688D8F12}">
+  <ds:schemaRefs>
+    <ds:schemaRef ds:uri="http://schemas.microsoft.com/VisualStudio/2011/storyboarding/control"/>
+  </ds:schemaRefs>
+</ds:datastoreItem>
+</file>
+
+<file path=customXml/itemProps151.xml><?xml version="1.0" encoding="utf-8"?>
+<ds:datastoreItem xmlns:ds="http://schemas.openxmlformats.org/officeDocument/2006/customXml" ds:itemID="{E9EE710E-B830-46E0-A3BB-509FE1DDDB22}">
+  <ds:schemaRefs>
+    <ds:schemaRef ds:uri="http://schemas.microsoft.com/VisualStudio/2011/storyboarding/control"/>
+  </ds:schemaRefs>
+</ds:datastoreItem>
+</file>
+
+<file path=customXml/itemProps152.xml><?xml version="1.0" encoding="utf-8"?>
+<ds:datastoreItem xmlns:ds="http://schemas.openxmlformats.org/officeDocument/2006/customXml" ds:itemID="{4058BED3-7CF1-45E2-9EED-EDA6827BEF7F}">
+  <ds:schemaRefs>
+    <ds:schemaRef ds:uri="http://schemas.microsoft.com/VisualStudio/2011/storyboarding/control"/>
+  </ds:schemaRefs>
+</ds:datastoreItem>
+</file>
+
+<file path=customXml/itemProps153.xml><?xml version="1.0" encoding="utf-8"?>
+<ds:datastoreItem xmlns:ds="http://schemas.openxmlformats.org/officeDocument/2006/customXml" ds:itemID="{3CB64095-2B64-4413-A0E0-D6AE34457700}">
+  <ds:schemaRefs>
+    <ds:schemaRef ds:uri="http://schemas.microsoft.com/VisualStudio/2011/storyboarding/control"/>
+  </ds:schemaRefs>
+</ds:datastoreItem>
+</file>
+
+<file path=customXml/itemProps154.xml><?xml version="1.0" encoding="utf-8"?>
+<ds:datastoreItem xmlns:ds="http://schemas.openxmlformats.org/officeDocument/2006/customXml" ds:itemID="{2F4FCC51-0CE4-4CD4-814B-F7F5CC6D4A8E}">
+  <ds:schemaRefs>
+    <ds:schemaRef ds:uri="http://schemas.microsoft.com/VisualStudio/2011/storyboarding/control"/>
+  </ds:schemaRefs>
+</ds:datastoreItem>
+</file>
+
+<file path=customXml/itemProps155.xml><?xml version="1.0" encoding="utf-8"?>
+<ds:datastoreItem xmlns:ds="http://schemas.openxmlformats.org/officeDocument/2006/customXml" ds:itemID="{63E4AE41-0D9C-41C0-9A8F-3DFAA3E48D7D}">
+  <ds:schemaRefs>
+    <ds:schemaRef ds:uri="http://schemas.microsoft.com/VisualStudio/2011/storyboarding/control"/>
+  </ds:schemaRefs>
+</ds:datastoreItem>
+</file>
+
+<file path=customXml/itemProps156.xml><?xml version="1.0" encoding="utf-8"?>
+<ds:datastoreItem xmlns:ds="http://schemas.openxmlformats.org/officeDocument/2006/customXml" ds:itemID="{7AFD248A-A54A-4224-A9E5-220E5300E8F8}">
+  <ds:schemaRefs>
+    <ds:schemaRef ds:uri="http://schemas.microsoft.com/VisualStudio/2011/storyboarding/control"/>
+  </ds:schemaRefs>
+</ds:datastoreItem>
+</file>
+
+<file path=customXml/itemProps157.xml><?xml version="1.0" encoding="utf-8"?>
+<ds:datastoreItem xmlns:ds="http://schemas.openxmlformats.org/officeDocument/2006/customXml" ds:itemID="{59523541-65F5-4428-9F7B-EAA3ACAEA288}">
+  <ds:schemaRefs>
+    <ds:schemaRef ds:uri="http://schemas.microsoft.com/VisualStudio/2011/storyboarding/control"/>
+  </ds:schemaRefs>
+</ds:datastoreItem>
+</file>
+
+<file path=customXml/itemProps158.xml><?xml version="1.0" encoding="utf-8"?>
+<ds:datastoreItem xmlns:ds="http://schemas.openxmlformats.org/officeDocument/2006/customXml" ds:itemID="{17B0D8AB-58DB-487A-A1B2-410414827202}">
+  <ds:schemaRefs>
+    <ds:schemaRef ds:uri="http://schemas.microsoft.com/VisualStudio/2011/storyboarding/control"/>
+  </ds:schemaRefs>
+</ds:datastoreItem>
+</file>
+
+<file path=customXml/itemProps159.xml><?xml version="1.0" encoding="utf-8"?>
+<ds:datastoreItem xmlns:ds="http://schemas.openxmlformats.org/officeDocument/2006/customXml" ds:itemID="{2262AB97-89CA-4079-98DA-993B62EF26AB}">
+  <ds:schemaRefs>
+    <ds:schemaRef ds:uri="http://schemas.microsoft.com/VisualStudio/2011/storyboarding/control"/>
+  </ds:schemaRefs>
+</ds:datastoreItem>
+</file>
+
+<file path=customXml/itemProps16.xml><?xml version="1.0" encoding="utf-8"?>
+<ds:datastoreItem xmlns:ds="http://schemas.openxmlformats.org/officeDocument/2006/customXml" ds:itemID="{B0A7260F-6144-438B-B40E-F17A3A1A2CE9}">
+  <ds:schemaRefs>
+    <ds:schemaRef ds:uri="http://schemas.microsoft.com/VisualStudio/2011/storyboarding/control"/>
+  </ds:schemaRefs>
+</ds:datastoreItem>
+</file>
+
+<file path=customXml/itemProps160.xml><?xml version="1.0" encoding="utf-8"?>
 <ds:datastoreItem xmlns:ds="http://schemas.openxmlformats.org/officeDocument/2006/customXml" ds:itemID="{F0DC79C3-207C-41FE-A3D7-31F796033D54}">
   <ds:schemaRefs>
     <ds:schemaRef ds:uri="http://schemas.microsoft.com/VisualStudio/2011/storyboarding/control"/>
@@ -28245,47 +28787,207 @@
 </ds:datastoreItem>
 </file>
 
-<file path=customXml/itemProps10.xml><?xml version="1.0" encoding="utf-8"?>
-<ds:datastoreItem xmlns:ds="http://schemas.openxmlformats.org/officeDocument/2006/customXml" ds:itemID="{8B1F962B-8896-4824-ACD5-8AE30FE0A557}">
+<file path=customXml/itemProps161.xml><?xml version="1.0" encoding="utf-8"?>
+<ds:datastoreItem xmlns:ds="http://schemas.openxmlformats.org/officeDocument/2006/customXml" ds:itemID="{3E8B6194-5AF1-4A7F-A860-08884876DB99}">
   <ds:schemaRefs>
     <ds:schemaRef ds:uri="http://schemas.microsoft.com/VisualStudio/2011/storyboarding/control"/>
   </ds:schemaRefs>
 </ds:datastoreItem>
 </file>
 
-<file path=customXml/itemProps100.xml><?xml version="1.0" encoding="utf-8"?>
-<ds:datastoreItem xmlns:ds="http://schemas.openxmlformats.org/officeDocument/2006/customXml" ds:itemID="{00733A73-60C4-4047-99FA-999B6399E6BC}">
+<file path=customXml/itemProps162.xml><?xml version="1.0" encoding="utf-8"?>
+<ds:datastoreItem xmlns:ds="http://schemas.openxmlformats.org/officeDocument/2006/customXml" ds:itemID="{DB6E0612-8B1D-4BE3-AC72-D821C426DE75}">
   <ds:schemaRefs>
     <ds:schemaRef ds:uri="http://schemas.microsoft.com/VisualStudio/2011/storyboarding/control"/>
   </ds:schemaRefs>
 </ds:datastoreItem>
 </file>
 
-<file path=customXml/itemProps101.xml><?xml version="1.0" encoding="utf-8"?>
-<ds:datastoreItem xmlns:ds="http://schemas.openxmlformats.org/officeDocument/2006/customXml" ds:itemID="{9B88C461-FD72-4CCE-B36A-E6CD818ADA83}">
+<file path=customXml/itemProps163.xml><?xml version="1.0" encoding="utf-8"?>
+<ds:datastoreItem xmlns:ds="http://schemas.openxmlformats.org/officeDocument/2006/customXml" ds:itemID="{51E7E7C7-3695-4277-9E7A-A34209D6DE42}">
   <ds:schemaRefs>
     <ds:schemaRef ds:uri="http://schemas.microsoft.com/VisualStudio/2011/storyboarding/control"/>
   </ds:schemaRefs>
 </ds:datastoreItem>
 </file>
 
-<file path=customXml/itemProps102.xml><?xml version="1.0" encoding="utf-8"?>
-<ds:datastoreItem xmlns:ds="http://schemas.openxmlformats.org/officeDocument/2006/customXml" ds:itemID="{53DA1D64-FAE3-4051-86C4-7E4958EE6430}">
+<file path=customXml/itemProps164.xml><?xml version="1.0" encoding="utf-8"?>
+<ds:datastoreItem xmlns:ds="http://schemas.openxmlformats.org/officeDocument/2006/customXml" ds:itemID="{1AC0D00C-EC22-4539-8C6F-733758572347}">
   <ds:schemaRefs>
     <ds:schemaRef ds:uri="http://schemas.microsoft.com/VisualStudio/2011/storyboarding/control"/>
   </ds:schemaRefs>
 </ds:datastoreItem>
 </file>
 
-<file path=customXml/itemProps103.xml><?xml version="1.0" encoding="utf-8"?>
-<ds:datastoreItem xmlns:ds="http://schemas.openxmlformats.org/officeDocument/2006/customXml" ds:itemID="{3CB64095-2B64-4413-A0E0-D6AE34457700}">
+<file path=customXml/itemProps165.xml><?xml version="1.0" encoding="utf-8"?>
+<ds:datastoreItem xmlns:ds="http://schemas.openxmlformats.org/officeDocument/2006/customXml" ds:itemID="{399F0338-4F9A-433F-839E-BB1C565311C7}">
   <ds:schemaRefs>
     <ds:schemaRef ds:uri="http://schemas.microsoft.com/VisualStudio/2011/storyboarding/control"/>
   </ds:schemaRefs>
 </ds:datastoreItem>
 </file>
 
-<file path=customXml/itemProps104.xml><?xml version="1.0" encoding="utf-8"?>
+<file path=customXml/itemProps166.xml><?xml version="1.0" encoding="utf-8"?>
+<ds:datastoreItem xmlns:ds="http://schemas.openxmlformats.org/officeDocument/2006/customXml" ds:itemID="{13C1407C-CF6D-4F1E-9B31-FAC446AF6317}">
+  <ds:schemaRefs>
+    <ds:schemaRef ds:uri="http://schemas.microsoft.com/VisualStudio/2011/storyboarding/control"/>
+  </ds:schemaRefs>
+</ds:datastoreItem>
+</file>
+
+<file path=customXml/itemProps167.xml><?xml version="1.0" encoding="utf-8"?>
+<ds:datastoreItem xmlns:ds="http://schemas.openxmlformats.org/officeDocument/2006/customXml" ds:itemID="{DB4F9695-2BDE-47EC-BF8C-9433F25A92F2}">
+  <ds:schemaRefs>
+    <ds:schemaRef ds:uri="http://schemas.microsoft.com/VisualStudio/2011/storyboarding/control"/>
+  </ds:schemaRefs>
+</ds:datastoreItem>
+</file>
+
+<file path=customXml/itemProps168.xml><?xml version="1.0" encoding="utf-8"?>
+<ds:datastoreItem xmlns:ds="http://schemas.openxmlformats.org/officeDocument/2006/customXml" ds:itemID="{C2FDD86D-B019-47EC-8742-0E3661BB3F30}">
+  <ds:schemaRefs>
+    <ds:schemaRef ds:uri="http://schemas.microsoft.com/VisualStudio/2011/storyboarding/control"/>
+  </ds:schemaRefs>
+</ds:datastoreItem>
+</file>
+
+<file path=customXml/itemProps169.xml><?xml version="1.0" encoding="utf-8"?>
+<ds:datastoreItem xmlns:ds="http://schemas.openxmlformats.org/officeDocument/2006/customXml" ds:itemID="{97E1D339-E6D5-4BF5-8B5C-160203B68484}">
+  <ds:schemaRefs>
+    <ds:schemaRef ds:uri="http://schemas.microsoft.com/VisualStudio/2011/storyboarding/control"/>
+  </ds:schemaRefs>
+</ds:datastoreItem>
+</file>
+
+<file path=customXml/itemProps17.xml><?xml version="1.0" encoding="utf-8"?>
+<ds:datastoreItem xmlns:ds="http://schemas.openxmlformats.org/officeDocument/2006/customXml" ds:itemID="{8552D1C0-18CB-40C8-A2BE-33C855951852}">
+  <ds:schemaRefs>
+    <ds:schemaRef ds:uri="http://schemas.microsoft.com/VisualStudio/2011/storyboarding/control"/>
+  </ds:schemaRefs>
+</ds:datastoreItem>
+</file>
+
+<file path=customXml/itemProps170.xml><?xml version="1.0" encoding="utf-8"?>
+<ds:datastoreItem xmlns:ds="http://schemas.openxmlformats.org/officeDocument/2006/customXml" ds:itemID="{50ADC870-B29B-4C1F-ADF4-73E3086FB9F8}">
+  <ds:schemaRefs>
+    <ds:schemaRef ds:uri="http://schemas.microsoft.com/VisualStudio/2011/storyboarding/control"/>
+  </ds:schemaRefs>
+</ds:datastoreItem>
+</file>
+
+<file path=customXml/itemProps171.xml><?xml version="1.0" encoding="utf-8"?>
+<ds:datastoreItem xmlns:ds="http://schemas.openxmlformats.org/officeDocument/2006/customXml" ds:itemID="{68FD764D-ED53-4060-BB86-164A1755BC75}">
+  <ds:schemaRefs>
+    <ds:schemaRef ds:uri="http://schemas.microsoft.com/VisualStudio/2011/storyboarding/control"/>
+  </ds:schemaRefs>
+</ds:datastoreItem>
+</file>
+
+<file path=customXml/itemProps172.xml><?xml version="1.0" encoding="utf-8"?>
+<ds:datastoreItem xmlns:ds="http://schemas.openxmlformats.org/officeDocument/2006/customXml" ds:itemID="{9E19A2A9-CBAF-48FC-B482-E99648066CC4}">
+  <ds:schemaRefs>
+    <ds:schemaRef ds:uri="http://schemas.microsoft.com/VisualStudio/2011/storyboarding/control"/>
+  </ds:schemaRefs>
+</ds:datastoreItem>
+</file>
+
+<file path=customXml/itemProps173.xml><?xml version="1.0" encoding="utf-8"?>
+<ds:datastoreItem xmlns:ds="http://schemas.openxmlformats.org/officeDocument/2006/customXml" ds:itemID="{BCD68537-FD77-44D1-B5FC-C1B002B1B2F1}">
+  <ds:schemaRefs>
+    <ds:schemaRef ds:uri="http://schemas.microsoft.com/VisualStudio/2011/storyboarding/control"/>
+  </ds:schemaRefs>
+</ds:datastoreItem>
+</file>
+
+<file path=customXml/itemProps174.xml><?xml version="1.0" encoding="utf-8"?>
+<ds:datastoreItem xmlns:ds="http://schemas.openxmlformats.org/officeDocument/2006/customXml" ds:itemID="{880B91E8-103A-412A-B3C8-17A3C03EF756}">
+  <ds:schemaRefs>
+    <ds:schemaRef ds:uri="http://schemas.microsoft.com/VisualStudio/2011/storyboarding/control"/>
+  </ds:schemaRefs>
+</ds:datastoreItem>
+</file>
+
+<file path=customXml/itemProps175.xml><?xml version="1.0" encoding="utf-8"?>
+<ds:datastoreItem xmlns:ds="http://schemas.openxmlformats.org/officeDocument/2006/customXml" ds:itemID="{6738B905-67C9-4D42-8403-1DFFFA0CD882}">
+  <ds:schemaRefs>
+    <ds:schemaRef ds:uri="http://schemas.microsoft.com/VisualStudio/2011/storyboarding/control"/>
+  </ds:schemaRefs>
+</ds:datastoreItem>
+</file>
+
+<file path=customXml/itemProps176.xml><?xml version="1.0" encoding="utf-8"?>
+<ds:datastoreItem xmlns:ds="http://schemas.openxmlformats.org/officeDocument/2006/customXml" ds:itemID="{98239294-B951-4171-BF7E-2E6B950C31FA}">
+  <ds:schemaRefs>
+    <ds:schemaRef ds:uri="http://schemas.microsoft.com/VisualStudio/2011/storyboarding/control"/>
+  </ds:schemaRefs>
+</ds:datastoreItem>
+</file>
+
+<file path=customXml/itemProps177.xml><?xml version="1.0" encoding="utf-8"?>
+<ds:datastoreItem xmlns:ds="http://schemas.openxmlformats.org/officeDocument/2006/customXml" ds:itemID="{F8FA2D94-E06D-4220-BA47-2995FB7C8D12}">
+  <ds:schemaRefs>
+    <ds:schemaRef ds:uri="http://schemas.microsoft.com/VisualStudio/2011/storyboarding/control"/>
+  </ds:schemaRefs>
+</ds:datastoreItem>
+</file>
+
+<file path=customXml/itemProps178.xml><?xml version="1.0" encoding="utf-8"?>
+<ds:datastoreItem xmlns:ds="http://schemas.openxmlformats.org/officeDocument/2006/customXml" ds:itemID="{64E59FFC-D8D8-4E52-B11B-0543A90F6B8E}">
+  <ds:schemaRefs>
+    <ds:schemaRef ds:uri="http://schemas.microsoft.com/VisualStudio/2011/storyboarding/control"/>
+  </ds:schemaRefs>
+</ds:datastoreItem>
+</file>
+
+<file path=customXml/itemProps179.xml><?xml version="1.0" encoding="utf-8"?>
+<ds:datastoreItem xmlns:ds="http://schemas.openxmlformats.org/officeDocument/2006/customXml" ds:itemID="{F4261AFD-0C6F-405A-ABB8-E13F5D880F5A}">
+  <ds:schemaRefs>
+    <ds:schemaRef ds:uri="http://schemas.microsoft.com/VisualStudio/2011/storyboarding/control"/>
+  </ds:schemaRefs>
+</ds:datastoreItem>
+</file>
+
+<file path=customXml/itemProps18.xml><?xml version="1.0" encoding="utf-8"?>
+<ds:datastoreItem xmlns:ds="http://schemas.openxmlformats.org/officeDocument/2006/customXml" ds:itemID="{72F00B18-A9ED-4669-AEA6-2BD6814E32F4}">
+  <ds:schemaRefs>
+    <ds:schemaRef ds:uri="http://schemas.microsoft.com/VisualStudio/2011/storyboarding/control"/>
+  </ds:schemaRefs>
+</ds:datastoreItem>
+</file>
+
+<file path=customXml/itemProps180.xml><?xml version="1.0" encoding="utf-8"?>
+<ds:datastoreItem xmlns:ds="http://schemas.openxmlformats.org/officeDocument/2006/customXml" ds:itemID="{494ECD25-6B82-4D53-B271-88A3A6E803B2}">
+  <ds:schemaRefs>
+    <ds:schemaRef ds:uri="http://schemas.microsoft.com/VisualStudio/2011/storyboarding/control"/>
+  </ds:schemaRefs>
+</ds:datastoreItem>
+</file>
+
+<file path=customXml/itemProps181.xml><?xml version="1.0" encoding="utf-8"?>
+<ds:datastoreItem xmlns:ds="http://schemas.openxmlformats.org/officeDocument/2006/customXml" ds:itemID="{1DA6B2D5-7BA3-4219-AB02-3698109D5106}">
+  <ds:schemaRefs>
+    <ds:schemaRef ds:uri="http://schemas.microsoft.com/VisualStudio/2011/storyboarding/control"/>
+  </ds:schemaRefs>
+</ds:datastoreItem>
+</file>
+
+<file path=customXml/itemProps182.xml><?xml version="1.0" encoding="utf-8"?>
+<ds:datastoreItem xmlns:ds="http://schemas.openxmlformats.org/officeDocument/2006/customXml" ds:itemID="{BE60BF8C-B366-4015-AFC5-00DA9D5EE41E}">
+  <ds:schemaRefs>
+    <ds:schemaRef ds:uri="http://schemas.microsoft.com/VisualStudio/2011/storyboarding/control"/>
+  </ds:schemaRefs>
+</ds:datastoreItem>
+</file>
+
+<file path=customXml/itemProps183.xml><?xml version="1.0" encoding="utf-8"?>
+<ds:datastoreItem xmlns:ds="http://schemas.openxmlformats.org/officeDocument/2006/customXml" ds:itemID="{02DC6A34-308E-4EE2-91CB-B65D8B5C5135}">
+  <ds:schemaRefs>
+    <ds:schemaRef ds:uri="http://schemas.microsoft.com/VisualStudio/2011/storyboarding/control"/>
+  </ds:schemaRefs>
+</ds:datastoreItem>
+</file>
+
+<file path=customXml/itemProps184.xml><?xml version="1.0" encoding="utf-8"?>
 <ds:datastoreItem xmlns:ds="http://schemas.openxmlformats.org/officeDocument/2006/customXml" ds:itemID="{58BC6EAA-551E-4842-9AB3-73B9C1D8581B}">
   <ds:schemaRefs>
     <ds:schemaRef ds:uri="http://schemas.microsoft.com/VisualStudio/2011/storyboarding/control"/>
@@ -28293,183 +28995,7 @@
 </ds:datastoreItem>
 </file>
 
-<file path=customXml/itemProps105.xml><?xml version="1.0" encoding="utf-8"?>
-<ds:datastoreItem xmlns:ds="http://schemas.openxmlformats.org/officeDocument/2006/customXml" ds:itemID="{4A407FA7-B6B3-44CE-805A-4777E985CE86}">
-  <ds:schemaRefs>
-    <ds:schemaRef ds:uri="http://schemas.microsoft.com/VisualStudio/2011/storyboarding/control"/>
-  </ds:schemaRefs>
-</ds:datastoreItem>
-</file>
-
-<file path=customXml/itemProps106.xml><?xml version="1.0" encoding="utf-8"?>
-<ds:datastoreItem xmlns:ds="http://schemas.openxmlformats.org/officeDocument/2006/customXml" ds:itemID="{CACE061C-AF2C-40BF-8F95-96F3F58C1B9E}">
-  <ds:schemaRefs>
-    <ds:schemaRef ds:uri="http://schemas.microsoft.com/VisualStudio/2011/storyboarding/control"/>
-  </ds:schemaRefs>
-</ds:datastoreItem>
-</file>
-
-<file path=customXml/itemProps107.xml><?xml version="1.0" encoding="utf-8"?>
-<ds:datastoreItem xmlns:ds="http://schemas.openxmlformats.org/officeDocument/2006/customXml" ds:itemID="{CFD780DE-34AD-4E8E-9D17-223D69561496}">
-  <ds:schemaRefs>
-    <ds:schemaRef ds:uri="http://schemas.microsoft.com/VisualStudio/2011/storyboarding/control"/>
-  </ds:schemaRefs>
-</ds:datastoreItem>
-</file>
-
-<file path=customXml/itemProps108.xml><?xml version="1.0" encoding="utf-8"?>
-<ds:datastoreItem xmlns:ds="http://schemas.openxmlformats.org/officeDocument/2006/customXml" ds:itemID="{E2B26E15-67E2-46A7-9511-99B371B2FFB8}">
-  <ds:schemaRefs>
-    <ds:schemaRef ds:uri="http://schemas.microsoft.com/VisualStudio/2011/storyboarding/control"/>
-  </ds:schemaRefs>
-</ds:datastoreItem>
-</file>
-
-<file path=customXml/itemProps109.xml><?xml version="1.0" encoding="utf-8"?>
-<ds:datastoreItem xmlns:ds="http://schemas.openxmlformats.org/officeDocument/2006/customXml" ds:itemID="{1B9230E7-F069-4556-9C13-4BDB695EF08B}">
-  <ds:schemaRefs>
-    <ds:schemaRef ds:uri="http://schemas.microsoft.com/VisualStudio/2011/storyboarding/control"/>
-  </ds:schemaRefs>
-</ds:datastoreItem>
-</file>
-
-<file path=customXml/itemProps11.xml><?xml version="1.0" encoding="utf-8"?>
-<ds:datastoreItem xmlns:ds="http://schemas.openxmlformats.org/officeDocument/2006/customXml" ds:itemID="{D0D892FC-96D9-4F80-841A-D732044A2BF9}">
-  <ds:schemaRefs>
-    <ds:schemaRef ds:uri="http://schemas.microsoft.com/VisualStudio/2011/storyboarding/control"/>
-  </ds:schemaRefs>
-</ds:datastoreItem>
-</file>
-
-<file path=customXml/itemProps110.xml><?xml version="1.0" encoding="utf-8"?>
-<ds:datastoreItem xmlns:ds="http://schemas.openxmlformats.org/officeDocument/2006/customXml" ds:itemID="{0A526C21-CA0E-4D62-A306-B441BC0489D4}">
-  <ds:schemaRefs>
-    <ds:schemaRef ds:uri="http://schemas.microsoft.com/VisualStudio/2011/storyboarding/control"/>
-  </ds:schemaRefs>
-</ds:datastoreItem>
-</file>
-
-<file path=customXml/itemProps111.xml><?xml version="1.0" encoding="utf-8"?>
-<ds:datastoreItem xmlns:ds="http://schemas.openxmlformats.org/officeDocument/2006/customXml" ds:itemID="{49295FCB-C0F6-4058-AADB-C80AB995A670}">
-  <ds:schemaRefs>
-    <ds:schemaRef ds:uri="http://schemas.microsoft.com/VisualStudio/2011/storyboarding/control"/>
-  </ds:schemaRefs>
-</ds:datastoreItem>
-</file>
-
-<file path=customXml/itemProps112.xml><?xml version="1.0" encoding="utf-8"?>
-<ds:datastoreItem xmlns:ds="http://schemas.openxmlformats.org/officeDocument/2006/customXml" ds:itemID="{8E2F46EC-BCDA-4589-B106-2EE9F450A758}">
-  <ds:schemaRefs>
-    <ds:schemaRef ds:uri="http://schemas.microsoft.com/VisualStudio/2011/storyboarding/control"/>
-  </ds:schemaRefs>
-</ds:datastoreItem>
-</file>
-
-<file path=customXml/itemProps113.xml><?xml version="1.0" encoding="utf-8"?>
-<ds:datastoreItem xmlns:ds="http://schemas.openxmlformats.org/officeDocument/2006/customXml" ds:itemID="{D04082BA-D2CD-4E56-B169-1608513122AE}">
-  <ds:schemaRefs>
-    <ds:schemaRef ds:uri="http://schemas.microsoft.com/VisualStudio/2011/storyboarding/control"/>
-  </ds:schemaRefs>
-</ds:datastoreItem>
-</file>
-
-<file path=customXml/itemProps114.xml><?xml version="1.0" encoding="utf-8"?>
-<ds:datastoreItem xmlns:ds="http://schemas.openxmlformats.org/officeDocument/2006/customXml" ds:itemID="{13C1407C-CF6D-4F1E-9B31-FAC446AF6317}">
-  <ds:schemaRefs>
-    <ds:schemaRef ds:uri="http://schemas.microsoft.com/VisualStudio/2011/storyboarding/control"/>
-  </ds:schemaRefs>
-</ds:datastoreItem>
-</file>
-
-<file path=customXml/itemProps115.xml><?xml version="1.0" encoding="utf-8"?>
-<ds:datastoreItem xmlns:ds="http://schemas.openxmlformats.org/officeDocument/2006/customXml" ds:itemID="{0639E041-5344-4826-A0B0-6DE2057EC2F0}">
-  <ds:schemaRefs>
-    <ds:schemaRef ds:uri="http://schemas.microsoft.com/VisualStudio/2011/storyboarding/control"/>
-  </ds:schemaRefs>
-</ds:datastoreItem>
-</file>
-
-<file path=customXml/itemProps116.xml><?xml version="1.0" encoding="utf-8"?>
-<ds:datastoreItem xmlns:ds="http://schemas.openxmlformats.org/officeDocument/2006/customXml" ds:itemID="{CD08CBAF-EFED-4E31-A630-125B2BF33FB5}">
-  <ds:schemaRefs>
-    <ds:schemaRef ds:uri="http://schemas.microsoft.com/VisualStudio/2011/storyboarding/control"/>
-  </ds:schemaRefs>
-</ds:datastoreItem>
-</file>
-
-<file path=customXml/itemProps117.xml><?xml version="1.0" encoding="utf-8"?>
-<ds:datastoreItem xmlns:ds="http://schemas.openxmlformats.org/officeDocument/2006/customXml" ds:itemID="{74A4DA6D-3268-4D6D-A9D3-B98F658DD6F9}">
-  <ds:schemaRefs>
-    <ds:schemaRef ds:uri="http://schemas.microsoft.com/VisualStudio/2011/storyboarding/control"/>
-  </ds:schemaRefs>
-</ds:datastoreItem>
-</file>
-
-<file path=customXml/itemProps118.xml><?xml version="1.0" encoding="utf-8"?>
-<ds:datastoreItem xmlns:ds="http://schemas.openxmlformats.org/officeDocument/2006/customXml" ds:itemID="{C9CD690E-579D-4787-85BC-0470699F0591}">
-  <ds:schemaRefs>
-    <ds:schemaRef ds:uri="http://schemas.microsoft.com/VisualStudio/2011/storyboarding/control"/>
-  </ds:schemaRefs>
-</ds:datastoreItem>
-</file>
-
-<file path=customXml/itemProps119.xml><?xml version="1.0" encoding="utf-8"?>
-<ds:datastoreItem xmlns:ds="http://schemas.openxmlformats.org/officeDocument/2006/customXml" ds:itemID="{AE128F89-BEFE-49D1-B7EC-DF64FC22E46D}">
-  <ds:schemaRefs>
-    <ds:schemaRef ds:uri="http://schemas.microsoft.com/VisualStudio/2011/storyboarding/control"/>
-  </ds:schemaRefs>
-</ds:datastoreItem>
-</file>
-
-<file path=customXml/itemProps12.xml><?xml version="1.0" encoding="utf-8"?>
-<ds:datastoreItem xmlns:ds="http://schemas.openxmlformats.org/officeDocument/2006/customXml" ds:itemID="{FA3B41DB-8CE9-4ECC-8674-1D620E522544}">
-  <ds:schemaRefs>
-    <ds:schemaRef ds:uri="http://schemas.microsoft.com/VisualStudio/2011/storyboarding/control"/>
-  </ds:schemaRefs>
-</ds:datastoreItem>
-</file>
-
-<file path=customXml/itemProps120.xml><?xml version="1.0" encoding="utf-8"?>
-<ds:datastoreItem xmlns:ds="http://schemas.openxmlformats.org/officeDocument/2006/customXml" ds:itemID="{2FB95A6F-7C40-409F-B892-7F1286D5C297}">
-  <ds:schemaRefs>
-    <ds:schemaRef ds:uri="http://schemas.microsoft.com/VisualStudio/2011/storyboarding/control"/>
-  </ds:schemaRefs>
-</ds:datastoreItem>
-</file>
-
-<file path=customXml/itemProps121.xml><?xml version="1.0" encoding="utf-8"?>
-<ds:datastoreItem xmlns:ds="http://schemas.openxmlformats.org/officeDocument/2006/customXml" ds:itemID="{A83CDB64-A979-480A-B42F-5F9FAC7E448C}">
-  <ds:schemaRefs>
-    <ds:schemaRef ds:uri="http://schemas.microsoft.com/VisualStudio/2011/storyboarding/control"/>
-  </ds:schemaRefs>
-</ds:datastoreItem>
-</file>
-
-<file path=customXml/itemProps122.xml><?xml version="1.0" encoding="utf-8"?>
-<ds:datastoreItem xmlns:ds="http://schemas.openxmlformats.org/officeDocument/2006/customXml" ds:itemID="{2A1D17B4-7440-46CD-8032-D9E7A060B774}">
-  <ds:schemaRefs>
-    <ds:schemaRef ds:uri="http://schemas.microsoft.com/VisualStudio/2011/storyboarding/control"/>
-  </ds:schemaRefs>
-</ds:datastoreItem>
-</file>
-
-<file path=customXml/itemProps123.xml><?xml version="1.0" encoding="utf-8"?>
-<ds:datastoreItem xmlns:ds="http://schemas.openxmlformats.org/officeDocument/2006/customXml" ds:itemID="{AEE42BF4-3F49-4791-99A4-B9C5521F3813}">
-  <ds:schemaRefs>
-    <ds:schemaRef ds:uri="http://schemas.microsoft.com/VisualStudio/2011/storyboarding/control"/>
-  </ds:schemaRefs>
-</ds:datastoreItem>
-</file>
-
-<file path=customXml/itemProps124.xml><?xml version="1.0" encoding="utf-8"?>
-<ds:datastoreItem xmlns:ds="http://schemas.openxmlformats.org/officeDocument/2006/customXml" ds:itemID="{2F4FCC51-0CE4-4CD4-814B-F7F5CC6D4A8E}">
-  <ds:schemaRefs>
-    <ds:schemaRef ds:uri="http://schemas.microsoft.com/VisualStudio/2011/storyboarding/control"/>
-  </ds:schemaRefs>
-</ds:datastoreItem>
-</file>
-
-<file path=customXml/itemProps125.xml><?xml version="1.0" encoding="utf-8"?>
+<file path=customXml/itemProps185.xml><?xml version="1.0" encoding="utf-8"?>
 <ds:datastoreItem xmlns:ds="http://schemas.openxmlformats.org/officeDocument/2006/customXml" ds:itemID="{A70934FF-BD64-48BF-9A4E-D577A82F3862}">
   <ds:schemaRefs>
     <ds:schemaRef ds:uri="http://schemas.microsoft.com/VisualStudio/2011/storyboarding/control"/>
@@ -28477,183 +29003,7 @@
 </ds:datastoreItem>
 </file>
 
-<file path=customXml/itemProps126.xml><?xml version="1.0" encoding="utf-8"?>
-<ds:datastoreItem xmlns:ds="http://schemas.openxmlformats.org/officeDocument/2006/customXml" ds:itemID="{5900ABFD-735C-4D22-859F-F006CFDD473A}">
-  <ds:schemaRefs>
-    <ds:schemaRef ds:uri="http://schemas.microsoft.com/VisualStudio/2011/storyboarding/control"/>
-  </ds:schemaRefs>
-</ds:datastoreItem>
-</file>
-
-<file path=customXml/itemProps127.xml><?xml version="1.0" encoding="utf-8"?>
-<ds:datastoreItem xmlns:ds="http://schemas.openxmlformats.org/officeDocument/2006/customXml" ds:itemID="{D7F890C1-A5D2-4949-B5FB-9149F52A5401}">
-  <ds:schemaRefs>
-    <ds:schemaRef ds:uri="http://schemas.microsoft.com/VisualStudio/2011/storyboarding/control"/>
-  </ds:schemaRefs>
-</ds:datastoreItem>
-</file>
-
-<file path=customXml/itemProps128.xml><?xml version="1.0" encoding="utf-8"?>
-<ds:datastoreItem xmlns:ds="http://schemas.openxmlformats.org/officeDocument/2006/customXml" ds:itemID="{29679B89-9CBC-4928-A22A-244AE0237BB0}">
-  <ds:schemaRefs>
-    <ds:schemaRef ds:uri="http://schemas.microsoft.com/VisualStudio/2011/storyboarding/control"/>
-  </ds:schemaRefs>
-</ds:datastoreItem>
-</file>
-
-<file path=customXml/itemProps129.xml><?xml version="1.0" encoding="utf-8"?>
-<ds:datastoreItem xmlns:ds="http://schemas.openxmlformats.org/officeDocument/2006/customXml" ds:itemID="{892CF6B9-7AB2-4DCF-86FB-B50BB8D91DDB}">
-  <ds:schemaRefs>
-    <ds:schemaRef ds:uri="http://schemas.microsoft.com/VisualStudio/2011/storyboarding/control"/>
-  </ds:schemaRefs>
-</ds:datastoreItem>
-</file>
-
-<file path=customXml/itemProps13.xml><?xml version="1.0" encoding="utf-8"?>
-<ds:datastoreItem xmlns:ds="http://schemas.openxmlformats.org/officeDocument/2006/customXml" ds:itemID="{73703013-09B0-4DBA-9FDD-D39DF66AF178}">
-  <ds:schemaRefs>
-    <ds:schemaRef ds:uri="http://schemas.microsoft.com/VisualStudio/2011/storyboarding/control"/>
-  </ds:schemaRefs>
-</ds:datastoreItem>
-</file>
-
-<file path=customXml/itemProps130.xml><?xml version="1.0" encoding="utf-8"?>
-<ds:datastoreItem xmlns:ds="http://schemas.openxmlformats.org/officeDocument/2006/customXml" ds:itemID="{E1C1B0C3-0D59-41BC-95F4-F0A42ABC6316}">
-  <ds:schemaRefs>
-    <ds:schemaRef ds:uri="http://schemas.microsoft.com/VisualStudio/2011/storyboarding/control"/>
-  </ds:schemaRefs>
-</ds:datastoreItem>
-</file>
-
-<file path=customXml/itemProps131.xml><?xml version="1.0" encoding="utf-8"?>
-<ds:datastoreItem xmlns:ds="http://schemas.openxmlformats.org/officeDocument/2006/customXml" ds:itemID="{76DC95E1-ACCA-45B6-9796-C9DB84BF79E8}">
-  <ds:schemaRefs>
-    <ds:schemaRef ds:uri="http://schemas.microsoft.com/VisualStudio/2011/storyboarding/control"/>
-  </ds:schemaRefs>
-</ds:datastoreItem>
-</file>
-
-<file path=customXml/itemProps132.xml><?xml version="1.0" encoding="utf-8"?>
-<ds:datastoreItem xmlns:ds="http://schemas.openxmlformats.org/officeDocument/2006/customXml" ds:itemID="{97793ECA-24C6-46F3-9A59-850352AED6B0}">
-  <ds:schemaRefs>
-    <ds:schemaRef ds:uri="http://schemas.microsoft.com/VisualStudio/2011/storyboarding/control"/>
-  </ds:schemaRefs>
-</ds:datastoreItem>
-</file>
-
-<file path=customXml/itemProps133.xml><?xml version="1.0" encoding="utf-8"?>
-<ds:datastoreItem xmlns:ds="http://schemas.openxmlformats.org/officeDocument/2006/customXml" ds:itemID="{3DAA7D18-8F95-4CEF-80BA-EBFE8E9D748D}">
-  <ds:schemaRefs>
-    <ds:schemaRef ds:uri="http://schemas.microsoft.com/VisualStudio/2011/storyboarding/control"/>
-  </ds:schemaRefs>
-</ds:datastoreItem>
-</file>
-
-<file path=customXml/itemProps134.xml><?xml version="1.0" encoding="utf-8"?>
-<ds:datastoreItem xmlns:ds="http://schemas.openxmlformats.org/officeDocument/2006/customXml" ds:itemID="{69F82D9F-0A52-4FF0-9FBC-8AED23C65368}">
-  <ds:schemaRefs>
-    <ds:schemaRef ds:uri="http://schemas.microsoft.com/VisualStudio/2011/storyboarding/control"/>
-  </ds:schemaRefs>
-</ds:datastoreItem>
-</file>
-
-<file path=customXml/itemProps135.xml><?xml version="1.0" encoding="utf-8"?>
-<ds:datastoreItem xmlns:ds="http://schemas.openxmlformats.org/officeDocument/2006/customXml" ds:itemID="{9E19A2A9-CBAF-48FC-B482-E99648066CC4}">
-  <ds:schemaRefs>
-    <ds:schemaRef ds:uri="http://schemas.microsoft.com/VisualStudio/2011/storyboarding/control"/>
-  </ds:schemaRefs>
-</ds:datastoreItem>
-</file>
-
-<file path=customXml/itemProps136.xml><?xml version="1.0" encoding="utf-8"?>
-<ds:datastoreItem xmlns:ds="http://schemas.openxmlformats.org/officeDocument/2006/customXml" ds:itemID="{998783E5-93E3-46E4-8B45-FB75479D6BD0}">
-  <ds:schemaRefs>
-    <ds:schemaRef ds:uri="http://schemas.microsoft.com/VisualStudio/2011/storyboarding/control"/>
-  </ds:schemaRefs>
-</ds:datastoreItem>
-</file>
-
-<file path=customXml/itemProps137.xml><?xml version="1.0" encoding="utf-8"?>
-<ds:datastoreItem xmlns:ds="http://schemas.openxmlformats.org/officeDocument/2006/customXml" ds:itemID="{F78CD7B1-12E3-49EC-8BE8-E474AC90DF8F}">
-  <ds:schemaRefs>
-    <ds:schemaRef ds:uri="http://schemas.microsoft.com/VisualStudio/2011/storyboarding/control"/>
-  </ds:schemaRefs>
-</ds:datastoreItem>
-</file>
-
-<file path=customXml/itemProps138.xml><?xml version="1.0" encoding="utf-8"?>
-<ds:datastoreItem xmlns:ds="http://schemas.openxmlformats.org/officeDocument/2006/customXml" ds:itemID="{A6DD08DB-A03D-4EBF-8BCF-9AEDA3861DDD}">
-  <ds:schemaRefs>
-    <ds:schemaRef ds:uri="http://schemas.microsoft.com/VisualStudio/2011/storyboarding/control"/>
-  </ds:schemaRefs>
-</ds:datastoreItem>
-</file>
-
-<file path=customXml/itemProps139.xml><?xml version="1.0" encoding="utf-8"?>
-<ds:datastoreItem xmlns:ds="http://schemas.openxmlformats.org/officeDocument/2006/customXml" ds:itemID="{F5281BC0-9672-435D-B9A7-6C9AEEE3F7D2}">
-  <ds:schemaRefs>
-    <ds:schemaRef ds:uri="http://schemas.microsoft.com/VisualStudio/2011/storyboarding/control"/>
-  </ds:schemaRefs>
-</ds:datastoreItem>
-</file>
-
-<file path=customXml/itemProps14.xml><?xml version="1.0" encoding="utf-8"?>
-<ds:datastoreItem xmlns:ds="http://schemas.openxmlformats.org/officeDocument/2006/customXml" ds:itemID="{FB4E80E6-CDBF-4033-8B52-FB80E5634189}">
-  <ds:schemaRefs>
-    <ds:schemaRef ds:uri="http://schemas.microsoft.com/VisualStudio/2011/storyboarding/control"/>
-  </ds:schemaRefs>
-</ds:datastoreItem>
-</file>
-
-<file path=customXml/itemProps140.xml><?xml version="1.0" encoding="utf-8"?>
-<ds:datastoreItem xmlns:ds="http://schemas.openxmlformats.org/officeDocument/2006/customXml" ds:itemID="{7E6575B5-210E-4C5C-962C-D0D28D81591D}">
-  <ds:schemaRefs>
-    <ds:schemaRef ds:uri="http://schemas.microsoft.com/VisualStudio/2011/storyboarding/control"/>
-  </ds:schemaRefs>
-</ds:datastoreItem>
-</file>
-
-<file path=customXml/itemProps141.xml><?xml version="1.0" encoding="utf-8"?>
-<ds:datastoreItem xmlns:ds="http://schemas.openxmlformats.org/officeDocument/2006/customXml" ds:itemID="{CE13D033-955A-413A-BF77-A5D3B95ACDBC}">
-  <ds:schemaRefs>
-    <ds:schemaRef ds:uri="http://schemas.microsoft.com/VisualStudio/2011/storyboarding/control"/>
-  </ds:schemaRefs>
-</ds:datastoreItem>
-</file>
-
-<file path=customXml/itemProps142.xml><?xml version="1.0" encoding="utf-8"?>
-<ds:datastoreItem xmlns:ds="http://schemas.openxmlformats.org/officeDocument/2006/customXml" ds:itemID="{27F8D642-C876-4D49-A268-D03A3875605D}">
-  <ds:schemaRefs>
-    <ds:schemaRef ds:uri="http://schemas.microsoft.com/VisualStudio/2011/storyboarding/control"/>
-  </ds:schemaRefs>
-</ds:datastoreItem>
-</file>
-
-<file path=customXml/itemProps143.xml><?xml version="1.0" encoding="utf-8"?>
-<ds:datastoreItem xmlns:ds="http://schemas.openxmlformats.org/officeDocument/2006/customXml" ds:itemID="{15F46258-63C4-4B60-ADED-0E3ACB1539D0}">
-  <ds:schemaRefs>
-    <ds:schemaRef ds:uri="http://schemas.microsoft.com/VisualStudio/2011/storyboarding/control"/>
-  </ds:schemaRefs>
-</ds:datastoreItem>
-</file>
-
-<file path=customXml/itemProps144.xml><?xml version="1.0" encoding="utf-8"?>
-<ds:datastoreItem xmlns:ds="http://schemas.openxmlformats.org/officeDocument/2006/customXml" ds:itemID="{9501DC5F-120C-4F65-9B9C-A042818517A5}">
-  <ds:schemaRefs>
-    <ds:schemaRef ds:uri="http://schemas.microsoft.com/VisualStudio/2011/storyboarding/control"/>
-  </ds:schemaRefs>
-</ds:datastoreItem>
-</file>
-
-<file path=customXml/itemProps145.xml><?xml version="1.0" encoding="utf-8"?>
-<ds:datastoreItem xmlns:ds="http://schemas.openxmlformats.org/officeDocument/2006/customXml" ds:itemID="{59523541-65F5-4428-9F7B-EAA3ACAEA288}">
-  <ds:schemaRefs>
-    <ds:schemaRef ds:uri="http://schemas.microsoft.com/VisualStudio/2011/storyboarding/control"/>
-  </ds:schemaRefs>
-</ds:datastoreItem>
-</file>
-
-<file path=customXml/itemProps146.xml><?xml version="1.0" encoding="utf-8"?>
+<file path=customXml/itemProps186.xml><?xml version="1.0" encoding="utf-8"?>
 <ds:datastoreItem xmlns:ds="http://schemas.openxmlformats.org/officeDocument/2006/customXml" ds:itemID="{4EA2190A-611C-49BA-ADD4-5855AD00D63D}">
   <ds:schemaRefs>
     <ds:schemaRef ds:uri="http://schemas.microsoft.com/VisualStudio/2011/storyboarding/control"/>
@@ -28661,360 +29011,8 @@
 </ds:datastoreItem>
 </file>
 
-<file path=customXml/itemProps147.xml><?xml version="1.0" encoding="utf-8"?>
-<ds:datastoreItem xmlns:ds="http://schemas.openxmlformats.org/officeDocument/2006/customXml" ds:itemID="{3532F4D0-3A20-4546-96DA-A56D979929A4}">
-  <ds:schemaRefs>
-    <ds:schemaRef ds:uri="http://schemas.microsoft.com/VisualStudio/2011/storyboarding/control"/>
-  </ds:schemaRefs>
-</ds:datastoreItem>
-</file>
-
-<file path=customXml/itemProps148.xml><?xml version="1.0" encoding="utf-8"?>
-<ds:datastoreItem xmlns:ds="http://schemas.openxmlformats.org/officeDocument/2006/customXml" ds:itemID="{D3C03370-B090-47F7-912D-2E624F6AF804}">
-  <ds:schemaRefs>
-    <ds:schemaRef ds:uri="http://schemas.microsoft.com/VisualStudio/2011/storyboarding/control"/>
-  </ds:schemaRefs>
-</ds:datastoreItem>
-</file>
-
-<file path=customXml/itemProps149.xml><?xml version="1.0" encoding="utf-8"?>
-<ds:datastoreItem xmlns:ds="http://schemas.openxmlformats.org/officeDocument/2006/customXml" ds:itemID="{152057C0-8163-4478-8001-B3CFAA894936}">
-  <ds:schemaRefs>
-    <ds:schemaRef ds:uri="http://schemas.microsoft.com/VisualStudio/2011/storyboarding/control"/>
-  </ds:schemaRefs>
-</ds:datastoreItem>
-</file>
-
-<file path=customXml/itemProps15.xml><?xml version="1.0" encoding="utf-8"?>
-<ds:datastoreItem xmlns:ds="http://schemas.openxmlformats.org/officeDocument/2006/customXml" ds:itemID="{D176A5CA-84F0-42CF-AE7E-D9B7ED1985C2}">
-  <ds:schemaRefs>
-    <ds:schemaRef ds:uri="http://schemas.microsoft.com/VisualStudio/2011/storyboarding/control"/>
-  </ds:schemaRefs>
-</ds:datastoreItem>
-</file>
-
-<file path=customXml/itemProps150.xml><?xml version="1.0" encoding="utf-8"?>
-<ds:datastoreItem xmlns:ds="http://schemas.openxmlformats.org/officeDocument/2006/customXml" ds:itemID="{355F828C-8DD0-4B0C-8A65-152475EE1425}">
-  <ds:schemaRefs>
-    <ds:schemaRef ds:uri="http://schemas.microsoft.com/VisualStudio/2011/storyboarding/control"/>
-  </ds:schemaRefs>
-</ds:datastoreItem>
-</file>
-
-<file path=customXml/itemProps151.xml><?xml version="1.0" encoding="utf-8"?>
-<ds:datastoreItem xmlns:ds="http://schemas.openxmlformats.org/officeDocument/2006/customXml" ds:itemID="{82E33D8B-2115-44F9-B288-F7DDC7375FA0}">
-  <ds:schemaRefs>
-    <ds:schemaRef ds:uri="http://schemas.microsoft.com/VisualStudio/2011/storyboarding/control"/>
-  </ds:schemaRefs>
-</ds:datastoreItem>
-</file>
-
-<file path=customXml/itemProps152.xml><?xml version="1.0" encoding="utf-8"?>
-<ds:datastoreItem xmlns:ds="http://schemas.openxmlformats.org/officeDocument/2006/customXml" ds:itemID="{A9589BB7-B112-466A-B7DB-50FF9E4A7695}">
-  <ds:schemaRefs>
-    <ds:schemaRef ds:uri="http://schemas.microsoft.com/VisualStudio/2011/storyboarding/control"/>
-  </ds:schemaRefs>
-</ds:datastoreItem>
-</file>
-
-<file path=customXml/itemProps153.xml><?xml version="1.0" encoding="utf-8"?>
-<ds:datastoreItem xmlns:ds="http://schemas.openxmlformats.org/officeDocument/2006/customXml" ds:itemID="{E12DD9CD-91AF-4CC9-87D9-DB103477FE67}">
-  <ds:schemaRefs>
-    <ds:schemaRef ds:uri="http://schemas.microsoft.com/VisualStudio/2011/storyboarding/control"/>
-  </ds:schemaRefs>
-</ds:datastoreItem>
-</file>
-
-<file path=customXml/itemProps154.xml><?xml version="1.0" encoding="utf-8"?>
-<ds:datastoreItem xmlns:ds="http://schemas.openxmlformats.org/officeDocument/2006/customXml" ds:itemID="{45E0B91E-7FEF-4703-9326-F8B2ED81C09E}">
-  <ds:schemaRefs>
-    <ds:schemaRef ds:uri="http://schemas.microsoft.com/VisualStudio/2011/storyboarding/control"/>
-  </ds:schemaRefs>
-</ds:datastoreItem>
-</file>
-
-<file path=customXml/itemProps155.xml><?xml version="1.0" encoding="utf-8"?>
-<ds:datastoreItem xmlns:ds="http://schemas.openxmlformats.org/officeDocument/2006/customXml" ds:itemID="{0C30631B-6B6B-4F45-A69E-60EB784933B3}">
-  <ds:schemaRefs>
-    <ds:schemaRef ds:uri="http://schemas.microsoft.com/VisualStudio/2011/storyboarding/control"/>
-  </ds:schemaRefs>
-</ds:datastoreItem>
-</file>
-
-<file path=customXml/itemProps156.xml><?xml version="1.0" encoding="utf-8"?>
-<ds:datastoreItem xmlns:ds="http://schemas.openxmlformats.org/officeDocument/2006/customXml" ds:itemID="{BCD68537-FD77-44D1-B5FC-C1B002B1B2F1}">
-  <ds:schemaRefs>
-    <ds:schemaRef ds:uri="http://schemas.microsoft.com/VisualStudio/2011/storyboarding/control"/>
-  </ds:schemaRefs>
-</ds:datastoreItem>
-</file>
-
-<file path=customXml/itemProps157.xml><?xml version="1.0" encoding="utf-8"?>
-<ds:datastoreItem xmlns:ds="http://schemas.openxmlformats.org/officeDocument/2006/customXml" ds:itemID="{F5E1943B-A70F-44C2-A322-2C282D25F81E}">
-  <ds:schemaRefs>
-    <ds:schemaRef ds:uri="http://schemas.microsoft.com/VisualStudio/2011/storyboarding/control"/>
-  </ds:schemaRefs>
-</ds:datastoreItem>
-</file>
-
-<file path=customXml/itemProps158.xml><?xml version="1.0" encoding="utf-8"?>
-<ds:datastoreItem xmlns:ds="http://schemas.openxmlformats.org/officeDocument/2006/customXml" ds:itemID="{1ACD3D86-D296-4CB4-9819-CD01A12B3870}">
-  <ds:schemaRefs>
-    <ds:schemaRef ds:uri="http://schemas.microsoft.com/VisualStudio/2011/storyboarding/control"/>
-  </ds:schemaRefs>
-</ds:datastoreItem>
-</file>
-
-<file path=customXml/itemProps159.xml><?xml version="1.0" encoding="utf-8"?>
-<ds:datastoreItem xmlns:ds="http://schemas.openxmlformats.org/officeDocument/2006/customXml" ds:itemID="{81E54383-98AB-4CF8-862A-56119B52D70D}">
-  <ds:schemaRefs>
-    <ds:schemaRef ds:uri="http://schemas.microsoft.com/VisualStudio/2011/storyboarding/control"/>
-  </ds:schemaRefs>
-</ds:datastoreItem>
-</file>
-
-<file path=customXml/itemProps16.xml><?xml version="1.0" encoding="utf-8"?>
-<ds:datastoreItem xmlns:ds="http://schemas.openxmlformats.org/officeDocument/2006/customXml" ds:itemID="{56C614C4-5DEC-491F-B700-BEDDA8F8ADF4}">
-  <ds:schemaRefs>
-    <ds:schemaRef ds:uri="http://schemas.microsoft.com/VisualStudio/2011/storyboarding/control"/>
-  </ds:schemaRefs>
-</ds:datastoreItem>
-</file>
-
-<file path=customXml/itemProps160.xml><?xml version="1.0" encoding="utf-8"?>
-<ds:datastoreItem xmlns:ds="http://schemas.openxmlformats.org/officeDocument/2006/customXml" ds:itemID="{98A360E1-A752-4262-A971-02659881E9AE}">
-  <ds:schemaRefs>
-    <ds:schemaRef ds:uri="http://schemas.microsoft.com/VisualStudio/2011/storyboarding/control"/>
-  </ds:schemaRefs>
-</ds:datastoreItem>
-</file>
-
-<file path=customXml/itemProps161.xml><?xml version="1.0" encoding="utf-8"?>
-<ds:datastoreItem xmlns:ds="http://schemas.openxmlformats.org/officeDocument/2006/customXml" ds:itemID="{72F00B18-A9ED-4669-AEA6-2BD6814E32F4}">
-  <ds:schemaRefs>
-    <ds:schemaRef ds:uri="http://schemas.microsoft.com/VisualStudio/2011/storyboarding/control"/>
-  </ds:schemaRefs>
-</ds:datastoreItem>
-</file>
-
-<file path=customXml/itemProps162.xml><?xml version="1.0" encoding="utf-8"?>
-<ds:datastoreItem xmlns:ds="http://schemas.openxmlformats.org/officeDocument/2006/customXml" ds:itemID="{E628D704-53B1-402A-B3C4-24BC08ADD505}">
-  <ds:schemaRefs>
-    <ds:schemaRef ds:uri="http://schemas.microsoft.com/VisualStudio/2011/storyboarding/control"/>
-  </ds:schemaRefs>
-</ds:datastoreItem>
-</file>
-
-<file path=customXml/itemProps163.xml><?xml version="1.0" encoding="utf-8"?>
-<ds:datastoreItem xmlns:ds="http://schemas.openxmlformats.org/officeDocument/2006/customXml" ds:itemID="{7D14F916-B249-48AB-8630-8E73B4CF4A95}">
-  <ds:schemaRefs>
-    <ds:schemaRef ds:uri="http://schemas.microsoft.com/VisualStudio/2011/storyboarding/control"/>
-  </ds:schemaRefs>
-</ds:datastoreItem>
-</file>
-
-<file path=customXml/itemProps164.xml><?xml version="1.0" encoding="utf-8"?>
-<ds:datastoreItem xmlns:ds="http://schemas.openxmlformats.org/officeDocument/2006/customXml" ds:itemID="{E0D4D259-B672-4B08-B2B0-A0D8ACD5B803}">
-  <ds:schemaRefs>
-    <ds:schemaRef ds:uri="http://schemas.microsoft.com/VisualStudio/2011/storyboarding/control"/>
-  </ds:schemaRefs>
-</ds:datastoreItem>
-</file>
-
-<file path=customXml/itemProps165.xml><?xml version="1.0" encoding="utf-8"?>
-<ds:datastoreItem xmlns:ds="http://schemas.openxmlformats.org/officeDocument/2006/customXml" ds:itemID="{40E1E962-5637-4EB6-B93C-DA8F96A81FAF}">
-  <ds:schemaRefs>
-    <ds:schemaRef ds:uri="http://schemas.microsoft.com/VisualStudio/2011/storyboarding/control"/>
-  </ds:schemaRefs>
-</ds:datastoreItem>
-</file>
-
-<file path=customXml/itemProps166.xml><?xml version="1.0" encoding="utf-8"?>
-<ds:datastoreItem xmlns:ds="http://schemas.openxmlformats.org/officeDocument/2006/customXml" ds:itemID="{17B0D8AB-58DB-487A-A1B2-410414827202}">
-  <ds:schemaRefs>
-    <ds:schemaRef ds:uri="http://schemas.microsoft.com/VisualStudio/2011/storyboarding/control"/>
-  </ds:schemaRefs>
-</ds:datastoreItem>
-</file>
-
-<file path=customXml/itemProps167.xml><?xml version="1.0" encoding="utf-8"?>
+<file path=customXml/itemProps187.xml><?xml version="1.0" encoding="utf-8"?>
 <ds:datastoreItem xmlns:ds="http://schemas.openxmlformats.org/officeDocument/2006/customXml" ds:itemID="{3BA5FAE4-8745-4A74-B298-4B5E45FB845F}">
-  <ds:schemaRefs>
-    <ds:schemaRef ds:uri="http://schemas.microsoft.com/VisualStudio/2011/storyboarding/control"/>
-  </ds:schemaRefs>
-</ds:datastoreItem>
-</file>
-
-<file path=customXml/itemProps168.xml><?xml version="1.0" encoding="utf-8"?>
-<ds:datastoreItem xmlns:ds="http://schemas.openxmlformats.org/officeDocument/2006/customXml" ds:itemID="{3D991671-804F-44F2-8BE3-0781A317701D}">
-  <ds:schemaRefs>
-    <ds:schemaRef ds:uri="http://schemas.microsoft.com/VisualStudio/2011/storyboarding/control"/>
-  </ds:schemaRefs>
-</ds:datastoreItem>
-</file>
-
-<file path=customXml/itemProps169.xml><?xml version="1.0" encoding="utf-8"?>
-<ds:datastoreItem xmlns:ds="http://schemas.openxmlformats.org/officeDocument/2006/customXml" ds:itemID="{A39F5018-76E8-4CE5-A9B7-D9BE197ECF9D}">
-  <ds:schemaRefs>
-    <ds:schemaRef ds:uri="http://schemas.microsoft.com/VisualStudio/2011/storyboarding/control"/>
-  </ds:schemaRefs>
-</ds:datastoreItem>
-</file>
-
-<file path=customXml/itemProps17.xml><?xml version="1.0" encoding="utf-8"?>
-<ds:datastoreItem xmlns:ds="http://schemas.openxmlformats.org/officeDocument/2006/customXml" ds:itemID="{926C71EA-7662-42AD-B796-6EA8688D8F12}">
-  <ds:schemaRefs>
-    <ds:schemaRef ds:uri="http://schemas.microsoft.com/VisualStudio/2011/storyboarding/control"/>
-  </ds:schemaRefs>
-</ds:datastoreItem>
-</file>
-
-<file path=customXml/itemProps170.xml><?xml version="1.0" encoding="utf-8"?>
-<ds:datastoreItem xmlns:ds="http://schemas.openxmlformats.org/officeDocument/2006/customXml" ds:itemID="{A26C2F90-97F2-4089-BDB9-A8F1A786BE92}">
-  <ds:schemaRefs>
-    <ds:schemaRef ds:uri="http://schemas.microsoft.com/VisualStudio/2011/storyboarding/control"/>
-  </ds:schemaRefs>
-</ds:datastoreItem>
-</file>
-
-<file path=customXml/itemProps171.xml><?xml version="1.0" encoding="utf-8"?>
-<ds:datastoreItem xmlns:ds="http://schemas.openxmlformats.org/officeDocument/2006/customXml" ds:itemID="{738FF2C8-587D-4C02-8D5D-20CBF1EE7CCD}">
-  <ds:schemaRefs>
-    <ds:schemaRef ds:uri="http://schemas.microsoft.com/VisualStudio/2011/storyboarding/control"/>
-  </ds:schemaRefs>
-</ds:datastoreItem>
-</file>
-
-<file path=customXml/itemProps172.xml><?xml version="1.0" encoding="utf-8"?>
-<ds:datastoreItem xmlns:ds="http://schemas.openxmlformats.org/officeDocument/2006/customXml" ds:itemID="{1ADEB7F2-78C7-4561-B3DF-1749638EBE62}">
-  <ds:schemaRefs>
-    <ds:schemaRef ds:uri="http://schemas.microsoft.com/VisualStudio/2011/storyboarding/control"/>
-  </ds:schemaRefs>
-</ds:datastoreItem>
-</file>
-
-<file path=customXml/itemProps173.xml><?xml version="1.0" encoding="utf-8"?>
-<ds:datastoreItem xmlns:ds="http://schemas.openxmlformats.org/officeDocument/2006/customXml" ds:itemID="{FBC62206-495B-43F2-9B91-CBEF056959DE}">
-  <ds:schemaRefs>
-    <ds:schemaRef ds:uri="http://schemas.microsoft.com/VisualStudio/2011/storyboarding/control"/>
-  </ds:schemaRefs>
-</ds:datastoreItem>
-</file>
-
-<file path=customXml/itemProps174.xml><?xml version="1.0" encoding="utf-8"?>
-<ds:datastoreItem xmlns:ds="http://schemas.openxmlformats.org/officeDocument/2006/customXml" ds:itemID="{314BC7E0-5CB8-41B7-80AE-6FF18C6ED044}">
-  <ds:schemaRefs>
-    <ds:schemaRef ds:uri="http://schemas.microsoft.com/VisualStudio/2011/storyboarding/control"/>
-  </ds:schemaRefs>
-</ds:datastoreItem>
-</file>
-
-<file path=customXml/itemProps175.xml><?xml version="1.0" encoding="utf-8"?>
-<ds:datastoreItem xmlns:ds="http://schemas.openxmlformats.org/officeDocument/2006/customXml" ds:itemID="{903D1585-EC82-417F-ADD8-DEE6B3412E20}">
-  <ds:schemaRefs>
-    <ds:schemaRef ds:uri="http://schemas.microsoft.com/VisualStudio/2011/storyboarding/control"/>
-  </ds:schemaRefs>
-</ds:datastoreItem>
-</file>
-
-<file path=customXml/itemProps176.xml><?xml version="1.0" encoding="utf-8"?>
-<ds:datastoreItem xmlns:ds="http://schemas.openxmlformats.org/officeDocument/2006/customXml" ds:itemID="{D30FE00D-B30C-4E97-A466-D2EAAA05FD64}">
-  <ds:schemaRefs>
-    <ds:schemaRef ds:uri="http://schemas.microsoft.com/VisualStudio/2011/storyboarding/control"/>
-  </ds:schemaRefs>
-</ds:datastoreItem>
-</file>
-
-<file path=customXml/itemProps177.xml><?xml version="1.0" encoding="utf-8"?>
-<ds:datastoreItem xmlns:ds="http://schemas.openxmlformats.org/officeDocument/2006/customXml" ds:itemID="{880B91E8-103A-412A-B3C8-17A3C03EF756}">
-  <ds:schemaRefs>
-    <ds:schemaRef ds:uri="http://schemas.microsoft.com/VisualStudio/2011/storyboarding/control"/>
-  </ds:schemaRefs>
-</ds:datastoreItem>
-</file>
-
-<file path=customXml/itemProps178.xml><?xml version="1.0" encoding="utf-8"?>
-<ds:datastoreItem xmlns:ds="http://schemas.openxmlformats.org/officeDocument/2006/customXml" ds:itemID="{A90F7C4B-60EA-4955-8003-309220366A18}">
-  <ds:schemaRefs>
-    <ds:schemaRef ds:uri="http://schemas.microsoft.com/VisualStudio/2011/storyboarding/control"/>
-  </ds:schemaRefs>
-</ds:datastoreItem>
-</file>
-
-<file path=customXml/itemProps179.xml><?xml version="1.0" encoding="utf-8"?>
-<ds:datastoreItem xmlns:ds="http://schemas.openxmlformats.org/officeDocument/2006/customXml" ds:itemID="{3819C140-F52D-450E-9E57-A9C95974C875}">
-  <ds:schemaRefs>
-    <ds:schemaRef ds:uri="http://schemas.microsoft.com/VisualStudio/2011/storyboarding/control"/>
-  </ds:schemaRefs>
-</ds:datastoreItem>
-</file>
-
-<file path=customXml/itemProps18.xml><?xml version="1.0" encoding="utf-8"?>
-<ds:datastoreItem xmlns:ds="http://schemas.openxmlformats.org/officeDocument/2006/customXml" ds:itemID="{F4261AFD-0C6F-405A-ABB8-E13F5D880F5A}">
-  <ds:schemaRefs>
-    <ds:schemaRef ds:uri="http://schemas.microsoft.com/VisualStudio/2011/storyboarding/control"/>
-  </ds:schemaRefs>
-</ds:datastoreItem>
-</file>
-
-<file path=customXml/itemProps180.xml><?xml version="1.0" encoding="utf-8"?>
-<ds:datastoreItem xmlns:ds="http://schemas.openxmlformats.org/officeDocument/2006/customXml" ds:itemID="{CE453AD5-3180-4DCA-9C47-FA81A3E74F53}">
-  <ds:schemaRefs>
-    <ds:schemaRef ds:uri="http://schemas.microsoft.com/VisualStudio/2011/storyboarding/control"/>
-  </ds:schemaRefs>
-</ds:datastoreItem>
-</file>
-
-<file path=customXml/itemProps181.xml><?xml version="1.0" encoding="utf-8"?>
-<ds:datastoreItem xmlns:ds="http://schemas.openxmlformats.org/officeDocument/2006/customXml" ds:itemID="{913EDEB5-0043-4ADF-BF69-77EF99A91A70}">
-  <ds:schemaRefs>
-    <ds:schemaRef ds:uri="http://schemas.microsoft.com/VisualStudio/2011/storyboarding/control"/>
-  </ds:schemaRefs>
-</ds:datastoreItem>
-</file>
-
-<file path=customXml/itemProps182.xml><?xml version="1.0" encoding="utf-8"?>
-<ds:datastoreItem xmlns:ds="http://schemas.openxmlformats.org/officeDocument/2006/customXml" ds:itemID="{50409344-7A08-4EEE-A095-5DC783125ED3}">
-  <ds:schemaRefs>
-    <ds:schemaRef ds:uri="http://schemas.microsoft.com/VisualStudio/2011/storyboarding/control"/>
-  </ds:schemaRefs>
-</ds:datastoreItem>
-</file>
-
-<file path=customXml/itemProps183.xml><?xml version="1.0" encoding="utf-8"?>
-<ds:datastoreItem xmlns:ds="http://schemas.openxmlformats.org/officeDocument/2006/customXml" ds:itemID="{8A640325-005D-4045-AEC2-6BA2B94359ED}">
-  <ds:schemaRefs>
-    <ds:schemaRef ds:uri="http://schemas.microsoft.com/VisualStudio/2011/storyboarding/control"/>
-  </ds:schemaRefs>
-</ds:datastoreItem>
-</file>
-
-<file path=customXml/itemProps184.xml><?xml version="1.0" encoding="utf-8"?>
-<ds:datastoreItem xmlns:ds="http://schemas.openxmlformats.org/officeDocument/2006/customXml" ds:itemID="{83115CD3-825C-4612-821F-C5D4B5A19981}">
-  <ds:schemaRefs>
-    <ds:schemaRef ds:uri="http://schemas.microsoft.com/VisualStudio/2011/storyboarding/control"/>
-  </ds:schemaRefs>
-</ds:datastoreItem>
-</file>
-
-<file path=customXml/itemProps185.xml><?xml version="1.0" encoding="utf-8"?>
-<ds:datastoreItem xmlns:ds="http://schemas.openxmlformats.org/officeDocument/2006/customXml" ds:itemID="{917C221D-1C7D-4EFD-A42E-4EEB4484E21B}">
-  <ds:schemaRefs>
-    <ds:schemaRef ds:uri="http://schemas.microsoft.com/VisualStudio/2011/storyboarding/control"/>
-  </ds:schemaRefs>
-</ds:datastoreItem>
-</file>
-
-<file path=customXml/itemProps186.xml><?xml version="1.0" encoding="utf-8"?>
-<ds:datastoreItem xmlns:ds="http://schemas.openxmlformats.org/officeDocument/2006/customXml" ds:itemID="{3A1CF677-7ED7-42FC-8B92-EB1BA9F20F04}">
-  <ds:schemaRefs>
-    <ds:schemaRef ds:uri="http://schemas.microsoft.com/VisualStudio/2011/storyboarding/control"/>
-  </ds:schemaRefs>
-</ds:datastoreItem>
-</file>
-
-<file path=customXml/itemProps187.xml><?xml version="1.0" encoding="utf-8"?>
-<ds:datastoreItem xmlns:ds="http://schemas.openxmlformats.org/officeDocument/2006/customXml" ds:itemID="{2262AB97-89CA-4079-98DA-993B62EF26AB}">
   <ds:schemaRefs>
     <ds:schemaRef ds:uri="http://schemas.microsoft.com/VisualStudio/2011/storyboarding/control"/>
   </ds:schemaRefs>
@@ -29030,6 +29028,302 @@
 </file>
 
 <file path=customXml/itemProps189.xml><?xml version="1.0" encoding="utf-8"?>
+<ds:datastoreItem xmlns:ds="http://schemas.openxmlformats.org/officeDocument/2006/customXml" ds:itemID="{43357BA7-E8FE-4D54-AC80-E8E59429C281}">
+  <ds:schemaRefs>
+    <ds:schemaRef ds:uri="http://schemas.microsoft.com/VisualStudio/2011/storyboarding/control"/>
+  </ds:schemaRefs>
+</ds:datastoreItem>
+</file>
+
+<file path=customXml/itemProps19.xml><?xml version="1.0" encoding="utf-8"?>
+<ds:datastoreItem xmlns:ds="http://schemas.openxmlformats.org/officeDocument/2006/customXml" ds:itemID="{2F6BDFFF-5546-47E4-8CF1-5354DFE6CFD9}">
+  <ds:schemaRefs>
+    <ds:schemaRef ds:uri="http://schemas.microsoft.com/VisualStudio/2011/storyboarding/control"/>
+  </ds:schemaRefs>
+</ds:datastoreItem>
+</file>
+
+<file path=customXml/itemProps190.xml><?xml version="1.0" encoding="utf-8"?>
+<ds:datastoreItem xmlns:ds="http://schemas.openxmlformats.org/officeDocument/2006/customXml" ds:itemID="{BF8B6F30-58A9-49DC-A98D-09DDB8F2693B}">
+  <ds:schemaRefs>
+    <ds:schemaRef ds:uri="http://schemas.microsoft.com/VisualStudio/2011/storyboarding/control"/>
+  </ds:schemaRefs>
+</ds:datastoreItem>
+</file>
+
+<file path=customXml/itemProps191.xml><?xml version="1.0" encoding="utf-8"?>
+<ds:datastoreItem xmlns:ds="http://schemas.openxmlformats.org/officeDocument/2006/customXml" ds:itemID="{86A76FA3-4235-4BDB-A418-31656486084F}">
+  <ds:schemaRefs>
+    <ds:schemaRef ds:uri="http://schemas.microsoft.com/VisualStudio/2011/storyboarding/control"/>
+  </ds:schemaRefs>
+</ds:datastoreItem>
+</file>
+
+<file path=customXml/itemProps192.xml><?xml version="1.0" encoding="utf-8"?>
+<ds:datastoreItem xmlns:ds="http://schemas.openxmlformats.org/officeDocument/2006/customXml" ds:itemID="{D1D581BF-65A6-451F-B562-28FFFDB17EBE}">
+  <ds:schemaRefs>
+    <ds:schemaRef ds:uri="http://schemas.microsoft.com/VisualStudio/2011/storyboarding/control"/>
+  </ds:schemaRefs>
+</ds:datastoreItem>
+</file>
+
+<file path=customXml/itemProps193.xml><?xml version="1.0" encoding="utf-8"?>
+<ds:datastoreItem xmlns:ds="http://schemas.openxmlformats.org/officeDocument/2006/customXml" ds:itemID="{B69176FB-B87F-4E1E-9375-8D60FAF0057D}">
+  <ds:schemaRefs>
+    <ds:schemaRef ds:uri="http://schemas.microsoft.com/VisualStudio/2011/storyboarding/control"/>
+  </ds:schemaRefs>
+</ds:datastoreItem>
+</file>
+
+<file path=customXml/itemProps194.xml><?xml version="1.0" encoding="utf-8"?>
+<ds:datastoreItem xmlns:ds="http://schemas.openxmlformats.org/officeDocument/2006/customXml" ds:itemID="{51CF4945-E817-4546-BC18-C7EFB8B5FC28}">
+  <ds:schemaRefs>
+    <ds:schemaRef ds:uri="http://schemas.microsoft.com/VisualStudio/2011/storyboarding/control"/>
+  </ds:schemaRefs>
+</ds:datastoreItem>
+</file>
+
+<file path=customXml/itemProps195.xml><?xml version="1.0" encoding="utf-8"?>
+<ds:datastoreItem xmlns:ds="http://schemas.openxmlformats.org/officeDocument/2006/customXml" ds:itemID="{F43A8394-35B7-4FC2-9A02-D6D8AE850C46}">
+  <ds:schemaRefs>
+    <ds:schemaRef ds:uri="http://schemas.microsoft.com/VisualStudio/2011/storyboarding/control"/>
+  </ds:schemaRefs>
+</ds:datastoreItem>
+</file>
+
+<file path=customXml/itemProps196.xml><?xml version="1.0" encoding="utf-8"?>
+<ds:datastoreItem xmlns:ds="http://schemas.openxmlformats.org/officeDocument/2006/customXml" ds:itemID="{E5D1C59B-23A1-4B0D-8732-B4B1308359E8}">
+  <ds:schemaRefs>
+    <ds:schemaRef ds:uri="http://schemas.microsoft.com/VisualStudio/2011/storyboarding/control"/>
+  </ds:schemaRefs>
+</ds:datastoreItem>
+</file>
+
+<file path=customXml/itemProps197.xml><?xml version="1.0" encoding="utf-8"?>
+<ds:datastoreItem xmlns:ds="http://schemas.openxmlformats.org/officeDocument/2006/customXml" ds:itemID="{58C35028-5CF9-4C74-BFCD-437163455DA4}">
+  <ds:schemaRefs>
+    <ds:schemaRef ds:uri="http://schemas.microsoft.com/VisualStudio/2011/storyboarding/control"/>
+  </ds:schemaRefs>
+</ds:datastoreItem>
+</file>
+
+<file path=customXml/itemProps198.xml><?xml version="1.0" encoding="utf-8"?>
+<ds:datastoreItem xmlns:ds="http://schemas.openxmlformats.org/officeDocument/2006/customXml" ds:itemID="{66AC9233-048D-4EFE-BF75-1ED341665CE7}">
+  <ds:schemaRefs>
+    <ds:schemaRef ds:uri="http://schemas.microsoft.com/VisualStudio/2011/storyboarding/control"/>
+  </ds:schemaRefs>
+</ds:datastoreItem>
+</file>
+
+<file path=customXml/itemProps199.xml><?xml version="1.0" encoding="utf-8"?>
+<ds:datastoreItem xmlns:ds="http://schemas.openxmlformats.org/officeDocument/2006/customXml" ds:itemID="{0639E041-5344-4826-A0B0-6DE2057EC2F0}">
+  <ds:schemaRefs>
+    <ds:schemaRef ds:uri="http://schemas.microsoft.com/VisualStudio/2011/storyboarding/control"/>
+  </ds:schemaRefs>
+</ds:datastoreItem>
+</file>
+
+<file path=customXml/itemProps2.xml><?xml version="1.0" encoding="utf-8"?>
+<ds:datastoreItem xmlns:ds="http://schemas.openxmlformats.org/officeDocument/2006/customXml" ds:itemID="{913EDEB5-0043-4ADF-BF69-77EF99A91A70}">
+  <ds:schemaRefs>
+    <ds:schemaRef ds:uri="http://schemas.microsoft.com/VisualStudio/2011/storyboarding/control"/>
+  </ds:schemaRefs>
+</ds:datastoreItem>
+</file>
+
+<file path=customXml/itemProps20.xml><?xml version="1.0" encoding="utf-8"?>
+<ds:datastoreItem xmlns:ds="http://schemas.openxmlformats.org/officeDocument/2006/customXml" ds:itemID="{916637F0-59B8-45B1-A013-C6D7D7F87CDE}">
+  <ds:schemaRefs>
+    <ds:schemaRef ds:uri="http://schemas.microsoft.com/VisualStudio/2011/storyboarding/control"/>
+  </ds:schemaRefs>
+</ds:datastoreItem>
+</file>
+
+<file path=customXml/itemProps200.xml><?xml version="1.0" encoding="utf-8"?>
+<ds:datastoreItem xmlns:ds="http://schemas.openxmlformats.org/officeDocument/2006/customXml" ds:itemID="{998783E5-93E3-46E4-8B45-FB75479D6BD0}">
+  <ds:schemaRefs>
+    <ds:schemaRef ds:uri="http://schemas.microsoft.com/VisualStudio/2011/storyboarding/control"/>
+  </ds:schemaRefs>
+</ds:datastoreItem>
+</file>
+
+<file path=customXml/itemProps201.xml><?xml version="1.0" encoding="utf-8"?>
+<ds:datastoreItem xmlns:ds="http://schemas.openxmlformats.org/officeDocument/2006/customXml" ds:itemID="{F5E1943B-A70F-44C2-A322-2C282D25F81E}">
+  <ds:schemaRefs>
+    <ds:schemaRef ds:uri="http://schemas.microsoft.com/VisualStudio/2011/storyboarding/control"/>
+  </ds:schemaRefs>
+</ds:datastoreItem>
+</file>
+
+<file path=customXml/itemProps202.xml><?xml version="1.0" encoding="utf-8"?>
+<ds:datastoreItem xmlns:ds="http://schemas.openxmlformats.org/officeDocument/2006/customXml" ds:itemID="{A90F7C4B-60EA-4955-8003-309220366A18}">
+  <ds:schemaRefs>
+    <ds:schemaRef ds:uri="http://schemas.microsoft.com/VisualStudio/2011/storyboarding/control"/>
+  </ds:schemaRefs>
+</ds:datastoreItem>
+</file>
+
+<file path=customXml/itemProps203.xml><?xml version="1.0" encoding="utf-8"?>
+<ds:datastoreItem xmlns:ds="http://schemas.openxmlformats.org/officeDocument/2006/customXml" ds:itemID="{610BEE6F-4DB2-4D13-A1CB-C2C0E985407A}">
+  <ds:schemaRefs>
+    <ds:schemaRef ds:uri="http://schemas.microsoft.com/VisualStudio/2011/storyboarding/control"/>
+  </ds:schemaRefs>
+</ds:datastoreItem>
+</file>
+
+<file path=customXml/itemProps204.xml><?xml version="1.0" encoding="utf-8"?>
+<ds:datastoreItem xmlns:ds="http://schemas.openxmlformats.org/officeDocument/2006/customXml" ds:itemID="{116ABDC4-1EA4-4B49-A6E2-D1CE630DE6B5}">
+  <ds:schemaRefs>
+    <ds:schemaRef ds:uri="http://schemas.microsoft.com/VisualStudio/2011/storyboarding/control"/>
+  </ds:schemaRefs>
+</ds:datastoreItem>
+</file>
+
+<file path=customXml/itemProps205.xml><?xml version="1.0" encoding="utf-8"?>
+<ds:datastoreItem xmlns:ds="http://schemas.openxmlformats.org/officeDocument/2006/customXml" ds:itemID="{295D5A01-DECE-4774-9D37-0549E549A300}">
+  <ds:schemaRefs>
+    <ds:schemaRef ds:uri="http://schemas.microsoft.com/VisualStudio/2011/storyboarding/control"/>
+  </ds:schemaRefs>
+</ds:datastoreItem>
+</file>
+
+<file path=customXml/itemProps206.xml><?xml version="1.0" encoding="utf-8"?>
+<ds:datastoreItem xmlns:ds="http://schemas.openxmlformats.org/officeDocument/2006/customXml" ds:itemID="{A6D095BC-789E-4CE8-AA99-696AAAA6E3A4}">
+  <ds:schemaRefs>
+    <ds:schemaRef ds:uri="http://schemas.microsoft.com/VisualStudio/2011/storyboarding/control"/>
+  </ds:schemaRefs>
+</ds:datastoreItem>
+</file>
+
+<file path=customXml/itemProps207.xml><?xml version="1.0" encoding="utf-8"?>
+<ds:datastoreItem xmlns:ds="http://schemas.openxmlformats.org/officeDocument/2006/customXml" ds:itemID="{09CE74FB-25C7-4560-B2D1-31C53C62D2F2}">
+  <ds:schemaRefs>
+    <ds:schemaRef ds:uri="http://schemas.microsoft.com/VisualStudio/2011/storyboarding/control"/>
+  </ds:schemaRefs>
+</ds:datastoreItem>
+</file>
+
+<file path=customXml/itemProps208.xml><?xml version="1.0" encoding="utf-8"?>
+<ds:datastoreItem xmlns:ds="http://schemas.openxmlformats.org/officeDocument/2006/customXml" ds:itemID="{2BF8739F-5683-4161-86E5-5594FF1A2D59}">
+  <ds:schemaRefs>
+    <ds:schemaRef ds:uri="http://schemas.microsoft.com/VisualStudio/2011/storyboarding/control"/>
+  </ds:schemaRefs>
+</ds:datastoreItem>
+</file>
+
+<file path=customXml/itemProps209.xml><?xml version="1.0" encoding="utf-8"?>
+<ds:datastoreItem xmlns:ds="http://schemas.openxmlformats.org/officeDocument/2006/customXml" ds:itemID="{387D2E86-F190-4CEF-A687-BC810EFEE0E5}">
+  <ds:schemaRefs>
+    <ds:schemaRef ds:uri="http://schemas.microsoft.com/VisualStudio/2011/storyboarding/control"/>
+  </ds:schemaRefs>
+</ds:datastoreItem>
+</file>
+
+<file path=customXml/itemProps21.xml><?xml version="1.0" encoding="utf-8"?>
+<ds:datastoreItem xmlns:ds="http://schemas.openxmlformats.org/officeDocument/2006/customXml" ds:itemID="{2227405F-AD2B-44C3-ADF8-746334825D1B}">
+  <ds:schemaRefs>
+    <ds:schemaRef ds:uri="http://schemas.microsoft.com/VisualStudio/2011/storyboarding/control"/>
+  </ds:schemaRefs>
+</ds:datastoreItem>
+</file>
+
+<file path=customXml/itemProps210.xml><?xml version="1.0" encoding="utf-8"?>
+<ds:datastoreItem xmlns:ds="http://schemas.openxmlformats.org/officeDocument/2006/customXml" ds:itemID="{6DD2B541-6C60-4151-B23B-67CDB2C810F8}">
+  <ds:schemaRefs>
+    <ds:schemaRef ds:uri="http://schemas.microsoft.com/VisualStudio/2011/storyboarding/control"/>
+  </ds:schemaRefs>
+</ds:datastoreItem>
+</file>
+
+<file path=customXml/itemProps211.xml><?xml version="1.0" encoding="utf-8"?>
+<ds:datastoreItem xmlns:ds="http://schemas.openxmlformats.org/officeDocument/2006/customXml" ds:itemID="{E24D2A77-108A-4A6C-B757-97D779AC67C4}">
+  <ds:schemaRefs>
+    <ds:schemaRef ds:uri="http://schemas.microsoft.com/VisualStudio/2011/storyboarding/control"/>
+  </ds:schemaRefs>
+</ds:datastoreItem>
+</file>
+
+<file path=customXml/itemProps212.xml><?xml version="1.0" encoding="utf-8"?>
+<ds:datastoreItem xmlns:ds="http://schemas.openxmlformats.org/officeDocument/2006/customXml" ds:itemID="{2E8AD9A9-60C6-455B-B9D1-03A11462F16E}">
+  <ds:schemaRefs>
+    <ds:schemaRef ds:uri="http://schemas.microsoft.com/VisualStudio/2011/storyboarding/control"/>
+  </ds:schemaRefs>
+</ds:datastoreItem>
+</file>
+
+<file path=customXml/itemProps213.xml><?xml version="1.0" encoding="utf-8"?>
+<ds:datastoreItem xmlns:ds="http://schemas.openxmlformats.org/officeDocument/2006/customXml" ds:itemID="{3A9E3F93-02A4-4356-BBC6-A7BD971C5367}">
+  <ds:schemaRefs>
+    <ds:schemaRef ds:uri="http://schemas.microsoft.com/VisualStudio/2011/storyboarding/control"/>
+  </ds:schemaRefs>
+</ds:datastoreItem>
+</file>
+
+<file path=customXml/itemProps214.xml><?xml version="1.0" encoding="utf-8"?>
+<ds:datastoreItem xmlns:ds="http://schemas.openxmlformats.org/officeDocument/2006/customXml" ds:itemID="{4A407FA7-B6B3-44CE-805A-4777E985CE86}">
+  <ds:schemaRefs>
+    <ds:schemaRef ds:uri="http://schemas.microsoft.com/VisualStudio/2011/storyboarding/control"/>
+  </ds:schemaRefs>
+</ds:datastoreItem>
+</file>
+
+<file path=customXml/itemProps215.xml><?xml version="1.0" encoding="utf-8"?>
+<ds:datastoreItem xmlns:ds="http://schemas.openxmlformats.org/officeDocument/2006/customXml" ds:itemID="{5900ABFD-735C-4D22-859F-F006CFDD473A}">
+  <ds:schemaRefs>
+    <ds:schemaRef ds:uri="http://schemas.microsoft.com/VisualStudio/2011/storyboarding/control"/>
+  </ds:schemaRefs>
+</ds:datastoreItem>
+</file>
+
+<file path=customXml/itemProps216.xml><?xml version="1.0" encoding="utf-8"?>
+<ds:datastoreItem xmlns:ds="http://schemas.openxmlformats.org/officeDocument/2006/customXml" ds:itemID="{3532F4D0-3A20-4546-96DA-A56D979929A4}">
+  <ds:schemaRefs>
+    <ds:schemaRef ds:uri="http://schemas.microsoft.com/VisualStudio/2011/storyboarding/control"/>
+  </ds:schemaRefs>
+</ds:datastoreItem>
+</file>
+
+<file path=customXml/itemProps217.xml><?xml version="1.0" encoding="utf-8"?>
+<ds:datastoreItem xmlns:ds="http://schemas.openxmlformats.org/officeDocument/2006/customXml" ds:itemID="{3D991671-804F-44F2-8BE3-0781A317701D}">
+  <ds:schemaRefs>
+    <ds:schemaRef ds:uri="http://schemas.microsoft.com/VisualStudio/2011/storyboarding/control"/>
+  </ds:schemaRefs>
+</ds:datastoreItem>
+</file>
+
+<file path=customXml/itemProps218.xml><?xml version="1.0" encoding="utf-8"?>
+<ds:datastoreItem xmlns:ds="http://schemas.openxmlformats.org/officeDocument/2006/customXml" ds:itemID="{26190532-7283-4B3A-A4F0-D4225A0BC43D}">
+  <ds:schemaRefs>
+    <ds:schemaRef ds:uri="http://schemas.microsoft.com/VisualStudio/2011/storyboarding/control"/>
+  </ds:schemaRefs>
+</ds:datastoreItem>
+</file>
+
+<file path=customXml/itemProps219.xml><?xml version="1.0" encoding="utf-8"?>
+<ds:datastoreItem xmlns:ds="http://schemas.openxmlformats.org/officeDocument/2006/customXml" ds:itemID="{F284721C-0256-43ED-B521-30AC7262120A}">
+  <ds:schemaRefs>
+    <ds:schemaRef ds:uri="http://schemas.microsoft.com/VisualStudio/2011/storyboarding/control"/>
+  </ds:schemaRefs>
+</ds:datastoreItem>
+</file>
+
+<file path=customXml/itemProps22.xml><?xml version="1.0" encoding="utf-8"?>
+<ds:datastoreItem xmlns:ds="http://schemas.openxmlformats.org/officeDocument/2006/customXml" ds:itemID="{AE128F89-BEFE-49D1-B7EC-DF64FC22E46D}">
+  <ds:schemaRefs>
+    <ds:schemaRef ds:uri="http://schemas.microsoft.com/VisualStudio/2011/storyboarding/control"/>
+  </ds:schemaRefs>
+</ds:datastoreItem>
+</file>
+
+<file path=customXml/itemProps220.xml><?xml version="1.0" encoding="utf-8"?>
+<ds:datastoreItem xmlns:ds="http://schemas.openxmlformats.org/officeDocument/2006/customXml" ds:itemID="{67299DBF-78FD-4556-BEC5-DAED3F111C44}">
+  <ds:schemaRefs>
+    <ds:schemaRef ds:uri="http://schemas.microsoft.com/VisualStudio/2011/storyboarding/control"/>
+  </ds:schemaRefs>
+</ds:datastoreItem>
+</file>
+
+<file path=customXml/itemProps221.xml><?xml version="1.0" encoding="utf-8"?>
 <ds:datastoreItem xmlns:ds="http://schemas.openxmlformats.org/officeDocument/2006/customXml" ds:itemID="{B9D5874A-DB82-4E87-A995-5E70DBA4B3B0}">
   <ds:schemaRefs>
     <ds:schemaRef ds:uri="http://schemas.microsoft.com/VisualStudio/2011/storyboarding/control"/>
@@ -29037,15 +29331,135 @@
 </ds:datastoreItem>
 </file>
 
-<file path=customXml/itemProps19.xml><?xml version="1.0" encoding="utf-8"?>
-<ds:datastoreItem xmlns:ds="http://schemas.openxmlformats.org/officeDocument/2006/customXml" ds:itemID="{2BF8739F-5683-4161-86E5-5594FF1A2D59}">
+<file path=customXml/itemProps222.xml><?xml version="1.0" encoding="utf-8"?>
+<ds:datastoreItem xmlns:ds="http://schemas.openxmlformats.org/officeDocument/2006/customXml" ds:itemID="{FB0EC920-4B28-4D34-9084-542FA6ABA82C}">
   <ds:schemaRefs>
     <ds:schemaRef ds:uri="http://schemas.microsoft.com/VisualStudio/2011/storyboarding/control"/>
   </ds:schemaRefs>
 </ds:datastoreItem>
 </file>
 
-<file path=customXml/itemProps190.xml><?xml version="1.0" encoding="utf-8"?>
+<file path=customXml/itemProps223.xml><?xml version="1.0" encoding="utf-8"?>
+<ds:datastoreItem xmlns:ds="http://schemas.openxmlformats.org/officeDocument/2006/customXml" ds:itemID="{875DA8D0-9C6C-44D9-B84C-C4B5FD322C1A}">
+  <ds:schemaRefs>
+    <ds:schemaRef ds:uri="http://schemas.microsoft.com/VisualStudio/2011/storyboarding/control"/>
+  </ds:schemaRefs>
+</ds:datastoreItem>
+</file>
+
+<file path=customXml/itemProps224.xml><?xml version="1.0" encoding="utf-8"?>
+<ds:datastoreItem xmlns:ds="http://schemas.openxmlformats.org/officeDocument/2006/customXml" ds:itemID="{5F6A41BF-2E92-4F14-BAD8-36D53D1258B9}">
+  <ds:schemaRefs>
+    <ds:schemaRef ds:uri="http://schemas.microsoft.com/VisualStudio/2011/storyboarding/control"/>
+  </ds:schemaRefs>
+</ds:datastoreItem>
+</file>
+
+<file path=customXml/itemProps225.xml><?xml version="1.0" encoding="utf-8"?>
+<ds:datastoreItem xmlns:ds="http://schemas.openxmlformats.org/officeDocument/2006/customXml" ds:itemID="{3460344E-D266-403C-A85A-FBB6CE579F2C}">
+  <ds:schemaRefs>
+    <ds:schemaRef ds:uri="http://schemas.microsoft.com/VisualStudio/2011/storyboarding/control"/>
+  </ds:schemaRefs>
+</ds:datastoreItem>
+</file>
+
+<file path=customXml/itemProps226.xml><?xml version="1.0" encoding="utf-8"?>
+<ds:datastoreItem xmlns:ds="http://schemas.openxmlformats.org/officeDocument/2006/customXml" ds:itemID="{8FB016EA-60C1-4762-8FF2-7DE705E604F0}">
+  <ds:schemaRefs>
+    <ds:schemaRef ds:uri="http://schemas.microsoft.com/VisualStudio/2011/storyboarding/control"/>
+  </ds:schemaRefs>
+</ds:datastoreItem>
+</file>
+
+<file path=customXml/itemProps227.xml><?xml version="1.0" encoding="utf-8"?>
+<ds:datastoreItem xmlns:ds="http://schemas.openxmlformats.org/officeDocument/2006/customXml" ds:itemID="{73CFC637-E0A4-430F-AF1C-69D891B1F8FC}">
+  <ds:schemaRefs>
+    <ds:schemaRef ds:uri="http://schemas.microsoft.com/VisualStudio/2011/storyboarding/control"/>
+  </ds:schemaRefs>
+</ds:datastoreItem>
+</file>
+
+<file path=customXml/itemProps228.xml><?xml version="1.0" encoding="utf-8"?>
+<ds:datastoreItem xmlns:ds="http://schemas.openxmlformats.org/officeDocument/2006/customXml" ds:itemID="{CD08CBAF-EFED-4E31-A630-125B2BF33FB5}">
+  <ds:schemaRefs>
+    <ds:schemaRef ds:uri="http://schemas.microsoft.com/VisualStudio/2011/storyboarding/control"/>
+  </ds:schemaRefs>
+</ds:datastoreItem>
+</file>
+
+<file path=customXml/itemProps229.xml><?xml version="1.0" encoding="utf-8"?>
+<ds:datastoreItem xmlns:ds="http://schemas.openxmlformats.org/officeDocument/2006/customXml" ds:itemID="{F78CD7B1-12E3-49EC-8BE8-E474AC90DF8F}">
+  <ds:schemaRefs>
+    <ds:schemaRef ds:uri="http://schemas.microsoft.com/VisualStudio/2011/storyboarding/control"/>
+  </ds:schemaRefs>
+</ds:datastoreItem>
+</file>
+
+<file path=customXml/itemProps23.xml><?xml version="1.0" encoding="utf-8"?>
+<ds:datastoreItem xmlns:ds="http://schemas.openxmlformats.org/officeDocument/2006/customXml" ds:itemID="{8CAFE994-D574-4D5A-B645-2896E8079B39}">
+  <ds:schemaRefs>
+    <ds:schemaRef ds:uri="http://schemas.microsoft.com/VisualStudio/2011/storyboarding/control"/>
+  </ds:schemaRefs>
+</ds:datastoreItem>
+</file>
+
+<file path=customXml/itemProps230.xml><?xml version="1.0" encoding="utf-8"?>
+<ds:datastoreItem xmlns:ds="http://schemas.openxmlformats.org/officeDocument/2006/customXml" ds:itemID="{1ACD3D86-D296-4CB4-9819-CD01A12B3870}">
+  <ds:schemaRefs>
+    <ds:schemaRef ds:uri="http://schemas.microsoft.com/VisualStudio/2011/storyboarding/control"/>
+  </ds:schemaRefs>
+</ds:datastoreItem>
+</file>
+
+<file path=customXml/itemProps231.xml><?xml version="1.0" encoding="utf-8"?>
+<ds:datastoreItem xmlns:ds="http://schemas.openxmlformats.org/officeDocument/2006/customXml" ds:itemID="{548207B6-9ECB-4C71-9D88-A39393050720}">
+  <ds:schemaRefs>
+    <ds:schemaRef ds:uri="http://schemas.microsoft.com/VisualStudio/2011/storyboarding/control"/>
+  </ds:schemaRefs>
+</ds:datastoreItem>
+</file>
+
+<file path=customXml/itemProps232.xml><?xml version="1.0" encoding="utf-8"?>
+<ds:datastoreItem xmlns:ds="http://schemas.openxmlformats.org/officeDocument/2006/customXml" ds:itemID="{371B535D-C55E-43ED-A8DA-6DA77E3D45BB}">
+  <ds:schemaRefs>
+    <ds:schemaRef ds:uri="http://schemas.microsoft.com/VisualStudio/2011/storyboarding/control"/>
+  </ds:schemaRefs>
+</ds:datastoreItem>
+</file>
+
+<file path=customXml/itemProps233.xml><?xml version="1.0" encoding="utf-8"?>
+<ds:datastoreItem xmlns:ds="http://schemas.openxmlformats.org/officeDocument/2006/customXml" ds:itemID="{F1D9FCA4-8CDD-4D03-8F9C-DD221191D711}">
+  <ds:schemaRefs>
+    <ds:schemaRef ds:uri="http://schemas.microsoft.com/VisualStudio/2011/storyboarding/control"/>
+  </ds:schemaRefs>
+</ds:datastoreItem>
+</file>
+
+<file path=customXml/itemProps234.xml><?xml version="1.0" encoding="utf-8"?>
+<ds:datastoreItem xmlns:ds="http://schemas.openxmlformats.org/officeDocument/2006/customXml" ds:itemID="{25AC7257-525C-4E5A-AA42-573829D61A3B}">
+  <ds:schemaRefs>
+    <ds:schemaRef ds:uri="http://schemas.microsoft.com/VisualStudio/2011/storyboarding/control"/>
+  </ds:schemaRefs>
+</ds:datastoreItem>
+</file>
+
+<file path=customXml/itemProps235.xml><?xml version="1.0" encoding="utf-8"?>
+<ds:datastoreItem xmlns:ds="http://schemas.openxmlformats.org/officeDocument/2006/customXml" ds:itemID="{27CCB74F-C7FD-4A95-AE27-8D308AD0CB50}">
+  <ds:schemaRefs>
+    <ds:schemaRef ds:uri="http://schemas.microsoft.com/VisualStudio/2011/storyboarding/control"/>
+  </ds:schemaRefs>
+</ds:datastoreItem>
+</file>
+
+<file path=customXml/itemProps236.xml><?xml version="1.0" encoding="utf-8"?>
+<ds:datastoreItem xmlns:ds="http://schemas.openxmlformats.org/officeDocument/2006/customXml" ds:itemID="{3819C140-F52D-450E-9E57-A9C95974C875}">
+  <ds:schemaRefs>
+    <ds:schemaRef ds:uri="http://schemas.microsoft.com/VisualStudio/2011/storyboarding/control"/>
+  </ds:schemaRefs>
+</ds:datastoreItem>
+</file>
+
+<file path=customXml/itemProps237.xml><?xml version="1.0" encoding="utf-8"?>
 <ds:datastoreItem xmlns:ds="http://schemas.openxmlformats.org/officeDocument/2006/customXml" ds:itemID="{AD765DBE-9671-45BD-9DBB-9A8CD991D305}">
   <ds:schemaRefs>
     <ds:schemaRef ds:uri="http://schemas.microsoft.com/VisualStudio/2011/storyboarding/control"/>
@@ -29053,7 +29467,223 @@
 </ds:datastoreItem>
 </file>
 
-<file path=customXml/itemProps191.xml><?xml version="1.0" encoding="utf-8"?>
+<file path=customXml/itemProps238.xml><?xml version="1.0" encoding="utf-8"?>
+<ds:datastoreItem xmlns:ds="http://schemas.openxmlformats.org/officeDocument/2006/customXml" ds:itemID="{76BBF26E-3DED-4C7C-8F9D-FEEFB1BBA3B1}">
+  <ds:schemaRefs>
+    <ds:schemaRef ds:uri="http://schemas.microsoft.com/VisualStudio/2011/storyboarding/control"/>
+  </ds:schemaRefs>
+</ds:datastoreItem>
+</file>
+
+<file path=customXml/itemProps239.xml><?xml version="1.0" encoding="utf-8"?>
+<ds:datastoreItem xmlns:ds="http://schemas.openxmlformats.org/officeDocument/2006/customXml" ds:itemID="{5B9963A3-3AC0-4145-B224-2FDB1D50D8CF}">
+  <ds:schemaRefs>
+    <ds:schemaRef ds:uri="http://schemas.microsoft.com/VisualStudio/2011/storyboarding/control"/>
+  </ds:schemaRefs>
+</ds:datastoreItem>
+</file>
+
+<file path=customXml/itemProps24.xml><?xml version="1.0" encoding="utf-8"?>
+<ds:datastoreItem xmlns:ds="http://schemas.openxmlformats.org/officeDocument/2006/customXml" ds:itemID="{63EA8E9F-9742-4D18-8B78-7EEA5B5F56E6}">
+  <ds:schemaRefs>
+    <ds:schemaRef ds:uri="http://schemas.microsoft.com/VisualStudio/2011/storyboarding/control"/>
+  </ds:schemaRefs>
+</ds:datastoreItem>
+</file>
+
+<file path=customXml/itemProps240.xml><?xml version="1.0" encoding="utf-8"?>
+<ds:datastoreItem xmlns:ds="http://schemas.openxmlformats.org/officeDocument/2006/customXml" ds:itemID="{16EAB064-496F-4B1C-BA3B-C699F7502928}">
+  <ds:schemaRefs>
+    <ds:schemaRef ds:uri="http://schemas.microsoft.com/VisualStudio/2011/storyboarding/control"/>
+  </ds:schemaRefs>
+</ds:datastoreItem>
+</file>
+
+<file path=customXml/itemProps241.xml><?xml version="1.0" encoding="utf-8"?>
+<ds:datastoreItem xmlns:ds="http://schemas.openxmlformats.org/officeDocument/2006/customXml" ds:itemID="{699876C8-5F05-460B-B233-E045E47E7AB5}">
+  <ds:schemaRefs>
+    <ds:schemaRef ds:uri="http://schemas.microsoft.com/VisualStudio/2011/storyboarding/control"/>
+  </ds:schemaRefs>
+</ds:datastoreItem>
+</file>
+
+<file path=customXml/itemProps242.xml><?xml version="1.0" encoding="utf-8"?>
+<ds:datastoreItem xmlns:ds="http://schemas.openxmlformats.org/officeDocument/2006/customXml" ds:itemID="{A14526C9-B49F-481F-9EEE-8607645EF9A7}">
+  <ds:schemaRefs>
+    <ds:schemaRef ds:uri="http://schemas.microsoft.com/VisualStudio/2011/storyboarding/control"/>
+  </ds:schemaRefs>
+</ds:datastoreItem>
+</file>
+
+<file path=customXml/itemProps243.xml><?xml version="1.0" encoding="utf-8"?>
+<ds:datastoreItem xmlns:ds="http://schemas.openxmlformats.org/officeDocument/2006/customXml" ds:itemID="{CACE061C-AF2C-40BF-8F95-96F3F58C1B9E}">
+  <ds:schemaRefs>
+    <ds:schemaRef ds:uri="http://schemas.microsoft.com/VisualStudio/2011/storyboarding/control"/>
+  </ds:schemaRefs>
+</ds:datastoreItem>
+</file>
+
+<file path=customXml/itemProps244.xml><?xml version="1.0" encoding="utf-8"?>
+<ds:datastoreItem xmlns:ds="http://schemas.openxmlformats.org/officeDocument/2006/customXml" ds:itemID="{D7F890C1-A5D2-4949-B5FB-9149F52A5401}">
+  <ds:schemaRefs>
+    <ds:schemaRef ds:uri="http://schemas.microsoft.com/VisualStudio/2011/storyboarding/control"/>
+  </ds:schemaRefs>
+</ds:datastoreItem>
+</file>
+
+<file path=customXml/itemProps245.xml><?xml version="1.0" encoding="utf-8"?>
+<ds:datastoreItem xmlns:ds="http://schemas.openxmlformats.org/officeDocument/2006/customXml" ds:itemID="{8B1F962B-8896-4824-ACD5-8AE30FE0A557}">
+  <ds:schemaRefs>
+    <ds:schemaRef ds:uri="http://schemas.microsoft.com/VisualStudio/2011/storyboarding/control"/>
+  </ds:schemaRefs>
+</ds:datastoreItem>
+</file>
+
+<file path=customXml/itemProps246.xml><?xml version="1.0" encoding="utf-8"?>
+<ds:datastoreItem xmlns:ds="http://schemas.openxmlformats.org/officeDocument/2006/customXml" ds:itemID="{BA0988D9-08D5-4B0D-B2CA-AFA6A82BFB69}">
+  <ds:schemaRefs>
+    <ds:schemaRef ds:uri="http://schemas.microsoft.com/VisualStudio/2011/storyboarding/control"/>
+  </ds:schemaRefs>
+</ds:datastoreItem>
+</file>
+
+<file path=customXml/itemProps247.xml><?xml version="1.0" encoding="utf-8"?>
+<ds:datastoreItem xmlns:ds="http://schemas.openxmlformats.org/officeDocument/2006/customXml" ds:itemID="{460C87DB-603E-4234-8A20-83C330437EDB}">
+  <ds:schemaRefs>
+    <ds:schemaRef ds:uri="http://schemas.microsoft.com/VisualStudio/2011/storyboarding/control"/>
+  </ds:schemaRefs>
+</ds:datastoreItem>
+</file>
+
+<file path=customXml/itemProps248.xml><?xml version="1.0" encoding="utf-8"?>
+<ds:datastoreItem xmlns:ds="http://schemas.openxmlformats.org/officeDocument/2006/customXml" ds:itemID="{4FB1E9E5-4445-4C02-A57F-2A9C022135F0}">
+  <ds:schemaRefs>
+    <ds:schemaRef ds:uri="http://schemas.microsoft.com/VisualStudio/2011/storyboarding/control"/>
+  </ds:schemaRefs>
+</ds:datastoreItem>
+</file>
+
+<file path=customXml/itemProps249.xml><?xml version="1.0" encoding="utf-8"?>
+<ds:datastoreItem xmlns:ds="http://schemas.openxmlformats.org/officeDocument/2006/customXml" ds:itemID="{392A17C6-E843-4590-854E-08329261E193}">
+  <ds:schemaRefs>
+    <ds:schemaRef ds:uri="http://schemas.microsoft.com/VisualStudio/2011/storyboarding/control"/>
+  </ds:schemaRefs>
+</ds:datastoreItem>
+</file>
+
+<file path=customXml/itemProps25.xml><?xml version="1.0" encoding="utf-8"?>
+<ds:datastoreItem xmlns:ds="http://schemas.openxmlformats.org/officeDocument/2006/customXml" ds:itemID="{E1C1B0C3-0D59-41BC-95F4-F0A42ABC6316}">
+  <ds:schemaRefs>
+    <ds:schemaRef ds:uri="http://schemas.microsoft.com/VisualStudio/2011/storyboarding/control"/>
+  </ds:schemaRefs>
+</ds:datastoreItem>
+</file>
+
+<file path=customXml/itemProps250.xml><?xml version="1.0" encoding="utf-8"?>
+<ds:datastoreItem xmlns:ds="http://schemas.openxmlformats.org/officeDocument/2006/customXml" ds:itemID="{D3C03370-B090-47F7-912D-2E624F6AF804}">
+  <ds:schemaRefs>
+    <ds:schemaRef ds:uri="http://schemas.microsoft.com/VisualStudio/2011/storyboarding/control"/>
+  </ds:schemaRefs>
+</ds:datastoreItem>
+</file>
+
+<file path=customXml/itemProps251.xml><?xml version="1.0" encoding="utf-8"?>
+<ds:datastoreItem xmlns:ds="http://schemas.openxmlformats.org/officeDocument/2006/customXml" ds:itemID="{A39F5018-76E8-4CE5-A9B7-D9BE197ECF9D}">
+  <ds:schemaRefs>
+    <ds:schemaRef ds:uri="http://schemas.microsoft.com/VisualStudio/2011/storyboarding/control"/>
+  </ds:schemaRefs>
+</ds:datastoreItem>
+</file>
+
+<file path=customXml/itemProps252.xml><?xml version="1.0" encoding="utf-8"?>
+<ds:datastoreItem xmlns:ds="http://schemas.openxmlformats.org/officeDocument/2006/customXml" ds:itemID="{4F7D9023-B84C-4690-B99E-9FE4342EA97D}">
+  <ds:schemaRefs>
+    <ds:schemaRef ds:uri="http://schemas.microsoft.com/VisualStudio/2011/storyboarding/control"/>
+  </ds:schemaRefs>
+</ds:datastoreItem>
+</file>
+
+<file path=customXml/itemProps253.xml><?xml version="1.0" encoding="utf-8"?>
+<ds:datastoreItem xmlns:ds="http://schemas.openxmlformats.org/officeDocument/2006/customXml" ds:itemID="{CE453AD5-3180-4DCA-9C47-FA81A3E74F53}">
+  <ds:schemaRefs>
+    <ds:schemaRef ds:uri="http://schemas.microsoft.com/VisualStudio/2011/storyboarding/control"/>
+  </ds:schemaRefs>
+</ds:datastoreItem>
+</file>
+
+<file path=customXml/itemProps254.xml><?xml version="1.0" encoding="utf-8"?>
+<ds:datastoreItem xmlns:ds="http://schemas.openxmlformats.org/officeDocument/2006/customXml" ds:itemID="{D3BE8F19-E498-4C40-AD0A-FD52BCF38C35}">
+  <ds:schemaRefs>
+    <ds:schemaRef ds:uri="http://schemas.microsoft.com/VisualStudio/2011/storyboarding/control"/>
+  </ds:schemaRefs>
+</ds:datastoreItem>
+</file>
+
+<file path=customXml/itemProps255.xml><?xml version="1.0" encoding="utf-8"?>
+<ds:datastoreItem xmlns:ds="http://schemas.openxmlformats.org/officeDocument/2006/customXml" ds:itemID="{7370362F-DF9E-4D13-86A6-8D6D39B4B8E3}">
+  <ds:schemaRefs>
+    <ds:schemaRef ds:uri="http://schemas.microsoft.com/VisualStudio/2011/storyboarding/control"/>
+  </ds:schemaRefs>
+</ds:datastoreItem>
+</file>
+
+<file path=customXml/itemProps256.xml><?xml version="1.0" encoding="utf-8"?>
+<ds:datastoreItem xmlns:ds="http://schemas.openxmlformats.org/officeDocument/2006/customXml" ds:itemID="{7237F07E-A930-4D5B-AB6B-A69936D64469}">
+  <ds:schemaRefs>
+    <ds:schemaRef ds:uri="http://schemas.microsoft.com/VisualStudio/2011/storyboarding/control"/>
+  </ds:schemaRefs>
+</ds:datastoreItem>
+</file>
+
+<file path=customXml/itemProps257.xml><?xml version="1.0" encoding="utf-8"?>
+<ds:datastoreItem xmlns:ds="http://schemas.openxmlformats.org/officeDocument/2006/customXml" ds:itemID="{DAF7154D-49A1-422C-9139-455DB6824320}">
+  <ds:schemaRefs>
+    <ds:schemaRef ds:uri="http://schemas.microsoft.com/VisualStudio/2011/storyboarding/control"/>
+  </ds:schemaRefs>
+</ds:datastoreItem>
+</file>
+
+<file path=customXml/itemProps258.xml><?xml version="1.0" encoding="utf-8"?>
+<ds:datastoreItem xmlns:ds="http://schemas.openxmlformats.org/officeDocument/2006/customXml" ds:itemID="{A57FB331-1A42-4197-A916-5DB1567728A7}">
+  <ds:schemaRefs>
+    <ds:schemaRef ds:uri="http://schemas.microsoft.com/VisualStudio/2011/storyboarding/control"/>
+  </ds:schemaRefs>
+</ds:datastoreItem>
+</file>
+
+<file path=customXml/itemProps259.xml><?xml version="1.0" encoding="utf-8"?>
+<ds:datastoreItem xmlns:ds="http://schemas.openxmlformats.org/officeDocument/2006/customXml" ds:itemID="{DF8F59E5-8CED-4A90-B010-FA66A3D20E9F}">
+  <ds:schemaRefs>
+    <ds:schemaRef ds:uri="http://schemas.microsoft.com/VisualStudio/2011/storyboarding/control"/>
+  </ds:schemaRefs>
+</ds:datastoreItem>
+</file>
+
+<file path=customXml/itemProps26.xml><?xml version="1.0" encoding="utf-8"?>
+<ds:datastoreItem xmlns:ds="http://schemas.openxmlformats.org/officeDocument/2006/customXml" ds:itemID="{1ADEB7F2-78C7-4561-B3DF-1749638EBE62}">
+  <ds:schemaRefs>
+    <ds:schemaRef ds:uri="http://schemas.microsoft.com/VisualStudio/2011/storyboarding/control"/>
+  </ds:schemaRefs>
+</ds:datastoreItem>
+</file>
+
+<file path=customXml/itemProps260.xml><?xml version="1.0" encoding="utf-8"?>
+<ds:datastoreItem xmlns:ds="http://schemas.openxmlformats.org/officeDocument/2006/customXml" ds:itemID="{D8621473-F62D-41B5-8568-3144F1C1A6F0}">
+  <ds:schemaRefs>
+    <ds:schemaRef ds:uri="http://schemas.microsoft.com/VisualStudio/2011/storyboarding/control"/>
+  </ds:schemaRefs>
+</ds:datastoreItem>
+</file>
+
+<file path=customXml/itemProps261.xml><?xml version="1.0" encoding="utf-8"?>
+<ds:datastoreItem xmlns:ds="http://schemas.openxmlformats.org/officeDocument/2006/customXml" ds:itemID="{A6DD08DB-A03D-4EBF-8BCF-9AEDA3861DDD}">
+  <ds:schemaRefs>
+    <ds:schemaRef ds:uri="http://schemas.microsoft.com/VisualStudio/2011/storyboarding/control"/>
+  </ds:schemaRefs>
+</ds:datastoreItem>
+</file>
+
+<file path=customXml/itemProps262.xml><?xml version="1.0" encoding="utf-8"?>
 <ds:datastoreItem xmlns:ds="http://schemas.openxmlformats.org/officeDocument/2006/customXml" ds:itemID="{77FAC5F0-DC78-4546-BD9F-1E67402040BC}">
   <ds:schemaRefs>
     <ds:schemaRef ds:uri="http://schemas.microsoft.com/VisualStudio/2011/storyboarding/control"/>
@@ -29061,15 +29691,271 @@
 </ds:datastoreItem>
 </file>
 
-<file path=customXml/itemProps192.xml><?xml version="1.0" encoding="utf-8"?>
-<ds:datastoreItem xmlns:ds="http://schemas.openxmlformats.org/officeDocument/2006/customXml" ds:itemID="{1BCAB8A9-1888-4E42-91F5-BD650F529D02}">
+<file path=customXml/itemProps263.xml><?xml version="1.0" encoding="utf-8"?>
+<ds:datastoreItem xmlns:ds="http://schemas.openxmlformats.org/officeDocument/2006/customXml" ds:itemID="{1F0604E9-97A2-431A-86E6-C9F311593E08}">
   <ds:schemaRefs>
     <ds:schemaRef ds:uri="http://schemas.microsoft.com/VisualStudio/2011/storyboarding/control"/>
   </ds:schemaRefs>
 </ds:datastoreItem>
 </file>
 
-<file path=customXml/itemProps193.xml><?xml version="1.0" encoding="utf-8"?>
+<file path=customXml/itemProps264.xml><?xml version="1.0" encoding="utf-8"?>
+<ds:datastoreItem xmlns:ds="http://schemas.openxmlformats.org/officeDocument/2006/customXml" ds:itemID="{B174ADE3-21E2-481C-8E8A-011947EAD38E}">
+  <ds:schemaRefs>
+    <ds:schemaRef ds:uri="http://schemas.microsoft.com/VisualStudio/2011/storyboarding/control"/>
+  </ds:schemaRefs>
+</ds:datastoreItem>
+</file>
+
+<file path=customXml/itemProps265.xml><?xml version="1.0" encoding="utf-8"?>
+<ds:datastoreItem xmlns:ds="http://schemas.openxmlformats.org/officeDocument/2006/customXml" ds:itemID="{CFD780DE-34AD-4E8E-9D17-223D69561496}">
+  <ds:schemaRefs>
+    <ds:schemaRef ds:uri="http://schemas.microsoft.com/VisualStudio/2011/storyboarding/control"/>
+  </ds:schemaRefs>
+</ds:datastoreItem>
+</file>
+
+<file path=customXml/itemProps266.xml><?xml version="1.0" encoding="utf-8"?>
+<ds:datastoreItem xmlns:ds="http://schemas.openxmlformats.org/officeDocument/2006/customXml" ds:itemID="{5C08525B-AE6F-48B6-B287-2C8026CEED11}">
+  <ds:schemaRefs>
+    <ds:schemaRef ds:uri="http://schemas.microsoft.com/VisualStudio/2011/storyboarding/control"/>
+  </ds:schemaRefs>
+</ds:datastoreItem>
+</file>
+
+<file path=customXml/itemProps267.xml><?xml version="1.0" encoding="utf-8"?>
+<ds:datastoreItem xmlns:ds="http://schemas.openxmlformats.org/officeDocument/2006/customXml" ds:itemID="{D0D892FC-96D9-4F80-841A-D732044A2BF9}">
+  <ds:schemaRefs>
+    <ds:schemaRef ds:uri="http://schemas.microsoft.com/VisualStudio/2011/storyboarding/control"/>
+  </ds:schemaRefs>
+</ds:datastoreItem>
+</file>
+
+<file path=customXml/itemProps268.xml><?xml version="1.0" encoding="utf-8"?>
+<ds:datastoreItem xmlns:ds="http://schemas.openxmlformats.org/officeDocument/2006/customXml" ds:itemID="{71C68A77-FCC5-45AF-90E8-603F01C8B090}">
+  <ds:schemaRefs>
+    <ds:schemaRef ds:uri="http://schemas.microsoft.com/VisualStudio/2011/storyboarding/control"/>
+  </ds:schemaRefs>
+</ds:datastoreItem>
+</file>
+
+<file path=customXml/itemProps269.xml><?xml version="1.0" encoding="utf-8"?>
+<ds:datastoreItem xmlns:ds="http://schemas.openxmlformats.org/officeDocument/2006/customXml" ds:itemID="{152057C0-8163-4478-8001-B3CFAA894936}">
+  <ds:schemaRefs>
+    <ds:schemaRef ds:uri="http://schemas.microsoft.com/VisualStudio/2011/storyboarding/control"/>
+  </ds:schemaRefs>
+</ds:datastoreItem>
+</file>
+
+<file path=customXml/itemProps27.xml><?xml version="1.0" encoding="utf-8"?>
+<ds:datastoreItem xmlns:ds="http://schemas.openxmlformats.org/officeDocument/2006/customXml" ds:itemID="{40F569EB-8ABB-4446-9E42-226E6AA99E71}">
+  <ds:schemaRefs>
+    <ds:schemaRef ds:uri="http://schemas.microsoft.com/VisualStudio/2011/storyboarding/control"/>
+  </ds:schemaRefs>
+</ds:datastoreItem>
+</file>
+
+<file path=customXml/itemProps270.xml><?xml version="1.0" encoding="utf-8"?>
+<ds:datastoreItem xmlns:ds="http://schemas.openxmlformats.org/officeDocument/2006/customXml" ds:itemID="{A59FF763-C396-4BBD-B648-8ED995144782}">
+  <ds:schemaRefs>
+    <ds:schemaRef ds:uri="http://schemas.microsoft.com/VisualStudio/2011/storyboarding/control"/>
+  </ds:schemaRefs>
+</ds:datastoreItem>
+</file>
+
+<file path=customXml/itemProps271.xml><?xml version="1.0" encoding="utf-8"?>
+<ds:datastoreItem xmlns:ds="http://schemas.openxmlformats.org/officeDocument/2006/customXml" ds:itemID="{98A360E1-A752-4262-A971-02659881E9AE}">
+  <ds:schemaRefs>
+    <ds:schemaRef ds:uri="http://schemas.microsoft.com/VisualStudio/2011/storyboarding/control"/>
+  </ds:schemaRefs>
+</ds:datastoreItem>
+</file>
+
+<file path=customXml/itemProps272.xml><?xml version="1.0" encoding="utf-8"?>
+<ds:datastoreItem xmlns:ds="http://schemas.openxmlformats.org/officeDocument/2006/customXml" ds:itemID="{7189590F-1A48-46F3-B24A-D8D0F3BA0A15}">
+  <ds:schemaRefs>
+    <ds:schemaRef ds:uri="http://schemas.microsoft.com/VisualStudio/2011/storyboarding/control"/>
+  </ds:schemaRefs>
+</ds:datastoreItem>
+</file>
+
+<file path=customXml/itemProps273.xml><?xml version="1.0" encoding="utf-8"?>
+<ds:datastoreItem xmlns:ds="http://schemas.openxmlformats.org/officeDocument/2006/customXml" ds:itemID="{5556FE01-90D7-4920-A96A-8D15FC962703}">
+  <ds:schemaRefs>
+    <ds:schemaRef ds:uri="http://schemas.microsoft.com/VisualStudio/2011/storyboarding/control"/>
+  </ds:schemaRefs>
+</ds:datastoreItem>
+</file>
+
+<file path=customXml/itemProps274.xml><?xml version="1.0" encoding="utf-8"?>
+<ds:datastoreItem xmlns:ds="http://schemas.openxmlformats.org/officeDocument/2006/customXml" ds:itemID="{DC6DE712-FAC2-48EF-8F42-43EFC4A596F1}">
+  <ds:schemaRefs>
+    <ds:schemaRef ds:uri="http://schemas.microsoft.com/VisualStudio/2011/storyboarding/control"/>
+  </ds:schemaRefs>
+</ds:datastoreItem>
+</file>
+
+<file path=customXml/itemProps275.xml><?xml version="1.0" encoding="utf-8"?>
+<ds:datastoreItem xmlns:ds="http://schemas.openxmlformats.org/officeDocument/2006/customXml" ds:itemID="{37D9AFB0-4C16-4052-88E4-5FBE90606F71}">
+  <ds:schemaRefs>
+    <ds:schemaRef ds:uri="http://schemas.microsoft.com/VisualStudio/2011/storyboarding/control"/>
+  </ds:schemaRefs>
+</ds:datastoreItem>
+</file>
+
+<file path=customXml/itemProps276.xml><?xml version="1.0" encoding="utf-8"?>
+<ds:datastoreItem xmlns:ds="http://schemas.openxmlformats.org/officeDocument/2006/customXml" ds:itemID="{C9CD690E-579D-4787-85BC-0470699F0591}">
+  <ds:schemaRefs>
+    <ds:schemaRef ds:uri="http://schemas.microsoft.com/VisualStudio/2011/storyboarding/control"/>
+  </ds:schemaRefs>
+</ds:datastoreItem>
+</file>
+
+<file path=customXml/itemProps277.xml><?xml version="1.0" encoding="utf-8"?>
+<ds:datastoreItem xmlns:ds="http://schemas.openxmlformats.org/officeDocument/2006/customXml" ds:itemID="{738FF2C8-587D-4C02-8D5D-20CBF1EE7CCD}">
+  <ds:schemaRefs>
+    <ds:schemaRef ds:uri="http://schemas.microsoft.com/VisualStudio/2011/storyboarding/control"/>
+  </ds:schemaRefs>
+</ds:datastoreItem>
+</file>
+
+<file path=customXml/itemProps278.xml><?xml version="1.0" encoding="utf-8"?>
+<ds:datastoreItem xmlns:ds="http://schemas.openxmlformats.org/officeDocument/2006/customXml" ds:itemID="{2479DC2C-EF0B-41AF-B612-40020B463D9B}">
+  <ds:schemaRefs>
+    <ds:schemaRef ds:uri="http://schemas.microsoft.com/VisualStudio/2011/storyboarding/control"/>
+  </ds:schemaRefs>
+</ds:datastoreItem>
+</file>
+
+<file path=customXml/itemProps279.xml><?xml version="1.0" encoding="utf-8"?>
+<ds:datastoreItem xmlns:ds="http://schemas.openxmlformats.org/officeDocument/2006/customXml" ds:itemID="{14BE62A8-EAD0-4F5F-934A-B09BF3770FF9}">
+  <ds:schemaRefs>
+    <ds:schemaRef ds:uri="http://schemas.microsoft.com/VisualStudio/2011/storyboarding/control"/>
+  </ds:schemaRefs>
+</ds:datastoreItem>
+</file>
+
+<file path=customXml/itemProps28.xml><?xml version="1.0" encoding="utf-8"?>
+<ds:datastoreItem xmlns:ds="http://schemas.openxmlformats.org/officeDocument/2006/customXml" ds:itemID="{73703013-09B0-4DBA-9FDD-D39DF66AF178}">
+  <ds:schemaRefs>
+    <ds:schemaRef ds:uri="http://schemas.microsoft.com/VisualStudio/2011/storyboarding/control"/>
+  </ds:schemaRefs>
+</ds:datastoreItem>
+</file>
+
+<file path=customXml/itemProps280.xml><?xml version="1.0" encoding="utf-8"?>
+<ds:datastoreItem xmlns:ds="http://schemas.openxmlformats.org/officeDocument/2006/customXml" ds:itemID="{2BAAA2D6-7765-4C4F-BDEB-43D40C441E62}">
+  <ds:schemaRefs>
+    <ds:schemaRef ds:uri="http://schemas.microsoft.com/VisualStudio/2011/storyboarding/control"/>
+  </ds:schemaRefs>
+</ds:datastoreItem>
+</file>
+
+<file path=customXml/itemProps281.xml><?xml version="1.0" encoding="utf-8"?>
+<ds:datastoreItem xmlns:ds="http://schemas.openxmlformats.org/officeDocument/2006/customXml" ds:itemID="{892CF6B9-7AB2-4DCF-86FB-B50BB8D91DDB}">
+  <ds:schemaRefs>
+    <ds:schemaRef ds:uri="http://schemas.microsoft.com/VisualStudio/2011/storyboarding/control"/>
+  </ds:schemaRefs>
+</ds:datastoreItem>
+</file>
+
+<file path=customXml/itemProps282.xml><?xml version="1.0" encoding="utf-8"?>
+<ds:datastoreItem xmlns:ds="http://schemas.openxmlformats.org/officeDocument/2006/customXml" ds:itemID="{7B0DEA32-4718-4845-BA3D-96735C5901CA}">
+  <ds:schemaRefs>
+    <ds:schemaRef ds:uri="http://schemas.microsoft.com/VisualStudio/2011/storyboarding/control"/>
+  </ds:schemaRefs>
+</ds:datastoreItem>
+</file>
+
+<file path=customXml/itemProps283.xml><?xml version="1.0" encoding="utf-8"?>
+<ds:datastoreItem xmlns:ds="http://schemas.openxmlformats.org/officeDocument/2006/customXml" ds:itemID="{2238C136-D227-4AA1-A465-1D5076A289E6}">
+  <ds:schemaRefs>
+    <ds:schemaRef ds:uri="http://schemas.microsoft.com/VisualStudio/2011/storyboarding/control"/>
+  </ds:schemaRefs>
+</ds:datastoreItem>
+</file>
+
+<file path=customXml/itemProps284.xml><?xml version="1.0" encoding="utf-8"?>
+<ds:datastoreItem xmlns:ds="http://schemas.openxmlformats.org/officeDocument/2006/customXml" ds:itemID="{7E6575B5-210E-4C5C-962C-D0D28D81591D}">
+  <ds:schemaRefs>
+    <ds:schemaRef ds:uri="http://schemas.microsoft.com/VisualStudio/2011/storyboarding/control"/>
+  </ds:schemaRefs>
+</ds:datastoreItem>
+</file>
+
+<file path=customXml/itemProps285.xml><?xml version="1.0" encoding="utf-8"?>
+<ds:datastoreItem xmlns:ds="http://schemas.openxmlformats.org/officeDocument/2006/customXml" ds:itemID="{50409344-7A08-4EEE-A095-5DC783125ED3}">
+  <ds:schemaRefs>
+    <ds:schemaRef ds:uri="http://schemas.microsoft.com/VisualStudio/2011/storyboarding/control"/>
+  </ds:schemaRefs>
+</ds:datastoreItem>
+</file>
+
+<file path=customXml/itemProps286.xml><?xml version="1.0" encoding="utf-8"?>
+<ds:datastoreItem xmlns:ds="http://schemas.openxmlformats.org/officeDocument/2006/customXml" ds:itemID="{F1849B9A-F2A7-47EC-B82F-47ADD7DF296A}">
+  <ds:schemaRefs>
+    <ds:schemaRef ds:uri="http://schemas.microsoft.com/VisualStudio/2011/storyboarding/control"/>
+  </ds:schemaRefs>
+</ds:datastoreItem>
+</file>
+
+<file path=customXml/itemProps287.xml><?xml version="1.0" encoding="utf-8"?>
+<ds:datastoreItem xmlns:ds="http://schemas.openxmlformats.org/officeDocument/2006/customXml" ds:itemID="{998411DF-88EB-4820-BD6A-310BD2399BD0}">
+  <ds:schemaRefs>
+    <ds:schemaRef ds:uri="http://schemas.microsoft.com/VisualStudio/2011/storyboarding/control"/>
+  </ds:schemaRefs>
+</ds:datastoreItem>
+</file>
+
+<file path=customXml/itemProps288.xml><?xml version="1.0" encoding="utf-8"?>
+<ds:datastoreItem xmlns:ds="http://schemas.openxmlformats.org/officeDocument/2006/customXml" ds:itemID="{7056F243-3525-4402-800F-27AEDE217892}">
+  <ds:schemaRefs>
+    <ds:schemaRef ds:uri="http://schemas.microsoft.com/VisualStudio/2011/storyboarding/control"/>
+  </ds:schemaRefs>
+</ds:datastoreItem>
+</file>
+
+<file path=customXml/itemProps289.xml><?xml version="1.0" encoding="utf-8"?>
+<ds:datastoreItem xmlns:ds="http://schemas.openxmlformats.org/officeDocument/2006/customXml" ds:itemID="{8CC35C90-6712-4C30-9C05-AE6A4B916E8A}">
+  <ds:schemaRefs>
+    <ds:schemaRef ds:uri="http://schemas.microsoft.com/VisualStudio/2011/storyboarding/control"/>
+  </ds:schemaRefs>
+</ds:datastoreItem>
+</file>
+
+<file path=customXml/itemProps29.xml><?xml version="1.0" encoding="utf-8"?>
+<ds:datastoreItem xmlns:ds="http://schemas.openxmlformats.org/officeDocument/2006/customXml" ds:itemID="{1B9230E7-F069-4556-9C13-4BDB695EF08B}">
+  <ds:schemaRefs>
+    <ds:schemaRef ds:uri="http://schemas.microsoft.com/VisualStudio/2011/storyboarding/control"/>
+  </ds:schemaRefs>
+</ds:datastoreItem>
+</file>
+
+<file path=customXml/itemProps290.xml><?xml version="1.0" encoding="utf-8"?>
+<ds:datastoreItem xmlns:ds="http://schemas.openxmlformats.org/officeDocument/2006/customXml" ds:itemID="{E9A7CC6E-A6F1-4DC6-9BA4-9DFB0519E177}">
+  <ds:schemaRefs>
+    <ds:schemaRef ds:uri="http://schemas.microsoft.com/VisualStudio/2011/storyboarding/control"/>
+  </ds:schemaRefs>
+</ds:datastoreItem>
+</file>
+
+<file path=customXml/itemProps291.xml><?xml version="1.0" encoding="utf-8"?>
+<ds:datastoreItem xmlns:ds="http://schemas.openxmlformats.org/officeDocument/2006/customXml" ds:itemID="{2C4CCA8C-E1E3-4D28-B52B-FB81537ACD62}">
+  <ds:schemaRefs>
+    <ds:schemaRef ds:uri="http://schemas.microsoft.com/VisualStudio/2011/storyboarding/control"/>
+  </ds:schemaRefs>
+</ds:datastoreItem>
+</file>
+
+<file path=customXml/itemProps292.xml><?xml version="1.0" encoding="utf-8"?>
+<ds:datastoreItem xmlns:ds="http://schemas.openxmlformats.org/officeDocument/2006/customXml" ds:itemID="{82E33D8B-2115-44F9-B288-F7DDC7375FA0}">
+  <ds:schemaRefs>
+    <ds:schemaRef ds:uri="http://schemas.microsoft.com/VisualStudio/2011/storyboarding/control"/>
+  </ds:schemaRefs>
+</ds:datastoreItem>
+</file>
+
+<file path=customXml/itemProps293.xml><?xml version="1.0" encoding="utf-8"?>
 <ds:datastoreItem xmlns:ds="http://schemas.openxmlformats.org/officeDocument/2006/customXml" ds:itemID="{C3BA9EF5-CEA3-4AE3-A3AB-B49C7AEF551E}">
   <ds:schemaRefs>
     <ds:schemaRef ds:uri="http://schemas.microsoft.com/VisualStudio/2011/storyboarding/control"/>
@@ -29077,7 +29963,335 @@
 </ds:datastoreItem>
 </file>
 
-<file path=customXml/itemProps194.xml><?xml version="1.0" encoding="utf-8"?>
+<file path=customXml/itemProps294.xml><?xml version="1.0" encoding="utf-8"?>
+<ds:datastoreItem xmlns:ds="http://schemas.openxmlformats.org/officeDocument/2006/customXml" ds:itemID="{8159193B-BADF-419B-B907-5EF8622C190C}">
+  <ds:schemaRefs>
+    <ds:schemaRef ds:uri="http://schemas.microsoft.com/VisualStudio/2011/storyboarding/control"/>
+  </ds:schemaRefs>
+</ds:datastoreItem>
+</file>
+
+<file path=customXml/itemProps295.xml><?xml version="1.0" encoding="utf-8"?>
+<ds:datastoreItem xmlns:ds="http://schemas.openxmlformats.org/officeDocument/2006/customXml" ds:itemID="{7D83CF62-C030-46A5-BB42-EA6E29EB49F5}">
+  <ds:schemaRefs>
+    <ds:schemaRef ds:uri="http://schemas.microsoft.com/VisualStudio/2011/storyboarding/control"/>
+  </ds:schemaRefs>
+</ds:datastoreItem>
+</file>
+
+<file path=customXml/itemProps296.xml><?xml version="1.0" encoding="utf-8"?>
+<ds:datastoreItem xmlns:ds="http://schemas.openxmlformats.org/officeDocument/2006/customXml" ds:itemID="{74A4DA6D-3268-4D6D-A9D3-B98F658DD6F9}">
+  <ds:schemaRefs>
+    <ds:schemaRef ds:uri="http://schemas.microsoft.com/VisualStudio/2011/storyboarding/control"/>
+  </ds:schemaRefs>
+</ds:datastoreItem>
+</file>
+
+<file path=customXml/itemProps297.xml><?xml version="1.0" encoding="utf-8"?>
+<ds:datastoreItem xmlns:ds="http://schemas.openxmlformats.org/officeDocument/2006/customXml" ds:itemID="{1BA76A90-19EE-4A02-BA01-6356B01DC32E}">
+  <ds:schemaRefs>
+    <ds:schemaRef ds:uri="http://schemas.microsoft.com/VisualStudio/2011/storyboarding/control"/>
+  </ds:schemaRefs>
+</ds:datastoreItem>
+</file>
+
+<file path=customXml/itemProps298.xml><?xml version="1.0" encoding="utf-8"?>
+<ds:datastoreItem xmlns:ds="http://schemas.openxmlformats.org/officeDocument/2006/customXml" ds:itemID="{BD7F245B-D69F-4F08-A7F4-28005B361C32}">
+  <ds:schemaRefs>
+    <ds:schemaRef ds:uri="http://schemas.microsoft.com/VisualStudio/2011/storyboarding/control"/>
+  </ds:schemaRefs>
+</ds:datastoreItem>
+</file>
+
+<file path=customXml/itemProps299.xml><?xml version="1.0" encoding="utf-8"?>
+<ds:datastoreItem xmlns:ds="http://schemas.openxmlformats.org/officeDocument/2006/customXml" ds:itemID="{C0236D38-7F8A-4EAA-B6A1-6880B56FE83E}">
+  <ds:schemaRefs>
+    <ds:schemaRef ds:uri="http://schemas.microsoft.com/VisualStudio/2011/storyboarding/control"/>
+  </ds:schemaRefs>
+</ds:datastoreItem>
+</file>
+
+<file path=customXml/itemProps3.xml><?xml version="1.0" encoding="utf-8"?>
+<ds:datastoreItem xmlns:ds="http://schemas.openxmlformats.org/officeDocument/2006/customXml" ds:itemID="{CB60C352-926D-4B06-8BE1-EF0755110463}">
+  <ds:schemaRefs>
+    <ds:schemaRef ds:uri="http://schemas.microsoft.com/VisualStudio/2011/storyboarding/control"/>
+  </ds:schemaRefs>
+</ds:datastoreItem>
+</file>
+
+<file path=customXml/itemProps30.xml><?xml version="1.0" encoding="utf-8"?>
+<ds:datastoreItem xmlns:ds="http://schemas.openxmlformats.org/officeDocument/2006/customXml" ds:itemID="{0F678DC3-7A11-4960-98D1-2284A12D1CFC}">
+  <ds:schemaRefs>
+    <ds:schemaRef ds:uri="http://schemas.microsoft.com/VisualStudio/2011/storyboarding/control"/>
+  </ds:schemaRefs>
+</ds:datastoreItem>
+</file>
+
+<file path=customXml/itemProps300.xml><?xml version="1.0" encoding="utf-8"?>
+<ds:datastoreItem xmlns:ds="http://schemas.openxmlformats.org/officeDocument/2006/customXml" ds:itemID="{81E54383-98AB-4CF8-862A-56119B52D70D}">
+  <ds:schemaRefs>
+    <ds:schemaRef ds:uri="http://schemas.microsoft.com/VisualStudio/2011/storyboarding/control"/>
+  </ds:schemaRefs>
+</ds:datastoreItem>
+</file>
+
+<file path=customXml/itemProps301.xml><?xml version="1.0" encoding="utf-8"?>
+<ds:datastoreItem xmlns:ds="http://schemas.openxmlformats.org/officeDocument/2006/customXml" ds:itemID="{A26C2F90-97F2-4089-BDB9-A8F1A786BE92}">
+  <ds:schemaRefs>
+    <ds:schemaRef ds:uri="http://schemas.microsoft.com/VisualStudio/2011/storyboarding/control"/>
+  </ds:schemaRefs>
+</ds:datastoreItem>
+</file>
+
+<file path=customXml/itemProps302.xml><?xml version="1.0" encoding="utf-8"?>
+<ds:datastoreItem xmlns:ds="http://schemas.openxmlformats.org/officeDocument/2006/customXml" ds:itemID="{3BB98DE0-C029-4931-AD22-9DDCE0A7F55B}">
+  <ds:schemaRefs>
+    <ds:schemaRef ds:uri="http://schemas.microsoft.com/VisualStudio/2011/storyboarding/control"/>
+  </ds:schemaRefs>
+</ds:datastoreItem>
+</file>
+
+<file path=customXml/itemProps303.xml><?xml version="1.0" encoding="utf-8"?>
+<ds:datastoreItem xmlns:ds="http://schemas.openxmlformats.org/officeDocument/2006/customXml" ds:itemID="{83C7B5A9-0530-46C6-A850-347D2AC04604}">
+  <ds:schemaRefs>
+    <ds:schemaRef ds:uri="http://schemas.microsoft.com/VisualStudio/2011/storyboarding/control"/>
+  </ds:schemaRefs>
+</ds:datastoreItem>
+</file>
+
+<file path=customXml/itemProps304.xml><?xml version="1.0" encoding="utf-8"?>
+<ds:datastoreItem xmlns:ds="http://schemas.openxmlformats.org/officeDocument/2006/customXml" ds:itemID="{DFF51E64-F6D6-46E3-9F94-C228DBA3CEF1}">
+  <ds:schemaRefs>
+    <ds:schemaRef ds:uri="http://schemas.microsoft.com/VisualStudio/2011/storyboarding/control"/>
+  </ds:schemaRefs>
+</ds:datastoreItem>
+</file>
+
+<file path=customXml/itemProps305.xml><?xml version="1.0" encoding="utf-8"?>
+<ds:datastoreItem xmlns:ds="http://schemas.openxmlformats.org/officeDocument/2006/customXml" ds:itemID="{7DC3519B-D653-41F2-B6F1-BBB3B144AB62}">
+  <ds:schemaRefs>
+    <ds:schemaRef ds:uri="http://schemas.microsoft.com/VisualStudio/2011/storyboarding/control"/>
+  </ds:schemaRefs>
+</ds:datastoreItem>
+</file>
+
+<file path=customXml/itemProps306.xml><?xml version="1.0" encoding="utf-8"?>
+<ds:datastoreItem xmlns:ds="http://schemas.openxmlformats.org/officeDocument/2006/customXml" ds:itemID="{29679B89-9CBC-4928-A22A-244AE0237BB0}">
+  <ds:schemaRefs>
+    <ds:schemaRef ds:uri="http://schemas.microsoft.com/VisualStudio/2011/storyboarding/control"/>
+  </ds:schemaRefs>
+</ds:datastoreItem>
+</file>
+
+<file path=customXml/itemProps31.xml><?xml version="1.0" encoding="utf-8"?>
+<ds:datastoreItem xmlns:ds="http://schemas.openxmlformats.org/officeDocument/2006/customXml" ds:itemID="{09905B2A-7A53-4F1C-B400-60354582C731}">
+  <ds:schemaRefs>
+    <ds:schemaRef ds:uri="http://schemas.microsoft.com/VisualStudio/2011/storyboarding/control"/>
+  </ds:schemaRefs>
+</ds:datastoreItem>
+</file>
+
+<file path=customXml/itemProps32.xml><?xml version="1.0" encoding="utf-8"?>
+<ds:datastoreItem xmlns:ds="http://schemas.openxmlformats.org/officeDocument/2006/customXml" ds:itemID="{EFCD18D0-CBA1-4995-A8C6-F5F3C57B32F1}">
+  <ds:schemaRefs>
+    <ds:schemaRef ds:uri="http://schemas.microsoft.com/VisualStudio/2011/storyboarding/control"/>
+  </ds:schemaRefs>
+</ds:datastoreItem>
+</file>
+
+<file path=customXml/itemProps33.xml><?xml version="1.0" encoding="utf-8"?>
+<ds:datastoreItem xmlns:ds="http://schemas.openxmlformats.org/officeDocument/2006/customXml" ds:itemID="{E4EC0F23-1162-4221-AFA8-5BFDF651A690}">
+  <ds:schemaRefs>
+    <ds:schemaRef ds:uri="http://schemas.microsoft.com/VisualStudio/2011/storyboarding/control"/>
+  </ds:schemaRefs>
+</ds:datastoreItem>
+</file>
+
+<file path=customXml/itemProps34.xml><?xml version="1.0" encoding="utf-8"?>
+<ds:datastoreItem xmlns:ds="http://schemas.openxmlformats.org/officeDocument/2006/customXml" ds:itemID="{0B9C428E-2130-42D7-AF35-CB4A84DD8F2F}">
+  <ds:schemaRefs>
+    <ds:schemaRef ds:uri="http://schemas.microsoft.com/VisualStudio/2011/storyboarding/control"/>
+  </ds:schemaRefs>
+</ds:datastoreItem>
+</file>
+
+<file path=customXml/itemProps35.xml><?xml version="1.0" encoding="utf-8"?>
+<ds:datastoreItem xmlns:ds="http://schemas.openxmlformats.org/officeDocument/2006/customXml" ds:itemID="{FD188300-81E8-4775-8131-2C284D97ABB2}">
+  <ds:schemaRefs>
+    <ds:schemaRef ds:uri="http://schemas.microsoft.com/VisualStudio/2011/storyboarding/control"/>
+  </ds:schemaRefs>
+</ds:datastoreItem>
+</file>
+
+<file path=customXml/itemProps36.xml><?xml version="1.0" encoding="utf-8"?>
+<ds:datastoreItem xmlns:ds="http://schemas.openxmlformats.org/officeDocument/2006/customXml" ds:itemID="{2FB95A6F-7C40-409F-B892-7F1286D5C297}">
+  <ds:schemaRefs>
+    <ds:schemaRef ds:uri="http://schemas.microsoft.com/VisualStudio/2011/storyboarding/control"/>
+  </ds:schemaRefs>
+</ds:datastoreItem>
+</file>
+
+<file path=customXml/itemProps37.xml><?xml version="1.0" encoding="utf-8"?>
+<ds:datastoreItem xmlns:ds="http://schemas.openxmlformats.org/officeDocument/2006/customXml" ds:itemID="{CE13D033-955A-413A-BF77-A5D3B95ACDBC}">
+  <ds:schemaRefs>
+    <ds:schemaRef ds:uri="http://schemas.microsoft.com/VisualStudio/2011/storyboarding/control"/>
+  </ds:schemaRefs>
+</ds:datastoreItem>
+</file>
+
+<file path=customXml/itemProps38.xml><?xml version="1.0" encoding="utf-8"?>
+<ds:datastoreItem xmlns:ds="http://schemas.openxmlformats.org/officeDocument/2006/customXml" ds:itemID="{12B87C94-3E99-4A00-A6CF-08E04953A553}">
+  <ds:schemaRefs>
+    <ds:schemaRef ds:uri="http://schemas.microsoft.com/VisualStudio/2011/storyboarding/control"/>
+  </ds:schemaRefs>
+</ds:datastoreItem>
+</file>
+
+<file path=customXml/itemProps39.xml><?xml version="1.0" encoding="utf-8"?>
+<ds:datastoreItem xmlns:ds="http://schemas.openxmlformats.org/officeDocument/2006/customXml" ds:itemID="{E628D704-53B1-402A-B3C4-24BC08ADD505}">
+  <ds:schemaRefs>
+    <ds:schemaRef ds:uri="http://schemas.microsoft.com/VisualStudio/2011/storyboarding/control"/>
+  </ds:schemaRefs>
+</ds:datastoreItem>
+</file>
+
+<file path=customXml/itemProps4.xml><?xml version="1.0" encoding="utf-8"?>
+<ds:datastoreItem xmlns:ds="http://schemas.openxmlformats.org/officeDocument/2006/customXml" ds:itemID="{D0B805D5-5911-410C-B527-CFA9A2E9215E}">
+  <ds:schemaRefs>
+    <ds:schemaRef ds:uri="http://schemas.microsoft.com/VisualStudio/2011/storyboarding/control"/>
+  </ds:schemaRefs>
+</ds:datastoreItem>
+</file>
+
+<file path=customXml/itemProps40.xml><?xml version="1.0" encoding="utf-8"?>
+<ds:datastoreItem xmlns:ds="http://schemas.openxmlformats.org/officeDocument/2006/customXml" ds:itemID="{8A640325-005D-4045-AEC2-6BA2B94359ED}">
+  <ds:schemaRefs>
+    <ds:schemaRef ds:uri="http://schemas.microsoft.com/VisualStudio/2011/storyboarding/control"/>
+  </ds:schemaRefs>
+</ds:datastoreItem>
+</file>
+
+<file path=customXml/itemProps41.xml><?xml version="1.0" encoding="utf-8"?>
+<ds:datastoreItem xmlns:ds="http://schemas.openxmlformats.org/officeDocument/2006/customXml" ds:itemID="{606CF5D4-B3F8-40BD-8704-7E44E4F5719F}">
+  <ds:schemaRefs>
+    <ds:schemaRef ds:uri="http://schemas.microsoft.com/VisualStudio/2011/storyboarding/control"/>
+  </ds:schemaRefs>
+</ds:datastoreItem>
+</file>
+
+<file path=customXml/itemProps42.xml><?xml version="1.0" encoding="utf-8"?>
+<ds:datastoreItem xmlns:ds="http://schemas.openxmlformats.org/officeDocument/2006/customXml" ds:itemID="{79F4C3AA-101F-4B48-BC66-EB35454CC9AD}">
+  <ds:schemaRefs>
+    <ds:schemaRef ds:uri="http://schemas.microsoft.com/VisualStudio/2011/storyboarding/control"/>
+  </ds:schemaRefs>
+</ds:datastoreItem>
+</file>
+
+<file path=customXml/itemProps43.xml><?xml version="1.0" encoding="utf-8"?>
+<ds:datastoreItem xmlns:ds="http://schemas.openxmlformats.org/officeDocument/2006/customXml" ds:itemID="{AA953C0C-C7E8-435A-942A-9B0F1C2CF485}">
+  <ds:schemaRefs>
+    <ds:schemaRef ds:uri="http://schemas.microsoft.com/VisualStudio/2011/storyboarding/control"/>
+  </ds:schemaRefs>
+</ds:datastoreItem>
+</file>
+
+<file path=customXml/itemProps44.xml><?xml version="1.0" encoding="utf-8"?>
+<ds:datastoreItem xmlns:ds="http://schemas.openxmlformats.org/officeDocument/2006/customXml" ds:itemID="{941A1568-B616-44B1-8AF5-A4ADE958EDAD}">
+  <ds:schemaRefs>
+    <ds:schemaRef ds:uri="http://schemas.microsoft.com/VisualStudio/2011/storyboarding/control"/>
+  </ds:schemaRefs>
+</ds:datastoreItem>
+</file>
+
+<file path=customXml/itemProps45.xml><?xml version="1.0" encoding="utf-8"?>
+<ds:datastoreItem xmlns:ds="http://schemas.openxmlformats.org/officeDocument/2006/customXml" ds:itemID="{D500780A-E74C-4BCC-955A-7DF94634ED58}">
+  <ds:schemaRefs>
+    <ds:schemaRef ds:uri="http://schemas.microsoft.com/VisualStudio/2011/storyboarding/control"/>
+  </ds:schemaRefs>
+</ds:datastoreItem>
+</file>
+
+<file path=customXml/itemProps46.xml><?xml version="1.0" encoding="utf-8"?>
+<ds:datastoreItem xmlns:ds="http://schemas.openxmlformats.org/officeDocument/2006/customXml" ds:itemID="{6395A4FB-8980-45B3-9877-951BA1240E53}">
+  <ds:schemaRefs>
+    <ds:schemaRef ds:uri="http://schemas.microsoft.com/VisualStudio/2011/storyboarding/control"/>
+  </ds:schemaRefs>
+</ds:datastoreItem>
+</file>
+
+<file path=customXml/itemProps47.xml><?xml version="1.0" encoding="utf-8"?>
+<ds:datastoreItem xmlns:ds="http://schemas.openxmlformats.org/officeDocument/2006/customXml" ds:itemID="{9BC0CB4D-BF5E-434C-A27C-66597D46EEDF}">
+  <ds:schemaRefs>
+    <ds:schemaRef ds:uri="http://schemas.microsoft.com/VisualStudio/2011/storyboarding/control"/>
+  </ds:schemaRefs>
+</ds:datastoreItem>
+</file>
+
+<file path=customXml/itemProps48.xml><?xml version="1.0" encoding="utf-8"?>
+<ds:datastoreItem xmlns:ds="http://schemas.openxmlformats.org/officeDocument/2006/customXml" ds:itemID="{03561535-9EE9-4551-9A70-8E9DFFF8659C}">
+  <ds:schemaRefs>
+    <ds:schemaRef ds:uri="http://schemas.microsoft.com/VisualStudio/2011/storyboarding/control"/>
+  </ds:schemaRefs>
+</ds:datastoreItem>
+</file>
+
+<file path=customXml/itemProps49.xml><?xml version="1.0" encoding="utf-8"?>
+<ds:datastoreItem xmlns:ds="http://schemas.openxmlformats.org/officeDocument/2006/customXml" ds:itemID="{190EBEF0-CB9E-4C67-BBD3-192F9F5BB87E}">
+  <ds:schemaRefs>
+    <ds:schemaRef ds:uri="http://schemas.microsoft.com/VisualStudio/2011/storyboarding/control"/>
+  </ds:schemaRefs>
+</ds:datastoreItem>
+</file>
+
+<file path=customXml/itemProps5.xml><?xml version="1.0" encoding="utf-8"?>
+<ds:datastoreItem xmlns:ds="http://schemas.openxmlformats.org/officeDocument/2006/customXml" ds:itemID="{0749C6AF-EB53-4E04-8A3A-54A96B76748B}">
+  <ds:schemaRefs>
+    <ds:schemaRef ds:uri="http://schemas.microsoft.com/VisualStudio/2011/storyboarding/control"/>
+  </ds:schemaRefs>
+</ds:datastoreItem>
+</file>
+
+<file path=customXml/itemProps50.xml><?xml version="1.0" encoding="utf-8"?>
+<ds:datastoreItem xmlns:ds="http://schemas.openxmlformats.org/officeDocument/2006/customXml" ds:itemID="{560D2061-D99A-45A4-8092-C0602B8A4570}">
+  <ds:schemaRefs>
+    <ds:schemaRef ds:uri="http://schemas.microsoft.com/VisualStudio/2011/storyboarding/control"/>
+  </ds:schemaRefs>
+</ds:datastoreItem>
+</file>
+
+<file path=customXml/itemProps51.xml><?xml version="1.0" encoding="utf-8"?>
+<ds:datastoreItem xmlns:ds="http://schemas.openxmlformats.org/officeDocument/2006/customXml" ds:itemID="{0A526C21-CA0E-4D62-A306-B441BC0489D4}">
+  <ds:schemaRefs>
+    <ds:schemaRef ds:uri="http://schemas.microsoft.com/VisualStudio/2011/storyboarding/control"/>
+  </ds:schemaRefs>
+</ds:datastoreItem>
+</file>
+
+<file path=customXml/itemProps52.xml><?xml version="1.0" encoding="utf-8"?>
+<ds:datastoreItem xmlns:ds="http://schemas.openxmlformats.org/officeDocument/2006/customXml" ds:itemID="{76DC95E1-ACCA-45B6-9796-C9DB84BF79E8}">
+  <ds:schemaRefs>
+    <ds:schemaRef ds:uri="http://schemas.microsoft.com/VisualStudio/2011/storyboarding/control"/>
+  </ds:schemaRefs>
+</ds:datastoreItem>
+</file>
+
+<file path=customXml/itemProps53.xml><?xml version="1.0" encoding="utf-8"?>
+<ds:datastoreItem xmlns:ds="http://schemas.openxmlformats.org/officeDocument/2006/customXml" ds:itemID="{A9589BB7-B112-466A-B7DB-50FF9E4A7695}">
+  <ds:schemaRefs>
+    <ds:schemaRef ds:uri="http://schemas.microsoft.com/VisualStudio/2011/storyboarding/control"/>
+  </ds:schemaRefs>
+</ds:datastoreItem>
+</file>
+
+<file path=customXml/itemProps54.xml><?xml version="1.0" encoding="utf-8"?>
+<ds:datastoreItem xmlns:ds="http://schemas.openxmlformats.org/officeDocument/2006/customXml" ds:itemID="{FBC62206-495B-43F2-9B91-CBEF056959DE}">
+  <ds:schemaRefs>
+    <ds:schemaRef ds:uri="http://schemas.microsoft.com/VisualStudio/2011/storyboarding/control"/>
+  </ds:schemaRefs>
+</ds:datastoreItem>
+</file>
+
+<file path=customXml/itemProps55.xml><?xml version="1.0" encoding="utf-8"?>
 <ds:datastoreItem xmlns:ds="http://schemas.openxmlformats.org/officeDocument/2006/customXml" ds:itemID="{692BFDB2-FE54-49E1-A36F-BC62DE099071}">
   <ds:schemaRefs>
     <ds:schemaRef ds:uri="http://schemas.microsoft.com/VisualStudio/2011/storyboarding/control"/>
@@ -29085,7 +30299,263 @@
 </ds:datastoreItem>
 </file>
 
-<file path=customXml/itemProps195.xml><?xml version="1.0" encoding="utf-8"?>
+<file path=customXml/itemProps56.xml><?xml version="1.0" encoding="utf-8"?>
+<ds:datastoreItem xmlns:ds="http://schemas.openxmlformats.org/officeDocument/2006/customXml" ds:itemID="{B95884A5-3DD4-499F-8287-5E7A85124B51}">
+  <ds:schemaRefs>
+    <ds:schemaRef ds:uri="http://schemas.microsoft.com/VisualStudio/2011/storyboarding/control"/>
+  </ds:schemaRefs>
+</ds:datastoreItem>
+</file>
+
+<file path=customXml/itemProps57.xml><?xml version="1.0" encoding="utf-8"?>
+<ds:datastoreItem xmlns:ds="http://schemas.openxmlformats.org/officeDocument/2006/customXml" ds:itemID="{77674E22-E958-4C98-881E-833176FE57EF}">
+  <ds:schemaRefs>
+    <ds:schemaRef ds:uri="http://schemas.microsoft.com/VisualStudio/2011/storyboarding/control"/>
+  </ds:schemaRefs>
+</ds:datastoreItem>
+</file>
+
+<file path=customXml/itemProps58.xml><?xml version="1.0" encoding="utf-8"?>
+<ds:datastoreItem xmlns:ds="http://schemas.openxmlformats.org/officeDocument/2006/customXml" ds:itemID="{360AAA09-4D6B-4080-966E-6CECA704A0AD}">
+  <ds:schemaRefs>
+    <ds:schemaRef ds:uri="http://schemas.microsoft.com/VisualStudio/2011/storyboarding/control"/>
+  </ds:schemaRefs>
+</ds:datastoreItem>
+</file>
+
+<file path=customXml/itemProps59.xml><?xml version="1.0" encoding="utf-8"?>
+<ds:datastoreItem xmlns:ds="http://schemas.openxmlformats.org/officeDocument/2006/customXml" ds:itemID="{F2E2DD80-6264-46C6-8166-945CA6960AF7}">
+  <ds:schemaRefs>
+    <ds:schemaRef ds:uri="http://schemas.microsoft.com/VisualStudio/2011/storyboarding/control"/>
+  </ds:schemaRefs>
+</ds:datastoreItem>
+</file>
+
+<file path=customXml/itemProps6.xml><?xml version="1.0" encoding="utf-8"?>
+<ds:datastoreItem xmlns:ds="http://schemas.openxmlformats.org/officeDocument/2006/customXml" ds:itemID="{F5281BC0-9672-435D-B9A7-6C9AEEE3F7D2}">
+  <ds:schemaRefs>
+    <ds:schemaRef ds:uri="http://schemas.microsoft.com/VisualStudio/2011/storyboarding/control"/>
+  </ds:schemaRefs>
+</ds:datastoreItem>
+</file>
+
+<file path=customXml/itemProps60.xml><?xml version="1.0" encoding="utf-8"?>
+<ds:datastoreItem xmlns:ds="http://schemas.openxmlformats.org/officeDocument/2006/customXml" ds:itemID="{FB4E80E6-CDBF-4033-8B52-FB80E5634189}">
+  <ds:schemaRefs>
+    <ds:schemaRef ds:uri="http://schemas.microsoft.com/VisualStudio/2011/storyboarding/control"/>
+  </ds:schemaRefs>
+</ds:datastoreItem>
+</file>
+
+<file path=customXml/itemProps61.xml><?xml version="1.0" encoding="utf-8"?>
+<ds:datastoreItem xmlns:ds="http://schemas.openxmlformats.org/officeDocument/2006/customXml" ds:itemID="{CDFD8D22-8AC0-4F2F-AC24-E9009ABA608B}">
+  <ds:schemaRefs>
+    <ds:schemaRef ds:uri="http://schemas.microsoft.com/VisualStudio/2011/storyboarding/control"/>
+  </ds:schemaRefs>
+</ds:datastoreItem>
+</file>
+
+<file path=customXml/itemProps62.xml><?xml version="1.0" encoding="utf-8"?>
+<ds:datastoreItem xmlns:ds="http://schemas.openxmlformats.org/officeDocument/2006/customXml" ds:itemID="{34D79507-41CE-4F82-9FD7-28ECA0111C35}">
+  <ds:schemaRefs>
+    <ds:schemaRef ds:uri="http://schemas.microsoft.com/VisualStudio/2011/storyboarding/control"/>
+  </ds:schemaRefs>
+</ds:datastoreItem>
+</file>
+
+<file path=customXml/itemProps63.xml><?xml version="1.0" encoding="utf-8"?>
+<ds:datastoreItem xmlns:ds="http://schemas.openxmlformats.org/officeDocument/2006/customXml" ds:itemID="{29F8B5B8-E187-4506-A53E-4D04D2CD28B4}">
+  <ds:schemaRefs>
+    <ds:schemaRef ds:uri="http://schemas.microsoft.com/VisualStudio/2011/storyboarding/control"/>
+  </ds:schemaRefs>
+</ds:datastoreItem>
+</file>
+
+<file path=customXml/itemProps64.xml><?xml version="1.0" encoding="utf-8"?>
+<ds:datastoreItem xmlns:ds="http://schemas.openxmlformats.org/officeDocument/2006/customXml" ds:itemID="{00733A73-60C4-4047-99FA-999B6399E6BC}">
+  <ds:schemaRefs>
+    <ds:schemaRef ds:uri="http://schemas.microsoft.com/VisualStudio/2011/storyboarding/control"/>
+  </ds:schemaRefs>
+</ds:datastoreItem>
+</file>
+
+<file path=customXml/itemProps65.xml><?xml version="1.0" encoding="utf-8"?>
+<ds:datastoreItem xmlns:ds="http://schemas.openxmlformats.org/officeDocument/2006/customXml" ds:itemID="{F24428A1-0724-4C81-B1E7-B30B813E3551}">
+  <ds:schemaRefs>
+    <ds:schemaRef ds:uri="http://schemas.microsoft.com/VisualStudio/2011/storyboarding/control"/>
+  </ds:schemaRefs>
+</ds:datastoreItem>
+</file>
+
+<file path=customXml/itemProps66.xml><?xml version="1.0" encoding="utf-8"?>
+<ds:datastoreItem xmlns:ds="http://schemas.openxmlformats.org/officeDocument/2006/customXml" ds:itemID="{A12D5DED-2D25-4DA3-8948-14474C5B5E76}">
+  <ds:schemaRefs>
+    <ds:schemaRef ds:uri="http://schemas.microsoft.com/VisualStudio/2011/storyboarding/control"/>
+  </ds:schemaRefs>
+</ds:datastoreItem>
+</file>
+
+<file path=customXml/itemProps67.xml><?xml version="1.0" encoding="utf-8"?>
+<ds:datastoreItem xmlns:ds="http://schemas.openxmlformats.org/officeDocument/2006/customXml" ds:itemID="{4C2DD3A5-565B-4655-839B-3D7E5DA58911}">
+  <ds:schemaRefs>
+    <ds:schemaRef ds:uri="http://schemas.microsoft.com/VisualStudio/2011/storyboarding/control"/>
+  </ds:schemaRefs>
+</ds:datastoreItem>
+</file>
+
+<file path=customXml/itemProps68.xml><?xml version="1.0" encoding="utf-8"?>
+<ds:datastoreItem xmlns:ds="http://schemas.openxmlformats.org/officeDocument/2006/customXml" ds:itemID="{A83CDB64-A979-480A-B42F-5F9FAC7E448C}">
+  <ds:schemaRefs>
+    <ds:schemaRef ds:uri="http://schemas.microsoft.com/VisualStudio/2011/storyboarding/control"/>
+  </ds:schemaRefs>
+</ds:datastoreItem>
+</file>
+
+<file path=customXml/itemProps69.xml><?xml version="1.0" encoding="utf-8"?>
+<ds:datastoreItem xmlns:ds="http://schemas.openxmlformats.org/officeDocument/2006/customXml" ds:itemID="{27F8D642-C876-4D49-A268-D03A3875605D}">
+  <ds:schemaRefs>
+    <ds:schemaRef ds:uri="http://schemas.microsoft.com/VisualStudio/2011/storyboarding/control"/>
+  </ds:schemaRefs>
+</ds:datastoreItem>
+</file>
+
+<file path=customXml/itemProps7.xml><?xml version="1.0" encoding="utf-8"?>
+<ds:datastoreItem xmlns:ds="http://schemas.openxmlformats.org/officeDocument/2006/customXml" ds:itemID="{704CF15B-5A3D-424C-9C26-639F7FE2B6A2}">
+  <ds:schemaRefs>
+    <ds:schemaRef ds:uri="http://schemas.microsoft.com/VisualStudio/2011/storyboarding/control"/>
+  </ds:schemaRefs>
+</ds:datastoreItem>
+</file>
+
+<file path=customXml/itemProps70.xml><?xml version="1.0" encoding="utf-8"?>
+<ds:datastoreItem xmlns:ds="http://schemas.openxmlformats.org/officeDocument/2006/customXml" ds:itemID="{7D14F916-B249-48AB-8630-8E73B4CF4A95}">
+  <ds:schemaRefs>
+    <ds:schemaRef ds:uri="http://schemas.microsoft.com/VisualStudio/2011/storyboarding/control"/>
+  </ds:schemaRefs>
+</ds:datastoreItem>
+</file>
+
+<file path=customXml/itemProps71.xml><?xml version="1.0" encoding="utf-8"?>
+<ds:datastoreItem xmlns:ds="http://schemas.openxmlformats.org/officeDocument/2006/customXml" ds:itemID="{83115CD3-825C-4612-821F-C5D4B5A19981}">
+  <ds:schemaRefs>
+    <ds:schemaRef ds:uri="http://schemas.microsoft.com/VisualStudio/2011/storyboarding/control"/>
+  </ds:schemaRefs>
+</ds:datastoreItem>
+</file>
+
+<file path=customXml/itemProps72.xml><?xml version="1.0" encoding="utf-8"?>
+<ds:datastoreItem xmlns:ds="http://schemas.openxmlformats.org/officeDocument/2006/customXml" ds:itemID="{66876AD8-FD3E-409F-945F-9F02A3C476A3}">
+  <ds:schemaRefs>
+    <ds:schemaRef ds:uri="http://schemas.microsoft.com/VisualStudio/2011/storyboarding/control"/>
+  </ds:schemaRefs>
+</ds:datastoreItem>
+</file>
+
+<file path=customXml/itemProps73.xml><?xml version="1.0" encoding="utf-8"?>
+<ds:datastoreItem xmlns:ds="http://schemas.openxmlformats.org/officeDocument/2006/customXml" ds:itemID="{113CC0A4-04F5-4B9D-A17B-5C03BA1F3CAC}">
+  <ds:schemaRefs>
+    <ds:schemaRef ds:uri="http://schemas.microsoft.com/VisualStudio/2011/storyboarding/control"/>
+  </ds:schemaRefs>
+</ds:datastoreItem>
+</file>
+
+<file path=customXml/itemProps74.xml><?xml version="1.0" encoding="utf-8"?>
+<ds:datastoreItem xmlns:ds="http://schemas.openxmlformats.org/officeDocument/2006/customXml" ds:itemID="{0026E863-1463-490E-A7C3-462BE194A97F}">
+  <ds:schemaRefs>
+    <ds:schemaRef ds:uri="http://schemas.microsoft.com/VisualStudio/2011/storyboarding/control"/>
+  </ds:schemaRefs>
+</ds:datastoreItem>
+</file>
+
+<file path=customXml/itemProps75.xml><?xml version="1.0" encoding="utf-8"?>
+<ds:datastoreItem xmlns:ds="http://schemas.openxmlformats.org/officeDocument/2006/customXml" ds:itemID="{4274C42F-63E9-49F9-B959-AD75845B8D07}">
+  <ds:schemaRefs>
+    <ds:schemaRef ds:uri="http://schemas.microsoft.com/VisualStudio/2011/storyboarding/control"/>
+  </ds:schemaRefs>
+</ds:datastoreItem>
+</file>
+
+<file path=customXml/itemProps76.xml><?xml version="1.0" encoding="utf-8"?>
+<ds:datastoreItem xmlns:ds="http://schemas.openxmlformats.org/officeDocument/2006/customXml" ds:itemID="{F36D2A4F-C360-49F8-A227-4F706FF4D9DF}">
+  <ds:schemaRefs>
+    <ds:schemaRef ds:uri="http://schemas.microsoft.com/VisualStudio/2011/storyboarding/control"/>
+  </ds:schemaRefs>
+</ds:datastoreItem>
+</file>
+
+<file path=customXml/itemProps77.xml><?xml version="1.0" encoding="utf-8"?>
+<ds:datastoreItem xmlns:ds="http://schemas.openxmlformats.org/officeDocument/2006/customXml" ds:itemID="{FAF24902-C8B9-4A2B-9077-05751B70E139}">
+  <ds:schemaRefs>
+    <ds:schemaRef ds:uri="http://schemas.microsoft.com/VisualStudio/2011/storyboarding/control"/>
+  </ds:schemaRefs>
+</ds:datastoreItem>
+</file>
+
+<file path=customXml/itemProps78.xml><?xml version="1.0" encoding="utf-8"?>
+<ds:datastoreItem xmlns:ds="http://schemas.openxmlformats.org/officeDocument/2006/customXml" ds:itemID="{38558D45-A683-41A1-B7BC-CA4F1C21FEAB}">
+  <ds:schemaRefs>
+    <ds:schemaRef ds:uri="http://schemas.microsoft.com/VisualStudio/2011/storyboarding/control"/>
+  </ds:schemaRefs>
+</ds:datastoreItem>
+</file>
+
+<file path=customXml/itemProps79.xml><?xml version="1.0" encoding="utf-8"?>
+<ds:datastoreItem xmlns:ds="http://schemas.openxmlformats.org/officeDocument/2006/customXml" ds:itemID="{74E1FA7F-A4B5-484B-929E-6F02BB83131C}">
+  <ds:schemaRefs>
+    <ds:schemaRef ds:uri="http://schemas.microsoft.com/VisualStudio/2011/storyboarding/control"/>
+  </ds:schemaRefs>
+</ds:datastoreItem>
+</file>
+
+<file path=customXml/itemProps8.xml><?xml version="1.0" encoding="utf-8"?>
+<ds:datastoreItem xmlns:ds="http://schemas.openxmlformats.org/officeDocument/2006/customXml" ds:itemID="{88C04483-D8EE-4FCA-A54F-704220F97EF8}">
+  <ds:schemaRefs>
+    <ds:schemaRef ds:uri="http://schemas.microsoft.com/VisualStudio/2011/storyboarding/control"/>
+  </ds:schemaRefs>
+</ds:datastoreItem>
+</file>
+
+<file path=customXml/itemProps80.xml><?xml version="1.0" encoding="utf-8"?>
+<ds:datastoreItem xmlns:ds="http://schemas.openxmlformats.org/officeDocument/2006/customXml" ds:itemID="{3B14F52C-BC5F-47CE-945E-640AE2D7FD32}">
+  <ds:schemaRefs>
+    <ds:schemaRef ds:uri="http://schemas.microsoft.com/VisualStudio/2011/storyboarding/control"/>
+  </ds:schemaRefs>
+</ds:datastoreItem>
+</file>
+
+<file path=customXml/itemProps81.xml><?xml version="1.0" encoding="utf-8"?>
+<ds:datastoreItem xmlns:ds="http://schemas.openxmlformats.org/officeDocument/2006/customXml" ds:itemID="{49295FCB-C0F6-4058-AADB-C80AB995A670}">
+  <ds:schemaRefs>
+    <ds:schemaRef ds:uri="http://schemas.microsoft.com/VisualStudio/2011/storyboarding/control"/>
+  </ds:schemaRefs>
+</ds:datastoreItem>
+</file>
+
+<file path=customXml/itemProps82.xml><?xml version="1.0" encoding="utf-8"?>
+<ds:datastoreItem xmlns:ds="http://schemas.openxmlformats.org/officeDocument/2006/customXml" ds:itemID="{97793ECA-24C6-46F3-9A59-850352AED6B0}">
+  <ds:schemaRefs>
+    <ds:schemaRef ds:uri="http://schemas.microsoft.com/VisualStudio/2011/storyboarding/control"/>
+  </ds:schemaRefs>
+</ds:datastoreItem>
+</file>
+
+<file path=customXml/itemProps83.xml><?xml version="1.0" encoding="utf-8"?>
+<ds:datastoreItem xmlns:ds="http://schemas.openxmlformats.org/officeDocument/2006/customXml" ds:itemID="{E12DD9CD-91AF-4CC9-87D9-DB103477FE67}">
+  <ds:schemaRefs>
+    <ds:schemaRef ds:uri="http://schemas.microsoft.com/VisualStudio/2011/storyboarding/control"/>
+  </ds:schemaRefs>
+</ds:datastoreItem>
+</file>
+
+<file path=customXml/itemProps84.xml><?xml version="1.0" encoding="utf-8"?>
+<ds:datastoreItem xmlns:ds="http://schemas.openxmlformats.org/officeDocument/2006/customXml" ds:itemID="{314BC7E0-5CB8-41B7-80AE-6FF18C6ED044}">
+  <ds:schemaRefs>
+    <ds:schemaRef ds:uri="http://schemas.microsoft.com/VisualStudio/2011/storyboarding/control"/>
+  </ds:schemaRefs>
+</ds:datastoreItem>
+</file>
+
+<file path=customXml/itemProps85.xml><?xml version="1.0" encoding="utf-8"?>
 <ds:datastoreItem xmlns:ds="http://schemas.openxmlformats.org/officeDocument/2006/customXml" ds:itemID="{66761CE4-9EDC-423E-BC61-A27C029E5732}">
   <ds:schemaRefs>
     <ds:schemaRef ds:uri="http://schemas.microsoft.com/VisualStudio/2011/storyboarding/control"/>
@@ -29093,127 +30563,7 @@
 </ds:datastoreItem>
 </file>
 
-<file path=customXml/itemProps196.xml><?xml version="1.0" encoding="utf-8"?>
-<ds:datastoreItem xmlns:ds="http://schemas.openxmlformats.org/officeDocument/2006/customXml" ds:itemID="{83FE5952-B810-41DD-BC8D-EA4E6B2877C4}">
-  <ds:schemaRefs>
-    <ds:schemaRef ds:uri="http://schemas.microsoft.com/VisualStudio/2011/storyboarding/control"/>
-  </ds:schemaRefs>
-</ds:datastoreItem>
-</file>
-
-<file path=customXml/itemProps197.xml><?xml version="1.0" encoding="utf-8"?>
-<ds:datastoreItem xmlns:ds="http://schemas.openxmlformats.org/officeDocument/2006/customXml" ds:itemID="{20BEF8C9-6FB7-432D-9ED8-8FC9856F2A48}">
-  <ds:schemaRefs>
-    <ds:schemaRef ds:uri="http://schemas.microsoft.com/VisualStudio/2011/storyboarding/control"/>
-  </ds:schemaRefs>
-</ds:datastoreItem>
-</file>
-
-<file path=customXml/itemProps198.xml><?xml version="1.0" encoding="utf-8"?>
-<ds:datastoreItem xmlns:ds="http://schemas.openxmlformats.org/officeDocument/2006/customXml" ds:itemID="{6738B905-67C9-4D42-8403-1DFFFA0CD882}">
-  <ds:schemaRefs>
-    <ds:schemaRef ds:uri="http://schemas.microsoft.com/VisualStudio/2011/storyboarding/control"/>
-  </ds:schemaRefs>
-</ds:datastoreItem>
-</file>
-
-<file path=customXml/itemProps199.xml><?xml version="1.0" encoding="utf-8"?>
-<ds:datastoreItem xmlns:ds="http://schemas.openxmlformats.org/officeDocument/2006/customXml" ds:itemID="{A6D095BC-789E-4CE8-AA99-696AAAA6E3A4}">
-  <ds:schemaRefs>
-    <ds:schemaRef ds:uri="http://schemas.microsoft.com/VisualStudio/2011/storyboarding/control"/>
-  </ds:schemaRefs>
-</ds:datastoreItem>
-</file>
-
-<file path=customXml/itemProps2.xml><?xml version="1.0" encoding="utf-8"?>
-<ds:datastoreItem xmlns:ds="http://schemas.openxmlformats.org/officeDocument/2006/customXml" ds:itemID="{B69176FB-B87F-4E1E-9375-8D60FAF0057D}">
-  <ds:schemaRefs>
-    <ds:schemaRef ds:uri="http://schemas.microsoft.com/VisualStudio/2011/storyboarding/control"/>
-  </ds:schemaRefs>
-</ds:datastoreItem>
-</file>
-
-<file path=customXml/itemProps20.xml><?xml version="1.0" encoding="utf-8"?>
-<ds:datastoreItem xmlns:ds="http://schemas.openxmlformats.org/officeDocument/2006/customXml" ds:itemID="{371B535D-C55E-43ED-A8DA-6DA77E3D45BB}">
-  <ds:schemaRefs>
-    <ds:schemaRef ds:uri="http://schemas.microsoft.com/VisualStudio/2011/storyboarding/control"/>
-  </ds:schemaRefs>
-</ds:datastoreItem>
-</file>
-
-<file path=customXml/itemProps200.xml><?xml version="1.0" encoding="utf-8"?>
-<ds:datastoreItem xmlns:ds="http://schemas.openxmlformats.org/officeDocument/2006/customXml" ds:itemID="{C02F6C96-E07D-476F-9097-B75AF2B042BC}">
-  <ds:schemaRefs>
-    <ds:schemaRef ds:uri="http://schemas.microsoft.com/VisualStudio/2011/storyboarding/control"/>
-  </ds:schemaRefs>
-</ds:datastoreItem>
-</file>
-
-<file path=customXml/itemProps201.xml><?xml version="1.0" encoding="utf-8"?>
-<ds:datastoreItem xmlns:ds="http://schemas.openxmlformats.org/officeDocument/2006/customXml" ds:itemID="{1787789D-0EBA-4FE8-865A-15C7CED9FBEB}">
-  <ds:schemaRefs>
-    <ds:schemaRef ds:uri="http://schemas.microsoft.com/VisualStudio/2011/storyboarding/control"/>
-  </ds:schemaRefs>
-</ds:datastoreItem>
-</file>
-
-<file path=customXml/itemProps202.xml><?xml version="1.0" encoding="utf-8"?>
-<ds:datastoreItem xmlns:ds="http://schemas.openxmlformats.org/officeDocument/2006/customXml" ds:itemID="{98239294-B951-4171-BF7E-2E6B950C31FA}">
-  <ds:schemaRefs>
-    <ds:schemaRef ds:uri="http://schemas.microsoft.com/VisualStudio/2011/storyboarding/control"/>
-  </ds:schemaRefs>
-</ds:datastoreItem>
-</file>
-
-<file path=customXml/itemProps203.xml><?xml version="1.0" encoding="utf-8"?>
-<ds:datastoreItem xmlns:ds="http://schemas.openxmlformats.org/officeDocument/2006/customXml" ds:itemID="{09CE74FB-25C7-4560-B2D1-31C53C62D2F2}">
-  <ds:schemaRefs>
-    <ds:schemaRef ds:uri="http://schemas.microsoft.com/VisualStudio/2011/storyboarding/control"/>
-  </ds:schemaRefs>
-</ds:datastoreItem>
-</file>
-
-<file path=customXml/itemProps204.xml><?xml version="1.0" encoding="utf-8"?>
-<ds:datastoreItem xmlns:ds="http://schemas.openxmlformats.org/officeDocument/2006/customXml" ds:itemID="{76BBF26E-3DED-4C7C-8F9D-FEEFB1BBA3B1}">
-  <ds:schemaRefs>
-    <ds:schemaRef ds:uri="http://schemas.microsoft.com/VisualStudio/2011/storyboarding/control"/>
-  </ds:schemaRefs>
-</ds:datastoreItem>
-</file>
-
-<file path=customXml/itemProps205.xml><?xml version="1.0" encoding="utf-8"?>
-<ds:datastoreItem xmlns:ds="http://schemas.openxmlformats.org/officeDocument/2006/customXml" ds:itemID="{1F0604E9-97A2-431A-86E6-C9F311593E08}">
-  <ds:schemaRefs>
-    <ds:schemaRef ds:uri="http://schemas.microsoft.com/VisualStudio/2011/storyboarding/control"/>
-  </ds:schemaRefs>
-</ds:datastoreItem>
-</file>
-
-<file path=customXml/itemProps206.xml><?xml version="1.0" encoding="utf-8"?>
-<ds:datastoreItem xmlns:ds="http://schemas.openxmlformats.org/officeDocument/2006/customXml" ds:itemID="{919EABC3-E2C5-43C3-AF76-EB64A9434D0D}">
-  <ds:schemaRefs>
-    <ds:schemaRef ds:uri="http://schemas.microsoft.com/VisualStudio/2011/storyboarding/control"/>
-  </ds:schemaRefs>
-</ds:datastoreItem>
-</file>
-
-<file path=customXml/itemProps207.xml><?xml version="1.0" encoding="utf-8"?>
-<ds:datastoreItem xmlns:ds="http://schemas.openxmlformats.org/officeDocument/2006/customXml" ds:itemID="{8159193B-BADF-419B-B907-5EF8622C190C}">
-  <ds:schemaRefs>
-    <ds:schemaRef ds:uri="http://schemas.microsoft.com/VisualStudio/2011/storyboarding/control"/>
-  </ds:schemaRefs>
-</ds:datastoreItem>
-</file>
-
-<file path=customXml/itemProps208.xml><?xml version="1.0" encoding="utf-8"?>
-<ds:datastoreItem xmlns:ds="http://schemas.openxmlformats.org/officeDocument/2006/customXml" ds:itemID="{B95884A5-3DD4-499F-8287-5E7A85124B51}">
-  <ds:schemaRefs>
-    <ds:schemaRef ds:uri="http://schemas.microsoft.com/VisualStudio/2011/storyboarding/control"/>
-  </ds:schemaRefs>
-</ds:datastoreItem>
-</file>
-
-<file path=customXml/itemProps209.xml><?xml version="1.0" encoding="utf-8"?>
+<file path=customXml/itemProps86.xml><?xml version="1.0" encoding="utf-8"?>
 <ds:datastoreItem xmlns:ds="http://schemas.openxmlformats.org/officeDocument/2006/customXml" ds:itemID="{8E75C575-581D-41C1-833A-EA93BF9CCB04}">
   <ds:schemaRefs>
     <ds:schemaRef ds:uri="http://schemas.microsoft.com/VisualStudio/2011/storyboarding/control"/>
@@ -29221,103 +30571,7 @@
 </ds:datastoreItem>
 </file>
 
-<file path=customXml/itemProps21.xml><?xml version="1.0" encoding="utf-8"?>
-<ds:datastoreItem xmlns:ds="http://schemas.openxmlformats.org/officeDocument/2006/customXml" ds:itemID="{BD7F245B-D69F-4F08-A7F4-28005B361C32}">
-  <ds:schemaRefs>
-    <ds:schemaRef ds:uri="http://schemas.microsoft.com/VisualStudio/2011/storyboarding/control"/>
-  </ds:schemaRefs>
-</ds:datastoreItem>
-</file>
-
-<file path=customXml/itemProps210.xml><?xml version="1.0" encoding="utf-8"?>
-<ds:datastoreItem xmlns:ds="http://schemas.openxmlformats.org/officeDocument/2006/customXml" ds:itemID="{F289DBB7-301A-49B9-A05C-7204F013A6A1}">
-  <ds:schemaRefs>
-    <ds:schemaRef ds:uri="http://schemas.microsoft.com/VisualStudio/2011/storyboarding/control"/>
-  </ds:schemaRefs>
-</ds:datastoreItem>
-</file>
-
-<file path=customXml/itemProps211.xml><?xml version="1.0" encoding="utf-8"?>
-<ds:datastoreItem xmlns:ds="http://schemas.openxmlformats.org/officeDocument/2006/customXml" ds:itemID="{B6B9C910-7729-4399-A2A4-124811EF2AAD}">
-  <ds:schemaRefs>
-    <ds:schemaRef ds:uri="http://schemas.microsoft.com/VisualStudio/2011/storyboarding/control"/>
-  </ds:schemaRefs>
-</ds:datastoreItem>
-</file>
-
-<file path=customXml/itemProps212.xml><?xml version="1.0" encoding="utf-8"?>
-<ds:datastoreItem xmlns:ds="http://schemas.openxmlformats.org/officeDocument/2006/customXml" ds:itemID="{3E8B6194-5AF1-4A7F-A860-08884876DB99}">
-  <ds:schemaRefs>
-    <ds:schemaRef ds:uri="http://schemas.microsoft.com/VisualStudio/2011/storyboarding/control"/>
-  </ds:schemaRefs>
-</ds:datastoreItem>
-</file>
-
-<file path=customXml/itemProps213.xml><?xml version="1.0" encoding="utf-8"?>
-<ds:datastoreItem xmlns:ds="http://schemas.openxmlformats.org/officeDocument/2006/customXml" ds:itemID="{86A76FA3-4235-4BDB-A418-31656486084F}">
-  <ds:schemaRefs>
-    <ds:schemaRef ds:uri="http://schemas.microsoft.com/VisualStudio/2011/storyboarding/control"/>
-  </ds:schemaRefs>
-</ds:datastoreItem>
-</file>
-
-<file path=customXml/itemProps214.xml><?xml version="1.0" encoding="utf-8"?>
-<ds:datastoreItem xmlns:ds="http://schemas.openxmlformats.org/officeDocument/2006/customXml" ds:itemID="{875DA8D0-9C6C-44D9-B84C-C4B5FD322C1A}">
-  <ds:schemaRefs>
-    <ds:schemaRef ds:uri="http://schemas.microsoft.com/VisualStudio/2011/storyboarding/control"/>
-  </ds:schemaRefs>
-</ds:datastoreItem>
-</file>
-
-<file path=customXml/itemProps215.xml><?xml version="1.0" encoding="utf-8"?>
-<ds:datastoreItem xmlns:ds="http://schemas.openxmlformats.org/officeDocument/2006/customXml" ds:itemID="{D3BE8F19-E498-4C40-AD0A-FD52BCF38C35}">
-  <ds:schemaRefs>
-    <ds:schemaRef ds:uri="http://schemas.microsoft.com/VisualStudio/2011/storyboarding/control"/>
-  </ds:schemaRefs>
-</ds:datastoreItem>
-</file>
-
-<file path=customXml/itemProps216.xml><?xml version="1.0" encoding="utf-8"?>
-<ds:datastoreItem xmlns:ds="http://schemas.openxmlformats.org/officeDocument/2006/customXml" ds:itemID="{7189590F-1A48-46F3-B24A-D8D0F3BA0A15}">
-  <ds:schemaRefs>
-    <ds:schemaRef ds:uri="http://schemas.microsoft.com/VisualStudio/2011/storyboarding/control"/>
-  </ds:schemaRefs>
-</ds:datastoreItem>
-</file>
-
-<file path=customXml/itemProps217.xml><?xml version="1.0" encoding="utf-8"?>
-<ds:datastoreItem xmlns:ds="http://schemas.openxmlformats.org/officeDocument/2006/customXml" ds:itemID="{2F6BDFFF-5546-47E4-8CF1-5354DFE6CFD9}">
-  <ds:schemaRefs>
-    <ds:schemaRef ds:uri="http://schemas.microsoft.com/VisualStudio/2011/storyboarding/control"/>
-  </ds:schemaRefs>
-</ds:datastoreItem>
-</file>
-
-<file path=customXml/itemProps218.xml><?xml version="1.0" encoding="utf-8"?>
-<ds:datastoreItem xmlns:ds="http://schemas.openxmlformats.org/officeDocument/2006/customXml" ds:itemID="{606CF5D4-B3F8-40BD-8704-7E44E4F5719F}">
-  <ds:schemaRefs>
-    <ds:schemaRef ds:uri="http://schemas.microsoft.com/VisualStudio/2011/storyboarding/control"/>
-  </ds:schemaRefs>
-</ds:datastoreItem>
-</file>
-
-<file path=customXml/itemProps219.xml><?xml version="1.0" encoding="utf-8"?>
-<ds:datastoreItem xmlns:ds="http://schemas.openxmlformats.org/officeDocument/2006/customXml" ds:itemID="{66876AD8-FD3E-409F-945F-9F02A3C476A3}">
-  <ds:schemaRefs>
-    <ds:schemaRef ds:uri="http://schemas.microsoft.com/VisualStudio/2011/storyboarding/control"/>
-  </ds:schemaRefs>
-</ds:datastoreItem>
-</file>
-
-<file path=customXml/itemProps22.xml><?xml version="1.0" encoding="utf-8"?>
-<ds:datastoreItem xmlns:ds="http://schemas.openxmlformats.org/officeDocument/2006/customXml" ds:itemID="{DC6DE712-FAC2-48EF-8F42-43EFC4A596F1}">
-  <ds:schemaRefs>
-    <ds:schemaRef ds:uri="http://schemas.microsoft.com/VisualStudio/2011/storyboarding/control"/>
-  </ds:schemaRefs>
-</ds:datastoreItem>
-</file>
-
-<file path=customXml/itemProps220.xml><?xml version="1.0" encoding="utf-8"?>
+<file path=customXml/itemProps87.xml><?xml version="1.0" encoding="utf-8"?>
 <ds:datastoreItem xmlns:ds="http://schemas.openxmlformats.org/officeDocument/2006/customXml" ds:itemID="{356E3D99-BE40-4EAC-A6C1-6B612678EA9D}">
   <ds:schemaRefs>
     <ds:schemaRef ds:uri="http://schemas.microsoft.com/VisualStudio/2011/storyboarding/control"/>
@@ -29325,183 +30579,7 @@
 </ds:datastoreItem>
 </file>
 
-<file path=customXml/itemProps221.xml><?xml version="1.0" encoding="utf-8"?>
-<ds:datastoreItem xmlns:ds="http://schemas.openxmlformats.org/officeDocument/2006/customXml" ds:itemID="{E365656C-FD98-42DE-B12C-6E9701BB8103}">
-  <ds:schemaRefs>
-    <ds:schemaRef ds:uri="http://schemas.microsoft.com/VisualStudio/2011/storyboarding/control"/>
-  </ds:schemaRefs>
-</ds:datastoreItem>
-</file>
-
-<file path=customXml/itemProps222.xml><?xml version="1.0" encoding="utf-8"?>
-<ds:datastoreItem xmlns:ds="http://schemas.openxmlformats.org/officeDocument/2006/customXml" ds:itemID="{452A5613-1F1F-4ABC-81F7-3303A828A0B8}">
-  <ds:schemaRefs>
-    <ds:schemaRef ds:uri="http://schemas.microsoft.com/VisualStudio/2011/storyboarding/control"/>
-  </ds:schemaRefs>
-</ds:datastoreItem>
-</file>
-
-<file path=customXml/itemProps223.xml><?xml version="1.0" encoding="utf-8"?>
-<ds:datastoreItem xmlns:ds="http://schemas.openxmlformats.org/officeDocument/2006/customXml" ds:itemID="{F8FA2D94-E06D-4220-BA47-2995FB7C8D12}">
-  <ds:schemaRefs>
-    <ds:schemaRef ds:uri="http://schemas.microsoft.com/VisualStudio/2011/storyboarding/control"/>
-  </ds:schemaRefs>
-</ds:datastoreItem>
-</file>
-
-<file path=customXml/itemProps224.xml><?xml version="1.0" encoding="utf-8"?>
-<ds:datastoreItem xmlns:ds="http://schemas.openxmlformats.org/officeDocument/2006/customXml" ds:itemID="{387D2E86-F190-4CEF-A687-BC810EFEE0E5}">
-  <ds:schemaRefs>
-    <ds:schemaRef ds:uri="http://schemas.microsoft.com/VisualStudio/2011/storyboarding/control"/>
-  </ds:schemaRefs>
-</ds:datastoreItem>
-</file>
-
-<file path=customXml/itemProps225.xml><?xml version="1.0" encoding="utf-8"?>
-<ds:datastoreItem xmlns:ds="http://schemas.openxmlformats.org/officeDocument/2006/customXml" ds:itemID="{5B9963A3-3AC0-4145-B224-2FDB1D50D8CF}">
-  <ds:schemaRefs>
-    <ds:schemaRef ds:uri="http://schemas.microsoft.com/VisualStudio/2011/storyboarding/control"/>
-  </ds:schemaRefs>
-</ds:datastoreItem>
-</file>
-
-<file path=customXml/itemProps226.xml><?xml version="1.0" encoding="utf-8"?>
-<ds:datastoreItem xmlns:ds="http://schemas.openxmlformats.org/officeDocument/2006/customXml" ds:itemID="{3BB98DE0-C029-4931-AD22-9DDCE0A7F55B}">
-  <ds:schemaRefs>
-    <ds:schemaRef ds:uri="http://schemas.microsoft.com/VisualStudio/2011/storyboarding/control"/>
-  </ds:schemaRefs>
-</ds:datastoreItem>
-</file>
-
-<file path=customXml/itemProps227.xml><?xml version="1.0" encoding="utf-8"?>
-<ds:datastoreItem xmlns:ds="http://schemas.openxmlformats.org/officeDocument/2006/customXml" ds:itemID="{2479DC2C-EF0B-41AF-B612-40020B463D9B}">
-  <ds:schemaRefs>
-    <ds:schemaRef ds:uri="http://schemas.microsoft.com/VisualStudio/2011/storyboarding/control"/>
-  </ds:schemaRefs>
-</ds:datastoreItem>
-</file>
-
-<file path=customXml/itemProps228.xml><?xml version="1.0" encoding="utf-8"?>
-<ds:datastoreItem xmlns:ds="http://schemas.openxmlformats.org/officeDocument/2006/customXml" ds:itemID="{40F569EB-8ABB-4446-9E42-226E6AA99E71}">
-  <ds:schemaRefs>
-    <ds:schemaRef ds:uri="http://schemas.microsoft.com/VisualStudio/2011/storyboarding/control"/>
-  </ds:schemaRefs>
-</ds:datastoreItem>
-</file>
-
-<file path=customXml/itemProps229.xml><?xml version="1.0" encoding="utf-8"?>
-<ds:datastoreItem xmlns:ds="http://schemas.openxmlformats.org/officeDocument/2006/customXml" ds:itemID="{77674E22-E958-4C98-881E-833176FE57EF}">
-  <ds:schemaRefs>
-    <ds:schemaRef ds:uri="http://schemas.microsoft.com/VisualStudio/2011/storyboarding/control"/>
-  </ds:schemaRefs>
-</ds:datastoreItem>
-</file>
-
-<file path=customXml/itemProps23.xml><?xml version="1.0" encoding="utf-8"?>
-<ds:datastoreItem xmlns:ds="http://schemas.openxmlformats.org/officeDocument/2006/customXml" ds:itemID="{2227405F-AD2B-44C3-ADF8-746334825D1B}">
-  <ds:schemaRefs>
-    <ds:schemaRef ds:uri="http://schemas.microsoft.com/VisualStudio/2011/storyboarding/control"/>
-  </ds:schemaRefs>
-</ds:datastoreItem>
-</file>
-
-<file path=customXml/itemProps230.xml><?xml version="1.0" encoding="utf-8"?>
-<ds:datastoreItem xmlns:ds="http://schemas.openxmlformats.org/officeDocument/2006/customXml" ds:itemID="{113CC0A4-04F5-4B9D-A17B-5C03BA1F3CAC}">
-  <ds:schemaRefs>
-    <ds:schemaRef ds:uri="http://schemas.microsoft.com/VisualStudio/2011/storyboarding/control"/>
-  </ds:schemaRefs>
-</ds:datastoreItem>
-</file>
-
-<file path=customXml/itemProps231.xml><?xml version="1.0" encoding="utf-8"?>
-<ds:datastoreItem xmlns:ds="http://schemas.openxmlformats.org/officeDocument/2006/customXml" ds:itemID="{6D348E8A-0011-403D-B403-2D791AB6B29D}">
-  <ds:schemaRefs>
-    <ds:schemaRef ds:uri="http://schemas.microsoft.com/VisualStudio/2011/storyboarding/control"/>
-  </ds:schemaRefs>
-</ds:datastoreItem>
-</file>
-
-<file path=customXml/itemProps232.xml><?xml version="1.0" encoding="utf-8"?>
-<ds:datastoreItem xmlns:ds="http://schemas.openxmlformats.org/officeDocument/2006/customXml" ds:itemID="{0ACD7F9E-6922-401E-AD61-6FDDCBE9BAA8}">
-  <ds:schemaRefs>
-    <ds:schemaRef ds:uri="http://schemas.microsoft.com/VisualStudio/2011/storyboarding/control"/>
-  </ds:schemaRefs>
-</ds:datastoreItem>
-</file>
-
-<file path=customXml/itemProps233.xml><?xml version="1.0" encoding="utf-8"?>
-<ds:datastoreItem xmlns:ds="http://schemas.openxmlformats.org/officeDocument/2006/customXml" ds:itemID="{DB6E0612-8B1D-4BE3-AC72-D821C426DE75}">
-  <ds:schemaRefs>
-    <ds:schemaRef ds:uri="http://schemas.microsoft.com/VisualStudio/2011/storyboarding/control"/>
-  </ds:schemaRefs>
-</ds:datastoreItem>
-</file>
-
-<file path=customXml/itemProps234.xml><?xml version="1.0" encoding="utf-8"?>
-<ds:datastoreItem xmlns:ds="http://schemas.openxmlformats.org/officeDocument/2006/customXml" ds:itemID="{D1D581BF-65A6-451F-B562-28FFFDB17EBE}">
-  <ds:schemaRefs>
-    <ds:schemaRef ds:uri="http://schemas.microsoft.com/VisualStudio/2011/storyboarding/control"/>
-  </ds:schemaRefs>
-</ds:datastoreItem>
-</file>
-
-<file path=customXml/itemProps235.xml><?xml version="1.0" encoding="utf-8"?>
-<ds:datastoreItem xmlns:ds="http://schemas.openxmlformats.org/officeDocument/2006/customXml" ds:itemID="{5F6A41BF-2E92-4F14-BAD8-36D53D1258B9}">
-  <ds:schemaRefs>
-    <ds:schemaRef ds:uri="http://schemas.microsoft.com/VisualStudio/2011/storyboarding/control"/>
-  </ds:schemaRefs>
-</ds:datastoreItem>
-</file>
-
-<file path=customXml/itemProps236.xml><?xml version="1.0" encoding="utf-8"?>
-<ds:datastoreItem xmlns:ds="http://schemas.openxmlformats.org/officeDocument/2006/customXml" ds:itemID="{7370362F-DF9E-4D13-86A6-8D6D39B4B8E3}">
-  <ds:schemaRefs>
-    <ds:schemaRef ds:uri="http://schemas.microsoft.com/VisualStudio/2011/storyboarding/control"/>
-  </ds:schemaRefs>
-</ds:datastoreItem>
-</file>
-
-<file path=customXml/itemProps237.xml><?xml version="1.0" encoding="utf-8"?>
-<ds:datastoreItem xmlns:ds="http://schemas.openxmlformats.org/officeDocument/2006/customXml" ds:itemID="{CB60C352-926D-4B06-8BE1-EF0755110463}">
-  <ds:schemaRefs>
-    <ds:schemaRef ds:uri="http://schemas.microsoft.com/VisualStudio/2011/storyboarding/control"/>
-  </ds:schemaRefs>
-</ds:datastoreItem>
-</file>
-
-<file path=customXml/itemProps238.xml><?xml version="1.0" encoding="utf-8"?>
-<ds:datastoreItem xmlns:ds="http://schemas.openxmlformats.org/officeDocument/2006/customXml" ds:itemID="{998411DF-88EB-4820-BD6A-310BD2399BD0}">
-  <ds:schemaRefs>
-    <ds:schemaRef ds:uri="http://schemas.microsoft.com/VisualStudio/2011/storyboarding/control"/>
-  </ds:schemaRefs>
-</ds:datastoreItem>
-</file>
-
-<file path=customXml/itemProps239.xml><?xml version="1.0" encoding="utf-8"?>
-<ds:datastoreItem xmlns:ds="http://schemas.openxmlformats.org/officeDocument/2006/customXml" ds:itemID="{79F4C3AA-101F-4B48-BC66-EB35454CC9AD}">
-  <ds:schemaRefs>
-    <ds:schemaRef ds:uri="http://schemas.microsoft.com/VisualStudio/2011/storyboarding/control"/>
-  </ds:schemaRefs>
-</ds:datastoreItem>
-</file>
-
-<file path=customXml/itemProps24.xml><?xml version="1.0" encoding="utf-8"?>
-<ds:datastoreItem xmlns:ds="http://schemas.openxmlformats.org/officeDocument/2006/customXml" ds:itemID="{9BC0CB4D-BF5E-434C-A27C-66597D46EEDF}">
-  <ds:schemaRefs>
-    <ds:schemaRef ds:uri="http://schemas.microsoft.com/VisualStudio/2011/storyboarding/control"/>
-  </ds:schemaRefs>
-</ds:datastoreItem>
-</file>
-
-<file path=customXml/itemProps240.xml><?xml version="1.0" encoding="utf-8"?>
-<ds:datastoreItem xmlns:ds="http://schemas.openxmlformats.org/officeDocument/2006/customXml" ds:itemID="{360AAA09-4D6B-4080-966E-6CECA704A0AD}">
-  <ds:schemaRefs>
-    <ds:schemaRef ds:uri="http://schemas.microsoft.com/VisualStudio/2011/storyboarding/control"/>
-  </ds:schemaRefs>
-</ds:datastoreItem>
-</file>
-
-<file path=customXml/itemProps241.xml><?xml version="1.0" encoding="utf-8"?>
+<file path=customXml/itemProps88.xml><?xml version="1.0" encoding="utf-8"?>
 <ds:datastoreItem xmlns:ds="http://schemas.openxmlformats.org/officeDocument/2006/customXml" ds:itemID="{2E5FE19B-9A80-42C7-8803-75C5FE2C8E38}">
   <ds:schemaRefs>
     <ds:schemaRef ds:uri="http://schemas.microsoft.com/VisualStudio/2011/storyboarding/control"/>
@@ -29509,183 +30587,39 @@
 </ds:datastoreItem>
 </file>
 
-<file path=customXml/itemProps242.xml><?xml version="1.0" encoding="utf-8"?>
-<ds:datastoreItem xmlns:ds="http://schemas.openxmlformats.org/officeDocument/2006/customXml" ds:itemID="{E7073ACC-ED47-46EB-93A2-943D352CC737}">
+<file path=customXml/itemProps89.xml><?xml version="1.0" encoding="utf-8"?>
+<ds:datastoreItem xmlns:ds="http://schemas.openxmlformats.org/officeDocument/2006/customXml" ds:itemID="{D176A5CA-84F0-42CF-AE7E-D9B7ED1985C2}">
   <ds:schemaRefs>
     <ds:schemaRef ds:uri="http://schemas.microsoft.com/VisualStudio/2011/storyboarding/control"/>
   </ds:schemaRefs>
 </ds:datastoreItem>
 </file>
 
-<file path=customXml/itemProps243.xml><?xml version="1.0" encoding="utf-8"?>
-<ds:datastoreItem xmlns:ds="http://schemas.openxmlformats.org/officeDocument/2006/customXml" ds:itemID="{ACC1D029-4DA6-4263-8BB1-54527B14416B}">
+<file path=customXml/itemProps9.xml><?xml version="1.0" encoding="utf-8"?>
+<ds:datastoreItem xmlns:ds="http://schemas.openxmlformats.org/officeDocument/2006/customXml" ds:itemID="{9ABA7AF9-7AD4-473E-89F4-BC38F2B1F276}">
   <ds:schemaRefs>
     <ds:schemaRef ds:uri="http://schemas.microsoft.com/VisualStudio/2011/storyboarding/control"/>
   </ds:schemaRefs>
 </ds:datastoreItem>
 </file>
 
-<file path=customXml/itemProps244.xml><?xml version="1.0" encoding="utf-8"?>
-<ds:datastoreItem xmlns:ds="http://schemas.openxmlformats.org/officeDocument/2006/customXml" ds:itemID="{64E59FFC-D8D8-4E52-B11B-0543A90F6B8E}">
+<file path=customXml/itemProps90.xml><?xml version="1.0" encoding="utf-8"?>
+<ds:datastoreItem xmlns:ds="http://schemas.openxmlformats.org/officeDocument/2006/customXml" ds:itemID="{6D29AD73-E6E7-41AD-BD08-29640567C1E3}">
   <ds:schemaRefs>
     <ds:schemaRef ds:uri="http://schemas.microsoft.com/VisualStudio/2011/storyboarding/control"/>
   </ds:schemaRefs>
 </ds:datastoreItem>
 </file>
 
-<file path=customXml/itemProps245.xml><?xml version="1.0" encoding="utf-8"?>
-<ds:datastoreItem xmlns:ds="http://schemas.openxmlformats.org/officeDocument/2006/customXml" ds:itemID="{6DD2B541-6C60-4151-B23B-67CDB2C810F8}">
+<file path=customXml/itemProps91.xml><?xml version="1.0" encoding="utf-8"?>
+<ds:datastoreItem xmlns:ds="http://schemas.openxmlformats.org/officeDocument/2006/customXml" ds:itemID="{C69813E6-399E-4343-9AE6-3037FDA52C95}">
   <ds:schemaRefs>
     <ds:schemaRef ds:uri="http://schemas.microsoft.com/VisualStudio/2011/storyboarding/control"/>
   </ds:schemaRefs>
 </ds:datastoreItem>
 </file>
 
-<file path=customXml/itemProps246.xml><?xml version="1.0" encoding="utf-8"?>
-<ds:datastoreItem xmlns:ds="http://schemas.openxmlformats.org/officeDocument/2006/customXml" ds:itemID="{16EAB064-496F-4B1C-BA3B-C699F7502928}">
-  <ds:schemaRefs>
-    <ds:schemaRef ds:uri="http://schemas.microsoft.com/VisualStudio/2011/storyboarding/control"/>
-  </ds:schemaRefs>
-</ds:datastoreItem>
-</file>
-
-<file path=customXml/itemProps247.xml><?xml version="1.0" encoding="utf-8"?>
-<ds:datastoreItem xmlns:ds="http://schemas.openxmlformats.org/officeDocument/2006/customXml" ds:itemID="{B174ADE3-21E2-481C-8E8A-011947EAD38E}">
-  <ds:schemaRefs>
-    <ds:schemaRef ds:uri="http://schemas.microsoft.com/VisualStudio/2011/storyboarding/control"/>
-  </ds:schemaRefs>
-</ds:datastoreItem>
-</file>
-
-<file path=customXml/itemProps248.xml><?xml version="1.0" encoding="utf-8"?>
-<ds:datastoreItem xmlns:ds="http://schemas.openxmlformats.org/officeDocument/2006/customXml" ds:itemID="{A72FA915-E35F-4234-A403-255F8B6BF53C}">
-  <ds:schemaRefs>
-    <ds:schemaRef ds:uri="http://schemas.microsoft.com/VisualStudio/2011/storyboarding/control"/>
-  </ds:schemaRefs>
-</ds:datastoreItem>
-</file>
-
-<file path=customXml/itemProps249.xml><?xml version="1.0" encoding="utf-8"?>
-<ds:datastoreItem xmlns:ds="http://schemas.openxmlformats.org/officeDocument/2006/customXml" ds:itemID="{7D83CF62-C030-46A5-BB42-EA6E29EB49F5}">
-  <ds:schemaRefs>
-    <ds:schemaRef ds:uri="http://schemas.microsoft.com/VisualStudio/2011/storyboarding/control"/>
-  </ds:schemaRefs>
-</ds:datastoreItem>
-</file>
-
-<file path=customXml/itemProps25.xml><?xml version="1.0" encoding="utf-8"?>
-<ds:datastoreItem xmlns:ds="http://schemas.openxmlformats.org/officeDocument/2006/customXml" ds:itemID="{4274C42F-63E9-49F9-B959-AD75845B8D07}">
-  <ds:schemaRefs>
-    <ds:schemaRef ds:uri="http://schemas.microsoft.com/VisualStudio/2011/storyboarding/control"/>
-  </ds:schemaRefs>
-</ds:datastoreItem>
-</file>
-
-<file path=customXml/itemProps250.xml><?xml version="1.0" encoding="utf-8"?>
-<ds:datastoreItem xmlns:ds="http://schemas.openxmlformats.org/officeDocument/2006/customXml" ds:itemID="{AA953C0C-C7E8-435A-942A-9B0F1C2CF485}">
-  <ds:schemaRefs>
-    <ds:schemaRef ds:uri="http://schemas.microsoft.com/VisualStudio/2011/storyboarding/control"/>
-  </ds:schemaRefs>
-</ds:datastoreItem>
-</file>
-
-<file path=customXml/itemProps251.xml><?xml version="1.0" encoding="utf-8"?>
-<ds:datastoreItem xmlns:ds="http://schemas.openxmlformats.org/officeDocument/2006/customXml" ds:itemID="{0026E863-1463-490E-A7C3-462BE194A97F}">
-  <ds:schemaRefs>
-    <ds:schemaRef ds:uri="http://schemas.microsoft.com/VisualStudio/2011/storyboarding/control"/>
-  </ds:schemaRefs>
-</ds:datastoreItem>
-</file>
-
-<file path=customXml/itemProps252.xml><?xml version="1.0" encoding="utf-8"?>
-<ds:datastoreItem xmlns:ds="http://schemas.openxmlformats.org/officeDocument/2006/customXml" ds:itemID="{052D3153-F81F-47D0-946E-5920405FFC24}">
-  <ds:schemaRefs>
-    <ds:schemaRef ds:uri="http://schemas.microsoft.com/VisualStudio/2011/storyboarding/control"/>
-  </ds:schemaRefs>
-</ds:datastoreItem>
-</file>
-
-<file path=customXml/itemProps253.xml><?xml version="1.0" encoding="utf-8"?>
-<ds:datastoreItem xmlns:ds="http://schemas.openxmlformats.org/officeDocument/2006/customXml" ds:itemID="{2814AD4B-2F19-4F35-8A58-D8242B0ACE47}">
-  <ds:schemaRefs>
-    <ds:schemaRef ds:uri="http://schemas.microsoft.com/VisualStudio/2011/storyboarding/control"/>
-  </ds:schemaRefs>
-</ds:datastoreItem>
-</file>
-
-<file path=customXml/itemProps254.xml><?xml version="1.0" encoding="utf-8"?>
-<ds:datastoreItem xmlns:ds="http://schemas.openxmlformats.org/officeDocument/2006/customXml" ds:itemID="{51E7E7C7-3695-4277-9E7A-A34209D6DE42}">
-  <ds:schemaRefs>
-    <ds:schemaRef ds:uri="http://schemas.microsoft.com/VisualStudio/2011/storyboarding/control"/>
-  </ds:schemaRefs>
-</ds:datastoreItem>
-</file>
-
-<file path=customXml/itemProps255.xml><?xml version="1.0" encoding="utf-8"?>
-<ds:datastoreItem xmlns:ds="http://schemas.openxmlformats.org/officeDocument/2006/customXml" ds:itemID="{F43A8394-35B7-4FC2-9A02-D6D8AE850C46}">
-  <ds:schemaRefs>
-    <ds:schemaRef ds:uri="http://schemas.microsoft.com/VisualStudio/2011/storyboarding/control"/>
-  </ds:schemaRefs>
-</ds:datastoreItem>
-</file>
-
-<file path=customXml/itemProps256.xml><?xml version="1.0" encoding="utf-8"?>
-<ds:datastoreItem xmlns:ds="http://schemas.openxmlformats.org/officeDocument/2006/customXml" ds:itemID="{3460344E-D266-403C-A85A-FBB6CE579F2C}">
-  <ds:schemaRefs>
-    <ds:schemaRef ds:uri="http://schemas.microsoft.com/VisualStudio/2011/storyboarding/control"/>
-  </ds:schemaRefs>
-</ds:datastoreItem>
-</file>
-
-<file path=customXml/itemProps257.xml><?xml version="1.0" encoding="utf-8"?>
-<ds:datastoreItem xmlns:ds="http://schemas.openxmlformats.org/officeDocument/2006/customXml" ds:itemID="{7237F07E-A930-4D5B-AB6B-A69936D64469}">
-  <ds:schemaRefs>
-    <ds:schemaRef ds:uri="http://schemas.microsoft.com/VisualStudio/2011/storyboarding/control"/>
-  </ds:schemaRefs>
-</ds:datastoreItem>
-</file>
-
-<file path=customXml/itemProps258.xml><?xml version="1.0" encoding="utf-8"?>
-<ds:datastoreItem xmlns:ds="http://schemas.openxmlformats.org/officeDocument/2006/customXml" ds:itemID="{5556FE01-90D7-4920-A96A-8D15FC962703}">
-  <ds:schemaRefs>
-    <ds:schemaRef ds:uri="http://schemas.microsoft.com/VisualStudio/2011/storyboarding/control"/>
-  </ds:schemaRefs>
-</ds:datastoreItem>
-</file>
-
-<file path=customXml/itemProps259.xml><?xml version="1.0" encoding="utf-8"?>
-<ds:datastoreItem xmlns:ds="http://schemas.openxmlformats.org/officeDocument/2006/customXml" ds:itemID="{916637F0-59B8-45B1-A013-C6D7D7F87CDE}">
-  <ds:schemaRefs>
-    <ds:schemaRef ds:uri="http://schemas.microsoft.com/VisualStudio/2011/storyboarding/control"/>
-  </ds:schemaRefs>
-</ds:datastoreItem>
-</file>
-
-<file path=customXml/itemProps26.xml><?xml version="1.0" encoding="utf-8"?>
-<ds:datastoreItem xmlns:ds="http://schemas.openxmlformats.org/officeDocument/2006/customXml" ds:itemID="{8FFBA1EB-8640-41D3-90AB-ABBFC6BE36B9}">
-  <ds:schemaRefs>
-    <ds:schemaRef ds:uri="http://schemas.microsoft.com/VisualStudio/2011/storyboarding/control"/>
-  </ds:schemaRefs>
-</ds:datastoreItem>
-</file>
-
-<file path=customXml/itemProps260.xml><?xml version="1.0" encoding="utf-8"?>
-<ds:datastoreItem xmlns:ds="http://schemas.openxmlformats.org/officeDocument/2006/customXml" ds:itemID="{0F678DC3-7A11-4960-98D1-2284A12D1CFC}">
-  <ds:schemaRefs>
-    <ds:schemaRef ds:uri="http://schemas.microsoft.com/VisualStudio/2011/storyboarding/control"/>
-  </ds:schemaRefs>
-</ds:datastoreItem>
-</file>
-
-<file path=customXml/itemProps261.xml><?xml version="1.0" encoding="utf-8"?>
-<ds:datastoreItem xmlns:ds="http://schemas.openxmlformats.org/officeDocument/2006/customXml" ds:itemID="{F2E2DD80-6264-46C6-8166-945CA6960AF7}">
-  <ds:schemaRefs>
-    <ds:schemaRef ds:uri="http://schemas.microsoft.com/VisualStudio/2011/storyboarding/control"/>
-  </ds:schemaRefs>
-</ds:datastoreItem>
-</file>
-
-<file path=customXml/itemProps262.xml><?xml version="1.0" encoding="utf-8"?>
+<file path=customXml/itemProps92.xml><?xml version="1.0" encoding="utf-8"?>
 <ds:datastoreItem xmlns:ds="http://schemas.openxmlformats.org/officeDocument/2006/customXml" ds:itemID="{004B09A5-32AD-4CCB-8361-A2EF01A5A068}">
   <ds:schemaRefs>
     <ds:schemaRef ds:uri="http://schemas.microsoft.com/VisualStudio/2011/storyboarding/control"/>
@@ -29693,183 +30627,7 @@
 </ds:datastoreItem>
 </file>
 
-<file path=customXml/itemProps263.xml><?xml version="1.0" encoding="utf-8"?>
-<ds:datastoreItem xmlns:ds="http://schemas.openxmlformats.org/officeDocument/2006/customXml" ds:itemID="{42202DCE-A05C-4F65-B84A-0A0834D65E33}">
-  <ds:schemaRefs>
-    <ds:schemaRef ds:uri="http://schemas.microsoft.com/VisualStudio/2011/storyboarding/control"/>
-  </ds:schemaRefs>
-</ds:datastoreItem>
-</file>
-
-<file path=customXml/itemProps264.xml><?xml version="1.0" encoding="utf-8"?>
-<ds:datastoreItem xmlns:ds="http://schemas.openxmlformats.org/officeDocument/2006/customXml" ds:itemID="{883EAB1A-18F1-41A1-87DF-62F639BB46CC}">
-  <ds:schemaRefs>
-    <ds:schemaRef ds:uri="http://schemas.microsoft.com/VisualStudio/2011/storyboarding/control"/>
-  </ds:schemaRefs>
-</ds:datastoreItem>
-</file>
-
-<file path=customXml/itemProps265.xml><?xml version="1.0" encoding="utf-8"?>
-<ds:datastoreItem xmlns:ds="http://schemas.openxmlformats.org/officeDocument/2006/customXml" ds:itemID="{1DA6B2D5-7BA3-4219-AB02-3698109D5106}">
-  <ds:schemaRefs>
-    <ds:schemaRef ds:uri="http://schemas.microsoft.com/VisualStudio/2011/storyboarding/control"/>
-  </ds:schemaRefs>
-</ds:datastoreItem>
-</file>
-
-<file path=customXml/itemProps266.xml><?xml version="1.0" encoding="utf-8"?>
-<ds:datastoreItem xmlns:ds="http://schemas.openxmlformats.org/officeDocument/2006/customXml" ds:itemID="{E24D2A77-108A-4A6C-B757-97D779AC67C4}">
-  <ds:schemaRefs>
-    <ds:schemaRef ds:uri="http://schemas.microsoft.com/VisualStudio/2011/storyboarding/control"/>
-  </ds:schemaRefs>
-</ds:datastoreItem>
-</file>
-
-<file path=customXml/itemProps267.xml><?xml version="1.0" encoding="utf-8"?>
-<ds:datastoreItem xmlns:ds="http://schemas.openxmlformats.org/officeDocument/2006/customXml" ds:itemID="{699876C8-5F05-460B-B233-E045E47E7AB5}">
-  <ds:schemaRefs>
-    <ds:schemaRef ds:uri="http://schemas.microsoft.com/VisualStudio/2011/storyboarding/control"/>
-  </ds:schemaRefs>
-</ds:datastoreItem>
-</file>
-
-<file path=customXml/itemProps268.xml><?xml version="1.0" encoding="utf-8"?>
-<ds:datastoreItem xmlns:ds="http://schemas.openxmlformats.org/officeDocument/2006/customXml" ds:itemID="{83C7B5A9-0530-46C6-A850-347D2AC04604}">
-  <ds:schemaRefs>
-    <ds:schemaRef ds:uri="http://schemas.microsoft.com/VisualStudio/2011/storyboarding/control"/>
-  </ds:schemaRefs>
-</ds:datastoreItem>
-</file>
-
-<file path=customXml/itemProps269.xml><?xml version="1.0" encoding="utf-8"?>
-<ds:datastoreItem xmlns:ds="http://schemas.openxmlformats.org/officeDocument/2006/customXml" ds:itemID="{14BE62A8-EAD0-4F5F-934A-B09BF3770FF9}">
-  <ds:schemaRefs>
-    <ds:schemaRef ds:uri="http://schemas.microsoft.com/VisualStudio/2011/storyboarding/control"/>
-  </ds:schemaRefs>
-</ds:datastoreItem>
-</file>
-
-<file path=customXml/itemProps27.xml><?xml version="1.0" encoding="utf-8"?>
-<ds:datastoreItem xmlns:ds="http://schemas.openxmlformats.org/officeDocument/2006/customXml" ds:itemID="{3A7AE35B-4D50-4165-940D-B3B720020BD4}">
-  <ds:schemaRefs>
-    <ds:schemaRef ds:uri="http://schemas.microsoft.com/VisualStudio/2011/storyboarding/control"/>
-  </ds:schemaRefs>
-</ds:datastoreItem>
-</file>
-
-<file path=customXml/itemProps270.xml><?xml version="1.0" encoding="utf-8"?>
-<ds:datastoreItem xmlns:ds="http://schemas.openxmlformats.org/officeDocument/2006/customXml" ds:itemID="{8CAFE994-D574-4D5A-B645-2896E8079B39}">
-  <ds:schemaRefs>
-    <ds:schemaRef ds:uri="http://schemas.microsoft.com/VisualStudio/2011/storyboarding/control"/>
-  </ds:schemaRefs>
-</ds:datastoreItem>
-</file>
-
-<file path=customXml/itemProps271.xml><?xml version="1.0" encoding="utf-8"?>
-<ds:datastoreItem xmlns:ds="http://schemas.openxmlformats.org/officeDocument/2006/customXml" ds:itemID="{941A1568-B616-44B1-8AF5-A4ADE958EDAD}">
-  <ds:schemaRefs>
-    <ds:schemaRef ds:uri="http://schemas.microsoft.com/VisualStudio/2011/storyboarding/control"/>
-  </ds:schemaRefs>
-</ds:datastoreItem>
-</file>
-
-<file path=customXml/itemProps272.xml><?xml version="1.0" encoding="utf-8"?>
-<ds:datastoreItem xmlns:ds="http://schemas.openxmlformats.org/officeDocument/2006/customXml" ds:itemID="{38558D45-A683-41A1-B7BC-CA4F1C21FEAB}">
-  <ds:schemaRefs>
-    <ds:schemaRef ds:uri="http://schemas.microsoft.com/VisualStudio/2011/storyboarding/control"/>
-  </ds:schemaRefs>
-</ds:datastoreItem>
-</file>
-
-<file path=customXml/itemProps273.xml><?xml version="1.0" encoding="utf-8"?>
-<ds:datastoreItem xmlns:ds="http://schemas.openxmlformats.org/officeDocument/2006/customXml" ds:itemID="{DD049830-DA11-466E-A98B-41FD56DCE224}">
-  <ds:schemaRefs>
-    <ds:schemaRef ds:uri="http://schemas.microsoft.com/VisualStudio/2011/storyboarding/control"/>
-  </ds:schemaRefs>
-</ds:datastoreItem>
-</file>
-
-<file path=customXml/itemProps274.xml><?xml version="1.0" encoding="utf-8"?>
-<ds:datastoreItem xmlns:ds="http://schemas.openxmlformats.org/officeDocument/2006/customXml" ds:itemID="{DF927E49-054C-4B25-9106-DB8ED403AD7D}">
-  <ds:schemaRefs>
-    <ds:schemaRef ds:uri="http://schemas.microsoft.com/VisualStudio/2011/storyboarding/control"/>
-  </ds:schemaRefs>
-</ds:datastoreItem>
-</file>
-
-<file path=customXml/itemProps275.xml><?xml version="1.0" encoding="utf-8"?>
-<ds:datastoreItem xmlns:ds="http://schemas.openxmlformats.org/officeDocument/2006/customXml" ds:itemID="{DB4F9695-2BDE-47EC-BF8C-9433F25A92F2}">
-  <ds:schemaRefs>
-    <ds:schemaRef ds:uri="http://schemas.microsoft.com/VisualStudio/2011/storyboarding/control"/>
-  </ds:schemaRefs>
-</ds:datastoreItem>
-</file>
-
-<file path=customXml/itemProps276.xml><?xml version="1.0" encoding="utf-8"?>
-<ds:datastoreItem xmlns:ds="http://schemas.openxmlformats.org/officeDocument/2006/customXml" ds:itemID="{E5D1C59B-23A1-4B0D-8732-B4B1308359E8}">
-  <ds:schemaRefs>
-    <ds:schemaRef ds:uri="http://schemas.microsoft.com/VisualStudio/2011/storyboarding/control"/>
-  </ds:schemaRefs>
-</ds:datastoreItem>
-</file>
-
-<file path=customXml/itemProps277.xml><?xml version="1.0" encoding="utf-8"?>
-<ds:datastoreItem xmlns:ds="http://schemas.openxmlformats.org/officeDocument/2006/customXml" ds:itemID="{8FB016EA-60C1-4762-8FF2-7DE705E604F0}">
-  <ds:schemaRefs>
-    <ds:schemaRef ds:uri="http://schemas.microsoft.com/VisualStudio/2011/storyboarding/control"/>
-  </ds:schemaRefs>
-</ds:datastoreItem>
-</file>
-
-<file path=customXml/itemProps278.xml><?xml version="1.0" encoding="utf-8"?>
-<ds:datastoreItem xmlns:ds="http://schemas.openxmlformats.org/officeDocument/2006/customXml" ds:itemID="{DAF7154D-49A1-422C-9139-455DB6824320}">
-  <ds:schemaRefs>
-    <ds:schemaRef ds:uri="http://schemas.microsoft.com/VisualStudio/2011/storyboarding/control"/>
-  </ds:schemaRefs>
-</ds:datastoreItem>
-</file>
-
-<file path=customXml/itemProps279.xml><?xml version="1.0" encoding="utf-8"?>
-<ds:datastoreItem xmlns:ds="http://schemas.openxmlformats.org/officeDocument/2006/customXml" ds:itemID="{D0B805D5-5911-410C-B527-CFA9A2E9215E}">
-  <ds:schemaRefs>
-    <ds:schemaRef ds:uri="http://schemas.microsoft.com/VisualStudio/2011/storyboarding/control"/>
-  </ds:schemaRefs>
-</ds:datastoreItem>
-</file>
-
-<file path=customXml/itemProps28.xml><?xml version="1.0" encoding="utf-8"?>
-<ds:datastoreItem xmlns:ds="http://schemas.openxmlformats.org/officeDocument/2006/customXml" ds:itemID="{1AC0D00C-EC22-4539-8C6F-733758572347}">
-  <ds:schemaRefs>
-    <ds:schemaRef ds:uri="http://schemas.microsoft.com/VisualStudio/2011/storyboarding/control"/>
-  </ds:schemaRefs>
-</ds:datastoreItem>
-</file>
-
-<file path=customXml/itemProps280.xml><?xml version="1.0" encoding="utf-8"?>
-<ds:datastoreItem xmlns:ds="http://schemas.openxmlformats.org/officeDocument/2006/customXml" ds:itemID="{7B0DEA32-4718-4845-BA3D-96735C5901CA}">
-  <ds:schemaRefs>
-    <ds:schemaRef ds:uri="http://schemas.microsoft.com/VisualStudio/2011/storyboarding/control"/>
-  </ds:schemaRefs>
-</ds:datastoreItem>
-</file>
-
-<file path=customXml/itemProps281.xml><?xml version="1.0" encoding="utf-8"?>
-<ds:datastoreItem xmlns:ds="http://schemas.openxmlformats.org/officeDocument/2006/customXml" ds:itemID="{09905B2A-7A53-4F1C-B400-60354582C731}">
-  <ds:schemaRefs>
-    <ds:schemaRef ds:uri="http://schemas.microsoft.com/VisualStudio/2011/storyboarding/control"/>
-  </ds:schemaRefs>
-</ds:datastoreItem>
-</file>
-
-<file path=customXml/itemProps282.xml><?xml version="1.0" encoding="utf-8"?>
-<ds:datastoreItem xmlns:ds="http://schemas.openxmlformats.org/officeDocument/2006/customXml" ds:itemID="{F24428A1-0724-4C81-B1E7-B30B813E3551}">
-  <ds:schemaRefs>
-    <ds:schemaRef ds:uri="http://schemas.microsoft.com/VisualStudio/2011/storyboarding/control"/>
-  </ds:schemaRefs>
-</ds:datastoreItem>
-</file>
-
-<file path=customXml/itemProps283.xml><?xml version="1.0" encoding="utf-8"?>
+<file path=customXml/itemProps93.xml><?xml version="1.0" encoding="utf-8"?>
 <ds:datastoreItem xmlns:ds="http://schemas.openxmlformats.org/officeDocument/2006/customXml" ds:itemID="{A0A4739D-1067-47D0-95FE-525DC04CC418}">
   <ds:schemaRefs>
     <ds:schemaRef ds:uri="http://schemas.microsoft.com/VisualStudio/2011/storyboarding/control"/>
@@ -29877,623 +30635,7 @@
 </ds:datastoreItem>
 </file>
 
-<file path=customXml/itemProps284.xml><?xml version="1.0" encoding="utf-8"?>
-<ds:datastoreItem xmlns:ds="http://schemas.openxmlformats.org/officeDocument/2006/customXml" ds:itemID="{B61EEC1E-2199-42F9-BF79-C8F5F69EF85E}">
-  <ds:schemaRefs>
-    <ds:schemaRef ds:uri="http://schemas.microsoft.com/VisualStudio/2011/storyboarding/control"/>
-  </ds:schemaRefs>
-</ds:datastoreItem>
-</file>
-
-<file path=customXml/itemProps285.xml><?xml version="1.0" encoding="utf-8"?>
-<ds:datastoreItem xmlns:ds="http://schemas.openxmlformats.org/officeDocument/2006/customXml" ds:itemID="{B669F501-AEB5-49A8-B34E-D8CDF8FBB497}">
-  <ds:schemaRefs>
-    <ds:schemaRef ds:uri="http://schemas.microsoft.com/VisualStudio/2011/storyboarding/control"/>
-  </ds:schemaRefs>
-</ds:datastoreItem>
-</file>
-
-<file path=customXml/itemProps286.xml><?xml version="1.0" encoding="utf-8"?>
-<ds:datastoreItem xmlns:ds="http://schemas.openxmlformats.org/officeDocument/2006/customXml" ds:itemID="{BE60BF8C-B366-4015-AFC5-00DA9D5EE41E}">
-  <ds:schemaRefs>
-    <ds:schemaRef ds:uri="http://schemas.microsoft.com/VisualStudio/2011/storyboarding/control"/>
-  </ds:schemaRefs>
-</ds:datastoreItem>
-</file>
-
-<file path=customXml/itemProps287.xml><?xml version="1.0" encoding="utf-8"?>
-<ds:datastoreItem xmlns:ds="http://schemas.openxmlformats.org/officeDocument/2006/customXml" ds:itemID="{2E8AD9A9-60C6-455B-B9D1-03A11462F16E}">
-  <ds:schemaRefs>
-    <ds:schemaRef ds:uri="http://schemas.microsoft.com/VisualStudio/2011/storyboarding/control"/>
-  </ds:schemaRefs>
-</ds:datastoreItem>
-</file>
-
-<file path=customXml/itemProps288.xml><?xml version="1.0" encoding="utf-8"?>
-<ds:datastoreItem xmlns:ds="http://schemas.openxmlformats.org/officeDocument/2006/customXml" ds:itemID="{A14526C9-B49F-481F-9EEE-8607645EF9A7}">
-  <ds:schemaRefs>
-    <ds:schemaRef ds:uri="http://schemas.microsoft.com/VisualStudio/2011/storyboarding/control"/>
-  </ds:schemaRefs>
-</ds:datastoreItem>
-</file>
-
-<file path=customXml/itemProps289.xml><?xml version="1.0" encoding="utf-8"?>
-<ds:datastoreItem xmlns:ds="http://schemas.openxmlformats.org/officeDocument/2006/customXml" ds:itemID="{5C08525B-AE6F-48B6-B287-2C8026CEED11}">
-  <ds:schemaRefs>
-    <ds:schemaRef ds:uri="http://schemas.microsoft.com/VisualStudio/2011/storyboarding/control"/>
-  </ds:schemaRefs>
-</ds:datastoreItem>
-</file>
-
-<file path=customXml/itemProps29.xml><?xml version="1.0" encoding="utf-8"?>
-<ds:datastoreItem xmlns:ds="http://schemas.openxmlformats.org/officeDocument/2006/customXml" ds:itemID="{51CF4945-E817-4546-BC18-C7EFB8B5FC28}">
-  <ds:schemaRefs>
-    <ds:schemaRef ds:uri="http://schemas.microsoft.com/VisualStudio/2011/storyboarding/control"/>
-  </ds:schemaRefs>
-</ds:datastoreItem>
-</file>
-
-<file path=customXml/itemProps290.xml><?xml version="1.0" encoding="utf-8"?>
-<ds:datastoreItem xmlns:ds="http://schemas.openxmlformats.org/officeDocument/2006/customXml" ds:itemID="{704CF15B-5A3D-424C-9C26-639F7FE2B6A2}">
-  <ds:schemaRefs>
-    <ds:schemaRef ds:uri="http://schemas.microsoft.com/VisualStudio/2011/storyboarding/control"/>
-  </ds:schemaRefs>
-</ds:datastoreItem>
-</file>
-
-<file path=customXml/itemProps291.xml><?xml version="1.0" encoding="utf-8"?>
-<ds:datastoreItem xmlns:ds="http://schemas.openxmlformats.org/officeDocument/2006/customXml" ds:itemID="{7056F243-3525-4402-800F-27AEDE217892}">
-  <ds:schemaRefs>
-    <ds:schemaRef ds:uri="http://schemas.microsoft.com/VisualStudio/2011/storyboarding/control"/>
-  </ds:schemaRefs>
-</ds:datastoreItem>
-</file>
-
-<file path=customXml/itemProps292.xml><?xml version="1.0" encoding="utf-8"?>
-<ds:datastoreItem xmlns:ds="http://schemas.openxmlformats.org/officeDocument/2006/customXml" ds:itemID="{D500780A-E74C-4BCC-955A-7DF94634ED58}">
-  <ds:schemaRefs>
-    <ds:schemaRef ds:uri="http://schemas.microsoft.com/VisualStudio/2011/storyboarding/control"/>
-  </ds:schemaRefs>
-</ds:datastoreItem>
-</file>
-
-<file path=customXml/itemProps293.xml><?xml version="1.0" encoding="utf-8"?>
-<ds:datastoreItem xmlns:ds="http://schemas.openxmlformats.org/officeDocument/2006/customXml" ds:itemID="{74E1FA7F-A4B5-484B-929E-6F02BB83131C}">
-  <ds:schemaRefs>
-    <ds:schemaRef ds:uri="http://schemas.microsoft.com/VisualStudio/2011/storyboarding/control"/>
-  </ds:schemaRefs>
-</ds:datastoreItem>
-</file>
-
-<file path=customXml/itemProps294.xml><?xml version="1.0" encoding="utf-8"?>
-<ds:datastoreItem xmlns:ds="http://schemas.openxmlformats.org/officeDocument/2006/customXml" ds:itemID="{341B9A64-4A8F-4D0A-86B1-A62586318DED}">
-  <ds:schemaRefs>
-    <ds:schemaRef ds:uri="http://schemas.microsoft.com/VisualStudio/2011/storyboarding/control"/>
-  </ds:schemaRefs>
-</ds:datastoreItem>
-</file>
-
-<file path=customXml/itemProps295.xml><?xml version="1.0" encoding="utf-8"?>
-<ds:datastoreItem xmlns:ds="http://schemas.openxmlformats.org/officeDocument/2006/customXml" ds:itemID="{06502709-2BA4-4151-8001-D5AACDC263EE}">
-  <ds:schemaRefs>
-    <ds:schemaRef ds:uri="http://schemas.microsoft.com/VisualStudio/2011/storyboarding/control"/>
-  </ds:schemaRefs>
-</ds:datastoreItem>
-</file>
-
-<file path=customXml/itemProps296.xml><?xml version="1.0" encoding="utf-8"?>
-<ds:datastoreItem xmlns:ds="http://schemas.openxmlformats.org/officeDocument/2006/customXml" ds:itemID="{C2FDD86D-B019-47EC-8742-0E3661BB3F30}">
-  <ds:schemaRefs>
-    <ds:schemaRef ds:uri="http://schemas.microsoft.com/VisualStudio/2011/storyboarding/control"/>
-  </ds:schemaRefs>
-</ds:datastoreItem>
-</file>
-
-<file path=customXml/itemProps297.xml><?xml version="1.0" encoding="utf-8"?>
-<ds:datastoreItem xmlns:ds="http://schemas.openxmlformats.org/officeDocument/2006/customXml" ds:itemID="{58C35028-5CF9-4C74-BFCD-437163455DA4}">
-  <ds:schemaRefs>
-    <ds:schemaRef ds:uri="http://schemas.microsoft.com/VisualStudio/2011/storyboarding/control"/>
-  </ds:schemaRefs>
-</ds:datastoreItem>
-</file>
-
-<file path=customXml/itemProps298.xml><?xml version="1.0" encoding="utf-8"?>
-<ds:datastoreItem xmlns:ds="http://schemas.openxmlformats.org/officeDocument/2006/customXml" ds:itemID="{73CFC637-E0A4-430F-AF1C-69D891B1F8FC}">
-  <ds:schemaRefs>
-    <ds:schemaRef ds:uri="http://schemas.microsoft.com/VisualStudio/2011/storyboarding/control"/>
-  </ds:schemaRefs>
-</ds:datastoreItem>
-</file>
-
-<file path=customXml/itemProps299.xml><?xml version="1.0" encoding="utf-8"?>
-<ds:datastoreItem xmlns:ds="http://schemas.openxmlformats.org/officeDocument/2006/customXml" ds:itemID="{1BA76A90-19EE-4A02-BA01-6356B01DC32E}">
-  <ds:schemaRefs>
-    <ds:schemaRef ds:uri="http://schemas.microsoft.com/VisualStudio/2011/storyboarding/control"/>
-  </ds:schemaRefs>
-</ds:datastoreItem>
-</file>
-
-<file path=customXml/itemProps3.xml><?xml version="1.0" encoding="utf-8"?>
-<ds:datastoreItem xmlns:ds="http://schemas.openxmlformats.org/officeDocument/2006/customXml" ds:itemID="{FB0EC920-4B28-4D34-9084-542FA6ABA82C}">
-  <ds:schemaRefs>
-    <ds:schemaRef ds:uri="http://schemas.microsoft.com/VisualStudio/2011/storyboarding/control"/>
-  </ds:schemaRefs>
-</ds:datastoreItem>
-</file>
-
-<file path=customXml/itemProps30.xml><?xml version="1.0" encoding="utf-8"?>
-<ds:datastoreItem xmlns:ds="http://schemas.openxmlformats.org/officeDocument/2006/customXml" ds:itemID="{3A9E3F93-02A4-4356-BBC6-A7BD971C5367}">
-  <ds:schemaRefs>
-    <ds:schemaRef ds:uri="http://schemas.microsoft.com/VisualStudio/2011/storyboarding/control"/>
-  </ds:schemaRefs>
-</ds:datastoreItem>
-</file>
-
-<file path=customXml/itemProps300.xml><?xml version="1.0" encoding="utf-8"?>
-<ds:datastoreItem xmlns:ds="http://schemas.openxmlformats.org/officeDocument/2006/customXml" ds:itemID="{97E1D339-E6D5-4BF5-8B5C-160203B68484}">
-  <ds:schemaRefs>
-    <ds:schemaRef ds:uri="http://schemas.microsoft.com/VisualStudio/2011/storyboarding/control"/>
-  </ds:schemaRefs>
-</ds:datastoreItem>
-</file>
-
-<file path=customXml/itemProps301.xml><?xml version="1.0" encoding="utf-8"?>
-<ds:datastoreItem xmlns:ds="http://schemas.openxmlformats.org/officeDocument/2006/customXml" ds:itemID="{610BEE6F-4DB2-4D13-A1CB-C2C0E985407A}">
-  <ds:schemaRefs>
-    <ds:schemaRef ds:uri="http://schemas.microsoft.com/VisualStudio/2011/storyboarding/control"/>
-  </ds:schemaRefs>
-</ds:datastoreItem>
-</file>
-
-<file path=customXml/itemProps302.xml><?xml version="1.0" encoding="utf-8"?>
-<ds:datastoreItem xmlns:ds="http://schemas.openxmlformats.org/officeDocument/2006/customXml" ds:itemID="{548207B6-9ECB-4C71-9D88-A39393050720}">
-  <ds:schemaRefs>
-    <ds:schemaRef ds:uri="http://schemas.microsoft.com/VisualStudio/2011/storyboarding/control"/>
-  </ds:schemaRefs>
-</ds:datastoreItem>
-</file>
-
-<file path=customXml/itemProps303.xml><?xml version="1.0" encoding="utf-8"?>
-<ds:datastoreItem xmlns:ds="http://schemas.openxmlformats.org/officeDocument/2006/customXml" ds:itemID="{A57FB331-1A42-4197-A916-5DB1567728A7}">
-  <ds:schemaRefs>
-    <ds:schemaRef ds:uri="http://schemas.microsoft.com/VisualStudio/2011/storyboarding/control"/>
-  </ds:schemaRefs>
-</ds:datastoreItem>
-</file>
-
-<file path=customXml/itemProps304.xml><?xml version="1.0" encoding="utf-8"?>
-<ds:datastoreItem xmlns:ds="http://schemas.openxmlformats.org/officeDocument/2006/customXml" ds:itemID="{88C04483-D8EE-4FCA-A54F-704220F97EF8}">
-  <ds:schemaRefs>
-    <ds:schemaRef ds:uri="http://schemas.microsoft.com/VisualStudio/2011/storyboarding/control"/>
-  </ds:schemaRefs>
-</ds:datastoreItem>
-</file>
-
-<file path=customXml/itemProps305.xml><?xml version="1.0" encoding="utf-8"?>
-<ds:datastoreItem xmlns:ds="http://schemas.openxmlformats.org/officeDocument/2006/customXml" ds:itemID="{8CC35C90-6712-4C30-9C05-AE6A4B916E8A}">
-  <ds:schemaRefs>
-    <ds:schemaRef ds:uri="http://schemas.microsoft.com/VisualStudio/2011/storyboarding/control"/>
-  </ds:schemaRefs>
-</ds:datastoreItem>
-</file>
-
-<file path=customXml/itemProps306.xml><?xml version="1.0" encoding="utf-8"?>
-<ds:datastoreItem xmlns:ds="http://schemas.openxmlformats.org/officeDocument/2006/customXml" ds:itemID="{6395A4FB-8980-45B3-9877-951BA1240E53}">
-  <ds:schemaRefs>
-    <ds:schemaRef ds:uri="http://schemas.microsoft.com/VisualStudio/2011/storyboarding/control"/>
-  </ds:schemaRefs>
-</ds:datastoreItem>
-</file>
-
-<file path=customXml/itemProps31.xml><?xml version="1.0" encoding="utf-8"?>
-<ds:datastoreItem xmlns:ds="http://schemas.openxmlformats.org/officeDocument/2006/customXml" ds:itemID="{BA0988D9-08D5-4B0D-B2CA-AFA6A82BFB69}">
-  <ds:schemaRefs>
-    <ds:schemaRef ds:uri="http://schemas.microsoft.com/VisualStudio/2011/storyboarding/control"/>
-  </ds:schemaRefs>
-</ds:datastoreItem>
-</file>
-
-<file path=customXml/itemProps32.xml><?xml version="1.0" encoding="utf-8"?>
-<ds:datastoreItem xmlns:ds="http://schemas.openxmlformats.org/officeDocument/2006/customXml" ds:itemID="{DFF51E64-F6D6-46E3-9F94-C228DBA3CEF1}">
-  <ds:schemaRefs>
-    <ds:schemaRef ds:uri="http://schemas.microsoft.com/VisualStudio/2011/storyboarding/control"/>
-  </ds:schemaRefs>
-</ds:datastoreItem>
-</file>
-
-<file path=customXml/itemProps33.xml><?xml version="1.0" encoding="utf-8"?>
-<ds:datastoreItem xmlns:ds="http://schemas.openxmlformats.org/officeDocument/2006/customXml" ds:itemID="{2BAAA2D6-7765-4C4F-BDEB-43D40C441E62}">
-  <ds:schemaRefs>
-    <ds:schemaRef ds:uri="http://schemas.microsoft.com/VisualStudio/2011/storyboarding/control"/>
-  </ds:schemaRefs>
-</ds:datastoreItem>
-</file>
-
-<file path=customXml/itemProps34.xml><?xml version="1.0" encoding="utf-8"?>
-<ds:datastoreItem xmlns:ds="http://schemas.openxmlformats.org/officeDocument/2006/customXml" ds:itemID="{EFCD18D0-CBA1-4995-A8C6-F5F3C57B32F1}">
-  <ds:schemaRefs>
-    <ds:schemaRef ds:uri="http://schemas.microsoft.com/VisualStudio/2011/storyboarding/control"/>
-  </ds:schemaRefs>
-</ds:datastoreItem>
-</file>
-
-<file path=customXml/itemProps35.xml><?xml version="1.0" encoding="utf-8"?>
-<ds:datastoreItem xmlns:ds="http://schemas.openxmlformats.org/officeDocument/2006/customXml" ds:itemID="{CDFD8D22-8AC0-4F2F-AC24-E9009ABA608B}">
-  <ds:schemaRefs>
-    <ds:schemaRef ds:uri="http://schemas.microsoft.com/VisualStudio/2011/storyboarding/control"/>
-  </ds:schemaRefs>
-</ds:datastoreItem>
-</file>
-
-<file path=customXml/itemProps36.xml><?xml version="1.0" encoding="utf-8"?>
-<ds:datastoreItem xmlns:ds="http://schemas.openxmlformats.org/officeDocument/2006/customXml" ds:itemID="{6D29AD73-E6E7-41AD-BD08-29640567C1E3}">
-  <ds:schemaRefs>
-    <ds:schemaRef ds:uri="http://schemas.microsoft.com/VisualStudio/2011/storyboarding/control"/>
-  </ds:schemaRefs>
-</ds:datastoreItem>
-</file>
-
-<file path=customXml/itemProps37.xml><?xml version="1.0" encoding="utf-8"?>
-<ds:datastoreItem xmlns:ds="http://schemas.openxmlformats.org/officeDocument/2006/customXml" ds:itemID="{BF6D3440-7C7A-43AD-BDB6-DC5F6F28E620}">
-  <ds:schemaRefs>
-    <ds:schemaRef ds:uri="http://schemas.microsoft.com/VisualStudio/2011/storyboarding/control"/>
-  </ds:schemaRefs>
-</ds:datastoreItem>
-</file>
-
-<file path=customXml/itemProps38.xml><?xml version="1.0" encoding="utf-8"?>
-<ds:datastoreItem xmlns:ds="http://schemas.openxmlformats.org/officeDocument/2006/customXml" ds:itemID="{E9EE710E-B830-46E0-A3BB-509FE1DDDB22}">
-  <ds:schemaRefs>
-    <ds:schemaRef ds:uri="http://schemas.microsoft.com/VisualStudio/2011/storyboarding/control"/>
-  </ds:schemaRefs>
-</ds:datastoreItem>
-</file>
-
-<file path=customXml/itemProps39.xml><?xml version="1.0" encoding="utf-8"?>
-<ds:datastoreItem xmlns:ds="http://schemas.openxmlformats.org/officeDocument/2006/customXml" ds:itemID="{494ECD25-6B82-4D53-B271-88A3A6E803B2}">
-  <ds:schemaRefs>
-    <ds:schemaRef ds:uri="http://schemas.microsoft.com/VisualStudio/2011/storyboarding/control"/>
-  </ds:schemaRefs>
-</ds:datastoreItem>
-</file>
-
-<file path=customXml/itemProps4.xml><?xml version="1.0" encoding="utf-8"?>
-<ds:datastoreItem xmlns:ds="http://schemas.openxmlformats.org/officeDocument/2006/customXml" ds:itemID="{4F7D9023-B84C-4690-B99E-9FE4342EA97D}">
-  <ds:schemaRefs>
-    <ds:schemaRef ds:uri="http://schemas.microsoft.com/VisualStudio/2011/storyboarding/control"/>
-  </ds:schemaRefs>
-</ds:datastoreItem>
-</file>
-
-<file path=customXml/itemProps40.xml><?xml version="1.0" encoding="utf-8"?>
-<ds:datastoreItem xmlns:ds="http://schemas.openxmlformats.org/officeDocument/2006/customXml" ds:itemID="{66AC9233-048D-4EFE-BF75-1ED341665CE7}">
-  <ds:schemaRefs>
-    <ds:schemaRef ds:uri="http://schemas.microsoft.com/VisualStudio/2011/storyboarding/control"/>
-  </ds:schemaRefs>
-</ds:datastoreItem>
-</file>
-
-<file path=customXml/itemProps41.xml><?xml version="1.0" encoding="utf-8"?>
-<ds:datastoreItem xmlns:ds="http://schemas.openxmlformats.org/officeDocument/2006/customXml" ds:itemID="{F1D9FCA4-8CDD-4D03-8F9C-DD221191D711}">
-  <ds:schemaRefs>
-    <ds:schemaRef ds:uri="http://schemas.microsoft.com/VisualStudio/2011/storyboarding/control"/>
-  </ds:schemaRefs>
-</ds:datastoreItem>
-</file>
-
-<file path=customXml/itemProps42.xml><?xml version="1.0" encoding="utf-8"?>
-<ds:datastoreItem xmlns:ds="http://schemas.openxmlformats.org/officeDocument/2006/customXml" ds:itemID="{DF8F59E5-8CED-4A90-B010-FA66A3D20E9F}">
-  <ds:schemaRefs>
-    <ds:schemaRef ds:uri="http://schemas.microsoft.com/VisualStudio/2011/storyboarding/control"/>
-  </ds:schemaRefs>
-</ds:datastoreItem>
-</file>
-
-<file path=customXml/itemProps43.xml><?xml version="1.0" encoding="utf-8"?>
-<ds:datastoreItem xmlns:ds="http://schemas.openxmlformats.org/officeDocument/2006/customXml" ds:itemID="{0749C6AF-EB53-4E04-8A3A-54A96B76748B}">
-  <ds:schemaRefs>
-    <ds:schemaRef ds:uri="http://schemas.microsoft.com/VisualStudio/2011/storyboarding/control"/>
-  </ds:schemaRefs>
-</ds:datastoreItem>
-</file>
-
-<file path=customXml/itemProps44.xml><?xml version="1.0" encoding="utf-8"?>
-<ds:datastoreItem xmlns:ds="http://schemas.openxmlformats.org/officeDocument/2006/customXml" ds:itemID="{E9A7CC6E-A6F1-4DC6-9BA4-9DFB0519E177}">
-  <ds:schemaRefs>
-    <ds:schemaRef ds:uri="http://schemas.microsoft.com/VisualStudio/2011/storyboarding/control"/>
-  </ds:schemaRefs>
-</ds:datastoreItem>
-</file>
-
-<file path=customXml/itemProps45.xml><?xml version="1.0" encoding="utf-8"?>
-<ds:datastoreItem xmlns:ds="http://schemas.openxmlformats.org/officeDocument/2006/customXml" ds:itemID="{03561535-9EE9-4551-9A70-8E9DFFF8659C}">
-  <ds:schemaRefs>
-    <ds:schemaRef ds:uri="http://schemas.microsoft.com/VisualStudio/2011/storyboarding/control"/>
-  </ds:schemaRefs>
-</ds:datastoreItem>
-</file>
-
-<file path=customXml/itemProps46.xml><?xml version="1.0" encoding="utf-8"?>
-<ds:datastoreItem xmlns:ds="http://schemas.openxmlformats.org/officeDocument/2006/customXml" ds:itemID="{F36D2A4F-C360-49F8-A227-4F706FF4D9DF}">
-  <ds:schemaRefs>
-    <ds:schemaRef ds:uri="http://schemas.microsoft.com/VisualStudio/2011/storyboarding/control"/>
-  </ds:schemaRefs>
-</ds:datastoreItem>
-</file>
-
-<file path=customXml/itemProps47.xml><?xml version="1.0" encoding="utf-8"?>
-<ds:datastoreItem xmlns:ds="http://schemas.openxmlformats.org/officeDocument/2006/customXml" ds:itemID="{7C2B30D1-555D-4091-BB8B-70C3008E587D}">
-  <ds:schemaRefs>
-    <ds:schemaRef ds:uri="http://schemas.microsoft.com/VisualStudio/2011/storyboarding/control"/>
-  </ds:schemaRefs>
-</ds:datastoreItem>
-</file>
-
-<file path=customXml/itemProps48.xml><?xml version="1.0" encoding="utf-8"?>
-<ds:datastoreItem xmlns:ds="http://schemas.openxmlformats.org/officeDocument/2006/customXml" ds:itemID="{8491097D-3BEA-417B-9273-13DD25B61827}">
-  <ds:schemaRefs>
-    <ds:schemaRef ds:uri="http://schemas.microsoft.com/VisualStudio/2011/storyboarding/control"/>
-  </ds:schemaRefs>
-</ds:datastoreItem>
-</file>
-
-<file path=customXml/itemProps49.xml><?xml version="1.0" encoding="utf-8"?>
-<ds:datastoreItem xmlns:ds="http://schemas.openxmlformats.org/officeDocument/2006/customXml" ds:itemID="{399F0338-4F9A-433F-839E-BB1C565311C7}">
-  <ds:schemaRefs>
-    <ds:schemaRef ds:uri="http://schemas.microsoft.com/VisualStudio/2011/storyboarding/control"/>
-  </ds:schemaRefs>
-</ds:datastoreItem>
-</file>
-
-<file path=customXml/itemProps5.xml><?xml version="1.0" encoding="utf-8"?>
-<ds:datastoreItem xmlns:ds="http://schemas.openxmlformats.org/officeDocument/2006/customXml" ds:itemID="{38E201C7-010A-4037-8499-B871567E89FA}">
-  <ds:schemaRefs>
-    <ds:schemaRef ds:uri="http://schemas.microsoft.com/VisualStudio/2011/storyboarding/control"/>
-  </ds:schemaRefs>
-</ds:datastoreItem>
-</file>
-
-<file path=customXml/itemProps50.xml><?xml version="1.0" encoding="utf-8"?>
-<ds:datastoreItem xmlns:ds="http://schemas.openxmlformats.org/officeDocument/2006/customXml" ds:itemID="{02DC6A34-308E-4EE2-91CB-B65D8B5C5135}">
-  <ds:schemaRefs>
-    <ds:schemaRef ds:uri="http://schemas.microsoft.com/VisualStudio/2011/storyboarding/control"/>
-  </ds:schemaRefs>
-</ds:datastoreItem>
-</file>
-
-<file path=customXml/itemProps51.xml><?xml version="1.0" encoding="utf-8"?>
-<ds:datastoreItem xmlns:ds="http://schemas.openxmlformats.org/officeDocument/2006/customXml" ds:itemID="{26190532-7283-4B3A-A4F0-D4225A0BC43D}">
-  <ds:schemaRefs>
-    <ds:schemaRef ds:uri="http://schemas.microsoft.com/VisualStudio/2011/storyboarding/control"/>
-  </ds:schemaRefs>
-</ds:datastoreItem>
-</file>
-
-<file path=customXml/itemProps52.xml><?xml version="1.0" encoding="utf-8"?>
-<ds:datastoreItem xmlns:ds="http://schemas.openxmlformats.org/officeDocument/2006/customXml" ds:itemID="{460C87DB-603E-4234-8A20-83C330437EDB}">
-  <ds:schemaRefs>
-    <ds:schemaRef ds:uri="http://schemas.microsoft.com/VisualStudio/2011/storyboarding/control"/>
-  </ds:schemaRefs>
-</ds:datastoreItem>
-</file>
-
-<file path=customXml/itemProps53.xml><?xml version="1.0" encoding="utf-8"?>
-<ds:datastoreItem xmlns:ds="http://schemas.openxmlformats.org/officeDocument/2006/customXml" ds:itemID="{71C68A77-FCC5-45AF-90E8-603F01C8B090}">
-  <ds:schemaRefs>
-    <ds:schemaRef ds:uri="http://schemas.microsoft.com/VisualStudio/2011/storyboarding/control"/>
-  </ds:schemaRefs>
-</ds:datastoreItem>
-</file>
-
-<file path=customXml/itemProps54.xml><?xml version="1.0" encoding="utf-8"?>
-<ds:datastoreItem xmlns:ds="http://schemas.openxmlformats.org/officeDocument/2006/customXml" ds:itemID="{B0A7260F-6144-438B-B40E-F17A3A1A2CE9}">
-  <ds:schemaRefs>
-    <ds:schemaRef ds:uri="http://schemas.microsoft.com/VisualStudio/2011/storyboarding/control"/>
-  </ds:schemaRefs>
-</ds:datastoreItem>
-</file>
-
-<file path=customXml/itemProps55.xml><?xml version="1.0" encoding="utf-8"?>
-<ds:datastoreItem xmlns:ds="http://schemas.openxmlformats.org/officeDocument/2006/customXml" ds:itemID="{E4EC0F23-1162-4221-AFA8-5BFDF651A690}">
-  <ds:schemaRefs>
-    <ds:schemaRef ds:uri="http://schemas.microsoft.com/VisualStudio/2011/storyboarding/control"/>
-  </ds:schemaRefs>
-</ds:datastoreItem>
-</file>
-
-<file path=customXml/itemProps56.xml><?xml version="1.0" encoding="utf-8"?>
-<ds:datastoreItem xmlns:ds="http://schemas.openxmlformats.org/officeDocument/2006/customXml" ds:itemID="{34D79507-41CE-4F82-9FD7-28ECA0111C35}">
-  <ds:schemaRefs>
-    <ds:schemaRef ds:uri="http://schemas.microsoft.com/VisualStudio/2011/storyboarding/control"/>
-  </ds:schemaRefs>
-</ds:datastoreItem>
-</file>
-
-<file path=customXml/itemProps57.xml><?xml version="1.0" encoding="utf-8"?>
-<ds:datastoreItem xmlns:ds="http://schemas.openxmlformats.org/officeDocument/2006/customXml" ds:itemID="{C69813E6-399E-4343-9AE6-3037FDA52C95}">
-  <ds:schemaRefs>
-    <ds:schemaRef ds:uri="http://schemas.microsoft.com/VisualStudio/2011/storyboarding/control"/>
-  </ds:schemaRefs>
-</ds:datastoreItem>
-</file>
-
-<file path=customXml/itemProps58.xml><?xml version="1.0" encoding="utf-8"?>
-<ds:datastoreItem xmlns:ds="http://schemas.openxmlformats.org/officeDocument/2006/customXml" ds:itemID="{A7E0288A-F414-4399-BA64-5823EDCF5A90}">
-  <ds:schemaRefs>
-    <ds:schemaRef ds:uri="http://schemas.microsoft.com/VisualStudio/2011/storyboarding/control"/>
-  </ds:schemaRefs>
-</ds:datastoreItem>
-</file>
-
-<file path=customXml/itemProps59.xml><?xml version="1.0" encoding="utf-8"?>
-<ds:datastoreItem xmlns:ds="http://schemas.openxmlformats.org/officeDocument/2006/customXml" ds:itemID="{4058BED3-7CF1-45E2-9EED-EDA6827BEF7F}">
-  <ds:schemaRefs>
-    <ds:schemaRef ds:uri="http://schemas.microsoft.com/VisualStudio/2011/storyboarding/control"/>
-  </ds:schemaRefs>
-</ds:datastoreItem>
-</file>
-
-<file path=customXml/itemProps6.xml><?xml version="1.0" encoding="utf-8"?>
-<ds:datastoreItem xmlns:ds="http://schemas.openxmlformats.org/officeDocument/2006/customXml" ds:itemID="{F1849B9A-F2A7-47EC-B82F-47ADD7DF296A}">
-  <ds:schemaRefs>
-    <ds:schemaRef ds:uri="http://schemas.microsoft.com/VisualStudio/2011/storyboarding/control"/>
-  </ds:schemaRefs>
-</ds:datastoreItem>
-</file>
-
-<file path=customXml/itemProps60.xml><?xml version="1.0" encoding="utf-8"?>
-<ds:datastoreItem xmlns:ds="http://schemas.openxmlformats.org/officeDocument/2006/customXml" ds:itemID="{50ADC870-B29B-4C1F-ADF4-73E3086FB9F8}">
-  <ds:schemaRefs>
-    <ds:schemaRef ds:uri="http://schemas.microsoft.com/VisualStudio/2011/storyboarding/control"/>
-  </ds:schemaRefs>
-</ds:datastoreItem>
-</file>
-
-<file path=customXml/itemProps61.xml><?xml version="1.0" encoding="utf-8"?>
-<ds:datastoreItem xmlns:ds="http://schemas.openxmlformats.org/officeDocument/2006/customXml" ds:itemID="{116ABDC4-1EA4-4B49-A6E2-D1CE630DE6B5}">
-  <ds:schemaRefs>
-    <ds:schemaRef ds:uri="http://schemas.microsoft.com/VisualStudio/2011/storyboarding/control"/>
-  </ds:schemaRefs>
-</ds:datastoreItem>
-</file>
-
-<file path=customXml/itemProps62.xml><?xml version="1.0" encoding="utf-8"?>
-<ds:datastoreItem xmlns:ds="http://schemas.openxmlformats.org/officeDocument/2006/customXml" ds:itemID="{25AC7257-525C-4E5A-AA42-573829D61A3B}">
-  <ds:schemaRefs>
-    <ds:schemaRef ds:uri="http://schemas.microsoft.com/VisualStudio/2011/storyboarding/control"/>
-  </ds:schemaRefs>
-</ds:datastoreItem>
-</file>
-
-<file path=customXml/itemProps63.xml><?xml version="1.0" encoding="utf-8"?>
-<ds:datastoreItem xmlns:ds="http://schemas.openxmlformats.org/officeDocument/2006/customXml" ds:itemID="{C0236D38-7F8A-4EAA-B6A1-6880B56FE83E}">
-  <ds:schemaRefs>
-    <ds:schemaRef ds:uri="http://schemas.microsoft.com/VisualStudio/2011/storyboarding/control"/>
-  </ds:schemaRefs>
-</ds:datastoreItem>
-</file>
-
-<file path=customXml/itemProps64.xml><?xml version="1.0" encoding="utf-8"?>
-<ds:datastoreItem xmlns:ds="http://schemas.openxmlformats.org/officeDocument/2006/customXml" ds:itemID="{37D9AFB0-4C16-4052-88E4-5FBE90606F71}">
-  <ds:schemaRefs>
-    <ds:schemaRef ds:uri="http://schemas.microsoft.com/VisualStudio/2011/storyboarding/control"/>
-  </ds:schemaRefs>
-</ds:datastoreItem>
-</file>
-
-<file path=customXml/itemProps65.xml><?xml version="1.0" encoding="utf-8"?>
-<ds:datastoreItem xmlns:ds="http://schemas.openxmlformats.org/officeDocument/2006/customXml" ds:itemID="{63EA8E9F-9742-4D18-8B78-7EEA5B5F56E6}">
-  <ds:schemaRefs>
-    <ds:schemaRef ds:uri="http://schemas.microsoft.com/VisualStudio/2011/storyboarding/control"/>
-  </ds:schemaRefs>
-</ds:datastoreItem>
-</file>
-
-<file path=customXml/itemProps66.xml><?xml version="1.0" encoding="utf-8"?>
-<ds:datastoreItem xmlns:ds="http://schemas.openxmlformats.org/officeDocument/2006/customXml" ds:itemID="{190EBEF0-CB9E-4C67-BBD3-192F9F5BB87E}">
-  <ds:schemaRefs>
-    <ds:schemaRef ds:uri="http://schemas.microsoft.com/VisualStudio/2011/storyboarding/control"/>
-  </ds:schemaRefs>
-</ds:datastoreItem>
-</file>
-
-<file path=customXml/itemProps67.xml><?xml version="1.0" encoding="utf-8"?>
-<ds:datastoreItem xmlns:ds="http://schemas.openxmlformats.org/officeDocument/2006/customXml" ds:itemID="{FAF24902-C8B9-4A2B-9077-05751B70E139}">
-  <ds:schemaRefs>
-    <ds:schemaRef ds:uri="http://schemas.microsoft.com/VisualStudio/2011/storyboarding/control"/>
-  </ds:schemaRefs>
-</ds:datastoreItem>
-</file>
-
-<file path=customXml/itemProps68.xml><?xml version="1.0" encoding="utf-8"?>
-<ds:datastoreItem xmlns:ds="http://schemas.openxmlformats.org/officeDocument/2006/customXml" ds:itemID="{B417D8B6-53FD-4D5A-BFEE-3543BD43D401}">
-  <ds:schemaRefs>
-    <ds:schemaRef ds:uri="http://schemas.microsoft.com/VisualStudio/2011/storyboarding/control"/>
-  </ds:schemaRefs>
-</ds:datastoreItem>
-</file>
-
-<file path=customXml/itemProps69.xml><?xml version="1.0" encoding="utf-8"?>
-<ds:datastoreItem xmlns:ds="http://schemas.openxmlformats.org/officeDocument/2006/customXml" ds:itemID="{AF5BA9E5-B499-492D-89E2-65244D675588}">
-  <ds:schemaRefs>
-    <ds:schemaRef ds:uri="http://schemas.microsoft.com/VisualStudio/2011/storyboarding/control"/>
-  </ds:schemaRefs>
-</ds:datastoreItem>
-</file>
-
-<file path=customXml/itemProps7.xml><?xml version="1.0" encoding="utf-8"?>
-<ds:datastoreItem xmlns:ds="http://schemas.openxmlformats.org/officeDocument/2006/customXml" ds:itemID="{12B87C94-3E99-4A00-A6CF-08E04953A553}">
-  <ds:schemaRefs>
-    <ds:schemaRef ds:uri="http://schemas.microsoft.com/VisualStudio/2011/storyboarding/control"/>
-  </ds:schemaRefs>
-</ds:datastoreItem>
-</file>
-
-<file path=customXml/itemProps70.xml><?xml version="1.0" encoding="utf-8"?>
-<ds:datastoreItem xmlns:ds="http://schemas.openxmlformats.org/officeDocument/2006/customXml" ds:itemID="{63E4AE41-0D9C-41C0-9A8F-3DFAA3E48D7D}">
-  <ds:schemaRefs>
-    <ds:schemaRef ds:uri="http://schemas.microsoft.com/VisualStudio/2011/storyboarding/control"/>
-  </ds:schemaRefs>
-</ds:datastoreItem>
-</file>
-
-<file path=customXml/itemProps71.xml><?xml version="1.0" encoding="utf-8"?>
-<ds:datastoreItem xmlns:ds="http://schemas.openxmlformats.org/officeDocument/2006/customXml" ds:itemID="{43357BA7-E8FE-4D54-AC80-E8E59429C281}">
-  <ds:schemaRefs>
-    <ds:schemaRef ds:uri="http://schemas.microsoft.com/VisualStudio/2011/storyboarding/control"/>
-  </ds:schemaRefs>
-</ds:datastoreItem>
-</file>
-
-<file path=customXml/itemProps72.xml><?xml version="1.0" encoding="utf-8"?>
-<ds:datastoreItem xmlns:ds="http://schemas.openxmlformats.org/officeDocument/2006/customXml" ds:itemID="{F284721C-0256-43ED-B521-30AC7262120A}">
-  <ds:schemaRefs>
-    <ds:schemaRef ds:uri="http://schemas.microsoft.com/VisualStudio/2011/storyboarding/control"/>
-  </ds:schemaRefs>
-</ds:datastoreItem>
-</file>
-
-<file path=customXml/itemProps73.xml><?xml version="1.0" encoding="utf-8"?>
-<ds:datastoreItem xmlns:ds="http://schemas.openxmlformats.org/officeDocument/2006/customXml" ds:itemID="{4FB1E9E5-4445-4C02-A57F-2A9C022135F0}">
-  <ds:schemaRefs>
-    <ds:schemaRef ds:uri="http://schemas.microsoft.com/VisualStudio/2011/storyboarding/control"/>
-  </ds:schemaRefs>
-</ds:datastoreItem>
-</file>
-
-<file path=customXml/itemProps74.xml><?xml version="1.0" encoding="utf-8"?>
-<ds:datastoreItem xmlns:ds="http://schemas.openxmlformats.org/officeDocument/2006/customXml" ds:itemID="{7DC3519B-D653-41F2-B6F1-BBB3B144AB62}">
-  <ds:schemaRefs>
-    <ds:schemaRef ds:uri="http://schemas.microsoft.com/VisualStudio/2011/storyboarding/control"/>
-  </ds:schemaRefs>
-</ds:datastoreItem>
-</file>
-
-<file path=customXml/itemProps75.xml><?xml version="1.0" encoding="utf-8"?>
-<ds:datastoreItem xmlns:ds="http://schemas.openxmlformats.org/officeDocument/2006/customXml" ds:itemID="{2238C136-D227-4AA1-A465-1D5076A289E6}">
-  <ds:schemaRefs>
-    <ds:schemaRef ds:uri="http://schemas.microsoft.com/VisualStudio/2011/storyboarding/control"/>
-  </ds:schemaRefs>
-</ds:datastoreItem>
-</file>
-
-<file path=customXml/itemProps76.xml><?xml version="1.0" encoding="utf-8"?>
-<ds:datastoreItem xmlns:ds="http://schemas.openxmlformats.org/officeDocument/2006/customXml" ds:itemID="{0B9C428E-2130-42D7-AF35-CB4A84DD8F2F}">
-  <ds:schemaRefs>
-    <ds:schemaRef ds:uri="http://schemas.microsoft.com/VisualStudio/2011/storyboarding/control"/>
-  </ds:schemaRefs>
-</ds:datastoreItem>
-</file>
-
-<file path=customXml/itemProps77.xml><?xml version="1.0" encoding="utf-8"?>
-<ds:datastoreItem xmlns:ds="http://schemas.openxmlformats.org/officeDocument/2006/customXml" ds:itemID="{29F8B5B8-E187-4506-A53E-4D04D2CD28B4}">
-  <ds:schemaRefs>
-    <ds:schemaRef ds:uri="http://schemas.microsoft.com/VisualStudio/2011/storyboarding/control"/>
-  </ds:schemaRefs>
-</ds:datastoreItem>
-</file>
-
-<file path=customXml/itemProps78.xml><?xml version="1.0" encoding="utf-8"?>
+<file path=customXml/itemProps94.xml><?xml version="1.0" encoding="utf-8"?>
 <ds:datastoreItem xmlns:ds="http://schemas.openxmlformats.org/officeDocument/2006/customXml" ds:itemID="{4CDD4899-434B-483C-9270-49C1925CF9A0}">
   <ds:schemaRefs>
     <ds:schemaRef ds:uri="http://schemas.microsoft.com/VisualStudio/2011/storyboarding/control"/>
@@ -30501,186 +30643,42 @@
 </ds:datastoreItem>
 </file>
 
-<file path=customXml/itemProps79.xml><?xml version="1.0" encoding="utf-8"?>
-<ds:datastoreItem xmlns:ds="http://schemas.openxmlformats.org/officeDocument/2006/customXml" ds:itemID="{0F2DE0B6-1D23-4CC4-9F36-B050D9B69891}">
-  <ds:schemaRefs>
-    <ds:schemaRef ds:uri="http://schemas.microsoft.com/VisualStudio/2011/storyboarding/control"/>
-  </ds:schemaRefs>
-</ds:datastoreItem>
-</file>
-
-<file path=customXml/itemProps8.xml><?xml version="1.0" encoding="utf-8"?>
-<ds:datastoreItem xmlns:ds="http://schemas.openxmlformats.org/officeDocument/2006/customXml" ds:itemID="{A12D5DED-2D25-4DA3-8948-14474C5B5E76}">
-  <ds:schemaRefs>
-    <ds:schemaRef ds:uri="http://schemas.microsoft.com/VisualStudio/2011/storyboarding/control"/>
-  </ds:schemaRefs>
-</ds:datastoreItem>
-</file>
-
-<file path=customXml/itemProps80.xml><?xml version="1.0" encoding="utf-8"?>
-<ds:datastoreItem xmlns:ds="http://schemas.openxmlformats.org/officeDocument/2006/customXml" ds:itemID="{BB34EE50-A076-446E-BBF4-53C836A4A8DF}">
-  <ds:schemaRefs>
-    <ds:schemaRef ds:uri="http://schemas.microsoft.com/VisualStudio/2011/storyboarding/control"/>
-  </ds:schemaRefs>
-</ds:datastoreItem>
-</file>
-
-<file path=customXml/itemProps81.xml><?xml version="1.0" encoding="utf-8"?>
-<ds:datastoreItem xmlns:ds="http://schemas.openxmlformats.org/officeDocument/2006/customXml" ds:itemID="{68FD764D-ED53-4060-BB86-164A1755BC75}">
-  <ds:schemaRefs>
-    <ds:schemaRef ds:uri="http://schemas.microsoft.com/VisualStudio/2011/storyboarding/control"/>
-  </ds:schemaRefs>
-</ds:datastoreItem>
-</file>
-
-<file path=customXml/itemProps82.xml><?xml version="1.0" encoding="utf-8"?>
-<ds:datastoreItem xmlns:ds="http://schemas.openxmlformats.org/officeDocument/2006/customXml" ds:itemID="{295D5A01-DECE-4774-9D37-0549E549A300}">
-  <ds:schemaRefs>
-    <ds:schemaRef ds:uri="http://schemas.microsoft.com/VisualStudio/2011/storyboarding/control"/>
-  </ds:schemaRefs>
-</ds:datastoreItem>
-</file>
-
-<file path=customXml/itemProps83.xml><?xml version="1.0" encoding="utf-8"?>
-<ds:datastoreItem xmlns:ds="http://schemas.openxmlformats.org/officeDocument/2006/customXml" ds:itemID="{27CCB74F-C7FD-4A95-AE27-8D308AD0CB50}">
-  <ds:schemaRefs>
-    <ds:schemaRef ds:uri="http://schemas.microsoft.com/VisualStudio/2011/storyboarding/control"/>
-  </ds:schemaRefs>
-</ds:datastoreItem>
-</file>
-
-<file path=customXml/itemProps84.xml><?xml version="1.0" encoding="utf-8"?>
-<ds:datastoreItem xmlns:ds="http://schemas.openxmlformats.org/officeDocument/2006/customXml" ds:itemID="{D8621473-F62D-41B5-8568-3144F1C1A6F0}">
-  <ds:schemaRefs>
-    <ds:schemaRef ds:uri="http://schemas.microsoft.com/VisualStudio/2011/storyboarding/control"/>
-  </ds:schemaRefs>
-</ds:datastoreItem>
-</file>
-
-<file path=customXml/itemProps85.xml><?xml version="1.0" encoding="utf-8"?>
-<ds:datastoreItem xmlns:ds="http://schemas.openxmlformats.org/officeDocument/2006/customXml" ds:itemID="{9ABA7AF9-7AD4-473E-89F4-BC38F2B1F276}">
-  <ds:schemaRefs>
-    <ds:schemaRef ds:uri="http://schemas.microsoft.com/VisualStudio/2011/storyboarding/control"/>
-  </ds:schemaRefs>
-</ds:datastoreItem>
-</file>
-
-<file path=customXml/itemProps86.xml><?xml version="1.0" encoding="utf-8"?>
-<ds:datastoreItem xmlns:ds="http://schemas.openxmlformats.org/officeDocument/2006/customXml" ds:itemID="{2C4CCA8C-E1E3-4D28-B52B-FB81537ACD62}">
-  <ds:schemaRefs>
-    <ds:schemaRef ds:uri="http://schemas.microsoft.com/VisualStudio/2011/storyboarding/control"/>
-  </ds:schemaRefs>
-</ds:datastoreItem>
-</file>
-
-<file path=customXml/itemProps87.xml><?xml version="1.0" encoding="utf-8"?>
-<ds:datastoreItem xmlns:ds="http://schemas.openxmlformats.org/officeDocument/2006/customXml" ds:itemID="{560D2061-D99A-45A4-8092-C0602B8A4570}">
-  <ds:schemaRefs>
-    <ds:schemaRef ds:uri="http://schemas.microsoft.com/VisualStudio/2011/storyboarding/control"/>
-  </ds:schemaRefs>
-</ds:datastoreItem>
-</file>
-
-<file path=customXml/itemProps88.xml><?xml version="1.0" encoding="utf-8"?>
-<ds:datastoreItem xmlns:ds="http://schemas.openxmlformats.org/officeDocument/2006/customXml" ds:itemID="{3B14F52C-BC5F-47CE-945E-640AE2D7FD32}">
-  <ds:schemaRefs>
-    <ds:schemaRef ds:uri="http://schemas.microsoft.com/VisualStudio/2011/storyboarding/control"/>
-  </ds:schemaRefs>
-</ds:datastoreItem>
-</file>
-
-<file path=customXml/itemProps89.xml><?xml version="1.0" encoding="utf-8"?>
-<ds:datastoreItem xmlns:ds="http://schemas.openxmlformats.org/officeDocument/2006/customXml" ds:itemID="{D19C77BF-37A4-49C8-9F43-13E14FC0A177}">
-  <ds:schemaRefs>
-    <ds:schemaRef ds:uri="http://schemas.microsoft.com/VisualStudio/2011/storyboarding/control"/>
-  </ds:schemaRefs>
-</ds:datastoreItem>
-</file>
-
-<file path=customXml/itemProps9.xml><?xml version="1.0" encoding="utf-8"?>
-<ds:datastoreItem xmlns:ds="http://schemas.openxmlformats.org/officeDocument/2006/customXml" ds:itemID="{28D2D0D7-C598-41C7-9CF5-F1DEDB3DDE59}">
-  <ds:schemaRefs>
-    <ds:schemaRef ds:uri="http://schemas.microsoft.com/VisualStudio/2011/storyboarding/control"/>
-  </ds:schemaRefs>
-</ds:datastoreItem>
-</file>
-
-<file path=customXml/itemProps90.xml><?xml version="1.0" encoding="utf-8"?>
-<ds:datastoreItem xmlns:ds="http://schemas.openxmlformats.org/officeDocument/2006/customXml" ds:itemID="{DDBAC8B4-8905-4BB5-B558-4CCE9AACC1E7}">
-  <ds:schemaRefs>
-    <ds:schemaRef ds:uri="http://schemas.microsoft.com/VisualStudio/2011/storyboarding/control"/>
-  </ds:schemaRefs>
-</ds:datastoreItem>
-</file>
-
-<file path=customXml/itemProps91.xml><?xml version="1.0" encoding="utf-8"?>
-<ds:datastoreItem xmlns:ds="http://schemas.openxmlformats.org/officeDocument/2006/customXml" ds:itemID="{7AFD248A-A54A-4224-A9E5-220E5300E8F8}">
-  <ds:schemaRefs>
-    <ds:schemaRef ds:uri="http://schemas.microsoft.com/VisualStudio/2011/storyboarding/control"/>
-  </ds:schemaRefs>
-</ds:datastoreItem>
-</file>
-
-<file path=customXml/itemProps92.xml><?xml version="1.0" encoding="utf-8"?>
-<ds:datastoreItem xmlns:ds="http://schemas.openxmlformats.org/officeDocument/2006/customXml" ds:itemID="{BF8B6F30-58A9-49DC-A98D-09DDB8F2693B}">
-  <ds:schemaRefs>
-    <ds:schemaRef ds:uri="http://schemas.microsoft.com/VisualStudio/2011/storyboarding/control"/>
-  </ds:schemaRefs>
-</ds:datastoreItem>
-</file>
-
-<file path=customXml/itemProps93.xml><?xml version="1.0" encoding="utf-8"?>
-<ds:datastoreItem xmlns:ds="http://schemas.openxmlformats.org/officeDocument/2006/customXml" ds:itemID="{67299DBF-78FD-4556-BEC5-DAED3F111C44}">
-  <ds:schemaRefs>
-    <ds:schemaRef ds:uri="http://schemas.microsoft.com/VisualStudio/2011/storyboarding/control"/>
-  </ds:schemaRefs>
-</ds:datastoreItem>
-</file>
-
-<file path=customXml/itemProps94.xml><?xml version="1.0" encoding="utf-8"?>
-<ds:datastoreItem xmlns:ds="http://schemas.openxmlformats.org/officeDocument/2006/customXml" ds:itemID="{392A17C6-E843-4590-854E-08329261E193}">
-  <ds:schemaRefs>
-    <ds:schemaRef ds:uri="http://schemas.microsoft.com/VisualStudio/2011/storyboarding/control"/>
-  </ds:schemaRefs>
-</ds:datastoreItem>
-</file>
-
 <file path=customXml/itemProps95.xml><?xml version="1.0" encoding="utf-8"?>
-<ds:datastoreItem xmlns:ds="http://schemas.openxmlformats.org/officeDocument/2006/customXml" ds:itemID="{A59FF763-C396-4BBD-B648-8ED995144782}">
-  <ds:schemaRefs>
-    <ds:schemaRef ds:uri="http://schemas.microsoft.com/VisualStudio/2011/storyboarding/control"/>
-  </ds:schemaRefs>
-</ds:datastoreItem>
-</file>
-
-<file path=customXml/itemProps96.xml><?xml version="1.0" encoding="utf-8"?>
-<ds:datastoreItem xmlns:ds="http://schemas.openxmlformats.org/officeDocument/2006/customXml" ds:itemID="{8552D1C0-18CB-40C8-A2BE-33C855951852}">
-  <ds:schemaRefs>
-    <ds:schemaRef ds:uri="http://schemas.microsoft.com/VisualStudio/2011/storyboarding/control"/>
-  </ds:schemaRefs>
-</ds:datastoreItem>
-</file>
-
-<file path=customXml/itemProps97.xml><?xml version="1.0" encoding="utf-8"?>
-<ds:datastoreItem xmlns:ds="http://schemas.openxmlformats.org/officeDocument/2006/customXml" ds:itemID="{FD188300-81E8-4775-8131-2C284D97ABB2}">
-  <ds:schemaRefs>
-    <ds:schemaRef ds:uri="http://schemas.microsoft.com/VisualStudio/2011/storyboarding/control"/>
-  </ds:schemaRefs>
-</ds:datastoreItem>
-</file>
-
-<file path=customXml/itemProps98.xml><?xml version="1.0" encoding="utf-8"?>
-<ds:datastoreItem xmlns:ds="http://schemas.openxmlformats.org/officeDocument/2006/customXml" ds:itemID="{4C2DD3A5-565B-4655-839B-3D7E5DA58911}">
-  <ds:schemaRefs>
-    <ds:schemaRef ds:uri="http://schemas.microsoft.com/VisualStudio/2011/storyboarding/control"/>
-  </ds:schemaRefs>
-</ds:datastoreItem>
-</file>
-
-<file path=customXml/itemProps99.xml><?xml version="1.0" encoding="utf-8"?>
 <ds:datastoreItem xmlns:ds="http://schemas.openxmlformats.org/officeDocument/2006/customXml" ds:itemID="{A770902C-91B4-4F9A-987B-C073AEA84AD1}">
   <ds:schemaRefs>
     <ds:schemaRef ds:uri="http://schemas.microsoft.com/VisualStudio/2011/storyboarding/control"/>
   </ds:schemaRefs>
 </ds:datastoreItem>
+</file>
+
+<file path=customXml/itemProps96.xml><?xml version="1.0" encoding="utf-8"?>
+<ds:datastoreItem xmlns:ds="http://schemas.openxmlformats.org/officeDocument/2006/customXml" ds:itemID="{9B88C461-FD72-4CCE-B36A-E6CD818ADA83}">
+  <ds:schemaRefs>
+    <ds:schemaRef ds:uri="http://schemas.microsoft.com/VisualStudio/2011/storyboarding/control"/>
+  </ds:schemaRefs>
+</ds:datastoreItem>
+</file>
+
+<file path=customXml/itemProps97.xml><?xml version="1.0" encoding="utf-8"?>
+<ds:datastoreItem xmlns:ds="http://schemas.openxmlformats.org/officeDocument/2006/customXml" ds:itemID="{2A1D17B4-7440-46CD-8032-D9E7A060B774}">
+  <ds:schemaRefs>
+    <ds:schemaRef ds:uri="http://schemas.microsoft.com/VisualStudio/2011/storyboarding/control"/>
+  </ds:schemaRefs>
+</ds:datastoreItem>
+</file>
+
+<file path=customXml/itemProps98.xml><?xml version="1.0" encoding="utf-8"?>
+<ds:datastoreItem xmlns:ds="http://schemas.openxmlformats.org/officeDocument/2006/customXml" ds:itemID="{15F46258-63C4-4B60-ADED-0E3ACB1539D0}">
+  <ds:schemaRefs>
+    <ds:schemaRef ds:uri="http://schemas.microsoft.com/VisualStudio/2011/storyboarding/control"/>
+  </ds:schemaRefs>
+</ds:datastoreItem>
+</file>
+
+<file path=customXml/itemProps99.xml><?xml version="1.0" encoding="utf-8"?>
+<ds:datastoreItem xmlns:ds="http://schemas.openxmlformats.org/officeDocument/2006/customXml" ds:itemID="{E0D4D259-B672-4B08-B2B0-A0D8ACD5B803}">
+  <ds:schemaRefs>
+    <ds:schemaRef ds:uri="http://schemas.microsoft.com/VisualStudio/2011/storyboarding/control"/>
+  </ds:schemaRefs>
+</ds:datastoreItem>
 </file>
--- a/doc/Storyboard.pptx
+++ b/doc/Storyboard.pptx
@@ -250,7 +250,7 @@
           <a:p>
             <a:fld id="{02331537-4785-4DB7-8225-D1A4272F3F74}" type="datetimeFigureOut">
               <a:rPr lang="es-ES" smtClean="0"/>
-              <a:t>16/03/2018</a:t>
+              <a:t>19/03/2018</a:t>
             </a:fld>
             <a:endParaRPr lang="es-ES"/>
           </a:p>
@@ -420,7 +420,7 @@
           <a:p>
             <a:fld id="{02331537-4785-4DB7-8225-D1A4272F3F74}" type="datetimeFigureOut">
               <a:rPr lang="es-ES" smtClean="0"/>
-              <a:t>16/03/2018</a:t>
+              <a:t>19/03/2018</a:t>
             </a:fld>
             <a:endParaRPr lang="es-ES"/>
           </a:p>
@@ -600,7 +600,7 @@
           <a:p>
             <a:fld id="{02331537-4785-4DB7-8225-D1A4272F3F74}" type="datetimeFigureOut">
               <a:rPr lang="es-ES" smtClean="0"/>
-              <a:t>16/03/2018</a:t>
+              <a:t>19/03/2018</a:t>
             </a:fld>
             <a:endParaRPr lang="es-ES"/>
           </a:p>
@@ -770,7 +770,7 @@
           <a:p>
             <a:fld id="{02331537-4785-4DB7-8225-D1A4272F3F74}" type="datetimeFigureOut">
               <a:rPr lang="es-ES" smtClean="0"/>
-              <a:t>16/03/2018</a:t>
+              <a:t>19/03/2018</a:t>
             </a:fld>
             <a:endParaRPr lang="es-ES"/>
           </a:p>
@@ -1016,7 +1016,7 @@
           <a:p>
             <a:fld id="{02331537-4785-4DB7-8225-D1A4272F3F74}" type="datetimeFigureOut">
               <a:rPr lang="es-ES" smtClean="0"/>
-              <a:t>16/03/2018</a:t>
+              <a:t>19/03/2018</a:t>
             </a:fld>
             <a:endParaRPr lang="es-ES"/>
           </a:p>
@@ -1248,7 +1248,7 @@
           <a:p>
             <a:fld id="{02331537-4785-4DB7-8225-D1A4272F3F74}" type="datetimeFigureOut">
               <a:rPr lang="es-ES" smtClean="0"/>
-              <a:t>16/03/2018</a:t>
+              <a:t>19/03/2018</a:t>
             </a:fld>
             <a:endParaRPr lang="es-ES"/>
           </a:p>
@@ -1615,7 +1615,7 @@
           <a:p>
             <a:fld id="{02331537-4785-4DB7-8225-D1A4272F3F74}" type="datetimeFigureOut">
               <a:rPr lang="es-ES" smtClean="0"/>
-              <a:t>16/03/2018</a:t>
+              <a:t>19/03/2018</a:t>
             </a:fld>
             <a:endParaRPr lang="es-ES"/>
           </a:p>
@@ -1733,7 +1733,7 @@
           <a:p>
             <a:fld id="{02331537-4785-4DB7-8225-D1A4272F3F74}" type="datetimeFigureOut">
               <a:rPr lang="es-ES" smtClean="0"/>
-              <a:t>16/03/2018</a:t>
+              <a:t>19/03/2018</a:t>
             </a:fld>
             <a:endParaRPr lang="es-ES"/>
           </a:p>
@@ -1828,7 +1828,7 @@
           <a:p>
             <a:fld id="{02331537-4785-4DB7-8225-D1A4272F3F74}" type="datetimeFigureOut">
               <a:rPr lang="es-ES" smtClean="0"/>
-              <a:t>16/03/2018</a:t>
+              <a:t>19/03/2018</a:t>
             </a:fld>
             <a:endParaRPr lang="es-ES"/>
           </a:p>
@@ -2105,7 +2105,7 @@
           <a:p>
             <a:fld id="{02331537-4785-4DB7-8225-D1A4272F3F74}" type="datetimeFigureOut">
               <a:rPr lang="es-ES" smtClean="0"/>
-              <a:t>16/03/2018</a:t>
+              <a:t>19/03/2018</a:t>
             </a:fld>
             <a:endParaRPr lang="es-ES"/>
           </a:p>
@@ -2358,7 +2358,7 @@
           <a:p>
             <a:fld id="{02331537-4785-4DB7-8225-D1A4272F3F74}" type="datetimeFigureOut">
               <a:rPr lang="es-ES" smtClean="0"/>
-              <a:t>16/03/2018</a:t>
+              <a:t>19/03/2018</a:t>
             </a:fld>
             <a:endParaRPr lang="es-ES"/>
           </a:p>
@@ -2571,7 +2571,7 @@
           <a:p>
             <a:fld id="{02331537-4785-4DB7-8225-D1A4272F3F74}" type="datetimeFigureOut">
               <a:rPr lang="es-ES" smtClean="0"/>
-              <a:t>16/03/2018</a:t>
+              <a:t>19/03/2018</a:t>
             </a:fld>
             <a:endParaRPr lang="es-ES"/>
           </a:p>
@@ -27735,7 +27735,7 @@
         <p:sp>
           <p:nvSpPr>
             <p:cNvPr id="114" name="Content">
-              <a:hlinkClick r:id="rId40" action="ppaction://hlinksldjump"/>
+              <a:hlinkClick r:id="rId38" action="ppaction://hlinksldjump"/>
             </p:cNvPr>
             <p:cNvSpPr txBox="1"/>
             <p:nvPr/>
@@ -27758,7 +27758,7 @@
             <a:p>
               <a:r>
                 <a:rPr lang="en-US" sz="1200" dirty="0" smtClean="0"/>
-                <a:t>14</a:t>
+                <a:t>10</a:t>
               </a:r>
               <a:endParaRPr lang="en-US" sz="1200" dirty="0"/>
             </a:p>
@@ -27862,7 +27862,7 @@
         <p:sp>
           <p:nvSpPr>
             <p:cNvPr id="135" name="Content">
-              <a:hlinkClick r:id="rId40" action="ppaction://hlinksldjump"/>
+              <a:hlinkClick r:id="rId38" action="ppaction://hlinksldjump"/>
             </p:cNvPr>
             <p:cNvSpPr txBox="1"/>
             <p:nvPr/>
@@ -27885,7 +27885,7 @@
             <a:p>
               <a:r>
                 <a:rPr lang="en-US" sz="1200" dirty="0" smtClean="0"/>
-                <a:t>14</a:t>
+                <a:t>10</a:t>
               </a:r>
               <a:endParaRPr lang="en-US" sz="1200" dirty="0"/>
             </a:p>
@@ -27989,7 +27989,7 @@
         <p:sp>
           <p:nvSpPr>
             <p:cNvPr id="138" name="Content">
-              <a:hlinkClick r:id="rId40" action="ppaction://hlinksldjump"/>
+              <a:hlinkClick r:id="rId38" action="ppaction://hlinksldjump"/>
             </p:cNvPr>
             <p:cNvSpPr txBox="1"/>
             <p:nvPr/>
@@ -28012,7 +28012,7 @@
             <a:p>
               <a:r>
                 <a:rPr lang="en-US" sz="1200" dirty="0" smtClean="0"/>
-                <a:t>14</a:t>
+                <a:t>10</a:t>
               </a:r>
               <a:endParaRPr lang="en-US" sz="1200" dirty="0"/>
             </a:p>
@@ -28237,7 +28237,7 @@
         <p:sp>
           <p:nvSpPr>
             <p:cNvPr id="144" name="Content">
-              <a:hlinkClick r:id="rId41" action="ppaction://hlinksldjump"/>
+              <a:hlinkClick r:id="rId40" action="ppaction://hlinksldjump"/>
             </p:cNvPr>
             <p:cNvSpPr txBox="1"/>
             <p:nvPr/>
@@ -29046,7 +29046,7 @@
         <p:sp>
           <p:nvSpPr>
             <p:cNvPr id="159" name="Content">
-              <a:hlinkClick r:id="rId41" action="ppaction://hlinksldjump"/>
+              <a:hlinkClick r:id="rId40" action="ppaction://hlinksldjump"/>
             </p:cNvPr>
             <p:cNvSpPr txBox="1"/>
             <p:nvPr/>
@@ -29429,13 +29429,13 @@
 
 <file path=customXml/item1.xml><?xml version="1.0" encoding="utf-8"?>
 <Control xmlns="http://schemas.microsoft.com/VisualStudio/2011/storyboarding/control">
-  <Id Name="System.Storyboarding.WindowsApps.WindowsAppsButton" Revision="1" Stencil="System.Storyboarding.WindowsApps" StencilVersion="0.1"/>
+  <Id Name="System.Storyboarding.WindowsApps.WindowsAppsTileMedium" Revision="1" Stencil="System.Storyboarding.WindowsApps" StencilVersion="0.1"/>
 </Control>
 </file>
 
 <file path=customXml/item10.xml><?xml version="1.0" encoding="utf-8"?>
 <Control xmlns="http://schemas.microsoft.com/VisualStudio/2011/storyboarding/control">
-  <Id Name="fd7d7bed-114e-464c-a4f1-01a512005949" Revision="1" Stencil="System.MyShapes" StencilVersion="1.0"/>
+  <Id Name="System.Storyboarding.WindowsApps.WindowsAppsButton" Revision="1" Stencil="System.Storyboarding.WindowsApps" StencilVersion="0.1"/>
 </Control>
 </file>
 
@@ -29447,37 +29447,37 @@
 
 <file path=customXml/item101.xml><?xml version="1.0" encoding="utf-8"?>
 <Control xmlns="http://schemas.microsoft.com/VisualStudio/2011/storyboarding/control">
-  <Id Name="System.Storyboarding.Annotation.CallOut" Revision="1" Stencil="System.Storyboarding.Annotation" StencilVersion="0.1"/>
+  <Id Name="System.Storyboarding.Annotation.StickyNote" Revision="1" Stencil="System.Storyboarding.Annotation" StencilVersion="0.1"/>
 </Control>
 </file>
 
 <file path=customXml/item102.xml><?xml version="1.0" encoding="utf-8"?>
+<Control xmlns="http://schemas.microsoft.com/VisualStudio/2011/storyboarding/control">
+  <Id Name="fd7d7bed-114e-464c-a4f1-01a512005949" Revision="1" Stencil="System.MyShapes" StencilVersion="1.0"/>
+</Control>
+</file>
+
+<file path=customXml/item103.xml><?xml version="1.0" encoding="utf-8"?>
 <Control xmlns="http://schemas.microsoft.com/VisualStudio/2011/storyboarding/control">
   <Id Name="System.Storyboarding.Icons.CurvedArrow" Revision="1" Stencil="System.Storyboarding.Icons" StencilVersion="0.1"/>
 </Control>
 </file>
 
-<file path=customXml/item103.xml><?xml version="1.0" encoding="utf-8"?>
-<Control xmlns="http://schemas.microsoft.com/VisualStudio/2011/storyboarding/control">
-  <Id Name="System.Storyboarding.Annotation.CallOut" Revision="1" Stencil="System.Storyboarding.Annotation" StencilVersion="0.1"/>
-</Control>
-</file>
-
 <file path=customXml/item104.xml><?xml version="1.0" encoding="utf-8"?>
 <Control xmlns="http://schemas.microsoft.com/VisualStudio/2011/storyboarding/control">
-  <Id Name="System.Storyboarding.Annotation.StickyNote" Revision="1" Stencil="System.Storyboarding.Annotation" StencilVersion="0.1"/>
+  <Id Name="System.Storyboarding.Common.CheckBoxChecked" Revision="1" Stencil="System.Storyboarding.Common" StencilVersion="0.1"/>
 </Control>
 </file>
 
 <file path=customXml/item105.xml><?xml version="1.0" encoding="utf-8"?>
 <Control xmlns="http://schemas.microsoft.com/VisualStudio/2011/storyboarding/control">
-  <Id Name="fd7d7bed-114e-464c-a4f1-01a512005949" Revision="1" Stencil="System.MyShapes" StencilVersion="1.0"/>
+  <Id Name="System.Storyboarding.WindowsApps.WindowsAppsTileMedium" Revision="1" Stencil="System.Storyboarding.WindowsApps" StencilVersion="0.1"/>
 </Control>
 </file>
 
 <file path=customXml/item106.xml><?xml version="1.0" encoding="utf-8"?>
 <Control xmlns="http://schemas.microsoft.com/VisualStudio/2011/storyboarding/control">
-  <Id Name="System.Storyboarding.WindowsApps.WindowsAppsEditBox" Revision="1" Stencil="System.Storyboarding.WindowsApps" StencilVersion="0.1"/>
+  <Id Name="System.Storyboarding.WindowsApps.WindowsAppsTileMedium" Revision="1" Stencil="System.Storyboarding.WindowsApps" StencilVersion="0.1"/>
 </Control>
 </file>
 
@@ -29489,19 +29489,19 @@
 
 <file path=customXml/item108.xml><?xml version="1.0" encoding="utf-8"?>
 <Control xmlns="http://schemas.microsoft.com/VisualStudio/2011/storyboarding/control">
+  <Id Name="fd7d7bed-114e-464c-a4f1-01a512005949" Revision="1" Stencil="System.MyShapes" StencilVersion="1.0"/>
+</Control>
+</file>
+
+<file path=customXml/item109.xml><?xml version="1.0" encoding="utf-8"?>
+<Control xmlns="http://schemas.microsoft.com/VisualStudio/2011/storyboarding/control">
   <Id Name="System.Storyboarding.WindowsApps.WindowsAppsTileMedium" Revision="1" Stencil="System.Storyboarding.WindowsApps" StencilVersion="0.1"/>
 </Control>
 </file>
 
-<file path=customXml/item109.xml><?xml version="1.0" encoding="utf-8"?>
-<Control xmlns="http://schemas.microsoft.com/VisualStudio/2011/storyboarding/control">
-  <Id Name="System.Storyboarding.WindowsApps.WindowsAppsButton" Revision="1" Stencil="System.Storyboarding.WindowsApps" StencilVersion="0.1"/>
-</Control>
-</file>
-
 <file path=customXml/item11.xml><?xml version="1.0" encoding="utf-8"?>
 <Control xmlns="http://schemas.microsoft.com/VisualStudio/2011/storyboarding/control">
-  <Id Name="System.Storyboarding.WindowsApps.WindowsAppsTileMedium" Revision="1" Stencil="System.Storyboarding.WindowsApps" StencilVersion="0.1"/>
+  <Id Name="System.Storyboarding.Annotation.CallOut" Revision="1" Stencil="System.Storyboarding.Annotation" StencilVersion="0.1"/>
 </Control>
 </file>
 
@@ -29519,73 +29519,73 @@
 
 <file path=customXml/item112.xml><?xml version="1.0" encoding="utf-8"?>
 <Control xmlns="http://schemas.microsoft.com/VisualStudio/2011/storyboarding/control">
-  <Id Name="System.Storyboarding.Common.CheckBoxChecked" Revision="1" Stencil="System.Storyboarding.Common" StencilVersion="0.1"/>
+  <Id Name="System.Storyboarding.WindowsApps.WindowsAppsEditBox" Revision="1" Stencil="System.Storyboarding.WindowsApps" StencilVersion="0.1"/>
 </Control>
 </file>
 
 <file path=customXml/item113.xml><?xml version="1.0" encoding="utf-8"?>
 <Control xmlns="http://schemas.microsoft.com/VisualStudio/2011/storyboarding/control">
-  <Id Name="System.Storyboarding.Annotation.CallOut" Revision="1" Stencil="System.Storyboarding.Annotation" StencilVersion="0.1"/>
+  <Id Name="System.Storyboarding.WindowsApps.WindowsAppsEditBox" Revision="1" Stencil="System.Storyboarding.WindowsApps" StencilVersion="0.1"/>
 </Control>
 </file>
 
 <file path=customXml/item114.xml><?xml version="1.0" encoding="utf-8"?>
 <Control xmlns="http://schemas.microsoft.com/VisualStudio/2011/storyboarding/control">
-  <Id Name="System.Storyboarding.Annotation.CallOut" Revision="1" Stencil="System.Storyboarding.Annotation" StencilVersion="0.1"/>
+  <Id Name="f7a94b64-51d6-472a-8bb4-f2cc047935d1" RevisionId="4b37df06-a36b-4383-9074-55517f1335fc" Stencil="172d6d98-e5c9-42e9-a209-79f7a94bbd38" StencilRevisionId="00000000-0000-0000-0000-000000000000" StencilVersion="0.0"/>
 </Control>
 </file>
 
 <file path=customXml/item115.xml><?xml version="1.0" encoding="utf-8"?>
 <Control xmlns="http://schemas.microsoft.com/VisualStudio/2011/storyboarding/control">
-  <Id Name="System.Storyboarding.Annotation.CallOut" Revision="1" Stencil="System.Storyboarding.Annotation" StencilVersion="0.1"/>
+  <Id Name="System.Storyboarding.WindowsApps.WindowsAppsTileMedium" Revision="1" Stencil="System.Storyboarding.WindowsApps" StencilVersion="0.1"/>
 </Control>
 </file>
 
 <file path=customXml/item116.xml><?xml version="1.0" encoding="utf-8"?>
+<Control xmlns="http://schemas.microsoft.com/VisualStudio/2011/storyboarding/control">
+  <Id Name="System.Storyboarding.WindowsApps.WindowsAppsTileMedium" Revision="1" Stencil="System.Storyboarding.WindowsApps" StencilVersion="0.1"/>
+</Control>
+</file>
+
+<file path=customXml/item117.xml><?xml version="1.0" encoding="utf-8"?>
 <Control xmlns="http://schemas.microsoft.com/VisualStudio/2011/storyboarding/control">
   <Id Name="fd7d7bed-114e-464c-a4f1-01a512005949" Revision="1" Stencil="System.MyShapes" StencilVersion="1.0"/>
 </Control>
 </file>
 
-<file path=customXml/item117.xml><?xml version="1.0" encoding="utf-8"?>
+<file path=customXml/item118.xml><?xml version="1.0" encoding="utf-8"?>
 <Control xmlns="http://schemas.microsoft.com/VisualStudio/2011/storyboarding/control">
-  <Id Name="System.Storyboarding.WindowsApps.WindowsAppsTileMedium" Revision="1" Stencil="System.Storyboarding.WindowsApps" StencilVersion="0.1"/>
+  <Id Name="System.Storyboarding.Annotation.StickyNote" Revision="1" Stencil="System.Storyboarding.Annotation" StencilVersion="0.1"/>
 </Control>
 </file>
 
-<file path=customXml/item118.xml><?xml version="1.0" encoding="utf-8"?>
+<file path=customXml/item119.xml><?xml version="1.0" encoding="utf-8"?>
+<Control xmlns="http://schemas.microsoft.com/VisualStudio/2011/storyboarding/control">
+  <Id Name="fd7d7bed-114e-464c-a4f1-01a512005949" Revision="1" Stencil="System.MyShapes" StencilVersion="1.0"/>
+</Control>
+</file>
+
+<file path=customXml/item12.xml><?xml version="1.0" encoding="utf-8"?>
 <Control xmlns="http://schemas.microsoft.com/VisualStudio/2011/storyboarding/control">
   <Id Name="System.Storyboarding.WindowsApps.WindowsAppsEditBox" Revision="1" Stencil="System.Storyboarding.WindowsApps" StencilVersion="0.1"/>
 </Control>
 </file>
 
-<file path=customXml/item119.xml><?xml version="1.0" encoding="utf-8"?>
-<Control xmlns="http://schemas.microsoft.com/VisualStudio/2011/storyboarding/control">
-  <Id Name="System.Storyboarding.Annotation.AnimatedRectangleCallout" Revision="1" Stencil="System.Storyboarding.Annotation" StencilVersion="0.1"/>
-</Control>
-</file>
-
-<file path=customXml/item12.xml><?xml version="1.0" encoding="utf-8"?>
-<Control xmlns="http://schemas.microsoft.com/VisualStudio/2011/storyboarding/control">
-  <Id Name="System.Storyboarding.WindowsApps.WindowsAppsButton" Revision="1" Stencil="System.Storyboarding.WindowsApps" StencilVersion="0.1"/>
-</Control>
-</file>
-
 <file path=customXml/item120.xml><?xml version="1.0" encoding="utf-8"?>
 <Control xmlns="http://schemas.microsoft.com/VisualStudio/2011/storyboarding/control">
-  <Id Name="System.Storyboarding.WindowsApps.WindowsAppsButton" Revision="1" Stencil="System.Storyboarding.WindowsApps" StencilVersion="0.1"/>
+  <Id Name="System.Storyboarding.Icons.CurvedArrow" Revision="1" Stencil="System.Storyboarding.Icons" StencilVersion="0.1"/>
 </Control>
 </file>
 
 <file path=customXml/item121.xml><?xml version="1.0" encoding="utf-8"?>
 <Control xmlns="http://schemas.microsoft.com/VisualStudio/2011/storyboarding/control">
-  <Id Name="System.Storyboarding.WindowsApps.WindowsAppsButton" Revision="1" Stencil="System.Storyboarding.WindowsApps" StencilVersion="0.1"/>
+  <Id Name="fd7d7bed-114e-464c-a4f1-01a512005949" Revision="1" Stencil="System.MyShapes" StencilVersion="1.0"/>
 </Control>
 </file>
 
 <file path=customXml/item122.xml><?xml version="1.0" encoding="utf-8"?>
 <Control xmlns="http://schemas.microsoft.com/VisualStudio/2011/storyboarding/control">
-  <Id Name="System.Storyboarding.Backgrounds.WindowsPhone" Revision="1" Stencil="System.Storyboarding.Backgrounds" StencilVersion="0.1"/>
+  <Id Name="System.Storyboarding.WindowsApps.WindowsAppsTileMedium" Revision="1" Stencil="System.Storyboarding.WindowsApps" StencilVersion="0.1"/>
 </Control>
 </file>
 
@@ -29597,25 +29597,25 @@
 
 <file path=customXml/item124.xml><?xml version="1.0" encoding="utf-8"?>
 <Control xmlns="http://schemas.microsoft.com/VisualStudio/2011/storyboarding/control">
-  <Id Name="fd7d7bed-114e-464c-a4f1-01a512005949" Revision="1" Stencil="System.MyShapes" StencilVersion="1.0"/>
+  <Id Name="System.Storyboarding.WindowsApps.WindowsAppsButton" Revision="1" Stencil="System.Storyboarding.WindowsApps" StencilVersion="0.1"/>
 </Control>
 </file>
 
 <file path=customXml/item125.xml><?xml version="1.0" encoding="utf-8"?>
 <Control xmlns="http://schemas.microsoft.com/VisualStudio/2011/storyboarding/control">
-  <Id Name="System.Storyboarding.WindowsAppIcons.Save" Revision="1" Stencil="System.Storyboarding.WindowsAppIcons" StencilVersion="0.1"/>
+  <Id Name="System.Storyboarding.WindowsApps.WindowsAppsButton" Revision="1" Stencil="System.Storyboarding.WindowsApps" StencilVersion="0.1"/>
 </Control>
 </file>
 
 <file path=customXml/item126.xml><?xml version="1.0" encoding="utf-8"?>
 <Control xmlns="http://schemas.microsoft.com/VisualStudio/2011/storyboarding/control">
-  <Id Name="System.Storyboarding.Annotation.CallOut" Revision="1" Stencil="System.Storyboarding.Annotation" StencilVersion="0.1"/>
+  <Id Name="System.Storyboarding.WindowsApps.WindowsAppsTileMedium" Revision="1" Stencil="System.Storyboarding.WindowsApps" StencilVersion="0.1"/>
 </Control>
 </file>
 
 <file path=customXml/item127.xml><?xml version="1.0" encoding="utf-8"?>
 <Control xmlns="http://schemas.microsoft.com/VisualStudio/2011/storyboarding/control">
-  <Id Name="fd7d7bed-114e-464c-a4f1-01a512005949" Revision="1" Stencil="System.MyShapes" StencilVersion="1.0"/>
+  <Id Name="System.Storyboarding.WindowsApps.WindowsAppsTileMedium" Revision="1" Stencil="System.Storyboarding.WindowsApps" StencilVersion="0.1"/>
 </Control>
 </file>
 
@@ -29627,25 +29627,25 @@
 
 <file path=customXml/item129.xml><?xml version="1.0" encoding="utf-8"?>
 <Control xmlns="http://schemas.microsoft.com/VisualStudio/2011/storyboarding/control">
-  <Id Name="System.Storyboarding.Annotation.CallOut" Revision="1" Stencil="System.Storyboarding.Annotation" StencilVersion="0.1"/>
+  <Id Name="fd7d7bed-114e-464c-a4f1-01a512005949" Revision="1" Stencil="System.MyShapes" StencilVersion="1.0"/>
 </Control>
 </file>
 
 <file path=customXml/item13.xml><?xml version="1.0" encoding="utf-8"?>
+<Control xmlns="http://schemas.microsoft.com/VisualStudio/2011/storyboarding/control">
+  <Id Name="System.Storyboarding.WindowsApps.WindowsAppsButton" Revision="1" Stencil="System.Storyboarding.WindowsApps" StencilVersion="0.1"/>
+</Control>
+</file>
+
+<file path=customXml/item130.xml><?xml version="1.0" encoding="utf-8"?>
 <Control xmlns="http://schemas.microsoft.com/VisualStudio/2011/storyboarding/control">
   <Id Name="System.Storyboarding.Annotation.CallOut" Revision="1" Stencil="System.Storyboarding.Annotation" StencilVersion="0.1"/>
 </Control>
 </file>
 
-<file path=customXml/item130.xml><?xml version="1.0" encoding="utf-8"?>
-<Control xmlns="http://schemas.microsoft.com/VisualStudio/2011/storyboarding/control">
-  <Id Name="fd7d7bed-114e-464c-a4f1-01a512005949" Revision="1" Stencil="System.MyShapes" StencilVersion="1.0"/>
-</Control>
-</file>
-
 <file path=customXml/item131.xml><?xml version="1.0" encoding="utf-8"?>
 <Control xmlns="http://schemas.microsoft.com/VisualStudio/2011/storyboarding/control">
-  <Id Name="fd7d7bed-114e-464c-a4f1-01a512005949" Revision="1" Stencil="System.MyShapes" StencilVersion="1.0"/>
+  <Id Name="System.Storyboarding.WindowsAppIcons.Games" Revision="1" Stencil="System.Storyboarding.WindowsAppIcons" StencilVersion="0.1"/>
 </Control>
 </file>
 
@@ -29657,133 +29657,133 @@
 
 <file path=customXml/item133.xml><?xml version="1.0" encoding="utf-8"?>
 <Control xmlns="http://schemas.microsoft.com/VisualStudio/2011/storyboarding/control">
-  <Id Name="System.Storyboarding.WindowsApps.WindowsAppsTileMedium" Revision="1" Stencil="System.Storyboarding.WindowsApps" StencilVersion="0.1"/>
+  <Id Name="System.Storyboarding.Annotation.CallOut" Revision="1" Stencil="System.Storyboarding.Annotation" StencilVersion="0.1"/>
 </Control>
 </file>
 
 <file path=customXml/item134.xml><?xml version="1.0" encoding="utf-8"?>
+<Control xmlns="http://schemas.microsoft.com/VisualStudio/2011/storyboarding/control">
+  <Id Name="System.Storyboarding.Icons.TrashCan" Revision="1" Stencil="System.Storyboarding.Icons" StencilVersion="0.1"/>
+</Control>
+</file>
+
+<file path=customXml/item135.xml><?xml version="1.0" encoding="utf-8"?>
+<Control xmlns="http://schemas.microsoft.com/VisualStudio/2011/storyboarding/control">
+  <Id Name="System.Storyboarding.Annotation.AnimatedRectangleCallout" Revision="1" Stencil="System.Storyboarding.Annotation" StencilVersion="0.1"/>
+</Control>
+</file>
+
+<file path=customXml/item136.xml><?xml version="1.0" encoding="utf-8"?>
 <Control xmlns="http://schemas.microsoft.com/VisualStudio/2011/storyboarding/control">
   <Id Name="System.Storyboarding.Annotation.CallOut" Revision="1" Stencil="System.Storyboarding.Annotation" StencilVersion="0.1"/>
 </Control>
 </file>
 
-<file path=customXml/item135.xml><?xml version="1.0" encoding="utf-8"?>
+<file path=customXml/item137.xml><?xml version="1.0" encoding="utf-8"?>
+<Control xmlns="http://schemas.microsoft.com/VisualStudio/2011/storyboarding/control">
+  <Id Name="System.Storyboarding.Annotation.CallOut" Revision="1" Stencil="System.Storyboarding.Annotation" StencilVersion="0.1"/>
+</Control>
+</file>
+
+<file path=customXml/item138.xml><?xml version="1.0" encoding="utf-8"?>
+<Control xmlns="http://schemas.microsoft.com/VisualStudio/2011/storyboarding/control">
+  <Id Name="System.Storyboarding.WindowsApps.WindowsAppsButton" Revision="1" Stencil="System.Storyboarding.WindowsApps" StencilVersion="0.1"/>
+</Control>
+</file>
+
+<file path=customXml/item139.xml><?xml version="1.0" encoding="utf-8"?>
 <Control xmlns="http://schemas.microsoft.com/VisualStudio/2011/storyboarding/control">
   <Id Name="System.Storyboarding.WindowsApps.WindowsAppsTileMedium" Revision="1" Stencil="System.Storyboarding.WindowsApps" StencilVersion="0.1"/>
 </Control>
 </file>
 
-<file path=customXml/item136.xml><?xml version="1.0" encoding="utf-8"?>
+<file path=customXml/item14.xml><?xml version="1.0" encoding="utf-8"?>
+<Control xmlns="http://schemas.microsoft.com/VisualStudio/2011/storyboarding/control">
+  <Id Name="System.Storyboarding.Annotation.CallOut" Revision="1" Stencil="System.Storyboarding.Annotation" StencilVersion="0.1"/>
+</Control>
+</file>
+
+<file path=customXml/item140.xml><?xml version="1.0" encoding="utf-8"?>
 <Control xmlns="http://schemas.microsoft.com/VisualStudio/2011/storyboarding/control">
   <Id Name="System.Storyboarding.WindowsApps.WindowsAppsEditBox" Revision="1" Stencil="System.Storyboarding.WindowsApps" StencilVersion="0.1"/>
 </Control>
 </file>
 
-<file path=customXml/item137.xml><?xml version="1.0" encoding="utf-8"?>
+<file path=customXml/item141.xml><?xml version="1.0" encoding="utf-8"?>
+<Control xmlns="http://schemas.microsoft.com/VisualStudio/2011/storyboarding/control">
+  <Id Name="System.Storyboarding.Annotation.AnimatedRectangleCallout" Revision="1" Stencil="System.Storyboarding.Annotation" StencilVersion="0.1"/>
+</Control>
+</file>
+
+<file path=customXml/item142.xml><?xml version="1.0" encoding="utf-8"?>
+<Control xmlns="http://schemas.microsoft.com/VisualStudio/2011/storyboarding/control">
+  <Id Name="System.Storyboarding.Annotation.StickyNote" Revision="1" Stencil="System.Storyboarding.Annotation" StencilVersion="0.1"/>
+</Control>
+</file>
+
+<file path=customXml/item143.xml><?xml version="1.0" encoding="utf-8"?>
+<Control xmlns="http://schemas.microsoft.com/VisualStudio/2011/storyboarding/control">
+  <Id Name="System.Storyboarding.Annotation.CallOut" Revision="1" Stencil="System.Storyboarding.Annotation" StencilVersion="0.1"/>
+</Control>
+</file>
+
+<file path=customXml/item144.xml><?xml version="1.0" encoding="utf-8"?>
+<Control xmlns="http://schemas.microsoft.com/VisualStudio/2011/storyboarding/control">
+  <Id Name="System.Storyboarding.Annotation.CallOut" Revision="1" Stencil="System.Storyboarding.Annotation" StencilVersion="0.1"/>
+</Control>
+</file>
+
+<file path=customXml/item145.xml><?xml version="1.0" encoding="utf-8"?>
+<Control xmlns="http://schemas.microsoft.com/VisualStudio/2011/storyboarding/control">
+  <Id Name="fd7d7bed-114e-464c-a4f1-01a512005949" Revision="1" Stencil="System.MyShapes" StencilVersion="1.0"/>
+</Control>
+</file>
+
+<file path=customXml/item146.xml><?xml version="1.0" encoding="utf-8"?>
+<Control xmlns="http://schemas.microsoft.com/VisualStudio/2011/storyboarding/control">
+  <Id Name="System.Storyboarding.WindowsAppIcons.Games" Revision="1" Stencil="System.Storyboarding.WindowsAppIcons" StencilVersion="0.1"/>
+</Control>
+</file>
+
+<file path=customXml/item147.xml><?xml version="1.0" encoding="utf-8"?>
+<Control xmlns="http://schemas.microsoft.com/VisualStudio/2011/storyboarding/control">
+  <Id Name="System.Storyboarding.WindowsApps.WindowsAppsTileMedium" Revision="1" Stencil="System.Storyboarding.WindowsApps" StencilVersion="0.1"/>
+</Control>
+</file>
+
+<file path=customXml/item148.xml><?xml version="1.0" encoding="utf-8"?>
+<Control xmlns="http://schemas.microsoft.com/VisualStudio/2011/storyboarding/control">
+  <Id Name="System.Storyboarding.Annotation.CallOut" Revision="1" Stencil="System.Storyboarding.Annotation" StencilVersion="0.1"/>
+</Control>
+</file>
+
+<file path=customXml/item149.xml><?xml version="1.0" encoding="utf-8"?>
 <Control xmlns="http://schemas.microsoft.com/VisualStudio/2011/storyboarding/control">
   <Id Name="System.Storyboarding.WindowsApps.WindowsAppsEditBox" Revision="1" Stencil="System.Storyboarding.WindowsApps" StencilVersion="0.1"/>
 </Control>
 </file>
 
-<file path=customXml/item138.xml><?xml version="1.0" encoding="utf-8"?>
+<file path=customXml/item15.xml><?xml version="1.0" encoding="utf-8"?>
+<Control xmlns="http://schemas.microsoft.com/VisualStudio/2011/storyboarding/control">
+  <Id Name="fd7d7bed-114e-464c-a4f1-01a512005949" Revision="1" Stencil="System.MyShapes" StencilVersion="1.0"/>
+</Control>
+</file>
+
+<file path=customXml/item150.xml><?xml version="1.0" encoding="utf-8"?>
+<Control xmlns="http://schemas.microsoft.com/VisualStudio/2011/storyboarding/control">
+  <Id Name="System.Storyboarding.Annotation.CallOut" Revision="1" Stencil="System.Storyboarding.Annotation" StencilVersion="0.1"/>
+</Control>
+</file>
+
+<file path=customXml/item151.xml><?xml version="1.0" encoding="utf-8"?>
 <Control xmlns="http://schemas.microsoft.com/VisualStudio/2011/storyboarding/control">
   <Id Name="System.Storyboarding.WindowsApps.WindowsAppsTileMedium" Revision="1" Stencil="System.Storyboarding.WindowsApps" StencilVersion="0.1"/>
 </Control>
 </file>
 
-<file path=customXml/item139.xml><?xml version="1.0" encoding="utf-8"?>
+<file path=customXml/item152.xml><?xml version="1.0" encoding="utf-8"?>
 <Control xmlns="http://schemas.microsoft.com/VisualStudio/2011/storyboarding/control">
   <Id Name="System.Storyboarding.Annotation.CallOut" Revision="1" Stencil="System.Storyboarding.Annotation" StencilVersion="0.1"/>
-</Control>
-</file>
-
-<file path=customXml/item14.xml><?xml version="1.0" encoding="utf-8"?>
-<Control xmlns="http://schemas.microsoft.com/VisualStudio/2011/storyboarding/control">
-  <Id Name="System.Storyboarding.WindowsApps.WindowsAppsButton" Revision="1" Stencil="System.Storyboarding.WindowsApps" StencilVersion="0.1"/>
-</Control>
-</file>
-
-<file path=customXml/item140.xml><?xml version="1.0" encoding="utf-8"?>
-<Control xmlns="http://schemas.microsoft.com/VisualStudio/2011/storyboarding/control">
-  <Id Name="System.Storyboarding.Annotation.CallOut" Revision="1" Stencil="System.Storyboarding.Annotation" StencilVersion="0.1"/>
-</Control>
-</file>
-
-<file path=customXml/item141.xml><?xml version="1.0" encoding="utf-8"?>
-<Control xmlns="http://schemas.microsoft.com/VisualStudio/2011/storyboarding/control">
-  <Id Name="fd7d7bed-114e-464c-a4f1-01a512005949" Revision="1" Stencil="System.MyShapes" StencilVersion="1.0"/>
-</Control>
-</file>
-
-<file path=customXml/item142.xml><?xml version="1.0" encoding="utf-8"?>
-<Control xmlns="http://schemas.microsoft.com/VisualStudio/2011/storyboarding/control">
-  <Id Name="System.Storyboarding.WindowsApps.WindowsAppsEditBox" Revision="1" Stencil="System.Storyboarding.WindowsApps" StencilVersion="0.1"/>
-</Control>
-</file>
-
-<file path=customXml/item143.xml><?xml version="1.0" encoding="utf-8"?>
-<Control xmlns="http://schemas.microsoft.com/VisualStudio/2011/storyboarding/control">
-  <Id Name="System.Storyboarding.WindowsApps.WindowsAppsEditBox" Revision="1" Stencil="System.Storyboarding.WindowsApps" StencilVersion="0.1"/>
-</Control>
-</file>
-
-<file path=customXml/item144.xml><?xml version="1.0" encoding="utf-8"?>
-<Control xmlns="http://schemas.microsoft.com/VisualStudio/2011/storyboarding/control">
-  <Id Name="System.Storyboarding.WindowsApps.WindowsAppsTileMedium" Revision="1" Stencil="System.Storyboarding.WindowsApps" StencilVersion="0.1"/>
-</Control>
-</file>
-
-<file path=customXml/item145.xml><?xml version="1.0" encoding="utf-8"?>
-<Control xmlns="http://schemas.microsoft.com/VisualStudio/2011/storyboarding/control">
-  <Id Name="System.Storyboarding.WindowsApps.WindowsAppsButton" Revision="1" Stencil="System.Storyboarding.WindowsApps" StencilVersion="0.1"/>
-</Control>
-</file>
-
-<file path=customXml/item146.xml><?xml version="1.0" encoding="utf-8"?>
-<Control xmlns="http://schemas.microsoft.com/VisualStudio/2011/storyboarding/control">
-  <Id Name="System.Storyboarding.Common.CheckBoxChecked" Revision="1" Stencil="System.Storyboarding.Common" StencilVersion="0.1"/>
-</Control>
-</file>
-
-<file path=customXml/item147.xml><?xml version="1.0" encoding="utf-8"?>
-<Control xmlns="http://schemas.microsoft.com/VisualStudio/2011/storyboarding/control">
-  <Id Name="fd7d7bed-114e-464c-a4f1-01a512005949" Revision="1" Stencil="System.MyShapes" StencilVersion="1.0"/>
-</Control>
-</file>
-
-<file path=customXml/item148.xml><?xml version="1.0" encoding="utf-8"?>
-<Control xmlns="http://schemas.microsoft.com/VisualStudio/2011/storyboarding/control">
-  <Id Name="System.Storyboarding.WindowsApps.WindowsAppsEditBox" Revision="1" Stencil="System.Storyboarding.WindowsApps" StencilVersion="0.1"/>
-</Control>
-</file>
-
-<file path=customXml/item149.xml><?xml version="1.0" encoding="utf-8"?>
-<Control xmlns="http://schemas.microsoft.com/VisualStudio/2011/storyboarding/control">
-  <Id Name="System.Storyboarding.Annotation.CallOut" Revision="1" Stencil="System.Storyboarding.Annotation" StencilVersion="0.1"/>
-</Control>
-</file>
-
-<file path=customXml/item15.xml><?xml version="1.0" encoding="utf-8"?>
-<Control xmlns="http://schemas.microsoft.com/VisualStudio/2011/storyboarding/control">
-  <Id Name="System.Storyboarding.WindowsApps.WindowsAppsEditBox" Revision="1" Stencil="System.Storyboarding.WindowsApps" StencilVersion="0.1"/>
-</Control>
-</file>
-
-<file path=customXml/item150.xml><?xml version="1.0" encoding="utf-8"?>
-<Control xmlns="http://schemas.microsoft.com/VisualStudio/2011/storyboarding/control">
-  <Id Name="fd7d7bed-114e-464c-a4f1-01a512005949" Revision="1" Stencil="System.MyShapes" StencilVersion="1.0"/>
-</Control>
-</file>
-
-<file path=customXml/item151.xml><?xml version="1.0" encoding="utf-8"?>
-<Control xmlns="http://schemas.microsoft.com/VisualStudio/2011/storyboarding/control">
-  <Id Name="fd7d7bed-114e-464c-a4f1-01a512005949" Revision="1" Stencil="System.MyShapes" StencilVersion="1.0"/>
-</Control>
-</file>
-
-<file path=customXml/item152.xml><?xml version="1.0" encoding="utf-8"?>
-<Control xmlns="http://schemas.microsoft.com/VisualStudio/2011/storyboarding/control">
-  <Id Name="System.Storyboarding.WindowsAppIcons.Save" Revision="1" Stencil="System.Storyboarding.WindowsAppIcons" StencilVersion="0.1"/>
 </Control>
 </file>
 
@@ -29795,115 +29795,115 @@
 
 <file path=customXml/item154.xml><?xml version="1.0" encoding="utf-8"?>
 <Control xmlns="http://schemas.microsoft.com/VisualStudio/2011/storyboarding/control">
+  <Id Name="fd7d7bed-114e-464c-a4f1-01a512005949" Revision="1" Stencil="System.MyShapes" StencilVersion="1.0"/>
+</Control>
+</file>
+
+<file path=customXml/item155.xml><?xml version="1.0" encoding="utf-8"?>
+<Control xmlns="http://schemas.microsoft.com/VisualStudio/2011/storyboarding/control">
   <Id Name="System.Storyboarding.WindowsApps.WindowsAppsTileMedium" Revision="1" Stencil="System.Storyboarding.WindowsApps" StencilVersion="0.1"/>
 </Control>
 </file>
 
-<file path=customXml/item155.xml><?xml version="1.0" encoding="utf-8"?>
+<file path=customXml/item156.xml><?xml version="1.0" encoding="utf-8"?>
+<Control xmlns="http://schemas.microsoft.com/VisualStudio/2011/storyboarding/control">
+  <Id Name="fd7d7bed-114e-464c-a4f1-01a512005949" Revision="1" Stencil="System.MyShapes" StencilVersion="1.0"/>
+</Control>
+</file>
+
+<file path=customXml/item157.xml><?xml version="1.0" encoding="utf-8"?>
+<Control xmlns="http://schemas.microsoft.com/VisualStudio/2011/storyboarding/control">
+  <Id Name="System.Storyboarding.WindowsApps.WindowsAppsButton" Revision="1" Stencil="System.Storyboarding.WindowsApps" StencilVersion="0.1"/>
+</Control>
+</file>
+
+<file path=customXml/item158.xml><?xml version="1.0" encoding="utf-8"?>
+<Control xmlns="http://schemas.microsoft.com/VisualStudio/2011/storyboarding/control">
+  <Id Name="System.Storyboarding.WindowsApps.WindowsAppsTileMedium" Revision="1" Stencil="System.Storyboarding.WindowsApps" StencilVersion="0.1"/>
+</Control>
+</file>
+
+<file path=customXml/item159.xml><?xml version="1.0" encoding="utf-8"?>
+<Control xmlns="http://schemas.microsoft.com/VisualStudio/2011/storyboarding/control">
+  <Id Name="System.Storyboarding.WindowsApps.WindowsAppsTileMedium" Revision="1" Stencil="System.Storyboarding.WindowsApps" StencilVersion="0.1"/>
+</Control>
+</file>
+
+<file path=customXml/item16.xml><?xml version="1.0" encoding="utf-8"?>
+<Control xmlns="http://schemas.microsoft.com/VisualStudio/2011/storyboarding/control">
+  <Id Name="System.Storyboarding.WindowsApps.WindowsAppsTileMedium" Revision="1" Stencil="System.Storyboarding.WindowsApps" StencilVersion="0.1"/>
+</Control>
+</file>
+
+<file path=customXml/item160.xml><?xml version="1.0" encoding="utf-8"?>
 <Control xmlns="http://schemas.microsoft.com/VisualStudio/2011/storyboarding/control">
   <Id Name="System.Storyboarding.WindowsApps.WindowsAppsEditBox" Revision="1" Stencil="System.Storyboarding.WindowsApps" StencilVersion="0.1"/>
 </Control>
 </file>
 
-<file path=customXml/item156.xml><?xml version="1.0" encoding="utf-8"?>
+<file path=customXml/item161.xml><?xml version="1.0" encoding="utf-8"?>
 <Control xmlns="http://schemas.microsoft.com/VisualStudio/2011/storyboarding/control">
   <Id Name="System.Storyboarding.WindowsApps.WindowsAppsButton" Revision="1" Stencil="System.Storyboarding.WindowsApps" StencilVersion="0.1"/>
 </Control>
 </file>
 
-<file path=customXml/item157.xml><?xml version="1.0" encoding="utf-8"?>
+<file path=customXml/item162.xml><?xml version="1.0" encoding="utf-8"?>
+<Control xmlns="http://schemas.microsoft.com/VisualStudio/2011/storyboarding/control">
+  <Id Name="System.Storyboarding.WindowsApps.WindowsAppsButton" Revision="1" Stencil="System.Storyboarding.WindowsApps" StencilVersion="0.1"/>
+</Control>
+</file>
+
+<file path=customXml/item163.xml><?xml version="1.0" encoding="utf-8"?>
 <Control xmlns="http://schemas.microsoft.com/VisualStudio/2011/storyboarding/control">
   <Id Name="System.Storyboarding.Annotation.CallOut" Revision="1" Stencil="System.Storyboarding.Annotation" StencilVersion="0.1"/>
 </Control>
 </file>
 
-<file path=customXml/item158.xml><?xml version="1.0" encoding="utf-8"?>
+<file path=customXml/item164.xml><?xml version="1.0" encoding="utf-8"?>
+<Control xmlns="http://schemas.microsoft.com/VisualStudio/2011/storyboarding/control">
+  <Id Name="System.Storyboarding.Common.CheckBoxUnchecked" Revision="1" Stencil="System.Storyboarding.Common" StencilVersion="0.1"/>
+</Control>
+</file>
+
+<file path=customXml/item165.xml><?xml version="1.0" encoding="utf-8"?>
+<Control xmlns="http://schemas.microsoft.com/VisualStudio/2011/storyboarding/control">
+  <Id Name="System.Storyboarding.WindowsApps.WindowsAppsEditBox" Revision="1" Stencil="System.Storyboarding.WindowsApps" StencilVersion="0.1"/>
+</Control>
+</file>
+
+<file path=customXml/item166.xml><?xml version="1.0" encoding="utf-8"?>
+<Control xmlns="http://schemas.microsoft.com/VisualStudio/2011/storyboarding/control">
+  <Id Name="System.Storyboarding.Common.CheckBoxUnchecked" Revision="1" Stencil="System.Storyboarding.Common" StencilVersion="0.1"/>
+</Control>
+</file>
+
+<file path=customXml/item167.xml><?xml version="1.0" encoding="utf-8"?>
 <Control xmlns="http://schemas.microsoft.com/VisualStudio/2011/storyboarding/control">
   <Id Name="System.Storyboarding.Annotation.CallOut" Revision="1" Stencil="System.Storyboarding.Annotation" StencilVersion="0.1"/>
 </Control>
 </file>
 
-<file path=customXml/item159.xml><?xml version="1.0" encoding="utf-8"?>
+<file path=customXml/item168.xml><?xml version="1.0" encoding="utf-8"?>
 <Control xmlns="http://schemas.microsoft.com/VisualStudio/2011/storyboarding/control">
-  <Id Name="System.Storyboarding.WindowsApps.WindowsAppsEditBox" Revision="1" Stencil="System.Storyboarding.WindowsApps" StencilVersion="0.1"/>
+  <Id Name="System.Storyboarding.Icons.Warning" Revision="1" Stencil="System.Storyboarding.Icons" StencilVersion="0.1"/>
 </Control>
 </file>
 
-<file path=customXml/item16.xml><?xml version="1.0" encoding="utf-8"?>
-<Control xmlns="http://schemas.microsoft.com/VisualStudio/2011/storyboarding/control">
-  <Id Name="fd7d7bed-114e-464c-a4f1-01a512005949" Revision="1" Stencil="System.MyShapes" StencilVersion="1.0"/>
-</Control>
-</file>
-
-<file path=customXml/item160.xml><?xml version="1.0" encoding="utf-8"?>
-<Control xmlns="http://schemas.microsoft.com/VisualStudio/2011/storyboarding/control">
-  <Id Name="System.Storyboarding.Common.CheckBoxUnchecked" Revision="1" Stencil="System.Storyboarding.Common" StencilVersion="0.1"/>
-</Control>
-</file>
-
-<file path=customXml/item161.xml><?xml version="1.0" encoding="utf-8"?>
-<Control xmlns="http://schemas.microsoft.com/VisualStudio/2011/storyboarding/control">
-  <Id Name="System.Storyboarding.WindowsApps.WindowsAppsEditBox" Revision="1" Stencil="System.Storyboarding.WindowsApps" StencilVersion="0.1"/>
-</Control>
-</file>
-
-<file path=customXml/item162.xml><?xml version="1.0" encoding="utf-8"?>
-<Control xmlns="http://schemas.microsoft.com/VisualStudio/2011/storyboarding/control">
-  <Id Name="fd7d7bed-114e-464c-a4f1-01a512005949" Revision="1" Stencil="System.MyShapes" StencilVersion="1.0"/>
-</Control>
-</file>
-
-<file path=customXml/item163.xml><?xml version="1.0" encoding="utf-8"?>
-<Control xmlns="http://schemas.microsoft.com/VisualStudio/2011/storyboarding/control">
-  <Id Name="fd7d7bed-114e-464c-a4f1-01a512005949" Revision="1" Stencil="System.MyShapes" StencilVersion="1.0"/>
-</Control>
-</file>
-
-<file path=customXml/item164.xml><?xml version="1.0" encoding="utf-8"?>
+<file path=customXml/item169.xml><?xml version="1.0" encoding="utf-8"?>
 <Control xmlns="http://schemas.microsoft.com/VisualStudio/2011/storyboarding/control">
   <Id Name="System.Storyboarding.WindowsApps.WindowsAppsButton" Revision="1" Stencil="System.Storyboarding.WindowsApps" StencilVersion="0.1"/>
 </Control>
 </file>
 
-<file path=customXml/item165.xml><?xml version="1.0" encoding="utf-8"?>
+<file path=customXml/item17.xml><?xml version="1.0" encoding="utf-8"?>
+<Control xmlns="http://schemas.microsoft.com/VisualStudio/2011/storyboarding/control">
+  <Id Name="System.Storyboarding.WindowsDesktop.AlertDialog" Revision="1" Stencil="System.Storyboarding.WindowsDesktop" StencilVersion="0.1"/>
+</Control>
+</file>
+
+<file path=customXml/item170.xml><?xml version="1.0" encoding="utf-8"?>
 <Control xmlns="http://schemas.microsoft.com/VisualStudio/2011/storyboarding/control">
   <Id Name="System.Storyboarding.WindowsApps.WindowsAppsButton" Revision="1" Stencil="System.Storyboarding.WindowsApps" StencilVersion="0.1"/>
-</Control>
-</file>
-
-<file path=customXml/item166.xml><?xml version="1.0" encoding="utf-8"?>
-<Control xmlns="http://schemas.microsoft.com/VisualStudio/2011/storyboarding/control">
-  <Id Name="System.Storyboarding.WindowsApps.WindowsAppsTileMedium" Revision="1" Stencil="System.Storyboarding.WindowsApps" StencilVersion="0.1"/>
-</Control>
-</file>
-
-<file path=customXml/item167.xml><?xml version="1.0" encoding="utf-8"?>
-<Control xmlns="http://schemas.microsoft.com/VisualStudio/2011/storyboarding/control">
-  <Id Name="System.Storyboarding.WindowsApps.WindowsAppsButton" Revision="1" Stencil="System.Storyboarding.WindowsApps" StencilVersion="0.1"/>
-</Control>
-</file>
-
-<file path=customXml/item168.xml><?xml version="1.0" encoding="utf-8"?>
-<Control xmlns="http://schemas.microsoft.com/VisualStudio/2011/storyboarding/control">
-  <Id Name="32035d07-bc66-4a79-8001-2507012193e3" RevisionId="7f6cc906-8fab-4878-8f41-90bcdc4e860e" Stencil="172d6d98-e5c9-42e9-a209-79f7a94bbd38" StencilRevisionId="00000000-0000-0000-0000-000000000000" StencilVersion="0.0"/>
-</Control>
-</file>
-
-<file path=customXml/item169.xml><?xml version="1.0" encoding="utf-8"?>
-<Control xmlns="http://schemas.microsoft.com/VisualStudio/2011/storyboarding/control">
-  <Id Name="System.Storyboarding.Annotation.CallOut" Revision="1" Stencil="System.Storyboarding.Annotation" StencilVersion="0.1"/>
-</Control>
-</file>
-
-<file path=customXml/item17.xml><?xml version="1.0" encoding="utf-8"?>
-<Control xmlns="http://schemas.microsoft.com/VisualStudio/2011/storyboarding/control">
-  <Id Name="System.Storyboarding.WindowsApps.WindowsAppsEditBox" Revision="1" Stencil="System.Storyboarding.WindowsApps" StencilVersion="0.1"/>
-</Control>
-</file>
-
-<file path=customXml/item170.xml><?xml version="1.0" encoding="utf-8"?>
-<Control xmlns="http://schemas.microsoft.com/VisualStudio/2011/storyboarding/control">
-  <Id Name="System.Storyboarding.WindowsApps.WindowsAppsTileMedium" Revision="1" Stencil="System.Storyboarding.WindowsApps" StencilVersion="0.1"/>
 </Control>
 </file>
 
@@ -29915,7 +29915,7 @@
 
 <file path=customXml/item172.xml><?xml version="1.0" encoding="utf-8"?>
 <Control xmlns="http://schemas.microsoft.com/VisualStudio/2011/storyboarding/control">
-  <Id Name="System.Storyboarding.WindowsAppIcons.Like" Revision="1" Stencil="System.Storyboarding.WindowsAppIcons" StencilVersion="0.1"/>
+  <Id Name="System.Storyboarding.WindowsApps.WindowsAppsEditBox" Revision="1" Stencil="System.Storyboarding.WindowsApps" StencilVersion="0.1"/>
 </Control>
 </file>
 
@@ -29927,19 +29927,19 @@
 
 <file path=customXml/item174.xml><?xml version="1.0" encoding="utf-8"?>
 <Control xmlns="http://schemas.microsoft.com/VisualStudio/2011/storyboarding/control">
-  <Id Name="System.Storyboarding.Annotation.CallOut" Revision="1" Stencil="System.Storyboarding.Annotation" StencilVersion="0.1"/>
+  <Id Name="System.Storyboarding.WindowsApps.WindowsAppsButton" Revision="1" Stencil="System.Storyboarding.WindowsApps" StencilVersion="0.1"/>
 </Control>
 </file>
 
 <file path=customXml/item175.xml><?xml version="1.0" encoding="utf-8"?>
 <Control xmlns="http://schemas.microsoft.com/VisualStudio/2011/storyboarding/control">
-  <Id Name="System.Storyboarding.WindowsApps.WindowsAppsButton" Revision="1" Stencil="System.Storyboarding.WindowsApps" StencilVersion="0.1"/>
+  <Id Name="System.Storyboarding.WindowsApps.WindowsAppsTileMedium" Revision="1" Stencil="System.Storyboarding.WindowsApps" StencilVersion="0.1"/>
 </Control>
 </file>
 
 <file path=customXml/item176.xml><?xml version="1.0" encoding="utf-8"?>
 <Control xmlns="http://schemas.microsoft.com/VisualStudio/2011/storyboarding/control">
-  <Id Name="System.Storyboarding.Annotation.AnimatedRectangleCallout" Revision="1" Stencil="System.Storyboarding.Annotation" StencilVersion="0.1"/>
+  <Id Name="System.Storyboarding.WindowsApps.WindowsAppsButton" Revision="1" Stencil="System.Storyboarding.WindowsApps" StencilVersion="0.1"/>
 </Control>
 </file>
 
@@ -29951,103 +29951,103 @@
 
 <file path=customXml/item178.xml><?xml version="1.0" encoding="utf-8"?>
 <Control xmlns="http://schemas.microsoft.com/VisualStudio/2011/storyboarding/control">
-  <Id Name="System.Storyboarding.WindowsApps.WindowsAppsTileMedium" Revision="1" Stencil="System.Storyboarding.WindowsApps" StencilVersion="0.1"/>
+  <Id Name="fd7d7bed-114e-464c-a4f1-01a512005949" Revision="1" Stencil="System.MyShapes" StencilVersion="1.0"/>
 </Control>
 </file>
 
 <file path=customXml/item179.xml><?xml version="1.0" encoding="utf-8"?>
 <Control xmlns="http://schemas.microsoft.com/VisualStudio/2011/storyboarding/control">
-  <Id Name="32035d07-bc66-4a79-8001-2507012193e3" RevisionId="7f6cc906-8fab-4878-8f41-90bcdc4e860e" Stencil="172d6d98-e5c9-42e9-a209-79f7a94bbd38" StencilRevisionId="00000000-0000-0000-0000-000000000000" StencilVersion="0.0"/>
+  <Id Name="System.Storyboarding.Annotation.CallOut" Revision="1" Stencil="System.Storyboarding.Annotation" StencilVersion="0.1"/>
 </Control>
 </file>
 
 <file path=customXml/item18.xml><?xml version="1.0" encoding="utf-8"?>
+<Control xmlns="http://schemas.microsoft.com/VisualStudio/2011/storyboarding/control">
+  <Id Name="fd7d7bed-114e-464c-a4f1-01a512005949" Revision="1" Stencil="System.MyShapes" StencilVersion="1.0"/>
+</Control>
+</file>
+
+<file path=customXml/item180.xml><?xml version="1.0" encoding="utf-8"?>
+<Control xmlns="http://schemas.microsoft.com/VisualStudio/2011/storyboarding/control">
+  <Id Name="System.Storyboarding.Annotation.CallOut" Revision="1" Stencil="System.Storyboarding.Annotation" StencilVersion="0.1"/>
+</Control>
+</file>
+
+<file path=customXml/item181.xml><?xml version="1.0" encoding="utf-8"?>
+<Control xmlns="http://schemas.microsoft.com/VisualStudio/2011/storyboarding/control">
+  <Id Name="System.Storyboarding.Common.CheckBoxUnchecked" Revision="1" Stencil="System.Storyboarding.Common" StencilVersion="0.1"/>
+</Control>
+</file>
+
+<file path=customXml/item182.xml><?xml version="1.0" encoding="utf-8"?>
 <Control xmlns="http://schemas.microsoft.com/VisualStudio/2011/storyboarding/control">
   <Id Name="System.Storyboarding.WindowsApps.WindowsAppsTileMedium" Revision="1" Stencil="System.Storyboarding.WindowsApps" StencilVersion="0.1"/>
 </Control>
 </file>
 
-<file path=customXml/item180.xml><?xml version="1.0" encoding="utf-8"?>
+<file path=customXml/item183.xml><?xml version="1.0" encoding="utf-8"?>
 <Control xmlns="http://schemas.microsoft.com/VisualStudio/2011/storyboarding/control">
-  <Id Name="System.Storyboarding.WindowsApps.WindowsAppsTileMedium" Revision="1" Stencil="System.Storyboarding.WindowsApps" StencilVersion="0.1"/>
+  <Id Name="System.Storyboarding.WindowsAppIcons.Games" Revision="1" Stencil="System.Storyboarding.WindowsAppIcons" StencilVersion="0.1"/>
 </Control>
 </file>
 
-<file path=customXml/item181.xml><?xml version="1.0" encoding="utf-8"?>
+<file path=customXml/item184.xml><?xml version="1.0" encoding="utf-8"?>
+<Control xmlns="http://schemas.microsoft.com/VisualStudio/2011/storyboarding/control">
+  <Id Name="fd7d7bed-114e-464c-a4f1-01a512005949" Revision="1" Stencil="System.MyShapes" StencilVersion="1.0"/>
+</Control>
+</file>
+
+<file path=customXml/item185.xml><?xml version="1.0" encoding="utf-8"?>
+<Control xmlns="http://schemas.microsoft.com/VisualStudio/2011/storyboarding/control">
+  <Id Name="System.Storyboarding.Annotation.CallOut" Revision="1" Stencil="System.Storyboarding.Annotation" StencilVersion="0.1"/>
+</Control>
+</file>
+
+<file path=customXml/item186.xml><?xml version="1.0" encoding="utf-8"?>
+<Control xmlns="http://schemas.microsoft.com/VisualStudio/2011/storyboarding/control">
+  <Id Name="fd7d7bed-114e-464c-a4f1-01a512005949" Revision="1" Stencil="System.MyShapes" StencilVersion="1.0"/>
+</Control>
+</file>
+
+<file path=customXml/item187.xml><?xml version="1.0" encoding="utf-8"?>
+<Control xmlns="http://schemas.microsoft.com/VisualStudio/2011/storyboarding/control">
+  <Id Name="System.Storyboarding.Annotation.StickyNote" Revision="1" Stencil="System.Storyboarding.Annotation" StencilVersion="0.1"/>
+</Control>
+</file>
+
+<file path=customXml/item188.xml><?xml version="1.0" encoding="utf-8"?>
+<Control xmlns="http://schemas.microsoft.com/VisualStudio/2011/storyboarding/control">
+  <Id Name="System.Storyboarding.WindowsAppIcons.Save" Revision="1" Stencil="System.Storyboarding.WindowsAppIcons" StencilVersion="0.1"/>
+</Control>
+</file>
+
+<file path=customXml/item189.xml><?xml version="1.0" encoding="utf-8"?>
+<Control xmlns="http://schemas.microsoft.com/VisualStudio/2011/storyboarding/control">
+  <Id Name="System.Storyboarding.Common.CheckBoxChecked" Revision="1" Stencil="System.Storyboarding.Common" StencilVersion="0.1"/>
+</Control>
+</file>
+
+<file path=customXml/item19.xml><?xml version="1.0" encoding="utf-8"?>
 <Control xmlns="http://schemas.microsoft.com/VisualStudio/2011/storyboarding/control">
   <Id Name="System.Storyboarding.WindowsApps.WindowsAppsButton" Revision="1" Stencil="System.Storyboarding.WindowsApps" StencilVersion="0.1"/>
 </Control>
 </file>
 
-<file path=customXml/item182.xml><?xml version="1.0" encoding="utf-8"?>
-<Control xmlns="http://schemas.microsoft.com/VisualStudio/2011/storyboarding/control">
-  <Id Name="System.Storyboarding.WindowsApps.WindowsAppsEditBox" Revision="1" Stencil="System.Storyboarding.WindowsApps" StencilVersion="0.1"/>
-</Control>
-</file>
-
-<file path=customXml/item183.xml><?xml version="1.0" encoding="utf-8"?>
-<Control xmlns="http://schemas.microsoft.com/VisualStudio/2011/storyboarding/control">
-  <Id Name="System.Storyboarding.Annotation.AnimatedRectangleCallout" Revision="1" Stencil="System.Storyboarding.Annotation" StencilVersion="0.1"/>
-</Control>
-</file>
-
-<file path=customXml/item184.xml><?xml version="1.0" encoding="utf-8"?>
-<Control xmlns="http://schemas.microsoft.com/VisualStudio/2011/storyboarding/control">
-  <Id Name="System.Storyboarding.Annotation.StickyNote" Revision="1" Stencil="System.Storyboarding.Annotation" StencilVersion="0.1"/>
-</Control>
-</file>
-
-<file path=customXml/item185.xml><?xml version="1.0" encoding="utf-8"?>
+<file path=customXml/item190.xml><?xml version="1.0" encoding="utf-8"?>
 <Control xmlns="http://schemas.microsoft.com/VisualStudio/2011/storyboarding/control">
   <Id Name="System.Storyboarding.WindowsApps.WindowsAppsButton" Revision="1" Stencil="System.Storyboarding.WindowsApps" StencilVersion="0.1"/>
 </Control>
 </file>
 
-<file path=customXml/item186.xml><?xml version="1.0" encoding="utf-8"?>
-<Control xmlns="http://schemas.microsoft.com/VisualStudio/2011/storyboarding/control">
-  <Id Name="System.Storyboarding.WindowsApps.WindowsAppsTileMedium" Revision="1" Stencil="System.Storyboarding.WindowsApps" StencilVersion="0.1"/>
-</Control>
-</file>
-
-<file path=customXml/item187.xml><?xml version="1.0" encoding="utf-8"?>
-<Control xmlns="http://schemas.microsoft.com/VisualStudio/2011/storyboarding/control">
-  <Id Name="System.Storyboarding.WindowsApps.WindowsAppsTileMedium" Revision="1" Stencil="System.Storyboarding.WindowsApps" StencilVersion="0.1"/>
-</Control>
-</file>
-
-<file path=customXml/item188.xml><?xml version="1.0" encoding="utf-8"?>
+<file path=customXml/item191.xml><?xml version="1.0" encoding="utf-8"?>
 <Control xmlns="http://schemas.microsoft.com/VisualStudio/2011/storyboarding/control">
   <Id Name="System.Storyboarding.Common.CheckBoxUnchecked" Revision="1" Stencil="System.Storyboarding.Common" StencilVersion="0.1"/>
 </Control>
 </file>
 
-<file path=customXml/item189.xml><?xml version="1.0" encoding="utf-8"?>
-<Control xmlns="http://schemas.microsoft.com/VisualStudio/2011/storyboarding/control">
-  <Id Name="System.Storyboarding.WindowsApps.WindowsAppsTileMedium" Revision="1" Stencil="System.Storyboarding.WindowsApps" StencilVersion="0.1"/>
-</Control>
-</file>
-
-<file path=customXml/item19.xml><?xml version="1.0" encoding="utf-8"?>
-<Control xmlns="http://schemas.microsoft.com/VisualStudio/2011/storyboarding/control">
-  <Id Name="System.Storyboarding.WindowsApps.WindowsAppsTileMedium" Revision="1" Stencil="System.Storyboarding.WindowsApps" StencilVersion="0.1"/>
-</Control>
-</file>
-
-<file path=customXml/item190.xml><?xml version="1.0" encoding="utf-8"?>
-<Control xmlns="http://schemas.microsoft.com/VisualStudio/2011/storyboarding/control">
-  <Id Name="fd7d7bed-114e-464c-a4f1-01a512005949" Revision="1" Stencil="System.MyShapes" StencilVersion="1.0"/>
-</Control>
-</file>
-
-<file path=customXml/item191.xml><?xml version="1.0" encoding="utf-8"?>
-<Control xmlns="http://schemas.microsoft.com/VisualStudio/2011/storyboarding/control">
-  <Id Name="System.Storyboarding.WindowsApps.WindowsAppsEditBox" Revision="1" Stencil="System.Storyboarding.WindowsApps" StencilVersion="0.1"/>
-</Control>
-</file>
-
 <file path=customXml/item192.xml><?xml version="1.0" encoding="utf-8"?>
 <Control xmlns="http://schemas.microsoft.com/VisualStudio/2011/storyboarding/control">
-  <Id Name="System.Storyboarding.WindowsApps.WindowsAppsTileMedium" Revision="1" Stencil="System.Storyboarding.WindowsApps" StencilVersion="0.1"/>
+  <Id Name="System.Storyboarding.Backgrounds.WindowsPhone" Revision="1" Stencil="System.Storyboarding.Backgrounds" StencilVersion="0.1"/>
 </Control>
 </file>
 
@@ -30059,37 +30059,37 @@
 
 <file path=customXml/item194.xml><?xml version="1.0" encoding="utf-8"?>
 <Control xmlns="http://schemas.microsoft.com/VisualStudio/2011/storyboarding/control">
+  <Id Name="System.Storyboarding.WindowsApps.WindowsAppsTileMedium" Revision="1" Stencil="System.Storyboarding.WindowsApps" StencilVersion="0.1"/>
+</Control>
+</file>
+
+<file path=customXml/item195.xml><?xml version="1.0" encoding="utf-8"?>
+<Control xmlns="http://schemas.microsoft.com/VisualStudio/2011/storyboarding/control">
+  <Id Name="System.Storyboarding.WindowsApps.WindowsAppsEditBox" Revision="1" Stencil="System.Storyboarding.WindowsApps" StencilVersion="0.1"/>
+</Control>
+</file>
+
+<file path=customXml/item196.xml><?xml version="1.0" encoding="utf-8"?>
+<Control xmlns="http://schemas.microsoft.com/VisualStudio/2011/storyboarding/control">
   <Id Name="System.Storyboarding.WindowsApps.WindowsAppsButton" Revision="1" Stencil="System.Storyboarding.WindowsApps" StencilVersion="0.1"/>
 </Control>
 </file>
 
-<file path=customXml/item195.xml><?xml version="1.0" encoding="utf-8"?>
+<file path=customXml/item197.xml><?xml version="1.0" encoding="utf-8"?>
+<Control xmlns="http://schemas.microsoft.com/VisualStudio/2011/storyboarding/control">
+  <Id Name="System.Storyboarding.WindowsApps.WindowsAppsButton" Revision="1" Stencil="System.Storyboarding.WindowsApps" StencilVersion="0.1"/>
+</Control>
+</file>
+
+<file path=customXml/item198.xml><?xml version="1.0" encoding="utf-8"?>
 <Control xmlns="http://schemas.microsoft.com/VisualStudio/2011/storyboarding/control">
   <Id Name="System.Storyboarding.WindowsApps.WindowsAppsTileMedium" Revision="1" Stencil="System.Storyboarding.WindowsApps" StencilVersion="0.1"/>
 </Control>
 </file>
 
-<file path=customXml/item196.xml><?xml version="1.0" encoding="utf-8"?>
-<Control xmlns="http://schemas.microsoft.com/VisualStudio/2011/storyboarding/control">
-  <Id Name="System.Storyboarding.WindowsApps.WindowsAppsTileMedium" Revision="1" Stencil="System.Storyboarding.WindowsApps" StencilVersion="0.1"/>
-</Control>
-</file>
-
-<file path=customXml/item197.xml><?xml version="1.0" encoding="utf-8"?>
-<Control xmlns="http://schemas.microsoft.com/VisualStudio/2011/storyboarding/control">
-  <Id Name="System.Storyboarding.Annotation.StickyNote" Revision="1" Stencil="System.Storyboarding.Annotation" StencilVersion="0.1"/>
-</Control>
-</file>
-
-<file path=customXml/item198.xml><?xml version="1.0" encoding="utf-8"?>
-<Control xmlns="http://schemas.microsoft.com/VisualStudio/2011/storyboarding/control">
-  <Id Name="System.Storyboarding.WindowsApps.WindowsAppsButton" Revision="1" Stencil="System.Storyboarding.WindowsApps" StencilVersion="0.1"/>
-</Control>
-</file>
-
 <file path=customXml/item199.xml><?xml version="1.0" encoding="utf-8"?>
 <Control xmlns="http://schemas.microsoft.com/VisualStudio/2011/storyboarding/control">
-  <Id Name="System.Storyboarding.WindowsApps.WindowsAppsButton" Revision="1" Stencil="System.Storyboarding.WindowsApps" StencilVersion="0.1"/>
+  <Id Name="System.Storyboarding.WindowsApps.WindowsAppsEditBox" Revision="1" Stencil="System.Storyboarding.WindowsApps" StencilVersion="0.1"/>
 </Control>
 </file>
 
@@ -30101,13 +30101,13 @@
 
 <file path=customXml/item20.xml><?xml version="1.0" encoding="utf-8"?>
 <Control xmlns="http://schemas.microsoft.com/VisualStudio/2011/storyboarding/control">
-  <Id Name="fd7d7bed-114e-464c-a4f1-01a512005949" Revision="1" Stencil="System.MyShapes" StencilVersion="1.0"/>
+  <Id Name="System.Storyboarding.WindowsApps.WindowsAppsTileMedium" Revision="1" Stencil="System.Storyboarding.WindowsApps" StencilVersion="0.1"/>
 </Control>
 </file>
 
 <file path=customXml/item200.xml><?xml version="1.0" encoding="utf-8"?>
 <Control xmlns="http://schemas.microsoft.com/VisualStudio/2011/storyboarding/control">
-  <Id Name="System.Storyboarding.WindowsApps.WindowsAppsTileMedium" Revision="1" Stencil="System.Storyboarding.WindowsApps" StencilVersion="0.1"/>
+  <Id Name="System.Storyboarding.WindowsApps.WindowsAppsButton" Revision="1" Stencil="System.Storyboarding.WindowsApps" StencilVersion="0.1"/>
 </Control>
 </file>
 
@@ -30125,25 +30125,25 @@
 
 <file path=customXml/item203.xml><?xml version="1.0" encoding="utf-8"?>
 <Control xmlns="http://schemas.microsoft.com/VisualStudio/2011/storyboarding/control">
-  <Id Name="System.Storyboarding.Annotation.CallOut" Revision="1" Stencil="System.Storyboarding.Annotation" StencilVersion="0.1"/>
+  <Id Name="System.Storyboarding.WindowsApps.WindowsAppsTileMedium" Revision="1" Stencil="System.Storyboarding.WindowsApps" StencilVersion="0.1"/>
 </Control>
 </file>
 
 <file path=customXml/item204.xml><?xml version="1.0" encoding="utf-8"?>
-<Control xmlns="http://schemas.microsoft.com/VisualStudio/2011/storyboarding/control">
-  <Id Name="System.Storyboarding.WindowsAppIcons.Plus" Revision="1" Stencil="System.Storyboarding.WindowsAppIcons" StencilVersion="0.1"/>
-</Control>
-</file>
-
-<file path=customXml/item205.xml><?xml version="1.0" encoding="utf-8"?>
 <Control xmlns="http://schemas.microsoft.com/VisualStudio/2011/storyboarding/control">
   <Id Name="System.Storyboarding.Annotation.CallOut" Revision="1" Stencil="System.Storyboarding.Annotation" StencilVersion="0.1"/>
 </Control>
 </file>
 
+<file path=customXml/item205.xml><?xml version="1.0" encoding="utf-8"?>
+<Control xmlns="http://schemas.microsoft.com/VisualStudio/2011/storyboarding/control">
+  <Id Name="System.Storyboarding.WindowsApps.WindowsAppsEditBox" Revision="1" Stencil="System.Storyboarding.WindowsApps" StencilVersion="0.1"/>
+</Control>
+</file>
+
 <file path=customXml/item206.xml><?xml version="1.0" encoding="utf-8"?>
 <Control xmlns="http://schemas.microsoft.com/VisualStudio/2011/storyboarding/control">
-  <Id Name="System.Storyboarding.WindowsDesktop.AlertDialog" Revision="1" Stencil="System.Storyboarding.WindowsDesktop" StencilVersion="0.1"/>
+  <Id Name="System.Storyboarding.Annotation.CallOut" Revision="1" Stencil="System.Storyboarding.Annotation" StencilVersion="0.1"/>
 </Control>
 </file>
 
@@ -30155,31 +30155,31 @@
 
 <file path=customXml/item208.xml><?xml version="1.0" encoding="utf-8"?>
 <Control xmlns="http://schemas.microsoft.com/VisualStudio/2011/storyboarding/control">
-  <Id Name="System.Storyboarding.WindowsApps.WindowsAppsTileMedium" Revision="1" Stencil="System.Storyboarding.WindowsApps" StencilVersion="0.1"/>
+  <Id Name="fd7d7bed-114e-464c-a4f1-01a512005949" Revision="1" Stencil="System.MyShapes" StencilVersion="1.0"/>
 </Control>
 </file>
 
 <file path=customXml/item209.xml><?xml version="1.0" encoding="utf-8"?>
+<Control xmlns="http://schemas.microsoft.com/VisualStudio/2011/storyboarding/control">
+  <Id Name="System.Storyboarding.WindowsApps.WindowsAppsButton" Revision="1" Stencil="System.Storyboarding.WindowsApps" StencilVersion="0.1"/>
+</Control>
+</file>
+
+<file path=customXml/item21.xml><?xml version="1.0" encoding="utf-8"?>
 <Control xmlns="http://schemas.microsoft.com/VisualStudio/2011/storyboarding/control">
   <Id Name="System.Storyboarding.WindowsApps.WindowsAppsEditBox" Revision="1" Stencil="System.Storyboarding.WindowsApps" StencilVersion="0.1"/>
 </Control>
 </file>
 
-<file path=customXml/item21.xml><?xml version="1.0" encoding="utf-8"?>
+<file path=customXml/item210.xml><?xml version="1.0" encoding="utf-8"?>
+<Control xmlns="http://schemas.microsoft.com/VisualStudio/2011/storyboarding/control">
+  <Id Name="System.Storyboarding.WindowsApps.WindowsAppsTileMedium" Revision="1" Stencil="System.Storyboarding.WindowsApps" StencilVersion="0.1"/>
+</Control>
+</file>
+
+<file path=customXml/item211.xml><?xml version="1.0" encoding="utf-8"?>
 <Control xmlns="http://schemas.microsoft.com/VisualStudio/2011/storyboarding/control">
   <Id Name="System.Storyboarding.WindowsApps.WindowsAppsButton" Revision="1" Stencil="System.Storyboarding.WindowsApps" StencilVersion="0.1"/>
-</Control>
-</file>
-
-<file path=customXml/item210.xml><?xml version="1.0" encoding="utf-8"?>
-<Control xmlns="http://schemas.microsoft.com/VisualStudio/2011/storyboarding/control">
-  <Id Name="fd7d7bed-114e-464c-a4f1-01a512005949" Revision="1" Stencil="System.MyShapes" StencilVersion="1.0"/>
-</Control>
-</file>
-
-<file path=customXml/item211.xml><?xml version="1.0" encoding="utf-8"?>
-<Control xmlns="http://schemas.microsoft.com/VisualStudio/2011/storyboarding/control">
-  <Id Name="System.Storyboarding.WindowsApps.WindowsAppsTileMedium" Revision="1" Stencil="System.Storyboarding.WindowsApps" StencilVersion="0.1"/>
 </Control>
 </file>
 
@@ -30191,7 +30191,7 @@
 
 <file path=customXml/item213.xml><?xml version="1.0" encoding="utf-8"?>
 <Control xmlns="http://schemas.microsoft.com/VisualStudio/2011/storyboarding/control">
-  <Id Name="System.Storyboarding.WindowsApps.WindowsAppsButton" Revision="1" Stencil="System.Storyboarding.WindowsApps" StencilVersion="0.1"/>
+  <Id Name="System.Storyboarding.Annotation.CallOut" Revision="1" Stencil="System.Storyboarding.Annotation" StencilVersion="0.1"/>
 </Control>
 </file>
 
@@ -30203,25 +30203,25 @@
 
 <file path=customXml/item215.xml><?xml version="1.0" encoding="utf-8"?>
 <Control xmlns="http://schemas.microsoft.com/VisualStudio/2011/storyboarding/control">
-  <Id Name="System.Storyboarding.WindowsApps.WindowsAppsEditBox" Revision="1" Stencil="System.Storyboarding.WindowsApps" StencilVersion="0.1"/>
+  <Id Name="fd7d7bed-114e-464c-a4f1-01a512005949" Revision="1" Stencil="System.MyShapes" StencilVersion="1.0"/>
 </Control>
 </file>
 
 <file path=customXml/item216.xml><?xml version="1.0" encoding="utf-8"?>
-<Control xmlns="http://schemas.microsoft.com/VisualStudio/2011/storyboarding/control">
-  <Id Name="System.Storyboarding.WindowsApps.WindowsAppsEditBox" Revision="1" Stencil="System.Storyboarding.WindowsApps" StencilVersion="0.1"/>
-</Control>
-</file>
-
-<file path=customXml/item217.xml><?xml version="1.0" encoding="utf-8"?>
 <Control xmlns="http://schemas.microsoft.com/VisualStudio/2011/storyboarding/control">
   <Id Name="System.Storyboarding.Annotation.CallOut" Revision="1" Stencil="System.Storyboarding.Annotation" StencilVersion="0.1"/>
 </Control>
 </file>
 
+<file path=customXml/item217.xml><?xml version="1.0" encoding="utf-8"?>
+<Control xmlns="http://schemas.microsoft.com/VisualStudio/2011/storyboarding/control">
+  <Id Name="System.Storyboarding.WindowsApps.WindowsAppsButton" Revision="1" Stencil="System.Storyboarding.WindowsApps" StencilVersion="0.1"/>
+</Control>
+</file>
+
 <file path=customXml/item218.xml><?xml version="1.0" encoding="utf-8"?>
 <Control xmlns="http://schemas.microsoft.com/VisualStudio/2011/storyboarding/control">
-  <Id Name="fd7d7bed-114e-464c-a4f1-01a512005949" Revision="1" Stencil="System.MyShapes" StencilVersion="1.0"/>
+  <Id Name="System.Storyboarding.WindowsApps.WindowsAppsButton" Revision="1" Stencil="System.Storyboarding.WindowsApps" StencilVersion="0.1"/>
 </Control>
 </file>
 
@@ -30233,19 +30233,19 @@
 
 <file path=customXml/item22.xml><?xml version="1.0" encoding="utf-8"?>
 <Control xmlns="http://schemas.microsoft.com/VisualStudio/2011/storyboarding/control">
-  <Id Name="System.Storyboarding.WindowsAppIcons.Donotwant" Revision="1" Stencil="System.Storyboarding.WindowsAppIcons" StencilVersion="0.1"/>
+  <Id Name="fd7d7bed-114e-464c-a4f1-01a512005949" Revision="1" Stencil="System.MyShapes" StencilVersion="1.0"/>
 </Control>
 </file>
 
 <file path=customXml/item220.xml><?xml version="1.0" encoding="utf-8"?>
 <Control xmlns="http://schemas.microsoft.com/VisualStudio/2011/storyboarding/control">
-  <Id Name="System.Storyboarding.Annotation.CallOut" Revision="1" Stencil="System.Storyboarding.Annotation" StencilVersion="0.1"/>
+  <Id Name="fd7d7bed-114e-464c-a4f1-01a512005949" Revision="1" Stencil="System.MyShapes" StencilVersion="1.0"/>
 </Control>
 </file>
 
 <file path=customXml/item221.xml><?xml version="1.0" encoding="utf-8"?>
 <Control xmlns="http://schemas.microsoft.com/VisualStudio/2011/storyboarding/control">
-  <Id Name="System.Storyboarding.WindowsApps.WindowsAppsEditBox" Revision="1" Stencil="System.Storyboarding.WindowsApps" StencilVersion="0.1"/>
+  <Id Name="System.Storyboarding.Annotation.CallOut" Revision="1" Stencil="System.Storyboarding.Annotation" StencilVersion="0.1"/>
 </Control>
 </file>
 
@@ -30257,31 +30257,31 @@
 
 <file path=customXml/item223.xml><?xml version="1.0" encoding="utf-8"?>
 <Control xmlns="http://schemas.microsoft.com/VisualStudio/2011/storyboarding/control">
-  <Id Name="System.Storyboarding.Annotation.CallOut" Revision="1" Stencil="System.Storyboarding.Annotation" StencilVersion="0.1"/>
+  <Id Name="32035d07-bc66-4a79-8001-2507012193e3" RevisionId="7f6cc906-8fab-4878-8f41-90bcdc4e860e" Stencil="172d6d98-e5c9-42e9-a209-79f7a94bbd38" StencilRevisionId="00000000-0000-0000-0000-000000000000" StencilVersion="0.0"/>
 </Control>
 </file>
 
 <file path=customXml/item224.xml><?xml version="1.0" encoding="utf-8"?>
+<Control xmlns="http://schemas.microsoft.com/VisualStudio/2011/storyboarding/control">
+  <Id Name="System.Storyboarding.Annotation.StickyNote" Revision="1" Stencil="System.Storyboarding.Annotation" StencilVersion="0.1"/>
+</Control>
+</file>
+
+<file path=customXml/item225.xml><?xml version="1.0" encoding="utf-8"?>
+<Control xmlns="http://schemas.microsoft.com/VisualStudio/2011/storyboarding/control">
+  <Id Name="System.Storyboarding.WindowsApps.WindowsAppsEditBox" Revision="1" Stencil="System.Storyboarding.WindowsApps" StencilVersion="0.1"/>
+</Control>
+</file>
+
+<file path=customXml/item226.xml><?xml version="1.0" encoding="utf-8"?>
 <Control xmlns="http://schemas.microsoft.com/VisualStudio/2011/storyboarding/control">
   <Id Name="fd7d7bed-114e-464c-a4f1-01a512005949" Revision="1" Stencil="System.MyShapes" StencilVersion="1.0"/>
 </Control>
 </file>
 
-<file path=customXml/item225.xml><?xml version="1.0" encoding="utf-8"?>
-<Control xmlns="http://schemas.microsoft.com/VisualStudio/2011/storyboarding/control">
-  <Id Name="System.Storyboarding.WindowsApps.WindowsAppsButton" Revision="1" Stencil="System.Storyboarding.WindowsApps" StencilVersion="0.1"/>
-</Control>
-</file>
-
-<file path=customXml/item226.xml><?xml version="1.0" encoding="utf-8"?>
-<Control xmlns="http://schemas.microsoft.com/VisualStudio/2011/storyboarding/control">
-  <Id Name="System.Storyboarding.WindowsApps.WindowsAppsButton" Revision="1" Stencil="System.Storyboarding.WindowsApps" StencilVersion="0.1"/>
-</Control>
-</file>
-
 <file path=customXml/item227.xml><?xml version="1.0" encoding="utf-8"?>
 <Control xmlns="http://schemas.microsoft.com/VisualStudio/2011/storyboarding/control">
-  <Id Name="System.Storyboarding.WindowsApps.WindowsAppsEditBox" Revision="1" Stencil="System.Storyboarding.WindowsApps" StencilVersion="0.1"/>
+  <Id Name="System.Storyboarding.Annotation.CallOut" Revision="1" Stencil="System.Storyboarding.Annotation" StencilVersion="0.1"/>
 </Control>
 </file>
 
@@ -30299,13 +30299,13 @@
 
 <file path=customXml/item23.xml><?xml version="1.0" encoding="utf-8"?>
 <Control xmlns="http://schemas.microsoft.com/VisualStudio/2011/storyboarding/control">
-  <Id Name="fd7d7bed-114e-464c-a4f1-01a512005949" Revision="1" Stencil="System.MyShapes" StencilVersion="1.0"/>
+  <Id Name="System.Storyboarding.Annotation.CallOut" Revision="1" Stencil="System.Storyboarding.Annotation" StencilVersion="0.1"/>
 </Control>
 </file>
 
 <file path=customXml/item230.xml><?xml version="1.0" encoding="utf-8"?>
 <Control xmlns="http://schemas.microsoft.com/VisualStudio/2011/storyboarding/control">
-  <Id Name="System.Storyboarding.WindowsApps.WindowsAppsTileMedium" Revision="1" Stencil="System.Storyboarding.WindowsApps" StencilVersion="0.1"/>
+  <Id Name="fd7d7bed-114e-464c-a4f1-01a512005949" Revision="1" Stencil="System.MyShapes" StencilVersion="1.0"/>
 </Control>
 </file>
 
@@ -30317,121 +30317,121 @@
 
 <file path=customXml/item232.xml><?xml version="1.0" encoding="utf-8"?>
 <Control xmlns="http://schemas.microsoft.com/VisualStudio/2011/storyboarding/control">
-  <Id Name="System.Storyboarding.Annotation.CallOut" Revision="1" Stencil="System.Storyboarding.Annotation" StencilVersion="0.1"/>
+  <Id Name="fd7d7bed-114e-464c-a4f1-01a512005949" Revision="1" Stencil="System.MyShapes" StencilVersion="1.0"/>
 </Control>
 </file>
 
 <file path=customXml/item233.xml><?xml version="1.0" encoding="utf-8"?>
+<Control xmlns="http://schemas.microsoft.com/VisualStudio/2011/storyboarding/control">
+  <Id Name="System.Storyboarding.WindowsApps.WindowsAppsTileMedium" Revision="1" Stencil="System.Storyboarding.WindowsApps" StencilVersion="0.1"/>
+</Control>
+</file>
+
+<file path=customXml/item234.xml><?xml version="1.0" encoding="utf-8"?>
+<Control xmlns="http://schemas.microsoft.com/VisualStudio/2011/storyboarding/control">
+  <Id Name="System.Storyboarding.WindowsApps.WindowsAppsTileMedium" Revision="1" Stencil="System.Storyboarding.WindowsApps" StencilVersion="0.1"/>
+</Control>
+</file>
+
+<file path=customXml/item235.xml><?xml version="1.0" encoding="utf-8"?>
+<Control xmlns="http://schemas.microsoft.com/VisualStudio/2011/storyboarding/control">
+  <Id Name="System.Storyboarding.WindowsApps.WindowsAppsTileMedium" Revision="1" Stencil="System.Storyboarding.WindowsApps" StencilVersion="0.1"/>
+</Control>
+</file>
+
+<file path=customXml/item236.xml><?xml version="1.0" encoding="utf-8"?>
+<Control xmlns="http://schemas.microsoft.com/VisualStudio/2011/storyboarding/control">
+  <Id Name="fd7d7bed-114e-464c-a4f1-01a512005949" Revision="1" Stencil="System.MyShapes" StencilVersion="1.0"/>
+</Control>
+</file>
+
+<file path=customXml/item237.xml><?xml version="1.0" encoding="utf-8"?>
+<Control xmlns="http://schemas.microsoft.com/VisualStudio/2011/storyboarding/control">
+  <Id Name="System.Storyboarding.WindowsApps.WindowsAppsEditBox" Revision="1" Stencil="System.Storyboarding.WindowsApps" StencilVersion="0.1"/>
+</Control>
+</file>
+
+<file path=customXml/item238.xml><?xml version="1.0" encoding="utf-8"?>
 <Control xmlns="http://schemas.microsoft.com/VisualStudio/2011/storyboarding/control">
   <Id Name="System.Storyboarding.Annotation.CallOut" Revision="1" Stencil="System.Storyboarding.Annotation" StencilVersion="0.1"/>
 </Control>
 </file>
 
-<file path=customXml/item234.xml><?xml version="1.0" encoding="utf-8"?>
+<file path=customXml/item239.xml><?xml version="1.0" encoding="utf-8"?>
+<Control xmlns="http://schemas.microsoft.com/VisualStudio/2011/storyboarding/control">
+  <Id Name="fd7d7bed-114e-464c-a4f1-01a512005949" Revision="1" Stencil="System.MyShapes" StencilVersion="1.0"/>
+</Control>
+</file>
+
+<file path=customXml/item24.xml><?xml version="1.0" encoding="utf-8"?>
+<Control xmlns="http://schemas.microsoft.com/VisualStudio/2011/storyboarding/control">
+  <Id Name="System.Storyboarding.WindowsApps.WindowsAppsEditBox" Revision="1" Stencil="System.Storyboarding.WindowsApps" StencilVersion="0.1"/>
+</Control>
+</file>
+
+<file path=customXml/item240.xml><?xml version="1.0" encoding="utf-8"?>
+<Control xmlns="http://schemas.microsoft.com/VisualStudio/2011/storyboarding/control">
+  <Id Name="System.Storyboarding.Common.ScrollbarVertical" RevisionId="68ea164d-c1de-47a5-804f-d4d1290fa524" Stencil="System.Storyboarding.Common" StencilRevisionId="68ea164d-c1de-47a5-804f-d4d1290fa524" StencilVersion="0.1"/>
+</Control>
+</file>
+
+<file path=customXml/item241.xml><?xml version="1.0" encoding="utf-8"?>
+<Control xmlns="http://schemas.microsoft.com/VisualStudio/2011/storyboarding/control">
+  <Id Name="fd7d7bed-114e-464c-a4f1-01a512005949" Revision="1" Stencil="System.MyShapes" StencilVersion="1.0"/>
+</Control>
+</file>
+
+<file path=customXml/item242.xml><?xml version="1.0" encoding="utf-8"?>
+<Control xmlns="http://schemas.microsoft.com/VisualStudio/2011/storyboarding/control">
+  <Id Name="System.Storyboarding.WindowsApps.WindowsAppsTileMedium" Revision="1" Stencil="System.Storyboarding.WindowsApps" StencilVersion="0.1"/>
+</Control>
+</file>
+
+<file path=customXml/item243.xml><?xml version="1.0" encoding="utf-8"?>
+<Control xmlns="http://schemas.microsoft.com/VisualStudio/2011/storyboarding/control">
+  <Id Name="System.Storyboarding.Annotation.CallOut" Revision="1" Stencil="System.Storyboarding.Annotation" StencilVersion="0.1"/>
+</Control>
+</file>
+
+<file path=customXml/item244.xml><?xml version="1.0" encoding="utf-8"?>
+<Control xmlns="http://schemas.microsoft.com/VisualStudio/2011/storyboarding/control">
+  <Id Name="fd7d7bed-114e-464c-a4f1-01a512005949" Revision="1" Stencil="System.MyShapes" StencilVersion="1.0"/>
+</Control>
+</file>
+
+<file path=customXml/item245.xml><?xml version="1.0" encoding="utf-8"?>
+<Control xmlns="http://schemas.microsoft.com/VisualStudio/2011/storyboarding/control">
+  <Id Name="32035d07-bc66-4a79-8001-2507012193e3" RevisionId="7f6cc906-8fab-4878-8f41-90bcdc4e860e" Stencil="172d6d98-e5c9-42e9-a209-79f7a94bbd38" StencilRevisionId="00000000-0000-0000-0000-000000000000" StencilVersion="0.0"/>
+</Control>
+</file>
+
+<file path=customXml/item246.xml><?xml version="1.0" encoding="utf-8"?>
+<Control xmlns="http://schemas.microsoft.com/VisualStudio/2011/storyboarding/control">
+  <Id Name="fd7d7bed-114e-464c-a4f1-01a512005949" Revision="1" Stencil="System.MyShapes" StencilVersion="1.0"/>
+</Control>
+</file>
+
+<file path=customXml/item247.xml><?xml version="1.0" encoding="utf-8"?>
+<Control xmlns="http://schemas.microsoft.com/VisualStudio/2011/storyboarding/control">
+  <Id Name="System.Storyboarding.WindowsAppIcons.Plus" Revision="1" Stencil="System.Storyboarding.WindowsAppIcons" StencilVersion="0.1"/>
+</Control>
+</file>
+
+<file path=customXml/item248.xml><?xml version="1.0" encoding="utf-8"?>
 <Control xmlns="http://schemas.microsoft.com/VisualStudio/2011/storyboarding/control">
   <Id Name="System.Storyboarding.WindowsApps.WindowsAppsButton" Revision="1" Stencil="System.Storyboarding.WindowsApps" StencilVersion="0.1"/>
 </Control>
 </file>
 
-<file path=customXml/item235.xml><?xml version="1.0" encoding="utf-8"?>
-<Control xmlns="http://schemas.microsoft.com/VisualStudio/2011/storyboarding/control">
-  <Id Name="fd7d7bed-114e-464c-a4f1-01a512005949" Revision="1" Stencil="System.MyShapes" StencilVersion="1.0"/>
-</Control>
-</file>
-
-<file path=customXml/item236.xml><?xml version="1.0" encoding="utf-8"?>
-<Control xmlns="http://schemas.microsoft.com/VisualStudio/2011/storyboarding/control">
-  <Id Name="System.Storyboarding.WindowsApps.WindowsAppsTileMedium" Revision="1" Stencil="System.Storyboarding.WindowsApps" StencilVersion="0.1"/>
-</Control>
-</file>
-
-<file path=customXml/item237.xml><?xml version="1.0" encoding="utf-8"?>
-<Control xmlns="http://schemas.microsoft.com/VisualStudio/2011/storyboarding/control">
-  <Id Name="System.Storyboarding.WindowsApps.WindowsAppsTileMedium" Revision="1" Stencil="System.Storyboarding.WindowsApps" StencilVersion="0.1"/>
-</Control>
-</file>
-
-<file path=customXml/item238.xml><?xml version="1.0" encoding="utf-8"?>
-<Control xmlns="http://schemas.microsoft.com/VisualStudio/2011/storyboarding/control">
-  <Id Name="System.Storyboarding.WindowsAppIcons.Emoji" Revision="1" Stencil="System.Storyboarding.WindowsAppIcons" StencilVersion="0.1"/>
-</Control>
-</file>
-
-<file path=customXml/item239.xml><?xml version="1.0" encoding="utf-8"?>
-<Control xmlns="http://schemas.microsoft.com/VisualStudio/2011/storyboarding/control">
-  <Id Name="System.Storyboarding.WindowsApps.WindowsAppsTileMedium" Revision="1" Stencil="System.Storyboarding.WindowsApps" StencilVersion="0.1"/>
-</Control>
-</file>
-
-<file path=customXml/item24.xml><?xml version="1.0" encoding="utf-8"?>
-<Control xmlns="http://schemas.microsoft.com/VisualStudio/2011/storyboarding/control">
-  <Id Name="System.Storyboarding.WindowsApps.WindowsAppsTileMedium" Revision="1" Stencil="System.Storyboarding.WindowsApps" StencilVersion="0.1"/>
-</Control>
-</file>
-
-<file path=customXml/item240.xml><?xml version="1.0" encoding="utf-8"?>
-<Control xmlns="http://schemas.microsoft.com/VisualStudio/2011/storyboarding/control">
-  <Id Name="System.Storyboarding.Annotation.CallOut" Revision="1" Stencil="System.Storyboarding.Annotation" StencilVersion="0.1"/>
-</Control>
-</file>
-
-<file path=customXml/item241.xml><?xml version="1.0" encoding="utf-8"?>
-<Control xmlns="http://schemas.microsoft.com/VisualStudio/2011/storyboarding/control">
-  <Id Name="System.Storyboarding.WindowsApps.WindowsAppsTileMedium" Revision="1" Stencil="System.Storyboarding.WindowsApps" StencilVersion="0.1"/>
-</Control>
-</file>
-
-<file path=customXml/item242.xml><?xml version="1.0" encoding="utf-8"?>
+<file path=customXml/item249.xml><?xml version="1.0" encoding="utf-8"?>
 <Control xmlns="http://schemas.microsoft.com/VisualStudio/2011/storyboarding/control">
   <Id Name="System.Storyboarding.WindowsApps.WindowsAppsEditBox" Revision="1" Stencil="System.Storyboarding.WindowsApps" StencilVersion="0.1"/>
 </Control>
 </file>
 
-<file path=customXml/item243.xml><?xml version="1.0" encoding="utf-8"?>
-<Control xmlns="http://schemas.microsoft.com/VisualStudio/2011/storyboarding/control">
-  <Id Name="System.Storyboarding.WindowsAppIcons.Games" Revision="1" Stencil="System.Storyboarding.WindowsAppIcons" StencilVersion="0.1"/>
-</Control>
-</file>
-
-<file path=customXml/item244.xml><?xml version="1.0" encoding="utf-8"?>
-<Control xmlns="http://schemas.microsoft.com/VisualStudio/2011/storyboarding/control">
-  <Id Name="System.Storyboarding.Common.CheckBoxUnchecked" Revision="1" Stencil="System.Storyboarding.Common" StencilVersion="0.1"/>
-</Control>
-</file>
-
-<file path=customXml/item245.xml><?xml version="1.0" encoding="utf-8"?>
+<file path=customXml/item25.xml><?xml version="1.0" encoding="utf-8"?>
 <Control xmlns="http://schemas.microsoft.com/VisualStudio/2011/storyboarding/control">
   <Id Name="System.Storyboarding.Annotation.CallOut" Revision="1" Stencil="System.Storyboarding.Annotation" StencilVersion="0.1"/>
-</Control>
-</file>
-
-<file path=customXml/item246.xml><?xml version="1.0" encoding="utf-8"?>
-<Control xmlns="http://schemas.microsoft.com/VisualStudio/2011/storyboarding/control">
-  <Id Name="System.Storyboarding.WindowsApps.WindowsAppsEditBox" Revision="1" Stencil="System.Storyboarding.WindowsApps" StencilVersion="0.1"/>
-</Control>
-</file>
-
-<file path=customXml/item247.xml><?xml version="1.0" encoding="utf-8"?>
-<Control xmlns="http://schemas.microsoft.com/VisualStudio/2011/storyboarding/control">
-  <Id Name="System.Storyboarding.WindowsApps.WindowsAppsButton" Revision="1" Stencil="System.Storyboarding.WindowsApps" StencilVersion="0.1"/>
-</Control>
-</file>
-
-<file path=customXml/item248.xml><?xml version="1.0" encoding="utf-8"?>
-<Control xmlns="http://schemas.microsoft.com/VisualStudio/2011/storyboarding/control">
-  <Id Name="fd7d7bed-114e-464c-a4f1-01a512005949" Revision="1" Stencil="System.MyShapes" StencilVersion="1.0"/>
-</Control>
-</file>
-
-<file path=customXml/item249.xml><?xml version="1.0" encoding="utf-8"?>
-<Control xmlns="http://schemas.microsoft.com/VisualStudio/2011/storyboarding/control">
-  <Id Name="fd7d7bed-114e-464c-a4f1-01a512005949" Revision="1" Stencil="System.MyShapes" StencilVersion="1.0"/>
-</Control>
-</file>
-
-<file path=customXml/item25.xml><?xml version="1.0" encoding="utf-8"?>
-<Control xmlns="http://schemas.microsoft.com/VisualStudio/2011/storyboarding/control">
-  <Id Name="System.Storyboarding.WindowsApps.WindowsAppsButton" Revision="1" Stencil="System.Storyboarding.WindowsApps" StencilVersion="0.1"/>
 </Control>
 </file>
 
@@ -30443,13 +30443,13 @@
 
 <file path=customXml/item251.xml><?xml version="1.0" encoding="utf-8"?>
 <Control xmlns="http://schemas.microsoft.com/VisualStudio/2011/storyboarding/control">
-  <Id Name="System.Storyboarding.WindowsApps.WindowsAppsEditBox" Revision="1" Stencil="System.Storyboarding.WindowsApps" StencilVersion="0.1"/>
+  <Id Name="System.Storyboarding.WindowsApps.WindowsAppsTileMedium" Revision="1" Stencil="System.Storyboarding.WindowsApps" StencilVersion="0.1"/>
 </Control>
 </file>
 
 <file path=customXml/item252.xml><?xml version="1.0" encoding="utf-8"?>
 <Control xmlns="http://schemas.microsoft.com/VisualStudio/2011/storyboarding/control">
-  <Id Name="fd7d7bed-114e-464c-a4f1-01a512005949" Revision="1" Stencil="System.MyShapes" StencilVersion="1.0"/>
+  <Id Name="System.Storyboarding.WindowsApps.WindowsAppsEditBox" Revision="1" Stencil="System.Storyboarding.WindowsApps" StencilVersion="0.1"/>
 </Control>
 </file>
 
@@ -30461,13 +30461,13 @@
 
 <file path=customXml/item254.xml><?xml version="1.0" encoding="utf-8"?>
 <Control xmlns="http://schemas.microsoft.com/VisualStudio/2011/storyboarding/control">
-  <Id Name="System.Storyboarding.Common.CheckBoxUnchecked" Revision="1" Stencil="System.Storyboarding.Common" StencilVersion="0.1"/>
+  <Id Name="System.Storyboarding.WindowsApps.WindowsAppsTileMedium" Revision="1" Stencil="System.Storyboarding.WindowsApps" StencilVersion="0.1"/>
 </Control>
 </file>
 
 <file path=customXml/item255.xml><?xml version="1.0" encoding="utf-8"?>
 <Control xmlns="http://schemas.microsoft.com/VisualStudio/2011/storyboarding/control">
-  <Id Name="System.Storyboarding.WindowsApps.WindowsAppsButton" Revision="1" Stencil="System.Storyboarding.WindowsApps" StencilVersion="0.1"/>
+  <Id Name="fd7d7bed-114e-464c-a4f1-01a512005949" Revision="1" Stencil="System.MyShapes" StencilVersion="1.0"/>
 </Control>
 </file>
 
@@ -30485,25 +30485,25 @@
 
 <file path=customXml/item258.xml><?xml version="1.0" encoding="utf-8"?>
 <Control xmlns="http://schemas.microsoft.com/VisualStudio/2011/storyboarding/control">
-  <Id Name="System.Storyboarding.WindowsApps.WindowsAppsEditBox" Revision="1" Stencil="System.Storyboarding.WindowsApps" StencilVersion="0.1"/>
+  <Id Name="System.Storyboarding.WindowsApps.WindowsAppsButton" Revision="1" Stencil="System.Storyboarding.WindowsApps" StencilVersion="0.1"/>
 </Control>
 </file>
 
 <file path=customXml/item259.xml><?xml version="1.0" encoding="utf-8"?>
+<Control xmlns="http://schemas.microsoft.com/VisualStudio/2011/storyboarding/control">
+  <Id Name="fd7d7bed-114e-464c-a4f1-01a512005949" Revision="1" Stencil="System.MyShapes" StencilVersion="1.0"/>
+</Control>
+</file>
+
+<file path=customXml/item26.xml><?xml version="1.0" encoding="utf-8"?>
 <Control xmlns="http://schemas.microsoft.com/VisualStudio/2011/storyboarding/control">
   <Id Name="System.Storyboarding.WindowsDesktop.AlertDialog" Revision="1" Stencil="System.Storyboarding.WindowsDesktop" StencilVersion="0.1"/>
 </Control>
 </file>
 
-<file path=customXml/item26.xml><?xml version="1.0" encoding="utf-8"?>
-<Control xmlns="http://schemas.microsoft.com/VisualStudio/2011/storyboarding/control">
-  <Id Name="System.Storyboarding.WindowsApps.WindowsAppsTileMedium" Revision="1" Stencil="System.Storyboarding.WindowsApps" StencilVersion="0.1"/>
-</Control>
-</file>
-
 <file path=customXml/item260.xml><?xml version="1.0" encoding="utf-8"?>
 <Control xmlns="http://schemas.microsoft.com/VisualStudio/2011/storyboarding/control">
-  <Id Name="System.Storyboarding.WindowsApps.WindowsAppsTileMedium" Revision="1" Stencil="System.Storyboarding.WindowsApps" StencilVersion="0.1"/>
+  <Id Name="System.Storyboarding.WindowsApps.WindowsAppsEditBox" Revision="1" Stencil="System.Storyboarding.WindowsApps" StencilVersion="0.1"/>
 </Control>
 </file>
 
@@ -30515,7 +30515,7 @@
 
 <file path=customXml/item262.xml><?xml version="1.0" encoding="utf-8"?>
 <Control xmlns="http://schemas.microsoft.com/VisualStudio/2011/storyboarding/control">
-  <Id Name="System.Storyboarding.WindowsApps.WindowsAppsButton" Revision="1" Stencil="System.Storyboarding.WindowsApps" StencilVersion="0.1"/>
+  <Id Name="System.Storyboarding.WindowsApps.WindowsAppsTileMedium" Revision="1" Stencil="System.Storyboarding.WindowsApps" StencilVersion="0.1"/>
 </Control>
 </file>
 
@@ -30533,61 +30533,61 @@
 
 <file path=customXml/item265.xml><?xml version="1.0" encoding="utf-8"?>
 <Control xmlns="http://schemas.microsoft.com/VisualStudio/2011/storyboarding/control">
-  <Id Name="fd7d7bed-114e-464c-a4f1-01a512005949" Revision="1" Stencil="System.MyShapes" StencilVersion="1.0"/>
+  <Id Name="System.Storyboarding.WindowsApps.WindowsAppsEditBox" Revision="1" Stencil="System.Storyboarding.WindowsApps" StencilVersion="0.1"/>
 </Control>
 </file>
 
 <file path=customXml/item266.xml><?xml version="1.0" encoding="utf-8"?>
+<Control xmlns="http://schemas.microsoft.com/VisualStudio/2011/storyboarding/control">
+  <Id Name="System.Storyboarding.WindowsApps.WindowsAppsTileMedium" Revision="1" Stencil="System.Storyboarding.WindowsApps" StencilVersion="0.1"/>
+</Control>
+</file>
+
+<file path=customXml/item267.xml><?xml version="1.0" encoding="utf-8"?>
+<Control xmlns="http://schemas.microsoft.com/VisualStudio/2011/storyboarding/control">
+  <Id Name="System.Storyboarding.WindowsApps.WindowsAppsTileMedium" Revision="1" Stencil="System.Storyboarding.WindowsApps" StencilVersion="0.1"/>
+</Control>
+</file>
+
+<file path=customXml/item268.xml><?xml version="1.0" encoding="utf-8"?>
 <Control xmlns="http://schemas.microsoft.com/VisualStudio/2011/storyboarding/control">
   <Id Name="System.Storyboarding.WindowsApps.WindowsAppsButton" Revision="1" Stencil="System.Storyboarding.WindowsApps" StencilVersion="0.1"/>
 </Control>
 </file>
 
-<file path=customXml/item267.xml><?xml version="1.0" encoding="utf-8"?>
+<file path=customXml/item269.xml><?xml version="1.0" encoding="utf-8"?>
 <Control xmlns="http://schemas.microsoft.com/VisualStudio/2011/storyboarding/control">
-  <Id Name="System.Storyboarding.WindowsApps.WindowsAppsButton" Revision="1" Stencil="System.Storyboarding.WindowsApps" StencilVersion="0.1"/>
+  <Id Name="System.Storyboarding.Annotation.CallOut" Revision="1" Stencil="System.Storyboarding.Annotation" StencilVersion="0.1"/>
 </Control>
 </file>
 
-<file path=customXml/item268.xml><?xml version="1.0" encoding="utf-8"?>
+<file path=customXml/item27.xml><?xml version="1.0" encoding="utf-8"?>
+<Control xmlns="http://schemas.microsoft.com/VisualStudio/2011/storyboarding/control">
+  <Id Name="fd7d7bed-114e-464c-a4f1-01a512005949" Revision="1" Stencil="System.MyShapes" StencilVersion="1.0"/>
+</Control>
+</file>
+
+<file path=customXml/item270.xml><?xml version="1.0" encoding="utf-8"?>
+<Control xmlns="http://schemas.microsoft.com/VisualStudio/2011/storyboarding/control">
+  <Id Name="fd7d7bed-114e-464c-a4f1-01a512005949" Revision="1" Stencil="System.MyShapes" StencilVersion="1.0"/>
+</Control>
+</file>
+
+<file path=customXml/item271.xml><?xml version="1.0" encoding="utf-8"?>
 <Control xmlns="http://schemas.microsoft.com/VisualStudio/2011/storyboarding/control">
   <Id Name="System.Storyboarding.WindowsApps.WindowsAppsTileMedium" Revision="1" Stencil="System.Storyboarding.WindowsApps" StencilVersion="0.1"/>
 </Control>
 </file>
 
-<file path=customXml/item269.xml><?xml version="1.0" encoding="utf-8"?>
-<Control xmlns="http://schemas.microsoft.com/VisualStudio/2011/storyboarding/control">
-  <Id Name="System.Storyboarding.WindowsApps.WindowsAppsButton" Revision="1" Stencil="System.Storyboarding.WindowsApps" StencilVersion="0.1"/>
-</Control>
-</file>
-
-<file path=customXml/item27.xml><?xml version="1.0" encoding="utf-8"?>
-<Control xmlns="http://schemas.microsoft.com/VisualStudio/2011/storyboarding/control">
-  <Id Name="System.Storyboarding.Annotation.CallOut" Revision="1" Stencil="System.Storyboarding.Annotation" StencilVersion="0.1"/>
-</Control>
-</file>
-
-<file path=customXml/item270.xml><?xml version="1.0" encoding="utf-8"?>
+<file path=customXml/item272.xml><?xml version="1.0" encoding="utf-8"?>
 <Control xmlns="http://schemas.microsoft.com/VisualStudio/2011/storyboarding/control">
   <Id Name="System.Storyboarding.WindowsApps.WindowsAppsTileMedium" Revision="1" Stencil="System.Storyboarding.WindowsApps" StencilVersion="0.1"/>
 </Control>
 </file>
 
-<file path=customXml/item271.xml><?xml version="1.0" encoding="utf-8"?>
-<Control xmlns="http://schemas.microsoft.com/VisualStudio/2011/storyboarding/control">
-  <Id Name="fd7d7bed-114e-464c-a4f1-01a512005949" Revision="1" Stencil="System.MyShapes" StencilVersion="1.0"/>
-</Control>
-</file>
-
-<file path=customXml/item272.xml><?xml version="1.0" encoding="utf-8"?>
-<Control xmlns="http://schemas.microsoft.com/VisualStudio/2011/storyboarding/control">
-  <Id Name="fd7d7bed-114e-464c-a4f1-01a512005949" Revision="1" Stencil="System.MyShapes" StencilVersion="1.0"/>
-</Control>
-</file>
-
 <file path=customXml/item273.xml><?xml version="1.0" encoding="utf-8"?>
 <Control xmlns="http://schemas.microsoft.com/VisualStudio/2011/storyboarding/control">
-  <Id Name="System.Storyboarding.WindowsAppIcons.Plus" Revision="1" Stencil="System.Storyboarding.WindowsAppIcons" StencilVersion="0.1"/>
+  <Id Name="System.Storyboarding.WindowsApps.WindowsAppsEditBox" Revision="1" Stencil="System.Storyboarding.WindowsApps" StencilVersion="0.1"/>
 </Control>
 </file>
 
@@ -30599,37 +30599,37 @@
 
 <file path=customXml/item275.xml><?xml version="1.0" encoding="utf-8"?>
 <Control xmlns="http://schemas.microsoft.com/VisualStudio/2011/storyboarding/control">
-  <Id Name="System.Storyboarding.Icons.Warning" Revision="1" Stencil="System.Storyboarding.Icons" StencilVersion="0.1"/>
+  <Id Name="System.Storyboarding.WindowsApps.WindowsAppsButton" Revision="1" Stencil="System.Storyboarding.WindowsApps" StencilVersion="0.1"/>
 </Control>
 </file>
 
 <file path=customXml/item276.xml><?xml version="1.0" encoding="utf-8"?>
+<Control xmlns="http://schemas.microsoft.com/VisualStudio/2011/storyboarding/control">
+  <Id Name="System.Storyboarding.WindowsApps.WindowsAppsButton" Revision="1" Stencil="System.Storyboarding.WindowsApps" StencilVersion="0.1"/>
+</Control>
+</file>
+
+<file path=customXml/item277.xml><?xml version="1.0" encoding="utf-8"?>
 <Control xmlns="http://schemas.microsoft.com/VisualStudio/2011/storyboarding/control">
   <Id Name="System.Storyboarding.Annotation.CallOut" Revision="1" Stencil="System.Storyboarding.Annotation" StencilVersion="0.1"/>
 </Control>
 </file>
 
-<file path=customXml/item277.xml><?xml version="1.0" encoding="utf-8"?>
+<file path=customXml/item278.xml><?xml version="1.0" encoding="utf-8"?>
 <Control xmlns="http://schemas.microsoft.com/VisualStudio/2011/storyboarding/control">
   <Id Name="System.Storyboarding.WindowsApps.WindowsAppsTileMedium" Revision="1" Stencil="System.Storyboarding.WindowsApps" StencilVersion="0.1"/>
 </Control>
 </file>
 
-<file path=customXml/item278.xml><?xml version="1.0" encoding="utf-8"?>
-<Control xmlns="http://schemas.microsoft.com/VisualStudio/2011/storyboarding/control">
-  <Id Name="System.Storyboarding.WindowsApps.WindowsAppsButton" Revision="1" Stencil="System.Storyboarding.WindowsApps" StencilVersion="0.1"/>
-</Control>
-</file>
-
 <file path=customXml/item279.xml><?xml version="1.0" encoding="utf-8"?>
 <Control xmlns="http://schemas.microsoft.com/VisualStudio/2011/storyboarding/control">
-  <Id Name="System.Storyboarding.WindowsApps.WindowsAppsTileMedium" Revision="1" Stencil="System.Storyboarding.WindowsApps" StencilVersion="0.1"/>
+  <Id Name="fd7d7bed-114e-464c-a4f1-01a512005949" Revision="1" Stencil="System.MyShapes" StencilVersion="1.0"/>
 </Control>
 </file>
 
 <file path=customXml/item28.xml><?xml version="1.0" encoding="utf-8"?>
 <Control xmlns="http://schemas.microsoft.com/VisualStudio/2011/storyboarding/control">
-  <Id Name="System.Storyboarding.WindowsApps.WindowsAppsEditBox" Revision="1" Stencil="System.Storyboarding.WindowsApps" StencilVersion="0.1"/>
+  <Id Name="System.Storyboarding.Annotation.AnimatedRectangleCallout" Revision="1" Stencil="System.Storyboarding.Annotation" StencilVersion="0.1"/>
 </Control>
 </file>
 
@@ -30641,37 +30641,37 @@
 
 <file path=customXml/item281.xml><?xml version="1.0" encoding="utf-8"?>
 <Control xmlns="http://schemas.microsoft.com/VisualStudio/2011/storyboarding/control">
-  <Id Name="System.Storyboarding.WindowsApps.WindowsAppsButton" Revision="1" Stencil="System.Storyboarding.WindowsApps" StencilVersion="0.1"/>
+  <Id Name="System.Storyboarding.WindowsApps.WindowsAppsTileMedium" Revision="1" Stencil="System.Storyboarding.WindowsApps" StencilVersion="0.1"/>
 </Control>
 </file>
 
 <file path=customXml/item282.xml><?xml version="1.0" encoding="utf-8"?>
-<Control xmlns="http://schemas.microsoft.com/VisualStudio/2011/storyboarding/control">
-  <Id Name="System.Storyboarding.Common.List" Revision="1" Stencil="System.Storyboarding.Common" StencilVersion="0.1"/>
-</Control>
-</file>
-
-<file path=customXml/item283.xml><?xml version="1.0" encoding="utf-8"?>
 <Control xmlns="http://schemas.microsoft.com/VisualStudio/2011/storyboarding/control">
   <Id Name="System.Storyboarding.WindowsApps.WindowsAppsEditBox" Revision="1" Stencil="System.Storyboarding.WindowsApps" StencilVersion="0.1"/>
 </Control>
 </file>
 
+<file path=customXml/item283.xml><?xml version="1.0" encoding="utf-8"?>
+<Control xmlns="http://schemas.microsoft.com/VisualStudio/2011/storyboarding/control">
+  <Id Name="System.Storyboarding.Common.CheckBoxUnchecked" Revision="1" Stencil="System.Storyboarding.Common" StencilVersion="0.1"/>
+</Control>
+</file>
+
 <file path=customXml/item284.xml><?xml version="1.0" encoding="utf-8"?>
 <Control xmlns="http://schemas.microsoft.com/VisualStudio/2011/storyboarding/control">
-  <Id Name="System.Storyboarding.WindowsApps.WindowsAppsTileMedium" Revision="1" Stencil="System.Storyboarding.WindowsApps" StencilVersion="0.1"/>
+  <Id Name="System.Storyboarding.WindowsApps.WindowsAppsEditBox" Revision="1" Stencil="System.Storyboarding.WindowsApps" StencilVersion="0.1"/>
 </Control>
 </file>
 
 <file path=customXml/item285.xml><?xml version="1.0" encoding="utf-8"?>
 <Control xmlns="http://schemas.microsoft.com/VisualStudio/2011/storyboarding/control">
-  <Id Name="System.Storyboarding.Annotation.CallOut" Revision="1" Stencil="System.Storyboarding.Annotation" StencilVersion="0.1"/>
+  <Id Name="System.Storyboarding.WindowsApps.WindowsAppsEditBox" Revision="1" Stencil="System.Storyboarding.WindowsApps" StencilVersion="0.1"/>
 </Control>
 </file>
 
 <file path=customXml/item286.xml><?xml version="1.0" encoding="utf-8"?>
 <Control xmlns="http://schemas.microsoft.com/VisualStudio/2011/storyboarding/control">
-  <Id Name="System.Storyboarding.Annotation.CallOut" Revision="1" Stencil="System.Storyboarding.Annotation" StencilVersion="0.1"/>
+  <Id Name="System.Storyboarding.WindowsAppIcons.Donotwant" Revision="1" Stencil="System.Storyboarding.WindowsAppIcons" StencilVersion="0.1"/>
 </Control>
 </file>
 
@@ -30683,109 +30683,109 @@
 
 <file path=customXml/item288.xml><?xml version="1.0" encoding="utf-8"?>
 <Control xmlns="http://schemas.microsoft.com/VisualStudio/2011/storyboarding/control">
+  <Id Name="System.Storyboarding.WindowsApps.WindowsAppsEditBox" Revision="1" Stencil="System.Storyboarding.WindowsApps" StencilVersion="0.1"/>
+</Control>
+</file>
+
+<file path=customXml/item289.xml><?xml version="1.0" encoding="utf-8"?>
+<Control xmlns="http://schemas.microsoft.com/VisualStudio/2011/storyboarding/control">
+  <Id Name="System.Storyboarding.WindowsApps.WindowsAppsEditBox" Revision="1" Stencil="System.Storyboarding.WindowsApps" StencilVersion="0.1"/>
+</Control>
+</file>
+
+<file path=customXml/item29.xml><?xml version="1.0" encoding="utf-8"?>
+<Control xmlns="http://schemas.microsoft.com/VisualStudio/2011/storyboarding/control">
   <Id Name="System.Storyboarding.WindowsApps.WindowsAppsTileMedium" Revision="1" Stencil="System.Storyboarding.WindowsApps" StencilVersion="0.1"/>
 </Control>
 </file>
 
-<file path=customXml/item289.xml><?xml version="1.0" encoding="utf-8"?>
+<file path=customXml/item290.xml><?xml version="1.0" encoding="utf-8"?>
+<Control xmlns="http://schemas.microsoft.com/VisualStudio/2011/storyboarding/control">
+  <Id Name="System.Storyboarding.WindowsApps.WindowsAppsTileMedium" Revision="1" Stencil="System.Storyboarding.WindowsApps" StencilVersion="0.1"/>
+</Control>
+</file>
+
+<file path=customXml/item291.xml><?xml version="1.0" encoding="utf-8"?>
+<Control xmlns="http://schemas.microsoft.com/VisualStudio/2011/storyboarding/control">
+  <Id Name="System.Storyboarding.WindowsApps.WindowsAppsEditBox" Revision="1" Stencil="System.Storyboarding.WindowsApps" StencilVersion="0.1"/>
+</Control>
+</file>
+
+<file path=customXml/item292.xml><?xml version="1.0" encoding="utf-8"?>
+<Control xmlns="http://schemas.microsoft.com/VisualStudio/2011/storyboarding/control">
+  <Id Name="System.Storyboarding.WindowsApps.WindowsAppsButton" Revision="1" Stencil="System.Storyboarding.WindowsApps" StencilVersion="0.1"/>
+</Control>
+</file>
+
+<file path=customXml/item293.xml><?xml version="1.0" encoding="utf-8"?>
+<Control xmlns="http://schemas.microsoft.com/VisualStudio/2011/storyboarding/control">
+  <Id Name="System.Storyboarding.WindowsApps.WindowsAppsTileMedium" Revision="1" Stencil="System.Storyboarding.WindowsApps" StencilVersion="0.1"/>
+</Control>
+</file>
+
+<file path=customXml/item294.xml><?xml version="1.0" encoding="utf-8"?>
 <Control xmlns="http://schemas.microsoft.com/VisualStudio/2011/storyboarding/control">
   <Id Name="System.Storyboarding.Annotation.CallOut" Revision="1" Stencil="System.Storyboarding.Annotation" StencilVersion="0.1"/>
 </Control>
 </file>
 
-<file path=customXml/item29.xml><?xml version="1.0" encoding="utf-8"?>
+<file path=customXml/item295.xml><?xml version="1.0" encoding="utf-8"?>
+<Control xmlns="http://schemas.microsoft.com/VisualStudio/2011/storyboarding/control">
+  <Id Name="System.Storyboarding.Annotation.CallOut" Revision="1" Stencil="System.Storyboarding.Annotation" StencilVersion="0.1"/>
+</Control>
+</file>
+
+<file path=customXml/item296.xml><?xml version="1.0" encoding="utf-8"?>
+<Control xmlns="http://schemas.microsoft.com/VisualStudio/2011/storyboarding/control">
+  <Id Name="System.Storyboarding.WindowsApps.WindowsAppsTileMedium" Revision="1" Stencil="System.Storyboarding.WindowsApps" StencilVersion="0.1"/>
+</Control>
+</file>
+
+<file path=customXml/item297.xml><?xml version="1.0" encoding="utf-8"?>
+<Control xmlns="http://schemas.microsoft.com/VisualStudio/2011/storyboarding/control">
+  <Id Name="System.Storyboarding.WindowsApps.WindowsAppsButton" Revision="1" Stencil="System.Storyboarding.WindowsApps" StencilVersion="0.1"/>
+</Control>
+</file>
+
+<file path=customXml/item298.xml><?xml version="1.0" encoding="utf-8"?>
+<Control xmlns="http://schemas.microsoft.com/VisualStudio/2011/storyboarding/control">
+  <Id Name="System.Storyboarding.Annotation.CallOut" Revision="1" Stencil="System.Storyboarding.Annotation" StencilVersion="0.1"/>
+</Control>
+</file>
+
+<file path=customXml/item299.xml><?xml version="1.0" encoding="utf-8"?>
 <Control xmlns="http://schemas.microsoft.com/VisualStudio/2011/storyboarding/control">
   <Id Name="System.Storyboarding.WindowsApps.WindowsAppsEditBox" Revision="1" Stencil="System.Storyboarding.WindowsApps" StencilVersion="0.1"/>
 </Control>
 </file>
 
-<file path=customXml/item290.xml><?xml version="1.0" encoding="utf-8"?>
+<file path=customXml/item3.xml><?xml version="1.0" encoding="utf-8"?>
 <Control xmlns="http://schemas.microsoft.com/VisualStudio/2011/storyboarding/control">
   <Id Name="System.Storyboarding.WindowsApps.WindowsAppsEditBox" Revision="1" Stencil="System.Storyboarding.WindowsApps" StencilVersion="0.1"/>
 </Control>
 </file>
 
-<file path=customXml/item291.xml><?xml version="1.0" encoding="utf-8"?>
-<Control xmlns="http://schemas.microsoft.com/VisualStudio/2011/storyboarding/control">
-  <Id Name="System.Storyboarding.WindowsApps.WindowsAppsButton" Revision="1" Stencil="System.Storyboarding.WindowsApps" StencilVersion="0.1"/>
-</Control>
-</file>
-
-<file path=customXml/item292.xml><?xml version="1.0" encoding="utf-8"?>
+<file path=customXml/item30.xml><?xml version="1.0" encoding="utf-8"?>
 <Control xmlns="http://schemas.microsoft.com/VisualStudio/2011/storyboarding/control">
   <Id Name="System.Storyboarding.WindowsApps.WindowsAppsTileMedium" Revision="1" Stencil="System.Storyboarding.WindowsApps" StencilVersion="0.1"/>
 </Control>
 </file>
 
-<file path=customXml/item293.xml><?xml version="1.0" encoding="utf-8"?>
+<file path=customXml/item300.xml><?xml version="1.0" encoding="utf-8"?>
 <Control xmlns="http://schemas.microsoft.com/VisualStudio/2011/storyboarding/control">
-  <Id Name="System.Storyboarding.Icons.CurvedArrow" Revision="1" Stencil="System.Storyboarding.Icons" StencilVersion="0.1"/>
+  <Id Name="System.Storyboarding.Common.CheckBoxUnchecked" Revision="1" Stencil="System.Storyboarding.Common" StencilVersion="0.1"/>
 </Control>
 </file>
 
-<file path=customXml/item294.xml><?xml version="1.0" encoding="utf-8"?>
+<file path=customXml/item301.xml><?xml version="1.0" encoding="utf-8"?>
 <Control xmlns="http://schemas.microsoft.com/VisualStudio/2011/storyboarding/control">
-  <Id Name="System.Storyboarding.WindowsApps.WindowsAppsTileMedium" Revision="1" Stencil="System.Storyboarding.WindowsApps" StencilVersion="0.1"/>
+  <Id Name="System.Storyboarding.WindowsAppIcons.Emoji" Revision="1" Stencil="System.Storyboarding.WindowsAppIcons" StencilVersion="0.1"/>
 </Control>
 </file>
 
-<file path=customXml/item295.xml><?xml version="1.0" encoding="utf-8"?>
-<Control xmlns="http://schemas.microsoft.com/VisualStudio/2011/storyboarding/control">
-  <Id Name="System.Storyboarding.WindowsAppIcons.Games" Revision="1" Stencil="System.Storyboarding.WindowsAppIcons" StencilVersion="0.1"/>
-</Control>
-</file>
-
-<file path=customXml/item296.xml><?xml version="1.0" encoding="utf-8"?>
+<file path=customXml/item302.xml><?xml version="1.0" encoding="utf-8"?>
 <Control xmlns="http://schemas.microsoft.com/VisualStudio/2011/storyboarding/control">
   <Id Name="System.Storyboarding.WindowsApps.WindowsAppsButton" Revision="1" Stencil="System.Storyboarding.WindowsApps" StencilVersion="0.1"/>
-</Control>
-</file>
-
-<file path=customXml/item297.xml><?xml version="1.0" encoding="utf-8"?>
-<Control xmlns="http://schemas.microsoft.com/VisualStudio/2011/storyboarding/control">
-  <Id Name="System.Storyboarding.Annotation.CallOut" Revision="1" Stencil="System.Storyboarding.Annotation" StencilVersion="0.1"/>
-</Control>
-</file>
-
-<file path=customXml/item298.xml><?xml version="1.0" encoding="utf-8"?>
-<Control xmlns="http://schemas.microsoft.com/VisualStudio/2011/storyboarding/control">
-  <Id Name="System.Storyboarding.WindowsApps.WindowsAppsTileMedium" Revision="1" Stencil="System.Storyboarding.WindowsApps" StencilVersion="0.1"/>
-</Control>
-</file>
-
-<file path=customXml/item299.xml><?xml version="1.0" encoding="utf-8"?>
-<Control xmlns="http://schemas.microsoft.com/VisualStudio/2011/storyboarding/control">
-  <Id Name="System.Storyboarding.WindowsApps.WindowsAppsTileMedium" Revision="1" Stencil="System.Storyboarding.WindowsApps" StencilVersion="0.1"/>
-</Control>
-</file>
-
-<file path=customXml/item3.xml><?xml version="1.0" encoding="utf-8"?>
-<Control xmlns="http://schemas.microsoft.com/VisualStudio/2011/storyboarding/control">
-  <Id Name="fd7d7bed-114e-464c-a4f1-01a512005949" Revision="1" Stencil="System.MyShapes" StencilVersion="1.0"/>
-</Control>
-</file>
-
-<file path=customXml/item30.xml><?xml version="1.0" encoding="utf-8"?>
-<Control xmlns="http://schemas.microsoft.com/VisualStudio/2011/storyboarding/control">
-  <Id Name="System.Storyboarding.Annotation.CallOut" Revision="1" Stencil="System.Storyboarding.Annotation" StencilVersion="0.1"/>
-</Control>
-</file>
-
-<file path=customXml/item300.xml><?xml version="1.0" encoding="utf-8"?>
-<Control xmlns="http://schemas.microsoft.com/VisualStudio/2011/storyboarding/control">
-  <Id Name="System.Storyboarding.WindowsApps.WindowsAppsButton" Revision="1" Stencil="System.Storyboarding.WindowsApps" StencilVersion="0.1"/>
-</Control>
-</file>
-
-<file path=customXml/item301.xml><?xml version="1.0" encoding="utf-8"?>
-<Control xmlns="http://schemas.microsoft.com/VisualStudio/2011/storyboarding/control">
-  <Id Name="fd7d7bed-114e-464c-a4f1-01a512005949" Revision="1" Stencil="System.MyShapes" StencilVersion="1.0"/>
-</Control>
-</file>
-
-<file path=customXml/item302.xml><?xml version="1.0" encoding="utf-8"?>
-<Control xmlns="http://schemas.microsoft.com/VisualStudio/2011/storyboarding/control">
-  <Id Name="fd7d7bed-114e-464c-a4f1-01a512005949" Revision="1" Stencil="System.MyShapes" StencilVersion="1.0"/>
 </Control>
 </file>
 
@@ -30809,49 +30809,49 @@
 
 <file path=customXml/item306.xml><?xml version="1.0" encoding="utf-8"?>
 <Control xmlns="http://schemas.microsoft.com/VisualStudio/2011/storyboarding/control">
-  <Id Name="System.Storyboarding.Backgrounds.WindowsPhone" Revision="1" Stencil="System.Storyboarding.Backgrounds" StencilVersion="0.1"/>
+  <Id Name="fd7d7bed-114e-464c-a4f1-01a512005949" Revision="1" Stencil="System.MyShapes" StencilVersion="1.0"/>
 </Control>
 </file>
 
 <file path=customXml/item307.xml><?xml version="1.0" encoding="utf-8"?>
+<Control xmlns="http://schemas.microsoft.com/VisualStudio/2011/storyboarding/control">
+  <Id Name="System.Storyboarding.WindowsApps.WindowsAppsTileMedium" Revision="1" Stencil="System.Storyboarding.WindowsApps" StencilVersion="0.1"/>
+</Control>
+</file>
+
+<file path=customXml/item308.xml><?xml version="1.0" encoding="utf-8"?>
+<Control xmlns="http://schemas.microsoft.com/VisualStudio/2011/storyboarding/control">
+  <Id Name="System.Storyboarding.WindowsApps.WindowsAppsTileMedium" Revision="1" Stencil="System.Storyboarding.WindowsApps" StencilVersion="0.1"/>
+</Control>
+</file>
+
+<file path=customXml/item309.xml><?xml version="1.0" encoding="utf-8"?>
 <Control xmlns="http://schemas.microsoft.com/VisualStudio/2011/storyboarding/control">
   <Id Name="fd7d7bed-114e-464c-a4f1-01a512005949" Revision="1" Stencil="System.MyShapes" StencilVersion="1.0"/>
 </Control>
 </file>
 
-<file path=customXml/item308.xml><?xml version="1.0" encoding="utf-8"?>
-<Control xmlns="http://schemas.microsoft.com/VisualStudio/2011/storyboarding/control">
-  <Id Name="System.Storyboarding.Common.CheckBoxUnchecked" Revision="1" Stencil="System.Storyboarding.Common" StencilVersion="0.1"/>
-</Control>
-</file>
-
-<file path=customXml/item309.xml><?xml version="1.0" encoding="utf-8"?>
-<Control xmlns="http://schemas.microsoft.com/VisualStudio/2011/storyboarding/control">
-  <Id Name="System.Storyboarding.WindowsApps.WindowsAppsTileMedium" Revision="1" Stencil="System.Storyboarding.WindowsApps" StencilVersion="0.1"/>
-</Control>
-</file>
-
 <file path=customXml/item31.xml><?xml version="1.0" encoding="utf-8"?>
-<Control xmlns="http://schemas.microsoft.com/VisualStudio/2011/storyboarding/control">
-  <Id Name="System.Storyboarding.WindowsApps.WindowsAppsTileMedium" Revision="1" Stencil="System.Storyboarding.WindowsApps" StencilVersion="0.1"/>
-</Control>
-</file>
-
-<file path=customXml/item310.xml><?xml version="1.0" encoding="utf-8"?>
 <Control xmlns="http://schemas.microsoft.com/VisualStudio/2011/storyboarding/control">
   <Id Name="fd7d7bed-114e-464c-a4f1-01a512005949" Revision="1" Stencil="System.MyShapes" StencilVersion="1.0"/>
 </Control>
 </file>
 
+<file path=customXml/item310.xml><?xml version="1.0" encoding="utf-8"?>
+<Control xmlns="http://schemas.microsoft.com/VisualStudio/2011/storyboarding/control">
+  <Id Name="System.Storyboarding.Annotation.CallOut" Revision="1" Stencil="System.Storyboarding.Annotation" StencilVersion="0.1"/>
+</Control>
+</file>
+
 <file path=customXml/item311.xml><?xml version="1.0" encoding="utf-8"?>
 <Control xmlns="http://schemas.microsoft.com/VisualStudio/2011/storyboarding/control">
-  <Id Name="System.Storyboarding.Backgrounds.WindowsPhone" Revision="1" Stencil="System.Storyboarding.Backgrounds" StencilVersion="0.1"/>
+  <Id Name="System.Storyboarding.WindowsApps.WindowsAppsButton" Revision="1" Stencil="System.Storyboarding.WindowsApps" StencilVersion="0.1"/>
 </Control>
 </file>
 
 <file path=customXml/item312.xml><?xml version="1.0" encoding="utf-8"?>
 <Control xmlns="http://schemas.microsoft.com/VisualStudio/2011/storyboarding/control">
-  <Id Name="System.Storyboarding.Annotation.StickyNote" Revision="1" Stencil="System.Storyboarding.Annotation" StencilVersion="0.1"/>
+  <Id Name="System.Storyboarding.WindowsApps.WindowsAppsTileMedium" Revision="1" Stencil="System.Storyboarding.WindowsApps" StencilVersion="0.1"/>
 </Control>
 </file>
 
@@ -30863,67 +30863,67 @@
 
 <file path=customXml/item314.xml><?xml version="1.0" encoding="utf-8"?>
 <Control xmlns="http://schemas.microsoft.com/VisualStudio/2011/storyboarding/control">
-  <Id Name="System.Storyboarding.WindowsApps.WindowsAppsTileMedium" Revision="1" Stencil="System.Storyboarding.WindowsApps" StencilVersion="0.1"/>
+  <Id Name="System.Storyboarding.Common.CheckBoxChecked" Revision="1" Stencil="System.Storyboarding.Common" StencilVersion="0.1"/>
 </Control>
 </file>
 
 <file path=customXml/item315.xml><?xml version="1.0" encoding="utf-8"?>
 <Control xmlns="http://schemas.microsoft.com/VisualStudio/2011/storyboarding/control">
-  <Id Name="System.Storyboarding.WindowsApps.WindowsAppsEditBox" Revision="1" Stencil="System.Storyboarding.WindowsApps" StencilVersion="0.1"/>
+  <Id Name="fd7d7bed-114e-464c-a4f1-01a512005949" Revision="1" Stencil="System.MyShapes" StencilVersion="1.0"/>
 </Control>
 </file>
 
 <file path=customXml/item316.xml><?xml version="1.0" encoding="utf-8"?>
+<Control xmlns="http://schemas.microsoft.com/VisualStudio/2011/storyboarding/control">
+  <Id Name="System.Storyboarding.WindowsApps.WindowsAppsButton" Revision="1" Stencil="System.Storyboarding.WindowsApps" StencilVersion="0.1"/>
+</Control>
+</file>
+
+<file path=customXml/item317.xml><?xml version="1.0" encoding="utf-8"?>
+<Control xmlns="http://schemas.microsoft.com/VisualStudio/2011/storyboarding/control">
+  <Id Name="fd7d7bed-114e-464c-a4f1-01a512005949" Revision="1" Stencil="System.MyShapes" StencilVersion="1.0"/>
+</Control>
+</file>
+
+<file path=customXml/item318.xml><?xml version="1.0" encoding="utf-8"?>
+<Control xmlns="http://schemas.microsoft.com/VisualStudio/2011/storyboarding/control">
+  <Id Name="fd7d7bed-114e-464c-a4f1-01a512005949" Revision="1" Stencil="System.MyShapes" StencilVersion="1.0"/>
+</Control>
+</file>
+
+<file path=customXml/item319.xml><?xml version="1.0" encoding="utf-8"?>
+<Control xmlns="http://schemas.microsoft.com/VisualStudio/2011/storyboarding/control">
+  <Id Name="fd7d7bed-114e-464c-a4f1-01a512005949" Revision="1" Stencil="System.MyShapes" StencilVersion="1.0"/>
+</Control>
+</file>
+
+<file path=customXml/item32.xml><?xml version="1.0" encoding="utf-8"?>
+<Control xmlns="http://schemas.microsoft.com/VisualStudio/2011/storyboarding/control">
+  <Id Name="fd7d7bed-114e-464c-a4f1-01a512005949" Revision="1" Stencil="System.MyShapes" StencilVersion="1.0"/>
+</Control>
+</file>
+
+<file path=customXml/item320.xml><?xml version="1.0" encoding="utf-8"?>
 <Control xmlns="http://schemas.microsoft.com/VisualStudio/2011/storyboarding/control">
   <Id Name="System.Storyboarding.WindowsApps.WindowsAppsTileMedium" Revision="1" Stencil="System.Storyboarding.WindowsApps" StencilVersion="0.1"/>
 </Control>
 </file>
 
-<file path=customXml/item317.xml><?xml version="1.0" encoding="utf-8"?>
+<file path=customXml/item321.xml><?xml version="1.0" encoding="utf-8"?>
 <Control xmlns="http://schemas.microsoft.com/VisualStudio/2011/storyboarding/control">
-  <Id Name="System.Storyboarding.WindowsAppIcons.Games" Revision="1" Stencil="System.Storyboarding.WindowsAppIcons" StencilVersion="0.1"/>
+  <Id Name="System.Storyboarding.Common.CheckBoxUnchecked" Revision="1" Stencil="System.Storyboarding.Common" StencilVersion="0.1"/>
 </Control>
 </file>
 
-<file path=customXml/item318.xml><?xml version="1.0" encoding="utf-8"?>
+<file path=customXml/item322.xml><?xml version="1.0" encoding="utf-8"?>
+<Control xmlns="http://schemas.microsoft.com/VisualStudio/2011/storyboarding/control">
+  <Id Name="fd7d7bed-114e-464c-a4f1-01a512005949" Revision="1" Stencil="System.MyShapes" StencilVersion="1.0"/>
+</Control>
+</file>
+
+<file path=customXml/item323.xml><?xml version="1.0" encoding="utf-8"?>
 <Control xmlns="http://schemas.microsoft.com/VisualStudio/2011/storyboarding/control">
   <Id Name="System.Storyboarding.WindowsApps.WindowsAppsTileMedium" Revision="1" Stencil="System.Storyboarding.WindowsApps" StencilVersion="0.1"/>
-</Control>
-</file>
-
-<file path=customXml/item319.xml><?xml version="1.0" encoding="utf-8"?>
-<Control xmlns="http://schemas.microsoft.com/VisualStudio/2011/storyboarding/control">
-  <Id Name="System.Storyboarding.WindowsApps.WindowsAppsTileMedium" Revision="1" Stencil="System.Storyboarding.WindowsApps" StencilVersion="0.1"/>
-</Control>
-</file>
-
-<file path=customXml/item32.xml><?xml version="1.0" encoding="utf-8"?>
-<Control xmlns="http://schemas.microsoft.com/VisualStudio/2011/storyboarding/control">
-  <Id Name="System.Storyboarding.WindowsApps.WindowsAppsTileMedium" Revision="1" Stencil="System.Storyboarding.WindowsApps" StencilVersion="0.1"/>
-</Control>
-</file>
-
-<file path=customXml/item320.xml><?xml version="1.0" encoding="utf-8"?>
-<Control xmlns="http://schemas.microsoft.com/VisualStudio/2011/storyboarding/control">
-  <Id Name="System.Storyboarding.WindowsApps.WindowsAppsButton" Revision="1" Stencil="System.Storyboarding.WindowsApps" StencilVersion="0.1"/>
-</Control>
-</file>
-
-<file path=customXml/item321.xml><?xml version="1.0" encoding="utf-8"?>
-<Control xmlns="http://schemas.microsoft.com/VisualStudio/2011/storyboarding/control">
-  <Id Name="System.Storyboarding.WindowsApps.WindowsAppsTileMedium" Revision="1" Stencil="System.Storyboarding.WindowsApps" StencilVersion="0.1"/>
-</Control>
-</file>
-
-<file path=customXml/item322.xml><?xml version="1.0" encoding="utf-8"?>
-<Control xmlns="http://schemas.microsoft.com/VisualStudio/2011/storyboarding/control">
-  <Id Name="System.Storyboarding.WindowsApps.WindowsAppsButton" Revision="1" Stencil="System.Storyboarding.WindowsApps" StencilVersion="0.1"/>
-</Control>
-</file>
-
-<file path=customXml/item323.xml><?xml version="1.0" encoding="utf-8"?>
-<Control xmlns="http://schemas.microsoft.com/VisualStudio/2011/storyboarding/control">
-  <Id Name="System.Storyboarding.Common.ScrollbarVertical" RevisionId="68ea164d-c1de-47a5-804f-d4d1290fa524" Stencil="System.Storyboarding.Common" StencilRevisionId="68ea164d-c1de-47a5-804f-d4d1290fa524" StencilVersion="0.1"/>
 </Control>
 </file>
 
@@ -30935,13 +30935,13 @@
 
 <file path=customXml/item325.xml><?xml version="1.0" encoding="utf-8"?>
 <Control xmlns="http://schemas.microsoft.com/VisualStudio/2011/storyboarding/control">
-  <Id Name="System.Storyboarding.WindowsApps.WindowsAppsEditBox" Revision="1" Stencil="System.Storyboarding.WindowsApps" StencilVersion="0.1"/>
+  <Id Name="System.Storyboarding.WindowsApps.WindowsAppsTileMedium" Revision="1" Stencil="System.Storyboarding.WindowsApps" StencilVersion="0.1"/>
 </Control>
 </file>
 
 <file path=customXml/item326.xml><?xml version="1.0" encoding="utf-8"?>
 <Control xmlns="http://schemas.microsoft.com/VisualStudio/2011/storyboarding/control">
-  <Id Name="System.Storyboarding.WindowsApps.WindowsAppsTileMedium" Revision="1" Stencil="System.Storyboarding.WindowsApps" StencilVersion="0.1"/>
+  <Id Name="System.Storyboarding.Annotation.CallOut" Revision="1" Stencil="System.Storyboarding.Annotation" StencilVersion="0.1"/>
 </Control>
 </file>
 
@@ -30953,7 +30953,7 @@
 
 <file path=customXml/item328.xml><?xml version="1.0" encoding="utf-8"?>
 <Control xmlns="http://schemas.microsoft.com/VisualStudio/2011/storyboarding/control">
-  <Id Name="fd7d7bed-114e-464c-a4f1-01a512005949" Revision="1" Stencil="System.MyShapes" StencilVersion="1.0"/>
+  <Id Name="System.Storyboarding.Annotation.CallOut" Revision="1" Stencil="System.Storyboarding.Annotation" StencilVersion="0.1"/>
 </Control>
 </file>
 
@@ -30965,25 +30965,25 @@
 
 <file path=customXml/item33.xml><?xml version="1.0" encoding="utf-8"?>
 <Control xmlns="http://schemas.microsoft.com/VisualStudio/2011/storyboarding/control">
-  <Id Name="System.Storyboarding.WindowsApps.WindowsAppsTileMedium" Revision="1" Stencil="System.Storyboarding.WindowsApps" StencilVersion="0.1"/>
+  <Id Name="System.Storyboarding.WindowsAppIcons.Like" Revision="1" Stencil="System.Storyboarding.WindowsAppIcons" StencilVersion="0.1"/>
 </Control>
 </file>
 
 <file path=customXml/item330.xml><?xml version="1.0" encoding="utf-8"?>
+<Control xmlns="http://schemas.microsoft.com/VisualStudio/2011/storyboarding/control">
+  <Id Name="System.Storyboarding.Common.List" Revision="1" Stencil="System.Storyboarding.Common" StencilVersion="0.1"/>
+</Control>
+</file>
+
+<file path=customXml/item331.xml><?xml version="1.0" encoding="utf-8"?>
 <Control xmlns="http://schemas.microsoft.com/VisualStudio/2011/storyboarding/control">
   <Id Name="fd7d7bed-114e-464c-a4f1-01a512005949" Revision="1" Stencil="System.MyShapes" StencilVersion="1.0"/>
 </Control>
 </file>
 
-<file path=customXml/item331.xml><?xml version="1.0" encoding="utf-8"?>
-<Control xmlns="http://schemas.microsoft.com/VisualStudio/2011/storyboarding/control">
-  <Id Name="System.Storyboarding.WindowsApps.WindowsAppsEditBox" Revision="1" Stencil="System.Storyboarding.WindowsApps" StencilVersion="0.1"/>
-</Control>
-</file>
-
 <file path=customXml/item332.xml><?xml version="1.0" encoding="utf-8"?>
 <Control xmlns="http://schemas.microsoft.com/VisualStudio/2011/storyboarding/control">
-  <Id Name="System.Storyboarding.WindowsApps.WindowsAppsTileMedium" Revision="1" Stencil="System.Storyboarding.WindowsApps" StencilVersion="0.1"/>
+  <Id Name="System.Storyboarding.WindowsApps.WindowsAppsButton" Revision="1" Stencil="System.Storyboarding.WindowsApps" StencilVersion="0.1"/>
 </Control>
 </file>
 
@@ -30995,13 +30995,13 @@
 
 <file path=customXml/item334.xml><?xml version="1.0" encoding="utf-8"?>
 <Control xmlns="http://schemas.microsoft.com/VisualStudio/2011/storyboarding/control">
-  <Id Name="System.Storyboarding.WindowsApps.WindowsAppsTileMedium" Revision="1" Stencil="System.Storyboarding.WindowsApps" StencilVersion="0.1"/>
+  <Id Name="System.Storyboarding.Annotation.StickyNote" Revision="1" Stencil="System.Storyboarding.Annotation" StencilVersion="0.1"/>
 </Control>
 </file>
 
 <file path=customXml/item335.xml><?xml version="1.0" encoding="utf-8"?>
 <Control xmlns="http://schemas.microsoft.com/VisualStudio/2011/storyboarding/control">
-  <Id Name="System.Storyboarding.WindowsApps.WindowsAppsEditBox" Revision="1" Stencil="System.Storyboarding.WindowsApps" StencilVersion="0.1"/>
+  <Id Name="System.Storyboarding.WindowsApps.WindowsAppsTileMedium" Revision="1" Stencil="System.Storyboarding.WindowsApps" StencilVersion="0.1"/>
 </Control>
 </file>
 
@@ -31013,19 +31013,19 @@
 
 <file path=customXml/item337.xml><?xml version="1.0" encoding="utf-8"?>
 <Control xmlns="http://schemas.microsoft.com/VisualStudio/2011/storyboarding/control">
-  <Id Name="System.Storyboarding.Annotation.CallOut" Revision="1" Stencil="System.Storyboarding.Annotation" StencilVersion="0.1"/>
+  <Id Name="System.Storyboarding.WindowsApps.WindowsAppsButton" Revision="1" Stencil="System.Storyboarding.WindowsApps" StencilVersion="0.1"/>
 </Control>
 </file>
 
 <file path=customXml/item338.xml><?xml version="1.0" encoding="utf-8"?>
 <Control xmlns="http://schemas.microsoft.com/VisualStudio/2011/storyboarding/control">
-  <Id Name="fd7d7bed-114e-464c-a4f1-01a512005949" Revision="1" Stencil="System.MyShapes" StencilVersion="1.0"/>
+  <Id Name="System.Storyboarding.Backgrounds.WindowsPhone" Revision="1" Stencil="System.Storyboarding.Backgrounds" StencilVersion="0.1"/>
 </Control>
 </file>
 
 <file path=customXml/item339.xml><?xml version="1.0" encoding="utf-8"?>
 <Control xmlns="http://schemas.microsoft.com/VisualStudio/2011/storyboarding/control">
-  <Id Name="System.Storyboarding.Annotation.CallOut" Revision="1" Stencil="System.Storyboarding.Annotation" StencilVersion="0.1"/>
+  <Id Name="System.Storyboarding.WindowsApps.WindowsAppsEditBox" Revision="1" Stencil="System.Storyboarding.WindowsApps" StencilVersion="0.1"/>
 </Control>
 </file>
 
@@ -31037,73 +31037,73 @@
 
 <file path=customXml/item340.xml><?xml version="1.0" encoding="utf-8"?>
 <Control xmlns="http://schemas.microsoft.com/VisualStudio/2011/storyboarding/control">
-  <Id Name="fd7d7bed-114e-464c-a4f1-01a512005949" Revision="1" Stencil="System.MyShapes" StencilVersion="1.0"/>
+  <Id Name="System.Storyboarding.WindowsApps.WindowsAppsTileMedium" Revision="1" Stencil="System.Storyboarding.WindowsApps" StencilVersion="0.1"/>
 </Control>
 </file>
 
 <file path=customXml/item341.xml><?xml version="1.0" encoding="utf-8"?>
+<Control xmlns="http://schemas.microsoft.com/VisualStudio/2011/storyboarding/control">
+  <Id Name="System.Storyboarding.WindowsApps.WindowsAppsTileMedium" Revision="1" Stencil="System.Storyboarding.WindowsApps" StencilVersion="0.1"/>
+</Control>
+</file>
+
+<file path=customXml/item342.xml><?xml version="1.0" encoding="utf-8"?>
+<Control xmlns="http://schemas.microsoft.com/VisualStudio/2011/storyboarding/control">
+  <Id Name="System.Storyboarding.WindowsApps.WindowsAppsButton" Revision="1" Stencil="System.Storyboarding.WindowsApps" StencilVersion="0.1"/>
+</Control>
+</file>
+
+<file path=customXml/item35.xml><?xml version="1.0" encoding="utf-8"?>
+<Control xmlns="http://schemas.microsoft.com/VisualStudio/2011/storyboarding/control">
+  <Id Name="System.Storyboarding.WindowsApps.WindowsAppsButton" Revision="1" Stencil="System.Storyboarding.WindowsApps" StencilVersion="0.1"/>
+</Control>
+</file>
+
+<file path=customXml/item36.xml><?xml version="1.0" encoding="utf-8"?>
 <Control xmlns="http://schemas.microsoft.com/VisualStudio/2011/storyboarding/control">
   <Id Name="System.Storyboarding.Annotation.CallOut" Revision="1" Stencil="System.Storyboarding.Annotation" StencilVersion="0.1"/>
 </Control>
 </file>
 
-<file path=customXml/item342.xml><?xml version="1.0" encoding="utf-8"?>
+<file path=customXml/item37.xml><?xml version="1.0" encoding="utf-8"?>
+<Control xmlns="http://schemas.microsoft.com/VisualStudio/2011/storyboarding/control">
+  <Id Name="System.Storyboarding.Annotation.CallOut" Revision="1" Stencil="System.Storyboarding.Annotation" StencilVersion="0.1"/>
+</Control>
+</file>
+
+<file path=customXml/item38.xml><?xml version="1.0" encoding="utf-8"?>
 <Control xmlns="http://schemas.microsoft.com/VisualStudio/2011/storyboarding/control">
   <Id Name="fd7d7bed-114e-464c-a4f1-01a512005949" Revision="1" Stencil="System.MyShapes" StencilVersion="1.0"/>
 </Control>
 </file>
 
-<file path=customXml/item35.xml><?xml version="1.0" encoding="utf-8"?>
-<Control xmlns="http://schemas.microsoft.com/VisualStudio/2011/storyboarding/control">
-  <Id Name="System.Storyboarding.WindowsApps.WindowsAppsTileMedium" Revision="1" Stencil="System.Storyboarding.WindowsApps" StencilVersion="0.1"/>
-</Control>
-</file>
-
-<file path=customXml/item36.xml><?xml version="1.0" encoding="utf-8"?>
-<Control xmlns="http://schemas.microsoft.com/VisualStudio/2011/storyboarding/control">
-  <Id Name="System.Storyboarding.WindowsApps.WindowsAppsTileMedium" Revision="1" Stencil="System.Storyboarding.WindowsApps" StencilVersion="0.1"/>
-</Control>
-</file>
-
-<file path=customXml/item37.xml><?xml version="1.0" encoding="utf-8"?>
+<file path=customXml/item39.xml><?xml version="1.0" encoding="utf-8"?>
 <Control xmlns="http://schemas.microsoft.com/VisualStudio/2011/storyboarding/control">
   <Id Name="fd7d7bed-114e-464c-a4f1-01a512005949" Revision="1" Stencil="System.MyShapes" StencilVersion="1.0"/>
 </Control>
 </file>
 
-<file path=customXml/item38.xml><?xml version="1.0" encoding="utf-8"?>
+<file path=customXml/item4.xml><?xml version="1.0" encoding="utf-8"?>
 <Control xmlns="http://schemas.microsoft.com/VisualStudio/2011/storyboarding/control">
   <Id Name="System.Storyboarding.Annotation.CallOut" Revision="1" Stencil="System.Storyboarding.Annotation" StencilVersion="0.1"/>
 </Control>
 </file>
 
-<file path=customXml/item39.xml><?xml version="1.0" encoding="utf-8"?>
-<Control xmlns="http://schemas.microsoft.com/VisualStudio/2011/storyboarding/control">
-  <Id Name="System.Storyboarding.WindowsAppIcons.Games" Revision="1" Stencil="System.Storyboarding.WindowsAppIcons" StencilVersion="0.1"/>
-</Control>
-</file>
-
-<file path=customXml/item4.xml><?xml version="1.0" encoding="utf-8"?>
-<Control xmlns="http://schemas.microsoft.com/VisualStudio/2011/storyboarding/control">
-  <Id Name="f7a94b64-51d6-472a-8bb4-f2cc047935d1" RevisionId="4b37df06-a36b-4383-9074-55517f1335fc" Stencil="172d6d98-e5c9-42e9-a209-79f7a94bbd38" StencilRevisionId="00000000-0000-0000-0000-000000000000" StencilVersion="0.0"/>
-</Control>
-</file>
-
 <file path=customXml/item40.xml><?xml version="1.0" encoding="utf-8"?>
 <Control xmlns="http://schemas.microsoft.com/VisualStudio/2011/storyboarding/control">
-  <Id Name="System.Storyboarding.WindowsApps.WindowsAppsTileMedium" Revision="1" Stencil="System.Storyboarding.WindowsApps" StencilVersion="0.1"/>
+  <Id Name="System.Storyboarding.WindowsApps.WindowsAppsEditBox" Revision="1" Stencil="System.Storyboarding.WindowsApps" StencilVersion="0.1"/>
 </Control>
 </file>
 
 <file path=customXml/item41.xml><?xml version="1.0" encoding="utf-8"?>
 <Control xmlns="http://schemas.microsoft.com/VisualStudio/2011/storyboarding/control">
-  <Id Name="System.Storyboarding.WindowsApps.WindowsAppsTileMedium" Revision="1" Stencil="System.Storyboarding.WindowsApps" StencilVersion="0.1"/>
+  <Id Name="System.Storyboarding.Annotation.AnimatedRectangleCallout" Revision="1" Stencil="System.Storyboarding.Annotation" StencilVersion="0.1"/>
 </Control>
 </file>
 
 <file path=customXml/item42.xml><?xml version="1.0" encoding="utf-8"?>
 <Control xmlns="http://schemas.microsoft.com/VisualStudio/2011/storyboarding/control">
-  <Id Name="fd7d7bed-114e-464c-a4f1-01a512005949" Revision="1" Stencil="System.MyShapes" StencilVersion="1.0"/>
+  <Id Name="System.Storyboarding.WindowsApps.WindowsAppsTileMedium" Revision="1" Stencil="System.Storyboarding.WindowsApps" StencilVersion="0.1"/>
 </Control>
 </file>
 
@@ -31115,109 +31115,109 @@
 
 <file path=customXml/item44.xml><?xml version="1.0" encoding="utf-8"?>
 <Control xmlns="http://schemas.microsoft.com/VisualStudio/2011/storyboarding/control">
-  <Id Name="System.Storyboarding.WindowsApps.WindowsAppsButton" Revision="1" Stencil="System.Storyboarding.WindowsApps" StencilVersion="0.1"/>
+  <Id Name="System.Storyboarding.WindowsApps.WindowsAppsTileMedium" Revision="1" Stencil="System.Storyboarding.WindowsApps" StencilVersion="0.1"/>
 </Control>
 </file>
 
 <file path=customXml/item45.xml><?xml version="1.0" encoding="utf-8"?>
+<Control xmlns="http://schemas.microsoft.com/VisualStudio/2011/storyboarding/control">
+  <Id Name="System.Storyboarding.Backgrounds.WindowsPhone" Revision="1" Stencil="System.Storyboarding.Backgrounds" StencilVersion="0.1"/>
+</Control>
+</file>
+
+<file path=customXml/item46.xml><?xml version="1.0" encoding="utf-8"?>
 <Control xmlns="http://schemas.microsoft.com/VisualStudio/2011/storyboarding/control">
   <Id Name="System.Storyboarding.WindowsApps.WindowsAppsEditBox" Revision="1" Stencil="System.Storyboarding.WindowsApps" StencilVersion="0.1"/>
 </Control>
 </file>
 
-<file path=customXml/item46.xml><?xml version="1.0" encoding="utf-8"?>
+<file path=customXml/item47.xml><?xml version="1.0" encoding="utf-8"?>
 <Control xmlns="http://schemas.microsoft.com/VisualStudio/2011/storyboarding/control">
   <Id Name="System.Storyboarding.Annotation.CallOut" Revision="1" Stencil="System.Storyboarding.Annotation" StencilVersion="0.1"/>
 </Control>
 </file>
 
-<file path=customXml/item47.xml><?xml version="1.0" encoding="utf-8"?>
-<Control xmlns="http://schemas.microsoft.com/VisualStudio/2011/storyboarding/control">
-  <Id Name="System.Storyboarding.Annotation.StickyNote" Revision="1" Stencil="System.Storyboarding.Annotation" StencilVersion="0.1"/>
-</Control>
-</file>
-
 <file path=customXml/item48.xml><?xml version="1.0" encoding="utf-8"?>
 <Control xmlns="http://schemas.microsoft.com/VisualStudio/2011/storyboarding/control">
-  <Id Name="System.Storyboarding.Icons.TrashCan" Revision="1" Stencil="System.Storyboarding.Icons" StencilVersion="0.1"/>
+  <Id Name="System.Storyboarding.WindowsApps.WindowsAppsTileMedium" Revision="1" Stencil="System.Storyboarding.WindowsApps" StencilVersion="0.1"/>
 </Control>
 </file>
 
 <file path=customXml/item49.xml><?xml version="1.0" encoding="utf-8"?>
 <Control xmlns="http://schemas.microsoft.com/VisualStudio/2011/storyboarding/control">
-  <Id Name="System.Storyboarding.Common.CheckBoxUnchecked" Revision="1" Stencil="System.Storyboarding.Common" StencilVersion="0.1"/>
+  <Id Name="System.Storyboarding.WindowsAppIcons.Save" Revision="1" Stencil="System.Storyboarding.WindowsAppIcons" StencilVersion="0.1"/>
 </Control>
 </file>
 
 <file path=customXml/item5.xml><?xml version="1.0" encoding="utf-8"?>
+<Control xmlns="http://schemas.microsoft.com/VisualStudio/2011/storyboarding/control">
+  <Id Name="System.Storyboarding.WindowsApps.WindowsAppsEditBox" Revision="1" Stencil="System.Storyboarding.WindowsApps" StencilVersion="0.1"/>
+</Control>
+</file>
+
+<file path=customXml/item50.xml><?xml version="1.0" encoding="utf-8"?>
+<Control xmlns="http://schemas.microsoft.com/VisualStudio/2011/storyboarding/control">
+  <Id Name="System.Storyboarding.WindowsApps.WindowsAppsButton" Revision="1" Stencil="System.Storyboarding.WindowsApps" StencilVersion="0.1"/>
+</Control>
+</file>
+
+<file path=customXml/item51.xml><?xml version="1.0" encoding="utf-8"?>
+<Control xmlns="http://schemas.microsoft.com/VisualStudio/2011/storyboarding/control">
+  <Id Name="System.Storyboarding.WindowsApps.WindowsAppsTileMedium" Revision="1" Stencil="System.Storyboarding.WindowsApps" StencilVersion="0.1"/>
+</Control>
+</file>
+
+<file path=customXml/item52.xml><?xml version="1.0" encoding="utf-8"?>
+<Control xmlns="http://schemas.microsoft.com/VisualStudio/2011/storyboarding/control">
+  <Id Name="System.Storyboarding.Annotation.CallOut" Revision="1" Stencil="System.Storyboarding.Annotation" StencilVersion="0.1"/>
+</Control>
+</file>
+
+<file path=customXml/item53.xml><?xml version="1.0" encoding="utf-8"?>
+<Control xmlns="http://schemas.microsoft.com/VisualStudio/2011/storyboarding/control">
+  <Id Name="System.Storyboarding.WindowsApps.WindowsAppsButton" Revision="1" Stencil="System.Storyboarding.WindowsApps" StencilVersion="0.1"/>
+</Control>
+</file>
+
+<file path=customXml/item54.xml><?xml version="1.0" encoding="utf-8"?>
+<Control xmlns="http://schemas.microsoft.com/VisualStudio/2011/storyboarding/control">
+  <Id Name="System.Storyboarding.WindowsApps.WindowsAppsTileMedium" Revision="1" Stencil="System.Storyboarding.WindowsApps" StencilVersion="0.1"/>
+</Control>
+</file>
+
+<file path=customXml/item55.xml><?xml version="1.0" encoding="utf-8"?>
+<Control xmlns="http://schemas.microsoft.com/VisualStudio/2011/storyboarding/control">
+  <Id Name="System.Storyboarding.WindowsAppIcons.Games" Revision="1" Stencil="System.Storyboarding.WindowsAppIcons" StencilVersion="0.1"/>
+</Control>
+</file>
+
+<file path=customXml/item56.xml><?xml version="1.0" encoding="utf-8"?>
 <Control xmlns="http://schemas.microsoft.com/VisualStudio/2011/storyboarding/control">
   <Id Name="fd7d7bed-114e-464c-a4f1-01a512005949" Revision="1" Stencil="System.MyShapes" StencilVersion="1.0"/>
 </Control>
 </file>
 
-<file path=customXml/item50.xml><?xml version="1.0" encoding="utf-8"?>
+<file path=customXml/item57.xml><?xml version="1.0" encoding="utf-8"?>
+<Control xmlns="http://schemas.microsoft.com/VisualStudio/2011/storyboarding/control">
+  <Id Name="System.Storyboarding.WindowsApps.WindowsAppsButton" Revision="1" Stencil="System.Storyboarding.WindowsApps" StencilVersion="0.1"/>
+</Control>
+</file>
+
+<file path=customXml/item58.xml><?xml version="1.0" encoding="utf-8"?>
 <Control xmlns="http://schemas.microsoft.com/VisualStudio/2011/storyboarding/control">
   <Id Name="fd7d7bed-114e-464c-a4f1-01a512005949" Revision="1" Stencil="System.MyShapes" StencilVersion="1.0"/>
 </Control>
 </file>
 
-<file path=customXml/item51.xml><?xml version="1.0" encoding="utf-8"?>
+<file path=customXml/item59.xml><?xml version="1.0" encoding="utf-8"?>
+<Control xmlns="http://schemas.microsoft.com/VisualStudio/2011/storyboarding/control">
+  <Id Name="System.Storyboarding.Annotation.CallOut" Revision="1" Stencil="System.Storyboarding.Annotation" StencilVersion="0.1"/>
+</Control>
+</file>
+
+<file path=customXml/item6.xml><?xml version="1.0" encoding="utf-8"?>
 <Control xmlns="http://schemas.microsoft.com/VisualStudio/2011/storyboarding/control">
   <Id Name="fd7d7bed-114e-464c-a4f1-01a512005949" Revision="1" Stencil="System.MyShapes" StencilVersion="1.0"/>
-</Control>
-</file>
-
-<file path=customXml/item52.xml><?xml version="1.0" encoding="utf-8"?>
-<Control xmlns="http://schemas.microsoft.com/VisualStudio/2011/storyboarding/control">
-  <Id Name="System.Storyboarding.WindowsApps.WindowsAppsTileMedium" Revision="1" Stencil="System.Storyboarding.WindowsApps" StencilVersion="0.1"/>
-</Control>
-</file>
-
-<file path=customXml/item53.xml><?xml version="1.0" encoding="utf-8"?>
-<Control xmlns="http://schemas.microsoft.com/VisualStudio/2011/storyboarding/control">
-  <Id Name="fd7d7bed-114e-464c-a4f1-01a512005949" Revision="1" Stencil="System.MyShapes" StencilVersion="1.0"/>
-</Control>
-</file>
-
-<file path=customXml/item54.xml><?xml version="1.0" encoding="utf-8"?>
-<Control xmlns="http://schemas.microsoft.com/VisualStudio/2011/storyboarding/control">
-  <Id Name="fd7d7bed-114e-464c-a4f1-01a512005949" Revision="1" Stencil="System.MyShapes" StencilVersion="1.0"/>
-</Control>
-</file>
-
-<file path=customXml/item55.xml><?xml version="1.0" encoding="utf-8"?>
-<Control xmlns="http://schemas.microsoft.com/VisualStudio/2011/storyboarding/control">
-  <Id Name="System.Storyboarding.Common.CheckBoxChecked" Revision="1" Stencil="System.Storyboarding.Common" StencilVersion="0.1"/>
-</Control>
-</file>
-
-<file path=customXml/item56.xml><?xml version="1.0" encoding="utf-8"?>
-<Control xmlns="http://schemas.microsoft.com/VisualStudio/2011/storyboarding/control">
-  <Id Name="System.Storyboarding.WindowsApps.WindowsAppsTileMedium" Revision="1" Stencil="System.Storyboarding.WindowsApps" StencilVersion="0.1"/>
-</Control>
-</file>
-
-<file path=customXml/item57.xml><?xml version="1.0" encoding="utf-8"?>
-<Control xmlns="http://schemas.microsoft.com/VisualStudio/2011/storyboarding/control">
-  <Id Name="System.Storyboarding.Icons.CurvedArrow" Revision="1" Stencil="System.Storyboarding.Icons" StencilVersion="0.1"/>
-</Control>
-</file>
-
-<file path=customXml/item58.xml><?xml version="1.0" encoding="utf-8"?>
-<Control xmlns="http://schemas.microsoft.com/VisualStudio/2011/storyboarding/control">
-  <Id Name="System.Storyboarding.Annotation.StickyNote" Revision="1" Stencil="System.Storyboarding.Annotation" StencilVersion="0.1"/>
-</Control>
-</file>
-
-<file path=customXml/item59.xml><?xml version="1.0" encoding="utf-8"?>
-<Control xmlns="http://schemas.microsoft.com/VisualStudio/2011/storyboarding/control">
-  <Id Name="System.Storyboarding.WindowsApps.WindowsAppsTileMedium" Revision="1" Stencil="System.Storyboarding.WindowsApps" StencilVersion="0.1"/>
-</Control>
-</file>
-
-<file path=customXml/item6.xml><?xml version="1.0" encoding="utf-8"?>
-<Control xmlns="http://schemas.microsoft.com/VisualStudio/2011/storyboarding/control">
-  <Id Name="System.Storyboarding.Common.CheckBoxUnchecked" Revision="1" Stencil="System.Storyboarding.Common" StencilVersion="0.1"/>
 </Control>
 </file>
 
@@ -31229,19 +31229,19 @@
 
 <file path=customXml/item61.xml><?xml version="1.0" encoding="utf-8"?>
 <Control xmlns="http://schemas.microsoft.com/VisualStudio/2011/storyboarding/control">
-  <Id Name="System.Storyboarding.WindowsApps.WindowsAppsTileMedium" Revision="1" Stencil="System.Storyboarding.WindowsApps" StencilVersion="0.1"/>
+  <Id Name="System.Storyboarding.WindowsApps.WindowsAppsEditBox" Revision="1" Stencil="System.Storyboarding.WindowsApps" StencilVersion="0.1"/>
 </Control>
 </file>
 
 <file path=customXml/item62.xml><?xml version="1.0" encoding="utf-8"?>
 <Control xmlns="http://schemas.microsoft.com/VisualStudio/2011/storyboarding/control">
-  <Id Name="System.Storyboarding.Annotation.CallOut" Revision="1" Stencil="System.Storyboarding.Annotation" StencilVersion="0.1"/>
+  <Id Name="System.Storyboarding.WindowsApps.WindowsAppsButton" Revision="1" Stencil="System.Storyboarding.WindowsApps" StencilVersion="0.1"/>
 </Control>
 </file>
 
 <file path=customXml/item63.xml><?xml version="1.0" encoding="utf-8"?>
 <Control xmlns="http://schemas.microsoft.com/VisualStudio/2011/storyboarding/control">
-  <Id Name="System.Storyboarding.Backgrounds.WindowsPhone" Revision="1" Stencil="System.Storyboarding.Backgrounds" StencilVersion="0.1"/>
+  <Id Name="System.Storyboarding.Annotation.CallOut" Revision="1" Stencil="System.Storyboarding.Annotation" StencilVersion="0.1"/>
 </Control>
 </file>
 
@@ -31259,13 +31259,13 @@
 
 <file path=customXml/item66.xml><?xml version="1.0" encoding="utf-8"?>
 <Control xmlns="http://schemas.microsoft.com/VisualStudio/2011/storyboarding/control">
-  <Id Name="System.Storyboarding.Common.CheckBoxUnchecked" Revision="1" Stencil="System.Storyboarding.Common" StencilVersion="0.1"/>
+  <Id Name="System.Storyboarding.Icons.CurvedArrow" Revision="1" Stencil="System.Storyboarding.Icons" StencilVersion="0.1"/>
 </Control>
 </file>
 
 <file path=customXml/item67.xml><?xml version="1.0" encoding="utf-8"?>
 <Control xmlns="http://schemas.microsoft.com/VisualStudio/2011/storyboarding/control">
-  <Id Name="System.Storyboarding.WindowsApps.WindowsAppsButton" Revision="1" Stencil="System.Storyboarding.WindowsApps" StencilVersion="0.1"/>
+  <Id Name="fd7d7bed-114e-464c-a4f1-01a512005949" Revision="1" Stencil="System.MyShapes" StencilVersion="1.0"/>
 </Control>
 </file>
 
@@ -31277,19 +31277,19 @@
 
 <file path=customXml/item69.xml><?xml version="1.0" encoding="utf-8"?>
 <Control xmlns="http://schemas.microsoft.com/VisualStudio/2011/storyboarding/control">
-  <Id Name="System.Storyboarding.Annotation.AnimatedRectangleCallout" Revision="1" Stencil="System.Storyboarding.Annotation" StencilVersion="0.1"/>
+  <Id Name="System.Storyboarding.WindowsApps.WindowsAppsTileMedium" Revision="1" Stencil="System.Storyboarding.WindowsApps" StencilVersion="0.1"/>
 </Control>
 </file>
 
 <file path=customXml/item7.xml><?xml version="1.0" encoding="utf-8"?>
 <Control xmlns="http://schemas.microsoft.com/VisualStudio/2011/storyboarding/control">
-  <Id Name="System.Storyboarding.WindowsApps.WindowsAppsEditBox" Revision="1" Stencil="System.Storyboarding.WindowsApps" StencilVersion="0.1"/>
+  <Id Name="System.Storyboarding.WindowsApps.WindowsAppsButton" Revision="1" Stencil="System.Storyboarding.WindowsApps" StencilVersion="0.1"/>
 </Control>
 </file>
 
 <file path=customXml/item70.xml><?xml version="1.0" encoding="utf-8"?>
 <Control xmlns="http://schemas.microsoft.com/VisualStudio/2011/storyboarding/control">
-  <Id Name="System.Storyboarding.WindowsApps.WindowsAppsTileMedium" Revision="1" Stencil="System.Storyboarding.WindowsApps" StencilVersion="0.1"/>
+  <Id Name="fd7d7bed-114e-464c-a4f1-01a512005949" Revision="1" Stencil="System.MyShapes" StencilVersion="1.0"/>
 </Control>
 </file>
 
@@ -31301,91 +31301,91 @@
 
 <file path=customXml/item72.xml><?xml version="1.0" encoding="utf-8"?>
 <Control xmlns="http://schemas.microsoft.com/VisualStudio/2011/storyboarding/control">
+  <Id Name="fd7d7bed-114e-464c-a4f1-01a512005949" Revision="1" Stencil="System.MyShapes" StencilVersion="1.0"/>
+</Control>
+</file>
+
+<file path=customXml/item73.xml><?xml version="1.0" encoding="utf-8"?>
+<Control xmlns="http://schemas.microsoft.com/VisualStudio/2011/storyboarding/control">
   <Id Name="System.Storyboarding.Annotation.CallOut" Revision="1" Stencil="System.Storyboarding.Annotation" StencilVersion="0.1"/>
 </Control>
 </file>
 
-<file path=customXml/item73.xml><?xml version="1.0" encoding="utf-8"?>
+<file path=customXml/item74.xml><?xml version="1.0" encoding="utf-8"?>
+<Control xmlns="http://schemas.microsoft.com/VisualStudio/2011/storyboarding/control">
+  <Id Name="System.Storyboarding.WindowsApps.WindowsAppsTileMedium" Revision="1" Stencil="System.Storyboarding.WindowsApps" StencilVersion="0.1"/>
+</Control>
+</file>
+
+<file path=customXml/item75.xml><?xml version="1.0" encoding="utf-8"?>
+<Control xmlns="http://schemas.microsoft.com/VisualStudio/2011/storyboarding/control">
+  <Id Name="System.Storyboarding.WindowsApps.WindowsAppsEditBox" Revision="1" Stencil="System.Storyboarding.WindowsApps" StencilVersion="0.1"/>
+</Control>
+</file>
+
+<file path=customXml/item76.xml><?xml version="1.0" encoding="utf-8"?>
+<Control xmlns="http://schemas.microsoft.com/VisualStudio/2011/storyboarding/control">
+  <Id Name="System.Storyboarding.Annotation.CallOut" Revision="1" Stencil="System.Storyboarding.Annotation" StencilVersion="0.1"/>
+</Control>
+</file>
+
+<file path=customXml/item77.xml><?xml version="1.0" encoding="utf-8"?>
+<Control xmlns="http://schemas.microsoft.com/VisualStudio/2011/storyboarding/control">
+  <Id Name="System.Storyboarding.WindowsApps.WindowsAppsTileMedium" Revision="1" Stencil="System.Storyboarding.WindowsApps" StencilVersion="0.1"/>
+</Control>
+</file>
+
+<file path=customXml/item78.xml><?xml version="1.0" encoding="utf-8"?>
+<Control xmlns="http://schemas.microsoft.com/VisualStudio/2011/storyboarding/control">
+  <Id Name="System.Storyboarding.WindowsApps.WindowsAppsEditBox" Revision="1" Stencil="System.Storyboarding.WindowsApps" StencilVersion="0.1"/>
+</Control>
+</file>
+
+<file path=customXml/item79.xml><?xml version="1.0" encoding="utf-8"?>
+<Control xmlns="http://schemas.microsoft.com/VisualStudio/2011/storyboarding/control">
+  <Id Name="System.Storyboarding.WindowsApps.WindowsAppsTileMedium" Revision="1" Stencil="System.Storyboarding.WindowsApps" StencilVersion="0.1"/>
+</Control>
+</file>
+
+<file path=customXml/item8.xml><?xml version="1.0" encoding="utf-8"?>
+<Control xmlns="http://schemas.microsoft.com/VisualStudio/2011/storyboarding/control">
+  <Id Name="System.Storyboarding.WindowsApps.WindowsAppsTileMedium" Revision="1" Stencil="System.Storyboarding.WindowsApps" StencilVersion="0.1"/>
+</Control>
+</file>
+
+<file path=customXml/item80.xml><?xml version="1.0" encoding="utf-8"?>
+<Control xmlns="http://schemas.microsoft.com/VisualStudio/2011/storyboarding/control">
+  <Id Name="System.Storyboarding.Icons.CurvedArrow" Revision="1" Stencil="System.Storyboarding.Icons" StencilVersion="0.1"/>
+</Control>
+</file>
+
+<file path=customXml/item81.xml><?xml version="1.0" encoding="utf-8"?>
 <Control xmlns="http://schemas.microsoft.com/VisualStudio/2011/storyboarding/control">
   <Id Name="System.Storyboarding.WindowsApps.WindowsAppsButton" Revision="1" Stencil="System.Storyboarding.WindowsApps" StencilVersion="0.1"/>
 </Control>
 </file>
 
-<file path=customXml/item74.xml><?xml version="1.0" encoding="utf-8"?>
+<file path=customXml/item82.xml><?xml version="1.0" encoding="utf-8"?>
 <Control xmlns="http://schemas.microsoft.com/VisualStudio/2011/storyboarding/control">
   <Id Name="System.Storyboarding.WindowsApps.WindowsAppsEditBox" Revision="1" Stencil="System.Storyboarding.WindowsApps" StencilVersion="0.1"/>
 </Control>
 </file>
 
-<file path=customXml/item75.xml><?xml version="1.0" encoding="utf-8"?>
+<file path=customXml/item83.xml><?xml version="1.0" encoding="utf-8"?>
 <Control xmlns="http://schemas.microsoft.com/VisualStudio/2011/storyboarding/control">
-  <Id Name="System.Storyboarding.WindowsApps.WindowsAppsButton" Revision="1" Stencil="System.Storyboarding.WindowsApps" StencilVersion="0.1"/>
+  <Id Name="System.Storyboarding.WindowsApps.WindowsAppsTileMedium" Revision="1" Stencil="System.Storyboarding.WindowsApps" StencilVersion="0.1"/>
 </Control>
 </file>
 
-<file path=customXml/item76.xml><?xml version="1.0" encoding="utf-8"?>
-<Control xmlns="http://schemas.microsoft.com/VisualStudio/2011/storyboarding/control">
-  <Id Name="fd7d7bed-114e-464c-a4f1-01a512005949" Revision="1" Stencil="System.MyShapes" StencilVersion="1.0"/>
-</Control>
-</file>
-
-<file path=customXml/item77.xml><?xml version="1.0" encoding="utf-8"?>
+<file path=customXml/item84.xml><?xml version="1.0" encoding="utf-8"?>
 <Control xmlns="http://schemas.microsoft.com/VisualStudio/2011/storyboarding/control">
   <Id Name="System.Storyboarding.Annotation.CallOut" Revision="1" Stencil="System.Storyboarding.Annotation" StencilVersion="0.1"/>
 </Control>
 </file>
 
-<file path=customXml/item78.xml><?xml version="1.0" encoding="utf-8"?>
+<file path=customXml/item85.xml><?xml version="1.0" encoding="utf-8"?>
 <Control xmlns="http://schemas.microsoft.com/VisualStudio/2011/storyboarding/control">
   <Id Name="fd7d7bed-114e-464c-a4f1-01a512005949" Revision="1" Stencil="System.MyShapes" StencilVersion="1.0"/>
-</Control>
-</file>
-
-<file path=customXml/item79.xml><?xml version="1.0" encoding="utf-8"?>
-<Control xmlns="http://schemas.microsoft.com/VisualStudio/2011/storyboarding/control">
-  <Id Name="fd7d7bed-114e-464c-a4f1-01a512005949" Revision="1" Stencil="System.MyShapes" StencilVersion="1.0"/>
-</Control>
-</file>
-
-<file path=customXml/item8.xml><?xml version="1.0" encoding="utf-8"?>
-<Control xmlns="http://schemas.microsoft.com/VisualStudio/2011/storyboarding/control">
-  <Id Name="System.Storyboarding.WindowsApps.WindowsAppsButton" Revision="1" Stencil="System.Storyboarding.WindowsApps" StencilVersion="0.1"/>
-</Control>
-</file>
-
-<file path=customXml/item80.xml><?xml version="1.0" encoding="utf-8"?>
-<Control xmlns="http://schemas.microsoft.com/VisualStudio/2011/storyboarding/control">
-  <Id Name="System.Storyboarding.WindowsApps.WindowsAppsTileMedium" Revision="1" Stencil="System.Storyboarding.WindowsApps" StencilVersion="0.1"/>
-</Control>
-</file>
-
-<file path=customXml/item81.xml><?xml version="1.0" encoding="utf-8"?>
-<Control xmlns="http://schemas.microsoft.com/VisualStudio/2011/storyboarding/control">
-  <Id Name="System.Storyboarding.WindowsApps.WindowsAppsEditBox" Revision="1" Stencil="System.Storyboarding.WindowsApps" StencilVersion="0.1"/>
-</Control>
-</file>
-
-<file path=customXml/item82.xml><?xml version="1.0" encoding="utf-8"?>
-<Control xmlns="http://schemas.microsoft.com/VisualStudio/2011/storyboarding/control">
-  <Id Name="System.Storyboarding.WindowsApps.WindowsAppsButton" Revision="1" Stencil="System.Storyboarding.WindowsApps" StencilVersion="0.1"/>
-</Control>
-</file>
-
-<file path=customXml/item83.xml><?xml version="1.0" encoding="utf-8"?>
-<Control xmlns="http://schemas.microsoft.com/VisualStudio/2011/storyboarding/control">
-  <Id Name="fd7d7bed-114e-464c-a4f1-01a512005949" Revision="1" Stencil="System.MyShapes" StencilVersion="1.0"/>
-</Control>
-</file>
-
-<file path=customXml/item84.xml><?xml version="1.0" encoding="utf-8"?>
-<Control xmlns="http://schemas.microsoft.com/VisualStudio/2011/storyboarding/control">
-  <Id Name="System.Storyboarding.WindowsApps.WindowsAppsTileMedium" Revision="1" Stencil="System.Storyboarding.WindowsApps" StencilVersion="0.1"/>
-</Control>
-</file>
-
-<file path=customXml/item85.xml><?xml version="1.0" encoding="utf-8"?>
-<Control xmlns="http://schemas.microsoft.com/VisualStudio/2011/storyboarding/control">
-  <Id Name="System.Storyboarding.Annotation.CallOut" Revision="1" Stencil="System.Storyboarding.Annotation" StencilVersion="0.1"/>
 </Control>
 </file>
 
@@ -31403,19 +31403,19 @@
 
 <file path=customXml/item88.xml><?xml version="1.0" encoding="utf-8"?>
 <Control xmlns="http://schemas.microsoft.com/VisualStudio/2011/storyboarding/control">
-  <Id Name="System.Storyboarding.WindowsApps.WindowsAppsTileMedium" Revision="1" Stencil="System.Storyboarding.WindowsApps" StencilVersion="0.1"/>
+  <Id Name="System.Storyboarding.Backgrounds.WindowsPhone" Revision="1" Stencil="System.Storyboarding.Backgrounds" StencilVersion="0.1"/>
 </Control>
 </file>
 
 <file path=customXml/item89.xml><?xml version="1.0" encoding="utf-8"?>
 <Control xmlns="http://schemas.microsoft.com/VisualStudio/2011/storyboarding/control">
-  <Id Name="System.Storyboarding.Icons.CurvedArrow" Revision="1" Stencil="System.Storyboarding.Icons" StencilVersion="0.1"/>
+  <Id Name="System.Storyboarding.WindowsApps.WindowsAppsEditBox" Revision="1" Stencil="System.Storyboarding.WindowsApps" StencilVersion="0.1"/>
 </Control>
 </file>
 
 <file path=customXml/item9.xml><?xml version="1.0" encoding="utf-8"?>
 <Control xmlns="http://schemas.microsoft.com/VisualStudio/2011/storyboarding/control">
-  <Id Name="System.Storyboarding.Icons.Warning" Revision="1" Stencil="System.Storyboarding.Icons" StencilVersion="0.1"/>
+  <Id Name="System.Storyboarding.WindowsApps.WindowsAppsTileMedium" Revision="1" Stencil="System.Storyboarding.WindowsApps" StencilVersion="0.1"/>
 </Control>
 </file>
 
@@ -31427,59 +31427,611 @@
 
 <file path=customXml/item91.xml><?xml version="1.0" encoding="utf-8"?>
 <Control xmlns="http://schemas.microsoft.com/VisualStudio/2011/storyboarding/control">
-  <Id Name="fd7d7bed-114e-464c-a4f1-01a512005949" Revision="1" Stencil="System.MyShapes" StencilVersion="1.0"/>
+  <Id Name="System.Storyboarding.WindowsApps.WindowsAppsButton" Revision="1" Stencil="System.Storyboarding.WindowsApps" StencilVersion="0.1"/>
 </Control>
 </file>
 
 <file path=customXml/item92.xml><?xml version="1.0" encoding="utf-8"?>
 <Control xmlns="http://schemas.microsoft.com/VisualStudio/2011/storyboarding/control">
-  <Id Name="System.Storyboarding.WindowsApps.WindowsAppsEditBox" Revision="1" Stencil="System.Storyboarding.WindowsApps" StencilVersion="0.1"/>
+  <Id Name="System.Storyboarding.Icons.Warning" Revision="1" Stencil="System.Storyboarding.Icons" StencilVersion="0.1"/>
 </Control>
 </file>
 
 <file path=customXml/item93.xml><?xml version="1.0" encoding="utf-8"?>
-<Control xmlns="http://schemas.microsoft.com/VisualStudio/2011/storyboarding/control">
-  <Id Name="System.Storyboarding.Annotation.CallOut" Revision="1" Stencil="System.Storyboarding.Annotation" StencilVersion="0.1"/>
-</Control>
-</file>
-
-<file path=customXml/item94.xml><?xml version="1.0" encoding="utf-8"?>
 <Control xmlns="http://schemas.microsoft.com/VisualStudio/2011/storyboarding/control">
   <Id Name="fd7d7bed-114e-464c-a4f1-01a512005949" Revision="1" Stencil="System.MyShapes" StencilVersion="1.0"/>
 </Control>
 </file>
 
+<file path=customXml/item94.xml><?xml version="1.0" encoding="utf-8"?>
+<Control xmlns="http://schemas.microsoft.com/VisualStudio/2011/storyboarding/control">
+  <Id Name="System.Storyboarding.WindowsApps.WindowsAppsTileMedium" Revision="1" Stencil="System.Storyboarding.WindowsApps" StencilVersion="0.1"/>
+</Control>
+</file>
+
 <file path=customXml/item95.xml><?xml version="1.0" encoding="utf-8"?>
 <Control xmlns="http://schemas.microsoft.com/VisualStudio/2011/storyboarding/control">
-  <Id Name="System.Storyboarding.WindowsApps.WindowsAppsEditBox" Revision="1" Stencil="System.Storyboarding.WindowsApps" StencilVersion="0.1"/>
+  <Id Name="System.Storyboarding.WindowsApps.WindowsAppsTileMedium" Revision="1" Stencil="System.Storyboarding.WindowsApps" StencilVersion="0.1"/>
 </Control>
 </file>
 
 <file path=customXml/item96.xml><?xml version="1.0" encoding="utf-8"?>
-<Control xmlns="http://schemas.microsoft.com/VisualStudio/2011/storyboarding/control">
-  <Id Name="System.Storyboarding.Annotation.CallOut" Revision="1" Stencil="System.Storyboarding.Annotation" StencilVersion="0.1"/>
-</Control>
-</file>
-
-<file path=customXml/item97.xml><?xml version="1.0" encoding="utf-8"?>
 <Control xmlns="http://schemas.microsoft.com/VisualStudio/2011/storyboarding/control">
   <Id Name="fd7d7bed-114e-464c-a4f1-01a512005949" Revision="1" Stencil="System.MyShapes" StencilVersion="1.0"/>
 </Control>
 </file>
 
+<file path=customXml/item97.xml><?xml version="1.0" encoding="utf-8"?>
+<Control xmlns="http://schemas.microsoft.com/VisualStudio/2011/storyboarding/control">
+  <Id Name="System.Storyboarding.WindowsAppIcons.Plus" Revision="1" Stencil="System.Storyboarding.WindowsAppIcons" StencilVersion="0.1"/>
+</Control>
+</file>
+
 <file path=customXml/item98.xml><?xml version="1.0" encoding="utf-8"?>
 <Control xmlns="http://schemas.microsoft.com/VisualStudio/2011/storyboarding/control">
-  <Id Name="fd7d7bed-114e-464c-a4f1-01a512005949" Revision="1" Stencil="System.MyShapes" StencilVersion="1.0"/>
+  <Id Name="System.Storyboarding.WindowsApps.WindowsAppsTileMedium" Revision="1" Stencil="System.Storyboarding.WindowsApps" StencilVersion="0.1"/>
 </Control>
 </file>
 
 <file path=customXml/item99.xml><?xml version="1.0" encoding="utf-8"?>
 <Control xmlns="http://schemas.microsoft.com/VisualStudio/2011/storyboarding/control">
-  <Id Name="System.Storyboarding.Annotation.CallOut" Revision="1" Stencil="System.Storyboarding.Annotation" StencilVersion="0.1"/>
+  <Id Name="System.Storyboarding.Common.CheckBoxUnchecked" Revision="1" Stencil="System.Storyboarding.Common" StencilVersion="0.1"/>
 </Control>
 </file>
 
 <file path=customXml/itemProps1.xml><?xml version="1.0" encoding="utf-8"?>
+<ds:datastoreItem xmlns:ds="http://schemas.openxmlformats.org/officeDocument/2006/customXml" ds:itemID="{68FD764D-ED53-4060-BB86-164A1755BC75}">
+  <ds:schemaRefs>
+    <ds:schemaRef ds:uri="http://schemas.microsoft.com/VisualStudio/2011/storyboarding/control"/>
+  </ds:schemaRefs>
+</ds:datastoreItem>
+</file>
+
+<file path=customXml/itemProps10.xml><?xml version="1.0" encoding="utf-8"?>
+<ds:datastoreItem xmlns:ds="http://schemas.openxmlformats.org/officeDocument/2006/customXml" ds:itemID="{D7F890C1-A5D2-4949-B5FB-9149F52A5401}">
+  <ds:schemaRefs>
+    <ds:schemaRef ds:uri="http://schemas.microsoft.com/VisualStudio/2011/storyboarding/control"/>
+  </ds:schemaRefs>
+</ds:datastoreItem>
+</file>
+
+<file path=customXml/itemProps100.xml><?xml version="1.0" encoding="utf-8"?>
+<ds:datastoreItem xmlns:ds="http://schemas.openxmlformats.org/officeDocument/2006/customXml" ds:itemID="{E6E80966-9825-4173-9E8F-04D976F00618}">
+  <ds:schemaRefs>
+    <ds:schemaRef ds:uri="http://schemas.microsoft.com/VisualStudio/2011/storyboarding/control"/>
+  </ds:schemaRefs>
+</ds:datastoreItem>
+</file>
+
+<file path=customXml/itemProps101.xml><?xml version="1.0" encoding="utf-8"?>
+<ds:datastoreItem xmlns:ds="http://schemas.openxmlformats.org/officeDocument/2006/customXml" ds:itemID="{E9EE710E-B830-46E0-A3BB-509FE1DDDB22}">
+  <ds:schemaRefs>
+    <ds:schemaRef ds:uri="http://schemas.microsoft.com/VisualStudio/2011/storyboarding/control"/>
+  </ds:schemaRefs>
+</ds:datastoreItem>
+</file>
+
+<file path=customXml/itemProps102.xml><?xml version="1.0" encoding="utf-8"?>
+<ds:datastoreItem xmlns:ds="http://schemas.openxmlformats.org/officeDocument/2006/customXml" ds:itemID="{9A604A55-C26E-414E-A305-2A7C628BDC71}">
+  <ds:schemaRefs>
+    <ds:schemaRef ds:uri="http://schemas.microsoft.com/VisualStudio/2011/storyboarding/control"/>
+  </ds:schemaRefs>
+</ds:datastoreItem>
+</file>
+
+<file path=customXml/itemProps103.xml><?xml version="1.0" encoding="utf-8"?>
+<ds:datastoreItem xmlns:ds="http://schemas.openxmlformats.org/officeDocument/2006/customXml" ds:itemID="{FB0EC920-4B28-4D34-9084-542FA6ABA82C}">
+  <ds:schemaRefs>
+    <ds:schemaRef ds:uri="http://schemas.microsoft.com/VisualStudio/2011/storyboarding/control"/>
+  </ds:schemaRefs>
+</ds:datastoreItem>
+</file>
+
+<file path=customXml/itemProps104.xml><?xml version="1.0" encoding="utf-8"?>
+<ds:datastoreItem xmlns:ds="http://schemas.openxmlformats.org/officeDocument/2006/customXml" ds:itemID="{883EAB1A-18F1-41A1-87DF-62F639BB46CC}">
+  <ds:schemaRefs>
+    <ds:schemaRef ds:uri="http://schemas.microsoft.com/VisualStudio/2011/storyboarding/control"/>
+  </ds:schemaRefs>
+</ds:datastoreItem>
+</file>
+
+<file path=customXml/itemProps105.xml><?xml version="1.0" encoding="utf-8"?>
+<ds:datastoreItem xmlns:ds="http://schemas.openxmlformats.org/officeDocument/2006/customXml" ds:itemID="{0B9C428E-2130-42D7-AF35-CB4A84DD8F2F}">
+  <ds:schemaRefs>
+    <ds:schemaRef ds:uri="http://schemas.microsoft.com/VisualStudio/2011/storyboarding/control"/>
+  </ds:schemaRefs>
+</ds:datastoreItem>
+</file>
+
+<file path=customXml/itemProps106.xml><?xml version="1.0" encoding="utf-8"?>
+<ds:datastoreItem xmlns:ds="http://schemas.openxmlformats.org/officeDocument/2006/customXml" ds:itemID="{67299DBF-78FD-4556-BEC5-DAED3F111C44}">
+  <ds:schemaRefs>
+    <ds:schemaRef ds:uri="http://schemas.microsoft.com/VisualStudio/2011/storyboarding/control"/>
+  </ds:schemaRefs>
+</ds:datastoreItem>
+</file>
+
+<file path=customXml/itemProps107.xml><?xml version="1.0" encoding="utf-8"?>
+<ds:datastoreItem xmlns:ds="http://schemas.openxmlformats.org/officeDocument/2006/customXml" ds:itemID="{9FE30FFB-7D87-468C-BC72-29B99764DFB2}">
+  <ds:schemaRefs>
+    <ds:schemaRef ds:uri="http://schemas.microsoft.com/VisualStudio/2011/storyboarding/control"/>
+  </ds:schemaRefs>
+</ds:datastoreItem>
+</file>
+
+<file path=customXml/itemProps108.xml><?xml version="1.0" encoding="utf-8"?>
+<ds:datastoreItem xmlns:ds="http://schemas.openxmlformats.org/officeDocument/2006/customXml" ds:itemID="{54CB632A-3446-456F-9EEC-745159796D37}">
+  <ds:schemaRefs>
+    <ds:schemaRef ds:uri="http://schemas.microsoft.com/VisualStudio/2011/storyboarding/control"/>
+  </ds:schemaRefs>
+</ds:datastoreItem>
+</file>
+
+<file path=customXml/itemProps109.xml><?xml version="1.0" encoding="utf-8"?>
+<ds:datastoreItem xmlns:ds="http://schemas.openxmlformats.org/officeDocument/2006/customXml" ds:itemID="{BE60BF8C-B366-4015-AFC5-00DA9D5EE41E}">
+  <ds:schemaRefs>
+    <ds:schemaRef ds:uri="http://schemas.microsoft.com/VisualStudio/2011/storyboarding/control"/>
+  </ds:schemaRefs>
+</ds:datastoreItem>
+</file>
+
+<file path=customXml/itemProps11.xml><?xml version="1.0" encoding="utf-8"?>
+<ds:datastoreItem xmlns:ds="http://schemas.openxmlformats.org/officeDocument/2006/customXml" ds:itemID="{BF6D3440-7C7A-43AD-BDB6-DC5F6F28E620}">
+  <ds:schemaRefs>
+    <ds:schemaRef ds:uri="http://schemas.microsoft.com/VisualStudio/2011/storyboarding/control"/>
+  </ds:schemaRefs>
+</ds:datastoreItem>
+</file>
+
+<file path=customXml/itemProps110.xml><?xml version="1.0" encoding="utf-8"?>
+<ds:datastoreItem xmlns:ds="http://schemas.openxmlformats.org/officeDocument/2006/customXml" ds:itemID="{27F8D642-C876-4D49-A268-D03A3875605D}">
+  <ds:schemaRefs>
+    <ds:schemaRef ds:uri="http://schemas.microsoft.com/VisualStudio/2011/storyboarding/control"/>
+  </ds:schemaRefs>
+</ds:datastoreItem>
+</file>
+
+<file path=customXml/itemProps111.xml><?xml version="1.0" encoding="utf-8"?>
+<ds:datastoreItem xmlns:ds="http://schemas.openxmlformats.org/officeDocument/2006/customXml" ds:itemID="{2BAF75F3-AE75-48DB-90B4-754B228BC76B}">
+  <ds:schemaRefs>
+    <ds:schemaRef ds:uri="http://schemas.microsoft.com/VisualStudio/2011/storyboarding/control"/>
+  </ds:schemaRefs>
+</ds:datastoreItem>
+</file>
+
+<file path=customXml/itemProps112.xml><?xml version="1.0" encoding="utf-8"?>
+<ds:datastoreItem xmlns:ds="http://schemas.openxmlformats.org/officeDocument/2006/customXml" ds:itemID="{917C221D-1C7D-4EFD-A42E-4EEB4484E21B}">
+  <ds:schemaRefs>
+    <ds:schemaRef ds:uri="http://schemas.microsoft.com/VisualStudio/2011/storyboarding/control"/>
+  </ds:schemaRefs>
+</ds:datastoreItem>
+</file>
+
+<file path=customXml/itemProps113.xml><?xml version="1.0" encoding="utf-8"?>
+<ds:datastoreItem xmlns:ds="http://schemas.openxmlformats.org/officeDocument/2006/customXml" ds:itemID="{606CF5D4-B3F8-40BD-8704-7E44E4F5719F}">
+  <ds:schemaRefs>
+    <ds:schemaRef ds:uri="http://schemas.microsoft.com/VisualStudio/2011/storyboarding/control"/>
+  </ds:schemaRefs>
+</ds:datastoreItem>
+</file>
+
+<file path=customXml/itemProps114.xml><?xml version="1.0" encoding="utf-8"?>
+<ds:datastoreItem xmlns:ds="http://schemas.openxmlformats.org/officeDocument/2006/customXml" ds:itemID="{356E3D99-BE40-4EAC-A6C1-6B612678EA9D}">
+  <ds:schemaRefs>
+    <ds:schemaRef ds:uri="http://schemas.microsoft.com/VisualStudio/2011/storyboarding/control"/>
+  </ds:schemaRefs>
+</ds:datastoreItem>
+</file>
+
+<file path=customXml/itemProps115.xml><?xml version="1.0" encoding="utf-8"?>
+<ds:datastoreItem xmlns:ds="http://schemas.openxmlformats.org/officeDocument/2006/customXml" ds:itemID="{2479DC2C-EF0B-41AF-B612-40020B463D9B}">
+  <ds:schemaRefs>
+    <ds:schemaRef ds:uri="http://schemas.microsoft.com/VisualStudio/2011/storyboarding/control"/>
+  </ds:schemaRefs>
+</ds:datastoreItem>
+</file>
+
+<file path=customXml/itemProps116.xml><?xml version="1.0" encoding="utf-8"?>
+<ds:datastoreItem xmlns:ds="http://schemas.openxmlformats.org/officeDocument/2006/customXml" ds:itemID="{19BD4C18-9805-4E22-B165-9EA5325B2EA5}">
+  <ds:schemaRefs>
+    <ds:schemaRef ds:uri="http://schemas.microsoft.com/VisualStudio/2011/storyboarding/control"/>
+  </ds:schemaRefs>
+</ds:datastoreItem>
+</file>
+
+<file path=customXml/itemProps117.xml><?xml version="1.0" encoding="utf-8"?>
+<ds:datastoreItem xmlns:ds="http://schemas.openxmlformats.org/officeDocument/2006/customXml" ds:itemID="{E4EC0F23-1162-4221-AFA8-5BFDF651A690}">
+  <ds:schemaRefs>
+    <ds:schemaRef ds:uri="http://schemas.microsoft.com/VisualStudio/2011/storyboarding/control"/>
+  </ds:schemaRefs>
+</ds:datastoreItem>
+</file>
+
+<file path=customXml/itemProps118.xml><?xml version="1.0" encoding="utf-8"?>
+<ds:datastoreItem xmlns:ds="http://schemas.openxmlformats.org/officeDocument/2006/customXml" ds:itemID="{74A4DA6D-3268-4D6D-A9D3-B98F658DD6F9}">
+  <ds:schemaRefs>
+    <ds:schemaRef ds:uri="http://schemas.microsoft.com/VisualStudio/2011/storyboarding/control"/>
+  </ds:schemaRefs>
+</ds:datastoreItem>
+</file>
+
+<file path=customXml/itemProps119.xml><?xml version="1.0" encoding="utf-8"?>
+<ds:datastoreItem xmlns:ds="http://schemas.openxmlformats.org/officeDocument/2006/customXml" ds:itemID="{F0DC79C3-207C-41FE-A3D7-31F796033D54}">
+  <ds:schemaRefs>
+    <ds:schemaRef ds:uri="http://schemas.microsoft.com/VisualStudio/2011/storyboarding/control"/>
+  </ds:schemaRefs>
+</ds:datastoreItem>
+</file>
+
+<file path=customXml/itemProps12.xml><?xml version="1.0" encoding="utf-8"?>
+<ds:datastoreItem xmlns:ds="http://schemas.openxmlformats.org/officeDocument/2006/customXml" ds:itemID="{903D1585-EC82-417F-ADD8-DEE6B3412E20}">
+  <ds:schemaRefs>
+    <ds:schemaRef ds:uri="http://schemas.microsoft.com/VisualStudio/2011/storyboarding/control"/>
+  </ds:schemaRefs>
+</ds:datastoreItem>
+</file>
+
+<file path=customXml/itemProps120.xml><?xml version="1.0" encoding="utf-8"?>
+<ds:datastoreItem xmlns:ds="http://schemas.openxmlformats.org/officeDocument/2006/customXml" ds:itemID="{16EAB064-496F-4B1C-BA3B-C699F7502928}">
+  <ds:schemaRefs>
+    <ds:schemaRef ds:uri="http://schemas.microsoft.com/VisualStudio/2011/storyboarding/control"/>
+  </ds:schemaRefs>
+</ds:datastoreItem>
+</file>
+
+<file path=customXml/itemProps121.xml><?xml version="1.0" encoding="utf-8"?>
+<ds:datastoreItem xmlns:ds="http://schemas.openxmlformats.org/officeDocument/2006/customXml" ds:itemID="{4B8959CA-E536-47DF-A3F3-13A2FC3A535C}">
+  <ds:schemaRefs>
+    <ds:schemaRef ds:uri="http://schemas.microsoft.com/VisualStudio/2011/storyboarding/control"/>
+  </ds:schemaRefs>
+</ds:datastoreItem>
+</file>
+
+<file path=customXml/itemProps122.xml><?xml version="1.0" encoding="utf-8"?>
+<ds:datastoreItem xmlns:ds="http://schemas.openxmlformats.org/officeDocument/2006/customXml" ds:itemID="{97E1D339-E6D5-4BF5-8B5C-160203B68484}">
+  <ds:schemaRefs>
+    <ds:schemaRef ds:uri="http://schemas.microsoft.com/VisualStudio/2011/storyboarding/control"/>
+  </ds:schemaRefs>
+</ds:datastoreItem>
+</file>
+
+<file path=customXml/itemProps123.xml><?xml version="1.0" encoding="utf-8"?>
+<ds:datastoreItem xmlns:ds="http://schemas.openxmlformats.org/officeDocument/2006/customXml" ds:itemID="{814E5E49-561F-42A5-93BA-1F6CE6BA8015}">
+  <ds:schemaRefs>
+    <ds:schemaRef ds:uri="http://schemas.microsoft.com/VisualStudio/2011/storyboarding/control"/>
+  </ds:schemaRefs>
+</ds:datastoreItem>
+</file>
+
+<file path=customXml/itemProps124.xml><?xml version="1.0" encoding="utf-8"?>
+<ds:datastoreItem xmlns:ds="http://schemas.openxmlformats.org/officeDocument/2006/customXml" ds:itemID="{81E54383-98AB-4CF8-862A-56119B52D70D}">
+  <ds:schemaRefs>
+    <ds:schemaRef ds:uri="http://schemas.microsoft.com/VisualStudio/2011/storyboarding/control"/>
+  </ds:schemaRefs>
+</ds:datastoreItem>
+</file>
+
+<file path=customXml/itemProps125.xml><?xml version="1.0" encoding="utf-8"?>
+<ds:datastoreItem xmlns:ds="http://schemas.openxmlformats.org/officeDocument/2006/customXml" ds:itemID="{40F569EB-8ABB-4446-9E42-226E6AA99E71}">
+  <ds:schemaRefs>
+    <ds:schemaRef ds:uri="http://schemas.microsoft.com/VisualStudio/2011/storyboarding/control"/>
+  </ds:schemaRefs>
+</ds:datastoreItem>
+</file>
+
+<file path=customXml/itemProps126.xml><?xml version="1.0" encoding="utf-8"?>
+<ds:datastoreItem xmlns:ds="http://schemas.openxmlformats.org/officeDocument/2006/customXml" ds:itemID="{06502709-2BA4-4151-8001-D5AACDC263EE}">
+  <ds:schemaRefs>
+    <ds:schemaRef ds:uri="http://schemas.microsoft.com/VisualStudio/2011/storyboarding/control"/>
+  </ds:schemaRefs>
+</ds:datastoreItem>
+</file>
+
+<file path=customXml/itemProps127.xml><?xml version="1.0" encoding="utf-8"?>
+<ds:datastoreItem xmlns:ds="http://schemas.openxmlformats.org/officeDocument/2006/customXml" ds:itemID="{5900ABFD-735C-4D22-859F-F006CFDD473A}">
+  <ds:schemaRefs>
+    <ds:schemaRef ds:uri="http://schemas.microsoft.com/VisualStudio/2011/storyboarding/control"/>
+  </ds:schemaRefs>
+</ds:datastoreItem>
+</file>
+
+<file path=customXml/itemProps128.xml><?xml version="1.0" encoding="utf-8"?>
+<ds:datastoreItem xmlns:ds="http://schemas.openxmlformats.org/officeDocument/2006/customXml" ds:itemID="{D3BE8F19-E498-4C40-AD0A-FD52BCF38C35}">
+  <ds:schemaRefs>
+    <ds:schemaRef ds:uri="http://schemas.microsoft.com/VisualStudio/2011/storyboarding/control"/>
+  </ds:schemaRefs>
+</ds:datastoreItem>
+</file>
+
+<file path=customXml/itemProps129.xml><?xml version="1.0" encoding="utf-8"?>
+<ds:datastoreItem xmlns:ds="http://schemas.openxmlformats.org/officeDocument/2006/customXml" ds:itemID="{2FB95A6F-7C40-409F-B892-7F1286D5C297}">
+  <ds:schemaRefs>
+    <ds:schemaRef ds:uri="http://schemas.microsoft.com/VisualStudio/2011/storyboarding/control"/>
+  </ds:schemaRefs>
+</ds:datastoreItem>
+</file>
+
+<file path=customXml/itemProps13.xml><?xml version="1.0" encoding="utf-8"?>
+<ds:datastoreItem xmlns:ds="http://schemas.openxmlformats.org/officeDocument/2006/customXml" ds:itemID="{8E75C575-581D-41C1-833A-EA93BF9CCB04}">
+  <ds:schemaRefs>
+    <ds:schemaRef ds:uri="http://schemas.microsoft.com/VisualStudio/2011/storyboarding/control"/>
+  </ds:schemaRefs>
+</ds:datastoreItem>
+</file>
+
+<file path=customXml/itemProps130.xml><?xml version="1.0" encoding="utf-8"?>
+<ds:datastoreItem xmlns:ds="http://schemas.openxmlformats.org/officeDocument/2006/customXml" ds:itemID="{128972CA-E70E-4C23-87EF-5D83CF0EB4D0}">
+  <ds:schemaRefs>
+    <ds:schemaRef ds:uri="http://schemas.microsoft.com/VisualStudio/2011/storyboarding/control"/>
+  </ds:schemaRefs>
+</ds:datastoreItem>
+</file>
+
+<file path=customXml/itemProps131.xml><?xml version="1.0" encoding="utf-8"?>
+<ds:datastoreItem xmlns:ds="http://schemas.openxmlformats.org/officeDocument/2006/customXml" ds:itemID="{84541087-66FB-424B-A9A1-FCABBA4CE424}">
+  <ds:schemaRefs>
+    <ds:schemaRef ds:uri="http://schemas.microsoft.com/VisualStudio/2011/storyboarding/control"/>
+  </ds:schemaRefs>
+</ds:datastoreItem>
+</file>
+
+<file path=customXml/itemProps132.xml><?xml version="1.0" encoding="utf-8"?>
+<ds:datastoreItem xmlns:ds="http://schemas.openxmlformats.org/officeDocument/2006/customXml" ds:itemID="{83115CD3-825C-4612-821F-C5D4B5A19981}">
+  <ds:schemaRefs>
+    <ds:schemaRef ds:uri="http://schemas.microsoft.com/VisualStudio/2011/storyboarding/control"/>
+  </ds:schemaRefs>
+</ds:datastoreItem>
+</file>
+
+<file path=customXml/itemProps133.xml><?xml version="1.0" encoding="utf-8"?>
+<ds:datastoreItem xmlns:ds="http://schemas.openxmlformats.org/officeDocument/2006/customXml" ds:itemID="{0F2DE0B6-1D23-4CC4-9F36-B050D9B69891}">
+  <ds:schemaRefs>
+    <ds:schemaRef ds:uri="http://schemas.microsoft.com/VisualStudio/2011/storyboarding/control"/>
+  </ds:schemaRefs>
+</ds:datastoreItem>
+</file>
+
+<file path=customXml/itemProps134.xml><?xml version="1.0" encoding="utf-8"?>
+<ds:datastoreItem xmlns:ds="http://schemas.openxmlformats.org/officeDocument/2006/customXml" ds:itemID="{3D991671-804F-44F2-8BE3-0781A317701D}">
+  <ds:schemaRefs>
+    <ds:schemaRef ds:uri="http://schemas.microsoft.com/VisualStudio/2011/storyboarding/control"/>
+  </ds:schemaRefs>
+</ds:datastoreItem>
+</file>
+
+<file path=customXml/itemProps135.xml><?xml version="1.0" encoding="utf-8"?>
+<ds:datastoreItem xmlns:ds="http://schemas.openxmlformats.org/officeDocument/2006/customXml" ds:itemID="{1AB64E8C-7821-408C-9AC1-106815BC5E62}">
+  <ds:schemaRefs>
+    <ds:schemaRef ds:uri="http://schemas.microsoft.com/VisualStudio/2011/storyboarding/control"/>
+  </ds:schemaRefs>
+</ds:datastoreItem>
+</file>
+
+<file path=customXml/itemProps136.xml><?xml version="1.0" encoding="utf-8"?>
+<ds:datastoreItem xmlns:ds="http://schemas.openxmlformats.org/officeDocument/2006/customXml" ds:itemID="{3532F4D0-3A20-4546-96DA-A56D979929A4}">
+  <ds:schemaRefs>
+    <ds:schemaRef ds:uri="http://schemas.microsoft.com/VisualStudio/2011/storyboarding/control"/>
+  </ds:schemaRefs>
+</ds:datastoreItem>
+</file>
+
+<file path=customXml/itemProps137.xml><?xml version="1.0" encoding="utf-8"?>
+<ds:datastoreItem xmlns:ds="http://schemas.openxmlformats.org/officeDocument/2006/customXml" ds:itemID="{FA3B41DB-8CE9-4ECC-8674-1D620E522544}">
+  <ds:schemaRefs>
+    <ds:schemaRef ds:uri="http://schemas.microsoft.com/VisualStudio/2011/storyboarding/control"/>
+  </ds:schemaRefs>
+</ds:datastoreItem>
+</file>
+
+<file path=customXml/itemProps138.xml><?xml version="1.0" encoding="utf-8"?>
+<ds:datastoreItem xmlns:ds="http://schemas.openxmlformats.org/officeDocument/2006/customXml" ds:itemID="{9E19A2A9-CBAF-48FC-B482-E99648066CC4}">
+  <ds:schemaRefs>
+    <ds:schemaRef ds:uri="http://schemas.microsoft.com/VisualStudio/2011/storyboarding/control"/>
+  </ds:schemaRefs>
+</ds:datastoreItem>
+</file>
+
+<file path=customXml/itemProps139.xml><?xml version="1.0" encoding="utf-8"?>
+<ds:datastoreItem xmlns:ds="http://schemas.openxmlformats.org/officeDocument/2006/customXml" ds:itemID="{DF8F59E5-8CED-4A90-B010-FA66A3D20E9F}">
+  <ds:schemaRefs>
+    <ds:schemaRef ds:uri="http://schemas.microsoft.com/VisualStudio/2011/storyboarding/control"/>
+  </ds:schemaRefs>
+</ds:datastoreItem>
+</file>
+
+<file path=customXml/itemProps14.xml><?xml version="1.0" encoding="utf-8"?>
+<ds:datastoreItem xmlns:ds="http://schemas.openxmlformats.org/officeDocument/2006/customXml" ds:itemID="{EB1E2185-3135-4C1F-B05B-420D2F106679}">
+  <ds:schemaRefs>
+    <ds:schemaRef ds:uri="http://schemas.microsoft.com/VisualStudio/2011/storyboarding/control"/>
+  </ds:schemaRefs>
+</ds:datastoreItem>
+</file>
+
+<file path=customXml/itemProps140.xml><?xml version="1.0" encoding="utf-8"?>
+<ds:datastoreItem xmlns:ds="http://schemas.openxmlformats.org/officeDocument/2006/customXml" ds:itemID="{3DAA7D18-8F95-4CEF-80BA-EBFE8E9D748D}">
+  <ds:schemaRefs>
+    <ds:schemaRef ds:uri="http://schemas.microsoft.com/VisualStudio/2011/storyboarding/control"/>
+  </ds:schemaRefs>
+</ds:datastoreItem>
+</file>
+
+<file path=customXml/itemProps141.xml><?xml version="1.0" encoding="utf-8"?>
+<ds:datastoreItem xmlns:ds="http://schemas.openxmlformats.org/officeDocument/2006/customXml" ds:itemID="{3BB98DE0-C029-4931-AD22-9DDCE0A7F55B}">
+  <ds:schemaRefs>
+    <ds:schemaRef ds:uri="http://schemas.microsoft.com/VisualStudio/2011/storyboarding/control"/>
+  </ds:schemaRefs>
+</ds:datastoreItem>
+</file>
+
+<file path=customXml/itemProps142.xml><?xml version="1.0" encoding="utf-8"?>
+<ds:datastoreItem xmlns:ds="http://schemas.openxmlformats.org/officeDocument/2006/customXml" ds:itemID="{0749C6AF-EB53-4E04-8A3A-54A96B76748B}">
+  <ds:schemaRefs>
+    <ds:schemaRef ds:uri="http://schemas.microsoft.com/VisualStudio/2011/storyboarding/control"/>
+  </ds:schemaRefs>
+</ds:datastoreItem>
+</file>
+
+<file path=customXml/itemProps143.xml><?xml version="1.0" encoding="utf-8"?>
+<ds:datastoreItem xmlns:ds="http://schemas.openxmlformats.org/officeDocument/2006/customXml" ds:itemID="{44BABDA1-0752-4962-8045-46DF35C3AED6}">
+  <ds:schemaRefs>
+    <ds:schemaRef ds:uri="http://schemas.microsoft.com/VisualStudio/2011/storyboarding/control"/>
+  </ds:schemaRefs>
+</ds:datastoreItem>
+</file>
+
+<file path=customXml/itemProps144.xml><?xml version="1.0" encoding="utf-8"?>
+<ds:datastoreItem xmlns:ds="http://schemas.openxmlformats.org/officeDocument/2006/customXml" ds:itemID="{F1D9FCA4-8CDD-4D03-8F9C-DD221191D711}">
+  <ds:schemaRefs>
+    <ds:schemaRef ds:uri="http://schemas.microsoft.com/VisualStudio/2011/storyboarding/control"/>
+  </ds:schemaRefs>
+</ds:datastoreItem>
+</file>
+
+<file path=customXml/itemProps145.xml><?xml version="1.0" encoding="utf-8"?>
+<ds:datastoreItem xmlns:ds="http://schemas.openxmlformats.org/officeDocument/2006/customXml" ds:itemID="{E2B26E15-67E2-46A7-9511-99B371B2FFB8}">
+  <ds:schemaRefs>
+    <ds:schemaRef ds:uri="http://schemas.microsoft.com/VisualStudio/2011/storyboarding/control"/>
+  </ds:schemaRefs>
+</ds:datastoreItem>
+</file>
+
+<file path=customXml/itemProps146.xml><?xml version="1.0" encoding="utf-8"?>
+<ds:datastoreItem xmlns:ds="http://schemas.openxmlformats.org/officeDocument/2006/customXml" ds:itemID="{3819C140-F52D-450E-9E57-A9C95974C875}">
+  <ds:schemaRefs>
+    <ds:schemaRef ds:uri="http://schemas.microsoft.com/VisualStudio/2011/storyboarding/control"/>
+  </ds:schemaRefs>
+</ds:datastoreItem>
+</file>
+
+<file path=customXml/itemProps147.xml><?xml version="1.0" encoding="utf-8"?>
+<ds:datastoreItem xmlns:ds="http://schemas.openxmlformats.org/officeDocument/2006/customXml" ds:itemID="{9ABA7AF9-7AD4-473E-89F4-BC38F2B1F276}">
+  <ds:schemaRefs>
+    <ds:schemaRef ds:uri="http://schemas.microsoft.com/VisualStudio/2011/storyboarding/control"/>
+  </ds:schemaRefs>
+</ds:datastoreItem>
+</file>
+
+<file path=customXml/itemProps148.xml><?xml version="1.0" encoding="utf-8"?>
+<ds:datastoreItem xmlns:ds="http://schemas.openxmlformats.org/officeDocument/2006/customXml" ds:itemID="{2262AB97-89CA-4079-98DA-993B62EF26AB}">
+  <ds:schemaRefs>
+    <ds:schemaRef ds:uri="http://schemas.microsoft.com/VisualStudio/2011/storyboarding/control"/>
+  </ds:schemaRefs>
+</ds:datastoreItem>
+</file>
+
+<file path=customXml/itemProps149.xml><?xml version="1.0" encoding="utf-8"?>
+<ds:datastoreItem xmlns:ds="http://schemas.openxmlformats.org/officeDocument/2006/customXml" ds:itemID="{B61EEC1E-2199-42F9-BF79-C8F5F69EF85E}">
+  <ds:schemaRefs>
+    <ds:schemaRef ds:uri="http://schemas.microsoft.com/VisualStudio/2011/storyboarding/control"/>
+  </ds:schemaRefs>
+</ds:datastoreItem>
+</file>
+
+<file path=customXml/itemProps15.xml><?xml version="1.0" encoding="utf-8"?>
+<ds:datastoreItem xmlns:ds="http://schemas.openxmlformats.org/officeDocument/2006/customXml" ds:itemID="{A39F5018-76E8-4CE5-A9B7-D9BE197ECF9D}">
+  <ds:schemaRefs>
+    <ds:schemaRef ds:uri="http://schemas.microsoft.com/VisualStudio/2011/storyboarding/control"/>
+  </ds:schemaRefs>
+</ds:datastoreItem>
+</file>
+
+<file path=customXml/itemProps150.xml><?xml version="1.0" encoding="utf-8"?>
+<ds:datastoreItem xmlns:ds="http://schemas.openxmlformats.org/officeDocument/2006/customXml" ds:itemID="{ABFAB328-564A-4BAB-945D-1C4E95167821}">
+  <ds:schemaRefs>
+    <ds:schemaRef ds:uri="http://schemas.microsoft.com/VisualStudio/2011/storyboarding/control"/>
+  </ds:schemaRefs>
+</ds:datastoreItem>
+</file>
+
+<file path=customXml/itemProps151.xml><?xml version="1.0" encoding="utf-8"?>
+<ds:datastoreItem xmlns:ds="http://schemas.openxmlformats.org/officeDocument/2006/customXml" ds:itemID="{004B09A5-32AD-4CCB-8361-A2EF01A5A068}">
+  <ds:schemaRefs>
+    <ds:schemaRef ds:uri="http://schemas.microsoft.com/VisualStudio/2011/storyboarding/control"/>
+  </ds:schemaRefs>
+</ds:datastoreItem>
+</file>
+
+<file path=customXml/itemProps152.xml><?xml version="1.0" encoding="utf-8"?>
+<ds:datastoreItem xmlns:ds="http://schemas.openxmlformats.org/officeDocument/2006/customXml" ds:itemID="{3CB64095-2B64-4413-A0E0-D6AE34457700}">
+  <ds:schemaRefs>
+    <ds:schemaRef ds:uri="http://schemas.microsoft.com/VisualStudio/2011/storyboarding/control"/>
+  </ds:schemaRefs>
+</ds:datastoreItem>
+</file>
+
+<file path=customXml/itemProps153.xml><?xml version="1.0" encoding="utf-8"?>
+<ds:datastoreItem xmlns:ds="http://schemas.openxmlformats.org/officeDocument/2006/customXml" ds:itemID="{9BC0CB4D-BF5E-434C-A27C-66597D46EEDF}">
+  <ds:schemaRefs>
+    <ds:schemaRef ds:uri="http://schemas.microsoft.com/VisualStudio/2011/storyboarding/control"/>
+  </ds:schemaRefs>
+</ds:datastoreItem>
+</file>
+
+<file path=customXml/itemProps154.xml><?xml version="1.0" encoding="utf-8"?>
+<ds:datastoreItem xmlns:ds="http://schemas.openxmlformats.org/officeDocument/2006/customXml" ds:itemID="{76DC95E1-ACCA-45B6-9796-C9DB84BF79E8}">
+  <ds:schemaRefs>
+    <ds:schemaRef ds:uri="http://schemas.microsoft.com/VisualStudio/2011/storyboarding/control"/>
+  </ds:schemaRefs>
+</ds:datastoreItem>
+</file>
+
+<file path=customXml/itemProps155.xml><?xml version="1.0" encoding="utf-8"?>
+<ds:datastoreItem xmlns:ds="http://schemas.openxmlformats.org/officeDocument/2006/customXml" ds:itemID="{9C7FCA13-106D-436E-8A7D-DB9808BC2A43}">
+  <ds:schemaRefs>
+    <ds:schemaRef ds:uri="http://schemas.microsoft.com/VisualStudio/2011/storyboarding/control"/>
+  </ds:schemaRefs>
+</ds:datastoreItem>
+</file>
+
+<file path=customXml/itemProps156.xml><?xml version="1.0" encoding="utf-8"?>
+<ds:datastoreItem xmlns:ds="http://schemas.openxmlformats.org/officeDocument/2006/customXml" ds:itemID="{3A9E3F93-02A4-4356-BBC6-A7BD971C5367}">
+  <ds:schemaRefs>
+    <ds:schemaRef ds:uri="http://schemas.microsoft.com/VisualStudio/2011/storyboarding/control"/>
+  </ds:schemaRefs>
+</ds:datastoreItem>
+</file>
+
+<file path=customXml/itemProps157.xml><?xml version="1.0" encoding="utf-8"?>
+<ds:datastoreItem xmlns:ds="http://schemas.openxmlformats.org/officeDocument/2006/customXml" ds:itemID="{A57FB331-1A42-4197-A916-5DB1567728A7}">
+  <ds:schemaRefs>
+    <ds:schemaRef ds:uri="http://schemas.microsoft.com/VisualStudio/2011/storyboarding/control"/>
+  </ds:schemaRefs>
+</ds:datastoreItem>
+</file>
+
+<file path=customXml/itemProps158.xml><?xml version="1.0" encoding="utf-8"?>
+<ds:datastoreItem xmlns:ds="http://schemas.openxmlformats.org/officeDocument/2006/customXml" ds:itemID="{DDBAC8B4-8905-4BB5-B558-4CCE9AACC1E7}">
+  <ds:schemaRefs>
+    <ds:schemaRef ds:uri="http://schemas.microsoft.com/VisualStudio/2011/storyboarding/control"/>
+  </ds:schemaRefs>
+</ds:datastoreItem>
+</file>
+
+<file path=customXml/itemProps159.xml><?xml version="1.0" encoding="utf-8"?>
+<ds:datastoreItem xmlns:ds="http://schemas.openxmlformats.org/officeDocument/2006/customXml" ds:itemID="{1B9230E7-F069-4556-9C13-4BDB695EF08B}">
+  <ds:schemaRefs>
+    <ds:schemaRef ds:uri="http://schemas.microsoft.com/VisualStudio/2011/storyboarding/control"/>
+  </ds:schemaRefs>
+</ds:datastoreItem>
+</file>
+
+<file path=customXml/itemProps16.xml><?xml version="1.0" encoding="utf-8"?>
+<ds:datastoreItem xmlns:ds="http://schemas.openxmlformats.org/officeDocument/2006/customXml" ds:itemID="{7056F243-3525-4402-800F-27AEDE217892}">
+  <ds:schemaRefs>
+    <ds:schemaRef ds:uri="http://schemas.microsoft.com/VisualStudio/2011/storyboarding/control"/>
+  </ds:schemaRefs>
+</ds:datastoreItem>
+</file>
+
+<file path=customXml/itemProps160.xml><?xml version="1.0" encoding="utf-8"?>
+<ds:datastoreItem xmlns:ds="http://schemas.openxmlformats.org/officeDocument/2006/customXml" ds:itemID="{E783467E-8D70-44AF-AB18-747731E98643}">
+  <ds:schemaRefs>
+    <ds:schemaRef ds:uri="http://schemas.microsoft.com/VisualStudio/2011/storyboarding/control"/>
+  </ds:schemaRefs>
+</ds:datastoreItem>
+</file>
+
+<file path=customXml/itemProps161.xml><?xml version="1.0" encoding="utf-8"?>
 <ds:datastoreItem xmlns:ds="http://schemas.openxmlformats.org/officeDocument/2006/customXml" ds:itemID="{F2E2DD80-6264-46C6-8166-945CA6960AF7}">
   <ds:schemaRefs>
     <ds:schemaRef ds:uri="http://schemas.microsoft.com/VisualStudio/2011/storyboarding/control"/>
@@ -31487,7 +32039,831 @@
 </ds:datastoreItem>
 </file>
 
-<file path=customXml/itemProps10.xml><?xml version="1.0" encoding="utf-8"?>
+<file path=customXml/itemProps162.xml><?xml version="1.0" encoding="utf-8"?>
+<ds:datastoreItem xmlns:ds="http://schemas.openxmlformats.org/officeDocument/2006/customXml" ds:itemID="{00733A73-60C4-4047-99FA-999B6399E6BC}">
+  <ds:schemaRefs>
+    <ds:schemaRef ds:uri="http://schemas.microsoft.com/VisualStudio/2011/storyboarding/control"/>
+  </ds:schemaRefs>
+</ds:datastoreItem>
+</file>
+
+<file path=customXml/itemProps163.xml><?xml version="1.0" encoding="utf-8"?>
+<ds:datastoreItem xmlns:ds="http://schemas.openxmlformats.org/officeDocument/2006/customXml" ds:itemID="{53DA1D64-FAE3-4051-86C4-7E4958EE6430}">
+  <ds:schemaRefs>
+    <ds:schemaRef ds:uri="http://schemas.microsoft.com/VisualStudio/2011/storyboarding/control"/>
+  </ds:schemaRefs>
+</ds:datastoreItem>
+</file>
+
+<file path=customXml/itemProps164.xml><?xml version="1.0" encoding="utf-8"?>
+<ds:datastoreItem xmlns:ds="http://schemas.openxmlformats.org/officeDocument/2006/customXml" ds:itemID="{E5D1C59B-23A1-4B0D-8732-B4B1308359E8}">
+  <ds:schemaRefs>
+    <ds:schemaRef ds:uri="http://schemas.microsoft.com/VisualStudio/2011/storyboarding/control"/>
+  </ds:schemaRefs>
+</ds:datastoreItem>
+</file>
+
+<file path=customXml/itemProps165.xml><?xml version="1.0" encoding="utf-8"?>
+<ds:datastoreItem xmlns:ds="http://schemas.openxmlformats.org/officeDocument/2006/customXml" ds:itemID="{3A7AE35B-4D50-4165-940D-B3B720020BD4}">
+  <ds:schemaRefs>
+    <ds:schemaRef ds:uri="http://schemas.microsoft.com/VisualStudio/2011/storyboarding/control"/>
+  </ds:schemaRefs>
+</ds:datastoreItem>
+</file>
+
+<file path=customXml/itemProps166.xml><?xml version="1.0" encoding="utf-8"?>
+<ds:datastoreItem xmlns:ds="http://schemas.openxmlformats.org/officeDocument/2006/customXml" ds:itemID="{D3C03370-B090-47F7-912D-2E624F6AF804}">
+  <ds:schemaRefs>
+    <ds:schemaRef ds:uri="http://schemas.microsoft.com/VisualStudio/2011/storyboarding/control"/>
+  </ds:schemaRefs>
+</ds:datastoreItem>
+</file>
+
+<file path=customXml/itemProps167.xml><?xml version="1.0" encoding="utf-8"?>
+<ds:datastoreItem xmlns:ds="http://schemas.openxmlformats.org/officeDocument/2006/customXml" ds:itemID="{09CE74FB-25C7-4560-B2D1-31C53C62D2F2}">
+  <ds:schemaRefs>
+    <ds:schemaRef ds:uri="http://schemas.microsoft.com/VisualStudio/2011/storyboarding/control"/>
+  </ds:schemaRefs>
+</ds:datastoreItem>
+</file>
+
+<file path=customXml/itemProps168.xml><?xml version="1.0" encoding="utf-8"?>
+<ds:datastoreItem xmlns:ds="http://schemas.openxmlformats.org/officeDocument/2006/customXml" ds:itemID="{998783E5-93E3-46E4-8B45-FB75479D6BD0}">
+  <ds:schemaRefs>
+    <ds:schemaRef ds:uri="http://schemas.microsoft.com/VisualStudio/2011/storyboarding/control"/>
+  </ds:schemaRefs>
+</ds:datastoreItem>
+</file>
+
+<file path=customXml/itemProps169.xml><?xml version="1.0" encoding="utf-8"?>
+<ds:datastoreItem xmlns:ds="http://schemas.openxmlformats.org/officeDocument/2006/customXml" ds:itemID="{B6B9C910-7729-4399-A2A4-124811EF2AAD}">
+  <ds:schemaRefs>
+    <ds:schemaRef ds:uri="http://schemas.microsoft.com/VisualStudio/2011/storyboarding/control"/>
+  </ds:schemaRefs>
+</ds:datastoreItem>
+</file>
+
+<file path=customXml/itemProps17.xml><?xml version="1.0" encoding="utf-8"?>
+<ds:datastoreItem xmlns:ds="http://schemas.openxmlformats.org/officeDocument/2006/customXml" ds:itemID="{6395A4FB-8980-45B3-9877-951BA1240E53}">
+  <ds:schemaRefs>
+    <ds:schemaRef ds:uri="http://schemas.microsoft.com/VisualStudio/2011/storyboarding/control"/>
+  </ds:schemaRefs>
+</ds:datastoreItem>
+</file>
+
+<file path=customXml/itemProps170.xml><?xml version="1.0" encoding="utf-8"?>
+<ds:datastoreItem xmlns:ds="http://schemas.openxmlformats.org/officeDocument/2006/customXml" ds:itemID="{F4261AFD-0C6F-405A-ABB8-E13F5D880F5A}">
+  <ds:schemaRefs>
+    <ds:schemaRef ds:uri="http://schemas.microsoft.com/VisualStudio/2011/storyboarding/control"/>
+  </ds:schemaRefs>
+</ds:datastoreItem>
+</file>
+
+<file path=customXml/itemProps171.xml><?xml version="1.0" encoding="utf-8"?>
+<ds:datastoreItem xmlns:ds="http://schemas.openxmlformats.org/officeDocument/2006/customXml" ds:itemID="{0F678DC3-7A11-4960-98D1-2284A12D1CFC}">
+  <ds:schemaRefs>
+    <ds:schemaRef ds:uri="http://schemas.microsoft.com/VisualStudio/2011/storyboarding/control"/>
+  </ds:schemaRefs>
+</ds:datastoreItem>
+</file>
+
+<file path=customXml/itemProps172.xml><?xml version="1.0" encoding="utf-8"?>
+<ds:datastoreItem xmlns:ds="http://schemas.openxmlformats.org/officeDocument/2006/customXml" ds:itemID="{98A360E1-A752-4262-A971-02659881E9AE}">
+  <ds:schemaRefs>
+    <ds:schemaRef ds:uri="http://schemas.microsoft.com/VisualStudio/2011/storyboarding/control"/>
+  </ds:schemaRefs>
+</ds:datastoreItem>
+</file>
+
+<file path=customXml/itemProps173.xml><?xml version="1.0" encoding="utf-8"?>
+<ds:datastoreItem xmlns:ds="http://schemas.openxmlformats.org/officeDocument/2006/customXml" ds:itemID="{387D2E86-F190-4CEF-A687-BC810EFEE0E5}">
+  <ds:schemaRefs>
+    <ds:schemaRef ds:uri="http://schemas.microsoft.com/VisualStudio/2011/storyboarding/control"/>
+  </ds:schemaRefs>
+</ds:datastoreItem>
+</file>
+
+<file path=customXml/itemProps174.xml><?xml version="1.0" encoding="utf-8"?>
+<ds:datastoreItem xmlns:ds="http://schemas.openxmlformats.org/officeDocument/2006/customXml" ds:itemID="{49295FCB-C0F6-4058-AADB-C80AB995A670}">
+  <ds:schemaRefs>
+    <ds:schemaRef ds:uri="http://schemas.microsoft.com/VisualStudio/2011/storyboarding/control"/>
+  </ds:schemaRefs>
+</ds:datastoreItem>
+</file>
+
+<file path=customXml/itemProps175.xml><?xml version="1.0" encoding="utf-8"?>
+<ds:datastoreItem xmlns:ds="http://schemas.openxmlformats.org/officeDocument/2006/customXml" ds:itemID="{494ECD25-6B82-4D53-B271-88A3A6E803B2}">
+  <ds:schemaRefs>
+    <ds:schemaRef ds:uri="http://schemas.microsoft.com/VisualStudio/2011/storyboarding/control"/>
+  </ds:schemaRefs>
+</ds:datastoreItem>
+</file>
+
+<file path=customXml/itemProps176.xml><?xml version="1.0" encoding="utf-8"?>
+<ds:datastoreItem xmlns:ds="http://schemas.openxmlformats.org/officeDocument/2006/customXml" ds:itemID="{F03ECE27-2979-45C7-9435-89206D14C3AF}">
+  <ds:schemaRefs>
+    <ds:schemaRef ds:uri="http://schemas.microsoft.com/VisualStudio/2011/storyboarding/control"/>
+  </ds:schemaRefs>
+</ds:datastoreItem>
+</file>
+
+<file path=customXml/itemProps177.xml><?xml version="1.0" encoding="utf-8"?>
+<ds:datastoreItem xmlns:ds="http://schemas.openxmlformats.org/officeDocument/2006/customXml" ds:itemID="{7189590F-1A48-46F3-B24A-D8D0F3BA0A15}">
+  <ds:schemaRefs>
+    <ds:schemaRef ds:uri="http://schemas.microsoft.com/VisualStudio/2011/storyboarding/control"/>
+  </ds:schemaRefs>
+</ds:datastoreItem>
+</file>
+
+<file path=customXml/itemProps178.xml><?xml version="1.0" encoding="utf-8"?>
+<ds:datastoreItem xmlns:ds="http://schemas.openxmlformats.org/officeDocument/2006/customXml" ds:itemID="{2358A14E-CE70-45F4-BA53-D1B26D6A337E}">
+  <ds:schemaRefs>
+    <ds:schemaRef ds:uri="http://schemas.microsoft.com/VisualStudio/2011/storyboarding/control"/>
+  </ds:schemaRefs>
+</ds:datastoreItem>
+</file>
+
+<file path=customXml/itemProps179.xml><?xml version="1.0" encoding="utf-8"?>
+<ds:datastoreItem xmlns:ds="http://schemas.openxmlformats.org/officeDocument/2006/customXml" ds:itemID="{560D2061-D99A-45A4-8092-C0602B8A4570}">
+  <ds:schemaRefs>
+    <ds:schemaRef ds:uri="http://schemas.microsoft.com/VisualStudio/2011/storyboarding/control"/>
+  </ds:schemaRefs>
+</ds:datastoreItem>
+</file>
+
+<file path=customXml/itemProps18.xml><?xml version="1.0" encoding="utf-8"?>
+<ds:datastoreItem xmlns:ds="http://schemas.openxmlformats.org/officeDocument/2006/customXml" ds:itemID="{12B87C94-3E99-4A00-A6CF-08E04953A553}">
+  <ds:schemaRefs>
+    <ds:schemaRef ds:uri="http://schemas.microsoft.com/VisualStudio/2011/storyboarding/control"/>
+  </ds:schemaRefs>
+</ds:datastoreItem>
+</file>
+
+<file path=customXml/itemProps180.xml><?xml version="1.0" encoding="utf-8"?>
+<ds:datastoreItem xmlns:ds="http://schemas.openxmlformats.org/officeDocument/2006/customXml" ds:itemID="{6738B905-67C9-4D42-8403-1DFFFA0CD882}">
+  <ds:schemaRefs>
+    <ds:schemaRef ds:uri="http://schemas.microsoft.com/VisualStudio/2011/storyboarding/control"/>
+  </ds:schemaRefs>
+</ds:datastoreItem>
+</file>
+
+<file path=customXml/itemProps181.xml><?xml version="1.0" encoding="utf-8"?>
+<ds:datastoreItem xmlns:ds="http://schemas.openxmlformats.org/officeDocument/2006/customXml" ds:itemID="{E365656C-FD98-42DE-B12C-6E9701BB8103}">
+  <ds:schemaRefs>
+    <ds:schemaRef ds:uri="http://schemas.microsoft.com/VisualStudio/2011/storyboarding/control"/>
+  </ds:schemaRefs>
+</ds:datastoreItem>
+</file>
+
+<file path=customXml/itemProps182.xml><?xml version="1.0" encoding="utf-8"?>
+<ds:datastoreItem xmlns:ds="http://schemas.openxmlformats.org/officeDocument/2006/customXml" ds:itemID="{B0A7260F-6144-438B-B40E-F17A3A1A2CE9}">
+  <ds:schemaRefs>
+    <ds:schemaRef ds:uri="http://schemas.microsoft.com/VisualStudio/2011/storyboarding/control"/>
+  </ds:schemaRefs>
+</ds:datastoreItem>
+</file>
+
+<file path=customXml/itemProps183.xml><?xml version="1.0" encoding="utf-8"?>
+<ds:datastoreItem xmlns:ds="http://schemas.openxmlformats.org/officeDocument/2006/customXml" ds:itemID="{D2160122-FCEB-4484-8E31-E7A61E924316}">
+  <ds:schemaRefs>
+    <ds:schemaRef ds:uri="http://schemas.microsoft.com/VisualStudio/2011/storyboarding/control"/>
+  </ds:schemaRefs>
+</ds:datastoreItem>
+</file>
+
+<file path=customXml/itemProps184.xml><?xml version="1.0" encoding="utf-8"?>
+<ds:datastoreItem xmlns:ds="http://schemas.openxmlformats.org/officeDocument/2006/customXml" ds:itemID="{73703013-09B0-4DBA-9FDD-D39DF66AF178}">
+  <ds:schemaRefs>
+    <ds:schemaRef ds:uri="http://schemas.microsoft.com/VisualStudio/2011/storyboarding/control"/>
+  </ds:schemaRefs>
+</ds:datastoreItem>
+</file>
+
+<file path=customXml/itemProps185.xml><?xml version="1.0" encoding="utf-8"?>
+<ds:datastoreItem xmlns:ds="http://schemas.openxmlformats.org/officeDocument/2006/customXml" ds:itemID="{DB6E0612-8B1D-4BE3-AC72-D821C426DE75}">
+  <ds:schemaRefs>
+    <ds:schemaRef ds:uri="http://schemas.microsoft.com/VisualStudio/2011/storyboarding/control"/>
+  </ds:schemaRefs>
+</ds:datastoreItem>
+</file>
+
+<file path=customXml/itemProps186.xml><?xml version="1.0" encoding="utf-8"?>
+<ds:datastoreItem xmlns:ds="http://schemas.openxmlformats.org/officeDocument/2006/customXml" ds:itemID="{51E7E7C7-3695-4277-9E7A-A34209D6DE42}">
+  <ds:schemaRefs>
+    <ds:schemaRef ds:uri="http://schemas.microsoft.com/VisualStudio/2011/storyboarding/control"/>
+  </ds:schemaRefs>
+</ds:datastoreItem>
+</file>
+
+<file path=customXml/itemProps187.xml><?xml version="1.0" encoding="utf-8"?>
+<ds:datastoreItem xmlns:ds="http://schemas.openxmlformats.org/officeDocument/2006/customXml" ds:itemID="{8159193B-BADF-419B-B907-5EF8622C190C}">
+  <ds:schemaRefs>
+    <ds:schemaRef ds:uri="http://schemas.microsoft.com/VisualStudio/2011/storyboarding/control"/>
+  </ds:schemaRefs>
+</ds:datastoreItem>
+</file>
+
+<file path=customXml/itemProps188.xml><?xml version="1.0" encoding="utf-8"?>
+<ds:datastoreItem xmlns:ds="http://schemas.openxmlformats.org/officeDocument/2006/customXml" ds:itemID="{25AC7257-525C-4E5A-AA42-573829D61A3B}">
+  <ds:schemaRefs>
+    <ds:schemaRef ds:uri="http://schemas.microsoft.com/VisualStudio/2011/storyboarding/control"/>
+  </ds:schemaRefs>
+</ds:datastoreItem>
+</file>
+
+<file path=customXml/itemProps189.xml><?xml version="1.0" encoding="utf-8"?>
+<ds:datastoreItem xmlns:ds="http://schemas.openxmlformats.org/officeDocument/2006/customXml" ds:itemID="{392A17C6-E843-4590-854E-08329261E193}">
+  <ds:schemaRefs>
+    <ds:schemaRef ds:uri="http://schemas.microsoft.com/VisualStudio/2011/storyboarding/control"/>
+  </ds:schemaRefs>
+</ds:datastoreItem>
+</file>
+
+<file path=customXml/itemProps19.xml><?xml version="1.0" encoding="utf-8"?>
+<ds:datastoreItem xmlns:ds="http://schemas.openxmlformats.org/officeDocument/2006/customXml" ds:itemID="{E12DD9CD-91AF-4CC9-87D9-DB103477FE67}">
+  <ds:schemaRefs>
+    <ds:schemaRef ds:uri="http://schemas.microsoft.com/VisualStudio/2011/storyboarding/control"/>
+  </ds:schemaRefs>
+</ds:datastoreItem>
+</file>
+
+<file path=customXml/itemProps190.xml><?xml version="1.0" encoding="utf-8"?>
+<ds:datastoreItem xmlns:ds="http://schemas.openxmlformats.org/officeDocument/2006/customXml" ds:itemID="{D016F5A6-ECCB-4F7B-BD25-D9CF1074E3F1}">
+  <ds:schemaRefs>
+    <ds:schemaRef ds:uri="http://schemas.microsoft.com/VisualStudio/2011/storyboarding/control"/>
+  </ds:schemaRefs>
+</ds:datastoreItem>
+</file>
+
+<file path=customXml/itemProps191.xml><?xml version="1.0" encoding="utf-8"?>
+<ds:datastoreItem xmlns:ds="http://schemas.openxmlformats.org/officeDocument/2006/customXml" ds:itemID="{C2FDD86D-B019-47EC-8742-0E3661BB3F30}">
+  <ds:schemaRefs>
+    <ds:schemaRef ds:uri="http://schemas.microsoft.com/VisualStudio/2011/storyboarding/control"/>
+  </ds:schemaRefs>
+</ds:datastoreItem>
+</file>
+
+<file path=customXml/itemProps192.xml><?xml version="1.0" encoding="utf-8"?>
+<ds:datastoreItem xmlns:ds="http://schemas.openxmlformats.org/officeDocument/2006/customXml" ds:itemID="{8FB016EA-60C1-4762-8FF2-7DE705E604F0}">
+  <ds:schemaRefs>
+    <ds:schemaRef ds:uri="http://schemas.microsoft.com/VisualStudio/2011/storyboarding/control"/>
+  </ds:schemaRefs>
+</ds:datastoreItem>
+</file>
+
+<file path=customXml/itemProps193.xml><?xml version="1.0" encoding="utf-8"?>
+<ds:datastoreItem xmlns:ds="http://schemas.openxmlformats.org/officeDocument/2006/customXml" ds:itemID="{1286F223-ECE1-445C-AA3D-D038801B4F20}">
+  <ds:schemaRefs>
+    <ds:schemaRef ds:uri="http://schemas.microsoft.com/VisualStudio/2011/storyboarding/control"/>
+  </ds:schemaRefs>
+</ds:datastoreItem>
+</file>
+
+<file path=customXml/itemProps194.xml><?xml version="1.0" encoding="utf-8"?>
+<ds:datastoreItem xmlns:ds="http://schemas.openxmlformats.org/officeDocument/2006/customXml" ds:itemID="{5556FE01-90D7-4920-A96A-8D15FC962703}">
+  <ds:schemaRefs>
+    <ds:schemaRef ds:uri="http://schemas.microsoft.com/VisualStudio/2011/storyboarding/control"/>
+  </ds:schemaRefs>
+</ds:datastoreItem>
+</file>
+
+<file path=customXml/itemProps195.xml><?xml version="1.0" encoding="utf-8"?>
+<ds:datastoreItem xmlns:ds="http://schemas.openxmlformats.org/officeDocument/2006/customXml" ds:itemID="{052D3153-F81F-47D0-946E-5920405FFC24}">
+  <ds:schemaRefs>
+    <ds:schemaRef ds:uri="http://schemas.microsoft.com/VisualStudio/2011/storyboarding/control"/>
+  </ds:schemaRefs>
+</ds:datastoreItem>
+</file>
+
+<file path=customXml/itemProps196.xml><?xml version="1.0" encoding="utf-8"?>
+<ds:datastoreItem xmlns:ds="http://schemas.openxmlformats.org/officeDocument/2006/customXml" ds:itemID="{C0236D38-7F8A-4EAA-B6A1-6880B56FE83E}">
+  <ds:schemaRefs>
+    <ds:schemaRef ds:uri="http://schemas.microsoft.com/VisualStudio/2011/storyboarding/control"/>
+  </ds:schemaRefs>
+</ds:datastoreItem>
+</file>
+
+<file path=customXml/itemProps197.xml><?xml version="1.0" encoding="utf-8"?>
+<ds:datastoreItem xmlns:ds="http://schemas.openxmlformats.org/officeDocument/2006/customXml" ds:itemID="{D6A52C60-59E9-4555-879D-2D44139F946C}">
+  <ds:schemaRefs>
+    <ds:schemaRef ds:uri="http://schemas.microsoft.com/VisualStudio/2011/storyboarding/control"/>
+  </ds:schemaRefs>
+</ds:datastoreItem>
+</file>
+
+<file path=customXml/itemProps198.xml><?xml version="1.0" encoding="utf-8"?>
+<ds:datastoreItem xmlns:ds="http://schemas.openxmlformats.org/officeDocument/2006/customXml" ds:itemID="{66761CE4-9EDC-423E-BC61-A27C029E5732}">
+  <ds:schemaRefs>
+    <ds:schemaRef ds:uri="http://schemas.microsoft.com/VisualStudio/2011/storyboarding/control"/>
+  </ds:schemaRefs>
+</ds:datastoreItem>
+</file>
+
+<file path=customXml/itemProps199.xml><?xml version="1.0" encoding="utf-8"?>
+<ds:datastoreItem xmlns:ds="http://schemas.openxmlformats.org/officeDocument/2006/customXml" ds:itemID="{83C7B5A9-0530-46C6-A850-347D2AC04604}">
+  <ds:schemaRefs>
+    <ds:schemaRef ds:uri="http://schemas.microsoft.com/VisualStudio/2011/storyboarding/control"/>
+  </ds:schemaRefs>
+</ds:datastoreItem>
+</file>
+
+<file path=customXml/itemProps2.xml><?xml version="1.0" encoding="utf-8"?>
+<ds:datastoreItem xmlns:ds="http://schemas.openxmlformats.org/officeDocument/2006/customXml" ds:itemID="{2238C136-D227-4AA1-A465-1D5076A289E6}">
+  <ds:schemaRefs>
+    <ds:schemaRef ds:uri="http://schemas.microsoft.com/VisualStudio/2011/storyboarding/control"/>
+  </ds:schemaRefs>
+</ds:datastoreItem>
+</file>
+
+<file path=customXml/itemProps20.xml><?xml version="1.0" encoding="utf-8"?>
+<ds:datastoreItem xmlns:ds="http://schemas.openxmlformats.org/officeDocument/2006/customXml" ds:itemID="{A26C2F90-97F2-4089-BDB9-A8F1A786BE92}">
+  <ds:schemaRefs>
+    <ds:schemaRef ds:uri="http://schemas.microsoft.com/VisualStudio/2011/storyboarding/control"/>
+  </ds:schemaRefs>
+</ds:datastoreItem>
+</file>
+
+<file path=customXml/itemProps200.xml><?xml version="1.0" encoding="utf-8"?>
+<ds:datastoreItem xmlns:ds="http://schemas.openxmlformats.org/officeDocument/2006/customXml" ds:itemID="{F8FA2D94-E06D-4220-BA47-2995FB7C8D12}">
+  <ds:schemaRefs>
+    <ds:schemaRef ds:uri="http://schemas.microsoft.com/VisualStudio/2011/storyboarding/control"/>
+  </ds:schemaRefs>
+</ds:datastoreItem>
+</file>
+
+<file path=customXml/itemProps201.xml><?xml version="1.0" encoding="utf-8"?>
+<ds:datastoreItem xmlns:ds="http://schemas.openxmlformats.org/officeDocument/2006/customXml" ds:itemID="{DB4F9695-2BDE-47EC-BF8C-9433F25A92F2}">
+  <ds:schemaRefs>
+    <ds:schemaRef ds:uri="http://schemas.microsoft.com/VisualStudio/2011/storyboarding/control"/>
+  </ds:schemaRefs>
+</ds:datastoreItem>
+</file>
+
+<file path=customXml/itemProps202.xml><?xml version="1.0" encoding="utf-8"?>
+<ds:datastoreItem xmlns:ds="http://schemas.openxmlformats.org/officeDocument/2006/customXml" ds:itemID="{548207B6-9ECB-4C71-9D88-A39393050720}">
+  <ds:schemaRefs>
+    <ds:schemaRef ds:uri="http://schemas.microsoft.com/VisualStudio/2011/storyboarding/control"/>
+  </ds:schemaRefs>
+</ds:datastoreItem>
+</file>
+
+<file path=customXml/itemProps203.xml><?xml version="1.0" encoding="utf-8"?>
+<ds:datastoreItem xmlns:ds="http://schemas.openxmlformats.org/officeDocument/2006/customXml" ds:itemID="{BCD68537-FD77-44D1-B5FC-C1B002B1B2F1}">
+  <ds:schemaRefs>
+    <ds:schemaRef ds:uri="http://schemas.microsoft.com/VisualStudio/2011/storyboarding/control"/>
+  </ds:schemaRefs>
+</ds:datastoreItem>
+</file>
+
+<file path=customXml/itemProps204.xml><?xml version="1.0" encoding="utf-8"?>
+<ds:datastoreItem xmlns:ds="http://schemas.openxmlformats.org/officeDocument/2006/customXml" ds:itemID="{E838682E-A725-4A1A-AF5F-C55834732EBC}">
+  <ds:schemaRefs>
+    <ds:schemaRef ds:uri="http://schemas.microsoft.com/VisualStudio/2011/storyboarding/control"/>
+  </ds:schemaRefs>
+</ds:datastoreItem>
+</file>
+
+<file path=customXml/itemProps205.xml><?xml version="1.0" encoding="utf-8"?>
+<ds:datastoreItem xmlns:ds="http://schemas.openxmlformats.org/officeDocument/2006/customXml" ds:itemID="{7D83CF62-C030-46A5-BB42-EA6E29EB49F5}">
+  <ds:schemaRefs>
+    <ds:schemaRef ds:uri="http://schemas.microsoft.com/VisualStudio/2011/storyboarding/control"/>
+  </ds:schemaRefs>
+</ds:datastoreItem>
+</file>
+
+<file path=customXml/itemProps206.xml><?xml version="1.0" encoding="utf-8"?>
+<ds:datastoreItem xmlns:ds="http://schemas.openxmlformats.org/officeDocument/2006/customXml" ds:itemID="{913EDEB5-0043-4ADF-BF69-77EF99A91A70}">
+  <ds:schemaRefs>
+    <ds:schemaRef ds:uri="http://schemas.microsoft.com/VisualStudio/2011/storyboarding/control"/>
+  </ds:schemaRefs>
+</ds:datastoreItem>
+</file>
+
+<file path=customXml/itemProps207.xml><?xml version="1.0" encoding="utf-8"?>
+<ds:datastoreItem xmlns:ds="http://schemas.openxmlformats.org/officeDocument/2006/customXml" ds:itemID="{AE128F89-BEFE-49D1-B7EC-DF64FC22E46D}">
+  <ds:schemaRefs>
+    <ds:schemaRef ds:uri="http://schemas.microsoft.com/VisualStudio/2011/storyboarding/control"/>
+  </ds:schemaRefs>
+</ds:datastoreItem>
+</file>
+
+<file path=customXml/itemProps208.xml><?xml version="1.0" encoding="utf-8"?>
+<ds:datastoreItem xmlns:ds="http://schemas.openxmlformats.org/officeDocument/2006/customXml" ds:itemID="{152057C0-8163-4478-8001-B3CFAA894936}">
+  <ds:schemaRefs>
+    <ds:schemaRef ds:uri="http://schemas.microsoft.com/VisualStudio/2011/storyboarding/control"/>
+  </ds:schemaRefs>
+</ds:datastoreItem>
+</file>
+
+<file path=customXml/itemProps209.xml><?xml version="1.0" encoding="utf-8"?>
+<ds:datastoreItem xmlns:ds="http://schemas.openxmlformats.org/officeDocument/2006/customXml" ds:itemID="{452A5613-1F1F-4ABC-81F7-3303A828A0B8}">
+  <ds:schemaRefs>
+    <ds:schemaRef ds:uri="http://schemas.microsoft.com/VisualStudio/2011/storyboarding/control"/>
+  </ds:schemaRefs>
+</ds:datastoreItem>
+</file>
+
+<file path=customXml/itemProps21.xml><?xml version="1.0" encoding="utf-8"?>
+<ds:datastoreItem xmlns:ds="http://schemas.openxmlformats.org/officeDocument/2006/customXml" ds:itemID="{0DC22608-B763-470D-9FE1-22779519CE9E}">
+  <ds:schemaRefs>
+    <ds:schemaRef ds:uri="http://schemas.microsoft.com/VisualStudio/2011/storyboarding/control"/>
+  </ds:schemaRefs>
+</ds:datastoreItem>
+</file>
+
+<file path=customXml/itemProps210.xml><?xml version="1.0" encoding="utf-8"?>
+<ds:datastoreItem xmlns:ds="http://schemas.openxmlformats.org/officeDocument/2006/customXml" ds:itemID="{113CC0A4-04F5-4B9D-A17B-5C03BA1F3CAC}">
+  <ds:schemaRefs>
+    <ds:schemaRef ds:uri="http://schemas.microsoft.com/VisualStudio/2011/storyboarding/control"/>
+  </ds:schemaRefs>
+</ds:datastoreItem>
+</file>
+
+<file path=customXml/itemProps211.xml><?xml version="1.0" encoding="utf-8"?>
+<ds:datastoreItem xmlns:ds="http://schemas.openxmlformats.org/officeDocument/2006/customXml" ds:itemID="{58BC6EAA-551E-4842-9AB3-73B9C1D8581B}">
+  <ds:schemaRefs>
+    <ds:schemaRef ds:uri="http://schemas.microsoft.com/VisualStudio/2011/storyboarding/control"/>
+  </ds:schemaRefs>
+</ds:datastoreItem>
+</file>
+
+<file path=customXml/itemProps212.xml><?xml version="1.0" encoding="utf-8"?>
+<ds:datastoreItem xmlns:ds="http://schemas.openxmlformats.org/officeDocument/2006/customXml" ds:itemID="{D500780A-E74C-4BCC-955A-7DF94634ED58}">
+  <ds:schemaRefs>
+    <ds:schemaRef ds:uri="http://schemas.microsoft.com/VisualStudio/2011/storyboarding/control"/>
+  </ds:schemaRefs>
+</ds:datastoreItem>
+</file>
+
+<file path=customXml/itemProps213.xml><?xml version="1.0" encoding="utf-8"?>
+<ds:datastoreItem xmlns:ds="http://schemas.openxmlformats.org/officeDocument/2006/customXml" ds:itemID="{0639E041-5344-4826-A0B0-6DE2057EC2F0}">
+  <ds:schemaRefs>
+    <ds:schemaRef ds:uri="http://schemas.microsoft.com/VisualStudio/2011/storyboarding/control"/>
+  </ds:schemaRefs>
+</ds:datastoreItem>
+</file>
+
+<file path=customXml/itemProps214.xml><?xml version="1.0" encoding="utf-8"?>
+<ds:datastoreItem xmlns:ds="http://schemas.openxmlformats.org/officeDocument/2006/customXml" ds:itemID="{C962D66A-88E9-473B-8A7A-477B4CE13AF5}">
+  <ds:schemaRefs>
+    <ds:schemaRef ds:uri="http://schemas.microsoft.com/VisualStudio/2011/storyboarding/control"/>
+  </ds:schemaRefs>
+</ds:datastoreItem>
+</file>
+
+<file path=customXml/itemProps215.xml><?xml version="1.0" encoding="utf-8"?>
+<ds:datastoreItem xmlns:ds="http://schemas.openxmlformats.org/officeDocument/2006/customXml" ds:itemID="{0A526C21-CA0E-4D62-A306-B441BC0489D4}">
+  <ds:schemaRefs>
+    <ds:schemaRef ds:uri="http://schemas.microsoft.com/VisualStudio/2011/storyboarding/control"/>
+  </ds:schemaRefs>
+</ds:datastoreItem>
+</file>
+
+<file path=customXml/itemProps216.xml><?xml version="1.0" encoding="utf-8"?>
+<ds:datastoreItem xmlns:ds="http://schemas.openxmlformats.org/officeDocument/2006/customXml" ds:itemID="{2227405F-AD2B-44C3-ADF8-746334825D1B}">
+  <ds:schemaRefs>
+    <ds:schemaRef ds:uri="http://schemas.microsoft.com/VisualStudio/2011/storyboarding/control"/>
+  </ds:schemaRefs>
+</ds:datastoreItem>
+</file>
+
+<file path=customXml/itemProps217.xml><?xml version="1.0" encoding="utf-8"?>
+<ds:datastoreItem xmlns:ds="http://schemas.openxmlformats.org/officeDocument/2006/customXml" ds:itemID="{A0A4739D-1067-47D0-95FE-525DC04CC418}">
+  <ds:schemaRefs>
+    <ds:schemaRef ds:uri="http://schemas.microsoft.com/VisualStudio/2011/storyboarding/control"/>
+  </ds:schemaRefs>
+</ds:datastoreItem>
+</file>
+
+<file path=customXml/itemProps218.xml><?xml version="1.0" encoding="utf-8"?>
+<ds:datastoreItem xmlns:ds="http://schemas.openxmlformats.org/officeDocument/2006/customXml" ds:itemID="{8FFBA1EB-8640-41D3-90AB-ABBFC6BE36B9}">
+  <ds:schemaRefs>
+    <ds:schemaRef ds:uri="http://schemas.microsoft.com/VisualStudio/2011/storyboarding/control"/>
+  </ds:schemaRefs>
+</ds:datastoreItem>
+</file>
+
+<file path=customXml/itemProps219.xml><?xml version="1.0" encoding="utf-8"?>
+<ds:datastoreItem xmlns:ds="http://schemas.openxmlformats.org/officeDocument/2006/customXml" ds:itemID="{67F5F6F5-4E51-492F-BF8F-11BFFAA45B4A}">
+  <ds:schemaRefs>
+    <ds:schemaRef ds:uri="http://schemas.microsoft.com/VisualStudio/2011/storyboarding/control"/>
+  </ds:schemaRefs>
+</ds:datastoreItem>
+</file>
+
+<file path=customXml/itemProps22.xml><?xml version="1.0" encoding="utf-8"?>
+<ds:datastoreItem xmlns:ds="http://schemas.openxmlformats.org/officeDocument/2006/customXml" ds:itemID="{46A419CE-A179-4627-AB6E-C396EEC0DF43}">
+  <ds:schemaRefs>
+    <ds:schemaRef ds:uri="http://schemas.microsoft.com/VisualStudio/2011/storyboarding/control"/>
+  </ds:schemaRefs>
+</ds:datastoreItem>
+</file>
+
+<file path=customXml/itemProps220.xml><?xml version="1.0" encoding="utf-8"?>
+<ds:datastoreItem xmlns:ds="http://schemas.openxmlformats.org/officeDocument/2006/customXml" ds:itemID="{DC6DE712-FAC2-48EF-8F42-43EFC4A596F1}">
+  <ds:schemaRefs>
+    <ds:schemaRef ds:uri="http://schemas.microsoft.com/VisualStudio/2011/storyboarding/control"/>
+  </ds:schemaRefs>
+</ds:datastoreItem>
+</file>
+
+<file path=customXml/itemProps221.xml><?xml version="1.0" encoding="utf-8"?>
+<ds:datastoreItem xmlns:ds="http://schemas.openxmlformats.org/officeDocument/2006/customXml" ds:itemID="{AEE42BF4-3F49-4791-99A4-B9C5521F3813}">
+  <ds:schemaRefs>
+    <ds:schemaRef ds:uri="http://schemas.microsoft.com/VisualStudio/2011/storyboarding/control"/>
+  </ds:schemaRefs>
+</ds:datastoreItem>
+</file>
+
+<file path=customXml/itemProps222.xml><?xml version="1.0" encoding="utf-8"?>
+<ds:datastoreItem xmlns:ds="http://schemas.openxmlformats.org/officeDocument/2006/customXml" ds:itemID="{4AEFBEC5-3299-4A73-AC33-103FD5383E81}">
+  <ds:schemaRefs>
+    <ds:schemaRef ds:uri="http://schemas.microsoft.com/VisualStudio/2011/storyboarding/control"/>
+  </ds:schemaRefs>
+</ds:datastoreItem>
+</file>
+
+<file path=customXml/itemProps223.xml><?xml version="1.0" encoding="utf-8"?>
+<ds:datastoreItem xmlns:ds="http://schemas.openxmlformats.org/officeDocument/2006/customXml" ds:itemID="{B872BC0C-A9E3-42F9-A452-199EF7DB4AFC}">
+  <ds:schemaRefs>
+    <ds:schemaRef ds:uri="http://schemas.microsoft.com/VisualStudio/2011/storyboarding/control"/>
+  </ds:schemaRefs>
+</ds:datastoreItem>
+</file>
+
+<file path=customXml/itemProps224.xml><?xml version="1.0" encoding="utf-8"?>
+<ds:datastoreItem xmlns:ds="http://schemas.openxmlformats.org/officeDocument/2006/customXml" ds:itemID="{B417D8B6-53FD-4D5A-BFEE-3543BD43D401}">
+  <ds:schemaRefs>
+    <ds:schemaRef ds:uri="http://schemas.microsoft.com/VisualStudio/2011/storyboarding/control"/>
+  </ds:schemaRefs>
+</ds:datastoreItem>
+</file>
+
+<file path=customXml/itemProps225.xml><?xml version="1.0" encoding="utf-8"?>
+<ds:datastoreItem xmlns:ds="http://schemas.openxmlformats.org/officeDocument/2006/customXml" ds:itemID="{D1A6804F-A8B3-4D45-9935-5490C5BC29A9}">
+  <ds:schemaRefs>
+    <ds:schemaRef ds:uri="http://schemas.microsoft.com/VisualStudio/2011/storyboarding/control"/>
+  </ds:schemaRefs>
+</ds:datastoreItem>
+</file>
+
+<file path=customXml/itemProps226.xml><?xml version="1.0" encoding="utf-8"?>
+<ds:datastoreItem xmlns:ds="http://schemas.openxmlformats.org/officeDocument/2006/customXml" ds:itemID="{38558D45-A683-41A1-B7BC-CA4F1C21FEAB}">
+  <ds:schemaRefs>
+    <ds:schemaRef ds:uri="http://schemas.microsoft.com/VisualStudio/2011/storyboarding/control"/>
+  </ds:schemaRefs>
+</ds:datastoreItem>
+</file>
+
+<file path=customXml/itemProps227.xml><?xml version="1.0" encoding="utf-8"?>
+<ds:datastoreItem xmlns:ds="http://schemas.openxmlformats.org/officeDocument/2006/customXml" ds:itemID="{371B535D-C55E-43ED-A8DA-6DA77E3D45BB}">
+  <ds:schemaRefs>
+    <ds:schemaRef ds:uri="http://schemas.microsoft.com/VisualStudio/2011/storyboarding/control"/>
+  </ds:schemaRefs>
+</ds:datastoreItem>
+</file>
+
+<file path=customXml/itemProps228.xml><?xml version="1.0" encoding="utf-8"?>
+<ds:datastoreItem xmlns:ds="http://schemas.openxmlformats.org/officeDocument/2006/customXml" ds:itemID="{919EABC3-E2C5-43C3-AF76-EB64A9434D0D}">
+  <ds:schemaRefs>
+    <ds:schemaRef ds:uri="http://schemas.microsoft.com/VisualStudio/2011/storyboarding/control"/>
+  </ds:schemaRefs>
+</ds:datastoreItem>
+</file>
+
+<file path=customXml/itemProps229.xml><?xml version="1.0" encoding="utf-8"?>
+<ds:datastoreItem xmlns:ds="http://schemas.openxmlformats.org/officeDocument/2006/customXml" ds:itemID="{15B863FE-2BCC-486F-8C61-548DCAFC2D5E}">
+  <ds:schemaRefs>
+    <ds:schemaRef ds:uri="http://schemas.microsoft.com/VisualStudio/2011/storyboarding/control"/>
+  </ds:schemaRefs>
+</ds:datastoreItem>
+</file>
+
+<file path=customXml/itemProps23.xml><?xml version="1.0" encoding="utf-8"?>
+<ds:datastoreItem xmlns:ds="http://schemas.openxmlformats.org/officeDocument/2006/customXml" ds:itemID="{AF5BA9E5-B499-492D-89E2-65244D675588}">
+  <ds:schemaRefs>
+    <ds:schemaRef ds:uri="http://schemas.microsoft.com/VisualStudio/2011/storyboarding/control"/>
+  </ds:schemaRefs>
+</ds:datastoreItem>
+</file>
+
+<file path=customXml/itemProps230.xml><?xml version="1.0" encoding="utf-8"?>
+<ds:datastoreItem xmlns:ds="http://schemas.openxmlformats.org/officeDocument/2006/customXml" ds:itemID="{8B1F962B-8896-4824-ACD5-8AE30FE0A557}">
+  <ds:schemaRefs>
+    <ds:schemaRef ds:uri="http://schemas.microsoft.com/VisualStudio/2011/storyboarding/control"/>
+  </ds:schemaRefs>
+</ds:datastoreItem>
+</file>
+
+<file path=customXml/itemProps231.xml><?xml version="1.0" encoding="utf-8"?>
+<ds:datastoreItem xmlns:ds="http://schemas.openxmlformats.org/officeDocument/2006/customXml" ds:itemID="{7D5ABCD2-981C-4C26-8A80-5E7AB6B1436E}">
+  <ds:schemaRefs>
+    <ds:schemaRef ds:uri="http://schemas.microsoft.com/VisualStudio/2011/storyboarding/control"/>
+  </ds:schemaRefs>
+</ds:datastoreItem>
+</file>
+
+<file path=customXml/itemProps232.xml><?xml version="1.0" encoding="utf-8"?>
+<ds:datastoreItem xmlns:ds="http://schemas.openxmlformats.org/officeDocument/2006/customXml" ds:itemID="{1AB88A3E-DD62-4631-AF9D-3E47F5900E51}">
+  <ds:schemaRefs>
+    <ds:schemaRef ds:uri="http://schemas.microsoft.com/VisualStudio/2011/storyboarding/control"/>
+  </ds:schemaRefs>
+</ds:datastoreItem>
+</file>
+
+<file path=customXml/itemProps233.xml><?xml version="1.0" encoding="utf-8"?>
+<ds:datastoreItem xmlns:ds="http://schemas.openxmlformats.org/officeDocument/2006/customXml" ds:itemID="{C9CD690E-579D-4787-85BC-0470699F0591}">
+  <ds:schemaRefs>
+    <ds:schemaRef ds:uri="http://schemas.microsoft.com/VisualStudio/2011/storyboarding/control"/>
+  </ds:schemaRefs>
+</ds:datastoreItem>
+</file>
+
+<file path=customXml/itemProps234.xml><?xml version="1.0" encoding="utf-8"?>
+<ds:datastoreItem xmlns:ds="http://schemas.openxmlformats.org/officeDocument/2006/customXml" ds:itemID="{355F828C-8DD0-4B0C-8A65-152475EE1425}">
+  <ds:schemaRefs>
+    <ds:schemaRef ds:uri="http://schemas.microsoft.com/VisualStudio/2011/storyboarding/control"/>
+  </ds:schemaRefs>
+</ds:datastoreItem>
+</file>
+
+<file path=customXml/itemProps235.xml><?xml version="1.0" encoding="utf-8"?>
+<ds:datastoreItem xmlns:ds="http://schemas.openxmlformats.org/officeDocument/2006/customXml" ds:itemID="{875DA8D0-9C6C-44D9-B84C-C4B5FD322C1A}">
+  <ds:schemaRefs>
+    <ds:schemaRef ds:uri="http://schemas.microsoft.com/VisualStudio/2011/storyboarding/control"/>
+  </ds:schemaRefs>
+</ds:datastoreItem>
+</file>
+
+<file path=customXml/itemProps236.xml><?xml version="1.0" encoding="utf-8"?>
+<ds:datastoreItem xmlns:ds="http://schemas.openxmlformats.org/officeDocument/2006/customXml" ds:itemID="{91823E9A-3FFE-4021-8E70-46EE6BE38399}">
+  <ds:schemaRefs>
+    <ds:schemaRef ds:uri="http://schemas.microsoft.com/VisualStudio/2011/storyboarding/control"/>
+  </ds:schemaRefs>
+</ds:datastoreItem>
+</file>
+
+<file path=customXml/itemProps237.xml><?xml version="1.0" encoding="utf-8"?>
+<ds:datastoreItem xmlns:ds="http://schemas.openxmlformats.org/officeDocument/2006/customXml" ds:itemID="{3BA5FAE4-8745-4A74-B298-4B5E45FB845F}">
+  <ds:schemaRefs>
+    <ds:schemaRef ds:uri="http://schemas.microsoft.com/VisualStudio/2011/storyboarding/control"/>
+  </ds:schemaRefs>
+</ds:datastoreItem>
+</file>
+
+<file path=customXml/itemProps238.xml><?xml version="1.0" encoding="utf-8"?>
+<ds:datastoreItem xmlns:ds="http://schemas.openxmlformats.org/officeDocument/2006/customXml" ds:itemID="{ACC1D029-4DA6-4263-8BB1-54527B14416B}">
+  <ds:schemaRefs>
+    <ds:schemaRef ds:uri="http://schemas.microsoft.com/VisualStudio/2011/storyboarding/control"/>
+  </ds:schemaRefs>
+</ds:datastoreItem>
+</file>
+
+<file path=customXml/itemProps239.xml><?xml version="1.0" encoding="utf-8"?>
+<ds:datastoreItem xmlns:ds="http://schemas.openxmlformats.org/officeDocument/2006/customXml" ds:itemID="{3E8B6194-5AF1-4A7F-A860-08884876DB99}">
+  <ds:schemaRefs>
+    <ds:schemaRef ds:uri="http://schemas.microsoft.com/VisualStudio/2011/storyboarding/control"/>
+  </ds:schemaRefs>
+</ds:datastoreItem>
+</file>
+
+<file path=customXml/itemProps24.xml><?xml version="1.0" encoding="utf-8"?>
+<ds:datastoreItem xmlns:ds="http://schemas.openxmlformats.org/officeDocument/2006/customXml" ds:itemID="{295D5A01-DECE-4774-9D37-0549E549A300}">
+  <ds:schemaRefs>
+    <ds:schemaRef ds:uri="http://schemas.microsoft.com/VisualStudio/2011/storyboarding/control"/>
+  </ds:schemaRefs>
+</ds:datastoreItem>
+</file>
+
+<file path=customXml/itemProps240.xml><?xml version="1.0" encoding="utf-8"?>
+<ds:datastoreItem xmlns:ds="http://schemas.openxmlformats.org/officeDocument/2006/customXml" ds:itemID="{5AE20059-9580-4F46-949A-9E08E5F1CDE6}">
+  <ds:schemaRefs>
+    <ds:schemaRef ds:uri="http://schemas.microsoft.com/VisualStudio/2011/storyboarding/control"/>
+  </ds:schemaRefs>
+</ds:datastoreItem>
+</file>
+
+<file path=customXml/itemProps241.xml><?xml version="1.0" encoding="utf-8"?>
+<ds:datastoreItem xmlns:ds="http://schemas.openxmlformats.org/officeDocument/2006/customXml" ds:itemID="{09905B2A-7A53-4F1C-B400-60354582C731}">
+  <ds:schemaRefs>
+    <ds:schemaRef ds:uri="http://schemas.microsoft.com/VisualStudio/2011/storyboarding/control"/>
+  </ds:schemaRefs>
+</ds:datastoreItem>
+</file>
+
+<file path=customXml/itemProps242.xml><?xml version="1.0" encoding="utf-8"?>
+<ds:datastoreItem xmlns:ds="http://schemas.openxmlformats.org/officeDocument/2006/customXml" ds:itemID="{4F7D9023-B84C-4690-B99E-9FE4342EA97D}">
+  <ds:schemaRefs>
+    <ds:schemaRef ds:uri="http://schemas.microsoft.com/VisualStudio/2011/storyboarding/control"/>
+  </ds:schemaRefs>
+</ds:datastoreItem>
+</file>
+
+<file path=customXml/itemProps243.xml><?xml version="1.0" encoding="utf-8"?>
+<ds:datastoreItem xmlns:ds="http://schemas.openxmlformats.org/officeDocument/2006/customXml" ds:itemID="{314BC7E0-5CB8-41B7-80AE-6FF18C6ED044}">
+  <ds:schemaRefs>
+    <ds:schemaRef ds:uri="http://schemas.microsoft.com/VisualStudio/2011/storyboarding/control"/>
+  </ds:schemaRefs>
+</ds:datastoreItem>
+</file>
+
+<file path=customXml/itemProps244.xml><?xml version="1.0" encoding="utf-8"?>
+<ds:datastoreItem xmlns:ds="http://schemas.openxmlformats.org/officeDocument/2006/customXml" ds:itemID="{B69176FB-B87F-4E1E-9375-8D60FAF0057D}">
+  <ds:schemaRefs>
+    <ds:schemaRef ds:uri="http://schemas.microsoft.com/VisualStudio/2011/storyboarding/control"/>
+  </ds:schemaRefs>
+</ds:datastoreItem>
+</file>
+
+<file path=customXml/itemProps245.xml><?xml version="1.0" encoding="utf-8"?>
+<ds:datastoreItem xmlns:ds="http://schemas.openxmlformats.org/officeDocument/2006/customXml" ds:itemID="{A59FF763-C396-4BBD-B648-8ED995144782}">
+  <ds:schemaRefs>
+    <ds:schemaRef ds:uri="http://schemas.microsoft.com/VisualStudio/2011/storyboarding/control"/>
+  </ds:schemaRefs>
+</ds:datastoreItem>
+</file>
+
+<file path=customXml/itemProps246.xml><?xml version="1.0" encoding="utf-8"?>
+<ds:datastoreItem xmlns:ds="http://schemas.openxmlformats.org/officeDocument/2006/customXml" ds:itemID="{699876C8-5F05-460B-B233-E045E47E7AB5}">
+  <ds:schemaRefs>
+    <ds:schemaRef ds:uri="http://schemas.microsoft.com/VisualStudio/2011/storyboarding/control"/>
+  </ds:schemaRefs>
+</ds:datastoreItem>
+</file>
+
+<file path=customXml/itemProps247.xml><?xml version="1.0" encoding="utf-8"?>
+<ds:datastoreItem xmlns:ds="http://schemas.openxmlformats.org/officeDocument/2006/customXml" ds:itemID="{2445F01D-006C-453E-808F-F35BAD35D27E}">
+  <ds:schemaRefs>
+    <ds:schemaRef ds:uri="http://schemas.microsoft.com/VisualStudio/2011/storyboarding/control"/>
+  </ds:schemaRefs>
+</ds:datastoreItem>
+</file>
+
+<file path=customXml/itemProps248.xml><?xml version="1.0" encoding="utf-8"?>
+<ds:datastoreItem xmlns:ds="http://schemas.openxmlformats.org/officeDocument/2006/customXml" ds:itemID="{D04082BA-D2CD-4E56-B169-1608513122AE}">
+  <ds:schemaRefs>
+    <ds:schemaRef ds:uri="http://schemas.microsoft.com/VisualStudio/2011/storyboarding/control"/>
+  </ds:schemaRefs>
+</ds:datastoreItem>
+</file>
+
+<file path=customXml/itemProps249.xml><?xml version="1.0" encoding="utf-8"?>
+<ds:datastoreItem xmlns:ds="http://schemas.openxmlformats.org/officeDocument/2006/customXml" ds:itemID="{B14C3E0F-1B56-4E3B-A283-CA482A64EF9F}">
+  <ds:schemaRefs>
+    <ds:schemaRef ds:uri="http://schemas.microsoft.com/VisualStudio/2011/storyboarding/control"/>
+  </ds:schemaRefs>
+</ds:datastoreItem>
+</file>
+
+<file path=customXml/itemProps25.xml><?xml version="1.0" encoding="utf-8"?>
+<ds:datastoreItem xmlns:ds="http://schemas.openxmlformats.org/officeDocument/2006/customXml" ds:itemID="{8552D1C0-18CB-40C8-A2BE-33C855951852}">
+  <ds:schemaRefs>
+    <ds:schemaRef ds:uri="http://schemas.microsoft.com/VisualStudio/2011/storyboarding/control"/>
+  </ds:schemaRefs>
+</ds:datastoreItem>
+</file>
+
+<file path=customXml/itemProps250.xml><?xml version="1.0" encoding="utf-8"?>
+<ds:datastoreItem xmlns:ds="http://schemas.openxmlformats.org/officeDocument/2006/customXml" ds:itemID="{34D79507-41CE-4F82-9FD7-28ECA0111C35}">
+  <ds:schemaRefs>
+    <ds:schemaRef ds:uri="http://schemas.microsoft.com/VisualStudio/2011/storyboarding/control"/>
+  </ds:schemaRefs>
+</ds:datastoreItem>
+</file>
+
+<file path=customXml/itemProps251.xml><?xml version="1.0" encoding="utf-8"?>
+<ds:datastoreItem xmlns:ds="http://schemas.openxmlformats.org/officeDocument/2006/customXml" ds:itemID="{36777C72-DE24-4278-ACA0-CB283A6EBC74}">
+  <ds:schemaRefs>
+    <ds:schemaRef ds:uri="http://schemas.microsoft.com/VisualStudio/2011/storyboarding/control"/>
+  </ds:schemaRefs>
+</ds:datastoreItem>
+</file>
+
+<file path=customXml/itemProps252.xml><?xml version="1.0" encoding="utf-8"?>
+<ds:datastoreItem xmlns:ds="http://schemas.openxmlformats.org/officeDocument/2006/customXml" ds:itemID="{13C1407C-CF6D-4F1E-9B31-FAC446AF6317}">
+  <ds:schemaRefs>
+    <ds:schemaRef ds:uri="http://schemas.microsoft.com/VisualStudio/2011/storyboarding/control"/>
+  </ds:schemaRefs>
+</ds:datastoreItem>
+</file>
+
+<file path=customXml/itemProps253.xml><?xml version="1.0" encoding="utf-8"?>
+<ds:datastoreItem xmlns:ds="http://schemas.openxmlformats.org/officeDocument/2006/customXml" ds:itemID="{BA0988D9-08D5-4B0D-B2CA-AFA6A82BFB69}">
+  <ds:schemaRefs>
+    <ds:schemaRef ds:uri="http://schemas.microsoft.com/VisualStudio/2011/storyboarding/control"/>
+  </ds:schemaRefs>
+</ds:datastoreItem>
+</file>
+
+<file path=customXml/itemProps254.xml><?xml version="1.0" encoding="utf-8"?>
+<ds:datastoreItem xmlns:ds="http://schemas.openxmlformats.org/officeDocument/2006/customXml" ds:itemID="{8E2F46EC-BCDA-4589-B106-2EE9F450A758}">
+  <ds:schemaRefs>
+    <ds:schemaRef ds:uri="http://schemas.microsoft.com/VisualStudio/2011/storyboarding/control"/>
+  </ds:schemaRefs>
+</ds:datastoreItem>
+</file>
+
+<file path=customXml/itemProps255.xml><?xml version="1.0" encoding="utf-8"?>
 <ds:datastoreItem xmlns:ds="http://schemas.openxmlformats.org/officeDocument/2006/customXml" ds:itemID="{A90F7C4B-60EA-4955-8003-309220366A18}">
   <ds:schemaRefs>
     <ds:schemaRef ds:uri="http://schemas.microsoft.com/VisualStudio/2011/storyboarding/control"/>
@@ -31495,7 +32871,655 @@
 </ds:datastoreItem>
 </file>
 
-<file path=customXml/itemProps100.xml><?xml version="1.0" encoding="utf-8"?>
+<file path=customXml/itemProps256.xml><?xml version="1.0" encoding="utf-8"?>
+<ds:datastoreItem xmlns:ds="http://schemas.openxmlformats.org/officeDocument/2006/customXml" ds:itemID="{26190532-7283-4B3A-A4F0-D4225A0BC43D}">
+  <ds:schemaRefs>
+    <ds:schemaRef ds:uri="http://schemas.microsoft.com/VisualStudio/2011/storyboarding/control"/>
+  </ds:schemaRefs>
+</ds:datastoreItem>
+</file>
+
+<file path=customXml/itemProps257.xml><?xml version="1.0" encoding="utf-8"?>
+<ds:datastoreItem xmlns:ds="http://schemas.openxmlformats.org/officeDocument/2006/customXml" ds:itemID="{7E6575B5-210E-4C5C-962C-D0D28D81591D}">
+  <ds:schemaRefs>
+    <ds:schemaRef ds:uri="http://schemas.microsoft.com/VisualStudio/2011/storyboarding/control"/>
+  </ds:schemaRefs>
+</ds:datastoreItem>
+</file>
+
+<file path=customXml/itemProps258.xml><?xml version="1.0" encoding="utf-8"?>
+<ds:datastoreItem xmlns:ds="http://schemas.openxmlformats.org/officeDocument/2006/customXml" ds:itemID="{1787789D-0EBA-4FE8-865A-15C7CED9FBEB}">
+  <ds:schemaRefs>
+    <ds:schemaRef ds:uri="http://schemas.microsoft.com/VisualStudio/2011/storyboarding/control"/>
+  </ds:schemaRefs>
+</ds:datastoreItem>
+</file>
+
+<file path=customXml/itemProps259.xml><?xml version="1.0" encoding="utf-8"?>
+<ds:datastoreItem xmlns:ds="http://schemas.openxmlformats.org/officeDocument/2006/customXml" ds:itemID="{3460344E-D266-403C-A85A-FBB6CE579F2C}">
+  <ds:schemaRefs>
+    <ds:schemaRef ds:uri="http://schemas.microsoft.com/VisualStudio/2011/storyboarding/control"/>
+  </ds:schemaRefs>
+</ds:datastoreItem>
+</file>
+
+<file path=customXml/itemProps26.xml><?xml version="1.0" encoding="utf-8"?>
+<ds:datastoreItem xmlns:ds="http://schemas.openxmlformats.org/officeDocument/2006/customXml" ds:itemID="{8CC35C90-6712-4C30-9C05-AE6A4B916E8A}">
+  <ds:schemaRefs>
+    <ds:schemaRef ds:uri="http://schemas.microsoft.com/VisualStudio/2011/storyboarding/control"/>
+  </ds:schemaRefs>
+</ds:datastoreItem>
+</file>
+
+<file path=customXml/itemProps260.xml><?xml version="1.0" encoding="utf-8"?>
+<ds:datastoreItem xmlns:ds="http://schemas.openxmlformats.org/officeDocument/2006/customXml" ds:itemID="{E7073ACC-ED47-46EB-93A2-943D352CC737}">
+  <ds:schemaRefs>
+    <ds:schemaRef ds:uri="http://schemas.microsoft.com/VisualStudio/2011/storyboarding/control"/>
+  </ds:schemaRefs>
+</ds:datastoreItem>
+</file>
+
+<file path=customXml/itemProps261.xml><?xml version="1.0" encoding="utf-8"?>
+<ds:datastoreItem xmlns:ds="http://schemas.openxmlformats.org/officeDocument/2006/customXml" ds:itemID="{E1C1B0C3-0D59-41BC-95F4-F0A42ABC6316}">
+  <ds:schemaRefs>
+    <ds:schemaRef ds:uri="http://schemas.microsoft.com/VisualStudio/2011/storyboarding/control"/>
+  </ds:schemaRefs>
+</ds:datastoreItem>
+</file>
+
+<file path=customXml/itemProps262.xml><?xml version="1.0" encoding="utf-8"?>
+<ds:datastoreItem xmlns:ds="http://schemas.openxmlformats.org/officeDocument/2006/customXml" ds:itemID="{6CB09887-0C9C-4234-93F2-AD27E1F72E24}">
+  <ds:schemaRefs>
+    <ds:schemaRef ds:uri="http://schemas.microsoft.com/VisualStudio/2011/storyboarding/control"/>
+  </ds:schemaRefs>
+</ds:datastoreItem>
+</file>
+
+<file path=customXml/itemProps263.xml><?xml version="1.0" encoding="utf-8"?>
+<ds:datastoreItem xmlns:ds="http://schemas.openxmlformats.org/officeDocument/2006/customXml" ds:itemID="{1BCAB8A9-1888-4E42-91F5-BD650F529D02}">
+  <ds:schemaRefs>
+    <ds:schemaRef ds:uri="http://schemas.microsoft.com/VisualStudio/2011/storyboarding/control"/>
+  </ds:schemaRefs>
+</ds:datastoreItem>
+</file>
+
+<file path=customXml/itemProps264.xml><?xml version="1.0" encoding="utf-8"?>
+<ds:datastoreItem xmlns:ds="http://schemas.openxmlformats.org/officeDocument/2006/customXml" ds:itemID="{63EA8E9F-9742-4D18-8B78-7EEA5B5F56E6}">
+  <ds:schemaRefs>
+    <ds:schemaRef ds:uri="http://schemas.microsoft.com/VisualStudio/2011/storyboarding/control"/>
+  </ds:schemaRefs>
+</ds:datastoreItem>
+</file>
+
+<file path=customXml/itemProps265.xml><?xml version="1.0" encoding="utf-8"?>
+<ds:datastoreItem xmlns:ds="http://schemas.openxmlformats.org/officeDocument/2006/customXml" ds:itemID="{42202DCE-A05C-4F65-B84A-0A0834D65E33}">
+  <ds:schemaRefs>
+    <ds:schemaRef ds:uri="http://schemas.microsoft.com/VisualStudio/2011/storyboarding/control"/>
+  </ds:schemaRefs>
+</ds:datastoreItem>
+</file>
+
+<file path=customXml/itemProps266.xml><?xml version="1.0" encoding="utf-8"?>
+<ds:datastoreItem xmlns:ds="http://schemas.openxmlformats.org/officeDocument/2006/customXml" ds:itemID="{3A1CF677-7ED7-42FC-8B92-EB1BA9F20F04}">
+  <ds:schemaRefs>
+    <ds:schemaRef ds:uri="http://schemas.microsoft.com/VisualStudio/2011/storyboarding/control"/>
+  </ds:schemaRefs>
+</ds:datastoreItem>
+</file>
+
+<file path=customXml/itemProps267.xml><?xml version="1.0" encoding="utf-8"?>
+<ds:datastoreItem xmlns:ds="http://schemas.openxmlformats.org/officeDocument/2006/customXml" ds:itemID="{E9A7CC6E-A6F1-4DC6-9BA4-9DFB0519E177}">
+  <ds:schemaRefs>
+    <ds:schemaRef ds:uri="http://schemas.microsoft.com/VisualStudio/2011/storyboarding/control"/>
+  </ds:schemaRefs>
+</ds:datastoreItem>
+</file>
+
+<file path=customXml/itemProps268.xml><?xml version="1.0" encoding="utf-8"?>
+<ds:datastoreItem xmlns:ds="http://schemas.openxmlformats.org/officeDocument/2006/customXml" ds:itemID="{2C4CCA8C-E1E3-4D28-B52B-FB81537ACD62}">
+  <ds:schemaRefs>
+    <ds:schemaRef ds:uri="http://schemas.microsoft.com/VisualStudio/2011/storyboarding/control"/>
+  </ds:schemaRefs>
+</ds:datastoreItem>
+</file>
+
+<file path=customXml/itemProps269.xml><?xml version="1.0" encoding="utf-8"?>
+<ds:datastoreItem xmlns:ds="http://schemas.openxmlformats.org/officeDocument/2006/customXml" ds:itemID="{4EA2190A-611C-49BA-ADD4-5855AD00D63D}">
+  <ds:schemaRefs>
+    <ds:schemaRef ds:uri="http://schemas.microsoft.com/VisualStudio/2011/storyboarding/control"/>
+  </ds:schemaRefs>
+</ds:datastoreItem>
+</file>
+
+<file path=customXml/itemProps27.xml><?xml version="1.0" encoding="utf-8"?>
+<ds:datastoreItem xmlns:ds="http://schemas.openxmlformats.org/officeDocument/2006/customXml" ds:itemID="{63E4AE41-0D9C-41C0-9A8F-3DFAA3E48D7D}">
+  <ds:schemaRefs>
+    <ds:schemaRef ds:uri="http://schemas.microsoft.com/VisualStudio/2011/storyboarding/control"/>
+  </ds:schemaRefs>
+</ds:datastoreItem>
+</file>
+
+<file path=customXml/itemProps270.xml><?xml version="1.0" encoding="utf-8"?>
+<ds:datastoreItem xmlns:ds="http://schemas.openxmlformats.org/officeDocument/2006/customXml" ds:itemID="{E24D2A77-108A-4A6C-B757-97D779AC67C4}">
+  <ds:schemaRefs>
+    <ds:schemaRef ds:uri="http://schemas.microsoft.com/VisualStudio/2011/storyboarding/control"/>
+  </ds:schemaRefs>
+</ds:datastoreItem>
+</file>
+
+<file path=customXml/itemProps271.xml><?xml version="1.0" encoding="utf-8"?>
+<ds:datastoreItem xmlns:ds="http://schemas.openxmlformats.org/officeDocument/2006/customXml" ds:itemID="{E07107BE-9891-4224-9D87-6B285D2EA6D2}">
+  <ds:schemaRefs>
+    <ds:schemaRef ds:uri="http://schemas.microsoft.com/VisualStudio/2011/storyboarding/control"/>
+  </ds:schemaRefs>
+</ds:datastoreItem>
+</file>
+
+<file path=customXml/itemProps272.xml><?xml version="1.0" encoding="utf-8"?>
+<ds:datastoreItem xmlns:ds="http://schemas.openxmlformats.org/officeDocument/2006/customXml" ds:itemID="{48917C74-9AB4-479C-9313-A0088632D5F9}">
+  <ds:schemaRefs>
+    <ds:schemaRef ds:uri="http://schemas.microsoft.com/VisualStudio/2011/storyboarding/control"/>
+  </ds:schemaRefs>
+</ds:datastoreItem>
+</file>
+
+<file path=customXml/itemProps273.xml><?xml version="1.0" encoding="utf-8"?>
+<ds:datastoreItem xmlns:ds="http://schemas.openxmlformats.org/officeDocument/2006/customXml" ds:itemID="{2F4FCC51-0CE4-4CD4-814B-F7F5CC6D4A8E}">
+  <ds:schemaRefs>
+    <ds:schemaRef ds:uri="http://schemas.microsoft.com/VisualStudio/2011/storyboarding/control"/>
+  </ds:schemaRefs>
+</ds:datastoreItem>
+</file>
+
+<file path=customXml/itemProps274.xml><?xml version="1.0" encoding="utf-8"?>
+<ds:datastoreItem xmlns:ds="http://schemas.openxmlformats.org/officeDocument/2006/customXml" ds:itemID="{912FA594-3D32-4D6E-B053-08CA534D4269}">
+  <ds:schemaRefs>
+    <ds:schemaRef ds:uri="http://schemas.microsoft.com/VisualStudio/2011/storyboarding/control"/>
+  </ds:schemaRefs>
+</ds:datastoreItem>
+</file>
+
+<file path=customXml/itemProps275.xml><?xml version="1.0" encoding="utf-8"?>
+<ds:datastoreItem xmlns:ds="http://schemas.openxmlformats.org/officeDocument/2006/customXml" ds:itemID="{20BEF8C9-6FB7-432D-9ED8-8FC9856F2A48}">
+  <ds:schemaRefs>
+    <ds:schemaRef ds:uri="http://schemas.microsoft.com/VisualStudio/2011/storyboarding/control"/>
+  </ds:schemaRefs>
+</ds:datastoreItem>
+</file>
+
+<file path=customXml/itemProps276.xml><?xml version="1.0" encoding="utf-8"?>
+<ds:datastoreItem xmlns:ds="http://schemas.openxmlformats.org/officeDocument/2006/customXml" ds:itemID="{E628D704-53B1-402A-B3C4-24BC08ADD505}">
+  <ds:schemaRefs>
+    <ds:schemaRef ds:uri="http://schemas.microsoft.com/VisualStudio/2011/storyboarding/control"/>
+  </ds:schemaRefs>
+</ds:datastoreItem>
+</file>
+
+<file path=customXml/itemProps277.xml><?xml version="1.0" encoding="utf-8"?>
+<ds:datastoreItem xmlns:ds="http://schemas.openxmlformats.org/officeDocument/2006/customXml" ds:itemID="{77FAC5F0-DC78-4546-BD9F-1E67402040BC}">
+  <ds:schemaRefs>
+    <ds:schemaRef ds:uri="http://schemas.microsoft.com/VisualStudio/2011/storyboarding/control"/>
+  </ds:schemaRefs>
+</ds:datastoreItem>
+</file>
+
+<file path=customXml/itemProps278.xml><?xml version="1.0" encoding="utf-8"?>
+<ds:datastoreItem xmlns:ds="http://schemas.openxmlformats.org/officeDocument/2006/customXml" ds:itemID="{43357BA7-E8FE-4D54-AC80-E8E59429C281}">
+  <ds:schemaRefs>
+    <ds:schemaRef ds:uri="http://schemas.microsoft.com/VisualStudio/2011/storyboarding/control"/>
+  </ds:schemaRefs>
+</ds:datastoreItem>
+</file>
+
+<file path=customXml/itemProps279.xml><?xml version="1.0" encoding="utf-8"?>
+<ds:datastoreItem xmlns:ds="http://schemas.openxmlformats.org/officeDocument/2006/customXml" ds:itemID="{9D353B51-3777-4A91-BFB0-B57D83655158}">
+  <ds:schemaRefs>
+    <ds:schemaRef ds:uri="http://schemas.microsoft.com/VisualStudio/2011/storyboarding/control"/>
+  </ds:schemaRefs>
+</ds:datastoreItem>
+</file>
+
+<file path=customXml/itemProps28.xml><?xml version="1.0" encoding="utf-8"?>
+<ds:datastoreItem xmlns:ds="http://schemas.openxmlformats.org/officeDocument/2006/customXml" ds:itemID="{28D2D0D7-C598-41C7-9CF5-F1DEDB3DDE59}">
+  <ds:schemaRefs>
+    <ds:schemaRef ds:uri="http://schemas.microsoft.com/VisualStudio/2011/storyboarding/control"/>
+  </ds:schemaRefs>
+</ds:datastoreItem>
+</file>
+
+<file path=customXml/itemProps280.xml><?xml version="1.0" encoding="utf-8"?>
+<ds:datastoreItem xmlns:ds="http://schemas.openxmlformats.org/officeDocument/2006/customXml" ds:itemID="{29679B89-9CBC-4928-A22A-244AE0237BB0}">
+  <ds:schemaRefs>
+    <ds:schemaRef ds:uri="http://schemas.microsoft.com/VisualStudio/2011/storyboarding/control"/>
+  </ds:schemaRefs>
+</ds:datastoreItem>
+</file>
+
+<file path=customXml/itemProps281.xml><?xml version="1.0" encoding="utf-8"?>
+<ds:datastoreItem xmlns:ds="http://schemas.openxmlformats.org/officeDocument/2006/customXml" ds:itemID="{C69813E6-399E-4343-9AE6-3037FDA52C95}">
+  <ds:schemaRefs>
+    <ds:schemaRef ds:uri="http://schemas.microsoft.com/VisualStudio/2011/storyboarding/control"/>
+  </ds:schemaRefs>
+</ds:datastoreItem>
+</file>
+
+<file path=customXml/itemProps282.xml><?xml version="1.0" encoding="utf-8"?>
+<ds:datastoreItem xmlns:ds="http://schemas.openxmlformats.org/officeDocument/2006/customXml" ds:itemID="{892CF6B9-7AB2-4DCF-86FB-B50BB8D91DDB}">
+  <ds:schemaRefs>
+    <ds:schemaRef ds:uri="http://schemas.microsoft.com/VisualStudio/2011/storyboarding/control"/>
+  </ds:schemaRefs>
+</ds:datastoreItem>
+</file>
+
+<file path=customXml/itemProps283.xml><?xml version="1.0" encoding="utf-8"?>
+<ds:datastoreItem xmlns:ds="http://schemas.openxmlformats.org/officeDocument/2006/customXml" ds:itemID="{D0D892FC-96D9-4F80-841A-D732044A2BF9}">
+  <ds:schemaRefs>
+    <ds:schemaRef ds:uri="http://schemas.microsoft.com/VisualStudio/2011/storyboarding/control"/>
+  </ds:schemaRefs>
+</ds:datastoreItem>
+</file>
+
+<file path=customXml/itemProps284.xml><?xml version="1.0" encoding="utf-8"?>
+<ds:datastoreItem xmlns:ds="http://schemas.openxmlformats.org/officeDocument/2006/customXml" ds:itemID="{A7E0288A-F414-4399-BA64-5823EDCF5A90}">
+  <ds:schemaRefs>
+    <ds:schemaRef ds:uri="http://schemas.microsoft.com/VisualStudio/2011/storyboarding/control"/>
+  </ds:schemaRefs>
+</ds:datastoreItem>
+</file>
+
+<file path=customXml/itemProps285.xml><?xml version="1.0" encoding="utf-8"?>
+<ds:datastoreItem xmlns:ds="http://schemas.openxmlformats.org/officeDocument/2006/customXml" ds:itemID="{5F6A41BF-2E92-4F14-BAD8-36D53D1258B9}">
+  <ds:schemaRefs>
+    <ds:schemaRef ds:uri="http://schemas.microsoft.com/VisualStudio/2011/storyboarding/control"/>
+  </ds:schemaRefs>
+</ds:datastoreItem>
+</file>
+
+<file path=customXml/itemProps286.xml><?xml version="1.0" encoding="utf-8"?>
+<ds:datastoreItem xmlns:ds="http://schemas.openxmlformats.org/officeDocument/2006/customXml" ds:itemID="{A72FA915-E35F-4234-A403-255F8B6BF53C}">
+  <ds:schemaRefs>
+    <ds:schemaRef ds:uri="http://schemas.microsoft.com/VisualStudio/2011/storyboarding/control"/>
+  </ds:schemaRefs>
+</ds:datastoreItem>
+</file>
+
+<file path=customXml/itemProps287.xml><?xml version="1.0" encoding="utf-8"?>
+<ds:datastoreItem xmlns:ds="http://schemas.openxmlformats.org/officeDocument/2006/customXml" ds:itemID="{D8621473-F62D-41B5-8568-3144F1C1A6F0}">
+  <ds:schemaRefs>
+    <ds:schemaRef ds:uri="http://schemas.microsoft.com/VisualStudio/2011/storyboarding/control"/>
+  </ds:schemaRefs>
+</ds:datastoreItem>
+</file>
+
+<file path=customXml/itemProps288.xml><?xml version="1.0" encoding="utf-8"?>
+<ds:datastoreItem xmlns:ds="http://schemas.openxmlformats.org/officeDocument/2006/customXml" ds:itemID="{F284721C-0256-43ED-B521-30AC7262120A}">
+  <ds:schemaRefs>
+    <ds:schemaRef ds:uri="http://schemas.microsoft.com/VisualStudio/2011/storyboarding/control"/>
+  </ds:schemaRefs>
+</ds:datastoreItem>
+</file>
+
+<file path=customXml/itemProps289.xml><?xml version="1.0" encoding="utf-8"?>
+<ds:datastoreItem xmlns:ds="http://schemas.openxmlformats.org/officeDocument/2006/customXml" ds:itemID="{DAF7154D-49A1-422C-9139-455DB6824320}">
+  <ds:schemaRefs>
+    <ds:schemaRef ds:uri="http://schemas.microsoft.com/VisualStudio/2011/storyboarding/control"/>
+  </ds:schemaRefs>
+</ds:datastoreItem>
+</file>
+
+<file path=customXml/itemProps29.xml><?xml version="1.0" encoding="utf-8"?>
+<ds:datastoreItem xmlns:ds="http://schemas.openxmlformats.org/officeDocument/2006/customXml" ds:itemID="{EFBF956A-2CE5-4DA3-912C-60FF52F86D4A}">
+  <ds:schemaRefs>
+    <ds:schemaRef ds:uri="http://schemas.microsoft.com/VisualStudio/2011/storyboarding/control"/>
+  </ds:schemaRefs>
+</ds:datastoreItem>
+</file>
+
+<file path=customXml/itemProps290.xml><?xml version="1.0" encoding="utf-8"?>
+<ds:datastoreItem xmlns:ds="http://schemas.openxmlformats.org/officeDocument/2006/customXml" ds:itemID="{2E8AD9A9-60C6-455B-B9D1-03A11462F16E}">
+  <ds:schemaRefs>
+    <ds:schemaRef ds:uri="http://schemas.microsoft.com/VisualStudio/2011/storyboarding/control"/>
+  </ds:schemaRefs>
+</ds:datastoreItem>
+</file>
+
+<file path=customXml/itemProps291.xml><?xml version="1.0" encoding="utf-8"?>
+<ds:datastoreItem xmlns:ds="http://schemas.openxmlformats.org/officeDocument/2006/customXml" ds:itemID="{341B9A64-4A8F-4D0A-86B1-A62586318DED}">
+  <ds:schemaRefs>
+    <ds:schemaRef ds:uri="http://schemas.microsoft.com/VisualStudio/2011/storyboarding/control"/>
+  </ds:schemaRefs>
+</ds:datastoreItem>
+</file>
+
+<file path=customXml/itemProps292.xml><?xml version="1.0" encoding="utf-8"?>
+<ds:datastoreItem xmlns:ds="http://schemas.openxmlformats.org/officeDocument/2006/customXml" ds:itemID="{6D29AD73-E6E7-41AD-BD08-29640567C1E3}">
+  <ds:schemaRefs>
+    <ds:schemaRef ds:uri="http://schemas.microsoft.com/VisualStudio/2011/storyboarding/control"/>
+  </ds:schemaRefs>
+</ds:datastoreItem>
+</file>
+
+<file path=customXml/itemProps293.xml><?xml version="1.0" encoding="utf-8"?>
+<ds:datastoreItem xmlns:ds="http://schemas.openxmlformats.org/officeDocument/2006/customXml" ds:itemID="{37D9AFB0-4C16-4052-88E4-5FBE90606F71}">
+  <ds:schemaRefs>
+    <ds:schemaRef ds:uri="http://schemas.microsoft.com/VisualStudio/2011/storyboarding/control"/>
+  </ds:schemaRefs>
+</ds:datastoreItem>
+</file>
+
+<file path=customXml/itemProps294.xml><?xml version="1.0" encoding="utf-8"?>
+<ds:datastoreItem xmlns:ds="http://schemas.openxmlformats.org/officeDocument/2006/customXml" ds:itemID="{4274C42F-63E9-49F9-B959-AD75845B8D07}">
+  <ds:schemaRefs>
+    <ds:schemaRef ds:uri="http://schemas.microsoft.com/VisualStudio/2011/storyboarding/control"/>
+  </ds:schemaRefs>
+</ds:datastoreItem>
+</file>
+
+<file path=customXml/itemProps295.xml><?xml version="1.0" encoding="utf-8"?>
+<ds:datastoreItem xmlns:ds="http://schemas.openxmlformats.org/officeDocument/2006/customXml" ds:itemID="{C3BA9EF5-CEA3-4AE3-A3AB-B49C7AEF551E}">
+  <ds:schemaRefs>
+    <ds:schemaRef ds:uri="http://schemas.microsoft.com/VisualStudio/2011/storyboarding/control"/>
+  </ds:schemaRefs>
+</ds:datastoreItem>
+</file>
+
+<file path=customXml/itemProps296.xml><?xml version="1.0" encoding="utf-8"?>
+<ds:datastoreItem xmlns:ds="http://schemas.openxmlformats.org/officeDocument/2006/customXml" ds:itemID="{D2E8B1D1-F821-429C-8E9A-54E372204244}">
+  <ds:schemaRefs>
+    <ds:schemaRef ds:uri="http://schemas.microsoft.com/VisualStudio/2011/storyboarding/control"/>
+  </ds:schemaRefs>
+</ds:datastoreItem>
+</file>
+
+<file path=customXml/itemProps297.xml><?xml version="1.0" encoding="utf-8"?>
+<ds:datastoreItem xmlns:ds="http://schemas.openxmlformats.org/officeDocument/2006/customXml" ds:itemID="{64E59FFC-D8D8-4E52-B11B-0543A90F6B8E}">
+  <ds:schemaRefs>
+    <ds:schemaRef ds:uri="http://schemas.microsoft.com/VisualStudio/2011/storyboarding/control"/>
+  </ds:schemaRefs>
+</ds:datastoreItem>
+</file>
+
+<file path=customXml/itemProps298.xml><?xml version="1.0" encoding="utf-8"?>
+<ds:datastoreItem xmlns:ds="http://schemas.openxmlformats.org/officeDocument/2006/customXml" ds:itemID="{CFD780DE-34AD-4E8E-9D17-223D69561496}">
+  <ds:schemaRefs>
+    <ds:schemaRef ds:uri="http://schemas.microsoft.com/VisualStudio/2011/storyboarding/control"/>
+  </ds:schemaRefs>
+</ds:datastoreItem>
+</file>
+
+<file path=customXml/itemProps299.xml><?xml version="1.0" encoding="utf-8"?>
+<ds:datastoreItem xmlns:ds="http://schemas.openxmlformats.org/officeDocument/2006/customXml" ds:itemID="{64BDFC0B-F42D-462F-86AB-8FF809D476BF}">
+  <ds:schemaRefs>
+    <ds:schemaRef ds:uri="http://schemas.microsoft.com/VisualStudio/2011/storyboarding/control"/>
+  </ds:schemaRefs>
+</ds:datastoreItem>
+</file>
+
+<file path=customXml/itemProps3.xml><?xml version="1.0" encoding="utf-8"?>
+<ds:datastoreItem xmlns:ds="http://schemas.openxmlformats.org/officeDocument/2006/customXml" ds:itemID="{72F00B18-A9ED-4669-AEA6-2BD6814E32F4}">
+  <ds:schemaRefs>
+    <ds:schemaRef ds:uri="http://schemas.microsoft.com/VisualStudio/2011/storyboarding/control"/>
+  </ds:schemaRefs>
+</ds:datastoreItem>
+</file>
+
+<file path=customXml/itemProps30.xml><?xml version="1.0" encoding="utf-8"?>
+<ds:datastoreItem xmlns:ds="http://schemas.openxmlformats.org/officeDocument/2006/customXml" ds:itemID="{29F8B5B8-E187-4506-A53E-4D04D2CD28B4}">
+  <ds:schemaRefs>
+    <ds:schemaRef ds:uri="http://schemas.microsoft.com/VisualStudio/2011/storyboarding/control"/>
+  </ds:schemaRefs>
+</ds:datastoreItem>
+</file>
+
+<file path=customXml/itemProps300.xml><?xml version="1.0" encoding="utf-8"?>
+<ds:datastoreItem xmlns:ds="http://schemas.openxmlformats.org/officeDocument/2006/customXml" ds:itemID="{D19C77BF-37A4-49C8-9F43-13E14FC0A177}">
+  <ds:schemaRefs>
+    <ds:schemaRef ds:uri="http://schemas.microsoft.com/VisualStudio/2011/storyboarding/control"/>
+  </ds:schemaRefs>
+</ds:datastoreItem>
+</file>
+
+<file path=customXml/itemProps301.xml><?xml version="1.0" encoding="utf-8"?>
+<ds:datastoreItem xmlns:ds="http://schemas.openxmlformats.org/officeDocument/2006/customXml" ds:itemID="{4C2DD3A5-565B-4655-839B-3D7E5DA58911}">
+  <ds:schemaRefs>
+    <ds:schemaRef ds:uri="http://schemas.microsoft.com/VisualStudio/2011/storyboarding/control"/>
+  </ds:schemaRefs>
+</ds:datastoreItem>
+</file>
+
+<file path=customXml/itemProps302.xml><?xml version="1.0" encoding="utf-8"?>
+<ds:datastoreItem xmlns:ds="http://schemas.openxmlformats.org/officeDocument/2006/customXml" ds:itemID="{5C08525B-AE6F-48B6-B287-2C8026CEED11}">
+  <ds:schemaRefs>
+    <ds:schemaRef ds:uri="http://schemas.microsoft.com/VisualStudio/2011/storyboarding/control"/>
+  </ds:schemaRefs>
+</ds:datastoreItem>
+</file>
+
+<file path=customXml/itemProps303.xml><?xml version="1.0" encoding="utf-8"?>
+<ds:datastoreItem xmlns:ds="http://schemas.openxmlformats.org/officeDocument/2006/customXml" ds:itemID="{759BEA28-9DBD-46F5-95FA-10FCEE44F4E0}">
+  <ds:schemaRefs>
+    <ds:schemaRef ds:uri="http://schemas.microsoft.com/VisualStudio/2011/storyboarding/control"/>
+  </ds:schemaRefs>
+</ds:datastoreItem>
+</file>
+
+<file path=customXml/itemProps304.xml><?xml version="1.0" encoding="utf-8"?>
+<ds:datastoreItem xmlns:ds="http://schemas.openxmlformats.org/officeDocument/2006/customXml" ds:itemID="{4A407FA7-B6B3-44CE-805A-4777E985CE86}">
+  <ds:schemaRefs>
+    <ds:schemaRef ds:uri="http://schemas.microsoft.com/VisualStudio/2011/storyboarding/control"/>
+  </ds:schemaRefs>
+</ds:datastoreItem>
+</file>
+
+<file path=customXml/itemProps305.xml><?xml version="1.0" encoding="utf-8"?>
+<ds:datastoreItem xmlns:ds="http://schemas.openxmlformats.org/officeDocument/2006/customXml" ds:itemID="{E0D4D259-B672-4B08-B2B0-A0D8ACD5B803}">
+  <ds:schemaRefs>
+    <ds:schemaRef ds:uri="http://schemas.microsoft.com/VisualStudio/2011/storyboarding/control"/>
+  </ds:schemaRefs>
+</ds:datastoreItem>
+</file>
+
+<file path=customXml/itemProps306.xml><?xml version="1.0" encoding="utf-8"?>
+<ds:datastoreItem xmlns:ds="http://schemas.openxmlformats.org/officeDocument/2006/customXml" ds:itemID="{74E1FA7F-A4B5-484B-929E-6F02BB83131C}">
+  <ds:schemaRefs>
+    <ds:schemaRef ds:uri="http://schemas.microsoft.com/VisualStudio/2011/storyboarding/control"/>
+  </ds:schemaRefs>
+</ds:datastoreItem>
+</file>
+
+<file path=customXml/itemProps307.xml><?xml version="1.0" encoding="utf-8"?>
+<ds:datastoreItem xmlns:ds="http://schemas.openxmlformats.org/officeDocument/2006/customXml" ds:itemID="{460C87DB-603E-4234-8A20-83C330437EDB}">
+  <ds:schemaRefs>
+    <ds:schemaRef ds:uri="http://schemas.microsoft.com/VisualStudio/2011/storyboarding/control"/>
+  </ds:schemaRefs>
+</ds:datastoreItem>
+</file>
+
+<file path=customXml/itemProps308.xml><?xml version="1.0" encoding="utf-8"?>
+<ds:datastoreItem xmlns:ds="http://schemas.openxmlformats.org/officeDocument/2006/customXml" ds:itemID="{1AC0D00C-EC22-4539-8C6F-733758572347}">
+  <ds:schemaRefs>
+    <ds:schemaRef ds:uri="http://schemas.microsoft.com/VisualStudio/2011/storyboarding/control"/>
+  </ds:schemaRefs>
+</ds:datastoreItem>
+</file>
+
+<file path=customXml/itemProps309.xml><?xml version="1.0" encoding="utf-8"?>
+<ds:datastoreItem xmlns:ds="http://schemas.openxmlformats.org/officeDocument/2006/customXml" ds:itemID="{2D538CFD-9B6E-425A-A27D-2823E2686DCA}">
+  <ds:schemaRefs>
+    <ds:schemaRef ds:uri="http://schemas.microsoft.com/VisualStudio/2011/storyboarding/control"/>
+  </ds:schemaRefs>
+</ds:datastoreItem>
+</file>
+
+<file path=customXml/itemProps31.xml><?xml version="1.0" encoding="utf-8"?>
+<ds:datastoreItem xmlns:ds="http://schemas.openxmlformats.org/officeDocument/2006/customXml" ds:itemID="{2BF8739F-5683-4161-86E5-5594FF1A2D59}">
+  <ds:schemaRefs>
+    <ds:schemaRef ds:uri="http://schemas.microsoft.com/VisualStudio/2011/storyboarding/control"/>
+  </ds:schemaRefs>
+</ds:datastoreItem>
+</file>
+
+<file path=customXml/itemProps310.xml><?xml version="1.0" encoding="utf-8"?>
+<ds:datastoreItem xmlns:ds="http://schemas.openxmlformats.org/officeDocument/2006/customXml" ds:itemID="{73CFC637-E0A4-430F-AF1C-69D891B1F8FC}">
+  <ds:schemaRefs>
+    <ds:schemaRef ds:uri="http://schemas.microsoft.com/VisualStudio/2011/storyboarding/control"/>
+  </ds:schemaRefs>
+</ds:datastoreItem>
+</file>
+
+<file path=customXml/itemProps311.xml><?xml version="1.0" encoding="utf-8"?>
+<ds:datastoreItem xmlns:ds="http://schemas.openxmlformats.org/officeDocument/2006/customXml" ds:itemID="{7237F07E-A930-4D5B-AB6B-A69936D64469}">
+  <ds:schemaRefs>
+    <ds:schemaRef ds:uri="http://schemas.microsoft.com/VisualStudio/2011/storyboarding/control"/>
+  </ds:schemaRefs>
+</ds:datastoreItem>
+</file>
+
+<file path=customXml/itemProps312.xml><?xml version="1.0" encoding="utf-8"?>
+<ds:datastoreItem xmlns:ds="http://schemas.openxmlformats.org/officeDocument/2006/customXml" ds:itemID="{76BBF26E-3DED-4C7C-8F9D-FEEFB1BBA3B1}">
+  <ds:schemaRefs>
+    <ds:schemaRef ds:uri="http://schemas.microsoft.com/VisualStudio/2011/storyboarding/control"/>
+  </ds:schemaRefs>
+</ds:datastoreItem>
+</file>
+
+<file path=customXml/itemProps313.xml><?xml version="1.0" encoding="utf-8"?>
+<ds:datastoreItem xmlns:ds="http://schemas.openxmlformats.org/officeDocument/2006/customXml" ds:itemID="{59523541-65F5-4428-9F7B-EAA3ACAEA288}">
+  <ds:schemaRefs>
+    <ds:schemaRef ds:uri="http://schemas.microsoft.com/VisualStudio/2011/storyboarding/control"/>
+  </ds:schemaRefs>
+</ds:datastoreItem>
+</file>
+
+<file path=customXml/itemProps314.xml><?xml version="1.0" encoding="utf-8"?>
+<ds:datastoreItem xmlns:ds="http://schemas.openxmlformats.org/officeDocument/2006/customXml" ds:itemID="{A6D095BC-789E-4CE8-AA99-696AAAA6E3A4}">
+  <ds:schemaRefs>
+    <ds:schemaRef ds:uri="http://schemas.microsoft.com/VisualStudio/2011/storyboarding/control"/>
+  </ds:schemaRefs>
+</ds:datastoreItem>
+</file>
+
+<file path=customXml/itemProps315.xml><?xml version="1.0" encoding="utf-8"?>
+<ds:datastoreItem xmlns:ds="http://schemas.openxmlformats.org/officeDocument/2006/customXml" ds:itemID="{2BAAA2D6-7765-4C4F-BDEB-43D40C441E62}">
+  <ds:schemaRefs>
+    <ds:schemaRef ds:uri="http://schemas.microsoft.com/VisualStudio/2011/storyboarding/control"/>
+  </ds:schemaRefs>
+</ds:datastoreItem>
+</file>
+
+<file path=customXml/itemProps316.xml><?xml version="1.0" encoding="utf-8"?>
+<ds:datastoreItem xmlns:ds="http://schemas.openxmlformats.org/officeDocument/2006/customXml" ds:itemID="{360AAA09-4D6B-4080-966E-6CECA704A0AD}">
+  <ds:schemaRefs>
+    <ds:schemaRef ds:uri="http://schemas.microsoft.com/VisualStudio/2011/storyboarding/control"/>
+  </ds:schemaRefs>
+</ds:datastoreItem>
+</file>
+
+<file path=customXml/itemProps317.xml><?xml version="1.0" encoding="utf-8"?>
+<ds:datastoreItem xmlns:ds="http://schemas.openxmlformats.org/officeDocument/2006/customXml" ds:itemID="{69F82D9F-0A52-4FF0-9FBC-8AED23C65368}">
+  <ds:schemaRefs>
+    <ds:schemaRef ds:uri="http://schemas.microsoft.com/VisualStudio/2011/storyboarding/control"/>
+  </ds:schemaRefs>
+</ds:datastoreItem>
+</file>
+
+<file path=customXml/itemProps318.xml><?xml version="1.0" encoding="utf-8"?>
+<ds:datastoreItem xmlns:ds="http://schemas.openxmlformats.org/officeDocument/2006/customXml" ds:itemID="{7AFD248A-A54A-4224-A9E5-220E5300E8F8}">
+  <ds:schemaRefs>
+    <ds:schemaRef ds:uri="http://schemas.microsoft.com/VisualStudio/2011/storyboarding/control"/>
+  </ds:schemaRefs>
+</ds:datastoreItem>
+</file>
+
+<file path=customXml/itemProps319.xml><?xml version="1.0" encoding="utf-8"?>
+<ds:datastoreItem xmlns:ds="http://schemas.openxmlformats.org/officeDocument/2006/customXml" ds:itemID="{FBC62206-495B-43F2-9B91-CBEF056959DE}">
+  <ds:schemaRefs>
+    <ds:schemaRef ds:uri="http://schemas.microsoft.com/VisualStudio/2011/storyboarding/control"/>
+  </ds:schemaRefs>
+</ds:datastoreItem>
+</file>
+
+<file path=customXml/itemProps32.xml><?xml version="1.0" encoding="utf-8"?>
+<ds:datastoreItem xmlns:ds="http://schemas.openxmlformats.org/officeDocument/2006/customXml" ds:itemID="{0026E863-1463-490E-A7C3-462BE194A97F}">
+  <ds:schemaRefs>
+    <ds:schemaRef ds:uri="http://schemas.microsoft.com/VisualStudio/2011/storyboarding/control"/>
+  </ds:schemaRefs>
+</ds:datastoreItem>
+</file>
+
+<file path=customXml/itemProps320.xml><?xml version="1.0" encoding="utf-8"?>
+<ds:datastoreItem xmlns:ds="http://schemas.openxmlformats.org/officeDocument/2006/customXml" ds:itemID="{50ADC870-B29B-4C1F-ADF4-73E3086FB9F8}">
+  <ds:schemaRefs>
+    <ds:schemaRef ds:uri="http://schemas.microsoft.com/VisualStudio/2011/storyboarding/control"/>
+  </ds:schemaRefs>
+</ds:datastoreItem>
+</file>
+
+<file path=customXml/itemProps321.xml><?xml version="1.0" encoding="utf-8"?>
+<ds:datastoreItem xmlns:ds="http://schemas.openxmlformats.org/officeDocument/2006/customXml" ds:itemID="{0ACD7F9E-6922-401E-AD61-6FDDCBE9BAA8}">
+  <ds:schemaRefs>
+    <ds:schemaRef ds:uri="http://schemas.microsoft.com/VisualStudio/2011/storyboarding/control"/>
+  </ds:schemaRefs>
+</ds:datastoreItem>
+</file>
+
+<file path=customXml/itemProps322.xml><?xml version="1.0" encoding="utf-8"?>
+<ds:datastoreItem xmlns:ds="http://schemas.openxmlformats.org/officeDocument/2006/customXml" ds:itemID="{6748DE81-CF9F-41D6-A892-A50382DC7C38}">
+  <ds:schemaRefs>
+    <ds:schemaRef ds:uri="http://schemas.microsoft.com/VisualStudio/2011/storyboarding/control"/>
+  </ds:schemaRefs>
+</ds:datastoreItem>
+</file>
+
+<file path=customXml/itemProps323.xml><?xml version="1.0" encoding="utf-8"?>
+<ds:datastoreItem xmlns:ds="http://schemas.openxmlformats.org/officeDocument/2006/customXml" ds:itemID="{704CF15B-5A3D-424C-9C26-639F7FE2B6A2}">
+  <ds:schemaRefs>
+    <ds:schemaRef ds:uri="http://schemas.microsoft.com/VisualStudio/2011/storyboarding/control"/>
+  </ds:schemaRefs>
+</ds:datastoreItem>
+</file>
+
+<file path=customXml/itemProps324.xml><?xml version="1.0" encoding="utf-8"?>
+<ds:datastoreItem xmlns:ds="http://schemas.openxmlformats.org/officeDocument/2006/customXml" ds:itemID="{97793ECA-24C6-46F3-9A59-850352AED6B0}">
+  <ds:schemaRefs>
+    <ds:schemaRef ds:uri="http://schemas.microsoft.com/VisualStudio/2011/storyboarding/control"/>
+  </ds:schemaRefs>
+</ds:datastoreItem>
+</file>
+
+<file path=customXml/itemProps325.xml><?xml version="1.0" encoding="utf-8"?>
+<ds:datastoreItem xmlns:ds="http://schemas.openxmlformats.org/officeDocument/2006/customXml" ds:itemID="{0F7055F4-B59D-4AC4-B56B-E3C3DBB14959}">
+  <ds:schemaRefs>
+    <ds:schemaRef ds:uri="http://schemas.microsoft.com/VisualStudio/2011/storyboarding/control"/>
+  </ds:schemaRefs>
+</ds:datastoreItem>
+</file>
+
+<file path=customXml/itemProps326.xml><?xml version="1.0" encoding="utf-8"?>
+<ds:datastoreItem xmlns:ds="http://schemas.openxmlformats.org/officeDocument/2006/customXml" ds:itemID="{2F6BDFFF-5546-47E4-8CF1-5354DFE6CFD9}">
+  <ds:schemaRefs>
+    <ds:schemaRef ds:uri="http://schemas.microsoft.com/VisualStudio/2011/storyboarding/control"/>
+  </ds:schemaRefs>
+</ds:datastoreItem>
+</file>
+
+<file path=customXml/itemProps327.xml><?xml version="1.0" encoding="utf-8"?>
+<ds:datastoreItem xmlns:ds="http://schemas.openxmlformats.org/officeDocument/2006/customXml" ds:itemID="{998411DF-88EB-4820-BD6A-310BD2399BD0}">
+  <ds:schemaRefs>
+    <ds:schemaRef ds:uri="http://schemas.microsoft.com/VisualStudio/2011/storyboarding/control"/>
+  </ds:schemaRefs>
+</ds:datastoreItem>
+</file>
+
+<file path=customXml/itemProps328.xml><?xml version="1.0" encoding="utf-8"?>
+<ds:datastoreItem xmlns:ds="http://schemas.openxmlformats.org/officeDocument/2006/customXml" ds:itemID="{116ABDC4-1EA4-4B49-A6E2-D1CE630DE6B5}">
+  <ds:schemaRefs>
+    <ds:schemaRef ds:uri="http://schemas.microsoft.com/VisualStudio/2011/storyboarding/control"/>
+  </ds:schemaRefs>
+</ds:datastoreItem>
+</file>
+
+<file path=customXml/itemProps329.xml><?xml version="1.0" encoding="utf-8"?>
 <ds:datastoreItem xmlns:ds="http://schemas.openxmlformats.org/officeDocument/2006/customXml" ds:itemID="{3E185867-9061-4C78-8AE8-5365FBCDFF93}">
   <ds:schemaRefs>
     <ds:schemaRef ds:uri="http://schemas.microsoft.com/VisualStudio/2011/storyboarding/control"/>
@@ -31503,7 +33527,583 @@
 </ds:datastoreItem>
 </file>
 
-<file path=customXml/itemProps101.xml><?xml version="1.0" encoding="utf-8"?>
+<file path=customXml/itemProps33.xml><?xml version="1.0" encoding="utf-8"?>
+<ds:datastoreItem xmlns:ds="http://schemas.openxmlformats.org/officeDocument/2006/customXml" ds:itemID="{F1849B9A-F2A7-47EC-B82F-47ADD7DF296A}">
+  <ds:schemaRefs>
+    <ds:schemaRef ds:uri="http://schemas.microsoft.com/VisualStudio/2011/storyboarding/control"/>
+  </ds:schemaRefs>
+</ds:datastoreItem>
+</file>
+
+<file path=customXml/itemProps330.xml><?xml version="1.0" encoding="utf-8"?>
+<ds:datastoreItem xmlns:ds="http://schemas.openxmlformats.org/officeDocument/2006/customXml" ds:itemID="{4626F3AE-A96D-40C7-8F91-73F6C0A5FABD}">
+  <ds:schemaRefs>
+    <ds:schemaRef ds:uri="http://schemas.microsoft.com/VisualStudio/2011/storyboarding/control"/>
+  </ds:schemaRefs>
+</ds:datastoreItem>
+</file>
+
+<file path=customXml/itemProps331.xml><?xml version="1.0" encoding="utf-8"?>
+<ds:datastoreItem xmlns:ds="http://schemas.openxmlformats.org/officeDocument/2006/customXml" ds:itemID="{A5F3260F-AF89-4371-AD84-390875C70535}">
+  <ds:schemaRefs>
+    <ds:schemaRef ds:uri="http://schemas.microsoft.com/VisualStudio/2011/storyboarding/control"/>
+  </ds:schemaRefs>
+</ds:datastoreItem>
+</file>
+
+<file path=customXml/itemProps332.xml><?xml version="1.0" encoding="utf-8"?>
+<ds:datastoreItem xmlns:ds="http://schemas.openxmlformats.org/officeDocument/2006/customXml" ds:itemID="{F78ED1E2-1E0E-4603-84D9-CBE652674A25}">
+  <ds:schemaRefs>
+    <ds:schemaRef ds:uri="http://schemas.microsoft.com/VisualStudio/2011/storyboarding/control"/>
+  </ds:schemaRefs>
+</ds:datastoreItem>
+</file>
+
+<file path=customXml/itemProps333.xml><?xml version="1.0" encoding="utf-8"?>
+<ds:datastoreItem xmlns:ds="http://schemas.openxmlformats.org/officeDocument/2006/customXml" ds:itemID="{738FF2C8-587D-4C02-8D5D-20CBF1EE7CCD}">
+  <ds:schemaRefs>
+    <ds:schemaRef ds:uri="http://schemas.microsoft.com/VisualStudio/2011/storyboarding/control"/>
+  </ds:schemaRefs>
+</ds:datastoreItem>
+</file>
+
+<file path=customXml/itemProps334.xml><?xml version="1.0" encoding="utf-8"?>
+<ds:datastoreItem xmlns:ds="http://schemas.openxmlformats.org/officeDocument/2006/customXml" ds:itemID="{F289DBB7-301A-49B9-A05C-7204F013A6A1}">
+  <ds:schemaRefs>
+    <ds:schemaRef ds:uri="http://schemas.microsoft.com/VisualStudio/2011/storyboarding/control"/>
+  </ds:schemaRefs>
+</ds:datastoreItem>
+</file>
+
+<file path=customXml/itemProps335.xml><?xml version="1.0" encoding="utf-8"?>
+<ds:datastoreItem xmlns:ds="http://schemas.openxmlformats.org/officeDocument/2006/customXml" ds:itemID="{82E33D8B-2115-44F9-B288-F7DDC7375FA0}">
+  <ds:schemaRefs>
+    <ds:schemaRef ds:uri="http://schemas.microsoft.com/VisualStudio/2011/storyboarding/control"/>
+  </ds:schemaRefs>
+</ds:datastoreItem>
+</file>
+
+<file path=customXml/itemProps336.xml><?xml version="1.0" encoding="utf-8"?>
+<ds:datastoreItem xmlns:ds="http://schemas.openxmlformats.org/officeDocument/2006/customXml" ds:itemID="{CB60C352-926D-4B06-8BE1-EF0755110463}">
+  <ds:schemaRefs>
+    <ds:schemaRef ds:uri="http://schemas.microsoft.com/VisualStudio/2011/storyboarding/control"/>
+  </ds:schemaRefs>
+</ds:datastoreItem>
+</file>
+
+<file path=customXml/itemProps337.xml><?xml version="1.0" encoding="utf-8"?>
+<ds:datastoreItem xmlns:ds="http://schemas.openxmlformats.org/officeDocument/2006/customXml" ds:itemID="{7DC3519B-D653-41F2-B6F1-BBB3B144AB62}">
+  <ds:schemaRefs>
+    <ds:schemaRef ds:uri="http://schemas.microsoft.com/VisualStudio/2011/storyboarding/control"/>
+  </ds:schemaRefs>
+</ds:datastoreItem>
+</file>
+
+<file path=customXml/itemProps338.xml><?xml version="1.0" encoding="utf-8"?>
+<ds:datastoreItem xmlns:ds="http://schemas.openxmlformats.org/officeDocument/2006/customXml" ds:itemID="{40E1E962-5637-4EB6-B93C-DA8F96A81FAF}">
+  <ds:schemaRefs>
+    <ds:schemaRef ds:uri="http://schemas.microsoft.com/VisualStudio/2011/storyboarding/control"/>
+  </ds:schemaRefs>
+</ds:datastoreItem>
+</file>
+
+<file path=customXml/itemProps339.xml><?xml version="1.0" encoding="utf-8"?>
+<ds:datastoreItem xmlns:ds="http://schemas.openxmlformats.org/officeDocument/2006/customXml" ds:itemID="{AD765DBE-9671-45BD-9DBB-9A8CD991D305}">
+  <ds:schemaRefs>
+    <ds:schemaRef ds:uri="http://schemas.microsoft.com/VisualStudio/2011/storyboarding/control"/>
+  </ds:schemaRefs>
+</ds:datastoreItem>
+</file>
+
+<file path=customXml/itemProps34.xml><?xml version="1.0" encoding="utf-8"?>
+<ds:datastoreItem xmlns:ds="http://schemas.openxmlformats.org/officeDocument/2006/customXml" ds:itemID="{F5281BC0-9672-435D-B9A7-6C9AEEE3F7D2}">
+  <ds:schemaRefs>
+    <ds:schemaRef ds:uri="http://schemas.microsoft.com/VisualStudio/2011/storyboarding/control"/>
+  </ds:schemaRefs>
+</ds:datastoreItem>
+</file>
+
+<file path=customXml/itemProps340.xml><?xml version="1.0" encoding="utf-8"?>
+<ds:datastoreItem xmlns:ds="http://schemas.openxmlformats.org/officeDocument/2006/customXml" ds:itemID="{8A640325-005D-4045-AEC2-6BA2B94359ED}">
+  <ds:schemaRefs>
+    <ds:schemaRef ds:uri="http://schemas.microsoft.com/VisualStudio/2011/storyboarding/control"/>
+  </ds:schemaRefs>
+</ds:datastoreItem>
+</file>
+
+<file path=customXml/itemProps341.xml><?xml version="1.0" encoding="utf-8"?>
+<ds:datastoreItem xmlns:ds="http://schemas.openxmlformats.org/officeDocument/2006/customXml" ds:itemID="{D30FE00D-B30C-4E97-A466-D2EAAA05FD64}">
+  <ds:schemaRefs>
+    <ds:schemaRef ds:uri="http://schemas.microsoft.com/VisualStudio/2011/storyboarding/control"/>
+  </ds:schemaRefs>
+</ds:datastoreItem>
+</file>
+
+<file path=customXml/itemProps342.xml><?xml version="1.0" encoding="utf-8"?>
+<ds:datastoreItem xmlns:ds="http://schemas.openxmlformats.org/officeDocument/2006/customXml" ds:itemID="{DD049830-DA11-466E-A98B-41FD56DCE224}">
+  <ds:schemaRefs>
+    <ds:schemaRef ds:uri="http://schemas.microsoft.com/VisualStudio/2011/storyboarding/control"/>
+  </ds:schemaRefs>
+</ds:datastoreItem>
+</file>
+
+<file path=customXml/itemProps35.xml><?xml version="1.0" encoding="utf-8"?>
+<ds:datastoreItem xmlns:ds="http://schemas.openxmlformats.org/officeDocument/2006/customXml" ds:itemID="{3B14F52C-BC5F-47CE-945E-640AE2D7FD32}">
+  <ds:schemaRefs>
+    <ds:schemaRef ds:uri="http://schemas.microsoft.com/VisualStudio/2011/storyboarding/control"/>
+  </ds:schemaRefs>
+</ds:datastoreItem>
+</file>
+
+<file path=customXml/itemProps36.xml><?xml version="1.0" encoding="utf-8"?>
+<ds:datastoreItem xmlns:ds="http://schemas.openxmlformats.org/officeDocument/2006/customXml" ds:itemID="{0653BCF8-3C2F-4254-AB66-8E1E9614E114}">
+  <ds:schemaRefs>
+    <ds:schemaRef ds:uri="http://schemas.microsoft.com/VisualStudio/2011/storyboarding/control"/>
+  </ds:schemaRefs>
+</ds:datastoreItem>
+</file>
+
+<file path=customXml/itemProps37.xml><?xml version="1.0" encoding="utf-8"?>
+<ds:datastoreItem xmlns:ds="http://schemas.openxmlformats.org/officeDocument/2006/customXml" ds:itemID="{D1D581BF-65A6-451F-B562-28FFFDB17EBE}">
+  <ds:schemaRefs>
+    <ds:schemaRef ds:uri="http://schemas.microsoft.com/VisualStudio/2011/storyboarding/control"/>
+  </ds:schemaRefs>
+</ds:datastoreItem>
+</file>
+
+<file path=customXml/itemProps38.xml><?xml version="1.0" encoding="utf-8"?>
+<ds:datastoreItem xmlns:ds="http://schemas.openxmlformats.org/officeDocument/2006/customXml" ds:itemID="{27CCB74F-C7FD-4A95-AE27-8D308AD0CB50}">
+  <ds:schemaRefs>
+    <ds:schemaRef ds:uri="http://schemas.microsoft.com/VisualStudio/2011/storyboarding/control"/>
+  </ds:schemaRefs>
+</ds:datastoreItem>
+</file>
+
+<file path=customXml/itemProps39.xml><?xml version="1.0" encoding="utf-8"?>
+<ds:datastoreItem xmlns:ds="http://schemas.openxmlformats.org/officeDocument/2006/customXml" ds:itemID="{CDFD8D22-8AC0-4F2F-AC24-E9009ABA608B}">
+  <ds:schemaRefs>
+    <ds:schemaRef ds:uri="http://schemas.microsoft.com/VisualStudio/2011/storyboarding/control"/>
+  </ds:schemaRefs>
+</ds:datastoreItem>
+</file>
+
+<file path=customXml/itemProps4.xml><?xml version="1.0" encoding="utf-8"?>
+<ds:datastoreItem xmlns:ds="http://schemas.openxmlformats.org/officeDocument/2006/customXml" ds:itemID="{86A76FA3-4235-4BDB-A418-31656486084F}">
+  <ds:schemaRefs>
+    <ds:schemaRef ds:uri="http://schemas.microsoft.com/VisualStudio/2011/storyboarding/control"/>
+  </ds:schemaRefs>
+</ds:datastoreItem>
+</file>
+
+<file path=customXml/itemProps40.xml><?xml version="1.0" encoding="utf-8"?>
+<ds:datastoreItem xmlns:ds="http://schemas.openxmlformats.org/officeDocument/2006/customXml" ds:itemID="{8A6D03A8-BA2D-4FAA-8DF8-B5EB0A492CEE}">
+  <ds:schemaRefs>
+    <ds:schemaRef ds:uri="http://schemas.microsoft.com/VisualStudio/2011/storyboarding/control"/>
+  </ds:schemaRefs>
+</ds:datastoreItem>
+</file>
+
+<file path=customXml/itemProps41.xml><?xml version="1.0" encoding="utf-8"?>
+<ds:datastoreItem xmlns:ds="http://schemas.openxmlformats.org/officeDocument/2006/customXml" ds:itemID="{FAF24902-C8B9-4A2B-9077-05751B70E139}">
+  <ds:schemaRefs>
+    <ds:schemaRef ds:uri="http://schemas.microsoft.com/VisualStudio/2011/storyboarding/control"/>
+  </ds:schemaRefs>
+</ds:datastoreItem>
+</file>
+
+<file path=customXml/itemProps42.xml><?xml version="1.0" encoding="utf-8"?>
+<ds:datastoreItem xmlns:ds="http://schemas.openxmlformats.org/officeDocument/2006/customXml" ds:itemID="{A70934FF-BD64-48BF-9A4E-D577A82F3862}">
+  <ds:schemaRefs>
+    <ds:schemaRef ds:uri="http://schemas.microsoft.com/VisualStudio/2011/storyboarding/control"/>
+  </ds:schemaRefs>
+</ds:datastoreItem>
+</file>
+
+<file path=customXml/itemProps43.xml><?xml version="1.0" encoding="utf-8"?>
+<ds:datastoreItem xmlns:ds="http://schemas.openxmlformats.org/officeDocument/2006/customXml" ds:itemID="{7C2B30D1-555D-4091-BB8B-70C3008E587D}">
+  <ds:schemaRefs>
+    <ds:schemaRef ds:uri="http://schemas.microsoft.com/VisualStudio/2011/storyboarding/control"/>
+  </ds:schemaRefs>
+</ds:datastoreItem>
+</file>
+
+<file path=customXml/itemProps44.xml><?xml version="1.0" encoding="utf-8"?>
+<ds:datastoreItem xmlns:ds="http://schemas.openxmlformats.org/officeDocument/2006/customXml" ds:itemID="{926C71EA-7662-42AD-B796-6EA8688D8F12}">
+  <ds:schemaRefs>
+    <ds:schemaRef ds:uri="http://schemas.microsoft.com/VisualStudio/2011/storyboarding/control"/>
+  </ds:schemaRefs>
+</ds:datastoreItem>
+</file>
+
+<file path=customXml/itemProps45.xml><?xml version="1.0" encoding="utf-8"?>
+<ds:datastoreItem xmlns:ds="http://schemas.openxmlformats.org/officeDocument/2006/customXml" ds:itemID="{0C30631B-6B6B-4F45-A69E-60EB784933B3}">
+  <ds:schemaRefs>
+    <ds:schemaRef ds:uri="http://schemas.microsoft.com/VisualStudio/2011/storyboarding/control"/>
+  </ds:schemaRefs>
+</ds:datastoreItem>
+</file>
+
+<file path=customXml/itemProps46.xml><?xml version="1.0" encoding="utf-8"?>
+<ds:datastoreItem xmlns:ds="http://schemas.openxmlformats.org/officeDocument/2006/customXml" ds:itemID="{BF8B6F30-58A9-49DC-A98D-09DDB8F2693B}">
+  <ds:schemaRefs>
+    <ds:schemaRef ds:uri="http://schemas.microsoft.com/VisualStudio/2011/storyboarding/control"/>
+  </ds:schemaRefs>
+</ds:datastoreItem>
+</file>
+
+<file path=customXml/itemProps47.xml><?xml version="1.0" encoding="utf-8"?>
+<ds:datastoreItem xmlns:ds="http://schemas.openxmlformats.org/officeDocument/2006/customXml" ds:itemID="{1F0604E9-97A2-431A-86E6-C9F311593E08}">
+  <ds:schemaRefs>
+    <ds:schemaRef ds:uri="http://schemas.microsoft.com/VisualStudio/2011/storyboarding/control"/>
+  </ds:schemaRefs>
+</ds:datastoreItem>
+</file>
+
+<file path=customXml/itemProps48.xml><?xml version="1.0" encoding="utf-8"?>
+<ds:datastoreItem xmlns:ds="http://schemas.openxmlformats.org/officeDocument/2006/customXml" ds:itemID="{8491097D-3BEA-417B-9273-13DD25B61827}">
+  <ds:schemaRefs>
+    <ds:schemaRef ds:uri="http://schemas.microsoft.com/VisualStudio/2011/storyboarding/control"/>
+  </ds:schemaRefs>
+</ds:datastoreItem>
+</file>
+
+<file path=customXml/itemProps49.xml><?xml version="1.0" encoding="utf-8"?>
+<ds:datastoreItem xmlns:ds="http://schemas.openxmlformats.org/officeDocument/2006/customXml" ds:itemID="{B174ADE3-21E2-481C-8E8A-011947EAD38E}">
+  <ds:schemaRefs>
+    <ds:schemaRef ds:uri="http://schemas.microsoft.com/VisualStudio/2011/storyboarding/control"/>
+  </ds:schemaRefs>
+</ds:datastoreItem>
+</file>
+
+<file path=customXml/itemProps5.xml><?xml version="1.0" encoding="utf-8"?>
+<ds:datastoreItem xmlns:ds="http://schemas.openxmlformats.org/officeDocument/2006/customXml" ds:itemID="{E18D799A-5C73-4CD9-9B5B-0051DF843323}">
+  <ds:schemaRefs>
+    <ds:schemaRef ds:uri="http://schemas.microsoft.com/VisualStudio/2011/storyboarding/control"/>
+  </ds:schemaRefs>
+</ds:datastoreItem>
+</file>
+
+<file path=customXml/itemProps50.xml><?xml version="1.0" encoding="utf-8"?>
+<ds:datastoreItem xmlns:ds="http://schemas.openxmlformats.org/officeDocument/2006/customXml" ds:itemID="{14BE62A8-EAD0-4F5F-934A-B09BF3770FF9}">
+  <ds:schemaRefs>
+    <ds:schemaRef ds:uri="http://schemas.microsoft.com/VisualStudio/2011/storyboarding/control"/>
+  </ds:schemaRefs>
+</ds:datastoreItem>
+</file>
+
+<file path=customXml/itemProps51.xml><?xml version="1.0" encoding="utf-8"?>
+<ds:datastoreItem xmlns:ds="http://schemas.openxmlformats.org/officeDocument/2006/customXml" ds:itemID="{C02F6C96-E07D-476F-9097-B75AF2B042BC}">
+  <ds:schemaRefs>
+    <ds:schemaRef ds:uri="http://schemas.microsoft.com/VisualStudio/2011/storyboarding/control"/>
+  </ds:schemaRefs>
+</ds:datastoreItem>
+</file>
+
+<file path=customXml/itemProps52.xml><?xml version="1.0" encoding="utf-8"?>
+<ds:datastoreItem xmlns:ds="http://schemas.openxmlformats.org/officeDocument/2006/customXml" ds:itemID="{B7BB28F8-2B14-449E-8102-BDB34C71B0CD}">
+  <ds:schemaRefs>
+    <ds:schemaRef ds:uri="http://schemas.microsoft.com/VisualStudio/2011/storyboarding/control"/>
+  </ds:schemaRefs>
+</ds:datastoreItem>
+</file>
+
+<file path=customXml/itemProps53.xml><?xml version="1.0" encoding="utf-8"?>
+<ds:datastoreItem xmlns:ds="http://schemas.openxmlformats.org/officeDocument/2006/customXml" ds:itemID="{9B88C461-FD72-4CCE-B36A-E6CD818ADA83}">
+  <ds:schemaRefs>
+    <ds:schemaRef ds:uri="http://schemas.microsoft.com/VisualStudio/2011/storyboarding/control"/>
+  </ds:schemaRefs>
+</ds:datastoreItem>
+</file>
+
+<file path=customXml/itemProps54.xml><?xml version="1.0" encoding="utf-8"?>
+<ds:datastoreItem xmlns:ds="http://schemas.openxmlformats.org/officeDocument/2006/customXml" ds:itemID="{A14526C9-B49F-481F-9EEE-8607645EF9A7}">
+  <ds:schemaRefs>
+    <ds:schemaRef ds:uri="http://schemas.microsoft.com/VisualStudio/2011/storyboarding/control"/>
+  </ds:schemaRefs>
+</ds:datastoreItem>
+</file>
+
+<file path=customXml/itemProps55.xml><?xml version="1.0" encoding="utf-8"?>
+<ds:datastoreItem xmlns:ds="http://schemas.openxmlformats.org/officeDocument/2006/customXml" ds:itemID="{79F4C3AA-101F-4B48-BC66-EB35454CC9AD}">
+  <ds:schemaRefs>
+    <ds:schemaRef ds:uri="http://schemas.microsoft.com/VisualStudio/2011/storyboarding/control"/>
+  </ds:schemaRefs>
+</ds:datastoreItem>
+</file>
+
+<file path=customXml/itemProps56.xml><?xml version="1.0" encoding="utf-8"?>
+<ds:datastoreItem xmlns:ds="http://schemas.openxmlformats.org/officeDocument/2006/customXml" ds:itemID="{EFCD18D0-CBA1-4995-A8C6-F5F3C57B32F1}">
+  <ds:schemaRefs>
+    <ds:schemaRef ds:uri="http://schemas.microsoft.com/VisualStudio/2011/storyboarding/control"/>
+  </ds:schemaRefs>
+</ds:datastoreItem>
+</file>
+
+<file path=customXml/itemProps57.xml><?xml version="1.0" encoding="utf-8"?>
+<ds:datastoreItem xmlns:ds="http://schemas.openxmlformats.org/officeDocument/2006/customXml" ds:itemID="{CACE061C-AF2C-40BF-8F95-96F3F58C1B9E}">
+  <ds:schemaRefs>
+    <ds:schemaRef ds:uri="http://schemas.microsoft.com/VisualStudio/2011/storyboarding/control"/>
+  </ds:schemaRefs>
+</ds:datastoreItem>
+</file>
+
+<file path=customXml/itemProps58.xml><?xml version="1.0" encoding="utf-8"?>
+<ds:datastoreItem xmlns:ds="http://schemas.openxmlformats.org/officeDocument/2006/customXml" ds:itemID="{F36D2A4F-C360-49F8-A227-4F706FF4D9DF}">
+  <ds:schemaRefs>
+    <ds:schemaRef ds:uri="http://schemas.microsoft.com/VisualStudio/2011/storyboarding/control"/>
+  </ds:schemaRefs>
+</ds:datastoreItem>
+</file>
+
+<file path=customXml/itemProps59.xml><?xml version="1.0" encoding="utf-8"?>
+<ds:datastoreItem xmlns:ds="http://schemas.openxmlformats.org/officeDocument/2006/customXml" ds:itemID="{7370362F-DF9E-4D13-86A6-8D6D39B4B8E3}">
+  <ds:schemaRefs>
+    <ds:schemaRef ds:uri="http://schemas.microsoft.com/VisualStudio/2011/storyboarding/control"/>
+  </ds:schemaRefs>
+</ds:datastoreItem>
+</file>
+
+<file path=customXml/itemProps6.xml><?xml version="1.0" encoding="utf-8"?>
+<ds:datastoreItem xmlns:ds="http://schemas.openxmlformats.org/officeDocument/2006/customXml" ds:itemID="{BC8DA096-3D1C-41A2-9709-54039B6F5660}">
+  <ds:schemaRefs>
+    <ds:schemaRef ds:uri="http://schemas.microsoft.com/VisualStudio/2011/storyboarding/control"/>
+  </ds:schemaRefs>
+</ds:datastoreItem>
+</file>
+
+<file path=customXml/itemProps60.xml><?xml version="1.0" encoding="utf-8"?>
+<ds:datastoreItem xmlns:ds="http://schemas.openxmlformats.org/officeDocument/2006/customXml" ds:itemID="{E9B43231-2666-452D-B0E9-200658D05149}">
+  <ds:schemaRefs>
+    <ds:schemaRef ds:uri="http://schemas.microsoft.com/VisualStudio/2011/storyboarding/control"/>
+  </ds:schemaRefs>
+</ds:datastoreItem>
+</file>
+
+<file path=customXml/itemProps61.xml><?xml version="1.0" encoding="utf-8"?>
+<ds:datastoreItem xmlns:ds="http://schemas.openxmlformats.org/officeDocument/2006/customXml" ds:itemID="{BB34EE50-A076-446E-BBF4-53C836A4A8DF}">
+  <ds:schemaRefs>
+    <ds:schemaRef ds:uri="http://schemas.microsoft.com/VisualStudio/2011/storyboarding/control"/>
+  </ds:schemaRefs>
+</ds:datastoreItem>
+</file>
+
+<file path=customXml/itemProps62.xml><?xml version="1.0" encoding="utf-8"?>
+<ds:datastoreItem xmlns:ds="http://schemas.openxmlformats.org/officeDocument/2006/customXml" ds:itemID="{82A11A23-5D71-4CCF-B1D7-5E316D853E86}">
+  <ds:schemaRefs>
+    <ds:schemaRef ds:uri="http://schemas.microsoft.com/VisualStudio/2011/storyboarding/control"/>
+  </ds:schemaRefs>
+</ds:datastoreItem>
+</file>
+
+<file path=customXml/itemProps63.xml><?xml version="1.0" encoding="utf-8"?>
+<ds:datastoreItem xmlns:ds="http://schemas.openxmlformats.org/officeDocument/2006/customXml" ds:itemID="{A770902C-91B4-4F9A-987B-C073AEA84AD1}">
+  <ds:schemaRefs>
+    <ds:schemaRef ds:uri="http://schemas.microsoft.com/VisualStudio/2011/storyboarding/control"/>
+  </ds:schemaRefs>
+</ds:datastoreItem>
+</file>
+
+<file path=customXml/itemProps64.xml><?xml version="1.0" encoding="utf-8"?>
+<ds:datastoreItem xmlns:ds="http://schemas.openxmlformats.org/officeDocument/2006/customXml" ds:itemID="{71C68A77-FCC5-45AF-90E8-603F01C8B090}">
+  <ds:schemaRefs>
+    <ds:schemaRef ds:uri="http://schemas.microsoft.com/VisualStudio/2011/storyboarding/control"/>
+  </ds:schemaRefs>
+</ds:datastoreItem>
+</file>
+
+<file path=customXml/itemProps65.xml><?xml version="1.0" encoding="utf-8"?>
+<ds:datastoreItem xmlns:ds="http://schemas.openxmlformats.org/officeDocument/2006/customXml" ds:itemID="{88C04483-D8EE-4FCA-A54F-704220F97EF8}">
+  <ds:schemaRefs>
+    <ds:schemaRef ds:uri="http://schemas.microsoft.com/VisualStudio/2011/storyboarding/control"/>
+  </ds:schemaRefs>
+</ds:datastoreItem>
+</file>
+
+<file path=customXml/itemProps66.xml><?xml version="1.0" encoding="utf-8"?>
+<ds:datastoreItem xmlns:ds="http://schemas.openxmlformats.org/officeDocument/2006/customXml" ds:itemID="{A9589BB7-B112-466A-B7DB-50FF9E4A7695}">
+  <ds:schemaRefs>
+    <ds:schemaRef ds:uri="http://schemas.microsoft.com/VisualStudio/2011/storyboarding/control"/>
+  </ds:schemaRefs>
+</ds:datastoreItem>
+</file>
+
+<file path=customXml/itemProps67.xml><?xml version="1.0" encoding="utf-8"?>
+<ds:datastoreItem xmlns:ds="http://schemas.openxmlformats.org/officeDocument/2006/customXml" ds:itemID="{B9D5874A-DB82-4E87-A995-5E70DBA4B3B0}">
+  <ds:schemaRefs>
+    <ds:schemaRef ds:uri="http://schemas.microsoft.com/VisualStudio/2011/storyboarding/control"/>
+  </ds:schemaRefs>
+</ds:datastoreItem>
+</file>
+
+<file path=customXml/itemProps68.xml><?xml version="1.0" encoding="utf-8"?>
+<ds:datastoreItem xmlns:ds="http://schemas.openxmlformats.org/officeDocument/2006/customXml" ds:itemID="{77674E22-E958-4C98-881E-833176FE57EF}">
+  <ds:schemaRefs>
+    <ds:schemaRef ds:uri="http://schemas.microsoft.com/VisualStudio/2011/storyboarding/control"/>
+  </ds:schemaRefs>
+</ds:datastoreItem>
+</file>
+
+<file path=customXml/itemProps69.xml><?xml version="1.0" encoding="utf-8"?>
+<ds:datastoreItem xmlns:ds="http://schemas.openxmlformats.org/officeDocument/2006/customXml" ds:itemID="{CE13D033-955A-413A-BF77-A5D3B95ACDBC}">
+  <ds:schemaRefs>
+    <ds:schemaRef ds:uri="http://schemas.microsoft.com/VisualStudio/2011/storyboarding/control"/>
+  </ds:schemaRefs>
+</ds:datastoreItem>
+</file>
+
+<file path=customXml/itemProps7.xml><?xml version="1.0" encoding="utf-8"?>
+<ds:datastoreItem xmlns:ds="http://schemas.openxmlformats.org/officeDocument/2006/customXml" ds:itemID="{56C614C4-5DEC-491F-B700-BEDDA8F8ADF4}">
+  <ds:schemaRefs>
+    <ds:schemaRef ds:uri="http://schemas.microsoft.com/VisualStudio/2011/storyboarding/control"/>
+  </ds:schemaRefs>
+</ds:datastoreItem>
+</file>
+
+<file path=customXml/itemProps70.xml><?xml version="1.0" encoding="utf-8"?>
+<ds:datastoreItem xmlns:ds="http://schemas.openxmlformats.org/officeDocument/2006/customXml" ds:itemID="{8CAFE994-D574-4D5A-B645-2896E8079B39}">
+  <ds:schemaRefs>
+    <ds:schemaRef ds:uri="http://schemas.microsoft.com/VisualStudio/2011/storyboarding/control"/>
+  </ds:schemaRefs>
+</ds:datastoreItem>
+</file>
+
+<file path=customXml/itemProps71.xml><?xml version="1.0" encoding="utf-8"?>
+<ds:datastoreItem xmlns:ds="http://schemas.openxmlformats.org/officeDocument/2006/customXml" ds:itemID="{E493DE54-B33A-411C-98E0-28E77D2B227F}">
+  <ds:schemaRefs>
+    <ds:schemaRef ds:uri="http://schemas.microsoft.com/VisualStudio/2011/storyboarding/control"/>
+  </ds:schemaRefs>
+</ds:datastoreItem>
+</file>
+
+<file path=customXml/itemProps72.xml><?xml version="1.0" encoding="utf-8"?>
+<ds:datastoreItem xmlns:ds="http://schemas.openxmlformats.org/officeDocument/2006/customXml" ds:itemID="{1F1C81C4-08EC-49F6-8812-BB55E898A450}">
+  <ds:schemaRefs>
+    <ds:schemaRef ds:uri="http://schemas.microsoft.com/VisualStudio/2011/storyboarding/control"/>
+  </ds:schemaRefs>
+</ds:datastoreItem>
+</file>
+
+<file path=customXml/itemProps73.xml><?xml version="1.0" encoding="utf-8"?>
+<ds:datastoreItem xmlns:ds="http://schemas.openxmlformats.org/officeDocument/2006/customXml" ds:itemID="{BD7F245B-D69F-4F08-A7F4-28005B361C32}">
+  <ds:schemaRefs>
+    <ds:schemaRef ds:uri="http://schemas.microsoft.com/VisualStudio/2011/storyboarding/control"/>
+  </ds:schemaRefs>
+</ds:datastoreItem>
+</file>
+
+<file path=customXml/itemProps74.xml><?xml version="1.0" encoding="utf-8"?>
+<ds:datastoreItem xmlns:ds="http://schemas.openxmlformats.org/officeDocument/2006/customXml" ds:itemID="{2A1D17B4-7440-46CD-8032-D9E7A060B774}">
+  <ds:schemaRefs>
+    <ds:schemaRef ds:uri="http://schemas.microsoft.com/VisualStudio/2011/storyboarding/control"/>
+  </ds:schemaRefs>
+</ds:datastoreItem>
+</file>
+
+<file path=customXml/itemProps75.xml><?xml version="1.0" encoding="utf-8"?>
+<ds:datastoreItem xmlns:ds="http://schemas.openxmlformats.org/officeDocument/2006/customXml" ds:itemID="{916637F0-59B8-45B1-A013-C6D7D7F87CDE}">
+  <ds:schemaRefs>
+    <ds:schemaRef ds:uri="http://schemas.microsoft.com/VisualStudio/2011/storyboarding/control"/>
+  </ds:schemaRefs>
+</ds:datastoreItem>
+</file>
+
+<file path=customXml/itemProps76.xml><?xml version="1.0" encoding="utf-8"?>
+<ds:datastoreItem xmlns:ds="http://schemas.openxmlformats.org/officeDocument/2006/customXml" ds:itemID="{BF46C67A-78BC-41F0-A500-459B3FCE006F}">
+  <ds:schemaRefs>
+    <ds:schemaRef ds:uri="http://schemas.microsoft.com/VisualStudio/2011/storyboarding/control"/>
+  </ds:schemaRefs>
+</ds:datastoreItem>
+</file>
+
+<file path=customXml/itemProps77.xml><?xml version="1.0" encoding="utf-8"?>
+<ds:datastoreItem xmlns:ds="http://schemas.openxmlformats.org/officeDocument/2006/customXml" ds:itemID="{66876AD8-FD3E-409F-945F-9F02A3C476A3}">
+  <ds:schemaRefs>
+    <ds:schemaRef ds:uri="http://schemas.microsoft.com/VisualStudio/2011/storyboarding/control"/>
+  </ds:schemaRefs>
+</ds:datastoreItem>
+</file>
+
+<file path=customXml/itemProps78.xml><?xml version="1.0" encoding="utf-8"?>
+<ds:datastoreItem xmlns:ds="http://schemas.openxmlformats.org/officeDocument/2006/customXml" ds:itemID="{399F0338-4F9A-433F-839E-BB1C565311C7}">
+  <ds:schemaRefs>
+    <ds:schemaRef ds:uri="http://schemas.microsoft.com/VisualStudio/2011/storyboarding/control"/>
+  </ds:schemaRefs>
+</ds:datastoreItem>
+</file>
+
+<file path=customXml/itemProps79.xml><?xml version="1.0" encoding="utf-8"?>
+<ds:datastoreItem xmlns:ds="http://schemas.openxmlformats.org/officeDocument/2006/customXml" ds:itemID="{B669F501-AEB5-49A8-B34E-D8CDF8FBB497}">
+  <ds:schemaRefs>
+    <ds:schemaRef ds:uri="http://schemas.microsoft.com/VisualStudio/2011/storyboarding/control"/>
+  </ds:schemaRefs>
+</ds:datastoreItem>
+</file>
+
+<file path=customXml/itemProps8.xml><?xml version="1.0" encoding="utf-8"?>
+<ds:datastoreItem xmlns:ds="http://schemas.openxmlformats.org/officeDocument/2006/customXml" ds:itemID="{A12D5DED-2D25-4DA3-8948-14474C5B5E76}">
+  <ds:schemaRefs>
+    <ds:schemaRef ds:uri="http://schemas.microsoft.com/VisualStudio/2011/storyboarding/control"/>
+  </ds:schemaRefs>
+</ds:datastoreItem>
+</file>
+
+<file path=customXml/itemProps80.xml><?xml version="1.0" encoding="utf-8"?>
+<ds:datastoreItem xmlns:ds="http://schemas.openxmlformats.org/officeDocument/2006/customXml" ds:itemID="{F5E1943B-A70F-44C2-A322-2C282D25F81E}">
+  <ds:schemaRefs>
+    <ds:schemaRef ds:uri="http://schemas.microsoft.com/VisualStudio/2011/storyboarding/control"/>
+  </ds:schemaRefs>
+</ds:datastoreItem>
+</file>
+
+<file path=customXml/itemProps81.xml><?xml version="1.0" encoding="utf-8"?>
+<ds:datastoreItem xmlns:ds="http://schemas.openxmlformats.org/officeDocument/2006/customXml" ds:itemID="{7F5DDBC7-F247-4A06-8E62-5A6D5CC0024D}">
+  <ds:schemaRefs>
+    <ds:schemaRef ds:uri="http://schemas.microsoft.com/VisualStudio/2011/storyboarding/control"/>
+  </ds:schemaRefs>
+</ds:datastoreItem>
+</file>
+
+<file path=customXml/itemProps82.xml><?xml version="1.0" encoding="utf-8"?>
+<ds:datastoreItem xmlns:ds="http://schemas.openxmlformats.org/officeDocument/2006/customXml" ds:itemID="{83FE5952-B810-41DD-BC8D-EA4E6B2877C4}">
+  <ds:schemaRefs>
+    <ds:schemaRef ds:uri="http://schemas.microsoft.com/VisualStudio/2011/storyboarding/control"/>
+  </ds:schemaRefs>
+</ds:datastoreItem>
+</file>
+
+<file path=customXml/itemProps83.xml><?xml version="1.0" encoding="utf-8"?>
+<ds:datastoreItem xmlns:ds="http://schemas.openxmlformats.org/officeDocument/2006/customXml" ds:itemID="{DF927E49-054C-4B25-9106-DB8ED403AD7D}">
+  <ds:schemaRefs>
+    <ds:schemaRef ds:uri="http://schemas.microsoft.com/VisualStudio/2011/storyboarding/control"/>
+  </ds:schemaRefs>
+</ds:datastoreItem>
+</file>
+
+<file path=customXml/itemProps84.xml><?xml version="1.0" encoding="utf-8"?>
+<ds:datastoreItem xmlns:ds="http://schemas.openxmlformats.org/officeDocument/2006/customXml" ds:itemID="{784F0729-F391-4F97-9E2D-7F7DD2F07570}">
+  <ds:schemaRefs>
+    <ds:schemaRef ds:uri="http://schemas.microsoft.com/VisualStudio/2011/storyboarding/control"/>
+  </ds:schemaRefs>
+</ds:datastoreItem>
+</file>
+
+<file path=customXml/itemProps85.xml><?xml version="1.0" encoding="utf-8"?>
+<ds:datastoreItem xmlns:ds="http://schemas.openxmlformats.org/officeDocument/2006/customXml" ds:itemID="{4CDD4899-434B-483C-9270-49C1925CF9A0}">
+  <ds:schemaRefs>
+    <ds:schemaRef ds:uri="http://schemas.microsoft.com/VisualStudio/2011/storyboarding/control"/>
+  </ds:schemaRefs>
+</ds:datastoreItem>
+</file>
+
+<file path=customXml/itemProps86.xml><?xml version="1.0" encoding="utf-8"?>
+<ds:datastoreItem xmlns:ds="http://schemas.openxmlformats.org/officeDocument/2006/customXml" ds:itemID="{25AF0639-730B-498C-912D-832D3A861073}">
+  <ds:schemaRefs>
+    <ds:schemaRef ds:uri="http://schemas.microsoft.com/VisualStudio/2011/storyboarding/control"/>
+  </ds:schemaRefs>
+</ds:datastoreItem>
+</file>
+
+<file path=customXml/itemProps87.xml><?xml version="1.0" encoding="utf-8"?>
 <ds:datastoreItem xmlns:ds="http://schemas.openxmlformats.org/officeDocument/2006/customXml" ds:itemID="{6F5D4FB8-B927-483B-98EB-F21AC3F62D86}">
   <ds:schemaRefs>
     <ds:schemaRef ds:uri="http://schemas.microsoft.com/VisualStudio/2011/storyboarding/control"/>
@@ -31511,183 +34111,7 @@
 </ds:datastoreItem>
 </file>
 
-<file path=customXml/itemProps102.xml><?xml version="1.0" encoding="utf-8"?>
-<ds:datastoreItem xmlns:ds="http://schemas.openxmlformats.org/officeDocument/2006/customXml" ds:itemID="{16EAB064-496F-4B1C-BA3B-C699F7502928}">
-  <ds:schemaRefs>
-    <ds:schemaRef ds:uri="http://schemas.microsoft.com/VisualStudio/2011/storyboarding/control"/>
-  </ds:schemaRefs>
-</ds:datastoreItem>
-</file>
-
-<file path=customXml/itemProps103.xml><?xml version="1.0" encoding="utf-8"?>
-<ds:datastoreItem xmlns:ds="http://schemas.openxmlformats.org/officeDocument/2006/customXml" ds:itemID="{3CB64095-2B64-4413-A0E0-D6AE34457700}">
-  <ds:schemaRefs>
-    <ds:schemaRef ds:uri="http://schemas.microsoft.com/VisualStudio/2011/storyboarding/control"/>
-  </ds:schemaRefs>
-</ds:datastoreItem>
-</file>
-
-<file path=customXml/itemProps104.xml><?xml version="1.0" encoding="utf-8"?>
-<ds:datastoreItem xmlns:ds="http://schemas.openxmlformats.org/officeDocument/2006/customXml" ds:itemID="{8159193B-BADF-419B-B907-5EF8622C190C}">
-  <ds:schemaRefs>
-    <ds:schemaRef ds:uri="http://schemas.microsoft.com/VisualStudio/2011/storyboarding/control"/>
-  </ds:schemaRefs>
-</ds:datastoreItem>
-</file>
-
-<file path=customXml/itemProps105.xml><?xml version="1.0" encoding="utf-8"?>
-<ds:datastoreItem xmlns:ds="http://schemas.openxmlformats.org/officeDocument/2006/customXml" ds:itemID="{DC6DE712-FAC2-48EF-8F42-43EFC4A596F1}">
-  <ds:schemaRefs>
-    <ds:schemaRef ds:uri="http://schemas.microsoft.com/VisualStudio/2011/storyboarding/control"/>
-  </ds:schemaRefs>
-</ds:datastoreItem>
-</file>
-
-<file path=customXml/itemProps106.xml><?xml version="1.0" encoding="utf-8"?>
-<ds:datastoreItem xmlns:ds="http://schemas.openxmlformats.org/officeDocument/2006/customXml" ds:itemID="{13C1407C-CF6D-4F1E-9B31-FAC446AF6317}">
-  <ds:schemaRefs>
-    <ds:schemaRef ds:uri="http://schemas.microsoft.com/VisualStudio/2011/storyboarding/control"/>
-  </ds:schemaRefs>
-</ds:datastoreItem>
-</file>
-
-<file path=customXml/itemProps107.xml><?xml version="1.0" encoding="utf-8"?>
-<ds:datastoreItem xmlns:ds="http://schemas.openxmlformats.org/officeDocument/2006/customXml" ds:itemID="{E628D704-53B1-402A-B3C4-24BC08ADD505}">
-  <ds:schemaRefs>
-    <ds:schemaRef ds:uri="http://schemas.microsoft.com/VisualStudio/2011/storyboarding/control"/>
-  </ds:schemaRefs>
-</ds:datastoreItem>
-</file>
-
-<file path=customXml/itemProps108.xml><?xml version="1.0" encoding="utf-8"?>
-<ds:datastoreItem xmlns:ds="http://schemas.openxmlformats.org/officeDocument/2006/customXml" ds:itemID="{A26C2F90-97F2-4089-BDB9-A8F1A786BE92}">
-  <ds:schemaRefs>
-    <ds:schemaRef ds:uri="http://schemas.microsoft.com/VisualStudio/2011/storyboarding/control"/>
-  </ds:schemaRefs>
-</ds:datastoreItem>
-</file>
-
-<file path=customXml/itemProps109.xml><?xml version="1.0" encoding="utf-8"?>
-<ds:datastoreItem xmlns:ds="http://schemas.openxmlformats.org/officeDocument/2006/customXml" ds:itemID="{7237F07E-A930-4D5B-AB6B-A69936D64469}">
-  <ds:schemaRefs>
-    <ds:schemaRef ds:uri="http://schemas.microsoft.com/VisualStudio/2011/storyboarding/control"/>
-  </ds:schemaRefs>
-</ds:datastoreItem>
-</file>
-
-<file path=customXml/itemProps11.xml><?xml version="1.0" encoding="utf-8"?>
-<ds:datastoreItem xmlns:ds="http://schemas.openxmlformats.org/officeDocument/2006/customXml" ds:itemID="{43357BA7-E8FE-4D54-AC80-E8E59429C281}">
-  <ds:schemaRefs>
-    <ds:schemaRef ds:uri="http://schemas.microsoft.com/VisualStudio/2011/storyboarding/control"/>
-  </ds:schemaRefs>
-</ds:datastoreItem>
-</file>
-
-<file path=customXml/itemProps110.xml><?xml version="1.0" encoding="utf-8"?>
-<ds:datastoreItem xmlns:ds="http://schemas.openxmlformats.org/officeDocument/2006/customXml" ds:itemID="{8491097D-3BEA-417B-9273-13DD25B61827}">
-  <ds:schemaRefs>
-    <ds:schemaRef ds:uri="http://schemas.microsoft.com/VisualStudio/2011/storyboarding/control"/>
-  </ds:schemaRefs>
-</ds:datastoreItem>
-</file>
-
-<file path=customXml/itemProps111.xml><?xml version="1.0" encoding="utf-8"?>
-<ds:datastoreItem xmlns:ds="http://schemas.openxmlformats.org/officeDocument/2006/customXml" ds:itemID="{8CAFE994-D574-4D5A-B645-2896E8079B39}">
-  <ds:schemaRefs>
-    <ds:schemaRef ds:uri="http://schemas.microsoft.com/VisualStudio/2011/storyboarding/control"/>
-  </ds:schemaRefs>
-</ds:datastoreItem>
-</file>
-
-<file path=customXml/itemProps112.xml><?xml version="1.0" encoding="utf-8"?>
-<ds:datastoreItem xmlns:ds="http://schemas.openxmlformats.org/officeDocument/2006/customXml" ds:itemID="{883EAB1A-18F1-41A1-87DF-62F639BB46CC}">
-  <ds:schemaRefs>
-    <ds:schemaRef ds:uri="http://schemas.microsoft.com/VisualStudio/2011/storyboarding/control"/>
-  </ds:schemaRefs>
-</ds:datastoreItem>
-</file>
-
-<file path=customXml/itemProps113.xml><?xml version="1.0" encoding="utf-8"?>
-<ds:datastoreItem xmlns:ds="http://schemas.openxmlformats.org/officeDocument/2006/customXml" ds:itemID="{3532F4D0-3A20-4546-96DA-A56D979929A4}">
-  <ds:schemaRefs>
-    <ds:schemaRef ds:uri="http://schemas.microsoft.com/VisualStudio/2011/storyboarding/control"/>
-  </ds:schemaRefs>
-</ds:datastoreItem>
-</file>
-
-<file path=customXml/itemProps114.xml><?xml version="1.0" encoding="utf-8"?>
-<ds:datastoreItem xmlns:ds="http://schemas.openxmlformats.org/officeDocument/2006/customXml" ds:itemID="{09CE74FB-25C7-4560-B2D1-31C53C62D2F2}">
-  <ds:schemaRefs>
-    <ds:schemaRef ds:uri="http://schemas.microsoft.com/VisualStudio/2011/storyboarding/control"/>
-  </ds:schemaRefs>
-</ds:datastoreItem>
-</file>
-
-<file path=customXml/itemProps115.xml><?xml version="1.0" encoding="utf-8"?>
-<ds:datastoreItem xmlns:ds="http://schemas.openxmlformats.org/officeDocument/2006/customXml" ds:itemID="{E838682E-A725-4A1A-AF5F-C55834732EBC}">
-  <ds:schemaRefs>
-    <ds:schemaRef ds:uri="http://schemas.microsoft.com/VisualStudio/2011/storyboarding/control"/>
-  </ds:schemaRefs>
-</ds:datastoreItem>
-</file>
-
-<file path=customXml/itemProps116.xml><?xml version="1.0" encoding="utf-8"?>
-<ds:datastoreItem xmlns:ds="http://schemas.openxmlformats.org/officeDocument/2006/customXml" ds:itemID="{91823E9A-3FFE-4021-8E70-46EE6BE38399}">
-  <ds:schemaRefs>
-    <ds:schemaRef ds:uri="http://schemas.microsoft.com/VisualStudio/2011/storyboarding/control"/>
-  </ds:schemaRefs>
-</ds:datastoreItem>
-</file>
-
-<file path=customXml/itemProps117.xml><?xml version="1.0" encoding="utf-8"?>
-<ds:datastoreItem xmlns:ds="http://schemas.openxmlformats.org/officeDocument/2006/customXml" ds:itemID="{82E33D8B-2115-44F9-B288-F7DDC7375FA0}">
-  <ds:schemaRefs>
-    <ds:schemaRef ds:uri="http://schemas.microsoft.com/VisualStudio/2011/storyboarding/control"/>
-  </ds:schemaRefs>
-</ds:datastoreItem>
-</file>
-
-<file path=customXml/itemProps118.xml><?xml version="1.0" encoding="utf-8"?>
-<ds:datastoreItem xmlns:ds="http://schemas.openxmlformats.org/officeDocument/2006/customXml" ds:itemID="{F284721C-0256-43ED-B521-30AC7262120A}">
-  <ds:schemaRefs>
-    <ds:schemaRef ds:uri="http://schemas.microsoft.com/VisualStudio/2011/storyboarding/control"/>
-  </ds:schemaRefs>
-</ds:datastoreItem>
-</file>
-
-<file path=customXml/itemProps119.xml><?xml version="1.0" encoding="utf-8"?>
-<ds:datastoreItem xmlns:ds="http://schemas.openxmlformats.org/officeDocument/2006/customXml" ds:itemID="{28D2D0D7-C598-41C7-9CF5-F1DEDB3DDE59}">
-  <ds:schemaRefs>
-    <ds:schemaRef ds:uri="http://schemas.microsoft.com/VisualStudio/2011/storyboarding/control"/>
-  </ds:schemaRefs>
-</ds:datastoreItem>
-</file>
-
-<file path=customXml/itemProps12.xml><?xml version="1.0" encoding="utf-8"?>
-<ds:datastoreItem xmlns:ds="http://schemas.openxmlformats.org/officeDocument/2006/customXml" ds:itemID="{E12DD9CD-91AF-4CC9-87D9-DB103477FE67}">
-  <ds:schemaRefs>
-    <ds:schemaRef ds:uri="http://schemas.microsoft.com/VisualStudio/2011/storyboarding/control"/>
-  </ds:schemaRefs>
-</ds:datastoreItem>
-</file>
-
-<file path=customXml/itemProps120.xml><?xml version="1.0" encoding="utf-8"?>
-<ds:datastoreItem xmlns:ds="http://schemas.openxmlformats.org/officeDocument/2006/customXml" ds:itemID="{360AAA09-4D6B-4080-966E-6CECA704A0AD}">
-  <ds:schemaRefs>
-    <ds:schemaRef ds:uri="http://schemas.microsoft.com/VisualStudio/2011/storyboarding/control"/>
-  </ds:schemaRefs>
-</ds:datastoreItem>
-</file>
-
-<file path=customXml/itemProps121.xml><?xml version="1.0" encoding="utf-8"?>
-<ds:datastoreItem xmlns:ds="http://schemas.openxmlformats.org/officeDocument/2006/customXml" ds:itemID="{CACE061C-AF2C-40BF-8F95-96F3F58C1B9E}">
-  <ds:schemaRefs>
-    <ds:schemaRef ds:uri="http://schemas.microsoft.com/VisualStudio/2011/storyboarding/control"/>
-  </ds:schemaRefs>
-</ds:datastoreItem>
-</file>
-
-<file path=customXml/itemProps122.xml><?xml version="1.0" encoding="utf-8"?>
+<file path=customXml/itemProps88.xml><?xml version="1.0" encoding="utf-8"?>
 <ds:datastoreItem xmlns:ds="http://schemas.openxmlformats.org/officeDocument/2006/customXml" ds:itemID="{FB4E80E6-CDBF-4033-8B52-FB80E5634189}">
   <ds:schemaRefs>
     <ds:schemaRef ds:uri="http://schemas.microsoft.com/VisualStudio/2011/storyboarding/control"/>
@@ -31695,183 +34119,7 @@
 </ds:datastoreItem>
 </file>
 
-<file path=customXml/itemProps123.xml><?xml version="1.0" encoding="utf-8"?>
-<ds:datastoreItem xmlns:ds="http://schemas.openxmlformats.org/officeDocument/2006/customXml" ds:itemID="{4B8959CA-E536-47DF-A3F3-13A2FC3A535C}">
-  <ds:schemaRefs>
-    <ds:schemaRef ds:uri="http://schemas.microsoft.com/VisualStudio/2011/storyboarding/control"/>
-  </ds:schemaRefs>
-</ds:datastoreItem>
-</file>
-
-<file path=customXml/itemProps124.xml><?xml version="1.0" encoding="utf-8"?>
-<ds:datastoreItem xmlns:ds="http://schemas.openxmlformats.org/officeDocument/2006/customXml" ds:itemID="{9BC0CB4D-BF5E-434C-A27C-66597D46EEDF}">
-  <ds:schemaRefs>
-    <ds:schemaRef ds:uri="http://schemas.microsoft.com/VisualStudio/2011/storyboarding/control"/>
-  </ds:schemaRefs>
-</ds:datastoreItem>
-</file>
-
-<file path=customXml/itemProps125.xml><?xml version="1.0" encoding="utf-8"?>
-<ds:datastoreItem xmlns:ds="http://schemas.openxmlformats.org/officeDocument/2006/customXml" ds:itemID="{25AC7257-525C-4E5A-AA42-573829D61A3B}">
-  <ds:schemaRefs>
-    <ds:schemaRef ds:uri="http://schemas.microsoft.com/VisualStudio/2011/storyboarding/control"/>
-  </ds:schemaRefs>
-</ds:datastoreItem>
-</file>
-
-<file path=customXml/itemProps126.xml><?xml version="1.0" encoding="utf-8"?>
-<ds:datastoreItem xmlns:ds="http://schemas.openxmlformats.org/officeDocument/2006/customXml" ds:itemID="{AEE42BF4-3F49-4791-99A4-B9C5521F3813}">
-  <ds:schemaRefs>
-    <ds:schemaRef ds:uri="http://schemas.microsoft.com/VisualStudio/2011/storyboarding/control"/>
-  </ds:schemaRefs>
-</ds:datastoreItem>
-</file>
-
-<file path=customXml/itemProps127.xml><?xml version="1.0" encoding="utf-8"?>
-<ds:datastoreItem xmlns:ds="http://schemas.openxmlformats.org/officeDocument/2006/customXml" ds:itemID="{BA0988D9-08D5-4B0D-B2CA-AFA6A82BFB69}">
-  <ds:schemaRefs>
-    <ds:schemaRef ds:uri="http://schemas.microsoft.com/VisualStudio/2011/storyboarding/control"/>
-  </ds:schemaRefs>
-</ds:datastoreItem>
-</file>
-
-<file path=customXml/itemProps128.xml><?xml version="1.0" encoding="utf-8"?>
-<ds:datastoreItem xmlns:ds="http://schemas.openxmlformats.org/officeDocument/2006/customXml" ds:itemID="{86A76FA3-4235-4BDB-A418-31656486084F}">
-  <ds:schemaRefs>
-    <ds:schemaRef ds:uri="http://schemas.microsoft.com/VisualStudio/2011/storyboarding/control"/>
-  </ds:schemaRefs>
-</ds:datastoreItem>
-</file>
-
-<file path=customXml/itemProps129.xml><?xml version="1.0" encoding="utf-8"?>
-<ds:datastoreItem xmlns:ds="http://schemas.openxmlformats.org/officeDocument/2006/customXml" ds:itemID="{4274C42F-63E9-49F9-B959-AD75845B8D07}">
-  <ds:schemaRefs>
-    <ds:schemaRef ds:uri="http://schemas.microsoft.com/VisualStudio/2011/storyboarding/control"/>
-  </ds:schemaRefs>
-</ds:datastoreItem>
-</file>
-
-<file path=customXml/itemProps13.xml><?xml version="1.0" encoding="utf-8"?>
-<ds:datastoreItem xmlns:ds="http://schemas.openxmlformats.org/officeDocument/2006/customXml" ds:itemID="{73CFC637-E0A4-430F-AF1C-69D891B1F8FC}">
-  <ds:schemaRefs>
-    <ds:schemaRef ds:uri="http://schemas.microsoft.com/VisualStudio/2011/storyboarding/control"/>
-  </ds:schemaRefs>
-</ds:datastoreItem>
-</file>
-
-<file path=customXml/itemProps130.xml><?xml version="1.0" encoding="utf-8"?>
-<ds:datastoreItem xmlns:ds="http://schemas.openxmlformats.org/officeDocument/2006/customXml" ds:itemID="{0026E863-1463-490E-A7C3-462BE194A97F}">
-  <ds:schemaRefs>
-    <ds:schemaRef ds:uri="http://schemas.microsoft.com/VisualStudio/2011/storyboarding/control"/>
-  </ds:schemaRefs>
-</ds:datastoreItem>
-</file>
-
-<file path=customXml/itemProps131.xml><?xml version="1.0" encoding="utf-8"?>
-<ds:datastoreItem xmlns:ds="http://schemas.openxmlformats.org/officeDocument/2006/customXml" ds:itemID="{6748DE81-CF9F-41D6-A892-A50382DC7C38}">
-  <ds:schemaRefs>
-    <ds:schemaRef ds:uri="http://schemas.microsoft.com/VisualStudio/2011/storyboarding/control"/>
-  </ds:schemaRefs>
-</ds:datastoreItem>
-</file>
-
-<file path=customXml/itemProps132.xml><?xml version="1.0" encoding="utf-8"?>
-<ds:datastoreItem xmlns:ds="http://schemas.openxmlformats.org/officeDocument/2006/customXml" ds:itemID="{E493DE54-B33A-411C-98E0-28E77D2B227F}">
-  <ds:schemaRefs>
-    <ds:schemaRef ds:uri="http://schemas.microsoft.com/VisualStudio/2011/storyboarding/control"/>
-  </ds:schemaRefs>
-</ds:datastoreItem>
-</file>
-
-<file path=customXml/itemProps133.xml><?xml version="1.0" encoding="utf-8"?>
-<ds:datastoreItem xmlns:ds="http://schemas.openxmlformats.org/officeDocument/2006/customXml" ds:itemID="{0B9C428E-2130-42D7-AF35-CB4A84DD8F2F}">
-  <ds:schemaRefs>
-    <ds:schemaRef ds:uri="http://schemas.microsoft.com/VisualStudio/2011/storyboarding/control"/>
-  </ds:schemaRefs>
-</ds:datastoreItem>
-</file>
-
-<file path=customXml/itemProps134.xml><?xml version="1.0" encoding="utf-8"?>
-<ds:datastoreItem xmlns:ds="http://schemas.openxmlformats.org/officeDocument/2006/customXml" ds:itemID="{FA3B41DB-8CE9-4ECC-8674-1D620E522544}">
-  <ds:schemaRefs>
-    <ds:schemaRef ds:uri="http://schemas.microsoft.com/VisualStudio/2011/storyboarding/control"/>
-  </ds:schemaRefs>
-</ds:datastoreItem>
-</file>
-
-<file path=customXml/itemProps135.xml><?xml version="1.0" encoding="utf-8"?>
-<ds:datastoreItem xmlns:ds="http://schemas.openxmlformats.org/officeDocument/2006/customXml" ds:itemID="{387D2E86-F190-4CEF-A687-BC810EFEE0E5}">
-  <ds:schemaRefs>
-    <ds:schemaRef ds:uri="http://schemas.microsoft.com/VisualStudio/2011/storyboarding/control"/>
-  </ds:schemaRefs>
-</ds:datastoreItem>
-</file>
-
-<file path=customXml/itemProps136.xml><?xml version="1.0" encoding="utf-8"?>
-<ds:datastoreItem xmlns:ds="http://schemas.openxmlformats.org/officeDocument/2006/customXml" ds:itemID="{7D83CF62-C030-46A5-BB42-EA6E29EB49F5}">
-  <ds:schemaRefs>
-    <ds:schemaRef ds:uri="http://schemas.microsoft.com/VisualStudio/2011/storyboarding/control"/>
-  </ds:schemaRefs>
-</ds:datastoreItem>
-</file>
-
-<file path=customXml/itemProps137.xml><?xml version="1.0" encoding="utf-8"?>
-<ds:datastoreItem xmlns:ds="http://schemas.openxmlformats.org/officeDocument/2006/customXml" ds:itemID="{3BA5FAE4-8745-4A74-B298-4B5E45FB845F}">
-  <ds:schemaRefs>
-    <ds:schemaRef ds:uri="http://schemas.microsoft.com/VisualStudio/2011/storyboarding/control"/>
-  </ds:schemaRefs>
-</ds:datastoreItem>
-</file>
-
-<file path=customXml/itemProps138.xml><?xml version="1.0" encoding="utf-8"?>
-<ds:datastoreItem xmlns:ds="http://schemas.openxmlformats.org/officeDocument/2006/customXml" ds:itemID="{48917C74-9AB4-479C-9313-A0088632D5F9}">
-  <ds:schemaRefs>
-    <ds:schemaRef ds:uri="http://schemas.microsoft.com/VisualStudio/2011/storyboarding/control"/>
-  </ds:schemaRefs>
-</ds:datastoreItem>
-</file>
-
-<file path=customXml/itemProps139.xml><?xml version="1.0" encoding="utf-8"?>
-<ds:datastoreItem xmlns:ds="http://schemas.openxmlformats.org/officeDocument/2006/customXml" ds:itemID="{BF6D3440-7C7A-43AD-BDB6-DC5F6F28E620}">
-  <ds:schemaRefs>
-    <ds:schemaRef ds:uri="http://schemas.microsoft.com/VisualStudio/2011/storyboarding/control"/>
-  </ds:schemaRefs>
-</ds:datastoreItem>
-</file>
-
-<file path=customXml/itemProps14.xml><?xml version="1.0" encoding="utf-8"?>
-<ds:datastoreItem xmlns:ds="http://schemas.openxmlformats.org/officeDocument/2006/customXml" ds:itemID="{9B88C461-FD72-4CCE-B36A-E6CD818ADA83}">
-  <ds:schemaRefs>
-    <ds:schemaRef ds:uri="http://schemas.microsoft.com/VisualStudio/2011/storyboarding/control"/>
-  </ds:schemaRefs>
-</ds:datastoreItem>
-</file>
-
-<file path=customXml/itemProps140.xml><?xml version="1.0" encoding="utf-8"?>
-<ds:datastoreItem xmlns:ds="http://schemas.openxmlformats.org/officeDocument/2006/customXml" ds:itemID="{CFD780DE-34AD-4E8E-9D17-223D69561496}">
-  <ds:schemaRefs>
-    <ds:schemaRef ds:uri="http://schemas.microsoft.com/VisualStudio/2011/storyboarding/control"/>
-  </ds:schemaRefs>
-</ds:datastoreItem>
-</file>
-
-<file path=customXml/itemProps141.xml><?xml version="1.0" encoding="utf-8"?>
-<ds:datastoreItem xmlns:ds="http://schemas.openxmlformats.org/officeDocument/2006/customXml" ds:itemID="{CDFD8D22-8AC0-4F2F-AC24-E9009ABA608B}">
-  <ds:schemaRefs>
-    <ds:schemaRef ds:uri="http://schemas.microsoft.com/VisualStudio/2011/storyboarding/control"/>
-  </ds:schemaRefs>
-</ds:datastoreItem>
-</file>
-
-<file path=customXml/itemProps142.xml><?xml version="1.0" encoding="utf-8"?>
-<ds:datastoreItem xmlns:ds="http://schemas.openxmlformats.org/officeDocument/2006/customXml" ds:itemID="{738FF2C8-587D-4C02-8D5D-20CBF1EE7CCD}">
-  <ds:schemaRefs>
-    <ds:schemaRef ds:uri="http://schemas.microsoft.com/VisualStudio/2011/storyboarding/control"/>
-  </ds:schemaRefs>
-</ds:datastoreItem>
-</file>
-
-<file path=customXml/itemProps143.xml><?xml version="1.0" encoding="utf-8"?>
+<file path=customXml/itemProps89.xml><?xml version="1.0" encoding="utf-8"?>
 <ds:datastoreItem xmlns:ds="http://schemas.openxmlformats.org/officeDocument/2006/customXml" ds:itemID="{17B0D8AB-58DB-487A-A1B2-410414827202}">
   <ds:schemaRefs>
     <ds:schemaRef ds:uri="http://schemas.microsoft.com/VisualStudio/2011/storyboarding/control"/>
@@ -31879,183 +34127,15 @@
 </ds:datastoreItem>
 </file>
 
-<file path=customXml/itemProps144.xml><?xml version="1.0" encoding="utf-8"?>
-<ds:datastoreItem xmlns:ds="http://schemas.openxmlformats.org/officeDocument/2006/customXml" ds:itemID="{97E1D339-E6D5-4BF5-8B5C-160203B68484}">
+<file path=customXml/itemProps9.xml><?xml version="1.0" encoding="utf-8"?>
+<ds:datastoreItem xmlns:ds="http://schemas.openxmlformats.org/officeDocument/2006/customXml" ds:itemID="{CD08CBAF-EFED-4E31-A630-125B2BF33FB5}">
   <ds:schemaRefs>
     <ds:schemaRef ds:uri="http://schemas.microsoft.com/VisualStudio/2011/storyboarding/control"/>
   </ds:schemaRefs>
 </ds:datastoreItem>
 </file>
 
-<file path=customXml/itemProps145.xml><?xml version="1.0" encoding="utf-8"?>
-<ds:datastoreItem xmlns:ds="http://schemas.openxmlformats.org/officeDocument/2006/customXml" ds:itemID="{A57FB331-1A42-4197-A916-5DB1567728A7}">
-  <ds:schemaRefs>
-    <ds:schemaRef ds:uri="http://schemas.microsoft.com/VisualStudio/2011/storyboarding/control"/>
-  </ds:schemaRefs>
-</ds:datastoreItem>
-</file>
-
-<file path=customXml/itemProps146.xml><?xml version="1.0" encoding="utf-8"?>
-<ds:datastoreItem xmlns:ds="http://schemas.openxmlformats.org/officeDocument/2006/customXml" ds:itemID="{392A17C6-E843-4590-854E-08329261E193}">
-  <ds:schemaRefs>
-    <ds:schemaRef ds:uri="http://schemas.microsoft.com/VisualStudio/2011/storyboarding/control"/>
-  </ds:schemaRefs>
-</ds:datastoreItem>
-</file>
-
-<file path=customXml/itemProps147.xml><?xml version="1.0" encoding="utf-8"?>
-<ds:datastoreItem xmlns:ds="http://schemas.openxmlformats.org/officeDocument/2006/customXml" ds:itemID="{4AEFBEC5-3299-4A73-AC33-103FD5383E81}">
-  <ds:schemaRefs>
-    <ds:schemaRef ds:uri="http://schemas.microsoft.com/VisualStudio/2011/storyboarding/control"/>
-  </ds:schemaRefs>
-</ds:datastoreItem>
-</file>
-
-<file path=customXml/itemProps148.xml><?xml version="1.0" encoding="utf-8"?>
-<ds:datastoreItem xmlns:ds="http://schemas.openxmlformats.org/officeDocument/2006/customXml" ds:itemID="{E7073ACC-ED47-46EB-93A2-943D352CC737}">
-  <ds:schemaRefs>
-    <ds:schemaRef ds:uri="http://schemas.microsoft.com/VisualStudio/2011/storyboarding/control"/>
-  </ds:schemaRefs>
-</ds:datastoreItem>
-</file>
-
-<file path=customXml/itemProps149.xml><?xml version="1.0" encoding="utf-8"?>
-<ds:datastoreItem xmlns:ds="http://schemas.openxmlformats.org/officeDocument/2006/customXml" ds:itemID="{29679B89-9CBC-4928-A22A-244AE0237BB0}">
-  <ds:schemaRefs>
-    <ds:schemaRef ds:uri="http://schemas.microsoft.com/VisualStudio/2011/storyboarding/control"/>
-  </ds:schemaRefs>
-</ds:datastoreItem>
-</file>
-
-<file path=customXml/itemProps15.xml><?xml version="1.0" encoding="utf-8"?>
-<ds:datastoreItem xmlns:ds="http://schemas.openxmlformats.org/officeDocument/2006/customXml" ds:itemID="{399F0338-4F9A-433F-839E-BB1C565311C7}">
-  <ds:schemaRefs>
-    <ds:schemaRef ds:uri="http://schemas.microsoft.com/VisualStudio/2011/storyboarding/control"/>
-  </ds:schemaRefs>
-</ds:datastoreItem>
-</file>
-
-<file path=customXml/itemProps150.xml><?xml version="1.0" encoding="utf-8"?>
-<ds:datastoreItem xmlns:ds="http://schemas.openxmlformats.org/officeDocument/2006/customXml" ds:itemID="{A39F5018-76E8-4CE5-A9B7-D9BE197ECF9D}">
-  <ds:schemaRefs>
-    <ds:schemaRef ds:uri="http://schemas.microsoft.com/VisualStudio/2011/storyboarding/control"/>
-  </ds:schemaRefs>
-</ds:datastoreItem>
-</file>
-
-<file path=customXml/itemProps151.xml><?xml version="1.0" encoding="utf-8"?>
-<ds:datastoreItem xmlns:ds="http://schemas.openxmlformats.org/officeDocument/2006/customXml" ds:itemID="{74E1FA7F-A4B5-484B-929E-6F02BB83131C}">
-  <ds:schemaRefs>
-    <ds:schemaRef ds:uri="http://schemas.microsoft.com/VisualStudio/2011/storyboarding/control"/>
-  </ds:schemaRefs>
-</ds:datastoreItem>
-</file>
-
-<file path=customXml/itemProps152.xml><?xml version="1.0" encoding="utf-8"?>
-<ds:datastoreItem xmlns:ds="http://schemas.openxmlformats.org/officeDocument/2006/customXml" ds:itemID="{B174ADE3-21E2-481C-8E8A-011947EAD38E}">
-  <ds:schemaRefs>
-    <ds:schemaRef ds:uri="http://schemas.microsoft.com/VisualStudio/2011/storyboarding/control"/>
-  </ds:schemaRefs>
-</ds:datastoreItem>
-</file>
-
-<file path=customXml/itemProps153.xml><?xml version="1.0" encoding="utf-8"?>
-<ds:datastoreItem xmlns:ds="http://schemas.openxmlformats.org/officeDocument/2006/customXml" ds:itemID="{1F1C81C4-08EC-49F6-8812-BB55E898A450}">
-  <ds:schemaRefs>
-    <ds:schemaRef ds:uri="http://schemas.microsoft.com/VisualStudio/2011/storyboarding/control"/>
-  </ds:schemaRefs>
-</ds:datastoreItem>
-</file>
-
-<file path=customXml/itemProps154.xml><?xml version="1.0" encoding="utf-8"?>
-<ds:datastoreItem xmlns:ds="http://schemas.openxmlformats.org/officeDocument/2006/customXml" ds:itemID="{67299DBF-78FD-4556-BEC5-DAED3F111C44}">
-  <ds:schemaRefs>
-    <ds:schemaRef ds:uri="http://schemas.microsoft.com/VisualStudio/2011/storyboarding/control"/>
-  </ds:schemaRefs>
-</ds:datastoreItem>
-</file>
-
-<file path=customXml/itemProps155.xml><?xml version="1.0" encoding="utf-8"?>
-<ds:datastoreItem xmlns:ds="http://schemas.openxmlformats.org/officeDocument/2006/customXml" ds:itemID="{3DAA7D18-8F95-4CEF-80BA-EBFE8E9D748D}">
-  <ds:schemaRefs>
-    <ds:schemaRef ds:uri="http://schemas.microsoft.com/VisualStudio/2011/storyboarding/control"/>
-  </ds:schemaRefs>
-</ds:datastoreItem>
-</file>
-
-<file path=customXml/itemProps156.xml><?xml version="1.0" encoding="utf-8"?>
-<ds:datastoreItem xmlns:ds="http://schemas.openxmlformats.org/officeDocument/2006/customXml" ds:itemID="{49295FCB-C0F6-4058-AADB-C80AB995A670}">
-  <ds:schemaRefs>
-    <ds:schemaRef ds:uri="http://schemas.microsoft.com/VisualStudio/2011/storyboarding/control"/>
-  </ds:schemaRefs>
-</ds:datastoreItem>
-</file>
-
-<file path=customXml/itemProps157.xml><?xml version="1.0" encoding="utf-8"?>
-<ds:datastoreItem xmlns:ds="http://schemas.openxmlformats.org/officeDocument/2006/customXml" ds:itemID="{913EDEB5-0043-4ADF-BF69-77EF99A91A70}">
-  <ds:schemaRefs>
-    <ds:schemaRef ds:uri="http://schemas.microsoft.com/VisualStudio/2011/storyboarding/control"/>
-  </ds:schemaRefs>
-</ds:datastoreItem>
-</file>
-
-<file path=customXml/itemProps158.xml><?xml version="1.0" encoding="utf-8"?>
-<ds:datastoreItem xmlns:ds="http://schemas.openxmlformats.org/officeDocument/2006/customXml" ds:itemID="{ACC1D029-4DA6-4263-8BB1-54527B14416B}">
-  <ds:schemaRefs>
-    <ds:schemaRef ds:uri="http://schemas.microsoft.com/VisualStudio/2011/storyboarding/control"/>
-  </ds:schemaRefs>
-</ds:datastoreItem>
-</file>
-
-<file path=customXml/itemProps159.xml><?xml version="1.0" encoding="utf-8"?>
-<ds:datastoreItem xmlns:ds="http://schemas.openxmlformats.org/officeDocument/2006/customXml" ds:itemID="{AD765DBE-9671-45BD-9DBB-9A8CD991D305}">
-  <ds:schemaRefs>
-    <ds:schemaRef ds:uri="http://schemas.microsoft.com/VisualStudio/2011/storyboarding/control"/>
-  </ds:schemaRefs>
-</ds:datastoreItem>
-</file>
-
-<file path=customXml/itemProps16.xml><?xml version="1.0" encoding="utf-8"?>
-<ds:datastoreItem xmlns:ds="http://schemas.openxmlformats.org/officeDocument/2006/customXml" ds:itemID="{2BAF75F3-AE75-48DB-90B4-754B228BC76B}">
-  <ds:schemaRefs>
-    <ds:schemaRef ds:uri="http://schemas.microsoft.com/VisualStudio/2011/storyboarding/control"/>
-  </ds:schemaRefs>
-</ds:datastoreItem>
-</file>
-
-<file path=customXml/itemProps160.xml><?xml version="1.0" encoding="utf-8"?>
-<ds:datastoreItem xmlns:ds="http://schemas.openxmlformats.org/officeDocument/2006/customXml" ds:itemID="{D0D892FC-96D9-4F80-841A-D732044A2BF9}">
-  <ds:schemaRefs>
-    <ds:schemaRef ds:uri="http://schemas.microsoft.com/VisualStudio/2011/storyboarding/control"/>
-  </ds:schemaRefs>
-</ds:datastoreItem>
-</file>
-
-<file path=customXml/itemProps161.xml><?xml version="1.0" encoding="utf-8"?>
-<ds:datastoreItem xmlns:ds="http://schemas.openxmlformats.org/officeDocument/2006/customXml" ds:itemID="{295D5A01-DECE-4774-9D37-0549E549A300}">
-  <ds:schemaRefs>
-    <ds:schemaRef ds:uri="http://schemas.microsoft.com/VisualStudio/2011/storyboarding/control"/>
-  </ds:schemaRefs>
-</ds:datastoreItem>
-</file>
-
-<file path=customXml/itemProps162.xml><?xml version="1.0" encoding="utf-8"?>
-<ds:datastoreItem xmlns:ds="http://schemas.openxmlformats.org/officeDocument/2006/customXml" ds:itemID="{69F82D9F-0A52-4FF0-9FBC-8AED23C65368}">
-  <ds:schemaRefs>
-    <ds:schemaRef ds:uri="http://schemas.microsoft.com/VisualStudio/2011/storyboarding/control"/>
-  </ds:schemaRefs>
-</ds:datastoreItem>
-</file>
-
-<file path=customXml/itemProps163.xml><?xml version="1.0" encoding="utf-8"?>
-<ds:datastoreItem xmlns:ds="http://schemas.openxmlformats.org/officeDocument/2006/customXml" ds:itemID="{F36D2A4F-C360-49F8-A227-4F706FF4D9DF}">
-  <ds:schemaRefs>
-    <ds:schemaRef ds:uri="http://schemas.microsoft.com/VisualStudio/2011/storyboarding/control"/>
-  </ds:schemaRefs>
-</ds:datastoreItem>
-</file>
-
-<file path=customXml/itemProps164.xml><?xml version="1.0" encoding="utf-8"?>
+<file path=customXml/itemProps90.xml><?xml version="1.0" encoding="utf-8"?>
 <ds:datastoreItem xmlns:ds="http://schemas.openxmlformats.org/officeDocument/2006/customXml" ds:itemID="{FD188300-81E8-4775-8131-2C284D97ABB2}">
   <ds:schemaRefs>
     <ds:schemaRef ds:uri="http://schemas.microsoft.com/VisualStudio/2011/storyboarding/control"/>
@@ -32063,183 +34143,7 @@
 </ds:datastoreItem>
 </file>
 
-<file path=customXml/itemProps165.xml><?xml version="1.0" encoding="utf-8"?>
-<ds:datastoreItem xmlns:ds="http://schemas.openxmlformats.org/officeDocument/2006/customXml" ds:itemID="{40F569EB-8ABB-4446-9E42-226E6AA99E71}">
-  <ds:schemaRefs>
-    <ds:schemaRef ds:uri="http://schemas.microsoft.com/VisualStudio/2011/storyboarding/control"/>
-  </ds:schemaRefs>
-</ds:datastoreItem>
-</file>
-
-<file path=customXml/itemProps166.xml><?xml version="1.0" encoding="utf-8"?>
-<ds:datastoreItem xmlns:ds="http://schemas.openxmlformats.org/officeDocument/2006/customXml" ds:itemID="{DDBAC8B4-8905-4BB5-B558-4CCE9AACC1E7}">
-  <ds:schemaRefs>
-    <ds:schemaRef ds:uri="http://schemas.microsoft.com/VisualStudio/2011/storyboarding/control"/>
-  </ds:schemaRefs>
-</ds:datastoreItem>
-</file>
-
-<file path=customXml/itemProps167.xml><?xml version="1.0" encoding="utf-8"?>
-<ds:datastoreItem xmlns:ds="http://schemas.openxmlformats.org/officeDocument/2006/customXml" ds:itemID="{D016F5A6-ECCB-4F7B-BD25-D9CF1074E3F1}">
-  <ds:schemaRefs>
-    <ds:schemaRef ds:uri="http://schemas.microsoft.com/VisualStudio/2011/storyboarding/control"/>
-  </ds:schemaRefs>
-</ds:datastoreItem>
-</file>
-
-<file path=customXml/itemProps168.xml><?xml version="1.0" encoding="utf-8"?>
-<ds:datastoreItem xmlns:ds="http://schemas.openxmlformats.org/officeDocument/2006/customXml" ds:itemID="{B872BC0C-A9E3-42F9-A452-199EF7DB4AFC}">
-  <ds:schemaRefs>
-    <ds:schemaRef ds:uri="http://schemas.microsoft.com/VisualStudio/2011/storyboarding/control"/>
-  </ds:schemaRefs>
-</ds:datastoreItem>
-</file>
-
-<file path=customXml/itemProps169.xml><?xml version="1.0" encoding="utf-8"?>
-<ds:datastoreItem xmlns:ds="http://schemas.openxmlformats.org/officeDocument/2006/customXml" ds:itemID="{E1C1B0C3-0D59-41BC-95F4-F0A42ABC6316}">
-  <ds:schemaRefs>
-    <ds:schemaRef ds:uri="http://schemas.microsoft.com/VisualStudio/2011/storyboarding/control"/>
-  </ds:schemaRefs>
-</ds:datastoreItem>
-</file>
-
-<file path=customXml/itemProps17.xml><?xml version="1.0" encoding="utf-8"?>
-<ds:datastoreItem xmlns:ds="http://schemas.openxmlformats.org/officeDocument/2006/customXml" ds:itemID="{B61EEC1E-2199-42F9-BF79-C8F5F69EF85E}">
-  <ds:schemaRefs>
-    <ds:schemaRef ds:uri="http://schemas.microsoft.com/VisualStudio/2011/storyboarding/control"/>
-  </ds:schemaRefs>
-</ds:datastoreItem>
-</file>
-
-<file path=customXml/itemProps170.xml><?xml version="1.0" encoding="utf-8"?>
-<ds:datastoreItem xmlns:ds="http://schemas.openxmlformats.org/officeDocument/2006/customXml" ds:itemID="{D30FE00D-B30C-4E97-A466-D2EAAA05FD64}">
-  <ds:schemaRefs>
-    <ds:schemaRef ds:uri="http://schemas.microsoft.com/VisualStudio/2011/storyboarding/control"/>
-  </ds:schemaRefs>
-</ds:datastoreItem>
-</file>
-
-<file path=customXml/itemProps171.xml><?xml version="1.0" encoding="utf-8"?>
-<ds:datastoreItem xmlns:ds="http://schemas.openxmlformats.org/officeDocument/2006/customXml" ds:itemID="{2E8AD9A9-60C6-455B-B9D1-03A11462F16E}">
-  <ds:schemaRefs>
-    <ds:schemaRef ds:uri="http://schemas.microsoft.com/VisualStudio/2011/storyboarding/control"/>
-  </ds:schemaRefs>
-</ds:datastoreItem>
-</file>
-
-<file path=customXml/itemProps172.xml><?xml version="1.0" encoding="utf-8"?>
-<ds:datastoreItem xmlns:ds="http://schemas.openxmlformats.org/officeDocument/2006/customXml" ds:itemID="{F1849B9A-F2A7-47EC-B82F-47ADD7DF296A}">
-  <ds:schemaRefs>
-    <ds:schemaRef ds:uri="http://schemas.microsoft.com/VisualStudio/2011/storyboarding/control"/>
-  </ds:schemaRefs>
-</ds:datastoreItem>
-</file>
-
-<file path=customXml/itemProps173.xml><?xml version="1.0" encoding="utf-8"?>
-<ds:datastoreItem xmlns:ds="http://schemas.openxmlformats.org/officeDocument/2006/customXml" ds:itemID="{97793ECA-24C6-46F3-9A59-850352AED6B0}">
-  <ds:schemaRefs>
-    <ds:schemaRef ds:uri="http://schemas.microsoft.com/VisualStudio/2011/storyboarding/control"/>
-  </ds:schemaRefs>
-</ds:datastoreItem>
-</file>
-
-<file path=customXml/itemProps174.xml><?xml version="1.0" encoding="utf-8"?>
-<ds:datastoreItem xmlns:ds="http://schemas.openxmlformats.org/officeDocument/2006/customXml" ds:itemID="{BD7F245B-D69F-4F08-A7F4-28005B361C32}">
-  <ds:schemaRefs>
-    <ds:schemaRef ds:uri="http://schemas.microsoft.com/VisualStudio/2011/storyboarding/control"/>
-  </ds:schemaRefs>
-</ds:datastoreItem>
-</file>
-
-<file path=customXml/itemProps175.xml><?xml version="1.0" encoding="utf-8"?>
-<ds:datastoreItem xmlns:ds="http://schemas.openxmlformats.org/officeDocument/2006/customXml" ds:itemID="{9FE30FFB-7D87-468C-BC72-29B99764DFB2}">
-  <ds:schemaRefs>
-    <ds:schemaRef ds:uri="http://schemas.microsoft.com/VisualStudio/2011/storyboarding/control"/>
-  </ds:schemaRefs>
-</ds:datastoreItem>
-</file>
-
-<file path=customXml/itemProps176.xml><?xml version="1.0" encoding="utf-8"?>
-<ds:datastoreItem xmlns:ds="http://schemas.openxmlformats.org/officeDocument/2006/customXml" ds:itemID="{3BB98DE0-C029-4931-AD22-9DDCE0A7F55B}">
-  <ds:schemaRefs>
-    <ds:schemaRef ds:uri="http://schemas.microsoft.com/VisualStudio/2011/storyboarding/control"/>
-  </ds:schemaRefs>
-</ds:datastoreItem>
-</file>
-
-<file path=customXml/itemProps177.xml><?xml version="1.0" encoding="utf-8"?>
-<ds:datastoreItem xmlns:ds="http://schemas.openxmlformats.org/officeDocument/2006/customXml" ds:itemID="{494ECD25-6B82-4D53-B271-88A3A6E803B2}">
-  <ds:schemaRefs>
-    <ds:schemaRef ds:uri="http://schemas.microsoft.com/VisualStudio/2011/storyboarding/control"/>
-  </ds:schemaRefs>
-</ds:datastoreItem>
-</file>
-
-<file path=customXml/itemProps178.xml><?xml version="1.0" encoding="utf-8"?>
-<ds:datastoreItem xmlns:ds="http://schemas.openxmlformats.org/officeDocument/2006/customXml" ds:itemID="{AE128F89-BEFE-49D1-B7EC-DF64FC22E46D}">
-  <ds:schemaRefs>
-    <ds:schemaRef ds:uri="http://schemas.microsoft.com/VisualStudio/2011/storyboarding/control"/>
-  </ds:schemaRefs>
-</ds:datastoreItem>
-</file>
-
-<file path=customXml/itemProps179.xml><?xml version="1.0" encoding="utf-8"?>
-<ds:datastoreItem xmlns:ds="http://schemas.openxmlformats.org/officeDocument/2006/customXml" ds:itemID="{A59FF763-C396-4BBD-B648-8ED995144782}">
-  <ds:schemaRefs>
-    <ds:schemaRef ds:uri="http://schemas.microsoft.com/VisualStudio/2011/storyboarding/control"/>
-  </ds:schemaRefs>
-</ds:datastoreItem>
-</file>
-
-<file path=customXml/itemProps18.xml><?xml version="1.0" encoding="utf-8"?>
-<ds:datastoreItem xmlns:ds="http://schemas.openxmlformats.org/officeDocument/2006/customXml" ds:itemID="{B0A7260F-6144-438B-B40E-F17A3A1A2CE9}">
-  <ds:schemaRefs>
-    <ds:schemaRef ds:uri="http://schemas.microsoft.com/VisualStudio/2011/storyboarding/control"/>
-  </ds:schemaRefs>
-</ds:datastoreItem>
-</file>
-
-<file path=customXml/itemProps180.xml><?xml version="1.0" encoding="utf-8"?>
-<ds:datastoreItem xmlns:ds="http://schemas.openxmlformats.org/officeDocument/2006/customXml" ds:itemID="{63EA8E9F-9742-4D18-8B78-7EEA5B5F56E6}">
-  <ds:schemaRefs>
-    <ds:schemaRef ds:uri="http://schemas.microsoft.com/VisualStudio/2011/storyboarding/control"/>
-  </ds:schemaRefs>
-</ds:datastoreItem>
-</file>
-
-<file path=customXml/itemProps181.xml><?xml version="1.0" encoding="utf-8"?>
-<ds:datastoreItem xmlns:ds="http://schemas.openxmlformats.org/officeDocument/2006/customXml" ds:itemID="{56C614C4-5DEC-491F-B700-BEDDA8F8ADF4}">
-  <ds:schemaRefs>
-    <ds:schemaRef ds:uri="http://schemas.microsoft.com/VisualStudio/2011/storyboarding/control"/>
-  </ds:schemaRefs>
-</ds:datastoreItem>
-</file>
-
-<file path=customXml/itemProps182.xml><?xml version="1.0" encoding="utf-8"?>
-<ds:datastoreItem xmlns:ds="http://schemas.openxmlformats.org/officeDocument/2006/customXml" ds:itemID="{64BDFC0B-F42D-462F-86AB-8FF809D476BF}">
-  <ds:schemaRefs>
-    <ds:schemaRef ds:uri="http://schemas.microsoft.com/VisualStudio/2011/storyboarding/control"/>
-  </ds:schemaRefs>
-</ds:datastoreItem>
-</file>
-
-<file path=customXml/itemProps183.xml><?xml version="1.0" encoding="utf-8"?>
-<ds:datastoreItem xmlns:ds="http://schemas.openxmlformats.org/officeDocument/2006/customXml" ds:itemID="{FAF24902-C8B9-4A2B-9077-05751B70E139}">
-  <ds:schemaRefs>
-    <ds:schemaRef ds:uri="http://schemas.microsoft.com/VisualStudio/2011/storyboarding/control"/>
-  </ds:schemaRefs>
-</ds:datastoreItem>
-</file>
-
-<file path=customXml/itemProps184.xml><?xml version="1.0" encoding="utf-8"?>
-<ds:datastoreItem xmlns:ds="http://schemas.openxmlformats.org/officeDocument/2006/customXml" ds:itemID="{F289DBB7-301A-49B9-A05C-7204F013A6A1}">
-  <ds:schemaRefs>
-    <ds:schemaRef ds:uri="http://schemas.microsoft.com/VisualStudio/2011/storyboarding/control"/>
-  </ds:schemaRefs>
-</ds:datastoreItem>
-</file>
-
-<file path=customXml/itemProps185.xml><?xml version="1.0" encoding="utf-8"?>
+<file path=customXml/itemProps91.xml><?xml version="1.0" encoding="utf-8"?>
 <ds:datastoreItem xmlns:ds="http://schemas.openxmlformats.org/officeDocument/2006/customXml" ds:itemID="{50409344-7A08-4EEE-A095-5DC783125ED3}">
   <ds:schemaRefs>
     <ds:schemaRef ds:uri="http://schemas.microsoft.com/VisualStudio/2011/storyboarding/control"/>
@@ -32247,231 +34151,15 @@
 </ds:datastoreItem>
 </file>
 
-<file path=customXml/itemProps186.xml><?xml version="1.0" encoding="utf-8"?>
-<ds:datastoreItem xmlns:ds="http://schemas.openxmlformats.org/officeDocument/2006/customXml" ds:itemID="{06502709-2BA4-4151-8001-D5AACDC263EE}">
+<file path=customXml/itemProps92.xml><?xml version="1.0" encoding="utf-8"?>
+<ds:datastoreItem xmlns:ds="http://schemas.openxmlformats.org/officeDocument/2006/customXml" ds:itemID="{6DD2B541-6C60-4151-B23B-67CDB2C810F8}">
   <ds:schemaRefs>
     <ds:schemaRef ds:uri="http://schemas.microsoft.com/VisualStudio/2011/storyboarding/control"/>
   </ds:schemaRefs>
 </ds:datastoreItem>
 </file>
 
-<file path=customXml/itemProps187.xml><?xml version="1.0" encoding="utf-8"?>
-<ds:datastoreItem xmlns:ds="http://schemas.openxmlformats.org/officeDocument/2006/customXml" ds:itemID="{1B9230E7-F069-4556-9C13-4BDB695EF08B}">
-  <ds:schemaRefs>
-    <ds:schemaRef ds:uri="http://schemas.microsoft.com/VisualStudio/2011/storyboarding/control"/>
-  </ds:schemaRefs>
-</ds:datastoreItem>
-</file>
-
-<file path=customXml/itemProps188.xml><?xml version="1.0" encoding="utf-8"?>
-<ds:datastoreItem xmlns:ds="http://schemas.openxmlformats.org/officeDocument/2006/customXml" ds:itemID="{C2FDD86D-B019-47EC-8742-0E3661BB3F30}">
-  <ds:schemaRefs>
-    <ds:schemaRef ds:uri="http://schemas.microsoft.com/VisualStudio/2011/storyboarding/control"/>
-  </ds:schemaRefs>
-</ds:datastoreItem>
-</file>
-
-<file path=customXml/itemProps189.xml><?xml version="1.0" encoding="utf-8"?>
-<ds:datastoreItem xmlns:ds="http://schemas.openxmlformats.org/officeDocument/2006/customXml" ds:itemID="{15B863FE-2BCC-486F-8C61-548DCAFC2D5E}">
-  <ds:schemaRefs>
-    <ds:schemaRef ds:uri="http://schemas.microsoft.com/VisualStudio/2011/storyboarding/control"/>
-  </ds:schemaRefs>
-</ds:datastoreItem>
-</file>
-
-<file path=customXml/itemProps19.xml><?xml version="1.0" encoding="utf-8"?>
-<ds:datastoreItem xmlns:ds="http://schemas.openxmlformats.org/officeDocument/2006/customXml" ds:itemID="{C962D66A-88E9-473B-8A7A-477B4CE13AF5}">
-  <ds:schemaRefs>
-    <ds:schemaRef ds:uri="http://schemas.microsoft.com/VisualStudio/2011/storyboarding/control"/>
-  </ds:schemaRefs>
-</ds:datastoreItem>
-</file>
-
-<file path=customXml/itemProps190.xml><?xml version="1.0" encoding="utf-8"?>
-<ds:datastoreItem xmlns:ds="http://schemas.openxmlformats.org/officeDocument/2006/customXml" ds:itemID="{699876C8-5F05-460B-B233-E045E47E7AB5}">
-  <ds:schemaRefs>
-    <ds:schemaRef ds:uri="http://schemas.microsoft.com/VisualStudio/2011/storyboarding/control"/>
-  </ds:schemaRefs>
-</ds:datastoreItem>
-</file>
-
-<file path=customXml/itemProps191.xml><?xml version="1.0" encoding="utf-8"?>
-<ds:datastoreItem xmlns:ds="http://schemas.openxmlformats.org/officeDocument/2006/customXml" ds:itemID="{2F4FCC51-0CE4-4CD4-814B-F7F5CC6D4A8E}">
-  <ds:schemaRefs>
-    <ds:schemaRef ds:uri="http://schemas.microsoft.com/VisualStudio/2011/storyboarding/control"/>
-  </ds:schemaRefs>
-</ds:datastoreItem>
-</file>
-
-<file path=customXml/itemProps192.xml><?xml version="1.0" encoding="utf-8"?>
-<ds:datastoreItem xmlns:ds="http://schemas.openxmlformats.org/officeDocument/2006/customXml" ds:itemID="{7056F243-3525-4402-800F-27AEDE217892}">
-  <ds:schemaRefs>
-    <ds:schemaRef ds:uri="http://schemas.microsoft.com/VisualStudio/2011/storyboarding/control"/>
-  </ds:schemaRefs>
-</ds:datastoreItem>
-</file>
-
-<file path=customXml/itemProps193.xml><?xml version="1.0" encoding="utf-8"?>
-<ds:datastoreItem xmlns:ds="http://schemas.openxmlformats.org/officeDocument/2006/customXml" ds:itemID="{460C87DB-603E-4234-8A20-83C330437EDB}">
-  <ds:schemaRefs>
-    <ds:schemaRef ds:uri="http://schemas.microsoft.com/VisualStudio/2011/storyboarding/control"/>
-  </ds:schemaRefs>
-</ds:datastoreItem>
-</file>
-
-<file path=customXml/itemProps194.xml><?xml version="1.0" encoding="utf-8"?>
-<ds:datastoreItem xmlns:ds="http://schemas.openxmlformats.org/officeDocument/2006/customXml" ds:itemID="{14BE62A8-EAD0-4F5F-934A-B09BF3770FF9}">
-  <ds:schemaRefs>
-    <ds:schemaRef ds:uri="http://schemas.microsoft.com/VisualStudio/2011/storyboarding/control"/>
-  </ds:schemaRefs>
-</ds:datastoreItem>
-</file>
-
-<file path=customXml/itemProps195.xml><?xml version="1.0" encoding="utf-8"?>
-<ds:datastoreItem xmlns:ds="http://schemas.openxmlformats.org/officeDocument/2006/customXml" ds:itemID="{2A1D17B4-7440-46CD-8032-D9E7A060B774}">
-  <ds:schemaRefs>
-    <ds:schemaRef ds:uri="http://schemas.microsoft.com/VisualStudio/2011/storyboarding/control"/>
-  </ds:schemaRefs>
-</ds:datastoreItem>
-</file>
-
-<file path=customXml/itemProps196.xml><?xml version="1.0" encoding="utf-8"?>
-<ds:datastoreItem xmlns:ds="http://schemas.openxmlformats.org/officeDocument/2006/customXml" ds:itemID="{BE60BF8C-B366-4015-AFC5-00DA9D5EE41E}">
-  <ds:schemaRefs>
-    <ds:schemaRef ds:uri="http://schemas.microsoft.com/VisualStudio/2011/storyboarding/control"/>
-  </ds:schemaRefs>
-</ds:datastoreItem>
-</file>
-
-<file path=customXml/itemProps197.xml><?xml version="1.0" encoding="utf-8"?>
-<ds:datastoreItem xmlns:ds="http://schemas.openxmlformats.org/officeDocument/2006/customXml" ds:itemID="{0749C6AF-EB53-4E04-8A3A-54A96B76748B}">
-  <ds:schemaRefs>
-    <ds:schemaRef ds:uri="http://schemas.microsoft.com/VisualStudio/2011/storyboarding/control"/>
-  </ds:schemaRefs>
-</ds:datastoreItem>
-</file>
-
-<file path=customXml/itemProps198.xml><?xml version="1.0" encoding="utf-8"?>
-<ds:datastoreItem xmlns:ds="http://schemas.openxmlformats.org/officeDocument/2006/customXml" ds:itemID="{F03ECE27-2979-45C7-9435-89206D14C3AF}">
-  <ds:schemaRefs>
-    <ds:schemaRef ds:uri="http://schemas.microsoft.com/VisualStudio/2011/storyboarding/control"/>
-  </ds:schemaRefs>
-</ds:datastoreItem>
-</file>
-
-<file path=customXml/itemProps199.xml><?xml version="1.0" encoding="utf-8"?>
-<ds:datastoreItem xmlns:ds="http://schemas.openxmlformats.org/officeDocument/2006/customXml" ds:itemID="{D500780A-E74C-4BCC-955A-7DF94634ED58}">
-  <ds:schemaRefs>
-    <ds:schemaRef ds:uri="http://schemas.microsoft.com/VisualStudio/2011/storyboarding/control"/>
-  </ds:schemaRefs>
-</ds:datastoreItem>
-</file>
-
-<file path=customXml/itemProps2.xml><?xml version="1.0" encoding="utf-8"?>
-<ds:datastoreItem xmlns:ds="http://schemas.openxmlformats.org/officeDocument/2006/customXml" ds:itemID="{66761CE4-9EDC-423E-BC61-A27C029E5732}">
-  <ds:schemaRefs>
-    <ds:schemaRef ds:uri="http://schemas.microsoft.com/VisualStudio/2011/storyboarding/control"/>
-  </ds:schemaRefs>
-</ds:datastoreItem>
-</file>
-
-<file path=customXml/itemProps20.xml><?xml version="1.0" encoding="utf-8"?>
-<ds:datastoreItem xmlns:ds="http://schemas.openxmlformats.org/officeDocument/2006/customXml" ds:itemID="{09905B2A-7A53-4F1C-B400-60354582C731}">
-  <ds:schemaRefs>
-    <ds:schemaRef ds:uri="http://schemas.microsoft.com/VisualStudio/2011/storyboarding/control"/>
-  </ds:schemaRefs>
-</ds:datastoreItem>
-</file>
-
-<file path=customXml/itemProps200.xml><?xml version="1.0" encoding="utf-8"?>
-<ds:datastoreItem xmlns:ds="http://schemas.openxmlformats.org/officeDocument/2006/customXml" ds:itemID="{27F8D642-C876-4D49-A268-D03A3875605D}">
-  <ds:schemaRefs>
-    <ds:schemaRef ds:uri="http://schemas.microsoft.com/VisualStudio/2011/storyboarding/control"/>
-  </ds:schemaRefs>
-</ds:datastoreItem>
-</file>
-
-<file path=customXml/itemProps201.xml><?xml version="1.0" encoding="utf-8"?>
-<ds:datastoreItem xmlns:ds="http://schemas.openxmlformats.org/officeDocument/2006/customXml" ds:itemID="{F1D9FCA4-8CDD-4D03-8F9C-DD221191D711}">
-  <ds:schemaRefs>
-    <ds:schemaRef ds:uri="http://schemas.microsoft.com/VisualStudio/2011/storyboarding/control"/>
-  </ds:schemaRefs>
-</ds:datastoreItem>
-</file>
-
-<file path=customXml/itemProps202.xml><?xml version="1.0" encoding="utf-8"?>
-<ds:datastoreItem xmlns:ds="http://schemas.openxmlformats.org/officeDocument/2006/customXml" ds:itemID="{560D2061-D99A-45A4-8092-C0602B8A4570}">
-  <ds:schemaRefs>
-    <ds:schemaRef ds:uri="http://schemas.microsoft.com/VisualStudio/2011/storyboarding/control"/>
-  </ds:schemaRefs>
-</ds:datastoreItem>
-</file>
-
-<file path=customXml/itemProps203.xml><?xml version="1.0" encoding="utf-8"?>
-<ds:datastoreItem xmlns:ds="http://schemas.openxmlformats.org/officeDocument/2006/customXml" ds:itemID="{0639E041-5344-4826-A0B0-6DE2057EC2F0}">
-  <ds:schemaRefs>
-    <ds:schemaRef ds:uri="http://schemas.microsoft.com/VisualStudio/2011/storyboarding/control"/>
-  </ds:schemaRefs>
-</ds:datastoreItem>
-</file>
-
-<file path=customXml/itemProps204.xml><?xml version="1.0" encoding="utf-8"?>
-<ds:datastoreItem xmlns:ds="http://schemas.openxmlformats.org/officeDocument/2006/customXml" ds:itemID="{2445F01D-006C-453E-808F-F35BAD35D27E}">
-  <ds:schemaRefs>
-    <ds:schemaRef ds:uri="http://schemas.microsoft.com/VisualStudio/2011/storyboarding/control"/>
-  </ds:schemaRefs>
-</ds:datastoreItem>
-</file>
-
-<file path=customXml/itemProps205.xml><?xml version="1.0" encoding="utf-8"?>
-<ds:datastoreItem xmlns:ds="http://schemas.openxmlformats.org/officeDocument/2006/customXml" ds:itemID="{912FA594-3D32-4D6E-B053-08CA534D4269}">
-  <ds:schemaRefs>
-    <ds:schemaRef ds:uri="http://schemas.microsoft.com/VisualStudio/2011/storyboarding/control"/>
-  </ds:schemaRefs>
-</ds:datastoreItem>
-</file>
-
-<file path=customXml/itemProps206.xml><?xml version="1.0" encoding="utf-8"?>
-<ds:datastoreItem xmlns:ds="http://schemas.openxmlformats.org/officeDocument/2006/customXml" ds:itemID="{6395A4FB-8980-45B3-9877-951BA1240E53}">
-  <ds:schemaRefs>
-    <ds:schemaRef ds:uri="http://schemas.microsoft.com/VisualStudio/2011/storyboarding/control"/>
-  </ds:schemaRefs>
-</ds:datastoreItem>
-</file>
-
-<file path=customXml/itemProps207.xml><?xml version="1.0" encoding="utf-8"?>
-<ds:datastoreItem xmlns:ds="http://schemas.openxmlformats.org/officeDocument/2006/customXml" ds:itemID="{1AC0D00C-EC22-4539-8C6F-733758572347}">
-  <ds:schemaRefs>
-    <ds:schemaRef ds:uri="http://schemas.microsoft.com/VisualStudio/2011/storyboarding/control"/>
-  </ds:schemaRefs>
-</ds:datastoreItem>
-</file>
-
-<file path=customXml/itemProps208.xml><?xml version="1.0" encoding="utf-8"?>
-<ds:datastoreItem xmlns:ds="http://schemas.openxmlformats.org/officeDocument/2006/customXml" ds:itemID="{C02F6C96-E07D-476F-9097-B75AF2B042BC}">
-  <ds:schemaRefs>
-    <ds:schemaRef ds:uri="http://schemas.microsoft.com/VisualStudio/2011/storyboarding/control"/>
-  </ds:schemaRefs>
-</ds:datastoreItem>
-</file>
-
-<file path=customXml/itemProps209.xml><?xml version="1.0" encoding="utf-8"?>
-<ds:datastoreItem xmlns:ds="http://schemas.openxmlformats.org/officeDocument/2006/customXml" ds:itemID="{916637F0-59B8-45B1-A013-C6D7D7F87CDE}">
-  <ds:schemaRefs>
-    <ds:schemaRef ds:uri="http://schemas.microsoft.com/VisualStudio/2011/storyboarding/control"/>
-  </ds:schemaRefs>
-</ds:datastoreItem>
-</file>
-
-<file path=customXml/itemProps21.xml><?xml version="1.0" encoding="utf-8"?>
-<ds:datastoreItem xmlns:ds="http://schemas.openxmlformats.org/officeDocument/2006/customXml" ds:itemID="{7DC3519B-D653-41F2-B6F1-BBB3B144AB62}">
-  <ds:schemaRefs>
-    <ds:schemaRef ds:uri="http://schemas.microsoft.com/VisualStudio/2011/storyboarding/control"/>
-  </ds:schemaRefs>
-</ds:datastoreItem>
-</file>
-
-<file path=customXml/itemProps210.xml><?xml version="1.0" encoding="utf-8"?>
+<file path=customXml/itemProps93.xml><?xml version="1.0" encoding="utf-8"?>
 <ds:datastoreItem xmlns:ds="http://schemas.openxmlformats.org/officeDocument/2006/customXml" ds:itemID="{F24428A1-0724-4C81-B1E7-B30B813E3551}">
   <ds:schemaRefs>
     <ds:schemaRef ds:uri="http://schemas.microsoft.com/VisualStudio/2011/storyboarding/control"/>
@@ -32479,183 +34167,15 @@
 </ds:datastoreItem>
 </file>
 
-<file path=customXml/itemProps211.xml><?xml version="1.0" encoding="utf-8"?>
-<ds:datastoreItem xmlns:ds="http://schemas.openxmlformats.org/officeDocument/2006/customXml" ds:itemID="{5900ABFD-735C-4D22-859F-F006CFDD473A}">
+<file path=customXml/itemProps94.xml><?xml version="1.0" encoding="utf-8"?>
+<ds:datastoreItem xmlns:ds="http://schemas.openxmlformats.org/officeDocument/2006/customXml" ds:itemID="{2E5FE19B-9A80-42C7-8803-75C5FE2C8E38}">
   <ds:schemaRefs>
     <ds:schemaRef ds:uri="http://schemas.microsoft.com/VisualStudio/2011/storyboarding/control"/>
   </ds:schemaRefs>
 </ds:datastoreItem>
 </file>
 
-<file path=customXml/itemProps212.xml><?xml version="1.0" encoding="utf-8"?>
-<ds:datastoreItem xmlns:ds="http://schemas.openxmlformats.org/officeDocument/2006/customXml" ds:itemID="{00733A73-60C4-4047-99FA-999B6399E6BC}">
-  <ds:schemaRefs>
-    <ds:schemaRef ds:uri="http://schemas.microsoft.com/VisualStudio/2011/storyboarding/control"/>
-  </ds:schemaRefs>
-</ds:datastoreItem>
-</file>
-
-<file path=customXml/itemProps213.xml><?xml version="1.0" encoding="utf-8"?>
-<ds:datastoreItem xmlns:ds="http://schemas.openxmlformats.org/officeDocument/2006/customXml" ds:itemID="{C0236D38-7F8A-4EAA-B6A1-6880B56FE83E}">
-  <ds:schemaRefs>
-    <ds:schemaRef ds:uri="http://schemas.microsoft.com/VisualStudio/2011/storyboarding/control"/>
-  </ds:schemaRefs>
-</ds:datastoreItem>
-</file>
-
-<file path=customXml/itemProps214.xml><?xml version="1.0" encoding="utf-8"?>
-<ds:datastoreItem xmlns:ds="http://schemas.openxmlformats.org/officeDocument/2006/customXml" ds:itemID="{7D5ABCD2-981C-4C26-8A80-5E7AB6B1436E}">
-  <ds:schemaRefs>
-    <ds:schemaRef ds:uri="http://schemas.microsoft.com/VisualStudio/2011/storyboarding/control"/>
-  </ds:schemaRefs>
-</ds:datastoreItem>
-</file>
-
-<file path=customXml/itemProps215.xml><?xml version="1.0" encoding="utf-8"?>
-<ds:datastoreItem xmlns:ds="http://schemas.openxmlformats.org/officeDocument/2006/customXml" ds:itemID="{42202DCE-A05C-4F65-B84A-0A0834D65E33}">
-  <ds:schemaRefs>
-    <ds:schemaRef ds:uri="http://schemas.microsoft.com/VisualStudio/2011/storyboarding/control"/>
-  </ds:schemaRefs>
-</ds:datastoreItem>
-</file>
-
-<file path=customXml/itemProps216.xml><?xml version="1.0" encoding="utf-8"?>
-<ds:datastoreItem xmlns:ds="http://schemas.openxmlformats.org/officeDocument/2006/customXml" ds:itemID="{A7E0288A-F414-4399-BA64-5823EDCF5A90}">
-  <ds:schemaRefs>
-    <ds:schemaRef ds:uri="http://schemas.microsoft.com/VisualStudio/2011/storyboarding/control"/>
-  </ds:schemaRefs>
-</ds:datastoreItem>
-</file>
-
-<file path=customXml/itemProps217.xml><?xml version="1.0" encoding="utf-8"?>
-<ds:datastoreItem xmlns:ds="http://schemas.openxmlformats.org/officeDocument/2006/customXml" ds:itemID="{8552D1C0-18CB-40C8-A2BE-33C855951852}">
-  <ds:schemaRefs>
-    <ds:schemaRef ds:uri="http://schemas.microsoft.com/VisualStudio/2011/storyboarding/control"/>
-  </ds:schemaRefs>
-</ds:datastoreItem>
-</file>
-
-<file path=customXml/itemProps218.xml><?xml version="1.0" encoding="utf-8"?>
-<ds:datastoreItem xmlns:ds="http://schemas.openxmlformats.org/officeDocument/2006/customXml" ds:itemID="{7AFD248A-A54A-4224-A9E5-220E5300E8F8}">
-  <ds:schemaRefs>
-    <ds:schemaRef ds:uri="http://schemas.microsoft.com/VisualStudio/2011/storyboarding/control"/>
-  </ds:schemaRefs>
-</ds:datastoreItem>
-</file>
-
-<file path=customXml/itemProps219.xml><?xml version="1.0" encoding="utf-8"?>
-<ds:datastoreItem xmlns:ds="http://schemas.openxmlformats.org/officeDocument/2006/customXml" ds:itemID="{7370362F-DF9E-4D13-86A6-8D6D39B4B8E3}">
-  <ds:schemaRefs>
-    <ds:schemaRef ds:uri="http://schemas.microsoft.com/VisualStudio/2011/storyboarding/control"/>
-  </ds:schemaRefs>
-</ds:datastoreItem>
-</file>
-
-<file path=customXml/itemProps22.xml><?xml version="1.0" encoding="utf-8"?>
-<ds:datastoreItem xmlns:ds="http://schemas.openxmlformats.org/officeDocument/2006/customXml" ds:itemID="{A72FA915-E35F-4234-A403-255F8B6BF53C}">
-  <ds:schemaRefs>
-    <ds:schemaRef ds:uri="http://schemas.microsoft.com/VisualStudio/2011/storyboarding/control"/>
-  </ds:schemaRefs>
-</ds:datastoreItem>
-</file>
-
-<file path=customXml/itemProps220.xml><?xml version="1.0" encoding="utf-8"?>
-<ds:datastoreItem xmlns:ds="http://schemas.openxmlformats.org/officeDocument/2006/customXml" ds:itemID="{BF46C67A-78BC-41F0-A500-459B3FCE006F}">
-  <ds:schemaRefs>
-    <ds:schemaRef ds:uri="http://schemas.microsoft.com/VisualStudio/2011/storyboarding/control"/>
-  </ds:schemaRefs>
-</ds:datastoreItem>
-</file>
-
-<file path=customXml/itemProps221.xml><?xml version="1.0" encoding="utf-8"?>
-<ds:datastoreItem xmlns:ds="http://schemas.openxmlformats.org/officeDocument/2006/customXml" ds:itemID="{917C221D-1C7D-4EFD-A42E-4EEB4484E21B}">
-  <ds:schemaRefs>
-    <ds:schemaRef ds:uri="http://schemas.microsoft.com/VisualStudio/2011/storyboarding/control"/>
-  </ds:schemaRefs>
-</ds:datastoreItem>
-</file>
-
-<file path=customXml/itemProps222.xml><?xml version="1.0" encoding="utf-8"?>
-<ds:datastoreItem xmlns:ds="http://schemas.openxmlformats.org/officeDocument/2006/customXml" ds:itemID="{E2B26E15-67E2-46A7-9511-99B371B2FFB8}">
-  <ds:schemaRefs>
-    <ds:schemaRef ds:uri="http://schemas.microsoft.com/VisualStudio/2011/storyboarding/control"/>
-  </ds:schemaRefs>
-</ds:datastoreItem>
-</file>
-
-<file path=customXml/itemProps223.xml><?xml version="1.0" encoding="utf-8"?>
-<ds:datastoreItem xmlns:ds="http://schemas.openxmlformats.org/officeDocument/2006/customXml" ds:itemID="{6738B905-67C9-4D42-8403-1DFFFA0CD882}">
-  <ds:schemaRefs>
-    <ds:schemaRef ds:uri="http://schemas.microsoft.com/VisualStudio/2011/storyboarding/control"/>
-  </ds:schemaRefs>
-</ds:datastoreItem>
-</file>
-
-<file path=customXml/itemProps224.xml><?xml version="1.0" encoding="utf-8"?>
-<ds:datastoreItem xmlns:ds="http://schemas.openxmlformats.org/officeDocument/2006/customXml" ds:itemID="{0A526C21-CA0E-4D62-A306-B441BC0489D4}">
-  <ds:schemaRefs>
-    <ds:schemaRef ds:uri="http://schemas.microsoft.com/VisualStudio/2011/storyboarding/control"/>
-  </ds:schemaRefs>
-</ds:datastoreItem>
-</file>
-
-<file path=customXml/itemProps225.xml><?xml version="1.0" encoding="utf-8"?>
-<ds:datastoreItem xmlns:ds="http://schemas.openxmlformats.org/officeDocument/2006/customXml" ds:itemID="{D04082BA-D2CD-4E56-B169-1608513122AE}">
-  <ds:schemaRefs>
-    <ds:schemaRef ds:uri="http://schemas.microsoft.com/VisualStudio/2011/storyboarding/control"/>
-  </ds:schemaRefs>
-</ds:datastoreItem>
-</file>
-
-<file path=customXml/itemProps226.xml><?xml version="1.0" encoding="utf-8"?>
-<ds:datastoreItem xmlns:ds="http://schemas.openxmlformats.org/officeDocument/2006/customXml" ds:itemID="{DD049830-DA11-466E-A98B-41FD56DCE224}">
-  <ds:schemaRefs>
-    <ds:schemaRef ds:uri="http://schemas.microsoft.com/VisualStudio/2011/storyboarding/control"/>
-  </ds:schemaRefs>
-</ds:datastoreItem>
-</file>
-
-<file path=customXml/itemProps227.xml><?xml version="1.0" encoding="utf-8"?>
-<ds:datastoreItem xmlns:ds="http://schemas.openxmlformats.org/officeDocument/2006/customXml" ds:itemID="{341B9A64-4A8F-4D0A-86B1-A62586318DED}">
-  <ds:schemaRefs>
-    <ds:schemaRef ds:uri="http://schemas.microsoft.com/VisualStudio/2011/storyboarding/control"/>
-  </ds:schemaRefs>
-</ds:datastoreItem>
-</file>
-
-<file path=customXml/itemProps228.xml><?xml version="1.0" encoding="utf-8"?>
-<ds:datastoreItem xmlns:ds="http://schemas.openxmlformats.org/officeDocument/2006/customXml" ds:itemID="{F5281BC0-9672-435D-B9A7-6C9AEEE3F7D2}">
-  <ds:schemaRefs>
-    <ds:schemaRef ds:uri="http://schemas.microsoft.com/VisualStudio/2011/storyboarding/control"/>
-  </ds:schemaRefs>
-</ds:datastoreItem>
-</file>
-
-<file path=customXml/itemProps229.xml><?xml version="1.0" encoding="utf-8"?>
-<ds:datastoreItem xmlns:ds="http://schemas.openxmlformats.org/officeDocument/2006/customXml" ds:itemID="{0F7055F4-B59D-4AC4-B56B-E3C3DBB14959}">
-  <ds:schemaRefs>
-    <ds:schemaRef ds:uri="http://schemas.microsoft.com/VisualStudio/2011/storyboarding/control"/>
-  </ds:schemaRefs>
-</ds:datastoreItem>
-</file>
-
-<file path=customXml/itemProps23.xml><?xml version="1.0" encoding="utf-8"?>
-<ds:datastoreItem xmlns:ds="http://schemas.openxmlformats.org/officeDocument/2006/customXml" ds:itemID="{63E4AE41-0D9C-41C0-9A8F-3DFAA3E48D7D}">
-  <ds:schemaRefs>
-    <ds:schemaRef ds:uri="http://schemas.microsoft.com/VisualStudio/2011/storyboarding/control"/>
-  </ds:schemaRefs>
-</ds:datastoreItem>
-</file>
-
-<file path=customXml/itemProps230.xml><?xml version="1.0" encoding="utf-8"?>
-<ds:datastoreItem xmlns:ds="http://schemas.openxmlformats.org/officeDocument/2006/customXml" ds:itemID="{E9B43231-2666-452D-B0E9-200658D05149}">
-  <ds:schemaRefs>
-    <ds:schemaRef ds:uri="http://schemas.microsoft.com/VisualStudio/2011/storyboarding/control"/>
-  </ds:schemaRefs>
-</ds:datastoreItem>
-</file>
-
-<file path=customXml/itemProps231.xml><?xml version="1.0" encoding="utf-8"?>
+<file path=customXml/itemProps95.xml><?xml version="1.0" encoding="utf-8"?>
 <ds:datastoreItem xmlns:ds="http://schemas.openxmlformats.org/officeDocument/2006/customXml" ds:itemID="{45E0B91E-7FEF-4703-9326-F8B2ED81C09E}">
   <ds:schemaRefs>
     <ds:schemaRef ds:uri="http://schemas.microsoft.com/VisualStudio/2011/storyboarding/control"/>
@@ -32663,183 +34183,7 @@
 </ds:datastoreItem>
 </file>
 
-<file path=customXml/itemProps232.xml><?xml version="1.0" encoding="utf-8"?>
-<ds:datastoreItem xmlns:ds="http://schemas.openxmlformats.org/officeDocument/2006/customXml" ds:itemID="{D3BE8F19-E498-4C40-AD0A-FD52BCF38C35}">
-  <ds:schemaRefs>
-    <ds:schemaRef ds:uri="http://schemas.microsoft.com/VisualStudio/2011/storyboarding/control"/>
-  </ds:schemaRefs>
-</ds:datastoreItem>
-</file>
-
-<file path=customXml/itemProps233.xml><?xml version="1.0" encoding="utf-8"?>
-<ds:datastoreItem xmlns:ds="http://schemas.openxmlformats.org/officeDocument/2006/customXml" ds:itemID="{53DA1D64-FAE3-4051-86C4-7E4958EE6430}">
-  <ds:schemaRefs>
-    <ds:schemaRef ds:uri="http://schemas.microsoft.com/VisualStudio/2011/storyboarding/control"/>
-  </ds:schemaRefs>
-</ds:datastoreItem>
-</file>
-
-<file path=customXml/itemProps234.xml><?xml version="1.0" encoding="utf-8"?>
-<ds:datastoreItem xmlns:ds="http://schemas.openxmlformats.org/officeDocument/2006/customXml" ds:itemID="{D6A52C60-59E9-4555-879D-2D44139F946C}">
-  <ds:schemaRefs>
-    <ds:schemaRef ds:uri="http://schemas.microsoft.com/VisualStudio/2011/storyboarding/control"/>
-  </ds:schemaRefs>
-</ds:datastoreItem>
-</file>
-
-<file path=customXml/itemProps235.xml><?xml version="1.0" encoding="utf-8"?>
-<ds:datastoreItem xmlns:ds="http://schemas.openxmlformats.org/officeDocument/2006/customXml" ds:itemID="{1AB88A3E-DD62-4631-AF9D-3E47F5900E51}">
-  <ds:schemaRefs>
-    <ds:schemaRef ds:uri="http://schemas.microsoft.com/VisualStudio/2011/storyboarding/control"/>
-  </ds:schemaRefs>
-</ds:datastoreItem>
-</file>
-
-<file path=customXml/itemProps236.xml><?xml version="1.0" encoding="utf-8"?>
-<ds:datastoreItem xmlns:ds="http://schemas.openxmlformats.org/officeDocument/2006/customXml" ds:itemID="{3A1CF677-7ED7-42FC-8B92-EB1BA9F20F04}">
-  <ds:schemaRefs>
-    <ds:schemaRef ds:uri="http://schemas.microsoft.com/VisualStudio/2011/storyboarding/control"/>
-  </ds:schemaRefs>
-</ds:datastoreItem>
-</file>
-
-<file path=customXml/itemProps237.xml><?xml version="1.0" encoding="utf-8"?>
-<ds:datastoreItem xmlns:ds="http://schemas.openxmlformats.org/officeDocument/2006/customXml" ds:itemID="{A12D5DED-2D25-4DA3-8948-14474C5B5E76}">
-  <ds:schemaRefs>
-    <ds:schemaRef ds:uri="http://schemas.microsoft.com/VisualStudio/2011/storyboarding/control"/>
-  </ds:schemaRefs>
-</ds:datastoreItem>
-</file>
-
-<file path=customXml/itemProps238.xml><?xml version="1.0" encoding="utf-8"?>
-<ds:datastoreItem xmlns:ds="http://schemas.openxmlformats.org/officeDocument/2006/customXml" ds:itemID="{4C2DD3A5-565B-4655-839B-3D7E5DA58911}">
-  <ds:schemaRefs>
-    <ds:schemaRef ds:uri="http://schemas.microsoft.com/VisualStudio/2011/storyboarding/control"/>
-  </ds:schemaRefs>
-</ds:datastoreItem>
-</file>
-
-<file path=customXml/itemProps239.xml><?xml version="1.0" encoding="utf-8"?>
-<ds:datastoreItem xmlns:ds="http://schemas.openxmlformats.org/officeDocument/2006/customXml" ds:itemID="{A70934FF-BD64-48BF-9A4E-D577A82F3862}">
-  <ds:schemaRefs>
-    <ds:schemaRef ds:uri="http://schemas.microsoft.com/VisualStudio/2011/storyboarding/control"/>
-  </ds:schemaRefs>
-</ds:datastoreItem>
-</file>
-
-<file path=customXml/itemProps24.xml><?xml version="1.0" encoding="utf-8"?>
-<ds:datastoreItem xmlns:ds="http://schemas.openxmlformats.org/officeDocument/2006/customXml" ds:itemID="{50ADC870-B29B-4C1F-ADF4-73E3086FB9F8}">
-  <ds:schemaRefs>
-    <ds:schemaRef ds:uri="http://schemas.microsoft.com/VisualStudio/2011/storyboarding/control"/>
-  </ds:schemaRefs>
-</ds:datastoreItem>
-</file>
-
-<file path=customXml/itemProps240.xml><?xml version="1.0" encoding="utf-8"?>
-<ds:datastoreItem xmlns:ds="http://schemas.openxmlformats.org/officeDocument/2006/customXml" ds:itemID="{2F6BDFFF-5546-47E4-8CF1-5354DFE6CFD9}">
-  <ds:schemaRefs>
-    <ds:schemaRef ds:uri="http://schemas.microsoft.com/VisualStudio/2011/storyboarding/control"/>
-  </ds:schemaRefs>
-</ds:datastoreItem>
-</file>
-
-<file path=customXml/itemProps241.xml><?xml version="1.0" encoding="utf-8"?>
-<ds:datastoreItem xmlns:ds="http://schemas.openxmlformats.org/officeDocument/2006/customXml" ds:itemID="{66876AD8-FD3E-409F-945F-9F02A3C476A3}">
-  <ds:schemaRefs>
-    <ds:schemaRef ds:uri="http://schemas.microsoft.com/VisualStudio/2011/storyboarding/control"/>
-  </ds:schemaRefs>
-</ds:datastoreItem>
-</file>
-
-<file path=customXml/itemProps242.xml><?xml version="1.0" encoding="utf-8"?>
-<ds:datastoreItem xmlns:ds="http://schemas.openxmlformats.org/officeDocument/2006/customXml" ds:itemID="{606CF5D4-B3F8-40BD-8704-7E44E4F5719F}">
-  <ds:schemaRefs>
-    <ds:schemaRef ds:uri="http://schemas.microsoft.com/VisualStudio/2011/storyboarding/control"/>
-  </ds:schemaRefs>
-</ds:datastoreItem>
-</file>
-
-<file path=customXml/itemProps243.xml><?xml version="1.0" encoding="utf-8"?>
-<ds:datastoreItem xmlns:ds="http://schemas.openxmlformats.org/officeDocument/2006/customXml" ds:itemID="{3819C140-F52D-450E-9E57-A9C95974C875}">
-  <ds:schemaRefs>
-    <ds:schemaRef ds:uri="http://schemas.microsoft.com/VisualStudio/2011/storyboarding/control"/>
-  </ds:schemaRefs>
-</ds:datastoreItem>
-</file>
-
-<file path=customXml/itemProps244.xml><?xml version="1.0" encoding="utf-8"?>
-<ds:datastoreItem xmlns:ds="http://schemas.openxmlformats.org/officeDocument/2006/customXml" ds:itemID="{E365656C-FD98-42DE-B12C-6E9701BB8103}">
-  <ds:schemaRefs>
-    <ds:schemaRef ds:uri="http://schemas.microsoft.com/VisualStudio/2011/storyboarding/control"/>
-  </ds:schemaRefs>
-</ds:datastoreItem>
-</file>
-
-<file path=customXml/itemProps245.xml><?xml version="1.0" encoding="utf-8"?>
-<ds:datastoreItem xmlns:ds="http://schemas.openxmlformats.org/officeDocument/2006/customXml" ds:itemID="{2227405F-AD2B-44C3-ADF8-746334825D1B}">
-  <ds:schemaRefs>
-    <ds:schemaRef ds:uri="http://schemas.microsoft.com/VisualStudio/2011/storyboarding/control"/>
-  </ds:schemaRefs>
-</ds:datastoreItem>
-</file>
-
-<file path=customXml/itemProps246.xml><?xml version="1.0" encoding="utf-8"?>
-<ds:datastoreItem xmlns:ds="http://schemas.openxmlformats.org/officeDocument/2006/customXml" ds:itemID="{B14C3E0F-1B56-4E3B-A283-CA482A64EF9F}">
-  <ds:schemaRefs>
-    <ds:schemaRef ds:uri="http://schemas.microsoft.com/VisualStudio/2011/storyboarding/control"/>
-  </ds:schemaRefs>
-</ds:datastoreItem>
-</file>
-
-<file path=customXml/itemProps247.xml><?xml version="1.0" encoding="utf-8"?>
-<ds:datastoreItem xmlns:ds="http://schemas.openxmlformats.org/officeDocument/2006/customXml" ds:itemID="{20BEF8C9-6FB7-432D-9ED8-8FC9856F2A48}">
-  <ds:schemaRefs>
-    <ds:schemaRef ds:uri="http://schemas.microsoft.com/VisualStudio/2011/storyboarding/control"/>
-  </ds:schemaRefs>
-</ds:datastoreItem>
-</file>
-
-<file path=customXml/itemProps248.xml><?xml version="1.0" encoding="utf-8"?>
-<ds:datastoreItem xmlns:ds="http://schemas.openxmlformats.org/officeDocument/2006/customXml" ds:itemID="{12B87C94-3E99-4A00-A6CF-08E04953A553}">
-  <ds:schemaRefs>
-    <ds:schemaRef ds:uri="http://schemas.microsoft.com/VisualStudio/2011/storyboarding/control"/>
-  </ds:schemaRefs>
-</ds:datastoreItem>
-</file>
-
-<file path=customXml/itemProps249.xml><?xml version="1.0" encoding="utf-8"?>
-<ds:datastoreItem xmlns:ds="http://schemas.openxmlformats.org/officeDocument/2006/customXml" ds:itemID="{2D538CFD-9B6E-425A-A27D-2823E2686DCA}">
-  <ds:schemaRefs>
-    <ds:schemaRef ds:uri="http://schemas.microsoft.com/VisualStudio/2011/storyboarding/control"/>
-  </ds:schemaRefs>
-</ds:datastoreItem>
-</file>
-
-<file path=customXml/itemProps25.xml><?xml version="1.0" encoding="utf-8"?>
-<ds:datastoreItem xmlns:ds="http://schemas.openxmlformats.org/officeDocument/2006/customXml" ds:itemID="{82A11A23-5D71-4CCF-B1D7-5E316D853E86}">
-  <ds:schemaRefs>
-    <ds:schemaRef ds:uri="http://schemas.microsoft.com/VisualStudio/2011/storyboarding/control"/>
-  </ds:schemaRefs>
-</ds:datastoreItem>
-</file>
-
-<file path=customXml/itemProps250.xml><?xml version="1.0" encoding="utf-8"?>
-<ds:datastoreItem xmlns:ds="http://schemas.openxmlformats.org/officeDocument/2006/customXml" ds:itemID="{7C2B30D1-555D-4091-BB8B-70C3008E587D}">
-  <ds:schemaRefs>
-    <ds:schemaRef ds:uri="http://schemas.microsoft.com/VisualStudio/2011/storyboarding/control"/>
-  </ds:schemaRefs>
-</ds:datastoreItem>
-</file>
-
-<file path=customXml/itemProps251.xml><?xml version="1.0" encoding="utf-8"?>
-<ds:datastoreItem xmlns:ds="http://schemas.openxmlformats.org/officeDocument/2006/customXml" ds:itemID="{BB34EE50-A076-446E-BBF4-53C836A4A8DF}">
-  <ds:schemaRefs>
-    <ds:schemaRef ds:uri="http://schemas.microsoft.com/VisualStudio/2011/storyboarding/control"/>
-  </ds:schemaRefs>
-</ds:datastoreItem>
-</file>
-
-<file path=customXml/itemProps252.xml><?xml version="1.0" encoding="utf-8"?>
+<file path=customXml/itemProps96.xml><?xml version="1.0" encoding="utf-8"?>
 <ds:datastoreItem xmlns:ds="http://schemas.openxmlformats.org/officeDocument/2006/customXml" ds:itemID="{7B0DEA32-4718-4845-BA3D-96735C5901CA}">
   <ds:schemaRefs>
     <ds:schemaRef ds:uri="http://schemas.microsoft.com/VisualStudio/2011/storyboarding/control"/>
@@ -32847,183 +34191,7 @@
 </ds:datastoreItem>
 </file>
 
-<file path=customXml/itemProps253.xml><?xml version="1.0" encoding="utf-8"?>
-<ds:datastoreItem xmlns:ds="http://schemas.openxmlformats.org/officeDocument/2006/customXml" ds:itemID="{2FB95A6F-7C40-409F-B892-7F1286D5C297}">
-  <ds:schemaRefs>
-    <ds:schemaRef ds:uri="http://schemas.microsoft.com/VisualStudio/2011/storyboarding/control"/>
-  </ds:schemaRefs>
-</ds:datastoreItem>
-</file>
-
-<file path=customXml/itemProps254.xml><?xml version="1.0" encoding="utf-8"?>
-<ds:datastoreItem xmlns:ds="http://schemas.openxmlformats.org/officeDocument/2006/customXml" ds:itemID="{E5D1C59B-23A1-4B0D-8732-B4B1308359E8}">
-  <ds:schemaRefs>
-    <ds:schemaRef ds:uri="http://schemas.microsoft.com/VisualStudio/2011/storyboarding/control"/>
-  </ds:schemaRefs>
-</ds:datastoreItem>
-</file>
-
-<file path=customXml/itemProps255.xml><?xml version="1.0" encoding="utf-8"?>
-<ds:datastoreItem xmlns:ds="http://schemas.openxmlformats.org/officeDocument/2006/customXml" ds:itemID="{F8FA2D94-E06D-4220-BA47-2995FB7C8D12}">
-  <ds:schemaRefs>
-    <ds:schemaRef ds:uri="http://schemas.microsoft.com/VisualStudio/2011/storyboarding/control"/>
-  </ds:schemaRefs>
-</ds:datastoreItem>
-</file>
-
-<file path=customXml/itemProps256.xml><?xml version="1.0" encoding="utf-8"?>
-<ds:datastoreItem xmlns:ds="http://schemas.openxmlformats.org/officeDocument/2006/customXml" ds:itemID="{C9CD690E-579D-4787-85BC-0470699F0591}">
-  <ds:schemaRefs>
-    <ds:schemaRef ds:uri="http://schemas.microsoft.com/VisualStudio/2011/storyboarding/control"/>
-  </ds:schemaRefs>
-</ds:datastoreItem>
-</file>
-
-<file path=customXml/itemProps257.xml><?xml version="1.0" encoding="utf-8"?>
-<ds:datastoreItem xmlns:ds="http://schemas.openxmlformats.org/officeDocument/2006/customXml" ds:itemID="{E9A7CC6E-A6F1-4DC6-9BA4-9DFB0519E177}">
-  <ds:schemaRefs>
-    <ds:schemaRef ds:uri="http://schemas.microsoft.com/VisualStudio/2011/storyboarding/control"/>
-  </ds:schemaRefs>
-</ds:datastoreItem>
-</file>
-
-<file path=customXml/itemProps258.xml><?xml version="1.0" encoding="utf-8"?>
-<ds:datastoreItem xmlns:ds="http://schemas.openxmlformats.org/officeDocument/2006/customXml" ds:itemID="{5F6A41BF-2E92-4F14-BAD8-36D53D1258B9}">
-  <ds:schemaRefs>
-    <ds:schemaRef ds:uri="http://schemas.microsoft.com/VisualStudio/2011/storyboarding/control"/>
-  </ds:schemaRefs>
-</ds:datastoreItem>
-</file>
-
-<file path=customXml/itemProps259.xml><?xml version="1.0" encoding="utf-8"?>
-<ds:datastoreItem xmlns:ds="http://schemas.openxmlformats.org/officeDocument/2006/customXml" ds:itemID="{8CC35C90-6712-4C30-9C05-AE6A4B916E8A}">
-  <ds:schemaRefs>
-    <ds:schemaRef ds:uri="http://schemas.microsoft.com/VisualStudio/2011/storyboarding/control"/>
-  </ds:schemaRefs>
-</ds:datastoreItem>
-</file>
-
-<file path=customXml/itemProps26.xml><?xml version="1.0" encoding="utf-8"?>
-<ds:datastoreItem xmlns:ds="http://schemas.openxmlformats.org/officeDocument/2006/customXml" ds:itemID="{2E5FE19B-9A80-42C7-8803-75C5FE2C8E38}">
-  <ds:schemaRefs>
-    <ds:schemaRef ds:uri="http://schemas.microsoft.com/VisualStudio/2011/storyboarding/control"/>
-  </ds:schemaRefs>
-</ds:datastoreItem>
-</file>
-
-<file path=customXml/itemProps260.xml><?xml version="1.0" encoding="utf-8"?>
-<ds:datastoreItem xmlns:ds="http://schemas.openxmlformats.org/officeDocument/2006/customXml" ds:itemID="{76BBF26E-3DED-4C7C-8F9D-FEEFB1BBA3B1}">
-  <ds:schemaRefs>
-    <ds:schemaRef ds:uri="http://schemas.microsoft.com/VisualStudio/2011/storyboarding/control"/>
-  </ds:schemaRefs>
-</ds:datastoreItem>
-</file>
-
-<file path=customXml/itemProps261.xml><?xml version="1.0" encoding="utf-8"?>
-<ds:datastoreItem xmlns:ds="http://schemas.openxmlformats.org/officeDocument/2006/customXml" ds:itemID="{B7BB28F8-2B14-449E-8102-BDB34C71B0CD}">
-  <ds:schemaRefs>
-    <ds:schemaRef ds:uri="http://schemas.microsoft.com/VisualStudio/2011/storyboarding/control"/>
-  </ds:schemaRefs>
-</ds:datastoreItem>
-</file>
-
-<file path=customXml/itemProps262.xml><?xml version="1.0" encoding="utf-8"?>
-<ds:datastoreItem xmlns:ds="http://schemas.openxmlformats.org/officeDocument/2006/customXml" ds:itemID="{7F5DDBC7-F247-4A06-8E62-5A6D5CC0024D}">
-  <ds:schemaRefs>
-    <ds:schemaRef ds:uri="http://schemas.microsoft.com/VisualStudio/2011/storyboarding/control"/>
-  </ds:schemaRefs>
-</ds:datastoreItem>
-</file>
-
-<file path=customXml/itemProps263.xml><?xml version="1.0" encoding="utf-8"?>
-<ds:datastoreItem xmlns:ds="http://schemas.openxmlformats.org/officeDocument/2006/customXml" ds:itemID="{356E3D99-BE40-4EAC-A6C1-6B612678EA9D}">
-  <ds:schemaRefs>
-    <ds:schemaRef ds:uri="http://schemas.microsoft.com/VisualStudio/2011/storyboarding/control"/>
-  </ds:schemaRefs>
-</ds:datastoreItem>
-</file>
-
-<file path=customXml/itemProps264.xml><?xml version="1.0" encoding="utf-8"?>
-<ds:datastoreItem xmlns:ds="http://schemas.openxmlformats.org/officeDocument/2006/customXml" ds:itemID="{9ABA7AF9-7AD4-473E-89F4-BC38F2B1F276}">
-  <ds:schemaRefs>
-    <ds:schemaRef ds:uri="http://schemas.microsoft.com/VisualStudio/2011/storyboarding/control"/>
-  </ds:schemaRefs>
-</ds:datastoreItem>
-</file>
-
-<file path=customXml/itemProps265.xml><?xml version="1.0" encoding="utf-8"?>
-<ds:datastoreItem xmlns:ds="http://schemas.openxmlformats.org/officeDocument/2006/customXml" ds:itemID="{73703013-09B0-4DBA-9FDD-D39DF66AF178}">
-  <ds:schemaRefs>
-    <ds:schemaRef ds:uri="http://schemas.microsoft.com/VisualStudio/2011/storyboarding/control"/>
-  </ds:schemaRefs>
-</ds:datastoreItem>
-</file>
-
-<file path=customXml/itemProps266.xml><?xml version="1.0" encoding="utf-8"?>
-<ds:datastoreItem xmlns:ds="http://schemas.openxmlformats.org/officeDocument/2006/customXml" ds:itemID="{A0A4739D-1067-47D0-95FE-525DC04CC418}">
-  <ds:schemaRefs>
-    <ds:schemaRef ds:uri="http://schemas.microsoft.com/VisualStudio/2011/storyboarding/control"/>
-  </ds:schemaRefs>
-</ds:datastoreItem>
-</file>
-
-<file path=customXml/itemProps267.xml><?xml version="1.0" encoding="utf-8"?>
-<ds:datastoreItem xmlns:ds="http://schemas.openxmlformats.org/officeDocument/2006/customXml" ds:itemID="{34D79507-41CE-4F82-9FD7-28ECA0111C35}">
-  <ds:schemaRefs>
-    <ds:schemaRef ds:uri="http://schemas.microsoft.com/VisualStudio/2011/storyboarding/control"/>
-  </ds:schemaRefs>
-</ds:datastoreItem>
-</file>
-
-<file path=customXml/itemProps268.xml><?xml version="1.0" encoding="utf-8"?>
-<ds:datastoreItem xmlns:ds="http://schemas.openxmlformats.org/officeDocument/2006/customXml" ds:itemID="{68FD764D-ED53-4060-BB86-164A1755BC75}">
-  <ds:schemaRefs>
-    <ds:schemaRef ds:uri="http://schemas.microsoft.com/VisualStudio/2011/storyboarding/control"/>
-  </ds:schemaRefs>
-</ds:datastoreItem>
-</file>
-
-<file path=customXml/itemProps269.xml><?xml version="1.0" encoding="utf-8"?>
-<ds:datastoreItem xmlns:ds="http://schemas.openxmlformats.org/officeDocument/2006/customXml" ds:itemID="{6D29AD73-E6E7-41AD-BD08-29640567C1E3}">
-  <ds:schemaRefs>
-    <ds:schemaRef ds:uri="http://schemas.microsoft.com/VisualStudio/2011/storyboarding/control"/>
-  </ds:schemaRefs>
-</ds:datastoreItem>
-</file>
-
-<file path=customXml/itemProps27.xml><?xml version="1.0" encoding="utf-8"?>
-<ds:datastoreItem xmlns:ds="http://schemas.openxmlformats.org/officeDocument/2006/customXml" ds:itemID="{0F2DE0B6-1D23-4CC4-9F36-B050D9B69891}">
-  <ds:schemaRefs>
-    <ds:schemaRef ds:uri="http://schemas.microsoft.com/VisualStudio/2011/storyboarding/control"/>
-  </ds:schemaRefs>
-</ds:datastoreItem>
-</file>
-
-<file path=customXml/itemProps270.xml><?xml version="1.0" encoding="utf-8"?>
-<ds:datastoreItem xmlns:ds="http://schemas.openxmlformats.org/officeDocument/2006/customXml" ds:itemID="{EFBF956A-2CE5-4DA3-912C-60FF52F86D4A}">
-  <ds:schemaRefs>
-    <ds:schemaRef ds:uri="http://schemas.microsoft.com/VisualStudio/2011/storyboarding/control"/>
-  </ds:schemaRefs>
-</ds:datastoreItem>
-</file>
-
-<file path=customXml/itemProps271.xml><?xml version="1.0" encoding="utf-8"?>
-<ds:datastoreItem xmlns:ds="http://schemas.openxmlformats.org/officeDocument/2006/customXml" ds:itemID="{FBC62206-495B-43F2-9B91-CBEF056959DE}">
-  <ds:schemaRefs>
-    <ds:schemaRef ds:uri="http://schemas.microsoft.com/VisualStudio/2011/storyboarding/control"/>
-  </ds:schemaRefs>
-</ds:datastoreItem>
-</file>
-
-<file path=customXml/itemProps272.xml><?xml version="1.0" encoding="utf-8"?>
-<ds:datastoreItem xmlns:ds="http://schemas.openxmlformats.org/officeDocument/2006/customXml" ds:itemID="{88C04483-D8EE-4FCA-A54F-704220F97EF8}">
-  <ds:schemaRefs>
-    <ds:schemaRef ds:uri="http://schemas.microsoft.com/VisualStudio/2011/storyboarding/control"/>
-  </ds:schemaRefs>
-</ds:datastoreItem>
-</file>
-
-<file path=customXml/itemProps273.xml><?xml version="1.0" encoding="utf-8"?>
+<file path=customXml/itemProps97.xml><?xml version="1.0" encoding="utf-8"?>
 <ds:datastoreItem xmlns:ds="http://schemas.openxmlformats.org/officeDocument/2006/customXml" ds:itemID="{66AC9233-048D-4EFE-BF75-1ED341665CE7}">
   <ds:schemaRefs>
     <ds:schemaRef ds:uri="http://schemas.microsoft.com/VisualStudio/2011/storyboarding/control"/>
@@ -33031,183 +34199,7 @@
 </ds:datastoreItem>
 </file>
 
-<file path=customXml/itemProps274.xml><?xml version="1.0" encoding="utf-8"?>
-<ds:datastoreItem xmlns:ds="http://schemas.openxmlformats.org/officeDocument/2006/customXml" ds:itemID="{128972CA-E70E-4C23-87EF-5D83CF0EB4D0}">
-  <ds:schemaRefs>
-    <ds:schemaRef ds:uri="http://schemas.microsoft.com/VisualStudio/2011/storyboarding/control"/>
-  </ds:schemaRefs>
-</ds:datastoreItem>
-</file>
-
-<file path=customXml/itemProps275.xml><?xml version="1.0" encoding="utf-8"?>
-<ds:datastoreItem xmlns:ds="http://schemas.openxmlformats.org/officeDocument/2006/customXml" ds:itemID="{998783E5-93E3-46E4-8B45-FB75479D6BD0}">
-  <ds:schemaRefs>
-    <ds:schemaRef ds:uri="http://schemas.microsoft.com/VisualStudio/2011/storyboarding/control"/>
-  </ds:schemaRefs>
-</ds:datastoreItem>
-</file>
-
-<file path=customXml/itemProps276.xml><?xml version="1.0" encoding="utf-8"?>
-<ds:datastoreItem xmlns:ds="http://schemas.openxmlformats.org/officeDocument/2006/customXml" ds:itemID="{DB4F9695-2BDE-47EC-BF8C-9433F25A92F2}">
-  <ds:schemaRefs>
-    <ds:schemaRef ds:uri="http://schemas.microsoft.com/VisualStudio/2011/storyboarding/control"/>
-  </ds:schemaRefs>
-</ds:datastoreItem>
-</file>
-
-<file path=customXml/itemProps277.xml><?xml version="1.0" encoding="utf-8"?>
-<ds:datastoreItem xmlns:ds="http://schemas.openxmlformats.org/officeDocument/2006/customXml" ds:itemID="{355F828C-8DD0-4B0C-8A65-152475EE1425}">
-  <ds:schemaRefs>
-    <ds:schemaRef ds:uri="http://schemas.microsoft.com/VisualStudio/2011/storyboarding/control"/>
-  </ds:schemaRefs>
-</ds:datastoreItem>
-</file>
-
-<file path=customXml/itemProps278.xml><?xml version="1.0" encoding="utf-8"?>
-<ds:datastoreItem xmlns:ds="http://schemas.openxmlformats.org/officeDocument/2006/customXml" ds:itemID="{2C4CCA8C-E1E3-4D28-B52B-FB81537ACD62}">
-  <ds:schemaRefs>
-    <ds:schemaRef ds:uri="http://schemas.microsoft.com/VisualStudio/2011/storyboarding/control"/>
-  </ds:schemaRefs>
-</ds:datastoreItem>
-</file>
-
-<file path=customXml/itemProps279.xml><?xml version="1.0" encoding="utf-8"?>
-<ds:datastoreItem xmlns:ds="http://schemas.openxmlformats.org/officeDocument/2006/customXml" ds:itemID="{CD08CBAF-EFED-4E31-A630-125B2BF33FB5}">
-  <ds:schemaRefs>
-    <ds:schemaRef ds:uri="http://schemas.microsoft.com/VisualStudio/2011/storyboarding/control"/>
-  </ds:schemaRefs>
-</ds:datastoreItem>
-</file>
-
-<file path=customXml/itemProps28.xml><?xml version="1.0" encoding="utf-8"?>
-<ds:datastoreItem xmlns:ds="http://schemas.openxmlformats.org/officeDocument/2006/customXml" ds:itemID="{3A7AE35B-4D50-4165-940D-B3B720020BD4}">
-  <ds:schemaRefs>
-    <ds:schemaRef ds:uri="http://schemas.microsoft.com/VisualStudio/2011/storyboarding/control"/>
-  </ds:schemaRefs>
-</ds:datastoreItem>
-</file>
-
-<file path=customXml/itemProps280.xml><?xml version="1.0" encoding="utf-8"?>
-<ds:datastoreItem xmlns:ds="http://schemas.openxmlformats.org/officeDocument/2006/customXml" ds:itemID="{C3BA9EF5-CEA3-4AE3-A3AB-B49C7AEF551E}">
-  <ds:schemaRefs>
-    <ds:schemaRef ds:uri="http://schemas.microsoft.com/VisualStudio/2011/storyboarding/control"/>
-  </ds:schemaRefs>
-</ds:datastoreItem>
-</file>
-
-<file path=customXml/itemProps281.xml><?xml version="1.0" encoding="utf-8"?>
-<ds:datastoreItem xmlns:ds="http://schemas.openxmlformats.org/officeDocument/2006/customXml" ds:itemID="{3B14F52C-BC5F-47CE-945E-640AE2D7FD32}">
-  <ds:schemaRefs>
-    <ds:schemaRef ds:uri="http://schemas.microsoft.com/VisualStudio/2011/storyboarding/control"/>
-  </ds:schemaRefs>
-</ds:datastoreItem>
-</file>
-
-<file path=customXml/itemProps282.xml><?xml version="1.0" encoding="utf-8"?>
-<ds:datastoreItem xmlns:ds="http://schemas.openxmlformats.org/officeDocument/2006/customXml" ds:itemID="{4626F3AE-A96D-40C7-8F91-73F6C0A5FABD}">
-  <ds:schemaRefs>
-    <ds:schemaRef ds:uri="http://schemas.microsoft.com/VisualStudio/2011/storyboarding/control"/>
-  </ds:schemaRefs>
-</ds:datastoreItem>
-</file>
-
-<file path=customXml/itemProps283.xml><?xml version="1.0" encoding="utf-8"?>
-<ds:datastoreItem xmlns:ds="http://schemas.openxmlformats.org/officeDocument/2006/customXml" ds:itemID="{83FE5952-B810-41DD-BC8D-EA4E6B2877C4}">
-  <ds:schemaRefs>
-    <ds:schemaRef ds:uri="http://schemas.microsoft.com/VisualStudio/2011/storyboarding/control"/>
-  </ds:schemaRefs>
-</ds:datastoreItem>
-</file>
-
-<file path=customXml/itemProps284.xml><?xml version="1.0" encoding="utf-8"?>
-<ds:datastoreItem xmlns:ds="http://schemas.openxmlformats.org/officeDocument/2006/customXml" ds:itemID="{2479DC2C-EF0B-41AF-B612-40020B463D9B}">
-  <ds:schemaRefs>
-    <ds:schemaRef ds:uri="http://schemas.microsoft.com/VisualStudio/2011/storyboarding/control"/>
-  </ds:schemaRefs>
-</ds:datastoreItem>
-</file>
-
-<file path=customXml/itemProps285.xml><?xml version="1.0" encoding="utf-8"?>
-<ds:datastoreItem xmlns:ds="http://schemas.openxmlformats.org/officeDocument/2006/customXml" ds:itemID="{2262AB97-89CA-4079-98DA-993B62EF26AB}">
-  <ds:schemaRefs>
-    <ds:schemaRef ds:uri="http://schemas.microsoft.com/VisualStudio/2011/storyboarding/control"/>
-  </ds:schemaRefs>
-</ds:datastoreItem>
-</file>
-
-<file path=customXml/itemProps286.xml><?xml version="1.0" encoding="utf-8"?>
-<ds:datastoreItem xmlns:ds="http://schemas.openxmlformats.org/officeDocument/2006/customXml" ds:itemID="{DB6E0612-8B1D-4BE3-AC72-D821C426DE75}">
-  <ds:schemaRefs>
-    <ds:schemaRef ds:uri="http://schemas.microsoft.com/VisualStudio/2011/storyboarding/control"/>
-  </ds:schemaRefs>
-</ds:datastoreItem>
-</file>
-
-<file path=customXml/itemProps287.xml><?xml version="1.0" encoding="utf-8"?>
-<ds:datastoreItem xmlns:ds="http://schemas.openxmlformats.org/officeDocument/2006/customXml" ds:itemID="{8FFBA1EB-8640-41D3-90AB-ABBFC6BE36B9}">
-  <ds:schemaRefs>
-    <ds:schemaRef ds:uri="http://schemas.microsoft.com/VisualStudio/2011/storyboarding/control"/>
-  </ds:schemaRefs>
-</ds:datastoreItem>
-</file>
-
-<file path=customXml/itemProps288.xml><?xml version="1.0" encoding="utf-8"?>
-<ds:datastoreItem xmlns:ds="http://schemas.openxmlformats.org/officeDocument/2006/customXml" ds:itemID="{36777C72-DE24-4278-ACA0-CB283A6EBC74}">
-  <ds:schemaRefs>
-    <ds:schemaRef ds:uri="http://schemas.microsoft.com/VisualStudio/2011/storyboarding/control"/>
-  </ds:schemaRefs>
-</ds:datastoreItem>
-</file>
-
-<file path=customXml/itemProps289.xml><?xml version="1.0" encoding="utf-8"?>
-<ds:datastoreItem xmlns:ds="http://schemas.openxmlformats.org/officeDocument/2006/customXml" ds:itemID="{77FAC5F0-DC78-4546-BD9F-1E67402040BC}">
-  <ds:schemaRefs>
-    <ds:schemaRef ds:uri="http://schemas.microsoft.com/VisualStudio/2011/storyboarding/control"/>
-  </ds:schemaRefs>
-</ds:datastoreItem>
-</file>
-
-<file path=customXml/itemProps29.xml><?xml version="1.0" encoding="utf-8"?>
-<ds:datastoreItem xmlns:ds="http://schemas.openxmlformats.org/officeDocument/2006/customXml" ds:itemID="{83C7B5A9-0530-46C6-A850-347D2AC04604}">
-  <ds:schemaRefs>
-    <ds:schemaRef ds:uri="http://schemas.microsoft.com/VisualStudio/2011/storyboarding/control"/>
-  </ds:schemaRefs>
-</ds:datastoreItem>
-</file>
-
-<file path=customXml/itemProps290.xml><?xml version="1.0" encoding="utf-8"?>
-<ds:datastoreItem xmlns:ds="http://schemas.openxmlformats.org/officeDocument/2006/customXml" ds:itemID="{903D1585-EC82-417F-ADD8-DEE6B3412E20}">
-  <ds:schemaRefs>
-    <ds:schemaRef ds:uri="http://schemas.microsoft.com/VisualStudio/2011/storyboarding/control"/>
-  </ds:schemaRefs>
-</ds:datastoreItem>
-</file>
-
-<file path=customXml/itemProps291.xml><?xml version="1.0" encoding="utf-8"?>
-<ds:datastoreItem xmlns:ds="http://schemas.openxmlformats.org/officeDocument/2006/customXml" ds:itemID="{5C08525B-AE6F-48B6-B287-2C8026CEED11}">
-  <ds:schemaRefs>
-    <ds:schemaRef ds:uri="http://schemas.microsoft.com/VisualStudio/2011/storyboarding/control"/>
-  </ds:schemaRefs>
-</ds:datastoreItem>
-</file>
-
-<file path=customXml/itemProps292.xml><?xml version="1.0" encoding="utf-8"?>
-<ds:datastoreItem xmlns:ds="http://schemas.openxmlformats.org/officeDocument/2006/customXml" ds:itemID="{926C71EA-7662-42AD-B796-6EA8688D8F12}">
-  <ds:schemaRefs>
-    <ds:schemaRef ds:uri="http://schemas.microsoft.com/VisualStudio/2011/storyboarding/control"/>
-  </ds:schemaRefs>
-</ds:datastoreItem>
-</file>
-
-<file path=customXml/itemProps293.xml><?xml version="1.0" encoding="utf-8"?>
-<ds:datastoreItem xmlns:ds="http://schemas.openxmlformats.org/officeDocument/2006/customXml" ds:itemID="{A9589BB7-B112-466A-B7DB-50FF9E4A7695}">
-  <ds:schemaRefs>
-    <ds:schemaRef ds:uri="http://schemas.microsoft.com/VisualStudio/2011/storyboarding/control"/>
-  </ds:schemaRefs>
-</ds:datastoreItem>
-</file>
-
-<file path=customXml/itemProps294.xml><?xml version="1.0" encoding="utf-8"?>
+<file path=customXml/itemProps98.xml><?xml version="1.0" encoding="utf-8"?>
 <ds:datastoreItem xmlns:ds="http://schemas.openxmlformats.org/officeDocument/2006/customXml" ds:itemID="{88F3ABE5-4038-45BB-8D76-78B5FAE4722B}">
   <ds:schemaRefs>
     <ds:schemaRef ds:uri="http://schemas.microsoft.com/VisualStudio/2011/storyboarding/control"/>
@@ -33215,1002 +34207,10 @@
 </ds:datastoreItem>
 </file>
 
-<file path=customXml/itemProps295.xml><?xml version="1.0" encoding="utf-8"?>
-<ds:datastoreItem xmlns:ds="http://schemas.openxmlformats.org/officeDocument/2006/customXml" ds:itemID="{84541087-66FB-424B-A9A1-FCABBA4CE424}">
-  <ds:schemaRefs>
-    <ds:schemaRef ds:uri="http://schemas.microsoft.com/VisualStudio/2011/storyboarding/control"/>
-  </ds:schemaRefs>
-</ds:datastoreItem>
-</file>
-
-<file path=customXml/itemProps296.xml><?xml version="1.0" encoding="utf-8"?>
-<ds:datastoreItem xmlns:ds="http://schemas.openxmlformats.org/officeDocument/2006/customXml" ds:itemID="{B6B9C910-7729-4399-A2A4-124811EF2AAD}">
-  <ds:schemaRefs>
-    <ds:schemaRef ds:uri="http://schemas.microsoft.com/VisualStudio/2011/storyboarding/control"/>
-  </ds:schemaRefs>
-</ds:datastoreItem>
-</file>
-
-<file path=customXml/itemProps297.xml><?xml version="1.0" encoding="utf-8"?>
-<ds:datastoreItem xmlns:ds="http://schemas.openxmlformats.org/officeDocument/2006/customXml" ds:itemID="{548207B6-9ECB-4C71-9D88-A39393050720}">
-  <ds:schemaRefs>
-    <ds:schemaRef ds:uri="http://schemas.microsoft.com/VisualStudio/2011/storyboarding/control"/>
-  </ds:schemaRefs>
-</ds:datastoreItem>
-</file>
-
-<file path=customXml/itemProps298.xml><?xml version="1.0" encoding="utf-8"?>
-<ds:datastoreItem xmlns:ds="http://schemas.openxmlformats.org/officeDocument/2006/customXml" ds:itemID="{875DA8D0-9C6C-44D9-B84C-C4B5FD322C1A}">
-  <ds:schemaRefs>
-    <ds:schemaRef ds:uri="http://schemas.microsoft.com/VisualStudio/2011/storyboarding/control"/>
-  </ds:schemaRefs>
-</ds:datastoreItem>
-</file>
-
-<file path=customXml/itemProps299.xml><?xml version="1.0" encoding="utf-8"?>
-<ds:datastoreItem xmlns:ds="http://schemas.openxmlformats.org/officeDocument/2006/customXml" ds:itemID="{CB60C352-926D-4B06-8BE1-EF0755110463}">
-  <ds:schemaRefs>
-    <ds:schemaRef ds:uri="http://schemas.microsoft.com/VisualStudio/2011/storyboarding/control"/>
-  </ds:schemaRefs>
-</ds:datastoreItem>
-</file>
-
-<file path=customXml/itemProps3.xml><?xml version="1.0" encoding="utf-8"?>
-<ds:datastoreItem xmlns:ds="http://schemas.openxmlformats.org/officeDocument/2006/customXml" ds:itemID="{8B1F962B-8896-4824-ACD5-8AE30FE0A557}">
-  <ds:schemaRefs>
-    <ds:schemaRef ds:uri="http://schemas.microsoft.com/VisualStudio/2011/storyboarding/control"/>
-  </ds:schemaRefs>
-</ds:datastoreItem>
-</file>
-
-<file path=customXml/itemProps30.xml><?xml version="1.0" encoding="utf-8"?>
-<ds:datastoreItem xmlns:ds="http://schemas.openxmlformats.org/officeDocument/2006/customXml" ds:itemID="{67F5F6F5-4E51-492F-BF8F-11BFFAA45B4A}">
-  <ds:schemaRefs>
-    <ds:schemaRef ds:uri="http://schemas.microsoft.com/VisualStudio/2011/storyboarding/control"/>
-  </ds:schemaRefs>
-</ds:datastoreItem>
-</file>
-
-<file path=customXml/itemProps300.xml><?xml version="1.0" encoding="utf-8"?>
-<ds:datastoreItem xmlns:ds="http://schemas.openxmlformats.org/officeDocument/2006/customXml" ds:itemID="{F4261AFD-0C6F-405A-ABB8-E13F5D880F5A}">
-  <ds:schemaRefs>
-    <ds:schemaRef ds:uri="http://schemas.microsoft.com/VisualStudio/2011/storyboarding/control"/>
-  </ds:schemaRefs>
-</ds:datastoreItem>
-</file>
-
-<file path=customXml/itemProps301.xml><?xml version="1.0" encoding="utf-8"?>
-<ds:datastoreItem xmlns:ds="http://schemas.openxmlformats.org/officeDocument/2006/customXml" ds:itemID="{152057C0-8163-4478-8001-B3CFAA894936}">
-  <ds:schemaRefs>
-    <ds:schemaRef ds:uri="http://schemas.microsoft.com/VisualStudio/2011/storyboarding/control"/>
-  </ds:schemaRefs>
-</ds:datastoreItem>
-</file>
-
-<file path=customXml/itemProps302.xml><?xml version="1.0" encoding="utf-8"?>
-<ds:datastoreItem xmlns:ds="http://schemas.openxmlformats.org/officeDocument/2006/customXml" ds:itemID="{3E8B6194-5AF1-4A7F-A860-08884876DB99}">
-  <ds:schemaRefs>
-    <ds:schemaRef ds:uri="http://schemas.microsoft.com/VisualStudio/2011/storyboarding/control"/>
-  </ds:schemaRefs>
-</ds:datastoreItem>
-</file>
-
-<file path=customXml/itemProps303.xml><?xml version="1.0" encoding="utf-8"?>
-<ds:datastoreItem xmlns:ds="http://schemas.openxmlformats.org/officeDocument/2006/customXml" ds:itemID="{4EA2190A-611C-49BA-ADD4-5855AD00D63D}">
-  <ds:schemaRefs>
-    <ds:schemaRef ds:uri="http://schemas.microsoft.com/VisualStudio/2011/storyboarding/control"/>
-  </ds:schemaRefs>
-</ds:datastoreItem>
-</file>
-
-<file path=customXml/itemProps304.xml><?xml version="1.0" encoding="utf-8"?>
-<ds:datastoreItem xmlns:ds="http://schemas.openxmlformats.org/officeDocument/2006/customXml" ds:itemID="{8E75C575-581D-41C1-833A-EA93BF9CCB04}">
-  <ds:schemaRefs>
-    <ds:schemaRef ds:uri="http://schemas.microsoft.com/VisualStudio/2011/storyboarding/control"/>
-  </ds:schemaRefs>
-</ds:datastoreItem>
-</file>
-
-<file path=customXml/itemProps305.xml><?xml version="1.0" encoding="utf-8"?>
-<ds:datastoreItem xmlns:ds="http://schemas.openxmlformats.org/officeDocument/2006/customXml" ds:itemID="{759BEA28-9DBD-46F5-95FA-10FCEE44F4E0}">
-  <ds:schemaRefs>
-    <ds:schemaRef ds:uri="http://schemas.microsoft.com/VisualStudio/2011/storyboarding/control"/>
-  </ds:schemaRefs>
-</ds:datastoreItem>
-</file>
-
-<file path=customXml/itemProps306.xml><?xml version="1.0" encoding="utf-8"?>
-<ds:datastoreItem xmlns:ds="http://schemas.openxmlformats.org/officeDocument/2006/customXml" ds:itemID="{0C30631B-6B6B-4F45-A69E-60EB784933B3}">
-  <ds:schemaRefs>
-    <ds:schemaRef ds:uri="http://schemas.microsoft.com/VisualStudio/2011/storyboarding/control"/>
-  </ds:schemaRefs>
-</ds:datastoreItem>
-</file>
-
-<file path=customXml/itemProps307.xml><?xml version="1.0" encoding="utf-8"?>
-<ds:datastoreItem xmlns:ds="http://schemas.openxmlformats.org/officeDocument/2006/customXml" ds:itemID="{B9D5874A-DB82-4E87-A995-5E70DBA4B3B0}">
-  <ds:schemaRefs>
-    <ds:schemaRef ds:uri="http://schemas.microsoft.com/VisualStudio/2011/storyboarding/control"/>
-  </ds:schemaRefs>
-</ds:datastoreItem>
-</file>
-
-<file path=customXml/itemProps308.xml><?xml version="1.0" encoding="utf-8"?>
+<file path=customXml/itemProps99.xml><?xml version="1.0" encoding="utf-8"?>
 <ds:datastoreItem xmlns:ds="http://schemas.openxmlformats.org/officeDocument/2006/customXml" ds:itemID="{58C35028-5CF9-4C74-BFCD-437163455DA4}">
   <ds:schemaRefs>
     <ds:schemaRef ds:uri="http://schemas.microsoft.com/VisualStudio/2011/storyboarding/control"/>
   </ds:schemaRefs>
 </ds:datastoreItem>
-</file>
-
-<file path=customXml/itemProps309.xml><?xml version="1.0" encoding="utf-8"?>
-<ds:datastoreItem xmlns:ds="http://schemas.openxmlformats.org/officeDocument/2006/customXml" ds:itemID="{83115CD3-825C-4612-821F-C5D4B5A19981}">
-  <ds:schemaRefs>
-    <ds:schemaRef ds:uri="http://schemas.microsoft.com/VisualStudio/2011/storyboarding/control"/>
-  </ds:schemaRefs>
-</ds:datastoreItem>
-</file>
-
-<file path=customXml/itemProps31.xml><?xml version="1.0" encoding="utf-8"?>
-<ds:datastoreItem xmlns:ds="http://schemas.openxmlformats.org/officeDocument/2006/customXml" ds:itemID="{26190532-7283-4B3A-A4F0-D4225A0BC43D}">
-  <ds:schemaRefs>
-    <ds:schemaRef ds:uri="http://schemas.microsoft.com/VisualStudio/2011/storyboarding/control"/>
-  </ds:schemaRefs>
-</ds:datastoreItem>
-</file>
-
-<file path=customXml/itemProps310.xml><?xml version="1.0" encoding="utf-8"?>
-<ds:datastoreItem xmlns:ds="http://schemas.openxmlformats.org/officeDocument/2006/customXml" ds:itemID="{76DC95E1-ACCA-45B6-9796-C9DB84BF79E8}">
-  <ds:schemaRefs>
-    <ds:schemaRef ds:uri="http://schemas.microsoft.com/VisualStudio/2011/storyboarding/control"/>
-  </ds:schemaRefs>
-</ds:datastoreItem>
-</file>
-
-<file path=customXml/itemProps311.xml><?xml version="1.0" encoding="utf-8"?>
-<ds:datastoreItem xmlns:ds="http://schemas.openxmlformats.org/officeDocument/2006/customXml" ds:itemID="{8FB016EA-60C1-4762-8FF2-7DE705E604F0}">
-  <ds:schemaRefs>
-    <ds:schemaRef ds:uri="http://schemas.microsoft.com/VisualStudio/2011/storyboarding/control"/>
-  </ds:schemaRefs>
-</ds:datastoreItem>
-</file>
-
-<file path=customXml/itemProps312.xml><?xml version="1.0" encoding="utf-8"?>
-<ds:datastoreItem xmlns:ds="http://schemas.openxmlformats.org/officeDocument/2006/customXml" ds:itemID="{B417D8B6-53FD-4D5A-BFEE-3543BD43D401}">
-  <ds:schemaRefs>
-    <ds:schemaRef ds:uri="http://schemas.microsoft.com/VisualStudio/2011/storyboarding/control"/>
-  </ds:schemaRefs>
-</ds:datastoreItem>
-</file>
-
-<file path=customXml/itemProps313.xml><?xml version="1.0" encoding="utf-8"?>
-<ds:datastoreItem xmlns:ds="http://schemas.openxmlformats.org/officeDocument/2006/customXml" ds:itemID="{8E2F46EC-BCDA-4589-B106-2EE9F450A758}">
-  <ds:schemaRefs>
-    <ds:schemaRef ds:uri="http://schemas.microsoft.com/VisualStudio/2011/storyboarding/control"/>
-  </ds:schemaRefs>
-</ds:datastoreItem>
-</file>
-
-<file path=customXml/itemProps314.xml><?xml version="1.0" encoding="utf-8"?>
-<ds:datastoreItem xmlns:ds="http://schemas.openxmlformats.org/officeDocument/2006/customXml" ds:itemID="{C69813E6-399E-4343-9AE6-3037FDA52C95}">
-  <ds:schemaRefs>
-    <ds:schemaRef ds:uri="http://schemas.microsoft.com/VisualStudio/2011/storyboarding/control"/>
-  </ds:schemaRefs>
-</ds:datastoreItem>
-</file>
-
-<file path=customXml/itemProps315.xml><?xml version="1.0" encoding="utf-8"?>
-<ds:datastoreItem xmlns:ds="http://schemas.openxmlformats.org/officeDocument/2006/customXml" ds:itemID="{0DC22608-B763-470D-9FE1-22779519CE9E}">
-  <ds:schemaRefs>
-    <ds:schemaRef ds:uri="http://schemas.microsoft.com/VisualStudio/2011/storyboarding/control"/>
-  </ds:schemaRefs>
-</ds:datastoreItem>
-</file>
-
-<file path=customXml/itemProps316.xml><?xml version="1.0" encoding="utf-8"?>
-<ds:datastoreItem xmlns:ds="http://schemas.openxmlformats.org/officeDocument/2006/customXml" ds:itemID="{59523541-65F5-4428-9F7B-EAA3ACAEA288}">
-  <ds:schemaRefs>
-    <ds:schemaRef ds:uri="http://schemas.microsoft.com/VisualStudio/2011/storyboarding/control"/>
-  </ds:schemaRefs>
-</ds:datastoreItem>
-</file>
-
-<file path=customXml/itemProps317.xml><?xml version="1.0" encoding="utf-8"?>
-<ds:datastoreItem xmlns:ds="http://schemas.openxmlformats.org/officeDocument/2006/customXml" ds:itemID="{79F4C3AA-101F-4B48-BC66-EB35454CC9AD}">
-  <ds:schemaRefs>
-    <ds:schemaRef ds:uri="http://schemas.microsoft.com/VisualStudio/2011/storyboarding/control"/>
-  </ds:schemaRefs>
-</ds:datastoreItem>
-</file>
-
-<file path=customXml/itemProps318.xml><?xml version="1.0" encoding="utf-8"?>
-<ds:datastoreItem xmlns:ds="http://schemas.openxmlformats.org/officeDocument/2006/customXml" ds:itemID="{DF927E49-054C-4B25-9106-DB8ED403AD7D}">
-  <ds:schemaRefs>
-    <ds:schemaRef ds:uri="http://schemas.microsoft.com/VisualStudio/2011/storyboarding/control"/>
-  </ds:schemaRefs>
-</ds:datastoreItem>
-</file>
-
-<file path=customXml/itemProps319.xml><?xml version="1.0" encoding="utf-8"?>
-<ds:datastoreItem xmlns:ds="http://schemas.openxmlformats.org/officeDocument/2006/customXml" ds:itemID="{19BD4C18-9805-4E22-B165-9EA5325B2EA5}">
-  <ds:schemaRefs>
-    <ds:schemaRef ds:uri="http://schemas.microsoft.com/VisualStudio/2011/storyboarding/control"/>
-  </ds:schemaRefs>
-</ds:datastoreItem>
-</file>
-
-<file path=customXml/itemProps32.xml><?xml version="1.0" encoding="utf-8"?>
-<ds:datastoreItem xmlns:ds="http://schemas.openxmlformats.org/officeDocument/2006/customXml" ds:itemID="{2238C136-D227-4AA1-A465-1D5076A289E6}">
-  <ds:schemaRefs>
-    <ds:schemaRef ds:uri="http://schemas.microsoft.com/VisualStudio/2011/storyboarding/control"/>
-  </ds:schemaRefs>
-</ds:datastoreItem>
-</file>
-
-<file path=customXml/itemProps320.xml><?xml version="1.0" encoding="utf-8"?>
-<ds:datastoreItem xmlns:ds="http://schemas.openxmlformats.org/officeDocument/2006/customXml" ds:itemID="{9E19A2A9-CBAF-48FC-B482-E99648066CC4}">
-  <ds:schemaRefs>
-    <ds:schemaRef ds:uri="http://schemas.microsoft.com/VisualStudio/2011/storyboarding/control"/>
-  </ds:schemaRefs>
-</ds:datastoreItem>
-</file>
-
-<file path=customXml/itemProps321.xml><?xml version="1.0" encoding="utf-8"?>
-<ds:datastoreItem xmlns:ds="http://schemas.openxmlformats.org/officeDocument/2006/customXml" ds:itemID="{7189590F-1A48-46F3-B24A-D8D0F3BA0A15}">
-  <ds:schemaRefs>
-    <ds:schemaRef ds:uri="http://schemas.microsoft.com/VisualStudio/2011/storyboarding/control"/>
-  </ds:schemaRefs>
-</ds:datastoreItem>
-</file>
-
-<file path=customXml/itemProps322.xml><?xml version="1.0" encoding="utf-8"?>
-<ds:datastoreItem xmlns:ds="http://schemas.openxmlformats.org/officeDocument/2006/customXml" ds:itemID="{452A5613-1F1F-4ABC-81F7-3303A828A0B8}">
-  <ds:schemaRefs>
-    <ds:schemaRef ds:uri="http://schemas.microsoft.com/VisualStudio/2011/storyboarding/control"/>
-  </ds:schemaRefs>
-</ds:datastoreItem>
-</file>
-
-<file path=customXml/itemProps323.xml><?xml version="1.0" encoding="utf-8"?>
-<ds:datastoreItem xmlns:ds="http://schemas.openxmlformats.org/officeDocument/2006/customXml" ds:itemID="{5AE20059-9580-4F46-949A-9E08E5F1CDE6}">
-  <ds:schemaRefs>
-    <ds:schemaRef ds:uri="http://schemas.microsoft.com/VisualStudio/2011/storyboarding/control"/>
-  </ds:schemaRefs>
-</ds:datastoreItem>
-</file>
-
-<file path=customXml/itemProps324.xml><?xml version="1.0" encoding="utf-8"?>
-<ds:datastoreItem xmlns:ds="http://schemas.openxmlformats.org/officeDocument/2006/customXml" ds:itemID="{8A640325-005D-4045-AEC2-6BA2B94359ED}">
-  <ds:schemaRefs>
-    <ds:schemaRef ds:uri="http://schemas.microsoft.com/VisualStudio/2011/storyboarding/control"/>
-  </ds:schemaRefs>
-</ds:datastoreItem>
-</file>
-
-<file path=customXml/itemProps325.xml><?xml version="1.0" encoding="utf-8"?>
-<ds:datastoreItem xmlns:ds="http://schemas.openxmlformats.org/officeDocument/2006/customXml" ds:itemID="{DAF7154D-49A1-422C-9139-455DB6824320}">
-  <ds:schemaRefs>
-    <ds:schemaRef ds:uri="http://schemas.microsoft.com/VisualStudio/2011/storyboarding/control"/>
-  </ds:schemaRefs>
-</ds:datastoreItem>
-</file>
-
-<file path=customXml/itemProps326.xml><?xml version="1.0" encoding="utf-8"?>
-<ds:datastoreItem xmlns:ds="http://schemas.openxmlformats.org/officeDocument/2006/customXml" ds:itemID="{29F8B5B8-E187-4506-A53E-4D04D2CD28B4}">
-  <ds:schemaRefs>
-    <ds:schemaRef ds:uri="http://schemas.microsoft.com/VisualStudio/2011/storyboarding/control"/>
-  </ds:schemaRefs>
-</ds:datastoreItem>
-</file>
-
-<file path=customXml/itemProps327.xml><?xml version="1.0" encoding="utf-8"?>
-<ds:datastoreItem xmlns:ds="http://schemas.openxmlformats.org/officeDocument/2006/customXml" ds:itemID="{704CF15B-5A3D-424C-9C26-639F7FE2B6A2}">
-  <ds:schemaRefs>
-    <ds:schemaRef ds:uri="http://schemas.microsoft.com/VisualStudio/2011/storyboarding/control"/>
-  </ds:schemaRefs>
-</ds:datastoreItem>
-</file>
-
-<file path=customXml/itemProps328.xml><?xml version="1.0" encoding="utf-8"?>
-<ds:datastoreItem xmlns:ds="http://schemas.openxmlformats.org/officeDocument/2006/customXml" ds:itemID="{77674E22-E958-4C98-881E-833176FE57EF}">
-  <ds:schemaRefs>
-    <ds:schemaRef ds:uri="http://schemas.microsoft.com/VisualStudio/2011/storyboarding/control"/>
-  </ds:schemaRefs>
-</ds:datastoreItem>
-</file>
-
-<file path=customXml/itemProps329.xml><?xml version="1.0" encoding="utf-8"?>
-<ds:datastoreItem xmlns:ds="http://schemas.openxmlformats.org/officeDocument/2006/customXml" ds:itemID="{E6E80966-9825-4173-9E8F-04D976F00618}">
-  <ds:schemaRefs>
-    <ds:schemaRef ds:uri="http://schemas.microsoft.com/VisualStudio/2011/storyboarding/control"/>
-  </ds:schemaRefs>
-</ds:datastoreItem>
-</file>
-
-<file path=customXml/itemProps33.xml><?xml version="1.0" encoding="utf-8"?>
-<ds:datastoreItem xmlns:ds="http://schemas.openxmlformats.org/officeDocument/2006/customXml" ds:itemID="{37D9AFB0-4C16-4052-88E4-5FBE90606F71}">
-  <ds:schemaRefs>
-    <ds:schemaRef ds:uri="http://schemas.microsoft.com/VisualStudio/2011/storyboarding/control"/>
-  </ds:schemaRefs>
-</ds:datastoreItem>
-</file>
-
-<file path=customXml/itemProps330.xml><?xml version="1.0" encoding="utf-8"?>
-<ds:datastoreItem xmlns:ds="http://schemas.openxmlformats.org/officeDocument/2006/customXml" ds:itemID="{814E5E49-561F-42A5-93BA-1F6CE6BA8015}">
-  <ds:schemaRefs>
-    <ds:schemaRef ds:uri="http://schemas.microsoft.com/VisualStudio/2011/storyboarding/control"/>
-  </ds:schemaRefs>
-</ds:datastoreItem>
-</file>
-
-<file path=customXml/itemProps331.xml><?xml version="1.0" encoding="utf-8"?>
-<ds:datastoreItem xmlns:ds="http://schemas.openxmlformats.org/officeDocument/2006/customXml" ds:itemID="{E783467E-8D70-44AF-AB18-747731E98643}">
-  <ds:schemaRefs>
-    <ds:schemaRef ds:uri="http://schemas.microsoft.com/VisualStudio/2011/storyboarding/control"/>
-  </ds:schemaRefs>
-</ds:datastoreItem>
-</file>
-
-<file path=customXml/itemProps332.xml><?xml version="1.0" encoding="utf-8"?>
-<ds:datastoreItem xmlns:ds="http://schemas.openxmlformats.org/officeDocument/2006/customXml" ds:itemID="{1286F223-ECE1-445C-AA3D-D038801B4F20}">
-  <ds:schemaRefs>
-    <ds:schemaRef ds:uri="http://schemas.microsoft.com/VisualStudio/2011/storyboarding/control"/>
-  </ds:schemaRefs>
-</ds:datastoreItem>
-</file>
-
-<file path=customXml/itemProps333.xml><?xml version="1.0" encoding="utf-8"?>
-<ds:datastoreItem xmlns:ds="http://schemas.openxmlformats.org/officeDocument/2006/customXml" ds:itemID="{D1A6804F-A8B3-4D45-9935-5490C5BC29A9}">
-  <ds:schemaRefs>
-    <ds:schemaRef ds:uri="http://schemas.microsoft.com/VisualStudio/2011/storyboarding/control"/>
-  </ds:schemaRefs>
-</ds:datastoreItem>
-</file>
-
-<file path=customXml/itemProps334.xml><?xml version="1.0" encoding="utf-8"?>
-<ds:datastoreItem xmlns:ds="http://schemas.openxmlformats.org/officeDocument/2006/customXml" ds:itemID="{6CB09887-0C9C-4234-93F2-AD27E1F72E24}">
-  <ds:schemaRefs>
-    <ds:schemaRef ds:uri="http://schemas.microsoft.com/VisualStudio/2011/storyboarding/control"/>
-  </ds:schemaRefs>
-</ds:datastoreItem>
-</file>
-
-<file path=customXml/itemProps335.xml><?xml version="1.0" encoding="utf-8"?>
-<ds:datastoreItem xmlns:ds="http://schemas.openxmlformats.org/officeDocument/2006/customXml" ds:itemID="{E18D799A-5C73-4CD9-9B5B-0051DF843323}">
-  <ds:schemaRefs>
-    <ds:schemaRef ds:uri="http://schemas.microsoft.com/VisualStudio/2011/storyboarding/control"/>
-  </ds:schemaRefs>
-</ds:datastoreItem>
-</file>
-
-<file path=customXml/itemProps336.xml><?xml version="1.0" encoding="utf-8"?>
-<ds:datastoreItem xmlns:ds="http://schemas.openxmlformats.org/officeDocument/2006/customXml" ds:itemID="{D2E8B1D1-F821-429C-8E9A-54E372204244}">
-  <ds:schemaRefs>
-    <ds:schemaRef ds:uri="http://schemas.microsoft.com/VisualStudio/2011/storyboarding/control"/>
-  </ds:schemaRefs>
-</ds:datastoreItem>
-</file>
-
-<file path=customXml/itemProps337.xml><?xml version="1.0" encoding="utf-8"?>
-<ds:datastoreItem xmlns:ds="http://schemas.openxmlformats.org/officeDocument/2006/customXml" ds:itemID="{0653BCF8-3C2F-4254-AB66-8E1E9614E114}">
-  <ds:schemaRefs>
-    <ds:schemaRef ds:uri="http://schemas.microsoft.com/VisualStudio/2011/storyboarding/control"/>
-  </ds:schemaRefs>
-</ds:datastoreItem>
-</file>
-
-<file path=customXml/itemProps338.xml><?xml version="1.0" encoding="utf-8"?>
-<ds:datastoreItem xmlns:ds="http://schemas.openxmlformats.org/officeDocument/2006/customXml" ds:itemID="{A5F3260F-AF89-4371-AD84-390875C70535}">
-  <ds:schemaRefs>
-    <ds:schemaRef ds:uri="http://schemas.microsoft.com/VisualStudio/2011/storyboarding/control"/>
-  </ds:schemaRefs>
-</ds:datastoreItem>
-</file>
-
-<file path=customXml/itemProps339.xml><?xml version="1.0" encoding="utf-8"?>
-<ds:datastoreItem xmlns:ds="http://schemas.openxmlformats.org/officeDocument/2006/customXml" ds:itemID="{784F0729-F391-4F97-9E2D-7F7DD2F07570}">
-  <ds:schemaRefs>
-    <ds:schemaRef ds:uri="http://schemas.microsoft.com/VisualStudio/2011/storyboarding/control"/>
-  </ds:schemaRefs>
-</ds:datastoreItem>
-</file>
-
-<file path=customXml/itemProps34.xml><?xml version="1.0" encoding="utf-8"?>
-<ds:datastoreItem xmlns:ds="http://schemas.openxmlformats.org/officeDocument/2006/customXml" ds:itemID="{D1D581BF-65A6-451F-B562-28FFFDB17EBE}">
-  <ds:schemaRefs>
-    <ds:schemaRef ds:uri="http://schemas.microsoft.com/VisualStudio/2011/storyboarding/control"/>
-  </ds:schemaRefs>
-</ds:datastoreItem>
-</file>
-
-<file path=customXml/itemProps340.xml><?xml version="1.0" encoding="utf-8"?>
-<ds:datastoreItem xmlns:ds="http://schemas.openxmlformats.org/officeDocument/2006/customXml" ds:itemID="{54CB632A-3446-456F-9EEC-745159796D37}">
-  <ds:schemaRefs>
-    <ds:schemaRef ds:uri="http://schemas.microsoft.com/VisualStudio/2011/storyboarding/control"/>
-  </ds:schemaRefs>
-</ds:datastoreItem>
-</file>
-
-<file path=customXml/itemProps341.xml><?xml version="1.0" encoding="utf-8"?>
-<ds:datastoreItem xmlns:ds="http://schemas.openxmlformats.org/officeDocument/2006/customXml" ds:itemID="{44BABDA1-0752-4962-8045-46DF35C3AED6}">
-  <ds:schemaRefs>
-    <ds:schemaRef ds:uri="http://schemas.microsoft.com/VisualStudio/2011/storyboarding/control"/>
-  </ds:schemaRefs>
-</ds:datastoreItem>
-</file>
-
-<file path=customXml/itemProps342.xml><?xml version="1.0" encoding="utf-8"?>
-<ds:datastoreItem xmlns:ds="http://schemas.openxmlformats.org/officeDocument/2006/customXml" ds:itemID="{2358A14E-CE70-45F4-BA53-D1B26D6A337E}">
-  <ds:schemaRefs>
-    <ds:schemaRef ds:uri="http://schemas.microsoft.com/VisualStudio/2011/storyboarding/control"/>
-  </ds:schemaRefs>
-</ds:datastoreItem>
-</file>
-
-<file path=customXml/itemProps35.xml><?xml version="1.0" encoding="utf-8"?>
-<ds:datastoreItem xmlns:ds="http://schemas.openxmlformats.org/officeDocument/2006/customXml" ds:itemID="{998411DF-88EB-4820-BD6A-310BD2399BD0}">
-  <ds:schemaRefs>
-    <ds:schemaRef ds:uri="http://schemas.microsoft.com/VisualStudio/2011/storyboarding/control"/>
-  </ds:schemaRefs>
-</ds:datastoreItem>
-</file>
-
-<file path=customXml/itemProps36.xml><?xml version="1.0" encoding="utf-8"?>
-<ds:datastoreItem xmlns:ds="http://schemas.openxmlformats.org/officeDocument/2006/customXml" ds:itemID="{B669F501-AEB5-49A8-B34E-D8CDF8FBB497}">
-  <ds:schemaRefs>
-    <ds:schemaRef ds:uri="http://schemas.microsoft.com/VisualStudio/2011/storyboarding/control"/>
-  </ds:schemaRefs>
-</ds:datastoreItem>
-</file>
-
-<file path=customXml/itemProps37.xml><?xml version="1.0" encoding="utf-8"?>
-<ds:datastoreItem xmlns:ds="http://schemas.openxmlformats.org/officeDocument/2006/customXml" ds:itemID="{E4EC0F23-1162-4221-AFA8-5BFDF651A690}">
-  <ds:schemaRefs>
-    <ds:schemaRef ds:uri="http://schemas.microsoft.com/VisualStudio/2011/storyboarding/control"/>
-  </ds:schemaRefs>
-</ds:datastoreItem>
-</file>
-
-<file path=customXml/itemProps38.xml><?xml version="1.0" encoding="utf-8"?>
-<ds:datastoreItem xmlns:ds="http://schemas.openxmlformats.org/officeDocument/2006/customXml" ds:itemID="{ABFAB328-564A-4BAB-945D-1C4E95167821}">
-  <ds:schemaRefs>
-    <ds:schemaRef ds:uri="http://schemas.microsoft.com/VisualStudio/2011/storyboarding/control"/>
-  </ds:schemaRefs>
-</ds:datastoreItem>
-</file>
-
-<file path=customXml/itemProps39.xml><?xml version="1.0" encoding="utf-8"?>
-<ds:datastoreItem xmlns:ds="http://schemas.openxmlformats.org/officeDocument/2006/customXml" ds:itemID="{D2160122-FCEB-4484-8E31-E7A61E924316}">
-  <ds:schemaRefs>
-    <ds:schemaRef ds:uri="http://schemas.microsoft.com/VisualStudio/2011/storyboarding/control"/>
-  </ds:schemaRefs>
-</ds:datastoreItem>
-</file>
-
-<file path=customXml/itemProps4.xml><?xml version="1.0" encoding="utf-8"?>
-<ds:datastoreItem xmlns:ds="http://schemas.openxmlformats.org/officeDocument/2006/customXml" ds:itemID="{1BCAB8A9-1888-4E42-91F5-BD650F529D02}">
-  <ds:schemaRefs>
-    <ds:schemaRef ds:uri="http://schemas.microsoft.com/VisualStudio/2011/storyboarding/control"/>
-  </ds:schemaRefs>
-</ds:datastoreItem>
-</file>
-
-<file path=customXml/itemProps40.xml><?xml version="1.0" encoding="utf-8"?>
-<ds:datastoreItem xmlns:ds="http://schemas.openxmlformats.org/officeDocument/2006/customXml" ds:itemID="{BCD68537-FD77-44D1-B5FC-C1B002B1B2F1}">
-  <ds:schemaRefs>
-    <ds:schemaRef ds:uri="http://schemas.microsoft.com/VisualStudio/2011/storyboarding/control"/>
-  </ds:schemaRefs>
-</ds:datastoreItem>
-</file>
-
-<file path=customXml/itemProps41.xml><?xml version="1.0" encoding="utf-8"?>
-<ds:datastoreItem xmlns:ds="http://schemas.openxmlformats.org/officeDocument/2006/customXml" ds:itemID="{4F7D9023-B84C-4690-B99E-9FE4342EA97D}">
-  <ds:schemaRefs>
-    <ds:schemaRef ds:uri="http://schemas.microsoft.com/VisualStudio/2011/storyboarding/control"/>
-  </ds:schemaRefs>
-</ds:datastoreItem>
-</file>
-
-<file path=customXml/itemProps42.xml><?xml version="1.0" encoding="utf-8"?>
-<ds:datastoreItem xmlns:ds="http://schemas.openxmlformats.org/officeDocument/2006/customXml" ds:itemID="{E24D2A77-108A-4A6C-B757-97D779AC67C4}">
-  <ds:schemaRefs>
-    <ds:schemaRef ds:uri="http://schemas.microsoft.com/VisualStudio/2011/storyboarding/control"/>
-  </ds:schemaRefs>
-</ds:datastoreItem>
-</file>
-
-<file path=customXml/itemProps43.xml><?xml version="1.0" encoding="utf-8"?>
-<ds:datastoreItem xmlns:ds="http://schemas.openxmlformats.org/officeDocument/2006/customXml" ds:itemID="{D7F890C1-A5D2-4949-B5FB-9149F52A5401}">
-  <ds:schemaRefs>
-    <ds:schemaRef ds:uri="http://schemas.microsoft.com/VisualStudio/2011/storyboarding/control"/>
-  </ds:schemaRefs>
-</ds:datastoreItem>
-</file>
-
-<file path=customXml/itemProps44.xml><?xml version="1.0" encoding="utf-8"?>
-<ds:datastoreItem xmlns:ds="http://schemas.openxmlformats.org/officeDocument/2006/customXml" ds:itemID="{4A407FA7-B6B3-44CE-805A-4777E985CE86}">
-  <ds:schemaRefs>
-    <ds:schemaRef ds:uri="http://schemas.microsoft.com/VisualStudio/2011/storyboarding/control"/>
-  </ds:schemaRefs>
-</ds:datastoreItem>
-</file>
-
-<file path=customXml/itemProps45.xml><?xml version="1.0" encoding="utf-8"?>
-<ds:datastoreItem xmlns:ds="http://schemas.openxmlformats.org/officeDocument/2006/customXml" ds:itemID="{BF8B6F30-58A9-49DC-A98D-09DDB8F2693B}">
-  <ds:schemaRefs>
-    <ds:schemaRef ds:uri="http://schemas.microsoft.com/VisualStudio/2011/storyboarding/control"/>
-  </ds:schemaRefs>
-</ds:datastoreItem>
-</file>
-
-<file path=customXml/itemProps46.xml><?xml version="1.0" encoding="utf-8"?>
-<ds:datastoreItem xmlns:ds="http://schemas.openxmlformats.org/officeDocument/2006/customXml" ds:itemID="{A770902C-91B4-4F9A-987B-C073AEA84AD1}">
-  <ds:schemaRefs>
-    <ds:schemaRef ds:uri="http://schemas.microsoft.com/VisualStudio/2011/storyboarding/control"/>
-  </ds:schemaRefs>
-</ds:datastoreItem>
-</file>
-
-<file path=customXml/itemProps47.xml><?xml version="1.0" encoding="utf-8"?>
-<ds:datastoreItem xmlns:ds="http://schemas.openxmlformats.org/officeDocument/2006/customXml" ds:itemID="{E9EE710E-B830-46E0-A3BB-509FE1DDDB22}">
-  <ds:schemaRefs>
-    <ds:schemaRef ds:uri="http://schemas.microsoft.com/VisualStudio/2011/storyboarding/control"/>
-  </ds:schemaRefs>
-</ds:datastoreItem>
-</file>
-
-<file path=customXml/itemProps48.xml><?xml version="1.0" encoding="utf-8"?>
-<ds:datastoreItem xmlns:ds="http://schemas.openxmlformats.org/officeDocument/2006/customXml" ds:itemID="{3D991671-804F-44F2-8BE3-0781A317701D}">
-  <ds:schemaRefs>
-    <ds:schemaRef ds:uri="http://schemas.microsoft.com/VisualStudio/2011/storyboarding/control"/>
-  </ds:schemaRefs>
-</ds:datastoreItem>
-</file>
-
-<file path=customXml/itemProps49.xml><?xml version="1.0" encoding="utf-8"?>
-<ds:datastoreItem xmlns:ds="http://schemas.openxmlformats.org/officeDocument/2006/customXml" ds:itemID="{D3C03370-B090-47F7-912D-2E624F6AF804}">
-  <ds:schemaRefs>
-    <ds:schemaRef ds:uri="http://schemas.microsoft.com/VisualStudio/2011/storyboarding/control"/>
-  </ds:schemaRefs>
-</ds:datastoreItem>
-</file>
-
-<file path=customXml/itemProps5.xml><?xml version="1.0" encoding="utf-8"?>
-<ds:datastoreItem xmlns:ds="http://schemas.openxmlformats.org/officeDocument/2006/customXml" ds:itemID="{BC8DA096-3D1C-41A2-9709-54039B6F5660}">
-  <ds:schemaRefs>
-    <ds:schemaRef ds:uri="http://schemas.microsoft.com/VisualStudio/2011/storyboarding/control"/>
-  </ds:schemaRefs>
-</ds:datastoreItem>
-</file>
-
-<file path=customXml/itemProps50.xml><?xml version="1.0" encoding="utf-8"?>
-<ds:datastoreItem xmlns:ds="http://schemas.openxmlformats.org/officeDocument/2006/customXml" ds:itemID="{51E7E7C7-3695-4277-9E7A-A34209D6DE42}">
-  <ds:schemaRefs>
-    <ds:schemaRef ds:uri="http://schemas.microsoft.com/VisualStudio/2011/storyboarding/control"/>
-  </ds:schemaRefs>
-</ds:datastoreItem>
-</file>
-
-<file path=customXml/itemProps51.xml><?xml version="1.0" encoding="utf-8"?>
-<ds:datastoreItem xmlns:ds="http://schemas.openxmlformats.org/officeDocument/2006/customXml" ds:itemID="{38558D45-A683-41A1-B7BC-CA4F1C21FEAB}">
-  <ds:schemaRefs>
-    <ds:schemaRef ds:uri="http://schemas.microsoft.com/VisualStudio/2011/storyboarding/control"/>
-  </ds:schemaRefs>
-</ds:datastoreItem>
-</file>
-
-<file path=customXml/itemProps52.xml><?xml version="1.0" encoding="utf-8"?>
-<ds:datastoreItem xmlns:ds="http://schemas.openxmlformats.org/officeDocument/2006/customXml" ds:itemID="{7E6575B5-210E-4C5C-962C-D0D28D81591D}">
-  <ds:schemaRefs>
-    <ds:schemaRef ds:uri="http://schemas.microsoft.com/VisualStudio/2011/storyboarding/control"/>
-  </ds:schemaRefs>
-</ds:datastoreItem>
-</file>
-
-<file path=customXml/itemProps53.xml><?xml version="1.0" encoding="utf-8"?>
-<ds:datastoreItem xmlns:ds="http://schemas.openxmlformats.org/officeDocument/2006/customXml" ds:itemID="{9D353B51-3777-4A91-BFB0-B57D83655158}">
-  <ds:schemaRefs>
-    <ds:schemaRef ds:uri="http://schemas.microsoft.com/VisualStudio/2011/storyboarding/control"/>
-  </ds:schemaRefs>
-</ds:datastoreItem>
-</file>
-
-<file path=customXml/itemProps54.xml><?xml version="1.0" encoding="utf-8"?>
-<ds:datastoreItem xmlns:ds="http://schemas.openxmlformats.org/officeDocument/2006/customXml" ds:itemID="{46A419CE-A179-4627-AB6E-C396EEC0DF43}">
-  <ds:schemaRefs>
-    <ds:schemaRef ds:uri="http://schemas.microsoft.com/VisualStudio/2011/storyboarding/control"/>
-  </ds:schemaRefs>
-</ds:datastoreItem>
-</file>
-
-<file path=customXml/itemProps55.xml><?xml version="1.0" encoding="utf-8"?>
-<ds:datastoreItem xmlns:ds="http://schemas.openxmlformats.org/officeDocument/2006/customXml" ds:itemID="{A6D095BC-789E-4CE8-AA99-696AAAA6E3A4}">
-  <ds:schemaRefs>
-    <ds:schemaRef ds:uri="http://schemas.microsoft.com/VisualStudio/2011/storyboarding/control"/>
-  </ds:schemaRefs>
-</ds:datastoreItem>
-</file>
-
-<file path=customXml/itemProps56.xml><?xml version="1.0" encoding="utf-8"?>
-<ds:datastoreItem xmlns:ds="http://schemas.openxmlformats.org/officeDocument/2006/customXml" ds:itemID="{A14526C9-B49F-481F-9EEE-8607645EF9A7}">
-  <ds:schemaRefs>
-    <ds:schemaRef ds:uri="http://schemas.microsoft.com/VisualStudio/2011/storyboarding/control"/>
-  </ds:schemaRefs>
-</ds:datastoreItem>
-</file>
-
-<file path=customXml/itemProps57.xml><?xml version="1.0" encoding="utf-8"?>
-<ds:datastoreItem xmlns:ds="http://schemas.openxmlformats.org/officeDocument/2006/customXml" ds:itemID="{F5E1943B-A70F-44C2-A322-2C282D25F81E}">
-  <ds:schemaRefs>
-    <ds:schemaRef ds:uri="http://schemas.microsoft.com/VisualStudio/2011/storyboarding/control"/>
-  </ds:schemaRefs>
-</ds:datastoreItem>
-</file>
-
-<file path=customXml/itemProps58.xml><?xml version="1.0" encoding="utf-8"?>
-<ds:datastoreItem xmlns:ds="http://schemas.openxmlformats.org/officeDocument/2006/customXml" ds:itemID="{74A4DA6D-3268-4D6D-A9D3-B98F658DD6F9}">
-  <ds:schemaRefs>
-    <ds:schemaRef ds:uri="http://schemas.microsoft.com/VisualStudio/2011/storyboarding/control"/>
-  </ds:schemaRefs>
-</ds:datastoreItem>
-</file>
-
-<file path=customXml/itemProps59.xml><?xml version="1.0" encoding="utf-8"?>
-<ds:datastoreItem xmlns:ds="http://schemas.openxmlformats.org/officeDocument/2006/customXml" ds:itemID="{004B09A5-32AD-4CCB-8361-A2EF01A5A068}">
-  <ds:schemaRefs>
-    <ds:schemaRef ds:uri="http://schemas.microsoft.com/VisualStudio/2011/storyboarding/control"/>
-  </ds:schemaRefs>
-</ds:datastoreItem>
-</file>
-
-<file path=customXml/itemProps6.xml><?xml version="1.0" encoding="utf-8"?>
-<ds:datastoreItem xmlns:ds="http://schemas.openxmlformats.org/officeDocument/2006/customXml" ds:itemID="{D19C77BF-37A4-49C8-9F43-13E14FC0A177}">
-  <ds:schemaRefs>
-    <ds:schemaRef ds:uri="http://schemas.microsoft.com/VisualStudio/2011/storyboarding/control"/>
-  </ds:schemaRefs>
-</ds:datastoreItem>
-</file>
-
-<file path=customXml/itemProps60.xml><?xml version="1.0" encoding="utf-8"?>
-<ds:datastoreItem xmlns:ds="http://schemas.openxmlformats.org/officeDocument/2006/customXml" ds:itemID="{0F678DC3-7A11-4960-98D1-2284A12D1CFC}">
-  <ds:schemaRefs>
-    <ds:schemaRef ds:uri="http://schemas.microsoft.com/VisualStudio/2011/storyboarding/control"/>
-  </ds:schemaRefs>
-</ds:datastoreItem>
-</file>
-
-<file path=customXml/itemProps61.xml><?xml version="1.0" encoding="utf-8"?>
-<ds:datastoreItem xmlns:ds="http://schemas.openxmlformats.org/officeDocument/2006/customXml" ds:itemID="{113CC0A4-04F5-4B9D-A17B-5C03BA1F3CAC}">
-  <ds:schemaRefs>
-    <ds:schemaRef ds:uri="http://schemas.microsoft.com/VisualStudio/2011/storyboarding/control"/>
-  </ds:schemaRefs>
-</ds:datastoreItem>
-</file>
-
-<file path=customXml/itemProps62.xml><?xml version="1.0" encoding="utf-8"?>
-<ds:datastoreItem xmlns:ds="http://schemas.openxmlformats.org/officeDocument/2006/customXml" ds:itemID="{314BC7E0-5CB8-41B7-80AE-6FF18C6ED044}">
-  <ds:schemaRefs>
-    <ds:schemaRef ds:uri="http://schemas.microsoft.com/VisualStudio/2011/storyboarding/control"/>
-  </ds:schemaRefs>
-</ds:datastoreItem>
-</file>
-
-<file path=customXml/itemProps63.xml><?xml version="1.0" encoding="utf-8"?>
-<ds:datastoreItem xmlns:ds="http://schemas.openxmlformats.org/officeDocument/2006/customXml" ds:itemID="{40E1E962-5637-4EB6-B93C-DA8F96A81FAF}">
-  <ds:schemaRefs>
-    <ds:schemaRef ds:uri="http://schemas.microsoft.com/VisualStudio/2011/storyboarding/control"/>
-  </ds:schemaRefs>
-</ds:datastoreItem>
-</file>
-
-<file path=customXml/itemProps64.xml><?xml version="1.0" encoding="utf-8"?>
-<ds:datastoreItem xmlns:ds="http://schemas.openxmlformats.org/officeDocument/2006/customXml" ds:itemID="{D8621473-F62D-41B5-8568-3144F1C1A6F0}">
-  <ds:schemaRefs>
-    <ds:schemaRef ds:uri="http://schemas.microsoft.com/VisualStudio/2011/storyboarding/control"/>
-  </ds:schemaRefs>
-</ds:datastoreItem>
-</file>
-
-<file path=customXml/itemProps65.xml><?xml version="1.0" encoding="utf-8"?>
-<ds:datastoreItem xmlns:ds="http://schemas.openxmlformats.org/officeDocument/2006/customXml" ds:itemID="{2BF8739F-5683-4161-86E5-5594FF1A2D59}">
-  <ds:schemaRefs>
-    <ds:schemaRef ds:uri="http://schemas.microsoft.com/VisualStudio/2011/storyboarding/control"/>
-  </ds:schemaRefs>
-</ds:datastoreItem>
-</file>
-
-<file path=customXml/itemProps66.xml><?xml version="1.0" encoding="utf-8"?>
-<ds:datastoreItem xmlns:ds="http://schemas.openxmlformats.org/officeDocument/2006/customXml" ds:itemID="{0ACD7F9E-6922-401E-AD61-6FDDCBE9BAA8}">
-  <ds:schemaRefs>
-    <ds:schemaRef ds:uri="http://schemas.microsoft.com/VisualStudio/2011/storyboarding/control"/>
-  </ds:schemaRefs>
-</ds:datastoreItem>
-</file>
-
-<file path=customXml/itemProps67.xml><?xml version="1.0" encoding="utf-8"?>
-<ds:datastoreItem xmlns:ds="http://schemas.openxmlformats.org/officeDocument/2006/customXml" ds:itemID="{71C68A77-FCC5-45AF-90E8-603F01C8B090}">
-  <ds:schemaRefs>
-    <ds:schemaRef ds:uri="http://schemas.microsoft.com/VisualStudio/2011/storyboarding/control"/>
-  </ds:schemaRefs>
-</ds:datastoreItem>
-</file>
-
-<file path=customXml/itemProps68.xml><?xml version="1.0" encoding="utf-8"?>
-<ds:datastoreItem xmlns:ds="http://schemas.openxmlformats.org/officeDocument/2006/customXml" ds:itemID="{9A604A55-C26E-414E-A305-2A7C628BDC71}">
-  <ds:schemaRefs>
-    <ds:schemaRef ds:uri="http://schemas.microsoft.com/VisualStudio/2011/storyboarding/control"/>
-  </ds:schemaRefs>
-</ds:datastoreItem>
-</file>
-
-<file path=customXml/itemProps69.xml><?xml version="1.0" encoding="utf-8"?>
-<ds:datastoreItem xmlns:ds="http://schemas.openxmlformats.org/officeDocument/2006/customXml" ds:itemID="{1AB64E8C-7821-408C-9AC1-106815BC5E62}">
-  <ds:schemaRefs>
-    <ds:schemaRef ds:uri="http://schemas.microsoft.com/VisualStudio/2011/storyboarding/control"/>
-  </ds:schemaRefs>
-</ds:datastoreItem>
-</file>
-
-<file path=customXml/itemProps7.xml><?xml version="1.0" encoding="utf-8"?>
-<ds:datastoreItem xmlns:ds="http://schemas.openxmlformats.org/officeDocument/2006/customXml" ds:itemID="{8A6D03A8-BA2D-4FAA-8DF8-B5EB0A492CEE}">
-  <ds:schemaRefs>
-    <ds:schemaRef ds:uri="http://schemas.microsoft.com/VisualStudio/2011/storyboarding/control"/>
-  </ds:schemaRefs>
-</ds:datastoreItem>
-</file>
-
-<file path=customXml/itemProps70.xml><?xml version="1.0" encoding="utf-8"?>
-<ds:datastoreItem xmlns:ds="http://schemas.openxmlformats.org/officeDocument/2006/customXml" ds:itemID="{9C7FCA13-106D-436E-8A7D-DB9808BC2A43}">
-  <ds:schemaRefs>
-    <ds:schemaRef ds:uri="http://schemas.microsoft.com/VisualStudio/2011/storyboarding/control"/>
-  </ds:schemaRefs>
-</ds:datastoreItem>
-</file>
-
-<file path=customXml/itemProps71.xml><?xml version="1.0" encoding="utf-8"?>
-<ds:datastoreItem xmlns:ds="http://schemas.openxmlformats.org/officeDocument/2006/customXml" ds:itemID="{5556FE01-90D7-4920-A96A-8D15FC962703}">
-  <ds:schemaRefs>
-    <ds:schemaRef ds:uri="http://schemas.microsoft.com/VisualStudio/2011/storyboarding/control"/>
-  </ds:schemaRefs>
-</ds:datastoreItem>
-</file>
-
-<file path=customXml/itemProps72.xml><?xml version="1.0" encoding="utf-8"?>
-<ds:datastoreItem xmlns:ds="http://schemas.openxmlformats.org/officeDocument/2006/customXml" ds:itemID="{371B535D-C55E-43ED-A8DA-6DA77E3D45BB}">
-  <ds:schemaRefs>
-    <ds:schemaRef ds:uri="http://schemas.microsoft.com/VisualStudio/2011/storyboarding/control"/>
-  </ds:schemaRefs>
-</ds:datastoreItem>
-</file>
-
-<file path=customXml/itemProps73.xml><?xml version="1.0" encoding="utf-8"?>
-<ds:datastoreItem xmlns:ds="http://schemas.openxmlformats.org/officeDocument/2006/customXml" ds:itemID="{1787789D-0EBA-4FE8-865A-15C7CED9FBEB}">
-  <ds:schemaRefs>
-    <ds:schemaRef ds:uri="http://schemas.microsoft.com/VisualStudio/2011/storyboarding/control"/>
-  </ds:schemaRefs>
-</ds:datastoreItem>
-</file>
-
-<file path=customXml/itemProps74.xml><?xml version="1.0" encoding="utf-8"?>
-<ds:datastoreItem xmlns:ds="http://schemas.openxmlformats.org/officeDocument/2006/customXml" ds:itemID="{72F00B18-A9ED-4669-AEA6-2BD6814E32F4}">
-  <ds:schemaRefs>
-    <ds:schemaRef ds:uri="http://schemas.microsoft.com/VisualStudio/2011/storyboarding/control"/>
-  </ds:schemaRefs>
-</ds:datastoreItem>
-</file>
-
-<file path=customXml/itemProps75.xml><?xml version="1.0" encoding="utf-8"?>
-<ds:datastoreItem xmlns:ds="http://schemas.openxmlformats.org/officeDocument/2006/customXml" ds:itemID="{64E59FFC-D8D8-4E52-B11B-0543A90F6B8E}">
-  <ds:schemaRefs>
-    <ds:schemaRef ds:uri="http://schemas.microsoft.com/VisualStudio/2011/storyboarding/control"/>
-  </ds:schemaRefs>
-</ds:datastoreItem>
-</file>
-
-<file path=customXml/itemProps76.xml><?xml version="1.0" encoding="utf-8"?>
-<ds:datastoreItem xmlns:ds="http://schemas.openxmlformats.org/officeDocument/2006/customXml" ds:itemID="{27CCB74F-C7FD-4A95-AE27-8D308AD0CB50}">
-  <ds:schemaRefs>
-    <ds:schemaRef ds:uri="http://schemas.microsoft.com/VisualStudio/2011/storyboarding/control"/>
-  </ds:schemaRefs>
-</ds:datastoreItem>
-</file>
-
-<file path=customXml/itemProps77.xml><?xml version="1.0" encoding="utf-8"?>
-<ds:datastoreItem xmlns:ds="http://schemas.openxmlformats.org/officeDocument/2006/customXml" ds:itemID="{116ABDC4-1EA4-4B49-A6E2-D1CE630DE6B5}">
-  <ds:schemaRefs>
-    <ds:schemaRef ds:uri="http://schemas.microsoft.com/VisualStudio/2011/storyboarding/control"/>
-  </ds:schemaRefs>
-</ds:datastoreItem>
-</file>
-
-<file path=customXml/itemProps78.xml><?xml version="1.0" encoding="utf-8"?>
-<ds:datastoreItem xmlns:ds="http://schemas.openxmlformats.org/officeDocument/2006/customXml" ds:itemID="{4CDD4899-434B-483C-9270-49C1925CF9A0}">
-  <ds:schemaRefs>
-    <ds:schemaRef ds:uri="http://schemas.microsoft.com/VisualStudio/2011/storyboarding/control"/>
-  </ds:schemaRefs>
-</ds:datastoreItem>
-</file>
-
-<file path=customXml/itemProps79.xml><?xml version="1.0" encoding="utf-8"?>
-<ds:datastoreItem xmlns:ds="http://schemas.openxmlformats.org/officeDocument/2006/customXml" ds:itemID="{F0DC79C3-207C-41FE-A3D7-31F796033D54}">
-  <ds:schemaRefs>
-    <ds:schemaRef ds:uri="http://schemas.microsoft.com/VisualStudio/2011/storyboarding/control"/>
-  </ds:schemaRefs>
-</ds:datastoreItem>
-</file>
-
-<file path=customXml/itemProps8.xml><?xml version="1.0" encoding="utf-8"?>
-<ds:datastoreItem xmlns:ds="http://schemas.openxmlformats.org/officeDocument/2006/customXml" ds:itemID="{F78ED1E2-1E0E-4603-84D9-CBE652674A25}">
-  <ds:schemaRefs>
-    <ds:schemaRef ds:uri="http://schemas.microsoft.com/VisualStudio/2011/storyboarding/control"/>
-  </ds:schemaRefs>
-</ds:datastoreItem>
-</file>
-
-<file path=customXml/itemProps80.xml><?xml version="1.0" encoding="utf-8"?>
-<ds:datastoreItem xmlns:ds="http://schemas.openxmlformats.org/officeDocument/2006/customXml" ds:itemID="{DF8F59E5-8CED-4A90-B010-FA66A3D20E9F}">
-  <ds:schemaRefs>
-    <ds:schemaRef ds:uri="http://schemas.microsoft.com/VisualStudio/2011/storyboarding/control"/>
-  </ds:schemaRefs>
-</ds:datastoreItem>
-</file>
-
-<file path=customXml/itemProps81.xml><?xml version="1.0" encoding="utf-8"?>
-<ds:datastoreItem xmlns:ds="http://schemas.openxmlformats.org/officeDocument/2006/customXml" ds:itemID="{98A360E1-A752-4262-A971-02659881E9AE}">
-  <ds:schemaRefs>
-    <ds:schemaRef ds:uri="http://schemas.microsoft.com/VisualStudio/2011/storyboarding/control"/>
-  </ds:schemaRefs>
-</ds:datastoreItem>
-</file>
-
-<file path=customXml/itemProps82.xml><?xml version="1.0" encoding="utf-8"?>
-<ds:datastoreItem xmlns:ds="http://schemas.openxmlformats.org/officeDocument/2006/customXml" ds:itemID="{58BC6EAA-551E-4842-9AB3-73B9C1D8581B}">
-  <ds:schemaRefs>
-    <ds:schemaRef ds:uri="http://schemas.microsoft.com/VisualStudio/2011/storyboarding/control"/>
-  </ds:schemaRefs>
-</ds:datastoreItem>
-</file>
-
-<file path=customXml/itemProps83.xml><?xml version="1.0" encoding="utf-8"?>
-<ds:datastoreItem xmlns:ds="http://schemas.openxmlformats.org/officeDocument/2006/customXml" ds:itemID="{B69176FB-B87F-4E1E-9375-8D60FAF0057D}">
-  <ds:schemaRefs>
-    <ds:schemaRef ds:uri="http://schemas.microsoft.com/VisualStudio/2011/storyboarding/control"/>
-  </ds:schemaRefs>
-</ds:datastoreItem>
-</file>
-
-<file path=customXml/itemProps84.xml><?xml version="1.0" encoding="utf-8"?>
-<ds:datastoreItem xmlns:ds="http://schemas.openxmlformats.org/officeDocument/2006/customXml" ds:itemID="{E07107BE-9891-4224-9D87-6B285D2EA6D2}">
-  <ds:schemaRefs>
-    <ds:schemaRef ds:uri="http://schemas.microsoft.com/VisualStudio/2011/storyboarding/control"/>
-  </ds:schemaRefs>
-</ds:datastoreItem>
-</file>
-
-<file path=customXml/itemProps85.xml><?xml version="1.0" encoding="utf-8"?>
-<ds:datastoreItem xmlns:ds="http://schemas.openxmlformats.org/officeDocument/2006/customXml" ds:itemID="{EB1E2185-3135-4C1F-B05B-420D2F106679}">
-  <ds:schemaRefs>
-    <ds:schemaRef ds:uri="http://schemas.microsoft.com/VisualStudio/2011/storyboarding/control"/>
-  </ds:schemaRefs>
-</ds:datastoreItem>
-</file>
-
-<file path=customXml/itemProps86.xml><?xml version="1.0" encoding="utf-8"?>
-<ds:datastoreItem xmlns:ds="http://schemas.openxmlformats.org/officeDocument/2006/customXml" ds:itemID="{E0D4D259-B672-4B08-B2B0-A0D8ACD5B803}">
-  <ds:schemaRefs>
-    <ds:schemaRef ds:uri="http://schemas.microsoft.com/VisualStudio/2011/storyboarding/control"/>
-  </ds:schemaRefs>
-</ds:datastoreItem>
-</file>
-
-<file path=customXml/itemProps87.xml><?xml version="1.0" encoding="utf-8"?>
-<ds:datastoreItem xmlns:ds="http://schemas.openxmlformats.org/officeDocument/2006/customXml" ds:itemID="{1F0604E9-97A2-431A-86E6-C9F311593E08}">
-  <ds:schemaRefs>
-    <ds:schemaRef ds:uri="http://schemas.microsoft.com/VisualStudio/2011/storyboarding/control"/>
-  </ds:schemaRefs>
-</ds:datastoreItem>
-</file>
-
-<file path=customXml/itemProps88.xml><?xml version="1.0" encoding="utf-8"?>
-<ds:datastoreItem xmlns:ds="http://schemas.openxmlformats.org/officeDocument/2006/customXml" ds:itemID="{CE13D033-955A-413A-BF77-A5D3B95ACDBC}">
-  <ds:schemaRefs>
-    <ds:schemaRef ds:uri="http://schemas.microsoft.com/VisualStudio/2011/storyboarding/control"/>
-  </ds:schemaRefs>
-</ds:datastoreItem>
-</file>
-
-<file path=customXml/itemProps89.xml><?xml version="1.0" encoding="utf-8"?>
-<ds:datastoreItem xmlns:ds="http://schemas.openxmlformats.org/officeDocument/2006/customXml" ds:itemID="{FB0EC920-4B28-4D34-9084-542FA6ABA82C}">
-  <ds:schemaRefs>
-    <ds:schemaRef ds:uri="http://schemas.microsoft.com/VisualStudio/2011/storyboarding/control"/>
-  </ds:schemaRefs>
-</ds:datastoreItem>
-</file>
-
-<file path=customXml/itemProps9.xml><?xml version="1.0" encoding="utf-8"?>
-<ds:datastoreItem xmlns:ds="http://schemas.openxmlformats.org/officeDocument/2006/customXml" ds:itemID="{6DD2B541-6C60-4151-B23B-67CDB2C810F8}">
-  <ds:schemaRefs>
-    <ds:schemaRef ds:uri="http://schemas.microsoft.com/VisualStudio/2011/storyboarding/control"/>
-  </ds:schemaRefs>
-</ds:datastoreItem>
-</file>
-
-<file path=customXml/itemProps90.xml><?xml version="1.0" encoding="utf-8"?>
-<ds:datastoreItem xmlns:ds="http://schemas.openxmlformats.org/officeDocument/2006/customXml" ds:itemID="{81E54383-98AB-4CF8-862A-56119B52D70D}">
-  <ds:schemaRefs>
-    <ds:schemaRef ds:uri="http://schemas.microsoft.com/VisualStudio/2011/storyboarding/control"/>
-  </ds:schemaRefs>
-</ds:datastoreItem>
-</file>
-
-<file path=customXml/itemProps91.xml><?xml version="1.0" encoding="utf-8"?>
-<ds:datastoreItem xmlns:ds="http://schemas.openxmlformats.org/officeDocument/2006/customXml" ds:itemID="{3A9E3F93-02A4-4356-BBC6-A7BD971C5367}">
-  <ds:schemaRefs>
-    <ds:schemaRef ds:uri="http://schemas.microsoft.com/VisualStudio/2011/storyboarding/control"/>
-  </ds:schemaRefs>
-</ds:datastoreItem>
-</file>
-
-<file path=customXml/itemProps92.xml><?xml version="1.0" encoding="utf-8"?>
-<ds:datastoreItem xmlns:ds="http://schemas.openxmlformats.org/officeDocument/2006/customXml" ds:itemID="{052D3153-F81F-47D0-946E-5920405FFC24}">
-  <ds:schemaRefs>
-    <ds:schemaRef ds:uri="http://schemas.microsoft.com/VisualStudio/2011/storyboarding/control"/>
-  </ds:schemaRefs>
-</ds:datastoreItem>
-</file>
-
-<file path=customXml/itemProps93.xml><?xml version="1.0" encoding="utf-8"?>
-<ds:datastoreItem xmlns:ds="http://schemas.openxmlformats.org/officeDocument/2006/customXml" ds:itemID="{919EABC3-E2C5-43C3-AF76-EB64A9434D0D}">
-  <ds:schemaRefs>
-    <ds:schemaRef ds:uri="http://schemas.microsoft.com/VisualStudio/2011/storyboarding/control"/>
-  </ds:schemaRefs>
-</ds:datastoreItem>
-</file>
-
-<file path=customXml/itemProps94.xml><?xml version="1.0" encoding="utf-8"?>
-<ds:datastoreItem xmlns:ds="http://schemas.openxmlformats.org/officeDocument/2006/customXml" ds:itemID="{3460344E-D266-403C-A85A-FBB6CE579F2C}">
-  <ds:schemaRefs>
-    <ds:schemaRef ds:uri="http://schemas.microsoft.com/VisualStudio/2011/storyboarding/control"/>
-  </ds:schemaRefs>
-</ds:datastoreItem>
-</file>
-
-<file path=customXml/itemProps95.xml><?xml version="1.0" encoding="utf-8"?>
-<ds:datastoreItem xmlns:ds="http://schemas.openxmlformats.org/officeDocument/2006/customXml" ds:itemID="{892CF6B9-7AB2-4DCF-86FB-B50BB8D91DDB}">
-  <ds:schemaRefs>
-    <ds:schemaRef ds:uri="http://schemas.microsoft.com/VisualStudio/2011/storyboarding/control"/>
-  </ds:schemaRefs>
-</ds:datastoreItem>
-</file>
-
-<file path=customXml/itemProps96.xml><?xml version="1.0" encoding="utf-8"?>
-<ds:datastoreItem xmlns:ds="http://schemas.openxmlformats.org/officeDocument/2006/customXml" ds:itemID="{AF5BA9E5-B499-492D-89E2-65244D675588}">
-  <ds:schemaRefs>
-    <ds:schemaRef ds:uri="http://schemas.microsoft.com/VisualStudio/2011/storyboarding/control"/>
-  </ds:schemaRefs>
-</ds:datastoreItem>
-</file>
-
-<file path=customXml/itemProps97.xml><?xml version="1.0" encoding="utf-8"?>
-<ds:datastoreItem xmlns:ds="http://schemas.openxmlformats.org/officeDocument/2006/customXml" ds:itemID="{2BAAA2D6-7765-4C4F-BDEB-43D40C441E62}">
-  <ds:schemaRefs>
-    <ds:schemaRef ds:uri="http://schemas.microsoft.com/VisualStudio/2011/storyboarding/control"/>
-  </ds:schemaRefs>
-</ds:datastoreItem>
-</file>
-
-<file path=customXml/itemProps98.xml><?xml version="1.0" encoding="utf-8"?>
-<ds:datastoreItem xmlns:ds="http://schemas.openxmlformats.org/officeDocument/2006/customXml" ds:itemID="{EFCD18D0-CBA1-4995-A8C6-F5F3C57B32F1}">
-  <ds:schemaRefs>
-    <ds:schemaRef ds:uri="http://schemas.microsoft.com/VisualStudio/2011/storyboarding/control"/>
-  </ds:schemaRefs>
-</ds:datastoreItem>
-</file>
-
-<file path=customXml/itemProps99.xml><?xml version="1.0" encoding="utf-8"?>
-<ds:datastoreItem xmlns:ds="http://schemas.openxmlformats.org/officeDocument/2006/customXml" ds:itemID="{25AF0639-730B-498C-912D-832D3A861073}">
-  <ds:schemaRefs>
-    <ds:schemaRef ds:uri="http://schemas.microsoft.com/VisualStudio/2011/storyboarding/control"/>
-  </ds:schemaRefs>
-</ds:datastoreItem>
 </file>